--- a/docs/OtherSourceMaterial/Diagrams.pptx
+++ b/docs/OtherSourceMaterial/Diagrams.pptx
@@ -5,7 +5,7 @@
     <p:sldMasterId id="2147483648" r:id="rId1"/>
   </p:sldMasterIdLst>
   <p:notesMasterIdLst>
-    <p:notesMasterId r:id="rId7"/>
+    <p:notesMasterId r:id="rId11"/>
   </p:notesMasterIdLst>
   <p:sldIdLst>
     <p:sldId id="386" r:id="rId2"/>
@@ -13,6 +13,10 @@
     <p:sldId id="383" r:id="rId4"/>
     <p:sldId id="389" r:id="rId5"/>
     <p:sldId id="384" r:id="rId6"/>
+    <p:sldId id="390" r:id="rId7"/>
+    <p:sldId id="393" r:id="rId8"/>
+    <p:sldId id="391" r:id="rId9"/>
+    <p:sldId id="392" r:id="rId10"/>
   </p:sldIdLst>
   <p:sldSz cx="12192000" cy="6858000"/>
   <p:notesSz cx="6858000" cy="9144000"/>
@@ -201,7 +205,7 @@
           <a:p>
             <a:fld id="{48055B63-EFAE-2A43-85FA-5DAC8F9BAC3F}" type="datetimeFigureOut">
               <a:rPr lang="en-US" smtClean="0"/>
-              <a:t>10/19/17</a:t>
+              <a:t>10/23/17</a:t>
             </a:fld>
             <a:endParaRPr lang="en-US"/>
           </a:p>
@@ -600,7 +604,7 @@
           <a:p>
             <a:fld id="{6C7BE63D-DD88-A54A-A88E-C97EE36BADC0}" type="datetime1">
               <a:rPr lang="en-GB" smtClean="0"/>
-              <a:t>19/10/2017</a:t>
+              <a:t>23/10/2017</a:t>
             </a:fld>
             <a:endParaRPr lang="en-US"/>
           </a:p>
@@ -780,7 +784,7 @@
           <a:p>
             <a:fld id="{CFAE1D81-3507-1D4B-B2E6-E436B7EC74F0}" type="datetime1">
               <a:rPr lang="en-GB" smtClean="0"/>
-              <a:t>19/10/2017</a:t>
+              <a:t>23/10/2017</a:t>
             </a:fld>
             <a:endParaRPr lang="en-US"/>
           </a:p>
@@ -960,7 +964,7 @@
           <a:p>
             <a:fld id="{37AF6443-B0B9-F647-87A5-9330C0B11D11}" type="datetime1">
               <a:rPr lang="en-GB" smtClean="0"/>
-              <a:t>19/10/2017</a:t>
+              <a:t>23/10/2017</a:t>
             </a:fld>
             <a:endParaRPr lang="en-US"/>
           </a:p>
@@ -1136,7 +1140,7 @@
           <a:p>
             <a:fld id="{728B045C-8A79-5A4A-BFBC-9E1C1DE9261A}" type="datetime1">
               <a:rPr lang="en-GB" smtClean="0"/>
-              <a:t>19/10/2017</a:t>
+              <a:t>23/10/2017</a:t>
             </a:fld>
             <a:endParaRPr lang="en-US"/>
           </a:p>
@@ -1392,7 +1396,7 @@
           <a:p>
             <a:fld id="{B885F966-2610-1243-AD0D-F969BA7258EC}" type="datetime1">
               <a:rPr lang="en-GB" smtClean="0"/>
-              <a:t>19/10/2017</a:t>
+              <a:t>23/10/2017</a:t>
             </a:fld>
             <a:endParaRPr lang="en-US"/>
           </a:p>
@@ -1624,7 +1628,7 @@
           <a:p>
             <a:fld id="{DDF18408-AC91-4B48-B784-F25A5DE3799B}" type="datetime1">
               <a:rPr lang="en-GB" smtClean="0"/>
-              <a:t>19/10/2017</a:t>
+              <a:t>23/10/2017</a:t>
             </a:fld>
             <a:endParaRPr lang="en-US"/>
           </a:p>
@@ -1991,7 +1995,7 @@
           <a:p>
             <a:fld id="{51058417-D083-E348-841D-52330D70C7E0}" type="datetime1">
               <a:rPr lang="en-GB" smtClean="0"/>
-              <a:t>19/10/2017</a:t>
+              <a:t>23/10/2017</a:t>
             </a:fld>
             <a:endParaRPr lang="en-US"/>
           </a:p>
@@ -2109,7 +2113,7 @@
           <a:p>
             <a:fld id="{679548A0-A8B8-1042-8CE3-3A35FFB758C7}" type="datetime1">
               <a:rPr lang="en-GB" smtClean="0"/>
-              <a:t>19/10/2017</a:t>
+              <a:t>23/10/2017</a:t>
             </a:fld>
             <a:endParaRPr lang="en-US"/>
           </a:p>
@@ -2204,7 +2208,7 @@
           <a:p>
             <a:fld id="{6B3AB6E1-5BF7-484A-8C83-83906C82FC4B}" type="datetime1">
               <a:rPr lang="en-GB" smtClean="0"/>
-              <a:t>19/10/2017</a:t>
+              <a:t>23/10/2017</a:t>
             </a:fld>
             <a:endParaRPr lang="en-US"/>
           </a:p>
@@ -2481,7 +2485,7 @@
           <a:p>
             <a:fld id="{0B1CFD86-D165-4643-8BC0-9FFEA3E2E848}" type="datetime1">
               <a:rPr lang="en-GB" smtClean="0"/>
-              <a:t>19/10/2017</a:t>
+              <a:t>23/10/2017</a:t>
             </a:fld>
             <a:endParaRPr lang="en-US"/>
           </a:p>
@@ -2734,7 +2738,7 @@
           <a:p>
             <a:fld id="{B5049785-C023-2A44-AA2B-186909FC4B13}" type="datetime1">
               <a:rPr lang="en-GB" smtClean="0"/>
-              <a:t>19/10/2017</a:t>
+              <a:t>23/10/2017</a:t>
             </a:fld>
             <a:endParaRPr lang="en-US"/>
           </a:p>
@@ -2947,7 +2951,7 @@
           <a:p>
             <a:fld id="{624E8C89-FE04-EF43-8A26-75C78A3AEBE8}" type="datetime1">
               <a:rPr lang="en-GB" smtClean="0"/>
-              <a:t>19/10/2017</a:t>
+              <a:t>23/10/2017</a:t>
             </a:fld>
             <a:endParaRPr lang="en-US"/>
           </a:p>
@@ -5022,6 +5026,8896 @@
   <p:clrMapOvr>
     <a:masterClrMapping/>
   </p:clrMapOvr>
+  <p:timing>
+    <p:tnLst>
+      <p:par>
+        <p:cTn id="1" dur="indefinite" restart="never" nodeType="tmRoot"/>
+      </p:par>
+    </p:tnLst>
+  </p:timing>
+</p:sld>
+</file>
+
+<file path=ppt/slides/slide6.xml><?xml version="1.0" encoding="utf-8"?>
+<p:sld xmlns:a="http://schemas.openxmlformats.org/drawingml/2006/main" xmlns:r="http://schemas.openxmlformats.org/officeDocument/2006/relationships" xmlns:p="http://schemas.openxmlformats.org/presentationml/2006/main">
+  <p:cSld>
+    <p:spTree>
+      <p:nvGrpSpPr>
+        <p:cNvPr id="1" name=""/>
+        <p:cNvGrpSpPr/>
+        <p:nvPr/>
+      </p:nvGrpSpPr>
+      <p:grpSpPr>
+        <a:xfrm>
+          <a:off x="0" y="0"/>
+          <a:ext cx="0" cy="0"/>
+          <a:chOff x="0" y="0"/>
+          <a:chExt cx="0" cy="0"/>
+        </a:xfrm>
+      </p:grpSpPr>
+      <p:sp>
+        <p:nvSpPr>
+          <p:cNvPr id="2" name="Title 1"/>
+          <p:cNvSpPr>
+            <a:spLocks noGrp="1"/>
+          </p:cNvSpPr>
+          <p:nvPr>
+            <p:ph type="title"/>
+          </p:nvPr>
+        </p:nvSpPr>
+        <p:spPr/>
+        <p:txBody>
+          <a:bodyPr/>
+          <a:lstStyle/>
+          <a:p>
+            <a:r>
+              <a:rPr lang="en-US" dirty="0" smtClean="0"/>
+              <a:t>Diagram </a:t>
+            </a:r>
+            <a:r>
+              <a:rPr lang="en-US" dirty="0" smtClean="0"/>
+              <a:t>2</a:t>
+            </a:r>
+            <a:endParaRPr lang="en-US" dirty="0"/>
+          </a:p>
+        </p:txBody>
+      </p:sp>
+      <p:sp>
+        <p:nvSpPr>
+          <p:cNvPr id="4" name="Slide Number Placeholder 3"/>
+          <p:cNvSpPr>
+            <a:spLocks noGrp="1"/>
+          </p:cNvSpPr>
+          <p:nvPr>
+            <p:ph type="sldNum" sz="quarter" idx="12"/>
+          </p:nvPr>
+        </p:nvSpPr>
+        <p:spPr>
+          <a:xfrm>
+            <a:off x="276261" y="6356348"/>
+            <a:ext cx="2743200" cy="365125"/>
+          </a:xfrm>
+        </p:spPr>
+        <p:txBody>
+          <a:bodyPr/>
+          <a:lstStyle/>
+          <a:p>
+            <a:fld id="{2AF5F8E0-9CB9-8D41-B80C-6B76C9B710FC}" type="slidenum">
+              <a:rPr lang="en-US" smtClean="0"/>
+              <a:pPr/>
+              <a:t>6</a:t>
+            </a:fld>
+            <a:endParaRPr lang="en-US"/>
+          </a:p>
+        </p:txBody>
+      </p:sp>
+      <p:sp>
+        <p:nvSpPr>
+          <p:cNvPr id="5" name="Rounded Rectangle 4"/>
+          <p:cNvSpPr/>
+          <p:nvPr/>
+        </p:nvSpPr>
+        <p:spPr>
+          <a:xfrm>
+            <a:off x="736925" y="1690688"/>
+            <a:ext cx="6274520" cy="4109570"/>
+          </a:xfrm>
+          <a:prstGeom prst="roundRect">
+            <a:avLst/>
+          </a:prstGeom>
+          <a:solidFill>
+            <a:srgbClr val="DBE4F3"/>
+          </a:solidFill>
+        </p:spPr>
+        <p:style>
+          <a:lnRef idx="2">
+            <a:schemeClr val="accent1">
+              <a:shade val="50000"/>
+            </a:schemeClr>
+          </a:lnRef>
+          <a:fillRef idx="1">
+            <a:schemeClr val="accent1"/>
+          </a:fillRef>
+          <a:effectRef idx="0">
+            <a:schemeClr val="accent1"/>
+          </a:effectRef>
+          <a:fontRef idx="minor">
+            <a:schemeClr val="lt1"/>
+          </a:fontRef>
+        </p:style>
+        <p:txBody>
+          <a:bodyPr rtlCol="0" anchor="ctr"/>
+          <a:lstStyle/>
+          <a:p>
+            <a:pPr algn="ctr"/>
+            <a:endParaRPr lang="en-US" dirty="0"/>
+          </a:p>
+        </p:txBody>
+      </p:sp>
+      <p:sp>
+        <p:nvSpPr>
+          <p:cNvPr id="8" name="Rounded Rectangle 7"/>
+          <p:cNvSpPr/>
+          <p:nvPr/>
+        </p:nvSpPr>
+        <p:spPr>
+          <a:xfrm>
+            <a:off x="5743499" y="2881519"/>
+            <a:ext cx="559591" cy="554570"/>
+          </a:xfrm>
+          <a:prstGeom prst="roundRect">
+            <a:avLst/>
+          </a:prstGeom>
+          <a:solidFill>
+            <a:schemeClr val="accent1"/>
+          </a:solidFill>
+          <a:ln w="28575" cap="flat" cmpd="sng" algn="ctr">
+            <a:solidFill>
+              <a:schemeClr val="tx2"/>
+            </a:solidFill>
+            <a:prstDash val="solid"/>
+          </a:ln>
+          <a:effectLst>
+            <a:outerShdw blurRad="40000" dist="23000" dir="5400000" rotWithShape="0">
+              <a:srgbClr val="000000">
+                <a:alpha val="35000"/>
+              </a:srgbClr>
+            </a:outerShdw>
+          </a:effectLst>
+        </p:spPr>
+        <p:txBody>
+          <a:bodyPr tIns="36000" bIns="36000" rtlCol="0" anchor="ctr"/>
+          <a:lstStyle/>
+          <a:p>
+            <a:pPr marL="0" marR="0" lvl="0" indent="0" algn="ctr" defTabSz="457200" eaLnBrk="1" fontAlgn="auto" latinLnBrk="0" hangingPunct="1">
+              <a:lnSpc>
+                <a:spcPct val="100000"/>
+              </a:lnSpc>
+              <a:spcBef>
+                <a:spcPts val="0"/>
+              </a:spcBef>
+              <a:spcAft>
+                <a:spcPts val="0"/>
+              </a:spcAft>
+              <a:buClrTx/>
+              <a:buSzTx/>
+              <a:buFontTx/>
+              <a:buNone/>
+              <a:tabLst/>
+              <a:defRPr/>
+            </a:pPr>
+            <a:r>
+              <a:rPr lang="en-US" sz="2400" b="1" kern="0" noProof="0" dirty="0" smtClean="0">
+                <a:solidFill>
+                  <a:schemeClr val="bg1"/>
+                </a:solidFill>
+                <a:ea typeface=""/>
+                <a:cs typeface=""/>
+              </a:rPr>
+              <a:t>P</a:t>
+            </a:r>
+            <a:endParaRPr kumimoji="0" lang="en-US" sz="2400" b="1" i="0" u="none" strike="noStrike" kern="0" cap="none" spc="0" normalizeH="0" baseline="0" noProof="0" dirty="0" smtClean="0">
+              <a:ln>
+                <a:noFill/>
+              </a:ln>
+              <a:solidFill>
+                <a:schemeClr val="bg1"/>
+              </a:solidFill>
+              <a:effectLst/>
+              <a:uLnTx/>
+              <a:uFillTx/>
+              <a:ea typeface=""/>
+              <a:cs typeface=""/>
+            </a:endParaRPr>
+          </a:p>
+        </p:txBody>
+      </p:sp>
+      <p:sp>
+        <p:nvSpPr>
+          <p:cNvPr id="9" name="Rounded Rectangle 8"/>
+          <p:cNvSpPr/>
+          <p:nvPr/>
+        </p:nvSpPr>
+        <p:spPr>
+          <a:xfrm>
+            <a:off x="4878497" y="3741164"/>
+            <a:ext cx="571412" cy="563758"/>
+          </a:xfrm>
+          <a:prstGeom prst="roundRect">
+            <a:avLst/>
+          </a:prstGeom>
+          <a:solidFill>
+            <a:srgbClr val="00B050"/>
+          </a:solidFill>
+          <a:ln w="25400">
+            <a:solidFill>
+              <a:srgbClr val="0070C0"/>
+            </a:solidFill>
+          </a:ln>
+        </p:spPr>
+        <p:style>
+          <a:lnRef idx="2">
+            <a:schemeClr val="accent1">
+              <a:shade val="50000"/>
+            </a:schemeClr>
+          </a:lnRef>
+          <a:fillRef idx="1">
+            <a:schemeClr val="accent1"/>
+          </a:fillRef>
+          <a:effectRef idx="0">
+            <a:schemeClr val="accent1"/>
+          </a:effectRef>
+          <a:fontRef idx="minor">
+            <a:schemeClr val="lt1"/>
+          </a:fontRef>
+        </p:style>
+        <p:txBody>
+          <a:bodyPr rtlCol="0" anchor="ctr"/>
+          <a:lstStyle/>
+          <a:p>
+            <a:pPr algn="ctr"/>
+            <a:r>
+              <a:rPr lang="en-US" sz="2400" b="1" dirty="0">
+                <a:solidFill>
+                  <a:srgbClr val="4372C4"/>
+                </a:solidFill>
+              </a:rPr>
+              <a:t>O</a:t>
+            </a:r>
+          </a:p>
+        </p:txBody>
+      </p:sp>
+      <p:cxnSp>
+        <p:nvCxnSpPr>
+          <p:cNvPr id="23" name="Straight Connector 22"/>
+          <p:cNvCxnSpPr/>
+          <p:nvPr/>
+        </p:nvCxnSpPr>
+        <p:spPr>
+          <a:xfrm>
+            <a:off x="5262556" y="4404554"/>
+            <a:ext cx="0" cy="688932"/>
+          </a:xfrm>
+          <a:prstGeom prst="line">
+            <a:avLst/>
+          </a:prstGeom>
+          <a:solidFill>
+            <a:srgbClr val="4372C4"/>
+          </a:solidFill>
+          <a:ln w="38100" cap="flat" cmpd="sng" algn="ctr">
+            <a:solidFill>
+              <a:srgbClr val="FF0000"/>
+            </a:solidFill>
+            <a:prstDash val="solid"/>
+            <a:tailEnd type="none"/>
+          </a:ln>
+          <a:effectLst>
+            <a:outerShdw blurRad="40000" dist="20000" dir="5400000" rotWithShape="0">
+              <a:srgbClr val="000000">
+                <a:alpha val="38000"/>
+              </a:srgbClr>
+            </a:outerShdw>
+          </a:effectLst>
+        </p:spPr>
+      </p:cxnSp>
+      <p:sp>
+        <p:nvSpPr>
+          <p:cNvPr id="21" name="TextBox 20"/>
+          <p:cNvSpPr txBox="1"/>
+          <p:nvPr/>
+        </p:nvSpPr>
+        <p:spPr>
+          <a:xfrm>
+            <a:off x="6191375" y="4673609"/>
+            <a:ext cx="348172" cy="461665"/>
+          </a:xfrm>
+          <a:prstGeom prst="rect">
+            <a:avLst/>
+          </a:prstGeom>
+          <a:noFill/>
+        </p:spPr>
+        <p:txBody>
+          <a:bodyPr wrap="none" rtlCol="0">
+            <a:spAutoFit/>
+          </a:bodyPr>
+          <a:lstStyle/>
+          <a:p>
+            <a:r>
+              <a:rPr lang="en-US" sz="2400" b="1" dirty="0" smtClean="0">
+                <a:solidFill>
+                  <a:srgbClr val="FF0000"/>
+                </a:solidFill>
+              </a:rPr>
+              <a:t>C</a:t>
+            </a:r>
+            <a:endParaRPr lang="en-US" sz="2400" b="1" dirty="0">
+              <a:solidFill>
+                <a:srgbClr val="FF0000"/>
+              </a:solidFill>
+            </a:endParaRPr>
+          </a:p>
+        </p:txBody>
+      </p:sp>
+      <p:cxnSp>
+        <p:nvCxnSpPr>
+          <p:cNvPr id="18" name="Straight Connector 17"/>
+          <p:cNvCxnSpPr/>
+          <p:nvPr/>
+        </p:nvCxnSpPr>
+        <p:spPr>
+          <a:xfrm flipH="1">
+            <a:off x="6028254" y="3510799"/>
+            <a:ext cx="1" cy="1600714"/>
+          </a:xfrm>
+          <a:prstGeom prst="line">
+            <a:avLst/>
+          </a:prstGeom>
+          <a:solidFill>
+            <a:srgbClr val="4372C4"/>
+          </a:solidFill>
+          <a:ln w="38100" cap="flat" cmpd="sng" algn="ctr">
+            <a:solidFill>
+              <a:srgbClr val="FF0000"/>
+            </a:solidFill>
+            <a:prstDash val="solid"/>
+            <a:tailEnd type="none"/>
+          </a:ln>
+          <a:effectLst>
+            <a:outerShdw blurRad="40000" dist="20000" dir="5400000" rotWithShape="0">
+              <a:srgbClr val="000000">
+                <a:alpha val="38000"/>
+              </a:srgbClr>
+            </a:outerShdw>
+          </a:effectLst>
+        </p:spPr>
+      </p:cxnSp>
+      <p:sp>
+        <p:nvSpPr>
+          <p:cNvPr id="19" name="Oval 18"/>
+          <p:cNvSpPr/>
+          <p:nvPr/>
+        </p:nvSpPr>
+        <p:spPr>
+          <a:xfrm flipV="1">
+            <a:off x="5947254" y="3348798"/>
+            <a:ext cx="162001" cy="162001"/>
+          </a:xfrm>
+          <a:prstGeom prst="ellipse">
+            <a:avLst/>
+          </a:prstGeom>
+          <a:solidFill>
+            <a:srgbClr val="FF0000"/>
+          </a:solidFill>
+          <a:ln w="25400" cmpd="sng">
+            <a:solidFill>
+              <a:schemeClr val="tx2"/>
+            </a:solidFill>
+          </a:ln>
+          <a:effectLst>
+            <a:outerShdw blurRad="50800" dist="38100" dir="2700000" algn="tl" rotWithShape="0">
+              <a:prstClr val="black">
+                <a:alpha val="40000"/>
+              </a:prstClr>
+            </a:outerShdw>
+          </a:effectLst>
+        </p:spPr>
+        <p:style>
+          <a:lnRef idx="1">
+            <a:schemeClr val="accent1"/>
+          </a:lnRef>
+          <a:fillRef idx="3">
+            <a:schemeClr val="accent1"/>
+          </a:fillRef>
+          <a:effectRef idx="2">
+            <a:schemeClr val="accent1"/>
+          </a:effectRef>
+          <a:fontRef idx="minor">
+            <a:schemeClr val="lt1"/>
+          </a:fontRef>
+        </p:style>
+        <p:txBody>
+          <a:bodyPr rtlCol="0" anchor="ctr"/>
+          <a:lstStyle/>
+          <a:p>
+            <a:pPr algn="ctr"/>
+            <a:endParaRPr lang="en-GB" sz="1000">
+              <a:solidFill>
+                <a:srgbClr val="000000"/>
+              </a:solidFill>
+            </a:endParaRPr>
+          </a:p>
+        </p:txBody>
+      </p:sp>
+      <p:sp>
+        <p:nvSpPr>
+          <p:cNvPr id="6" name="Document 5"/>
+          <p:cNvSpPr/>
+          <p:nvPr/>
+        </p:nvSpPr>
+        <p:spPr>
+          <a:xfrm>
+            <a:off x="5318889" y="2829847"/>
+            <a:ext cx="547666" cy="433746"/>
+          </a:xfrm>
+          <a:prstGeom prst="flowChartDocument">
+            <a:avLst/>
+          </a:prstGeom>
+          <a:solidFill>
+            <a:srgbClr val="FF0000"/>
+          </a:solidFill>
+          <a:ln w="19050">
+            <a:solidFill>
+              <a:srgbClr val="0070C0"/>
+            </a:solidFill>
+          </a:ln>
+        </p:spPr>
+        <p:style>
+          <a:lnRef idx="2">
+            <a:schemeClr val="accent1">
+              <a:shade val="50000"/>
+            </a:schemeClr>
+          </a:lnRef>
+          <a:fillRef idx="1">
+            <a:schemeClr val="accent1"/>
+          </a:fillRef>
+          <a:effectRef idx="0">
+            <a:schemeClr val="accent1"/>
+          </a:effectRef>
+          <a:fontRef idx="minor">
+            <a:schemeClr val="lt1"/>
+          </a:fontRef>
+        </p:style>
+        <p:txBody>
+          <a:bodyPr rtlCol="0" anchor="ctr"/>
+          <a:lstStyle/>
+          <a:p>
+            <a:pPr algn="ctr"/>
+            <a:r>
+              <a:rPr lang="en-US" sz="2400" b="1" dirty="0" smtClean="0">
+                <a:solidFill>
+                  <a:schemeClr val="bg1"/>
+                </a:solidFill>
+              </a:rPr>
+              <a:t>L</a:t>
+            </a:r>
+            <a:endParaRPr lang="en-US" sz="2400" b="1" dirty="0">
+              <a:solidFill>
+                <a:schemeClr val="bg1"/>
+              </a:solidFill>
+            </a:endParaRPr>
+          </a:p>
+        </p:txBody>
+      </p:sp>
+      <p:sp>
+        <p:nvSpPr>
+          <p:cNvPr id="7" name="Rounded Rectangle 6"/>
+          <p:cNvSpPr/>
+          <p:nvPr/>
+        </p:nvSpPr>
+        <p:spPr>
+          <a:xfrm>
+            <a:off x="5624065" y="2374131"/>
+            <a:ext cx="595004" cy="549201"/>
+          </a:xfrm>
+          <a:prstGeom prst="roundRect">
+            <a:avLst/>
+          </a:prstGeom>
+          <a:solidFill>
+            <a:srgbClr val="FFC000"/>
+          </a:solidFill>
+          <a:ln w="28575" cmpd="sng">
+            <a:solidFill>
+              <a:srgbClr val="0070C0"/>
+            </a:solidFill>
+          </a:ln>
+          <a:effectLst/>
+        </p:spPr>
+        <p:style>
+          <a:lnRef idx="1">
+            <a:schemeClr val="accent1"/>
+          </a:lnRef>
+          <a:fillRef idx="3">
+            <a:schemeClr val="accent1"/>
+          </a:fillRef>
+          <a:effectRef idx="2">
+            <a:schemeClr val="accent1"/>
+          </a:effectRef>
+          <a:fontRef idx="minor">
+            <a:schemeClr val="lt1"/>
+          </a:fontRef>
+        </p:style>
+        <p:txBody>
+          <a:bodyPr rtlCol="0" anchor="ctr"/>
+          <a:lstStyle/>
+          <a:p>
+            <a:pPr algn="ctr"/>
+            <a:r>
+              <a:rPr lang="en-US" sz="2400" b="1" smtClean="0">
+                <a:solidFill>
+                  <a:srgbClr val="4372C4"/>
+                </a:solidFill>
+                <a:ea typeface="Arial" charset="0"/>
+                <a:cs typeface="Arial" charset="0"/>
+              </a:rPr>
+              <a:t>S</a:t>
+            </a:r>
+            <a:endParaRPr lang="en-US" sz="2400" b="1" dirty="0">
+              <a:solidFill>
+                <a:srgbClr val="4372C4"/>
+              </a:solidFill>
+              <a:ea typeface="Arial" charset="0"/>
+              <a:cs typeface="Arial" charset="0"/>
+            </a:endParaRPr>
+          </a:p>
+        </p:txBody>
+      </p:sp>
+      <p:sp>
+        <p:nvSpPr>
+          <p:cNvPr id="27" name="Rounded Rectangle 26"/>
+          <p:cNvSpPr/>
+          <p:nvPr/>
+        </p:nvSpPr>
+        <p:spPr>
+          <a:xfrm>
+            <a:off x="3203868" y="2882367"/>
+            <a:ext cx="559591" cy="554570"/>
+          </a:xfrm>
+          <a:prstGeom prst="roundRect">
+            <a:avLst/>
+          </a:prstGeom>
+          <a:solidFill>
+            <a:srgbClr val="4372C4"/>
+          </a:solidFill>
+          <a:ln w="28575" cap="flat" cmpd="sng" algn="ctr">
+            <a:solidFill>
+              <a:schemeClr val="tx2"/>
+            </a:solidFill>
+            <a:prstDash val="solid"/>
+          </a:ln>
+          <a:effectLst>
+            <a:outerShdw blurRad="40000" dist="23000" dir="5400000" rotWithShape="0">
+              <a:srgbClr val="000000">
+                <a:alpha val="35000"/>
+              </a:srgbClr>
+            </a:outerShdw>
+          </a:effectLst>
+        </p:spPr>
+        <p:txBody>
+          <a:bodyPr tIns="36000" bIns="36000" rtlCol="0" anchor="ctr"/>
+          <a:lstStyle/>
+          <a:p>
+            <a:pPr marL="0" marR="0" lvl="0" indent="0" algn="ctr" defTabSz="457200" eaLnBrk="1" fontAlgn="auto" latinLnBrk="0" hangingPunct="1">
+              <a:lnSpc>
+                <a:spcPct val="100000"/>
+              </a:lnSpc>
+              <a:spcBef>
+                <a:spcPts val="0"/>
+              </a:spcBef>
+              <a:spcAft>
+                <a:spcPts val="0"/>
+              </a:spcAft>
+              <a:buClrTx/>
+              <a:buSzTx/>
+              <a:buFontTx/>
+              <a:buNone/>
+              <a:tabLst/>
+              <a:defRPr/>
+            </a:pPr>
+            <a:r>
+              <a:rPr lang="en-US" sz="2400" b="1" kern="0" noProof="0" dirty="0" smtClean="0">
+                <a:solidFill>
+                  <a:schemeClr val="bg1"/>
+                </a:solidFill>
+                <a:ea typeface=""/>
+                <a:cs typeface=""/>
+              </a:rPr>
+              <a:t>P</a:t>
+            </a:r>
+            <a:endParaRPr kumimoji="0" lang="en-US" sz="2400" b="1" i="0" u="none" strike="noStrike" kern="0" cap="none" spc="0" normalizeH="0" baseline="0" noProof="0" dirty="0" smtClean="0">
+              <a:ln>
+                <a:noFill/>
+              </a:ln>
+              <a:solidFill>
+                <a:schemeClr val="bg1"/>
+              </a:solidFill>
+              <a:effectLst/>
+              <a:uLnTx/>
+              <a:uFillTx/>
+              <a:ea typeface=""/>
+              <a:cs typeface=""/>
+            </a:endParaRPr>
+          </a:p>
+        </p:txBody>
+      </p:sp>
+      <p:sp>
+        <p:nvSpPr>
+          <p:cNvPr id="28" name="Document 27"/>
+          <p:cNvSpPr/>
+          <p:nvPr/>
+        </p:nvSpPr>
+        <p:spPr>
+          <a:xfrm>
+            <a:off x="2779258" y="2830695"/>
+            <a:ext cx="547666" cy="433746"/>
+          </a:xfrm>
+          <a:prstGeom prst="flowChartDocument">
+            <a:avLst/>
+          </a:prstGeom>
+          <a:solidFill>
+            <a:srgbClr val="FF0000"/>
+          </a:solidFill>
+          <a:ln w="19050">
+            <a:solidFill>
+              <a:srgbClr val="0070C0"/>
+            </a:solidFill>
+          </a:ln>
+        </p:spPr>
+        <p:style>
+          <a:lnRef idx="2">
+            <a:schemeClr val="accent1">
+              <a:shade val="50000"/>
+            </a:schemeClr>
+          </a:lnRef>
+          <a:fillRef idx="1">
+            <a:schemeClr val="accent1"/>
+          </a:fillRef>
+          <a:effectRef idx="0">
+            <a:schemeClr val="accent1"/>
+          </a:effectRef>
+          <a:fontRef idx="minor">
+            <a:schemeClr val="lt1"/>
+          </a:fontRef>
+        </p:style>
+        <p:txBody>
+          <a:bodyPr rtlCol="0" anchor="ctr"/>
+          <a:lstStyle/>
+          <a:p>
+            <a:pPr algn="ctr"/>
+            <a:r>
+              <a:rPr lang="en-US" sz="2400" b="1" dirty="0" smtClean="0">
+                <a:solidFill>
+                  <a:schemeClr val="bg1"/>
+                </a:solidFill>
+              </a:rPr>
+              <a:t>L</a:t>
+            </a:r>
+            <a:endParaRPr lang="en-US" sz="2400" b="1" dirty="0">
+              <a:solidFill>
+                <a:schemeClr val="bg1"/>
+              </a:solidFill>
+            </a:endParaRPr>
+          </a:p>
+        </p:txBody>
+      </p:sp>
+      <p:sp>
+        <p:nvSpPr>
+          <p:cNvPr id="29" name="Rounded Rectangle 28"/>
+          <p:cNvSpPr/>
+          <p:nvPr/>
+        </p:nvSpPr>
+        <p:spPr>
+          <a:xfrm>
+            <a:off x="3084434" y="2374979"/>
+            <a:ext cx="595004" cy="549201"/>
+          </a:xfrm>
+          <a:prstGeom prst="roundRect">
+            <a:avLst/>
+          </a:prstGeom>
+          <a:solidFill>
+            <a:srgbClr val="FFC000"/>
+          </a:solidFill>
+          <a:ln w="28575" cmpd="sng">
+            <a:solidFill>
+              <a:srgbClr val="0070C0"/>
+            </a:solidFill>
+          </a:ln>
+          <a:effectLst/>
+        </p:spPr>
+        <p:style>
+          <a:lnRef idx="1">
+            <a:schemeClr val="accent1"/>
+          </a:lnRef>
+          <a:fillRef idx="3">
+            <a:schemeClr val="accent1"/>
+          </a:fillRef>
+          <a:effectRef idx="2">
+            <a:schemeClr val="accent1"/>
+          </a:effectRef>
+          <a:fontRef idx="minor">
+            <a:schemeClr val="lt1"/>
+          </a:fontRef>
+        </p:style>
+        <p:txBody>
+          <a:bodyPr rtlCol="0" anchor="ctr"/>
+          <a:lstStyle/>
+          <a:p>
+            <a:pPr algn="ctr"/>
+            <a:r>
+              <a:rPr lang="en-US" sz="2400" b="1" smtClean="0">
+                <a:solidFill>
+                  <a:srgbClr val="4372C4"/>
+                </a:solidFill>
+                <a:ea typeface="Arial" charset="0"/>
+                <a:cs typeface="Arial" charset="0"/>
+              </a:rPr>
+              <a:t>S</a:t>
+            </a:r>
+            <a:endParaRPr lang="en-US" sz="2400" b="1" dirty="0">
+              <a:solidFill>
+                <a:srgbClr val="4372C4"/>
+              </a:solidFill>
+              <a:ea typeface="Arial" charset="0"/>
+              <a:cs typeface="Arial" charset="0"/>
+            </a:endParaRPr>
+          </a:p>
+        </p:txBody>
+      </p:sp>
+      <p:cxnSp>
+        <p:nvCxnSpPr>
+          <p:cNvPr id="39" name="Straight Connector 38"/>
+          <p:cNvCxnSpPr>
+            <a:stCxn id="38" idx="0"/>
+          </p:cNvCxnSpPr>
+          <p:nvPr/>
+        </p:nvCxnSpPr>
+        <p:spPr>
+          <a:xfrm>
+            <a:off x="5068309" y="4404554"/>
+            <a:ext cx="0" cy="185450"/>
+          </a:xfrm>
+          <a:prstGeom prst="line">
+            <a:avLst/>
+          </a:prstGeom>
+          <a:solidFill>
+            <a:schemeClr val="accent1"/>
+          </a:solidFill>
+          <a:ln w="38100" cap="flat" cmpd="sng" algn="ctr">
+            <a:solidFill>
+              <a:schemeClr val="accent1"/>
+            </a:solidFill>
+            <a:prstDash val="solid"/>
+            <a:tailEnd type="none"/>
+          </a:ln>
+          <a:effectLst>
+            <a:outerShdw blurRad="40000" dist="20000" dir="5400000" rotWithShape="0">
+              <a:srgbClr val="000000">
+                <a:alpha val="38000"/>
+              </a:srgbClr>
+            </a:outerShdw>
+          </a:effectLst>
+        </p:spPr>
+      </p:cxnSp>
+      <p:sp>
+        <p:nvSpPr>
+          <p:cNvPr id="37" name="TextBox 36"/>
+          <p:cNvSpPr txBox="1"/>
+          <p:nvPr/>
+        </p:nvSpPr>
+        <p:spPr>
+          <a:xfrm>
+            <a:off x="861598" y="4158961"/>
+            <a:ext cx="348172" cy="461665"/>
+          </a:xfrm>
+          <a:prstGeom prst="rect">
+            <a:avLst/>
+          </a:prstGeom>
+          <a:noFill/>
+          <a:ln>
+            <a:noFill/>
+          </a:ln>
+        </p:spPr>
+        <p:txBody>
+          <a:bodyPr wrap="none" rtlCol="0">
+            <a:spAutoFit/>
+          </a:bodyPr>
+          <a:lstStyle/>
+          <a:p>
+            <a:r>
+              <a:rPr lang="en-US" sz="2400" b="1" dirty="0" smtClean="0">
+                <a:solidFill>
+                  <a:schemeClr val="accent1"/>
+                </a:solidFill>
+              </a:rPr>
+              <a:t>C</a:t>
+            </a:r>
+            <a:endParaRPr lang="en-US" sz="2400" b="1" dirty="0">
+              <a:solidFill>
+                <a:schemeClr val="accent1"/>
+              </a:solidFill>
+            </a:endParaRPr>
+          </a:p>
+        </p:txBody>
+      </p:sp>
+      <p:cxnSp>
+        <p:nvCxnSpPr>
+          <p:cNvPr id="34" name="Straight Connector 33"/>
+          <p:cNvCxnSpPr>
+            <a:stCxn id="35" idx="0"/>
+          </p:cNvCxnSpPr>
+          <p:nvPr/>
+        </p:nvCxnSpPr>
+        <p:spPr>
+          <a:xfrm>
+            <a:off x="3380302" y="3518567"/>
+            <a:ext cx="0" cy="1081164"/>
+          </a:xfrm>
+          <a:prstGeom prst="line">
+            <a:avLst/>
+          </a:prstGeom>
+          <a:solidFill>
+            <a:schemeClr val="accent1"/>
+          </a:solidFill>
+          <a:ln w="38100" cap="flat" cmpd="sng" algn="ctr">
+            <a:solidFill>
+              <a:schemeClr val="accent1"/>
+            </a:solidFill>
+            <a:prstDash val="solid"/>
+            <a:tailEnd type="none"/>
+          </a:ln>
+          <a:effectLst>
+            <a:outerShdw blurRad="40000" dist="20000" dir="5400000" rotWithShape="0">
+              <a:srgbClr val="000000">
+                <a:alpha val="38000"/>
+              </a:srgbClr>
+            </a:outerShdw>
+          </a:effectLst>
+        </p:spPr>
+      </p:cxnSp>
+      <p:sp>
+        <p:nvSpPr>
+          <p:cNvPr id="35" name="Oval 34"/>
+          <p:cNvSpPr/>
+          <p:nvPr/>
+        </p:nvSpPr>
+        <p:spPr>
+          <a:xfrm flipV="1">
+            <a:off x="3299301" y="3356566"/>
+            <a:ext cx="162001" cy="162001"/>
+          </a:xfrm>
+          <a:prstGeom prst="ellipse">
+            <a:avLst/>
+          </a:prstGeom>
+          <a:solidFill>
+            <a:schemeClr val="accent1"/>
+          </a:solidFill>
+          <a:ln w="25400" cmpd="sng">
+            <a:solidFill>
+              <a:schemeClr val="tx2"/>
+            </a:solidFill>
+          </a:ln>
+          <a:effectLst>
+            <a:outerShdw blurRad="50800" dist="38100" dir="2700000" algn="tl" rotWithShape="0">
+              <a:prstClr val="black">
+                <a:alpha val="40000"/>
+              </a:prstClr>
+            </a:outerShdw>
+          </a:effectLst>
+        </p:spPr>
+        <p:style>
+          <a:lnRef idx="1">
+            <a:schemeClr val="accent1"/>
+          </a:lnRef>
+          <a:fillRef idx="3">
+            <a:schemeClr val="accent1"/>
+          </a:fillRef>
+          <a:effectRef idx="2">
+            <a:schemeClr val="accent1"/>
+          </a:effectRef>
+          <a:fontRef idx="minor">
+            <a:schemeClr val="lt1"/>
+          </a:fontRef>
+        </p:style>
+        <p:txBody>
+          <a:bodyPr rtlCol="0" anchor="ctr"/>
+          <a:lstStyle/>
+          <a:p>
+            <a:pPr algn="ctr"/>
+            <a:endParaRPr lang="en-GB" sz="1000">
+              <a:solidFill>
+                <a:srgbClr val="000000"/>
+              </a:solidFill>
+            </a:endParaRPr>
+          </a:p>
+        </p:txBody>
+      </p:sp>
+      <p:sp>
+        <p:nvSpPr>
+          <p:cNvPr id="47" name="Rounded Rectangle 46"/>
+          <p:cNvSpPr/>
+          <p:nvPr/>
+        </p:nvSpPr>
+        <p:spPr>
+          <a:xfrm>
+            <a:off x="1699093" y="2882367"/>
+            <a:ext cx="559591" cy="554570"/>
+          </a:xfrm>
+          <a:prstGeom prst="roundRect">
+            <a:avLst/>
+          </a:prstGeom>
+          <a:solidFill>
+            <a:srgbClr val="4372C4"/>
+          </a:solidFill>
+          <a:ln w="28575" cap="flat" cmpd="sng" algn="ctr">
+            <a:solidFill>
+              <a:schemeClr val="tx2"/>
+            </a:solidFill>
+            <a:prstDash val="solid"/>
+          </a:ln>
+          <a:effectLst>
+            <a:outerShdw blurRad="40000" dist="23000" dir="5400000" rotWithShape="0">
+              <a:srgbClr val="000000">
+                <a:alpha val="35000"/>
+              </a:srgbClr>
+            </a:outerShdw>
+          </a:effectLst>
+        </p:spPr>
+        <p:txBody>
+          <a:bodyPr tIns="36000" bIns="36000" rtlCol="0" anchor="ctr"/>
+          <a:lstStyle/>
+          <a:p>
+            <a:pPr marL="0" marR="0" lvl="0" indent="0" algn="ctr" defTabSz="457200" eaLnBrk="1" fontAlgn="auto" latinLnBrk="0" hangingPunct="1">
+              <a:lnSpc>
+                <a:spcPct val="100000"/>
+              </a:lnSpc>
+              <a:spcBef>
+                <a:spcPts val="0"/>
+              </a:spcBef>
+              <a:spcAft>
+                <a:spcPts val="0"/>
+              </a:spcAft>
+              <a:buClrTx/>
+              <a:buSzTx/>
+              <a:buFontTx/>
+              <a:buNone/>
+              <a:tabLst/>
+              <a:defRPr/>
+            </a:pPr>
+            <a:r>
+              <a:rPr lang="en-US" sz="2400" b="1" kern="0" noProof="0" dirty="0" smtClean="0">
+                <a:solidFill>
+                  <a:schemeClr val="bg1"/>
+                </a:solidFill>
+                <a:ea typeface=""/>
+                <a:cs typeface=""/>
+              </a:rPr>
+              <a:t>P</a:t>
+            </a:r>
+            <a:endParaRPr kumimoji="0" lang="en-US" sz="2400" b="1" i="0" u="none" strike="noStrike" kern="0" cap="none" spc="0" normalizeH="0" baseline="0" noProof="0" dirty="0" smtClean="0">
+              <a:ln>
+                <a:noFill/>
+              </a:ln>
+              <a:solidFill>
+                <a:schemeClr val="bg1"/>
+              </a:solidFill>
+              <a:effectLst/>
+              <a:uLnTx/>
+              <a:uFillTx/>
+              <a:ea typeface=""/>
+              <a:cs typeface=""/>
+            </a:endParaRPr>
+          </a:p>
+        </p:txBody>
+      </p:sp>
+      <p:cxnSp>
+        <p:nvCxnSpPr>
+          <p:cNvPr id="48" name="Straight Connector 47"/>
+          <p:cNvCxnSpPr>
+            <a:stCxn id="49" idx="0"/>
+          </p:cNvCxnSpPr>
+          <p:nvPr/>
+        </p:nvCxnSpPr>
+        <p:spPr>
+          <a:xfrm>
+            <a:off x="1993951" y="3525065"/>
+            <a:ext cx="0" cy="1081164"/>
+          </a:xfrm>
+          <a:prstGeom prst="line">
+            <a:avLst/>
+          </a:prstGeom>
+          <a:solidFill>
+            <a:schemeClr val="accent1"/>
+          </a:solidFill>
+          <a:ln w="38100" cap="flat" cmpd="sng" algn="ctr">
+            <a:solidFill>
+              <a:schemeClr val="accent1"/>
+            </a:solidFill>
+            <a:prstDash val="solid"/>
+            <a:tailEnd type="none"/>
+          </a:ln>
+          <a:effectLst>
+            <a:outerShdw blurRad="40000" dist="20000" dir="5400000" rotWithShape="0">
+              <a:srgbClr val="000000">
+                <a:alpha val="38000"/>
+              </a:srgbClr>
+            </a:outerShdw>
+          </a:effectLst>
+        </p:spPr>
+      </p:cxnSp>
+      <p:sp>
+        <p:nvSpPr>
+          <p:cNvPr id="49" name="Oval 48"/>
+          <p:cNvSpPr/>
+          <p:nvPr/>
+        </p:nvSpPr>
+        <p:spPr>
+          <a:xfrm flipV="1">
+            <a:off x="1912950" y="3363064"/>
+            <a:ext cx="162001" cy="162001"/>
+          </a:xfrm>
+          <a:prstGeom prst="ellipse">
+            <a:avLst/>
+          </a:prstGeom>
+          <a:solidFill>
+            <a:schemeClr val="accent1"/>
+          </a:solidFill>
+          <a:ln w="25400" cmpd="sng">
+            <a:solidFill>
+              <a:schemeClr val="tx2"/>
+            </a:solidFill>
+          </a:ln>
+          <a:effectLst>
+            <a:outerShdw blurRad="50800" dist="38100" dir="2700000" algn="tl" rotWithShape="0">
+              <a:prstClr val="black">
+                <a:alpha val="40000"/>
+              </a:prstClr>
+            </a:outerShdw>
+          </a:effectLst>
+        </p:spPr>
+        <p:style>
+          <a:lnRef idx="1">
+            <a:schemeClr val="accent1"/>
+          </a:lnRef>
+          <a:fillRef idx="3">
+            <a:schemeClr val="accent1"/>
+          </a:fillRef>
+          <a:effectRef idx="2">
+            <a:schemeClr val="accent1"/>
+          </a:effectRef>
+          <a:fontRef idx="minor">
+            <a:schemeClr val="lt1"/>
+          </a:fontRef>
+        </p:style>
+        <p:txBody>
+          <a:bodyPr rtlCol="0" anchor="ctr"/>
+          <a:lstStyle/>
+          <a:p>
+            <a:pPr algn="ctr"/>
+            <a:endParaRPr lang="en-GB" sz="1000">
+              <a:solidFill>
+                <a:srgbClr val="000000"/>
+              </a:solidFill>
+            </a:endParaRPr>
+          </a:p>
+        </p:txBody>
+      </p:sp>
+      <p:cxnSp>
+        <p:nvCxnSpPr>
+          <p:cNvPr id="51" name="Straight Connector 50"/>
+          <p:cNvCxnSpPr/>
+          <p:nvPr/>
+        </p:nvCxnSpPr>
+        <p:spPr>
+          <a:xfrm flipH="1">
+            <a:off x="3609598" y="3510799"/>
+            <a:ext cx="1" cy="1600714"/>
+          </a:xfrm>
+          <a:prstGeom prst="line">
+            <a:avLst/>
+          </a:prstGeom>
+          <a:solidFill>
+            <a:srgbClr val="4372C4"/>
+          </a:solidFill>
+          <a:ln w="38100" cap="flat" cmpd="sng" algn="ctr">
+            <a:solidFill>
+              <a:srgbClr val="FF0000"/>
+            </a:solidFill>
+            <a:prstDash val="solid"/>
+            <a:tailEnd type="none"/>
+          </a:ln>
+          <a:effectLst>
+            <a:outerShdw blurRad="40000" dist="20000" dir="5400000" rotWithShape="0">
+              <a:srgbClr val="000000">
+                <a:alpha val="38000"/>
+              </a:srgbClr>
+            </a:outerShdw>
+          </a:effectLst>
+        </p:spPr>
+      </p:cxnSp>
+      <p:sp>
+        <p:nvSpPr>
+          <p:cNvPr id="52" name="Oval 51"/>
+          <p:cNvSpPr/>
+          <p:nvPr/>
+        </p:nvSpPr>
+        <p:spPr>
+          <a:xfrm flipV="1">
+            <a:off x="3528598" y="3348798"/>
+            <a:ext cx="162001" cy="162001"/>
+          </a:xfrm>
+          <a:prstGeom prst="ellipse">
+            <a:avLst/>
+          </a:prstGeom>
+          <a:solidFill>
+            <a:srgbClr val="FF0000"/>
+          </a:solidFill>
+          <a:ln w="25400" cmpd="sng">
+            <a:solidFill>
+              <a:schemeClr val="tx2"/>
+            </a:solidFill>
+          </a:ln>
+          <a:effectLst>
+            <a:outerShdw blurRad="50800" dist="38100" dir="2700000" algn="tl" rotWithShape="0">
+              <a:prstClr val="black">
+                <a:alpha val="40000"/>
+              </a:prstClr>
+            </a:outerShdw>
+          </a:effectLst>
+        </p:spPr>
+        <p:style>
+          <a:lnRef idx="1">
+            <a:schemeClr val="accent1"/>
+          </a:lnRef>
+          <a:fillRef idx="3">
+            <a:schemeClr val="accent1"/>
+          </a:fillRef>
+          <a:effectRef idx="2">
+            <a:schemeClr val="accent1"/>
+          </a:effectRef>
+          <a:fontRef idx="minor">
+            <a:schemeClr val="lt1"/>
+          </a:fontRef>
+        </p:style>
+        <p:txBody>
+          <a:bodyPr rtlCol="0" anchor="ctr"/>
+          <a:lstStyle/>
+          <a:p>
+            <a:pPr algn="ctr"/>
+            <a:endParaRPr lang="en-GB" sz="1000">
+              <a:solidFill>
+                <a:srgbClr val="000000"/>
+              </a:solidFill>
+            </a:endParaRPr>
+          </a:p>
+        </p:txBody>
+      </p:sp>
+      <p:sp>
+        <p:nvSpPr>
+          <p:cNvPr id="53" name="TextBox 52"/>
+          <p:cNvSpPr txBox="1"/>
+          <p:nvPr/>
+        </p:nvSpPr>
+        <p:spPr>
+          <a:xfrm>
+            <a:off x="946208" y="1869394"/>
+            <a:ext cx="527124" cy="461665"/>
+          </a:xfrm>
+          <a:prstGeom prst="rect">
+            <a:avLst/>
+          </a:prstGeom>
+          <a:noFill/>
+        </p:spPr>
+        <p:txBody>
+          <a:bodyPr wrap="square" rtlCol="0">
+            <a:spAutoFit/>
+          </a:bodyPr>
+          <a:lstStyle/>
+          <a:p>
+            <a:r>
+              <a:rPr lang="en-US" sz="2400" b="1" smtClean="0"/>
+              <a:t>N</a:t>
+            </a:r>
+            <a:endParaRPr lang="en-US" sz="2400" b="1"/>
+          </a:p>
+        </p:txBody>
+      </p:sp>
+      <p:graphicFrame>
+        <p:nvGraphicFramePr>
+          <p:cNvPr id="54" name="Table 53"/>
+          <p:cNvGraphicFramePr>
+            <a:graphicFrameLocks noGrp="1"/>
+          </p:cNvGraphicFramePr>
+          <p:nvPr>
+            <p:extLst>
+              <p:ext uri="{D42A27DB-BD31-4B8C-83A1-F6EECF244321}">
+                <p14:modId xmlns:p14="http://schemas.microsoft.com/office/powerpoint/2010/main" val="165150380"/>
+              </p:ext>
+            </p:extLst>
+          </p:nvPr>
+        </p:nvGraphicFramePr>
+        <p:xfrm>
+          <a:off x="7203881" y="2667030"/>
+          <a:ext cx="4565272" cy="2156886"/>
+        </p:xfrm>
+        <a:graphic>
+          <a:graphicData uri="http://schemas.openxmlformats.org/drawingml/2006/table">
+            <a:tbl>
+              <a:tblPr firstRow="1" bandRow="1">
+                <a:tableStyleId>{2D5ABB26-0587-4C30-8999-92F81FD0307C}</a:tableStyleId>
+              </a:tblPr>
+              <a:tblGrid>
+                <a:gridCol w="648469"/>
+                <a:gridCol w="1666672"/>
+                <a:gridCol w="602948"/>
+                <a:gridCol w="1647183"/>
+              </a:tblGrid>
+              <a:tr h="718962">
+                <a:tc>
+                  <a:txBody>
+                    <a:bodyPr/>
+                    <a:lstStyle/>
+                    <a:p>
+                      <a:pPr marL="0" marR="0" lvl="0" indent="0" algn="l" defTabSz="914400" rtl="0" eaLnBrk="1" fontAlgn="auto" latinLnBrk="0" hangingPunct="1">
+                        <a:lnSpc>
+                          <a:spcPct val="100000"/>
+                        </a:lnSpc>
+                        <a:spcBef>
+                          <a:spcPts val="0"/>
+                        </a:spcBef>
+                        <a:spcAft>
+                          <a:spcPts val="0"/>
+                        </a:spcAft>
+                        <a:buClrTx/>
+                        <a:buSzTx/>
+                        <a:buFontTx/>
+                        <a:buNone/>
+                        <a:tabLst/>
+                        <a:defRPr/>
+                      </a:pPr>
+                      <a:endParaRPr lang="en-US" sz="1400" dirty="0" smtClean="0"/>
+                    </a:p>
+                  </a:txBody>
+                  <a:tcPr anchor="ctr">
+                    <a:lnL w="12700" cap="flat" cmpd="sng" algn="ctr">
+                      <a:solidFill>
+                        <a:schemeClr val="tx1"/>
+                      </a:solidFill>
+                      <a:prstDash val="solid"/>
+                      <a:round/>
+                      <a:headEnd type="none" w="med" len="med"/>
+                      <a:tailEnd type="none" w="med" len="med"/>
+                    </a:lnL>
+                    <a:lnR w="12700" cap="flat" cmpd="sng" algn="ctr">
+                      <a:solidFill>
+                        <a:schemeClr val="tx1"/>
+                      </a:solidFill>
+                      <a:prstDash val="solid"/>
+                      <a:round/>
+                      <a:headEnd type="none" w="med" len="med"/>
+                      <a:tailEnd type="none" w="med" len="med"/>
+                    </a:lnR>
+                    <a:lnT w="12700" cap="flat" cmpd="sng" algn="ctr">
+                      <a:solidFill>
+                        <a:schemeClr val="tx1"/>
+                      </a:solidFill>
+                      <a:prstDash val="solid"/>
+                      <a:round/>
+                      <a:headEnd type="none" w="med" len="med"/>
+                      <a:tailEnd type="none" w="med" len="med"/>
+                    </a:lnT>
+                    <a:lnB w="12700" cap="flat" cmpd="sng" algn="ctr">
+                      <a:solidFill>
+                        <a:schemeClr val="tx1"/>
+                      </a:solidFill>
+                      <a:prstDash val="solid"/>
+                      <a:round/>
+                      <a:headEnd type="none" w="med" len="med"/>
+                      <a:tailEnd type="none" w="med" len="med"/>
+                    </a:lnB>
+                    <a:lnTlToBr w="12700" cmpd="sng">
+                      <a:noFill/>
+                      <a:prstDash val="solid"/>
+                    </a:lnTlToBr>
+                    <a:lnBlToTr w="12700" cmpd="sng">
+                      <a:noFill/>
+                      <a:prstDash val="solid"/>
+                    </a:lnBlToTr>
+                  </a:tcPr>
+                </a:tc>
+                <a:tc>
+                  <a:txBody>
+                    <a:bodyPr/>
+                    <a:lstStyle/>
+                    <a:p>
+                      <a:pPr lvl="0"/>
+                      <a:r>
+                        <a:rPr lang="en-US" sz="1400" dirty="0" smtClean="0"/>
+                        <a:t>Blockchain</a:t>
+                      </a:r>
+                      <a:r>
+                        <a:rPr lang="en-US" sz="1400" baseline="0" dirty="0" smtClean="0"/>
+                        <a:t> Network</a:t>
+                      </a:r>
+                      <a:endParaRPr lang="en-US" sz="1400" dirty="0"/>
+                    </a:p>
+                  </a:txBody>
+                  <a:tcPr anchor="ctr">
+                    <a:lnL w="12700" cap="flat" cmpd="sng" algn="ctr">
+                      <a:solidFill>
+                        <a:schemeClr val="tx1"/>
+                      </a:solidFill>
+                      <a:prstDash val="solid"/>
+                      <a:round/>
+                      <a:headEnd type="none" w="med" len="med"/>
+                      <a:tailEnd type="none" w="med" len="med"/>
+                    </a:lnL>
+                    <a:lnR w="12700" cap="flat" cmpd="sng" algn="ctr">
+                      <a:solidFill>
+                        <a:schemeClr val="tx1"/>
+                      </a:solidFill>
+                      <a:prstDash val="solid"/>
+                      <a:round/>
+                      <a:headEnd type="none" w="med" len="med"/>
+                      <a:tailEnd type="none" w="med" len="med"/>
+                    </a:lnR>
+                    <a:lnT w="12700" cap="flat" cmpd="sng" algn="ctr">
+                      <a:solidFill>
+                        <a:schemeClr val="tx1"/>
+                      </a:solidFill>
+                      <a:prstDash val="solid"/>
+                      <a:round/>
+                      <a:headEnd type="none" w="med" len="med"/>
+                      <a:tailEnd type="none" w="med" len="med"/>
+                    </a:lnT>
+                    <a:lnB w="12700" cap="flat" cmpd="sng" algn="ctr">
+                      <a:solidFill>
+                        <a:schemeClr val="tx1"/>
+                      </a:solidFill>
+                      <a:prstDash val="solid"/>
+                      <a:round/>
+                      <a:headEnd type="none" w="med" len="med"/>
+                      <a:tailEnd type="none" w="med" len="med"/>
+                    </a:lnB>
+                    <a:lnTlToBr w="12700" cmpd="sng">
+                      <a:noFill/>
+                      <a:prstDash val="solid"/>
+                    </a:lnTlToBr>
+                    <a:lnBlToTr w="12700" cmpd="sng">
+                      <a:noFill/>
+                      <a:prstDash val="solid"/>
+                    </a:lnBlToTr>
+                  </a:tcPr>
+                </a:tc>
+                <a:tc>
+                  <a:txBody>
+                    <a:bodyPr/>
+                    <a:lstStyle/>
+                    <a:p>
+                      <a:pPr marL="0" marR="0" lvl="0" indent="0" algn="l" defTabSz="914400" rtl="0" eaLnBrk="1" fontAlgn="auto" latinLnBrk="0" hangingPunct="1">
+                        <a:lnSpc>
+                          <a:spcPct val="100000"/>
+                        </a:lnSpc>
+                        <a:spcBef>
+                          <a:spcPts val="0"/>
+                        </a:spcBef>
+                        <a:spcAft>
+                          <a:spcPts val="0"/>
+                        </a:spcAft>
+                        <a:buClrTx/>
+                        <a:buSzTx/>
+                        <a:buFontTx/>
+                        <a:buNone/>
+                        <a:tabLst/>
+                        <a:defRPr/>
+                      </a:pPr>
+                      <a:endParaRPr lang="en-US" sz="1400" dirty="0" smtClean="0"/>
+                    </a:p>
+                  </a:txBody>
+                  <a:tcPr anchor="ctr">
+                    <a:lnL w="12700" cap="flat" cmpd="sng" algn="ctr">
+                      <a:solidFill>
+                        <a:schemeClr val="tx1"/>
+                      </a:solidFill>
+                      <a:prstDash val="solid"/>
+                      <a:round/>
+                      <a:headEnd type="none" w="med" len="med"/>
+                      <a:tailEnd type="none" w="med" len="med"/>
+                    </a:lnL>
+                    <a:lnR w="12700" cap="flat" cmpd="sng" algn="ctr">
+                      <a:solidFill>
+                        <a:schemeClr val="tx1"/>
+                      </a:solidFill>
+                      <a:prstDash val="solid"/>
+                      <a:round/>
+                      <a:headEnd type="none" w="med" len="med"/>
+                      <a:tailEnd type="none" w="med" len="med"/>
+                    </a:lnR>
+                    <a:lnT w="12700" cap="flat" cmpd="sng" algn="ctr">
+                      <a:solidFill>
+                        <a:schemeClr val="tx1"/>
+                      </a:solidFill>
+                      <a:prstDash val="solid"/>
+                      <a:round/>
+                      <a:headEnd type="none" w="med" len="med"/>
+                      <a:tailEnd type="none" w="med" len="med"/>
+                    </a:lnT>
+                    <a:lnB w="12700" cap="flat" cmpd="sng" algn="ctr">
+                      <a:solidFill>
+                        <a:schemeClr val="tx1"/>
+                      </a:solidFill>
+                      <a:prstDash val="solid"/>
+                      <a:round/>
+                      <a:headEnd type="none" w="med" len="med"/>
+                      <a:tailEnd type="none" w="med" len="med"/>
+                    </a:lnB>
+                    <a:lnTlToBr w="12700" cmpd="sng">
+                      <a:noFill/>
+                      <a:prstDash val="solid"/>
+                    </a:lnTlToBr>
+                    <a:lnBlToTr w="12700" cmpd="sng">
+                      <a:noFill/>
+                      <a:prstDash val="solid"/>
+                    </a:lnBlToTr>
+                  </a:tcPr>
+                </a:tc>
+                <a:tc>
+                  <a:txBody>
+                    <a:bodyPr/>
+                    <a:lstStyle/>
+                    <a:p>
+                      <a:pPr marL="0" marR="0" lvl="0" indent="0" algn="l" defTabSz="914400" rtl="0" eaLnBrk="1" fontAlgn="auto" latinLnBrk="0" hangingPunct="1">
+                        <a:lnSpc>
+                          <a:spcPct val="100000"/>
+                        </a:lnSpc>
+                        <a:spcBef>
+                          <a:spcPts val="0"/>
+                        </a:spcBef>
+                        <a:spcAft>
+                          <a:spcPts val="0"/>
+                        </a:spcAft>
+                        <a:buClrTx/>
+                        <a:buSzTx/>
+                        <a:buFontTx/>
+                        <a:buNone/>
+                        <a:tabLst/>
+                        <a:defRPr/>
+                      </a:pPr>
+                      <a:r>
+                        <a:rPr lang="en-US" sz="1400" dirty="0" smtClean="0"/>
+                        <a:t>Smart contract</a:t>
+                      </a:r>
+                    </a:p>
+                  </a:txBody>
+                  <a:tcPr anchor="ctr">
+                    <a:lnL w="12700" cap="flat" cmpd="sng" algn="ctr">
+                      <a:solidFill>
+                        <a:schemeClr val="tx1"/>
+                      </a:solidFill>
+                      <a:prstDash val="solid"/>
+                      <a:round/>
+                      <a:headEnd type="none" w="med" len="med"/>
+                      <a:tailEnd type="none" w="med" len="med"/>
+                    </a:lnL>
+                    <a:lnR w="12700" cap="flat" cmpd="sng" algn="ctr">
+                      <a:solidFill>
+                        <a:schemeClr val="tx1"/>
+                      </a:solidFill>
+                      <a:prstDash val="solid"/>
+                      <a:round/>
+                      <a:headEnd type="none" w="med" len="med"/>
+                      <a:tailEnd type="none" w="med" len="med"/>
+                    </a:lnR>
+                    <a:lnT w="12700" cap="flat" cmpd="sng" algn="ctr">
+                      <a:solidFill>
+                        <a:schemeClr val="tx1"/>
+                      </a:solidFill>
+                      <a:prstDash val="solid"/>
+                      <a:round/>
+                      <a:headEnd type="none" w="med" len="med"/>
+                      <a:tailEnd type="none" w="med" len="med"/>
+                    </a:lnT>
+                    <a:lnB w="12700" cap="flat" cmpd="sng" algn="ctr">
+                      <a:solidFill>
+                        <a:schemeClr val="tx1"/>
+                      </a:solidFill>
+                      <a:prstDash val="solid"/>
+                      <a:round/>
+                      <a:headEnd type="none" w="med" len="med"/>
+                      <a:tailEnd type="none" w="med" len="med"/>
+                    </a:lnB>
+                    <a:lnTlToBr w="12700" cmpd="sng">
+                      <a:noFill/>
+                      <a:prstDash val="solid"/>
+                    </a:lnTlToBr>
+                    <a:lnBlToTr w="12700" cmpd="sng">
+                      <a:noFill/>
+                      <a:prstDash val="solid"/>
+                    </a:lnBlToTr>
+                  </a:tcPr>
+                </a:tc>
+              </a:tr>
+              <a:tr h="718962">
+                <a:tc>
+                  <a:txBody>
+                    <a:bodyPr/>
+                    <a:lstStyle/>
+                    <a:p>
+                      <a:pPr lvl="0"/>
+                      <a:endParaRPr lang="en-US" sz="1400" dirty="0"/>
+                    </a:p>
+                  </a:txBody>
+                  <a:tcPr anchor="ctr">
+                    <a:lnL w="12700" cap="flat" cmpd="sng" algn="ctr">
+                      <a:solidFill>
+                        <a:schemeClr val="tx1"/>
+                      </a:solidFill>
+                      <a:prstDash val="solid"/>
+                      <a:round/>
+                      <a:headEnd type="none" w="med" len="med"/>
+                      <a:tailEnd type="none" w="med" len="med"/>
+                    </a:lnL>
+                    <a:lnR w="12700" cap="flat" cmpd="sng" algn="ctr">
+                      <a:solidFill>
+                        <a:schemeClr val="tx1"/>
+                      </a:solidFill>
+                      <a:prstDash val="solid"/>
+                      <a:round/>
+                      <a:headEnd type="none" w="med" len="med"/>
+                      <a:tailEnd type="none" w="med" len="med"/>
+                    </a:lnR>
+                    <a:lnT w="12700" cap="flat" cmpd="sng" algn="ctr">
+                      <a:solidFill>
+                        <a:schemeClr val="tx1"/>
+                      </a:solidFill>
+                      <a:prstDash val="solid"/>
+                      <a:round/>
+                      <a:headEnd type="none" w="med" len="med"/>
+                      <a:tailEnd type="none" w="med" len="med"/>
+                    </a:lnT>
+                    <a:lnB w="12700" cap="flat" cmpd="sng" algn="ctr">
+                      <a:solidFill>
+                        <a:schemeClr val="tx1"/>
+                      </a:solidFill>
+                      <a:prstDash val="solid"/>
+                      <a:round/>
+                      <a:headEnd type="none" w="med" len="med"/>
+                      <a:tailEnd type="none" w="med" len="med"/>
+                    </a:lnB>
+                    <a:lnTlToBr w="12700" cmpd="sng">
+                      <a:noFill/>
+                      <a:prstDash val="solid"/>
+                    </a:lnTlToBr>
+                    <a:lnBlToTr w="12700" cmpd="sng">
+                      <a:noFill/>
+                      <a:prstDash val="solid"/>
+                    </a:lnBlToTr>
+                  </a:tcPr>
+                </a:tc>
+                <a:tc>
+                  <a:txBody>
+                    <a:bodyPr/>
+                    <a:lstStyle/>
+                    <a:p>
+                      <a:pPr marL="0" marR="0" lvl="0" indent="0" algn="l" defTabSz="914400" rtl="0" eaLnBrk="1" fontAlgn="auto" latinLnBrk="0" hangingPunct="1">
+                        <a:lnSpc>
+                          <a:spcPct val="100000"/>
+                        </a:lnSpc>
+                        <a:spcBef>
+                          <a:spcPts val="0"/>
+                        </a:spcBef>
+                        <a:spcAft>
+                          <a:spcPts val="0"/>
+                        </a:spcAft>
+                        <a:buClrTx/>
+                        <a:buSzTx/>
+                        <a:buFontTx/>
+                        <a:buNone/>
+                        <a:tabLst/>
+                        <a:defRPr/>
+                      </a:pPr>
+                      <a:r>
+                        <a:rPr lang="en-US" sz="1400" dirty="0" smtClean="0"/>
+                        <a:t>Channel</a:t>
+                      </a:r>
+                    </a:p>
+                  </a:txBody>
+                  <a:tcPr anchor="ctr">
+                    <a:lnL w="12700" cap="flat" cmpd="sng" algn="ctr">
+                      <a:solidFill>
+                        <a:schemeClr val="tx1"/>
+                      </a:solidFill>
+                      <a:prstDash val="solid"/>
+                      <a:round/>
+                      <a:headEnd type="none" w="med" len="med"/>
+                      <a:tailEnd type="none" w="med" len="med"/>
+                    </a:lnL>
+                    <a:lnR w="12700" cap="flat" cmpd="sng" algn="ctr">
+                      <a:solidFill>
+                        <a:schemeClr val="tx1"/>
+                      </a:solidFill>
+                      <a:prstDash val="solid"/>
+                      <a:round/>
+                      <a:headEnd type="none" w="med" len="med"/>
+                      <a:tailEnd type="none" w="med" len="med"/>
+                    </a:lnR>
+                    <a:lnT w="12700" cap="flat" cmpd="sng" algn="ctr">
+                      <a:solidFill>
+                        <a:schemeClr val="tx1"/>
+                      </a:solidFill>
+                      <a:prstDash val="solid"/>
+                      <a:round/>
+                      <a:headEnd type="none" w="med" len="med"/>
+                      <a:tailEnd type="none" w="med" len="med"/>
+                    </a:lnT>
+                    <a:lnB w="12700" cap="flat" cmpd="sng" algn="ctr">
+                      <a:solidFill>
+                        <a:schemeClr val="tx1"/>
+                      </a:solidFill>
+                      <a:prstDash val="solid"/>
+                      <a:round/>
+                      <a:headEnd type="none" w="med" len="med"/>
+                      <a:tailEnd type="none" w="med" len="med"/>
+                    </a:lnB>
+                    <a:lnTlToBr w="12700" cmpd="sng">
+                      <a:noFill/>
+                      <a:prstDash val="solid"/>
+                    </a:lnTlToBr>
+                    <a:lnBlToTr w="12700" cmpd="sng">
+                      <a:noFill/>
+                      <a:prstDash val="solid"/>
+                    </a:lnBlToTr>
+                  </a:tcPr>
+                </a:tc>
+                <a:tc>
+                  <a:txBody>
+                    <a:bodyPr/>
+                    <a:lstStyle/>
+                    <a:p>
+                      <a:pPr marL="0" marR="0" lvl="0" indent="0" algn="l" defTabSz="914400" rtl="0" eaLnBrk="1" fontAlgn="auto" latinLnBrk="0" hangingPunct="1">
+                        <a:lnSpc>
+                          <a:spcPct val="100000"/>
+                        </a:lnSpc>
+                        <a:spcBef>
+                          <a:spcPts val="0"/>
+                        </a:spcBef>
+                        <a:spcAft>
+                          <a:spcPts val="0"/>
+                        </a:spcAft>
+                        <a:buClrTx/>
+                        <a:buSzTx/>
+                        <a:buFontTx/>
+                        <a:buNone/>
+                        <a:tabLst/>
+                        <a:defRPr/>
+                      </a:pPr>
+                      <a:endParaRPr lang="en-US" sz="1400" dirty="0" smtClean="0"/>
+                    </a:p>
+                  </a:txBody>
+                  <a:tcPr anchor="ctr">
+                    <a:lnL w="12700" cap="flat" cmpd="sng" algn="ctr">
+                      <a:solidFill>
+                        <a:schemeClr val="tx1"/>
+                      </a:solidFill>
+                      <a:prstDash val="solid"/>
+                      <a:round/>
+                      <a:headEnd type="none" w="med" len="med"/>
+                      <a:tailEnd type="none" w="med" len="med"/>
+                    </a:lnL>
+                    <a:lnR w="12700" cap="flat" cmpd="sng" algn="ctr">
+                      <a:solidFill>
+                        <a:schemeClr val="tx1"/>
+                      </a:solidFill>
+                      <a:prstDash val="solid"/>
+                      <a:round/>
+                      <a:headEnd type="none" w="med" len="med"/>
+                      <a:tailEnd type="none" w="med" len="med"/>
+                    </a:lnR>
+                    <a:lnT w="12700" cap="flat" cmpd="sng" algn="ctr">
+                      <a:solidFill>
+                        <a:schemeClr val="tx1"/>
+                      </a:solidFill>
+                      <a:prstDash val="solid"/>
+                      <a:round/>
+                      <a:headEnd type="none" w="med" len="med"/>
+                      <a:tailEnd type="none" w="med" len="med"/>
+                    </a:lnT>
+                    <a:lnB w="12700" cap="flat" cmpd="sng" algn="ctr">
+                      <a:solidFill>
+                        <a:schemeClr val="tx1"/>
+                      </a:solidFill>
+                      <a:prstDash val="solid"/>
+                      <a:round/>
+                      <a:headEnd type="none" w="med" len="med"/>
+                      <a:tailEnd type="none" w="med" len="med"/>
+                    </a:lnB>
+                    <a:lnTlToBr w="12700" cmpd="sng">
+                      <a:noFill/>
+                      <a:prstDash val="solid"/>
+                    </a:lnTlToBr>
+                    <a:lnBlToTr w="12700" cmpd="sng">
+                      <a:noFill/>
+                      <a:prstDash val="solid"/>
+                    </a:lnBlToTr>
+                  </a:tcPr>
+                </a:tc>
+                <a:tc>
+                  <a:txBody>
+                    <a:bodyPr/>
+                    <a:lstStyle/>
+                    <a:p>
+                      <a:pPr marL="0" marR="0" lvl="0" indent="0" algn="l" defTabSz="914400" rtl="0" eaLnBrk="1" fontAlgn="auto" latinLnBrk="0" hangingPunct="1">
+                        <a:lnSpc>
+                          <a:spcPct val="100000"/>
+                        </a:lnSpc>
+                        <a:spcBef>
+                          <a:spcPts val="0"/>
+                        </a:spcBef>
+                        <a:spcAft>
+                          <a:spcPts val="0"/>
+                        </a:spcAft>
+                        <a:buClrTx/>
+                        <a:buSzTx/>
+                        <a:buFontTx/>
+                        <a:buNone/>
+                        <a:tabLst/>
+                        <a:defRPr/>
+                      </a:pPr>
+                      <a:r>
+                        <a:rPr lang="en-US" sz="1400" dirty="0" err="1" smtClean="0"/>
+                        <a:t>Orderer</a:t>
+                      </a:r>
+                      <a:endParaRPr lang="en-US" sz="1400" dirty="0" smtClean="0"/>
+                    </a:p>
+                  </a:txBody>
+                  <a:tcPr anchor="ctr">
+                    <a:lnL w="12700" cap="flat" cmpd="sng" algn="ctr">
+                      <a:solidFill>
+                        <a:schemeClr val="tx1"/>
+                      </a:solidFill>
+                      <a:prstDash val="solid"/>
+                      <a:round/>
+                      <a:headEnd type="none" w="med" len="med"/>
+                      <a:tailEnd type="none" w="med" len="med"/>
+                    </a:lnL>
+                    <a:lnR w="12700" cap="flat" cmpd="sng" algn="ctr">
+                      <a:solidFill>
+                        <a:schemeClr val="tx1"/>
+                      </a:solidFill>
+                      <a:prstDash val="solid"/>
+                      <a:round/>
+                      <a:headEnd type="none" w="med" len="med"/>
+                      <a:tailEnd type="none" w="med" len="med"/>
+                    </a:lnR>
+                    <a:lnT w="12700" cap="flat" cmpd="sng" algn="ctr">
+                      <a:solidFill>
+                        <a:schemeClr val="tx1"/>
+                      </a:solidFill>
+                      <a:prstDash val="solid"/>
+                      <a:round/>
+                      <a:headEnd type="none" w="med" len="med"/>
+                      <a:tailEnd type="none" w="med" len="med"/>
+                    </a:lnT>
+                    <a:lnB w="12700" cap="flat" cmpd="sng" algn="ctr">
+                      <a:solidFill>
+                        <a:schemeClr val="tx1"/>
+                      </a:solidFill>
+                      <a:prstDash val="solid"/>
+                      <a:round/>
+                      <a:headEnd type="none" w="med" len="med"/>
+                      <a:tailEnd type="none" w="med" len="med"/>
+                    </a:lnB>
+                    <a:lnTlToBr w="12700" cmpd="sng">
+                      <a:noFill/>
+                      <a:prstDash val="solid"/>
+                    </a:lnTlToBr>
+                    <a:lnBlToTr w="12700" cmpd="sng">
+                      <a:noFill/>
+                      <a:prstDash val="solid"/>
+                    </a:lnBlToTr>
+                  </a:tcPr>
+                </a:tc>
+              </a:tr>
+              <a:tr h="718962">
+                <a:tc>
+                  <a:txBody>
+                    <a:bodyPr/>
+                    <a:lstStyle/>
+                    <a:p>
+                      <a:pPr marL="0" marR="0" lvl="0" indent="0" algn="l" defTabSz="914400" rtl="0" eaLnBrk="1" fontAlgn="auto" latinLnBrk="0" hangingPunct="1">
+                        <a:lnSpc>
+                          <a:spcPct val="100000"/>
+                        </a:lnSpc>
+                        <a:spcBef>
+                          <a:spcPts val="0"/>
+                        </a:spcBef>
+                        <a:spcAft>
+                          <a:spcPts val="0"/>
+                        </a:spcAft>
+                        <a:buClrTx/>
+                        <a:buSzTx/>
+                        <a:buFontTx/>
+                        <a:buNone/>
+                        <a:tabLst/>
+                        <a:defRPr/>
+                      </a:pPr>
+                      <a:endParaRPr lang="en-US" sz="1400" dirty="0" smtClean="0"/>
+                    </a:p>
+                  </a:txBody>
+                  <a:tcPr anchor="ctr">
+                    <a:lnL w="12700" cap="flat" cmpd="sng" algn="ctr">
+                      <a:solidFill>
+                        <a:schemeClr val="tx1"/>
+                      </a:solidFill>
+                      <a:prstDash val="solid"/>
+                      <a:round/>
+                      <a:headEnd type="none" w="med" len="med"/>
+                      <a:tailEnd type="none" w="med" len="med"/>
+                    </a:lnL>
+                    <a:lnR w="12700" cap="flat" cmpd="sng" algn="ctr">
+                      <a:solidFill>
+                        <a:schemeClr val="tx1"/>
+                      </a:solidFill>
+                      <a:prstDash val="solid"/>
+                      <a:round/>
+                      <a:headEnd type="none" w="med" len="med"/>
+                      <a:tailEnd type="none" w="med" len="med"/>
+                    </a:lnR>
+                    <a:lnT w="12700" cap="flat" cmpd="sng" algn="ctr">
+                      <a:solidFill>
+                        <a:schemeClr val="tx1"/>
+                      </a:solidFill>
+                      <a:prstDash val="solid"/>
+                      <a:round/>
+                      <a:headEnd type="none" w="med" len="med"/>
+                      <a:tailEnd type="none" w="med" len="med"/>
+                    </a:lnT>
+                    <a:lnB w="12700" cap="flat" cmpd="sng" algn="ctr">
+                      <a:solidFill>
+                        <a:schemeClr val="tx1"/>
+                      </a:solidFill>
+                      <a:prstDash val="solid"/>
+                      <a:round/>
+                      <a:headEnd type="none" w="med" len="med"/>
+                      <a:tailEnd type="none" w="med" len="med"/>
+                    </a:lnB>
+                    <a:lnTlToBr w="12700" cmpd="sng">
+                      <a:noFill/>
+                      <a:prstDash val="solid"/>
+                    </a:lnTlToBr>
+                    <a:lnBlToTr w="12700" cmpd="sng">
+                      <a:noFill/>
+                      <a:prstDash val="solid"/>
+                    </a:lnBlToTr>
+                  </a:tcPr>
+                </a:tc>
+                <a:tc>
+                  <a:txBody>
+                    <a:bodyPr/>
+                    <a:lstStyle/>
+                    <a:p>
+                      <a:pPr marL="0" marR="0" lvl="0" indent="0" algn="l" defTabSz="914400" rtl="0" eaLnBrk="1" fontAlgn="auto" latinLnBrk="0" hangingPunct="1">
+                        <a:lnSpc>
+                          <a:spcPct val="100000"/>
+                        </a:lnSpc>
+                        <a:spcBef>
+                          <a:spcPts val="0"/>
+                        </a:spcBef>
+                        <a:spcAft>
+                          <a:spcPts val="0"/>
+                        </a:spcAft>
+                        <a:buClrTx/>
+                        <a:buSzTx/>
+                        <a:buFontTx/>
+                        <a:buNone/>
+                        <a:tabLst/>
+                        <a:defRPr/>
+                      </a:pPr>
+                      <a:r>
+                        <a:rPr lang="en-US" sz="1400" dirty="0" smtClean="0"/>
+                        <a:t>Peer</a:t>
+                      </a:r>
+                    </a:p>
+                  </a:txBody>
+                  <a:tcPr anchor="ctr">
+                    <a:lnL w="12700" cap="flat" cmpd="sng" algn="ctr">
+                      <a:solidFill>
+                        <a:schemeClr val="tx1"/>
+                      </a:solidFill>
+                      <a:prstDash val="solid"/>
+                      <a:round/>
+                      <a:headEnd type="none" w="med" len="med"/>
+                      <a:tailEnd type="none" w="med" len="med"/>
+                    </a:lnL>
+                    <a:lnR w="12700" cap="flat" cmpd="sng" algn="ctr">
+                      <a:solidFill>
+                        <a:schemeClr val="tx1"/>
+                      </a:solidFill>
+                      <a:prstDash val="solid"/>
+                      <a:round/>
+                      <a:headEnd type="none" w="med" len="med"/>
+                      <a:tailEnd type="none" w="med" len="med"/>
+                    </a:lnR>
+                    <a:lnT w="12700" cap="flat" cmpd="sng" algn="ctr">
+                      <a:solidFill>
+                        <a:schemeClr val="tx1"/>
+                      </a:solidFill>
+                      <a:prstDash val="solid"/>
+                      <a:round/>
+                      <a:headEnd type="none" w="med" len="med"/>
+                      <a:tailEnd type="none" w="med" len="med"/>
+                    </a:lnT>
+                    <a:lnB w="12700" cap="flat" cmpd="sng" algn="ctr">
+                      <a:solidFill>
+                        <a:schemeClr val="tx1"/>
+                      </a:solidFill>
+                      <a:prstDash val="solid"/>
+                      <a:round/>
+                      <a:headEnd type="none" w="med" len="med"/>
+                      <a:tailEnd type="none" w="med" len="med"/>
+                    </a:lnB>
+                    <a:lnTlToBr w="12700" cmpd="sng">
+                      <a:noFill/>
+                      <a:prstDash val="solid"/>
+                    </a:lnTlToBr>
+                    <a:lnBlToTr w="12700" cmpd="sng">
+                      <a:noFill/>
+                      <a:prstDash val="solid"/>
+                    </a:lnBlToTr>
+                  </a:tcPr>
+                </a:tc>
+                <a:tc>
+                  <a:txBody>
+                    <a:bodyPr/>
+                    <a:lstStyle/>
+                    <a:p>
+                      <a:pPr marL="0" marR="0" lvl="0" indent="0" algn="l" defTabSz="914400" rtl="0" eaLnBrk="1" fontAlgn="auto" latinLnBrk="0" hangingPunct="1">
+                        <a:lnSpc>
+                          <a:spcPct val="100000"/>
+                        </a:lnSpc>
+                        <a:spcBef>
+                          <a:spcPts val="0"/>
+                        </a:spcBef>
+                        <a:spcAft>
+                          <a:spcPts val="0"/>
+                        </a:spcAft>
+                        <a:buClrTx/>
+                        <a:buSzTx/>
+                        <a:buFontTx/>
+                        <a:buNone/>
+                        <a:tabLst/>
+                        <a:defRPr/>
+                      </a:pPr>
+                      <a:endParaRPr lang="en-US" sz="1400" dirty="0" smtClean="0"/>
+                    </a:p>
+                  </a:txBody>
+                  <a:tcPr anchor="ctr">
+                    <a:lnL w="12700" cap="flat" cmpd="sng" algn="ctr">
+                      <a:solidFill>
+                        <a:schemeClr val="tx1"/>
+                      </a:solidFill>
+                      <a:prstDash val="solid"/>
+                      <a:round/>
+                      <a:headEnd type="none" w="med" len="med"/>
+                      <a:tailEnd type="none" w="med" len="med"/>
+                    </a:lnL>
+                    <a:lnR w="12700" cap="flat" cmpd="sng" algn="ctr">
+                      <a:solidFill>
+                        <a:schemeClr val="tx1"/>
+                      </a:solidFill>
+                      <a:prstDash val="solid"/>
+                      <a:round/>
+                      <a:headEnd type="none" w="med" len="med"/>
+                      <a:tailEnd type="none" w="med" len="med"/>
+                    </a:lnR>
+                    <a:lnT w="12700" cap="flat" cmpd="sng" algn="ctr">
+                      <a:solidFill>
+                        <a:schemeClr val="tx1"/>
+                      </a:solidFill>
+                      <a:prstDash val="solid"/>
+                      <a:round/>
+                      <a:headEnd type="none" w="med" len="med"/>
+                      <a:tailEnd type="none" w="med" len="med"/>
+                    </a:lnT>
+                    <a:lnB w="12700" cap="flat" cmpd="sng" algn="ctr">
+                      <a:solidFill>
+                        <a:schemeClr val="tx1"/>
+                      </a:solidFill>
+                      <a:prstDash val="solid"/>
+                      <a:round/>
+                      <a:headEnd type="none" w="med" len="med"/>
+                      <a:tailEnd type="none" w="med" len="med"/>
+                    </a:lnB>
+                    <a:lnTlToBr w="12700" cmpd="sng">
+                      <a:noFill/>
+                      <a:prstDash val="solid"/>
+                    </a:lnTlToBr>
+                    <a:lnBlToTr w="12700" cmpd="sng">
+                      <a:noFill/>
+                      <a:prstDash val="solid"/>
+                    </a:lnBlToTr>
+                  </a:tcPr>
+                </a:tc>
+                <a:tc>
+                  <a:txBody>
+                    <a:bodyPr/>
+                    <a:lstStyle/>
+                    <a:p>
+                      <a:pPr marL="0" marR="0" lvl="0" indent="0" algn="l" defTabSz="914400" rtl="0" eaLnBrk="1" fontAlgn="auto" latinLnBrk="0" hangingPunct="1">
+                        <a:lnSpc>
+                          <a:spcPct val="100000"/>
+                        </a:lnSpc>
+                        <a:spcBef>
+                          <a:spcPts val="0"/>
+                        </a:spcBef>
+                        <a:spcAft>
+                          <a:spcPts val="0"/>
+                        </a:spcAft>
+                        <a:buClrTx/>
+                        <a:buSzTx/>
+                        <a:buFontTx/>
+                        <a:buNone/>
+                        <a:tabLst/>
+                        <a:defRPr/>
+                      </a:pPr>
+                      <a:r>
+                        <a:rPr lang="en-US" sz="1400" dirty="0" smtClean="0"/>
+                        <a:t>Ledger</a:t>
+                      </a:r>
+                    </a:p>
+                  </a:txBody>
+                  <a:tcPr anchor="ctr">
+                    <a:lnL w="12700" cap="flat" cmpd="sng" algn="ctr">
+                      <a:solidFill>
+                        <a:schemeClr val="tx1"/>
+                      </a:solidFill>
+                      <a:prstDash val="solid"/>
+                      <a:round/>
+                      <a:headEnd type="none" w="med" len="med"/>
+                      <a:tailEnd type="none" w="med" len="med"/>
+                    </a:lnL>
+                    <a:lnR w="12700" cap="flat" cmpd="sng" algn="ctr">
+                      <a:solidFill>
+                        <a:schemeClr val="tx1"/>
+                      </a:solidFill>
+                      <a:prstDash val="solid"/>
+                      <a:round/>
+                      <a:headEnd type="none" w="med" len="med"/>
+                      <a:tailEnd type="none" w="med" len="med"/>
+                    </a:lnR>
+                    <a:lnT w="12700" cap="flat" cmpd="sng" algn="ctr">
+                      <a:solidFill>
+                        <a:schemeClr val="tx1"/>
+                      </a:solidFill>
+                      <a:prstDash val="solid"/>
+                      <a:round/>
+                      <a:headEnd type="none" w="med" len="med"/>
+                      <a:tailEnd type="none" w="med" len="med"/>
+                    </a:lnT>
+                    <a:lnB w="12700" cap="flat" cmpd="sng" algn="ctr">
+                      <a:solidFill>
+                        <a:schemeClr val="tx1"/>
+                      </a:solidFill>
+                      <a:prstDash val="solid"/>
+                      <a:round/>
+                      <a:headEnd type="none" w="med" len="med"/>
+                      <a:tailEnd type="none" w="med" len="med"/>
+                    </a:lnB>
+                    <a:lnTlToBr w="12700" cmpd="sng">
+                      <a:noFill/>
+                      <a:prstDash val="solid"/>
+                    </a:lnTlToBr>
+                    <a:lnBlToTr w="12700" cmpd="sng">
+                      <a:noFill/>
+                      <a:prstDash val="solid"/>
+                    </a:lnBlToTr>
+                  </a:tcPr>
+                </a:tc>
+              </a:tr>
+            </a:tbl>
+          </a:graphicData>
+        </a:graphic>
+      </p:graphicFrame>
+      <p:sp>
+        <p:nvSpPr>
+          <p:cNvPr id="55" name="Document 54"/>
+          <p:cNvSpPr/>
+          <p:nvPr/>
+        </p:nvSpPr>
+        <p:spPr>
+          <a:xfrm>
+            <a:off x="9560321" y="4264924"/>
+            <a:ext cx="523020" cy="414227"/>
+          </a:xfrm>
+          <a:prstGeom prst="flowChartDocument">
+            <a:avLst/>
+          </a:prstGeom>
+          <a:solidFill>
+            <a:srgbClr val="FF0000"/>
+          </a:solidFill>
+          <a:ln w="19050">
+            <a:solidFill>
+              <a:srgbClr val="0070C0"/>
+            </a:solidFill>
+          </a:ln>
+        </p:spPr>
+        <p:style>
+          <a:lnRef idx="2">
+            <a:schemeClr val="accent1">
+              <a:shade val="50000"/>
+            </a:schemeClr>
+          </a:lnRef>
+          <a:fillRef idx="1">
+            <a:schemeClr val="accent1"/>
+          </a:fillRef>
+          <a:effectRef idx="0">
+            <a:schemeClr val="accent1"/>
+          </a:effectRef>
+          <a:fontRef idx="minor">
+            <a:schemeClr val="lt1"/>
+          </a:fontRef>
+        </p:style>
+        <p:txBody>
+          <a:bodyPr rtlCol="0" anchor="ctr"/>
+          <a:lstStyle/>
+          <a:p>
+            <a:pPr algn="ctr" defTabSz="457200"/>
+            <a:r>
+              <a:rPr lang="en-US" sz="1400" b="1" dirty="0" smtClean="0">
+                <a:solidFill>
+                  <a:srgbClr val="000000"/>
+                </a:solidFill>
+              </a:rPr>
+              <a:t>L</a:t>
+            </a:r>
+            <a:endParaRPr lang="en-US" sz="1400" b="1" dirty="0">
+              <a:solidFill>
+                <a:srgbClr val="000000"/>
+              </a:solidFill>
+            </a:endParaRPr>
+          </a:p>
+        </p:txBody>
+      </p:sp>
+      <p:sp>
+        <p:nvSpPr>
+          <p:cNvPr id="56" name="Rounded Rectangle 55"/>
+          <p:cNvSpPr/>
+          <p:nvPr/>
+        </p:nvSpPr>
+        <p:spPr>
+          <a:xfrm>
+            <a:off x="9591783" y="3532980"/>
+            <a:ext cx="470643" cy="431746"/>
+          </a:xfrm>
+          <a:prstGeom prst="roundRect">
+            <a:avLst/>
+          </a:prstGeom>
+          <a:solidFill>
+            <a:srgbClr val="00B050"/>
+          </a:solidFill>
+          <a:ln w="19050">
+            <a:solidFill>
+              <a:srgbClr val="0070C0"/>
+            </a:solidFill>
+          </a:ln>
+        </p:spPr>
+        <p:style>
+          <a:lnRef idx="2">
+            <a:schemeClr val="accent1">
+              <a:shade val="50000"/>
+            </a:schemeClr>
+          </a:lnRef>
+          <a:fillRef idx="1">
+            <a:schemeClr val="accent1"/>
+          </a:fillRef>
+          <a:effectRef idx="0">
+            <a:schemeClr val="accent1"/>
+          </a:effectRef>
+          <a:fontRef idx="minor">
+            <a:schemeClr val="lt1"/>
+          </a:fontRef>
+        </p:style>
+        <p:txBody>
+          <a:bodyPr rtlCol="0" anchor="ctr"/>
+          <a:lstStyle/>
+          <a:p>
+            <a:pPr algn="ctr" defTabSz="457200"/>
+            <a:r>
+              <a:rPr lang="en-US" sz="1400" b="1" dirty="0" smtClean="0">
+                <a:solidFill>
+                  <a:srgbClr val="000000"/>
+                </a:solidFill>
+                <a:ea typeface="Arial" charset="0"/>
+                <a:cs typeface="Arial" charset="0"/>
+              </a:rPr>
+              <a:t>O</a:t>
+            </a:r>
+            <a:endParaRPr lang="en-US" sz="1600" b="1" dirty="0">
+              <a:solidFill>
+                <a:srgbClr val="000000"/>
+              </a:solidFill>
+              <a:ea typeface="Arial" charset="0"/>
+              <a:cs typeface="Arial" charset="0"/>
+            </a:endParaRPr>
+          </a:p>
+        </p:txBody>
+      </p:sp>
+      <p:sp>
+        <p:nvSpPr>
+          <p:cNvPr id="58" name="Oval 57"/>
+          <p:cNvSpPr/>
+          <p:nvPr/>
+        </p:nvSpPr>
+        <p:spPr>
+          <a:xfrm>
+            <a:off x="7369422" y="3653125"/>
+            <a:ext cx="176077" cy="176077"/>
+          </a:xfrm>
+          <a:prstGeom prst="ellipse">
+            <a:avLst/>
+          </a:prstGeom>
+          <a:solidFill>
+            <a:srgbClr val="4372C4"/>
+          </a:solidFill>
+          <a:ln w="25400" cmpd="sng">
+            <a:solidFill>
+              <a:schemeClr val="tx2"/>
+            </a:solidFill>
+          </a:ln>
+        </p:spPr>
+        <p:style>
+          <a:lnRef idx="1">
+            <a:schemeClr val="accent1"/>
+          </a:lnRef>
+          <a:fillRef idx="3">
+            <a:schemeClr val="accent1"/>
+          </a:fillRef>
+          <a:effectRef idx="2">
+            <a:schemeClr val="accent1"/>
+          </a:effectRef>
+          <a:fontRef idx="minor">
+            <a:schemeClr val="lt1"/>
+          </a:fontRef>
+        </p:style>
+        <p:txBody>
+          <a:bodyPr rtlCol="0" anchor="ctr"/>
+          <a:lstStyle/>
+          <a:p>
+            <a:pPr algn="ctr" defTabSz="457200"/>
+            <a:endParaRPr lang="en-GB" sz="1000">
+              <a:solidFill>
+                <a:srgbClr val="000000"/>
+              </a:solidFill>
+            </a:endParaRPr>
+          </a:p>
+        </p:txBody>
+      </p:sp>
+      <p:cxnSp>
+        <p:nvCxnSpPr>
+          <p:cNvPr id="59" name="Straight Connector 58"/>
+          <p:cNvCxnSpPr/>
+          <p:nvPr/>
+        </p:nvCxnSpPr>
+        <p:spPr>
+          <a:xfrm flipV="1">
+            <a:off x="7545499" y="3741163"/>
+            <a:ext cx="195301" cy="1"/>
+          </a:xfrm>
+          <a:prstGeom prst="line">
+            <a:avLst/>
+          </a:prstGeom>
+          <a:solidFill>
+            <a:srgbClr val="4372C4"/>
+          </a:solidFill>
+          <a:ln w="25400" cap="flat" cmpd="sng" algn="ctr">
+            <a:solidFill>
+              <a:srgbClr val="0070C0"/>
+            </a:solidFill>
+            <a:prstDash val="solid"/>
+            <a:tailEnd type="none"/>
+          </a:ln>
+          <a:effectLst>
+            <a:outerShdw blurRad="40000" dist="20000" dir="5400000" rotWithShape="0">
+              <a:srgbClr val="000000">
+                <a:alpha val="38000"/>
+              </a:srgbClr>
+            </a:outerShdw>
+          </a:effectLst>
+        </p:spPr>
+      </p:cxnSp>
+      <p:sp>
+        <p:nvSpPr>
+          <p:cNvPr id="61" name="Rounded Rectangle 60"/>
+          <p:cNvSpPr/>
+          <p:nvPr/>
+        </p:nvSpPr>
+        <p:spPr>
+          <a:xfrm>
+            <a:off x="7277297" y="2771038"/>
+            <a:ext cx="470643" cy="431746"/>
+          </a:xfrm>
+          <a:prstGeom prst="roundRect">
+            <a:avLst/>
+          </a:prstGeom>
+          <a:solidFill>
+            <a:schemeClr val="accent1">
+              <a:lumMod val="20000"/>
+              <a:lumOff val="80000"/>
+            </a:schemeClr>
+          </a:solidFill>
+          <a:ln w="19050">
+            <a:solidFill>
+              <a:srgbClr val="0070C0"/>
+            </a:solidFill>
+          </a:ln>
+        </p:spPr>
+        <p:style>
+          <a:lnRef idx="2">
+            <a:schemeClr val="accent1">
+              <a:shade val="50000"/>
+            </a:schemeClr>
+          </a:lnRef>
+          <a:fillRef idx="1">
+            <a:schemeClr val="accent1"/>
+          </a:fillRef>
+          <a:effectRef idx="0">
+            <a:schemeClr val="accent1"/>
+          </a:effectRef>
+          <a:fontRef idx="minor">
+            <a:schemeClr val="lt1"/>
+          </a:fontRef>
+        </p:style>
+        <p:txBody>
+          <a:bodyPr rtlCol="0" anchor="ctr"/>
+          <a:lstStyle/>
+          <a:p>
+            <a:pPr algn="ctr" defTabSz="457200"/>
+            <a:r>
+              <a:rPr lang="en-US" sz="1400" b="1" dirty="0" smtClean="0">
+                <a:solidFill>
+                  <a:srgbClr val="000000"/>
+                </a:solidFill>
+                <a:ea typeface="Arial" charset="0"/>
+                <a:cs typeface="Arial" charset="0"/>
+              </a:rPr>
+              <a:t>N</a:t>
+            </a:r>
+            <a:endParaRPr lang="en-US" sz="1600" b="1" dirty="0">
+              <a:solidFill>
+                <a:srgbClr val="000000"/>
+              </a:solidFill>
+              <a:ea typeface="Arial" charset="0"/>
+              <a:cs typeface="Arial" charset="0"/>
+            </a:endParaRPr>
+          </a:p>
+        </p:txBody>
+      </p:sp>
+      <p:sp>
+        <p:nvSpPr>
+          <p:cNvPr id="62" name="Rounded Rectangle 61"/>
+          <p:cNvSpPr/>
+          <p:nvPr/>
+        </p:nvSpPr>
+        <p:spPr>
+          <a:xfrm>
+            <a:off x="9581237" y="2769744"/>
+            <a:ext cx="481189" cy="444147"/>
+          </a:xfrm>
+          <a:prstGeom prst="roundRect">
+            <a:avLst/>
+          </a:prstGeom>
+          <a:solidFill>
+            <a:srgbClr val="FFC000"/>
+          </a:solidFill>
+          <a:ln w="19050" cmpd="sng">
+            <a:solidFill>
+              <a:srgbClr val="0070C0"/>
+            </a:solidFill>
+          </a:ln>
+          <a:effectLst/>
+        </p:spPr>
+        <p:style>
+          <a:lnRef idx="1">
+            <a:schemeClr val="accent1"/>
+          </a:lnRef>
+          <a:fillRef idx="3">
+            <a:schemeClr val="accent1"/>
+          </a:fillRef>
+          <a:effectRef idx="2">
+            <a:schemeClr val="accent1"/>
+          </a:effectRef>
+          <a:fontRef idx="minor">
+            <a:schemeClr val="lt1"/>
+          </a:fontRef>
+        </p:style>
+        <p:txBody>
+          <a:bodyPr rtlCol="0" anchor="ctr"/>
+          <a:lstStyle/>
+          <a:p>
+            <a:pPr algn="ctr" defTabSz="457200"/>
+            <a:r>
+              <a:rPr lang="en-US" sz="1400" b="1" dirty="0" smtClean="0">
+                <a:solidFill>
+                  <a:srgbClr val="000000"/>
+                </a:solidFill>
+                <a:ea typeface="Arial" charset="0"/>
+                <a:cs typeface="Arial" charset="0"/>
+              </a:rPr>
+              <a:t>S</a:t>
+            </a:r>
+            <a:endParaRPr lang="en-US" sz="1400" b="1" dirty="0">
+              <a:solidFill>
+                <a:srgbClr val="000000"/>
+              </a:solidFill>
+              <a:ea typeface="Arial" charset="0"/>
+              <a:cs typeface="Arial" charset="0"/>
+            </a:endParaRPr>
+          </a:p>
+        </p:txBody>
+      </p:sp>
+      <p:sp>
+        <p:nvSpPr>
+          <p:cNvPr id="63" name="Rounded Rectangle 62"/>
+          <p:cNvSpPr/>
+          <p:nvPr/>
+        </p:nvSpPr>
+        <p:spPr>
+          <a:xfrm>
+            <a:off x="7277297" y="4235004"/>
+            <a:ext cx="481189" cy="444147"/>
+          </a:xfrm>
+          <a:prstGeom prst="roundRect">
+            <a:avLst/>
+          </a:prstGeom>
+          <a:solidFill>
+            <a:schemeClr val="accent1"/>
+          </a:solidFill>
+          <a:ln w="19050" cmpd="sng">
+            <a:solidFill>
+              <a:schemeClr val="tx2"/>
+            </a:solidFill>
+          </a:ln>
+          <a:effectLst/>
+        </p:spPr>
+        <p:style>
+          <a:lnRef idx="1">
+            <a:schemeClr val="accent1"/>
+          </a:lnRef>
+          <a:fillRef idx="3">
+            <a:schemeClr val="accent1"/>
+          </a:fillRef>
+          <a:effectRef idx="2">
+            <a:schemeClr val="accent1"/>
+          </a:effectRef>
+          <a:fontRef idx="minor">
+            <a:schemeClr val="lt1"/>
+          </a:fontRef>
+        </p:style>
+        <p:txBody>
+          <a:bodyPr rtlCol="0" anchor="ctr"/>
+          <a:lstStyle/>
+          <a:p>
+            <a:pPr algn="ctr" defTabSz="457200"/>
+            <a:r>
+              <a:rPr lang="en-US" sz="1400" b="1" dirty="0">
+                <a:solidFill>
+                  <a:schemeClr val="bg1"/>
+                </a:solidFill>
+                <a:ea typeface="Arial" charset="0"/>
+                <a:cs typeface="Arial" charset="0"/>
+              </a:rPr>
+              <a:t>P</a:t>
+            </a:r>
+          </a:p>
+        </p:txBody>
+      </p:sp>
+      <p:sp>
+        <p:nvSpPr>
+          <p:cNvPr id="22" name="Oval 21"/>
+          <p:cNvSpPr/>
+          <p:nvPr/>
+        </p:nvSpPr>
+        <p:spPr>
+          <a:xfrm flipH="1" flipV="1">
+            <a:off x="5181556" y="4242553"/>
+            <a:ext cx="162001" cy="162001"/>
+          </a:xfrm>
+          <a:prstGeom prst="ellipse">
+            <a:avLst/>
+          </a:prstGeom>
+          <a:solidFill>
+            <a:srgbClr val="FF0000"/>
+          </a:solidFill>
+          <a:ln w="25400" cmpd="sng">
+            <a:solidFill>
+              <a:schemeClr val="tx2"/>
+            </a:solidFill>
+          </a:ln>
+          <a:effectLst>
+            <a:outerShdw blurRad="50800" dist="38100" dir="2700000" algn="tl" rotWithShape="0">
+              <a:prstClr val="black">
+                <a:alpha val="40000"/>
+              </a:prstClr>
+            </a:outerShdw>
+          </a:effectLst>
+        </p:spPr>
+        <p:style>
+          <a:lnRef idx="1">
+            <a:schemeClr val="accent1"/>
+          </a:lnRef>
+          <a:fillRef idx="3">
+            <a:schemeClr val="accent1"/>
+          </a:fillRef>
+          <a:effectRef idx="2">
+            <a:schemeClr val="accent1"/>
+          </a:effectRef>
+          <a:fontRef idx="minor">
+            <a:schemeClr val="lt1"/>
+          </a:fontRef>
+        </p:style>
+        <p:txBody>
+          <a:bodyPr rtlCol="0" anchor="ctr"/>
+          <a:lstStyle/>
+          <a:p>
+            <a:pPr algn="ctr"/>
+            <a:endParaRPr lang="en-GB" sz="1000">
+              <a:solidFill>
+                <a:srgbClr val="000000"/>
+              </a:solidFill>
+            </a:endParaRPr>
+          </a:p>
+        </p:txBody>
+      </p:sp>
+      <p:sp>
+        <p:nvSpPr>
+          <p:cNvPr id="38" name="Oval 37"/>
+          <p:cNvSpPr/>
+          <p:nvPr/>
+        </p:nvSpPr>
+        <p:spPr>
+          <a:xfrm flipH="1" flipV="1">
+            <a:off x="4987309" y="4242553"/>
+            <a:ext cx="162001" cy="162001"/>
+          </a:xfrm>
+          <a:prstGeom prst="ellipse">
+            <a:avLst/>
+          </a:prstGeom>
+          <a:solidFill>
+            <a:schemeClr val="accent1"/>
+          </a:solidFill>
+          <a:ln w="25400" cmpd="sng">
+            <a:solidFill>
+              <a:schemeClr val="tx2"/>
+            </a:solidFill>
+          </a:ln>
+          <a:effectLst>
+            <a:outerShdw blurRad="50800" dist="38100" dir="2700000" algn="tl" rotWithShape="0">
+              <a:prstClr val="black">
+                <a:alpha val="40000"/>
+              </a:prstClr>
+            </a:outerShdw>
+          </a:effectLst>
+        </p:spPr>
+        <p:style>
+          <a:lnRef idx="1">
+            <a:schemeClr val="accent1"/>
+          </a:lnRef>
+          <a:fillRef idx="3">
+            <a:schemeClr val="accent1"/>
+          </a:fillRef>
+          <a:effectRef idx="2">
+            <a:schemeClr val="accent1"/>
+          </a:effectRef>
+          <a:fontRef idx="minor">
+            <a:schemeClr val="lt1"/>
+          </a:fontRef>
+        </p:style>
+        <p:txBody>
+          <a:bodyPr rtlCol="0" anchor="ctr"/>
+          <a:lstStyle/>
+          <a:p>
+            <a:pPr algn="ctr"/>
+            <a:endParaRPr lang="en-GB" sz="1000">
+              <a:solidFill>
+                <a:srgbClr val="000000"/>
+              </a:solidFill>
+            </a:endParaRPr>
+          </a:p>
+        </p:txBody>
+      </p:sp>
+      <p:cxnSp>
+        <p:nvCxnSpPr>
+          <p:cNvPr id="20" name="Straight Connector 19"/>
+          <p:cNvCxnSpPr/>
+          <p:nvPr/>
+        </p:nvCxnSpPr>
+        <p:spPr>
+          <a:xfrm flipV="1">
+            <a:off x="3525815" y="5111513"/>
+            <a:ext cx="2932732" cy="3949"/>
+          </a:xfrm>
+          <a:prstGeom prst="line">
+            <a:avLst/>
+          </a:prstGeom>
+          <a:solidFill>
+            <a:srgbClr val="4372C4"/>
+          </a:solidFill>
+          <a:ln w="38100" cap="flat" cmpd="sng" algn="ctr">
+            <a:solidFill>
+              <a:srgbClr val="FF0000"/>
+            </a:solidFill>
+            <a:prstDash val="solid"/>
+            <a:tailEnd type="none"/>
+          </a:ln>
+          <a:effectLst>
+            <a:outerShdw blurRad="40000" dist="20000" dir="5400000" rotWithShape="0">
+              <a:srgbClr val="000000">
+                <a:alpha val="38000"/>
+              </a:srgbClr>
+            </a:outerShdw>
+          </a:effectLst>
+        </p:spPr>
+      </p:cxnSp>
+      <p:cxnSp>
+        <p:nvCxnSpPr>
+          <p:cNvPr id="36" name="Straight Connector 35"/>
+          <p:cNvCxnSpPr/>
+          <p:nvPr/>
+        </p:nvCxnSpPr>
+        <p:spPr>
+          <a:xfrm flipV="1">
+            <a:off x="943011" y="4590004"/>
+            <a:ext cx="4206299" cy="16225"/>
+          </a:xfrm>
+          <a:prstGeom prst="line">
+            <a:avLst/>
+          </a:prstGeom>
+          <a:solidFill>
+            <a:srgbClr val="4372C4"/>
+          </a:solidFill>
+          <a:ln w="38100" cap="flat" cmpd="sng" algn="ctr">
+            <a:solidFill>
+              <a:schemeClr val="accent1"/>
+            </a:solidFill>
+            <a:prstDash val="solid"/>
+            <a:tailEnd type="none"/>
+          </a:ln>
+          <a:effectLst>
+            <a:outerShdw blurRad="40000" dist="20000" dir="5400000" rotWithShape="0">
+              <a:srgbClr val="000000">
+                <a:alpha val="38000"/>
+              </a:srgbClr>
+            </a:outerShdw>
+          </a:effectLst>
+        </p:spPr>
+      </p:cxnSp>
+    </p:spTree>
+    <p:extLst>
+      <p:ext uri="{BB962C8B-B14F-4D97-AF65-F5344CB8AC3E}">
+        <p14:creationId xmlns:p14="http://schemas.microsoft.com/office/powerpoint/2010/main" val="410221177"/>
+      </p:ext>
+    </p:extLst>
+  </p:cSld>
+  <p:clrMapOvr>
+    <a:masterClrMapping/>
+  </p:clrMapOvr>
+  <p:timing>
+    <p:tnLst>
+      <p:par>
+        <p:cTn id="1" dur="indefinite" restart="never" nodeType="tmRoot"/>
+      </p:par>
+    </p:tnLst>
+  </p:timing>
+</p:sld>
+</file>
+
+<file path=ppt/slides/slide7.xml><?xml version="1.0" encoding="utf-8"?>
+<p:sld xmlns:a="http://schemas.openxmlformats.org/drawingml/2006/main" xmlns:r="http://schemas.openxmlformats.org/officeDocument/2006/relationships" xmlns:p="http://schemas.openxmlformats.org/presentationml/2006/main">
+  <p:cSld>
+    <p:spTree>
+      <p:nvGrpSpPr>
+        <p:cNvPr id="1" name=""/>
+        <p:cNvGrpSpPr/>
+        <p:nvPr/>
+      </p:nvGrpSpPr>
+      <p:grpSpPr>
+        <a:xfrm>
+          <a:off x="0" y="0"/>
+          <a:ext cx="0" cy="0"/>
+          <a:chOff x="0" y="0"/>
+          <a:chExt cx="0" cy="0"/>
+        </a:xfrm>
+      </p:grpSpPr>
+      <p:sp>
+        <p:nvSpPr>
+          <p:cNvPr id="2" name="Title 1"/>
+          <p:cNvSpPr>
+            <a:spLocks noGrp="1"/>
+          </p:cNvSpPr>
+          <p:nvPr>
+            <p:ph type="title"/>
+          </p:nvPr>
+        </p:nvSpPr>
+        <p:spPr/>
+        <p:txBody>
+          <a:bodyPr/>
+          <a:lstStyle/>
+          <a:p>
+            <a:endParaRPr lang="en-US"/>
+          </a:p>
+        </p:txBody>
+      </p:sp>
+      <p:sp>
+        <p:nvSpPr>
+          <p:cNvPr id="3" name="Slide Number Placeholder 2"/>
+          <p:cNvSpPr>
+            <a:spLocks noGrp="1"/>
+          </p:cNvSpPr>
+          <p:nvPr>
+            <p:ph type="sldNum" sz="quarter" idx="12"/>
+          </p:nvPr>
+        </p:nvSpPr>
+        <p:spPr/>
+        <p:txBody>
+          <a:bodyPr/>
+          <a:lstStyle/>
+          <a:p>
+            <a:fld id="{2AF5F8E0-9CB9-8D41-B80C-6B76C9B710FC}" type="slidenum">
+              <a:rPr lang="en-US" smtClean="0"/>
+              <a:t>7</a:t>
+            </a:fld>
+            <a:endParaRPr lang="en-US"/>
+          </a:p>
+        </p:txBody>
+      </p:sp>
+      <p:graphicFrame>
+        <p:nvGraphicFramePr>
+          <p:cNvPr id="4" name="Table 3"/>
+          <p:cNvGraphicFramePr>
+            <a:graphicFrameLocks noGrp="1"/>
+          </p:cNvGraphicFramePr>
+          <p:nvPr>
+            <p:extLst>
+              <p:ext uri="{D42A27DB-BD31-4B8C-83A1-F6EECF244321}">
+                <p14:modId xmlns:p14="http://schemas.microsoft.com/office/powerpoint/2010/main" val="1961888200"/>
+              </p:ext>
+            </p:extLst>
+          </p:nvPr>
+        </p:nvGraphicFramePr>
+        <p:xfrm>
+          <a:off x="1431187" y="2201761"/>
+          <a:ext cx="4565272" cy="2875848"/>
+        </p:xfrm>
+        <a:graphic>
+          <a:graphicData uri="http://schemas.openxmlformats.org/drawingml/2006/table">
+            <a:tbl>
+              <a:tblPr firstRow="1" bandRow="1">
+                <a:tableStyleId>{2D5ABB26-0587-4C30-8999-92F81FD0307C}</a:tableStyleId>
+              </a:tblPr>
+              <a:tblGrid>
+                <a:gridCol w="648469"/>
+                <a:gridCol w="1666672"/>
+                <a:gridCol w="602948"/>
+                <a:gridCol w="1647183"/>
+              </a:tblGrid>
+              <a:tr h="718962">
+                <a:tc>
+                  <a:txBody>
+                    <a:bodyPr/>
+                    <a:lstStyle/>
+                    <a:p>
+                      <a:pPr marL="0" marR="0" lvl="0" indent="0" algn="l" defTabSz="914400" rtl="0" eaLnBrk="1" fontAlgn="auto" latinLnBrk="0" hangingPunct="1">
+                        <a:lnSpc>
+                          <a:spcPct val="100000"/>
+                        </a:lnSpc>
+                        <a:spcBef>
+                          <a:spcPts val="0"/>
+                        </a:spcBef>
+                        <a:spcAft>
+                          <a:spcPts val="0"/>
+                        </a:spcAft>
+                        <a:buClrTx/>
+                        <a:buSzTx/>
+                        <a:buFontTx/>
+                        <a:buNone/>
+                        <a:tabLst/>
+                        <a:defRPr/>
+                      </a:pPr>
+                      <a:endParaRPr lang="en-US" sz="1400" dirty="0" smtClean="0"/>
+                    </a:p>
+                  </a:txBody>
+                  <a:tcPr anchor="ctr">
+                    <a:lnL w="12700" cap="flat" cmpd="sng" algn="ctr">
+                      <a:solidFill>
+                        <a:schemeClr val="tx1"/>
+                      </a:solidFill>
+                      <a:prstDash val="solid"/>
+                      <a:round/>
+                      <a:headEnd type="none" w="med" len="med"/>
+                      <a:tailEnd type="none" w="med" len="med"/>
+                    </a:lnL>
+                    <a:lnR w="12700" cap="flat" cmpd="sng" algn="ctr">
+                      <a:solidFill>
+                        <a:schemeClr val="tx1"/>
+                      </a:solidFill>
+                      <a:prstDash val="solid"/>
+                      <a:round/>
+                      <a:headEnd type="none" w="med" len="med"/>
+                      <a:tailEnd type="none" w="med" len="med"/>
+                    </a:lnR>
+                    <a:lnT w="12700" cap="flat" cmpd="sng" algn="ctr">
+                      <a:solidFill>
+                        <a:schemeClr val="tx1"/>
+                      </a:solidFill>
+                      <a:prstDash val="solid"/>
+                      <a:round/>
+                      <a:headEnd type="none" w="med" len="med"/>
+                      <a:tailEnd type="none" w="med" len="med"/>
+                    </a:lnT>
+                    <a:lnB w="12700" cap="flat" cmpd="sng" algn="ctr">
+                      <a:solidFill>
+                        <a:schemeClr val="tx1"/>
+                      </a:solidFill>
+                      <a:prstDash val="solid"/>
+                      <a:round/>
+                      <a:headEnd type="none" w="med" len="med"/>
+                      <a:tailEnd type="none" w="med" len="med"/>
+                    </a:lnB>
+                    <a:lnTlToBr w="12700" cmpd="sng">
+                      <a:noFill/>
+                      <a:prstDash val="solid"/>
+                    </a:lnTlToBr>
+                    <a:lnBlToTr w="12700" cmpd="sng">
+                      <a:noFill/>
+                      <a:prstDash val="solid"/>
+                    </a:lnBlToTr>
+                  </a:tcPr>
+                </a:tc>
+                <a:tc>
+                  <a:txBody>
+                    <a:bodyPr/>
+                    <a:lstStyle/>
+                    <a:p>
+                      <a:pPr lvl="0"/>
+                      <a:r>
+                        <a:rPr lang="en-US" sz="1400" dirty="0" smtClean="0"/>
+                        <a:t>Blockchain</a:t>
+                      </a:r>
+                      <a:r>
+                        <a:rPr lang="en-US" sz="1400" baseline="0" dirty="0" smtClean="0"/>
+                        <a:t> Network</a:t>
+                      </a:r>
+                      <a:endParaRPr lang="en-US" sz="1400" dirty="0"/>
+                    </a:p>
+                  </a:txBody>
+                  <a:tcPr anchor="ctr">
+                    <a:lnL w="12700" cap="flat" cmpd="sng" algn="ctr">
+                      <a:solidFill>
+                        <a:schemeClr val="tx1"/>
+                      </a:solidFill>
+                      <a:prstDash val="solid"/>
+                      <a:round/>
+                      <a:headEnd type="none" w="med" len="med"/>
+                      <a:tailEnd type="none" w="med" len="med"/>
+                    </a:lnL>
+                    <a:lnR w="12700" cap="flat" cmpd="sng" algn="ctr">
+                      <a:solidFill>
+                        <a:schemeClr val="tx1"/>
+                      </a:solidFill>
+                      <a:prstDash val="solid"/>
+                      <a:round/>
+                      <a:headEnd type="none" w="med" len="med"/>
+                      <a:tailEnd type="none" w="med" len="med"/>
+                    </a:lnR>
+                    <a:lnT w="12700" cap="flat" cmpd="sng" algn="ctr">
+                      <a:solidFill>
+                        <a:schemeClr val="tx1"/>
+                      </a:solidFill>
+                      <a:prstDash val="solid"/>
+                      <a:round/>
+                      <a:headEnd type="none" w="med" len="med"/>
+                      <a:tailEnd type="none" w="med" len="med"/>
+                    </a:lnT>
+                    <a:lnB w="12700" cap="flat" cmpd="sng" algn="ctr">
+                      <a:solidFill>
+                        <a:schemeClr val="tx1"/>
+                      </a:solidFill>
+                      <a:prstDash val="solid"/>
+                      <a:round/>
+                      <a:headEnd type="none" w="med" len="med"/>
+                      <a:tailEnd type="none" w="med" len="med"/>
+                    </a:lnB>
+                    <a:lnTlToBr w="12700" cmpd="sng">
+                      <a:noFill/>
+                      <a:prstDash val="solid"/>
+                    </a:lnTlToBr>
+                    <a:lnBlToTr w="12700" cmpd="sng">
+                      <a:noFill/>
+                      <a:prstDash val="solid"/>
+                    </a:lnBlToTr>
+                  </a:tcPr>
+                </a:tc>
+                <a:tc>
+                  <a:txBody>
+                    <a:bodyPr/>
+                    <a:lstStyle/>
+                    <a:p>
+                      <a:pPr marL="0" marR="0" lvl="0" indent="0" algn="l" defTabSz="914400" rtl="0" eaLnBrk="1" fontAlgn="auto" latinLnBrk="0" hangingPunct="1">
+                        <a:lnSpc>
+                          <a:spcPct val="100000"/>
+                        </a:lnSpc>
+                        <a:spcBef>
+                          <a:spcPts val="0"/>
+                        </a:spcBef>
+                        <a:spcAft>
+                          <a:spcPts val="0"/>
+                        </a:spcAft>
+                        <a:buClrTx/>
+                        <a:buSzTx/>
+                        <a:buFontTx/>
+                        <a:buNone/>
+                        <a:tabLst/>
+                        <a:defRPr/>
+                      </a:pPr>
+                      <a:endParaRPr lang="en-US" sz="1400" dirty="0" smtClean="0"/>
+                    </a:p>
+                  </a:txBody>
+                  <a:tcPr anchor="ctr">
+                    <a:lnL w="12700" cap="flat" cmpd="sng" algn="ctr">
+                      <a:solidFill>
+                        <a:schemeClr val="tx1"/>
+                      </a:solidFill>
+                      <a:prstDash val="solid"/>
+                      <a:round/>
+                      <a:headEnd type="none" w="med" len="med"/>
+                      <a:tailEnd type="none" w="med" len="med"/>
+                    </a:lnL>
+                    <a:lnR w="12700" cap="flat" cmpd="sng" algn="ctr">
+                      <a:solidFill>
+                        <a:schemeClr val="tx1"/>
+                      </a:solidFill>
+                      <a:prstDash val="solid"/>
+                      <a:round/>
+                      <a:headEnd type="none" w="med" len="med"/>
+                      <a:tailEnd type="none" w="med" len="med"/>
+                    </a:lnR>
+                    <a:lnT w="12700" cap="flat" cmpd="sng" algn="ctr">
+                      <a:solidFill>
+                        <a:schemeClr val="tx1"/>
+                      </a:solidFill>
+                      <a:prstDash val="solid"/>
+                      <a:round/>
+                      <a:headEnd type="none" w="med" len="med"/>
+                      <a:tailEnd type="none" w="med" len="med"/>
+                    </a:lnT>
+                    <a:lnB w="12700" cap="flat" cmpd="sng" algn="ctr">
+                      <a:solidFill>
+                        <a:schemeClr val="tx1"/>
+                      </a:solidFill>
+                      <a:prstDash val="solid"/>
+                      <a:round/>
+                      <a:headEnd type="none" w="med" len="med"/>
+                      <a:tailEnd type="none" w="med" len="med"/>
+                    </a:lnB>
+                    <a:lnTlToBr w="12700" cmpd="sng">
+                      <a:noFill/>
+                      <a:prstDash val="solid"/>
+                    </a:lnTlToBr>
+                    <a:lnBlToTr w="12700" cmpd="sng">
+                      <a:noFill/>
+                      <a:prstDash val="solid"/>
+                    </a:lnBlToTr>
+                  </a:tcPr>
+                </a:tc>
+                <a:tc>
+                  <a:txBody>
+                    <a:bodyPr/>
+                    <a:lstStyle/>
+                    <a:p>
+                      <a:pPr marL="0" marR="0" lvl="0" indent="0" algn="l" defTabSz="914400" rtl="0" eaLnBrk="1" fontAlgn="auto" latinLnBrk="0" hangingPunct="1">
+                        <a:lnSpc>
+                          <a:spcPct val="100000"/>
+                        </a:lnSpc>
+                        <a:spcBef>
+                          <a:spcPts val="0"/>
+                        </a:spcBef>
+                        <a:spcAft>
+                          <a:spcPts val="0"/>
+                        </a:spcAft>
+                        <a:buClrTx/>
+                        <a:buSzTx/>
+                        <a:buFontTx/>
+                        <a:buNone/>
+                        <a:tabLst/>
+                        <a:defRPr/>
+                      </a:pPr>
+                      <a:r>
+                        <a:rPr lang="en-US" sz="1400" dirty="0" smtClean="0"/>
+                        <a:t>Smart contract</a:t>
+                      </a:r>
+                    </a:p>
+                  </a:txBody>
+                  <a:tcPr anchor="ctr">
+                    <a:lnL w="12700" cap="flat" cmpd="sng" algn="ctr">
+                      <a:solidFill>
+                        <a:schemeClr val="tx1"/>
+                      </a:solidFill>
+                      <a:prstDash val="solid"/>
+                      <a:round/>
+                      <a:headEnd type="none" w="med" len="med"/>
+                      <a:tailEnd type="none" w="med" len="med"/>
+                    </a:lnL>
+                    <a:lnR w="12700" cap="flat" cmpd="sng" algn="ctr">
+                      <a:solidFill>
+                        <a:schemeClr val="tx1"/>
+                      </a:solidFill>
+                      <a:prstDash val="solid"/>
+                      <a:round/>
+                      <a:headEnd type="none" w="med" len="med"/>
+                      <a:tailEnd type="none" w="med" len="med"/>
+                    </a:lnR>
+                    <a:lnT w="12700" cap="flat" cmpd="sng" algn="ctr">
+                      <a:solidFill>
+                        <a:schemeClr val="tx1"/>
+                      </a:solidFill>
+                      <a:prstDash val="solid"/>
+                      <a:round/>
+                      <a:headEnd type="none" w="med" len="med"/>
+                      <a:tailEnd type="none" w="med" len="med"/>
+                    </a:lnT>
+                    <a:lnB w="12700" cap="flat" cmpd="sng" algn="ctr">
+                      <a:solidFill>
+                        <a:schemeClr val="tx1"/>
+                      </a:solidFill>
+                      <a:prstDash val="solid"/>
+                      <a:round/>
+                      <a:headEnd type="none" w="med" len="med"/>
+                      <a:tailEnd type="none" w="med" len="med"/>
+                    </a:lnB>
+                    <a:lnTlToBr w="12700" cmpd="sng">
+                      <a:noFill/>
+                      <a:prstDash val="solid"/>
+                    </a:lnTlToBr>
+                    <a:lnBlToTr w="12700" cmpd="sng">
+                      <a:noFill/>
+                      <a:prstDash val="solid"/>
+                    </a:lnBlToTr>
+                  </a:tcPr>
+                </a:tc>
+              </a:tr>
+              <a:tr h="718962">
+                <a:tc>
+                  <a:txBody>
+                    <a:bodyPr/>
+                    <a:lstStyle/>
+                    <a:p>
+                      <a:pPr lvl="0"/>
+                      <a:endParaRPr lang="en-US" sz="1400" dirty="0"/>
+                    </a:p>
+                  </a:txBody>
+                  <a:tcPr anchor="ctr">
+                    <a:lnL w="12700" cap="flat" cmpd="sng" algn="ctr">
+                      <a:solidFill>
+                        <a:schemeClr val="tx1"/>
+                      </a:solidFill>
+                      <a:prstDash val="solid"/>
+                      <a:round/>
+                      <a:headEnd type="none" w="med" len="med"/>
+                      <a:tailEnd type="none" w="med" len="med"/>
+                    </a:lnL>
+                    <a:lnR w="12700" cap="flat" cmpd="sng" algn="ctr">
+                      <a:solidFill>
+                        <a:schemeClr val="tx1"/>
+                      </a:solidFill>
+                      <a:prstDash val="solid"/>
+                      <a:round/>
+                      <a:headEnd type="none" w="med" len="med"/>
+                      <a:tailEnd type="none" w="med" len="med"/>
+                    </a:lnR>
+                    <a:lnT w="12700" cap="flat" cmpd="sng" algn="ctr">
+                      <a:solidFill>
+                        <a:schemeClr val="tx1"/>
+                      </a:solidFill>
+                      <a:prstDash val="solid"/>
+                      <a:round/>
+                      <a:headEnd type="none" w="med" len="med"/>
+                      <a:tailEnd type="none" w="med" len="med"/>
+                    </a:lnT>
+                    <a:lnB w="12700" cap="flat" cmpd="sng" algn="ctr">
+                      <a:solidFill>
+                        <a:schemeClr val="tx1"/>
+                      </a:solidFill>
+                      <a:prstDash val="solid"/>
+                      <a:round/>
+                      <a:headEnd type="none" w="med" len="med"/>
+                      <a:tailEnd type="none" w="med" len="med"/>
+                    </a:lnB>
+                    <a:lnTlToBr w="12700" cmpd="sng">
+                      <a:noFill/>
+                      <a:prstDash val="solid"/>
+                    </a:lnTlToBr>
+                    <a:lnBlToTr w="12700" cmpd="sng">
+                      <a:noFill/>
+                      <a:prstDash val="solid"/>
+                    </a:lnBlToTr>
+                  </a:tcPr>
+                </a:tc>
+                <a:tc>
+                  <a:txBody>
+                    <a:bodyPr/>
+                    <a:lstStyle/>
+                    <a:p>
+                      <a:pPr marL="0" marR="0" lvl="0" indent="0" algn="l" defTabSz="914400" rtl="0" eaLnBrk="1" fontAlgn="auto" latinLnBrk="0" hangingPunct="1">
+                        <a:lnSpc>
+                          <a:spcPct val="100000"/>
+                        </a:lnSpc>
+                        <a:spcBef>
+                          <a:spcPts val="0"/>
+                        </a:spcBef>
+                        <a:spcAft>
+                          <a:spcPts val="0"/>
+                        </a:spcAft>
+                        <a:buClrTx/>
+                        <a:buSzTx/>
+                        <a:buFontTx/>
+                        <a:buNone/>
+                        <a:tabLst/>
+                        <a:defRPr/>
+                      </a:pPr>
+                      <a:r>
+                        <a:rPr lang="en-US" sz="1400" dirty="0" smtClean="0"/>
+                        <a:t>Channel</a:t>
+                      </a:r>
+                    </a:p>
+                  </a:txBody>
+                  <a:tcPr anchor="ctr">
+                    <a:lnL w="12700" cap="flat" cmpd="sng" algn="ctr">
+                      <a:solidFill>
+                        <a:schemeClr val="tx1"/>
+                      </a:solidFill>
+                      <a:prstDash val="solid"/>
+                      <a:round/>
+                      <a:headEnd type="none" w="med" len="med"/>
+                      <a:tailEnd type="none" w="med" len="med"/>
+                    </a:lnL>
+                    <a:lnR w="12700" cap="flat" cmpd="sng" algn="ctr">
+                      <a:solidFill>
+                        <a:schemeClr val="tx1"/>
+                      </a:solidFill>
+                      <a:prstDash val="solid"/>
+                      <a:round/>
+                      <a:headEnd type="none" w="med" len="med"/>
+                      <a:tailEnd type="none" w="med" len="med"/>
+                    </a:lnR>
+                    <a:lnT w="12700" cap="flat" cmpd="sng" algn="ctr">
+                      <a:solidFill>
+                        <a:schemeClr val="tx1"/>
+                      </a:solidFill>
+                      <a:prstDash val="solid"/>
+                      <a:round/>
+                      <a:headEnd type="none" w="med" len="med"/>
+                      <a:tailEnd type="none" w="med" len="med"/>
+                    </a:lnT>
+                    <a:lnB w="12700" cap="flat" cmpd="sng" algn="ctr">
+                      <a:solidFill>
+                        <a:schemeClr val="tx1"/>
+                      </a:solidFill>
+                      <a:prstDash val="solid"/>
+                      <a:round/>
+                      <a:headEnd type="none" w="med" len="med"/>
+                      <a:tailEnd type="none" w="med" len="med"/>
+                    </a:lnB>
+                    <a:lnTlToBr w="12700" cmpd="sng">
+                      <a:noFill/>
+                      <a:prstDash val="solid"/>
+                    </a:lnTlToBr>
+                    <a:lnBlToTr w="12700" cmpd="sng">
+                      <a:noFill/>
+                      <a:prstDash val="solid"/>
+                    </a:lnBlToTr>
+                  </a:tcPr>
+                </a:tc>
+                <a:tc>
+                  <a:txBody>
+                    <a:bodyPr/>
+                    <a:lstStyle/>
+                    <a:p>
+                      <a:pPr marL="0" marR="0" lvl="0" indent="0" algn="l" defTabSz="914400" rtl="0" eaLnBrk="1" fontAlgn="auto" latinLnBrk="0" hangingPunct="1">
+                        <a:lnSpc>
+                          <a:spcPct val="100000"/>
+                        </a:lnSpc>
+                        <a:spcBef>
+                          <a:spcPts val="0"/>
+                        </a:spcBef>
+                        <a:spcAft>
+                          <a:spcPts val="0"/>
+                        </a:spcAft>
+                        <a:buClrTx/>
+                        <a:buSzTx/>
+                        <a:buFontTx/>
+                        <a:buNone/>
+                        <a:tabLst/>
+                        <a:defRPr/>
+                      </a:pPr>
+                      <a:endParaRPr lang="en-US" sz="1400" dirty="0" smtClean="0"/>
+                    </a:p>
+                  </a:txBody>
+                  <a:tcPr anchor="ctr">
+                    <a:lnL w="12700" cap="flat" cmpd="sng" algn="ctr">
+                      <a:solidFill>
+                        <a:schemeClr val="tx1"/>
+                      </a:solidFill>
+                      <a:prstDash val="solid"/>
+                      <a:round/>
+                      <a:headEnd type="none" w="med" len="med"/>
+                      <a:tailEnd type="none" w="med" len="med"/>
+                    </a:lnL>
+                    <a:lnR w="12700" cap="flat" cmpd="sng" algn="ctr">
+                      <a:solidFill>
+                        <a:schemeClr val="tx1"/>
+                      </a:solidFill>
+                      <a:prstDash val="solid"/>
+                      <a:round/>
+                      <a:headEnd type="none" w="med" len="med"/>
+                      <a:tailEnd type="none" w="med" len="med"/>
+                    </a:lnR>
+                    <a:lnT w="12700" cap="flat" cmpd="sng" algn="ctr">
+                      <a:solidFill>
+                        <a:schemeClr val="tx1"/>
+                      </a:solidFill>
+                      <a:prstDash val="solid"/>
+                      <a:round/>
+                      <a:headEnd type="none" w="med" len="med"/>
+                      <a:tailEnd type="none" w="med" len="med"/>
+                    </a:lnT>
+                    <a:lnB w="12700" cap="flat" cmpd="sng" algn="ctr">
+                      <a:solidFill>
+                        <a:schemeClr val="tx1"/>
+                      </a:solidFill>
+                      <a:prstDash val="solid"/>
+                      <a:round/>
+                      <a:headEnd type="none" w="med" len="med"/>
+                      <a:tailEnd type="none" w="med" len="med"/>
+                    </a:lnB>
+                    <a:lnTlToBr w="12700" cmpd="sng">
+                      <a:noFill/>
+                      <a:prstDash val="solid"/>
+                    </a:lnTlToBr>
+                    <a:lnBlToTr w="12700" cmpd="sng">
+                      <a:noFill/>
+                      <a:prstDash val="solid"/>
+                    </a:lnBlToTr>
+                  </a:tcPr>
+                </a:tc>
+                <a:tc>
+                  <a:txBody>
+                    <a:bodyPr/>
+                    <a:lstStyle/>
+                    <a:p>
+                      <a:pPr marL="0" marR="0" lvl="0" indent="0" algn="l" defTabSz="914400" rtl="0" eaLnBrk="1" fontAlgn="auto" latinLnBrk="0" hangingPunct="1">
+                        <a:lnSpc>
+                          <a:spcPct val="100000"/>
+                        </a:lnSpc>
+                        <a:spcBef>
+                          <a:spcPts val="0"/>
+                        </a:spcBef>
+                        <a:spcAft>
+                          <a:spcPts val="0"/>
+                        </a:spcAft>
+                        <a:buClrTx/>
+                        <a:buSzTx/>
+                        <a:buFontTx/>
+                        <a:buNone/>
+                        <a:tabLst/>
+                        <a:defRPr/>
+                      </a:pPr>
+                      <a:r>
+                        <a:rPr lang="en-US" sz="1400" dirty="0" err="1" smtClean="0"/>
+                        <a:t>Orderer</a:t>
+                      </a:r>
+                      <a:endParaRPr lang="en-US" sz="1400" dirty="0" smtClean="0"/>
+                    </a:p>
+                  </a:txBody>
+                  <a:tcPr anchor="ctr">
+                    <a:lnL w="12700" cap="flat" cmpd="sng" algn="ctr">
+                      <a:solidFill>
+                        <a:schemeClr val="tx1"/>
+                      </a:solidFill>
+                      <a:prstDash val="solid"/>
+                      <a:round/>
+                      <a:headEnd type="none" w="med" len="med"/>
+                      <a:tailEnd type="none" w="med" len="med"/>
+                    </a:lnL>
+                    <a:lnR w="12700" cap="flat" cmpd="sng" algn="ctr">
+                      <a:solidFill>
+                        <a:schemeClr val="tx1"/>
+                      </a:solidFill>
+                      <a:prstDash val="solid"/>
+                      <a:round/>
+                      <a:headEnd type="none" w="med" len="med"/>
+                      <a:tailEnd type="none" w="med" len="med"/>
+                    </a:lnR>
+                    <a:lnT w="12700" cap="flat" cmpd="sng" algn="ctr">
+                      <a:solidFill>
+                        <a:schemeClr val="tx1"/>
+                      </a:solidFill>
+                      <a:prstDash val="solid"/>
+                      <a:round/>
+                      <a:headEnd type="none" w="med" len="med"/>
+                      <a:tailEnd type="none" w="med" len="med"/>
+                    </a:lnT>
+                    <a:lnB w="12700" cap="flat" cmpd="sng" algn="ctr">
+                      <a:solidFill>
+                        <a:schemeClr val="tx1"/>
+                      </a:solidFill>
+                      <a:prstDash val="solid"/>
+                      <a:round/>
+                      <a:headEnd type="none" w="med" len="med"/>
+                      <a:tailEnd type="none" w="med" len="med"/>
+                    </a:lnB>
+                    <a:lnTlToBr w="12700" cmpd="sng">
+                      <a:noFill/>
+                      <a:prstDash val="solid"/>
+                    </a:lnTlToBr>
+                    <a:lnBlToTr w="12700" cmpd="sng">
+                      <a:noFill/>
+                      <a:prstDash val="solid"/>
+                    </a:lnBlToTr>
+                  </a:tcPr>
+                </a:tc>
+              </a:tr>
+              <a:tr h="718962">
+                <a:tc>
+                  <a:txBody>
+                    <a:bodyPr/>
+                    <a:lstStyle/>
+                    <a:p>
+                      <a:pPr marL="0" marR="0" lvl="0" indent="0" algn="l" defTabSz="914400" rtl="0" eaLnBrk="1" fontAlgn="auto" latinLnBrk="0" hangingPunct="1">
+                        <a:lnSpc>
+                          <a:spcPct val="100000"/>
+                        </a:lnSpc>
+                        <a:spcBef>
+                          <a:spcPts val="0"/>
+                        </a:spcBef>
+                        <a:spcAft>
+                          <a:spcPts val="0"/>
+                        </a:spcAft>
+                        <a:buClrTx/>
+                        <a:buSzTx/>
+                        <a:buFontTx/>
+                        <a:buNone/>
+                        <a:tabLst/>
+                        <a:defRPr/>
+                      </a:pPr>
+                      <a:endParaRPr lang="en-US" sz="1400" dirty="0" smtClean="0"/>
+                    </a:p>
+                  </a:txBody>
+                  <a:tcPr anchor="ctr">
+                    <a:lnL w="12700" cap="flat" cmpd="sng" algn="ctr">
+                      <a:solidFill>
+                        <a:schemeClr val="tx1"/>
+                      </a:solidFill>
+                      <a:prstDash val="solid"/>
+                      <a:round/>
+                      <a:headEnd type="none" w="med" len="med"/>
+                      <a:tailEnd type="none" w="med" len="med"/>
+                    </a:lnL>
+                    <a:lnR w="12700" cap="flat" cmpd="sng" algn="ctr">
+                      <a:solidFill>
+                        <a:schemeClr val="tx1"/>
+                      </a:solidFill>
+                      <a:prstDash val="solid"/>
+                      <a:round/>
+                      <a:headEnd type="none" w="med" len="med"/>
+                      <a:tailEnd type="none" w="med" len="med"/>
+                    </a:lnR>
+                    <a:lnT w="12700" cap="flat" cmpd="sng" algn="ctr">
+                      <a:solidFill>
+                        <a:schemeClr val="tx1"/>
+                      </a:solidFill>
+                      <a:prstDash val="solid"/>
+                      <a:round/>
+                      <a:headEnd type="none" w="med" len="med"/>
+                      <a:tailEnd type="none" w="med" len="med"/>
+                    </a:lnT>
+                    <a:lnB w="12700" cap="flat" cmpd="sng" algn="ctr">
+                      <a:solidFill>
+                        <a:schemeClr val="tx1"/>
+                      </a:solidFill>
+                      <a:prstDash val="solid"/>
+                      <a:round/>
+                      <a:headEnd type="none" w="med" len="med"/>
+                      <a:tailEnd type="none" w="med" len="med"/>
+                    </a:lnB>
+                    <a:lnTlToBr w="12700" cmpd="sng">
+                      <a:noFill/>
+                      <a:prstDash val="solid"/>
+                    </a:lnTlToBr>
+                    <a:lnBlToTr w="12700" cmpd="sng">
+                      <a:noFill/>
+                      <a:prstDash val="solid"/>
+                    </a:lnBlToTr>
+                  </a:tcPr>
+                </a:tc>
+                <a:tc>
+                  <a:txBody>
+                    <a:bodyPr/>
+                    <a:lstStyle/>
+                    <a:p>
+                      <a:pPr marL="0" marR="0" lvl="0" indent="0" algn="l" defTabSz="914400" rtl="0" eaLnBrk="1" fontAlgn="auto" latinLnBrk="0" hangingPunct="1">
+                        <a:lnSpc>
+                          <a:spcPct val="100000"/>
+                        </a:lnSpc>
+                        <a:spcBef>
+                          <a:spcPts val="0"/>
+                        </a:spcBef>
+                        <a:spcAft>
+                          <a:spcPts val="0"/>
+                        </a:spcAft>
+                        <a:buClrTx/>
+                        <a:buSzTx/>
+                        <a:buFontTx/>
+                        <a:buNone/>
+                        <a:tabLst/>
+                        <a:defRPr/>
+                      </a:pPr>
+                      <a:r>
+                        <a:rPr lang="en-US" sz="1400" dirty="0" smtClean="0"/>
+                        <a:t>Peer</a:t>
+                      </a:r>
+                    </a:p>
+                  </a:txBody>
+                  <a:tcPr anchor="ctr">
+                    <a:lnL w="12700" cap="flat" cmpd="sng" algn="ctr">
+                      <a:solidFill>
+                        <a:schemeClr val="tx1"/>
+                      </a:solidFill>
+                      <a:prstDash val="solid"/>
+                      <a:round/>
+                      <a:headEnd type="none" w="med" len="med"/>
+                      <a:tailEnd type="none" w="med" len="med"/>
+                    </a:lnL>
+                    <a:lnR w="12700" cap="flat" cmpd="sng" algn="ctr">
+                      <a:solidFill>
+                        <a:schemeClr val="tx1"/>
+                      </a:solidFill>
+                      <a:prstDash val="solid"/>
+                      <a:round/>
+                      <a:headEnd type="none" w="med" len="med"/>
+                      <a:tailEnd type="none" w="med" len="med"/>
+                    </a:lnR>
+                    <a:lnT w="12700" cap="flat" cmpd="sng" algn="ctr">
+                      <a:solidFill>
+                        <a:schemeClr val="tx1"/>
+                      </a:solidFill>
+                      <a:prstDash val="solid"/>
+                      <a:round/>
+                      <a:headEnd type="none" w="med" len="med"/>
+                      <a:tailEnd type="none" w="med" len="med"/>
+                    </a:lnT>
+                    <a:lnB w="12700" cap="flat" cmpd="sng" algn="ctr">
+                      <a:solidFill>
+                        <a:schemeClr val="tx1"/>
+                      </a:solidFill>
+                      <a:prstDash val="solid"/>
+                      <a:round/>
+                      <a:headEnd type="none" w="med" len="med"/>
+                      <a:tailEnd type="none" w="med" len="med"/>
+                    </a:lnB>
+                    <a:lnTlToBr w="12700" cmpd="sng">
+                      <a:noFill/>
+                      <a:prstDash val="solid"/>
+                    </a:lnTlToBr>
+                    <a:lnBlToTr w="12700" cmpd="sng">
+                      <a:noFill/>
+                      <a:prstDash val="solid"/>
+                    </a:lnBlToTr>
+                  </a:tcPr>
+                </a:tc>
+                <a:tc>
+                  <a:txBody>
+                    <a:bodyPr/>
+                    <a:lstStyle/>
+                    <a:p>
+                      <a:pPr marL="0" marR="0" lvl="0" indent="0" algn="l" defTabSz="914400" rtl="0" eaLnBrk="1" fontAlgn="auto" latinLnBrk="0" hangingPunct="1">
+                        <a:lnSpc>
+                          <a:spcPct val="100000"/>
+                        </a:lnSpc>
+                        <a:spcBef>
+                          <a:spcPts val="0"/>
+                        </a:spcBef>
+                        <a:spcAft>
+                          <a:spcPts val="0"/>
+                        </a:spcAft>
+                        <a:buClrTx/>
+                        <a:buSzTx/>
+                        <a:buFontTx/>
+                        <a:buNone/>
+                        <a:tabLst/>
+                        <a:defRPr/>
+                      </a:pPr>
+                      <a:endParaRPr lang="en-US" sz="1400" dirty="0" smtClean="0"/>
+                    </a:p>
+                  </a:txBody>
+                  <a:tcPr anchor="ctr">
+                    <a:lnL w="12700" cap="flat" cmpd="sng" algn="ctr">
+                      <a:solidFill>
+                        <a:schemeClr val="tx1"/>
+                      </a:solidFill>
+                      <a:prstDash val="solid"/>
+                      <a:round/>
+                      <a:headEnd type="none" w="med" len="med"/>
+                      <a:tailEnd type="none" w="med" len="med"/>
+                    </a:lnL>
+                    <a:lnR w="12700" cap="flat" cmpd="sng" algn="ctr">
+                      <a:solidFill>
+                        <a:schemeClr val="tx1"/>
+                      </a:solidFill>
+                      <a:prstDash val="solid"/>
+                      <a:round/>
+                      <a:headEnd type="none" w="med" len="med"/>
+                      <a:tailEnd type="none" w="med" len="med"/>
+                    </a:lnR>
+                    <a:lnT w="12700" cap="flat" cmpd="sng" algn="ctr">
+                      <a:solidFill>
+                        <a:schemeClr val="tx1"/>
+                      </a:solidFill>
+                      <a:prstDash val="solid"/>
+                      <a:round/>
+                      <a:headEnd type="none" w="med" len="med"/>
+                      <a:tailEnd type="none" w="med" len="med"/>
+                    </a:lnT>
+                    <a:lnB w="12700" cap="flat" cmpd="sng" algn="ctr">
+                      <a:solidFill>
+                        <a:schemeClr val="tx1"/>
+                      </a:solidFill>
+                      <a:prstDash val="solid"/>
+                      <a:round/>
+                      <a:headEnd type="none" w="med" len="med"/>
+                      <a:tailEnd type="none" w="med" len="med"/>
+                    </a:lnB>
+                    <a:lnTlToBr w="12700" cmpd="sng">
+                      <a:noFill/>
+                      <a:prstDash val="solid"/>
+                    </a:lnTlToBr>
+                    <a:lnBlToTr w="12700" cmpd="sng">
+                      <a:noFill/>
+                      <a:prstDash val="solid"/>
+                    </a:lnBlToTr>
+                  </a:tcPr>
+                </a:tc>
+                <a:tc>
+                  <a:txBody>
+                    <a:bodyPr/>
+                    <a:lstStyle/>
+                    <a:p>
+                      <a:pPr marL="0" marR="0" lvl="0" indent="0" algn="l" defTabSz="914400" rtl="0" eaLnBrk="1" fontAlgn="auto" latinLnBrk="0" hangingPunct="1">
+                        <a:lnSpc>
+                          <a:spcPct val="100000"/>
+                        </a:lnSpc>
+                        <a:spcBef>
+                          <a:spcPts val="0"/>
+                        </a:spcBef>
+                        <a:spcAft>
+                          <a:spcPts val="0"/>
+                        </a:spcAft>
+                        <a:buClrTx/>
+                        <a:buSzTx/>
+                        <a:buFontTx/>
+                        <a:buNone/>
+                        <a:tabLst/>
+                        <a:defRPr/>
+                      </a:pPr>
+                      <a:r>
+                        <a:rPr lang="en-US" sz="1400" dirty="0" smtClean="0"/>
+                        <a:t>Endorsement policy</a:t>
+                      </a:r>
+                    </a:p>
+                  </a:txBody>
+                  <a:tcPr anchor="ctr">
+                    <a:lnL w="12700" cap="flat" cmpd="sng" algn="ctr">
+                      <a:solidFill>
+                        <a:schemeClr val="tx1"/>
+                      </a:solidFill>
+                      <a:prstDash val="solid"/>
+                      <a:round/>
+                      <a:headEnd type="none" w="med" len="med"/>
+                      <a:tailEnd type="none" w="med" len="med"/>
+                    </a:lnL>
+                    <a:lnR w="12700" cap="flat" cmpd="sng" algn="ctr">
+                      <a:solidFill>
+                        <a:schemeClr val="tx1"/>
+                      </a:solidFill>
+                      <a:prstDash val="solid"/>
+                      <a:round/>
+                      <a:headEnd type="none" w="med" len="med"/>
+                      <a:tailEnd type="none" w="med" len="med"/>
+                    </a:lnR>
+                    <a:lnT w="12700" cap="flat" cmpd="sng" algn="ctr">
+                      <a:solidFill>
+                        <a:schemeClr val="tx1"/>
+                      </a:solidFill>
+                      <a:prstDash val="solid"/>
+                      <a:round/>
+                      <a:headEnd type="none" w="med" len="med"/>
+                      <a:tailEnd type="none" w="med" len="med"/>
+                    </a:lnT>
+                    <a:lnB w="12700" cap="flat" cmpd="sng" algn="ctr">
+                      <a:solidFill>
+                        <a:schemeClr val="tx1"/>
+                      </a:solidFill>
+                      <a:prstDash val="solid"/>
+                      <a:round/>
+                      <a:headEnd type="none" w="med" len="med"/>
+                      <a:tailEnd type="none" w="med" len="med"/>
+                    </a:lnB>
+                    <a:lnTlToBr w="12700" cmpd="sng">
+                      <a:noFill/>
+                      <a:prstDash val="solid"/>
+                    </a:lnTlToBr>
+                    <a:lnBlToTr w="12700" cmpd="sng">
+                      <a:noFill/>
+                      <a:prstDash val="solid"/>
+                    </a:lnBlToTr>
+                  </a:tcPr>
+                </a:tc>
+              </a:tr>
+              <a:tr h="718962">
+                <a:tc>
+                  <a:txBody>
+                    <a:bodyPr/>
+                    <a:lstStyle/>
+                    <a:p>
+                      <a:pPr marL="0" marR="0" lvl="0" indent="0" algn="l" defTabSz="914400" rtl="0" eaLnBrk="1" fontAlgn="auto" latinLnBrk="0" hangingPunct="1">
+                        <a:lnSpc>
+                          <a:spcPct val="100000"/>
+                        </a:lnSpc>
+                        <a:spcBef>
+                          <a:spcPts val="0"/>
+                        </a:spcBef>
+                        <a:spcAft>
+                          <a:spcPts val="0"/>
+                        </a:spcAft>
+                        <a:buClrTx/>
+                        <a:buSzTx/>
+                        <a:buFontTx/>
+                        <a:buNone/>
+                        <a:tabLst/>
+                        <a:defRPr/>
+                      </a:pPr>
+                      <a:endParaRPr lang="en-US" sz="1400" dirty="0" smtClean="0"/>
+                    </a:p>
+                  </a:txBody>
+                  <a:tcPr anchor="ctr">
+                    <a:lnL w="12700" cap="flat" cmpd="sng" algn="ctr">
+                      <a:solidFill>
+                        <a:schemeClr val="tx1"/>
+                      </a:solidFill>
+                      <a:prstDash val="solid"/>
+                      <a:round/>
+                      <a:headEnd type="none" w="med" len="med"/>
+                      <a:tailEnd type="none" w="med" len="med"/>
+                    </a:lnL>
+                    <a:lnR w="12700" cap="flat" cmpd="sng" algn="ctr">
+                      <a:solidFill>
+                        <a:schemeClr val="tx1"/>
+                      </a:solidFill>
+                      <a:prstDash val="solid"/>
+                      <a:round/>
+                      <a:headEnd type="none" w="med" len="med"/>
+                      <a:tailEnd type="none" w="med" len="med"/>
+                    </a:lnR>
+                    <a:lnT w="12700" cap="flat" cmpd="sng" algn="ctr">
+                      <a:solidFill>
+                        <a:schemeClr val="tx1"/>
+                      </a:solidFill>
+                      <a:prstDash val="solid"/>
+                      <a:round/>
+                      <a:headEnd type="none" w="med" len="med"/>
+                      <a:tailEnd type="none" w="med" len="med"/>
+                    </a:lnT>
+                    <a:lnB w="12700" cap="flat" cmpd="sng" algn="ctr">
+                      <a:solidFill>
+                        <a:schemeClr val="tx1"/>
+                      </a:solidFill>
+                      <a:prstDash val="solid"/>
+                      <a:round/>
+                      <a:headEnd type="none" w="med" len="med"/>
+                      <a:tailEnd type="none" w="med" len="med"/>
+                    </a:lnB>
+                    <a:lnTlToBr w="12700" cmpd="sng">
+                      <a:noFill/>
+                      <a:prstDash val="solid"/>
+                    </a:lnTlToBr>
+                    <a:lnBlToTr w="12700" cmpd="sng">
+                      <a:noFill/>
+                      <a:prstDash val="solid"/>
+                    </a:lnBlToTr>
+                  </a:tcPr>
+                </a:tc>
+                <a:tc>
+                  <a:txBody>
+                    <a:bodyPr/>
+                    <a:lstStyle/>
+                    <a:p>
+                      <a:pPr marL="0" marR="0" lvl="0" indent="0" algn="l" defTabSz="914400" rtl="0" eaLnBrk="1" fontAlgn="auto" latinLnBrk="0" hangingPunct="1">
+                        <a:lnSpc>
+                          <a:spcPct val="100000"/>
+                        </a:lnSpc>
+                        <a:spcBef>
+                          <a:spcPts val="0"/>
+                        </a:spcBef>
+                        <a:spcAft>
+                          <a:spcPts val="0"/>
+                        </a:spcAft>
+                        <a:buClrTx/>
+                        <a:buSzTx/>
+                        <a:buFontTx/>
+                        <a:buNone/>
+                        <a:tabLst/>
+                        <a:defRPr/>
+                      </a:pPr>
+                      <a:r>
+                        <a:rPr lang="en-US" sz="1400" dirty="0" smtClean="0"/>
+                        <a:t>Ledger</a:t>
+                      </a:r>
+                    </a:p>
+                  </a:txBody>
+                  <a:tcPr anchor="ctr">
+                    <a:lnL w="12700" cap="flat" cmpd="sng" algn="ctr">
+                      <a:solidFill>
+                        <a:schemeClr val="tx1"/>
+                      </a:solidFill>
+                      <a:prstDash val="solid"/>
+                      <a:round/>
+                      <a:headEnd type="none" w="med" len="med"/>
+                      <a:tailEnd type="none" w="med" len="med"/>
+                    </a:lnL>
+                    <a:lnR w="12700" cap="flat" cmpd="sng" algn="ctr">
+                      <a:solidFill>
+                        <a:schemeClr val="tx1"/>
+                      </a:solidFill>
+                      <a:prstDash val="solid"/>
+                      <a:round/>
+                      <a:headEnd type="none" w="med" len="med"/>
+                      <a:tailEnd type="none" w="med" len="med"/>
+                    </a:lnR>
+                    <a:lnT w="12700" cap="flat" cmpd="sng" algn="ctr">
+                      <a:solidFill>
+                        <a:schemeClr val="tx1"/>
+                      </a:solidFill>
+                      <a:prstDash val="solid"/>
+                      <a:round/>
+                      <a:headEnd type="none" w="med" len="med"/>
+                      <a:tailEnd type="none" w="med" len="med"/>
+                    </a:lnT>
+                    <a:lnB w="12700" cap="flat" cmpd="sng" algn="ctr">
+                      <a:solidFill>
+                        <a:schemeClr val="tx1"/>
+                      </a:solidFill>
+                      <a:prstDash val="solid"/>
+                      <a:round/>
+                      <a:headEnd type="none" w="med" len="med"/>
+                      <a:tailEnd type="none" w="med" len="med"/>
+                    </a:lnB>
+                    <a:lnTlToBr w="12700" cmpd="sng">
+                      <a:noFill/>
+                      <a:prstDash val="solid"/>
+                    </a:lnTlToBr>
+                    <a:lnBlToTr w="12700" cmpd="sng">
+                      <a:noFill/>
+                      <a:prstDash val="solid"/>
+                    </a:lnBlToTr>
+                  </a:tcPr>
+                </a:tc>
+                <a:tc>
+                  <a:txBody>
+                    <a:bodyPr/>
+                    <a:lstStyle/>
+                    <a:p>
+                      <a:pPr marL="0" marR="0" lvl="0" indent="0" algn="l" defTabSz="914400" rtl="0" eaLnBrk="1" fontAlgn="auto" latinLnBrk="0" hangingPunct="1">
+                        <a:lnSpc>
+                          <a:spcPct val="100000"/>
+                        </a:lnSpc>
+                        <a:spcBef>
+                          <a:spcPts val="0"/>
+                        </a:spcBef>
+                        <a:spcAft>
+                          <a:spcPts val="0"/>
+                        </a:spcAft>
+                        <a:buClrTx/>
+                        <a:buSzTx/>
+                        <a:buFontTx/>
+                        <a:buNone/>
+                        <a:tabLst/>
+                        <a:defRPr/>
+                      </a:pPr>
+                      <a:endParaRPr lang="en-US" sz="1400" dirty="0" smtClean="0"/>
+                    </a:p>
+                  </a:txBody>
+                  <a:tcPr anchor="ctr">
+                    <a:lnL w="12700" cap="flat" cmpd="sng" algn="ctr">
+                      <a:solidFill>
+                        <a:schemeClr val="tx1"/>
+                      </a:solidFill>
+                      <a:prstDash val="solid"/>
+                      <a:round/>
+                      <a:headEnd type="none" w="med" len="med"/>
+                      <a:tailEnd type="none" w="med" len="med"/>
+                    </a:lnL>
+                    <a:lnR w="12700" cap="flat" cmpd="sng" algn="ctr">
+                      <a:solidFill>
+                        <a:schemeClr val="tx1"/>
+                      </a:solidFill>
+                      <a:prstDash val="solid"/>
+                      <a:round/>
+                      <a:headEnd type="none" w="med" len="med"/>
+                      <a:tailEnd type="none" w="med" len="med"/>
+                    </a:lnR>
+                    <a:lnT w="12700" cap="flat" cmpd="sng" algn="ctr">
+                      <a:solidFill>
+                        <a:schemeClr val="tx1"/>
+                      </a:solidFill>
+                      <a:prstDash val="solid"/>
+                      <a:round/>
+                      <a:headEnd type="none" w="med" len="med"/>
+                      <a:tailEnd type="none" w="med" len="med"/>
+                    </a:lnT>
+                    <a:lnB w="12700" cap="flat" cmpd="sng" algn="ctr">
+                      <a:solidFill>
+                        <a:schemeClr val="tx1"/>
+                      </a:solidFill>
+                      <a:prstDash val="solid"/>
+                      <a:round/>
+                      <a:headEnd type="none" w="med" len="med"/>
+                      <a:tailEnd type="none" w="med" len="med"/>
+                    </a:lnB>
+                    <a:lnTlToBr w="12700" cmpd="sng">
+                      <a:noFill/>
+                      <a:prstDash val="solid"/>
+                    </a:lnTlToBr>
+                    <a:lnBlToTr w="12700" cmpd="sng">
+                      <a:noFill/>
+                      <a:prstDash val="solid"/>
+                    </a:lnBlToTr>
+                  </a:tcPr>
+                </a:tc>
+                <a:tc>
+                  <a:txBody>
+                    <a:bodyPr/>
+                    <a:lstStyle/>
+                    <a:p>
+                      <a:pPr marL="0" marR="0" lvl="0" indent="0" algn="l" defTabSz="914400" rtl="0" eaLnBrk="1" fontAlgn="auto" latinLnBrk="0" hangingPunct="1">
+                        <a:lnSpc>
+                          <a:spcPct val="100000"/>
+                        </a:lnSpc>
+                        <a:spcBef>
+                          <a:spcPts val="0"/>
+                        </a:spcBef>
+                        <a:spcAft>
+                          <a:spcPts val="0"/>
+                        </a:spcAft>
+                        <a:buClrTx/>
+                        <a:buSzTx/>
+                        <a:buFontTx/>
+                        <a:buNone/>
+                        <a:tabLst/>
+                        <a:defRPr/>
+                      </a:pPr>
+                      <a:endParaRPr lang="en-US" sz="1800" dirty="0" smtClean="0"/>
+                    </a:p>
+                  </a:txBody>
+                  <a:tcPr anchor="ctr">
+                    <a:lnL w="12700" cap="flat" cmpd="sng" algn="ctr">
+                      <a:solidFill>
+                        <a:schemeClr val="tx1"/>
+                      </a:solidFill>
+                      <a:prstDash val="solid"/>
+                      <a:round/>
+                      <a:headEnd type="none" w="med" len="med"/>
+                      <a:tailEnd type="none" w="med" len="med"/>
+                    </a:lnL>
+                    <a:lnR w="12700" cap="flat" cmpd="sng" algn="ctr">
+                      <a:solidFill>
+                        <a:schemeClr val="tx1"/>
+                      </a:solidFill>
+                      <a:prstDash val="solid"/>
+                      <a:round/>
+                      <a:headEnd type="none" w="med" len="med"/>
+                      <a:tailEnd type="none" w="med" len="med"/>
+                    </a:lnR>
+                    <a:lnT w="12700" cap="flat" cmpd="sng" algn="ctr">
+                      <a:solidFill>
+                        <a:schemeClr val="tx1"/>
+                      </a:solidFill>
+                      <a:prstDash val="solid"/>
+                      <a:round/>
+                      <a:headEnd type="none" w="med" len="med"/>
+                      <a:tailEnd type="none" w="med" len="med"/>
+                    </a:lnT>
+                    <a:lnB w="12700" cap="flat" cmpd="sng" algn="ctr">
+                      <a:solidFill>
+                        <a:schemeClr val="tx1"/>
+                      </a:solidFill>
+                      <a:prstDash val="solid"/>
+                      <a:round/>
+                      <a:headEnd type="none" w="med" len="med"/>
+                      <a:tailEnd type="none" w="med" len="med"/>
+                    </a:lnB>
+                    <a:lnTlToBr w="12700" cmpd="sng">
+                      <a:noFill/>
+                      <a:prstDash val="solid"/>
+                    </a:lnTlToBr>
+                    <a:lnBlToTr w="12700" cmpd="sng">
+                      <a:noFill/>
+                      <a:prstDash val="solid"/>
+                    </a:lnBlToTr>
+                  </a:tcPr>
+                </a:tc>
+              </a:tr>
+            </a:tbl>
+          </a:graphicData>
+        </a:graphic>
+      </p:graphicFrame>
+      <p:sp>
+        <p:nvSpPr>
+          <p:cNvPr id="5" name="Document 4"/>
+          <p:cNvSpPr/>
+          <p:nvPr/>
+        </p:nvSpPr>
+        <p:spPr>
+          <a:xfrm>
+            <a:off x="1500836" y="4556100"/>
+            <a:ext cx="523020" cy="414227"/>
+          </a:xfrm>
+          <a:prstGeom prst="flowChartDocument">
+            <a:avLst/>
+          </a:prstGeom>
+          <a:solidFill>
+            <a:srgbClr val="00B050"/>
+          </a:solidFill>
+          <a:ln w="19050">
+            <a:solidFill>
+              <a:srgbClr val="0070C0"/>
+            </a:solidFill>
+          </a:ln>
+        </p:spPr>
+        <p:style>
+          <a:lnRef idx="2">
+            <a:schemeClr val="accent1">
+              <a:shade val="50000"/>
+            </a:schemeClr>
+          </a:lnRef>
+          <a:fillRef idx="1">
+            <a:schemeClr val="accent1"/>
+          </a:fillRef>
+          <a:effectRef idx="0">
+            <a:schemeClr val="accent1"/>
+          </a:effectRef>
+          <a:fontRef idx="minor">
+            <a:schemeClr val="lt1"/>
+          </a:fontRef>
+        </p:style>
+        <p:txBody>
+          <a:bodyPr rtlCol="0" anchor="ctr"/>
+          <a:lstStyle/>
+          <a:p>
+            <a:pPr algn="ctr" defTabSz="457200"/>
+            <a:r>
+              <a:rPr lang="en-US" sz="1400" b="1" dirty="0" smtClean="0">
+                <a:solidFill>
+                  <a:srgbClr val="000000"/>
+                </a:solidFill>
+              </a:rPr>
+              <a:t>L</a:t>
+            </a:r>
+            <a:endParaRPr lang="en-US" sz="1400" b="1" dirty="0">
+              <a:solidFill>
+                <a:srgbClr val="000000"/>
+              </a:solidFill>
+            </a:endParaRPr>
+          </a:p>
+        </p:txBody>
+      </p:sp>
+      <p:sp>
+        <p:nvSpPr>
+          <p:cNvPr id="7" name="Rounded Rectangle 6"/>
+          <p:cNvSpPr/>
+          <p:nvPr/>
+        </p:nvSpPr>
+        <p:spPr>
+          <a:xfrm>
+            <a:off x="3819089" y="3067711"/>
+            <a:ext cx="470643" cy="431746"/>
+          </a:xfrm>
+          <a:prstGeom prst="roundRect">
+            <a:avLst/>
+          </a:prstGeom>
+          <a:solidFill>
+            <a:srgbClr val="00B050"/>
+          </a:solidFill>
+          <a:ln w="19050">
+            <a:solidFill>
+              <a:srgbClr val="0070C0"/>
+            </a:solidFill>
+          </a:ln>
+        </p:spPr>
+        <p:style>
+          <a:lnRef idx="2">
+            <a:schemeClr val="accent1">
+              <a:shade val="50000"/>
+            </a:schemeClr>
+          </a:lnRef>
+          <a:fillRef idx="1">
+            <a:schemeClr val="accent1"/>
+          </a:fillRef>
+          <a:effectRef idx="0">
+            <a:schemeClr val="accent1"/>
+          </a:effectRef>
+          <a:fontRef idx="minor">
+            <a:schemeClr val="lt1"/>
+          </a:fontRef>
+        </p:style>
+        <p:txBody>
+          <a:bodyPr rtlCol="0" anchor="ctr"/>
+          <a:lstStyle/>
+          <a:p>
+            <a:pPr algn="ctr" defTabSz="457200"/>
+            <a:r>
+              <a:rPr lang="en-US" sz="1400" b="1" dirty="0" smtClean="0">
+                <a:solidFill>
+                  <a:srgbClr val="000000"/>
+                </a:solidFill>
+                <a:ea typeface="Arial" charset="0"/>
+                <a:cs typeface="Arial" charset="0"/>
+              </a:rPr>
+              <a:t>O</a:t>
+            </a:r>
+            <a:endParaRPr lang="en-US" sz="1600" b="1" dirty="0">
+              <a:solidFill>
+                <a:srgbClr val="000000"/>
+              </a:solidFill>
+              <a:ea typeface="Arial" charset="0"/>
+              <a:cs typeface="Arial" charset="0"/>
+            </a:endParaRPr>
+          </a:p>
+        </p:txBody>
+      </p:sp>
+      <p:grpSp>
+        <p:nvGrpSpPr>
+          <p:cNvPr id="8" name="Group 7"/>
+          <p:cNvGrpSpPr/>
+          <p:nvPr/>
+        </p:nvGrpSpPr>
+        <p:grpSpPr>
+          <a:xfrm>
+            <a:off x="1586269" y="3132364"/>
+            <a:ext cx="371378" cy="176077"/>
+            <a:chOff x="4196756" y="2044364"/>
+            <a:chExt cx="399060" cy="189201"/>
+          </a:xfrm>
+        </p:grpSpPr>
+        <p:sp>
+          <p:nvSpPr>
+            <p:cNvPr id="9" name="Oval 8"/>
+            <p:cNvSpPr/>
+            <p:nvPr/>
+          </p:nvSpPr>
+          <p:spPr>
+            <a:xfrm>
+              <a:off x="4196756" y="2044364"/>
+              <a:ext cx="189201" cy="189201"/>
+            </a:xfrm>
+            <a:prstGeom prst="ellipse">
+              <a:avLst/>
+            </a:prstGeom>
+            <a:solidFill>
+              <a:srgbClr val="4372C4"/>
+            </a:solidFill>
+            <a:ln w="25400" cmpd="sng">
+              <a:solidFill>
+                <a:srgbClr val="0070C0"/>
+              </a:solidFill>
+            </a:ln>
+          </p:spPr>
+          <p:style>
+            <a:lnRef idx="1">
+              <a:schemeClr val="accent1"/>
+            </a:lnRef>
+            <a:fillRef idx="3">
+              <a:schemeClr val="accent1"/>
+            </a:fillRef>
+            <a:effectRef idx="2">
+              <a:schemeClr val="accent1"/>
+            </a:effectRef>
+            <a:fontRef idx="minor">
+              <a:schemeClr val="lt1"/>
+            </a:fontRef>
+          </p:style>
+          <p:txBody>
+            <a:bodyPr rtlCol="0" anchor="ctr"/>
+            <a:lstStyle/>
+            <a:p>
+              <a:pPr algn="ctr" defTabSz="457200"/>
+              <a:endParaRPr lang="en-GB" sz="1000">
+                <a:solidFill>
+                  <a:srgbClr val="000000"/>
+                </a:solidFill>
+              </a:endParaRPr>
+            </a:p>
+          </p:txBody>
+        </p:sp>
+        <p:cxnSp>
+          <p:nvCxnSpPr>
+            <p:cNvPr id="10" name="Straight Connector 9"/>
+            <p:cNvCxnSpPr/>
+            <p:nvPr/>
+          </p:nvCxnSpPr>
+          <p:spPr>
+            <a:xfrm flipV="1">
+              <a:off x="4385957" y="2138964"/>
+              <a:ext cx="209859" cy="1"/>
+            </a:xfrm>
+            <a:prstGeom prst="line">
+              <a:avLst/>
+            </a:prstGeom>
+            <a:solidFill>
+              <a:srgbClr val="4372C4"/>
+            </a:solidFill>
+            <a:ln w="25400" cap="flat" cmpd="sng" algn="ctr">
+              <a:solidFill>
+                <a:srgbClr val="0070C0"/>
+              </a:solidFill>
+              <a:prstDash val="solid"/>
+              <a:tailEnd type="none"/>
+            </a:ln>
+            <a:effectLst>
+              <a:outerShdw blurRad="40000" dist="20000" dir="5400000" rotWithShape="0">
+                <a:srgbClr val="000000">
+                  <a:alpha val="38000"/>
+                </a:srgbClr>
+              </a:outerShdw>
+            </a:effectLst>
+          </p:spPr>
+        </p:cxnSp>
+      </p:grpSp>
+      <p:sp>
+        <p:nvSpPr>
+          <p:cNvPr id="11" name="Folded Corner 10"/>
+          <p:cNvSpPr/>
+          <p:nvPr/>
+        </p:nvSpPr>
+        <p:spPr>
+          <a:xfrm>
+            <a:off x="3783735" y="3762258"/>
+            <a:ext cx="523776" cy="459099"/>
+          </a:xfrm>
+          <a:prstGeom prst="foldedCorner">
+            <a:avLst/>
+          </a:prstGeom>
+          <a:solidFill>
+            <a:srgbClr val="F7ADFF"/>
+          </a:solidFill>
+          <a:ln w="12700" cap="flat" cmpd="sng" algn="ctr">
+            <a:solidFill>
+              <a:srgbClr val="3C75BD"/>
+            </a:solidFill>
+            <a:prstDash val="solid"/>
+          </a:ln>
+          <a:effectLst/>
+        </p:spPr>
+        <p:txBody>
+          <a:bodyPr rtlCol="0" anchor="ctr"/>
+          <a:lstStyle/>
+          <a:p>
+            <a:pPr algn="ctr" defTabSz="457200">
+              <a:defRPr/>
+            </a:pPr>
+            <a:r>
+              <a:rPr lang="en-US" sz="1400" b="1" kern="0" dirty="0">
+                <a:solidFill>
+                  <a:srgbClr val="000000"/>
+                </a:solidFill>
+              </a:rPr>
+              <a:t>P</a:t>
+            </a:r>
+            <a:endParaRPr lang="en-US" sz="1400" b="1" kern="0" dirty="0" smtClean="0">
+              <a:solidFill>
+                <a:srgbClr val="000000"/>
+              </a:solidFill>
+            </a:endParaRPr>
+          </a:p>
+        </p:txBody>
+      </p:sp>
+      <p:sp>
+        <p:nvSpPr>
+          <p:cNvPr id="24" name="Rounded Rectangle 23"/>
+          <p:cNvSpPr/>
+          <p:nvPr/>
+        </p:nvSpPr>
+        <p:spPr>
+          <a:xfrm>
+            <a:off x="1504603" y="2305769"/>
+            <a:ext cx="470643" cy="431746"/>
+          </a:xfrm>
+          <a:prstGeom prst="roundRect">
+            <a:avLst/>
+          </a:prstGeom>
+          <a:solidFill>
+            <a:schemeClr val="accent1">
+              <a:lumMod val="20000"/>
+              <a:lumOff val="80000"/>
+            </a:schemeClr>
+          </a:solidFill>
+          <a:ln w="19050">
+            <a:solidFill>
+              <a:srgbClr val="0070C0"/>
+            </a:solidFill>
+          </a:ln>
+        </p:spPr>
+        <p:style>
+          <a:lnRef idx="2">
+            <a:schemeClr val="accent1">
+              <a:shade val="50000"/>
+            </a:schemeClr>
+          </a:lnRef>
+          <a:fillRef idx="1">
+            <a:schemeClr val="accent1"/>
+          </a:fillRef>
+          <a:effectRef idx="0">
+            <a:schemeClr val="accent1"/>
+          </a:effectRef>
+          <a:fontRef idx="minor">
+            <a:schemeClr val="lt1"/>
+          </a:fontRef>
+        </p:style>
+        <p:txBody>
+          <a:bodyPr rtlCol="0" anchor="ctr"/>
+          <a:lstStyle/>
+          <a:p>
+            <a:pPr algn="ctr" defTabSz="457200"/>
+            <a:r>
+              <a:rPr lang="en-US" sz="1400" b="1" dirty="0" smtClean="0">
+                <a:solidFill>
+                  <a:srgbClr val="000000"/>
+                </a:solidFill>
+                <a:ea typeface="Arial" charset="0"/>
+                <a:cs typeface="Arial" charset="0"/>
+              </a:rPr>
+              <a:t>N</a:t>
+            </a:r>
+            <a:endParaRPr lang="en-US" sz="1600" b="1" dirty="0">
+              <a:solidFill>
+                <a:srgbClr val="000000"/>
+              </a:solidFill>
+              <a:ea typeface="Arial" charset="0"/>
+              <a:cs typeface="Arial" charset="0"/>
+            </a:endParaRPr>
+          </a:p>
+        </p:txBody>
+      </p:sp>
+      <p:sp>
+        <p:nvSpPr>
+          <p:cNvPr id="25" name="Rounded Rectangle 24"/>
+          <p:cNvSpPr/>
+          <p:nvPr/>
+        </p:nvSpPr>
+        <p:spPr>
+          <a:xfrm>
+            <a:off x="3808543" y="2304475"/>
+            <a:ext cx="481189" cy="444147"/>
+          </a:xfrm>
+          <a:prstGeom prst="roundRect">
+            <a:avLst/>
+          </a:prstGeom>
+          <a:solidFill>
+            <a:srgbClr val="FFC000"/>
+          </a:solidFill>
+          <a:ln w="19050" cmpd="sng">
+            <a:solidFill>
+              <a:srgbClr val="0070C0"/>
+            </a:solidFill>
+          </a:ln>
+          <a:effectLst/>
+        </p:spPr>
+        <p:style>
+          <a:lnRef idx="1">
+            <a:schemeClr val="accent1"/>
+          </a:lnRef>
+          <a:fillRef idx="3">
+            <a:schemeClr val="accent1"/>
+          </a:fillRef>
+          <a:effectRef idx="2">
+            <a:schemeClr val="accent1"/>
+          </a:effectRef>
+          <a:fontRef idx="minor">
+            <a:schemeClr val="lt1"/>
+          </a:fontRef>
+        </p:style>
+        <p:txBody>
+          <a:bodyPr rtlCol="0" anchor="ctr"/>
+          <a:lstStyle/>
+          <a:p>
+            <a:pPr algn="ctr" defTabSz="457200"/>
+            <a:r>
+              <a:rPr lang="en-US" sz="1400" b="1" dirty="0" smtClean="0">
+                <a:solidFill>
+                  <a:srgbClr val="000000"/>
+                </a:solidFill>
+                <a:ea typeface="Arial" charset="0"/>
+                <a:cs typeface="Arial" charset="0"/>
+              </a:rPr>
+              <a:t>S</a:t>
+            </a:r>
+            <a:endParaRPr lang="en-US" sz="1400" b="1" dirty="0">
+              <a:solidFill>
+                <a:srgbClr val="000000"/>
+              </a:solidFill>
+              <a:ea typeface="Arial" charset="0"/>
+              <a:cs typeface="Arial" charset="0"/>
+            </a:endParaRPr>
+          </a:p>
+        </p:txBody>
+      </p:sp>
+      <p:sp>
+        <p:nvSpPr>
+          <p:cNvPr id="26" name="Rounded Rectangle 25"/>
+          <p:cNvSpPr/>
+          <p:nvPr/>
+        </p:nvSpPr>
+        <p:spPr>
+          <a:xfrm>
+            <a:off x="1504603" y="3769735"/>
+            <a:ext cx="481189" cy="444147"/>
+          </a:xfrm>
+          <a:prstGeom prst="roundRect">
+            <a:avLst/>
+          </a:prstGeom>
+          <a:solidFill>
+            <a:schemeClr val="accent1"/>
+          </a:solidFill>
+          <a:ln w="19050" cmpd="sng">
+            <a:solidFill>
+              <a:srgbClr val="0070C0"/>
+            </a:solidFill>
+          </a:ln>
+          <a:effectLst/>
+        </p:spPr>
+        <p:style>
+          <a:lnRef idx="1">
+            <a:schemeClr val="accent1"/>
+          </a:lnRef>
+          <a:fillRef idx="3">
+            <a:schemeClr val="accent1"/>
+          </a:fillRef>
+          <a:effectRef idx="2">
+            <a:schemeClr val="accent1"/>
+          </a:effectRef>
+          <a:fontRef idx="minor">
+            <a:schemeClr val="lt1"/>
+          </a:fontRef>
+        </p:style>
+        <p:txBody>
+          <a:bodyPr rtlCol="0" anchor="ctr"/>
+          <a:lstStyle/>
+          <a:p>
+            <a:pPr algn="ctr" defTabSz="457200"/>
+            <a:r>
+              <a:rPr lang="en-US" sz="1400" b="1" dirty="0">
+                <a:solidFill>
+                  <a:schemeClr val="bg1"/>
+                </a:solidFill>
+                <a:ea typeface="Arial" charset="0"/>
+                <a:cs typeface="Arial" charset="0"/>
+              </a:rPr>
+              <a:t>P</a:t>
+            </a:r>
+          </a:p>
+        </p:txBody>
+      </p:sp>
+    </p:spTree>
+    <p:extLst>
+      <p:ext uri="{BB962C8B-B14F-4D97-AF65-F5344CB8AC3E}">
+        <p14:creationId xmlns:p14="http://schemas.microsoft.com/office/powerpoint/2010/main" val="1994188665"/>
+      </p:ext>
+    </p:extLst>
+  </p:cSld>
+  <p:clrMapOvr>
+    <a:masterClrMapping/>
+  </p:clrMapOvr>
+  <p:timing>
+    <p:tnLst>
+      <p:par>
+        <p:cTn id="1" dur="indefinite" restart="never" nodeType="tmRoot"/>
+      </p:par>
+    </p:tnLst>
+  </p:timing>
+</p:sld>
+</file>
+
+<file path=ppt/slides/slide8.xml><?xml version="1.0" encoding="utf-8"?>
+<p:sld xmlns:a="http://schemas.openxmlformats.org/drawingml/2006/main" xmlns:r="http://schemas.openxmlformats.org/officeDocument/2006/relationships" xmlns:p="http://schemas.openxmlformats.org/presentationml/2006/main">
+  <p:cSld>
+    <p:spTree>
+      <p:nvGrpSpPr>
+        <p:cNvPr id="1" name=""/>
+        <p:cNvGrpSpPr/>
+        <p:nvPr/>
+      </p:nvGrpSpPr>
+      <p:grpSpPr>
+        <a:xfrm>
+          <a:off x="0" y="0"/>
+          <a:ext cx="0" cy="0"/>
+          <a:chOff x="0" y="0"/>
+          <a:chExt cx="0" cy="0"/>
+        </a:xfrm>
+      </p:grpSpPr>
+      <p:sp>
+        <p:nvSpPr>
+          <p:cNvPr id="6" name="Rounded Rectangle 5"/>
+          <p:cNvSpPr/>
+          <p:nvPr/>
+        </p:nvSpPr>
+        <p:spPr>
+          <a:xfrm>
+            <a:off x="7679891" y="2382075"/>
+            <a:ext cx="4109570" cy="4109570"/>
+          </a:xfrm>
+          <a:prstGeom prst="roundRect">
+            <a:avLst/>
+          </a:prstGeom>
+          <a:solidFill>
+            <a:srgbClr val="DBE4F3"/>
+          </a:solidFill>
+        </p:spPr>
+        <p:style>
+          <a:lnRef idx="2">
+            <a:schemeClr val="accent1">
+              <a:shade val="50000"/>
+            </a:schemeClr>
+          </a:lnRef>
+          <a:fillRef idx="1">
+            <a:schemeClr val="accent1"/>
+          </a:fillRef>
+          <a:effectRef idx="0">
+            <a:schemeClr val="accent1"/>
+          </a:effectRef>
+          <a:fontRef idx="minor">
+            <a:schemeClr val="lt1"/>
+          </a:fontRef>
+        </p:style>
+        <p:txBody>
+          <a:bodyPr rtlCol="0" anchor="ctr"/>
+          <a:lstStyle/>
+          <a:p>
+            <a:pPr algn="ctr"/>
+            <a:endParaRPr lang="en-US"/>
+          </a:p>
+        </p:txBody>
+      </p:sp>
+      <p:sp>
+        <p:nvSpPr>
+          <p:cNvPr id="2" name="Title 1"/>
+          <p:cNvSpPr>
+            <a:spLocks noGrp="1"/>
+          </p:cNvSpPr>
+          <p:nvPr>
+            <p:ph type="title"/>
+          </p:nvPr>
+        </p:nvSpPr>
+        <p:spPr>
+          <a:xfrm>
+            <a:off x="457200" y="365125"/>
+            <a:ext cx="11734800" cy="1325563"/>
+          </a:xfrm>
+        </p:spPr>
+        <p:txBody>
+          <a:bodyPr>
+            <a:normAutofit fontScale="90000"/>
+          </a:bodyPr>
+          <a:lstStyle/>
+          <a:p>
+            <a:pPr algn="ctr"/>
+            <a:r>
+              <a:rPr lang="en-US" sz="7200" b="1" smtClean="0">
+                <a:solidFill>
+                  <a:srgbClr val="4C81B2"/>
+                </a:solidFill>
+                <a:latin typeface="+mn-lt"/>
+              </a:rPr>
+              <a:t>Blockchain Network Components</a:t>
+            </a:r>
+            <a:endParaRPr lang="en-US" b="1" dirty="0"/>
+          </a:p>
+        </p:txBody>
+      </p:sp>
+      <p:sp>
+        <p:nvSpPr>
+          <p:cNvPr id="4" name="Slide Number Placeholder 3"/>
+          <p:cNvSpPr>
+            <a:spLocks noGrp="1"/>
+          </p:cNvSpPr>
+          <p:nvPr>
+            <p:ph type="sldNum" sz="quarter" idx="12"/>
+          </p:nvPr>
+        </p:nvSpPr>
+        <p:spPr/>
+        <p:txBody>
+          <a:bodyPr/>
+          <a:lstStyle/>
+          <a:p>
+            <a:fld id="{2AF5F8E0-9CB9-8D41-B80C-6B76C9B710FC}" type="slidenum">
+              <a:rPr lang="en-US" smtClean="0"/>
+              <a:t>8</a:t>
+            </a:fld>
+            <a:endParaRPr lang="en-US"/>
+          </a:p>
+        </p:txBody>
+      </p:sp>
+      <p:grpSp>
+        <p:nvGrpSpPr>
+          <p:cNvPr id="84" name="Group 83"/>
+          <p:cNvGrpSpPr/>
+          <p:nvPr/>
+        </p:nvGrpSpPr>
+        <p:grpSpPr>
+          <a:xfrm>
+            <a:off x="9634050" y="1554354"/>
+            <a:ext cx="453635" cy="725046"/>
+            <a:chOff x="5701137" y="2384637"/>
+            <a:chExt cx="1133935" cy="1812371"/>
+          </a:xfrm>
+        </p:grpSpPr>
+        <p:sp>
+          <p:nvSpPr>
+            <p:cNvPr id="86" name="Oval 85"/>
+            <p:cNvSpPr/>
+            <p:nvPr/>
+          </p:nvSpPr>
+          <p:spPr>
+            <a:xfrm>
+              <a:off x="5928886" y="2384637"/>
+              <a:ext cx="678435" cy="678436"/>
+            </a:xfrm>
+            <a:prstGeom prst="ellipse">
+              <a:avLst/>
+            </a:prstGeom>
+          </p:spPr>
+          <p:style>
+            <a:lnRef idx="2">
+              <a:schemeClr val="accent1">
+                <a:shade val="50000"/>
+              </a:schemeClr>
+            </a:lnRef>
+            <a:fillRef idx="1">
+              <a:schemeClr val="accent1"/>
+            </a:fillRef>
+            <a:effectRef idx="0">
+              <a:schemeClr val="accent1"/>
+            </a:effectRef>
+            <a:fontRef idx="minor">
+              <a:schemeClr val="lt1"/>
+            </a:fontRef>
+          </p:style>
+          <p:txBody>
+            <a:bodyPr rtlCol="0" anchor="ctr"/>
+            <a:lstStyle/>
+            <a:p>
+              <a:pPr algn="ctr"/>
+              <a:endParaRPr lang="en-US"/>
+            </a:p>
+          </p:txBody>
+        </p:sp>
+        <p:sp>
+          <p:nvSpPr>
+            <p:cNvPr id="87" name="Round Same Side Corner Rectangle 86"/>
+            <p:cNvSpPr/>
+            <p:nvPr/>
+          </p:nvSpPr>
+          <p:spPr>
+            <a:xfrm>
+              <a:off x="5701137" y="3063073"/>
+              <a:ext cx="1133935" cy="1133935"/>
+            </a:xfrm>
+            <a:prstGeom prst="round2SameRect">
+              <a:avLst>
+                <a:gd name="adj1" fmla="val 49716"/>
+                <a:gd name="adj2" fmla="val 0"/>
+              </a:avLst>
+            </a:prstGeom>
+          </p:spPr>
+          <p:style>
+            <a:lnRef idx="2">
+              <a:schemeClr val="accent1">
+                <a:shade val="50000"/>
+              </a:schemeClr>
+            </a:lnRef>
+            <a:fillRef idx="1">
+              <a:schemeClr val="accent1"/>
+            </a:fillRef>
+            <a:effectRef idx="0">
+              <a:schemeClr val="accent1"/>
+            </a:effectRef>
+            <a:fontRef idx="minor">
+              <a:schemeClr val="lt1"/>
+            </a:fontRef>
+          </p:style>
+          <p:txBody>
+            <a:bodyPr rtlCol="0" anchor="ctr"/>
+            <a:lstStyle/>
+            <a:p>
+              <a:pPr algn="ctr"/>
+              <a:r>
+                <a:rPr lang="en-US" sz="2400" b="1" dirty="0"/>
+                <a:t>B</a:t>
+              </a:r>
+            </a:p>
+          </p:txBody>
+        </p:sp>
+      </p:grpSp>
+      <p:sp>
+        <p:nvSpPr>
+          <p:cNvPr id="161" name="Content Placeholder 2"/>
+          <p:cNvSpPr>
+            <a:spLocks noGrp="1"/>
+          </p:cNvSpPr>
+          <p:nvPr>
+            <p:ph idx="1"/>
+          </p:nvPr>
+        </p:nvSpPr>
+        <p:spPr>
+          <a:xfrm>
+            <a:off x="838196" y="1825625"/>
+            <a:ext cx="5767149" cy="4351338"/>
+          </a:xfrm>
+        </p:spPr>
+        <p:txBody>
+          <a:bodyPr>
+            <a:noAutofit/>
+          </a:bodyPr>
+          <a:lstStyle/>
+          <a:p>
+            <a:r>
+              <a:rPr lang="en-US" sz="1800" dirty="0" smtClean="0"/>
+              <a:t>To build a blockchain network </a:t>
+            </a:r>
+            <a:r>
+              <a:rPr lang="en-US" sz="1800" b="1" dirty="0" smtClean="0"/>
+              <a:t>N</a:t>
+            </a:r>
+            <a:r>
+              <a:rPr lang="en-US" sz="1800" dirty="0" smtClean="0"/>
+              <a:t>, used by </a:t>
+            </a:r>
+            <a:endParaRPr lang="en-US" sz="1800" b="1" dirty="0" smtClean="0"/>
+          </a:p>
+          <a:p>
+            <a:pPr lvl="1"/>
+            <a:r>
+              <a:rPr lang="en-US" sz="1800" dirty="0"/>
+              <a:t>A set of </a:t>
+            </a:r>
+            <a:r>
+              <a:rPr lang="en-US" sz="1800" dirty="0" smtClean="0"/>
+              <a:t>member Organizations </a:t>
+            </a:r>
+            <a:r>
+              <a:rPr lang="en-US" sz="1800" b="1" dirty="0" err="1" smtClean="0"/>
+              <a:t>Og</a:t>
+            </a:r>
+            <a:endParaRPr lang="en-US" sz="1800" dirty="0"/>
+          </a:p>
+          <a:p>
+            <a:pPr lvl="1"/>
+            <a:r>
+              <a:rPr lang="en-US" sz="1800" dirty="0"/>
+              <a:t>A set of </a:t>
+            </a:r>
+            <a:r>
+              <a:rPr lang="en-US" sz="1800" dirty="0" smtClean="0"/>
+              <a:t>Administrative users, </a:t>
+            </a:r>
+            <a:r>
+              <a:rPr lang="en-US" sz="1800" b="1" dirty="0"/>
+              <a:t>B</a:t>
+            </a:r>
+            <a:r>
+              <a:rPr lang="en-US" sz="1800" dirty="0" smtClean="0"/>
+              <a:t>, user who </a:t>
+            </a:r>
+            <a:r>
+              <a:rPr lang="en-US" sz="1800" dirty="0"/>
+              <a:t>manage the </a:t>
+            </a:r>
+            <a:r>
+              <a:rPr lang="en-US" sz="1800" dirty="0" smtClean="0"/>
+              <a:t>network</a:t>
+            </a:r>
+            <a:endParaRPr lang="en-US" sz="1800" b="1" dirty="0"/>
+          </a:p>
+          <a:p>
+            <a:pPr lvl="1"/>
+            <a:r>
+              <a:rPr lang="en-US" sz="1800" dirty="0"/>
+              <a:t>A set of </a:t>
+            </a:r>
+            <a:r>
+              <a:rPr lang="en-US" sz="1800" dirty="0" smtClean="0"/>
+              <a:t>Applications</a:t>
+            </a:r>
+            <a:r>
+              <a:rPr lang="en-US" sz="1800" dirty="0"/>
+              <a:t>, </a:t>
+            </a:r>
+            <a:r>
+              <a:rPr lang="en-US" sz="1800" b="1" dirty="0"/>
+              <a:t>A</a:t>
+            </a:r>
+            <a:r>
+              <a:rPr lang="en-US" sz="1800" dirty="0"/>
+              <a:t>,</a:t>
+            </a:r>
+            <a:r>
+              <a:rPr lang="en-US" sz="1800" b="1" dirty="0"/>
+              <a:t> </a:t>
+            </a:r>
+            <a:r>
+              <a:rPr lang="en-US" sz="1800" dirty="0" smtClean="0"/>
+              <a:t>which </a:t>
+            </a:r>
+            <a:r>
+              <a:rPr lang="en-US" sz="1800" dirty="0"/>
+              <a:t>access the </a:t>
+            </a:r>
+            <a:r>
+              <a:rPr lang="en-US" sz="1800" dirty="0" smtClean="0"/>
+              <a:t>network </a:t>
+            </a:r>
+            <a:r>
+              <a:rPr lang="en-US" sz="1800" b="1" dirty="0" smtClean="0"/>
+              <a:t>N</a:t>
+            </a:r>
+            <a:endParaRPr lang="en-US" sz="1800" dirty="0"/>
+          </a:p>
+          <a:p>
+            <a:endParaRPr lang="en-US" sz="1800" dirty="0" smtClean="0"/>
+          </a:p>
+          <a:p>
+            <a:r>
+              <a:rPr lang="en-US" sz="1800" dirty="0" smtClean="0"/>
+              <a:t>Which contains</a:t>
+            </a:r>
+          </a:p>
+          <a:p>
+            <a:pPr lvl="1"/>
+            <a:r>
+              <a:rPr lang="en-US" sz="1800" dirty="0" smtClean="0"/>
+              <a:t>A </a:t>
+            </a:r>
+            <a:r>
+              <a:rPr lang="en-US" sz="1800" dirty="0"/>
+              <a:t>set of smart contracts, </a:t>
+            </a:r>
+            <a:r>
+              <a:rPr lang="en-US" sz="1800" b="1" dirty="0" smtClean="0"/>
+              <a:t>S</a:t>
+            </a:r>
+            <a:endParaRPr lang="en-US" sz="1800" dirty="0"/>
+          </a:p>
+          <a:p>
+            <a:pPr lvl="1"/>
+            <a:r>
+              <a:rPr lang="en-US" sz="1800" dirty="0"/>
+              <a:t>A set of </a:t>
+            </a:r>
+            <a:r>
+              <a:rPr lang="en-US" sz="1800" dirty="0" smtClean="0"/>
+              <a:t>replicated ledgers</a:t>
+            </a:r>
+            <a:r>
+              <a:rPr lang="en-US" sz="1800" dirty="0"/>
+              <a:t>, </a:t>
+            </a:r>
+            <a:r>
+              <a:rPr lang="en-US" sz="1800" b="1" dirty="0" smtClean="0"/>
+              <a:t>L</a:t>
+            </a:r>
+          </a:p>
+          <a:p>
+            <a:endParaRPr lang="en-US" sz="1800" dirty="0" smtClean="0"/>
+          </a:p>
+          <a:p>
+            <a:r>
+              <a:rPr lang="en-US" sz="1800" dirty="0" smtClean="0"/>
+              <a:t>and uses </a:t>
+            </a:r>
+          </a:p>
+          <a:p>
+            <a:pPr lvl="1"/>
+            <a:r>
+              <a:rPr lang="en-US" sz="1800" dirty="0" smtClean="0"/>
+              <a:t>A set of Digital Certificate Identities</a:t>
+            </a:r>
+            <a:r>
+              <a:rPr lang="en-US" sz="1800" dirty="0"/>
+              <a:t>,</a:t>
+            </a:r>
+            <a:r>
+              <a:rPr lang="en-US" sz="1800" b="1" dirty="0"/>
+              <a:t> I</a:t>
+            </a:r>
+            <a:r>
+              <a:rPr lang="en-US" sz="1800" dirty="0"/>
+              <a:t>, dispensed by </a:t>
+            </a:r>
+          </a:p>
+          <a:p>
+            <a:pPr lvl="1"/>
+            <a:r>
+              <a:rPr lang="en-US" sz="1800" dirty="0"/>
+              <a:t>A set of Certificate Authorities,</a:t>
+            </a:r>
+            <a:r>
+              <a:rPr lang="en-US" sz="1800" b="1" dirty="0"/>
+              <a:t> </a:t>
+            </a:r>
+            <a:r>
+              <a:rPr lang="en-US" sz="1800" b="1" dirty="0" smtClean="0"/>
+              <a:t>CA</a:t>
+            </a:r>
+          </a:p>
+          <a:p>
+            <a:endParaRPr lang="en-US" sz="1800" dirty="0" smtClean="0"/>
+          </a:p>
+        </p:txBody>
+      </p:sp>
+      <p:grpSp>
+        <p:nvGrpSpPr>
+          <p:cNvPr id="13" name="Group 12"/>
+          <p:cNvGrpSpPr/>
+          <p:nvPr/>
+        </p:nvGrpSpPr>
+        <p:grpSpPr>
+          <a:xfrm>
+            <a:off x="6717344" y="3883310"/>
+            <a:ext cx="619323" cy="501605"/>
+            <a:chOff x="9015959" y="4587888"/>
+            <a:chExt cx="420764" cy="340787"/>
+          </a:xfrm>
+        </p:grpSpPr>
+        <p:sp>
+          <p:nvSpPr>
+            <p:cNvPr id="164" name="Rectangle 163"/>
+            <p:cNvSpPr/>
+            <p:nvPr/>
+          </p:nvSpPr>
+          <p:spPr>
+            <a:xfrm>
+              <a:off x="9015959" y="4587888"/>
+              <a:ext cx="420764" cy="340787"/>
+            </a:xfrm>
+            <a:prstGeom prst="rect">
+              <a:avLst/>
+            </a:prstGeom>
+            <a:noFill/>
+            <a:ln w="25400"/>
+          </p:spPr>
+          <p:style>
+            <a:lnRef idx="2">
+              <a:schemeClr val="accent1">
+                <a:shade val="50000"/>
+              </a:schemeClr>
+            </a:lnRef>
+            <a:fillRef idx="1">
+              <a:schemeClr val="accent1"/>
+            </a:fillRef>
+            <a:effectRef idx="0">
+              <a:schemeClr val="accent1"/>
+            </a:effectRef>
+            <a:fontRef idx="minor">
+              <a:schemeClr val="lt1"/>
+            </a:fontRef>
+          </p:style>
+          <p:txBody>
+            <a:bodyPr rtlCol="0" anchor="ctr"/>
+            <a:lstStyle/>
+            <a:p>
+              <a:pPr algn="ctr"/>
+              <a:endParaRPr lang="en-US"/>
+            </a:p>
+          </p:txBody>
+        </p:sp>
+        <p:grpSp>
+          <p:nvGrpSpPr>
+            <p:cNvPr id="166" name="Group 165"/>
+            <p:cNvGrpSpPr/>
+            <p:nvPr/>
+          </p:nvGrpSpPr>
+          <p:grpSpPr>
+            <a:xfrm>
+              <a:off x="9248228" y="4690045"/>
+              <a:ext cx="123069" cy="75870"/>
+              <a:chOff x="4770478" y="3634526"/>
+              <a:chExt cx="123069" cy="75870"/>
+            </a:xfrm>
+          </p:grpSpPr>
+          <p:cxnSp>
+            <p:nvCxnSpPr>
+              <p:cNvPr id="167" name="Straight Connector 166"/>
+              <p:cNvCxnSpPr/>
+              <p:nvPr/>
+            </p:nvCxnSpPr>
+            <p:spPr>
+              <a:xfrm>
+                <a:off x="4770478" y="3634526"/>
+                <a:ext cx="123069" cy="0"/>
+              </a:xfrm>
+              <a:prstGeom prst="line">
+                <a:avLst/>
+              </a:prstGeom>
+              <a:ln w="25400"/>
+            </p:spPr>
+            <p:style>
+              <a:lnRef idx="1">
+                <a:schemeClr val="accent1"/>
+              </a:lnRef>
+              <a:fillRef idx="0">
+                <a:schemeClr val="accent1"/>
+              </a:fillRef>
+              <a:effectRef idx="0">
+                <a:schemeClr val="accent1"/>
+              </a:effectRef>
+              <a:fontRef idx="minor">
+                <a:schemeClr val="tx1"/>
+              </a:fontRef>
+            </p:style>
+          </p:cxnSp>
+          <p:cxnSp>
+            <p:nvCxnSpPr>
+              <p:cNvPr id="168" name="Straight Connector 167"/>
+              <p:cNvCxnSpPr/>
+              <p:nvPr/>
+            </p:nvCxnSpPr>
+            <p:spPr>
+              <a:xfrm>
+                <a:off x="4770478" y="3672461"/>
+                <a:ext cx="123069" cy="0"/>
+              </a:xfrm>
+              <a:prstGeom prst="line">
+                <a:avLst/>
+              </a:prstGeom>
+              <a:ln w="25400"/>
+            </p:spPr>
+            <p:style>
+              <a:lnRef idx="1">
+                <a:schemeClr val="accent1"/>
+              </a:lnRef>
+              <a:fillRef idx="0">
+                <a:schemeClr val="accent1"/>
+              </a:fillRef>
+              <a:effectRef idx="0">
+                <a:schemeClr val="accent1"/>
+              </a:effectRef>
+              <a:fontRef idx="minor">
+                <a:schemeClr val="tx1"/>
+              </a:fontRef>
+            </p:style>
+          </p:cxnSp>
+          <p:cxnSp>
+            <p:nvCxnSpPr>
+              <p:cNvPr id="169" name="Straight Connector 168"/>
+              <p:cNvCxnSpPr/>
+              <p:nvPr/>
+            </p:nvCxnSpPr>
+            <p:spPr>
+              <a:xfrm>
+                <a:off x="4770478" y="3710396"/>
+                <a:ext cx="123069" cy="0"/>
+              </a:xfrm>
+              <a:prstGeom prst="line">
+                <a:avLst/>
+              </a:prstGeom>
+              <a:ln w="25400"/>
+            </p:spPr>
+            <p:style>
+              <a:lnRef idx="1">
+                <a:schemeClr val="accent1"/>
+              </a:lnRef>
+              <a:fillRef idx="0">
+                <a:schemeClr val="accent1"/>
+              </a:fillRef>
+              <a:effectRef idx="0">
+                <a:schemeClr val="accent1"/>
+              </a:effectRef>
+              <a:fontRef idx="minor">
+                <a:schemeClr val="tx1"/>
+              </a:fontRef>
+            </p:style>
+          </p:cxnSp>
+        </p:grpSp>
+        <p:sp>
+          <p:nvSpPr>
+            <p:cNvPr id="172" name="Rounded Rectangle 171"/>
+            <p:cNvSpPr/>
+            <p:nvPr/>
+          </p:nvSpPr>
+          <p:spPr>
+            <a:xfrm>
+              <a:off x="9059604" y="4675660"/>
+              <a:ext cx="166737" cy="165241"/>
+            </a:xfrm>
+            <a:prstGeom prst="roundRect">
+              <a:avLst/>
+            </a:prstGeom>
+            <a:solidFill>
+              <a:srgbClr val="4372C4"/>
+            </a:solidFill>
+            <a:ln w="12700" cap="flat" cmpd="sng" algn="ctr">
+              <a:solidFill>
+                <a:schemeClr val="tx2"/>
+              </a:solidFill>
+              <a:prstDash val="solid"/>
+            </a:ln>
+            <a:effectLst>
+              <a:outerShdw blurRad="40000" dist="23000" dir="5400000" rotWithShape="0">
+                <a:srgbClr val="000000">
+                  <a:alpha val="35000"/>
+                </a:srgbClr>
+              </a:outerShdw>
+            </a:effectLst>
+          </p:spPr>
+          <p:txBody>
+            <a:bodyPr tIns="36000" bIns="36000" rtlCol="0" anchor="ctr"/>
+            <a:lstStyle/>
+            <a:p>
+              <a:pPr marL="0" marR="0" lvl="0" indent="0" algn="ctr" defTabSz="457200" eaLnBrk="1" fontAlgn="auto" latinLnBrk="0" hangingPunct="1">
+                <a:lnSpc>
+                  <a:spcPct val="100000"/>
+                </a:lnSpc>
+                <a:spcBef>
+                  <a:spcPts val="0"/>
+                </a:spcBef>
+                <a:spcAft>
+                  <a:spcPts val="0"/>
+                </a:spcAft>
+                <a:buClrTx/>
+                <a:buSzTx/>
+                <a:buFontTx/>
+                <a:buNone/>
+                <a:tabLst/>
+                <a:defRPr/>
+              </a:pPr>
+              <a:r>
+                <a:rPr lang="en-US" sz="1600" b="1" kern="0" dirty="0">
+                  <a:solidFill>
+                    <a:schemeClr val="bg1"/>
+                  </a:solidFill>
+                  <a:ea typeface=""/>
+                  <a:cs typeface=""/>
+                </a:rPr>
+                <a:t>I</a:t>
+              </a:r>
+              <a:endParaRPr kumimoji="0" lang="en-US" sz="1600" b="1" i="0" u="none" strike="noStrike" kern="0" cap="none" spc="0" normalizeH="0" baseline="0" noProof="0" dirty="0" smtClean="0">
+                <a:ln>
+                  <a:noFill/>
+                </a:ln>
+                <a:solidFill>
+                  <a:schemeClr val="bg1"/>
+                </a:solidFill>
+                <a:effectLst/>
+                <a:uLnTx/>
+                <a:uFillTx/>
+                <a:ea typeface=""/>
+                <a:cs typeface=""/>
+              </a:endParaRPr>
+            </a:p>
+          </p:txBody>
+        </p:sp>
+      </p:grpSp>
+      <p:grpSp>
+        <p:nvGrpSpPr>
+          <p:cNvPr id="8" name="Group 7"/>
+          <p:cNvGrpSpPr/>
+          <p:nvPr/>
+        </p:nvGrpSpPr>
+        <p:grpSpPr>
+          <a:xfrm>
+            <a:off x="8441613" y="1589931"/>
+            <a:ext cx="742889" cy="677402"/>
+            <a:chOff x="10666566" y="3979442"/>
+            <a:chExt cx="742889" cy="677402"/>
+          </a:xfrm>
+        </p:grpSpPr>
+        <p:sp>
+          <p:nvSpPr>
+            <p:cNvPr id="173" name="Triangle 172"/>
+            <p:cNvSpPr/>
+            <p:nvPr/>
+          </p:nvSpPr>
+          <p:spPr>
+            <a:xfrm>
+              <a:off x="10666566" y="3979442"/>
+              <a:ext cx="742889" cy="677401"/>
+            </a:xfrm>
+            <a:prstGeom prst="triangle">
+              <a:avLst/>
+            </a:prstGeom>
+            <a:ln w="12700">
+              <a:solidFill>
+                <a:schemeClr val="tx2"/>
+              </a:solidFill>
+            </a:ln>
+          </p:spPr>
+          <p:style>
+            <a:lnRef idx="2">
+              <a:schemeClr val="accent1">
+                <a:shade val="50000"/>
+              </a:schemeClr>
+            </a:lnRef>
+            <a:fillRef idx="1">
+              <a:schemeClr val="accent1"/>
+            </a:fillRef>
+            <a:effectRef idx="0">
+              <a:schemeClr val="accent1"/>
+            </a:effectRef>
+            <a:fontRef idx="minor">
+              <a:schemeClr val="lt1"/>
+            </a:fontRef>
+          </p:style>
+          <p:txBody>
+            <a:bodyPr rtlCol="0" anchor="ctr"/>
+            <a:lstStyle/>
+            <a:p>
+              <a:pPr algn="ctr"/>
+              <a:endParaRPr lang="en-US" sz="1600" b="1" dirty="0">
+                <a:solidFill>
+                  <a:schemeClr val="bg1"/>
+                </a:solidFill>
+              </a:endParaRPr>
+            </a:p>
+          </p:txBody>
+        </p:sp>
+        <p:sp>
+          <p:nvSpPr>
+            <p:cNvPr id="3" name="TextBox 2"/>
+            <p:cNvSpPr txBox="1"/>
+            <p:nvPr/>
+          </p:nvSpPr>
+          <p:spPr>
+            <a:xfrm>
+              <a:off x="10773996" y="4195179"/>
+              <a:ext cx="538930" cy="461665"/>
+            </a:xfrm>
+            <a:prstGeom prst="rect">
+              <a:avLst/>
+            </a:prstGeom>
+            <a:noFill/>
+          </p:spPr>
+          <p:txBody>
+            <a:bodyPr wrap="none" rtlCol="0">
+              <a:spAutoFit/>
+            </a:bodyPr>
+            <a:lstStyle/>
+            <a:p>
+              <a:r>
+                <a:rPr lang="en-US" sz="2400" b="1" dirty="0" err="1" smtClean="0">
+                  <a:solidFill>
+                    <a:schemeClr val="bg1"/>
+                  </a:solidFill>
+                </a:rPr>
+                <a:t>Og</a:t>
+              </a:r>
+              <a:endParaRPr lang="en-US" sz="2400" b="1" dirty="0">
+                <a:solidFill>
+                  <a:schemeClr val="bg1"/>
+                </a:solidFill>
+              </a:endParaRPr>
+            </a:p>
+          </p:txBody>
+        </p:sp>
+      </p:grpSp>
+      <p:sp>
+        <p:nvSpPr>
+          <p:cNvPr id="45" name="Rounded Rectangle 44"/>
+          <p:cNvSpPr/>
+          <p:nvPr/>
+        </p:nvSpPr>
+        <p:spPr>
+          <a:xfrm>
+            <a:off x="6739469" y="4682736"/>
+            <a:ext cx="575072" cy="567368"/>
+          </a:xfrm>
+          <a:prstGeom prst="roundRect">
+            <a:avLst/>
+          </a:prstGeom>
+          <a:solidFill>
+            <a:schemeClr val="accent4"/>
+          </a:solidFill>
+          <a:ln w="25400">
+            <a:solidFill>
+              <a:srgbClr val="0070C0"/>
+            </a:solidFill>
+          </a:ln>
+        </p:spPr>
+        <p:style>
+          <a:lnRef idx="2">
+            <a:schemeClr val="accent1">
+              <a:shade val="50000"/>
+            </a:schemeClr>
+          </a:lnRef>
+          <a:fillRef idx="1">
+            <a:schemeClr val="accent1"/>
+          </a:fillRef>
+          <a:effectRef idx="0">
+            <a:schemeClr val="accent1"/>
+          </a:effectRef>
+          <a:fontRef idx="minor">
+            <a:schemeClr val="lt1"/>
+          </a:fontRef>
+        </p:style>
+        <p:txBody>
+          <a:bodyPr rtlCol="0" anchor="ctr"/>
+          <a:lstStyle/>
+          <a:p>
+            <a:pPr algn="ctr"/>
+            <a:r>
+              <a:rPr lang="en-US" sz="2000" b="1" dirty="0" smtClean="0">
+                <a:solidFill>
+                  <a:srgbClr val="4372C4"/>
+                </a:solidFill>
+              </a:rPr>
+              <a:t>CA</a:t>
+            </a:r>
+            <a:endParaRPr lang="en-US" sz="2000" b="1" dirty="0">
+              <a:solidFill>
+                <a:srgbClr val="4372C4"/>
+              </a:solidFill>
+            </a:endParaRPr>
+          </a:p>
+        </p:txBody>
+      </p:sp>
+      <p:sp>
+        <p:nvSpPr>
+          <p:cNvPr id="7" name="TextBox 6"/>
+          <p:cNvSpPr txBox="1"/>
+          <p:nvPr/>
+        </p:nvSpPr>
+        <p:spPr>
+          <a:xfrm>
+            <a:off x="7956348" y="2737811"/>
+            <a:ext cx="386644" cy="461665"/>
+          </a:xfrm>
+          <a:prstGeom prst="rect">
+            <a:avLst/>
+          </a:prstGeom>
+          <a:noFill/>
+        </p:spPr>
+        <p:txBody>
+          <a:bodyPr wrap="none" rtlCol="0">
+            <a:spAutoFit/>
+          </a:bodyPr>
+          <a:lstStyle/>
+          <a:p>
+            <a:r>
+              <a:rPr lang="en-US" sz="2400" b="1" dirty="0" smtClean="0">
+                <a:solidFill>
+                  <a:srgbClr val="4372C4"/>
+                </a:solidFill>
+              </a:rPr>
+              <a:t>N</a:t>
+            </a:r>
+            <a:endParaRPr lang="en-US" sz="2400" b="1" dirty="0">
+              <a:solidFill>
+                <a:srgbClr val="4372C4"/>
+              </a:solidFill>
+            </a:endParaRPr>
+          </a:p>
+        </p:txBody>
+      </p:sp>
+      <p:sp>
+        <p:nvSpPr>
+          <p:cNvPr id="49" name="Document 48"/>
+          <p:cNvSpPr/>
+          <p:nvPr/>
+        </p:nvSpPr>
+        <p:spPr>
+          <a:xfrm>
+            <a:off x="10091932" y="3307231"/>
+            <a:ext cx="547666" cy="433746"/>
+          </a:xfrm>
+          <a:prstGeom prst="flowChartDocument">
+            <a:avLst/>
+          </a:prstGeom>
+          <a:solidFill>
+            <a:srgbClr val="FF0000"/>
+          </a:solidFill>
+          <a:ln w="19050">
+            <a:solidFill>
+              <a:srgbClr val="0070C0"/>
+            </a:solidFill>
+          </a:ln>
+        </p:spPr>
+        <p:style>
+          <a:lnRef idx="2">
+            <a:schemeClr val="accent1">
+              <a:shade val="50000"/>
+            </a:schemeClr>
+          </a:lnRef>
+          <a:fillRef idx="1">
+            <a:schemeClr val="accent1"/>
+          </a:fillRef>
+          <a:effectRef idx="0">
+            <a:schemeClr val="accent1"/>
+          </a:effectRef>
+          <a:fontRef idx="minor">
+            <a:schemeClr val="lt1"/>
+          </a:fontRef>
+        </p:style>
+        <p:txBody>
+          <a:bodyPr rtlCol="0" anchor="ctr"/>
+          <a:lstStyle/>
+          <a:p>
+            <a:pPr algn="ctr"/>
+            <a:r>
+              <a:rPr lang="en-US" sz="2400" b="1" dirty="0" smtClean="0">
+                <a:solidFill>
+                  <a:schemeClr val="bg1"/>
+                </a:solidFill>
+              </a:rPr>
+              <a:t>L</a:t>
+            </a:r>
+            <a:endParaRPr lang="en-US" sz="2400" b="1" dirty="0">
+              <a:solidFill>
+                <a:schemeClr val="bg1"/>
+              </a:solidFill>
+            </a:endParaRPr>
+          </a:p>
+        </p:txBody>
+      </p:sp>
+      <p:sp>
+        <p:nvSpPr>
+          <p:cNvPr id="53" name="Rounded Rectangle 52"/>
+          <p:cNvSpPr/>
+          <p:nvPr/>
+        </p:nvSpPr>
+        <p:spPr>
+          <a:xfrm>
+            <a:off x="10520188" y="1564424"/>
+            <a:ext cx="719788" cy="710146"/>
+          </a:xfrm>
+          <a:prstGeom prst="roundRect">
+            <a:avLst/>
+          </a:prstGeom>
+          <a:solidFill>
+            <a:schemeClr val="bg1"/>
+          </a:solidFill>
+          <a:ln w="25400">
+            <a:solidFill>
+              <a:srgbClr val="0070C0"/>
+            </a:solidFill>
+          </a:ln>
+        </p:spPr>
+        <p:style>
+          <a:lnRef idx="2">
+            <a:schemeClr val="accent1">
+              <a:shade val="50000"/>
+            </a:schemeClr>
+          </a:lnRef>
+          <a:fillRef idx="1">
+            <a:schemeClr val="accent1"/>
+          </a:fillRef>
+          <a:effectRef idx="0">
+            <a:schemeClr val="accent1"/>
+          </a:effectRef>
+          <a:fontRef idx="minor">
+            <a:schemeClr val="lt1"/>
+          </a:fontRef>
+        </p:style>
+        <p:txBody>
+          <a:bodyPr rtlCol="0" anchor="ctr"/>
+          <a:lstStyle/>
+          <a:p>
+            <a:pPr algn="ctr"/>
+            <a:r>
+              <a:rPr lang="en-US" sz="2400" b="1" dirty="0" smtClean="0">
+                <a:solidFill>
+                  <a:srgbClr val="4372C4"/>
+                </a:solidFill>
+              </a:rPr>
+              <a:t>A</a:t>
+            </a:r>
+            <a:endParaRPr lang="en-US" sz="2400" b="1" dirty="0">
+              <a:solidFill>
+                <a:srgbClr val="4372C4"/>
+              </a:solidFill>
+            </a:endParaRPr>
+          </a:p>
+        </p:txBody>
+      </p:sp>
+      <p:sp>
+        <p:nvSpPr>
+          <p:cNvPr id="50" name="Rounded Rectangle 49"/>
+          <p:cNvSpPr/>
+          <p:nvPr/>
+        </p:nvSpPr>
+        <p:spPr>
+          <a:xfrm>
+            <a:off x="10397108" y="2851515"/>
+            <a:ext cx="595004" cy="549201"/>
+          </a:xfrm>
+          <a:prstGeom prst="roundRect">
+            <a:avLst/>
+          </a:prstGeom>
+          <a:solidFill>
+            <a:srgbClr val="FFC000"/>
+          </a:solidFill>
+          <a:ln w="28575" cmpd="sng">
+            <a:solidFill>
+              <a:srgbClr val="0070C0"/>
+            </a:solidFill>
+          </a:ln>
+          <a:effectLst/>
+        </p:spPr>
+        <p:style>
+          <a:lnRef idx="1">
+            <a:schemeClr val="accent1"/>
+          </a:lnRef>
+          <a:fillRef idx="3">
+            <a:schemeClr val="accent1"/>
+          </a:fillRef>
+          <a:effectRef idx="2">
+            <a:schemeClr val="accent1"/>
+          </a:effectRef>
+          <a:fontRef idx="minor">
+            <a:schemeClr val="lt1"/>
+          </a:fontRef>
+        </p:style>
+        <p:txBody>
+          <a:bodyPr rtlCol="0" anchor="ctr"/>
+          <a:lstStyle/>
+          <a:p>
+            <a:pPr algn="ctr"/>
+            <a:r>
+              <a:rPr lang="en-US" sz="2400" b="1" smtClean="0">
+                <a:solidFill>
+                  <a:srgbClr val="4372C4"/>
+                </a:solidFill>
+                <a:ea typeface="Arial" charset="0"/>
+                <a:cs typeface="Arial" charset="0"/>
+              </a:rPr>
+              <a:t>S</a:t>
+            </a:r>
+            <a:endParaRPr lang="en-US" sz="2400" b="1" dirty="0">
+              <a:solidFill>
+                <a:srgbClr val="4372C4"/>
+              </a:solidFill>
+              <a:ea typeface="Arial" charset="0"/>
+              <a:cs typeface="Arial" charset="0"/>
+            </a:endParaRPr>
+          </a:p>
+        </p:txBody>
+      </p:sp>
+      <p:grpSp>
+        <p:nvGrpSpPr>
+          <p:cNvPr id="36" name="Group 35"/>
+          <p:cNvGrpSpPr/>
+          <p:nvPr/>
+        </p:nvGrpSpPr>
+        <p:grpSpPr>
+          <a:xfrm>
+            <a:off x="9130991" y="5906803"/>
+            <a:ext cx="1207370" cy="540319"/>
+            <a:chOff x="9248983" y="4701746"/>
+            <a:chExt cx="1207370" cy="540319"/>
+          </a:xfrm>
+        </p:grpSpPr>
+        <p:sp>
+          <p:nvSpPr>
+            <p:cNvPr id="37" name="Oval 36"/>
+            <p:cNvSpPr/>
+            <p:nvPr/>
+          </p:nvSpPr>
+          <p:spPr>
+            <a:xfrm>
+              <a:off x="9248983" y="4701746"/>
+              <a:ext cx="1185862" cy="521317"/>
+            </a:xfrm>
+            <a:prstGeom prst="ellipse">
+              <a:avLst/>
+            </a:prstGeom>
+            <a:solidFill>
+              <a:srgbClr val="DBE4F3"/>
+            </a:solidFill>
+          </p:spPr>
+          <p:style>
+            <a:lnRef idx="2">
+              <a:schemeClr val="accent1">
+                <a:shade val="50000"/>
+              </a:schemeClr>
+            </a:lnRef>
+            <a:fillRef idx="1">
+              <a:schemeClr val="accent1"/>
+            </a:fillRef>
+            <a:effectRef idx="0">
+              <a:schemeClr val="accent1"/>
+            </a:effectRef>
+            <a:fontRef idx="minor">
+              <a:schemeClr val="lt1"/>
+            </a:fontRef>
+          </p:style>
+          <p:txBody>
+            <a:bodyPr rtlCol="0" anchor="ctr"/>
+            <a:lstStyle/>
+            <a:p>
+              <a:pPr algn="ctr"/>
+              <a:endParaRPr lang="en-US"/>
+            </a:p>
+          </p:txBody>
+        </p:sp>
+        <p:sp>
+          <p:nvSpPr>
+            <p:cNvPr id="39" name="TextBox 38"/>
+            <p:cNvSpPr txBox="1"/>
+            <p:nvPr/>
+          </p:nvSpPr>
+          <p:spPr>
+            <a:xfrm>
+              <a:off x="9260393" y="4718845"/>
+              <a:ext cx="1195960" cy="523220"/>
+            </a:xfrm>
+            <a:prstGeom prst="rect">
+              <a:avLst/>
+            </a:prstGeom>
+            <a:noFill/>
+          </p:spPr>
+          <p:txBody>
+            <a:bodyPr wrap="square" rtlCol="0">
+              <a:spAutoFit/>
+            </a:bodyPr>
+            <a:lstStyle/>
+            <a:p>
+              <a:pPr algn="ctr"/>
+              <a:r>
+                <a:rPr lang="en-US" sz="1400" b="1" dirty="0" smtClean="0">
+                  <a:solidFill>
+                    <a:srgbClr val="4372C4"/>
+                  </a:solidFill>
+                </a:rPr>
+                <a:t>Blockchain Network</a:t>
+              </a:r>
+              <a:endParaRPr lang="en-US" sz="1400" b="1" dirty="0">
+                <a:solidFill>
+                  <a:srgbClr val="4372C4"/>
+                </a:solidFill>
+              </a:endParaRPr>
+            </a:p>
+          </p:txBody>
+        </p:sp>
+      </p:grpSp>
+      <p:sp>
+        <p:nvSpPr>
+          <p:cNvPr id="5" name="TextBox 4"/>
+          <p:cNvSpPr txBox="1"/>
+          <p:nvPr/>
+        </p:nvSpPr>
+        <p:spPr>
+          <a:xfrm>
+            <a:off x="7656426" y="6538909"/>
+            <a:ext cx="599844" cy="276999"/>
+          </a:xfrm>
+          <a:prstGeom prst="rect">
+            <a:avLst/>
+          </a:prstGeom>
+          <a:noFill/>
+        </p:spPr>
+        <p:txBody>
+          <a:bodyPr wrap="none" rtlCol="0">
+            <a:spAutoFit/>
+          </a:bodyPr>
+          <a:lstStyle/>
+          <a:p>
+            <a:r>
+              <a:rPr lang="en-US" sz="1200" b="1" dirty="0" smtClean="0">
+                <a:solidFill>
+                  <a:srgbClr val="4372C4"/>
+                </a:solidFill>
+              </a:rPr>
+              <a:t>earlier</a:t>
+            </a:r>
+            <a:endParaRPr lang="en-US" sz="1200" b="1" dirty="0">
+              <a:solidFill>
+                <a:srgbClr val="4372C4"/>
+              </a:solidFill>
+            </a:endParaRPr>
+          </a:p>
+        </p:txBody>
+      </p:sp>
+      <p:sp>
+        <p:nvSpPr>
+          <p:cNvPr id="28" name="TextBox 27"/>
+          <p:cNvSpPr txBox="1"/>
+          <p:nvPr/>
+        </p:nvSpPr>
+        <p:spPr>
+          <a:xfrm>
+            <a:off x="11249628" y="6538910"/>
+            <a:ext cx="479555" cy="276999"/>
+          </a:xfrm>
+          <a:prstGeom prst="rect">
+            <a:avLst/>
+          </a:prstGeom>
+          <a:noFill/>
+        </p:spPr>
+        <p:txBody>
+          <a:bodyPr wrap="none" rtlCol="0">
+            <a:spAutoFit/>
+          </a:bodyPr>
+          <a:lstStyle/>
+          <a:p>
+            <a:r>
+              <a:rPr lang="en-US" sz="1200" b="1" dirty="0" smtClean="0">
+                <a:solidFill>
+                  <a:srgbClr val="4372C4"/>
+                </a:solidFill>
+              </a:rPr>
+              <a:t>later</a:t>
+            </a:r>
+            <a:endParaRPr lang="en-US" sz="1200" b="1" dirty="0">
+              <a:solidFill>
+                <a:srgbClr val="4372C4"/>
+              </a:solidFill>
+            </a:endParaRPr>
+          </a:p>
+        </p:txBody>
+      </p:sp>
+      <p:cxnSp>
+        <p:nvCxnSpPr>
+          <p:cNvPr id="10" name="Straight Arrow Connector 9"/>
+          <p:cNvCxnSpPr/>
+          <p:nvPr/>
+        </p:nvCxnSpPr>
+        <p:spPr>
+          <a:xfrm>
+            <a:off x="7679891" y="6544107"/>
+            <a:ext cx="4109570" cy="4566"/>
+          </a:xfrm>
+          <a:prstGeom prst="straightConnector1">
+            <a:avLst/>
+          </a:prstGeom>
+          <a:ln w="28575">
+            <a:solidFill>
+              <a:srgbClr val="4372C4"/>
+            </a:solidFill>
+            <a:tailEnd type="triangle"/>
+          </a:ln>
+        </p:spPr>
+        <p:style>
+          <a:lnRef idx="1">
+            <a:schemeClr val="accent1"/>
+          </a:lnRef>
+          <a:fillRef idx="0">
+            <a:schemeClr val="accent1"/>
+          </a:fillRef>
+          <a:effectRef idx="0">
+            <a:schemeClr val="accent1"/>
+          </a:effectRef>
+          <a:fontRef idx="minor">
+            <a:schemeClr val="tx1"/>
+          </a:fontRef>
+        </p:style>
+      </p:cxnSp>
+      <p:cxnSp>
+        <p:nvCxnSpPr>
+          <p:cNvPr id="38" name="Straight Arrow Connector 37"/>
+          <p:cNvCxnSpPr>
+            <a:stCxn id="40" idx="2"/>
+            <a:endCxn id="42" idx="0"/>
+          </p:cNvCxnSpPr>
+          <p:nvPr/>
+        </p:nvCxnSpPr>
+        <p:spPr>
+          <a:xfrm flipH="1">
+            <a:off x="7613695" y="2448809"/>
+            <a:ext cx="1" cy="3816494"/>
+          </a:xfrm>
+          <a:prstGeom prst="straightConnector1">
+            <a:avLst/>
+          </a:prstGeom>
+          <a:ln w="28575">
+            <a:solidFill>
+              <a:srgbClr val="4372C4"/>
+            </a:solidFill>
+            <a:headEnd type="triangle" w="med" len="med"/>
+            <a:tailEnd type="none" w="med" len="med"/>
+          </a:ln>
+        </p:spPr>
+        <p:style>
+          <a:lnRef idx="1">
+            <a:schemeClr val="accent1"/>
+          </a:lnRef>
+          <a:fillRef idx="0">
+            <a:schemeClr val="accent1"/>
+          </a:fillRef>
+          <a:effectRef idx="0">
+            <a:schemeClr val="accent1"/>
+          </a:effectRef>
+          <a:fontRef idx="minor">
+            <a:schemeClr val="tx1"/>
+          </a:fontRef>
+        </p:style>
+      </p:cxnSp>
+      <p:sp>
+        <p:nvSpPr>
+          <p:cNvPr id="40" name="TextBox 39"/>
+          <p:cNvSpPr txBox="1"/>
+          <p:nvPr/>
+        </p:nvSpPr>
+        <p:spPr>
+          <a:xfrm>
+            <a:off x="7247249" y="2171810"/>
+            <a:ext cx="732893" cy="276999"/>
+          </a:xfrm>
+          <a:prstGeom prst="rect">
+            <a:avLst/>
+          </a:prstGeom>
+          <a:noFill/>
+        </p:spPr>
+        <p:txBody>
+          <a:bodyPr wrap="none" rtlCol="0">
+            <a:spAutoFit/>
+          </a:bodyPr>
+          <a:lstStyle/>
+          <a:p>
+            <a:r>
+              <a:rPr lang="en-US" sz="1200" b="1" dirty="0" smtClean="0">
+                <a:solidFill>
+                  <a:srgbClr val="4372C4"/>
+                </a:solidFill>
+              </a:rPr>
+              <a:t>business</a:t>
+            </a:r>
+            <a:endParaRPr lang="en-US" sz="1200" b="1" dirty="0">
+              <a:solidFill>
+                <a:srgbClr val="4372C4"/>
+              </a:solidFill>
+            </a:endParaRPr>
+          </a:p>
+        </p:txBody>
+      </p:sp>
+      <p:sp>
+        <p:nvSpPr>
+          <p:cNvPr id="42" name="TextBox 41"/>
+          <p:cNvSpPr txBox="1"/>
+          <p:nvPr/>
+        </p:nvSpPr>
+        <p:spPr>
+          <a:xfrm>
+            <a:off x="7233751" y="6265303"/>
+            <a:ext cx="759888" cy="276999"/>
+          </a:xfrm>
+          <a:prstGeom prst="rect">
+            <a:avLst/>
+          </a:prstGeom>
+          <a:noFill/>
+        </p:spPr>
+        <p:txBody>
+          <a:bodyPr wrap="none" rtlCol="0">
+            <a:spAutoFit/>
+          </a:bodyPr>
+          <a:lstStyle/>
+          <a:p>
+            <a:r>
+              <a:rPr lang="en-US" sz="1200" b="1" smtClean="0">
+                <a:solidFill>
+                  <a:srgbClr val="4372C4"/>
+                </a:solidFill>
+              </a:rPr>
+              <a:t>techncial</a:t>
+            </a:r>
+            <a:endParaRPr lang="en-US" sz="1200" b="1" dirty="0">
+              <a:solidFill>
+                <a:srgbClr val="4372C4"/>
+              </a:solidFill>
+            </a:endParaRPr>
+          </a:p>
+        </p:txBody>
+      </p:sp>
+      <p:sp>
+        <p:nvSpPr>
+          <p:cNvPr id="46" name="TextBox 45"/>
+          <p:cNvSpPr txBox="1"/>
+          <p:nvPr/>
+        </p:nvSpPr>
+        <p:spPr>
+          <a:xfrm>
+            <a:off x="9423021" y="6508744"/>
+            <a:ext cx="958339" cy="276999"/>
+          </a:xfrm>
+          <a:prstGeom prst="rect">
+            <a:avLst/>
+          </a:prstGeom>
+          <a:noFill/>
+        </p:spPr>
+        <p:txBody>
+          <a:bodyPr wrap="none" rtlCol="0">
+            <a:spAutoFit/>
+          </a:bodyPr>
+          <a:lstStyle/>
+          <a:p>
+            <a:r>
+              <a:rPr lang="en-US" sz="1200" b="1" i="1" smtClean="0">
+                <a:solidFill>
+                  <a:srgbClr val="4372C4"/>
+                </a:solidFill>
+              </a:rPr>
+              <a:t>deployment</a:t>
+            </a:r>
+            <a:endParaRPr lang="en-US" sz="1200" b="1" i="1" dirty="0">
+              <a:solidFill>
+                <a:srgbClr val="4372C4"/>
+              </a:solidFill>
+            </a:endParaRPr>
+          </a:p>
+        </p:txBody>
+      </p:sp>
+      <p:sp>
+        <p:nvSpPr>
+          <p:cNvPr id="47" name="TextBox 46"/>
+          <p:cNvSpPr txBox="1"/>
+          <p:nvPr/>
+        </p:nvSpPr>
+        <p:spPr>
+          <a:xfrm rot="16200000">
+            <a:off x="7161182" y="4329197"/>
+            <a:ext cx="683457" cy="276999"/>
+          </a:xfrm>
+          <a:prstGeom prst="rect">
+            <a:avLst/>
+          </a:prstGeom>
+          <a:noFill/>
+        </p:spPr>
+        <p:txBody>
+          <a:bodyPr wrap="none" rtlCol="0">
+            <a:spAutoFit/>
+          </a:bodyPr>
+          <a:lstStyle/>
+          <a:p>
+            <a:r>
+              <a:rPr lang="en-US" sz="1200" b="1" i="1" dirty="0" smtClean="0">
+                <a:solidFill>
+                  <a:srgbClr val="4372C4"/>
+                </a:solidFill>
+              </a:rPr>
+              <a:t>concept</a:t>
+            </a:r>
+            <a:endParaRPr lang="en-US" sz="1200" b="1" i="1" dirty="0">
+              <a:solidFill>
+                <a:srgbClr val="4372C4"/>
+              </a:solidFill>
+            </a:endParaRPr>
+          </a:p>
+        </p:txBody>
+      </p:sp>
+    </p:spTree>
+    <p:extLst>
+      <p:ext uri="{BB962C8B-B14F-4D97-AF65-F5344CB8AC3E}">
+        <p14:creationId xmlns:p14="http://schemas.microsoft.com/office/powerpoint/2010/main" val="718404813"/>
+      </p:ext>
+    </p:extLst>
+  </p:cSld>
+  <p:clrMapOvr>
+    <a:masterClrMapping/>
+  </p:clrMapOvr>
+  <p:timing>
+    <p:tnLst>
+      <p:par>
+        <p:cTn id="1" dur="indefinite" restart="never" nodeType="tmRoot">
+          <p:childTnLst>
+            <p:seq concurrent="1" nextAc="seek">
+              <p:cTn id="2" dur="indefinite" nodeType="mainSeq">
+                <p:childTnLst>
+                  <p:par>
+                    <p:cTn id="3" fill="hold">
+                      <p:stCondLst>
+                        <p:cond delay="indefinite"/>
+                      </p:stCondLst>
+                      <p:childTnLst>
+                        <p:par>
+                          <p:cTn id="4" fill="hold">
+                            <p:stCondLst>
+                              <p:cond delay="0"/>
+                            </p:stCondLst>
+                            <p:childTnLst>
+                              <p:par>
+                                <p:cTn id="5" presetID="1" presetClass="entr" presetSubtype="0" fill="hold" nodeType="clickEffect">
+                                  <p:stCondLst>
+                                    <p:cond delay="0"/>
+                                  </p:stCondLst>
+                                  <p:childTnLst>
+                                    <p:set>
+                                      <p:cBhvr>
+                                        <p:cTn id="6" dur="1" fill="hold">
+                                          <p:stCondLst>
+                                            <p:cond delay="0"/>
+                                          </p:stCondLst>
+                                        </p:cTn>
+                                        <p:tgtEl>
+                                          <p:spTgt spid="161">
+                                            <p:txEl>
+                                              <p:pRg st="1" end="1"/>
+                                            </p:txEl>
+                                          </p:spTgt>
+                                        </p:tgtEl>
+                                        <p:attrNameLst>
+                                          <p:attrName>style.visibility</p:attrName>
+                                        </p:attrNameLst>
+                                      </p:cBhvr>
+                                      <p:to>
+                                        <p:strVal val="visible"/>
+                                      </p:to>
+                                    </p:set>
+                                  </p:childTnLst>
+                                </p:cTn>
+                              </p:par>
+                              <p:par>
+                                <p:cTn id="7" presetID="1" presetClass="entr" presetSubtype="0" fill="hold" nodeType="withEffect">
+                                  <p:stCondLst>
+                                    <p:cond delay="0"/>
+                                  </p:stCondLst>
+                                  <p:childTnLst>
+                                    <p:set>
+                                      <p:cBhvr>
+                                        <p:cTn id="8" dur="1" fill="hold">
+                                          <p:stCondLst>
+                                            <p:cond delay="0"/>
+                                          </p:stCondLst>
+                                        </p:cTn>
+                                        <p:tgtEl>
+                                          <p:spTgt spid="161">
+                                            <p:txEl>
+                                              <p:pRg st="2" end="2"/>
+                                            </p:txEl>
+                                          </p:spTgt>
+                                        </p:tgtEl>
+                                        <p:attrNameLst>
+                                          <p:attrName>style.visibility</p:attrName>
+                                        </p:attrNameLst>
+                                      </p:cBhvr>
+                                      <p:to>
+                                        <p:strVal val="visible"/>
+                                      </p:to>
+                                    </p:set>
+                                  </p:childTnLst>
+                                </p:cTn>
+                              </p:par>
+                              <p:par>
+                                <p:cTn id="9" presetID="1" presetClass="entr" presetSubtype="0" fill="hold" nodeType="withEffect">
+                                  <p:stCondLst>
+                                    <p:cond delay="0"/>
+                                  </p:stCondLst>
+                                  <p:childTnLst>
+                                    <p:set>
+                                      <p:cBhvr>
+                                        <p:cTn id="10" dur="1" fill="hold">
+                                          <p:stCondLst>
+                                            <p:cond delay="0"/>
+                                          </p:stCondLst>
+                                        </p:cTn>
+                                        <p:tgtEl>
+                                          <p:spTgt spid="161">
+                                            <p:txEl>
+                                              <p:pRg st="3" end="3"/>
+                                            </p:txEl>
+                                          </p:spTgt>
+                                        </p:tgtEl>
+                                        <p:attrNameLst>
+                                          <p:attrName>style.visibility</p:attrName>
+                                        </p:attrNameLst>
+                                      </p:cBhvr>
+                                      <p:to>
+                                        <p:strVal val="visible"/>
+                                      </p:to>
+                                    </p:set>
+                                  </p:childTnLst>
+                                </p:cTn>
+                              </p:par>
+                              <p:par>
+                                <p:cTn id="11" presetID="1" presetClass="entr" presetSubtype="0" fill="hold" nodeType="withEffect">
+                                  <p:stCondLst>
+                                    <p:cond delay="0"/>
+                                  </p:stCondLst>
+                                  <p:childTnLst>
+                                    <p:set>
+                                      <p:cBhvr>
+                                        <p:cTn id="12" dur="1" fill="hold">
+                                          <p:stCondLst>
+                                            <p:cond delay="0"/>
+                                          </p:stCondLst>
+                                        </p:cTn>
+                                        <p:tgtEl>
+                                          <p:spTgt spid="8"/>
+                                        </p:tgtEl>
+                                        <p:attrNameLst>
+                                          <p:attrName>style.visibility</p:attrName>
+                                        </p:attrNameLst>
+                                      </p:cBhvr>
+                                      <p:to>
+                                        <p:strVal val="visible"/>
+                                      </p:to>
+                                    </p:set>
+                                  </p:childTnLst>
+                                </p:cTn>
+                              </p:par>
+                              <p:par>
+                                <p:cTn id="13" presetID="1" presetClass="entr" presetSubtype="0" fill="hold" nodeType="withEffect">
+                                  <p:stCondLst>
+                                    <p:cond delay="0"/>
+                                  </p:stCondLst>
+                                  <p:childTnLst>
+                                    <p:set>
+                                      <p:cBhvr>
+                                        <p:cTn id="14" dur="1" fill="hold">
+                                          <p:stCondLst>
+                                            <p:cond delay="0"/>
+                                          </p:stCondLst>
+                                        </p:cTn>
+                                        <p:tgtEl>
+                                          <p:spTgt spid="84"/>
+                                        </p:tgtEl>
+                                        <p:attrNameLst>
+                                          <p:attrName>style.visibility</p:attrName>
+                                        </p:attrNameLst>
+                                      </p:cBhvr>
+                                      <p:to>
+                                        <p:strVal val="visible"/>
+                                      </p:to>
+                                    </p:set>
+                                  </p:childTnLst>
+                                </p:cTn>
+                              </p:par>
+                              <p:par>
+                                <p:cTn id="15" presetID="1" presetClass="entr" presetSubtype="0" fill="hold" grpId="0" nodeType="withEffect">
+                                  <p:stCondLst>
+                                    <p:cond delay="0"/>
+                                  </p:stCondLst>
+                                  <p:childTnLst>
+                                    <p:set>
+                                      <p:cBhvr>
+                                        <p:cTn id="16" dur="1" fill="hold">
+                                          <p:stCondLst>
+                                            <p:cond delay="0"/>
+                                          </p:stCondLst>
+                                        </p:cTn>
+                                        <p:tgtEl>
+                                          <p:spTgt spid="53"/>
+                                        </p:tgtEl>
+                                        <p:attrNameLst>
+                                          <p:attrName>style.visibility</p:attrName>
+                                        </p:attrNameLst>
+                                      </p:cBhvr>
+                                      <p:to>
+                                        <p:strVal val="visible"/>
+                                      </p:to>
+                                    </p:set>
+                                  </p:childTnLst>
+                                </p:cTn>
+                              </p:par>
+                            </p:childTnLst>
+                          </p:cTn>
+                        </p:par>
+                      </p:childTnLst>
+                    </p:cTn>
+                  </p:par>
+                  <p:par>
+                    <p:cTn id="17" fill="hold">
+                      <p:stCondLst>
+                        <p:cond delay="indefinite"/>
+                      </p:stCondLst>
+                      <p:childTnLst>
+                        <p:par>
+                          <p:cTn id="18" fill="hold">
+                            <p:stCondLst>
+                              <p:cond delay="0"/>
+                            </p:stCondLst>
+                            <p:childTnLst>
+                              <p:par>
+                                <p:cTn id="19" presetID="1" presetClass="entr" presetSubtype="0" fill="hold" nodeType="clickEffect">
+                                  <p:stCondLst>
+                                    <p:cond delay="0"/>
+                                  </p:stCondLst>
+                                  <p:childTnLst>
+                                    <p:set>
+                                      <p:cBhvr>
+                                        <p:cTn id="20" dur="1" fill="hold">
+                                          <p:stCondLst>
+                                            <p:cond delay="0"/>
+                                          </p:stCondLst>
+                                        </p:cTn>
+                                        <p:tgtEl>
+                                          <p:spTgt spid="161">
+                                            <p:txEl>
+                                              <p:pRg st="6" end="6"/>
+                                            </p:txEl>
+                                          </p:spTgt>
+                                        </p:tgtEl>
+                                        <p:attrNameLst>
+                                          <p:attrName>style.visibility</p:attrName>
+                                        </p:attrNameLst>
+                                      </p:cBhvr>
+                                      <p:to>
+                                        <p:strVal val="visible"/>
+                                      </p:to>
+                                    </p:set>
+                                  </p:childTnLst>
+                                </p:cTn>
+                              </p:par>
+                              <p:par>
+                                <p:cTn id="21" presetID="1" presetClass="entr" presetSubtype="0" fill="hold" nodeType="withEffect">
+                                  <p:stCondLst>
+                                    <p:cond delay="0"/>
+                                  </p:stCondLst>
+                                  <p:childTnLst>
+                                    <p:set>
+                                      <p:cBhvr>
+                                        <p:cTn id="22" dur="1" fill="hold">
+                                          <p:stCondLst>
+                                            <p:cond delay="0"/>
+                                          </p:stCondLst>
+                                        </p:cTn>
+                                        <p:tgtEl>
+                                          <p:spTgt spid="161">
+                                            <p:txEl>
+                                              <p:pRg st="7" end="7"/>
+                                            </p:txEl>
+                                          </p:spTgt>
+                                        </p:tgtEl>
+                                        <p:attrNameLst>
+                                          <p:attrName>style.visibility</p:attrName>
+                                        </p:attrNameLst>
+                                      </p:cBhvr>
+                                      <p:to>
+                                        <p:strVal val="visible"/>
+                                      </p:to>
+                                    </p:set>
+                                  </p:childTnLst>
+                                </p:cTn>
+                              </p:par>
+                              <p:par>
+                                <p:cTn id="23" presetID="1" presetClass="entr" presetSubtype="0" fill="hold" grpId="0" nodeType="withEffect">
+                                  <p:stCondLst>
+                                    <p:cond delay="0"/>
+                                  </p:stCondLst>
+                                  <p:childTnLst>
+                                    <p:set>
+                                      <p:cBhvr>
+                                        <p:cTn id="24" dur="1" fill="hold">
+                                          <p:stCondLst>
+                                            <p:cond delay="0"/>
+                                          </p:stCondLst>
+                                        </p:cTn>
+                                        <p:tgtEl>
+                                          <p:spTgt spid="50"/>
+                                        </p:tgtEl>
+                                        <p:attrNameLst>
+                                          <p:attrName>style.visibility</p:attrName>
+                                        </p:attrNameLst>
+                                      </p:cBhvr>
+                                      <p:to>
+                                        <p:strVal val="visible"/>
+                                      </p:to>
+                                    </p:set>
+                                  </p:childTnLst>
+                                </p:cTn>
+                              </p:par>
+                              <p:par>
+                                <p:cTn id="25" presetID="1" presetClass="entr" presetSubtype="0" fill="hold" grpId="0" nodeType="withEffect">
+                                  <p:stCondLst>
+                                    <p:cond delay="0"/>
+                                  </p:stCondLst>
+                                  <p:childTnLst>
+                                    <p:set>
+                                      <p:cBhvr>
+                                        <p:cTn id="26" dur="1" fill="hold">
+                                          <p:stCondLst>
+                                            <p:cond delay="0"/>
+                                          </p:stCondLst>
+                                        </p:cTn>
+                                        <p:tgtEl>
+                                          <p:spTgt spid="49"/>
+                                        </p:tgtEl>
+                                        <p:attrNameLst>
+                                          <p:attrName>style.visibility</p:attrName>
+                                        </p:attrNameLst>
+                                      </p:cBhvr>
+                                      <p:to>
+                                        <p:strVal val="visible"/>
+                                      </p:to>
+                                    </p:set>
+                                  </p:childTnLst>
+                                </p:cTn>
+                              </p:par>
+                              <p:par>
+                                <p:cTn id="27" presetID="1" presetClass="entr" presetSubtype="0" fill="hold" nodeType="withEffect">
+                                  <p:stCondLst>
+                                    <p:cond delay="0"/>
+                                  </p:stCondLst>
+                                  <p:childTnLst>
+                                    <p:set>
+                                      <p:cBhvr>
+                                        <p:cTn id="28" dur="1" fill="hold">
+                                          <p:stCondLst>
+                                            <p:cond delay="0"/>
+                                          </p:stCondLst>
+                                        </p:cTn>
+                                        <p:tgtEl>
+                                          <p:spTgt spid="161">
+                                            <p:txEl>
+                                              <p:pRg st="5" end="5"/>
+                                            </p:txEl>
+                                          </p:spTgt>
+                                        </p:tgtEl>
+                                        <p:attrNameLst>
+                                          <p:attrName>style.visibility</p:attrName>
+                                        </p:attrNameLst>
+                                      </p:cBhvr>
+                                      <p:to>
+                                        <p:strVal val="visible"/>
+                                      </p:to>
+                                    </p:set>
+                                  </p:childTnLst>
+                                </p:cTn>
+                              </p:par>
+                            </p:childTnLst>
+                          </p:cTn>
+                        </p:par>
+                      </p:childTnLst>
+                    </p:cTn>
+                  </p:par>
+                  <p:par>
+                    <p:cTn id="29" fill="hold">
+                      <p:stCondLst>
+                        <p:cond delay="indefinite"/>
+                      </p:stCondLst>
+                      <p:childTnLst>
+                        <p:par>
+                          <p:cTn id="30" fill="hold">
+                            <p:stCondLst>
+                              <p:cond delay="0"/>
+                            </p:stCondLst>
+                            <p:childTnLst>
+                              <p:par>
+                                <p:cTn id="31" presetID="1" presetClass="entr" presetSubtype="0" fill="hold" nodeType="clickEffect">
+                                  <p:stCondLst>
+                                    <p:cond delay="0"/>
+                                  </p:stCondLst>
+                                  <p:childTnLst>
+                                    <p:set>
+                                      <p:cBhvr>
+                                        <p:cTn id="32" dur="1" fill="hold">
+                                          <p:stCondLst>
+                                            <p:cond delay="0"/>
+                                          </p:stCondLst>
+                                        </p:cTn>
+                                        <p:tgtEl>
+                                          <p:spTgt spid="161">
+                                            <p:txEl>
+                                              <p:pRg st="10" end="10"/>
+                                            </p:txEl>
+                                          </p:spTgt>
+                                        </p:tgtEl>
+                                        <p:attrNameLst>
+                                          <p:attrName>style.visibility</p:attrName>
+                                        </p:attrNameLst>
+                                      </p:cBhvr>
+                                      <p:to>
+                                        <p:strVal val="visible"/>
+                                      </p:to>
+                                    </p:set>
+                                  </p:childTnLst>
+                                </p:cTn>
+                              </p:par>
+                              <p:par>
+                                <p:cTn id="33" presetID="1" presetClass="entr" presetSubtype="0" fill="hold" nodeType="withEffect">
+                                  <p:stCondLst>
+                                    <p:cond delay="0"/>
+                                  </p:stCondLst>
+                                  <p:childTnLst>
+                                    <p:set>
+                                      <p:cBhvr>
+                                        <p:cTn id="34" dur="1" fill="hold">
+                                          <p:stCondLst>
+                                            <p:cond delay="0"/>
+                                          </p:stCondLst>
+                                        </p:cTn>
+                                        <p:tgtEl>
+                                          <p:spTgt spid="161">
+                                            <p:txEl>
+                                              <p:pRg st="11" end="11"/>
+                                            </p:txEl>
+                                          </p:spTgt>
+                                        </p:tgtEl>
+                                        <p:attrNameLst>
+                                          <p:attrName>style.visibility</p:attrName>
+                                        </p:attrNameLst>
+                                      </p:cBhvr>
+                                      <p:to>
+                                        <p:strVal val="visible"/>
+                                      </p:to>
+                                    </p:set>
+                                  </p:childTnLst>
+                                </p:cTn>
+                              </p:par>
+                              <p:par>
+                                <p:cTn id="35" presetID="1" presetClass="entr" presetSubtype="0" fill="hold" nodeType="withEffect">
+                                  <p:stCondLst>
+                                    <p:cond delay="0"/>
+                                  </p:stCondLst>
+                                  <p:childTnLst>
+                                    <p:set>
+                                      <p:cBhvr>
+                                        <p:cTn id="36" dur="1" fill="hold">
+                                          <p:stCondLst>
+                                            <p:cond delay="0"/>
+                                          </p:stCondLst>
+                                        </p:cTn>
+                                        <p:tgtEl>
+                                          <p:spTgt spid="13"/>
+                                        </p:tgtEl>
+                                        <p:attrNameLst>
+                                          <p:attrName>style.visibility</p:attrName>
+                                        </p:attrNameLst>
+                                      </p:cBhvr>
+                                      <p:to>
+                                        <p:strVal val="visible"/>
+                                      </p:to>
+                                    </p:set>
+                                  </p:childTnLst>
+                                </p:cTn>
+                              </p:par>
+                              <p:par>
+                                <p:cTn id="37" presetID="1" presetClass="entr" presetSubtype="0" fill="hold" grpId="0" nodeType="withEffect">
+                                  <p:stCondLst>
+                                    <p:cond delay="0"/>
+                                  </p:stCondLst>
+                                  <p:childTnLst>
+                                    <p:set>
+                                      <p:cBhvr>
+                                        <p:cTn id="38" dur="1" fill="hold">
+                                          <p:stCondLst>
+                                            <p:cond delay="0"/>
+                                          </p:stCondLst>
+                                        </p:cTn>
+                                        <p:tgtEl>
+                                          <p:spTgt spid="45"/>
+                                        </p:tgtEl>
+                                        <p:attrNameLst>
+                                          <p:attrName>style.visibility</p:attrName>
+                                        </p:attrNameLst>
+                                      </p:cBhvr>
+                                      <p:to>
+                                        <p:strVal val="visible"/>
+                                      </p:to>
+                                    </p:set>
+                                  </p:childTnLst>
+                                </p:cTn>
+                              </p:par>
+                              <p:par>
+                                <p:cTn id="39" presetID="1" presetClass="entr" presetSubtype="0" fill="hold" nodeType="withEffect">
+                                  <p:stCondLst>
+                                    <p:cond delay="0"/>
+                                  </p:stCondLst>
+                                  <p:childTnLst>
+                                    <p:set>
+                                      <p:cBhvr>
+                                        <p:cTn id="40" dur="1" fill="hold">
+                                          <p:stCondLst>
+                                            <p:cond delay="0"/>
+                                          </p:stCondLst>
+                                        </p:cTn>
+                                        <p:tgtEl>
+                                          <p:spTgt spid="161">
+                                            <p:txEl>
+                                              <p:pRg st="9" end="9"/>
+                                            </p:txEl>
+                                          </p:spTgt>
+                                        </p:tgtEl>
+                                        <p:attrNameLst>
+                                          <p:attrName>style.visibility</p:attrName>
+                                        </p:attrNameLst>
+                                      </p:cBhvr>
+                                      <p:to>
+                                        <p:strVal val="visible"/>
+                                      </p:to>
+                                    </p:set>
+                                  </p:childTnLst>
+                                </p:cTn>
+                              </p:par>
+                            </p:childTnLst>
+                          </p:cTn>
+                        </p:par>
+                      </p:childTnLst>
+                    </p:cTn>
+                  </p:par>
+                </p:childTnLst>
+              </p:cTn>
+              <p:prevCondLst>
+                <p:cond evt="onPrev" delay="0">
+                  <p:tgtEl>
+                    <p:sldTgt/>
+                  </p:tgtEl>
+                </p:cond>
+              </p:prevCondLst>
+              <p:nextCondLst>
+                <p:cond evt="onNext" delay="0">
+                  <p:tgtEl>
+                    <p:sldTgt/>
+                  </p:tgtEl>
+                </p:cond>
+              </p:nextCondLst>
+            </p:seq>
+          </p:childTnLst>
+        </p:cTn>
+      </p:par>
+    </p:tnLst>
+    <p:bldLst>
+      <p:bldP spid="45" grpId="0" animBg="1"/>
+      <p:bldP spid="49" grpId="0" animBg="1"/>
+      <p:bldP spid="53" grpId="0" animBg="1"/>
+      <p:bldP spid="50" grpId="0" animBg="1"/>
+    </p:bldLst>
+  </p:timing>
+</p:sld>
+</file>
+
+<file path=ppt/slides/slide9.xml><?xml version="1.0" encoding="utf-8"?>
+<p:sld xmlns:a="http://schemas.openxmlformats.org/drawingml/2006/main" xmlns:r="http://schemas.openxmlformats.org/officeDocument/2006/relationships" xmlns:p="http://schemas.openxmlformats.org/presentationml/2006/main">
+  <p:cSld>
+    <p:spTree>
+      <p:nvGrpSpPr>
+        <p:cNvPr id="1" name=""/>
+        <p:cNvGrpSpPr/>
+        <p:nvPr/>
+      </p:nvGrpSpPr>
+      <p:grpSpPr>
+        <a:xfrm>
+          <a:off x="0" y="0"/>
+          <a:ext cx="0" cy="0"/>
+          <a:chOff x="0" y="0"/>
+          <a:chExt cx="0" cy="0"/>
+        </a:xfrm>
+      </p:grpSpPr>
+      <p:sp>
+        <p:nvSpPr>
+          <p:cNvPr id="46" name="Rounded Rectangle 45"/>
+          <p:cNvSpPr/>
+          <p:nvPr/>
+        </p:nvSpPr>
+        <p:spPr>
+          <a:xfrm>
+            <a:off x="7679891" y="2382075"/>
+            <a:ext cx="4109570" cy="4109570"/>
+          </a:xfrm>
+          <a:prstGeom prst="roundRect">
+            <a:avLst/>
+          </a:prstGeom>
+          <a:solidFill>
+            <a:srgbClr val="A2A1A1"/>
+          </a:solidFill>
+        </p:spPr>
+        <p:style>
+          <a:lnRef idx="2">
+            <a:schemeClr val="accent1">
+              <a:shade val="50000"/>
+            </a:schemeClr>
+          </a:lnRef>
+          <a:fillRef idx="1">
+            <a:schemeClr val="accent1"/>
+          </a:fillRef>
+          <a:effectRef idx="0">
+            <a:schemeClr val="accent1"/>
+          </a:effectRef>
+          <a:fontRef idx="minor">
+            <a:schemeClr val="lt1"/>
+          </a:fontRef>
+        </p:style>
+        <p:txBody>
+          <a:bodyPr rtlCol="0" anchor="ctr"/>
+          <a:lstStyle/>
+          <a:p>
+            <a:pPr algn="ctr"/>
+            <a:endParaRPr lang="en-US"/>
+          </a:p>
+        </p:txBody>
+      </p:sp>
+      <p:sp>
+        <p:nvSpPr>
+          <p:cNvPr id="162" name="Rounded Rectangle 161"/>
+          <p:cNvSpPr/>
+          <p:nvPr/>
+        </p:nvSpPr>
+        <p:spPr>
+          <a:xfrm>
+            <a:off x="10555320" y="3307231"/>
+            <a:ext cx="559591" cy="554570"/>
+          </a:xfrm>
+          <a:prstGeom prst="roundRect">
+            <a:avLst/>
+          </a:prstGeom>
+          <a:solidFill>
+            <a:srgbClr val="4372C4"/>
+          </a:solidFill>
+          <a:ln w="28575" cap="flat" cmpd="sng" algn="ctr">
+            <a:solidFill>
+              <a:schemeClr val="tx2"/>
+            </a:solidFill>
+            <a:prstDash val="solid"/>
+          </a:ln>
+          <a:effectLst>
+            <a:outerShdw blurRad="40000" dist="23000" dir="5400000" rotWithShape="0">
+              <a:srgbClr val="000000">
+                <a:alpha val="35000"/>
+              </a:srgbClr>
+            </a:outerShdw>
+          </a:effectLst>
+        </p:spPr>
+        <p:txBody>
+          <a:bodyPr tIns="36000" bIns="36000" rtlCol="0" anchor="ctr"/>
+          <a:lstStyle/>
+          <a:p>
+            <a:pPr marL="0" marR="0" lvl="0" indent="0" algn="ctr" defTabSz="457200" eaLnBrk="1" fontAlgn="auto" latinLnBrk="0" hangingPunct="1">
+              <a:lnSpc>
+                <a:spcPct val="100000"/>
+              </a:lnSpc>
+              <a:spcBef>
+                <a:spcPts val="0"/>
+              </a:spcBef>
+              <a:spcAft>
+                <a:spcPts val="0"/>
+              </a:spcAft>
+              <a:buClrTx/>
+              <a:buSzTx/>
+              <a:buFontTx/>
+              <a:buNone/>
+              <a:tabLst/>
+              <a:defRPr/>
+            </a:pPr>
+            <a:r>
+              <a:rPr lang="en-US" sz="2400" b="1" kern="0" noProof="0" dirty="0" smtClean="0">
+                <a:solidFill>
+                  <a:schemeClr val="bg1"/>
+                </a:solidFill>
+                <a:ea typeface=""/>
+                <a:cs typeface=""/>
+              </a:rPr>
+              <a:t>P</a:t>
+            </a:r>
+            <a:endParaRPr kumimoji="0" lang="en-US" sz="2400" b="1" i="0" u="none" strike="noStrike" kern="0" cap="none" spc="0" normalizeH="0" baseline="0" noProof="0" dirty="0" smtClean="0">
+              <a:ln>
+                <a:noFill/>
+              </a:ln>
+              <a:solidFill>
+                <a:schemeClr val="bg1"/>
+              </a:solidFill>
+              <a:effectLst/>
+              <a:uLnTx/>
+              <a:uFillTx/>
+              <a:ea typeface=""/>
+              <a:cs typeface=""/>
+            </a:endParaRPr>
+          </a:p>
+        </p:txBody>
+      </p:sp>
+      <p:sp>
+        <p:nvSpPr>
+          <p:cNvPr id="2" name="Title 1"/>
+          <p:cNvSpPr>
+            <a:spLocks noGrp="1"/>
+          </p:cNvSpPr>
+          <p:nvPr>
+            <p:ph type="title"/>
+          </p:nvPr>
+        </p:nvSpPr>
+        <p:spPr>
+          <a:xfrm>
+            <a:off x="457200" y="365125"/>
+            <a:ext cx="11734800" cy="1325563"/>
+          </a:xfrm>
+        </p:spPr>
+        <p:txBody>
+          <a:bodyPr>
+            <a:normAutofit fontScale="90000"/>
+          </a:bodyPr>
+          <a:lstStyle/>
+          <a:p>
+            <a:pPr algn="ctr"/>
+            <a:r>
+              <a:rPr lang="en-US" sz="7200" b="1" dirty="0" smtClean="0">
+                <a:solidFill>
+                  <a:srgbClr val="4C81B2"/>
+                </a:solidFill>
+                <a:latin typeface="+mn-lt"/>
+              </a:rPr>
+              <a:t>Blockchain Network Components</a:t>
+            </a:r>
+            <a:endParaRPr lang="en-US" b="1" dirty="0"/>
+          </a:p>
+        </p:txBody>
+      </p:sp>
+      <p:sp>
+        <p:nvSpPr>
+          <p:cNvPr id="4" name="Slide Number Placeholder 3"/>
+          <p:cNvSpPr>
+            <a:spLocks noGrp="1"/>
+          </p:cNvSpPr>
+          <p:nvPr>
+            <p:ph type="sldNum" sz="quarter" idx="12"/>
+          </p:nvPr>
+        </p:nvSpPr>
+        <p:spPr/>
+        <p:txBody>
+          <a:bodyPr/>
+          <a:lstStyle/>
+          <a:p>
+            <a:fld id="{2AF5F8E0-9CB9-8D41-B80C-6B76C9B710FC}" type="slidenum">
+              <a:rPr lang="en-US" smtClean="0"/>
+              <a:t>9</a:t>
+            </a:fld>
+            <a:endParaRPr lang="en-US"/>
+          </a:p>
+        </p:txBody>
+      </p:sp>
+      <p:sp>
+        <p:nvSpPr>
+          <p:cNvPr id="64" name="Rounded Rectangle 63"/>
+          <p:cNvSpPr/>
+          <p:nvPr/>
+        </p:nvSpPr>
+        <p:spPr>
+          <a:xfrm>
+            <a:off x="9690318" y="4166876"/>
+            <a:ext cx="571412" cy="563758"/>
+          </a:xfrm>
+          <a:prstGeom prst="roundRect">
+            <a:avLst/>
+          </a:prstGeom>
+          <a:solidFill>
+            <a:srgbClr val="00B050"/>
+          </a:solidFill>
+          <a:ln w="25400">
+            <a:solidFill>
+              <a:srgbClr val="0070C0"/>
+            </a:solidFill>
+          </a:ln>
+        </p:spPr>
+        <p:style>
+          <a:lnRef idx="2">
+            <a:schemeClr val="accent1">
+              <a:shade val="50000"/>
+            </a:schemeClr>
+          </a:lnRef>
+          <a:fillRef idx="1">
+            <a:schemeClr val="accent1"/>
+          </a:fillRef>
+          <a:effectRef idx="0">
+            <a:schemeClr val="accent1"/>
+          </a:effectRef>
+          <a:fontRef idx="minor">
+            <a:schemeClr val="lt1"/>
+          </a:fontRef>
+        </p:style>
+        <p:txBody>
+          <a:bodyPr rtlCol="0" anchor="ctr"/>
+          <a:lstStyle/>
+          <a:p>
+            <a:pPr algn="ctr"/>
+            <a:r>
+              <a:rPr lang="en-US" sz="2400" b="1" dirty="0">
+                <a:solidFill>
+                  <a:srgbClr val="4372C4"/>
+                </a:solidFill>
+              </a:rPr>
+              <a:t>O</a:t>
+            </a:r>
+          </a:p>
+        </p:txBody>
+      </p:sp>
+      <p:grpSp>
+        <p:nvGrpSpPr>
+          <p:cNvPr id="84" name="Group 83"/>
+          <p:cNvGrpSpPr/>
+          <p:nvPr/>
+        </p:nvGrpSpPr>
+        <p:grpSpPr>
+          <a:xfrm>
+            <a:off x="9558925" y="1529226"/>
+            <a:ext cx="453635" cy="725046"/>
+            <a:chOff x="5701137" y="2384637"/>
+            <a:chExt cx="1133935" cy="1812371"/>
+          </a:xfrm>
+          <a:solidFill>
+            <a:srgbClr val="A2A1A1"/>
+          </a:solidFill>
+        </p:grpSpPr>
+        <p:sp>
+          <p:nvSpPr>
+            <p:cNvPr id="86" name="Oval 85"/>
+            <p:cNvSpPr/>
+            <p:nvPr/>
+          </p:nvSpPr>
+          <p:spPr>
+            <a:xfrm>
+              <a:off x="5928886" y="2384637"/>
+              <a:ext cx="678435" cy="678436"/>
+            </a:xfrm>
+            <a:prstGeom prst="ellipse">
+              <a:avLst/>
+            </a:prstGeom>
+            <a:grpFill/>
+          </p:spPr>
+          <p:style>
+            <a:lnRef idx="2">
+              <a:schemeClr val="accent1">
+                <a:shade val="50000"/>
+              </a:schemeClr>
+            </a:lnRef>
+            <a:fillRef idx="1">
+              <a:schemeClr val="accent1"/>
+            </a:fillRef>
+            <a:effectRef idx="0">
+              <a:schemeClr val="accent1"/>
+            </a:effectRef>
+            <a:fontRef idx="minor">
+              <a:schemeClr val="lt1"/>
+            </a:fontRef>
+          </p:style>
+          <p:txBody>
+            <a:bodyPr rtlCol="0" anchor="ctr"/>
+            <a:lstStyle/>
+            <a:p>
+              <a:pPr algn="ctr"/>
+              <a:endParaRPr lang="en-US"/>
+            </a:p>
+          </p:txBody>
+        </p:sp>
+        <p:sp>
+          <p:nvSpPr>
+            <p:cNvPr id="87" name="Round Same Side Corner Rectangle 86"/>
+            <p:cNvSpPr/>
+            <p:nvPr/>
+          </p:nvSpPr>
+          <p:spPr>
+            <a:xfrm>
+              <a:off x="5701137" y="3063073"/>
+              <a:ext cx="1133935" cy="1133935"/>
+            </a:xfrm>
+            <a:prstGeom prst="round2SameRect">
+              <a:avLst>
+                <a:gd name="adj1" fmla="val 49716"/>
+                <a:gd name="adj2" fmla="val 0"/>
+              </a:avLst>
+            </a:prstGeom>
+            <a:grpFill/>
+          </p:spPr>
+          <p:style>
+            <a:lnRef idx="2">
+              <a:schemeClr val="accent1">
+                <a:shade val="50000"/>
+              </a:schemeClr>
+            </a:lnRef>
+            <a:fillRef idx="1">
+              <a:schemeClr val="accent1"/>
+            </a:fillRef>
+            <a:effectRef idx="0">
+              <a:schemeClr val="accent1"/>
+            </a:effectRef>
+            <a:fontRef idx="minor">
+              <a:schemeClr val="lt1"/>
+            </a:fontRef>
+          </p:style>
+          <p:txBody>
+            <a:bodyPr rtlCol="0" anchor="ctr"/>
+            <a:lstStyle/>
+            <a:p>
+              <a:pPr algn="ctr"/>
+              <a:r>
+                <a:rPr lang="en-US" sz="2400" b="1" dirty="0"/>
+                <a:t>B</a:t>
+              </a:r>
+            </a:p>
+          </p:txBody>
+        </p:sp>
+      </p:grpSp>
+      <p:sp>
+        <p:nvSpPr>
+          <p:cNvPr id="161" name="Content Placeholder 2"/>
+          <p:cNvSpPr>
+            <a:spLocks noGrp="1"/>
+          </p:cNvSpPr>
+          <p:nvPr>
+            <p:ph idx="1"/>
+          </p:nvPr>
+        </p:nvSpPr>
+        <p:spPr>
+          <a:xfrm>
+            <a:off x="838196" y="1825625"/>
+            <a:ext cx="6462333" cy="4351338"/>
+          </a:xfrm>
+        </p:spPr>
+        <p:txBody>
+          <a:bodyPr>
+            <a:noAutofit/>
+          </a:bodyPr>
+          <a:lstStyle/>
+          <a:p>
+            <a:r>
+              <a:rPr lang="en-US" sz="1800" dirty="0" smtClean="0"/>
+              <a:t>We define the following network components</a:t>
+            </a:r>
+          </a:p>
+          <a:p>
+            <a:endParaRPr lang="en-US" sz="1800" dirty="0"/>
+          </a:p>
+          <a:p>
+            <a:pPr marL="360363" indent="-360363">
+              <a:buFont typeface="+mj-lt"/>
+              <a:buAutoNum type="arabicPeriod"/>
+            </a:pPr>
+            <a:r>
+              <a:rPr lang="en-US" sz="1800" dirty="0" smtClean="0"/>
+              <a:t>A </a:t>
+            </a:r>
+            <a:r>
+              <a:rPr lang="en-US" sz="1800" dirty="0"/>
+              <a:t>set of policies </a:t>
+            </a:r>
+            <a:r>
+              <a:rPr lang="en-US" sz="1800" b="1" dirty="0" err="1"/>
+              <a:t>Px</a:t>
+            </a:r>
+            <a:r>
+              <a:rPr lang="en-US" sz="1800" dirty="0"/>
+              <a:t>, </a:t>
+            </a:r>
+            <a:r>
+              <a:rPr lang="en-US" sz="1800" dirty="0" smtClean="0"/>
+              <a:t>which control access to resources in </a:t>
+            </a:r>
+            <a:r>
+              <a:rPr lang="en-US" sz="1800" b="1" dirty="0" smtClean="0"/>
+              <a:t>N</a:t>
+            </a:r>
+            <a:br>
+              <a:rPr lang="en-US" sz="1800" b="1" dirty="0" smtClean="0"/>
+            </a:br>
+            <a:endParaRPr lang="en-US" sz="1800" dirty="0" smtClean="0"/>
+          </a:p>
+          <a:p>
+            <a:pPr marL="360363" indent="-360363">
+              <a:buFont typeface="+mj-lt"/>
+              <a:buAutoNum type="arabicPeriod"/>
+            </a:pPr>
+            <a:r>
+              <a:rPr lang="en-US" sz="1800" dirty="0" smtClean="0"/>
+              <a:t>A set of peers, </a:t>
+            </a:r>
+            <a:r>
+              <a:rPr lang="en-US" sz="1800" b="1" dirty="0" smtClean="0"/>
+              <a:t>P</a:t>
+            </a:r>
+            <a:r>
+              <a:rPr lang="en-US" sz="1800" dirty="0" smtClean="0"/>
+              <a:t>, which host ledgers and smart contracts</a:t>
+            </a:r>
+            <a:br>
+              <a:rPr lang="en-US" sz="1800" dirty="0" smtClean="0"/>
+            </a:br>
+            <a:endParaRPr lang="en-US" sz="1800" dirty="0" smtClean="0"/>
+          </a:p>
+          <a:p>
+            <a:pPr marL="360363" indent="-360363">
+              <a:buFont typeface="+mj-lt"/>
+              <a:buAutoNum type="arabicPeriod"/>
+            </a:pPr>
+            <a:r>
+              <a:rPr lang="en-US" sz="1800" dirty="0" smtClean="0"/>
+              <a:t>An ordering service </a:t>
+            </a:r>
+            <a:r>
+              <a:rPr lang="en-US" sz="1800" b="1" dirty="0" smtClean="0"/>
+              <a:t>O</a:t>
+            </a:r>
+            <a:r>
+              <a:rPr lang="en-US" sz="1800" dirty="0" smtClean="0"/>
+              <a:t>; the network administration point</a:t>
+            </a:r>
+            <a:br>
+              <a:rPr lang="en-US" sz="1800" dirty="0" smtClean="0"/>
+            </a:br>
+            <a:endParaRPr lang="en-US" sz="1800" dirty="0" smtClean="0"/>
+          </a:p>
+          <a:p>
+            <a:pPr marL="360363" indent="-360363">
+              <a:buFont typeface="+mj-lt"/>
+              <a:buAutoNum type="arabicPeriod"/>
+            </a:pPr>
+            <a:r>
+              <a:rPr lang="en-US" sz="1800" dirty="0" smtClean="0"/>
+              <a:t>A set of channels, </a:t>
+            </a:r>
+            <a:r>
+              <a:rPr lang="en-US" sz="1800" b="1" dirty="0" err="1" smtClean="0"/>
+              <a:t>Ch</a:t>
+            </a:r>
+            <a:r>
+              <a:rPr lang="en-US" sz="1800" dirty="0" smtClean="0"/>
+              <a:t>, which partition the network for </a:t>
+            </a:r>
+            <a:br>
+              <a:rPr lang="en-US" sz="1800" dirty="0" smtClean="0"/>
+            </a:br>
+            <a:r>
+              <a:rPr lang="en-US" sz="1800" dirty="0" smtClean="0"/>
+              <a:t>privacy</a:t>
+            </a:r>
+            <a:r>
+              <a:rPr lang="en-US" sz="1800" b="1" dirty="0"/>
+              <a:t/>
+            </a:r>
+            <a:br>
+              <a:rPr lang="en-US" sz="1800" b="1" dirty="0"/>
+            </a:br>
+            <a:endParaRPr lang="en-US" sz="1800" dirty="0" smtClean="0"/>
+          </a:p>
+          <a:p>
+            <a:pPr marL="360363" indent="-360363">
+              <a:buFont typeface="+mj-lt"/>
+              <a:buAutoNum type="arabicPeriod"/>
+            </a:pPr>
+            <a:r>
+              <a:rPr lang="en-US" sz="1800" dirty="0" smtClean="0"/>
+              <a:t>A </a:t>
+            </a:r>
+            <a:r>
+              <a:rPr lang="en-US" sz="1800" dirty="0"/>
+              <a:t>set of configurations, </a:t>
+            </a:r>
+            <a:r>
+              <a:rPr lang="en-US" sz="1800" b="1" dirty="0" err="1"/>
+              <a:t>Cx</a:t>
+            </a:r>
+            <a:r>
+              <a:rPr lang="en-US" sz="1800" dirty="0"/>
+              <a:t>, applying to </a:t>
+            </a:r>
+            <a:r>
+              <a:rPr lang="en-US" sz="1800" dirty="0" smtClean="0"/>
+              <a:t>different elements of </a:t>
+            </a:r>
+            <a:r>
+              <a:rPr lang="en-US" sz="1800" b="1" dirty="0" smtClean="0"/>
+              <a:t>N</a:t>
+            </a:r>
+            <a:br>
+              <a:rPr lang="en-US" sz="1800" b="1" dirty="0" smtClean="0"/>
+            </a:br>
+            <a:endParaRPr lang="en-US" sz="1800" b="1" dirty="0" smtClean="0"/>
+          </a:p>
+          <a:p>
+            <a:pPr marL="360363" indent="-360363">
+              <a:buFont typeface="+mj-lt"/>
+              <a:buAutoNum type="arabicPeriod"/>
+            </a:pPr>
+            <a:r>
+              <a:rPr lang="en-US" sz="1800" dirty="0" smtClean="0"/>
+              <a:t>A set of </a:t>
+            </a:r>
+            <a:r>
+              <a:rPr lang="en-US" sz="1800" b="1" dirty="0" smtClean="0"/>
+              <a:t>MSP</a:t>
+            </a:r>
+            <a:r>
+              <a:rPr lang="en-US" sz="1800" dirty="0" smtClean="0"/>
+              <a:t>s which provide a trust store for identities, </a:t>
+            </a:r>
+            <a:r>
+              <a:rPr lang="en-US" sz="1800" b="1" dirty="0" smtClean="0"/>
+              <a:t>I</a:t>
+            </a:r>
+            <a:endParaRPr lang="en-US" sz="1800" dirty="0"/>
+          </a:p>
+        </p:txBody>
+      </p:sp>
+      <p:grpSp>
+        <p:nvGrpSpPr>
+          <p:cNvPr id="9" name="Group 8"/>
+          <p:cNvGrpSpPr/>
+          <p:nvPr/>
+        </p:nvGrpSpPr>
+        <p:grpSpPr>
+          <a:xfrm>
+            <a:off x="6846322" y="3879812"/>
+            <a:ext cx="619323" cy="501605"/>
+            <a:chOff x="6472402" y="5302101"/>
+            <a:chExt cx="619323" cy="501605"/>
+          </a:xfrm>
+        </p:grpSpPr>
+        <p:sp>
+          <p:nvSpPr>
+            <p:cNvPr id="164" name="Rectangle 163"/>
+            <p:cNvSpPr/>
+            <p:nvPr/>
+          </p:nvSpPr>
+          <p:spPr>
+            <a:xfrm>
+              <a:off x="6472402" y="5302101"/>
+              <a:ext cx="619323" cy="501605"/>
+            </a:xfrm>
+            <a:prstGeom prst="rect">
+              <a:avLst/>
+            </a:prstGeom>
+            <a:noFill/>
+            <a:ln w="25400">
+              <a:solidFill>
+                <a:schemeClr val="tx1">
+                  <a:lumMod val="50000"/>
+                  <a:lumOff val="50000"/>
+                </a:schemeClr>
+              </a:solidFill>
+            </a:ln>
+          </p:spPr>
+          <p:style>
+            <a:lnRef idx="2">
+              <a:schemeClr val="accent1">
+                <a:shade val="50000"/>
+              </a:schemeClr>
+            </a:lnRef>
+            <a:fillRef idx="1">
+              <a:schemeClr val="accent1"/>
+            </a:fillRef>
+            <a:effectRef idx="0">
+              <a:schemeClr val="accent1"/>
+            </a:effectRef>
+            <a:fontRef idx="minor">
+              <a:schemeClr val="lt1"/>
+            </a:fontRef>
+          </p:style>
+          <p:txBody>
+            <a:bodyPr rtlCol="0" anchor="ctr"/>
+            <a:lstStyle/>
+            <a:p>
+              <a:pPr algn="ctr"/>
+              <a:endParaRPr lang="en-US"/>
+            </a:p>
+          </p:txBody>
+        </p:sp>
+        <p:grpSp>
+          <p:nvGrpSpPr>
+            <p:cNvPr id="166" name="Group 165"/>
+            <p:cNvGrpSpPr/>
+            <p:nvPr/>
+          </p:nvGrpSpPr>
+          <p:grpSpPr>
+            <a:xfrm>
+              <a:off x="6814279" y="5452466"/>
+              <a:ext cx="181145" cy="111673"/>
+              <a:chOff x="4770478" y="3634526"/>
+              <a:chExt cx="123069" cy="75870"/>
+            </a:xfrm>
+          </p:grpSpPr>
+          <p:cxnSp>
+            <p:nvCxnSpPr>
+              <p:cNvPr id="167" name="Straight Connector 166"/>
+              <p:cNvCxnSpPr/>
+              <p:nvPr/>
+            </p:nvCxnSpPr>
+            <p:spPr>
+              <a:xfrm>
+                <a:off x="4770478" y="3634526"/>
+                <a:ext cx="123069" cy="0"/>
+              </a:xfrm>
+              <a:prstGeom prst="line">
+                <a:avLst/>
+              </a:prstGeom>
+              <a:ln w="25400">
+                <a:solidFill>
+                  <a:schemeClr val="tx1">
+                    <a:lumMod val="50000"/>
+                    <a:lumOff val="50000"/>
+                  </a:schemeClr>
+                </a:solidFill>
+              </a:ln>
+            </p:spPr>
+            <p:style>
+              <a:lnRef idx="1">
+                <a:schemeClr val="accent1"/>
+              </a:lnRef>
+              <a:fillRef idx="0">
+                <a:schemeClr val="accent1"/>
+              </a:fillRef>
+              <a:effectRef idx="0">
+                <a:schemeClr val="accent1"/>
+              </a:effectRef>
+              <a:fontRef idx="minor">
+                <a:schemeClr val="tx1"/>
+              </a:fontRef>
+            </p:style>
+          </p:cxnSp>
+          <p:cxnSp>
+            <p:nvCxnSpPr>
+              <p:cNvPr id="168" name="Straight Connector 167"/>
+              <p:cNvCxnSpPr/>
+              <p:nvPr/>
+            </p:nvCxnSpPr>
+            <p:spPr>
+              <a:xfrm>
+                <a:off x="4770478" y="3672461"/>
+                <a:ext cx="123069" cy="0"/>
+              </a:xfrm>
+              <a:prstGeom prst="line">
+                <a:avLst/>
+              </a:prstGeom>
+              <a:ln w="25400">
+                <a:solidFill>
+                  <a:schemeClr val="tx1">
+                    <a:lumMod val="50000"/>
+                    <a:lumOff val="50000"/>
+                  </a:schemeClr>
+                </a:solidFill>
+              </a:ln>
+            </p:spPr>
+            <p:style>
+              <a:lnRef idx="1">
+                <a:schemeClr val="accent1"/>
+              </a:lnRef>
+              <a:fillRef idx="0">
+                <a:schemeClr val="accent1"/>
+              </a:fillRef>
+              <a:effectRef idx="0">
+                <a:schemeClr val="accent1"/>
+              </a:effectRef>
+              <a:fontRef idx="minor">
+                <a:schemeClr val="tx1"/>
+              </a:fontRef>
+            </p:style>
+          </p:cxnSp>
+          <p:cxnSp>
+            <p:nvCxnSpPr>
+              <p:cNvPr id="169" name="Straight Connector 168"/>
+              <p:cNvCxnSpPr/>
+              <p:nvPr/>
+            </p:nvCxnSpPr>
+            <p:spPr>
+              <a:xfrm>
+                <a:off x="4770478" y="3710396"/>
+                <a:ext cx="123069" cy="0"/>
+              </a:xfrm>
+              <a:prstGeom prst="line">
+                <a:avLst/>
+              </a:prstGeom>
+              <a:ln w="25400">
+                <a:solidFill>
+                  <a:schemeClr val="tx1">
+                    <a:lumMod val="50000"/>
+                    <a:lumOff val="50000"/>
+                  </a:schemeClr>
+                </a:solidFill>
+              </a:ln>
+            </p:spPr>
+            <p:style>
+              <a:lnRef idx="1">
+                <a:schemeClr val="accent1"/>
+              </a:lnRef>
+              <a:fillRef idx="0">
+                <a:schemeClr val="accent1"/>
+              </a:fillRef>
+              <a:effectRef idx="0">
+                <a:schemeClr val="accent1"/>
+              </a:effectRef>
+              <a:fontRef idx="minor">
+                <a:schemeClr val="tx1"/>
+              </a:fontRef>
+            </p:style>
+          </p:cxnSp>
+        </p:grpSp>
+        <p:sp>
+          <p:nvSpPr>
+            <p:cNvPr id="172" name="Rounded Rectangle 171"/>
+            <p:cNvSpPr/>
+            <p:nvPr/>
+          </p:nvSpPr>
+          <p:spPr>
+            <a:xfrm>
+              <a:off x="6536643" y="5431293"/>
+              <a:ext cx="245420" cy="243219"/>
+            </a:xfrm>
+            <a:prstGeom prst="roundRect">
+              <a:avLst/>
+            </a:prstGeom>
+            <a:solidFill>
+              <a:srgbClr val="A2A1A1"/>
+            </a:solidFill>
+            <a:ln w="12700" cap="flat" cmpd="sng" algn="ctr">
+              <a:solidFill>
+                <a:schemeClr val="tx1">
+                  <a:lumMod val="50000"/>
+                  <a:lumOff val="50000"/>
+                </a:schemeClr>
+              </a:solidFill>
+              <a:prstDash val="solid"/>
+            </a:ln>
+            <a:effectLst>
+              <a:outerShdw blurRad="40000" dist="23000" dir="5400000" rotWithShape="0">
+                <a:srgbClr val="000000">
+                  <a:alpha val="35000"/>
+                </a:srgbClr>
+              </a:outerShdw>
+            </a:effectLst>
+          </p:spPr>
+          <p:txBody>
+            <a:bodyPr tIns="36000" bIns="36000" rtlCol="0" anchor="ctr"/>
+            <a:lstStyle/>
+            <a:p>
+              <a:pPr marL="0" marR="0" lvl="0" indent="0" algn="ctr" defTabSz="457200" eaLnBrk="1" fontAlgn="auto" latinLnBrk="0" hangingPunct="1">
+                <a:lnSpc>
+                  <a:spcPct val="100000"/>
+                </a:lnSpc>
+                <a:spcBef>
+                  <a:spcPts val="0"/>
+                </a:spcBef>
+                <a:spcAft>
+                  <a:spcPts val="0"/>
+                </a:spcAft>
+                <a:buClrTx/>
+                <a:buSzTx/>
+                <a:buFontTx/>
+                <a:buNone/>
+                <a:tabLst/>
+                <a:defRPr/>
+              </a:pPr>
+              <a:r>
+                <a:rPr lang="en-US" sz="1600" b="1" kern="0" dirty="0">
+                  <a:solidFill>
+                    <a:schemeClr val="bg1"/>
+                  </a:solidFill>
+                  <a:ea typeface=""/>
+                  <a:cs typeface=""/>
+                </a:rPr>
+                <a:t>I</a:t>
+              </a:r>
+              <a:endParaRPr kumimoji="0" lang="en-US" sz="1600" b="1" i="0" u="none" strike="noStrike" kern="0" cap="none" spc="0" normalizeH="0" baseline="0" noProof="0" dirty="0" smtClean="0">
+                <a:ln>
+                  <a:noFill/>
+                </a:ln>
+                <a:solidFill>
+                  <a:schemeClr val="bg1"/>
+                </a:solidFill>
+                <a:effectLst/>
+                <a:uLnTx/>
+                <a:uFillTx/>
+                <a:ea typeface=""/>
+                <a:cs typeface=""/>
+              </a:endParaRPr>
+            </a:p>
+          </p:txBody>
+        </p:sp>
+      </p:grpSp>
+      <p:grpSp>
+        <p:nvGrpSpPr>
+          <p:cNvPr id="10" name="Group 9"/>
+          <p:cNvGrpSpPr/>
+          <p:nvPr/>
+        </p:nvGrpSpPr>
+        <p:grpSpPr>
+          <a:xfrm>
+            <a:off x="8444476" y="1562280"/>
+            <a:ext cx="742889" cy="677402"/>
+            <a:chOff x="8844732" y="1690688"/>
+            <a:chExt cx="742889" cy="677402"/>
+          </a:xfrm>
+        </p:grpSpPr>
+        <p:sp>
+          <p:nvSpPr>
+            <p:cNvPr id="173" name="Triangle 172"/>
+            <p:cNvSpPr/>
+            <p:nvPr/>
+          </p:nvSpPr>
+          <p:spPr>
+            <a:xfrm>
+              <a:off x="8844732" y="1690688"/>
+              <a:ext cx="742889" cy="677401"/>
+            </a:xfrm>
+            <a:prstGeom prst="triangle">
+              <a:avLst/>
+            </a:prstGeom>
+            <a:solidFill>
+              <a:srgbClr val="A2A1A1"/>
+            </a:solidFill>
+            <a:ln w="12700">
+              <a:solidFill>
+                <a:schemeClr val="tx2"/>
+              </a:solidFill>
+            </a:ln>
+          </p:spPr>
+          <p:style>
+            <a:lnRef idx="2">
+              <a:schemeClr val="accent1">
+                <a:shade val="50000"/>
+              </a:schemeClr>
+            </a:lnRef>
+            <a:fillRef idx="1">
+              <a:schemeClr val="accent1"/>
+            </a:fillRef>
+            <a:effectRef idx="0">
+              <a:schemeClr val="accent1"/>
+            </a:effectRef>
+            <a:fontRef idx="minor">
+              <a:schemeClr val="lt1"/>
+            </a:fontRef>
+          </p:style>
+          <p:txBody>
+            <a:bodyPr rtlCol="0" anchor="ctr"/>
+            <a:lstStyle/>
+            <a:p>
+              <a:pPr algn="ctr"/>
+              <a:endParaRPr lang="en-US" sz="1600" b="1" dirty="0">
+                <a:solidFill>
+                  <a:schemeClr val="bg1"/>
+                </a:solidFill>
+              </a:endParaRPr>
+            </a:p>
+          </p:txBody>
+        </p:sp>
+        <p:sp>
+          <p:nvSpPr>
+            <p:cNvPr id="3" name="TextBox 2"/>
+            <p:cNvSpPr txBox="1"/>
+            <p:nvPr/>
+          </p:nvSpPr>
+          <p:spPr>
+            <a:xfrm>
+              <a:off x="8952162" y="1906425"/>
+              <a:ext cx="538930" cy="461665"/>
+            </a:xfrm>
+            <a:prstGeom prst="rect">
+              <a:avLst/>
+            </a:prstGeom>
+            <a:noFill/>
+          </p:spPr>
+          <p:txBody>
+            <a:bodyPr wrap="none" rtlCol="0">
+              <a:spAutoFit/>
+            </a:bodyPr>
+            <a:lstStyle/>
+            <a:p>
+              <a:r>
+                <a:rPr lang="en-US" sz="2400" b="1" dirty="0" err="1" smtClean="0">
+                  <a:solidFill>
+                    <a:schemeClr val="bg1"/>
+                  </a:solidFill>
+                </a:rPr>
+                <a:t>Og</a:t>
+              </a:r>
+              <a:endParaRPr lang="en-US" sz="2400" b="1" dirty="0">
+                <a:solidFill>
+                  <a:schemeClr val="bg1"/>
+                </a:solidFill>
+              </a:endParaRPr>
+            </a:p>
+          </p:txBody>
+        </p:sp>
+      </p:grpSp>
+      <p:sp>
+        <p:nvSpPr>
+          <p:cNvPr id="45" name="Rounded Rectangle 44"/>
+          <p:cNvSpPr/>
+          <p:nvPr/>
+        </p:nvSpPr>
+        <p:spPr>
+          <a:xfrm>
+            <a:off x="6848933" y="4612221"/>
+            <a:ext cx="575072" cy="567368"/>
+          </a:xfrm>
+          <a:prstGeom prst="roundRect">
+            <a:avLst/>
+          </a:prstGeom>
+          <a:solidFill>
+            <a:srgbClr val="A2A1A1"/>
+          </a:solidFill>
+          <a:ln w="25400">
+            <a:solidFill>
+              <a:schemeClr val="tx1">
+                <a:lumMod val="50000"/>
+                <a:lumOff val="50000"/>
+              </a:schemeClr>
+            </a:solidFill>
+          </a:ln>
+        </p:spPr>
+        <p:style>
+          <a:lnRef idx="2">
+            <a:schemeClr val="accent1">
+              <a:shade val="50000"/>
+            </a:schemeClr>
+          </a:lnRef>
+          <a:fillRef idx="1">
+            <a:schemeClr val="accent1"/>
+          </a:fillRef>
+          <a:effectRef idx="0">
+            <a:schemeClr val="accent1"/>
+          </a:effectRef>
+          <a:fontRef idx="minor">
+            <a:schemeClr val="lt1"/>
+          </a:fontRef>
+        </p:style>
+        <p:txBody>
+          <a:bodyPr rtlCol="0" anchor="ctr"/>
+          <a:lstStyle/>
+          <a:p>
+            <a:pPr algn="ctr"/>
+            <a:r>
+              <a:rPr lang="en-US" sz="2000" b="1" dirty="0" smtClean="0">
+                <a:solidFill>
+                  <a:schemeClr val="bg1"/>
+                </a:solidFill>
+              </a:rPr>
+              <a:t>CA</a:t>
+            </a:r>
+            <a:endParaRPr lang="en-US" sz="2000" b="1" dirty="0">
+              <a:solidFill>
+                <a:schemeClr val="bg1"/>
+              </a:solidFill>
+            </a:endParaRPr>
+          </a:p>
+        </p:txBody>
+      </p:sp>
+      <p:sp>
+        <p:nvSpPr>
+          <p:cNvPr id="47" name="Folded Corner 46"/>
+          <p:cNvSpPr/>
+          <p:nvPr/>
+        </p:nvSpPr>
+        <p:spPr>
+          <a:xfrm>
+            <a:off x="8510291" y="3138875"/>
+            <a:ext cx="598247" cy="606175"/>
+          </a:xfrm>
+          <a:prstGeom prst="foldedCorner">
+            <a:avLst/>
+          </a:prstGeom>
+          <a:solidFill>
+            <a:srgbClr val="F7ADFF"/>
+          </a:solidFill>
+          <a:ln w="19050" cap="flat" cmpd="sng" algn="ctr">
+            <a:solidFill>
+              <a:srgbClr val="3C75BD"/>
+            </a:solidFill>
+            <a:prstDash val="solid"/>
+          </a:ln>
+          <a:effectLst/>
+        </p:spPr>
+        <p:txBody>
+          <a:bodyPr rtlCol="0" anchor="ctr"/>
+          <a:lstStyle/>
+          <a:p>
+            <a:pPr marL="0" marR="0" lvl="0" indent="0" algn="ctr" defTabSz="457200" eaLnBrk="1" fontAlgn="auto" latinLnBrk="0" hangingPunct="1">
+              <a:lnSpc>
+                <a:spcPct val="100000"/>
+              </a:lnSpc>
+              <a:spcBef>
+                <a:spcPts val="0"/>
+              </a:spcBef>
+              <a:spcAft>
+                <a:spcPts val="0"/>
+              </a:spcAft>
+              <a:buClrTx/>
+              <a:buSzTx/>
+              <a:buFontTx/>
+              <a:buNone/>
+              <a:tabLst/>
+              <a:defRPr/>
+            </a:pPr>
+            <a:r>
+              <a:rPr lang="en-US" sz="2400" b="1" kern="0" dirty="0" err="1">
+                <a:solidFill>
+                  <a:srgbClr val="4372C4"/>
+                </a:solidFill>
+                <a:latin typeface="Arial"/>
+                <a:ea typeface=""/>
+                <a:cs typeface=""/>
+              </a:rPr>
+              <a:t>P</a:t>
+            </a:r>
+            <a:r>
+              <a:rPr lang="en-US" sz="2400" b="1" kern="0" baseline="-25000" noProof="0" dirty="0" smtClean="0">
+                <a:solidFill>
+                  <a:srgbClr val="4372C4"/>
+                </a:solidFill>
+                <a:latin typeface="Arial"/>
+                <a:ea typeface=""/>
+                <a:cs typeface=""/>
+              </a:rPr>
+              <a:t>x</a:t>
+            </a:r>
+            <a:endParaRPr kumimoji="0" lang="en-US" sz="2400" b="1" i="0" u="none" strike="noStrike" kern="0" cap="none" spc="0" normalizeH="0" baseline="-25000" noProof="0" dirty="0" smtClean="0">
+              <a:ln>
+                <a:noFill/>
+              </a:ln>
+              <a:solidFill>
+                <a:srgbClr val="4372C4"/>
+              </a:solidFill>
+              <a:effectLst/>
+              <a:uLnTx/>
+              <a:uFillTx/>
+              <a:latin typeface="Arial"/>
+              <a:ea typeface=""/>
+              <a:cs typeface=""/>
+            </a:endParaRPr>
+          </a:p>
+        </p:txBody>
+      </p:sp>
+      <p:sp>
+        <p:nvSpPr>
+          <p:cNvPr id="7" name="TextBox 6"/>
+          <p:cNvSpPr txBox="1"/>
+          <p:nvPr/>
+        </p:nvSpPr>
+        <p:spPr>
+          <a:xfrm>
+            <a:off x="7872309" y="2620682"/>
+            <a:ext cx="386644" cy="461665"/>
+          </a:xfrm>
+          <a:prstGeom prst="rect">
+            <a:avLst/>
+          </a:prstGeom>
+          <a:noFill/>
+        </p:spPr>
+        <p:txBody>
+          <a:bodyPr wrap="none" rtlCol="0">
+            <a:spAutoFit/>
+          </a:bodyPr>
+          <a:lstStyle/>
+          <a:p>
+            <a:r>
+              <a:rPr lang="en-US" sz="2400" b="1" dirty="0" smtClean="0">
+                <a:solidFill>
+                  <a:schemeClr val="bg1"/>
+                </a:solidFill>
+              </a:rPr>
+              <a:t>N</a:t>
+            </a:r>
+            <a:endParaRPr lang="en-US" sz="2400" b="1" dirty="0">
+              <a:solidFill>
+                <a:schemeClr val="bg1"/>
+              </a:solidFill>
+            </a:endParaRPr>
+          </a:p>
+        </p:txBody>
+      </p:sp>
+      <p:sp>
+        <p:nvSpPr>
+          <p:cNvPr id="49" name="Document 48"/>
+          <p:cNvSpPr/>
+          <p:nvPr/>
+        </p:nvSpPr>
+        <p:spPr>
+          <a:xfrm>
+            <a:off x="10082101" y="3307231"/>
+            <a:ext cx="547666" cy="433746"/>
+          </a:xfrm>
+          <a:prstGeom prst="flowChartDocument">
+            <a:avLst/>
+          </a:prstGeom>
+          <a:solidFill>
+            <a:srgbClr val="A2A1A1"/>
+          </a:solidFill>
+          <a:ln w="19050">
+            <a:solidFill>
+              <a:schemeClr val="tx1">
+                <a:lumMod val="50000"/>
+                <a:lumOff val="50000"/>
+              </a:schemeClr>
+            </a:solidFill>
+          </a:ln>
+        </p:spPr>
+        <p:style>
+          <a:lnRef idx="2">
+            <a:schemeClr val="accent1">
+              <a:shade val="50000"/>
+            </a:schemeClr>
+          </a:lnRef>
+          <a:fillRef idx="1">
+            <a:schemeClr val="accent1"/>
+          </a:fillRef>
+          <a:effectRef idx="0">
+            <a:schemeClr val="accent1"/>
+          </a:effectRef>
+          <a:fontRef idx="minor">
+            <a:schemeClr val="lt1"/>
+          </a:fontRef>
+        </p:style>
+        <p:txBody>
+          <a:bodyPr rtlCol="0" anchor="ctr"/>
+          <a:lstStyle/>
+          <a:p>
+            <a:pPr algn="ctr"/>
+            <a:r>
+              <a:rPr lang="en-US" sz="2400" b="1" dirty="0" smtClean="0">
+                <a:solidFill>
+                  <a:schemeClr val="bg1"/>
+                </a:solidFill>
+              </a:rPr>
+              <a:t>L</a:t>
+            </a:r>
+            <a:endParaRPr lang="en-US" sz="2400" b="1" dirty="0">
+              <a:solidFill>
+                <a:schemeClr val="bg1"/>
+              </a:solidFill>
+            </a:endParaRPr>
+          </a:p>
+        </p:txBody>
+      </p:sp>
+      <p:sp>
+        <p:nvSpPr>
+          <p:cNvPr id="53" name="Rounded Rectangle 52"/>
+          <p:cNvSpPr/>
+          <p:nvPr/>
+        </p:nvSpPr>
+        <p:spPr>
+          <a:xfrm>
+            <a:off x="10494105" y="1562757"/>
+            <a:ext cx="719788" cy="710146"/>
+          </a:xfrm>
+          <a:prstGeom prst="roundRect">
+            <a:avLst/>
+          </a:prstGeom>
+          <a:solidFill>
+            <a:schemeClr val="bg1"/>
+          </a:solidFill>
+          <a:ln w="25400">
+            <a:solidFill>
+              <a:schemeClr val="tx1">
+                <a:lumMod val="50000"/>
+                <a:lumOff val="50000"/>
+              </a:schemeClr>
+            </a:solidFill>
+          </a:ln>
+        </p:spPr>
+        <p:style>
+          <a:lnRef idx="2">
+            <a:schemeClr val="accent1">
+              <a:shade val="50000"/>
+            </a:schemeClr>
+          </a:lnRef>
+          <a:fillRef idx="1">
+            <a:schemeClr val="accent1"/>
+          </a:fillRef>
+          <a:effectRef idx="0">
+            <a:schemeClr val="accent1"/>
+          </a:effectRef>
+          <a:fontRef idx="minor">
+            <a:schemeClr val="lt1"/>
+          </a:fontRef>
+        </p:style>
+        <p:txBody>
+          <a:bodyPr rtlCol="0" anchor="ctr"/>
+          <a:lstStyle/>
+          <a:p>
+            <a:pPr algn="ctr"/>
+            <a:r>
+              <a:rPr lang="en-US" sz="2400" b="1" dirty="0" smtClean="0">
+                <a:solidFill>
+                  <a:schemeClr val="tx1">
+                    <a:lumMod val="50000"/>
+                    <a:lumOff val="50000"/>
+                  </a:schemeClr>
+                </a:solidFill>
+              </a:rPr>
+              <a:t>A</a:t>
+            </a:r>
+            <a:endParaRPr lang="en-US" sz="2400" b="1" dirty="0">
+              <a:solidFill>
+                <a:schemeClr val="tx1">
+                  <a:lumMod val="50000"/>
+                  <a:lumOff val="50000"/>
+                </a:schemeClr>
+              </a:solidFill>
+            </a:endParaRPr>
+          </a:p>
+        </p:txBody>
+      </p:sp>
+      <p:sp>
+        <p:nvSpPr>
+          <p:cNvPr id="38" name="Folded Corner 37"/>
+          <p:cNvSpPr/>
+          <p:nvPr/>
+        </p:nvSpPr>
+        <p:spPr>
+          <a:xfrm>
+            <a:off x="9062769" y="5644696"/>
+            <a:ext cx="426647" cy="432301"/>
+          </a:xfrm>
+          <a:prstGeom prst="foldedCorner">
+            <a:avLst/>
+          </a:prstGeom>
+          <a:solidFill>
+            <a:srgbClr val="F7ADFF"/>
+          </a:solidFill>
+          <a:ln w="19050" cap="flat" cmpd="sng" algn="ctr">
+            <a:solidFill>
+              <a:srgbClr val="3C75BD"/>
+            </a:solidFill>
+            <a:prstDash val="solid"/>
+          </a:ln>
+          <a:effectLst/>
+        </p:spPr>
+        <p:txBody>
+          <a:bodyPr rtlCol="0" anchor="ctr"/>
+          <a:lstStyle/>
+          <a:p>
+            <a:pPr marL="0" marR="0" lvl="0" indent="0" algn="ctr" defTabSz="457200" eaLnBrk="1" fontAlgn="auto" latinLnBrk="0" hangingPunct="1">
+              <a:lnSpc>
+                <a:spcPct val="100000"/>
+              </a:lnSpc>
+              <a:spcBef>
+                <a:spcPts val="0"/>
+              </a:spcBef>
+              <a:spcAft>
+                <a:spcPts val="0"/>
+              </a:spcAft>
+              <a:buClrTx/>
+              <a:buSzTx/>
+              <a:buFontTx/>
+              <a:buNone/>
+              <a:tabLst/>
+              <a:defRPr/>
+            </a:pPr>
+            <a:r>
+              <a:rPr lang="en-US" sz="1600" b="1" kern="0" dirty="0" err="1">
+                <a:solidFill>
+                  <a:srgbClr val="4372C4"/>
+                </a:solidFill>
+                <a:latin typeface="Arial"/>
+                <a:ea typeface=""/>
+                <a:cs typeface=""/>
+              </a:rPr>
+              <a:t>C</a:t>
+            </a:r>
+            <a:r>
+              <a:rPr lang="en-US" sz="1600" b="1" kern="0" baseline="-25000" noProof="0" dirty="0" smtClean="0">
+                <a:solidFill>
+                  <a:srgbClr val="4372C4"/>
+                </a:solidFill>
+                <a:latin typeface="Arial"/>
+                <a:ea typeface=""/>
+                <a:cs typeface=""/>
+              </a:rPr>
+              <a:t>x</a:t>
+            </a:r>
+            <a:endParaRPr kumimoji="0" lang="en-US" sz="1600" b="1" i="0" u="none" strike="noStrike" kern="0" cap="none" spc="0" normalizeH="0" baseline="-25000" noProof="0" dirty="0" smtClean="0">
+              <a:ln>
+                <a:noFill/>
+              </a:ln>
+              <a:solidFill>
+                <a:srgbClr val="4372C4"/>
+              </a:solidFill>
+              <a:effectLst/>
+              <a:uLnTx/>
+              <a:uFillTx/>
+              <a:latin typeface="Arial"/>
+              <a:ea typeface=""/>
+              <a:cs typeface=""/>
+            </a:endParaRPr>
+          </a:p>
+        </p:txBody>
+      </p:sp>
+      <p:sp>
+        <p:nvSpPr>
+          <p:cNvPr id="50" name="Rounded Rectangle 49"/>
+          <p:cNvSpPr/>
+          <p:nvPr/>
+        </p:nvSpPr>
+        <p:spPr>
+          <a:xfrm>
+            <a:off x="10387277" y="2851515"/>
+            <a:ext cx="595004" cy="549201"/>
+          </a:xfrm>
+          <a:prstGeom prst="roundRect">
+            <a:avLst/>
+          </a:prstGeom>
+          <a:solidFill>
+            <a:srgbClr val="A2A1A1"/>
+          </a:solidFill>
+          <a:ln w="28575" cmpd="sng">
+            <a:solidFill>
+              <a:schemeClr val="tx1">
+                <a:lumMod val="50000"/>
+                <a:lumOff val="50000"/>
+              </a:schemeClr>
+            </a:solidFill>
+          </a:ln>
+          <a:effectLst/>
+        </p:spPr>
+        <p:style>
+          <a:lnRef idx="1">
+            <a:schemeClr val="accent1"/>
+          </a:lnRef>
+          <a:fillRef idx="3">
+            <a:schemeClr val="accent1"/>
+          </a:fillRef>
+          <a:effectRef idx="2">
+            <a:schemeClr val="accent1"/>
+          </a:effectRef>
+          <a:fontRef idx="minor">
+            <a:schemeClr val="lt1"/>
+          </a:fontRef>
+        </p:style>
+        <p:txBody>
+          <a:bodyPr rtlCol="0" anchor="ctr"/>
+          <a:lstStyle/>
+          <a:p>
+            <a:pPr algn="ctr"/>
+            <a:r>
+              <a:rPr lang="en-US" sz="2400" b="1" dirty="0" smtClean="0">
+                <a:solidFill>
+                  <a:schemeClr val="bg1"/>
+                </a:solidFill>
+                <a:ea typeface="Arial" charset="0"/>
+                <a:cs typeface="Arial" charset="0"/>
+              </a:rPr>
+              <a:t>S</a:t>
+            </a:r>
+            <a:endParaRPr lang="en-US" sz="2400" b="1" dirty="0">
+              <a:solidFill>
+                <a:schemeClr val="bg1"/>
+              </a:solidFill>
+              <a:ea typeface="Arial" charset="0"/>
+              <a:cs typeface="Arial" charset="0"/>
+            </a:endParaRPr>
+          </a:p>
+        </p:txBody>
+      </p:sp>
+      <p:grpSp>
+        <p:nvGrpSpPr>
+          <p:cNvPr id="16" name="Group 15"/>
+          <p:cNvGrpSpPr/>
+          <p:nvPr/>
+        </p:nvGrpSpPr>
+        <p:grpSpPr>
+          <a:xfrm>
+            <a:off x="8337636" y="3774510"/>
+            <a:ext cx="2932732" cy="1822626"/>
+            <a:chOff x="7560884" y="3892494"/>
+            <a:chExt cx="2932732" cy="1822626"/>
+          </a:xfrm>
+        </p:grpSpPr>
+        <p:grpSp>
+          <p:nvGrpSpPr>
+            <p:cNvPr id="8" name="Group 7"/>
+            <p:cNvGrpSpPr/>
+            <p:nvPr/>
+          </p:nvGrpSpPr>
+          <p:grpSpPr>
+            <a:xfrm>
+              <a:off x="9121737" y="4786249"/>
+              <a:ext cx="162001" cy="850933"/>
+              <a:chOff x="8866099" y="4786249"/>
+              <a:chExt cx="162001" cy="850933"/>
+            </a:xfrm>
+          </p:grpSpPr>
+          <p:sp>
+            <p:nvSpPr>
+              <p:cNvPr id="124" name="Oval 123"/>
+              <p:cNvSpPr/>
+              <p:nvPr/>
+            </p:nvSpPr>
+            <p:spPr>
+              <a:xfrm flipH="1" flipV="1">
+                <a:off x="8866099" y="4786249"/>
+                <a:ext cx="162001" cy="162001"/>
+              </a:xfrm>
+              <a:prstGeom prst="ellipse">
+                <a:avLst/>
+              </a:prstGeom>
+              <a:solidFill>
+                <a:srgbClr val="FF0000"/>
+              </a:solidFill>
+              <a:ln w="25400" cmpd="sng">
+                <a:solidFill>
+                  <a:srgbClr val="FF0000"/>
+                </a:solidFill>
+              </a:ln>
+              <a:effectLst>
+                <a:outerShdw blurRad="50800" dist="38100" dir="2700000" algn="tl" rotWithShape="0">
+                  <a:prstClr val="black">
+                    <a:alpha val="40000"/>
+                  </a:prstClr>
+                </a:outerShdw>
+              </a:effectLst>
+            </p:spPr>
+            <p:style>
+              <a:lnRef idx="1">
+                <a:schemeClr val="accent1"/>
+              </a:lnRef>
+              <a:fillRef idx="3">
+                <a:schemeClr val="accent1"/>
+              </a:fillRef>
+              <a:effectRef idx="2">
+                <a:schemeClr val="accent1"/>
+              </a:effectRef>
+              <a:fontRef idx="minor">
+                <a:schemeClr val="lt1"/>
+              </a:fontRef>
+            </p:style>
+            <p:txBody>
+              <a:bodyPr rtlCol="0" anchor="ctr"/>
+              <a:lstStyle/>
+              <a:p>
+                <a:pPr algn="ctr"/>
+                <a:endParaRPr lang="en-GB" sz="1000">
+                  <a:solidFill>
+                    <a:srgbClr val="000000"/>
+                  </a:solidFill>
+                </a:endParaRPr>
+              </a:p>
+            </p:txBody>
+          </p:sp>
+          <p:cxnSp>
+            <p:nvCxnSpPr>
+              <p:cNvPr id="125" name="Straight Connector 124"/>
+              <p:cNvCxnSpPr>
+                <a:stCxn id="124" idx="0"/>
+              </p:cNvCxnSpPr>
+              <p:nvPr/>
+            </p:nvCxnSpPr>
+            <p:spPr>
+              <a:xfrm>
+                <a:off x="8947099" y="4948250"/>
+                <a:ext cx="0" cy="688932"/>
+              </a:xfrm>
+              <a:prstGeom prst="line">
+                <a:avLst/>
+              </a:prstGeom>
+              <a:solidFill>
+                <a:srgbClr val="4372C4"/>
+              </a:solidFill>
+              <a:ln w="38100" cap="flat" cmpd="sng" algn="ctr">
+                <a:solidFill>
+                  <a:srgbClr val="FF0000"/>
+                </a:solidFill>
+                <a:prstDash val="solid"/>
+                <a:tailEnd type="none"/>
+              </a:ln>
+              <a:effectLst>
+                <a:outerShdw blurRad="40000" dist="20000" dir="5400000" rotWithShape="0">
+                  <a:srgbClr val="000000">
+                    <a:alpha val="38000"/>
+                  </a:srgbClr>
+                </a:outerShdw>
+              </a:effectLst>
+            </p:spPr>
+          </p:cxnSp>
+        </p:grpSp>
+        <p:grpSp>
+          <p:nvGrpSpPr>
+            <p:cNvPr id="14" name="Group 13"/>
+            <p:cNvGrpSpPr/>
+            <p:nvPr/>
+          </p:nvGrpSpPr>
+          <p:grpSpPr>
+            <a:xfrm>
+              <a:off x="7560884" y="5253455"/>
+              <a:ext cx="2932732" cy="461665"/>
+              <a:chOff x="7560884" y="5253455"/>
+              <a:chExt cx="2932732" cy="461665"/>
+            </a:xfrm>
+          </p:grpSpPr>
+          <p:cxnSp>
+            <p:nvCxnSpPr>
+              <p:cNvPr id="126" name="Straight Connector 125"/>
+              <p:cNvCxnSpPr/>
+              <p:nvPr/>
+            </p:nvCxnSpPr>
+            <p:spPr>
+              <a:xfrm flipV="1">
+                <a:off x="7560884" y="5655209"/>
+                <a:ext cx="2932732" cy="3949"/>
+              </a:xfrm>
+              <a:prstGeom prst="line">
+                <a:avLst/>
+              </a:prstGeom>
+              <a:solidFill>
+                <a:srgbClr val="4372C4"/>
+              </a:solidFill>
+              <a:ln w="38100" cap="flat" cmpd="sng" algn="ctr">
+                <a:solidFill>
+                  <a:srgbClr val="FF0000"/>
+                </a:solidFill>
+                <a:prstDash val="solid"/>
+                <a:tailEnd type="none"/>
+              </a:ln>
+              <a:effectLst>
+                <a:outerShdw blurRad="40000" dist="20000" dir="5400000" rotWithShape="0">
+                  <a:srgbClr val="000000">
+                    <a:alpha val="38000"/>
+                  </a:srgbClr>
+                </a:outerShdw>
+              </a:effectLst>
+            </p:spPr>
+          </p:cxnSp>
+          <p:sp>
+            <p:nvSpPr>
+              <p:cNvPr id="6" name="TextBox 5"/>
+              <p:cNvSpPr txBox="1"/>
+              <p:nvPr/>
+            </p:nvSpPr>
+            <p:spPr>
+              <a:xfrm>
+                <a:off x="9443354" y="5253455"/>
+                <a:ext cx="513282" cy="461665"/>
+              </a:xfrm>
+              <a:prstGeom prst="rect">
+                <a:avLst/>
+              </a:prstGeom>
+              <a:noFill/>
+            </p:spPr>
+            <p:txBody>
+              <a:bodyPr wrap="none" rtlCol="0">
+                <a:spAutoFit/>
+              </a:bodyPr>
+              <a:lstStyle/>
+              <a:p>
+                <a:r>
+                  <a:rPr lang="en-US" sz="2400" b="1" dirty="0" err="1" smtClean="0">
+                    <a:solidFill>
+                      <a:srgbClr val="FF0000"/>
+                    </a:solidFill>
+                  </a:rPr>
+                  <a:t>Ch</a:t>
+                </a:r>
+                <a:endParaRPr lang="en-US" sz="2400" b="1" dirty="0">
+                  <a:solidFill>
+                    <a:srgbClr val="FF0000"/>
+                  </a:solidFill>
+                </a:endParaRPr>
+              </a:p>
+            </p:txBody>
+          </p:sp>
+        </p:grpSp>
+        <p:grpSp>
+          <p:nvGrpSpPr>
+            <p:cNvPr id="13" name="Group 12"/>
+            <p:cNvGrpSpPr/>
+            <p:nvPr/>
+          </p:nvGrpSpPr>
+          <p:grpSpPr>
+            <a:xfrm>
+              <a:off x="9982323" y="3892494"/>
+              <a:ext cx="162001" cy="1762715"/>
+              <a:chOff x="9982323" y="3892494"/>
+              <a:chExt cx="162001" cy="1762715"/>
+            </a:xfrm>
+          </p:grpSpPr>
+          <p:cxnSp>
+            <p:nvCxnSpPr>
+              <p:cNvPr id="199" name="Straight Connector 198"/>
+              <p:cNvCxnSpPr>
+                <a:stCxn id="198" idx="0"/>
+              </p:cNvCxnSpPr>
+              <p:nvPr/>
+            </p:nvCxnSpPr>
+            <p:spPr>
+              <a:xfrm flipH="1">
+                <a:off x="10063323" y="4054495"/>
+                <a:ext cx="1" cy="1600714"/>
+              </a:xfrm>
+              <a:prstGeom prst="line">
+                <a:avLst/>
+              </a:prstGeom>
+              <a:solidFill>
+                <a:srgbClr val="4372C4"/>
+              </a:solidFill>
+              <a:ln w="38100" cap="flat" cmpd="sng" algn="ctr">
+                <a:solidFill>
+                  <a:srgbClr val="FF0000"/>
+                </a:solidFill>
+                <a:prstDash val="solid"/>
+                <a:tailEnd type="none"/>
+              </a:ln>
+              <a:effectLst>
+                <a:outerShdw blurRad="40000" dist="20000" dir="5400000" rotWithShape="0">
+                  <a:srgbClr val="000000">
+                    <a:alpha val="38000"/>
+                  </a:srgbClr>
+                </a:outerShdw>
+              </a:effectLst>
+            </p:spPr>
+          </p:cxnSp>
+          <p:sp>
+            <p:nvSpPr>
+              <p:cNvPr id="198" name="Oval 197"/>
+              <p:cNvSpPr/>
+              <p:nvPr/>
+            </p:nvSpPr>
+            <p:spPr>
+              <a:xfrm flipV="1">
+                <a:off x="9982323" y="3892494"/>
+                <a:ext cx="162001" cy="162001"/>
+              </a:xfrm>
+              <a:prstGeom prst="ellipse">
+                <a:avLst/>
+              </a:prstGeom>
+              <a:solidFill>
+                <a:srgbClr val="FF0000"/>
+              </a:solidFill>
+              <a:ln w="25400" cmpd="sng">
+                <a:solidFill>
+                  <a:srgbClr val="FF0000"/>
+                </a:solidFill>
+              </a:ln>
+              <a:effectLst>
+                <a:outerShdw blurRad="50800" dist="38100" dir="2700000" algn="tl" rotWithShape="0">
+                  <a:prstClr val="black">
+                    <a:alpha val="40000"/>
+                  </a:prstClr>
+                </a:outerShdw>
+              </a:effectLst>
+            </p:spPr>
+            <p:style>
+              <a:lnRef idx="1">
+                <a:schemeClr val="accent1"/>
+              </a:lnRef>
+              <a:fillRef idx="3">
+                <a:schemeClr val="accent1"/>
+              </a:fillRef>
+              <a:effectRef idx="2">
+                <a:schemeClr val="accent1"/>
+              </a:effectRef>
+              <a:fontRef idx="minor">
+                <a:schemeClr val="lt1"/>
+              </a:fontRef>
+            </p:style>
+            <p:txBody>
+              <a:bodyPr rtlCol="0" anchor="ctr"/>
+              <a:lstStyle/>
+              <a:p>
+                <a:pPr algn="ctr"/>
+                <a:endParaRPr lang="en-GB" sz="1000">
+                  <a:solidFill>
+                    <a:srgbClr val="000000"/>
+                  </a:solidFill>
+                </a:endParaRPr>
+              </a:p>
+            </p:txBody>
+          </p:sp>
+        </p:grpSp>
+      </p:grpSp>
+      <p:sp>
+        <p:nvSpPr>
+          <p:cNvPr id="44" name="TextBox 43"/>
+          <p:cNvSpPr txBox="1"/>
+          <p:nvPr/>
+        </p:nvSpPr>
+        <p:spPr>
+          <a:xfrm>
+            <a:off x="11551208" y="6180613"/>
+            <a:ext cx="358515" cy="523220"/>
+          </a:xfrm>
+          <a:prstGeom prst="rect">
+            <a:avLst/>
+          </a:prstGeom>
+          <a:noFill/>
+        </p:spPr>
+        <p:txBody>
+          <a:bodyPr wrap="square" rtlCol="0">
+            <a:spAutoFit/>
+          </a:bodyPr>
+          <a:lstStyle/>
+          <a:p>
+            <a:r>
+              <a:rPr lang="en-US" sz="2800" smtClean="0">
+                <a:solidFill>
+                  <a:schemeClr val="accent1"/>
+                </a:solidFill>
+              </a:rPr>
+              <a:t>✓</a:t>
+            </a:r>
+            <a:endParaRPr lang="en-US" sz="2800" dirty="0">
+              <a:solidFill>
+                <a:schemeClr val="accent1"/>
+              </a:solidFill>
+            </a:endParaRPr>
+          </a:p>
+        </p:txBody>
+      </p:sp>
+      <p:grpSp>
+        <p:nvGrpSpPr>
+          <p:cNvPr id="5" name="Group 4"/>
+          <p:cNvGrpSpPr/>
+          <p:nvPr/>
+        </p:nvGrpSpPr>
+        <p:grpSpPr>
+          <a:xfrm>
+            <a:off x="8729184" y="3887443"/>
+            <a:ext cx="667170" cy="606175"/>
+            <a:chOff x="8892459" y="4245871"/>
+            <a:chExt cx="667170" cy="606175"/>
+          </a:xfrm>
+        </p:grpSpPr>
+        <p:sp>
+          <p:nvSpPr>
+            <p:cNvPr id="48" name="Folded Corner 47"/>
+            <p:cNvSpPr/>
+            <p:nvPr/>
+          </p:nvSpPr>
+          <p:spPr>
+            <a:xfrm>
+              <a:off x="8918103" y="4245871"/>
+              <a:ext cx="598247" cy="606175"/>
+            </a:xfrm>
+            <a:prstGeom prst="foldedCorner">
+              <a:avLst/>
+            </a:prstGeom>
+            <a:solidFill>
+              <a:srgbClr val="F7ADFF"/>
+            </a:solidFill>
+            <a:ln w="19050" cap="flat" cmpd="sng" algn="ctr">
+              <a:solidFill>
+                <a:srgbClr val="3C75BD"/>
+              </a:solidFill>
+              <a:prstDash val="solid"/>
+            </a:ln>
+            <a:effectLst/>
+          </p:spPr>
+          <p:txBody>
+            <a:bodyPr rtlCol="0" anchor="ctr"/>
+            <a:lstStyle/>
+            <a:p>
+              <a:pPr marL="0" marR="0" lvl="0" indent="0" algn="ctr" defTabSz="457200" eaLnBrk="1" fontAlgn="auto" latinLnBrk="0" hangingPunct="1">
+                <a:lnSpc>
+                  <a:spcPct val="100000"/>
+                </a:lnSpc>
+                <a:spcBef>
+                  <a:spcPts val="0"/>
+                </a:spcBef>
+                <a:spcAft>
+                  <a:spcPts val="0"/>
+                </a:spcAft>
+                <a:buClrTx/>
+                <a:buSzTx/>
+                <a:buFontTx/>
+                <a:buNone/>
+                <a:tabLst/>
+                <a:defRPr/>
+              </a:pPr>
+              <a:endParaRPr kumimoji="0" lang="en-US" sz="1600" b="1" i="0" u="none" strike="noStrike" kern="0" cap="none" spc="0" normalizeH="0" baseline="-25000" noProof="0" dirty="0" smtClean="0">
+                <a:ln>
+                  <a:noFill/>
+                </a:ln>
+                <a:solidFill>
+                  <a:srgbClr val="4372C4"/>
+                </a:solidFill>
+                <a:effectLst/>
+                <a:uLnTx/>
+                <a:uFillTx/>
+                <a:latin typeface="Arial"/>
+                <a:ea typeface=""/>
+                <a:cs typeface=""/>
+              </a:endParaRPr>
+            </a:p>
+          </p:txBody>
+        </p:sp>
+        <p:sp>
+          <p:nvSpPr>
+            <p:cNvPr id="42" name="TextBox 41"/>
+            <p:cNvSpPr txBox="1"/>
+            <p:nvPr/>
+          </p:nvSpPr>
+          <p:spPr>
+            <a:xfrm>
+              <a:off x="8892459" y="4339927"/>
+              <a:ext cx="667170" cy="400110"/>
+            </a:xfrm>
+            <a:prstGeom prst="rect">
+              <a:avLst/>
+            </a:prstGeom>
+            <a:noFill/>
+          </p:spPr>
+          <p:txBody>
+            <a:bodyPr wrap="none" rtlCol="0">
+              <a:spAutoFit/>
+            </a:bodyPr>
+            <a:lstStyle/>
+            <a:p>
+              <a:r>
+                <a:rPr lang="en-US" sz="2000" b="1" dirty="0" smtClean="0">
+                  <a:solidFill>
+                    <a:srgbClr val="4372C4"/>
+                  </a:solidFill>
+                </a:rPr>
+                <a:t>MSP</a:t>
+              </a:r>
+              <a:endParaRPr lang="en-US" sz="2000" b="1" dirty="0">
+                <a:solidFill>
+                  <a:srgbClr val="4372C4"/>
+                </a:solidFill>
+              </a:endParaRPr>
+            </a:p>
+          </p:txBody>
+        </p:sp>
+      </p:grpSp>
+    </p:spTree>
+    <p:extLst>
+      <p:ext uri="{BB962C8B-B14F-4D97-AF65-F5344CB8AC3E}">
+        <p14:creationId xmlns:p14="http://schemas.microsoft.com/office/powerpoint/2010/main" val="1076628657"/>
+      </p:ext>
+    </p:extLst>
+  </p:cSld>
+  <p:clrMapOvr>
+    <a:masterClrMapping/>
+  </p:clrMapOvr>
+  <p:timing>
+    <p:tnLst>
+      <p:par>
+        <p:cTn id="1" dur="indefinite" restart="never" nodeType="tmRoot">
+          <p:childTnLst>
+            <p:seq concurrent="1" nextAc="seek">
+              <p:cTn id="2" dur="indefinite" nodeType="mainSeq">
+                <p:childTnLst>
+                  <p:par>
+                    <p:cTn id="3" fill="hold">
+                      <p:stCondLst>
+                        <p:cond delay="indefinite"/>
+                      </p:stCondLst>
+                      <p:childTnLst>
+                        <p:par>
+                          <p:cTn id="4" fill="hold">
+                            <p:stCondLst>
+                              <p:cond delay="0"/>
+                            </p:stCondLst>
+                            <p:childTnLst>
+                              <p:par>
+                                <p:cTn id="5" presetID="1" presetClass="entr" presetSubtype="0" fill="hold" nodeType="clickEffect">
+                                  <p:stCondLst>
+                                    <p:cond delay="0"/>
+                                  </p:stCondLst>
+                                  <p:childTnLst>
+                                    <p:set>
+                                      <p:cBhvr>
+                                        <p:cTn id="6" dur="1" fill="hold">
+                                          <p:stCondLst>
+                                            <p:cond delay="0"/>
+                                          </p:stCondLst>
+                                        </p:cTn>
+                                        <p:tgtEl>
+                                          <p:spTgt spid="161">
+                                            <p:txEl>
+                                              <p:pRg st="2" end="2"/>
+                                            </p:txEl>
+                                          </p:spTgt>
+                                        </p:tgtEl>
+                                        <p:attrNameLst>
+                                          <p:attrName>style.visibility</p:attrName>
+                                        </p:attrNameLst>
+                                      </p:cBhvr>
+                                      <p:to>
+                                        <p:strVal val="visible"/>
+                                      </p:to>
+                                    </p:set>
+                                  </p:childTnLst>
+                                </p:cTn>
+                              </p:par>
+                            </p:childTnLst>
+                          </p:cTn>
+                        </p:par>
+                      </p:childTnLst>
+                    </p:cTn>
+                  </p:par>
+                  <p:par>
+                    <p:cTn id="7" fill="hold">
+                      <p:stCondLst>
+                        <p:cond delay="indefinite"/>
+                      </p:stCondLst>
+                      <p:childTnLst>
+                        <p:par>
+                          <p:cTn id="8" fill="hold">
+                            <p:stCondLst>
+                              <p:cond delay="0"/>
+                            </p:stCondLst>
+                            <p:childTnLst>
+                              <p:par>
+                                <p:cTn id="9" presetID="1" presetClass="entr" presetSubtype="0" fill="hold" nodeType="clickEffect">
+                                  <p:stCondLst>
+                                    <p:cond delay="0"/>
+                                  </p:stCondLst>
+                                  <p:childTnLst>
+                                    <p:set>
+                                      <p:cBhvr>
+                                        <p:cTn id="10" dur="1" fill="hold">
+                                          <p:stCondLst>
+                                            <p:cond delay="0"/>
+                                          </p:stCondLst>
+                                        </p:cTn>
+                                        <p:tgtEl>
+                                          <p:spTgt spid="161">
+                                            <p:txEl>
+                                              <p:pRg st="3" end="3"/>
+                                            </p:txEl>
+                                          </p:spTgt>
+                                        </p:tgtEl>
+                                        <p:attrNameLst>
+                                          <p:attrName>style.visibility</p:attrName>
+                                        </p:attrNameLst>
+                                      </p:cBhvr>
+                                      <p:to>
+                                        <p:strVal val="visible"/>
+                                      </p:to>
+                                    </p:set>
+                                  </p:childTnLst>
+                                </p:cTn>
+                              </p:par>
+                              <p:par>
+                                <p:cTn id="11" presetID="1" presetClass="entr" presetSubtype="0" fill="hold" grpId="0" nodeType="withEffect">
+                                  <p:stCondLst>
+                                    <p:cond delay="0"/>
+                                  </p:stCondLst>
+                                  <p:childTnLst>
+                                    <p:set>
+                                      <p:cBhvr>
+                                        <p:cTn id="12" dur="1" fill="hold">
+                                          <p:stCondLst>
+                                            <p:cond delay="0"/>
+                                          </p:stCondLst>
+                                        </p:cTn>
+                                        <p:tgtEl>
+                                          <p:spTgt spid="47"/>
+                                        </p:tgtEl>
+                                        <p:attrNameLst>
+                                          <p:attrName>style.visibility</p:attrName>
+                                        </p:attrNameLst>
+                                      </p:cBhvr>
+                                      <p:to>
+                                        <p:strVal val="visible"/>
+                                      </p:to>
+                                    </p:set>
+                                  </p:childTnLst>
+                                </p:cTn>
+                              </p:par>
+                            </p:childTnLst>
+                          </p:cTn>
+                        </p:par>
+                      </p:childTnLst>
+                    </p:cTn>
+                  </p:par>
+                  <p:par>
+                    <p:cTn id="13" fill="hold">
+                      <p:stCondLst>
+                        <p:cond delay="indefinite"/>
+                      </p:stCondLst>
+                      <p:childTnLst>
+                        <p:par>
+                          <p:cTn id="14" fill="hold">
+                            <p:stCondLst>
+                              <p:cond delay="0"/>
+                            </p:stCondLst>
+                            <p:childTnLst>
+                              <p:par>
+                                <p:cTn id="15" presetID="1" presetClass="entr" presetSubtype="0" fill="hold" grpId="0" nodeType="clickEffect">
+                                  <p:stCondLst>
+                                    <p:cond delay="0"/>
+                                  </p:stCondLst>
+                                  <p:childTnLst>
+                                    <p:set>
+                                      <p:cBhvr>
+                                        <p:cTn id="16" dur="1" fill="hold">
+                                          <p:stCondLst>
+                                            <p:cond delay="0"/>
+                                          </p:stCondLst>
+                                        </p:cTn>
+                                        <p:tgtEl>
+                                          <p:spTgt spid="162"/>
+                                        </p:tgtEl>
+                                        <p:attrNameLst>
+                                          <p:attrName>style.visibility</p:attrName>
+                                        </p:attrNameLst>
+                                      </p:cBhvr>
+                                      <p:to>
+                                        <p:strVal val="visible"/>
+                                      </p:to>
+                                    </p:set>
+                                  </p:childTnLst>
+                                </p:cTn>
+                              </p:par>
+                            </p:childTnLst>
+                          </p:cTn>
+                        </p:par>
+                      </p:childTnLst>
+                    </p:cTn>
+                  </p:par>
+                  <p:par>
+                    <p:cTn id="17" fill="hold">
+                      <p:stCondLst>
+                        <p:cond delay="indefinite"/>
+                      </p:stCondLst>
+                      <p:childTnLst>
+                        <p:par>
+                          <p:cTn id="18" fill="hold">
+                            <p:stCondLst>
+                              <p:cond delay="0"/>
+                            </p:stCondLst>
+                            <p:childTnLst>
+                              <p:par>
+                                <p:cTn id="19" presetID="1" presetClass="entr" presetSubtype="0" fill="hold" grpId="0" nodeType="clickEffect">
+                                  <p:stCondLst>
+                                    <p:cond delay="0"/>
+                                  </p:stCondLst>
+                                  <p:childTnLst>
+                                    <p:set>
+                                      <p:cBhvr>
+                                        <p:cTn id="20" dur="1" fill="hold">
+                                          <p:stCondLst>
+                                            <p:cond delay="0"/>
+                                          </p:stCondLst>
+                                        </p:cTn>
+                                        <p:tgtEl>
+                                          <p:spTgt spid="64"/>
+                                        </p:tgtEl>
+                                        <p:attrNameLst>
+                                          <p:attrName>style.visibility</p:attrName>
+                                        </p:attrNameLst>
+                                      </p:cBhvr>
+                                      <p:to>
+                                        <p:strVal val="visible"/>
+                                      </p:to>
+                                    </p:set>
+                                  </p:childTnLst>
+                                </p:cTn>
+                              </p:par>
+                              <p:par>
+                                <p:cTn id="21" presetID="1" presetClass="entr" presetSubtype="0" fill="hold" nodeType="withEffect">
+                                  <p:stCondLst>
+                                    <p:cond delay="0"/>
+                                  </p:stCondLst>
+                                  <p:childTnLst>
+                                    <p:set>
+                                      <p:cBhvr>
+                                        <p:cTn id="22" dur="1" fill="hold">
+                                          <p:stCondLst>
+                                            <p:cond delay="0"/>
+                                          </p:stCondLst>
+                                        </p:cTn>
+                                        <p:tgtEl>
+                                          <p:spTgt spid="161">
+                                            <p:txEl>
+                                              <p:pRg st="4" end="4"/>
+                                            </p:txEl>
+                                          </p:spTgt>
+                                        </p:tgtEl>
+                                        <p:attrNameLst>
+                                          <p:attrName>style.visibility</p:attrName>
+                                        </p:attrNameLst>
+                                      </p:cBhvr>
+                                      <p:to>
+                                        <p:strVal val="visible"/>
+                                      </p:to>
+                                    </p:set>
+                                  </p:childTnLst>
+                                </p:cTn>
+                              </p:par>
+                            </p:childTnLst>
+                          </p:cTn>
+                        </p:par>
+                      </p:childTnLst>
+                    </p:cTn>
+                  </p:par>
+                  <p:par>
+                    <p:cTn id="23" fill="hold">
+                      <p:stCondLst>
+                        <p:cond delay="indefinite"/>
+                      </p:stCondLst>
+                      <p:childTnLst>
+                        <p:par>
+                          <p:cTn id="24" fill="hold">
+                            <p:stCondLst>
+                              <p:cond delay="0"/>
+                            </p:stCondLst>
+                            <p:childTnLst>
+                              <p:par>
+                                <p:cTn id="25" presetID="1" presetClass="entr" presetSubtype="0" fill="hold" nodeType="clickEffect">
+                                  <p:stCondLst>
+                                    <p:cond delay="0"/>
+                                  </p:stCondLst>
+                                  <p:childTnLst>
+                                    <p:set>
+                                      <p:cBhvr>
+                                        <p:cTn id="26" dur="1" fill="hold">
+                                          <p:stCondLst>
+                                            <p:cond delay="0"/>
+                                          </p:stCondLst>
+                                        </p:cTn>
+                                        <p:tgtEl>
+                                          <p:spTgt spid="161">
+                                            <p:txEl>
+                                              <p:pRg st="5" end="5"/>
+                                            </p:txEl>
+                                          </p:spTgt>
+                                        </p:tgtEl>
+                                        <p:attrNameLst>
+                                          <p:attrName>style.visibility</p:attrName>
+                                        </p:attrNameLst>
+                                      </p:cBhvr>
+                                      <p:to>
+                                        <p:strVal val="visible"/>
+                                      </p:to>
+                                    </p:set>
+                                  </p:childTnLst>
+                                </p:cTn>
+                              </p:par>
+                              <p:par>
+                                <p:cTn id="27" presetID="1" presetClass="entr" presetSubtype="0" fill="hold" nodeType="withEffect">
+                                  <p:stCondLst>
+                                    <p:cond delay="0"/>
+                                  </p:stCondLst>
+                                  <p:childTnLst>
+                                    <p:set>
+                                      <p:cBhvr>
+                                        <p:cTn id="28" dur="1" fill="hold">
+                                          <p:stCondLst>
+                                            <p:cond delay="0"/>
+                                          </p:stCondLst>
+                                        </p:cTn>
+                                        <p:tgtEl>
+                                          <p:spTgt spid="16"/>
+                                        </p:tgtEl>
+                                        <p:attrNameLst>
+                                          <p:attrName>style.visibility</p:attrName>
+                                        </p:attrNameLst>
+                                      </p:cBhvr>
+                                      <p:to>
+                                        <p:strVal val="visible"/>
+                                      </p:to>
+                                    </p:set>
+                                  </p:childTnLst>
+                                </p:cTn>
+                              </p:par>
+                            </p:childTnLst>
+                          </p:cTn>
+                        </p:par>
+                      </p:childTnLst>
+                    </p:cTn>
+                  </p:par>
+                  <p:par>
+                    <p:cTn id="29" fill="hold">
+                      <p:stCondLst>
+                        <p:cond delay="indefinite"/>
+                      </p:stCondLst>
+                      <p:childTnLst>
+                        <p:par>
+                          <p:cTn id="30" fill="hold">
+                            <p:stCondLst>
+                              <p:cond delay="0"/>
+                            </p:stCondLst>
+                            <p:childTnLst>
+                              <p:par>
+                                <p:cTn id="31" presetID="1" presetClass="entr" presetSubtype="0" fill="hold" grpId="0" nodeType="clickEffect">
+                                  <p:stCondLst>
+                                    <p:cond delay="0"/>
+                                  </p:stCondLst>
+                                  <p:childTnLst>
+                                    <p:set>
+                                      <p:cBhvr>
+                                        <p:cTn id="32" dur="1" fill="hold">
+                                          <p:stCondLst>
+                                            <p:cond delay="0"/>
+                                          </p:stCondLst>
+                                        </p:cTn>
+                                        <p:tgtEl>
+                                          <p:spTgt spid="38"/>
+                                        </p:tgtEl>
+                                        <p:attrNameLst>
+                                          <p:attrName>style.visibility</p:attrName>
+                                        </p:attrNameLst>
+                                      </p:cBhvr>
+                                      <p:to>
+                                        <p:strVal val="visible"/>
+                                      </p:to>
+                                    </p:set>
+                                  </p:childTnLst>
+                                </p:cTn>
+                              </p:par>
+                              <p:par>
+                                <p:cTn id="33" presetID="1" presetClass="entr" presetSubtype="0" fill="hold" nodeType="withEffect">
+                                  <p:stCondLst>
+                                    <p:cond delay="0"/>
+                                  </p:stCondLst>
+                                  <p:childTnLst>
+                                    <p:set>
+                                      <p:cBhvr>
+                                        <p:cTn id="34" dur="1" fill="hold">
+                                          <p:stCondLst>
+                                            <p:cond delay="0"/>
+                                          </p:stCondLst>
+                                        </p:cTn>
+                                        <p:tgtEl>
+                                          <p:spTgt spid="161">
+                                            <p:txEl>
+                                              <p:pRg st="6" end="6"/>
+                                            </p:txEl>
+                                          </p:spTgt>
+                                        </p:tgtEl>
+                                        <p:attrNameLst>
+                                          <p:attrName>style.visibility</p:attrName>
+                                        </p:attrNameLst>
+                                      </p:cBhvr>
+                                      <p:to>
+                                        <p:strVal val="visible"/>
+                                      </p:to>
+                                    </p:set>
+                                  </p:childTnLst>
+                                </p:cTn>
+                              </p:par>
+                            </p:childTnLst>
+                          </p:cTn>
+                        </p:par>
+                      </p:childTnLst>
+                    </p:cTn>
+                  </p:par>
+                  <p:par>
+                    <p:cTn id="35" fill="hold">
+                      <p:stCondLst>
+                        <p:cond delay="indefinite"/>
+                      </p:stCondLst>
+                      <p:childTnLst>
+                        <p:par>
+                          <p:cTn id="36" fill="hold">
+                            <p:stCondLst>
+                              <p:cond delay="0"/>
+                            </p:stCondLst>
+                            <p:childTnLst>
+                              <p:par>
+                                <p:cTn id="37" presetID="1" presetClass="entr" presetSubtype="0" fill="hold" nodeType="clickEffect">
+                                  <p:stCondLst>
+                                    <p:cond delay="0"/>
+                                  </p:stCondLst>
+                                  <p:childTnLst>
+                                    <p:set>
+                                      <p:cBhvr>
+                                        <p:cTn id="38" dur="1" fill="hold">
+                                          <p:stCondLst>
+                                            <p:cond delay="0"/>
+                                          </p:stCondLst>
+                                        </p:cTn>
+                                        <p:tgtEl>
+                                          <p:spTgt spid="161">
+                                            <p:txEl>
+                                              <p:pRg st="7" end="7"/>
+                                            </p:txEl>
+                                          </p:spTgt>
+                                        </p:tgtEl>
+                                        <p:attrNameLst>
+                                          <p:attrName>style.visibility</p:attrName>
+                                        </p:attrNameLst>
+                                      </p:cBhvr>
+                                      <p:to>
+                                        <p:strVal val="visible"/>
+                                      </p:to>
+                                    </p:set>
+                                  </p:childTnLst>
+                                </p:cTn>
+                              </p:par>
+                              <p:par>
+                                <p:cTn id="39" presetID="1" presetClass="entr" presetSubtype="0" fill="hold" nodeType="withEffect">
+                                  <p:stCondLst>
+                                    <p:cond delay="0"/>
+                                  </p:stCondLst>
+                                  <p:childTnLst>
+                                    <p:set>
+                                      <p:cBhvr>
+                                        <p:cTn id="40" dur="1" fill="hold">
+                                          <p:stCondLst>
+                                            <p:cond delay="0"/>
+                                          </p:stCondLst>
+                                        </p:cTn>
+                                        <p:tgtEl>
+                                          <p:spTgt spid="5"/>
+                                        </p:tgtEl>
+                                        <p:attrNameLst>
+                                          <p:attrName>style.visibility</p:attrName>
+                                        </p:attrNameLst>
+                                      </p:cBhvr>
+                                      <p:to>
+                                        <p:strVal val="visible"/>
+                                      </p:to>
+                                    </p:set>
+                                  </p:childTnLst>
+                                </p:cTn>
+                              </p:par>
+                            </p:childTnLst>
+                          </p:cTn>
+                        </p:par>
+                      </p:childTnLst>
+                    </p:cTn>
+                  </p:par>
+                  <p:par>
+                    <p:cTn id="41" fill="hold">
+                      <p:stCondLst>
+                        <p:cond delay="indefinite"/>
+                      </p:stCondLst>
+                      <p:childTnLst>
+                        <p:par>
+                          <p:cTn id="42" fill="hold">
+                            <p:stCondLst>
+                              <p:cond delay="0"/>
+                            </p:stCondLst>
+                            <p:childTnLst>
+                              <p:par>
+                                <p:cTn id="43" presetID="1" presetClass="entr" presetSubtype="0" fill="hold" grpId="0" nodeType="clickEffect">
+                                  <p:stCondLst>
+                                    <p:cond delay="0"/>
+                                  </p:stCondLst>
+                                  <p:childTnLst>
+                                    <p:set>
+                                      <p:cBhvr>
+                                        <p:cTn id="44" dur="1" fill="hold">
+                                          <p:stCondLst>
+                                            <p:cond delay="0"/>
+                                          </p:stCondLst>
+                                        </p:cTn>
+                                        <p:tgtEl>
+                                          <p:spTgt spid="44"/>
+                                        </p:tgtEl>
+                                        <p:attrNameLst>
+                                          <p:attrName>style.visibility</p:attrName>
+                                        </p:attrNameLst>
+                                      </p:cBhvr>
+                                      <p:to>
+                                        <p:strVal val="visible"/>
+                                      </p:to>
+                                    </p:set>
+                                  </p:childTnLst>
+                                </p:cTn>
+                              </p:par>
+                            </p:childTnLst>
+                          </p:cTn>
+                        </p:par>
+                      </p:childTnLst>
+                    </p:cTn>
+                  </p:par>
+                </p:childTnLst>
+              </p:cTn>
+              <p:prevCondLst>
+                <p:cond evt="onPrev" delay="0">
+                  <p:tgtEl>
+                    <p:sldTgt/>
+                  </p:tgtEl>
+                </p:cond>
+              </p:prevCondLst>
+              <p:nextCondLst>
+                <p:cond evt="onNext" delay="0">
+                  <p:tgtEl>
+                    <p:sldTgt/>
+                  </p:tgtEl>
+                </p:cond>
+              </p:nextCondLst>
+            </p:seq>
+          </p:childTnLst>
+        </p:cTn>
+      </p:par>
+    </p:tnLst>
+    <p:bldLst>
+      <p:bldP spid="162" grpId="0" animBg="1"/>
+      <p:bldP spid="64" grpId="0" animBg="1"/>
+      <p:bldP spid="47" grpId="0" animBg="1"/>
+      <p:bldP spid="38" grpId="0" animBg="1"/>
+      <p:bldP spid="44" grpId="0"/>
+    </p:bldLst>
+  </p:timing>
 </p:sld>
 </file>
 

--- a/docs/OtherSourceMaterial/Diagrams.pptx
+++ b/docs/OtherSourceMaterial/Diagrams.pptx
@@ -5,7 +5,7 @@
     <p:sldMasterId id="2147483648" r:id="rId1"/>
   </p:sldMasterIdLst>
   <p:notesMasterIdLst>
-    <p:notesMasterId r:id="rId12"/>
+    <p:notesMasterId r:id="rId10"/>
   </p:notesMasterIdLst>
   <p:sldIdLst>
     <p:sldId id="386" r:id="rId2"/>
@@ -15,9 +15,7 @@
     <p:sldId id="384" r:id="rId6"/>
     <p:sldId id="390" r:id="rId7"/>
     <p:sldId id="393" r:id="rId8"/>
-    <p:sldId id="394" r:id="rId9"/>
-    <p:sldId id="391" r:id="rId10"/>
-    <p:sldId id="392" r:id="rId11"/>
+    <p:sldId id="395" r:id="rId9"/>
   </p:sldIdLst>
   <p:sldSz cx="12192000" cy="6858000"/>
   <p:notesSz cx="6858000" cy="9144000"/>
@@ -3414,2450 +3412,6 @@
   <p:clrMapOvr>
     <a:masterClrMapping/>
   </p:clrMapOvr>
-</p:sld>
-</file>
-
-<file path=ppt/slides/slide10.xml><?xml version="1.0" encoding="utf-8"?>
-<p:sld xmlns:a="http://schemas.openxmlformats.org/drawingml/2006/main" xmlns:r="http://schemas.openxmlformats.org/officeDocument/2006/relationships" xmlns:p="http://schemas.openxmlformats.org/presentationml/2006/main">
-  <p:cSld>
-    <p:spTree>
-      <p:nvGrpSpPr>
-        <p:cNvPr id="1" name=""/>
-        <p:cNvGrpSpPr/>
-        <p:nvPr/>
-      </p:nvGrpSpPr>
-      <p:grpSpPr>
-        <a:xfrm>
-          <a:off x="0" y="0"/>
-          <a:ext cx="0" cy="0"/>
-          <a:chOff x="0" y="0"/>
-          <a:chExt cx="0" cy="0"/>
-        </a:xfrm>
-      </p:grpSpPr>
-      <p:sp>
-        <p:nvSpPr>
-          <p:cNvPr id="46" name="Rounded Rectangle 45"/>
-          <p:cNvSpPr/>
-          <p:nvPr/>
-        </p:nvSpPr>
-        <p:spPr>
-          <a:xfrm>
-            <a:off x="7679891" y="2382075"/>
-            <a:ext cx="4109570" cy="4109570"/>
-          </a:xfrm>
-          <a:prstGeom prst="roundRect">
-            <a:avLst/>
-          </a:prstGeom>
-          <a:solidFill>
-            <a:srgbClr val="A2A1A1"/>
-          </a:solidFill>
-        </p:spPr>
-        <p:style>
-          <a:lnRef idx="2">
-            <a:schemeClr val="accent1">
-              <a:shade val="50000"/>
-            </a:schemeClr>
-          </a:lnRef>
-          <a:fillRef idx="1">
-            <a:schemeClr val="accent1"/>
-          </a:fillRef>
-          <a:effectRef idx="0">
-            <a:schemeClr val="accent1"/>
-          </a:effectRef>
-          <a:fontRef idx="minor">
-            <a:schemeClr val="lt1"/>
-          </a:fontRef>
-        </p:style>
-        <p:txBody>
-          <a:bodyPr rtlCol="0" anchor="ctr"/>
-          <a:lstStyle/>
-          <a:p>
-            <a:pPr algn="ctr"/>
-            <a:endParaRPr lang="en-US"/>
-          </a:p>
-        </p:txBody>
-      </p:sp>
-      <p:sp>
-        <p:nvSpPr>
-          <p:cNvPr id="162" name="Rounded Rectangle 161"/>
-          <p:cNvSpPr/>
-          <p:nvPr/>
-        </p:nvSpPr>
-        <p:spPr>
-          <a:xfrm>
-            <a:off x="10555320" y="3307231"/>
-            <a:ext cx="559591" cy="554570"/>
-          </a:xfrm>
-          <a:prstGeom prst="roundRect">
-            <a:avLst/>
-          </a:prstGeom>
-          <a:solidFill>
-            <a:srgbClr val="4372C4"/>
-          </a:solidFill>
-          <a:ln w="28575" cap="flat" cmpd="sng" algn="ctr">
-            <a:solidFill>
-              <a:schemeClr val="tx2"/>
-            </a:solidFill>
-            <a:prstDash val="solid"/>
-          </a:ln>
-          <a:effectLst>
-            <a:outerShdw blurRad="40000" dist="23000" dir="5400000" rotWithShape="0">
-              <a:srgbClr val="000000">
-                <a:alpha val="35000"/>
-              </a:srgbClr>
-            </a:outerShdw>
-          </a:effectLst>
-        </p:spPr>
-        <p:txBody>
-          <a:bodyPr tIns="36000" bIns="36000" rtlCol="0" anchor="ctr"/>
-          <a:lstStyle/>
-          <a:p>
-            <a:pPr marL="0" marR="0" lvl="0" indent="0" algn="ctr" defTabSz="457200" eaLnBrk="1" fontAlgn="auto" latinLnBrk="0" hangingPunct="1">
-              <a:lnSpc>
-                <a:spcPct val="100000"/>
-              </a:lnSpc>
-              <a:spcBef>
-                <a:spcPts val="0"/>
-              </a:spcBef>
-              <a:spcAft>
-                <a:spcPts val="0"/>
-              </a:spcAft>
-              <a:buClrTx/>
-              <a:buSzTx/>
-              <a:buFontTx/>
-              <a:buNone/>
-              <a:tabLst/>
-              <a:defRPr/>
-            </a:pPr>
-            <a:r>
-              <a:rPr lang="en-US" sz="2400" b="1" kern="0" noProof="0" dirty="0" smtClean="0">
-                <a:solidFill>
-                  <a:schemeClr val="bg1"/>
-                </a:solidFill>
-                <a:ea typeface=""/>
-                <a:cs typeface=""/>
-              </a:rPr>
-              <a:t>P</a:t>
-            </a:r>
-            <a:endParaRPr kumimoji="0" lang="en-US" sz="2400" b="1" i="0" u="none" strike="noStrike" kern="0" cap="none" spc="0" normalizeH="0" baseline="0" noProof="0" dirty="0" smtClean="0">
-              <a:ln>
-                <a:noFill/>
-              </a:ln>
-              <a:solidFill>
-                <a:schemeClr val="bg1"/>
-              </a:solidFill>
-              <a:effectLst/>
-              <a:uLnTx/>
-              <a:uFillTx/>
-              <a:ea typeface=""/>
-              <a:cs typeface=""/>
-            </a:endParaRPr>
-          </a:p>
-        </p:txBody>
-      </p:sp>
-      <p:sp>
-        <p:nvSpPr>
-          <p:cNvPr id="2" name="Title 1"/>
-          <p:cNvSpPr>
-            <a:spLocks noGrp="1"/>
-          </p:cNvSpPr>
-          <p:nvPr>
-            <p:ph type="title"/>
-          </p:nvPr>
-        </p:nvSpPr>
-        <p:spPr>
-          <a:xfrm>
-            <a:off x="457200" y="365125"/>
-            <a:ext cx="11734800" cy="1325563"/>
-          </a:xfrm>
-        </p:spPr>
-        <p:txBody>
-          <a:bodyPr>
-            <a:normAutofit fontScale="90000"/>
-          </a:bodyPr>
-          <a:lstStyle/>
-          <a:p>
-            <a:pPr algn="ctr"/>
-            <a:r>
-              <a:rPr lang="en-US" sz="7200" b="1" dirty="0" smtClean="0">
-                <a:solidFill>
-                  <a:srgbClr val="4C81B2"/>
-                </a:solidFill>
-                <a:latin typeface="+mn-lt"/>
-              </a:rPr>
-              <a:t>Blockchain Network Components</a:t>
-            </a:r>
-            <a:endParaRPr lang="en-US" b="1" dirty="0"/>
-          </a:p>
-        </p:txBody>
-      </p:sp>
-      <p:sp>
-        <p:nvSpPr>
-          <p:cNvPr id="4" name="Slide Number Placeholder 3"/>
-          <p:cNvSpPr>
-            <a:spLocks noGrp="1"/>
-          </p:cNvSpPr>
-          <p:nvPr>
-            <p:ph type="sldNum" sz="quarter" idx="12"/>
-          </p:nvPr>
-        </p:nvSpPr>
-        <p:spPr/>
-        <p:txBody>
-          <a:bodyPr/>
-          <a:lstStyle/>
-          <a:p>
-            <a:fld id="{2AF5F8E0-9CB9-8D41-B80C-6B76C9B710FC}" type="slidenum">
-              <a:rPr lang="en-US" smtClean="0"/>
-              <a:t>10</a:t>
-            </a:fld>
-            <a:endParaRPr lang="en-US"/>
-          </a:p>
-        </p:txBody>
-      </p:sp>
-      <p:sp>
-        <p:nvSpPr>
-          <p:cNvPr id="64" name="Rounded Rectangle 63"/>
-          <p:cNvSpPr/>
-          <p:nvPr/>
-        </p:nvSpPr>
-        <p:spPr>
-          <a:xfrm>
-            <a:off x="9690318" y="4166876"/>
-            <a:ext cx="571412" cy="563758"/>
-          </a:xfrm>
-          <a:prstGeom prst="roundRect">
-            <a:avLst/>
-          </a:prstGeom>
-          <a:solidFill>
-            <a:srgbClr val="00B050"/>
-          </a:solidFill>
-          <a:ln w="25400">
-            <a:solidFill>
-              <a:srgbClr val="0070C0"/>
-            </a:solidFill>
-          </a:ln>
-        </p:spPr>
-        <p:style>
-          <a:lnRef idx="2">
-            <a:schemeClr val="accent1">
-              <a:shade val="50000"/>
-            </a:schemeClr>
-          </a:lnRef>
-          <a:fillRef idx="1">
-            <a:schemeClr val="accent1"/>
-          </a:fillRef>
-          <a:effectRef idx="0">
-            <a:schemeClr val="accent1"/>
-          </a:effectRef>
-          <a:fontRef idx="minor">
-            <a:schemeClr val="lt1"/>
-          </a:fontRef>
-        </p:style>
-        <p:txBody>
-          <a:bodyPr rtlCol="0" anchor="ctr"/>
-          <a:lstStyle/>
-          <a:p>
-            <a:pPr algn="ctr"/>
-            <a:r>
-              <a:rPr lang="en-US" sz="2400" b="1" dirty="0">
-                <a:solidFill>
-                  <a:srgbClr val="4372C4"/>
-                </a:solidFill>
-              </a:rPr>
-              <a:t>O</a:t>
-            </a:r>
-          </a:p>
-        </p:txBody>
-      </p:sp>
-      <p:grpSp>
-        <p:nvGrpSpPr>
-          <p:cNvPr id="84" name="Group 83"/>
-          <p:cNvGrpSpPr/>
-          <p:nvPr/>
-        </p:nvGrpSpPr>
-        <p:grpSpPr>
-          <a:xfrm>
-            <a:off x="9558925" y="1529226"/>
-            <a:ext cx="453635" cy="725046"/>
-            <a:chOff x="5701137" y="2384637"/>
-            <a:chExt cx="1133935" cy="1812371"/>
-          </a:xfrm>
-          <a:solidFill>
-            <a:srgbClr val="A2A1A1"/>
-          </a:solidFill>
-        </p:grpSpPr>
-        <p:sp>
-          <p:nvSpPr>
-            <p:cNvPr id="86" name="Oval 85"/>
-            <p:cNvSpPr/>
-            <p:nvPr/>
-          </p:nvSpPr>
-          <p:spPr>
-            <a:xfrm>
-              <a:off x="5928886" y="2384637"/>
-              <a:ext cx="678435" cy="678436"/>
-            </a:xfrm>
-            <a:prstGeom prst="ellipse">
-              <a:avLst/>
-            </a:prstGeom>
-            <a:grpFill/>
-          </p:spPr>
-          <p:style>
-            <a:lnRef idx="2">
-              <a:schemeClr val="accent1">
-                <a:shade val="50000"/>
-              </a:schemeClr>
-            </a:lnRef>
-            <a:fillRef idx="1">
-              <a:schemeClr val="accent1"/>
-            </a:fillRef>
-            <a:effectRef idx="0">
-              <a:schemeClr val="accent1"/>
-            </a:effectRef>
-            <a:fontRef idx="minor">
-              <a:schemeClr val="lt1"/>
-            </a:fontRef>
-          </p:style>
-          <p:txBody>
-            <a:bodyPr rtlCol="0" anchor="ctr"/>
-            <a:lstStyle/>
-            <a:p>
-              <a:pPr algn="ctr"/>
-              <a:endParaRPr lang="en-US"/>
-            </a:p>
-          </p:txBody>
-        </p:sp>
-        <p:sp>
-          <p:nvSpPr>
-            <p:cNvPr id="87" name="Round Same Side Corner Rectangle 86"/>
-            <p:cNvSpPr/>
-            <p:nvPr/>
-          </p:nvSpPr>
-          <p:spPr>
-            <a:xfrm>
-              <a:off x="5701137" y="3063073"/>
-              <a:ext cx="1133935" cy="1133935"/>
-            </a:xfrm>
-            <a:prstGeom prst="round2SameRect">
-              <a:avLst>
-                <a:gd name="adj1" fmla="val 49716"/>
-                <a:gd name="adj2" fmla="val 0"/>
-              </a:avLst>
-            </a:prstGeom>
-            <a:grpFill/>
-          </p:spPr>
-          <p:style>
-            <a:lnRef idx="2">
-              <a:schemeClr val="accent1">
-                <a:shade val="50000"/>
-              </a:schemeClr>
-            </a:lnRef>
-            <a:fillRef idx="1">
-              <a:schemeClr val="accent1"/>
-            </a:fillRef>
-            <a:effectRef idx="0">
-              <a:schemeClr val="accent1"/>
-            </a:effectRef>
-            <a:fontRef idx="minor">
-              <a:schemeClr val="lt1"/>
-            </a:fontRef>
-          </p:style>
-          <p:txBody>
-            <a:bodyPr rtlCol="0" anchor="ctr"/>
-            <a:lstStyle/>
-            <a:p>
-              <a:pPr algn="ctr"/>
-              <a:r>
-                <a:rPr lang="en-US" sz="2400" b="1" dirty="0"/>
-                <a:t>B</a:t>
-              </a:r>
-            </a:p>
-          </p:txBody>
-        </p:sp>
-      </p:grpSp>
-      <p:sp>
-        <p:nvSpPr>
-          <p:cNvPr id="161" name="Content Placeholder 2"/>
-          <p:cNvSpPr>
-            <a:spLocks noGrp="1"/>
-          </p:cNvSpPr>
-          <p:nvPr>
-            <p:ph idx="1"/>
-          </p:nvPr>
-        </p:nvSpPr>
-        <p:spPr>
-          <a:xfrm>
-            <a:off x="838196" y="1825625"/>
-            <a:ext cx="6462333" cy="4351338"/>
-          </a:xfrm>
-        </p:spPr>
-        <p:txBody>
-          <a:bodyPr>
-            <a:noAutofit/>
-          </a:bodyPr>
-          <a:lstStyle/>
-          <a:p>
-            <a:r>
-              <a:rPr lang="en-US" sz="1800" dirty="0" smtClean="0"/>
-              <a:t>We define the following network components</a:t>
-            </a:r>
-          </a:p>
-          <a:p>
-            <a:endParaRPr lang="en-US" sz="1800" dirty="0"/>
-          </a:p>
-          <a:p>
-            <a:pPr marL="360363" indent="-360363">
-              <a:buFont typeface="+mj-lt"/>
-              <a:buAutoNum type="arabicPeriod"/>
-            </a:pPr>
-            <a:r>
-              <a:rPr lang="en-US" sz="1800" dirty="0" smtClean="0"/>
-              <a:t>A </a:t>
-            </a:r>
-            <a:r>
-              <a:rPr lang="en-US" sz="1800" dirty="0"/>
-              <a:t>set of policies </a:t>
-            </a:r>
-            <a:r>
-              <a:rPr lang="en-US" sz="1800" b="1" dirty="0" err="1"/>
-              <a:t>Px</a:t>
-            </a:r>
-            <a:r>
-              <a:rPr lang="en-US" sz="1800" dirty="0"/>
-              <a:t>, </a:t>
-            </a:r>
-            <a:r>
-              <a:rPr lang="en-US" sz="1800" dirty="0" smtClean="0"/>
-              <a:t>which control access to resources in </a:t>
-            </a:r>
-            <a:r>
-              <a:rPr lang="en-US" sz="1800" b="1" dirty="0" smtClean="0"/>
-              <a:t>N</a:t>
-            </a:r>
-            <a:br>
-              <a:rPr lang="en-US" sz="1800" b="1" dirty="0" smtClean="0"/>
-            </a:br>
-            <a:endParaRPr lang="en-US" sz="1800" dirty="0" smtClean="0"/>
-          </a:p>
-          <a:p>
-            <a:pPr marL="360363" indent="-360363">
-              <a:buFont typeface="+mj-lt"/>
-              <a:buAutoNum type="arabicPeriod"/>
-            </a:pPr>
-            <a:r>
-              <a:rPr lang="en-US" sz="1800" dirty="0" smtClean="0"/>
-              <a:t>A set of peers, </a:t>
-            </a:r>
-            <a:r>
-              <a:rPr lang="en-US" sz="1800" b="1" dirty="0" smtClean="0"/>
-              <a:t>P</a:t>
-            </a:r>
-            <a:r>
-              <a:rPr lang="en-US" sz="1800" dirty="0" smtClean="0"/>
-              <a:t>, which host ledgers and smart contracts</a:t>
-            </a:r>
-            <a:br>
-              <a:rPr lang="en-US" sz="1800" dirty="0" smtClean="0"/>
-            </a:br>
-            <a:endParaRPr lang="en-US" sz="1800" dirty="0" smtClean="0"/>
-          </a:p>
-          <a:p>
-            <a:pPr marL="360363" indent="-360363">
-              <a:buFont typeface="+mj-lt"/>
-              <a:buAutoNum type="arabicPeriod"/>
-            </a:pPr>
-            <a:r>
-              <a:rPr lang="en-US" sz="1800" dirty="0" smtClean="0"/>
-              <a:t>An ordering service </a:t>
-            </a:r>
-            <a:r>
-              <a:rPr lang="en-US" sz="1800" b="1" dirty="0" smtClean="0"/>
-              <a:t>O</a:t>
-            </a:r>
-            <a:r>
-              <a:rPr lang="en-US" sz="1800" dirty="0" smtClean="0"/>
-              <a:t>; the network administration point</a:t>
-            </a:r>
-            <a:br>
-              <a:rPr lang="en-US" sz="1800" dirty="0" smtClean="0"/>
-            </a:br>
-            <a:endParaRPr lang="en-US" sz="1800" dirty="0" smtClean="0"/>
-          </a:p>
-          <a:p>
-            <a:pPr marL="360363" indent="-360363">
-              <a:buFont typeface="+mj-lt"/>
-              <a:buAutoNum type="arabicPeriod"/>
-            </a:pPr>
-            <a:r>
-              <a:rPr lang="en-US" sz="1800" dirty="0" smtClean="0"/>
-              <a:t>A set of channels, </a:t>
-            </a:r>
-            <a:r>
-              <a:rPr lang="en-US" sz="1800" b="1" dirty="0" err="1" smtClean="0"/>
-              <a:t>Ch</a:t>
-            </a:r>
-            <a:r>
-              <a:rPr lang="en-US" sz="1800" dirty="0" smtClean="0"/>
-              <a:t>, which partition the network for </a:t>
-            </a:r>
-            <a:br>
-              <a:rPr lang="en-US" sz="1800" dirty="0" smtClean="0"/>
-            </a:br>
-            <a:r>
-              <a:rPr lang="en-US" sz="1800" dirty="0" smtClean="0"/>
-              <a:t>privacy</a:t>
-            </a:r>
-            <a:r>
-              <a:rPr lang="en-US" sz="1800" b="1" dirty="0"/>
-              <a:t/>
-            </a:r>
-            <a:br>
-              <a:rPr lang="en-US" sz="1800" b="1" dirty="0"/>
-            </a:br>
-            <a:endParaRPr lang="en-US" sz="1800" dirty="0" smtClean="0"/>
-          </a:p>
-          <a:p>
-            <a:pPr marL="360363" indent="-360363">
-              <a:buFont typeface="+mj-lt"/>
-              <a:buAutoNum type="arabicPeriod"/>
-            </a:pPr>
-            <a:r>
-              <a:rPr lang="en-US" sz="1800" dirty="0" smtClean="0"/>
-              <a:t>A </a:t>
-            </a:r>
-            <a:r>
-              <a:rPr lang="en-US" sz="1800" dirty="0"/>
-              <a:t>set of configurations, </a:t>
-            </a:r>
-            <a:r>
-              <a:rPr lang="en-US" sz="1800" b="1" dirty="0" err="1"/>
-              <a:t>Cx</a:t>
-            </a:r>
-            <a:r>
-              <a:rPr lang="en-US" sz="1800" dirty="0"/>
-              <a:t>, applying to </a:t>
-            </a:r>
-            <a:r>
-              <a:rPr lang="en-US" sz="1800" dirty="0" smtClean="0"/>
-              <a:t>different elements of </a:t>
-            </a:r>
-            <a:r>
-              <a:rPr lang="en-US" sz="1800" b="1" dirty="0" smtClean="0"/>
-              <a:t>N</a:t>
-            </a:r>
-            <a:br>
-              <a:rPr lang="en-US" sz="1800" b="1" dirty="0" smtClean="0"/>
-            </a:br>
-            <a:endParaRPr lang="en-US" sz="1800" b="1" dirty="0" smtClean="0"/>
-          </a:p>
-          <a:p>
-            <a:pPr marL="360363" indent="-360363">
-              <a:buFont typeface="+mj-lt"/>
-              <a:buAutoNum type="arabicPeriod"/>
-            </a:pPr>
-            <a:r>
-              <a:rPr lang="en-US" sz="1800" dirty="0" smtClean="0"/>
-              <a:t>A set of </a:t>
-            </a:r>
-            <a:r>
-              <a:rPr lang="en-US" sz="1800" b="1" dirty="0" smtClean="0"/>
-              <a:t>MSP</a:t>
-            </a:r>
-            <a:r>
-              <a:rPr lang="en-US" sz="1800" dirty="0" smtClean="0"/>
-              <a:t>s which provide a trust store for identities, </a:t>
-            </a:r>
-            <a:r>
-              <a:rPr lang="en-US" sz="1800" b="1" dirty="0" smtClean="0"/>
-              <a:t>I</a:t>
-            </a:r>
-            <a:endParaRPr lang="en-US" sz="1800" dirty="0"/>
-          </a:p>
-        </p:txBody>
-      </p:sp>
-      <p:grpSp>
-        <p:nvGrpSpPr>
-          <p:cNvPr id="9" name="Group 8"/>
-          <p:cNvGrpSpPr/>
-          <p:nvPr/>
-        </p:nvGrpSpPr>
-        <p:grpSpPr>
-          <a:xfrm>
-            <a:off x="6846322" y="3879812"/>
-            <a:ext cx="619323" cy="501605"/>
-            <a:chOff x="6472402" y="5302101"/>
-            <a:chExt cx="619323" cy="501605"/>
-          </a:xfrm>
-        </p:grpSpPr>
-        <p:sp>
-          <p:nvSpPr>
-            <p:cNvPr id="164" name="Rectangle 163"/>
-            <p:cNvSpPr/>
-            <p:nvPr/>
-          </p:nvSpPr>
-          <p:spPr>
-            <a:xfrm>
-              <a:off x="6472402" y="5302101"/>
-              <a:ext cx="619323" cy="501605"/>
-            </a:xfrm>
-            <a:prstGeom prst="rect">
-              <a:avLst/>
-            </a:prstGeom>
-            <a:noFill/>
-            <a:ln w="25400">
-              <a:solidFill>
-                <a:schemeClr val="tx1">
-                  <a:lumMod val="50000"/>
-                  <a:lumOff val="50000"/>
-                </a:schemeClr>
-              </a:solidFill>
-            </a:ln>
-          </p:spPr>
-          <p:style>
-            <a:lnRef idx="2">
-              <a:schemeClr val="accent1">
-                <a:shade val="50000"/>
-              </a:schemeClr>
-            </a:lnRef>
-            <a:fillRef idx="1">
-              <a:schemeClr val="accent1"/>
-            </a:fillRef>
-            <a:effectRef idx="0">
-              <a:schemeClr val="accent1"/>
-            </a:effectRef>
-            <a:fontRef idx="minor">
-              <a:schemeClr val="lt1"/>
-            </a:fontRef>
-          </p:style>
-          <p:txBody>
-            <a:bodyPr rtlCol="0" anchor="ctr"/>
-            <a:lstStyle/>
-            <a:p>
-              <a:pPr algn="ctr"/>
-              <a:endParaRPr lang="en-US"/>
-            </a:p>
-          </p:txBody>
-        </p:sp>
-        <p:grpSp>
-          <p:nvGrpSpPr>
-            <p:cNvPr id="166" name="Group 165"/>
-            <p:cNvGrpSpPr/>
-            <p:nvPr/>
-          </p:nvGrpSpPr>
-          <p:grpSpPr>
-            <a:xfrm>
-              <a:off x="6814279" y="5452466"/>
-              <a:ext cx="181145" cy="111673"/>
-              <a:chOff x="4770478" y="3634526"/>
-              <a:chExt cx="123069" cy="75870"/>
-            </a:xfrm>
-          </p:grpSpPr>
-          <p:cxnSp>
-            <p:nvCxnSpPr>
-              <p:cNvPr id="167" name="Straight Connector 166"/>
-              <p:cNvCxnSpPr/>
-              <p:nvPr/>
-            </p:nvCxnSpPr>
-            <p:spPr>
-              <a:xfrm>
-                <a:off x="4770478" y="3634526"/>
-                <a:ext cx="123069" cy="0"/>
-              </a:xfrm>
-              <a:prstGeom prst="line">
-                <a:avLst/>
-              </a:prstGeom>
-              <a:ln w="25400">
-                <a:solidFill>
-                  <a:schemeClr val="tx1">
-                    <a:lumMod val="50000"/>
-                    <a:lumOff val="50000"/>
-                  </a:schemeClr>
-                </a:solidFill>
-              </a:ln>
-            </p:spPr>
-            <p:style>
-              <a:lnRef idx="1">
-                <a:schemeClr val="accent1"/>
-              </a:lnRef>
-              <a:fillRef idx="0">
-                <a:schemeClr val="accent1"/>
-              </a:fillRef>
-              <a:effectRef idx="0">
-                <a:schemeClr val="accent1"/>
-              </a:effectRef>
-              <a:fontRef idx="minor">
-                <a:schemeClr val="tx1"/>
-              </a:fontRef>
-            </p:style>
-          </p:cxnSp>
-          <p:cxnSp>
-            <p:nvCxnSpPr>
-              <p:cNvPr id="168" name="Straight Connector 167"/>
-              <p:cNvCxnSpPr/>
-              <p:nvPr/>
-            </p:nvCxnSpPr>
-            <p:spPr>
-              <a:xfrm>
-                <a:off x="4770478" y="3672461"/>
-                <a:ext cx="123069" cy="0"/>
-              </a:xfrm>
-              <a:prstGeom prst="line">
-                <a:avLst/>
-              </a:prstGeom>
-              <a:ln w="25400">
-                <a:solidFill>
-                  <a:schemeClr val="tx1">
-                    <a:lumMod val="50000"/>
-                    <a:lumOff val="50000"/>
-                  </a:schemeClr>
-                </a:solidFill>
-              </a:ln>
-            </p:spPr>
-            <p:style>
-              <a:lnRef idx="1">
-                <a:schemeClr val="accent1"/>
-              </a:lnRef>
-              <a:fillRef idx="0">
-                <a:schemeClr val="accent1"/>
-              </a:fillRef>
-              <a:effectRef idx="0">
-                <a:schemeClr val="accent1"/>
-              </a:effectRef>
-              <a:fontRef idx="minor">
-                <a:schemeClr val="tx1"/>
-              </a:fontRef>
-            </p:style>
-          </p:cxnSp>
-          <p:cxnSp>
-            <p:nvCxnSpPr>
-              <p:cNvPr id="169" name="Straight Connector 168"/>
-              <p:cNvCxnSpPr/>
-              <p:nvPr/>
-            </p:nvCxnSpPr>
-            <p:spPr>
-              <a:xfrm>
-                <a:off x="4770478" y="3710396"/>
-                <a:ext cx="123069" cy="0"/>
-              </a:xfrm>
-              <a:prstGeom prst="line">
-                <a:avLst/>
-              </a:prstGeom>
-              <a:ln w="25400">
-                <a:solidFill>
-                  <a:schemeClr val="tx1">
-                    <a:lumMod val="50000"/>
-                    <a:lumOff val="50000"/>
-                  </a:schemeClr>
-                </a:solidFill>
-              </a:ln>
-            </p:spPr>
-            <p:style>
-              <a:lnRef idx="1">
-                <a:schemeClr val="accent1"/>
-              </a:lnRef>
-              <a:fillRef idx="0">
-                <a:schemeClr val="accent1"/>
-              </a:fillRef>
-              <a:effectRef idx="0">
-                <a:schemeClr val="accent1"/>
-              </a:effectRef>
-              <a:fontRef idx="minor">
-                <a:schemeClr val="tx1"/>
-              </a:fontRef>
-            </p:style>
-          </p:cxnSp>
-        </p:grpSp>
-        <p:sp>
-          <p:nvSpPr>
-            <p:cNvPr id="172" name="Rounded Rectangle 171"/>
-            <p:cNvSpPr/>
-            <p:nvPr/>
-          </p:nvSpPr>
-          <p:spPr>
-            <a:xfrm>
-              <a:off x="6536643" y="5431293"/>
-              <a:ext cx="245420" cy="243219"/>
-            </a:xfrm>
-            <a:prstGeom prst="roundRect">
-              <a:avLst/>
-            </a:prstGeom>
-            <a:solidFill>
-              <a:srgbClr val="A2A1A1"/>
-            </a:solidFill>
-            <a:ln w="12700" cap="flat" cmpd="sng" algn="ctr">
-              <a:solidFill>
-                <a:schemeClr val="tx1">
-                  <a:lumMod val="50000"/>
-                  <a:lumOff val="50000"/>
-                </a:schemeClr>
-              </a:solidFill>
-              <a:prstDash val="solid"/>
-            </a:ln>
-            <a:effectLst>
-              <a:outerShdw blurRad="40000" dist="23000" dir="5400000" rotWithShape="0">
-                <a:srgbClr val="000000">
-                  <a:alpha val="35000"/>
-                </a:srgbClr>
-              </a:outerShdw>
-            </a:effectLst>
-          </p:spPr>
-          <p:txBody>
-            <a:bodyPr tIns="36000" bIns="36000" rtlCol="0" anchor="ctr"/>
-            <a:lstStyle/>
-            <a:p>
-              <a:pPr marL="0" marR="0" lvl="0" indent="0" algn="ctr" defTabSz="457200" eaLnBrk="1" fontAlgn="auto" latinLnBrk="0" hangingPunct="1">
-                <a:lnSpc>
-                  <a:spcPct val="100000"/>
-                </a:lnSpc>
-                <a:spcBef>
-                  <a:spcPts val="0"/>
-                </a:spcBef>
-                <a:spcAft>
-                  <a:spcPts val="0"/>
-                </a:spcAft>
-                <a:buClrTx/>
-                <a:buSzTx/>
-                <a:buFontTx/>
-                <a:buNone/>
-                <a:tabLst/>
-                <a:defRPr/>
-              </a:pPr>
-              <a:r>
-                <a:rPr lang="en-US" sz="1600" b="1" kern="0" dirty="0">
-                  <a:solidFill>
-                    <a:schemeClr val="bg1"/>
-                  </a:solidFill>
-                  <a:ea typeface=""/>
-                  <a:cs typeface=""/>
-                </a:rPr>
-                <a:t>I</a:t>
-              </a:r>
-              <a:endParaRPr kumimoji="0" lang="en-US" sz="1600" b="1" i="0" u="none" strike="noStrike" kern="0" cap="none" spc="0" normalizeH="0" baseline="0" noProof="0" dirty="0" smtClean="0">
-                <a:ln>
-                  <a:noFill/>
-                </a:ln>
-                <a:solidFill>
-                  <a:schemeClr val="bg1"/>
-                </a:solidFill>
-                <a:effectLst/>
-                <a:uLnTx/>
-                <a:uFillTx/>
-                <a:ea typeface=""/>
-                <a:cs typeface=""/>
-              </a:endParaRPr>
-            </a:p>
-          </p:txBody>
-        </p:sp>
-      </p:grpSp>
-      <p:grpSp>
-        <p:nvGrpSpPr>
-          <p:cNvPr id="10" name="Group 9"/>
-          <p:cNvGrpSpPr/>
-          <p:nvPr/>
-        </p:nvGrpSpPr>
-        <p:grpSpPr>
-          <a:xfrm>
-            <a:off x="8444476" y="1562280"/>
-            <a:ext cx="742889" cy="677402"/>
-            <a:chOff x="8844732" y="1690688"/>
-            <a:chExt cx="742889" cy="677402"/>
-          </a:xfrm>
-        </p:grpSpPr>
-        <p:sp>
-          <p:nvSpPr>
-            <p:cNvPr id="173" name="Triangle 172"/>
-            <p:cNvSpPr/>
-            <p:nvPr/>
-          </p:nvSpPr>
-          <p:spPr>
-            <a:xfrm>
-              <a:off x="8844732" y="1690688"/>
-              <a:ext cx="742889" cy="677401"/>
-            </a:xfrm>
-            <a:prstGeom prst="triangle">
-              <a:avLst/>
-            </a:prstGeom>
-            <a:solidFill>
-              <a:srgbClr val="A2A1A1"/>
-            </a:solidFill>
-            <a:ln w="12700">
-              <a:solidFill>
-                <a:schemeClr val="tx2"/>
-              </a:solidFill>
-            </a:ln>
-          </p:spPr>
-          <p:style>
-            <a:lnRef idx="2">
-              <a:schemeClr val="accent1">
-                <a:shade val="50000"/>
-              </a:schemeClr>
-            </a:lnRef>
-            <a:fillRef idx="1">
-              <a:schemeClr val="accent1"/>
-            </a:fillRef>
-            <a:effectRef idx="0">
-              <a:schemeClr val="accent1"/>
-            </a:effectRef>
-            <a:fontRef idx="minor">
-              <a:schemeClr val="lt1"/>
-            </a:fontRef>
-          </p:style>
-          <p:txBody>
-            <a:bodyPr rtlCol="0" anchor="ctr"/>
-            <a:lstStyle/>
-            <a:p>
-              <a:pPr algn="ctr"/>
-              <a:endParaRPr lang="en-US" sz="1600" b="1" dirty="0">
-                <a:solidFill>
-                  <a:schemeClr val="bg1"/>
-                </a:solidFill>
-              </a:endParaRPr>
-            </a:p>
-          </p:txBody>
-        </p:sp>
-        <p:sp>
-          <p:nvSpPr>
-            <p:cNvPr id="3" name="TextBox 2"/>
-            <p:cNvSpPr txBox="1"/>
-            <p:nvPr/>
-          </p:nvSpPr>
-          <p:spPr>
-            <a:xfrm>
-              <a:off x="8952162" y="1906425"/>
-              <a:ext cx="538930" cy="461665"/>
-            </a:xfrm>
-            <a:prstGeom prst="rect">
-              <a:avLst/>
-            </a:prstGeom>
-            <a:noFill/>
-          </p:spPr>
-          <p:txBody>
-            <a:bodyPr wrap="none" rtlCol="0">
-              <a:spAutoFit/>
-            </a:bodyPr>
-            <a:lstStyle/>
-            <a:p>
-              <a:r>
-                <a:rPr lang="en-US" sz="2400" b="1" dirty="0" err="1" smtClean="0">
-                  <a:solidFill>
-                    <a:schemeClr val="bg1"/>
-                  </a:solidFill>
-                </a:rPr>
-                <a:t>Og</a:t>
-              </a:r>
-              <a:endParaRPr lang="en-US" sz="2400" b="1" dirty="0">
-                <a:solidFill>
-                  <a:schemeClr val="bg1"/>
-                </a:solidFill>
-              </a:endParaRPr>
-            </a:p>
-          </p:txBody>
-        </p:sp>
-      </p:grpSp>
-      <p:sp>
-        <p:nvSpPr>
-          <p:cNvPr id="45" name="Rounded Rectangle 44"/>
-          <p:cNvSpPr/>
-          <p:nvPr/>
-        </p:nvSpPr>
-        <p:spPr>
-          <a:xfrm>
-            <a:off x="6848933" y="4612221"/>
-            <a:ext cx="575072" cy="567368"/>
-          </a:xfrm>
-          <a:prstGeom prst="roundRect">
-            <a:avLst/>
-          </a:prstGeom>
-          <a:solidFill>
-            <a:srgbClr val="A2A1A1"/>
-          </a:solidFill>
-          <a:ln w="25400">
-            <a:solidFill>
-              <a:schemeClr val="tx1">
-                <a:lumMod val="50000"/>
-                <a:lumOff val="50000"/>
-              </a:schemeClr>
-            </a:solidFill>
-          </a:ln>
-        </p:spPr>
-        <p:style>
-          <a:lnRef idx="2">
-            <a:schemeClr val="accent1">
-              <a:shade val="50000"/>
-            </a:schemeClr>
-          </a:lnRef>
-          <a:fillRef idx="1">
-            <a:schemeClr val="accent1"/>
-          </a:fillRef>
-          <a:effectRef idx="0">
-            <a:schemeClr val="accent1"/>
-          </a:effectRef>
-          <a:fontRef idx="minor">
-            <a:schemeClr val="lt1"/>
-          </a:fontRef>
-        </p:style>
-        <p:txBody>
-          <a:bodyPr rtlCol="0" anchor="ctr"/>
-          <a:lstStyle/>
-          <a:p>
-            <a:pPr algn="ctr"/>
-            <a:r>
-              <a:rPr lang="en-US" sz="2000" b="1" dirty="0" smtClean="0">
-                <a:solidFill>
-                  <a:schemeClr val="bg1"/>
-                </a:solidFill>
-              </a:rPr>
-              <a:t>CA</a:t>
-            </a:r>
-            <a:endParaRPr lang="en-US" sz="2000" b="1" dirty="0">
-              <a:solidFill>
-                <a:schemeClr val="bg1"/>
-              </a:solidFill>
-            </a:endParaRPr>
-          </a:p>
-        </p:txBody>
-      </p:sp>
-      <p:sp>
-        <p:nvSpPr>
-          <p:cNvPr id="47" name="Folded Corner 46"/>
-          <p:cNvSpPr/>
-          <p:nvPr/>
-        </p:nvSpPr>
-        <p:spPr>
-          <a:xfrm>
-            <a:off x="8510291" y="3138875"/>
-            <a:ext cx="598247" cy="606175"/>
-          </a:xfrm>
-          <a:prstGeom prst="foldedCorner">
-            <a:avLst/>
-          </a:prstGeom>
-          <a:solidFill>
-            <a:srgbClr val="F7ADFF"/>
-          </a:solidFill>
-          <a:ln w="19050" cap="flat" cmpd="sng" algn="ctr">
-            <a:solidFill>
-              <a:srgbClr val="3C75BD"/>
-            </a:solidFill>
-            <a:prstDash val="solid"/>
-          </a:ln>
-          <a:effectLst/>
-        </p:spPr>
-        <p:txBody>
-          <a:bodyPr rtlCol="0" anchor="ctr"/>
-          <a:lstStyle/>
-          <a:p>
-            <a:pPr marL="0" marR="0" lvl="0" indent="0" algn="ctr" defTabSz="457200" eaLnBrk="1" fontAlgn="auto" latinLnBrk="0" hangingPunct="1">
-              <a:lnSpc>
-                <a:spcPct val="100000"/>
-              </a:lnSpc>
-              <a:spcBef>
-                <a:spcPts val="0"/>
-              </a:spcBef>
-              <a:spcAft>
-                <a:spcPts val="0"/>
-              </a:spcAft>
-              <a:buClrTx/>
-              <a:buSzTx/>
-              <a:buFontTx/>
-              <a:buNone/>
-              <a:tabLst/>
-              <a:defRPr/>
-            </a:pPr>
-            <a:r>
-              <a:rPr lang="en-US" sz="2400" b="1" kern="0" dirty="0" err="1">
-                <a:solidFill>
-                  <a:srgbClr val="4372C4"/>
-                </a:solidFill>
-                <a:latin typeface="Arial"/>
-                <a:ea typeface=""/>
-                <a:cs typeface=""/>
-              </a:rPr>
-              <a:t>P</a:t>
-            </a:r>
-            <a:r>
-              <a:rPr lang="en-US" sz="2400" b="1" kern="0" baseline="-25000" noProof="0" dirty="0" smtClean="0">
-                <a:solidFill>
-                  <a:srgbClr val="4372C4"/>
-                </a:solidFill>
-                <a:latin typeface="Arial"/>
-                <a:ea typeface=""/>
-                <a:cs typeface=""/>
-              </a:rPr>
-              <a:t>x</a:t>
-            </a:r>
-            <a:endParaRPr kumimoji="0" lang="en-US" sz="2400" b="1" i="0" u="none" strike="noStrike" kern="0" cap="none" spc="0" normalizeH="0" baseline="-25000" noProof="0" dirty="0" smtClean="0">
-              <a:ln>
-                <a:noFill/>
-              </a:ln>
-              <a:solidFill>
-                <a:srgbClr val="4372C4"/>
-              </a:solidFill>
-              <a:effectLst/>
-              <a:uLnTx/>
-              <a:uFillTx/>
-              <a:latin typeface="Arial"/>
-              <a:ea typeface=""/>
-              <a:cs typeface=""/>
-            </a:endParaRPr>
-          </a:p>
-        </p:txBody>
-      </p:sp>
-      <p:sp>
-        <p:nvSpPr>
-          <p:cNvPr id="7" name="TextBox 6"/>
-          <p:cNvSpPr txBox="1"/>
-          <p:nvPr/>
-        </p:nvSpPr>
-        <p:spPr>
-          <a:xfrm>
-            <a:off x="7872309" y="2620682"/>
-            <a:ext cx="386644" cy="461665"/>
-          </a:xfrm>
-          <a:prstGeom prst="rect">
-            <a:avLst/>
-          </a:prstGeom>
-          <a:noFill/>
-        </p:spPr>
-        <p:txBody>
-          <a:bodyPr wrap="none" rtlCol="0">
-            <a:spAutoFit/>
-          </a:bodyPr>
-          <a:lstStyle/>
-          <a:p>
-            <a:r>
-              <a:rPr lang="en-US" sz="2400" b="1" dirty="0" smtClean="0">
-                <a:solidFill>
-                  <a:schemeClr val="bg1"/>
-                </a:solidFill>
-              </a:rPr>
-              <a:t>N</a:t>
-            </a:r>
-            <a:endParaRPr lang="en-US" sz="2400" b="1" dirty="0">
-              <a:solidFill>
-                <a:schemeClr val="bg1"/>
-              </a:solidFill>
-            </a:endParaRPr>
-          </a:p>
-        </p:txBody>
-      </p:sp>
-      <p:sp>
-        <p:nvSpPr>
-          <p:cNvPr id="49" name="Document 48"/>
-          <p:cNvSpPr/>
-          <p:nvPr/>
-        </p:nvSpPr>
-        <p:spPr>
-          <a:xfrm>
-            <a:off x="10082101" y="3307231"/>
-            <a:ext cx="547666" cy="433746"/>
-          </a:xfrm>
-          <a:prstGeom prst="flowChartDocument">
-            <a:avLst/>
-          </a:prstGeom>
-          <a:solidFill>
-            <a:srgbClr val="A2A1A1"/>
-          </a:solidFill>
-          <a:ln w="19050">
-            <a:solidFill>
-              <a:schemeClr val="tx1">
-                <a:lumMod val="50000"/>
-                <a:lumOff val="50000"/>
-              </a:schemeClr>
-            </a:solidFill>
-          </a:ln>
-        </p:spPr>
-        <p:style>
-          <a:lnRef idx="2">
-            <a:schemeClr val="accent1">
-              <a:shade val="50000"/>
-            </a:schemeClr>
-          </a:lnRef>
-          <a:fillRef idx="1">
-            <a:schemeClr val="accent1"/>
-          </a:fillRef>
-          <a:effectRef idx="0">
-            <a:schemeClr val="accent1"/>
-          </a:effectRef>
-          <a:fontRef idx="minor">
-            <a:schemeClr val="lt1"/>
-          </a:fontRef>
-        </p:style>
-        <p:txBody>
-          <a:bodyPr rtlCol="0" anchor="ctr"/>
-          <a:lstStyle/>
-          <a:p>
-            <a:pPr algn="ctr"/>
-            <a:r>
-              <a:rPr lang="en-US" sz="2400" b="1" dirty="0" smtClean="0">
-                <a:solidFill>
-                  <a:schemeClr val="bg1"/>
-                </a:solidFill>
-              </a:rPr>
-              <a:t>L</a:t>
-            </a:r>
-            <a:endParaRPr lang="en-US" sz="2400" b="1" dirty="0">
-              <a:solidFill>
-                <a:schemeClr val="bg1"/>
-              </a:solidFill>
-            </a:endParaRPr>
-          </a:p>
-        </p:txBody>
-      </p:sp>
-      <p:sp>
-        <p:nvSpPr>
-          <p:cNvPr id="53" name="Rounded Rectangle 52"/>
-          <p:cNvSpPr/>
-          <p:nvPr/>
-        </p:nvSpPr>
-        <p:spPr>
-          <a:xfrm>
-            <a:off x="10494105" y="1562757"/>
-            <a:ext cx="719788" cy="710146"/>
-          </a:xfrm>
-          <a:prstGeom prst="roundRect">
-            <a:avLst/>
-          </a:prstGeom>
-          <a:solidFill>
-            <a:schemeClr val="bg1"/>
-          </a:solidFill>
-          <a:ln w="25400">
-            <a:solidFill>
-              <a:schemeClr val="tx1">
-                <a:lumMod val="50000"/>
-                <a:lumOff val="50000"/>
-              </a:schemeClr>
-            </a:solidFill>
-          </a:ln>
-        </p:spPr>
-        <p:style>
-          <a:lnRef idx="2">
-            <a:schemeClr val="accent1">
-              <a:shade val="50000"/>
-            </a:schemeClr>
-          </a:lnRef>
-          <a:fillRef idx="1">
-            <a:schemeClr val="accent1"/>
-          </a:fillRef>
-          <a:effectRef idx="0">
-            <a:schemeClr val="accent1"/>
-          </a:effectRef>
-          <a:fontRef idx="minor">
-            <a:schemeClr val="lt1"/>
-          </a:fontRef>
-        </p:style>
-        <p:txBody>
-          <a:bodyPr rtlCol="0" anchor="ctr"/>
-          <a:lstStyle/>
-          <a:p>
-            <a:pPr algn="ctr"/>
-            <a:r>
-              <a:rPr lang="en-US" sz="2400" b="1" dirty="0" smtClean="0">
-                <a:solidFill>
-                  <a:schemeClr val="tx1">
-                    <a:lumMod val="50000"/>
-                    <a:lumOff val="50000"/>
-                  </a:schemeClr>
-                </a:solidFill>
-              </a:rPr>
-              <a:t>A</a:t>
-            </a:r>
-            <a:endParaRPr lang="en-US" sz="2400" b="1" dirty="0">
-              <a:solidFill>
-                <a:schemeClr val="tx1">
-                  <a:lumMod val="50000"/>
-                  <a:lumOff val="50000"/>
-                </a:schemeClr>
-              </a:solidFill>
-            </a:endParaRPr>
-          </a:p>
-        </p:txBody>
-      </p:sp>
-      <p:sp>
-        <p:nvSpPr>
-          <p:cNvPr id="38" name="Folded Corner 37"/>
-          <p:cNvSpPr/>
-          <p:nvPr/>
-        </p:nvSpPr>
-        <p:spPr>
-          <a:xfrm>
-            <a:off x="9062769" y="5644696"/>
-            <a:ext cx="426647" cy="432301"/>
-          </a:xfrm>
-          <a:prstGeom prst="foldedCorner">
-            <a:avLst/>
-          </a:prstGeom>
-          <a:solidFill>
-            <a:srgbClr val="F7ADFF"/>
-          </a:solidFill>
-          <a:ln w="19050" cap="flat" cmpd="sng" algn="ctr">
-            <a:solidFill>
-              <a:srgbClr val="3C75BD"/>
-            </a:solidFill>
-            <a:prstDash val="solid"/>
-          </a:ln>
-          <a:effectLst/>
-        </p:spPr>
-        <p:txBody>
-          <a:bodyPr rtlCol="0" anchor="ctr"/>
-          <a:lstStyle/>
-          <a:p>
-            <a:pPr marL="0" marR="0" lvl="0" indent="0" algn="ctr" defTabSz="457200" eaLnBrk="1" fontAlgn="auto" latinLnBrk="0" hangingPunct="1">
-              <a:lnSpc>
-                <a:spcPct val="100000"/>
-              </a:lnSpc>
-              <a:spcBef>
-                <a:spcPts val="0"/>
-              </a:spcBef>
-              <a:spcAft>
-                <a:spcPts val="0"/>
-              </a:spcAft>
-              <a:buClrTx/>
-              <a:buSzTx/>
-              <a:buFontTx/>
-              <a:buNone/>
-              <a:tabLst/>
-              <a:defRPr/>
-            </a:pPr>
-            <a:r>
-              <a:rPr lang="en-US" sz="1600" b="1" kern="0" dirty="0" err="1">
-                <a:solidFill>
-                  <a:srgbClr val="4372C4"/>
-                </a:solidFill>
-                <a:latin typeface="Arial"/>
-                <a:ea typeface=""/>
-                <a:cs typeface=""/>
-              </a:rPr>
-              <a:t>C</a:t>
-            </a:r>
-            <a:r>
-              <a:rPr lang="en-US" sz="1600" b="1" kern="0" baseline="-25000" noProof="0" dirty="0" smtClean="0">
-                <a:solidFill>
-                  <a:srgbClr val="4372C4"/>
-                </a:solidFill>
-                <a:latin typeface="Arial"/>
-                <a:ea typeface=""/>
-                <a:cs typeface=""/>
-              </a:rPr>
-              <a:t>x</a:t>
-            </a:r>
-            <a:endParaRPr kumimoji="0" lang="en-US" sz="1600" b="1" i="0" u="none" strike="noStrike" kern="0" cap="none" spc="0" normalizeH="0" baseline="-25000" noProof="0" dirty="0" smtClean="0">
-              <a:ln>
-                <a:noFill/>
-              </a:ln>
-              <a:solidFill>
-                <a:srgbClr val="4372C4"/>
-              </a:solidFill>
-              <a:effectLst/>
-              <a:uLnTx/>
-              <a:uFillTx/>
-              <a:latin typeface="Arial"/>
-              <a:ea typeface=""/>
-              <a:cs typeface=""/>
-            </a:endParaRPr>
-          </a:p>
-        </p:txBody>
-      </p:sp>
-      <p:sp>
-        <p:nvSpPr>
-          <p:cNvPr id="50" name="Rounded Rectangle 49"/>
-          <p:cNvSpPr/>
-          <p:nvPr/>
-        </p:nvSpPr>
-        <p:spPr>
-          <a:xfrm>
-            <a:off x="10387277" y="2851515"/>
-            <a:ext cx="595004" cy="549201"/>
-          </a:xfrm>
-          <a:prstGeom prst="roundRect">
-            <a:avLst/>
-          </a:prstGeom>
-          <a:solidFill>
-            <a:srgbClr val="A2A1A1"/>
-          </a:solidFill>
-          <a:ln w="28575" cmpd="sng">
-            <a:solidFill>
-              <a:schemeClr val="tx1">
-                <a:lumMod val="50000"/>
-                <a:lumOff val="50000"/>
-              </a:schemeClr>
-            </a:solidFill>
-          </a:ln>
-          <a:effectLst/>
-        </p:spPr>
-        <p:style>
-          <a:lnRef idx="1">
-            <a:schemeClr val="accent1"/>
-          </a:lnRef>
-          <a:fillRef idx="3">
-            <a:schemeClr val="accent1"/>
-          </a:fillRef>
-          <a:effectRef idx="2">
-            <a:schemeClr val="accent1"/>
-          </a:effectRef>
-          <a:fontRef idx="minor">
-            <a:schemeClr val="lt1"/>
-          </a:fontRef>
-        </p:style>
-        <p:txBody>
-          <a:bodyPr rtlCol="0" anchor="ctr"/>
-          <a:lstStyle/>
-          <a:p>
-            <a:pPr algn="ctr"/>
-            <a:r>
-              <a:rPr lang="en-US" sz="2400" b="1" dirty="0" smtClean="0">
-                <a:solidFill>
-                  <a:schemeClr val="bg1"/>
-                </a:solidFill>
-                <a:ea typeface="Arial" charset="0"/>
-                <a:cs typeface="Arial" charset="0"/>
-              </a:rPr>
-              <a:t>S</a:t>
-            </a:r>
-            <a:endParaRPr lang="en-US" sz="2400" b="1" dirty="0">
-              <a:solidFill>
-                <a:schemeClr val="bg1"/>
-              </a:solidFill>
-              <a:ea typeface="Arial" charset="0"/>
-              <a:cs typeface="Arial" charset="0"/>
-            </a:endParaRPr>
-          </a:p>
-        </p:txBody>
-      </p:sp>
-      <p:grpSp>
-        <p:nvGrpSpPr>
-          <p:cNvPr id="16" name="Group 15"/>
-          <p:cNvGrpSpPr/>
-          <p:nvPr/>
-        </p:nvGrpSpPr>
-        <p:grpSpPr>
-          <a:xfrm>
-            <a:off x="8337636" y="3774510"/>
-            <a:ext cx="2932732" cy="1822626"/>
-            <a:chOff x="7560884" y="3892494"/>
-            <a:chExt cx="2932732" cy="1822626"/>
-          </a:xfrm>
-        </p:grpSpPr>
-        <p:grpSp>
-          <p:nvGrpSpPr>
-            <p:cNvPr id="8" name="Group 7"/>
-            <p:cNvGrpSpPr/>
-            <p:nvPr/>
-          </p:nvGrpSpPr>
-          <p:grpSpPr>
-            <a:xfrm>
-              <a:off x="9121737" y="4786249"/>
-              <a:ext cx="162001" cy="850933"/>
-              <a:chOff x="8866099" y="4786249"/>
-              <a:chExt cx="162001" cy="850933"/>
-            </a:xfrm>
-          </p:grpSpPr>
-          <p:sp>
-            <p:nvSpPr>
-              <p:cNvPr id="124" name="Oval 123"/>
-              <p:cNvSpPr/>
-              <p:nvPr/>
-            </p:nvSpPr>
-            <p:spPr>
-              <a:xfrm flipH="1" flipV="1">
-                <a:off x="8866099" y="4786249"/>
-                <a:ext cx="162001" cy="162001"/>
-              </a:xfrm>
-              <a:prstGeom prst="ellipse">
-                <a:avLst/>
-              </a:prstGeom>
-              <a:solidFill>
-                <a:srgbClr val="FF0000"/>
-              </a:solidFill>
-              <a:ln w="25400" cmpd="sng">
-                <a:solidFill>
-                  <a:srgbClr val="FF0000"/>
-                </a:solidFill>
-              </a:ln>
-              <a:effectLst>
-                <a:outerShdw blurRad="50800" dist="38100" dir="2700000" algn="tl" rotWithShape="0">
-                  <a:prstClr val="black">
-                    <a:alpha val="40000"/>
-                  </a:prstClr>
-                </a:outerShdw>
-              </a:effectLst>
-            </p:spPr>
-            <p:style>
-              <a:lnRef idx="1">
-                <a:schemeClr val="accent1"/>
-              </a:lnRef>
-              <a:fillRef idx="3">
-                <a:schemeClr val="accent1"/>
-              </a:fillRef>
-              <a:effectRef idx="2">
-                <a:schemeClr val="accent1"/>
-              </a:effectRef>
-              <a:fontRef idx="minor">
-                <a:schemeClr val="lt1"/>
-              </a:fontRef>
-            </p:style>
-            <p:txBody>
-              <a:bodyPr rtlCol="0" anchor="ctr"/>
-              <a:lstStyle/>
-              <a:p>
-                <a:pPr algn="ctr"/>
-                <a:endParaRPr lang="en-GB" sz="1000">
-                  <a:solidFill>
-                    <a:srgbClr val="000000"/>
-                  </a:solidFill>
-                </a:endParaRPr>
-              </a:p>
-            </p:txBody>
-          </p:sp>
-          <p:cxnSp>
-            <p:nvCxnSpPr>
-              <p:cNvPr id="125" name="Straight Connector 124"/>
-              <p:cNvCxnSpPr>
-                <a:stCxn id="124" idx="0"/>
-              </p:cNvCxnSpPr>
-              <p:nvPr/>
-            </p:nvCxnSpPr>
-            <p:spPr>
-              <a:xfrm>
-                <a:off x="8947099" y="4948250"/>
-                <a:ext cx="0" cy="688932"/>
-              </a:xfrm>
-              <a:prstGeom prst="line">
-                <a:avLst/>
-              </a:prstGeom>
-              <a:solidFill>
-                <a:srgbClr val="4372C4"/>
-              </a:solidFill>
-              <a:ln w="38100" cap="flat" cmpd="sng" algn="ctr">
-                <a:solidFill>
-                  <a:srgbClr val="FF0000"/>
-                </a:solidFill>
-                <a:prstDash val="solid"/>
-                <a:tailEnd type="none"/>
-              </a:ln>
-              <a:effectLst>
-                <a:outerShdw blurRad="40000" dist="20000" dir="5400000" rotWithShape="0">
-                  <a:srgbClr val="000000">
-                    <a:alpha val="38000"/>
-                  </a:srgbClr>
-                </a:outerShdw>
-              </a:effectLst>
-            </p:spPr>
-          </p:cxnSp>
-        </p:grpSp>
-        <p:grpSp>
-          <p:nvGrpSpPr>
-            <p:cNvPr id="14" name="Group 13"/>
-            <p:cNvGrpSpPr/>
-            <p:nvPr/>
-          </p:nvGrpSpPr>
-          <p:grpSpPr>
-            <a:xfrm>
-              <a:off x="7560884" y="5253455"/>
-              <a:ext cx="2932732" cy="461665"/>
-              <a:chOff x="7560884" y="5253455"/>
-              <a:chExt cx="2932732" cy="461665"/>
-            </a:xfrm>
-          </p:grpSpPr>
-          <p:cxnSp>
-            <p:nvCxnSpPr>
-              <p:cNvPr id="126" name="Straight Connector 125"/>
-              <p:cNvCxnSpPr/>
-              <p:nvPr/>
-            </p:nvCxnSpPr>
-            <p:spPr>
-              <a:xfrm flipV="1">
-                <a:off x="7560884" y="5655209"/>
-                <a:ext cx="2932732" cy="3949"/>
-              </a:xfrm>
-              <a:prstGeom prst="line">
-                <a:avLst/>
-              </a:prstGeom>
-              <a:solidFill>
-                <a:srgbClr val="4372C4"/>
-              </a:solidFill>
-              <a:ln w="38100" cap="flat" cmpd="sng" algn="ctr">
-                <a:solidFill>
-                  <a:srgbClr val="FF0000"/>
-                </a:solidFill>
-                <a:prstDash val="solid"/>
-                <a:tailEnd type="none"/>
-              </a:ln>
-              <a:effectLst>
-                <a:outerShdw blurRad="40000" dist="20000" dir="5400000" rotWithShape="0">
-                  <a:srgbClr val="000000">
-                    <a:alpha val="38000"/>
-                  </a:srgbClr>
-                </a:outerShdw>
-              </a:effectLst>
-            </p:spPr>
-          </p:cxnSp>
-          <p:sp>
-            <p:nvSpPr>
-              <p:cNvPr id="6" name="TextBox 5"/>
-              <p:cNvSpPr txBox="1"/>
-              <p:nvPr/>
-            </p:nvSpPr>
-            <p:spPr>
-              <a:xfrm>
-                <a:off x="9443354" y="5253455"/>
-                <a:ext cx="513282" cy="461665"/>
-              </a:xfrm>
-              <a:prstGeom prst="rect">
-                <a:avLst/>
-              </a:prstGeom>
-              <a:noFill/>
-            </p:spPr>
-            <p:txBody>
-              <a:bodyPr wrap="none" rtlCol="0">
-                <a:spAutoFit/>
-              </a:bodyPr>
-              <a:lstStyle/>
-              <a:p>
-                <a:r>
-                  <a:rPr lang="en-US" sz="2400" b="1" dirty="0" err="1" smtClean="0">
-                    <a:solidFill>
-                      <a:srgbClr val="FF0000"/>
-                    </a:solidFill>
-                  </a:rPr>
-                  <a:t>Ch</a:t>
-                </a:r>
-                <a:endParaRPr lang="en-US" sz="2400" b="1" dirty="0">
-                  <a:solidFill>
-                    <a:srgbClr val="FF0000"/>
-                  </a:solidFill>
-                </a:endParaRPr>
-              </a:p>
-            </p:txBody>
-          </p:sp>
-        </p:grpSp>
-        <p:grpSp>
-          <p:nvGrpSpPr>
-            <p:cNvPr id="13" name="Group 12"/>
-            <p:cNvGrpSpPr/>
-            <p:nvPr/>
-          </p:nvGrpSpPr>
-          <p:grpSpPr>
-            <a:xfrm>
-              <a:off x="9982323" y="3892494"/>
-              <a:ext cx="162001" cy="1762715"/>
-              <a:chOff x="9982323" y="3892494"/>
-              <a:chExt cx="162001" cy="1762715"/>
-            </a:xfrm>
-          </p:grpSpPr>
-          <p:cxnSp>
-            <p:nvCxnSpPr>
-              <p:cNvPr id="199" name="Straight Connector 198"/>
-              <p:cNvCxnSpPr>
-                <a:stCxn id="198" idx="0"/>
-              </p:cNvCxnSpPr>
-              <p:nvPr/>
-            </p:nvCxnSpPr>
-            <p:spPr>
-              <a:xfrm flipH="1">
-                <a:off x="10063323" y="4054495"/>
-                <a:ext cx="1" cy="1600714"/>
-              </a:xfrm>
-              <a:prstGeom prst="line">
-                <a:avLst/>
-              </a:prstGeom>
-              <a:solidFill>
-                <a:srgbClr val="4372C4"/>
-              </a:solidFill>
-              <a:ln w="38100" cap="flat" cmpd="sng" algn="ctr">
-                <a:solidFill>
-                  <a:srgbClr val="FF0000"/>
-                </a:solidFill>
-                <a:prstDash val="solid"/>
-                <a:tailEnd type="none"/>
-              </a:ln>
-              <a:effectLst>
-                <a:outerShdw blurRad="40000" dist="20000" dir="5400000" rotWithShape="0">
-                  <a:srgbClr val="000000">
-                    <a:alpha val="38000"/>
-                  </a:srgbClr>
-                </a:outerShdw>
-              </a:effectLst>
-            </p:spPr>
-          </p:cxnSp>
-          <p:sp>
-            <p:nvSpPr>
-              <p:cNvPr id="198" name="Oval 197"/>
-              <p:cNvSpPr/>
-              <p:nvPr/>
-            </p:nvSpPr>
-            <p:spPr>
-              <a:xfrm flipV="1">
-                <a:off x="9982323" y="3892494"/>
-                <a:ext cx="162001" cy="162001"/>
-              </a:xfrm>
-              <a:prstGeom prst="ellipse">
-                <a:avLst/>
-              </a:prstGeom>
-              <a:solidFill>
-                <a:srgbClr val="FF0000"/>
-              </a:solidFill>
-              <a:ln w="25400" cmpd="sng">
-                <a:solidFill>
-                  <a:srgbClr val="FF0000"/>
-                </a:solidFill>
-              </a:ln>
-              <a:effectLst>
-                <a:outerShdw blurRad="50800" dist="38100" dir="2700000" algn="tl" rotWithShape="0">
-                  <a:prstClr val="black">
-                    <a:alpha val="40000"/>
-                  </a:prstClr>
-                </a:outerShdw>
-              </a:effectLst>
-            </p:spPr>
-            <p:style>
-              <a:lnRef idx="1">
-                <a:schemeClr val="accent1"/>
-              </a:lnRef>
-              <a:fillRef idx="3">
-                <a:schemeClr val="accent1"/>
-              </a:fillRef>
-              <a:effectRef idx="2">
-                <a:schemeClr val="accent1"/>
-              </a:effectRef>
-              <a:fontRef idx="minor">
-                <a:schemeClr val="lt1"/>
-              </a:fontRef>
-            </p:style>
-            <p:txBody>
-              <a:bodyPr rtlCol="0" anchor="ctr"/>
-              <a:lstStyle/>
-              <a:p>
-                <a:pPr algn="ctr"/>
-                <a:endParaRPr lang="en-GB" sz="1000">
-                  <a:solidFill>
-                    <a:srgbClr val="000000"/>
-                  </a:solidFill>
-                </a:endParaRPr>
-              </a:p>
-            </p:txBody>
-          </p:sp>
-        </p:grpSp>
-      </p:grpSp>
-      <p:sp>
-        <p:nvSpPr>
-          <p:cNvPr id="44" name="TextBox 43"/>
-          <p:cNvSpPr txBox="1"/>
-          <p:nvPr/>
-        </p:nvSpPr>
-        <p:spPr>
-          <a:xfrm>
-            <a:off x="11551208" y="6180613"/>
-            <a:ext cx="358515" cy="523220"/>
-          </a:xfrm>
-          <a:prstGeom prst="rect">
-            <a:avLst/>
-          </a:prstGeom>
-          <a:noFill/>
-        </p:spPr>
-        <p:txBody>
-          <a:bodyPr wrap="square" rtlCol="0">
-            <a:spAutoFit/>
-          </a:bodyPr>
-          <a:lstStyle/>
-          <a:p>
-            <a:r>
-              <a:rPr lang="en-US" sz="2800" smtClean="0">
-                <a:solidFill>
-                  <a:schemeClr val="accent1"/>
-                </a:solidFill>
-              </a:rPr>
-              <a:t>✓</a:t>
-            </a:r>
-            <a:endParaRPr lang="en-US" sz="2800" dirty="0">
-              <a:solidFill>
-                <a:schemeClr val="accent1"/>
-              </a:solidFill>
-            </a:endParaRPr>
-          </a:p>
-        </p:txBody>
-      </p:sp>
-      <p:grpSp>
-        <p:nvGrpSpPr>
-          <p:cNvPr id="5" name="Group 4"/>
-          <p:cNvGrpSpPr/>
-          <p:nvPr/>
-        </p:nvGrpSpPr>
-        <p:grpSpPr>
-          <a:xfrm>
-            <a:off x="8729184" y="3887443"/>
-            <a:ext cx="667170" cy="606175"/>
-            <a:chOff x="8892459" y="4245871"/>
-            <a:chExt cx="667170" cy="606175"/>
-          </a:xfrm>
-        </p:grpSpPr>
-        <p:sp>
-          <p:nvSpPr>
-            <p:cNvPr id="48" name="Folded Corner 47"/>
-            <p:cNvSpPr/>
-            <p:nvPr/>
-          </p:nvSpPr>
-          <p:spPr>
-            <a:xfrm>
-              <a:off x="8918103" y="4245871"/>
-              <a:ext cx="598247" cy="606175"/>
-            </a:xfrm>
-            <a:prstGeom prst="foldedCorner">
-              <a:avLst/>
-            </a:prstGeom>
-            <a:solidFill>
-              <a:srgbClr val="F7ADFF"/>
-            </a:solidFill>
-            <a:ln w="19050" cap="flat" cmpd="sng" algn="ctr">
-              <a:solidFill>
-                <a:srgbClr val="3C75BD"/>
-              </a:solidFill>
-              <a:prstDash val="solid"/>
-            </a:ln>
-            <a:effectLst/>
-          </p:spPr>
-          <p:txBody>
-            <a:bodyPr rtlCol="0" anchor="ctr"/>
-            <a:lstStyle/>
-            <a:p>
-              <a:pPr marL="0" marR="0" lvl="0" indent="0" algn="ctr" defTabSz="457200" eaLnBrk="1" fontAlgn="auto" latinLnBrk="0" hangingPunct="1">
-                <a:lnSpc>
-                  <a:spcPct val="100000"/>
-                </a:lnSpc>
-                <a:spcBef>
-                  <a:spcPts val="0"/>
-                </a:spcBef>
-                <a:spcAft>
-                  <a:spcPts val="0"/>
-                </a:spcAft>
-                <a:buClrTx/>
-                <a:buSzTx/>
-                <a:buFontTx/>
-                <a:buNone/>
-                <a:tabLst/>
-                <a:defRPr/>
-              </a:pPr>
-              <a:endParaRPr kumimoji="0" lang="en-US" sz="1600" b="1" i="0" u="none" strike="noStrike" kern="0" cap="none" spc="0" normalizeH="0" baseline="-25000" noProof="0" dirty="0" smtClean="0">
-                <a:ln>
-                  <a:noFill/>
-                </a:ln>
-                <a:solidFill>
-                  <a:srgbClr val="4372C4"/>
-                </a:solidFill>
-                <a:effectLst/>
-                <a:uLnTx/>
-                <a:uFillTx/>
-                <a:latin typeface="Arial"/>
-                <a:ea typeface=""/>
-                <a:cs typeface=""/>
-              </a:endParaRPr>
-            </a:p>
-          </p:txBody>
-        </p:sp>
-        <p:sp>
-          <p:nvSpPr>
-            <p:cNvPr id="42" name="TextBox 41"/>
-            <p:cNvSpPr txBox="1"/>
-            <p:nvPr/>
-          </p:nvSpPr>
-          <p:spPr>
-            <a:xfrm>
-              <a:off x="8892459" y="4339927"/>
-              <a:ext cx="667170" cy="400110"/>
-            </a:xfrm>
-            <a:prstGeom prst="rect">
-              <a:avLst/>
-            </a:prstGeom>
-            <a:noFill/>
-          </p:spPr>
-          <p:txBody>
-            <a:bodyPr wrap="none" rtlCol="0">
-              <a:spAutoFit/>
-            </a:bodyPr>
-            <a:lstStyle/>
-            <a:p>
-              <a:r>
-                <a:rPr lang="en-US" sz="2000" b="1" dirty="0" smtClean="0">
-                  <a:solidFill>
-                    <a:srgbClr val="4372C4"/>
-                  </a:solidFill>
-                </a:rPr>
-                <a:t>MSP</a:t>
-              </a:r>
-              <a:endParaRPr lang="en-US" sz="2000" b="1" dirty="0">
-                <a:solidFill>
-                  <a:srgbClr val="4372C4"/>
-                </a:solidFill>
-              </a:endParaRPr>
-            </a:p>
-          </p:txBody>
-        </p:sp>
-      </p:grpSp>
-    </p:spTree>
-    <p:extLst>
-      <p:ext uri="{BB962C8B-B14F-4D97-AF65-F5344CB8AC3E}">
-        <p14:creationId xmlns:p14="http://schemas.microsoft.com/office/powerpoint/2010/main" val="1076628657"/>
-      </p:ext>
-    </p:extLst>
-  </p:cSld>
-  <p:clrMapOvr>
-    <a:masterClrMapping/>
-  </p:clrMapOvr>
-  <p:timing>
-    <p:tnLst>
-      <p:par>
-        <p:cTn id="1" dur="indefinite" restart="never" nodeType="tmRoot">
-          <p:childTnLst>
-            <p:seq concurrent="1" nextAc="seek">
-              <p:cTn id="2" dur="indefinite" nodeType="mainSeq">
-                <p:childTnLst>
-                  <p:par>
-                    <p:cTn id="3" fill="hold">
-                      <p:stCondLst>
-                        <p:cond delay="indefinite"/>
-                      </p:stCondLst>
-                      <p:childTnLst>
-                        <p:par>
-                          <p:cTn id="4" fill="hold">
-                            <p:stCondLst>
-                              <p:cond delay="0"/>
-                            </p:stCondLst>
-                            <p:childTnLst>
-                              <p:par>
-                                <p:cTn id="5" presetID="1" presetClass="entr" presetSubtype="0" fill="hold" nodeType="clickEffect">
-                                  <p:stCondLst>
-                                    <p:cond delay="0"/>
-                                  </p:stCondLst>
-                                  <p:childTnLst>
-                                    <p:set>
-                                      <p:cBhvr>
-                                        <p:cTn id="6" dur="1" fill="hold">
-                                          <p:stCondLst>
-                                            <p:cond delay="0"/>
-                                          </p:stCondLst>
-                                        </p:cTn>
-                                        <p:tgtEl>
-                                          <p:spTgt spid="161">
-                                            <p:txEl>
-                                              <p:pRg st="2" end="2"/>
-                                            </p:txEl>
-                                          </p:spTgt>
-                                        </p:tgtEl>
-                                        <p:attrNameLst>
-                                          <p:attrName>style.visibility</p:attrName>
-                                        </p:attrNameLst>
-                                      </p:cBhvr>
-                                      <p:to>
-                                        <p:strVal val="visible"/>
-                                      </p:to>
-                                    </p:set>
-                                  </p:childTnLst>
-                                </p:cTn>
-                              </p:par>
-                            </p:childTnLst>
-                          </p:cTn>
-                        </p:par>
-                      </p:childTnLst>
-                    </p:cTn>
-                  </p:par>
-                  <p:par>
-                    <p:cTn id="7" fill="hold">
-                      <p:stCondLst>
-                        <p:cond delay="indefinite"/>
-                      </p:stCondLst>
-                      <p:childTnLst>
-                        <p:par>
-                          <p:cTn id="8" fill="hold">
-                            <p:stCondLst>
-                              <p:cond delay="0"/>
-                            </p:stCondLst>
-                            <p:childTnLst>
-                              <p:par>
-                                <p:cTn id="9" presetID="1" presetClass="entr" presetSubtype="0" fill="hold" nodeType="clickEffect">
-                                  <p:stCondLst>
-                                    <p:cond delay="0"/>
-                                  </p:stCondLst>
-                                  <p:childTnLst>
-                                    <p:set>
-                                      <p:cBhvr>
-                                        <p:cTn id="10" dur="1" fill="hold">
-                                          <p:stCondLst>
-                                            <p:cond delay="0"/>
-                                          </p:stCondLst>
-                                        </p:cTn>
-                                        <p:tgtEl>
-                                          <p:spTgt spid="161">
-                                            <p:txEl>
-                                              <p:pRg st="3" end="3"/>
-                                            </p:txEl>
-                                          </p:spTgt>
-                                        </p:tgtEl>
-                                        <p:attrNameLst>
-                                          <p:attrName>style.visibility</p:attrName>
-                                        </p:attrNameLst>
-                                      </p:cBhvr>
-                                      <p:to>
-                                        <p:strVal val="visible"/>
-                                      </p:to>
-                                    </p:set>
-                                  </p:childTnLst>
-                                </p:cTn>
-                              </p:par>
-                              <p:par>
-                                <p:cTn id="11" presetID="1" presetClass="entr" presetSubtype="0" fill="hold" grpId="0" nodeType="withEffect">
-                                  <p:stCondLst>
-                                    <p:cond delay="0"/>
-                                  </p:stCondLst>
-                                  <p:childTnLst>
-                                    <p:set>
-                                      <p:cBhvr>
-                                        <p:cTn id="12" dur="1" fill="hold">
-                                          <p:stCondLst>
-                                            <p:cond delay="0"/>
-                                          </p:stCondLst>
-                                        </p:cTn>
-                                        <p:tgtEl>
-                                          <p:spTgt spid="47"/>
-                                        </p:tgtEl>
-                                        <p:attrNameLst>
-                                          <p:attrName>style.visibility</p:attrName>
-                                        </p:attrNameLst>
-                                      </p:cBhvr>
-                                      <p:to>
-                                        <p:strVal val="visible"/>
-                                      </p:to>
-                                    </p:set>
-                                  </p:childTnLst>
-                                </p:cTn>
-                              </p:par>
-                            </p:childTnLst>
-                          </p:cTn>
-                        </p:par>
-                      </p:childTnLst>
-                    </p:cTn>
-                  </p:par>
-                  <p:par>
-                    <p:cTn id="13" fill="hold">
-                      <p:stCondLst>
-                        <p:cond delay="indefinite"/>
-                      </p:stCondLst>
-                      <p:childTnLst>
-                        <p:par>
-                          <p:cTn id="14" fill="hold">
-                            <p:stCondLst>
-                              <p:cond delay="0"/>
-                            </p:stCondLst>
-                            <p:childTnLst>
-                              <p:par>
-                                <p:cTn id="15" presetID="1" presetClass="entr" presetSubtype="0" fill="hold" grpId="0" nodeType="clickEffect">
-                                  <p:stCondLst>
-                                    <p:cond delay="0"/>
-                                  </p:stCondLst>
-                                  <p:childTnLst>
-                                    <p:set>
-                                      <p:cBhvr>
-                                        <p:cTn id="16" dur="1" fill="hold">
-                                          <p:stCondLst>
-                                            <p:cond delay="0"/>
-                                          </p:stCondLst>
-                                        </p:cTn>
-                                        <p:tgtEl>
-                                          <p:spTgt spid="162"/>
-                                        </p:tgtEl>
-                                        <p:attrNameLst>
-                                          <p:attrName>style.visibility</p:attrName>
-                                        </p:attrNameLst>
-                                      </p:cBhvr>
-                                      <p:to>
-                                        <p:strVal val="visible"/>
-                                      </p:to>
-                                    </p:set>
-                                  </p:childTnLst>
-                                </p:cTn>
-                              </p:par>
-                            </p:childTnLst>
-                          </p:cTn>
-                        </p:par>
-                      </p:childTnLst>
-                    </p:cTn>
-                  </p:par>
-                  <p:par>
-                    <p:cTn id="17" fill="hold">
-                      <p:stCondLst>
-                        <p:cond delay="indefinite"/>
-                      </p:stCondLst>
-                      <p:childTnLst>
-                        <p:par>
-                          <p:cTn id="18" fill="hold">
-                            <p:stCondLst>
-                              <p:cond delay="0"/>
-                            </p:stCondLst>
-                            <p:childTnLst>
-                              <p:par>
-                                <p:cTn id="19" presetID="1" presetClass="entr" presetSubtype="0" fill="hold" grpId="0" nodeType="clickEffect">
-                                  <p:stCondLst>
-                                    <p:cond delay="0"/>
-                                  </p:stCondLst>
-                                  <p:childTnLst>
-                                    <p:set>
-                                      <p:cBhvr>
-                                        <p:cTn id="20" dur="1" fill="hold">
-                                          <p:stCondLst>
-                                            <p:cond delay="0"/>
-                                          </p:stCondLst>
-                                        </p:cTn>
-                                        <p:tgtEl>
-                                          <p:spTgt spid="64"/>
-                                        </p:tgtEl>
-                                        <p:attrNameLst>
-                                          <p:attrName>style.visibility</p:attrName>
-                                        </p:attrNameLst>
-                                      </p:cBhvr>
-                                      <p:to>
-                                        <p:strVal val="visible"/>
-                                      </p:to>
-                                    </p:set>
-                                  </p:childTnLst>
-                                </p:cTn>
-                              </p:par>
-                              <p:par>
-                                <p:cTn id="21" presetID="1" presetClass="entr" presetSubtype="0" fill="hold" nodeType="withEffect">
-                                  <p:stCondLst>
-                                    <p:cond delay="0"/>
-                                  </p:stCondLst>
-                                  <p:childTnLst>
-                                    <p:set>
-                                      <p:cBhvr>
-                                        <p:cTn id="22" dur="1" fill="hold">
-                                          <p:stCondLst>
-                                            <p:cond delay="0"/>
-                                          </p:stCondLst>
-                                        </p:cTn>
-                                        <p:tgtEl>
-                                          <p:spTgt spid="161">
-                                            <p:txEl>
-                                              <p:pRg st="4" end="4"/>
-                                            </p:txEl>
-                                          </p:spTgt>
-                                        </p:tgtEl>
-                                        <p:attrNameLst>
-                                          <p:attrName>style.visibility</p:attrName>
-                                        </p:attrNameLst>
-                                      </p:cBhvr>
-                                      <p:to>
-                                        <p:strVal val="visible"/>
-                                      </p:to>
-                                    </p:set>
-                                  </p:childTnLst>
-                                </p:cTn>
-                              </p:par>
-                            </p:childTnLst>
-                          </p:cTn>
-                        </p:par>
-                      </p:childTnLst>
-                    </p:cTn>
-                  </p:par>
-                  <p:par>
-                    <p:cTn id="23" fill="hold">
-                      <p:stCondLst>
-                        <p:cond delay="indefinite"/>
-                      </p:stCondLst>
-                      <p:childTnLst>
-                        <p:par>
-                          <p:cTn id="24" fill="hold">
-                            <p:stCondLst>
-                              <p:cond delay="0"/>
-                            </p:stCondLst>
-                            <p:childTnLst>
-                              <p:par>
-                                <p:cTn id="25" presetID="1" presetClass="entr" presetSubtype="0" fill="hold" nodeType="clickEffect">
-                                  <p:stCondLst>
-                                    <p:cond delay="0"/>
-                                  </p:stCondLst>
-                                  <p:childTnLst>
-                                    <p:set>
-                                      <p:cBhvr>
-                                        <p:cTn id="26" dur="1" fill="hold">
-                                          <p:stCondLst>
-                                            <p:cond delay="0"/>
-                                          </p:stCondLst>
-                                        </p:cTn>
-                                        <p:tgtEl>
-                                          <p:spTgt spid="161">
-                                            <p:txEl>
-                                              <p:pRg st="5" end="5"/>
-                                            </p:txEl>
-                                          </p:spTgt>
-                                        </p:tgtEl>
-                                        <p:attrNameLst>
-                                          <p:attrName>style.visibility</p:attrName>
-                                        </p:attrNameLst>
-                                      </p:cBhvr>
-                                      <p:to>
-                                        <p:strVal val="visible"/>
-                                      </p:to>
-                                    </p:set>
-                                  </p:childTnLst>
-                                </p:cTn>
-                              </p:par>
-                              <p:par>
-                                <p:cTn id="27" presetID="1" presetClass="entr" presetSubtype="0" fill="hold" nodeType="withEffect">
-                                  <p:stCondLst>
-                                    <p:cond delay="0"/>
-                                  </p:stCondLst>
-                                  <p:childTnLst>
-                                    <p:set>
-                                      <p:cBhvr>
-                                        <p:cTn id="28" dur="1" fill="hold">
-                                          <p:stCondLst>
-                                            <p:cond delay="0"/>
-                                          </p:stCondLst>
-                                        </p:cTn>
-                                        <p:tgtEl>
-                                          <p:spTgt spid="16"/>
-                                        </p:tgtEl>
-                                        <p:attrNameLst>
-                                          <p:attrName>style.visibility</p:attrName>
-                                        </p:attrNameLst>
-                                      </p:cBhvr>
-                                      <p:to>
-                                        <p:strVal val="visible"/>
-                                      </p:to>
-                                    </p:set>
-                                  </p:childTnLst>
-                                </p:cTn>
-                              </p:par>
-                            </p:childTnLst>
-                          </p:cTn>
-                        </p:par>
-                      </p:childTnLst>
-                    </p:cTn>
-                  </p:par>
-                  <p:par>
-                    <p:cTn id="29" fill="hold">
-                      <p:stCondLst>
-                        <p:cond delay="indefinite"/>
-                      </p:stCondLst>
-                      <p:childTnLst>
-                        <p:par>
-                          <p:cTn id="30" fill="hold">
-                            <p:stCondLst>
-                              <p:cond delay="0"/>
-                            </p:stCondLst>
-                            <p:childTnLst>
-                              <p:par>
-                                <p:cTn id="31" presetID="1" presetClass="entr" presetSubtype="0" fill="hold" grpId="0" nodeType="clickEffect">
-                                  <p:stCondLst>
-                                    <p:cond delay="0"/>
-                                  </p:stCondLst>
-                                  <p:childTnLst>
-                                    <p:set>
-                                      <p:cBhvr>
-                                        <p:cTn id="32" dur="1" fill="hold">
-                                          <p:stCondLst>
-                                            <p:cond delay="0"/>
-                                          </p:stCondLst>
-                                        </p:cTn>
-                                        <p:tgtEl>
-                                          <p:spTgt spid="38"/>
-                                        </p:tgtEl>
-                                        <p:attrNameLst>
-                                          <p:attrName>style.visibility</p:attrName>
-                                        </p:attrNameLst>
-                                      </p:cBhvr>
-                                      <p:to>
-                                        <p:strVal val="visible"/>
-                                      </p:to>
-                                    </p:set>
-                                  </p:childTnLst>
-                                </p:cTn>
-                              </p:par>
-                              <p:par>
-                                <p:cTn id="33" presetID="1" presetClass="entr" presetSubtype="0" fill="hold" nodeType="withEffect">
-                                  <p:stCondLst>
-                                    <p:cond delay="0"/>
-                                  </p:stCondLst>
-                                  <p:childTnLst>
-                                    <p:set>
-                                      <p:cBhvr>
-                                        <p:cTn id="34" dur="1" fill="hold">
-                                          <p:stCondLst>
-                                            <p:cond delay="0"/>
-                                          </p:stCondLst>
-                                        </p:cTn>
-                                        <p:tgtEl>
-                                          <p:spTgt spid="161">
-                                            <p:txEl>
-                                              <p:pRg st="6" end="6"/>
-                                            </p:txEl>
-                                          </p:spTgt>
-                                        </p:tgtEl>
-                                        <p:attrNameLst>
-                                          <p:attrName>style.visibility</p:attrName>
-                                        </p:attrNameLst>
-                                      </p:cBhvr>
-                                      <p:to>
-                                        <p:strVal val="visible"/>
-                                      </p:to>
-                                    </p:set>
-                                  </p:childTnLst>
-                                </p:cTn>
-                              </p:par>
-                            </p:childTnLst>
-                          </p:cTn>
-                        </p:par>
-                      </p:childTnLst>
-                    </p:cTn>
-                  </p:par>
-                  <p:par>
-                    <p:cTn id="35" fill="hold">
-                      <p:stCondLst>
-                        <p:cond delay="indefinite"/>
-                      </p:stCondLst>
-                      <p:childTnLst>
-                        <p:par>
-                          <p:cTn id="36" fill="hold">
-                            <p:stCondLst>
-                              <p:cond delay="0"/>
-                            </p:stCondLst>
-                            <p:childTnLst>
-                              <p:par>
-                                <p:cTn id="37" presetID="1" presetClass="entr" presetSubtype="0" fill="hold" nodeType="clickEffect">
-                                  <p:stCondLst>
-                                    <p:cond delay="0"/>
-                                  </p:stCondLst>
-                                  <p:childTnLst>
-                                    <p:set>
-                                      <p:cBhvr>
-                                        <p:cTn id="38" dur="1" fill="hold">
-                                          <p:stCondLst>
-                                            <p:cond delay="0"/>
-                                          </p:stCondLst>
-                                        </p:cTn>
-                                        <p:tgtEl>
-                                          <p:spTgt spid="161">
-                                            <p:txEl>
-                                              <p:pRg st="7" end="7"/>
-                                            </p:txEl>
-                                          </p:spTgt>
-                                        </p:tgtEl>
-                                        <p:attrNameLst>
-                                          <p:attrName>style.visibility</p:attrName>
-                                        </p:attrNameLst>
-                                      </p:cBhvr>
-                                      <p:to>
-                                        <p:strVal val="visible"/>
-                                      </p:to>
-                                    </p:set>
-                                  </p:childTnLst>
-                                </p:cTn>
-                              </p:par>
-                              <p:par>
-                                <p:cTn id="39" presetID="1" presetClass="entr" presetSubtype="0" fill="hold" nodeType="withEffect">
-                                  <p:stCondLst>
-                                    <p:cond delay="0"/>
-                                  </p:stCondLst>
-                                  <p:childTnLst>
-                                    <p:set>
-                                      <p:cBhvr>
-                                        <p:cTn id="40" dur="1" fill="hold">
-                                          <p:stCondLst>
-                                            <p:cond delay="0"/>
-                                          </p:stCondLst>
-                                        </p:cTn>
-                                        <p:tgtEl>
-                                          <p:spTgt spid="5"/>
-                                        </p:tgtEl>
-                                        <p:attrNameLst>
-                                          <p:attrName>style.visibility</p:attrName>
-                                        </p:attrNameLst>
-                                      </p:cBhvr>
-                                      <p:to>
-                                        <p:strVal val="visible"/>
-                                      </p:to>
-                                    </p:set>
-                                  </p:childTnLst>
-                                </p:cTn>
-                              </p:par>
-                            </p:childTnLst>
-                          </p:cTn>
-                        </p:par>
-                      </p:childTnLst>
-                    </p:cTn>
-                  </p:par>
-                  <p:par>
-                    <p:cTn id="41" fill="hold">
-                      <p:stCondLst>
-                        <p:cond delay="indefinite"/>
-                      </p:stCondLst>
-                      <p:childTnLst>
-                        <p:par>
-                          <p:cTn id="42" fill="hold">
-                            <p:stCondLst>
-                              <p:cond delay="0"/>
-                            </p:stCondLst>
-                            <p:childTnLst>
-                              <p:par>
-                                <p:cTn id="43" presetID="1" presetClass="entr" presetSubtype="0" fill="hold" grpId="0" nodeType="clickEffect">
-                                  <p:stCondLst>
-                                    <p:cond delay="0"/>
-                                  </p:stCondLst>
-                                  <p:childTnLst>
-                                    <p:set>
-                                      <p:cBhvr>
-                                        <p:cTn id="44" dur="1" fill="hold">
-                                          <p:stCondLst>
-                                            <p:cond delay="0"/>
-                                          </p:stCondLst>
-                                        </p:cTn>
-                                        <p:tgtEl>
-                                          <p:spTgt spid="44"/>
-                                        </p:tgtEl>
-                                        <p:attrNameLst>
-                                          <p:attrName>style.visibility</p:attrName>
-                                        </p:attrNameLst>
-                                      </p:cBhvr>
-                                      <p:to>
-                                        <p:strVal val="visible"/>
-                                      </p:to>
-                                    </p:set>
-                                  </p:childTnLst>
-                                </p:cTn>
-                              </p:par>
-                            </p:childTnLst>
-                          </p:cTn>
-                        </p:par>
-                      </p:childTnLst>
-                    </p:cTn>
-                  </p:par>
-                </p:childTnLst>
-              </p:cTn>
-              <p:prevCondLst>
-                <p:cond evt="onPrev" delay="0">
-                  <p:tgtEl>
-                    <p:sldTgt/>
-                  </p:tgtEl>
-                </p:cond>
-              </p:prevCondLst>
-              <p:nextCondLst>
-                <p:cond evt="onNext" delay="0">
-                  <p:tgtEl>
-                    <p:sldTgt/>
-                  </p:tgtEl>
-                </p:cond>
-              </p:nextCondLst>
-            </p:seq>
-          </p:childTnLst>
-        </p:cTn>
-      </p:par>
-    </p:tnLst>
-    <p:bldLst>
-      <p:bldP spid="162" grpId="0" animBg="1"/>
-      <p:bldP spid="64" grpId="0" animBg="1"/>
-      <p:bldP spid="47" grpId="0" animBg="1"/>
-      <p:bldP spid="38" grpId="0" animBg="1"/>
-      <p:bldP spid="44" grpId="0"/>
-    </p:bldLst>
-  </p:timing>
 </p:sld>
 </file>
 
@@ -14544,70 +12098,14 @@
       </p:grpSpPr>
       <p:sp>
         <p:nvSpPr>
-          <p:cNvPr id="2" name="Title 1"/>
-          <p:cNvSpPr>
-            <a:spLocks noGrp="1"/>
-          </p:cNvSpPr>
-          <p:nvPr>
-            <p:ph type="title"/>
-          </p:nvPr>
-        </p:nvSpPr>
-        <p:spPr/>
-        <p:txBody>
-          <a:bodyPr/>
-          <a:lstStyle/>
-          <a:p>
-            <a:r>
-              <a:rPr lang="en-US" dirty="0" smtClean="0"/>
-              <a:t>Diagram </a:t>
-            </a:r>
-            <a:r>
-              <a:rPr lang="en-US" dirty="0"/>
-              <a:t>4</a:t>
-            </a:r>
-            <a:endParaRPr lang="en-US" dirty="0"/>
-          </a:p>
-        </p:txBody>
-      </p:sp>
-      <p:sp>
-        <p:nvSpPr>
-          <p:cNvPr id="4" name="Slide Number Placeholder 3"/>
-          <p:cNvSpPr>
-            <a:spLocks noGrp="1"/>
-          </p:cNvSpPr>
-          <p:nvPr>
-            <p:ph type="sldNum" sz="quarter" idx="12"/>
-          </p:nvPr>
-        </p:nvSpPr>
-        <p:spPr>
-          <a:xfrm>
-            <a:off x="276261" y="6356348"/>
-            <a:ext cx="2743200" cy="365125"/>
-          </a:xfrm>
-        </p:spPr>
-        <p:txBody>
-          <a:bodyPr/>
-          <a:lstStyle/>
-          <a:p>
-            <a:fld id="{2AF5F8E0-9CB9-8D41-B80C-6B76C9B710FC}" type="slidenum">
-              <a:rPr lang="en-US" smtClean="0"/>
-              <a:pPr/>
-              <a:t>8</a:t>
-            </a:fld>
-            <a:endParaRPr lang="en-US"/>
-          </a:p>
-        </p:txBody>
-      </p:sp>
-      <p:sp>
-        <p:nvSpPr>
-          <p:cNvPr id="5" name="Rounded Rectangle 4"/>
+          <p:cNvPr id="70" name="Rounded Rectangle 69"/>
           <p:cNvSpPr/>
           <p:nvPr/>
         </p:nvSpPr>
         <p:spPr>
           <a:xfrm>
-            <a:off x="736925" y="1690688"/>
-            <a:ext cx="6274520" cy="4109570"/>
+            <a:off x="2883049" y="3096316"/>
+            <a:ext cx="4128396" cy="2703941"/>
           </a:xfrm>
           <a:prstGeom prst="roundRect">
             <a:avLst/>
@@ -14643,290 +12141,57 @@
       </p:sp>
       <p:sp>
         <p:nvSpPr>
-          <p:cNvPr id="8" name="Rounded Rectangle 7"/>
-          <p:cNvSpPr/>
-          <p:nvPr/>
+          <p:cNvPr id="2" name="Title 1"/>
+          <p:cNvSpPr>
+            <a:spLocks noGrp="1"/>
+          </p:cNvSpPr>
+          <p:nvPr>
+            <p:ph type="title"/>
+          </p:nvPr>
         </p:nvSpPr>
-        <p:spPr>
-          <a:xfrm>
-            <a:off x="5743499" y="2881519"/>
-            <a:ext cx="559591" cy="554570"/>
-          </a:xfrm>
-          <a:prstGeom prst="roundRect">
-            <a:avLst/>
-          </a:prstGeom>
-          <a:solidFill>
-            <a:schemeClr val="accent1"/>
-          </a:solidFill>
-          <a:ln w="28575" cap="flat" cmpd="sng" algn="ctr">
-            <a:solidFill>
-              <a:schemeClr val="tx2"/>
-            </a:solidFill>
-            <a:prstDash val="solid"/>
-          </a:ln>
-          <a:effectLst>
-            <a:outerShdw blurRad="40000" dist="23000" dir="5400000" rotWithShape="0">
-              <a:srgbClr val="000000">
-                <a:alpha val="35000"/>
-              </a:srgbClr>
-            </a:outerShdw>
-          </a:effectLst>
-        </p:spPr>
+        <p:spPr/>
         <p:txBody>
-          <a:bodyPr tIns="36000" bIns="36000" rtlCol="0" anchor="ctr"/>
+          <a:bodyPr/>
           <a:lstStyle/>
           <a:p>
-            <a:pPr marL="0" marR="0" lvl="0" indent="0" algn="ctr" defTabSz="457200" eaLnBrk="1" fontAlgn="auto" latinLnBrk="0" hangingPunct="1">
-              <a:lnSpc>
-                <a:spcPct val="100000"/>
-              </a:lnSpc>
-              <a:spcBef>
-                <a:spcPts val="0"/>
-              </a:spcBef>
-              <a:spcAft>
-                <a:spcPts val="0"/>
-              </a:spcAft>
-              <a:buClrTx/>
-              <a:buSzTx/>
-              <a:buFontTx/>
-              <a:buNone/>
-              <a:tabLst/>
-              <a:defRPr/>
-            </a:pPr>
             <a:r>
-              <a:rPr lang="en-US" sz="2400" b="1" kern="0" noProof="0" dirty="0" smtClean="0">
-                <a:solidFill>
-                  <a:schemeClr val="bg1"/>
-                </a:solidFill>
-                <a:ea typeface=""/>
-                <a:cs typeface=""/>
-              </a:rPr>
-              <a:t>P</a:t>
+              <a:rPr lang="en-US" dirty="0" smtClean="0"/>
+              <a:t>Diagram </a:t>
             </a:r>
-            <a:endParaRPr kumimoji="0" lang="en-US" sz="2400" b="1" i="0" u="none" strike="noStrike" kern="0" cap="none" spc="0" normalizeH="0" baseline="0" noProof="0" dirty="0" smtClean="0">
-              <a:ln>
-                <a:noFill/>
-              </a:ln>
-              <a:solidFill>
-                <a:schemeClr val="bg1"/>
-              </a:solidFill>
-              <a:effectLst/>
-              <a:uLnTx/>
-              <a:uFillTx/>
-              <a:ea typeface=""/>
-              <a:cs typeface=""/>
-            </a:endParaRPr>
+            <a:r>
+              <a:rPr lang="en-US" dirty="0"/>
+              <a:t>4</a:t>
+            </a:r>
+            <a:endParaRPr lang="en-US" dirty="0"/>
           </a:p>
         </p:txBody>
       </p:sp>
       <p:sp>
         <p:nvSpPr>
-          <p:cNvPr id="9" name="Rounded Rectangle 8"/>
-          <p:cNvSpPr/>
-          <p:nvPr/>
+          <p:cNvPr id="4" name="Slide Number Placeholder 3"/>
+          <p:cNvSpPr>
+            <a:spLocks noGrp="1"/>
+          </p:cNvSpPr>
+          <p:nvPr>
+            <p:ph type="sldNum" sz="quarter" idx="12"/>
+          </p:nvPr>
         </p:nvSpPr>
         <p:spPr>
           <a:xfrm>
-            <a:off x="4878497" y="3741164"/>
-            <a:ext cx="571412" cy="563758"/>
+            <a:off x="276261" y="6356348"/>
+            <a:ext cx="2743200" cy="365125"/>
           </a:xfrm>
-          <a:prstGeom prst="roundRect">
-            <a:avLst/>
-          </a:prstGeom>
-          <a:solidFill>
-            <a:srgbClr val="00B050"/>
-          </a:solidFill>
-          <a:ln w="25400">
-            <a:solidFill>
-              <a:srgbClr val="0070C0"/>
-            </a:solidFill>
-          </a:ln>
-        </p:spPr>
-        <p:style>
-          <a:lnRef idx="2">
-            <a:schemeClr val="accent1">
-              <a:shade val="50000"/>
-            </a:schemeClr>
-          </a:lnRef>
-          <a:fillRef idx="1">
-            <a:schemeClr val="accent1"/>
-          </a:fillRef>
-          <a:effectRef idx="0">
-            <a:schemeClr val="accent1"/>
-          </a:effectRef>
-          <a:fontRef idx="minor">
-            <a:schemeClr val="lt1"/>
-          </a:fontRef>
-        </p:style>
-        <p:txBody>
-          <a:bodyPr rtlCol="0" anchor="ctr"/>
-          <a:lstStyle/>
-          <a:p>
-            <a:pPr algn="ctr"/>
-            <a:r>
-              <a:rPr lang="en-US" sz="2400" b="1" dirty="0">
-                <a:solidFill>
-                  <a:srgbClr val="4372C4"/>
-                </a:solidFill>
-              </a:rPr>
-              <a:t>O</a:t>
-            </a:r>
-          </a:p>
-        </p:txBody>
-      </p:sp>
-      <p:sp>
-        <p:nvSpPr>
-          <p:cNvPr id="27" name="Rounded Rectangle 26"/>
-          <p:cNvSpPr/>
-          <p:nvPr/>
-        </p:nvSpPr>
-        <p:spPr>
-          <a:xfrm>
-            <a:off x="3203868" y="2882367"/>
-            <a:ext cx="559591" cy="554570"/>
-          </a:xfrm>
-          <a:prstGeom prst="roundRect">
-            <a:avLst/>
-          </a:prstGeom>
-          <a:solidFill>
-            <a:srgbClr val="4372C4"/>
-          </a:solidFill>
-          <a:ln w="28575" cap="flat" cmpd="sng" algn="ctr">
-            <a:solidFill>
-              <a:schemeClr val="tx2"/>
-            </a:solidFill>
-            <a:prstDash val="solid"/>
-          </a:ln>
-          <a:effectLst>
-            <a:outerShdw blurRad="40000" dist="23000" dir="5400000" rotWithShape="0">
-              <a:srgbClr val="000000">
-                <a:alpha val="35000"/>
-              </a:srgbClr>
-            </a:outerShdw>
-          </a:effectLst>
         </p:spPr>
         <p:txBody>
-          <a:bodyPr tIns="36000" bIns="36000" rtlCol="0" anchor="ctr"/>
+          <a:bodyPr/>
           <a:lstStyle/>
           <a:p>
-            <a:pPr marL="0" marR="0" lvl="0" indent="0" algn="ctr" defTabSz="457200" eaLnBrk="1" fontAlgn="auto" latinLnBrk="0" hangingPunct="1">
-              <a:lnSpc>
-                <a:spcPct val="100000"/>
-              </a:lnSpc>
-              <a:spcBef>
-                <a:spcPts val="0"/>
-              </a:spcBef>
-              <a:spcAft>
-                <a:spcPts val="0"/>
-              </a:spcAft>
-              <a:buClrTx/>
-              <a:buSzTx/>
-              <a:buFontTx/>
-              <a:buNone/>
-              <a:tabLst/>
-              <a:defRPr/>
-            </a:pPr>
-            <a:r>
-              <a:rPr lang="en-US" sz="2400" b="1" kern="0" noProof="0" dirty="0" smtClean="0">
-                <a:solidFill>
-                  <a:schemeClr val="bg1"/>
-                </a:solidFill>
-                <a:ea typeface=""/>
-                <a:cs typeface=""/>
-              </a:rPr>
-              <a:t>P</a:t>
-            </a:r>
-            <a:endParaRPr kumimoji="0" lang="en-US" sz="2400" b="1" i="0" u="none" strike="noStrike" kern="0" cap="none" spc="0" normalizeH="0" baseline="0" noProof="0" dirty="0" smtClean="0">
-              <a:ln>
-                <a:noFill/>
-              </a:ln>
-              <a:solidFill>
-                <a:schemeClr val="bg1"/>
-              </a:solidFill>
-              <a:effectLst/>
-              <a:uLnTx/>
-              <a:uFillTx/>
-              <a:ea typeface=""/>
-              <a:cs typeface=""/>
-            </a:endParaRPr>
-          </a:p>
-        </p:txBody>
-      </p:sp>
-      <p:sp>
-        <p:nvSpPr>
-          <p:cNvPr id="47" name="Rounded Rectangle 46"/>
-          <p:cNvSpPr/>
-          <p:nvPr/>
-        </p:nvSpPr>
-        <p:spPr>
-          <a:xfrm>
-            <a:off x="1699093" y="2882367"/>
-            <a:ext cx="559591" cy="554570"/>
-          </a:xfrm>
-          <a:prstGeom prst="roundRect">
-            <a:avLst/>
-          </a:prstGeom>
-          <a:solidFill>
-            <a:srgbClr val="4372C4"/>
-          </a:solidFill>
-          <a:ln w="28575" cap="flat" cmpd="sng" algn="ctr">
-            <a:solidFill>
-              <a:schemeClr val="tx2"/>
-            </a:solidFill>
-            <a:prstDash val="solid"/>
-          </a:ln>
-          <a:effectLst>
-            <a:outerShdw blurRad="40000" dist="23000" dir="5400000" rotWithShape="0">
-              <a:srgbClr val="000000">
-                <a:alpha val="35000"/>
-              </a:srgbClr>
-            </a:outerShdw>
-          </a:effectLst>
-        </p:spPr>
-        <p:txBody>
-          <a:bodyPr tIns="36000" bIns="36000" rtlCol="0" anchor="ctr"/>
-          <a:lstStyle/>
-          <a:p>
-            <a:pPr marL="0" marR="0" lvl="0" indent="0" algn="ctr" defTabSz="457200" eaLnBrk="1" fontAlgn="auto" latinLnBrk="0" hangingPunct="1">
-              <a:lnSpc>
-                <a:spcPct val="100000"/>
-              </a:lnSpc>
-              <a:spcBef>
-                <a:spcPts val="0"/>
-              </a:spcBef>
-              <a:spcAft>
-                <a:spcPts val="0"/>
-              </a:spcAft>
-              <a:buClrTx/>
-              <a:buSzTx/>
-              <a:buFontTx/>
-              <a:buNone/>
-              <a:tabLst/>
-              <a:defRPr/>
-            </a:pPr>
-            <a:r>
-              <a:rPr lang="en-US" sz="2400" b="1" kern="0" noProof="0" dirty="0" smtClean="0">
-                <a:solidFill>
-                  <a:schemeClr val="bg1"/>
-                </a:solidFill>
-                <a:ea typeface=""/>
-                <a:cs typeface=""/>
-              </a:rPr>
-              <a:t>P</a:t>
-            </a:r>
-            <a:endParaRPr kumimoji="0" lang="en-US" sz="2400" b="1" i="0" u="none" strike="noStrike" kern="0" cap="none" spc="0" normalizeH="0" baseline="0" noProof="0" dirty="0" smtClean="0">
-              <a:ln>
-                <a:noFill/>
-              </a:ln>
-              <a:solidFill>
-                <a:schemeClr val="bg1"/>
-              </a:solidFill>
-              <a:effectLst/>
-              <a:uLnTx/>
-              <a:uFillTx/>
-              <a:ea typeface=""/>
-              <a:cs typeface=""/>
-            </a:endParaRPr>
+            <a:fld id="{2AF5F8E0-9CB9-8D41-B80C-6B76C9B710FC}" type="slidenum">
+              <a:rPr lang="en-US" smtClean="0"/>
+              <a:pPr/>
+              <a:t>8</a:t>
+            </a:fld>
+            <a:endParaRPr lang="en-US"/>
           </a:p>
         </p:txBody>
       </p:sp>
@@ -14938,7 +12203,7 @@
         </p:nvSpPr>
         <p:spPr>
           <a:xfrm>
-            <a:off x="946208" y="1869394"/>
+            <a:off x="3119717" y="3331020"/>
             <a:ext cx="527124" cy="461665"/>
           </a:xfrm>
           <a:prstGeom prst="rect">
@@ -14953,10 +12218,10 @@
           <a:lstStyle/>
           <a:p>
             <a:r>
-              <a:rPr lang="en-US" sz="2400" b="1" smtClean="0"/>
+              <a:rPr lang="en-US" sz="2400" b="1" dirty="0" smtClean="0"/>
               <a:t>N</a:t>
             </a:r>
-            <a:endParaRPr lang="en-US" sz="2400" b="1"/>
+            <a:endParaRPr lang="en-US" sz="2400" b="1" dirty="0"/>
           </a:p>
         </p:txBody>
       </p:sp>
@@ -14969,14 +12234,14 @@
           <p:nvPr>
             <p:extLst>
               <p:ext uri="{D42A27DB-BD31-4B8C-83A1-F6EECF244321}">
-                <p14:modId xmlns:p14="http://schemas.microsoft.com/office/powerpoint/2010/main" val="115452116"/>
+                <p14:modId xmlns:p14="http://schemas.microsoft.com/office/powerpoint/2010/main" val="1996676788"/>
               </p:ext>
             </p:extLst>
           </p:nvPr>
         </p:nvGraphicFramePr>
         <p:xfrm>
-          <a:off x="7351414" y="4552963"/>
-          <a:ext cx="4565272" cy="2156886"/>
+          <a:off x="7351414" y="2439536"/>
+          <a:ext cx="4565272" cy="3594810"/>
         </p:xfrm>
         <a:graphic>
           <a:graphicData uri="http://schemas.openxmlformats.org/drawingml/2006/table">
@@ -15223,8 +12488,13 @@
                       </a:pPr>
                       <a:r>
                         <a:rPr lang="en-US" sz="1400" dirty="0" smtClean="0"/>
-                        <a:t>Smart contract</a:t>
+                        <a:t>Certificate</a:t>
                       </a:r>
+                      <a:r>
+                        <a:rPr lang="en-US" sz="1400" baseline="0" dirty="0" smtClean="0"/>
+                        <a:t> Authority</a:t>
+                      </a:r>
+                      <a:endParaRPr lang="en-US" sz="1400" dirty="0" smtClean="0"/>
                     </a:p>
                   </a:txBody>
                   <a:tcPr anchor="ctr">
@@ -15358,6 +12628,610 @@
                         <a:rPr lang="en-US" sz="1400" dirty="0" smtClean="0"/>
                         <a:t>Channel</a:t>
                       </a:r>
+                    </a:p>
+                  </a:txBody>
+                  <a:tcPr anchor="ctr">
+                    <a:lnL w="12700" cap="flat" cmpd="sng" algn="ctr">
+                      <a:solidFill>
+                        <a:schemeClr val="tx1"/>
+                      </a:solidFill>
+                      <a:prstDash val="solid"/>
+                      <a:round/>
+                      <a:headEnd type="none" w="med" len="med"/>
+                      <a:tailEnd type="none" w="med" len="med"/>
+                    </a:lnL>
+                    <a:lnR w="12700" cap="flat" cmpd="sng" algn="ctr">
+                      <a:solidFill>
+                        <a:schemeClr val="tx1"/>
+                      </a:solidFill>
+                      <a:prstDash val="solid"/>
+                      <a:round/>
+                      <a:headEnd type="none" w="med" len="med"/>
+                      <a:tailEnd type="none" w="med" len="med"/>
+                    </a:lnR>
+                    <a:lnT w="12700" cap="flat" cmpd="sng" algn="ctr">
+                      <a:solidFill>
+                        <a:schemeClr val="tx1"/>
+                      </a:solidFill>
+                      <a:prstDash val="solid"/>
+                      <a:round/>
+                      <a:headEnd type="none" w="med" len="med"/>
+                      <a:tailEnd type="none" w="med" len="med"/>
+                    </a:lnT>
+                    <a:lnB w="12700" cap="flat" cmpd="sng" algn="ctr">
+                      <a:solidFill>
+                        <a:schemeClr val="tx1"/>
+                      </a:solidFill>
+                      <a:prstDash val="solid"/>
+                      <a:round/>
+                      <a:headEnd type="none" w="med" len="med"/>
+                      <a:tailEnd type="none" w="med" len="med"/>
+                    </a:lnB>
+                    <a:lnTlToBr w="12700" cmpd="sng">
+                      <a:noFill/>
+                      <a:prstDash val="solid"/>
+                    </a:lnTlToBr>
+                    <a:lnBlToTr w="12700" cmpd="sng">
+                      <a:noFill/>
+                      <a:prstDash val="solid"/>
+                    </a:lnBlToTr>
+                  </a:tcPr>
+                </a:tc>
+                <a:tc>
+                  <a:txBody>
+                    <a:bodyPr/>
+                    <a:lstStyle/>
+                    <a:p>
+                      <a:pPr marL="0" marR="0" lvl="0" indent="0" algn="l" defTabSz="914400" rtl="0" eaLnBrk="1" fontAlgn="auto" latinLnBrk="0" hangingPunct="1">
+                        <a:lnSpc>
+                          <a:spcPct val="100000"/>
+                        </a:lnSpc>
+                        <a:spcBef>
+                          <a:spcPts val="0"/>
+                        </a:spcBef>
+                        <a:spcAft>
+                          <a:spcPts val="0"/>
+                        </a:spcAft>
+                        <a:buClrTx/>
+                        <a:buSzTx/>
+                        <a:buFontTx/>
+                        <a:buNone/>
+                        <a:tabLst/>
+                        <a:defRPr/>
+                      </a:pPr>
+                      <a:endParaRPr lang="en-US" sz="1400" dirty="0" smtClean="0"/>
+                    </a:p>
+                  </a:txBody>
+                  <a:tcPr anchor="ctr">
+                    <a:lnL w="12700" cap="flat" cmpd="sng" algn="ctr">
+                      <a:solidFill>
+                        <a:schemeClr val="tx1"/>
+                      </a:solidFill>
+                      <a:prstDash val="solid"/>
+                      <a:round/>
+                      <a:headEnd type="none" w="med" len="med"/>
+                      <a:tailEnd type="none" w="med" len="med"/>
+                    </a:lnL>
+                    <a:lnR w="12700" cap="flat" cmpd="sng" algn="ctr">
+                      <a:solidFill>
+                        <a:schemeClr val="tx1"/>
+                      </a:solidFill>
+                      <a:prstDash val="solid"/>
+                      <a:round/>
+                      <a:headEnd type="none" w="med" len="med"/>
+                      <a:tailEnd type="none" w="med" len="med"/>
+                    </a:lnR>
+                    <a:lnT w="12700" cap="flat" cmpd="sng" algn="ctr">
+                      <a:solidFill>
+                        <a:schemeClr val="tx1"/>
+                      </a:solidFill>
+                      <a:prstDash val="solid"/>
+                      <a:round/>
+                      <a:headEnd type="none" w="med" len="med"/>
+                      <a:tailEnd type="none" w="med" len="med"/>
+                    </a:lnT>
+                    <a:lnB w="12700" cap="flat" cmpd="sng" algn="ctr">
+                      <a:solidFill>
+                        <a:schemeClr val="tx1"/>
+                      </a:solidFill>
+                      <a:prstDash val="solid"/>
+                      <a:round/>
+                      <a:headEnd type="none" w="med" len="med"/>
+                      <a:tailEnd type="none" w="med" len="med"/>
+                    </a:lnB>
+                    <a:lnTlToBr w="12700" cmpd="sng">
+                      <a:noFill/>
+                      <a:prstDash val="solid"/>
+                    </a:lnTlToBr>
+                    <a:lnBlToTr w="12700" cmpd="sng">
+                      <a:noFill/>
+                      <a:prstDash val="solid"/>
+                    </a:lnBlToTr>
+                  </a:tcPr>
+                </a:tc>
+                <a:tc>
+                  <a:txBody>
+                    <a:bodyPr/>
+                    <a:lstStyle/>
+                    <a:p>
+                      <a:pPr marL="0" marR="0" lvl="0" indent="0" algn="l" defTabSz="914400" rtl="0" eaLnBrk="1" fontAlgn="auto" latinLnBrk="0" hangingPunct="1">
+                        <a:lnSpc>
+                          <a:spcPct val="100000"/>
+                        </a:lnSpc>
+                        <a:spcBef>
+                          <a:spcPts val="0"/>
+                        </a:spcBef>
+                        <a:spcAft>
+                          <a:spcPts val="0"/>
+                        </a:spcAft>
+                        <a:buClrTx/>
+                        <a:buSzTx/>
+                        <a:buFontTx/>
+                        <a:buNone/>
+                        <a:tabLst/>
+                        <a:defRPr/>
+                      </a:pPr>
+                      <a:r>
+                        <a:rPr lang="en-US" sz="1400" dirty="0" smtClean="0"/>
+                        <a:t>Identity</a:t>
+                      </a:r>
+                      <a:endParaRPr lang="en-US" sz="1400" dirty="0" smtClean="0"/>
+                    </a:p>
+                  </a:txBody>
+                  <a:tcPr anchor="ctr">
+                    <a:lnL w="12700" cap="flat" cmpd="sng" algn="ctr">
+                      <a:solidFill>
+                        <a:schemeClr val="tx1"/>
+                      </a:solidFill>
+                      <a:prstDash val="solid"/>
+                      <a:round/>
+                      <a:headEnd type="none" w="med" len="med"/>
+                      <a:tailEnd type="none" w="med" len="med"/>
+                    </a:lnL>
+                    <a:lnR w="12700" cap="flat" cmpd="sng" algn="ctr">
+                      <a:solidFill>
+                        <a:schemeClr val="tx1"/>
+                      </a:solidFill>
+                      <a:prstDash val="solid"/>
+                      <a:round/>
+                      <a:headEnd type="none" w="med" len="med"/>
+                      <a:tailEnd type="none" w="med" len="med"/>
+                    </a:lnR>
+                    <a:lnT w="12700" cap="flat" cmpd="sng" algn="ctr">
+                      <a:solidFill>
+                        <a:schemeClr val="tx1"/>
+                      </a:solidFill>
+                      <a:prstDash val="solid"/>
+                      <a:round/>
+                      <a:headEnd type="none" w="med" len="med"/>
+                      <a:tailEnd type="none" w="med" len="med"/>
+                    </a:lnT>
+                    <a:lnB w="12700" cap="flat" cmpd="sng" algn="ctr">
+                      <a:solidFill>
+                        <a:schemeClr val="tx1"/>
+                      </a:solidFill>
+                      <a:prstDash val="solid"/>
+                      <a:round/>
+                      <a:headEnd type="none" w="med" len="med"/>
+                      <a:tailEnd type="none" w="med" len="med"/>
+                    </a:lnB>
+                    <a:lnTlToBr w="12700" cmpd="sng">
+                      <a:noFill/>
+                      <a:prstDash val="solid"/>
+                    </a:lnTlToBr>
+                    <a:lnBlToTr w="12700" cmpd="sng">
+                      <a:noFill/>
+                      <a:prstDash val="solid"/>
+                    </a:lnBlToTr>
+                  </a:tcPr>
+                </a:tc>
+              </a:tr>
+              <a:tr h="718962">
+                <a:tc>
+                  <a:txBody>
+                    <a:bodyPr/>
+                    <a:lstStyle/>
+                    <a:p>
+                      <a:pPr marL="0" marR="0" lvl="0" indent="0" algn="l" defTabSz="914400" rtl="0" eaLnBrk="1" fontAlgn="auto" latinLnBrk="0" hangingPunct="1">
+                        <a:lnSpc>
+                          <a:spcPct val="100000"/>
+                        </a:lnSpc>
+                        <a:spcBef>
+                          <a:spcPts val="0"/>
+                        </a:spcBef>
+                        <a:spcAft>
+                          <a:spcPts val="0"/>
+                        </a:spcAft>
+                        <a:buClrTx/>
+                        <a:buSzTx/>
+                        <a:buFontTx/>
+                        <a:buNone/>
+                        <a:tabLst/>
+                        <a:defRPr/>
+                      </a:pPr>
+                      <a:endParaRPr lang="en-US" sz="1400" dirty="0" smtClean="0"/>
+                    </a:p>
+                  </a:txBody>
+                  <a:tcPr anchor="ctr">
+                    <a:lnL w="12700" cap="flat" cmpd="sng" algn="ctr">
+                      <a:solidFill>
+                        <a:schemeClr val="tx1"/>
+                      </a:solidFill>
+                      <a:prstDash val="solid"/>
+                      <a:round/>
+                      <a:headEnd type="none" w="med" len="med"/>
+                      <a:tailEnd type="none" w="med" len="med"/>
+                    </a:lnL>
+                    <a:lnR w="12700" cap="flat" cmpd="sng" algn="ctr">
+                      <a:solidFill>
+                        <a:schemeClr val="tx1"/>
+                      </a:solidFill>
+                      <a:prstDash val="solid"/>
+                      <a:round/>
+                      <a:headEnd type="none" w="med" len="med"/>
+                      <a:tailEnd type="none" w="med" len="med"/>
+                    </a:lnR>
+                    <a:lnT w="12700" cap="flat" cmpd="sng" algn="ctr">
+                      <a:solidFill>
+                        <a:schemeClr val="tx1"/>
+                      </a:solidFill>
+                      <a:prstDash val="solid"/>
+                      <a:round/>
+                      <a:headEnd type="none" w="med" len="med"/>
+                      <a:tailEnd type="none" w="med" len="med"/>
+                    </a:lnT>
+                    <a:lnB w="12700" cap="flat" cmpd="sng" algn="ctr">
+                      <a:solidFill>
+                        <a:schemeClr val="tx1"/>
+                      </a:solidFill>
+                      <a:prstDash val="solid"/>
+                      <a:round/>
+                      <a:headEnd type="none" w="med" len="med"/>
+                      <a:tailEnd type="none" w="med" len="med"/>
+                    </a:lnB>
+                    <a:lnTlToBr w="12700" cmpd="sng">
+                      <a:noFill/>
+                      <a:prstDash val="solid"/>
+                    </a:lnTlToBr>
+                    <a:lnBlToTr w="12700" cmpd="sng">
+                      <a:noFill/>
+                      <a:prstDash val="solid"/>
+                    </a:lnBlToTr>
+                  </a:tcPr>
+                </a:tc>
+                <a:tc>
+                  <a:txBody>
+                    <a:bodyPr/>
+                    <a:lstStyle/>
+                    <a:p>
+                      <a:pPr marL="0" marR="0" lvl="0" indent="0" algn="l" defTabSz="914400" rtl="0" eaLnBrk="1" fontAlgn="auto" latinLnBrk="0" hangingPunct="1">
+                        <a:lnSpc>
+                          <a:spcPct val="100000"/>
+                        </a:lnSpc>
+                        <a:spcBef>
+                          <a:spcPts val="0"/>
+                        </a:spcBef>
+                        <a:spcAft>
+                          <a:spcPts val="0"/>
+                        </a:spcAft>
+                        <a:buClrTx/>
+                        <a:buSzTx/>
+                        <a:buFontTx/>
+                        <a:buNone/>
+                        <a:tabLst/>
+                        <a:defRPr/>
+                      </a:pPr>
+                      <a:r>
+                        <a:rPr lang="en-US" sz="1400" dirty="0" smtClean="0"/>
+                        <a:t>Blockchain user</a:t>
+                      </a:r>
+                      <a:endParaRPr lang="en-US" sz="1400" dirty="0" smtClean="0"/>
+                    </a:p>
+                  </a:txBody>
+                  <a:tcPr anchor="ctr">
+                    <a:lnL w="12700" cap="flat" cmpd="sng" algn="ctr">
+                      <a:solidFill>
+                        <a:schemeClr val="tx1"/>
+                      </a:solidFill>
+                      <a:prstDash val="solid"/>
+                      <a:round/>
+                      <a:headEnd type="none" w="med" len="med"/>
+                      <a:tailEnd type="none" w="med" len="med"/>
+                    </a:lnL>
+                    <a:lnR w="12700" cap="flat" cmpd="sng" algn="ctr">
+                      <a:solidFill>
+                        <a:schemeClr val="tx1"/>
+                      </a:solidFill>
+                      <a:prstDash val="solid"/>
+                      <a:round/>
+                      <a:headEnd type="none" w="med" len="med"/>
+                      <a:tailEnd type="none" w="med" len="med"/>
+                    </a:lnR>
+                    <a:lnT w="12700" cap="flat" cmpd="sng" algn="ctr">
+                      <a:solidFill>
+                        <a:schemeClr val="tx1"/>
+                      </a:solidFill>
+                      <a:prstDash val="solid"/>
+                      <a:round/>
+                      <a:headEnd type="none" w="med" len="med"/>
+                      <a:tailEnd type="none" w="med" len="med"/>
+                    </a:lnT>
+                    <a:lnB w="12700" cap="flat" cmpd="sng" algn="ctr">
+                      <a:solidFill>
+                        <a:schemeClr val="tx1"/>
+                      </a:solidFill>
+                      <a:prstDash val="solid"/>
+                      <a:round/>
+                      <a:headEnd type="none" w="med" len="med"/>
+                      <a:tailEnd type="none" w="med" len="med"/>
+                    </a:lnB>
+                    <a:lnTlToBr w="12700" cmpd="sng">
+                      <a:noFill/>
+                      <a:prstDash val="solid"/>
+                    </a:lnTlToBr>
+                    <a:lnBlToTr w="12700" cmpd="sng">
+                      <a:noFill/>
+                      <a:prstDash val="solid"/>
+                    </a:lnBlToTr>
+                  </a:tcPr>
+                </a:tc>
+                <a:tc>
+                  <a:txBody>
+                    <a:bodyPr/>
+                    <a:lstStyle/>
+                    <a:p>
+                      <a:pPr marL="0" marR="0" lvl="0" indent="0" algn="l" defTabSz="914400" rtl="0" eaLnBrk="1" fontAlgn="auto" latinLnBrk="0" hangingPunct="1">
+                        <a:lnSpc>
+                          <a:spcPct val="100000"/>
+                        </a:lnSpc>
+                        <a:spcBef>
+                          <a:spcPts val="0"/>
+                        </a:spcBef>
+                        <a:spcAft>
+                          <a:spcPts val="0"/>
+                        </a:spcAft>
+                        <a:buClrTx/>
+                        <a:buSzTx/>
+                        <a:buFontTx/>
+                        <a:buNone/>
+                        <a:tabLst/>
+                        <a:defRPr/>
+                      </a:pPr>
+                      <a:endParaRPr lang="en-US" sz="1400" dirty="0" smtClean="0"/>
+                    </a:p>
+                  </a:txBody>
+                  <a:tcPr anchor="ctr">
+                    <a:lnL w="12700" cap="flat" cmpd="sng" algn="ctr">
+                      <a:solidFill>
+                        <a:schemeClr val="tx1"/>
+                      </a:solidFill>
+                      <a:prstDash val="solid"/>
+                      <a:round/>
+                      <a:headEnd type="none" w="med" len="med"/>
+                      <a:tailEnd type="none" w="med" len="med"/>
+                    </a:lnL>
+                    <a:lnR w="12700" cap="flat" cmpd="sng" algn="ctr">
+                      <a:solidFill>
+                        <a:schemeClr val="tx1"/>
+                      </a:solidFill>
+                      <a:prstDash val="solid"/>
+                      <a:round/>
+                      <a:headEnd type="none" w="med" len="med"/>
+                      <a:tailEnd type="none" w="med" len="med"/>
+                    </a:lnR>
+                    <a:lnT w="12700" cap="flat" cmpd="sng" algn="ctr">
+                      <a:solidFill>
+                        <a:schemeClr val="tx1"/>
+                      </a:solidFill>
+                      <a:prstDash val="solid"/>
+                      <a:round/>
+                      <a:headEnd type="none" w="med" len="med"/>
+                      <a:tailEnd type="none" w="med" len="med"/>
+                    </a:lnT>
+                    <a:lnB w="12700" cap="flat" cmpd="sng" algn="ctr">
+                      <a:solidFill>
+                        <a:schemeClr val="tx1"/>
+                      </a:solidFill>
+                      <a:prstDash val="solid"/>
+                      <a:round/>
+                      <a:headEnd type="none" w="med" len="med"/>
+                      <a:tailEnd type="none" w="med" len="med"/>
+                    </a:lnB>
+                    <a:lnTlToBr w="12700" cmpd="sng">
+                      <a:noFill/>
+                      <a:prstDash val="solid"/>
+                    </a:lnTlToBr>
+                    <a:lnBlToTr w="12700" cmpd="sng">
+                      <a:noFill/>
+                      <a:prstDash val="solid"/>
+                    </a:lnBlToTr>
+                  </a:tcPr>
+                </a:tc>
+                <a:tc>
+                  <a:txBody>
+                    <a:bodyPr/>
+                    <a:lstStyle/>
+                    <a:p>
+                      <a:pPr marL="0" marR="0" lvl="0" indent="0" algn="l" defTabSz="914400" rtl="0" eaLnBrk="1" fontAlgn="auto" latinLnBrk="0" hangingPunct="1">
+                        <a:lnSpc>
+                          <a:spcPct val="100000"/>
+                        </a:lnSpc>
+                        <a:spcBef>
+                          <a:spcPts val="0"/>
+                        </a:spcBef>
+                        <a:spcAft>
+                          <a:spcPts val="0"/>
+                        </a:spcAft>
+                        <a:buClrTx/>
+                        <a:buSzTx/>
+                        <a:buFontTx/>
+                        <a:buNone/>
+                        <a:tabLst/>
+                        <a:defRPr/>
+                      </a:pPr>
+                      <a:r>
+                        <a:rPr lang="en-US" sz="1400" dirty="0" smtClean="0"/>
+                        <a:t>Blockchain</a:t>
+                      </a:r>
+                      <a:r>
+                        <a:rPr lang="en-US" sz="1400" baseline="0" dirty="0" smtClean="0"/>
+                        <a:t> a</a:t>
+                      </a:r>
+                      <a:r>
+                        <a:rPr lang="en-US" sz="1400" dirty="0" smtClean="0"/>
+                        <a:t>dministrator</a:t>
+                      </a:r>
+                      <a:endParaRPr lang="en-US" sz="1400" dirty="0" smtClean="0"/>
+                    </a:p>
+                  </a:txBody>
+                  <a:tcPr anchor="ctr">
+                    <a:lnL w="12700" cap="flat" cmpd="sng" algn="ctr">
+                      <a:solidFill>
+                        <a:schemeClr val="tx1"/>
+                      </a:solidFill>
+                      <a:prstDash val="solid"/>
+                      <a:round/>
+                      <a:headEnd type="none" w="med" len="med"/>
+                      <a:tailEnd type="none" w="med" len="med"/>
+                    </a:lnL>
+                    <a:lnR w="12700" cap="flat" cmpd="sng" algn="ctr">
+                      <a:solidFill>
+                        <a:schemeClr val="tx1"/>
+                      </a:solidFill>
+                      <a:prstDash val="solid"/>
+                      <a:round/>
+                      <a:headEnd type="none" w="med" len="med"/>
+                      <a:tailEnd type="none" w="med" len="med"/>
+                    </a:lnR>
+                    <a:lnT w="12700" cap="flat" cmpd="sng" algn="ctr">
+                      <a:solidFill>
+                        <a:schemeClr val="tx1"/>
+                      </a:solidFill>
+                      <a:prstDash val="solid"/>
+                      <a:round/>
+                      <a:headEnd type="none" w="med" len="med"/>
+                      <a:tailEnd type="none" w="med" len="med"/>
+                    </a:lnT>
+                    <a:lnB w="12700" cap="flat" cmpd="sng" algn="ctr">
+                      <a:solidFill>
+                        <a:schemeClr val="tx1"/>
+                      </a:solidFill>
+                      <a:prstDash val="solid"/>
+                      <a:round/>
+                      <a:headEnd type="none" w="med" len="med"/>
+                      <a:tailEnd type="none" w="med" len="med"/>
+                    </a:lnB>
+                    <a:lnTlToBr w="12700" cmpd="sng">
+                      <a:noFill/>
+                      <a:prstDash val="solid"/>
+                    </a:lnTlToBr>
+                    <a:lnBlToTr w="12700" cmpd="sng">
+                      <a:noFill/>
+                      <a:prstDash val="solid"/>
+                    </a:lnBlToTr>
+                  </a:tcPr>
+                </a:tc>
+              </a:tr>
+              <a:tr h="718962">
+                <a:tc>
+                  <a:txBody>
+                    <a:bodyPr/>
+                    <a:lstStyle/>
+                    <a:p>
+                      <a:pPr marL="0" marR="0" lvl="0" indent="0" algn="l" defTabSz="914400" rtl="0" eaLnBrk="1" fontAlgn="auto" latinLnBrk="0" hangingPunct="1">
+                        <a:lnSpc>
+                          <a:spcPct val="100000"/>
+                        </a:lnSpc>
+                        <a:spcBef>
+                          <a:spcPts val="0"/>
+                        </a:spcBef>
+                        <a:spcAft>
+                          <a:spcPts val="0"/>
+                        </a:spcAft>
+                        <a:buClrTx/>
+                        <a:buSzTx/>
+                        <a:buFontTx/>
+                        <a:buNone/>
+                        <a:tabLst/>
+                        <a:defRPr/>
+                      </a:pPr>
+                      <a:endParaRPr lang="en-US" sz="1400" dirty="0" smtClean="0"/>
+                    </a:p>
+                  </a:txBody>
+                  <a:tcPr anchor="ctr">
+                    <a:lnL w="12700" cap="flat" cmpd="sng" algn="ctr">
+                      <a:solidFill>
+                        <a:schemeClr val="tx1"/>
+                      </a:solidFill>
+                      <a:prstDash val="solid"/>
+                      <a:round/>
+                      <a:headEnd type="none" w="med" len="med"/>
+                      <a:tailEnd type="none" w="med" len="med"/>
+                    </a:lnL>
+                    <a:lnR w="12700" cap="flat" cmpd="sng" algn="ctr">
+                      <a:solidFill>
+                        <a:schemeClr val="tx1"/>
+                      </a:solidFill>
+                      <a:prstDash val="solid"/>
+                      <a:round/>
+                      <a:headEnd type="none" w="med" len="med"/>
+                      <a:tailEnd type="none" w="med" len="med"/>
+                    </a:lnR>
+                    <a:lnT w="12700" cap="flat" cmpd="sng" algn="ctr">
+                      <a:solidFill>
+                        <a:schemeClr val="tx1"/>
+                      </a:solidFill>
+                      <a:prstDash val="solid"/>
+                      <a:round/>
+                      <a:headEnd type="none" w="med" len="med"/>
+                      <a:tailEnd type="none" w="med" len="med"/>
+                    </a:lnT>
+                    <a:lnB w="12700" cap="flat" cmpd="sng" algn="ctr">
+                      <a:solidFill>
+                        <a:schemeClr val="tx1"/>
+                      </a:solidFill>
+                      <a:prstDash val="solid"/>
+                      <a:round/>
+                      <a:headEnd type="none" w="med" len="med"/>
+                      <a:tailEnd type="none" w="med" len="med"/>
+                    </a:lnB>
+                    <a:lnTlToBr w="12700" cmpd="sng">
+                      <a:noFill/>
+                      <a:prstDash val="solid"/>
+                    </a:lnTlToBr>
+                    <a:lnBlToTr w="12700" cmpd="sng">
+                      <a:noFill/>
+                      <a:prstDash val="solid"/>
+                    </a:lnBlToTr>
+                  </a:tcPr>
+                </a:tc>
+                <a:tc>
+                  <a:txBody>
+                    <a:bodyPr/>
+                    <a:lstStyle/>
+                    <a:p>
+                      <a:pPr marL="0" marR="0" lvl="0" indent="0" algn="l" defTabSz="914400" rtl="0" eaLnBrk="1" fontAlgn="auto" latinLnBrk="0" hangingPunct="1">
+                        <a:lnSpc>
+                          <a:spcPct val="100000"/>
+                        </a:lnSpc>
+                        <a:spcBef>
+                          <a:spcPts val="0"/>
+                        </a:spcBef>
+                        <a:spcAft>
+                          <a:spcPts val="0"/>
+                        </a:spcAft>
+                        <a:buClrTx/>
+                        <a:buSzTx/>
+                        <a:buFontTx/>
+                        <a:buNone/>
+                        <a:tabLst/>
+                        <a:defRPr/>
+                      </a:pPr>
+                      <a:r>
+                        <a:rPr lang="en-US" sz="1400" dirty="0" smtClean="0"/>
+                        <a:t>Application</a:t>
+                      </a:r>
+                      <a:endParaRPr lang="en-US" sz="1400" dirty="0" smtClean="0"/>
                     </a:p>
                   </a:txBody>
                   <a:tcPr anchor="ctr">
@@ -15655,6 +13529,7 @@
                         <a:rPr lang="en-US" sz="1400" dirty="0" smtClean="0"/>
                         <a:t>Peer</a:t>
                       </a:r>
+                      <a:endParaRPr lang="en-US" sz="1400" dirty="0" smtClean="0"/>
                     </a:p>
                   </a:txBody>
                   <a:tcPr anchor="ctr">
@@ -15798,10 +13673,7 @@
                         <a:tabLst/>
                         <a:defRPr/>
                       </a:pPr>
-                      <a:r>
-                        <a:rPr lang="en-US" sz="1400" dirty="0" smtClean="0"/>
-                        <a:t>Ledger</a:t>
-                      </a:r>
+                      <a:endParaRPr lang="en-US" sz="1400" dirty="0" smtClean="0"/>
                     </a:p>
                   </a:txBody>
                   <a:tcPr anchor="ctr">
@@ -15858,220 +13730,13 @@
       </p:graphicFrame>
       <p:sp>
         <p:nvSpPr>
-          <p:cNvPr id="55" name="Document 54"/>
-          <p:cNvSpPr/>
-          <p:nvPr/>
-        </p:nvSpPr>
-        <p:spPr>
-          <a:xfrm>
-            <a:off x="9707854" y="6150857"/>
-            <a:ext cx="523020" cy="414227"/>
-          </a:xfrm>
-          <a:prstGeom prst="flowChartDocument">
-            <a:avLst/>
-          </a:prstGeom>
-          <a:solidFill>
-            <a:srgbClr val="FF0000"/>
-          </a:solidFill>
-          <a:ln w="19050">
-            <a:solidFill>
-              <a:srgbClr val="0070C0"/>
-            </a:solidFill>
-          </a:ln>
-        </p:spPr>
-        <p:style>
-          <a:lnRef idx="2">
-            <a:schemeClr val="accent1">
-              <a:shade val="50000"/>
-            </a:schemeClr>
-          </a:lnRef>
-          <a:fillRef idx="1">
-            <a:schemeClr val="accent1"/>
-          </a:fillRef>
-          <a:effectRef idx="0">
-            <a:schemeClr val="accent1"/>
-          </a:effectRef>
-          <a:fontRef idx="minor">
-            <a:schemeClr val="lt1"/>
-          </a:fontRef>
-        </p:style>
-        <p:txBody>
-          <a:bodyPr rtlCol="0" anchor="ctr"/>
-          <a:lstStyle/>
-          <a:p>
-            <a:pPr algn="ctr" defTabSz="457200"/>
-            <a:r>
-              <a:rPr lang="en-US" sz="1400" b="1" dirty="0" smtClean="0">
-                <a:solidFill>
-                  <a:srgbClr val="000000"/>
-                </a:solidFill>
-              </a:rPr>
-              <a:t>L</a:t>
-            </a:r>
-            <a:endParaRPr lang="en-US" sz="1400" b="1" dirty="0">
-              <a:solidFill>
-                <a:srgbClr val="000000"/>
-              </a:solidFill>
-            </a:endParaRPr>
-          </a:p>
-        </p:txBody>
-      </p:sp>
-      <p:sp>
-        <p:nvSpPr>
-          <p:cNvPr id="56" name="Rounded Rectangle 55"/>
-          <p:cNvSpPr/>
-          <p:nvPr/>
-        </p:nvSpPr>
-        <p:spPr>
-          <a:xfrm>
-            <a:off x="9739316" y="5418913"/>
-            <a:ext cx="470643" cy="431746"/>
-          </a:xfrm>
-          <a:prstGeom prst="roundRect">
-            <a:avLst/>
-          </a:prstGeom>
-          <a:solidFill>
-            <a:srgbClr val="00B050"/>
-          </a:solidFill>
-          <a:ln w="19050">
-            <a:solidFill>
-              <a:srgbClr val="0070C0"/>
-            </a:solidFill>
-          </a:ln>
-        </p:spPr>
-        <p:style>
-          <a:lnRef idx="2">
-            <a:schemeClr val="accent1">
-              <a:shade val="50000"/>
-            </a:schemeClr>
-          </a:lnRef>
-          <a:fillRef idx="1">
-            <a:schemeClr val="accent1"/>
-          </a:fillRef>
-          <a:effectRef idx="0">
-            <a:schemeClr val="accent1"/>
-          </a:effectRef>
-          <a:fontRef idx="minor">
-            <a:schemeClr val="lt1"/>
-          </a:fontRef>
-        </p:style>
-        <p:txBody>
-          <a:bodyPr rtlCol="0" anchor="ctr"/>
-          <a:lstStyle/>
-          <a:p>
-            <a:pPr algn="ctr" defTabSz="457200"/>
-            <a:r>
-              <a:rPr lang="en-US" sz="1400" b="1" dirty="0" smtClean="0">
-                <a:solidFill>
-                  <a:srgbClr val="000000"/>
-                </a:solidFill>
-                <a:ea typeface="Arial" charset="0"/>
-                <a:cs typeface="Arial" charset="0"/>
-              </a:rPr>
-              <a:t>O</a:t>
-            </a:r>
-            <a:endParaRPr lang="en-US" sz="1600" b="1" dirty="0">
-              <a:solidFill>
-                <a:srgbClr val="000000"/>
-              </a:solidFill>
-              <a:ea typeface="Arial" charset="0"/>
-              <a:cs typeface="Arial" charset="0"/>
-            </a:endParaRPr>
-          </a:p>
-        </p:txBody>
-      </p:sp>
-      <p:sp>
-        <p:nvSpPr>
-          <p:cNvPr id="58" name="Oval 57"/>
-          <p:cNvSpPr/>
-          <p:nvPr/>
-        </p:nvSpPr>
-        <p:spPr>
-          <a:xfrm>
-            <a:off x="7516955" y="5539058"/>
-            <a:ext cx="176077" cy="176077"/>
-          </a:xfrm>
-          <a:prstGeom prst="ellipse">
-            <a:avLst/>
-          </a:prstGeom>
-          <a:solidFill>
-            <a:srgbClr val="4372C4"/>
-          </a:solidFill>
-          <a:ln w="25400" cmpd="sng">
-            <a:solidFill>
-              <a:schemeClr val="tx2"/>
-            </a:solidFill>
-          </a:ln>
-        </p:spPr>
-        <p:style>
-          <a:lnRef idx="1">
-            <a:schemeClr val="accent1"/>
-          </a:lnRef>
-          <a:fillRef idx="3">
-            <a:schemeClr val="accent1"/>
-          </a:fillRef>
-          <a:effectRef idx="2">
-            <a:schemeClr val="accent1"/>
-          </a:effectRef>
-          <a:fontRef idx="minor">
-            <a:schemeClr val="lt1"/>
-          </a:fontRef>
-        </p:style>
-        <p:txBody>
-          <a:bodyPr rtlCol="0" anchor="ctr"/>
-          <a:lstStyle/>
-          <a:p>
-            <a:pPr algn="ctr" defTabSz="457200"/>
-            <a:endParaRPr lang="en-GB" sz="1000">
-              <a:solidFill>
-                <a:srgbClr val="000000"/>
-              </a:solidFill>
-            </a:endParaRPr>
-          </a:p>
-        </p:txBody>
-      </p:sp>
-      <p:cxnSp>
-        <p:nvCxnSpPr>
-          <p:cNvPr id="59" name="Straight Connector 58"/>
-          <p:cNvCxnSpPr/>
-          <p:nvPr/>
-        </p:nvCxnSpPr>
-        <p:spPr>
-          <a:xfrm flipV="1">
-            <a:off x="7693032" y="5627096"/>
-            <a:ext cx="195301" cy="1"/>
-          </a:xfrm>
-          <a:prstGeom prst="line">
-            <a:avLst/>
-          </a:prstGeom>
-          <a:solidFill>
-            <a:srgbClr val="4372C4"/>
-          </a:solidFill>
-          <a:ln w="25400" cap="flat" cmpd="sng" algn="ctr">
-            <a:solidFill>
-              <a:srgbClr val="0070C0"/>
-            </a:solidFill>
-            <a:prstDash val="solid"/>
-            <a:tailEnd type="none"/>
-          </a:ln>
-          <a:effectLst>
-            <a:outerShdw blurRad="40000" dist="20000" dir="5400000" rotWithShape="0">
-              <a:srgbClr val="000000">
-                <a:alpha val="38000"/>
-              </a:srgbClr>
-            </a:outerShdw>
-          </a:effectLst>
-        </p:spPr>
-      </p:cxnSp>
-      <p:sp>
-        <p:nvSpPr>
           <p:cNvPr id="61" name="Rounded Rectangle 60"/>
           <p:cNvSpPr/>
           <p:nvPr/>
         </p:nvSpPr>
         <p:spPr>
           <a:xfrm>
-            <a:off x="7424830" y="4656971"/>
+            <a:off x="7424830" y="2543544"/>
             <a:ext cx="470643" cy="431746"/>
           </a:xfrm>
           <a:prstGeom prst="roundRect">
@@ -16138,7 +13803,7 @@
         </p:nvSpPr>
         <p:spPr>
           <a:xfrm>
-            <a:off x="9728770" y="4655677"/>
+            <a:off x="9728770" y="2542250"/>
             <a:ext cx="481189" cy="444147"/>
           </a:xfrm>
           <a:prstGeom prst="roundRect">
@@ -16176,76 +13841,20 @@
             <a:r>
               <a:rPr lang="en-US" sz="1400" b="1" dirty="0" smtClean="0">
                 <a:solidFill>
-                  <a:srgbClr val="000000"/>
+                  <a:schemeClr val="accent1"/>
                 </a:solidFill>
                 <a:ea typeface="Arial" charset="0"/>
                 <a:cs typeface="Arial" charset="0"/>
               </a:rPr>
-              <a:t>S</a:t>
+              <a:t>CA</a:t>
             </a:r>
             <a:endParaRPr lang="en-US" sz="1400" b="1" dirty="0">
               <a:solidFill>
-                <a:srgbClr val="000000"/>
+                <a:schemeClr val="accent1"/>
               </a:solidFill>
               <a:ea typeface="Arial" charset="0"/>
               <a:cs typeface="Arial" charset="0"/>
             </a:endParaRPr>
-          </a:p>
-        </p:txBody>
-      </p:sp>
-      <p:sp>
-        <p:nvSpPr>
-          <p:cNvPr id="63" name="Rounded Rectangle 62"/>
-          <p:cNvSpPr/>
-          <p:nvPr/>
-        </p:nvSpPr>
-        <p:spPr>
-          <a:xfrm>
-            <a:off x="7424830" y="6120937"/>
-            <a:ext cx="481189" cy="444147"/>
-          </a:xfrm>
-          <a:prstGeom prst="roundRect">
-            <a:avLst/>
-          </a:prstGeom>
-          <a:solidFill>
-            <a:schemeClr val="accent1"/>
-          </a:solidFill>
-          <a:ln w="19050" cmpd="sng">
-            <a:solidFill>
-              <a:schemeClr val="tx2"/>
-            </a:solidFill>
-          </a:ln>
-          <a:effectLst/>
-        </p:spPr>
-        <p:style>
-          <a:lnRef idx="1">
-            <a:schemeClr val="accent1"/>
-          </a:lnRef>
-          <a:fillRef idx="3">
-            <a:schemeClr val="accent1"/>
-          </a:fillRef>
-          <a:effectRef idx="2">
-            <a:schemeClr val="accent1"/>
-          </a:effectRef>
-          <a:fontRef idx="minor">
-            <a:schemeClr val="lt1"/>
-          </a:fontRef>
-        </p:style>
-        <p:txBody>
-          <a:bodyPr rtlCol="0" anchor="ctr"/>
-          <a:lstStyle/>
-          <a:p>
-            <a:pPr algn="ctr" defTabSz="457200"/>
-            <a:r>
-              <a:rPr lang="en-US" sz="1400" b="1" dirty="0">
-                <a:solidFill>
-                  <a:schemeClr val="bg1"/>
-                </a:solidFill>
-                <a:ea typeface="Arial" charset="0"/>
-                <a:cs typeface="Arial" charset="0"/>
-              </a:rPr>
-              <a:t>P</a:t>
-            </a:r>
           </a:p>
         </p:txBody>
       </p:sp>
@@ -16257,7 +13866,7 @@
         </p:nvGrpSpPr>
         <p:grpSpPr>
           <a:xfrm>
-            <a:off x="9634050" y="1554354"/>
+            <a:off x="4567198" y="1925108"/>
             <a:ext cx="453635" cy="725046"/>
             <a:chOff x="5701137" y="2384637"/>
             <a:chExt cx="1133935" cy="1812371"/>
@@ -16343,9 +13952,10 @@
             <a:p>
               <a:pPr algn="ctr"/>
               <a:r>
-                <a:rPr lang="en-US" sz="2400" b="1" dirty="0"/>
-                <a:t>B</a:t>
+                <a:rPr lang="en-US" sz="2400" b="1" dirty="0" smtClean="0"/>
+                <a:t>U</a:t>
               </a:r>
+              <a:endParaRPr lang="en-US" sz="2400" b="1" dirty="0"/>
             </a:p>
           </p:txBody>
         </p:sp>
@@ -16358,10 +13968,10 @@
         </p:nvGrpSpPr>
         <p:grpSpPr>
           <a:xfrm>
-            <a:off x="8441613" y="1589931"/>
-            <a:ext cx="742889" cy="677402"/>
+            <a:off x="3374761" y="1960685"/>
+            <a:ext cx="742889" cy="701911"/>
             <a:chOff x="10666566" y="3979442"/>
-            <a:chExt cx="742889" cy="677402"/>
+            <a:chExt cx="742889" cy="701911"/>
           </a:xfrm>
         </p:grpSpPr>
         <p:sp>
@@ -16421,8 +14031,8 @@
           </p:nvSpPr>
           <p:spPr>
             <a:xfrm>
-              <a:off x="10773996" y="4195179"/>
-              <a:ext cx="538930" cy="461665"/>
+              <a:off x="10763238" y="4281243"/>
+              <a:ext cx="568169" cy="400110"/>
             </a:xfrm>
             <a:prstGeom prst="rect">
               <a:avLst/>
@@ -16436,14 +14046,14 @@
             <a:lstStyle/>
             <a:p>
               <a:r>
-                <a:rPr lang="en-US" sz="2400" b="1" dirty="0" err="1" smtClean="0">
+                <a:rPr lang="en-US" sz="2000" b="1" dirty="0" smtClean="0">
                   <a:solidFill>
                     <a:schemeClr val="bg1"/>
                   </a:solidFill>
                 </a:rPr>
-                <a:t>Og</a:t>
+                <a:t>Org</a:t>
               </a:r>
-              <a:endParaRPr lang="en-US" sz="2400" b="1" dirty="0">
+              <a:endParaRPr lang="en-US" sz="2000" b="1" dirty="0">
                 <a:solidFill>
                   <a:schemeClr val="bg1"/>
                 </a:solidFill>
@@ -16460,7 +14070,7 @@
         </p:nvSpPr>
         <p:spPr>
           <a:xfrm>
-            <a:off x="10520188" y="1564424"/>
+            <a:off x="6126436" y="1925108"/>
             <a:ext cx="719788" cy="710146"/>
           </a:xfrm>
           <a:prstGeom prst="roundRect">
@@ -16512,10 +14122,3961 @@
           </a:p>
         </p:txBody>
       </p:sp>
+      <p:sp>
+        <p:nvSpPr>
+          <p:cNvPr id="69" name="Rounded Rectangle 68"/>
+          <p:cNvSpPr/>
+          <p:nvPr/>
+        </p:nvSpPr>
+        <p:spPr>
+          <a:xfrm>
+            <a:off x="1968008" y="4371993"/>
+            <a:ext cx="575072" cy="567368"/>
+          </a:xfrm>
+          <a:prstGeom prst="roundRect">
+            <a:avLst/>
+          </a:prstGeom>
+          <a:solidFill>
+            <a:schemeClr val="accent4"/>
+          </a:solidFill>
+          <a:ln w="25400">
+            <a:solidFill>
+              <a:srgbClr val="0070C0"/>
+            </a:solidFill>
+          </a:ln>
+        </p:spPr>
+        <p:style>
+          <a:lnRef idx="2">
+            <a:schemeClr val="accent1">
+              <a:shade val="50000"/>
+            </a:schemeClr>
+          </a:lnRef>
+          <a:fillRef idx="1">
+            <a:schemeClr val="accent1"/>
+          </a:fillRef>
+          <a:effectRef idx="0">
+            <a:schemeClr val="accent1"/>
+          </a:effectRef>
+          <a:fontRef idx="minor">
+            <a:schemeClr val="lt1"/>
+          </a:fontRef>
+        </p:style>
+        <p:txBody>
+          <a:bodyPr rtlCol="0" anchor="ctr"/>
+          <a:lstStyle/>
+          <a:p>
+            <a:pPr algn="ctr"/>
+            <a:r>
+              <a:rPr lang="en-US" sz="2000" b="1" dirty="0" smtClean="0">
+                <a:solidFill>
+                  <a:srgbClr val="4372C4"/>
+                </a:solidFill>
+              </a:rPr>
+              <a:t>CA</a:t>
+            </a:r>
+            <a:endParaRPr lang="en-US" sz="2000" b="1" dirty="0">
+              <a:solidFill>
+                <a:srgbClr val="4372C4"/>
+              </a:solidFill>
+            </a:endParaRPr>
+          </a:p>
+        </p:txBody>
+      </p:sp>
+      <p:grpSp>
+        <p:nvGrpSpPr>
+          <p:cNvPr id="11" name="Group 10"/>
+          <p:cNvGrpSpPr/>
+          <p:nvPr/>
+        </p:nvGrpSpPr>
+        <p:grpSpPr>
+          <a:xfrm>
+            <a:off x="6349438" y="2706968"/>
+            <a:ext cx="312349" cy="323772"/>
+            <a:chOff x="5676338" y="2717038"/>
+            <a:chExt cx="312349" cy="323772"/>
+          </a:xfrm>
+        </p:grpSpPr>
+        <p:grpSp>
+          <p:nvGrpSpPr>
+            <p:cNvPr id="78" name="Group 77"/>
+            <p:cNvGrpSpPr/>
+            <p:nvPr/>
+          </p:nvGrpSpPr>
+          <p:grpSpPr>
+            <a:xfrm>
+              <a:off x="5676338" y="2717038"/>
+              <a:ext cx="312349" cy="252979"/>
+              <a:chOff x="9015959" y="4587888"/>
+              <a:chExt cx="420764" cy="340787"/>
+            </a:xfrm>
+          </p:grpSpPr>
+          <p:sp>
+            <p:nvSpPr>
+              <p:cNvPr id="79" name="Rectangle 78"/>
+              <p:cNvSpPr/>
+              <p:nvPr/>
+            </p:nvSpPr>
+            <p:spPr>
+              <a:xfrm>
+                <a:off x="9015959" y="4587888"/>
+                <a:ext cx="420764" cy="340787"/>
+              </a:xfrm>
+              <a:prstGeom prst="rect">
+                <a:avLst/>
+              </a:prstGeom>
+              <a:noFill/>
+              <a:ln w="25400"/>
+            </p:spPr>
+            <p:style>
+              <a:lnRef idx="2">
+                <a:schemeClr val="accent1">
+                  <a:shade val="50000"/>
+                </a:schemeClr>
+              </a:lnRef>
+              <a:fillRef idx="1">
+                <a:schemeClr val="accent1"/>
+              </a:fillRef>
+              <a:effectRef idx="0">
+                <a:schemeClr val="accent1"/>
+              </a:effectRef>
+              <a:fontRef idx="minor">
+                <a:schemeClr val="lt1"/>
+              </a:fontRef>
+            </p:style>
+            <p:txBody>
+              <a:bodyPr rtlCol="0" anchor="ctr"/>
+              <a:lstStyle/>
+              <a:p>
+                <a:pPr algn="ctr"/>
+                <a:endParaRPr lang="en-US" sz="1050"/>
+              </a:p>
+            </p:txBody>
+          </p:sp>
+          <p:grpSp>
+            <p:nvGrpSpPr>
+              <p:cNvPr id="80" name="Group 79"/>
+              <p:cNvGrpSpPr/>
+              <p:nvPr/>
+            </p:nvGrpSpPr>
+            <p:grpSpPr>
+              <a:xfrm>
+                <a:off x="9261059" y="4690045"/>
+                <a:ext cx="123069" cy="75870"/>
+                <a:chOff x="4783309" y="3634526"/>
+                <a:chExt cx="123069" cy="75870"/>
+              </a:xfrm>
+            </p:grpSpPr>
+            <p:cxnSp>
+              <p:nvCxnSpPr>
+                <p:cNvPr id="82" name="Straight Connector 81"/>
+                <p:cNvCxnSpPr/>
+                <p:nvPr/>
+              </p:nvCxnSpPr>
+              <p:spPr>
+                <a:xfrm>
+                  <a:off x="4783309" y="3634526"/>
+                  <a:ext cx="123069" cy="0"/>
+                </a:xfrm>
+                <a:prstGeom prst="line">
+                  <a:avLst/>
+                </a:prstGeom>
+                <a:ln w="25400"/>
+              </p:spPr>
+              <p:style>
+                <a:lnRef idx="1">
+                  <a:schemeClr val="accent1"/>
+                </a:lnRef>
+                <a:fillRef idx="0">
+                  <a:schemeClr val="accent1"/>
+                </a:fillRef>
+                <a:effectRef idx="0">
+                  <a:schemeClr val="accent1"/>
+                </a:effectRef>
+                <a:fontRef idx="minor">
+                  <a:schemeClr val="tx1"/>
+                </a:fontRef>
+              </p:style>
+            </p:cxnSp>
+            <p:cxnSp>
+              <p:nvCxnSpPr>
+                <p:cNvPr id="83" name="Straight Connector 82"/>
+                <p:cNvCxnSpPr/>
+                <p:nvPr/>
+              </p:nvCxnSpPr>
+              <p:spPr>
+                <a:xfrm>
+                  <a:off x="4783309" y="3672462"/>
+                  <a:ext cx="123069" cy="0"/>
+                </a:xfrm>
+                <a:prstGeom prst="line">
+                  <a:avLst/>
+                </a:prstGeom>
+                <a:ln w="25400"/>
+              </p:spPr>
+              <p:style>
+                <a:lnRef idx="1">
+                  <a:schemeClr val="accent1"/>
+                </a:lnRef>
+                <a:fillRef idx="0">
+                  <a:schemeClr val="accent1"/>
+                </a:fillRef>
+                <a:effectRef idx="0">
+                  <a:schemeClr val="accent1"/>
+                </a:effectRef>
+                <a:fontRef idx="minor">
+                  <a:schemeClr val="tx1"/>
+                </a:fontRef>
+              </p:style>
+            </p:cxnSp>
+            <p:cxnSp>
+              <p:nvCxnSpPr>
+                <p:cNvPr id="84" name="Straight Connector 83"/>
+                <p:cNvCxnSpPr/>
+                <p:nvPr/>
+              </p:nvCxnSpPr>
+              <p:spPr>
+                <a:xfrm>
+                  <a:off x="4783309" y="3710396"/>
+                  <a:ext cx="123069" cy="0"/>
+                </a:xfrm>
+                <a:prstGeom prst="line">
+                  <a:avLst/>
+                </a:prstGeom>
+                <a:ln w="25400"/>
+              </p:spPr>
+              <p:style>
+                <a:lnRef idx="1">
+                  <a:schemeClr val="accent1"/>
+                </a:lnRef>
+                <a:fillRef idx="0">
+                  <a:schemeClr val="accent1"/>
+                </a:fillRef>
+                <a:effectRef idx="0">
+                  <a:schemeClr val="accent1"/>
+                </a:effectRef>
+                <a:fontRef idx="minor">
+                  <a:schemeClr val="tx1"/>
+                </a:fontRef>
+              </p:style>
+            </p:cxnSp>
+          </p:grpSp>
+          <p:sp>
+            <p:nvSpPr>
+              <p:cNvPr id="81" name="Rounded Rectangle 80"/>
+              <p:cNvSpPr/>
+              <p:nvPr/>
+            </p:nvSpPr>
+            <p:spPr>
+              <a:xfrm>
+                <a:off x="9059604" y="4675660"/>
+                <a:ext cx="166737" cy="165241"/>
+              </a:xfrm>
+              <a:prstGeom prst="roundRect">
+                <a:avLst/>
+              </a:prstGeom>
+              <a:solidFill>
+                <a:srgbClr val="4372C4"/>
+              </a:solidFill>
+              <a:ln w="12700" cap="flat" cmpd="sng" algn="ctr">
+                <a:solidFill>
+                  <a:schemeClr val="tx2"/>
+                </a:solidFill>
+                <a:prstDash val="solid"/>
+              </a:ln>
+              <a:effectLst>
+                <a:outerShdw blurRad="40000" dist="23000" dir="5400000" rotWithShape="0">
+                  <a:srgbClr val="000000">
+                    <a:alpha val="35000"/>
+                  </a:srgbClr>
+                </a:outerShdw>
+              </a:effectLst>
+            </p:spPr>
+            <p:txBody>
+              <a:bodyPr tIns="36000" bIns="36000" rtlCol="0" anchor="ctr"/>
+              <a:lstStyle/>
+              <a:p>
+                <a:pPr marL="0" marR="0" lvl="0" indent="0" algn="ctr" defTabSz="457200" eaLnBrk="1" fontAlgn="auto" latinLnBrk="0" hangingPunct="1">
+                  <a:lnSpc>
+                    <a:spcPct val="100000"/>
+                  </a:lnSpc>
+                  <a:spcBef>
+                    <a:spcPts val="0"/>
+                  </a:spcBef>
+                  <a:spcAft>
+                    <a:spcPts val="0"/>
+                  </a:spcAft>
+                  <a:buClrTx/>
+                  <a:buSzTx/>
+                  <a:buFontTx/>
+                  <a:buNone/>
+                  <a:tabLst/>
+                  <a:defRPr/>
+                </a:pPr>
+                <a:r>
+                  <a:rPr lang="en-US" sz="1000" b="1" kern="0" dirty="0">
+                    <a:solidFill>
+                      <a:schemeClr val="bg1"/>
+                    </a:solidFill>
+                    <a:ea typeface=""/>
+                    <a:cs typeface=""/>
+                  </a:rPr>
+                  <a:t>I</a:t>
+                </a:r>
+                <a:endParaRPr kumimoji="0" lang="en-US" sz="1000" b="1" i="0" u="none" strike="noStrike" kern="0" cap="none" spc="0" normalizeH="0" baseline="0" noProof="0" dirty="0" smtClean="0">
+                  <a:ln>
+                    <a:noFill/>
+                  </a:ln>
+                  <a:solidFill>
+                    <a:schemeClr val="bg1"/>
+                  </a:solidFill>
+                  <a:effectLst/>
+                  <a:uLnTx/>
+                  <a:uFillTx/>
+                  <a:ea typeface=""/>
+                  <a:cs typeface=""/>
+                </a:endParaRPr>
+              </a:p>
+            </p:txBody>
+          </p:sp>
+        </p:grpSp>
+        <p:sp>
+          <p:nvSpPr>
+            <p:cNvPr id="10" name="7-Point Star 9"/>
+            <p:cNvSpPr/>
+            <p:nvPr/>
+          </p:nvSpPr>
+          <p:spPr>
+            <a:xfrm>
+              <a:off x="5834851" y="2902584"/>
+              <a:ext cx="138226" cy="138226"/>
+            </a:xfrm>
+            <a:prstGeom prst="star7">
+              <a:avLst/>
+            </a:prstGeom>
+            <a:solidFill>
+              <a:schemeClr val="bg1"/>
+            </a:solidFill>
+          </p:spPr>
+          <p:style>
+            <a:lnRef idx="2">
+              <a:schemeClr val="accent1">
+                <a:shade val="50000"/>
+              </a:schemeClr>
+            </a:lnRef>
+            <a:fillRef idx="1">
+              <a:schemeClr val="accent1"/>
+            </a:fillRef>
+            <a:effectRef idx="0">
+              <a:schemeClr val="accent1"/>
+            </a:effectRef>
+            <a:fontRef idx="minor">
+              <a:schemeClr val="lt1"/>
+            </a:fontRef>
+          </p:style>
+          <p:txBody>
+            <a:bodyPr rtlCol="0" anchor="ctr"/>
+            <a:lstStyle/>
+            <a:p>
+              <a:pPr algn="ctr"/>
+              <a:endParaRPr lang="en-US"/>
+            </a:p>
+          </p:txBody>
+        </p:sp>
+      </p:grpSp>
+      <p:grpSp>
+        <p:nvGrpSpPr>
+          <p:cNvPr id="92" name="Group 91"/>
+          <p:cNvGrpSpPr/>
+          <p:nvPr/>
+        </p:nvGrpSpPr>
+        <p:grpSpPr>
+          <a:xfrm>
+            <a:off x="4639481" y="2711646"/>
+            <a:ext cx="312349" cy="323772"/>
+            <a:chOff x="5676338" y="2717038"/>
+            <a:chExt cx="312349" cy="323772"/>
+          </a:xfrm>
+        </p:grpSpPr>
+        <p:grpSp>
+          <p:nvGrpSpPr>
+            <p:cNvPr id="93" name="Group 92"/>
+            <p:cNvGrpSpPr/>
+            <p:nvPr/>
+          </p:nvGrpSpPr>
+          <p:grpSpPr>
+            <a:xfrm>
+              <a:off x="5676338" y="2717038"/>
+              <a:ext cx="312349" cy="252979"/>
+              <a:chOff x="9015959" y="4587888"/>
+              <a:chExt cx="420764" cy="340787"/>
+            </a:xfrm>
+          </p:grpSpPr>
+          <p:sp>
+            <p:nvSpPr>
+              <p:cNvPr id="95" name="Rectangle 94"/>
+              <p:cNvSpPr/>
+              <p:nvPr/>
+            </p:nvSpPr>
+            <p:spPr>
+              <a:xfrm>
+                <a:off x="9015959" y="4587888"/>
+                <a:ext cx="420764" cy="340787"/>
+              </a:xfrm>
+              <a:prstGeom prst="rect">
+                <a:avLst/>
+              </a:prstGeom>
+              <a:noFill/>
+              <a:ln w="25400"/>
+            </p:spPr>
+            <p:style>
+              <a:lnRef idx="2">
+                <a:schemeClr val="accent1">
+                  <a:shade val="50000"/>
+                </a:schemeClr>
+              </a:lnRef>
+              <a:fillRef idx="1">
+                <a:schemeClr val="accent1"/>
+              </a:fillRef>
+              <a:effectRef idx="0">
+                <a:schemeClr val="accent1"/>
+              </a:effectRef>
+              <a:fontRef idx="minor">
+                <a:schemeClr val="lt1"/>
+              </a:fontRef>
+            </p:style>
+            <p:txBody>
+              <a:bodyPr rtlCol="0" anchor="ctr"/>
+              <a:lstStyle/>
+              <a:p>
+                <a:pPr algn="ctr"/>
+                <a:endParaRPr lang="en-US" sz="1050"/>
+              </a:p>
+            </p:txBody>
+          </p:sp>
+          <p:grpSp>
+            <p:nvGrpSpPr>
+              <p:cNvPr id="96" name="Group 95"/>
+              <p:cNvGrpSpPr/>
+              <p:nvPr/>
+            </p:nvGrpSpPr>
+            <p:grpSpPr>
+              <a:xfrm>
+                <a:off x="9261059" y="4690045"/>
+                <a:ext cx="123069" cy="75870"/>
+                <a:chOff x="4783309" y="3634526"/>
+                <a:chExt cx="123069" cy="75870"/>
+              </a:xfrm>
+            </p:grpSpPr>
+            <p:cxnSp>
+              <p:nvCxnSpPr>
+                <p:cNvPr id="98" name="Straight Connector 97"/>
+                <p:cNvCxnSpPr/>
+                <p:nvPr/>
+              </p:nvCxnSpPr>
+              <p:spPr>
+                <a:xfrm>
+                  <a:off x="4783309" y="3634526"/>
+                  <a:ext cx="123069" cy="0"/>
+                </a:xfrm>
+                <a:prstGeom prst="line">
+                  <a:avLst/>
+                </a:prstGeom>
+                <a:ln w="25400"/>
+              </p:spPr>
+              <p:style>
+                <a:lnRef idx="1">
+                  <a:schemeClr val="accent1"/>
+                </a:lnRef>
+                <a:fillRef idx="0">
+                  <a:schemeClr val="accent1"/>
+                </a:fillRef>
+                <a:effectRef idx="0">
+                  <a:schemeClr val="accent1"/>
+                </a:effectRef>
+                <a:fontRef idx="minor">
+                  <a:schemeClr val="tx1"/>
+                </a:fontRef>
+              </p:style>
+            </p:cxnSp>
+            <p:cxnSp>
+              <p:nvCxnSpPr>
+                <p:cNvPr id="99" name="Straight Connector 98"/>
+                <p:cNvCxnSpPr/>
+                <p:nvPr/>
+              </p:nvCxnSpPr>
+              <p:spPr>
+                <a:xfrm>
+                  <a:off x="4783309" y="3672462"/>
+                  <a:ext cx="123069" cy="0"/>
+                </a:xfrm>
+                <a:prstGeom prst="line">
+                  <a:avLst/>
+                </a:prstGeom>
+                <a:ln w="25400"/>
+              </p:spPr>
+              <p:style>
+                <a:lnRef idx="1">
+                  <a:schemeClr val="accent1"/>
+                </a:lnRef>
+                <a:fillRef idx="0">
+                  <a:schemeClr val="accent1"/>
+                </a:fillRef>
+                <a:effectRef idx="0">
+                  <a:schemeClr val="accent1"/>
+                </a:effectRef>
+                <a:fontRef idx="minor">
+                  <a:schemeClr val="tx1"/>
+                </a:fontRef>
+              </p:style>
+            </p:cxnSp>
+            <p:cxnSp>
+              <p:nvCxnSpPr>
+                <p:cNvPr id="100" name="Straight Connector 99"/>
+                <p:cNvCxnSpPr/>
+                <p:nvPr/>
+              </p:nvCxnSpPr>
+              <p:spPr>
+                <a:xfrm>
+                  <a:off x="4783309" y="3710396"/>
+                  <a:ext cx="123069" cy="0"/>
+                </a:xfrm>
+                <a:prstGeom prst="line">
+                  <a:avLst/>
+                </a:prstGeom>
+                <a:ln w="25400"/>
+              </p:spPr>
+              <p:style>
+                <a:lnRef idx="1">
+                  <a:schemeClr val="accent1"/>
+                </a:lnRef>
+                <a:fillRef idx="0">
+                  <a:schemeClr val="accent1"/>
+                </a:fillRef>
+                <a:effectRef idx="0">
+                  <a:schemeClr val="accent1"/>
+                </a:effectRef>
+                <a:fontRef idx="minor">
+                  <a:schemeClr val="tx1"/>
+                </a:fontRef>
+              </p:style>
+            </p:cxnSp>
+          </p:grpSp>
+          <p:sp>
+            <p:nvSpPr>
+              <p:cNvPr id="97" name="Rounded Rectangle 96"/>
+              <p:cNvSpPr/>
+              <p:nvPr/>
+            </p:nvSpPr>
+            <p:spPr>
+              <a:xfrm>
+                <a:off x="9059604" y="4675660"/>
+                <a:ext cx="166737" cy="165241"/>
+              </a:xfrm>
+              <a:prstGeom prst="roundRect">
+                <a:avLst/>
+              </a:prstGeom>
+              <a:solidFill>
+                <a:srgbClr val="4372C4"/>
+              </a:solidFill>
+              <a:ln w="12700" cap="flat" cmpd="sng" algn="ctr">
+                <a:solidFill>
+                  <a:schemeClr val="tx2"/>
+                </a:solidFill>
+                <a:prstDash val="solid"/>
+              </a:ln>
+              <a:effectLst>
+                <a:outerShdw blurRad="40000" dist="23000" dir="5400000" rotWithShape="0">
+                  <a:srgbClr val="000000">
+                    <a:alpha val="35000"/>
+                  </a:srgbClr>
+                </a:outerShdw>
+              </a:effectLst>
+            </p:spPr>
+            <p:txBody>
+              <a:bodyPr tIns="36000" bIns="36000" rtlCol="0" anchor="ctr"/>
+              <a:lstStyle/>
+              <a:p>
+                <a:pPr marL="0" marR="0" lvl="0" indent="0" algn="ctr" defTabSz="457200" eaLnBrk="1" fontAlgn="auto" latinLnBrk="0" hangingPunct="1">
+                  <a:lnSpc>
+                    <a:spcPct val="100000"/>
+                  </a:lnSpc>
+                  <a:spcBef>
+                    <a:spcPts val="0"/>
+                  </a:spcBef>
+                  <a:spcAft>
+                    <a:spcPts val="0"/>
+                  </a:spcAft>
+                  <a:buClrTx/>
+                  <a:buSzTx/>
+                  <a:buFontTx/>
+                  <a:buNone/>
+                  <a:tabLst/>
+                  <a:defRPr/>
+                </a:pPr>
+                <a:r>
+                  <a:rPr lang="en-US" sz="1000" b="1" kern="0" dirty="0">
+                    <a:solidFill>
+                      <a:schemeClr val="bg1"/>
+                    </a:solidFill>
+                    <a:ea typeface=""/>
+                    <a:cs typeface=""/>
+                  </a:rPr>
+                  <a:t>I</a:t>
+                </a:r>
+                <a:endParaRPr kumimoji="0" lang="en-US" sz="1000" b="1" i="0" u="none" strike="noStrike" kern="0" cap="none" spc="0" normalizeH="0" baseline="0" noProof="0" dirty="0" smtClean="0">
+                  <a:ln>
+                    <a:noFill/>
+                  </a:ln>
+                  <a:solidFill>
+                    <a:schemeClr val="bg1"/>
+                  </a:solidFill>
+                  <a:effectLst/>
+                  <a:uLnTx/>
+                  <a:uFillTx/>
+                  <a:ea typeface=""/>
+                  <a:cs typeface=""/>
+                </a:endParaRPr>
+              </a:p>
+            </p:txBody>
+          </p:sp>
+        </p:grpSp>
+        <p:sp>
+          <p:nvSpPr>
+            <p:cNvPr id="94" name="7-Point Star 93"/>
+            <p:cNvSpPr/>
+            <p:nvPr/>
+          </p:nvSpPr>
+          <p:spPr>
+            <a:xfrm>
+              <a:off x="5834851" y="2902584"/>
+              <a:ext cx="138226" cy="138226"/>
+            </a:xfrm>
+            <a:prstGeom prst="star7">
+              <a:avLst/>
+            </a:prstGeom>
+            <a:solidFill>
+              <a:schemeClr val="bg1"/>
+            </a:solidFill>
+          </p:spPr>
+          <p:style>
+            <a:lnRef idx="2">
+              <a:schemeClr val="accent1">
+                <a:shade val="50000"/>
+              </a:schemeClr>
+            </a:lnRef>
+            <a:fillRef idx="1">
+              <a:schemeClr val="accent1"/>
+            </a:fillRef>
+            <a:effectRef idx="0">
+              <a:schemeClr val="accent1"/>
+            </a:effectRef>
+            <a:fontRef idx="minor">
+              <a:schemeClr val="lt1"/>
+            </a:fontRef>
+          </p:style>
+          <p:txBody>
+            <a:bodyPr rtlCol="0" anchor="ctr"/>
+            <a:lstStyle/>
+            <a:p>
+              <a:pPr algn="ctr"/>
+              <a:endParaRPr lang="en-US"/>
+            </a:p>
+          </p:txBody>
+        </p:sp>
+      </p:grpSp>
+      <p:grpSp>
+        <p:nvGrpSpPr>
+          <p:cNvPr id="101" name="Group 100"/>
+          <p:cNvGrpSpPr/>
+          <p:nvPr/>
+        </p:nvGrpSpPr>
+        <p:grpSpPr>
+          <a:xfrm>
+            <a:off x="3602624" y="2706254"/>
+            <a:ext cx="312349" cy="323772"/>
+            <a:chOff x="5676338" y="2717038"/>
+            <a:chExt cx="312349" cy="323772"/>
+          </a:xfrm>
+        </p:grpSpPr>
+        <p:grpSp>
+          <p:nvGrpSpPr>
+            <p:cNvPr id="102" name="Group 101"/>
+            <p:cNvGrpSpPr/>
+            <p:nvPr/>
+          </p:nvGrpSpPr>
+          <p:grpSpPr>
+            <a:xfrm>
+              <a:off x="5676338" y="2717038"/>
+              <a:ext cx="312349" cy="252979"/>
+              <a:chOff x="9015959" y="4587888"/>
+              <a:chExt cx="420764" cy="340787"/>
+            </a:xfrm>
+          </p:grpSpPr>
+          <p:sp>
+            <p:nvSpPr>
+              <p:cNvPr id="104" name="Rectangle 103"/>
+              <p:cNvSpPr/>
+              <p:nvPr/>
+            </p:nvSpPr>
+            <p:spPr>
+              <a:xfrm>
+                <a:off x="9015959" y="4587888"/>
+                <a:ext cx="420764" cy="340787"/>
+              </a:xfrm>
+              <a:prstGeom prst="rect">
+                <a:avLst/>
+              </a:prstGeom>
+              <a:noFill/>
+              <a:ln w="25400"/>
+            </p:spPr>
+            <p:style>
+              <a:lnRef idx="2">
+                <a:schemeClr val="accent1">
+                  <a:shade val="50000"/>
+                </a:schemeClr>
+              </a:lnRef>
+              <a:fillRef idx="1">
+                <a:schemeClr val="accent1"/>
+              </a:fillRef>
+              <a:effectRef idx="0">
+                <a:schemeClr val="accent1"/>
+              </a:effectRef>
+              <a:fontRef idx="minor">
+                <a:schemeClr val="lt1"/>
+              </a:fontRef>
+            </p:style>
+            <p:txBody>
+              <a:bodyPr rtlCol="0" anchor="ctr"/>
+              <a:lstStyle/>
+              <a:p>
+                <a:pPr algn="ctr"/>
+                <a:endParaRPr lang="en-US" sz="1050"/>
+              </a:p>
+            </p:txBody>
+          </p:sp>
+          <p:grpSp>
+            <p:nvGrpSpPr>
+              <p:cNvPr id="105" name="Group 104"/>
+              <p:cNvGrpSpPr/>
+              <p:nvPr/>
+            </p:nvGrpSpPr>
+            <p:grpSpPr>
+              <a:xfrm>
+                <a:off x="9261059" y="4690045"/>
+                <a:ext cx="123069" cy="75870"/>
+                <a:chOff x="4783309" y="3634526"/>
+                <a:chExt cx="123069" cy="75870"/>
+              </a:xfrm>
+            </p:grpSpPr>
+            <p:cxnSp>
+              <p:nvCxnSpPr>
+                <p:cNvPr id="107" name="Straight Connector 106"/>
+                <p:cNvCxnSpPr/>
+                <p:nvPr/>
+              </p:nvCxnSpPr>
+              <p:spPr>
+                <a:xfrm>
+                  <a:off x="4783309" y="3634526"/>
+                  <a:ext cx="123069" cy="0"/>
+                </a:xfrm>
+                <a:prstGeom prst="line">
+                  <a:avLst/>
+                </a:prstGeom>
+                <a:ln w="25400"/>
+              </p:spPr>
+              <p:style>
+                <a:lnRef idx="1">
+                  <a:schemeClr val="accent1"/>
+                </a:lnRef>
+                <a:fillRef idx="0">
+                  <a:schemeClr val="accent1"/>
+                </a:fillRef>
+                <a:effectRef idx="0">
+                  <a:schemeClr val="accent1"/>
+                </a:effectRef>
+                <a:fontRef idx="minor">
+                  <a:schemeClr val="tx1"/>
+                </a:fontRef>
+              </p:style>
+            </p:cxnSp>
+            <p:cxnSp>
+              <p:nvCxnSpPr>
+                <p:cNvPr id="108" name="Straight Connector 107"/>
+                <p:cNvCxnSpPr/>
+                <p:nvPr/>
+              </p:nvCxnSpPr>
+              <p:spPr>
+                <a:xfrm>
+                  <a:off x="4783309" y="3672462"/>
+                  <a:ext cx="123069" cy="0"/>
+                </a:xfrm>
+                <a:prstGeom prst="line">
+                  <a:avLst/>
+                </a:prstGeom>
+                <a:ln w="25400"/>
+              </p:spPr>
+              <p:style>
+                <a:lnRef idx="1">
+                  <a:schemeClr val="accent1"/>
+                </a:lnRef>
+                <a:fillRef idx="0">
+                  <a:schemeClr val="accent1"/>
+                </a:fillRef>
+                <a:effectRef idx="0">
+                  <a:schemeClr val="accent1"/>
+                </a:effectRef>
+                <a:fontRef idx="minor">
+                  <a:schemeClr val="tx1"/>
+                </a:fontRef>
+              </p:style>
+            </p:cxnSp>
+            <p:cxnSp>
+              <p:nvCxnSpPr>
+                <p:cNvPr id="109" name="Straight Connector 108"/>
+                <p:cNvCxnSpPr/>
+                <p:nvPr/>
+              </p:nvCxnSpPr>
+              <p:spPr>
+                <a:xfrm>
+                  <a:off x="4783309" y="3710396"/>
+                  <a:ext cx="123069" cy="0"/>
+                </a:xfrm>
+                <a:prstGeom prst="line">
+                  <a:avLst/>
+                </a:prstGeom>
+                <a:ln w="25400"/>
+              </p:spPr>
+              <p:style>
+                <a:lnRef idx="1">
+                  <a:schemeClr val="accent1"/>
+                </a:lnRef>
+                <a:fillRef idx="0">
+                  <a:schemeClr val="accent1"/>
+                </a:fillRef>
+                <a:effectRef idx="0">
+                  <a:schemeClr val="accent1"/>
+                </a:effectRef>
+                <a:fontRef idx="minor">
+                  <a:schemeClr val="tx1"/>
+                </a:fontRef>
+              </p:style>
+            </p:cxnSp>
+          </p:grpSp>
+          <p:sp>
+            <p:nvSpPr>
+              <p:cNvPr id="106" name="Rounded Rectangle 105"/>
+              <p:cNvSpPr/>
+              <p:nvPr/>
+            </p:nvSpPr>
+            <p:spPr>
+              <a:xfrm>
+                <a:off x="9059604" y="4675660"/>
+                <a:ext cx="166737" cy="165241"/>
+              </a:xfrm>
+              <a:prstGeom prst="roundRect">
+                <a:avLst/>
+              </a:prstGeom>
+              <a:solidFill>
+                <a:srgbClr val="4372C4"/>
+              </a:solidFill>
+              <a:ln w="12700" cap="flat" cmpd="sng" algn="ctr">
+                <a:solidFill>
+                  <a:schemeClr val="tx2"/>
+                </a:solidFill>
+                <a:prstDash val="solid"/>
+              </a:ln>
+              <a:effectLst>
+                <a:outerShdw blurRad="40000" dist="23000" dir="5400000" rotWithShape="0">
+                  <a:srgbClr val="000000">
+                    <a:alpha val="35000"/>
+                  </a:srgbClr>
+                </a:outerShdw>
+              </a:effectLst>
+            </p:spPr>
+            <p:txBody>
+              <a:bodyPr tIns="36000" bIns="36000" rtlCol="0" anchor="ctr"/>
+              <a:lstStyle/>
+              <a:p>
+                <a:pPr marL="0" marR="0" lvl="0" indent="0" algn="ctr" defTabSz="457200" eaLnBrk="1" fontAlgn="auto" latinLnBrk="0" hangingPunct="1">
+                  <a:lnSpc>
+                    <a:spcPct val="100000"/>
+                  </a:lnSpc>
+                  <a:spcBef>
+                    <a:spcPts val="0"/>
+                  </a:spcBef>
+                  <a:spcAft>
+                    <a:spcPts val="0"/>
+                  </a:spcAft>
+                  <a:buClrTx/>
+                  <a:buSzTx/>
+                  <a:buFontTx/>
+                  <a:buNone/>
+                  <a:tabLst/>
+                  <a:defRPr/>
+                </a:pPr>
+                <a:r>
+                  <a:rPr lang="en-US" sz="1000" b="1" kern="0" dirty="0">
+                    <a:solidFill>
+                      <a:schemeClr val="bg1"/>
+                    </a:solidFill>
+                    <a:ea typeface=""/>
+                    <a:cs typeface=""/>
+                  </a:rPr>
+                  <a:t>I</a:t>
+                </a:r>
+                <a:endParaRPr kumimoji="0" lang="en-US" sz="1000" b="1" i="0" u="none" strike="noStrike" kern="0" cap="none" spc="0" normalizeH="0" baseline="0" noProof="0" dirty="0" smtClean="0">
+                  <a:ln>
+                    <a:noFill/>
+                  </a:ln>
+                  <a:solidFill>
+                    <a:schemeClr val="bg1"/>
+                  </a:solidFill>
+                  <a:effectLst/>
+                  <a:uLnTx/>
+                  <a:uFillTx/>
+                  <a:ea typeface=""/>
+                  <a:cs typeface=""/>
+                </a:endParaRPr>
+              </a:p>
+            </p:txBody>
+          </p:sp>
+        </p:grpSp>
+        <p:sp>
+          <p:nvSpPr>
+            <p:cNvPr id="103" name="7-Point Star 102"/>
+            <p:cNvSpPr/>
+            <p:nvPr/>
+          </p:nvSpPr>
+          <p:spPr>
+            <a:xfrm>
+              <a:off x="5834851" y="2902584"/>
+              <a:ext cx="138226" cy="138226"/>
+            </a:xfrm>
+            <a:prstGeom prst="star7">
+              <a:avLst/>
+            </a:prstGeom>
+            <a:solidFill>
+              <a:schemeClr val="bg1"/>
+            </a:solidFill>
+          </p:spPr>
+          <p:style>
+            <a:lnRef idx="2">
+              <a:schemeClr val="accent1">
+                <a:shade val="50000"/>
+              </a:schemeClr>
+            </a:lnRef>
+            <a:fillRef idx="1">
+              <a:schemeClr val="accent1"/>
+            </a:fillRef>
+            <a:effectRef idx="0">
+              <a:schemeClr val="accent1"/>
+            </a:effectRef>
+            <a:fontRef idx="minor">
+              <a:schemeClr val="lt1"/>
+            </a:fontRef>
+          </p:style>
+          <p:txBody>
+            <a:bodyPr rtlCol="0" anchor="ctr"/>
+            <a:lstStyle/>
+            <a:p>
+              <a:pPr algn="ctr"/>
+              <a:endParaRPr lang="en-US"/>
+            </a:p>
+          </p:txBody>
+        </p:sp>
+      </p:grpSp>
+      <p:grpSp>
+        <p:nvGrpSpPr>
+          <p:cNvPr id="110" name="Group 109"/>
+          <p:cNvGrpSpPr/>
+          <p:nvPr/>
+        </p:nvGrpSpPr>
+        <p:grpSpPr>
+          <a:xfrm>
+            <a:off x="2099369" y="4997175"/>
+            <a:ext cx="312349" cy="323772"/>
+            <a:chOff x="5676338" y="2717038"/>
+            <a:chExt cx="312349" cy="323772"/>
+          </a:xfrm>
+        </p:grpSpPr>
+        <p:grpSp>
+          <p:nvGrpSpPr>
+            <p:cNvPr id="111" name="Group 110"/>
+            <p:cNvGrpSpPr/>
+            <p:nvPr/>
+          </p:nvGrpSpPr>
+          <p:grpSpPr>
+            <a:xfrm>
+              <a:off x="5676338" y="2717038"/>
+              <a:ext cx="312349" cy="252979"/>
+              <a:chOff x="9015959" y="4587888"/>
+              <a:chExt cx="420764" cy="340787"/>
+            </a:xfrm>
+          </p:grpSpPr>
+          <p:sp>
+            <p:nvSpPr>
+              <p:cNvPr id="113" name="Rectangle 112"/>
+              <p:cNvSpPr/>
+              <p:nvPr/>
+            </p:nvSpPr>
+            <p:spPr>
+              <a:xfrm>
+                <a:off x="9015959" y="4587888"/>
+                <a:ext cx="420764" cy="340787"/>
+              </a:xfrm>
+              <a:prstGeom prst="rect">
+                <a:avLst/>
+              </a:prstGeom>
+              <a:noFill/>
+              <a:ln w="25400"/>
+            </p:spPr>
+            <p:style>
+              <a:lnRef idx="2">
+                <a:schemeClr val="accent1">
+                  <a:shade val="50000"/>
+                </a:schemeClr>
+              </a:lnRef>
+              <a:fillRef idx="1">
+                <a:schemeClr val="accent1"/>
+              </a:fillRef>
+              <a:effectRef idx="0">
+                <a:schemeClr val="accent1"/>
+              </a:effectRef>
+              <a:fontRef idx="minor">
+                <a:schemeClr val="lt1"/>
+              </a:fontRef>
+            </p:style>
+            <p:txBody>
+              <a:bodyPr rtlCol="0" anchor="ctr"/>
+              <a:lstStyle/>
+              <a:p>
+                <a:pPr algn="ctr"/>
+                <a:endParaRPr lang="en-US" sz="1050"/>
+              </a:p>
+            </p:txBody>
+          </p:sp>
+          <p:grpSp>
+            <p:nvGrpSpPr>
+              <p:cNvPr id="114" name="Group 113"/>
+              <p:cNvGrpSpPr/>
+              <p:nvPr/>
+            </p:nvGrpSpPr>
+            <p:grpSpPr>
+              <a:xfrm>
+                <a:off x="9261059" y="4690045"/>
+                <a:ext cx="123069" cy="75870"/>
+                <a:chOff x="4783309" y="3634526"/>
+                <a:chExt cx="123069" cy="75870"/>
+              </a:xfrm>
+            </p:grpSpPr>
+            <p:cxnSp>
+              <p:nvCxnSpPr>
+                <p:cNvPr id="116" name="Straight Connector 115"/>
+                <p:cNvCxnSpPr/>
+                <p:nvPr/>
+              </p:nvCxnSpPr>
+              <p:spPr>
+                <a:xfrm>
+                  <a:off x="4783309" y="3634526"/>
+                  <a:ext cx="123069" cy="0"/>
+                </a:xfrm>
+                <a:prstGeom prst="line">
+                  <a:avLst/>
+                </a:prstGeom>
+                <a:ln w="25400"/>
+              </p:spPr>
+              <p:style>
+                <a:lnRef idx="1">
+                  <a:schemeClr val="accent1"/>
+                </a:lnRef>
+                <a:fillRef idx="0">
+                  <a:schemeClr val="accent1"/>
+                </a:fillRef>
+                <a:effectRef idx="0">
+                  <a:schemeClr val="accent1"/>
+                </a:effectRef>
+                <a:fontRef idx="minor">
+                  <a:schemeClr val="tx1"/>
+                </a:fontRef>
+              </p:style>
+            </p:cxnSp>
+            <p:cxnSp>
+              <p:nvCxnSpPr>
+                <p:cNvPr id="117" name="Straight Connector 116"/>
+                <p:cNvCxnSpPr/>
+                <p:nvPr/>
+              </p:nvCxnSpPr>
+              <p:spPr>
+                <a:xfrm>
+                  <a:off x="4783309" y="3672462"/>
+                  <a:ext cx="123069" cy="0"/>
+                </a:xfrm>
+                <a:prstGeom prst="line">
+                  <a:avLst/>
+                </a:prstGeom>
+                <a:ln w="25400"/>
+              </p:spPr>
+              <p:style>
+                <a:lnRef idx="1">
+                  <a:schemeClr val="accent1"/>
+                </a:lnRef>
+                <a:fillRef idx="0">
+                  <a:schemeClr val="accent1"/>
+                </a:fillRef>
+                <a:effectRef idx="0">
+                  <a:schemeClr val="accent1"/>
+                </a:effectRef>
+                <a:fontRef idx="minor">
+                  <a:schemeClr val="tx1"/>
+                </a:fontRef>
+              </p:style>
+            </p:cxnSp>
+            <p:cxnSp>
+              <p:nvCxnSpPr>
+                <p:cNvPr id="118" name="Straight Connector 117"/>
+                <p:cNvCxnSpPr/>
+                <p:nvPr/>
+              </p:nvCxnSpPr>
+              <p:spPr>
+                <a:xfrm>
+                  <a:off x="4783309" y="3710396"/>
+                  <a:ext cx="123069" cy="0"/>
+                </a:xfrm>
+                <a:prstGeom prst="line">
+                  <a:avLst/>
+                </a:prstGeom>
+                <a:ln w="25400"/>
+              </p:spPr>
+              <p:style>
+                <a:lnRef idx="1">
+                  <a:schemeClr val="accent1"/>
+                </a:lnRef>
+                <a:fillRef idx="0">
+                  <a:schemeClr val="accent1"/>
+                </a:fillRef>
+                <a:effectRef idx="0">
+                  <a:schemeClr val="accent1"/>
+                </a:effectRef>
+                <a:fontRef idx="minor">
+                  <a:schemeClr val="tx1"/>
+                </a:fontRef>
+              </p:style>
+            </p:cxnSp>
+          </p:grpSp>
+          <p:sp>
+            <p:nvSpPr>
+              <p:cNvPr id="115" name="Rounded Rectangle 114"/>
+              <p:cNvSpPr/>
+              <p:nvPr/>
+            </p:nvSpPr>
+            <p:spPr>
+              <a:xfrm>
+                <a:off x="9059604" y="4675660"/>
+                <a:ext cx="166737" cy="165241"/>
+              </a:xfrm>
+              <a:prstGeom prst="roundRect">
+                <a:avLst/>
+              </a:prstGeom>
+              <a:solidFill>
+                <a:srgbClr val="4372C4"/>
+              </a:solidFill>
+              <a:ln w="12700" cap="flat" cmpd="sng" algn="ctr">
+                <a:solidFill>
+                  <a:schemeClr val="tx2"/>
+                </a:solidFill>
+                <a:prstDash val="solid"/>
+              </a:ln>
+              <a:effectLst>
+                <a:outerShdw blurRad="40000" dist="23000" dir="5400000" rotWithShape="0">
+                  <a:srgbClr val="000000">
+                    <a:alpha val="35000"/>
+                  </a:srgbClr>
+                </a:outerShdw>
+              </a:effectLst>
+            </p:spPr>
+            <p:txBody>
+              <a:bodyPr tIns="36000" bIns="36000" rtlCol="0" anchor="ctr"/>
+              <a:lstStyle/>
+              <a:p>
+                <a:pPr marL="0" marR="0" lvl="0" indent="0" algn="ctr" defTabSz="457200" eaLnBrk="1" fontAlgn="auto" latinLnBrk="0" hangingPunct="1">
+                  <a:lnSpc>
+                    <a:spcPct val="100000"/>
+                  </a:lnSpc>
+                  <a:spcBef>
+                    <a:spcPts val="0"/>
+                  </a:spcBef>
+                  <a:spcAft>
+                    <a:spcPts val="0"/>
+                  </a:spcAft>
+                  <a:buClrTx/>
+                  <a:buSzTx/>
+                  <a:buFontTx/>
+                  <a:buNone/>
+                  <a:tabLst/>
+                  <a:defRPr/>
+                </a:pPr>
+                <a:r>
+                  <a:rPr lang="en-US" sz="1000" b="1" kern="0" dirty="0">
+                    <a:solidFill>
+                      <a:schemeClr val="bg1"/>
+                    </a:solidFill>
+                    <a:ea typeface=""/>
+                    <a:cs typeface=""/>
+                  </a:rPr>
+                  <a:t>I</a:t>
+                </a:r>
+                <a:endParaRPr kumimoji="0" lang="en-US" sz="1000" b="1" i="0" u="none" strike="noStrike" kern="0" cap="none" spc="0" normalizeH="0" baseline="0" noProof="0" dirty="0" smtClean="0">
+                  <a:ln>
+                    <a:noFill/>
+                  </a:ln>
+                  <a:solidFill>
+                    <a:schemeClr val="bg1"/>
+                  </a:solidFill>
+                  <a:effectLst/>
+                  <a:uLnTx/>
+                  <a:uFillTx/>
+                  <a:ea typeface=""/>
+                  <a:cs typeface=""/>
+                </a:endParaRPr>
+              </a:p>
+            </p:txBody>
+          </p:sp>
+        </p:grpSp>
+        <p:sp>
+          <p:nvSpPr>
+            <p:cNvPr id="112" name="7-Point Star 111"/>
+            <p:cNvSpPr/>
+            <p:nvPr/>
+          </p:nvSpPr>
+          <p:spPr>
+            <a:xfrm>
+              <a:off x="5834851" y="2902584"/>
+              <a:ext cx="138226" cy="138226"/>
+            </a:xfrm>
+            <a:prstGeom prst="star7">
+              <a:avLst/>
+            </a:prstGeom>
+            <a:solidFill>
+              <a:schemeClr val="bg1"/>
+            </a:solidFill>
+          </p:spPr>
+          <p:style>
+            <a:lnRef idx="2">
+              <a:schemeClr val="accent1">
+                <a:shade val="50000"/>
+              </a:schemeClr>
+            </a:lnRef>
+            <a:fillRef idx="1">
+              <a:schemeClr val="accent1"/>
+            </a:fillRef>
+            <a:effectRef idx="0">
+              <a:schemeClr val="accent1"/>
+            </a:effectRef>
+            <a:fontRef idx="minor">
+              <a:schemeClr val="lt1"/>
+            </a:fontRef>
+          </p:style>
+          <p:txBody>
+            <a:bodyPr rtlCol="0" anchor="ctr"/>
+            <a:lstStyle/>
+            <a:p>
+              <a:pPr algn="ctr"/>
+              <a:endParaRPr lang="en-US"/>
+            </a:p>
+          </p:txBody>
+        </p:sp>
+      </p:grpSp>
+      <p:grpSp>
+        <p:nvGrpSpPr>
+          <p:cNvPr id="119" name="Group 118"/>
+          <p:cNvGrpSpPr/>
+          <p:nvPr/>
+        </p:nvGrpSpPr>
+        <p:grpSpPr>
+          <a:xfrm>
+            <a:off x="5307316" y="1925108"/>
+            <a:ext cx="453635" cy="725046"/>
+            <a:chOff x="5701137" y="2384637"/>
+            <a:chExt cx="1133935" cy="1812371"/>
+          </a:xfrm>
+        </p:grpSpPr>
+        <p:sp>
+          <p:nvSpPr>
+            <p:cNvPr id="120" name="Oval 119"/>
+            <p:cNvSpPr/>
+            <p:nvPr/>
+          </p:nvSpPr>
+          <p:spPr>
+            <a:xfrm>
+              <a:off x="5928886" y="2384637"/>
+              <a:ext cx="678435" cy="678436"/>
+            </a:xfrm>
+            <a:prstGeom prst="ellipse">
+              <a:avLst/>
+            </a:prstGeom>
+          </p:spPr>
+          <p:style>
+            <a:lnRef idx="2">
+              <a:schemeClr val="accent1">
+                <a:shade val="50000"/>
+              </a:schemeClr>
+            </a:lnRef>
+            <a:fillRef idx="1">
+              <a:schemeClr val="accent1"/>
+            </a:fillRef>
+            <a:effectRef idx="0">
+              <a:schemeClr val="accent1"/>
+            </a:effectRef>
+            <a:fontRef idx="minor">
+              <a:schemeClr val="lt1"/>
+            </a:fontRef>
+          </p:style>
+          <p:txBody>
+            <a:bodyPr rtlCol="0" anchor="ctr"/>
+            <a:lstStyle/>
+            <a:p>
+              <a:pPr algn="ctr"/>
+              <a:endParaRPr lang="en-US"/>
+            </a:p>
+          </p:txBody>
+        </p:sp>
+        <p:sp>
+          <p:nvSpPr>
+            <p:cNvPr id="121" name="Round Same Side Corner Rectangle 120"/>
+            <p:cNvSpPr/>
+            <p:nvPr/>
+          </p:nvSpPr>
+          <p:spPr>
+            <a:xfrm>
+              <a:off x="5701137" y="3063073"/>
+              <a:ext cx="1133935" cy="1133935"/>
+            </a:xfrm>
+            <a:prstGeom prst="round2SameRect">
+              <a:avLst>
+                <a:gd name="adj1" fmla="val 49716"/>
+                <a:gd name="adj2" fmla="val 0"/>
+              </a:avLst>
+            </a:prstGeom>
+          </p:spPr>
+          <p:style>
+            <a:lnRef idx="2">
+              <a:schemeClr val="accent1">
+                <a:shade val="50000"/>
+              </a:schemeClr>
+            </a:lnRef>
+            <a:fillRef idx="1">
+              <a:schemeClr val="accent1"/>
+            </a:fillRef>
+            <a:effectRef idx="0">
+              <a:schemeClr val="accent1"/>
+            </a:effectRef>
+            <a:fontRef idx="minor">
+              <a:schemeClr val="lt1"/>
+            </a:fontRef>
+          </p:style>
+          <p:txBody>
+            <a:bodyPr rtlCol="0" anchor="ctr"/>
+            <a:lstStyle/>
+            <a:p>
+              <a:pPr algn="ctr"/>
+              <a:r>
+                <a:rPr lang="en-US" sz="2400" b="1" dirty="0" smtClean="0"/>
+                <a:t>B</a:t>
+              </a:r>
+              <a:endParaRPr lang="en-US" sz="2400" b="1" dirty="0"/>
+            </a:p>
+          </p:txBody>
+        </p:sp>
+      </p:grpSp>
+      <p:grpSp>
+        <p:nvGrpSpPr>
+          <p:cNvPr id="122" name="Group 121"/>
+          <p:cNvGrpSpPr/>
+          <p:nvPr/>
+        </p:nvGrpSpPr>
+        <p:grpSpPr>
+          <a:xfrm>
+            <a:off x="5379599" y="2711646"/>
+            <a:ext cx="312349" cy="323772"/>
+            <a:chOff x="5676338" y="2717038"/>
+            <a:chExt cx="312349" cy="323772"/>
+          </a:xfrm>
+        </p:grpSpPr>
+        <p:grpSp>
+          <p:nvGrpSpPr>
+            <p:cNvPr id="123" name="Group 122"/>
+            <p:cNvGrpSpPr/>
+            <p:nvPr/>
+          </p:nvGrpSpPr>
+          <p:grpSpPr>
+            <a:xfrm>
+              <a:off x="5676338" y="2717038"/>
+              <a:ext cx="312349" cy="252979"/>
+              <a:chOff x="9015959" y="4587888"/>
+              <a:chExt cx="420764" cy="340787"/>
+            </a:xfrm>
+          </p:grpSpPr>
+          <p:sp>
+            <p:nvSpPr>
+              <p:cNvPr id="125" name="Rectangle 124"/>
+              <p:cNvSpPr/>
+              <p:nvPr/>
+            </p:nvSpPr>
+            <p:spPr>
+              <a:xfrm>
+                <a:off x="9015959" y="4587888"/>
+                <a:ext cx="420764" cy="340787"/>
+              </a:xfrm>
+              <a:prstGeom prst="rect">
+                <a:avLst/>
+              </a:prstGeom>
+              <a:noFill/>
+              <a:ln w="25400"/>
+            </p:spPr>
+            <p:style>
+              <a:lnRef idx="2">
+                <a:schemeClr val="accent1">
+                  <a:shade val="50000"/>
+                </a:schemeClr>
+              </a:lnRef>
+              <a:fillRef idx="1">
+                <a:schemeClr val="accent1"/>
+              </a:fillRef>
+              <a:effectRef idx="0">
+                <a:schemeClr val="accent1"/>
+              </a:effectRef>
+              <a:fontRef idx="minor">
+                <a:schemeClr val="lt1"/>
+              </a:fontRef>
+            </p:style>
+            <p:txBody>
+              <a:bodyPr rtlCol="0" anchor="ctr"/>
+              <a:lstStyle/>
+              <a:p>
+                <a:pPr algn="ctr"/>
+                <a:endParaRPr lang="en-US" sz="1050"/>
+              </a:p>
+            </p:txBody>
+          </p:sp>
+          <p:grpSp>
+            <p:nvGrpSpPr>
+              <p:cNvPr id="126" name="Group 125"/>
+              <p:cNvGrpSpPr/>
+              <p:nvPr/>
+            </p:nvGrpSpPr>
+            <p:grpSpPr>
+              <a:xfrm>
+                <a:off x="9261059" y="4690045"/>
+                <a:ext cx="123069" cy="75870"/>
+                <a:chOff x="4783309" y="3634526"/>
+                <a:chExt cx="123069" cy="75870"/>
+              </a:xfrm>
+            </p:grpSpPr>
+            <p:cxnSp>
+              <p:nvCxnSpPr>
+                <p:cNvPr id="128" name="Straight Connector 127"/>
+                <p:cNvCxnSpPr/>
+                <p:nvPr/>
+              </p:nvCxnSpPr>
+              <p:spPr>
+                <a:xfrm>
+                  <a:off x="4783309" y="3634526"/>
+                  <a:ext cx="123069" cy="0"/>
+                </a:xfrm>
+                <a:prstGeom prst="line">
+                  <a:avLst/>
+                </a:prstGeom>
+                <a:ln w="25400"/>
+              </p:spPr>
+              <p:style>
+                <a:lnRef idx="1">
+                  <a:schemeClr val="accent1"/>
+                </a:lnRef>
+                <a:fillRef idx="0">
+                  <a:schemeClr val="accent1"/>
+                </a:fillRef>
+                <a:effectRef idx="0">
+                  <a:schemeClr val="accent1"/>
+                </a:effectRef>
+                <a:fontRef idx="minor">
+                  <a:schemeClr val="tx1"/>
+                </a:fontRef>
+              </p:style>
+            </p:cxnSp>
+            <p:cxnSp>
+              <p:nvCxnSpPr>
+                <p:cNvPr id="129" name="Straight Connector 128"/>
+                <p:cNvCxnSpPr/>
+                <p:nvPr/>
+              </p:nvCxnSpPr>
+              <p:spPr>
+                <a:xfrm>
+                  <a:off x="4783309" y="3672462"/>
+                  <a:ext cx="123069" cy="0"/>
+                </a:xfrm>
+                <a:prstGeom prst="line">
+                  <a:avLst/>
+                </a:prstGeom>
+                <a:ln w="25400"/>
+              </p:spPr>
+              <p:style>
+                <a:lnRef idx="1">
+                  <a:schemeClr val="accent1"/>
+                </a:lnRef>
+                <a:fillRef idx="0">
+                  <a:schemeClr val="accent1"/>
+                </a:fillRef>
+                <a:effectRef idx="0">
+                  <a:schemeClr val="accent1"/>
+                </a:effectRef>
+                <a:fontRef idx="minor">
+                  <a:schemeClr val="tx1"/>
+                </a:fontRef>
+              </p:style>
+            </p:cxnSp>
+            <p:cxnSp>
+              <p:nvCxnSpPr>
+                <p:cNvPr id="130" name="Straight Connector 129"/>
+                <p:cNvCxnSpPr/>
+                <p:nvPr/>
+              </p:nvCxnSpPr>
+              <p:spPr>
+                <a:xfrm>
+                  <a:off x="4783309" y="3710396"/>
+                  <a:ext cx="123069" cy="0"/>
+                </a:xfrm>
+                <a:prstGeom prst="line">
+                  <a:avLst/>
+                </a:prstGeom>
+                <a:ln w="25400"/>
+              </p:spPr>
+              <p:style>
+                <a:lnRef idx="1">
+                  <a:schemeClr val="accent1"/>
+                </a:lnRef>
+                <a:fillRef idx="0">
+                  <a:schemeClr val="accent1"/>
+                </a:fillRef>
+                <a:effectRef idx="0">
+                  <a:schemeClr val="accent1"/>
+                </a:effectRef>
+                <a:fontRef idx="minor">
+                  <a:schemeClr val="tx1"/>
+                </a:fontRef>
+              </p:style>
+            </p:cxnSp>
+          </p:grpSp>
+          <p:sp>
+            <p:nvSpPr>
+              <p:cNvPr id="127" name="Rounded Rectangle 126"/>
+              <p:cNvSpPr/>
+              <p:nvPr/>
+            </p:nvSpPr>
+            <p:spPr>
+              <a:xfrm>
+                <a:off x="9059604" y="4675660"/>
+                <a:ext cx="166737" cy="165241"/>
+              </a:xfrm>
+              <a:prstGeom prst="roundRect">
+                <a:avLst/>
+              </a:prstGeom>
+              <a:solidFill>
+                <a:srgbClr val="4372C4"/>
+              </a:solidFill>
+              <a:ln w="12700" cap="flat" cmpd="sng" algn="ctr">
+                <a:solidFill>
+                  <a:schemeClr val="tx2"/>
+                </a:solidFill>
+                <a:prstDash val="solid"/>
+              </a:ln>
+              <a:effectLst>
+                <a:outerShdw blurRad="40000" dist="23000" dir="5400000" rotWithShape="0">
+                  <a:srgbClr val="000000">
+                    <a:alpha val="35000"/>
+                  </a:srgbClr>
+                </a:outerShdw>
+              </a:effectLst>
+            </p:spPr>
+            <p:txBody>
+              <a:bodyPr tIns="36000" bIns="36000" rtlCol="0" anchor="ctr"/>
+              <a:lstStyle/>
+              <a:p>
+                <a:pPr marL="0" marR="0" lvl="0" indent="0" algn="ctr" defTabSz="457200" eaLnBrk="1" fontAlgn="auto" latinLnBrk="0" hangingPunct="1">
+                  <a:lnSpc>
+                    <a:spcPct val="100000"/>
+                  </a:lnSpc>
+                  <a:spcBef>
+                    <a:spcPts val="0"/>
+                  </a:spcBef>
+                  <a:spcAft>
+                    <a:spcPts val="0"/>
+                  </a:spcAft>
+                  <a:buClrTx/>
+                  <a:buSzTx/>
+                  <a:buFontTx/>
+                  <a:buNone/>
+                  <a:tabLst/>
+                  <a:defRPr/>
+                </a:pPr>
+                <a:r>
+                  <a:rPr lang="en-US" sz="1000" b="1" kern="0" dirty="0">
+                    <a:solidFill>
+                      <a:schemeClr val="bg1"/>
+                    </a:solidFill>
+                    <a:ea typeface=""/>
+                    <a:cs typeface=""/>
+                  </a:rPr>
+                  <a:t>I</a:t>
+                </a:r>
+                <a:endParaRPr kumimoji="0" lang="en-US" sz="1000" b="1" i="0" u="none" strike="noStrike" kern="0" cap="none" spc="0" normalizeH="0" baseline="0" noProof="0" dirty="0" smtClean="0">
+                  <a:ln>
+                    <a:noFill/>
+                  </a:ln>
+                  <a:solidFill>
+                    <a:schemeClr val="bg1"/>
+                  </a:solidFill>
+                  <a:effectLst/>
+                  <a:uLnTx/>
+                  <a:uFillTx/>
+                  <a:ea typeface=""/>
+                  <a:cs typeface=""/>
+                </a:endParaRPr>
+              </a:p>
+            </p:txBody>
+          </p:sp>
+        </p:grpSp>
+        <p:sp>
+          <p:nvSpPr>
+            <p:cNvPr id="124" name="7-Point Star 123"/>
+            <p:cNvSpPr/>
+            <p:nvPr/>
+          </p:nvSpPr>
+          <p:spPr>
+            <a:xfrm>
+              <a:off x="5834851" y="2902584"/>
+              <a:ext cx="138226" cy="138226"/>
+            </a:xfrm>
+            <a:prstGeom prst="star7">
+              <a:avLst/>
+            </a:prstGeom>
+            <a:solidFill>
+              <a:schemeClr val="bg1"/>
+            </a:solidFill>
+          </p:spPr>
+          <p:style>
+            <a:lnRef idx="2">
+              <a:schemeClr val="accent1">
+                <a:shade val="50000"/>
+              </a:schemeClr>
+            </a:lnRef>
+            <a:fillRef idx="1">
+              <a:schemeClr val="accent1"/>
+            </a:fillRef>
+            <a:effectRef idx="0">
+              <a:schemeClr val="accent1"/>
+            </a:effectRef>
+            <a:fontRef idx="minor">
+              <a:schemeClr val="lt1"/>
+            </a:fontRef>
+          </p:style>
+          <p:txBody>
+            <a:bodyPr rtlCol="0" anchor="ctr"/>
+            <a:lstStyle/>
+            <a:p>
+              <a:pPr algn="ctr"/>
+              <a:endParaRPr lang="en-US"/>
+            </a:p>
+          </p:txBody>
+        </p:sp>
+      </p:grpSp>
+      <p:grpSp>
+        <p:nvGrpSpPr>
+          <p:cNvPr id="131" name="Group 130"/>
+          <p:cNvGrpSpPr/>
+          <p:nvPr/>
+        </p:nvGrpSpPr>
+        <p:grpSpPr>
+          <a:xfrm>
+            <a:off x="7424830" y="3258360"/>
+            <a:ext cx="503303" cy="466079"/>
+            <a:chOff x="10666566" y="3979442"/>
+            <a:chExt cx="742889" cy="687946"/>
+          </a:xfrm>
+        </p:grpSpPr>
+        <p:sp>
+          <p:nvSpPr>
+            <p:cNvPr id="132" name="Triangle 131"/>
+            <p:cNvSpPr/>
+            <p:nvPr/>
+          </p:nvSpPr>
+          <p:spPr>
+            <a:xfrm>
+              <a:off x="10666566" y="3979442"/>
+              <a:ext cx="742889" cy="677401"/>
+            </a:xfrm>
+            <a:prstGeom prst="triangle">
+              <a:avLst/>
+            </a:prstGeom>
+            <a:ln w="12700">
+              <a:solidFill>
+                <a:schemeClr val="tx2"/>
+              </a:solidFill>
+            </a:ln>
+          </p:spPr>
+          <p:style>
+            <a:lnRef idx="2">
+              <a:schemeClr val="accent1">
+                <a:shade val="50000"/>
+              </a:schemeClr>
+            </a:lnRef>
+            <a:fillRef idx="1">
+              <a:schemeClr val="accent1"/>
+            </a:fillRef>
+            <a:effectRef idx="0">
+              <a:schemeClr val="accent1"/>
+            </a:effectRef>
+            <a:fontRef idx="minor">
+              <a:schemeClr val="lt1"/>
+            </a:fontRef>
+          </p:style>
+          <p:txBody>
+            <a:bodyPr rtlCol="0" anchor="ctr"/>
+            <a:lstStyle/>
+            <a:p>
+              <a:pPr algn="ctr"/>
+              <a:endParaRPr lang="en-US" sz="900" b="1" dirty="0">
+                <a:solidFill>
+                  <a:schemeClr val="bg1"/>
+                </a:solidFill>
+              </a:endParaRPr>
+            </a:p>
+          </p:txBody>
+        </p:sp>
+        <p:sp>
+          <p:nvSpPr>
+            <p:cNvPr id="133" name="TextBox 132"/>
+            <p:cNvSpPr txBox="1"/>
+            <p:nvPr/>
+          </p:nvSpPr>
+          <p:spPr>
+            <a:xfrm>
+              <a:off x="10763238" y="4281244"/>
+              <a:ext cx="587261" cy="386144"/>
+            </a:xfrm>
+            <a:prstGeom prst="rect">
+              <a:avLst/>
+            </a:prstGeom>
+            <a:noFill/>
+          </p:spPr>
+          <p:txBody>
+            <a:bodyPr wrap="none" rtlCol="0">
+              <a:spAutoFit/>
+            </a:bodyPr>
+            <a:lstStyle/>
+            <a:p>
+              <a:r>
+                <a:rPr lang="en-US" sz="1050" b="1" dirty="0" smtClean="0">
+                  <a:solidFill>
+                    <a:schemeClr val="bg1"/>
+                  </a:solidFill>
+                </a:rPr>
+                <a:t>Org</a:t>
+              </a:r>
+              <a:endParaRPr lang="en-US" sz="1050" b="1" dirty="0">
+                <a:solidFill>
+                  <a:schemeClr val="bg1"/>
+                </a:solidFill>
+              </a:endParaRPr>
+            </a:p>
+          </p:txBody>
+        </p:sp>
+      </p:grpSp>
+      <p:grpSp>
+        <p:nvGrpSpPr>
+          <p:cNvPr id="134" name="Group 133"/>
+          <p:cNvGrpSpPr/>
+          <p:nvPr/>
+        </p:nvGrpSpPr>
+        <p:grpSpPr>
+          <a:xfrm>
+            <a:off x="9766235" y="3325941"/>
+            <a:ext cx="443724" cy="459952"/>
+            <a:chOff x="5676338" y="2717038"/>
+            <a:chExt cx="312349" cy="323772"/>
+          </a:xfrm>
+        </p:grpSpPr>
+        <p:grpSp>
+          <p:nvGrpSpPr>
+            <p:cNvPr id="135" name="Group 134"/>
+            <p:cNvGrpSpPr/>
+            <p:nvPr/>
+          </p:nvGrpSpPr>
+          <p:grpSpPr>
+            <a:xfrm>
+              <a:off x="5676338" y="2717038"/>
+              <a:ext cx="312349" cy="252979"/>
+              <a:chOff x="9015959" y="4587888"/>
+              <a:chExt cx="420764" cy="340787"/>
+            </a:xfrm>
+          </p:grpSpPr>
+          <p:sp>
+            <p:nvSpPr>
+              <p:cNvPr id="137" name="Rectangle 136"/>
+              <p:cNvSpPr/>
+              <p:nvPr/>
+            </p:nvSpPr>
+            <p:spPr>
+              <a:xfrm>
+                <a:off x="9015959" y="4587888"/>
+                <a:ext cx="420764" cy="340787"/>
+              </a:xfrm>
+              <a:prstGeom prst="rect">
+                <a:avLst/>
+              </a:prstGeom>
+              <a:noFill/>
+              <a:ln w="25400"/>
+            </p:spPr>
+            <p:style>
+              <a:lnRef idx="2">
+                <a:schemeClr val="accent1">
+                  <a:shade val="50000"/>
+                </a:schemeClr>
+              </a:lnRef>
+              <a:fillRef idx="1">
+                <a:schemeClr val="accent1"/>
+              </a:fillRef>
+              <a:effectRef idx="0">
+                <a:schemeClr val="accent1"/>
+              </a:effectRef>
+              <a:fontRef idx="minor">
+                <a:schemeClr val="lt1"/>
+              </a:fontRef>
+            </p:style>
+            <p:txBody>
+              <a:bodyPr rtlCol="0" anchor="ctr"/>
+              <a:lstStyle/>
+              <a:p>
+                <a:pPr algn="ctr"/>
+                <a:endParaRPr lang="en-US" sz="1050"/>
+              </a:p>
+            </p:txBody>
+          </p:sp>
+          <p:grpSp>
+            <p:nvGrpSpPr>
+              <p:cNvPr id="138" name="Group 137"/>
+              <p:cNvGrpSpPr/>
+              <p:nvPr/>
+            </p:nvGrpSpPr>
+            <p:grpSpPr>
+              <a:xfrm>
+                <a:off x="9261059" y="4690045"/>
+                <a:ext cx="123069" cy="75870"/>
+                <a:chOff x="4783309" y="3634526"/>
+                <a:chExt cx="123069" cy="75870"/>
+              </a:xfrm>
+            </p:grpSpPr>
+            <p:cxnSp>
+              <p:nvCxnSpPr>
+                <p:cNvPr id="140" name="Straight Connector 139"/>
+                <p:cNvCxnSpPr/>
+                <p:nvPr/>
+              </p:nvCxnSpPr>
+              <p:spPr>
+                <a:xfrm>
+                  <a:off x="4783309" y="3634526"/>
+                  <a:ext cx="123069" cy="0"/>
+                </a:xfrm>
+                <a:prstGeom prst="line">
+                  <a:avLst/>
+                </a:prstGeom>
+                <a:ln w="25400"/>
+              </p:spPr>
+              <p:style>
+                <a:lnRef idx="1">
+                  <a:schemeClr val="accent1"/>
+                </a:lnRef>
+                <a:fillRef idx="0">
+                  <a:schemeClr val="accent1"/>
+                </a:fillRef>
+                <a:effectRef idx="0">
+                  <a:schemeClr val="accent1"/>
+                </a:effectRef>
+                <a:fontRef idx="minor">
+                  <a:schemeClr val="tx1"/>
+                </a:fontRef>
+              </p:style>
+            </p:cxnSp>
+            <p:cxnSp>
+              <p:nvCxnSpPr>
+                <p:cNvPr id="141" name="Straight Connector 140"/>
+                <p:cNvCxnSpPr/>
+                <p:nvPr/>
+              </p:nvCxnSpPr>
+              <p:spPr>
+                <a:xfrm>
+                  <a:off x="4783309" y="3672462"/>
+                  <a:ext cx="123069" cy="0"/>
+                </a:xfrm>
+                <a:prstGeom prst="line">
+                  <a:avLst/>
+                </a:prstGeom>
+                <a:ln w="25400"/>
+              </p:spPr>
+              <p:style>
+                <a:lnRef idx="1">
+                  <a:schemeClr val="accent1"/>
+                </a:lnRef>
+                <a:fillRef idx="0">
+                  <a:schemeClr val="accent1"/>
+                </a:fillRef>
+                <a:effectRef idx="0">
+                  <a:schemeClr val="accent1"/>
+                </a:effectRef>
+                <a:fontRef idx="minor">
+                  <a:schemeClr val="tx1"/>
+                </a:fontRef>
+              </p:style>
+            </p:cxnSp>
+            <p:cxnSp>
+              <p:nvCxnSpPr>
+                <p:cNvPr id="142" name="Straight Connector 141"/>
+                <p:cNvCxnSpPr/>
+                <p:nvPr/>
+              </p:nvCxnSpPr>
+              <p:spPr>
+                <a:xfrm>
+                  <a:off x="4783309" y="3710396"/>
+                  <a:ext cx="123069" cy="0"/>
+                </a:xfrm>
+                <a:prstGeom prst="line">
+                  <a:avLst/>
+                </a:prstGeom>
+                <a:ln w="25400"/>
+              </p:spPr>
+              <p:style>
+                <a:lnRef idx="1">
+                  <a:schemeClr val="accent1"/>
+                </a:lnRef>
+                <a:fillRef idx="0">
+                  <a:schemeClr val="accent1"/>
+                </a:fillRef>
+                <a:effectRef idx="0">
+                  <a:schemeClr val="accent1"/>
+                </a:effectRef>
+                <a:fontRef idx="minor">
+                  <a:schemeClr val="tx1"/>
+                </a:fontRef>
+              </p:style>
+            </p:cxnSp>
+          </p:grpSp>
+          <p:sp>
+            <p:nvSpPr>
+              <p:cNvPr id="139" name="Rounded Rectangle 138"/>
+              <p:cNvSpPr/>
+              <p:nvPr/>
+            </p:nvSpPr>
+            <p:spPr>
+              <a:xfrm>
+                <a:off x="9059604" y="4675660"/>
+                <a:ext cx="166737" cy="165241"/>
+              </a:xfrm>
+              <a:prstGeom prst="roundRect">
+                <a:avLst/>
+              </a:prstGeom>
+              <a:solidFill>
+                <a:srgbClr val="4372C4"/>
+              </a:solidFill>
+              <a:ln w="12700" cap="flat" cmpd="sng" algn="ctr">
+                <a:solidFill>
+                  <a:schemeClr val="tx2"/>
+                </a:solidFill>
+                <a:prstDash val="solid"/>
+              </a:ln>
+              <a:effectLst>
+                <a:outerShdw blurRad="40000" dist="23000" dir="5400000" rotWithShape="0">
+                  <a:srgbClr val="000000">
+                    <a:alpha val="35000"/>
+                  </a:srgbClr>
+                </a:outerShdw>
+              </a:effectLst>
+            </p:spPr>
+            <p:txBody>
+              <a:bodyPr tIns="36000" bIns="36000" rtlCol="0" anchor="ctr"/>
+              <a:lstStyle/>
+              <a:p>
+                <a:pPr marL="0" marR="0" lvl="0" indent="0" algn="ctr" defTabSz="457200" eaLnBrk="1" fontAlgn="auto" latinLnBrk="0" hangingPunct="1">
+                  <a:lnSpc>
+                    <a:spcPct val="100000"/>
+                  </a:lnSpc>
+                  <a:spcBef>
+                    <a:spcPts val="0"/>
+                  </a:spcBef>
+                  <a:spcAft>
+                    <a:spcPts val="0"/>
+                  </a:spcAft>
+                  <a:buClrTx/>
+                  <a:buSzTx/>
+                  <a:buFontTx/>
+                  <a:buNone/>
+                  <a:tabLst/>
+                  <a:defRPr/>
+                </a:pPr>
+                <a:r>
+                  <a:rPr lang="en-US" sz="1000" b="1" kern="0" dirty="0">
+                    <a:solidFill>
+                      <a:schemeClr val="bg1"/>
+                    </a:solidFill>
+                    <a:ea typeface=""/>
+                    <a:cs typeface=""/>
+                  </a:rPr>
+                  <a:t>I</a:t>
+                </a:r>
+                <a:endParaRPr kumimoji="0" lang="en-US" sz="1000" b="1" i="0" u="none" strike="noStrike" kern="0" cap="none" spc="0" normalizeH="0" baseline="0" noProof="0" dirty="0" smtClean="0">
+                  <a:ln>
+                    <a:noFill/>
+                  </a:ln>
+                  <a:solidFill>
+                    <a:schemeClr val="bg1"/>
+                  </a:solidFill>
+                  <a:effectLst/>
+                  <a:uLnTx/>
+                  <a:uFillTx/>
+                  <a:ea typeface=""/>
+                  <a:cs typeface=""/>
+                </a:endParaRPr>
+              </a:p>
+            </p:txBody>
+          </p:sp>
+        </p:grpSp>
+        <p:sp>
+          <p:nvSpPr>
+            <p:cNvPr id="136" name="7-Point Star 135"/>
+            <p:cNvSpPr/>
+            <p:nvPr/>
+          </p:nvSpPr>
+          <p:spPr>
+            <a:xfrm>
+              <a:off x="5834851" y="2902584"/>
+              <a:ext cx="138226" cy="138226"/>
+            </a:xfrm>
+            <a:prstGeom prst="star7">
+              <a:avLst/>
+            </a:prstGeom>
+            <a:solidFill>
+              <a:schemeClr val="bg1"/>
+            </a:solidFill>
+          </p:spPr>
+          <p:style>
+            <a:lnRef idx="2">
+              <a:schemeClr val="accent1">
+                <a:shade val="50000"/>
+              </a:schemeClr>
+            </a:lnRef>
+            <a:fillRef idx="1">
+              <a:schemeClr val="accent1"/>
+            </a:fillRef>
+            <a:effectRef idx="0">
+              <a:schemeClr val="accent1"/>
+            </a:effectRef>
+            <a:fontRef idx="minor">
+              <a:schemeClr val="lt1"/>
+            </a:fontRef>
+          </p:style>
+          <p:txBody>
+            <a:bodyPr rtlCol="0" anchor="ctr"/>
+            <a:lstStyle/>
+            <a:p>
+              <a:pPr algn="ctr"/>
+              <a:endParaRPr lang="en-US"/>
+            </a:p>
+          </p:txBody>
+        </p:sp>
+      </p:grpSp>
+      <p:grpSp>
+        <p:nvGrpSpPr>
+          <p:cNvPr id="143" name="Group 142"/>
+          <p:cNvGrpSpPr/>
+          <p:nvPr/>
+        </p:nvGrpSpPr>
+        <p:grpSpPr>
+          <a:xfrm>
+            <a:off x="7482776" y="3920240"/>
+            <a:ext cx="385333" cy="615879"/>
+            <a:chOff x="5701137" y="2384637"/>
+            <a:chExt cx="1133935" cy="1812371"/>
+          </a:xfrm>
+        </p:grpSpPr>
+        <p:sp>
+          <p:nvSpPr>
+            <p:cNvPr id="144" name="Oval 143"/>
+            <p:cNvSpPr/>
+            <p:nvPr/>
+          </p:nvSpPr>
+          <p:spPr>
+            <a:xfrm>
+              <a:off x="5928886" y="2384637"/>
+              <a:ext cx="678435" cy="678436"/>
+            </a:xfrm>
+            <a:prstGeom prst="ellipse">
+              <a:avLst/>
+            </a:prstGeom>
+          </p:spPr>
+          <p:style>
+            <a:lnRef idx="2">
+              <a:schemeClr val="accent1">
+                <a:shade val="50000"/>
+              </a:schemeClr>
+            </a:lnRef>
+            <a:fillRef idx="1">
+              <a:schemeClr val="accent1"/>
+            </a:fillRef>
+            <a:effectRef idx="0">
+              <a:schemeClr val="accent1"/>
+            </a:effectRef>
+            <a:fontRef idx="minor">
+              <a:schemeClr val="lt1"/>
+            </a:fontRef>
+          </p:style>
+          <p:txBody>
+            <a:bodyPr rtlCol="0" anchor="ctr"/>
+            <a:lstStyle/>
+            <a:p>
+              <a:pPr algn="ctr"/>
+              <a:endParaRPr lang="en-US" sz="1400"/>
+            </a:p>
+          </p:txBody>
+        </p:sp>
+        <p:sp>
+          <p:nvSpPr>
+            <p:cNvPr id="145" name="Round Same Side Corner Rectangle 144"/>
+            <p:cNvSpPr/>
+            <p:nvPr/>
+          </p:nvSpPr>
+          <p:spPr>
+            <a:xfrm>
+              <a:off x="5701137" y="3063073"/>
+              <a:ext cx="1133935" cy="1133935"/>
+            </a:xfrm>
+            <a:prstGeom prst="round2SameRect">
+              <a:avLst>
+                <a:gd name="adj1" fmla="val 49716"/>
+                <a:gd name="adj2" fmla="val 0"/>
+              </a:avLst>
+            </a:prstGeom>
+          </p:spPr>
+          <p:style>
+            <a:lnRef idx="2">
+              <a:schemeClr val="accent1">
+                <a:shade val="50000"/>
+              </a:schemeClr>
+            </a:lnRef>
+            <a:fillRef idx="1">
+              <a:schemeClr val="accent1"/>
+            </a:fillRef>
+            <a:effectRef idx="0">
+              <a:schemeClr val="accent1"/>
+            </a:effectRef>
+            <a:fontRef idx="minor">
+              <a:schemeClr val="lt1"/>
+            </a:fontRef>
+          </p:style>
+          <p:txBody>
+            <a:bodyPr rtlCol="0" anchor="ctr"/>
+            <a:lstStyle/>
+            <a:p>
+              <a:pPr algn="ctr"/>
+              <a:r>
+                <a:rPr lang="en-US" b="1" dirty="0" smtClean="0"/>
+                <a:t>U</a:t>
+              </a:r>
+              <a:endParaRPr lang="en-US" b="1" dirty="0"/>
+            </a:p>
+          </p:txBody>
+        </p:sp>
+      </p:grpSp>
+      <p:grpSp>
+        <p:nvGrpSpPr>
+          <p:cNvPr id="146" name="Group 145"/>
+          <p:cNvGrpSpPr/>
+          <p:nvPr/>
+        </p:nvGrpSpPr>
+        <p:grpSpPr>
+          <a:xfrm>
+            <a:off x="9776697" y="3911056"/>
+            <a:ext cx="385333" cy="615879"/>
+            <a:chOff x="5701137" y="2384637"/>
+            <a:chExt cx="1133935" cy="1812371"/>
+          </a:xfrm>
+        </p:grpSpPr>
+        <p:sp>
+          <p:nvSpPr>
+            <p:cNvPr id="147" name="Oval 146"/>
+            <p:cNvSpPr/>
+            <p:nvPr/>
+          </p:nvSpPr>
+          <p:spPr>
+            <a:xfrm>
+              <a:off x="5928886" y="2384637"/>
+              <a:ext cx="678435" cy="678436"/>
+            </a:xfrm>
+            <a:prstGeom prst="ellipse">
+              <a:avLst/>
+            </a:prstGeom>
+          </p:spPr>
+          <p:style>
+            <a:lnRef idx="2">
+              <a:schemeClr val="accent1">
+                <a:shade val="50000"/>
+              </a:schemeClr>
+            </a:lnRef>
+            <a:fillRef idx="1">
+              <a:schemeClr val="accent1"/>
+            </a:fillRef>
+            <a:effectRef idx="0">
+              <a:schemeClr val="accent1"/>
+            </a:effectRef>
+            <a:fontRef idx="minor">
+              <a:schemeClr val="lt1"/>
+            </a:fontRef>
+          </p:style>
+          <p:txBody>
+            <a:bodyPr rtlCol="0" anchor="ctr"/>
+            <a:lstStyle/>
+            <a:p>
+              <a:pPr algn="ctr"/>
+              <a:endParaRPr lang="en-US" sz="1400"/>
+            </a:p>
+          </p:txBody>
+        </p:sp>
+        <p:sp>
+          <p:nvSpPr>
+            <p:cNvPr id="148" name="Round Same Side Corner Rectangle 147"/>
+            <p:cNvSpPr/>
+            <p:nvPr/>
+          </p:nvSpPr>
+          <p:spPr>
+            <a:xfrm>
+              <a:off x="5701137" y="3063073"/>
+              <a:ext cx="1133935" cy="1133935"/>
+            </a:xfrm>
+            <a:prstGeom prst="round2SameRect">
+              <a:avLst>
+                <a:gd name="adj1" fmla="val 49716"/>
+                <a:gd name="adj2" fmla="val 0"/>
+              </a:avLst>
+            </a:prstGeom>
+          </p:spPr>
+          <p:style>
+            <a:lnRef idx="2">
+              <a:schemeClr val="accent1">
+                <a:shade val="50000"/>
+              </a:schemeClr>
+            </a:lnRef>
+            <a:fillRef idx="1">
+              <a:schemeClr val="accent1"/>
+            </a:fillRef>
+            <a:effectRef idx="0">
+              <a:schemeClr val="accent1"/>
+            </a:effectRef>
+            <a:fontRef idx="minor">
+              <a:schemeClr val="lt1"/>
+            </a:fontRef>
+          </p:style>
+          <p:txBody>
+            <a:bodyPr rtlCol="0" anchor="ctr"/>
+            <a:lstStyle/>
+            <a:p>
+              <a:pPr algn="ctr"/>
+              <a:r>
+                <a:rPr lang="en-US" b="1" dirty="0" smtClean="0"/>
+                <a:t>B</a:t>
+              </a:r>
+              <a:endParaRPr lang="en-US" b="1" dirty="0"/>
+            </a:p>
+          </p:txBody>
+        </p:sp>
+      </p:grpSp>
+      <p:sp>
+        <p:nvSpPr>
+          <p:cNvPr id="150" name="Rounded Rectangle 149"/>
+          <p:cNvSpPr/>
+          <p:nvPr/>
+        </p:nvSpPr>
+        <p:spPr>
+          <a:xfrm>
+            <a:off x="7436237" y="4730370"/>
+            <a:ext cx="470643" cy="431746"/>
+          </a:xfrm>
+          <a:prstGeom prst="roundRect">
+            <a:avLst/>
+          </a:prstGeom>
+          <a:solidFill>
+            <a:schemeClr val="bg1"/>
+          </a:solidFill>
+          <a:ln w="19050">
+            <a:solidFill>
+              <a:srgbClr val="0070C0"/>
+            </a:solidFill>
+          </a:ln>
+        </p:spPr>
+        <p:style>
+          <a:lnRef idx="2">
+            <a:schemeClr val="accent1">
+              <a:shade val="50000"/>
+            </a:schemeClr>
+          </a:lnRef>
+          <a:fillRef idx="1">
+            <a:schemeClr val="accent1"/>
+          </a:fillRef>
+          <a:effectRef idx="0">
+            <a:schemeClr val="accent1"/>
+          </a:effectRef>
+          <a:fontRef idx="minor">
+            <a:schemeClr val="lt1"/>
+          </a:fontRef>
+        </p:style>
+        <p:txBody>
+          <a:bodyPr rtlCol="0" anchor="ctr"/>
+          <a:lstStyle/>
+          <a:p>
+            <a:pPr algn="ctr" defTabSz="457200"/>
+            <a:r>
+              <a:rPr lang="en-US" sz="1400" b="1" dirty="0" smtClean="0">
+                <a:solidFill>
+                  <a:schemeClr val="accent1"/>
+                </a:solidFill>
+                <a:ea typeface="Arial" charset="0"/>
+                <a:cs typeface="Arial" charset="0"/>
+              </a:rPr>
+              <a:t>A</a:t>
+            </a:r>
+            <a:endParaRPr lang="en-US" sz="1600" b="1" dirty="0">
+              <a:solidFill>
+                <a:schemeClr val="accent1"/>
+              </a:solidFill>
+              <a:ea typeface="Arial" charset="0"/>
+              <a:cs typeface="Arial" charset="0"/>
+            </a:endParaRPr>
+          </a:p>
+        </p:txBody>
+      </p:sp>
+      <p:sp>
+        <p:nvSpPr>
+          <p:cNvPr id="85" name="Rounded Rectangle 84"/>
+          <p:cNvSpPr/>
+          <p:nvPr/>
+        </p:nvSpPr>
+        <p:spPr>
+          <a:xfrm>
+            <a:off x="5996421" y="4025064"/>
+            <a:ext cx="559591" cy="554570"/>
+          </a:xfrm>
+          <a:prstGeom prst="roundRect">
+            <a:avLst/>
+          </a:prstGeom>
+          <a:solidFill>
+            <a:schemeClr val="accent1"/>
+          </a:solidFill>
+          <a:ln w="28575" cap="flat" cmpd="sng" algn="ctr">
+            <a:solidFill>
+              <a:schemeClr val="tx2"/>
+            </a:solidFill>
+            <a:prstDash val="solid"/>
+          </a:ln>
+          <a:effectLst>
+            <a:outerShdw blurRad="40000" dist="23000" dir="5400000" rotWithShape="0">
+              <a:srgbClr val="000000">
+                <a:alpha val="35000"/>
+              </a:srgbClr>
+            </a:outerShdw>
+          </a:effectLst>
+        </p:spPr>
+        <p:txBody>
+          <a:bodyPr tIns="36000" bIns="36000" rtlCol="0" anchor="ctr"/>
+          <a:lstStyle/>
+          <a:p>
+            <a:pPr marL="0" marR="0" lvl="0" indent="0" algn="ctr" defTabSz="457200" eaLnBrk="1" fontAlgn="auto" latinLnBrk="0" hangingPunct="1">
+              <a:lnSpc>
+                <a:spcPct val="100000"/>
+              </a:lnSpc>
+              <a:spcBef>
+                <a:spcPts val="0"/>
+              </a:spcBef>
+              <a:spcAft>
+                <a:spcPts val="0"/>
+              </a:spcAft>
+              <a:buClrTx/>
+              <a:buSzTx/>
+              <a:buFontTx/>
+              <a:buNone/>
+              <a:tabLst/>
+              <a:defRPr/>
+            </a:pPr>
+            <a:r>
+              <a:rPr lang="en-US" sz="2400" b="1" kern="0" noProof="0" dirty="0" smtClean="0">
+                <a:solidFill>
+                  <a:schemeClr val="bg1"/>
+                </a:solidFill>
+                <a:ea typeface=""/>
+                <a:cs typeface=""/>
+              </a:rPr>
+              <a:t>P</a:t>
+            </a:r>
+            <a:endParaRPr kumimoji="0" lang="en-US" sz="2400" b="1" i="0" u="none" strike="noStrike" kern="0" cap="none" spc="0" normalizeH="0" baseline="0" noProof="0" dirty="0" smtClean="0">
+              <a:ln>
+                <a:noFill/>
+              </a:ln>
+              <a:solidFill>
+                <a:schemeClr val="bg1"/>
+              </a:solidFill>
+              <a:effectLst/>
+              <a:uLnTx/>
+              <a:uFillTx/>
+              <a:ea typeface=""/>
+              <a:cs typeface=""/>
+            </a:endParaRPr>
+          </a:p>
+        </p:txBody>
+      </p:sp>
+      <p:sp>
+        <p:nvSpPr>
+          <p:cNvPr id="86" name="Rounded Rectangle 85"/>
+          <p:cNvSpPr/>
+          <p:nvPr/>
+        </p:nvSpPr>
+        <p:spPr>
+          <a:xfrm>
+            <a:off x="5211088" y="4607013"/>
+            <a:ext cx="571412" cy="563758"/>
+          </a:xfrm>
+          <a:prstGeom prst="roundRect">
+            <a:avLst/>
+          </a:prstGeom>
+          <a:solidFill>
+            <a:srgbClr val="00B050"/>
+          </a:solidFill>
+          <a:ln w="25400">
+            <a:solidFill>
+              <a:srgbClr val="0070C0"/>
+            </a:solidFill>
+          </a:ln>
+        </p:spPr>
+        <p:style>
+          <a:lnRef idx="2">
+            <a:schemeClr val="accent1">
+              <a:shade val="50000"/>
+            </a:schemeClr>
+          </a:lnRef>
+          <a:fillRef idx="1">
+            <a:schemeClr val="accent1"/>
+          </a:fillRef>
+          <a:effectRef idx="0">
+            <a:schemeClr val="accent1"/>
+          </a:effectRef>
+          <a:fontRef idx="minor">
+            <a:schemeClr val="lt1"/>
+          </a:fontRef>
+        </p:style>
+        <p:txBody>
+          <a:bodyPr rtlCol="0" anchor="ctr"/>
+          <a:lstStyle/>
+          <a:p>
+            <a:pPr algn="ctr"/>
+            <a:r>
+              <a:rPr lang="en-US" sz="2400" b="1" dirty="0">
+                <a:solidFill>
+                  <a:srgbClr val="4372C4"/>
+                </a:solidFill>
+              </a:rPr>
+              <a:t>O</a:t>
+            </a:r>
+          </a:p>
+        </p:txBody>
+      </p:sp>
+      <p:sp>
+        <p:nvSpPr>
+          <p:cNvPr id="87" name="Rounded Rectangle 86"/>
+          <p:cNvSpPr/>
+          <p:nvPr/>
+        </p:nvSpPr>
+        <p:spPr>
+          <a:xfrm>
+            <a:off x="4387656" y="4025064"/>
+            <a:ext cx="559591" cy="554570"/>
+          </a:xfrm>
+          <a:prstGeom prst="roundRect">
+            <a:avLst/>
+          </a:prstGeom>
+          <a:solidFill>
+            <a:srgbClr val="4372C4"/>
+          </a:solidFill>
+          <a:ln w="28575" cap="flat" cmpd="sng" algn="ctr">
+            <a:solidFill>
+              <a:schemeClr val="tx2"/>
+            </a:solidFill>
+            <a:prstDash val="solid"/>
+          </a:ln>
+          <a:effectLst>
+            <a:outerShdw blurRad="40000" dist="23000" dir="5400000" rotWithShape="0">
+              <a:srgbClr val="000000">
+                <a:alpha val="35000"/>
+              </a:srgbClr>
+            </a:outerShdw>
+          </a:effectLst>
+        </p:spPr>
+        <p:txBody>
+          <a:bodyPr tIns="36000" bIns="36000" rtlCol="0" anchor="ctr"/>
+          <a:lstStyle/>
+          <a:p>
+            <a:pPr marL="0" marR="0" lvl="0" indent="0" algn="ctr" defTabSz="457200" eaLnBrk="1" fontAlgn="auto" latinLnBrk="0" hangingPunct="1">
+              <a:lnSpc>
+                <a:spcPct val="100000"/>
+              </a:lnSpc>
+              <a:spcBef>
+                <a:spcPts val="0"/>
+              </a:spcBef>
+              <a:spcAft>
+                <a:spcPts val="0"/>
+              </a:spcAft>
+              <a:buClrTx/>
+              <a:buSzTx/>
+              <a:buFontTx/>
+              <a:buNone/>
+              <a:tabLst/>
+              <a:defRPr/>
+            </a:pPr>
+            <a:r>
+              <a:rPr lang="en-US" sz="2400" b="1" kern="0" noProof="0" dirty="0" smtClean="0">
+                <a:solidFill>
+                  <a:schemeClr val="bg1"/>
+                </a:solidFill>
+                <a:ea typeface=""/>
+                <a:cs typeface=""/>
+              </a:rPr>
+              <a:t>P</a:t>
+            </a:r>
+            <a:endParaRPr kumimoji="0" lang="en-US" sz="2400" b="1" i="0" u="none" strike="noStrike" kern="0" cap="none" spc="0" normalizeH="0" baseline="0" noProof="0" dirty="0" smtClean="0">
+              <a:ln>
+                <a:noFill/>
+              </a:ln>
+              <a:solidFill>
+                <a:schemeClr val="bg1"/>
+              </a:solidFill>
+              <a:effectLst/>
+              <a:uLnTx/>
+              <a:uFillTx/>
+              <a:ea typeface=""/>
+              <a:cs typeface=""/>
+            </a:endParaRPr>
+          </a:p>
+        </p:txBody>
+      </p:sp>
+      <p:sp>
+        <p:nvSpPr>
+          <p:cNvPr id="88" name="Rounded Rectangle 87"/>
+          <p:cNvSpPr/>
+          <p:nvPr/>
+        </p:nvSpPr>
+        <p:spPr>
+          <a:xfrm>
+            <a:off x="3311608" y="4025064"/>
+            <a:ext cx="559591" cy="554570"/>
+          </a:xfrm>
+          <a:prstGeom prst="roundRect">
+            <a:avLst/>
+          </a:prstGeom>
+          <a:solidFill>
+            <a:srgbClr val="4372C4"/>
+          </a:solidFill>
+          <a:ln w="28575" cap="flat" cmpd="sng" algn="ctr">
+            <a:solidFill>
+              <a:schemeClr val="tx2"/>
+            </a:solidFill>
+            <a:prstDash val="solid"/>
+          </a:ln>
+          <a:effectLst>
+            <a:outerShdw blurRad="40000" dist="23000" dir="5400000" rotWithShape="0">
+              <a:srgbClr val="000000">
+                <a:alpha val="35000"/>
+              </a:srgbClr>
+            </a:outerShdw>
+          </a:effectLst>
+        </p:spPr>
+        <p:txBody>
+          <a:bodyPr tIns="36000" bIns="36000" rtlCol="0" anchor="ctr"/>
+          <a:lstStyle/>
+          <a:p>
+            <a:pPr marL="0" marR="0" lvl="0" indent="0" algn="ctr" defTabSz="457200" eaLnBrk="1" fontAlgn="auto" latinLnBrk="0" hangingPunct="1">
+              <a:lnSpc>
+                <a:spcPct val="100000"/>
+              </a:lnSpc>
+              <a:spcBef>
+                <a:spcPts val="0"/>
+              </a:spcBef>
+              <a:spcAft>
+                <a:spcPts val="0"/>
+              </a:spcAft>
+              <a:buClrTx/>
+              <a:buSzTx/>
+              <a:buFontTx/>
+              <a:buNone/>
+              <a:tabLst/>
+              <a:defRPr/>
+            </a:pPr>
+            <a:r>
+              <a:rPr lang="en-US" sz="2400" b="1" kern="0" noProof="0" dirty="0" smtClean="0">
+                <a:solidFill>
+                  <a:schemeClr val="bg1"/>
+                </a:solidFill>
+                <a:ea typeface=""/>
+                <a:cs typeface=""/>
+              </a:rPr>
+              <a:t>P</a:t>
+            </a:r>
+            <a:endParaRPr kumimoji="0" lang="en-US" sz="2400" b="1" i="0" u="none" strike="noStrike" kern="0" cap="none" spc="0" normalizeH="0" baseline="0" noProof="0" dirty="0" smtClean="0">
+              <a:ln>
+                <a:noFill/>
+              </a:ln>
+              <a:solidFill>
+                <a:schemeClr val="bg1"/>
+              </a:solidFill>
+              <a:effectLst/>
+              <a:uLnTx/>
+              <a:uFillTx/>
+              <a:ea typeface=""/>
+              <a:cs typeface=""/>
+            </a:endParaRPr>
+          </a:p>
+        </p:txBody>
+      </p:sp>
+      <p:grpSp>
+        <p:nvGrpSpPr>
+          <p:cNvPr id="89" name="Group 88"/>
+          <p:cNvGrpSpPr/>
+          <p:nvPr/>
+        </p:nvGrpSpPr>
+        <p:grpSpPr>
+          <a:xfrm>
+            <a:off x="3443168" y="4655677"/>
+            <a:ext cx="312349" cy="323772"/>
+            <a:chOff x="5676338" y="2717038"/>
+            <a:chExt cx="312349" cy="323772"/>
+          </a:xfrm>
+        </p:grpSpPr>
+        <p:grpSp>
+          <p:nvGrpSpPr>
+            <p:cNvPr id="90" name="Group 89"/>
+            <p:cNvGrpSpPr/>
+            <p:nvPr/>
+          </p:nvGrpSpPr>
+          <p:grpSpPr>
+            <a:xfrm>
+              <a:off x="5676338" y="2717038"/>
+              <a:ext cx="312349" cy="252979"/>
+              <a:chOff x="9015959" y="4587888"/>
+              <a:chExt cx="420764" cy="340787"/>
+            </a:xfrm>
+          </p:grpSpPr>
+          <p:sp>
+            <p:nvSpPr>
+              <p:cNvPr id="149" name="Rectangle 148"/>
+              <p:cNvSpPr/>
+              <p:nvPr/>
+            </p:nvSpPr>
+            <p:spPr>
+              <a:xfrm>
+                <a:off x="9015959" y="4587888"/>
+                <a:ext cx="420764" cy="340787"/>
+              </a:xfrm>
+              <a:prstGeom prst="rect">
+                <a:avLst/>
+              </a:prstGeom>
+              <a:noFill/>
+              <a:ln w="25400"/>
+            </p:spPr>
+            <p:style>
+              <a:lnRef idx="2">
+                <a:schemeClr val="accent1">
+                  <a:shade val="50000"/>
+                </a:schemeClr>
+              </a:lnRef>
+              <a:fillRef idx="1">
+                <a:schemeClr val="accent1"/>
+              </a:fillRef>
+              <a:effectRef idx="0">
+                <a:schemeClr val="accent1"/>
+              </a:effectRef>
+              <a:fontRef idx="minor">
+                <a:schemeClr val="lt1"/>
+              </a:fontRef>
+            </p:style>
+            <p:txBody>
+              <a:bodyPr rtlCol="0" anchor="ctr"/>
+              <a:lstStyle/>
+              <a:p>
+                <a:pPr algn="ctr"/>
+                <a:endParaRPr lang="en-US" sz="1050"/>
+              </a:p>
+            </p:txBody>
+          </p:sp>
+          <p:grpSp>
+            <p:nvGrpSpPr>
+              <p:cNvPr id="151" name="Group 150"/>
+              <p:cNvGrpSpPr/>
+              <p:nvPr/>
+            </p:nvGrpSpPr>
+            <p:grpSpPr>
+              <a:xfrm>
+                <a:off x="9261059" y="4690045"/>
+                <a:ext cx="123069" cy="75870"/>
+                <a:chOff x="4783309" y="3634526"/>
+                <a:chExt cx="123069" cy="75870"/>
+              </a:xfrm>
+            </p:grpSpPr>
+            <p:cxnSp>
+              <p:nvCxnSpPr>
+                <p:cNvPr id="153" name="Straight Connector 152"/>
+                <p:cNvCxnSpPr/>
+                <p:nvPr/>
+              </p:nvCxnSpPr>
+              <p:spPr>
+                <a:xfrm>
+                  <a:off x="4783309" y="3634526"/>
+                  <a:ext cx="123069" cy="0"/>
+                </a:xfrm>
+                <a:prstGeom prst="line">
+                  <a:avLst/>
+                </a:prstGeom>
+                <a:ln w="25400"/>
+              </p:spPr>
+              <p:style>
+                <a:lnRef idx="1">
+                  <a:schemeClr val="accent1"/>
+                </a:lnRef>
+                <a:fillRef idx="0">
+                  <a:schemeClr val="accent1"/>
+                </a:fillRef>
+                <a:effectRef idx="0">
+                  <a:schemeClr val="accent1"/>
+                </a:effectRef>
+                <a:fontRef idx="minor">
+                  <a:schemeClr val="tx1"/>
+                </a:fontRef>
+              </p:style>
+            </p:cxnSp>
+            <p:cxnSp>
+              <p:nvCxnSpPr>
+                <p:cNvPr id="154" name="Straight Connector 153"/>
+                <p:cNvCxnSpPr/>
+                <p:nvPr/>
+              </p:nvCxnSpPr>
+              <p:spPr>
+                <a:xfrm>
+                  <a:off x="4783309" y="3672462"/>
+                  <a:ext cx="123069" cy="0"/>
+                </a:xfrm>
+                <a:prstGeom prst="line">
+                  <a:avLst/>
+                </a:prstGeom>
+                <a:ln w="25400"/>
+              </p:spPr>
+              <p:style>
+                <a:lnRef idx="1">
+                  <a:schemeClr val="accent1"/>
+                </a:lnRef>
+                <a:fillRef idx="0">
+                  <a:schemeClr val="accent1"/>
+                </a:fillRef>
+                <a:effectRef idx="0">
+                  <a:schemeClr val="accent1"/>
+                </a:effectRef>
+                <a:fontRef idx="minor">
+                  <a:schemeClr val="tx1"/>
+                </a:fontRef>
+              </p:style>
+            </p:cxnSp>
+            <p:cxnSp>
+              <p:nvCxnSpPr>
+                <p:cNvPr id="155" name="Straight Connector 154"/>
+                <p:cNvCxnSpPr/>
+                <p:nvPr/>
+              </p:nvCxnSpPr>
+              <p:spPr>
+                <a:xfrm>
+                  <a:off x="4783309" y="3710396"/>
+                  <a:ext cx="123069" cy="0"/>
+                </a:xfrm>
+                <a:prstGeom prst="line">
+                  <a:avLst/>
+                </a:prstGeom>
+                <a:ln w="25400"/>
+              </p:spPr>
+              <p:style>
+                <a:lnRef idx="1">
+                  <a:schemeClr val="accent1"/>
+                </a:lnRef>
+                <a:fillRef idx="0">
+                  <a:schemeClr val="accent1"/>
+                </a:fillRef>
+                <a:effectRef idx="0">
+                  <a:schemeClr val="accent1"/>
+                </a:effectRef>
+                <a:fontRef idx="minor">
+                  <a:schemeClr val="tx1"/>
+                </a:fontRef>
+              </p:style>
+            </p:cxnSp>
+          </p:grpSp>
+          <p:sp>
+            <p:nvSpPr>
+              <p:cNvPr id="152" name="Rounded Rectangle 151"/>
+              <p:cNvSpPr/>
+              <p:nvPr/>
+            </p:nvSpPr>
+            <p:spPr>
+              <a:xfrm>
+                <a:off x="9059604" y="4675660"/>
+                <a:ext cx="166737" cy="165241"/>
+              </a:xfrm>
+              <a:prstGeom prst="roundRect">
+                <a:avLst/>
+              </a:prstGeom>
+              <a:solidFill>
+                <a:srgbClr val="4372C4"/>
+              </a:solidFill>
+              <a:ln w="12700" cap="flat" cmpd="sng" algn="ctr">
+                <a:solidFill>
+                  <a:schemeClr val="tx2"/>
+                </a:solidFill>
+                <a:prstDash val="solid"/>
+              </a:ln>
+              <a:effectLst>
+                <a:outerShdw blurRad="40000" dist="23000" dir="5400000" rotWithShape="0">
+                  <a:srgbClr val="000000">
+                    <a:alpha val="35000"/>
+                  </a:srgbClr>
+                </a:outerShdw>
+              </a:effectLst>
+            </p:spPr>
+            <p:txBody>
+              <a:bodyPr tIns="36000" bIns="36000" rtlCol="0" anchor="ctr"/>
+              <a:lstStyle/>
+              <a:p>
+                <a:pPr marL="0" marR="0" lvl="0" indent="0" algn="ctr" defTabSz="457200" eaLnBrk="1" fontAlgn="auto" latinLnBrk="0" hangingPunct="1">
+                  <a:lnSpc>
+                    <a:spcPct val="100000"/>
+                  </a:lnSpc>
+                  <a:spcBef>
+                    <a:spcPts val="0"/>
+                  </a:spcBef>
+                  <a:spcAft>
+                    <a:spcPts val="0"/>
+                  </a:spcAft>
+                  <a:buClrTx/>
+                  <a:buSzTx/>
+                  <a:buFontTx/>
+                  <a:buNone/>
+                  <a:tabLst/>
+                  <a:defRPr/>
+                </a:pPr>
+                <a:r>
+                  <a:rPr lang="en-US" sz="1000" b="1" kern="0" dirty="0">
+                    <a:solidFill>
+                      <a:schemeClr val="bg1"/>
+                    </a:solidFill>
+                    <a:ea typeface=""/>
+                    <a:cs typeface=""/>
+                  </a:rPr>
+                  <a:t>I</a:t>
+                </a:r>
+                <a:endParaRPr kumimoji="0" lang="en-US" sz="1000" b="1" i="0" u="none" strike="noStrike" kern="0" cap="none" spc="0" normalizeH="0" baseline="0" noProof="0" dirty="0" smtClean="0">
+                  <a:ln>
+                    <a:noFill/>
+                  </a:ln>
+                  <a:solidFill>
+                    <a:schemeClr val="bg1"/>
+                  </a:solidFill>
+                  <a:effectLst/>
+                  <a:uLnTx/>
+                  <a:uFillTx/>
+                  <a:ea typeface=""/>
+                  <a:cs typeface=""/>
+                </a:endParaRPr>
+              </a:p>
+            </p:txBody>
+          </p:sp>
+        </p:grpSp>
+        <p:sp>
+          <p:nvSpPr>
+            <p:cNvPr id="91" name="7-Point Star 90"/>
+            <p:cNvSpPr/>
+            <p:nvPr/>
+          </p:nvSpPr>
+          <p:spPr>
+            <a:xfrm>
+              <a:off x="5834851" y="2902584"/>
+              <a:ext cx="138226" cy="138226"/>
+            </a:xfrm>
+            <a:prstGeom prst="star7">
+              <a:avLst/>
+            </a:prstGeom>
+            <a:solidFill>
+              <a:schemeClr val="bg1"/>
+            </a:solidFill>
+          </p:spPr>
+          <p:style>
+            <a:lnRef idx="2">
+              <a:schemeClr val="accent1">
+                <a:shade val="50000"/>
+              </a:schemeClr>
+            </a:lnRef>
+            <a:fillRef idx="1">
+              <a:schemeClr val="accent1"/>
+            </a:fillRef>
+            <a:effectRef idx="0">
+              <a:schemeClr val="accent1"/>
+            </a:effectRef>
+            <a:fontRef idx="minor">
+              <a:schemeClr val="lt1"/>
+            </a:fontRef>
+          </p:style>
+          <p:txBody>
+            <a:bodyPr rtlCol="0" anchor="ctr"/>
+            <a:lstStyle/>
+            <a:p>
+              <a:pPr algn="ctr"/>
+              <a:endParaRPr lang="en-US"/>
+            </a:p>
+          </p:txBody>
+        </p:sp>
+      </p:grpSp>
+      <p:grpSp>
+        <p:nvGrpSpPr>
+          <p:cNvPr id="156" name="Group 155"/>
+          <p:cNvGrpSpPr/>
+          <p:nvPr/>
+        </p:nvGrpSpPr>
+        <p:grpSpPr>
+          <a:xfrm>
+            <a:off x="4499094" y="4673403"/>
+            <a:ext cx="312349" cy="323772"/>
+            <a:chOff x="5676338" y="2717038"/>
+            <a:chExt cx="312349" cy="323772"/>
+          </a:xfrm>
+        </p:grpSpPr>
+        <p:grpSp>
+          <p:nvGrpSpPr>
+            <p:cNvPr id="157" name="Group 156"/>
+            <p:cNvGrpSpPr/>
+            <p:nvPr/>
+          </p:nvGrpSpPr>
+          <p:grpSpPr>
+            <a:xfrm>
+              <a:off x="5676338" y="2717038"/>
+              <a:ext cx="312349" cy="252979"/>
+              <a:chOff x="9015959" y="4587888"/>
+              <a:chExt cx="420764" cy="340787"/>
+            </a:xfrm>
+          </p:grpSpPr>
+          <p:sp>
+            <p:nvSpPr>
+              <p:cNvPr id="159" name="Rectangle 158"/>
+              <p:cNvSpPr/>
+              <p:nvPr/>
+            </p:nvSpPr>
+            <p:spPr>
+              <a:xfrm>
+                <a:off x="9015959" y="4587888"/>
+                <a:ext cx="420764" cy="340787"/>
+              </a:xfrm>
+              <a:prstGeom prst="rect">
+                <a:avLst/>
+              </a:prstGeom>
+              <a:noFill/>
+              <a:ln w="25400"/>
+            </p:spPr>
+            <p:style>
+              <a:lnRef idx="2">
+                <a:schemeClr val="accent1">
+                  <a:shade val="50000"/>
+                </a:schemeClr>
+              </a:lnRef>
+              <a:fillRef idx="1">
+                <a:schemeClr val="accent1"/>
+              </a:fillRef>
+              <a:effectRef idx="0">
+                <a:schemeClr val="accent1"/>
+              </a:effectRef>
+              <a:fontRef idx="minor">
+                <a:schemeClr val="lt1"/>
+              </a:fontRef>
+            </p:style>
+            <p:txBody>
+              <a:bodyPr rtlCol="0" anchor="ctr"/>
+              <a:lstStyle/>
+              <a:p>
+                <a:pPr algn="ctr"/>
+                <a:endParaRPr lang="en-US" sz="1050"/>
+              </a:p>
+            </p:txBody>
+          </p:sp>
+          <p:grpSp>
+            <p:nvGrpSpPr>
+              <p:cNvPr id="160" name="Group 159"/>
+              <p:cNvGrpSpPr/>
+              <p:nvPr/>
+            </p:nvGrpSpPr>
+            <p:grpSpPr>
+              <a:xfrm>
+                <a:off x="9261059" y="4690045"/>
+                <a:ext cx="123069" cy="75870"/>
+                <a:chOff x="4783309" y="3634526"/>
+                <a:chExt cx="123069" cy="75870"/>
+              </a:xfrm>
+            </p:grpSpPr>
+            <p:cxnSp>
+              <p:nvCxnSpPr>
+                <p:cNvPr id="162" name="Straight Connector 161"/>
+                <p:cNvCxnSpPr/>
+                <p:nvPr/>
+              </p:nvCxnSpPr>
+              <p:spPr>
+                <a:xfrm>
+                  <a:off x="4783309" y="3634526"/>
+                  <a:ext cx="123069" cy="0"/>
+                </a:xfrm>
+                <a:prstGeom prst="line">
+                  <a:avLst/>
+                </a:prstGeom>
+                <a:ln w="25400"/>
+              </p:spPr>
+              <p:style>
+                <a:lnRef idx="1">
+                  <a:schemeClr val="accent1"/>
+                </a:lnRef>
+                <a:fillRef idx="0">
+                  <a:schemeClr val="accent1"/>
+                </a:fillRef>
+                <a:effectRef idx="0">
+                  <a:schemeClr val="accent1"/>
+                </a:effectRef>
+                <a:fontRef idx="minor">
+                  <a:schemeClr val="tx1"/>
+                </a:fontRef>
+              </p:style>
+            </p:cxnSp>
+            <p:cxnSp>
+              <p:nvCxnSpPr>
+                <p:cNvPr id="163" name="Straight Connector 162"/>
+                <p:cNvCxnSpPr/>
+                <p:nvPr/>
+              </p:nvCxnSpPr>
+              <p:spPr>
+                <a:xfrm>
+                  <a:off x="4783309" y="3672462"/>
+                  <a:ext cx="123069" cy="0"/>
+                </a:xfrm>
+                <a:prstGeom prst="line">
+                  <a:avLst/>
+                </a:prstGeom>
+                <a:ln w="25400"/>
+              </p:spPr>
+              <p:style>
+                <a:lnRef idx="1">
+                  <a:schemeClr val="accent1"/>
+                </a:lnRef>
+                <a:fillRef idx="0">
+                  <a:schemeClr val="accent1"/>
+                </a:fillRef>
+                <a:effectRef idx="0">
+                  <a:schemeClr val="accent1"/>
+                </a:effectRef>
+                <a:fontRef idx="minor">
+                  <a:schemeClr val="tx1"/>
+                </a:fontRef>
+              </p:style>
+            </p:cxnSp>
+            <p:cxnSp>
+              <p:nvCxnSpPr>
+                <p:cNvPr id="164" name="Straight Connector 163"/>
+                <p:cNvCxnSpPr/>
+                <p:nvPr/>
+              </p:nvCxnSpPr>
+              <p:spPr>
+                <a:xfrm>
+                  <a:off x="4783309" y="3710396"/>
+                  <a:ext cx="123069" cy="0"/>
+                </a:xfrm>
+                <a:prstGeom prst="line">
+                  <a:avLst/>
+                </a:prstGeom>
+                <a:ln w="25400"/>
+              </p:spPr>
+              <p:style>
+                <a:lnRef idx="1">
+                  <a:schemeClr val="accent1"/>
+                </a:lnRef>
+                <a:fillRef idx="0">
+                  <a:schemeClr val="accent1"/>
+                </a:fillRef>
+                <a:effectRef idx="0">
+                  <a:schemeClr val="accent1"/>
+                </a:effectRef>
+                <a:fontRef idx="minor">
+                  <a:schemeClr val="tx1"/>
+                </a:fontRef>
+              </p:style>
+            </p:cxnSp>
+          </p:grpSp>
+          <p:sp>
+            <p:nvSpPr>
+              <p:cNvPr id="161" name="Rounded Rectangle 160"/>
+              <p:cNvSpPr/>
+              <p:nvPr/>
+            </p:nvSpPr>
+            <p:spPr>
+              <a:xfrm>
+                <a:off x="9059604" y="4675660"/>
+                <a:ext cx="166737" cy="165241"/>
+              </a:xfrm>
+              <a:prstGeom prst="roundRect">
+                <a:avLst/>
+              </a:prstGeom>
+              <a:solidFill>
+                <a:srgbClr val="4372C4"/>
+              </a:solidFill>
+              <a:ln w="12700" cap="flat" cmpd="sng" algn="ctr">
+                <a:solidFill>
+                  <a:schemeClr val="tx2"/>
+                </a:solidFill>
+                <a:prstDash val="solid"/>
+              </a:ln>
+              <a:effectLst>
+                <a:outerShdw blurRad="40000" dist="23000" dir="5400000" rotWithShape="0">
+                  <a:srgbClr val="000000">
+                    <a:alpha val="35000"/>
+                  </a:srgbClr>
+                </a:outerShdw>
+              </a:effectLst>
+            </p:spPr>
+            <p:txBody>
+              <a:bodyPr tIns="36000" bIns="36000" rtlCol="0" anchor="ctr"/>
+              <a:lstStyle/>
+              <a:p>
+                <a:pPr marL="0" marR="0" lvl="0" indent="0" algn="ctr" defTabSz="457200" eaLnBrk="1" fontAlgn="auto" latinLnBrk="0" hangingPunct="1">
+                  <a:lnSpc>
+                    <a:spcPct val="100000"/>
+                  </a:lnSpc>
+                  <a:spcBef>
+                    <a:spcPts val="0"/>
+                  </a:spcBef>
+                  <a:spcAft>
+                    <a:spcPts val="0"/>
+                  </a:spcAft>
+                  <a:buClrTx/>
+                  <a:buSzTx/>
+                  <a:buFontTx/>
+                  <a:buNone/>
+                  <a:tabLst/>
+                  <a:defRPr/>
+                </a:pPr>
+                <a:r>
+                  <a:rPr lang="en-US" sz="1000" b="1" kern="0" dirty="0">
+                    <a:solidFill>
+                      <a:schemeClr val="bg1"/>
+                    </a:solidFill>
+                    <a:ea typeface=""/>
+                    <a:cs typeface=""/>
+                  </a:rPr>
+                  <a:t>I</a:t>
+                </a:r>
+                <a:endParaRPr kumimoji="0" lang="en-US" sz="1000" b="1" i="0" u="none" strike="noStrike" kern="0" cap="none" spc="0" normalizeH="0" baseline="0" noProof="0" dirty="0" smtClean="0">
+                  <a:ln>
+                    <a:noFill/>
+                  </a:ln>
+                  <a:solidFill>
+                    <a:schemeClr val="bg1"/>
+                  </a:solidFill>
+                  <a:effectLst/>
+                  <a:uLnTx/>
+                  <a:uFillTx/>
+                  <a:ea typeface=""/>
+                  <a:cs typeface=""/>
+                </a:endParaRPr>
+              </a:p>
+            </p:txBody>
+          </p:sp>
+        </p:grpSp>
+        <p:sp>
+          <p:nvSpPr>
+            <p:cNvPr id="158" name="7-Point Star 157"/>
+            <p:cNvSpPr/>
+            <p:nvPr/>
+          </p:nvSpPr>
+          <p:spPr>
+            <a:xfrm>
+              <a:off x="5834851" y="2902584"/>
+              <a:ext cx="138226" cy="138226"/>
+            </a:xfrm>
+            <a:prstGeom prst="star7">
+              <a:avLst/>
+            </a:prstGeom>
+            <a:solidFill>
+              <a:schemeClr val="bg1"/>
+            </a:solidFill>
+          </p:spPr>
+          <p:style>
+            <a:lnRef idx="2">
+              <a:schemeClr val="accent1">
+                <a:shade val="50000"/>
+              </a:schemeClr>
+            </a:lnRef>
+            <a:fillRef idx="1">
+              <a:schemeClr val="accent1"/>
+            </a:fillRef>
+            <a:effectRef idx="0">
+              <a:schemeClr val="accent1"/>
+            </a:effectRef>
+            <a:fontRef idx="minor">
+              <a:schemeClr val="lt1"/>
+            </a:fontRef>
+          </p:style>
+          <p:txBody>
+            <a:bodyPr rtlCol="0" anchor="ctr"/>
+            <a:lstStyle/>
+            <a:p>
+              <a:pPr algn="ctr"/>
+              <a:endParaRPr lang="en-US"/>
+            </a:p>
+          </p:txBody>
+        </p:sp>
+      </p:grpSp>
+      <p:grpSp>
+        <p:nvGrpSpPr>
+          <p:cNvPr id="165" name="Group 164"/>
+          <p:cNvGrpSpPr/>
+          <p:nvPr/>
+        </p:nvGrpSpPr>
+        <p:grpSpPr>
+          <a:xfrm>
+            <a:off x="6113894" y="4669779"/>
+            <a:ext cx="312349" cy="323772"/>
+            <a:chOff x="5676338" y="2717038"/>
+            <a:chExt cx="312349" cy="323772"/>
+          </a:xfrm>
+        </p:grpSpPr>
+        <p:grpSp>
+          <p:nvGrpSpPr>
+            <p:cNvPr id="166" name="Group 165"/>
+            <p:cNvGrpSpPr/>
+            <p:nvPr/>
+          </p:nvGrpSpPr>
+          <p:grpSpPr>
+            <a:xfrm>
+              <a:off x="5676338" y="2717038"/>
+              <a:ext cx="312349" cy="252979"/>
+              <a:chOff x="9015959" y="4587888"/>
+              <a:chExt cx="420764" cy="340787"/>
+            </a:xfrm>
+          </p:grpSpPr>
+          <p:sp>
+            <p:nvSpPr>
+              <p:cNvPr id="168" name="Rectangle 167"/>
+              <p:cNvSpPr/>
+              <p:nvPr/>
+            </p:nvSpPr>
+            <p:spPr>
+              <a:xfrm>
+                <a:off x="9015959" y="4587888"/>
+                <a:ext cx="420764" cy="340787"/>
+              </a:xfrm>
+              <a:prstGeom prst="rect">
+                <a:avLst/>
+              </a:prstGeom>
+              <a:noFill/>
+              <a:ln w="25400"/>
+            </p:spPr>
+            <p:style>
+              <a:lnRef idx="2">
+                <a:schemeClr val="accent1">
+                  <a:shade val="50000"/>
+                </a:schemeClr>
+              </a:lnRef>
+              <a:fillRef idx="1">
+                <a:schemeClr val="accent1"/>
+              </a:fillRef>
+              <a:effectRef idx="0">
+                <a:schemeClr val="accent1"/>
+              </a:effectRef>
+              <a:fontRef idx="minor">
+                <a:schemeClr val="lt1"/>
+              </a:fontRef>
+            </p:style>
+            <p:txBody>
+              <a:bodyPr rtlCol="0" anchor="ctr"/>
+              <a:lstStyle/>
+              <a:p>
+                <a:pPr algn="ctr"/>
+                <a:endParaRPr lang="en-US" sz="1050"/>
+              </a:p>
+            </p:txBody>
+          </p:sp>
+          <p:grpSp>
+            <p:nvGrpSpPr>
+              <p:cNvPr id="169" name="Group 168"/>
+              <p:cNvGrpSpPr/>
+              <p:nvPr/>
+            </p:nvGrpSpPr>
+            <p:grpSpPr>
+              <a:xfrm>
+                <a:off x="9261059" y="4690045"/>
+                <a:ext cx="123069" cy="75870"/>
+                <a:chOff x="4783309" y="3634526"/>
+                <a:chExt cx="123069" cy="75870"/>
+              </a:xfrm>
+            </p:grpSpPr>
+            <p:cxnSp>
+              <p:nvCxnSpPr>
+                <p:cNvPr id="171" name="Straight Connector 170"/>
+                <p:cNvCxnSpPr/>
+                <p:nvPr/>
+              </p:nvCxnSpPr>
+              <p:spPr>
+                <a:xfrm>
+                  <a:off x="4783309" y="3634526"/>
+                  <a:ext cx="123069" cy="0"/>
+                </a:xfrm>
+                <a:prstGeom prst="line">
+                  <a:avLst/>
+                </a:prstGeom>
+                <a:ln w="25400"/>
+              </p:spPr>
+              <p:style>
+                <a:lnRef idx="1">
+                  <a:schemeClr val="accent1"/>
+                </a:lnRef>
+                <a:fillRef idx="0">
+                  <a:schemeClr val="accent1"/>
+                </a:fillRef>
+                <a:effectRef idx="0">
+                  <a:schemeClr val="accent1"/>
+                </a:effectRef>
+                <a:fontRef idx="minor">
+                  <a:schemeClr val="tx1"/>
+                </a:fontRef>
+              </p:style>
+            </p:cxnSp>
+            <p:cxnSp>
+              <p:nvCxnSpPr>
+                <p:cNvPr id="172" name="Straight Connector 171"/>
+                <p:cNvCxnSpPr/>
+                <p:nvPr/>
+              </p:nvCxnSpPr>
+              <p:spPr>
+                <a:xfrm>
+                  <a:off x="4783309" y="3672462"/>
+                  <a:ext cx="123069" cy="0"/>
+                </a:xfrm>
+                <a:prstGeom prst="line">
+                  <a:avLst/>
+                </a:prstGeom>
+                <a:ln w="25400"/>
+              </p:spPr>
+              <p:style>
+                <a:lnRef idx="1">
+                  <a:schemeClr val="accent1"/>
+                </a:lnRef>
+                <a:fillRef idx="0">
+                  <a:schemeClr val="accent1"/>
+                </a:fillRef>
+                <a:effectRef idx="0">
+                  <a:schemeClr val="accent1"/>
+                </a:effectRef>
+                <a:fontRef idx="minor">
+                  <a:schemeClr val="tx1"/>
+                </a:fontRef>
+              </p:style>
+            </p:cxnSp>
+            <p:cxnSp>
+              <p:nvCxnSpPr>
+                <p:cNvPr id="173" name="Straight Connector 172"/>
+                <p:cNvCxnSpPr/>
+                <p:nvPr/>
+              </p:nvCxnSpPr>
+              <p:spPr>
+                <a:xfrm>
+                  <a:off x="4783309" y="3710396"/>
+                  <a:ext cx="123069" cy="0"/>
+                </a:xfrm>
+                <a:prstGeom prst="line">
+                  <a:avLst/>
+                </a:prstGeom>
+                <a:ln w="25400"/>
+              </p:spPr>
+              <p:style>
+                <a:lnRef idx="1">
+                  <a:schemeClr val="accent1"/>
+                </a:lnRef>
+                <a:fillRef idx="0">
+                  <a:schemeClr val="accent1"/>
+                </a:fillRef>
+                <a:effectRef idx="0">
+                  <a:schemeClr val="accent1"/>
+                </a:effectRef>
+                <a:fontRef idx="minor">
+                  <a:schemeClr val="tx1"/>
+                </a:fontRef>
+              </p:style>
+            </p:cxnSp>
+          </p:grpSp>
+          <p:sp>
+            <p:nvSpPr>
+              <p:cNvPr id="170" name="Rounded Rectangle 169"/>
+              <p:cNvSpPr/>
+              <p:nvPr/>
+            </p:nvSpPr>
+            <p:spPr>
+              <a:xfrm>
+                <a:off x="9059604" y="4675660"/>
+                <a:ext cx="166737" cy="165241"/>
+              </a:xfrm>
+              <a:prstGeom prst="roundRect">
+                <a:avLst/>
+              </a:prstGeom>
+              <a:solidFill>
+                <a:srgbClr val="4372C4"/>
+              </a:solidFill>
+              <a:ln w="12700" cap="flat" cmpd="sng" algn="ctr">
+                <a:solidFill>
+                  <a:schemeClr val="tx2"/>
+                </a:solidFill>
+                <a:prstDash val="solid"/>
+              </a:ln>
+              <a:effectLst>
+                <a:outerShdw blurRad="40000" dist="23000" dir="5400000" rotWithShape="0">
+                  <a:srgbClr val="000000">
+                    <a:alpha val="35000"/>
+                  </a:srgbClr>
+                </a:outerShdw>
+              </a:effectLst>
+            </p:spPr>
+            <p:txBody>
+              <a:bodyPr tIns="36000" bIns="36000" rtlCol="0" anchor="ctr"/>
+              <a:lstStyle/>
+              <a:p>
+                <a:pPr marL="0" marR="0" lvl="0" indent="0" algn="ctr" defTabSz="457200" eaLnBrk="1" fontAlgn="auto" latinLnBrk="0" hangingPunct="1">
+                  <a:lnSpc>
+                    <a:spcPct val="100000"/>
+                  </a:lnSpc>
+                  <a:spcBef>
+                    <a:spcPts val="0"/>
+                  </a:spcBef>
+                  <a:spcAft>
+                    <a:spcPts val="0"/>
+                  </a:spcAft>
+                  <a:buClrTx/>
+                  <a:buSzTx/>
+                  <a:buFontTx/>
+                  <a:buNone/>
+                  <a:tabLst/>
+                  <a:defRPr/>
+                </a:pPr>
+                <a:r>
+                  <a:rPr lang="en-US" sz="1000" b="1" kern="0" dirty="0">
+                    <a:solidFill>
+                      <a:schemeClr val="bg1"/>
+                    </a:solidFill>
+                    <a:ea typeface=""/>
+                    <a:cs typeface=""/>
+                  </a:rPr>
+                  <a:t>I</a:t>
+                </a:r>
+                <a:endParaRPr kumimoji="0" lang="en-US" sz="1000" b="1" i="0" u="none" strike="noStrike" kern="0" cap="none" spc="0" normalizeH="0" baseline="0" noProof="0" dirty="0" smtClean="0">
+                  <a:ln>
+                    <a:noFill/>
+                  </a:ln>
+                  <a:solidFill>
+                    <a:schemeClr val="bg1"/>
+                  </a:solidFill>
+                  <a:effectLst/>
+                  <a:uLnTx/>
+                  <a:uFillTx/>
+                  <a:ea typeface=""/>
+                  <a:cs typeface=""/>
+                </a:endParaRPr>
+              </a:p>
+            </p:txBody>
+          </p:sp>
+        </p:grpSp>
+        <p:sp>
+          <p:nvSpPr>
+            <p:cNvPr id="167" name="7-Point Star 166"/>
+            <p:cNvSpPr/>
+            <p:nvPr/>
+          </p:nvSpPr>
+          <p:spPr>
+            <a:xfrm>
+              <a:off x="5834851" y="2902584"/>
+              <a:ext cx="138226" cy="138226"/>
+            </a:xfrm>
+            <a:prstGeom prst="star7">
+              <a:avLst/>
+            </a:prstGeom>
+            <a:solidFill>
+              <a:schemeClr val="bg1"/>
+            </a:solidFill>
+          </p:spPr>
+          <p:style>
+            <a:lnRef idx="2">
+              <a:schemeClr val="accent1">
+                <a:shade val="50000"/>
+              </a:schemeClr>
+            </a:lnRef>
+            <a:fillRef idx="1">
+              <a:schemeClr val="accent1"/>
+            </a:fillRef>
+            <a:effectRef idx="0">
+              <a:schemeClr val="accent1"/>
+            </a:effectRef>
+            <a:fontRef idx="minor">
+              <a:schemeClr val="lt1"/>
+            </a:fontRef>
+          </p:style>
+          <p:txBody>
+            <a:bodyPr rtlCol="0" anchor="ctr"/>
+            <a:lstStyle/>
+            <a:p>
+              <a:pPr algn="ctr"/>
+              <a:endParaRPr lang="en-US"/>
+            </a:p>
+          </p:txBody>
+        </p:sp>
+      </p:grpSp>
+      <p:grpSp>
+        <p:nvGrpSpPr>
+          <p:cNvPr id="174" name="Group 173"/>
+          <p:cNvGrpSpPr/>
+          <p:nvPr/>
+        </p:nvGrpSpPr>
+        <p:grpSpPr>
+          <a:xfrm>
+            <a:off x="5342676" y="5230743"/>
+            <a:ext cx="312349" cy="323772"/>
+            <a:chOff x="5676338" y="2717038"/>
+            <a:chExt cx="312349" cy="323772"/>
+          </a:xfrm>
+        </p:grpSpPr>
+        <p:grpSp>
+          <p:nvGrpSpPr>
+            <p:cNvPr id="175" name="Group 174"/>
+            <p:cNvGrpSpPr/>
+            <p:nvPr/>
+          </p:nvGrpSpPr>
+          <p:grpSpPr>
+            <a:xfrm>
+              <a:off x="5676338" y="2717038"/>
+              <a:ext cx="312349" cy="252979"/>
+              <a:chOff x="9015959" y="4587888"/>
+              <a:chExt cx="420764" cy="340787"/>
+            </a:xfrm>
+          </p:grpSpPr>
+          <p:sp>
+            <p:nvSpPr>
+              <p:cNvPr id="177" name="Rectangle 176"/>
+              <p:cNvSpPr/>
+              <p:nvPr/>
+            </p:nvSpPr>
+            <p:spPr>
+              <a:xfrm>
+                <a:off x="9015959" y="4587888"/>
+                <a:ext cx="420764" cy="340787"/>
+              </a:xfrm>
+              <a:prstGeom prst="rect">
+                <a:avLst/>
+              </a:prstGeom>
+              <a:noFill/>
+              <a:ln w="25400"/>
+            </p:spPr>
+            <p:style>
+              <a:lnRef idx="2">
+                <a:schemeClr val="accent1">
+                  <a:shade val="50000"/>
+                </a:schemeClr>
+              </a:lnRef>
+              <a:fillRef idx="1">
+                <a:schemeClr val="accent1"/>
+              </a:fillRef>
+              <a:effectRef idx="0">
+                <a:schemeClr val="accent1"/>
+              </a:effectRef>
+              <a:fontRef idx="minor">
+                <a:schemeClr val="lt1"/>
+              </a:fontRef>
+            </p:style>
+            <p:txBody>
+              <a:bodyPr rtlCol="0" anchor="ctr"/>
+              <a:lstStyle/>
+              <a:p>
+                <a:pPr algn="ctr"/>
+                <a:endParaRPr lang="en-US" sz="1050"/>
+              </a:p>
+            </p:txBody>
+          </p:sp>
+          <p:grpSp>
+            <p:nvGrpSpPr>
+              <p:cNvPr id="178" name="Group 177"/>
+              <p:cNvGrpSpPr/>
+              <p:nvPr/>
+            </p:nvGrpSpPr>
+            <p:grpSpPr>
+              <a:xfrm>
+                <a:off x="9261059" y="4690045"/>
+                <a:ext cx="123069" cy="75870"/>
+                <a:chOff x="4783309" y="3634526"/>
+                <a:chExt cx="123069" cy="75870"/>
+              </a:xfrm>
+            </p:grpSpPr>
+            <p:cxnSp>
+              <p:nvCxnSpPr>
+                <p:cNvPr id="180" name="Straight Connector 179"/>
+                <p:cNvCxnSpPr/>
+                <p:nvPr/>
+              </p:nvCxnSpPr>
+              <p:spPr>
+                <a:xfrm>
+                  <a:off x="4783309" y="3634526"/>
+                  <a:ext cx="123069" cy="0"/>
+                </a:xfrm>
+                <a:prstGeom prst="line">
+                  <a:avLst/>
+                </a:prstGeom>
+                <a:ln w="25400"/>
+              </p:spPr>
+              <p:style>
+                <a:lnRef idx="1">
+                  <a:schemeClr val="accent1"/>
+                </a:lnRef>
+                <a:fillRef idx="0">
+                  <a:schemeClr val="accent1"/>
+                </a:fillRef>
+                <a:effectRef idx="0">
+                  <a:schemeClr val="accent1"/>
+                </a:effectRef>
+                <a:fontRef idx="minor">
+                  <a:schemeClr val="tx1"/>
+                </a:fontRef>
+              </p:style>
+            </p:cxnSp>
+            <p:cxnSp>
+              <p:nvCxnSpPr>
+                <p:cNvPr id="181" name="Straight Connector 180"/>
+                <p:cNvCxnSpPr/>
+                <p:nvPr/>
+              </p:nvCxnSpPr>
+              <p:spPr>
+                <a:xfrm>
+                  <a:off x="4783309" y="3672462"/>
+                  <a:ext cx="123069" cy="0"/>
+                </a:xfrm>
+                <a:prstGeom prst="line">
+                  <a:avLst/>
+                </a:prstGeom>
+                <a:ln w="25400"/>
+              </p:spPr>
+              <p:style>
+                <a:lnRef idx="1">
+                  <a:schemeClr val="accent1"/>
+                </a:lnRef>
+                <a:fillRef idx="0">
+                  <a:schemeClr val="accent1"/>
+                </a:fillRef>
+                <a:effectRef idx="0">
+                  <a:schemeClr val="accent1"/>
+                </a:effectRef>
+                <a:fontRef idx="minor">
+                  <a:schemeClr val="tx1"/>
+                </a:fontRef>
+              </p:style>
+            </p:cxnSp>
+            <p:cxnSp>
+              <p:nvCxnSpPr>
+                <p:cNvPr id="182" name="Straight Connector 181"/>
+                <p:cNvCxnSpPr/>
+                <p:nvPr/>
+              </p:nvCxnSpPr>
+              <p:spPr>
+                <a:xfrm>
+                  <a:off x="4783309" y="3710396"/>
+                  <a:ext cx="123069" cy="0"/>
+                </a:xfrm>
+                <a:prstGeom prst="line">
+                  <a:avLst/>
+                </a:prstGeom>
+                <a:ln w="25400"/>
+              </p:spPr>
+              <p:style>
+                <a:lnRef idx="1">
+                  <a:schemeClr val="accent1"/>
+                </a:lnRef>
+                <a:fillRef idx="0">
+                  <a:schemeClr val="accent1"/>
+                </a:fillRef>
+                <a:effectRef idx="0">
+                  <a:schemeClr val="accent1"/>
+                </a:effectRef>
+                <a:fontRef idx="minor">
+                  <a:schemeClr val="tx1"/>
+                </a:fontRef>
+              </p:style>
+            </p:cxnSp>
+          </p:grpSp>
+          <p:sp>
+            <p:nvSpPr>
+              <p:cNvPr id="179" name="Rounded Rectangle 178"/>
+              <p:cNvSpPr/>
+              <p:nvPr/>
+            </p:nvSpPr>
+            <p:spPr>
+              <a:xfrm>
+                <a:off x="9059604" y="4675660"/>
+                <a:ext cx="166737" cy="165241"/>
+              </a:xfrm>
+              <a:prstGeom prst="roundRect">
+                <a:avLst/>
+              </a:prstGeom>
+              <a:solidFill>
+                <a:srgbClr val="4372C4"/>
+              </a:solidFill>
+              <a:ln w="12700" cap="flat" cmpd="sng" algn="ctr">
+                <a:solidFill>
+                  <a:schemeClr val="tx2"/>
+                </a:solidFill>
+                <a:prstDash val="solid"/>
+              </a:ln>
+              <a:effectLst>
+                <a:outerShdw blurRad="40000" dist="23000" dir="5400000" rotWithShape="0">
+                  <a:srgbClr val="000000">
+                    <a:alpha val="35000"/>
+                  </a:srgbClr>
+                </a:outerShdw>
+              </a:effectLst>
+            </p:spPr>
+            <p:txBody>
+              <a:bodyPr tIns="36000" bIns="36000" rtlCol="0" anchor="ctr"/>
+              <a:lstStyle/>
+              <a:p>
+                <a:pPr marL="0" marR="0" lvl="0" indent="0" algn="ctr" defTabSz="457200" eaLnBrk="1" fontAlgn="auto" latinLnBrk="0" hangingPunct="1">
+                  <a:lnSpc>
+                    <a:spcPct val="100000"/>
+                  </a:lnSpc>
+                  <a:spcBef>
+                    <a:spcPts val="0"/>
+                  </a:spcBef>
+                  <a:spcAft>
+                    <a:spcPts val="0"/>
+                  </a:spcAft>
+                  <a:buClrTx/>
+                  <a:buSzTx/>
+                  <a:buFontTx/>
+                  <a:buNone/>
+                  <a:tabLst/>
+                  <a:defRPr/>
+                </a:pPr>
+                <a:r>
+                  <a:rPr lang="en-US" sz="1000" b="1" kern="0" dirty="0">
+                    <a:solidFill>
+                      <a:schemeClr val="bg1"/>
+                    </a:solidFill>
+                    <a:ea typeface=""/>
+                    <a:cs typeface=""/>
+                  </a:rPr>
+                  <a:t>I</a:t>
+                </a:r>
+                <a:endParaRPr kumimoji="0" lang="en-US" sz="1000" b="1" i="0" u="none" strike="noStrike" kern="0" cap="none" spc="0" normalizeH="0" baseline="0" noProof="0" dirty="0" smtClean="0">
+                  <a:ln>
+                    <a:noFill/>
+                  </a:ln>
+                  <a:solidFill>
+                    <a:schemeClr val="bg1"/>
+                  </a:solidFill>
+                  <a:effectLst/>
+                  <a:uLnTx/>
+                  <a:uFillTx/>
+                  <a:ea typeface=""/>
+                  <a:cs typeface=""/>
+                </a:endParaRPr>
+              </a:p>
+            </p:txBody>
+          </p:sp>
+        </p:grpSp>
+        <p:sp>
+          <p:nvSpPr>
+            <p:cNvPr id="176" name="7-Point Star 175"/>
+            <p:cNvSpPr/>
+            <p:nvPr/>
+          </p:nvSpPr>
+          <p:spPr>
+            <a:xfrm>
+              <a:off x="5834851" y="2902584"/>
+              <a:ext cx="138226" cy="138226"/>
+            </a:xfrm>
+            <a:prstGeom prst="star7">
+              <a:avLst/>
+            </a:prstGeom>
+            <a:solidFill>
+              <a:schemeClr val="bg1"/>
+            </a:solidFill>
+          </p:spPr>
+          <p:style>
+            <a:lnRef idx="2">
+              <a:schemeClr val="accent1">
+                <a:shade val="50000"/>
+              </a:schemeClr>
+            </a:lnRef>
+            <a:fillRef idx="1">
+              <a:schemeClr val="accent1"/>
+            </a:fillRef>
+            <a:effectRef idx="0">
+              <a:schemeClr val="accent1"/>
+            </a:effectRef>
+            <a:fontRef idx="minor">
+              <a:schemeClr val="lt1"/>
+            </a:fontRef>
+          </p:style>
+          <p:txBody>
+            <a:bodyPr rtlCol="0" anchor="ctr"/>
+            <a:lstStyle/>
+            <a:p>
+              <a:pPr algn="ctr"/>
+              <a:endParaRPr lang="en-US"/>
+            </a:p>
+          </p:txBody>
+        </p:sp>
+      </p:grpSp>
+      <p:sp>
+        <p:nvSpPr>
+          <p:cNvPr id="183" name="Rounded Rectangle 182"/>
+          <p:cNvSpPr/>
+          <p:nvPr/>
+        </p:nvSpPr>
+        <p:spPr>
+          <a:xfrm>
+            <a:off x="9734041" y="4719730"/>
+            <a:ext cx="470643" cy="431746"/>
+          </a:xfrm>
+          <a:prstGeom prst="roundRect">
+            <a:avLst/>
+          </a:prstGeom>
+          <a:solidFill>
+            <a:srgbClr val="00B050"/>
+          </a:solidFill>
+          <a:ln w="19050">
+            <a:solidFill>
+              <a:srgbClr val="0070C0"/>
+            </a:solidFill>
+          </a:ln>
+        </p:spPr>
+        <p:style>
+          <a:lnRef idx="2">
+            <a:schemeClr val="accent1">
+              <a:shade val="50000"/>
+            </a:schemeClr>
+          </a:lnRef>
+          <a:fillRef idx="1">
+            <a:schemeClr val="accent1"/>
+          </a:fillRef>
+          <a:effectRef idx="0">
+            <a:schemeClr val="accent1"/>
+          </a:effectRef>
+          <a:fontRef idx="minor">
+            <a:schemeClr val="lt1"/>
+          </a:fontRef>
+        </p:style>
+        <p:txBody>
+          <a:bodyPr rtlCol="0" anchor="ctr"/>
+          <a:lstStyle/>
+          <a:p>
+            <a:pPr algn="ctr" defTabSz="457200"/>
+            <a:r>
+              <a:rPr lang="en-US" sz="1400" b="1" dirty="0" smtClean="0">
+                <a:solidFill>
+                  <a:srgbClr val="000000"/>
+                </a:solidFill>
+                <a:ea typeface="Arial" charset="0"/>
+                <a:cs typeface="Arial" charset="0"/>
+              </a:rPr>
+              <a:t>O</a:t>
+            </a:r>
+            <a:endParaRPr lang="en-US" sz="1600" b="1" dirty="0">
+              <a:solidFill>
+                <a:srgbClr val="000000"/>
+              </a:solidFill>
+              <a:ea typeface="Arial" charset="0"/>
+              <a:cs typeface="Arial" charset="0"/>
+            </a:endParaRPr>
+          </a:p>
+        </p:txBody>
+      </p:sp>
+      <p:sp>
+        <p:nvSpPr>
+          <p:cNvPr id="184" name="Rounded Rectangle 183"/>
+          <p:cNvSpPr/>
+          <p:nvPr/>
+        </p:nvSpPr>
+        <p:spPr>
+          <a:xfrm>
+            <a:off x="7432855" y="5441095"/>
+            <a:ext cx="481189" cy="444147"/>
+          </a:xfrm>
+          <a:prstGeom prst="roundRect">
+            <a:avLst/>
+          </a:prstGeom>
+          <a:solidFill>
+            <a:schemeClr val="accent1"/>
+          </a:solidFill>
+          <a:ln w="19050" cmpd="sng">
+            <a:solidFill>
+              <a:schemeClr val="tx2"/>
+            </a:solidFill>
+          </a:ln>
+          <a:effectLst/>
+        </p:spPr>
+        <p:style>
+          <a:lnRef idx="1">
+            <a:schemeClr val="accent1"/>
+          </a:lnRef>
+          <a:fillRef idx="3">
+            <a:schemeClr val="accent1"/>
+          </a:fillRef>
+          <a:effectRef idx="2">
+            <a:schemeClr val="accent1"/>
+          </a:effectRef>
+          <a:fontRef idx="minor">
+            <a:schemeClr val="lt1"/>
+          </a:fontRef>
+        </p:style>
+        <p:txBody>
+          <a:bodyPr rtlCol="0" anchor="ctr"/>
+          <a:lstStyle/>
+          <a:p>
+            <a:pPr algn="ctr" defTabSz="457200"/>
+            <a:r>
+              <a:rPr lang="en-US" sz="1400" b="1" dirty="0">
+                <a:solidFill>
+                  <a:schemeClr val="bg1"/>
+                </a:solidFill>
+                <a:ea typeface="Arial" charset="0"/>
+                <a:cs typeface="Arial" charset="0"/>
+              </a:rPr>
+              <a:t>P</a:t>
+            </a:r>
+          </a:p>
+        </p:txBody>
+      </p:sp>
     </p:spTree>
     <p:extLst>
       <p:ext uri="{BB962C8B-B14F-4D97-AF65-F5344CB8AC3E}">
-        <p14:creationId xmlns:p14="http://schemas.microsoft.com/office/powerpoint/2010/main" val="722843518"/>
+        <p14:creationId xmlns:p14="http://schemas.microsoft.com/office/powerpoint/2010/main" val="2126325399"/>
       </p:ext>
     </p:extLst>
   </p:cSld>
@@ -16626,1628 +18187,8 @@
                                   </p:childTnLst>
                                 </p:cTn>
                               </p:par>
-                            </p:childTnLst>
-                          </p:cTn>
-                        </p:par>
-                      </p:childTnLst>
-                    </p:cTn>
-                  </p:par>
-                </p:childTnLst>
-              </p:cTn>
-              <p:prevCondLst>
-                <p:cond evt="onPrev" delay="0">
-                  <p:tgtEl>
-                    <p:sldTgt/>
-                  </p:tgtEl>
-                </p:cond>
-              </p:prevCondLst>
-              <p:nextCondLst>
-                <p:cond evt="onNext" delay="0">
-                  <p:tgtEl>
-                    <p:sldTgt/>
-                  </p:tgtEl>
-                </p:cond>
-              </p:nextCondLst>
-            </p:seq>
-          </p:childTnLst>
-        </p:cTn>
-      </p:par>
-    </p:tnLst>
-    <p:bldLst>
-      <p:bldP spid="46" grpId="0" animBg="1"/>
-    </p:bldLst>
-  </p:timing>
-</p:sld>
-</file>
-
-<file path=ppt/slides/slide9.xml><?xml version="1.0" encoding="utf-8"?>
-<p:sld xmlns:a="http://schemas.openxmlformats.org/drawingml/2006/main" xmlns:r="http://schemas.openxmlformats.org/officeDocument/2006/relationships" xmlns:p="http://schemas.openxmlformats.org/presentationml/2006/main">
-  <p:cSld>
-    <p:spTree>
-      <p:nvGrpSpPr>
-        <p:cNvPr id="1" name=""/>
-        <p:cNvGrpSpPr/>
-        <p:nvPr/>
-      </p:nvGrpSpPr>
-      <p:grpSpPr>
-        <a:xfrm>
-          <a:off x="0" y="0"/>
-          <a:ext cx="0" cy="0"/>
-          <a:chOff x="0" y="0"/>
-          <a:chExt cx="0" cy="0"/>
-        </a:xfrm>
-      </p:grpSpPr>
-      <p:sp>
-        <p:nvSpPr>
-          <p:cNvPr id="6" name="Rounded Rectangle 5"/>
-          <p:cNvSpPr/>
-          <p:nvPr/>
-        </p:nvSpPr>
-        <p:spPr>
-          <a:xfrm>
-            <a:off x="7679891" y="2382075"/>
-            <a:ext cx="4109570" cy="4109570"/>
-          </a:xfrm>
-          <a:prstGeom prst="roundRect">
-            <a:avLst/>
-          </a:prstGeom>
-          <a:solidFill>
-            <a:srgbClr val="DBE4F3"/>
-          </a:solidFill>
-        </p:spPr>
-        <p:style>
-          <a:lnRef idx="2">
-            <a:schemeClr val="accent1">
-              <a:shade val="50000"/>
-            </a:schemeClr>
-          </a:lnRef>
-          <a:fillRef idx="1">
-            <a:schemeClr val="accent1"/>
-          </a:fillRef>
-          <a:effectRef idx="0">
-            <a:schemeClr val="accent1"/>
-          </a:effectRef>
-          <a:fontRef idx="minor">
-            <a:schemeClr val="lt1"/>
-          </a:fontRef>
-        </p:style>
-        <p:txBody>
-          <a:bodyPr rtlCol="0" anchor="ctr"/>
-          <a:lstStyle/>
-          <a:p>
-            <a:pPr algn="ctr"/>
-            <a:endParaRPr lang="en-US"/>
-          </a:p>
-        </p:txBody>
-      </p:sp>
-      <p:sp>
-        <p:nvSpPr>
-          <p:cNvPr id="2" name="Title 1"/>
-          <p:cNvSpPr>
-            <a:spLocks noGrp="1"/>
-          </p:cNvSpPr>
-          <p:nvPr>
-            <p:ph type="title"/>
-          </p:nvPr>
-        </p:nvSpPr>
-        <p:spPr>
-          <a:xfrm>
-            <a:off x="457200" y="365125"/>
-            <a:ext cx="11734800" cy="1325563"/>
-          </a:xfrm>
-        </p:spPr>
-        <p:txBody>
-          <a:bodyPr>
-            <a:normAutofit fontScale="90000"/>
-          </a:bodyPr>
-          <a:lstStyle/>
-          <a:p>
-            <a:pPr algn="ctr"/>
-            <a:r>
-              <a:rPr lang="en-US" sz="7200" b="1" smtClean="0">
-                <a:solidFill>
-                  <a:srgbClr val="4C81B2"/>
-                </a:solidFill>
-                <a:latin typeface="+mn-lt"/>
-              </a:rPr>
-              <a:t>Blockchain Network Components</a:t>
-            </a:r>
-            <a:endParaRPr lang="en-US" b="1" dirty="0"/>
-          </a:p>
-        </p:txBody>
-      </p:sp>
-      <p:sp>
-        <p:nvSpPr>
-          <p:cNvPr id="4" name="Slide Number Placeholder 3"/>
-          <p:cNvSpPr>
-            <a:spLocks noGrp="1"/>
-          </p:cNvSpPr>
-          <p:nvPr>
-            <p:ph type="sldNum" sz="quarter" idx="12"/>
-          </p:nvPr>
-        </p:nvSpPr>
-        <p:spPr/>
-        <p:txBody>
-          <a:bodyPr/>
-          <a:lstStyle/>
-          <a:p>
-            <a:fld id="{2AF5F8E0-9CB9-8D41-B80C-6B76C9B710FC}" type="slidenum">
-              <a:rPr lang="en-US" smtClean="0"/>
-              <a:t>9</a:t>
-            </a:fld>
-            <a:endParaRPr lang="en-US"/>
-          </a:p>
-        </p:txBody>
-      </p:sp>
-      <p:grpSp>
-        <p:nvGrpSpPr>
-          <p:cNvPr id="84" name="Group 83"/>
-          <p:cNvGrpSpPr/>
-          <p:nvPr/>
-        </p:nvGrpSpPr>
-        <p:grpSpPr>
-          <a:xfrm>
-            <a:off x="9634050" y="1554354"/>
-            <a:ext cx="453635" cy="725046"/>
-            <a:chOff x="5701137" y="2384637"/>
-            <a:chExt cx="1133935" cy="1812371"/>
-          </a:xfrm>
-        </p:grpSpPr>
-        <p:sp>
-          <p:nvSpPr>
-            <p:cNvPr id="86" name="Oval 85"/>
-            <p:cNvSpPr/>
-            <p:nvPr/>
-          </p:nvSpPr>
-          <p:spPr>
-            <a:xfrm>
-              <a:off x="5928886" y="2384637"/>
-              <a:ext cx="678435" cy="678436"/>
-            </a:xfrm>
-            <a:prstGeom prst="ellipse">
-              <a:avLst/>
-            </a:prstGeom>
-          </p:spPr>
-          <p:style>
-            <a:lnRef idx="2">
-              <a:schemeClr val="accent1">
-                <a:shade val="50000"/>
-              </a:schemeClr>
-            </a:lnRef>
-            <a:fillRef idx="1">
-              <a:schemeClr val="accent1"/>
-            </a:fillRef>
-            <a:effectRef idx="0">
-              <a:schemeClr val="accent1"/>
-            </a:effectRef>
-            <a:fontRef idx="minor">
-              <a:schemeClr val="lt1"/>
-            </a:fontRef>
-          </p:style>
-          <p:txBody>
-            <a:bodyPr rtlCol="0" anchor="ctr"/>
-            <a:lstStyle/>
-            <a:p>
-              <a:pPr algn="ctr"/>
-              <a:endParaRPr lang="en-US"/>
-            </a:p>
-          </p:txBody>
-        </p:sp>
-        <p:sp>
-          <p:nvSpPr>
-            <p:cNvPr id="87" name="Round Same Side Corner Rectangle 86"/>
-            <p:cNvSpPr/>
-            <p:nvPr/>
-          </p:nvSpPr>
-          <p:spPr>
-            <a:xfrm>
-              <a:off x="5701137" y="3063073"/>
-              <a:ext cx="1133935" cy="1133935"/>
-            </a:xfrm>
-            <a:prstGeom prst="round2SameRect">
-              <a:avLst>
-                <a:gd name="adj1" fmla="val 49716"/>
-                <a:gd name="adj2" fmla="val 0"/>
-              </a:avLst>
-            </a:prstGeom>
-          </p:spPr>
-          <p:style>
-            <a:lnRef idx="2">
-              <a:schemeClr val="accent1">
-                <a:shade val="50000"/>
-              </a:schemeClr>
-            </a:lnRef>
-            <a:fillRef idx="1">
-              <a:schemeClr val="accent1"/>
-            </a:fillRef>
-            <a:effectRef idx="0">
-              <a:schemeClr val="accent1"/>
-            </a:effectRef>
-            <a:fontRef idx="minor">
-              <a:schemeClr val="lt1"/>
-            </a:fontRef>
-          </p:style>
-          <p:txBody>
-            <a:bodyPr rtlCol="0" anchor="ctr"/>
-            <a:lstStyle/>
-            <a:p>
-              <a:pPr algn="ctr"/>
-              <a:r>
-                <a:rPr lang="en-US" sz="2400" b="1" dirty="0"/>
-                <a:t>B</a:t>
-              </a:r>
-            </a:p>
-          </p:txBody>
-        </p:sp>
-      </p:grpSp>
-      <p:sp>
-        <p:nvSpPr>
-          <p:cNvPr id="161" name="Content Placeholder 2"/>
-          <p:cNvSpPr>
-            <a:spLocks noGrp="1"/>
-          </p:cNvSpPr>
-          <p:nvPr>
-            <p:ph idx="1"/>
-          </p:nvPr>
-        </p:nvSpPr>
-        <p:spPr>
-          <a:xfrm>
-            <a:off x="838196" y="1825625"/>
-            <a:ext cx="5767149" cy="4351338"/>
-          </a:xfrm>
-        </p:spPr>
-        <p:txBody>
-          <a:bodyPr>
-            <a:noAutofit/>
-          </a:bodyPr>
-          <a:lstStyle/>
-          <a:p>
-            <a:r>
-              <a:rPr lang="en-US" sz="1800" dirty="0" smtClean="0"/>
-              <a:t>To build a blockchain network </a:t>
-            </a:r>
-            <a:r>
-              <a:rPr lang="en-US" sz="1800" b="1" dirty="0" smtClean="0"/>
-              <a:t>N</a:t>
-            </a:r>
-            <a:r>
-              <a:rPr lang="en-US" sz="1800" dirty="0" smtClean="0"/>
-              <a:t>, used by </a:t>
-            </a:r>
-            <a:endParaRPr lang="en-US" sz="1800" b="1" dirty="0" smtClean="0"/>
-          </a:p>
-          <a:p>
-            <a:pPr lvl="1"/>
-            <a:r>
-              <a:rPr lang="en-US" sz="1800" dirty="0"/>
-              <a:t>A set of </a:t>
-            </a:r>
-            <a:r>
-              <a:rPr lang="en-US" sz="1800" dirty="0" smtClean="0"/>
-              <a:t>member Organizations </a:t>
-            </a:r>
-            <a:r>
-              <a:rPr lang="en-US" sz="1800" b="1" dirty="0" err="1" smtClean="0"/>
-              <a:t>Og</a:t>
-            </a:r>
-            <a:endParaRPr lang="en-US" sz="1800" dirty="0"/>
-          </a:p>
-          <a:p>
-            <a:pPr lvl="1"/>
-            <a:r>
-              <a:rPr lang="en-US" sz="1800" dirty="0"/>
-              <a:t>A set of </a:t>
-            </a:r>
-            <a:r>
-              <a:rPr lang="en-US" sz="1800" dirty="0" smtClean="0"/>
-              <a:t>Administrative users, </a:t>
-            </a:r>
-            <a:r>
-              <a:rPr lang="en-US" sz="1800" b="1" dirty="0"/>
-              <a:t>B</a:t>
-            </a:r>
-            <a:r>
-              <a:rPr lang="en-US" sz="1800" dirty="0" smtClean="0"/>
-              <a:t>, user who </a:t>
-            </a:r>
-            <a:r>
-              <a:rPr lang="en-US" sz="1800" dirty="0"/>
-              <a:t>manage the </a:t>
-            </a:r>
-            <a:r>
-              <a:rPr lang="en-US" sz="1800" dirty="0" smtClean="0"/>
-              <a:t>network</a:t>
-            </a:r>
-            <a:endParaRPr lang="en-US" sz="1800" b="1" dirty="0"/>
-          </a:p>
-          <a:p>
-            <a:pPr lvl="1"/>
-            <a:r>
-              <a:rPr lang="en-US" sz="1800" dirty="0"/>
-              <a:t>A set of </a:t>
-            </a:r>
-            <a:r>
-              <a:rPr lang="en-US" sz="1800" dirty="0" smtClean="0"/>
-              <a:t>Applications</a:t>
-            </a:r>
-            <a:r>
-              <a:rPr lang="en-US" sz="1800" dirty="0"/>
-              <a:t>, </a:t>
-            </a:r>
-            <a:r>
-              <a:rPr lang="en-US" sz="1800" b="1" dirty="0"/>
-              <a:t>A</a:t>
-            </a:r>
-            <a:r>
-              <a:rPr lang="en-US" sz="1800" dirty="0"/>
-              <a:t>,</a:t>
-            </a:r>
-            <a:r>
-              <a:rPr lang="en-US" sz="1800" b="1" dirty="0"/>
-              <a:t> </a:t>
-            </a:r>
-            <a:r>
-              <a:rPr lang="en-US" sz="1800" dirty="0" smtClean="0"/>
-              <a:t>which </a:t>
-            </a:r>
-            <a:r>
-              <a:rPr lang="en-US" sz="1800" dirty="0"/>
-              <a:t>access the </a:t>
-            </a:r>
-            <a:r>
-              <a:rPr lang="en-US" sz="1800" dirty="0" smtClean="0"/>
-              <a:t>network </a:t>
-            </a:r>
-            <a:r>
-              <a:rPr lang="en-US" sz="1800" b="1" dirty="0" smtClean="0"/>
-              <a:t>N</a:t>
-            </a:r>
-            <a:endParaRPr lang="en-US" sz="1800" dirty="0"/>
-          </a:p>
-          <a:p>
-            <a:endParaRPr lang="en-US" sz="1800" dirty="0" smtClean="0"/>
-          </a:p>
-          <a:p>
-            <a:r>
-              <a:rPr lang="en-US" sz="1800" dirty="0" smtClean="0"/>
-              <a:t>Which contains</a:t>
-            </a:r>
-          </a:p>
-          <a:p>
-            <a:pPr lvl="1"/>
-            <a:r>
-              <a:rPr lang="en-US" sz="1800" dirty="0" smtClean="0"/>
-              <a:t>A </a:t>
-            </a:r>
-            <a:r>
-              <a:rPr lang="en-US" sz="1800" dirty="0"/>
-              <a:t>set of smart contracts, </a:t>
-            </a:r>
-            <a:r>
-              <a:rPr lang="en-US" sz="1800" b="1" dirty="0" smtClean="0"/>
-              <a:t>S</a:t>
-            </a:r>
-            <a:endParaRPr lang="en-US" sz="1800" dirty="0"/>
-          </a:p>
-          <a:p>
-            <a:pPr lvl="1"/>
-            <a:r>
-              <a:rPr lang="en-US" sz="1800" dirty="0"/>
-              <a:t>A set of </a:t>
-            </a:r>
-            <a:r>
-              <a:rPr lang="en-US" sz="1800" dirty="0" smtClean="0"/>
-              <a:t>replicated ledgers</a:t>
-            </a:r>
-            <a:r>
-              <a:rPr lang="en-US" sz="1800" dirty="0"/>
-              <a:t>, </a:t>
-            </a:r>
-            <a:r>
-              <a:rPr lang="en-US" sz="1800" b="1" dirty="0" smtClean="0"/>
-              <a:t>L</a:t>
-            </a:r>
-          </a:p>
-          <a:p>
-            <a:endParaRPr lang="en-US" sz="1800" dirty="0" smtClean="0"/>
-          </a:p>
-          <a:p>
-            <a:r>
-              <a:rPr lang="en-US" sz="1800" dirty="0" smtClean="0"/>
-              <a:t>and uses </a:t>
-            </a:r>
-          </a:p>
-          <a:p>
-            <a:pPr lvl="1"/>
-            <a:r>
-              <a:rPr lang="en-US" sz="1800" dirty="0" smtClean="0"/>
-              <a:t>A set of Digital Certificate Identities</a:t>
-            </a:r>
-            <a:r>
-              <a:rPr lang="en-US" sz="1800" dirty="0"/>
-              <a:t>,</a:t>
-            </a:r>
-            <a:r>
-              <a:rPr lang="en-US" sz="1800" b="1" dirty="0"/>
-              <a:t> I</a:t>
-            </a:r>
-            <a:r>
-              <a:rPr lang="en-US" sz="1800" dirty="0"/>
-              <a:t>, dispensed by </a:t>
-            </a:r>
-          </a:p>
-          <a:p>
-            <a:pPr lvl="1"/>
-            <a:r>
-              <a:rPr lang="en-US" sz="1800" dirty="0"/>
-              <a:t>A set of Certificate Authorities,</a:t>
-            </a:r>
-            <a:r>
-              <a:rPr lang="en-US" sz="1800" b="1" dirty="0"/>
-              <a:t> </a:t>
-            </a:r>
-            <a:r>
-              <a:rPr lang="en-US" sz="1800" b="1" dirty="0" smtClean="0"/>
-              <a:t>CA</a:t>
-            </a:r>
-          </a:p>
-          <a:p>
-            <a:endParaRPr lang="en-US" sz="1800" dirty="0" smtClean="0"/>
-          </a:p>
-        </p:txBody>
-      </p:sp>
-      <p:grpSp>
-        <p:nvGrpSpPr>
-          <p:cNvPr id="13" name="Group 12"/>
-          <p:cNvGrpSpPr/>
-          <p:nvPr/>
-        </p:nvGrpSpPr>
-        <p:grpSpPr>
-          <a:xfrm>
-            <a:off x="6717344" y="3883310"/>
-            <a:ext cx="619323" cy="501605"/>
-            <a:chOff x="9015959" y="4587888"/>
-            <a:chExt cx="420764" cy="340787"/>
-          </a:xfrm>
-        </p:grpSpPr>
-        <p:sp>
-          <p:nvSpPr>
-            <p:cNvPr id="164" name="Rectangle 163"/>
-            <p:cNvSpPr/>
-            <p:nvPr/>
-          </p:nvSpPr>
-          <p:spPr>
-            <a:xfrm>
-              <a:off x="9015959" y="4587888"/>
-              <a:ext cx="420764" cy="340787"/>
-            </a:xfrm>
-            <a:prstGeom prst="rect">
-              <a:avLst/>
-            </a:prstGeom>
-            <a:noFill/>
-            <a:ln w="25400"/>
-          </p:spPr>
-          <p:style>
-            <a:lnRef idx="2">
-              <a:schemeClr val="accent1">
-                <a:shade val="50000"/>
-              </a:schemeClr>
-            </a:lnRef>
-            <a:fillRef idx="1">
-              <a:schemeClr val="accent1"/>
-            </a:fillRef>
-            <a:effectRef idx="0">
-              <a:schemeClr val="accent1"/>
-            </a:effectRef>
-            <a:fontRef idx="minor">
-              <a:schemeClr val="lt1"/>
-            </a:fontRef>
-          </p:style>
-          <p:txBody>
-            <a:bodyPr rtlCol="0" anchor="ctr"/>
-            <a:lstStyle/>
-            <a:p>
-              <a:pPr algn="ctr"/>
-              <a:endParaRPr lang="en-US"/>
-            </a:p>
-          </p:txBody>
-        </p:sp>
-        <p:grpSp>
-          <p:nvGrpSpPr>
-            <p:cNvPr id="166" name="Group 165"/>
-            <p:cNvGrpSpPr/>
-            <p:nvPr/>
-          </p:nvGrpSpPr>
-          <p:grpSpPr>
-            <a:xfrm>
-              <a:off x="9248228" y="4690045"/>
-              <a:ext cx="123069" cy="75870"/>
-              <a:chOff x="4770478" y="3634526"/>
-              <a:chExt cx="123069" cy="75870"/>
-            </a:xfrm>
-          </p:grpSpPr>
-          <p:cxnSp>
-            <p:nvCxnSpPr>
-              <p:cNvPr id="167" name="Straight Connector 166"/>
-              <p:cNvCxnSpPr/>
-              <p:nvPr/>
-            </p:nvCxnSpPr>
-            <p:spPr>
-              <a:xfrm>
-                <a:off x="4770478" y="3634526"/>
-                <a:ext cx="123069" cy="0"/>
-              </a:xfrm>
-              <a:prstGeom prst="line">
-                <a:avLst/>
-              </a:prstGeom>
-              <a:ln w="25400"/>
-            </p:spPr>
-            <p:style>
-              <a:lnRef idx="1">
-                <a:schemeClr val="accent1"/>
-              </a:lnRef>
-              <a:fillRef idx="0">
-                <a:schemeClr val="accent1"/>
-              </a:fillRef>
-              <a:effectRef idx="0">
-                <a:schemeClr val="accent1"/>
-              </a:effectRef>
-              <a:fontRef idx="minor">
-                <a:schemeClr val="tx1"/>
-              </a:fontRef>
-            </p:style>
-          </p:cxnSp>
-          <p:cxnSp>
-            <p:nvCxnSpPr>
-              <p:cNvPr id="168" name="Straight Connector 167"/>
-              <p:cNvCxnSpPr/>
-              <p:nvPr/>
-            </p:nvCxnSpPr>
-            <p:spPr>
-              <a:xfrm>
-                <a:off x="4770478" y="3672461"/>
-                <a:ext cx="123069" cy="0"/>
-              </a:xfrm>
-              <a:prstGeom prst="line">
-                <a:avLst/>
-              </a:prstGeom>
-              <a:ln w="25400"/>
-            </p:spPr>
-            <p:style>
-              <a:lnRef idx="1">
-                <a:schemeClr val="accent1"/>
-              </a:lnRef>
-              <a:fillRef idx="0">
-                <a:schemeClr val="accent1"/>
-              </a:fillRef>
-              <a:effectRef idx="0">
-                <a:schemeClr val="accent1"/>
-              </a:effectRef>
-              <a:fontRef idx="minor">
-                <a:schemeClr val="tx1"/>
-              </a:fontRef>
-            </p:style>
-          </p:cxnSp>
-          <p:cxnSp>
-            <p:nvCxnSpPr>
-              <p:cNvPr id="169" name="Straight Connector 168"/>
-              <p:cNvCxnSpPr/>
-              <p:nvPr/>
-            </p:nvCxnSpPr>
-            <p:spPr>
-              <a:xfrm>
-                <a:off x="4770478" y="3710396"/>
-                <a:ext cx="123069" cy="0"/>
-              </a:xfrm>
-              <a:prstGeom prst="line">
-                <a:avLst/>
-              </a:prstGeom>
-              <a:ln w="25400"/>
-            </p:spPr>
-            <p:style>
-              <a:lnRef idx="1">
-                <a:schemeClr val="accent1"/>
-              </a:lnRef>
-              <a:fillRef idx="0">
-                <a:schemeClr val="accent1"/>
-              </a:fillRef>
-              <a:effectRef idx="0">
-                <a:schemeClr val="accent1"/>
-              </a:effectRef>
-              <a:fontRef idx="minor">
-                <a:schemeClr val="tx1"/>
-              </a:fontRef>
-            </p:style>
-          </p:cxnSp>
-        </p:grpSp>
-        <p:sp>
-          <p:nvSpPr>
-            <p:cNvPr id="172" name="Rounded Rectangle 171"/>
-            <p:cNvSpPr/>
-            <p:nvPr/>
-          </p:nvSpPr>
-          <p:spPr>
-            <a:xfrm>
-              <a:off x="9059604" y="4675660"/>
-              <a:ext cx="166737" cy="165241"/>
-            </a:xfrm>
-            <a:prstGeom prst="roundRect">
-              <a:avLst/>
-            </a:prstGeom>
-            <a:solidFill>
-              <a:srgbClr val="4372C4"/>
-            </a:solidFill>
-            <a:ln w="12700" cap="flat" cmpd="sng" algn="ctr">
-              <a:solidFill>
-                <a:schemeClr val="tx2"/>
-              </a:solidFill>
-              <a:prstDash val="solid"/>
-            </a:ln>
-            <a:effectLst>
-              <a:outerShdw blurRad="40000" dist="23000" dir="5400000" rotWithShape="0">
-                <a:srgbClr val="000000">
-                  <a:alpha val="35000"/>
-                </a:srgbClr>
-              </a:outerShdw>
-            </a:effectLst>
-          </p:spPr>
-          <p:txBody>
-            <a:bodyPr tIns="36000" bIns="36000" rtlCol="0" anchor="ctr"/>
-            <a:lstStyle/>
-            <a:p>
-              <a:pPr marL="0" marR="0" lvl="0" indent="0" algn="ctr" defTabSz="457200" eaLnBrk="1" fontAlgn="auto" latinLnBrk="0" hangingPunct="1">
-                <a:lnSpc>
-                  <a:spcPct val="100000"/>
-                </a:lnSpc>
-                <a:spcBef>
-                  <a:spcPts val="0"/>
-                </a:spcBef>
-                <a:spcAft>
-                  <a:spcPts val="0"/>
-                </a:spcAft>
-                <a:buClrTx/>
-                <a:buSzTx/>
-                <a:buFontTx/>
-                <a:buNone/>
-                <a:tabLst/>
-                <a:defRPr/>
-              </a:pPr>
-              <a:r>
-                <a:rPr lang="en-US" sz="1600" b="1" kern="0" dirty="0">
-                  <a:solidFill>
-                    <a:schemeClr val="bg1"/>
-                  </a:solidFill>
-                  <a:ea typeface=""/>
-                  <a:cs typeface=""/>
-                </a:rPr>
-                <a:t>I</a:t>
-              </a:r>
-              <a:endParaRPr kumimoji="0" lang="en-US" sz="1600" b="1" i="0" u="none" strike="noStrike" kern="0" cap="none" spc="0" normalizeH="0" baseline="0" noProof="0" dirty="0" smtClean="0">
-                <a:ln>
-                  <a:noFill/>
-                </a:ln>
-                <a:solidFill>
-                  <a:schemeClr val="bg1"/>
-                </a:solidFill>
-                <a:effectLst/>
-                <a:uLnTx/>
-                <a:uFillTx/>
-                <a:ea typeface=""/>
-                <a:cs typeface=""/>
-              </a:endParaRPr>
-            </a:p>
-          </p:txBody>
-        </p:sp>
-      </p:grpSp>
-      <p:grpSp>
-        <p:nvGrpSpPr>
-          <p:cNvPr id="8" name="Group 7"/>
-          <p:cNvGrpSpPr/>
-          <p:nvPr/>
-        </p:nvGrpSpPr>
-        <p:grpSpPr>
-          <a:xfrm>
-            <a:off x="8441613" y="1589931"/>
-            <a:ext cx="742889" cy="677402"/>
-            <a:chOff x="10666566" y="3979442"/>
-            <a:chExt cx="742889" cy="677402"/>
-          </a:xfrm>
-        </p:grpSpPr>
-        <p:sp>
-          <p:nvSpPr>
-            <p:cNvPr id="173" name="Triangle 172"/>
-            <p:cNvSpPr/>
-            <p:nvPr/>
-          </p:nvSpPr>
-          <p:spPr>
-            <a:xfrm>
-              <a:off x="10666566" y="3979442"/>
-              <a:ext cx="742889" cy="677401"/>
-            </a:xfrm>
-            <a:prstGeom prst="triangle">
-              <a:avLst/>
-            </a:prstGeom>
-            <a:ln w="12700">
-              <a:solidFill>
-                <a:schemeClr val="tx2"/>
-              </a:solidFill>
-            </a:ln>
-          </p:spPr>
-          <p:style>
-            <a:lnRef idx="2">
-              <a:schemeClr val="accent1">
-                <a:shade val="50000"/>
-              </a:schemeClr>
-            </a:lnRef>
-            <a:fillRef idx="1">
-              <a:schemeClr val="accent1"/>
-            </a:fillRef>
-            <a:effectRef idx="0">
-              <a:schemeClr val="accent1"/>
-            </a:effectRef>
-            <a:fontRef idx="minor">
-              <a:schemeClr val="lt1"/>
-            </a:fontRef>
-          </p:style>
-          <p:txBody>
-            <a:bodyPr rtlCol="0" anchor="ctr"/>
-            <a:lstStyle/>
-            <a:p>
-              <a:pPr algn="ctr"/>
-              <a:endParaRPr lang="en-US" sz="1600" b="1" dirty="0">
-                <a:solidFill>
-                  <a:schemeClr val="bg1"/>
-                </a:solidFill>
-              </a:endParaRPr>
-            </a:p>
-          </p:txBody>
-        </p:sp>
-        <p:sp>
-          <p:nvSpPr>
-            <p:cNvPr id="3" name="TextBox 2"/>
-            <p:cNvSpPr txBox="1"/>
-            <p:nvPr/>
-          </p:nvSpPr>
-          <p:spPr>
-            <a:xfrm>
-              <a:off x="10773996" y="4195179"/>
-              <a:ext cx="538930" cy="461665"/>
-            </a:xfrm>
-            <a:prstGeom prst="rect">
-              <a:avLst/>
-            </a:prstGeom>
-            <a:noFill/>
-          </p:spPr>
-          <p:txBody>
-            <a:bodyPr wrap="none" rtlCol="0">
-              <a:spAutoFit/>
-            </a:bodyPr>
-            <a:lstStyle/>
-            <a:p>
-              <a:r>
-                <a:rPr lang="en-US" sz="2400" b="1" dirty="0" err="1" smtClean="0">
-                  <a:solidFill>
-                    <a:schemeClr val="bg1"/>
-                  </a:solidFill>
-                </a:rPr>
-                <a:t>Og</a:t>
-              </a:r>
-              <a:endParaRPr lang="en-US" sz="2400" b="1" dirty="0">
-                <a:solidFill>
-                  <a:schemeClr val="bg1"/>
-                </a:solidFill>
-              </a:endParaRPr>
-            </a:p>
-          </p:txBody>
-        </p:sp>
-      </p:grpSp>
-      <p:sp>
-        <p:nvSpPr>
-          <p:cNvPr id="45" name="Rounded Rectangle 44"/>
-          <p:cNvSpPr/>
-          <p:nvPr/>
-        </p:nvSpPr>
-        <p:spPr>
-          <a:xfrm>
-            <a:off x="6739469" y="4682736"/>
-            <a:ext cx="575072" cy="567368"/>
-          </a:xfrm>
-          <a:prstGeom prst="roundRect">
-            <a:avLst/>
-          </a:prstGeom>
-          <a:solidFill>
-            <a:schemeClr val="accent4"/>
-          </a:solidFill>
-          <a:ln w="25400">
-            <a:solidFill>
-              <a:srgbClr val="0070C0"/>
-            </a:solidFill>
-          </a:ln>
-        </p:spPr>
-        <p:style>
-          <a:lnRef idx="2">
-            <a:schemeClr val="accent1">
-              <a:shade val="50000"/>
-            </a:schemeClr>
-          </a:lnRef>
-          <a:fillRef idx="1">
-            <a:schemeClr val="accent1"/>
-          </a:fillRef>
-          <a:effectRef idx="0">
-            <a:schemeClr val="accent1"/>
-          </a:effectRef>
-          <a:fontRef idx="minor">
-            <a:schemeClr val="lt1"/>
-          </a:fontRef>
-        </p:style>
-        <p:txBody>
-          <a:bodyPr rtlCol="0" anchor="ctr"/>
-          <a:lstStyle/>
-          <a:p>
-            <a:pPr algn="ctr"/>
-            <a:r>
-              <a:rPr lang="en-US" sz="2000" b="1" dirty="0" smtClean="0">
-                <a:solidFill>
-                  <a:srgbClr val="4372C4"/>
-                </a:solidFill>
-              </a:rPr>
-              <a:t>CA</a:t>
-            </a:r>
-            <a:endParaRPr lang="en-US" sz="2000" b="1" dirty="0">
-              <a:solidFill>
-                <a:srgbClr val="4372C4"/>
-              </a:solidFill>
-            </a:endParaRPr>
-          </a:p>
-        </p:txBody>
-      </p:sp>
-      <p:sp>
-        <p:nvSpPr>
-          <p:cNvPr id="7" name="TextBox 6"/>
-          <p:cNvSpPr txBox="1"/>
-          <p:nvPr/>
-        </p:nvSpPr>
-        <p:spPr>
-          <a:xfrm>
-            <a:off x="7956348" y="2737811"/>
-            <a:ext cx="386644" cy="461665"/>
-          </a:xfrm>
-          <a:prstGeom prst="rect">
-            <a:avLst/>
-          </a:prstGeom>
-          <a:noFill/>
-        </p:spPr>
-        <p:txBody>
-          <a:bodyPr wrap="none" rtlCol="0">
-            <a:spAutoFit/>
-          </a:bodyPr>
-          <a:lstStyle/>
-          <a:p>
-            <a:r>
-              <a:rPr lang="en-US" sz="2400" b="1" dirty="0" smtClean="0">
-                <a:solidFill>
-                  <a:srgbClr val="4372C4"/>
-                </a:solidFill>
-              </a:rPr>
-              <a:t>N</a:t>
-            </a:r>
-            <a:endParaRPr lang="en-US" sz="2400" b="1" dirty="0">
-              <a:solidFill>
-                <a:srgbClr val="4372C4"/>
-              </a:solidFill>
-            </a:endParaRPr>
-          </a:p>
-        </p:txBody>
-      </p:sp>
-      <p:sp>
-        <p:nvSpPr>
-          <p:cNvPr id="49" name="Document 48"/>
-          <p:cNvSpPr/>
-          <p:nvPr/>
-        </p:nvSpPr>
-        <p:spPr>
-          <a:xfrm>
-            <a:off x="10091932" y="3307231"/>
-            <a:ext cx="547666" cy="433746"/>
-          </a:xfrm>
-          <a:prstGeom prst="flowChartDocument">
-            <a:avLst/>
-          </a:prstGeom>
-          <a:solidFill>
-            <a:srgbClr val="FF0000"/>
-          </a:solidFill>
-          <a:ln w="19050">
-            <a:solidFill>
-              <a:srgbClr val="0070C0"/>
-            </a:solidFill>
-          </a:ln>
-        </p:spPr>
-        <p:style>
-          <a:lnRef idx="2">
-            <a:schemeClr val="accent1">
-              <a:shade val="50000"/>
-            </a:schemeClr>
-          </a:lnRef>
-          <a:fillRef idx="1">
-            <a:schemeClr val="accent1"/>
-          </a:fillRef>
-          <a:effectRef idx="0">
-            <a:schemeClr val="accent1"/>
-          </a:effectRef>
-          <a:fontRef idx="minor">
-            <a:schemeClr val="lt1"/>
-          </a:fontRef>
-        </p:style>
-        <p:txBody>
-          <a:bodyPr rtlCol="0" anchor="ctr"/>
-          <a:lstStyle/>
-          <a:p>
-            <a:pPr algn="ctr"/>
-            <a:r>
-              <a:rPr lang="en-US" sz="2400" b="1" dirty="0" smtClean="0">
-                <a:solidFill>
-                  <a:schemeClr val="bg1"/>
-                </a:solidFill>
-              </a:rPr>
-              <a:t>L</a:t>
-            </a:r>
-            <a:endParaRPr lang="en-US" sz="2400" b="1" dirty="0">
-              <a:solidFill>
-                <a:schemeClr val="bg1"/>
-              </a:solidFill>
-            </a:endParaRPr>
-          </a:p>
-        </p:txBody>
-      </p:sp>
-      <p:sp>
-        <p:nvSpPr>
-          <p:cNvPr id="53" name="Rounded Rectangle 52"/>
-          <p:cNvSpPr/>
-          <p:nvPr/>
-        </p:nvSpPr>
-        <p:spPr>
-          <a:xfrm>
-            <a:off x="10520188" y="1564424"/>
-            <a:ext cx="719788" cy="710146"/>
-          </a:xfrm>
-          <a:prstGeom prst="roundRect">
-            <a:avLst/>
-          </a:prstGeom>
-          <a:solidFill>
-            <a:schemeClr val="bg1"/>
-          </a:solidFill>
-          <a:ln w="25400">
-            <a:solidFill>
-              <a:srgbClr val="0070C0"/>
-            </a:solidFill>
-          </a:ln>
-        </p:spPr>
-        <p:style>
-          <a:lnRef idx="2">
-            <a:schemeClr val="accent1">
-              <a:shade val="50000"/>
-            </a:schemeClr>
-          </a:lnRef>
-          <a:fillRef idx="1">
-            <a:schemeClr val="accent1"/>
-          </a:fillRef>
-          <a:effectRef idx="0">
-            <a:schemeClr val="accent1"/>
-          </a:effectRef>
-          <a:fontRef idx="minor">
-            <a:schemeClr val="lt1"/>
-          </a:fontRef>
-        </p:style>
-        <p:txBody>
-          <a:bodyPr rtlCol="0" anchor="ctr"/>
-          <a:lstStyle/>
-          <a:p>
-            <a:pPr algn="ctr"/>
-            <a:r>
-              <a:rPr lang="en-US" sz="2400" b="1" dirty="0" smtClean="0">
-                <a:solidFill>
-                  <a:srgbClr val="4372C4"/>
-                </a:solidFill>
-              </a:rPr>
-              <a:t>A</a:t>
-            </a:r>
-            <a:endParaRPr lang="en-US" sz="2400" b="1" dirty="0">
-              <a:solidFill>
-                <a:srgbClr val="4372C4"/>
-              </a:solidFill>
-            </a:endParaRPr>
-          </a:p>
-        </p:txBody>
-      </p:sp>
-      <p:sp>
-        <p:nvSpPr>
-          <p:cNvPr id="50" name="Rounded Rectangle 49"/>
-          <p:cNvSpPr/>
-          <p:nvPr/>
-        </p:nvSpPr>
-        <p:spPr>
-          <a:xfrm>
-            <a:off x="10397108" y="2851515"/>
-            <a:ext cx="595004" cy="549201"/>
-          </a:xfrm>
-          <a:prstGeom prst="roundRect">
-            <a:avLst/>
-          </a:prstGeom>
-          <a:solidFill>
-            <a:srgbClr val="FFC000"/>
-          </a:solidFill>
-          <a:ln w="28575" cmpd="sng">
-            <a:solidFill>
-              <a:srgbClr val="0070C0"/>
-            </a:solidFill>
-          </a:ln>
-          <a:effectLst/>
-        </p:spPr>
-        <p:style>
-          <a:lnRef idx="1">
-            <a:schemeClr val="accent1"/>
-          </a:lnRef>
-          <a:fillRef idx="3">
-            <a:schemeClr val="accent1"/>
-          </a:fillRef>
-          <a:effectRef idx="2">
-            <a:schemeClr val="accent1"/>
-          </a:effectRef>
-          <a:fontRef idx="minor">
-            <a:schemeClr val="lt1"/>
-          </a:fontRef>
-        </p:style>
-        <p:txBody>
-          <a:bodyPr rtlCol="0" anchor="ctr"/>
-          <a:lstStyle/>
-          <a:p>
-            <a:pPr algn="ctr"/>
-            <a:r>
-              <a:rPr lang="en-US" sz="2400" b="1" smtClean="0">
-                <a:solidFill>
-                  <a:srgbClr val="4372C4"/>
-                </a:solidFill>
-                <a:ea typeface="Arial" charset="0"/>
-                <a:cs typeface="Arial" charset="0"/>
-              </a:rPr>
-              <a:t>S</a:t>
-            </a:r>
-            <a:endParaRPr lang="en-US" sz="2400" b="1" dirty="0">
-              <a:solidFill>
-                <a:srgbClr val="4372C4"/>
-              </a:solidFill>
-              <a:ea typeface="Arial" charset="0"/>
-              <a:cs typeface="Arial" charset="0"/>
-            </a:endParaRPr>
-          </a:p>
-        </p:txBody>
-      </p:sp>
-      <p:grpSp>
-        <p:nvGrpSpPr>
-          <p:cNvPr id="36" name="Group 35"/>
-          <p:cNvGrpSpPr/>
-          <p:nvPr/>
-        </p:nvGrpSpPr>
-        <p:grpSpPr>
-          <a:xfrm>
-            <a:off x="9130991" y="5906803"/>
-            <a:ext cx="1207370" cy="540319"/>
-            <a:chOff x="9248983" y="4701746"/>
-            <a:chExt cx="1207370" cy="540319"/>
-          </a:xfrm>
-        </p:grpSpPr>
-        <p:sp>
-          <p:nvSpPr>
-            <p:cNvPr id="37" name="Oval 36"/>
-            <p:cNvSpPr/>
-            <p:nvPr/>
-          </p:nvSpPr>
-          <p:spPr>
-            <a:xfrm>
-              <a:off x="9248983" y="4701746"/>
-              <a:ext cx="1185862" cy="521317"/>
-            </a:xfrm>
-            <a:prstGeom prst="ellipse">
-              <a:avLst/>
-            </a:prstGeom>
-            <a:solidFill>
-              <a:srgbClr val="DBE4F3"/>
-            </a:solidFill>
-          </p:spPr>
-          <p:style>
-            <a:lnRef idx="2">
-              <a:schemeClr val="accent1">
-                <a:shade val="50000"/>
-              </a:schemeClr>
-            </a:lnRef>
-            <a:fillRef idx="1">
-              <a:schemeClr val="accent1"/>
-            </a:fillRef>
-            <a:effectRef idx="0">
-              <a:schemeClr val="accent1"/>
-            </a:effectRef>
-            <a:fontRef idx="minor">
-              <a:schemeClr val="lt1"/>
-            </a:fontRef>
-          </p:style>
-          <p:txBody>
-            <a:bodyPr rtlCol="0" anchor="ctr"/>
-            <a:lstStyle/>
-            <a:p>
-              <a:pPr algn="ctr"/>
-              <a:endParaRPr lang="en-US"/>
-            </a:p>
-          </p:txBody>
-        </p:sp>
-        <p:sp>
-          <p:nvSpPr>
-            <p:cNvPr id="39" name="TextBox 38"/>
-            <p:cNvSpPr txBox="1"/>
-            <p:nvPr/>
-          </p:nvSpPr>
-          <p:spPr>
-            <a:xfrm>
-              <a:off x="9260393" y="4718845"/>
-              <a:ext cx="1195960" cy="523220"/>
-            </a:xfrm>
-            <a:prstGeom prst="rect">
-              <a:avLst/>
-            </a:prstGeom>
-            <a:noFill/>
-          </p:spPr>
-          <p:txBody>
-            <a:bodyPr wrap="square" rtlCol="0">
-              <a:spAutoFit/>
-            </a:bodyPr>
-            <a:lstStyle/>
-            <a:p>
-              <a:pPr algn="ctr"/>
-              <a:r>
-                <a:rPr lang="en-US" sz="1400" b="1" dirty="0" smtClean="0">
-                  <a:solidFill>
-                    <a:srgbClr val="4372C4"/>
-                  </a:solidFill>
-                </a:rPr>
-                <a:t>Blockchain Network</a:t>
-              </a:r>
-              <a:endParaRPr lang="en-US" sz="1400" b="1" dirty="0">
-                <a:solidFill>
-                  <a:srgbClr val="4372C4"/>
-                </a:solidFill>
-              </a:endParaRPr>
-            </a:p>
-          </p:txBody>
-        </p:sp>
-      </p:grpSp>
-      <p:sp>
-        <p:nvSpPr>
-          <p:cNvPr id="5" name="TextBox 4"/>
-          <p:cNvSpPr txBox="1"/>
-          <p:nvPr/>
-        </p:nvSpPr>
-        <p:spPr>
-          <a:xfrm>
-            <a:off x="7656426" y="6538909"/>
-            <a:ext cx="599844" cy="276999"/>
-          </a:xfrm>
-          <a:prstGeom prst="rect">
-            <a:avLst/>
-          </a:prstGeom>
-          <a:noFill/>
-        </p:spPr>
-        <p:txBody>
-          <a:bodyPr wrap="none" rtlCol="0">
-            <a:spAutoFit/>
-          </a:bodyPr>
-          <a:lstStyle/>
-          <a:p>
-            <a:r>
-              <a:rPr lang="en-US" sz="1200" b="1" dirty="0" smtClean="0">
-                <a:solidFill>
-                  <a:srgbClr val="4372C4"/>
-                </a:solidFill>
-              </a:rPr>
-              <a:t>earlier</a:t>
-            </a:r>
-            <a:endParaRPr lang="en-US" sz="1200" b="1" dirty="0">
-              <a:solidFill>
-                <a:srgbClr val="4372C4"/>
-              </a:solidFill>
-            </a:endParaRPr>
-          </a:p>
-        </p:txBody>
-      </p:sp>
-      <p:sp>
-        <p:nvSpPr>
-          <p:cNvPr id="28" name="TextBox 27"/>
-          <p:cNvSpPr txBox="1"/>
-          <p:nvPr/>
-        </p:nvSpPr>
-        <p:spPr>
-          <a:xfrm>
-            <a:off x="11249628" y="6538910"/>
-            <a:ext cx="479555" cy="276999"/>
-          </a:xfrm>
-          <a:prstGeom prst="rect">
-            <a:avLst/>
-          </a:prstGeom>
-          <a:noFill/>
-        </p:spPr>
-        <p:txBody>
-          <a:bodyPr wrap="none" rtlCol="0">
-            <a:spAutoFit/>
-          </a:bodyPr>
-          <a:lstStyle/>
-          <a:p>
-            <a:r>
-              <a:rPr lang="en-US" sz="1200" b="1" dirty="0" smtClean="0">
-                <a:solidFill>
-                  <a:srgbClr val="4372C4"/>
-                </a:solidFill>
-              </a:rPr>
-              <a:t>later</a:t>
-            </a:r>
-            <a:endParaRPr lang="en-US" sz="1200" b="1" dirty="0">
-              <a:solidFill>
-                <a:srgbClr val="4372C4"/>
-              </a:solidFill>
-            </a:endParaRPr>
-          </a:p>
-        </p:txBody>
-      </p:sp>
-      <p:cxnSp>
-        <p:nvCxnSpPr>
-          <p:cNvPr id="10" name="Straight Arrow Connector 9"/>
-          <p:cNvCxnSpPr/>
-          <p:nvPr/>
-        </p:nvCxnSpPr>
-        <p:spPr>
-          <a:xfrm>
-            <a:off x="7679891" y="6544107"/>
-            <a:ext cx="4109570" cy="4566"/>
-          </a:xfrm>
-          <a:prstGeom prst="straightConnector1">
-            <a:avLst/>
-          </a:prstGeom>
-          <a:ln w="28575">
-            <a:solidFill>
-              <a:srgbClr val="4372C4"/>
-            </a:solidFill>
-            <a:tailEnd type="triangle"/>
-          </a:ln>
-        </p:spPr>
-        <p:style>
-          <a:lnRef idx="1">
-            <a:schemeClr val="accent1"/>
-          </a:lnRef>
-          <a:fillRef idx="0">
-            <a:schemeClr val="accent1"/>
-          </a:fillRef>
-          <a:effectRef idx="0">
-            <a:schemeClr val="accent1"/>
-          </a:effectRef>
-          <a:fontRef idx="minor">
-            <a:schemeClr val="tx1"/>
-          </a:fontRef>
-        </p:style>
-      </p:cxnSp>
-      <p:cxnSp>
-        <p:nvCxnSpPr>
-          <p:cNvPr id="38" name="Straight Arrow Connector 37"/>
-          <p:cNvCxnSpPr>
-            <a:stCxn id="40" idx="2"/>
-            <a:endCxn id="42" idx="0"/>
-          </p:cNvCxnSpPr>
-          <p:nvPr/>
-        </p:nvCxnSpPr>
-        <p:spPr>
-          <a:xfrm flipH="1">
-            <a:off x="7613695" y="2448809"/>
-            <a:ext cx="1" cy="3816494"/>
-          </a:xfrm>
-          <a:prstGeom prst="straightConnector1">
-            <a:avLst/>
-          </a:prstGeom>
-          <a:ln w="28575">
-            <a:solidFill>
-              <a:srgbClr val="4372C4"/>
-            </a:solidFill>
-            <a:headEnd type="triangle" w="med" len="med"/>
-            <a:tailEnd type="none" w="med" len="med"/>
-          </a:ln>
-        </p:spPr>
-        <p:style>
-          <a:lnRef idx="1">
-            <a:schemeClr val="accent1"/>
-          </a:lnRef>
-          <a:fillRef idx="0">
-            <a:schemeClr val="accent1"/>
-          </a:fillRef>
-          <a:effectRef idx="0">
-            <a:schemeClr val="accent1"/>
-          </a:effectRef>
-          <a:fontRef idx="minor">
-            <a:schemeClr val="tx1"/>
-          </a:fontRef>
-        </p:style>
-      </p:cxnSp>
-      <p:sp>
-        <p:nvSpPr>
-          <p:cNvPr id="40" name="TextBox 39"/>
-          <p:cNvSpPr txBox="1"/>
-          <p:nvPr/>
-        </p:nvSpPr>
-        <p:spPr>
-          <a:xfrm>
-            <a:off x="7247249" y="2171810"/>
-            <a:ext cx="732893" cy="276999"/>
-          </a:xfrm>
-          <a:prstGeom prst="rect">
-            <a:avLst/>
-          </a:prstGeom>
-          <a:noFill/>
-        </p:spPr>
-        <p:txBody>
-          <a:bodyPr wrap="none" rtlCol="0">
-            <a:spAutoFit/>
-          </a:bodyPr>
-          <a:lstStyle/>
-          <a:p>
-            <a:r>
-              <a:rPr lang="en-US" sz="1200" b="1" dirty="0" smtClean="0">
-                <a:solidFill>
-                  <a:srgbClr val="4372C4"/>
-                </a:solidFill>
-              </a:rPr>
-              <a:t>business</a:t>
-            </a:r>
-            <a:endParaRPr lang="en-US" sz="1200" b="1" dirty="0">
-              <a:solidFill>
-                <a:srgbClr val="4372C4"/>
-              </a:solidFill>
-            </a:endParaRPr>
-          </a:p>
-        </p:txBody>
-      </p:sp>
-      <p:sp>
-        <p:nvSpPr>
-          <p:cNvPr id="42" name="TextBox 41"/>
-          <p:cNvSpPr txBox="1"/>
-          <p:nvPr/>
-        </p:nvSpPr>
-        <p:spPr>
-          <a:xfrm>
-            <a:off x="7233751" y="6265303"/>
-            <a:ext cx="759888" cy="276999"/>
-          </a:xfrm>
-          <a:prstGeom prst="rect">
-            <a:avLst/>
-          </a:prstGeom>
-          <a:noFill/>
-        </p:spPr>
-        <p:txBody>
-          <a:bodyPr wrap="none" rtlCol="0">
-            <a:spAutoFit/>
-          </a:bodyPr>
-          <a:lstStyle/>
-          <a:p>
-            <a:r>
-              <a:rPr lang="en-US" sz="1200" b="1" smtClean="0">
-                <a:solidFill>
-                  <a:srgbClr val="4372C4"/>
-                </a:solidFill>
-              </a:rPr>
-              <a:t>techncial</a:t>
-            </a:r>
-            <a:endParaRPr lang="en-US" sz="1200" b="1" dirty="0">
-              <a:solidFill>
-                <a:srgbClr val="4372C4"/>
-              </a:solidFill>
-            </a:endParaRPr>
-          </a:p>
-        </p:txBody>
-      </p:sp>
-      <p:sp>
-        <p:nvSpPr>
-          <p:cNvPr id="46" name="TextBox 45"/>
-          <p:cNvSpPr txBox="1"/>
-          <p:nvPr/>
-        </p:nvSpPr>
-        <p:spPr>
-          <a:xfrm>
-            <a:off x="9423021" y="6508744"/>
-            <a:ext cx="958339" cy="276999"/>
-          </a:xfrm>
-          <a:prstGeom prst="rect">
-            <a:avLst/>
-          </a:prstGeom>
-          <a:noFill/>
-        </p:spPr>
-        <p:txBody>
-          <a:bodyPr wrap="none" rtlCol="0">
-            <a:spAutoFit/>
-          </a:bodyPr>
-          <a:lstStyle/>
-          <a:p>
-            <a:r>
-              <a:rPr lang="en-US" sz="1200" b="1" i="1" smtClean="0">
-                <a:solidFill>
-                  <a:srgbClr val="4372C4"/>
-                </a:solidFill>
-              </a:rPr>
-              <a:t>deployment</a:t>
-            </a:r>
-            <a:endParaRPr lang="en-US" sz="1200" b="1" i="1" dirty="0">
-              <a:solidFill>
-                <a:srgbClr val="4372C4"/>
-              </a:solidFill>
-            </a:endParaRPr>
-          </a:p>
-        </p:txBody>
-      </p:sp>
-      <p:sp>
-        <p:nvSpPr>
-          <p:cNvPr id="47" name="TextBox 46"/>
-          <p:cNvSpPr txBox="1"/>
-          <p:nvPr/>
-        </p:nvSpPr>
-        <p:spPr>
-          <a:xfrm rot="16200000">
-            <a:off x="7161182" y="4329197"/>
-            <a:ext cx="683457" cy="276999"/>
-          </a:xfrm>
-          <a:prstGeom prst="rect">
-            <a:avLst/>
-          </a:prstGeom>
-          <a:noFill/>
-        </p:spPr>
-        <p:txBody>
-          <a:bodyPr wrap="none" rtlCol="0">
-            <a:spAutoFit/>
-          </a:bodyPr>
-          <a:lstStyle/>
-          <a:p>
-            <a:r>
-              <a:rPr lang="en-US" sz="1200" b="1" i="1" dirty="0" smtClean="0">
-                <a:solidFill>
-                  <a:srgbClr val="4372C4"/>
-                </a:solidFill>
-              </a:rPr>
-              <a:t>concept</a:t>
-            </a:r>
-            <a:endParaRPr lang="en-US" sz="1200" b="1" i="1" dirty="0">
-              <a:solidFill>
-                <a:srgbClr val="4372C4"/>
-              </a:solidFill>
-            </a:endParaRPr>
-          </a:p>
-        </p:txBody>
-      </p:sp>
-    </p:spTree>
-    <p:extLst>
-      <p:ext uri="{BB962C8B-B14F-4D97-AF65-F5344CB8AC3E}">
-        <p14:creationId xmlns:p14="http://schemas.microsoft.com/office/powerpoint/2010/main" val="718404813"/>
-      </p:ext>
-    </p:extLst>
-  </p:cSld>
-  <p:clrMapOvr>
-    <a:masterClrMapping/>
-  </p:clrMapOvr>
-  <p:timing>
-    <p:tnLst>
-      <p:par>
-        <p:cTn id="1" dur="indefinite" restart="never" nodeType="tmRoot">
-          <p:childTnLst>
-            <p:seq concurrent="1" nextAc="seek">
-              <p:cTn id="2" dur="indefinite" nodeType="mainSeq">
-                <p:childTnLst>
-                  <p:par>
-                    <p:cTn id="3" fill="hold">
-                      <p:stCondLst>
-                        <p:cond delay="indefinite"/>
-                      </p:stCondLst>
-                      <p:childTnLst>
-                        <p:par>
-                          <p:cTn id="4" fill="hold">
-                            <p:stCondLst>
-                              <p:cond delay="0"/>
-                            </p:stCondLst>
-                            <p:childTnLst>
                               <p:par>
-                                <p:cTn id="5" presetID="1" presetClass="entr" presetSubtype="0" fill="hold" nodeType="clickEffect">
-                                  <p:stCondLst>
-                                    <p:cond delay="0"/>
-                                  </p:stCondLst>
-                                  <p:childTnLst>
-                                    <p:set>
-                                      <p:cBhvr>
-                                        <p:cTn id="6" dur="1" fill="hold">
-                                          <p:stCondLst>
-                                            <p:cond delay="0"/>
-                                          </p:stCondLst>
-                                        </p:cTn>
-                                        <p:tgtEl>
-                                          <p:spTgt spid="161">
-                                            <p:txEl>
-                                              <p:pRg st="1" end="1"/>
-                                            </p:txEl>
-                                          </p:spTgt>
-                                        </p:tgtEl>
-                                        <p:attrNameLst>
-                                          <p:attrName>style.visibility</p:attrName>
-                                        </p:attrNameLst>
-                                      </p:cBhvr>
-                                      <p:to>
-                                        <p:strVal val="visible"/>
-                                      </p:to>
-                                    </p:set>
-                                  </p:childTnLst>
-                                </p:cTn>
-                              </p:par>
-                              <p:par>
-                                <p:cTn id="7" presetID="1" presetClass="entr" presetSubtype="0" fill="hold" nodeType="withEffect">
-                                  <p:stCondLst>
-                                    <p:cond delay="0"/>
-                                  </p:stCondLst>
-                                  <p:childTnLst>
-                                    <p:set>
-                                      <p:cBhvr>
-                                        <p:cTn id="8" dur="1" fill="hold">
-                                          <p:stCondLst>
-                                            <p:cond delay="0"/>
-                                          </p:stCondLst>
-                                        </p:cTn>
-                                        <p:tgtEl>
-                                          <p:spTgt spid="161">
-                                            <p:txEl>
-                                              <p:pRg st="2" end="2"/>
-                                            </p:txEl>
-                                          </p:spTgt>
-                                        </p:tgtEl>
-                                        <p:attrNameLst>
-                                          <p:attrName>style.visibility</p:attrName>
-                                        </p:attrNameLst>
-                                      </p:cBhvr>
-                                      <p:to>
-                                        <p:strVal val="visible"/>
-                                      </p:to>
-                                    </p:set>
-                                  </p:childTnLst>
-                                </p:cTn>
-                              </p:par>
-                              <p:par>
-                                <p:cTn id="9" presetID="1" presetClass="entr" presetSubtype="0" fill="hold" nodeType="withEffect">
-                                  <p:stCondLst>
-                                    <p:cond delay="0"/>
-                                  </p:stCondLst>
-                                  <p:childTnLst>
-                                    <p:set>
-                                      <p:cBhvr>
-                                        <p:cTn id="10" dur="1" fill="hold">
-                                          <p:stCondLst>
-                                            <p:cond delay="0"/>
-                                          </p:stCondLst>
-                                        </p:cTn>
-                                        <p:tgtEl>
-                                          <p:spTgt spid="161">
-                                            <p:txEl>
-                                              <p:pRg st="3" end="3"/>
-                                            </p:txEl>
-                                          </p:spTgt>
-                                        </p:tgtEl>
-                                        <p:attrNameLst>
-                                          <p:attrName>style.visibility</p:attrName>
-                                        </p:attrNameLst>
-                                      </p:cBhvr>
-                                      <p:to>
-                                        <p:strVal val="visible"/>
-                                      </p:to>
-                                    </p:set>
-                                  </p:childTnLst>
-                                </p:cTn>
-                              </p:par>
-                              <p:par>
-                                <p:cTn id="11" presetID="1" presetClass="entr" presetSubtype="0" fill="hold" nodeType="withEffect">
+                                <p:cTn id="11" presetID="1" presetClass="entr" presetSubtype="0" fill="hold" grpId="0" nodeType="withEffect">
                                   <p:stCondLst>
                                     <p:cond delay="0"/>
                                   </p:stCondLst>
@@ -18260,7 +18201,7 @@
                                           </p:stCondLst>
                                         </p:cTn>
                                         <p:tgtEl>
-                                          <p:spTgt spid="8"/>
+                                          <p:spTgt spid="69"/>
                                         </p:tgtEl>
                                         <p:attrNameLst>
                                           <p:attrName>style.visibility</p:attrName>
@@ -18287,7 +18228,7 @@
                                           </p:stCondLst>
                                         </p:cTn>
                                         <p:tgtEl>
-                                          <p:spTgt spid="84"/>
+                                          <p:spTgt spid="119"/>
                                         </p:tgtEl>
                                         <p:attrNameLst>
                                           <p:attrName>style.visibility</p:attrName>
@@ -18301,7 +18242,7 @@
                                 </p:cTn>
                               </p:par>
                               <p:par>
-                                <p:cTn id="15" presetID="1" presetClass="entr" presetSubtype="0" fill="hold" grpId="0" nodeType="withEffect">
+                                <p:cTn id="15" presetID="1" presetClass="entr" presetSubtype="0" fill="hold" nodeType="withEffect">
                                   <p:stCondLst>
                                     <p:cond delay="0"/>
                                   </p:stCondLst>
@@ -18314,56 +18255,7 @@
                                           </p:stCondLst>
                                         </p:cTn>
                                         <p:tgtEl>
-                                          <p:spTgt spid="53"/>
-                                        </p:tgtEl>
-                                        <p:attrNameLst>
-                                          <p:attrName>style.visibility</p:attrName>
-                                        </p:attrNameLst>
-                                      </p:cBhvr>
-                                      <p:to>
-                                        <p:strVal val="visible"/>
-                                      </p:to>
-                                    </p:set>
-                                  </p:childTnLst>
-                                </p:cTn>
-                              </p:par>
-                            </p:childTnLst>
-                          </p:cTn>
-                        </p:par>
-                      </p:childTnLst>
-                    </p:cTn>
-                  </p:par>
-                  <p:par>
-                    <p:cTn id="17" fill="hold">
-                      <p:stCondLst>
-                        <p:cond delay="indefinite"/>
-                      </p:stCondLst>
-                      <p:childTnLst>
-                        <p:par>
-                          <p:cTn id="18" fill="hold">
-                            <p:stCondLst>
-                              <p:cond delay="0"/>
-                            </p:stCondLst>
-                            <p:childTnLst>
-                              <p:par>
-                                <p:cTn id="19" presetID="1" presetClass="entr" presetSubtype="0" fill="hold" nodeType="clickEffect">
-                                  <p:stCondLst>
-                                    <p:cond delay="0"/>
-                                  </p:stCondLst>
-                                  <p:childTnLst>
-                                    <p:set>
-                                      <p:cBhvr>
-                                        <p:cTn id="20" dur="1" fill="hold">
-                                          <p:stCondLst>
-                                            <p:cond delay="0"/>
-                                          </p:stCondLst>
-                                        </p:cTn>
-                                        <p:tgtEl>
-                                          <p:spTgt spid="161">
-                                            <p:txEl>
-                                              <p:pRg st="6" end="6"/>
-                                            </p:txEl>
-                                          </p:spTgt>
+                                          <p:spTgt spid="131"/>
                                         </p:tgtEl>
                                         <p:attrNameLst>
                                           <p:attrName>style.visibility</p:attrName>
@@ -18377,24 +18269,20 @@
                                 </p:cTn>
                               </p:par>
                               <p:par>
-                                <p:cTn id="21" presetID="1" presetClass="entr" presetSubtype="0" fill="hold" nodeType="withEffect">
+                                <p:cTn id="17" presetID="1" presetClass="entr" presetSubtype="0" fill="hold" nodeType="withEffect">
                                   <p:stCondLst>
                                     <p:cond delay="0"/>
                                   </p:stCondLst>
                                   <p:childTnLst>
                                     <p:set>
                                       <p:cBhvr>
-                                        <p:cTn id="22" dur="1" fill="hold">
+                                        <p:cTn id="18" dur="1" fill="hold">
                                           <p:stCondLst>
                                             <p:cond delay="0"/>
                                           </p:stCondLst>
                                         </p:cTn>
                                         <p:tgtEl>
-                                          <p:spTgt spid="161">
-                                            <p:txEl>
-                                              <p:pRg st="7" end="7"/>
-                                            </p:txEl>
-                                          </p:spTgt>
+                                          <p:spTgt spid="143"/>
                                         </p:tgtEl>
                                         <p:attrNameLst>
                                           <p:attrName>style.visibility</p:attrName>
@@ -18408,243 +18296,20 @@
                                 </p:cTn>
                               </p:par>
                               <p:par>
-                                <p:cTn id="23" presetID="1" presetClass="entr" presetSubtype="0" fill="hold" grpId="0" nodeType="withEffect">
+                                <p:cTn id="19" presetID="1" presetClass="entr" presetSubtype="0" fill="hold" nodeType="withEffect">
                                   <p:stCondLst>
                                     <p:cond delay="0"/>
                                   </p:stCondLst>
                                   <p:childTnLst>
                                     <p:set>
                                       <p:cBhvr>
-                                        <p:cTn id="24" dur="1" fill="hold">
+                                        <p:cTn id="20" dur="1" fill="hold">
                                           <p:stCondLst>
                                             <p:cond delay="0"/>
                                           </p:stCondLst>
                                         </p:cTn>
                                         <p:tgtEl>
-                                          <p:spTgt spid="50"/>
-                                        </p:tgtEl>
-                                        <p:attrNameLst>
-                                          <p:attrName>style.visibility</p:attrName>
-                                        </p:attrNameLst>
-                                      </p:cBhvr>
-                                      <p:to>
-                                        <p:strVal val="visible"/>
-                                      </p:to>
-                                    </p:set>
-                                  </p:childTnLst>
-                                </p:cTn>
-                              </p:par>
-                              <p:par>
-                                <p:cTn id="25" presetID="1" presetClass="entr" presetSubtype="0" fill="hold" grpId="0" nodeType="withEffect">
-                                  <p:stCondLst>
-                                    <p:cond delay="0"/>
-                                  </p:stCondLst>
-                                  <p:childTnLst>
-                                    <p:set>
-                                      <p:cBhvr>
-                                        <p:cTn id="26" dur="1" fill="hold">
-                                          <p:stCondLst>
-                                            <p:cond delay="0"/>
-                                          </p:stCondLst>
-                                        </p:cTn>
-                                        <p:tgtEl>
-                                          <p:spTgt spid="49"/>
-                                        </p:tgtEl>
-                                        <p:attrNameLst>
-                                          <p:attrName>style.visibility</p:attrName>
-                                        </p:attrNameLst>
-                                      </p:cBhvr>
-                                      <p:to>
-                                        <p:strVal val="visible"/>
-                                      </p:to>
-                                    </p:set>
-                                  </p:childTnLst>
-                                </p:cTn>
-                              </p:par>
-                              <p:par>
-                                <p:cTn id="27" presetID="1" presetClass="entr" presetSubtype="0" fill="hold" nodeType="withEffect">
-                                  <p:stCondLst>
-                                    <p:cond delay="0"/>
-                                  </p:stCondLst>
-                                  <p:childTnLst>
-                                    <p:set>
-                                      <p:cBhvr>
-                                        <p:cTn id="28" dur="1" fill="hold">
-                                          <p:stCondLst>
-                                            <p:cond delay="0"/>
-                                          </p:stCondLst>
-                                        </p:cTn>
-                                        <p:tgtEl>
-                                          <p:spTgt spid="161">
-                                            <p:txEl>
-                                              <p:pRg st="5" end="5"/>
-                                            </p:txEl>
-                                          </p:spTgt>
-                                        </p:tgtEl>
-                                        <p:attrNameLst>
-                                          <p:attrName>style.visibility</p:attrName>
-                                        </p:attrNameLst>
-                                      </p:cBhvr>
-                                      <p:to>
-                                        <p:strVal val="visible"/>
-                                      </p:to>
-                                    </p:set>
-                                  </p:childTnLst>
-                                </p:cTn>
-                              </p:par>
-                            </p:childTnLst>
-                          </p:cTn>
-                        </p:par>
-                      </p:childTnLst>
-                    </p:cTn>
-                  </p:par>
-                  <p:par>
-                    <p:cTn id="29" fill="hold">
-                      <p:stCondLst>
-                        <p:cond delay="indefinite"/>
-                      </p:stCondLst>
-                      <p:childTnLst>
-                        <p:par>
-                          <p:cTn id="30" fill="hold">
-                            <p:stCondLst>
-                              <p:cond delay="0"/>
-                            </p:stCondLst>
-                            <p:childTnLst>
-                              <p:par>
-                                <p:cTn id="31" presetID="1" presetClass="entr" presetSubtype="0" fill="hold" nodeType="clickEffect">
-                                  <p:stCondLst>
-                                    <p:cond delay="0"/>
-                                  </p:stCondLst>
-                                  <p:childTnLst>
-                                    <p:set>
-                                      <p:cBhvr>
-                                        <p:cTn id="32" dur="1" fill="hold">
-                                          <p:stCondLst>
-                                            <p:cond delay="0"/>
-                                          </p:stCondLst>
-                                        </p:cTn>
-                                        <p:tgtEl>
-                                          <p:spTgt spid="161">
-                                            <p:txEl>
-                                              <p:pRg st="10" end="10"/>
-                                            </p:txEl>
-                                          </p:spTgt>
-                                        </p:tgtEl>
-                                        <p:attrNameLst>
-                                          <p:attrName>style.visibility</p:attrName>
-                                        </p:attrNameLst>
-                                      </p:cBhvr>
-                                      <p:to>
-                                        <p:strVal val="visible"/>
-                                      </p:to>
-                                    </p:set>
-                                  </p:childTnLst>
-                                </p:cTn>
-                              </p:par>
-                              <p:par>
-                                <p:cTn id="33" presetID="1" presetClass="entr" presetSubtype="0" fill="hold" nodeType="withEffect">
-                                  <p:stCondLst>
-                                    <p:cond delay="0"/>
-                                  </p:stCondLst>
-                                  <p:childTnLst>
-                                    <p:set>
-                                      <p:cBhvr>
-                                        <p:cTn id="34" dur="1" fill="hold">
-                                          <p:stCondLst>
-                                            <p:cond delay="0"/>
-                                          </p:stCondLst>
-                                        </p:cTn>
-                                        <p:tgtEl>
-                                          <p:spTgt spid="161">
-                                            <p:txEl>
-                                              <p:pRg st="11" end="11"/>
-                                            </p:txEl>
-                                          </p:spTgt>
-                                        </p:tgtEl>
-                                        <p:attrNameLst>
-                                          <p:attrName>style.visibility</p:attrName>
-                                        </p:attrNameLst>
-                                      </p:cBhvr>
-                                      <p:to>
-                                        <p:strVal val="visible"/>
-                                      </p:to>
-                                    </p:set>
-                                  </p:childTnLst>
-                                </p:cTn>
-                              </p:par>
-                              <p:par>
-                                <p:cTn id="35" presetID="1" presetClass="entr" presetSubtype="0" fill="hold" nodeType="withEffect">
-                                  <p:stCondLst>
-                                    <p:cond delay="0"/>
-                                  </p:stCondLst>
-                                  <p:childTnLst>
-                                    <p:set>
-                                      <p:cBhvr>
-                                        <p:cTn id="36" dur="1" fill="hold">
-                                          <p:stCondLst>
-                                            <p:cond delay="0"/>
-                                          </p:stCondLst>
-                                        </p:cTn>
-                                        <p:tgtEl>
-                                          <p:spTgt spid="13"/>
-                                        </p:tgtEl>
-                                        <p:attrNameLst>
-                                          <p:attrName>style.visibility</p:attrName>
-                                        </p:attrNameLst>
-                                      </p:cBhvr>
-                                      <p:to>
-                                        <p:strVal val="visible"/>
-                                      </p:to>
-                                    </p:set>
-                                  </p:childTnLst>
-                                </p:cTn>
-                              </p:par>
-                              <p:par>
-                                <p:cTn id="37" presetID="1" presetClass="entr" presetSubtype="0" fill="hold" grpId="0" nodeType="withEffect">
-                                  <p:stCondLst>
-                                    <p:cond delay="0"/>
-                                  </p:stCondLst>
-                                  <p:childTnLst>
-                                    <p:set>
-                                      <p:cBhvr>
-                                        <p:cTn id="38" dur="1" fill="hold">
-                                          <p:stCondLst>
-                                            <p:cond delay="0"/>
-                                          </p:stCondLst>
-                                        </p:cTn>
-                                        <p:tgtEl>
-                                          <p:spTgt spid="45"/>
-                                        </p:tgtEl>
-                                        <p:attrNameLst>
-                                          <p:attrName>style.visibility</p:attrName>
-                                        </p:attrNameLst>
-                                      </p:cBhvr>
-                                      <p:to>
-                                        <p:strVal val="visible"/>
-                                      </p:to>
-                                    </p:set>
-                                  </p:childTnLst>
-                                </p:cTn>
-                              </p:par>
-                              <p:par>
-                                <p:cTn id="39" presetID="1" presetClass="entr" presetSubtype="0" fill="hold" nodeType="withEffect">
-                                  <p:stCondLst>
-                                    <p:cond delay="0"/>
-                                  </p:stCondLst>
-                                  <p:childTnLst>
-                                    <p:set>
-                                      <p:cBhvr>
-                                        <p:cTn id="40" dur="1" fill="hold">
-                                          <p:stCondLst>
-                                            <p:cond delay="0"/>
-                                          </p:stCondLst>
-                                        </p:cTn>
-                                        <p:tgtEl>
-                                          <p:spTgt spid="161">
-                                            <p:txEl>
-                                              <p:pRg st="9" end="9"/>
-                                            </p:txEl>
-                                          </p:spTgt>
+                                          <p:spTgt spid="146"/>
                                         </p:tgtEl>
                                         <p:attrNameLst>
                                           <p:attrName>style.visibility</p:attrName>
@@ -18685,10 +18350,8 @@
       </p:par>
     </p:tnLst>
     <p:bldLst>
-      <p:bldP spid="45" grpId="0" animBg="1"/>
-      <p:bldP spid="49" grpId="0" animBg="1"/>
-      <p:bldP spid="53" grpId="0" animBg="1"/>
-      <p:bldP spid="50" grpId="0" animBg="1"/>
+      <p:bldP spid="46" grpId="0" animBg="1"/>
+      <p:bldP spid="69" grpId="0" animBg="1"/>
     </p:bldLst>
   </p:timing>
 </p:sld>

--- a/docs/OtherSourceMaterial/Diagrams.pptx
+++ b/docs/OtherSourceMaterial/Diagrams.pptx
@@ -4843,14 +4843,7 @@
             <a:pPr algn="ctr"/>
             <a:r>
               <a:rPr lang="en-US" dirty="0" smtClean="0"/>
-              <a:t>Network and Channel </a:t>
-            </a:r>
-          </a:p>
-          <a:p>
-            <a:pPr algn="ctr"/>
-            <a:r>
-              <a:rPr lang="en-US" dirty="0" smtClean="0"/>
-              <a:t>Resources</a:t>
+              <a:t>Network</a:t>
             </a:r>
             <a:endParaRPr lang="en-US" dirty="0"/>
           </a:p>
@@ -4894,7 +4887,7 @@
             <a:pPr algn="ctr"/>
             <a:r>
               <a:rPr lang="en-US" dirty="0" smtClean="0"/>
-              <a:t>Identities and Principals</a:t>
+              <a:t>Identity</a:t>
             </a:r>
             <a:endParaRPr lang="en-US" dirty="0"/>
           </a:p>
@@ -4937,12 +4930,8 @@
           <a:p>
             <a:pPr algn="ctr"/>
             <a:r>
-              <a:rPr lang="en-US" dirty="0" smtClean="0"/>
-              <a:t>Permissions </a:t>
-            </a:r>
-            <a:r>
               <a:rPr lang="en-US" smtClean="0"/>
-              <a:t>and Policy</a:t>
+              <a:t>Permission</a:t>
             </a:r>
             <a:endParaRPr lang="en-US" dirty="0"/>
           </a:p>

--- a/docs/OtherSourceMaterial/Diagrams.pptx
+++ b/docs/OtherSourceMaterial/Diagrams.pptx
@@ -5,7 +5,7 @@
     <p:sldMasterId id="2147483648" r:id="rId1"/>
   </p:sldMasterIdLst>
   <p:notesMasterIdLst>
-    <p:notesMasterId r:id="rId11"/>
+    <p:notesMasterId r:id="rId12"/>
   </p:notesMasterIdLst>
   <p:sldIdLst>
     <p:sldId id="386" r:id="rId2"/>
@@ -17,6 +17,7 @@
     <p:sldId id="393" r:id="rId8"/>
     <p:sldId id="395" r:id="rId9"/>
     <p:sldId id="396" r:id="rId10"/>
+    <p:sldId id="397" r:id="rId11"/>
   </p:sldIdLst>
   <p:sldSz cx="12192000" cy="6858000"/>
   <p:notesSz cx="6858000" cy="9144000"/>
@@ -205,7 +206,7 @@
           <a:p>
             <a:fld id="{48055B63-EFAE-2A43-85FA-5DAC8F9BAC3F}" type="datetimeFigureOut">
               <a:rPr lang="en-US" smtClean="0"/>
-              <a:t>10/23/17</a:t>
+              <a:t>10/27/17</a:t>
             </a:fld>
             <a:endParaRPr lang="en-US"/>
           </a:p>
@@ -604,7 +605,7 @@
           <a:p>
             <a:fld id="{6C7BE63D-DD88-A54A-A88E-C97EE36BADC0}" type="datetime1">
               <a:rPr lang="en-GB" smtClean="0"/>
-              <a:t>23/10/2017</a:t>
+              <a:t>27/10/2017</a:t>
             </a:fld>
             <a:endParaRPr lang="en-US"/>
           </a:p>
@@ -784,7 +785,7 @@
           <a:p>
             <a:fld id="{CFAE1D81-3507-1D4B-B2E6-E436B7EC74F0}" type="datetime1">
               <a:rPr lang="en-GB" smtClean="0"/>
-              <a:t>23/10/2017</a:t>
+              <a:t>27/10/2017</a:t>
             </a:fld>
             <a:endParaRPr lang="en-US"/>
           </a:p>
@@ -964,7 +965,7 @@
           <a:p>
             <a:fld id="{37AF6443-B0B9-F647-87A5-9330C0B11D11}" type="datetime1">
               <a:rPr lang="en-GB" smtClean="0"/>
-              <a:t>23/10/2017</a:t>
+              <a:t>27/10/2017</a:t>
             </a:fld>
             <a:endParaRPr lang="en-US"/>
           </a:p>
@@ -1140,7 +1141,7 @@
           <a:p>
             <a:fld id="{728B045C-8A79-5A4A-BFBC-9E1C1DE9261A}" type="datetime1">
               <a:rPr lang="en-GB" smtClean="0"/>
-              <a:t>23/10/2017</a:t>
+              <a:t>27/10/2017</a:t>
             </a:fld>
             <a:endParaRPr lang="en-US"/>
           </a:p>
@@ -1396,7 +1397,7 @@
           <a:p>
             <a:fld id="{B885F966-2610-1243-AD0D-F969BA7258EC}" type="datetime1">
               <a:rPr lang="en-GB" smtClean="0"/>
-              <a:t>23/10/2017</a:t>
+              <a:t>27/10/2017</a:t>
             </a:fld>
             <a:endParaRPr lang="en-US"/>
           </a:p>
@@ -1628,7 +1629,7 @@
           <a:p>
             <a:fld id="{DDF18408-AC91-4B48-B784-F25A5DE3799B}" type="datetime1">
               <a:rPr lang="en-GB" smtClean="0"/>
-              <a:t>23/10/2017</a:t>
+              <a:t>27/10/2017</a:t>
             </a:fld>
             <a:endParaRPr lang="en-US"/>
           </a:p>
@@ -1995,7 +1996,7 @@
           <a:p>
             <a:fld id="{51058417-D083-E348-841D-52330D70C7E0}" type="datetime1">
               <a:rPr lang="en-GB" smtClean="0"/>
-              <a:t>23/10/2017</a:t>
+              <a:t>27/10/2017</a:t>
             </a:fld>
             <a:endParaRPr lang="en-US"/>
           </a:p>
@@ -2113,7 +2114,7 @@
           <a:p>
             <a:fld id="{679548A0-A8B8-1042-8CE3-3A35FFB758C7}" type="datetime1">
               <a:rPr lang="en-GB" smtClean="0"/>
-              <a:t>23/10/2017</a:t>
+              <a:t>27/10/2017</a:t>
             </a:fld>
             <a:endParaRPr lang="en-US"/>
           </a:p>
@@ -2208,7 +2209,7 @@
           <a:p>
             <a:fld id="{6B3AB6E1-5BF7-484A-8C83-83906C82FC4B}" type="datetime1">
               <a:rPr lang="en-GB" smtClean="0"/>
-              <a:t>23/10/2017</a:t>
+              <a:t>27/10/2017</a:t>
             </a:fld>
             <a:endParaRPr lang="en-US"/>
           </a:p>
@@ -2485,7 +2486,7 @@
           <a:p>
             <a:fld id="{0B1CFD86-D165-4643-8BC0-9FFEA3E2E848}" type="datetime1">
               <a:rPr lang="en-GB" smtClean="0"/>
-              <a:t>23/10/2017</a:t>
+              <a:t>27/10/2017</a:t>
             </a:fld>
             <a:endParaRPr lang="en-US"/>
           </a:p>
@@ -2738,7 +2739,7 @@
           <a:p>
             <a:fld id="{B5049785-C023-2A44-AA2B-186909FC4B13}" type="datetime1">
               <a:rPr lang="en-GB" smtClean="0"/>
-              <a:t>23/10/2017</a:t>
+              <a:t>27/10/2017</a:t>
             </a:fld>
             <a:endParaRPr lang="en-US"/>
           </a:p>
@@ -2951,7 +2952,7 @@
           <a:p>
             <a:fld id="{624E8C89-FE04-EF43-8A26-75C78A3AEBE8}" type="datetime1">
               <a:rPr lang="en-GB" smtClean="0"/>
-              <a:t>23/10/2017</a:t>
+              <a:t>27/10/2017</a:t>
             </a:fld>
             <a:endParaRPr lang="en-US"/>
           </a:p>
@@ -3413,6 +3414,6542 @@
   <p:clrMapOvr>
     <a:masterClrMapping/>
   </p:clrMapOvr>
+</p:sld>
+</file>
+
+<file path=ppt/slides/slide10.xml><?xml version="1.0" encoding="utf-8"?>
+<p:sld xmlns:a="http://schemas.openxmlformats.org/drawingml/2006/main" xmlns:r="http://schemas.openxmlformats.org/officeDocument/2006/relationships" xmlns:p="http://schemas.openxmlformats.org/presentationml/2006/main">
+  <p:cSld>
+    <p:spTree>
+      <p:nvGrpSpPr>
+        <p:cNvPr id="1" name=""/>
+        <p:cNvGrpSpPr/>
+        <p:nvPr/>
+      </p:nvGrpSpPr>
+      <p:grpSpPr>
+        <a:xfrm>
+          <a:off x="0" y="0"/>
+          <a:ext cx="0" cy="0"/>
+          <a:chOff x="0" y="0"/>
+          <a:chExt cx="0" cy="0"/>
+        </a:xfrm>
+      </p:grpSpPr>
+      <p:sp>
+        <p:nvSpPr>
+          <p:cNvPr id="2" name="Title 1"/>
+          <p:cNvSpPr>
+            <a:spLocks noGrp="1"/>
+          </p:cNvSpPr>
+          <p:nvPr>
+            <p:ph type="title"/>
+          </p:nvPr>
+        </p:nvSpPr>
+        <p:spPr>
+          <a:xfrm>
+            <a:off x="814450" y="376687"/>
+            <a:ext cx="10515600" cy="1325563"/>
+          </a:xfrm>
+        </p:spPr>
+        <p:txBody>
+          <a:bodyPr/>
+          <a:lstStyle/>
+          <a:p>
+            <a:r>
+              <a:rPr lang="en-US" dirty="0" smtClean="0"/>
+              <a:t>Diagram </a:t>
+            </a:r>
+            <a:r>
+              <a:rPr lang="en-US" dirty="0"/>
+              <a:t>6</a:t>
+            </a:r>
+            <a:endParaRPr lang="en-US" dirty="0"/>
+          </a:p>
+        </p:txBody>
+      </p:sp>
+      <p:sp>
+        <p:nvSpPr>
+          <p:cNvPr id="4" name="Slide Number Placeholder 3"/>
+          <p:cNvSpPr>
+            <a:spLocks noGrp="1"/>
+          </p:cNvSpPr>
+          <p:nvPr>
+            <p:ph type="sldNum" sz="quarter" idx="12"/>
+          </p:nvPr>
+        </p:nvSpPr>
+        <p:spPr>
+          <a:xfrm>
+            <a:off x="276261" y="6356348"/>
+            <a:ext cx="2743200" cy="365125"/>
+          </a:xfrm>
+        </p:spPr>
+        <p:txBody>
+          <a:bodyPr/>
+          <a:lstStyle/>
+          <a:p>
+            <a:fld id="{2AF5F8E0-9CB9-8D41-B80C-6B76C9B710FC}" type="slidenum">
+              <a:rPr lang="en-US" smtClean="0"/>
+              <a:pPr/>
+              <a:t>10</a:t>
+            </a:fld>
+            <a:endParaRPr lang="en-US"/>
+          </a:p>
+        </p:txBody>
+      </p:sp>
+      <p:grpSp>
+        <p:nvGrpSpPr>
+          <p:cNvPr id="52" name="Group 51"/>
+          <p:cNvGrpSpPr/>
+          <p:nvPr/>
+        </p:nvGrpSpPr>
+        <p:grpSpPr>
+          <a:xfrm>
+            <a:off x="6463874" y="4516011"/>
+            <a:ext cx="420764" cy="340787"/>
+            <a:chOff x="6371276" y="4944354"/>
+            <a:chExt cx="420764" cy="340787"/>
+          </a:xfrm>
+        </p:grpSpPr>
+        <p:sp>
+          <p:nvSpPr>
+            <p:cNvPr id="213" name="Rectangle 212"/>
+            <p:cNvSpPr/>
+            <p:nvPr/>
+          </p:nvSpPr>
+          <p:spPr>
+            <a:xfrm>
+              <a:off x="6371276" y="4944354"/>
+              <a:ext cx="420764" cy="340787"/>
+            </a:xfrm>
+            <a:prstGeom prst="rect">
+              <a:avLst/>
+            </a:prstGeom>
+            <a:solidFill>
+              <a:schemeClr val="bg1"/>
+            </a:solidFill>
+            <a:ln w="25400"/>
+          </p:spPr>
+          <p:style>
+            <a:lnRef idx="2">
+              <a:schemeClr val="accent1">
+                <a:shade val="50000"/>
+              </a:schemeClr>
+            </a:lnRef>
+            <a:fillRef idx="1">
+              <a:schemeClr val="accent1"/>
+            </a:fillRef>
+            <a:effectRef idx="0">
+              <a:schemeClr val="accent1"/>
+            </a:effectRef>
+            <a:fontRef idx="minor">
+              <a:schemeClr val="lt1"/>
+            </a:fontRef>
+          </p:style>
+          <p:txBody>
+            <a:bodyPr rtlCol="0" anchor="ctr"/>
+            <a:lstStyle/>
+            <a:p>
+              <a:pPr algn="ctr"/>
+              <a:endParaRPr lang="en-US"/>
+            </a:p>
+          </p:txBody>
+        </p:sp>
+        <p:grpSp>
+          <p:nvGrpSpPr>
+            <p:cNvPr id="214" name="Group 213"/>
+            <p:cNvGrpSpPr/>
+            <p:nvPr/>
+          </p:nvGrpSpPr>
+          <p:grpSpPr>
+            <a:xfrm>
+              <a:off x="6422378" y="4994182"/>
+              <a:ext cx="150866" cy="241130"/>
+              <a:chOff x="5212465" y="3556092"/>
+              <a:chExt cx="189760" cy="303294"/>
+            </a:xfrm>
+          </p:grpSpPr>
+          <p:sp>
+            <p:nvSpPr>
+              <p:cNvPr id="219" name="Oval 218"/>
+              <p:cNvSpPr/>
+              <p:nvPr/>
+            </p:nvSpPr>
+            <p:spPr>
+              <a:xfrm>
+                <a:off x="5250578" y="3556092"/>
+                <a:ext cx="113534" cy="113534"/>
+              </a:xfrm>
+              <a:prstGeom prst="ellipse">
+                <a:avLst/>
+              </a:prstGeom>
+            </p:spPr>
+            <p:style>
+              <a:lnRef idx="2">
+                <a:schemeClr val="accent1">
+                  <a:shade val="50000"/>
+                </a:schemeClr>
+              </a:lnRef>
+              <a:fillRef idx="1">
+                <a:schemeClr val="accent1"/>
+              </a:fillRef>
+              <a:effectRef idx="0">
+                <a:schemeClr val="accent1"/>
+              </a:effectRef>
+              <a:fontRef idx="minor">
+                <a:schemeClr val="lt1"/>
+              </a:fontRef>
+            </p:style>
+            <p:txBody>
+              <a:bodyPr rtlCol="0" anchor="ctr"/>
+              <a:lstStyle/>
+              <a:p>
+                <a:pPr algn="ctr"/>
+                <a:endParaRPr lang="en-US"/>
+              </a:p>
+            </p:txBody>
+          </p:sp>
+          <p:sp>
+            <p:nvSpPr>
+              <p:cNvPr id="220" name="Round Same Side Corner Rectangle 219"/>
+              <p:cNvSpPr/>
+              <p:nvPr/>
+            </p:nvSpPr>
+            <p:spPr>
+              <a:xfrm>
+                <a:off x="5212465" y="3669626"/>
+                <a:ext cx="189760" cy="189760"/>
+              </a:xfrm>
+              <a:prstGeom prst="round2SameRect">
+                <a:avLst>
+                  <a:gd name="adj1" fmla="val 49716"/>
+                  <a:gd name="adj2" fmla="val 0"/>
+                </a:avLst>
+              </a:prstGeom>
+            </p:spPr>
+            <p:style>
+              <a:lnRef idx="2">
+                <a:schemeClr val="accent1">
+                  <a:shade val="50000"/>
+                </a:schemeClr>
+              </a:lnRef>
+              <a:fillRef idx="1">
+                <a:schemeClr val="accent1"/>
+              </a:fillRef>
+              <a:effectRef idx="0">
+                <a:schemeClr val="accent1"/>
+              </a:effectRef>
+              <a:fontRef idx="minor">
+                <a:schemeClr val="lt1"/>
+              </a:fontRef>
+            </p:style>
+            <p:txBody>
+              <a:bodyPr rtlCol="0" anchor="ctr"/>
+              <a:lstStyle/>
+              <a:p>
+                <a:pPr algn="ctr"/>
+                <a:r>
+                  <a:rPr lang="en-US" sz="1050" dirty="0" smtClean="0"/>
+                  <a:t>B</a:t>
+                </a:r>
+                <a:endParaRPr lang="en-US" sz="4000" dirty="0"/>
+              </a:p>
+            </p:txBody>
+          </p:sp>
+        </p:grpSp>
+        <p:grpSp>
+          <p:nvGrpSpPr>
+            <p:cNvPr id="215" name="Group 214"/>
+            <p:cNvGrpSpPr/>
+            <p:nvPr/>
+          </p:nvGrpSpPr>
+          <p:grpSpPr>
+            <a:xfrm>
+              <a:off x="6603545" y="5046511"/>
+              <a:ext cx="123069" cy="75870"/>
+              <a:chOff x="4770478" y="3634526"/>
+              <a:chExt cx="123069" cy="75870"/>
+            </a:xfrm>
+          </p:grpSpPr>
+          <p:cxnSp>
+            <p:nvCxnSpPr>
+              <p:cNvPr id="216" name="Straight Connector 215"/>
+              <p:cNvCxnSpPr/>
+              <p:nvPr/>
+            </p:nvCxnSpPr>
+            <p:spPr>
+              <a:xfrm>
+                <a:off x="4770478" y="3634526"/>
+                <a:ext cx="123069" cy="0"/>
+              </a:xfrm>
+              <a:prstGeom prst="line">
+                <a:avLst/>
+              </a:prstGeom>
+              <a:ln w="25400"/>
+            </p:spPr>
+            <p:style>
+              <a:lnRef idx="1">
+                <a:schemeClr val="accent1"/>
+              </a:lnRef>
+              <a:fillRef idx="0">
+                <a:schemeClr val="accent1"/>
+              </a:fillRef>
+              <a:effectRef idx="0">
+                <a:schemeClr val="accent1"/>
+              </a:effectRef>
+              <a:fontRef idx="minor">
+                <a:schemeClr val="tx1"/>
+              </a:fontRef>
+            </p:style>
+          </p:cxnSp>
+          <p:cxnSp>
+            <p:nvCxnSpPr>
+              <p:cNvPr id="217" name="Straight Connector 216"/>
+              <p:cNvCxnSpPr/>
+              <p:nvPr/>
+            </p:nvCxnSpPr>
+            <p:spPr>
+              <a:xfrm>
+                <a:off x="4770478" y="3672461"/>
+                <a:ext cx="123069" cy="0"/>
+              </a:xfrm>
+              <a:prstGeom prst="line">
+                <a:avLst/>
+              </a:prstGeom>
+              <a:ln w="25400"/>
+            </p:spPr>
+            <p:style>
+              <a:lnRef idx="1">
+                <a:schemeClr val="accent1"/>
+              </a:lnRef>
+              <a:fillRef idx="0">
+                <a:schemeClr val="accent1"/>
+              </a:fillRef>
+              <a:effectRef idx="0">
+                <a:schemeClr val="accent1"/>
+              </a:effectRef>
+              <a:fontRef idx="minor">
+                <a:schemeClr val="tx1"/>
+              </a:fontRef>
+            </p:style>
+          </p:cxnSp>
+          <p:cxnSp>
+            <p:nvCxnSpPr>
+              <p:cNvPr id="218" name="Straight Connector 217"/>
+              <p:cNvCxnSpPr/>
+              <p:nvPr/>
+            </p:nvCxnSpPr>
+            <p:spPr>
+              <a:xfrm>
+                <a:off x="4770478" y="3710396"/>
+                <a:ext cx="123069" cy="0"/>
+              </a:xfrm>
+              <a:prstGeom prst="line">
+                <a:avLst/>
+              </a:prstGeom>
+              <a:ln w="25400"/>
+            </p:spPr>
+            <p:style>
+              <a:lnRef idx="1">
+                <a:schemeClr val="accent1"/>
+              </a:lnRef>
+              <a:fillRef idx="0">
+                <a:schemeClr val="accent1"/>
+              </a:fillRef>
+              <a:effectRef idx="0">
+                <a:schemeClr val="accent1"/>
+              </a:effectRef>
+              <a:fontRef idx="minor">
+                <a:schemeClr val="tx1"/>
+              </a:fontRef>
+            </p:style>
+          </p:cxnSp>
+        </p:grpSp>
+      </p:grpSp>
+      <p:grpSp>
+        <p:nvGrpSpPr>
+          <p:cNvPr id="51" name="Group 50"/>
+          <p:cNvGrpSpPr/>
+          <p:nvPr/>
+        </p:nvGrpSpPr>
+        <p:grpSpPr>
+          <a:xfrm>
+            <a:off x="4574561" y="4524713"/>
+            <a:ext cx="420764" cy="340787"/>
+            <a:chOff x="4481963" y="4953056"/>
+            <a:chExt cx="420764" cy="340787"/>
+          </a:xfrm>
+        </p:grpSpPr>
+        <p:sp>
+          <p:nvSpPr>
+            <p:cNvPr id="240" name="Rectangle 239"/>
+            <p:cNvSpPr/>
+            <p:nvPr/>
+          </p:nvSpPr>
+          <p:spPr>
+            <a:xfrm>
+              <a:off x="4481963" y="4953056"/>
+              <a:ext cx="420764" cy="340787"/>
+            </a:xfrm>
+            <a:prstGeom prst="rect">
+              <a:avLst/>
+            </a:prstGeom>
+            <a:solidFill>
+              <a:schemeClr val="bg1"/>
+            </a:solidFill>
+            <a:ln w="25400">
+              <a:solidFill>
+                <a:srgbClr val="00B050"/>
+              </a:solidFill>
+            </a:ln>
+          </p:spPr>
+          <p:style>
+            <a:lnRef idx="2">
+              <a:schemeClr val="accent1">
+                <a:shade val="50000"/>
+              </a:schemeClr>
+            </a:lnRef>
+            <a:fillRef idx="1">
+              <a:schemeClr val="accent1"/>
+            </a:fillRef>
+            <a:effectRef idx="0">
+              <a:schemeClr val="accent1"/>
+            </a:effectRef>
+            <a:fontRef idx="minor">
+              <a:schemeClr val="lt1"/>
+            </a:fontRef>
+          </p:style>
+          <p:txBody>
+            <a:bodyPr rtlCol="0" anchor="ctr"/>
+            <a:lstStyle/>
+            <a:p>
+              <a:pPr algn="ctr"/>
+              <a:endParaRPr lang="en-US"/>
+            </a:p>
+          </p:txBody>
+        </p:sp>
+        <p:grpSp>
+          <p:nvGrpSpPr>
+            <p:cNvPr id="241" name="Group 240"/>
+            <p:cNvGrpSpPr/>
+            <p:nvPr/>
+          </p:nvGrpSpPr>
+          <p:grpSpPr>
+            <a:xfrm>
+              <a:off x="4533065" y="5002884"/>
+              <a:ext cx="150866" cy="241130"/>
+              <a:chOff x="5212465" y="3556092"/>
+              <a:chExt cx="189760" cy="303294"/>
+            </a:xfrm>
+            <a:solidFill>
+              <a:schemeClr val="accent6"/>
+            </a:solidFill>
+          </p:grpSpPr>
+          <p:sp>
+            <p:nvSpPr>
+              <p:cNvPr id="258" name="Oval 257"/>
+              <p:cNvSpPr/>
+              <p:nvPr/>
+            </p:nvSpPr>
+            <p:spPr>
+              <a:xfrm>
+                <a:off x="5250578" y="3556092"/>
+                <a:ext cx="113534" cy="113534"/>
+              </a:xfrm>
+              <a:prstGeom prst="ellipse">
+                <a:avLst/>
+              </a:prstGeom>
+              <a:grpFill/>
+              <a:ln>
+                <a:solidFill>
+                  <a:schemeClr val="accent6">
+                    <a:lumMod val="75000"/>
+                  </a:schemeClr>
+                </a:solidFill>
+              </a:ln>
+            </p:spPr>
+            <p:style>
+              <a:lnRef idx="2">
+                <a:schemeClr val="accent1">
+                  <a:shade val="50000"/>
+                </a:schemeClr>
+              </a:lnRef>
+              <a:fillRef idx="1">
+                <a:schemeClr val="accent1"/>
+              </a:fillRef>
+              <a:effectRef idx="0">
+                <a:schemeClr val="accent1"/>
+              </a:effectRef>
+              <a:fontRef idx="minor">
+                <a:schemeClr val="lt1"/>
+              </a:fontRef>
+            </p:style>
+            <p:txBody>
+              <a:bodyPr rtlCol="0" anchor="ctr"/>
+              <a:lstStyle/>
+              <a:p>
+                <a:pPr algn="ctr"/>
+                <a:endParaRPr lang="en-US"/>
+              </a:p>
+            </p:txBody>
+          </p:sp>
+          <p:sp>
+            <p:nvSpPr>
+              <p:cNvPr id="259" name="Round Same Side Corner Rectangle 258"/>
+              <p:cNvSpPr/>
+              <p:nvPr/>
+            </p:nvSpPr>
+            <p:spPr>
+              <a:xfrm>
+                <a:off x="5212465" y="3669626"/>
+                <a:ext cx="189760" cy="189760"/>
+              </a:xfrm>
+              <a:prstGeom prst="round2SameRect">
+                <a:avLst>
+                  <a:gd name="adj1" fmla="val 49716"/>
+                  <a:gd name="adj2" fmla="val 0"/>
+                </a:avLst>
+              </a:prstGeom>
+              <a:grpFill/>
+              <a:ln>
+                <a:solidFill>
+                  <a:schemeClr val="accent6">
+                    <a:lumMod val="75000"/>
+                  </a:schemeClr>
+                </a:solidFill>
+              </a:ln>
+            </p:spPr>
+            <p:style>
+              <a:lnRef idx="2">
+                <a:schemeClr val="accent1">
+                  <a:shade val="50000"/>
+                </a:schemeClr>
+              </a:lnRef>
+              <a:fillRef idx="1">
+                <a:schemeClr val="accent1"/>
+              </a:fillRef>
+              <a:effectRef idx="0">
+                <a:schemeClr val="accent1"/>
+              </a:effectRef>
+              <a:fontRef idx="minor">
+                <a:schemeClr val="lt1"/>
+              </a:fontRef>
+            </p:style>
+            <p:txBody>
+              <a:bodyPr rtlCol="0" anchor="ctr"/>
+              <a:lstStyle/>
+              <a:p>
+                <a:pPr algn="ctr"/>
+                <a:r>
+                  <a:rPr lang="en-US" sz="1050" dirty="0" smtClean="0"/>
+                  <a:t>B</a:t>
+                </a:r>
+                <a:endParaRPr lang="en-US" sz="4000" dirty="0"/>
+              </a:p>
+            </p:txBody>
+          </p:sp>
+        </p:grpSp>
+        <p:grpSp>
+          <p:nvGrpSpPr>
+            <p:cNvPr id="242" name="Group 241"/>
+            <p:cNvGrpSpPr/>
+            <p:nvPr/>
+          </p:nvGrpSpPr>
+          <p:grpSpPr>
+            <a:xfrm>
+              <a:off x="4714232" y="5055213"/>
+              <a:ext cx="123069" cy="75870"/>
+              <a:chOff x="4770478" y="3634526"/>
+              <a:chExt cx="123069" cy="75870"/>
+            </a:xfrm>
+          </p:grpSpPr>
+          <p:cxnSp>
+            <p:nvCxnSpPr>
+              <p:cNvPr id="255" name="Straight Connector 254"/>
+              <p:cNvCxnSpPr/>
+              <p:nvPr/>
+            </p:nvCxnSpPr>
+            <p:spPr>
+              <a:xfrm>
+                <a:off x="4770478" y="3634526"/>
+                <a:ext cx="123069" cy="0"/>
+              </a:xfrm>
+              <a:prstGeom prst="line">
+                <a:avLst/>
+              </a:prstGeom>
+              <a:ln w="25400">
+                <a:solidFill>
+                  <a:srgbClr val="00B050"/>
+                </a:solidFill>
+              </a:ln>
+            </p:spPr>
+            <p:style>
+              <a:lnRef idx="1">
+                <a:schemeClr val="accent1"/>
+              </a:lnRef>
+              <a:fillRef idx="0">
+                <a:schemeClr val="accent1"/>
+              </a:fillRef>
+              <a:effectRef idx="0">
+                <a:schemeClr val="accent1"/>
+              </a:effectRef>
+              <a:fontRef idx="minor">
+                <a:schemeClr val="tx1"/>
+              </a:fontRef>
+            </p:style>
+          </p:cxnSp>
+          <p:cxnSp>
+            <p:nvCxnSpPr>
+              <p:cNvPr id="256" name="Straight Connector 255"/>
+              <p:cNvCxnSpPr/>
+              <p:nvPr/>
+            </p:nvCxnSpPr>
+            <p:spPr>
+              <a:xfrm>
+                <a:off x="4770478" y="3672461"/>
+                <a:ext cx="123069" cy="0"/>
+              </a:xfrm>
+              <a:prstGeom prst="line">
+                <a:avLst/>
+              </a:prstGeom>
+              <a:ln w="25400">
+                <a:solidFill>
+                  <a:srgbClr val="00B050"/>
+                </a:solidFill>
+              </a:ln>
+            </p:spPr>
+            <p:style>
+              <a:lnRef idx="1">
+                <a:schemeClr val="accent1"/>
+              </a:lnRef>
+              <a:fillRef idx="0">
+                <a:schemeClr val="accent1"/>
+              </a:fillRef>
+              <a:effectRef idx="0">
+                <a:schemeClr val="accent1"/>
+              </a:effectRef>
+              <a:fontRef idx="minor">
+                <a:schemeClr val="tx1"/>
+              </a:fontRef>
+            </p:style>
+          </p:cxnSp>
+          <p:cxnSp>
+            <p:nvCxnSpPr>
+              <p:cNvPr id="257" name="Straight Connector 256"/>
+              <p:cNvCxnSpPr/>
+              <p:nvPr/>
+            </p:nvCxnSpPr>
+            <p:spPr>
+              <a:xfrm>
+                <a:off x="4770478" y="3710396"/>
+                <a:ext cx="123069" cy="0"/>
+              </a:xfrm>
+              <a:prstGeom prst="line">
+                <a:avLst/>
+              </a:prstGeom>
+              <a:ln w="25400">
+                <a:solidFill>
+                  <a:srgbClr val="00B050"/>
+                </a:solidFill>
+              </a:ln>
+            </p:spPr>
+            <p:style>
+              <a:lnRef idx="1">
+                <a:schemeClr val="accent1"/>
+              </a:lnRef>
+              <a:fillRef idx="0">
+                <a:schemeClr val="accent1"/>
+              </a:fillRef>
+              <a:effectRef idx="0">
+                <a:schemeClr val="accent1"/>
+              </a:effectRef>
+              <a:fontRef idx="minor">
+                <a:schemeClr val="tx1"/>
+              </a:fontRef>
+            </p:style>
+          </p:cxnSp>
+        </p:grpSp>
+      </p:grpSp>
+      <p:grpSp>
+        <p:nvGrpSpPr>
+          <p:cNvPr id="53" name="Group 52"/>
+          <p:cNvGrpSpPr/>
+          <p:nvPr/>
+        </p:nvGrpSpPr>
+        <p:grpSpPr>
+          <a:xfrm>
+            <a:off x="8353187" y="4529410"/>
+            <a:ext cx="420764" cy="340787"/>
+            <a:chOff x="8260589" y="4957753"/>
+            <a:chExt cx="420764" cy="340787"/>
+          </a:xfrm>
+        </p:grpSpPr>
+        <p:sp>
+          <p:nvSpPr>
+            <p:cNvPr id="243" name="Rectangle 242"/>
+            <p:cNvSpPr/>
+            <p:nvPr/>
+          </p:nvSpPr>
+          <p:spPr>
+            <a:xfrm>
+              <a:off x="8260589" y="4957753"/>
+              <a:ext cx="420764" cy="340787"/>
+            </a:xfrm>
+            <a:prstGeom prst="rect">
+              <a:avLst/>
+            </a:prstGeom>
+            <a:solidFill>
+              <a:schemeClr val="bg1"/>
+            </a:solidFill>
+            <a:ln w="25400">
+              <a:solidFill>
+                <a:schemeClr val="bg2">
+                  <a:lumMod val="50000"/>
+                </a:schemeClr>
+              </a:solidFill>
+            </a:ln>
+          </p:spPr>
+          <p:style>
+            <a:lnRef idx="2">
+              <a:schemeClr val="accent1">
+                <a:shade val="50000"/>
+              </a:schemeClr>
+            </a:lnRef>
+            <a:fillRef idx="1">
+              <a:schemeClr val="accent1"/>
+            </a:fillRef>
+            <a:effectRef idx="0">
+              <a:schemeClr val="accent1"/>
+            </a:effectRef>
+            <a:fontRef idx="minor">
+              <a:schemeClr val="lt1"/>
+            </a:fontRef>
+          </p:style>
+          <p:txBody>
+            <a:bodyPr rtlCol="0" anchor="ctr"/>
+            <a:lstStyle/>
+            <a:p>
+              <a:pPr algn="ctr"/>
+              <a:endParaRPr lang="en-US"/>
+            </a:p>
+          </p:txBody>
+        </p:sp>
+        <p:sp>
+          <p:nvSpPr>
+            <p:cNvPr id="244" name="Oval 243"/>
+            <p:cNvSpPr/>
+            <p:nvPr/>
+          </p:nvSpPr>
+          <p:spPr>
+            <a:xfrm>
+              <a:off x="8341983" y="5007589"/>
+              <a:ext cx="90263" cy="90264"/>
+            </a:xfrm>
+            <a:prstGeom prst="ellipse">
+              <a:avLst/>
+            </a:prstGeom>
+            <a:solidFill>
+              <a:schemeClr val="bg2">
+                <a:lumMod val="50000"/>
+              </a:schemeClr>
+            </a:solidFill>
+            <a:ln>
+              <a:solidFill>
+                <a:schemeClr val="tx1"/>
+              </a:solidFill>
+            </a:ln>
+          </p:spPr>
+          <p:style>
+            <a:lnRef idx="2">
+              <a:schemeClr val="accent1">
+                <a:shade val="50000"/>
+              </a:schemeClr>
+            </a:lnRef>
+            <a:fillRef idx="1">
+              <a:schemeClr val="accent1"/>
+            </a:fillRef>
+            <a:effectRef idx="0">
+              <a:schemeClr val="accent1"/>
+            </a:effectRef>
+            <a:fontRef idx="minor">
+              <a:schemeClr val="lt1"/>
+            </a:fontRef>
+          </p:style>
+          <p:txBody>
+            <a:bodyPr rtlCol="0" anchor="ctr"/>
+            <a:lstStyle/>
+            <a:p>
+              <a:pPr algn="ctr"/>
+              <a:endParaRPr lang="en-US"/>
+            </a:p>
+          </p:txBody>
+        </p:sp>
+        <p:sp>
+          <p:nvSpPr>
+            <p:cNvPr id="245" name="Round Same Side Corner Rectangle 244"/>
+            <p:cNvSpPr/>
+            <p:nvPr/>
+          </p:nvSpPr>
+          <p:spPr>
+            <a:xfrm>
+              <a:off x="8311682" y="5097853"/>
+              <a:ext cx="150866" cy="150867"/>
+            </a:xfrm>
+            <a:prstGeom prst="round2SameRect">
+              <a:avLst>
+                <a:gd name="adj1" fmla="val 49716"/>
+                <a:gd name="adj2" fmla="val 0"/>
+              </a:avLst>
+            </a:prstGeom>
+            <a:solidFill>
+              <a:schemeClr val="bg2">
+                <a:lumMod val="50000"/>
+              </a:schemeClr>
+            </a:solidFill>
+            <a:ln>
+              <a:solidFill>
+                <a:schemeClr val="tx1"/>
+              </a:solidFill>
+            </a:ln>
+          </p:spPr>
+          <p:style>
+            <a:lnRef idx="2">
+              <a:schemeClr val="accent1">
+                <a:shade val="50000"/>
+              </a:schemeClr>
+            </a:lnRef>
+            <a:fillRef idx="1">
+              <a:schemeClr val="accent1"/>
+            </a:fillRef>
+            <a:effectRef idx="0">
+              <a:schemeClr val="accent1"/>
+            </a:effectRef>
+            <a:fontRef idx="minor">
+              <a:schemeClr val="lt1"/>
+            </a:fontRef>
+          </p:style>
+          <p:txBody>
+            <a:bodyPr rtlCol="0" anchor="ctr"/>
+            <a:lstStyle/>
+            <a:p>
+              <a:pPr algn="ctr"/>
+              <a:r>
+                <a:rPr lang="en-US" sz="1050" dirty="0" smtClean="0"/>
+                <a:t>B</a:t>
+              </a:r>
+              <a:endParaRPr lang="en-US" sz="4000" dirty="0"/>
+            </a:p>
+          </p:txBody>
+        </p:sp>
+        <p:cxnSp>
+          <p:nvCxnSpPr>
+            <p:cNvPr id="248" name="Straight Connector 247"/>
+            <p:cNvCxnSpPr/>
+            <p:nvPr/>
+          </p:nvCxnSpPr>
+          <p:spPr>
+            <a:xfrm>
+              <a:off x="8492858" y="5059910"/>
+              <a:ext cx="123069" cy="0"/>
+            </a:xfrm>
+            <a:prstGeom prst="line">
+              <a:avLst/>
+            </a:prstGeom>
+            <a:ln w="25400">
+              <a:solidFill>
+                <a:schemeClr val="bg2">
+                  <a:lumMod val="50000"/>
+                </a:schemeClr>
+              </a:solidFill>
+            </a:ln>
+          </p:spPr>
+          <p:style>
+            <a:lnRef idx="1">
+              <a:schemeClr val="accent1"/>
+            </a:lnRef>
+            <a:fillRef idx="0">
+              <a:schemeClr val="accent1"/>
+            </a:fillRef>
+            <a:effectRef idx="0">
+              <a:schemeClr val="accent1"/>
+            </a:effectRef>
+            <a:fontRef idx="minor">
+              <a:schemeClr val="tx1"/>
+            </a:fontRef>
+          </p:style>
+        </p:cxnSp>
+        <p:cxnSp>
+          <p:nvCxnSpPr>
+            <p:cNvPr id="249" name="Straight Connector 248"/>
+            <p:cNvCxnSpPr/>
+            <p:nvPr/>
+          </p:nvCxnSpPr>
+          <p:spPr>
+            <a:xfrm>
+              <a:off x="8492858" y="5097845"/>
+              <a:ext cx="123069" cy="0"/>
+            </a:xfrm>
+            <a:prstGeom prst="line">
+              <a:avLst/>
+            </a:prstGeom>
+            <a:ln w="25400">
+              <a:solidFill>
+                <a:schemeClr val="bg2">
+                  <a:lumMod val="50000"/>
+                </a:schemeClr>
+              </a:solidFill>
+            </a:ln>
+          </p:spPr>
+          <p:style>
+            <a:lnRef idx="1">
+              <a:schemeClr val="accent1"/>
+            </a:lnRef>
+            <a:fillRef idx="0">
+              <a:schemeClr val="accent1"/>
+            </a:fillRef>
+            <a:effectRef idx="0">
+              <a:schemeClr val="accent1"/>
+            </a:effectRef>
+            <a:fontRef idx="minor">
+              <a:schemeClr val="tx1"/>
+            </a:fontRef>
+          </p:style>
+        </p:cxnSp>
+        <p:cxnSp>
+          <p:nvCxnSpPr>
+            <p:cNvPr id="250" name="Straight Connector 249"/>
+            <p:cNvCxnSpPr/>
+            <p:nvPr/>
+          </p:nvCxnSpPr>
+          <p:spPr>
+            <a:xfrm>
+              <a:off x="8492858" y="5135780"/>
+              <a:ext cx="123069" cy="0"/>
+            </a:xfrm>
+            <a:prstGeom prst="line">
+              <a:avLst/>
+            </a:prstGeom>
+            <a:ln w="25400">
+              <a:solidFill>
+                <a:schemeClr val="bg2">
+                  <a:lumMod val="50000"/>
+                </a:schemeClr>
+              </a:solidFill>
+            </a:ln>
+          </p:spPr>
+          <p:style>
+            <a:lnRef idx="1">
+              <a:schemeClr val="accent1"/>
+            </a:lnRef>
+            <a:fillRef idx="0">
+              <a:schemeClr val="accent1"/>
+            </a:fillRef>
+            <a:effectRef idx="0">
+              <a:schemeClr val="accent1"/>
+            </a:effectRef>
+            <a:fontRef idx="minor">
+              <a:schemeClr val="tx1"/>
+            </a:fontRef>
+          </p:style>
+        </p:cxnSp>
+      </p:grpSp>
+      <p:grpSp>
+        <p:nvGrpSpPr>
+          <p:cNvPr id="50" name="Group 49"/>
+          <p:cNvGrpSpPr/>
+          <p:nvPr/>
+        </p:nvGrpSpPr>
+        <p:grpSpPr>
+          <a:xfrm>
+            <a:off x="2685248" y="4532346"/>
+            <a:ext cx="420764" cy="340787"/>
+            <a:chOff x="2592650" y="4960689"/>
+            <a:chExt cx="420764" cy="340787"/>
+          </a:xfrm>
+        </p:grpSpPr>
+        <p:sp>
+          <p:nvSpPr>
+            <p:cNvPr id="254" name="Rectangle 253"/>
+            <p:cNvSpPr/>
+            <p:nvPr/>
+          </p:nvSpPr>
+          <p:spPr>
+            <a:xfrm>
+              <a:off x="2592650" y="4960689"/>
+              <a:ext cx="420764" cy="340787"/>
+            </a:xfrm>
+            <a:prstGeom prst="rect">
+              <a:avLst/>
+            </a:prstGeom>
+            <a:solidFill>
+              <a:schemeClr val="bg1"/>
+            </a:solidFill>
+            <a:ln w="25400">
+              <a:solidFill>
+                <a:srgbClr val="FFC000"/>
+              </a:solidFill>
+            </a:ln>
+          </p:spPr>
+          <p:style>
+            <a:lnRef idx="2">
+              <a:schemeClr val="accent1">
+                <a:shade val="50000"/>
+              </a:schemeClr>
+            </a:lnRef>
+            <a:fillRef idx="1">
+              <a:schemeClr val="accent1"/>
+            </a:fillRef>
+            <a:effectRef idx="0">
+              <a:schemeClr val="accent1"/>
+            </a:effectRef>
+            <a:fontRef idx="minor">
+              <a:schemeClr val="lt1"/>
+            </a:fontRef>
+          </p:style>
+          <p:txBody>
+            <a:bodyPr rtlCol="0" anchor="ctr"/>
+            <a:lstStyle/>
+            <a:p>
+              <a:pPr algn="ctr"/>
+              <a:endParaRPr lang="en-US"/>
+            </a:p>
+          </p:txBody>
+        </p:sp>
+        <p:sp>
+          <p:nvSpPr>
+            <p:cNvPr id="246" name="Oval 245"/>
+            <p:cNvSpPr/>
+            <p:nvPr/>
+          </p:nvSpPr>
+          <p:spPr>
+            <a:xfrm>
+              <a:off x="2674044" y="5010525"/>
+              <a:ext cx="90264" cy="90264"/>
+            </a:xfrm>
+            <a:prstGeom prst="ellipse">
+              <a:avLst/>
+            </a:prstGeom>
+            <a:solidFill>
+              <a:srgbClr val="FFC000"/>
+            </a:solidFill>
+            <a:ln>
+              <a:solidFill>
+                <a:srgbClr val="D29500"/>
+              </a:solidFill>
+            </a:ln>
+          </p:spPr>
+          <p:style>
+            <a:lnRef idx="2">
+              <a:schemeClr val="accent1">
+                <a:shade val="50000"/>
+              </a:schemeClr>
+            </a:lnRef>
+            <a:fillRef idx="1">
+              <a:schemeClr val="accent1"/>
+            </a:fillRef>
+            <a:effectRef idx="0">
+              <a:schemeClr val="accent1"/>
+            </a:effectRef>
+            <a:fontRef idx="minor">
+              <a:schemeClr val="lt1"/>
+            </a:fontRef>
+          </p:style>
+          <p:txBody>
+            <a:bodyPr rtlCol="0" anchor="ctr"/>
+            <a:lstStyle/>
+            <a:p>
+              <a:pPr algn="ctr"/>
+              <a:endParaRPr lang="en-US"/>
+            </a:p>
+          </p:txBody>
+        </p:sp>
+        <p:sp>
+          <p:nvSpPr>
+            <p:cNvPr id="247" name="Round Same Side Corner Rectangle 246"/>
+            <p:cNvSpPr/>
+            <p:nvPr/>
+          </p:nvSpPr>
+          <p:spPr>
+            <a:xfrm>
+              <a:off x="2643743" y="5100789"/>
+              <a:ext cx="150866" cy="150866"/>
+            </a:xfrm>
+            <a:prstGeom prst="round2SameRect">
+              <a:avLst>
+                <a:gd name="adj1" fmla="val 49716"/>
+                <a:gd name="adj2" fmla="val 0"/>
+              </a:avLst>
+            </a:prstGeom>
+            <a:solidFill>
+              <a:srgbClr val="FFC000"/>
+            </a:solidFill>
+            <a:ln>
+              <a:solidFill>
+                <a:srgbClr val="D29500"/>
+              </a:solidFill>
+            </a:ln>
+          </p:spPr>
+          <p:style>
+            <a:lnRef idx="2">
+              <a:schemeClr val="accent1">
+                <a:shade val="50000"/>
+              </a:schemeClr>
+            </a:lnRef>
+            <a:fillRef idx="1">
+              <a:schemeClr val="accent1"/>
+            </a:fillRef>
+            <a:effectRef idx="0">
+              <a:schemeClr val="accent1"/>
+            </a:effectRef>
+            <a:fontRef idx="minor">
+              <a:schemeClr val="lt1"/>
+            </a:fontRef>
+          </p:style>
+          <p:txBody>
+            <a:bodyPr rtlCol="0" anchor="ctr"/>
+            <a:lstStyle/>
+            <a:p>
+              <a:pPr algn="ctr"/>
+              <a:r>
+                <a:rPr lang="en-US" sz="1050" dirty="0" smtClean="0"/>
+                <a:t>B</a:t>
+              </a:r>
+              <a:endParaRPr lang="en-US" sz="4000" dirty="0"/>
+            </a:p>
+          </p:txBody>
+        </p:sp>
+        <p:cxnSp>
+          <p:nvCxnSpPr>
+            <p:cNvPr id="251" name="Straight Connector 250"/>
+            <p:cNvCxnSpPr/>
+            <p:nvPr/>
+          </p:nvCxnSpPr>
+          <p:spPr>
+            <a:xfrm>
+              <a:off x="2824919" y="5062846"/>
+              <a:ext cx="123069" cy="0"/>
+            </a:xfrm>
+            <a:prstGeom prst="line">
+              <a:avLst/>
+            </a:prstGeom>
+            <a:ln w="25400">
+              <a:solidFill>
+                <a:srgbClr val="FFC000"/>
+              </a:solidFill>
+            </a:ln>
+          </p:spPr>
+          <p:style>
+            <a:lnRef idx="1">
+              <a:schemeClr val="accent1"/>
+            </a:lnRef>
+            <a:fillRef idx="0">
+              <a:schemeClr val="accent1"/>
+            </a:fillRef>
+            <a:effectRef idx="0">
+              <a:schemeClr val="accent1"/>
+            </a:effectRef>
+            <a:fontRef idx="minor">
+              <a:schemeClr val="tx1"/>
+            </a:fontRef>
+          </p:style>
+        </p:cxnSp>
+        <p:cxnSp>
+          <p:nvCxnSpPr>
+            <p:cNvPr id="252" name="Straight Connector 251"/>
+            <p:cNvCxnSpPr/>
+            <p:nvPr/>
+          </p:nvCxnSpPr>
+          <p:spPr>
+            <a:xfrm>
+              <a:off x="2824919" y="5100781"/>
+              <a:ext cx="123069" cy="0"/>
+            </a:xfrm>
+            <a:prstGeom prst="line">
+              <a:avLst/>
+            </a:prstGeom>
+            <a:ln w="25400">
+              <a:solidFill>
+                <a:srgbClr val="FFC000"/>
+              </a:solidFill>
+            </a:ln>
+          </p:spPr>
+          <p:style>
+            <a:lnRef idx="1">
+              <a:schemeClr val="accent1"/>
+            </a:lnRef>
+            <a:fillRef idx="0">
+              <a:schemeClr val="accent1"/>
+            </a:fillRef>
+            <a:effectRef idx="0">
+              <a:schemeClr val="accent1"/>
+            </a:effectRef>
+            <a:fontRef idx="minor">
+              <a:schemeClr val="tx1"/>
+            </a:fontRef>
+          </p:style>
+        </p:cxnSp>
+        <p:cxnSp>
+          <p:nvCxnSpPr>
+            <p:cNvPr id="253" name="Straight Connector 252"/>
+            <p:cNvCxnSpPr/>
+            <p:nvPr/>
+          </p:nvCxnSpPr>
+          <p:spPr>
+            <a:xfrm>
+              <a:off x="2824919" y="5138716"/>
+              <a:ext cx="123069" cy="0"/>
+            </a:xfrm>
+            <a:prstGeom prst="line">
+              <a:avLst/>
+            </a:prstGeom>
+            <a:ln w="25400">
+              <a:solidFill>
+                <a:srgbClr val="FFC000"/>
+              </a:solidFill>
+            </a:ln>
+          </p:spPr>
+          <p:style>
+            <a:lnRef idx="1">
+              <a:schemeClr val="accent1"/>
+            </a:lnRef>
+            <a:fillRef idx="0">
+              <a:schemeClr val="accent1"/>
+            </a:fillRef>
+            <a:effectRef idx="0">
+              <a:schemeClr val="accent1"/>
+            </a:effectRef>
+            <a:fontRef idx="minor">
+              <a:schemeClr val="tx1"/>
+            </a:fontRef>
+          </p:style>
+        </p:cxnSp>
+      </p:grpSp>
+      <p:sp>
+        <p:nvSpPr>
+          <p:cNvPr id="83" name="Rounded Rectangle 82"/>
+          <p:cNvSpPr/>
+          <p:nvPr/>
+        </p:nvSpPr>
+        <p:spPr>
+          <a:xfrm>
+            <a:off x="2258834" y="3099568"/>
+            <a:ext cx="1273592" cy="1175550"/>
+          </a:xfrm>
+          <a:prstGeom prst="roundRect">
+            <a:avLst/>
+          </a:prstGeom>
+          <a:solidFill>
+            <a:srgbClr val="FFC000"/>
+          </a:solidFill>
+          <a:ln w="19050" cmpd="sng">
+            <a:solidFill>
+              <a:srgbClr val="0070C0"/>
+            </a:solidFill>
+          </a:ln>
+          <a:effectLst/>
+        </p:spPr>
+        <p:style>
+          <a:lnRef idx="1">
+            <a:schemeClr val="accent1"/>
+          </a:lnRef>
+          <a:fillRef idx="3">
+            <a:schemeClr val="accent1"/>
+          </a:fillRef>
+          <a:effectRef idx="2">
+            <a:schemeClr val="accent1"/>
+          </a:effectRef>
+          <a:fontRef idx="minor">
+            <a:schemeClr val="lt1"/>
+          </a:fontRef>
+        </p:style>
+        <p:txBody>
+          <a:bodyPr rtlCol="0" anchor="ctr"/>
+          <a:lstStyle/>
+          <a:p>
+            <a:pPr algn="ctr" defTabSz="457200"/>
+            <a:r>
+              <a:rPr lang="en-US" sz="1400" b="1" dirty="0" smtClean="0">
+                <a:solidFill>
+                  <a:schemeClr val="accent1"/>
+                </a:solidFill>
+                <a:ea typeface="Arial" charset="0"/>
+                <a:cs typeface="Arial" charset="0"/>
+              </a:rPr>
+              <a:t>Root</a:t>
+            </a:r>
+          </a:p>
+          <a:p>
+            <a:pPr algn="ctr" defTabSz="457200"/>
+            <a:r>
+              <a:rPr lang="en-US" sz="1400" b="1" dirty="0" smtClean="0">
+                <a:solidFill>
+                  <a:schemeClr val="accent1"/>
+                </a:solidFill>
+                <a:ea typeface="Arial" charset="0"/>
+                <a:cs typeface="Arial" charset="0"/>
+              </a:rPr>
+              <a:t>RCA</a:t>
+            </a:r>
+            <a:endParaRPr lang="en-US" sz="1400" b="1" dirty="0">
+              <a:solidFill>
+                <a:schemeClr val="accent1"/>
+              </a:solidFill>
+              <a:ea typeface="Arial" charset="0"/>
+              <a:cs typeface="Arial" charset="0"/>
+            </a:endParaRPr>
+          </a:p>
+        </p:txBody>
+      </p:sp>
+      <p:sp>
+        <p:nvSpPr>
+          <p:cNvPr id="84" name="Rounded Rectangle 83"/>
+          <p:cNvSpPr/>
+          <p:nvPr/>
+        </p:nvSpPr>
+        <p:spPr>
+          <a:xfrm>
+            <a:off x="4137475" y="3099568"/>
+            <a:ext cx="1289072" cy="1189838"/>
+          </a:xfrm>
+          <a:prstGeom prst="roundRect">
+            <a:avLst/>
+          </a:prstGeom>
+          <a:solidFill>
+            <a:srgbClr val="00B050"/>
+          </a:solidFill>
+          <a:ln w="19050" cmpd="sng">
+            <a:solidFill>
+              <a:srgbClr val="0070C0"/>
+            </a:solidFill>
+          </a:ln>
+          <a:effectLst/>
+        </p:spPr>
+        <p:style>
+          <a:lnRef idx="1">
+            <a:schemeClr val="accent1"/>
+          </a:lnRef>
+          <a:fillRef idx="3">
+            <a:schemeClr val="accent1"/>
+          </a:fillRef>
+          <a:effectRef idx="2">
+            <a:schemeClr val="accent1"/>
+          </a:effectRef>
+          <a:fontRef idx="minor">
+            <a:schemeClr val="lt1"/>
+          </a:fontRef>
+        </p:style>
+        <p:txBody>
+          <a:bodyPr rtlCol="0" anchor="ctr"/>
+          <a:lstStyle/>
+          <a:p>
+            <a:pPr algn="ctr" defTabSz="457200"/>
+            <a:r>
+              <a:rPr lang="en-US" sz="1400" b="1" dirty="0" smtClean="0">
+                <a:solidFill>
+                  <a:schemeClr val="accent1"/>
+                </a:solidFill>
+                <a:ea typeface="Arial" charset="0"/>
+                <a:cs typeface="Arial" charset="0"/>
+              </a:rPr>
+              <a:t>Intermediate</a:t>
+            </a:r>
+          </a:p>
+          <a:p>
+            <a:pPr algn="ctr" defTabSz="457200"/>
+            <a:r>
+              <a:rPr lang="en-US" sz="1400" b="1" dirty="0" smtClean="0">
+                <a:solidFill>
+                  <a:schemeClr val="accent1"/>
+                </a:solidFill>
+                <a:ea typeface="Arial" charset="0"/>
+                <a:cs typeface="Arial" charset="0"/>
+              </a:rPr>
+              <a:t>ICA1</a:t>
+            </a:r>
+            <a:endParaRPr lang="en-US" sz="1400" b="1" dirty="0">
+              <a:solidFill>
+                <a:schemeClr val="accent1"/>
+              </a:solidFill>
+              <a:ea typeface="Arial" charset="0"/>
+              <a:cs typeface="Arial" charset="0"/>
+            </a:endParaRPr>
+          </a:p>
+        </p:txBody>
+      </p:sp>
+      <p:sp>
+        <p:nvSpPr>
+          <p:cNvPr id="86" name="Rounded Rectangle 85"/>
+          <p:cNvSpPr/>
+          <p:nvPr/>
+        </p:nvSpPr>
+        <p:spPr>
+          <a:xfrm>
+            <a:off x="6028254" y="3092424"/>
+            <a:ext cx="1289072" cy="1189838"/>
+          </a:xfrm>
+          <a:prstGeom prst="roundRect">
+            <a:avLst/>
+          </a:prstGeom>
+          <a:solidFill>
+            <a:schemeClr val="accent5">
+              <a:lumMod val="60000"/>
+              <a:lumOff val="40000"/>
+            </a:schemeClr>
+          </a:solidFill>
+          <a:ln w="19050" cmpd="sng">
+            <a:solidFill>
+              <a:srgbClr val="0070C0"/>
+            </a:solidFill>
+          </a:ln>
+          <a:effectLst/>
+        </p:spPr>
+        <p:style>
+          <a:lnRef idx="1">
+            <a:schemeClr val="accent1"/>
+          </a:lnRef>
+          <a:fillRef idx="3">
+            <a:schemeClr val="accent1"/>
+          </a:fillRef>
+          <a:effectRef idx="2">
+            <a:schemeClr val="accent1"/>
+          </a:effectRef>
+          <a:fontRef idx="minor">
+            <a:schemeClr val="lt1"/>
+          </a:fontRef>
+        </p:style>
+        <p:txBody>
+          <a:bodyPr rtlCol="0" anchor="ctr"/>
+          <a:lstStyle/>
+          <a:p>
+            <a:pPr algn="ctr" defTabSz="457200"/>
+            <a:r>
+              <a:rPr lang="en-US" sz="1400" b="1" dirty="0" smtClean="0">
+                <a:solidFill>
+                  <a:schemeClr val="accent1"/>
+                </a:solidFill>
+                <a:ea typeface="Arial" charset="0"/>
+                <a:cs typeface="Arial" charset="0"/>
+              </a:rPr>
+              <a:t>Intermediate</a:t>
+            </a:r>
+          </a:p>
+          <a:p>
+            <a:pPr algn="ctr" defTabSz="457200"/>
+            <a:r>
+              <a:rPr lang="en-US" sz="1400" b="1" dirty="0" smtClean="0">
+                <a:solidFill>
+                  <a:schemeClr val="accent1"/>
+                </a:solidFill>
+                <a:ea typeface="Arial" charset="0"/>
+                <a:cs typeface="Arial" charset="0"/>
+              </a:rPr>
+              <a:t>ICA2</a:t>
+            </a:r>
+            <a:endParaRPr lang="en-US" sz="1400" b="1" dirty="0">
+              <a:solidFill>
+                <a:schemeClr val="accent1"/>
+              </a:solidFill>
+              <a:ea typeface="Arial" charset="0"/>
+              <a:cs typeface="Arial" charset="0"/>
+            </a:endParaRPr>
+          </a:p>
+        </p:txBody>
+      </p:sp>
+      <p:sp>
+        <p:nvSpPr>
+          <p:cNvPr id="87" name="Rounded Rectangle 86"/>
+          <p:cNvSpPr/>
+          <p:nvPr/>
+        </p:nvSpPr>
+        <p:spPr>
+          <a:xfrm>
+            <a:off x="7919033" y="3085280"/>
+            <a:ext cx="1289072" cy="1189838"/>
+          </a:xfrm>
+          <a:prstGeom prst="roundRect">
+            <a:avLst/>
+          </a:prstGeom>
+          <a:solidFill>
+            <a:schemeClr val="bg2">
+              <a:lumMod val="90000"/>
+            </a:schemeClr>
+          </a:solidFill>
+          <a:ln w="19050" cmpd="sng">
+            <a:solidFill>
+              <a:srgbClr val="0070C0"/>
+            </a:solidFill>
+          </a:ln>
+          <a:effectLst/>
+        </p:spPr>
+        <p:style>
+          <a:lnRef idx="1">
+            <a:schemeClr val="accent1"/>
+          </a:lnRef>
+          <a:fillRef idx="3">
+            <a:schemeClr val="accent1"/>
+          </a:fillRef>
+          <a:effectRef idx="2">
+            <a:schemeClr val="accent1"/>
+          </a:effectRef>
+          <a:fontRef idx="minor">
+            <a:schemeClr val="lt1"/>
+          </a:fontRef>
+        </p:style>
+        <p:txBody>
+          <a:bodyPr rtlCol="0" anchor="ctr"/>
+          <a:lstStyle/>
+          <a:p>
+            <a:pPr algn="ctr" defTabSz="457200"/>
+            <a:r>
+              <a:rPr lang="en-US" sz="1400" b="1" dirty="0" smtClean="0">
+                <a:solidFill>
+                  <a:schemeClr val="accent1"/>
+                </a:solidFill>
+                <a:ea typeface="Arial" charset="0"/>
+                <a:cs typeface="Arial" charset="0"/>
+              </a:rPr>
+              <a:t>Intermediate</a:t>
+            </a:r>
+          </a:p>
+          <a:p>
+            <a:pPr algn="ctr" defTabSz="457200"/>
+            <a:r>
+              <a:rPr lang="en-US" sz="1400" b="1" dirty="0" smtClean="0">
+                <a:solidFill>
+                  <a:schemeClr val="accent1"/>
+                </a:solidFill>
+                <a:ea typeface="Arial" charset="0"/>
+                <a:cs typeface="Arial" charset="0"/>
+              </a:rPr>
+              <a:t>ICA3</a:t>
+            </a:r>
+            <a:endParaRPr lang="en-US" sz="1400" b="1" dirty="0">
+              <a:solidFill>
+                <a:schemeClr val="accent1"/>
+              </a:solidFill>
+              <a:ea typeface="Arial" charset="0"/>
+              <a:cs typeface="Arial" charset="0"/>
+            </a:endParaRPr>
+          </a:p>
+        </p:txBody>
+      </p:sp>
+      <p:grpSp>
+        <p:nvGrpSpPr>
+          <p:cNvPr id="88" name="Group 87"/>
+          <p:cNvGrpSpPr/>
+          <p:nvPr/>
+        </p:nvGrpSpPr>
+        <p:grpSpPr>
+          <a:xfrm>
+            <a:off x="2576381" y="2322304"/>
+            <a:ext cx="638498" cy="661849"/>
+            <a:chOff x="5676338" y="2717038"/>
+            <a:chExt cx="312349" cy="323772"/>
+          </a:xfrm>
+        </p:grpSpPr>
+        <p:grpSp>
+          <p:nvGrpSpPr>
+            <p:cNvPr id="89" name="Group 88"/>
+            <p:cNvGrpSpPr/>
+            <p:nvPr/>
+          </p:nvGrpSpPr>
+          <p:grpSpPr>
+            <a:xfrm>
+              <a:off x="5676338" y="2717038"/>
+              <a:ext cx="312349" cy="252979"/>
+              <a:chOff x="9015959" y="4587888"/>
+              <a:chExt cx="420764" cy="340787"/>
+            </a:xfrm>
+          </p:grpSpPr>
+          <p:sp>
+            <p:nvSpPr>
+              <p:cNvPr id="91" name="Rectangle 90"/>
+              <p:cNvSpPr/>
+              <p:nvPr/>
+            </p:nvSpPr>
+            <p:spPr>
+              <a:xfrm>
+                <a:off x="9015959" y="4587888"/>
+                <a:ext cx="420764" cy="340787"/>
+              </a:xfrm>
+              <a:prstGeom prst="rect">
+                <a:avLst/>
+              </a:prstGeom>
+              <a:noFill/>
+              <a:ln w="25400"/>
+            </p:spPr>
+            <p:style>
+              <a:lnRef idx="2">
+                <a:schemeClr val="accent1">
+                  <a:shade val="50000"/>
+                </a:schemeClr>
+              </a:lnRef>
+              <a:fillRef idx="1">
+                <a:schemeClr val="accent1"/>
+              </a:fillRef>
+              <a:effectRef idx="0">
+                <a:schemeClr val="accent1"/>
+              </a:effectRef>
+              <a:fontRef idx="minor">
+                <a:schemeClr val="lt1"/>
+              </a:fontRef>
+            </p:style>
+            <p:txBody>
+              <a:bodyPr rtlCol="0" anchor="ctr"/>
+              <a:lstStyle/>
+              <a:p>
+                <a:pPr algn="ctr"/>
+                <a:endParaRPr lang="en-US" sz="1050"/>
+              </a:p>
+            </p:txBody>
+          </p:sp>
+          <p:grpSp>
+            <p:nvGrpSpPr>
+              <p:cNvPr id="92" name="Group 91"/>
+              <p:cNvGrpSpPr/>
+              <p:nvPr/>
+            </p:nvGrpSpPr>
+            <p:grpSpPr>
+              <a:xfrm>
+                <a:off x="9261059" y="4690045"/>
+                <a:ext cx="123069" cy="75870"/>
+                <a:chOff x="4783309" y="3634526"/>
+                <a:chExt cx="123069" cy="75870"/>
+              </a:xfrm>
+            </p:grpSpPr>
+            <p:cxnSp>
+              <p:nvCxnSpPr>
+                <p:cNvPr id="94" name="Straight Connector 93"/>
+                <p:cNvCxnSpPr/>
+                <p:nvPr/>
+              </p:nvCxnSpPr>
+              <p:spPr>
+                <a:xfrm>
+                  <a:off x="4783309" y="3634526"/>
+                  <a:ext cx="123069" cy="0"/>
+                </a:xfrm>
+                <a:prstGeom prst="line">
+                  <a:avLst/>
+                </a:prstGeom>
+                <a:ln w="25400"/>
+              </p:spPr>
+              <p:style>
+                <a:lnRef idx="1">
+                  <a:schemeClr val="accent1"/>
+                </a:lnRef>
+                <a:fillRef idx="0">
+                  <a:schemeClr val="accent1"/>
+                </a:fillRef>
+                <a:effectRef idx="0">
+                  <a:schemeClr val="accent1"/>
+                </a:effectRef>
+                <a:fontRef idx="minor">
+                  <a:schemeClr val="tx1"/>
+                </a:fontRef>
+              </p:style>
+            </p:cxnSp>
+            <p:cxnSp>
+              <p:nvCxnSpPr>
+                <p:cNvPr id="95" name="Straight Connector 94"/>
+                <p:cNvCxnSpPr/>
+                <p:nvPr/>
+              </p:nvCxnSpPr>
+              <p:spPr>
+                <a:xfrm>
+                  <a:off x="4783309" y="3672462"/>
+                  <a:ext cx="123069" cy="0"/>
+                </a:xfrm>
+                <a:prstGeom prst="line">
+                  <a:avLst/>
+                </a:prstGeom>
+                <a:ln w="25400"/>
+              </p:spPr>
+              <p:style>
+                <a:lnRef idx="1">
+                  <a:schemeClr val="accent1"/>
+                </a:lnRef>
+                <a:fillRef idx="0">
+                  <a:schemeClr val="accent1"/>
+                </a:fillRef>
+                <a:effectRef idx="0">
+                  <a:schemeClr val="accent1"/>
+                </a:effectRef>
+                <a:fontRef idx="minor">
+                  <a:schemeClr val="tx1"/>
+                </a:fontRef>
+              </p:style>
+            </p:cxnSp>
+            <p:cxnSp>
+              <p:nvCxnSpPr>
+                <p:cNvPr id="96" name="Straight Connector 95"/>
+                <p:cNvCxnSpPr/>
+                <p:nvPr/>
+              </p:nvCxnSpPr>
+              <p:spPr>
+                <a:xfrm>
+                  <a:off x="4783309" y="3710396"/>
+                  <a:ext cx="123069" cy="0"/>
+                </a:xfrm>
+                <a:prstGeom prst="line">
+                  <a:avLst/>
+                </a:prstGeom>
+                <a:ln w="25400"/>
+              </p:spPr>
+              <p:style>
+                <a:lnRef idx="1">
+                  <a:schemeClr val="accent1"/>
+                </a:lnRef>
+                <a:fillRef idx="0">
+                  <a:schemeClr val="accent1"/>
+                </a:fillRef>
+                <a:effectRef idx="0">
+                  <a:schemeClr val="accent1"/>
+                </a:effectRef>
+                <a:fontRef idx="minor">
+                  <a:schemeClr val="tx1"/>
+                </a:fontRef>
+              </p:style>
+            </p:cxnSp>
+          </p:grpSp>
+          <p:sp>
+            <p:nvSpPr>
+              <p:cNvPr id="93" name="Rounded Rectangle 92"/>
+              <p:cNvSpPr/>
+              <p:nvPr/>
+            </p:nvSpPr>
+            <p:spPr>
+              <a:xfrm>
+                <a:off x="9059604" y="4675660"/>
+                <a:ext cx="166737" cy="165241"/>
+              </a:xfrm>
+              <a:prstGeom prst="roundRect">
+                <a:avLst/>
+              </a:prstGeom>
+              <a:solidFill>
+                <a:srgbClr val="4372C4"/>
+              </a:solidFill>
+              <a:ln w="12700" cap="flat" cmpd="sng" algn="ctr">
+                <a:solidFill>
+                  <a:schemeClr val="tx2"/>
+                </a:solidFill>
+                <a:prstDash val="solid"/>
+              </a:ln>
+              <a:effectLst>
+                <a:outerShdw blurRad="40000" dist="23000" dir="5400000" rotWithShape="0">
+                  <a:srgbClr val="000000">
+                    <a:alpha val="35000"/>
+                  </a:srgbClr>
+                </a:outerShdw>
+              </a:effectLst>
+            </p:spPr>
+            <p:txBody>
+              <a:bodyPr tIns="36000" bIns="36000" rtlCol="0" anchor="ctr"/>
+              <a:lstStyle/>
+              <a:p>
+                <a:pPr marL="0" marR="0" lvl="0" indent="0" algn="ctr" defTabSz="457200" eaLnBrk="1" fontAlgn="auto" latinLnBrk="0" hangingPunct="1">
+                  <a:lnSpc>
+                    <a:spcPct val="100000"/>
+                  </a:lnSpc>
+                  <a:spcBef>
+                    <a:spcPts val="0"/>
+                  </a:spcBef>
+                  <a:spcAft>
+                    <a:spcPts val="0"/>
+                  </a:spcAft>
+                  <a:buClrTx/>
+                  <a:buSzTx/>
+                  <a:buFontTx/>
+                  <a:buNone/>
+                  <a:tabLst/>
+                  <a:defRPr/>
+                </a:pPr>
+                <a:r>
+                  <a:rPr lang="en-US" sz="1000" b="1" kern="0" dirty="0">
+                    <a:solidFill>
+                      <a:schemeClr val="bg1"/>
+                    </a:solidFill>
+                    <a:ea typeface=""/>
+                    <a:cs typeface=""/>
+                  </a:rPr>
+                  <a:t>I</a:t>
+                </a:r>
+                <a:endParaRPr kumimoji="0" lang="en-US" sz="1000" b="1" i="0" u="none" strike="noStrike" kern="0" cap="none" spc="0" normalizeH="0" baseline="0" noProof="0" dirty="0" smtClean="0">
+                  <a:ln>
+                    <a:noFill/>
+                  </a:ln>
+                  <a:solidFill>
+                    <a:schemeClr val="bg1"/>
+                  </a:solidFill>
+                  <a:effectLst/>
+                  <a:uLnTx/>
+                  <a:uFillTx/>
+                  <a:ea typeface=""/>
+                  <a:cs typeface=""/>
+                </a:endParaRPr>
+              </a:p>
+            </p:txBody>
+          </p:sp>
+        </p:grpSp>
+        <p:sp>
+          <p:nvSpPr>
+            <p:cNvPr id="90" name="7-Point Star 89"/>
+            <p:cNvSpPr/>
+            <p:nvPr/>
+          </p:nvSpPr>
+          <p:spPr>
+            <a:xfrm>
+              <a:off x="5834851" y="2902584"/>
+              <a:ext cx="138226" cy="138226"/>
+            </a:xfrm>
+            <a:prstGeom prst="star7">
+              <a:avLst/>
+            </a:prstGeom>
+            <a:solidFill>
+              <a:schemeClr val="bg1"/>
+            </a:solidFill>
+          </p:spPr>
+          <p:style>
+            <a:lnRef idx="2">
+              <a:schemeClr val="accent1">
+                <a:shade val="50000"/>
+              </a:schemeClr>
+            </a:lnRef>
+            <a:fillRef idx="1">
+              <a:schemeClr val="accent1"/>
+            </a:fillRef>
+            <a:effectRef idx="0">
+              <a:schemeClr val="accent1"/>
+            </a:effectRef>
+            <a:fontRef idx="minor">
+              <a:schemeClr val="lt1"/>
+            </a:fontRef>
+          </p:style>
+          <p:txBody>
+            <a:bodyPr rtlCol="0" anchor="ctr"/>
+            <a:lstStyle/>
+            <a:p>
+              <a:pPr algn="ctr"/>
+              <a:endParaRPr lang="en-US"/>
+            </a:p>
+          </p:txBody>
+        </p:sp>
+      </p:grpSp>
+      <p:grpSp>
+        <p:nvGrpSpPr>
+          <p:cNvPr id="97" name="Group 96"/>
+          <p:cNvGrpSpPr/>
+          <p:nvPr/>
+        </p:nvGrpSpPr>
+        <p:grpSpPr>
+          <a:xfrm>
+            <a:off x="4462762" y="2322304"/>
+            <a:ext cx="638498" cy="661849"/>
+            <a:chOff x="5676338" y="2717038"/>
+            <a:chExt cx="312349" cy="323772"/>
+          </a:xfrm>
+        </p:grpSpPr>
+        <p:grpSp>
+          <p:nvGrpSpPr>
+            <p:cNvPr id="98" name="Group 97"/>
+            <p:cNvGrpSpPr/>
+            <p:nvPr/>
+          </p:nvGrpSpPr>
+          <p:grpSpPr>
+            <a:xfrm>
+              <a:off x="5676338" y="2717038"/>
+              <a:ext cx="312349" cy="252979"/>
+              <a:chOff x="9015959" y="4587888"/>
+              <a:chExt cx="420764" cy="340787"/>
+            </a:xfrm>
+          </p:grpSpPr>
+          <p:sp>
+            <p:nvSpPr>
+              <p:cNvPr id="100" name="Rectangle 99"/>
+              <p:cNvSpPr/>
+              <p:nvPr/>
+            </p:nvSpPr>
+            <p:spPr>
+              <a:xfrm>
+                <a:off x="9015959" y="4587888"/>
+                <a:ext cx="420764" cy="340787"/>
+              </a:xfrm>
+              <a:prstGeom prst="rect">
+                <a:avLst/>
+              </a:prstGeom>
+              <a:noFill/>
+              <a:ln w="25400"/>
+            </p:spPr>
+            <p:style>
+              <a:lnRef idx="2">
+                <a:schemeClr val="accent1">
+                  <a:shade val="50000"/>
+                </a:schemeClr>
+              </a:lnRef>
+              <a:fillRef idx="1">
+                <a:schemeClr val="accent1"/>
+              </a:fillRef>
+              <a:effectRef idx="0">
+                <a:schemeClr val="accent1"/>
+              </a:effectRef>
+              <a:fontRef idx="minor">
+                <a:schemeClr val="lt1"/>
+              </a:fontRef>
+            </p:style>
+            <p:txBody>
+              <a:bodyPr rtlCol="0" anchor="ctr"/>
+              <a:lstStyle/>
+              <a:p>
+                <a:pPr algn="ctr"/>
+                <a:endParaRPr lang="en-US" sz="1050"/>
+              </a:p>
+            </p:txBody>
+          </p:sp>
+          <p:grpSp>
+            <p:nvGrpSpPr>
+              <p:cNvPr id="101" name="Group 100"/>
+              <p:cNvGrpSpPr/>
+              <p:nvPr/>
+            </p:nvGrpSpPr>
+            <p:grpSpPr>
+              <a:xfrm>
+                <a:off x="9261059" y="4690045"/>
+                <a:ext cx="123069" cy="75870"/>
+                <a:chOff x="4783309" y="3634526"/>
+                <a:chExt cx="123069" cy="75870"/>
+              </a:xfrm>
+            </p:grpSpPr>
+            <p:cxnSp>
+              <p:nvCxnSpPr>
+                <p:cNvPr id="103" name="Straight Connector 102"/>
+                <p:cNvCxnSpPr/>
+                <p:nvPr/>
+              </p:nvCxnSpPr>
+              <p:spPr>
+                <a:xfrm>
+                  <a:off x="4783309" y="3634526"/>
+                  <a:ext cx="123069" cy="0"/>
+                </a:xfrm>
+                <a:prstGeom prst="line">
+                  <a:avLst/>
+                </a:prstGeom>
+                <a:ln w="25400"/>
+              </p:spPr>
+              <p:style>
+                <a:lnRef idx="1">
+                  <a:schemeClr val="accent1"/>
+                </a:lnRef>
+                <a:fillRef idx="0">
+                  <a:schemeClr val="accent1"/>
+                </a:fillRef>
+                <a:effectRef idx="0">
+                  <a:schemeClr val="accent1"/>
+                </a:effectRef>
+                <a:fontRef idx="minor">
+                  <a:schemeClr val="tx1"/>
+                </a:fontRef>
+              </p:style>
+            </p:cxnSp>
+            <p:cxnSp>
+              <p:nvCxnSpPr>
+                <p:cNvPr id="104" name="Straight Connector 103"/>
+                <p:cNvCxnSpPr/>
+                <p:nvPr/>
+              </p:nvCxnSpPr>
+              <p:spPr>
+                <a:xfrm>
+                  <a:off x="4783309" y="3672462"/>
+                  <a:ext cx="123069" cy="0"/>
+                </a:xfrm>
+                <a:prstGeom prst="line">
+                  <a:avLst/>
+                </a:prstGeom>
+                <a:ln w="25400"/>
+              </p:spPr>
+              <p:style>
+                <a:lnRef idx="1">
+                  <a:schemeClr val="accent1"/>
+                </a:lnRef>
+                <a:fillRef idx="0">
+                  <a:schemeClr val="accent1"/>
+                </a:fillRef>
+                <a:effectRef idx="0">
+                  <a:schemeClr val="accent1"/>
+                </a:effectRef>
+                <a:fontRef idx="minor">
+                  <a:schemeClr val="tx1"/>
+                </a:fontRef>
+              </p:style>
+            </p:cxnSp>
+            <p:cxnSp>
+              <p:nvCxnSpPr>
+                <p:cNvPr id="105" name="Straight Connector 104"/>
+                <p:cNvCxnSpPr/>
+                <p:nvPr/>
+              </p:nvCxnSpPr>
+              <p:spPr>
+                <a:xfrm>
+                  <a:off x="4783309" y="3710396"/>
+                  <a:ext cx="123069" cy="0"/>
+                </a:xfrm>
+                <a:prstGeom prst="line">
+                  <a:avLst/>
+                </a:prstGeom>
+                <a:ln w="25400"/>
+              </p:spPr>
+              <p:style>
+                <a:lnRef idx="1">
+                  <a:schemeClr val="accent1"/>
+                </a:lnRef>
+                <a:fillRef idx="0">
+                  <a:schemeClr val="accent1"/>
+                </a:fillRef>
+                <a:effectRef idx="0">
+                  <a:schemeClr val="accent1"/>
+                </a:effectRef>
+                <a:fontRef idx="minor">
+                  <a:schemeClr val="tx1"/>
+                </a:fontRef>
+              </p:style>
+            </p:cxnSp>
+          </p:grpSp>
+          <p:sp>
+            <p:nvSpPr>
+              <p:cNvPr id="102" name="Rounded Rectangle 101"/>
+              <p:cNvSpPr/>
+              <p:nvPr/>
+            </p:nvSpPr>
+            <p:spPr>
+              <a:xfrm>
+                <a:off x="9059604" y="4675660"/>
+                <a:ext cx="166737" cy="165241"/>
+              </a:xfrm>
+              <a:prstGeom prst="roundRect">
+                <a:avLst/>
+              </a:prstGeom>
+              <a:solidFill>
+                <a:srgbClr val="4372C4"/>
+              </a:solidFill>
+              <a:ln w="12700" cap="flat" cmpd="sng" algn="ctr">
+                <a:solidFill>
+                  <a:schemeClr val="tx2"/>
+                </a:solidFill>
+                <a:prstDash val="solid"/>
+              </a:ln>
+              <a:effectLst>
+                <a:outerShdw blurRad="40000" dist="23000" dir="5400000" rotWithShape="0">
+                  <a:srgbClr val="000000">
+                    <a:alpha val="35000"/>
+                  </a:srgbClr>
+                </a:outerShdw>
+              </a:effectLst>
+            </p:spPr>
+            <p:txBody>
+              <a:bodyPr tIns="36000" bIns="36000" rtlCol="0" anchor="ctr"/>
+              <a:lstStyle/>
+              <a:p>
+                <a:pPr marL="0" marR="0" lvl="0" indent="0" algn="ctr" defTabSz="457200" eaLnBrk="1" fontAlgn="auto" latinLnBrk="0" hangingPunct="1">
+                  <a:lnSpc>
+                    <a:spcPct val="100000"/>
+                  </a:lnSpc>
+                  <a:spcBef>
+                    <a:spcPts val="0"/>
+                  </a:spcBef>
+                  <a:spcAft>
+                    <a:spcPts val="0"/>
+                  </a:spcAft>
+                  <a:buClrTx/>
+                  <a:buSzTx/>
+                  <a:buFontTx/>
+                  <a:buNone/>
+                  <a:tabLst/>
+                  <a:defRPr/>
+                </a:pPr>
+                <a:r>
+                  <a:rPr lang="en-US" sz="1000" b="1" kern="0" dirty="0">
+                    <a:solidFill>
+                      <a:schemeClr val="bg1"/>
+                    </a:solidFill>
+                    <a:ea typeface=""/>
+                    <a:cs typeface=""/>
+                  </a:rPr>
+                  <a:t>I</a:t>
+                </a:r>
+                <a:endParaRPr kumimoji="0" lang="en-US" sz="1000" b="1" i="0" u="none" strike="noStrike" kern="0" cap="none" spc="0" normalizeH="0" baseline="0" noProof="0" dirty="0" smtClean="0">
+                  <a:ln>
+                    <a:noFill/>
+                  </a:ln>
+                  <a:solidFill>
+                    <a:schemeClr val="bg1"/>
+                  </a:solidFill>
+                  <a:effectLst/>
+                  <a:uLnTx/>
+                  <a:uFillTx/>
+                  <a:ea typeface=""/>
+                  <a:cs typeface=""/>
+                </a:endParaRPr>
+              </a:p>
+            </p:txBody>
+          </p:sp>
+        </p:grpSp>
+        <p:sp>
+          <p:nvSpPr>
+            <p:cNvPr id="99" name="7-Point Star 98"/>
+            <p:cNvSpPr/>
+            <p:nvPr/>
+          </p:nvSpPr>
+          <p:spPr>
+            <a:xfrm>
+              <a:off x="5834851" y="2902584"/>
+              <a:ext cx="138226" cy="138226"/>
+            </a:xfrm>
+            <a:prstGeom prst="star7">
+              <a:avLst/>
+            </a:prstGeom>
+            <a:solidFill>
+              <a:schemeClr val="bg1"/>
+            </a:solidFill>
+          </p:spPr>
+          <p:style>
+            <a:lnRef idx="2">
+              <a:schemeClr val="accent1">
+                <a:shade val="50000"/>
+              </a:schemeClr>
+            </a:lnRef>
+            <a:fillRef idx="1">
+              <a:schemeClr val="accent1"/>
+            </a:fillRef>
+            <a:effectRef idx="0">
+              <a:schemeClr val="accent1"/>
+            </a:effectRef>
+            <a:fontRef idx="minor">
+              <a:schemeClr val="lt1"/>
+            </a:fontRef>
+          </p:style>
+          <p:txBody>
+            <a:bodyPr rtlCol="0" anchor="ctr"/>
+            <a:lstStyle/>
+            <a:p>
+              <a:pPr algn="ctr"/>
+              <a:endParaRPr lang="en-US"/>
+            </a:p>
+          </p:txBody>
+        </p:sp>
+      </p:grpSp>
+      <p:grpSp>
+        <p:nvGrpSpPr>
+          <p:cNvPr id="106" name="Group 105"/>
+          <p:cNvGrpSpPr/>
+          <p:nvPr/>
+        </p:nvGrpSpPr>
+        <p:grpSpPr>
+          <a:xfrm>
+            <a:off x="6355852" y="2322304"/>
+            <a:ext cx="638498" cy="661849"/>
+            <a:chOff x="5676338" y="2717038"/>
+            <a:chExt cx="312349" cy="323772"/>
+          </a:xfrm>
+        </p:grpSpPr>
+        <p:grpSp>
+          <p:nvGrpSpPr>
+            <p:cNvPr id="107" name="Group 106"/>
+            <p:cNvGrpSpPr/>
+            <p:nvPr/>
+          </p:nvGrpSpPr>
+          <p:grpSpPr>
+            <a:xfrm>
+              <a:off x="5676338" y="2717038"/>
+              <a:ext cx="312349" cy="252979"/>
+              <a:chOff x="9015959" y="4587888"/>
+              <a:chExt cx="420764" cy="340787"/>
+            </a:xfrm>
+          </p:grpSpPr>
+          <p:sp>
+            <p:nvSpPr>
+              <p:cNvPr id="109" name="Rectangle 108"/>
+              <p:cNvSpPr/>
+              <p:nvPr/>
+            </p:nvSpPr>
+            <p:spPr>
+              <a:xfrm>
+                <a:off x="9015959" y="4587888"/>
+                <a:ext cx="420764" cy="340787"/>
+              </a:xfrm>
+              <a:prstGeom prst="rect">
+                <a:avLst/>
+              </a:prstGeom>
+              <a:noFill/>
+              <a:ln w="25400"/>
+            </p:spPr>
+            <p:style>
+              <a:lnRef idx="2">
+                <a:schemeClr val="accent1">
+                  <a:shade val="50000"/>
+                </a:schemeClr>
+              </a:lnRef>
+              <a:fillRef idx="1">
+                <a:schemeClr val="accent1"/>
+              </a:fillRef>
+              <a:effectRef idx="0">
+                <a:schemeClr val="accent1"/>
+              </a:effectRef>
+              <a:fontRef idx="minor">
+                <a:schemeClr val="lt1"/>
+              </a:fontRef>
+            </p:style>
+            <p:txBody>
+              <a:bodyPr rtlCol="0" anchor="ctr"/>
+              <a:lstStyle/>
+              <a:p>
+                <a:pPr algn="ctr"/>
+                <a:endParaRPr lang="en-US" sz="1050"/>
+              </a:p>
+            </p:txBody>
+          </p:sp>
+          <p:grpSp>
+            <p:nvGrpSpPr>
+              <p:cNvPr id="110" name="Group 109"/>
+              <p:cNvGrpSpPr/>
+              <p:nvPr/>
+            </p:nvGrpSpPr>
+            <p:grpSpPr>
+              <a:xfrm>
+                <a:off x="9261059" y="4690045"/>
+                <a:ext cx="123069" cy="75870"/>
+                <a:chOff x="4783309" y="3634526"/>
+                <a:chExt cx="123069" cy="75870"/>
+              </a:xfrm>
+            </p:grpSpPr>
+            <p:cxnSp>
+              <p:nvCxnSpPr>
+                <p:cNvPr id="112" name="Straight Connector 111"/>
+                <p:cNvCxnSpPr/>
+                <p:nvPr/>
+              </p:nvCxnSpPr>
+              <p:spPr>
+                <a:xfrm>
+                  <a:off x="4783309" y="3634526"/>
+                  <a:ext cx="123069" cy="0"/>
+                </a:xfrm>
+                <a:prstGeom prst="line">
+                  <a:avLst/>
+                </a:prstGeom>
+                <a:ln w="25400"/>
+              </p:spPr>
+              <p:style>
+                <a:lnRef idx="1">
+                  <a:schemeClr val="accent1"/>
+                </a:lnRef>
+                <a:fillRef idx="0">
+                  <a:schemeClr val="accent1"/>
+                </a:fillRef>
+                <a:effectRef idx="0">
+                  <a:schemeClr val="accent1"/>
+                </a:effectRef>
+                <a:fontRef idx="minor">
+                  <a:schemeClr val="tx1"/>
+                </a:fontRef>
+              </p:style>
+            </p:cxnSp>
+            <p:cxnSp>
+              <p:nvCxnSpPr>
+                <p:cNvPr id="113" name="Straight Connector 112"/>
+                <p:cNvCxnSpPr/>
+                <p:nvPr/>
+              </p:nvCxnSpPr>
+              <p:spPr>
+                <a:xfrm>
+                  <a:off x="4783309" y="3672462"/>
+                  <a:ext cx="123069" cy="0"/>
+                </a:xfrm>
+                <a:prstGeom prst="line">
+                  <a:avLst/>
+                </a:prstGeom>
+                <a:ln w="25400"/>
+              </p:spPr>
+              <p:style>
+                <a:lnRef idx="1">
+                  <a:schemeClr val="accent1"/>
+                </a:lnRef>
+                <a:fillRef idx="0">
+                  <a:schemeClr val="accent1"/>
+                </a:fillRef>
+                <a:effectRef idx="0">
+                  <a:schemeClr val="accent1"/>
+                </a:effectRef>
+                <a:fontRef idx="minor">
+                  <a:schemeClr val="tx1"/>
+                </a:fontRef>
+              </p:style>
+            </p:cxnSp>
+            <p:cxnSp>
+              <p:nvCxnSpPr>
+                <p:cNvPr id="114" name="Straight Connector 113"/>
+                <p:cNvCxnSpPr/>
+                <p:nvPr/>
+              </p:nvCxnSpPr>
+              <p:spPr>
+                <a:xfrm>
+                  <a:off x="4783309" y="3710396"/>
+                  <a:ext cx="123069" cy="0"/>
+                </a:xfrm>
+                <a:prstGeom prst="line">
+                  <a:avLst/>
+                </a:prstGeom>
+                <a:ln w="25400"/>
+              </p:spPr>
+              <p:style>
+                <a:lnRef idx="1">
+                  <a:schemeClr val="accent1"/>
+                </a:lnRef>
+                <a:fillRef idx="0">
+                  <a:schemeClr val="accent1"/>
+                </a:fillRef>
+                <a:effectRef idx="0">
+                  <a:schemeClr val="accent1"/>
+                </a:effectRef>
+                <a:fontRef idx="minor">
+                  <a:schemeClr val="tx1"/>
+                </a:fontRef>
+              </p:style>
+            </p:cxnSp>
+          </p:grpSp>
+          <p:sp>
+            <p:nvSpPr>
+              <p:cNvPr id="111" name="Rounded Rectangle 110"/>
+              <p:cNvSpPr/>
+              <p:nvPr/>
+            </p:nvSpPr>
+            <p:spPr>
+              <a:xfrm>
+                <a:off x="9059604" y="4675660"/>
+                <a:ext cx="166737" cy="165241"/>
+              </a:xfrm>
+              <a:prstGeom prst="roundRect">
+                <a:avLst/>
+              </a:prstGeom>
+              <a:solidFill>
+                <a:srgbClr val="4372C4"/>
+              </a:solidFill>
+              <a:ln w="12700" cap="flat" cmpd="sng" algn="ctr">
+                <a:solidFill>
+                  <a:schemeClr val="tx2"/>
+                </a:solidFill>
+                <a:prstDash val="solid"/>
+              </a:ln>
+              <a:effectLst>
+                <a:outerShdw blurRad="40000" dist="23000" dir="5400000" rotWithShape="0">
+                  <a:srgbClr val="000000">
+                    <a:alpha val="35000"/>
+                  </a:srgbClr>
+                </a:outerShdw>
+              </a:effectLst>
+            </p:spPr>
+            <p:txBody>
+              <a:bodyPr tIns="36000" bIns="36000" rtlCol="0" anchor="ctr"/>
+              <a:lstStyle/>
+              <a:p>
+                <a:pPr marL="0" marR="0" lvl="0" indent="0" algn="ctr" defTabSz="457200" eaLnBrk="1" fontAlgn="auto" latinLnBrk="0" hangingPunct="1">
+                  <a:lnSpc>
+                    <a:spcPct val="100000"/>
+                  </a:lnSpc>
+                  <a:spcBef>
+                    <a:spcPts val="0"/>
+                  </a:spcBef>
+                  <a:spcAft>
+                    <a:spcPts val="0"/>
+                  </a:spcAft>
+                  <a:buClrTx/>
+                  <a:buSzTx/>
+                  <a:buFontTx/>
+                  <a:buNone/>
+                  <a:tabLst/>
+                  <a:defRPr/>
+                </a:pPr>
+                <a:r>
+                  <a:rPr lang="en-US" sz="1000" b="1" kern="0" dirty="0">
+                    <a:solidFill>
+                      <a:schemeClr val="bg1"/>
+                    </a:solidFill>
+                    <a:ea typeface=""/>
+                    <a:cs typeface=""/>
+                  </a:rPr>
+                  <a:t>I</a:t>
+                </a:r>
+                <a:endParaRPr kumimoji="0" lang="en-US" sz="1000" b="1" i="0" u="none" strike="noStrike" kern="0" cap="none" spc="0" normalizeH="0" baseline="0" noProof="0" dirty="0" smtClean="0">
+                  <a:ln>
+                    <a:noFill/>
+                  </a:ln>
+                  <a:solidFill>
+                    <a:schemeClr val="bg1"/>
+                  </a:solidFill>
+                  <a:effectLst/>
+                  <a:uLnTx/>
+                  <a:uFillTx/>
+                  <a:ea typeface=""/>
+                  <a:cs typeface=""/>
+                </a:endParaRPr>
+              </a:p>
+            </p:txBody>
+          </p:sp>
+        </p:grpSp>
+        <p:sp>
+          <p:nvSpPr>
+            <p:cNvPr id="108" name="7-Point Star 107"/>
+            <p:cNvSpPr/>
+            <p:nvPr/>
+          </p:nvSpPr>
+          <p:spPr>
+            <a:xfrm>
+              <a:off x="5834851" y="2902584"/>
+              <a:ext cx="138226" cy="138226"/>
+            </a:xfrm>
+            <a:prstGeom prst="star7">
+              <a:avLst/>
+            </a:prstGeom>
+            <a:solidFill>
+              <a:schemeClr val="bg1"/>
+            </a:solidFill>
+          </p:spPr>
+          <p:style>
+            <a:lnRef idx="2">
+              <a:schemeClr val="accent1">
+                <a:shade val="50000"/>
+              </a:schemeClr>
+            </a:lnRef>
+            <a:fillRef idx="1">
+              <a:schemeClr val="accent1"/>
+            </a:fillRef>
+            <a:effectRef idx="0">
+              <a:schemeClr val="accent1"/>
+            </a:effectRef>
+            <a:fontRef idx="minor">
+              <a:schemeClr val="lt1"/>
+            </a:fontRef>
+          </p:style>
+          <p:txBody>
+            <a:bodyPr rtlCol="0" anchor="ctr"/>
+            <a:lstStyle/>
+            <a:p>
+              <a:pPr algn="ctr"/>
+              <a:endParaRPr lang="en-US"/>
+            </a:p>
+          </p:txBody>
+        </p:sp>
+      </p:grpSp>
+      <p:grpSp>
+        <p:nvGrpSpPr>
+          <p:cNvPr id="115" name="Group 114"/>
+          <p:cNvGrpSpPr/>
+          <p:nvPr/>
+        </p:nvGrpSpPr>
+        <p:grpSpPr>
+          <a:xfrm>
+            <a:off x="8248942" y="2322304"/>
+            <a:ext cx="638498" cy="661849"/>
+            <a:chOff x="5676338" y="2717038"/>
+            <a:chExt cx="312349" cy="323772"/>
+          </a:xfrm>
+        </p:grpSpPr>
+        <p:grpSp>
+          <p:nvGrpSpPr>
+            <p:cNvPr id="116" name="Group 115"/>
+            <p:cNvGrpSpPr/>
+            <p:nvPr/>
+          </p:nvGrpSpPr>
+          <p:grpSpPr>
+            <a:xfrm>
+              <a:off x="5676338" y="2717038"/>
+              <a:ext cx="312349" cy="252979"/>
+              <a:chOff x="9015959" y="4587888"/>
+              <a:chExt cx="420764" cy="340787"/>
+            </a:xfrm>
+          </p:grpSpPr>
+          <p:sp>
+            <p:nvSpPr>
+              <p:cNvPr id="118" name="Rectangle 117"/>
+              <p:cNvSpPr/>
+              <p:nvPr/>
+            </p:nvSpPr>
+            <p:spPr>
+              <a:xfrm>
+                <a:off x="9015959" y="4587888"/>
+                <a:ext cx="420764" cy="340787"/>
+              </a:xfrm>
+              <a:prstGeom prst="rect">
+                <a:avLst/>
+              </a:prstGeom>
+              <a:noFill/>
+              <a:ln w="25400"/>
+            </p:spPr>
+            <p:style>
+              <a:lnRef idx="2">
+                <a:schemeClr val="accent1">
+                  <a:shade val="50000"/>
+                </a:schemeClr>
+              </a:lnRef>
+              <a:fillRef idx="1">
+                <a:schemeClr val="accent1"/>
+              </a:fillRef>
+              <a:effectRef idx="0">
+                <a:schemeClr val="accent1"/>
+              </a:effectRef>
+              <a:fontRef idx="minor">
+                <a:schemeClr val="lt1"/>
+              </a:fontRef>
+            </p:style>
+            <p:txBody>
+              <a:bodyPr rtlCol="0" anchor="ctr"/>
+              <a:lstStyle/>
+              <a:p>
+                <a:pPr algn="ctr"/>
+                <a:endParaRPr lang="en-US" sz="1050"/>
+              </a:p>
+            </p:txBody>
+          </p:sp>
+          <p:grpSp>
+            <p:nvGrpSpPr>
+              <p:cNvPr id="119" name="Group 118"/>
+              <p:cNvGrpSpPr/>
+              <p:nvPr/>
+            </p:nvGrpSpPr>
+            <p:grpSpPr>
+              <a:xfrm>
+                <a:off x="9261059" y="4690045"/>
+                <a:ext cx="123069" cy="75870"/>
+                <a:chOff x="4783309" y="3634526"/>
+                <a:chExt cx="123069" cy="75870"/>
+              </a:xfrm>
+            </p:grpSpPr>
+            <p:cxnSp>
+              <p:nvCxnSpPr>
+                <p:cNvPr id="121" name="Straight Connector 120"/>
+                <p:cNvCxnSpPr/>
+                <p:nvPr/>
+              </p:nvCxnSpPr>
+              <p:spPr>
+                <a:xfrm>
+                  <a:off x="4783309" y="3634526"/>
+                  <a:ext cx="123069" cy="0"/>
+                </a:xfrm>
+                <a:prstGeom prst="line">
+                  <a:avLst/>
+                </a:prstGeom>
+                <a:ln w="25400"/>
+              </p:spPr>
+              <p:style>
+                <a:lnRef idx="1">
+                  <a:schemeClr val="accent1"/>
+                </a:lnRef>
+                <a:fillRef idx="0">
+                  <a:schemeClr val="accent1"/>
+                </a:fillRef>
+                <a:effectRef idx="0">
+                  <a:schemeClr val="accent1"/>
+                </a:effectRef>
+                <a:fontRef idx="minor">
+                  <a:schemeClr val="tx1"/>
+                </a:fontRef>
+              </p:style>
+            </p:cxnSp>
+            <p:cxnSp>
+              <p:nvCxnSpPr>
+                <p:cNvPr id="122" name="Straight Connector 121"/>
+                <p:cNvCxnSpPr/>
+                <p:nvPr/>
+              </p:nvCxnSpPr>
+              <p:spPr>
+                <a:xfrm>
+                  <a:off x="4783309" y="3672462"/>
+                  <a:ext cx="123069" cy="0"/>
+                </a:xfrm>
+                <a:prstGeom prst="line">
+                  <a:avLst/>
+                </a:prstGeom>
+                <a:ln w="25400"/>
+              </p:spPr>
+              <p:style>
+                <a:lnRef idx="1">
+                  <a:schemeClr val="accent1"/>
+                </a:lnRef>
+                <a:fillRef idx="0">
+                  <a:schemeClr val="accent1"/>
+                </a:fillRef>
+                <a:effectRef idx="0">
+                  <a:schemeClr val="accent1"/>
+                </a:effectRef>
+                <a:fontRef idx="minor">
+                  <a:schemeClr val="tx1"/>
+                </a:fontRef>
+              </p:style>
+            </p:cxnSp>
+            <p:cxnSp>
+              <p:nvCxnSpPr>
+                <p:cNvPr id="123" name="Straight Connector 122"/>
+                <p:cNvCxnSpPr/>
+                <p:nvPr/>
+              </p:nvCxnSpPr>
+              <p:spPr>
+                <a:xfrm>
+                  <a:off x="4783309" y="3710396"/>
+                  <a:ext cx="123069" cy="0"/>
+                </a:xfrm>
+                <a:prstGeom prst="line">
+                  <a:avLst/>
+                </a:prstGeom>
+                <a:ln w="25400"/>
+              </p:spPr>
+              <p:style>
+                <a:lnRef idx="1">
+                  <a:schemeClr val="accent1"/>
+                </a:lnRef>
+                <a:fillRef idx="0">
+                  <a:schemeClr val="accent1"/>
+                </a:fillRef>
+                <a:effectRef idx="0">
+                  <a:schemeClr val="accent1"/>
+                </a:effectRef>
+                <a:fontRef idx="minor">
+                  <a:schemeClr val="tx1"/>
+                </a:fontRef>
+              </p:style>
+            </p:cxnSp>
+          </p:grpSp>
+          <p:sp>
+            <p:nvSpPr>
+              <p:cNvPr id="120" name="Rounded Rectangle 119"/>
+              <p:cNvSpPr/>
+              <p:nvPr/>
+            </p:nvSpPr>
+            <p:spPr>
+              <a:xfrm>
+                <a:off x="9059604" y="4675660"/>
+                <a:ext cx="166737" cy="165241"/>
+              </a:xfrm>
+              <a:prstGeom prst="roundRect">
+                <a:avLst/>
+              </a:prstGeom>
+              <a:solidFill>
+                <a:srgbClr val="4372C4"/>
+              </a:solidFill>
+              <a:ln w="12700" cap="flat" cmpd="sng" algn="ctr">
+                <a:solidFill>
+                  <a:schemeClr val="tx2"/>
+                </a:solidFill>
+                <a:prstDash val="solid"/>
+              </a:ln>
+              <a:effectLst>
+                <a:outerShdw blurRad="40000" dist="23000" dir="5400000" rotWithShape="0">
+                  <a:srgbClr val="000000">
+                    <a:alpha val="35000"/>
+                  </a:srgbClr>
+                </a:outerShdw>
+              </a:effectLst>
+            </p:spPr>
+            <p:txBody>
+              <a:bodyPr tIns="36000" bIns="36000" rtlCol="0" anchor="ctr"/>
+              <a:lstStyle/>
+              <a:p>
+                <a:pPr marL="0" marR="0" lvl="0" indent="0" algn="ctr" defTabSz="457200" eaLnBrk="1" fontAlgn="auto" latinLnBrk="0" hangingPunct="1">
+                  <a:lnSpc>
+                    <a:spcPct val="100000"/>
+                  </a:lnSpc>
+                  <a:spcBef>
+                    <a:spcPts val="0"/>
+                  </a:spcBef>
+                  <a:spcAft>
+                    <a:spcPts val="0"/>
+                  </a:spcAft>
+                  <a:buClrTx/>
+                  <a:buSzTx/>
+                  <a:buFontTx/>
+                  <a:buNone/>
+                  <a:tabLst/>
+                  <a:defRPr/>
+                </a:pPr>
+                <a:r>
+                  <a:rPr lang="en-US" sz="1000" b="1" kern="0" dirty="0">
+                    <a:solidFill>
+                      <a:schemeClr val="bg1"/>
+                    </a:solidFill>
+                    <a:ea typeface=""/>
+                    <a:cs typeface=""/>
+                  </a:rPr>
+                  <a:t>I</a:t>
+                </a:r>
+                <a:endParaRPr kumimoji="0" lang="en-US" sz="1000" b="1" i="0" u="none" strike="noStrike" kern="0" cap="none" spc="0" normalizeH="0" baseline="0" noProof="0" dirty="0" smtClean="0">
+                  <a:ln>
+                    <a:noFill/>
+                  </a:ln>
+                  <a:solidFill>
+                    <a:schemeClr val="bg1"/>
+                  </a:solidFill>
+                  <a:effectLst/>
+                  <a:uLnTx/>
+                  <a:uFillTx/>
+                  <a:ea typeface=""/>
+                  <a:cs typeface=""/>
+                </a:endParaRPr>
+              </a:p>
+            </p:txBody>
+          </p:sp>
+        </p:grpSp>
+        <p:sp>
+          <p:nvSpPr>
+            <p:cNvPr id="117" name="7-Point Star 116"/>
+            <p:cNvSpPr/>
+            <p:nvPr/>
+          </p:nvSpPr>
+          <p:spPr>
+            <a:xfrm>
+              <a:off x="5834851" y="2902584"/>
+              <a:ext cx="138226" cy="138226"/>
+            </a:xfrm>
+            <a:prstGeom prst="star7">
+              <a:avLst/>
+            </a:prstGeom>
+            <a:solidFill>
+              <a:schemeClr val="bg1"/>
+            </a:solidFill>
+          </p:spPr>
+          <p:style>
+            <a:lnRef idx="2">
+              <a:schemeClr val="accent1">
+                <a:shade val="50000"/>
+              </a:schemeClr>
+            </a:lnRef>
+            <a:fillRef idx="1">
+              <a:schemeClr val="accent1"/>
+            </a:fillRef>
+            <a:effectRef idx="0">
+              <a:schemeClr val="accent1"/>
+            </a:effectRef>
+            <a:fontRef idx="minor">
+              <a:schemeClr val="lt1"/>
+            </a:fontRef>
+          </p:style>
+          <p:txBody>
+            <a:bodyPr rtlCol="0" anchor="ctr"/>
+            <a:lstStyle/>
+            <a:p>
+              <a:pPr algn="ctr"/>
+              <a:endParaRPr lang="en-US"/>
+            </a:p>
+          </p:txBody>
+        </p:sp>
+      </p:grpSp>
+      <p:cxnSp>
+        <p:nvCxnSpPr>
+          <p:cNvPr id="7" name="Elbow Connector 6"/>
+          <p:cNvCxnSpPr>
+            <a:stCxn id="91" idx="3"/>
+            <a:endCxn id="100" idx="0"/>
+          </p:cNvCxnSpPr>
+          <p:nvPr/>
+        </p:nvCxnSpPr>
+        <p:spPr>
+          <a:xfrm flipV="1">
+            <a:off x="3214879" y="2322304"/>
+            <a:ext cx="1567132" cy="258568"/>
+          </a:xfrm>
+          <a:prstGeom prst="bentConnector4">
+            <a:avLst>
+              <a:gd name="adj1" fmla="val 39814"/>
+              <a:gd name="adj2" fmla="val 188410"/>
+            </a:avLst>
+          </a:prstGeom>
+          <a:ln w="28575">
+            <a:solidFill>
+              <a:srgbClr val="4372C4"/>
+            </a:solidFill>
+            <a:tailEnd type="triangle"/>
+          </a:ln>
+        </p:spPr>
+        <p:style>
+          <a:lnRef idx="1">
+            <a:schemeClr val="accent1"/>
+          </a:lnRef>
+          <a:fillRef idx="0">
+            <a:schemeClr val="accent1"/>
+          </a:fillRef>
+          <a:effectRef idx="0">
+            <a:schemeClr val="accent1"/>
+          </a:effectRef>
+          <a:fontRef idx="minor">
+            <a:schemeClr val="tx1"/>
+          </a:fontRef>
+        </p:style>
+      </p:cxnSp>
+      <p:cxnSp>
+        <p:nvCxnSpPr>
+          <p:cNvPr id="128" name="Elbow Connector 127"/>
+          <p:cNvCxnSpPr>
+            <a:stCxn id="100" idx="3"/>
+            <a:endCxn id="109" idx="0"/>
+          </p:cNvCxnSpPr>
+          <p:nvPr/>
+        </p:nvCxnSpPr>
+        <p:spPr>
+          <a:xfrm flipV="1">
+            <a:off x="5101260" y="2322304"/>
+            <a:ext cx="1573841" cy="258568"/>
+          </a:xfrm>
+          <a:prstGeom prst="bentConnector4">
+            <a:avLst>
+              <a:gd name="adj1" fmla="val 39858"/>
+              <a:gd name="adj2" fmla="val 188410"/>
+            </a:avLst>
+          </a:prstGeom>
+          <a:ln w="28575">
+            <a:solidFill>
+              <a:srgbClr val="4372C4"/>
+            </a:solidFill>
+            <a:tailEnd type="triangle"/>
+          </a:ln>
+        </p:spPr>
+        <p:style>
+          <a:lnRef idx="1">
+            <a:schemeClr val="accent1"/>
+          </a:lnRef>
+          <a:fillRef idx="0">
+            <a:schemeClr val="accent1"/>
+          </a:fillRef>
+          <a:effectRef idx="0">
+            <a:schemeClr val="accent1"/>
+          </a:effectRef>
+          <a:fontRef idx="minor">
+            <a:schemeClr val="tx1"/>
+          </a:fontRef>
+        </p:style>
+      </p:cxnSp>
+      <p:cxnSp>
+        <p:nvCxnSpPr>
+          <p:cNvPr id="133" name="Elbow Connector 132"/>
+          <p:cNvCxnSpPr>
+            <a:stCxn id="109" idx="3"/>
+            <a:endCxn id="118" idx="0"/>
+          </p:cNvCxnSpPr>
+          <p:nvPr/>
+        </p:nvCxnSpPr>
+        <p:spPr>
+          <a:xfrm flipV="1">
+            <a:off x="6994350" y="2322304"/>
+            <a:ext cx="1573841" cy="258568"/>
+          </a:xfrm>
+          <a:prstGeom prst="bentConnector4">
+            <a:avLst>
+              <a:gd name="adj1" fmla="val 39858"/>
+              <a:gd name="adj2" fmla="val 188410"/>
+            </a:avLst>
+          </a:prstGeom>
+          <a:ln w="28575">
+            <a:solidFill>
+              <a:srgbClr val="4372C4"/>
+            </a:solidFill>
+            <a:tailEnd type="triangle"/>
+          </a:ln>
+        </p:spPr>
+        <p:style>
+          <a:lnRef idx="1">
+            <a:schemeClr val="accent1"/>
+          </a:lnRef>
+          <a:fillRef idx="0">
+            <a:schemeClr val="accent1"/>
+          </a:fillRef>
+          <a:effectRef idx="0">
+            <a:schemeClr val="accent1"/>
+          </a:effectRef>
+          <a:fontRef idx="minor">
+            <a:schemeClr val="tx1"/>
+          </a:fontRef>
+        </p:style>
+      </p:cxnSp>
+      <p:cxnSp>
+        <p:nvCxnSpPr>
+          <p:cNvPr id="37" name="Curved Connector 36"/>
+          <p:cNvCxnSpPr/>
+          <p:nvPr/>
+        </p:nvCxnSpPr>
+        <p:spPr>
+          <a:xfrm rot="16200000" flipH="1">
+            <a:off x="2843483" y="2120676"/>
+            <a:ext cx="30613" cy="392929"/>
+          </a:xfrm>
+          <a:prstGeom prst="curvedConnector4">
+            <a:avLst>
+              <a:gd name="adj1" fmla="val -746742"/>
+              <a:gd name="adj2" fmla="val 90624"/>
+            </a:avLst>
+          </a:prstGeom>
+          <a:ln w="28575">
+            <a:solidFill>
+              <a:srgbClr val="4372C4"/>
+            </a:solidFill>
+            <a:tailEnd type="triangle" w="med" len="med"/>
+          </a:ln>
+        </p:spPr>
+        <p:style>
+          <a:lnRef idx="1">
+            <a:schemeClr val="accent1"/>
+          </a:lnRef>
+          <a:fillRef idx="0">
+            <a:schemeClr val="accent1"/>
+          </a:fillRef>
+          <a:effectRef idx="0">
+            <a:schemeClr val="accent1"/>
+          </a:effectRef>
+          <a:fontRef idx="minor">
+            <a:schemeClr val="tx1"/>
+          </a:fontRef>
+        </p:style>
+      </p:cxnSp>
+      <p:sp>
+        <p:nvSpPr>
+          <p:cNvPr id="38" name="TextBox 37"/>
+          <p:cNvSpPr txBox="1"/>
+          <p:nvPr/>
+        </p:nvSpPr>
+        <p:spPr>
+          <a:xfrm>
+            <a:off x="1746851" y="1884198"/>
+            <a:ext cx="818374" cy="646331"/>
+          </a:xfrm>
+          <a:prstGeom prst="rect">
+            <a:avLst/>
+          </a:prstGeom>
+          <a:noFill/>
+        </p:spPr>
+        <p:txBody>
+          <a:bodyPr wrap="square" rtlCol="0">
+            <a:spAutoFit/>
+          </a:bodyPr>
+          <a:lstStyle/>
+          <a:p>
+            <a:pPr algn="ctr"/>
+            <a:r>
+              <a:rPr lang="en-US" sz="1200" dirty="0" smtClean="0"/>
+              <a:t>RCA signs own certificate</a:t>
+            </a:r>
+            <a:endParaRPr lang="en-US" sz="1200" dirty="0"/>
+          </a:p>
+        </p:txBody>
+      </p:sp>
+      <p:sp>
+        <p:nvSpPr>
+          <p:cNvPr id="149" name="TextBox 148"/>
+          <p:cNvSpPr txBox="1"/>
+          <p:nvPr/>
+        </p:nvSpPr>
+        <p:spPr>
+          <a:xfrm>
+            <a:off x="3316624" y="1593379"/>
+            <a:ext cx="1146138" cy="461665"/>
+          </a:xfrm>
+          <a:prstGeom prst="rect">
+            <a:avLst/>
+          </a:prstGeom>
+          <a:noFill/>
+        </p:spPr>
+        <p:txBody>
+          <a:bodyPr wrap="square" rtlCol="0">
+            <a:spAutoFit/>
+          </a:bodyPr>
+          <a:lstStyle/>
+          <a:p>
+            <a:pPr algn="ctr"/>
+            <a:r>
+              <a:rPr lang="en-US" sz="1200" smtClean="0"/>
+              <a:t>RCA signs </a:t>
+            </a:r>
+            <a:r>
+              <a:rPr lang="en-US" sz="1200" dirty="0" smtClean="0"/>
+              <a:t>ICA1 certificate</a:t>
+            </a:r>
+            <a:endParaRPr lang="en-US" sz="1200" dirty="0"/>
+          </a:p>
+        </p:txBody>
+      </p:sp>
+      <p:sp>
+        <p:nvSpPr>
+          <p:cNvPr id="161" name="TextBox 160"/>
+          <p:cNvSpPr txBox="1"/>
+          <p:nvPr/>
+        </p:nvSpPr>
+        <p:spPr>
+          <a:xfrm>
+            <a:off x="5189129" y="1593379"/>
+            <a:ext cx="1146138" cy="461665"/>
+          </a:xfrm>
+          <a:prstGeom prst="rect">
+            <a:avLst/>
+          </a:prstGeom>
+          <a:noFill/>
+        </p:spPr>
+        <p:txBody>
+          <a:bodyPr wrap="square" rtlCol="0">
+            <a:spAutoFit/>
+          </a:bodyPr>
+          <a:lstStyle/>
+          <a:p>
+            <a:pPr algn="ctr"/>
+            <a:r>
+              <a:rPr lang="en-US" sz="1200" dirty="0" smtClean="0"/>
+              <a:t>ICA1 signs ICA2 certificate</a:t>
+            </a:r>
+            <a:endParaRPr lang="en-US" sz="1200" dirty="0"/>
+          </a:p>
+        </p:txBody>
+      </p:sp>
+      <p:sp>
+        <p:nvSpPr>
+          <p:cNvPr id="164" name="TextBox 163"/>
+          <p:cNvSpPr txBox="1"/>
+          <p:nvPr/>
+        </p:nvSpPr>
+        <p:spPr>
+          <a:xfrm>
+            <a:off x="7061634" y="1593379"/>
+            <a:ext cx="1146138" cy="461665"/>
+          </a:xfrm>
+          <a:prstGeom prst="rect">
+            <a:avLst/>
+          </a:prstGeom>
+          <a:noFill/>
+        </p:spPr>
+        <p:txBody>
+          <a:bodyPr wrap="square" rtlCol="0">
+            <a:spAutoFit/>
+          </a:bodyPr>
+          <a:lstStyle/>
+          <a:p>
+            <a:pPr algn="ctr"/>
+            <a:r>
+              <a:rPr lang="en-US" sz="1200" dirty="0" smtClean="0"/>
+              <a:t>ICA2 signs ICA3 certificate</a:t>
+            </a:r>
+            <a:endParaRPr lang="en-US" sz="1200" dirty="0"/>
+          </a:p>
+        </p:txBody>
+      </p:sp>
+      <p:grpSp>
+        <p:nvGrpSpPr>
+          <p:cNvPr id="173" name="Group 172"/>
+          <p:cNvGrpSpPr/>
+          <p:nvPr/>
+        </p:nvGrpSpPr>
+        <p:grpSpPr>
+          <a:xfrm>
+            <a:off x="2837648" y="4684746"/>
+            <a:ext cx="420764" cy="340787"/>
+            <a:chOff x="2592650" y="4960689"/>
+            <a:chExt cx="420764" cy="340787"/>
+          </a:xfrm>
+        </p:grpSpPr>
+        <p:sp>
+          <p:nvSpPr>
+            <p:cNvPr id="174" name="Rectangle 173"/>
+            <p:cNvSpPr/>
+            <p:nvPr/>
+          </p:nvSpPr>
+          <p:spPr>
+            <a:xfrm>
+              <a:off x="2592650" y="4960689"/>
+              <a:ext cx="420764" cy="340787"/>
+            </a:xfrm>
+            <a:prstGeom prst="rect">
+              <a:avLst/>
+            </a:prstGeom>
+            <a:solidFill>
+              <a:schemeClr val="bg1"/>
+            </a:solidFill>
+            <a:ln w="25400">
+              <a:solidFill>
+                <a:srgbClr val="FFC000"/>
+              </a:solidFill>
+            </a:ln>
+          </p:spPr>
+          <p:style>
+            <a:lnRef idx="2">
+              <a:schemeClr val="accent1">
+                <a:shade val="50000"/>
+              </a:schemeClr>
+            </a:lnRef>
+            <a:fillRef idx="1">
+              <a:schemeClr val="accent1"/>
+            </a:fillRef>
+            <a:effectRef idx="0">
+              <a:schemeClr val="accent1"/>
+            </a:effectRef>
+            <a:fontRef idx="minor">
+              <a:schemeClr val="lt1"/>
+            </a:fontRef>
+          </p:style>
+          <p:txBody>
+            <a:bodyPr rtlCol="0" anchor="ctr"/>
+            <a:lstStyle/>
+            <a:p>
+              <a:pPr algn="ctr"/>
+              <a:endParaRPr lang="en-US"/>
+            </a:p>
+          </p:txBody>
+        </p:sp>
+        <p:sp>
+          <p:nvSpPr>
+            <p:cNvPr id="175" name="Oval 174"/>
+            <p:cNvSpPr/>
+            <p:nvPr/>
+          </p:nvSpPr>
+          <p:spPr>
+            <a:xfrm>
+              <a:off x="2674044" y="5010525"/>
+              <a:ext cx="90264" cy="90264"/>
+            </a:xfrm>
+            <a:prstGeom prst="ellipse">
+              <a:avLst/>
+            </a:prstGeom>
+            <a:solidFill>
+              <a:srgbClr val="FFC000"/>
+            </a:solidFill>
+            <a:ln>
+              <a:solidFill>
+                <a:srgbClr val="D29500"/>
+              </a:solidFill>
+            </a:ln>
+          </p:spPr>
+          <p:style>
+            <a:lnRef idx="2">
+              <a:schemeClr val="accent1">
+                <a:shade val="50000"/>
+              </a:schemeClr>
+            </a:lnRef>
+            <a:fillRef idx="1">
+              <a:schemeClr val="accent1"/>
+            </a:fillRef>
+            <a:effectRef idx="0">
+              <a:schemeClr val="accent1"/>
+            </a:effectRef>
+            <a:fontRef idx="minor">
+              <a:schemeClr val="lt1"/>
+            </a:fontRef>
+          </p:style>
+          <p:txBody>
+            <a:bodyPr rtlCol="0" anchor="ctr"/>
+            <a:lstStyle/>
+            <a:p>
+              <a:pPr algn="ctr"/>
+              <a:endParaRPr lang="en-US"/>
+            </a:p>
+          </p:txBody>
+        </p:sp>
+        <p:sp>
+          <p:nvSpPr>
+            <p:cNvPr id="176" name="Round Same Side Corner Rectangle 175"/>
+            <p:cNvSpPr/>
+            <p:nvPr/>
+          </p:nvSpPr>
+          <p:spPr>
+            <a:xfrm>
+              <a:off x="2643743" y="5100789"/>
+              <a:ext cx="150866" cy="150866"/>
+            </a:xfrm>
+            <a:prstGeom prst="round2SameRect">
+              <a:avLst>
+                <a:gd name="adj1" fmla="val 49716"/>
+                <a:gd name="adj2" fmla="val 0"/>
+              </a:avLst>
+            </a:prstGeom>
+            <a:solidFill>
+              <a:srgbClr val="FFC000"/>
+            </a:solidFill>
+            <a:ln>
+              <a:solidFill>
+                <a:srgbClr val="D29500"/>
+              </a:solidFill>
+            </a:ln>
+          </p:spPr>
+          <p:style>
+            <a:lnRef idx="2">
+              <a:schemeClr val="accent1">
+                <a:shade val="50000"/>
+              </a:schemeClr>
+            </a:lnRef>
+            <a:fillRef idx="1">
+              <a:schemeClr val="accent1"/>
+            </a:fillRef>
+            <a:effectRef idx="0">
+              <a:schemeClr val="accent1"/>
+            </a:effectRef>
+            <a:fontRef idx="minor">
+              <a:schemeClr val="lt1"/>
+            </a:fontRef>
+          </p:style>
+          <p:txBody>
+            <a:bodyPr rtlCol="0" anchor="ctr"/>
+            <a:lstStyle/>
+            <a:p>
+              <a:pPr algn="ctr"/>
+              <a:r>
+                <a:rPr lang="en-US" sz="1050" dirty="0" smtClean="0"/>
+                <a:t>B</a:t>
+              </a:r>
+              <a:endParaRPr lang="en-US" sz="4000" dirty="0"/>
+            </a:p>
+          </p:txBody>
+        </p:sp>
+        <p:cxnSp>
+          <p:nvCxnSpPr>
+            <p:cNvPr id="177" name="Straight Connector 176"/>
+            <p:cNvCxnSpPr/>
+            <p:nvPr/>
+          </p:nvCxnSpPr>
+          <p:spPr>
+            <a:xfrm>
+              <a:off x="2824919" y="5062846"/>
+              <a:ext cx="123069" cy="0"/>
+            </a:xfrm>
+            <a:prstGeom prst="line">
+              <a:avLst/>
+            </a:prstGeom>
+            <a:ln w="25400">
+              <a:solidFill>
+                <a:srgbClr val="FFC000"/>
+              </a:solidFill>
+            </a:ln>
+          </p:spPr>
+          <p:style>
+            <a:lnRef idx="1">
+              <a:schemeClr val="accent1"/>
+            </a:lnRef>
+            <a:fillRef idx="0">
+              <a:schemeClr val="accent1"/>
+            </a:fillRef>
+            <a:effectRef idx="0">
+              <a:schemeClr val="accent1"/>
+            </a:effectRef>
+            <a:fontRef idx="minor">
+              <a:schemeClr val="tx1"/>
+            </a:fontRef>
+          </p:style>
+        </p:cxnSp>
+        <p:cxnSp>
+          <p:nvCxnSpPr>
+            <p:cNvPr id="178" name="Straight Connector 177"/>
+            <p:cNvCxnSpPr/>
+            <p:nvPr/>
+          </p:nvCxnSpPr>
+          <p:spPr>
+            <a:xfrm>
+              <a:off x="2824919" y="5100781"/>
+              <a:ext cx="123069" cy="0"/>
+            </a:xfrm>
+            <a:prstGeom prst="line">
+              <a:avLst/>
+            </a:prstGeom>
+            <a:ln w="25400">
+              <a:solidFill>
+                <a:srgbClr val="FFC000"/>
+              </a:solidFill>
+            </a:ln>
+          </p:spPr>
+          <p:style>
+            <a:lnRef idx="1">
+              <a:schemeClr val="accent1"/>
+            </a:lnRef>
+            <a:fillRef idx="0">
+              <a:schemeClr val="accent1"/>
+            </a:fillRef>
+            <a:effectRef idx="0">
+              <a:schemeClr val="accent1"/>
+            </a:effectRef>
+            <a:fontRef idx="minor">
+              <a:schemeClr val="tx1"/>
+            </a:fontRef>
+          </p:style>
+        </p:cxnSp>
+        <p:cxnSp>
+          <p:nvCxnSpPr>
+            <p:cNvPr id="179" name="Straight Connector 178"/>
+            <p:cNvCxnSpPr/>
+            <p:nvPr/>
+          </p:nvCxnSpPr>
+          <p:spPr>
+            <a:xfrm>
+              <a:off x="2824919" y="5138716"/>
+              <a:ext cx="123069" cy="0"/>
+            </a:xfrm>
+            <a:prstGeom prst="line">
+              <a:avLst/>
+            </a:prstGeom>
+            <a:ln w="25400">
+              <a:solidFill>
+                <a:srgbClr val="FFC000"/>
+              </a:solidFill>
+            </a:ln>
+          </p:spPr>
+          <p:style>
+            <a:lnRef idx="1">
+              <a:schemeClr val="accent1"/>
+            </a:lnRef>
+            <a:fillRef idx="0">
+              <a:schemeClr val="accent1"/>
+            </a:fillRef>
+            <a:effectRef idx="0">
+              <a:schemeClr val="accent1"/>
+            </a:effectRef>
+            <a:fontRef idx="minor">
+              <a:schemeClr val="tx1"/>
+            </a:fontRef>
+          </p:style>
+        </p:cxnSp>
+      </p:grpSp>
+      <p:grpSp>
+        <p:nvGrpSpPr>
+          <p:cNvPr id="180" name="Group 179"/>
+          <p:cNvGrpSpPr/>
+          <p:nvPr/>
+        </p:nvGrpSpPr>
+        <p:grpSpPr>
+          <a:xfrm>
+            <a:off x="2990048" y="4837146"/>
+            <a:ext cx="420764" cy="340787"/>
+            <a:chOff x="2592650" y="4960689"/>
+            <a:chExt cx="420764" cy="340787"/>
+          </a:xfrm>
+        </p:grpSpPr>
+        <p:sp>
+          <p:nvSpPr>
+            <p:cNvPr id="181" name="Rectangle 180"/>
+            <p:cNvSpPr/>
+            <p:nvPr/>
+          </p:nvSpPr>
+          <p:spPr>
+            <a:xfrm>
+              <a:off x="2592650" y="4960689"/>
+              <a:ext cx="420764" cy="340787"/>
+            </a:xfrm>
+            <a:prstGeom prst="rect">
+              <a:avLst/>
+            </a:prstGeom>
+            <a:solidFill>
+              <a:schemeClr val="bg1"/>
+            </a:solidFill>
+            <a:ln w="25400">
+              <a:solidFill>
+                <a:srgbClr val="FFC000"/>
+              </a:solidFill>
+            </a:ln>
+          </p:spPr>
+          <p:style>
+            <a:lnRef idx="2">
+              <a:schemeClr val="accent1">
+                <a:shade val="50000"/>
+              </a:schemeClr>
+            </a:lnRef>
+            <a:fillRef idx="1">
+              <a:schemeClr val="accent1"/>
+            </a:fillRef>
+            <a:effectRef idx="0">
+              <a:schemeClr val="accent1"/>
+            </a:effectRef>
+            <a:fontRef idx="minor">
+              <a:schemeClr val="lt1"/>
+            </a:fontRef>
+          </p:style>
+          <p:txBody>
+            <a:bodyPr rtlCol="0" anchor="ctr"/>
+            <a:lstStyle/>
+            <a:p>
+              <a:pPr algn="ctr"/>
+              <a:endParaRPr lang="en-US"/>
+            </a:p>
+          </p:txBody>
+        </p:sp>
+        <p:sp>
+          <p:nvSpPr>
+            <p:cNvPr id="182" name="Oval 181"/>
+            <p:cNvSpPr/>
+            <p:nvPr/>
+          </p:nvSpPr>
+          <p:spPr>
+            <a:xfrm>
+              <a:off x="2674044" y="5010525"/>
+              <a:ext cx="90264" cy="90264"/>
+            </a:xfrm>
+            <a:prstGeom prst="ellipse">
+              <a:avLst/>
+            </a:prstGeom>
+            <a:solidFill>
+              <a:srgbClr val="FFC000"/>
+            </a:solidFill>
+            <a:ln>
+              <a:solidFill>
+                <a:srgbClr val="D29500"/>
+              </a:solidFill>
+            </a:ln>
+          </p:spPr>
+          <p:style>
+            <a:lnRef idx="2">
+              <a:schemeClr val="accent1">
+                <a:shade val="50000"/>
+              </a:schemeClr>
+            </a:lnRef>
+            <a:fillRef idx="1">
+              <a:schemeClr val="accent1"/>
+            </a:fillRef>
+            <a:effectRef idx="0">
+              <a:schemeClr val="accent1"/>
+            </a:effectRef>
+            <a:fontRef idx="minor">
+              <a:schemeClr val="lt1"/>
+            </a:fontRef>
+          </p:style>
+          <p:txBody>
+            <a:bodyPr rtlCol="0" anchor="ctr"/>
+            <a:lstStyle/>
+            <a:p>
+              <a:pPr algn="ctr"/>
+              <a:endParaRPr lang="en-US"/>
+            </a:p>
+          </p:txBody>
+        </p:sp>
+        <p:sp>
+          <p:nvSpPr>
+            <p:cNvPr id="183" name="Round Same Side Corner Rectangle 182"/>
+            <p:cNvSpPr/>
+            <p:nvPr/>
+          </p:nvSpPr>
+          <p:spPr>
+            <a:xfrm>
+              <a:off x="2643743" y="5100789"/>
+              <a:ext cx="150866" cy="150866"/>
+            </a:xfrm>
+            <a:prstGeom prst="round2SameRect">
+              <a:avLst>
+                <a:gd name="adj1" fmla="val 49716"/>
+                <a:gd name="adj2" fmla="val 0"/>
+              </a:avLst>
+            </a:prstGeom>
+            <a:solidFill>
+              <a:srgbClr val="FFC000"/>
+            </a:solidFill>
+            <a:ln>
+              <a:solidFill>
+                <a:srgbClr val="D29500"/>
+              </a:solidFill>
+            </a:ln>
+          </p:spPr>
+          <p:style>
+            <a:lnRef idx="2">
+              <a:schemeClr val="accent1">
+                <a:shade val="50000"/>
+              </a:schemeClr>
+            </a:lnRef>
+            <a:fillRef idx="1">
+              <a:schemeClr val="accent1"/>
+            </a:fillRef>
+            <a:effectRef idx="0">
+              <a:schemeClr val="accent1"/>
+            </a:effectRef>
+            <a:fontRef idx="minor">
+              <a:schemeClr val="lt1"/>
+            </a:fontRef>
+          </p:style>
+          <p:txBody>
+            <a:bodyPr rtlCol="0" anchor="ctr"/>
+            <a:lstStyle/>
+            <a:p>
+              <a:pPr algn="ctr"/>
+              <a:r>
+                <a:rPr lang="en-US" sz="1050" dirty="0" smtClean="0"/>
+                <a:t>B</a:t>
+              </a:r>
+              <a:endParaRPr lang="en-US" sz="4000" dirty="0"/>
+            </a:p>
+          </p:txBody>
+        </p:sp>
+        <p:cxnSp>
+          <p:nvCxnSpPr>
+            <p:cNvPr id="184" name="Straight Connector 183"/>
+            <p:cNvCxnSpPr/>
+            <p:nvPr/>
+          </p:nvCxnSpPr>
+          <p:spPr>
+            <a:xfrm>
+              <a:off x="2824919" y="5062846"/>
+              <a:ext cx="123069" cy="0"/>
+            </a:xfrm>
+            <a:prstGeom prst="line">
+              <a:avLst/>
+            </a:prstGeom>
+            <a:ln w="25400">
+              <a:solidFill>
+                <a:srgbClr val="FFC000"/>
+              </a:solidFill>
+            </a:ln>
+          </p:spPr>
+          <p:style>
+            <a:lnRef idx="1">
+              <a:schemeClr val="accent1"/>
+            </a:lnRef>
+            <a:fillRef idx="0">
+              <a:schemeClr val="accent1"/>
+            </a:fillRef>
+            <a:effectRef idx="0">
+              <a:schemeClr val="accent1"/>
+            </a:effectRef>
+            <a:fontRef idx="minor">
+              <a:schemeClr val="tx1"/>
+            </a:fontRef>
+          </p:style>
+        </p:cxnSp>
+        <p:cxnSp>
+          <p:nvCxnSpPr>
+            <p:cNvPr id="185" name="Straight Connector 184"/>
+            <p:cNvCxnSpPr/>
+            <p:nvPr/>
+          </p:nvCxnSpPr>
+          <p:spPr>
+            <a:xfrm>
+              <a:off x="2824919" y="5100781"/>
+              <a:ext cx="123069" cy="0"/>
+            </a:xfrm>
+            <a:prstGeom prst="line">
+              <a:avLst/>
+            </a:prstGeom>
+            <a:ln w="25400">
+              <a:solidFill>
+                <a:srgbClr val="FFC000"/>
+              </a:solidFill>
+            </a:ln>
+          </p:spPr>
+          <p:style>
+            <a:lnRef idx="1">
+              <a:schemeClr val="accent1"/>
+            </a:lnRef>
+            <a:fillRef idx="0">
+              <a:schemeClr val="accent1"/>
+            </a:fillRef>
+            <a:effectRef idx="0">
+              <a:schemeClr val="accent1"/>
+            </a:effectRef>
+            <a:fontRef idx="minor">
+              <a:schemeClr val="tx1"/>
+            </a:fontRef>
+          </p:style>
+        </p:cxnSp>
+        <p:cxnSp>
+          <p:nvCxnSpPr>
+            <p:cNvPr id="186" name="Straight Connector 185"/>
+            <p:cNvCxnSpPr/>
+            <p:nvPr/>
+          </p:nvCxnSpPr>
+          <p:spPr>
+            <a:xfrm>
+              <a:off x="2824919" y="5138716"/>
+              <a:ext cx="123069" cy="0"/>
+            </a:xfrm>
+            <a:prstGeom prst="line">
+              <a:avLst/>
+            </a:prstGeom>
+            <a:ln w="25400">
+              <a:solidFill>
+                <a:srgbClr val="FFC000"/>
+              </a:solidFill>
+            </a:ln>
+          </p:spPr>
+          <p:style>
+            <a:lnRef idx="1">
+              <a:schemeClr val="accent1"/>
+            </a:lnRef>
+            <a:fillRef idx="0">
+              <a:schemeClr val="accent1"/>
+            </a:fillRef>
+            <a:effectRef idx="0">
+              <a:schemeClr val="accent1"/>
+            </a:effectRef>
+            <a:fontRef idx="minor">
+              <a:schemeClr val="tx1"/>
+            </a:fontRef>
+          </p:style>
+        </p:cxnSp>
+      </p:grpSp>
+      <p:grpSp>
+        <p:nvGrpSpPr>
+          <p:cNvPr id="187" name="Group 186"/>
+          <p:cNvGrpSpPr/>
+          <p:nvPr/>
+        </p:nvGrpSpPr>
+        <p:grpSpPr>
+          <a:xfrm>
+            <a:off x="3142448" y="4989546"/>
+            <a:ext cx="420764" cy="340787"/>
+            <a:chOff x="2592650" y="4960689"/>
+            <a:chExt cx="420764" cy="340787"/>
+          </a:xfrm>
+        </p:grpSpPr>
+        <p:sp>
+          <p:nvSpPr>
+            <p:cNvPr id="188" name="Rectangle 187"/>
+            <p:cNvSpPr/>
+            <p:nvPr/>
+          </p:nvSpPr>
+          <p:spPr>
+            <a:xfrm>
+              <a:off x="2592650" y="4960689"/>
+              <a:ext cx="420764" cy="340787"/>
+            </a:xfrm>
+            <a:prstGeom prst="rect">
+              <a:avLst/>
+            </a:prstGeom>
+            <a:solidFill>
+              <a:schemeClr val="bg1"/>
+            </a:solidFill>
+            <a:ln w="25400">
+              <a:solidFill>
+                <a:srgbClr val="FFC000"/>
+              </a:solidFill>
+            </a:ln>
+          </p:spPr>
+          <p:style>
+            <a:lnRef idx="2">
+              <a:schemeClr val="accent1">
+                <a:shade val="50000"/>
+              </a:schemeClr>
+            </a:lnRef>
+            <a:fillRef idx="1">
+              <a:schemeClr val="accent1"/>
+            </a:fillRef>
+            <a:effectRef idx="0">
+              <a:schemeClr val="accent1"/>
+            </a:effectRef>
+            <a:fontRef idx="minor">
+              <a:schemeClr val="lt1"/>
+            </a:fontRef>
+          </p:style>
+          <p:txBody>
+            <a:bodyPr rtlCol="0" anchor="ctr"/>
+            <a:lstStyle/>
+            <a:p>
+              <a:pPr algn="ctr"/>
+              <a:endParaRPr lang="en-US"/>
+            </a:p>
+          </p:txBody>
+        </p:sp>
+        <p:sp>
+          <p:nvSpPr>
+            <p:cNvPr id="189" name="Oval 188"/>
+            <p:cNvSpPr/>
+            <p:nvPr/>
+          </p:nvSpPr>
+          <p:spPr>
+            <a:xfrm>
+              <a:off x="2674044" y="5010525"/>
+              <a:ext cx="90264" cy="90264"/>
+            </a:xfrm>
+            <a:prstGeom prst="ellipse">
+              <a:avLst/>
+            </a:prstGeom>
+            <a:solidFill>
+              <a:srgbClr val="FFC000"/>
+            </a:solidFill>
+            <a:ln>
+              <a:solidFill>
+                <a:srgbClr val="D29500"/>
+              </a:solidFill>
+            </a:ln>
+          </p:spPr>
+          <p:style>
+            <a:lnRef idx="2">
+              <a:schemeClr val="accent1">
+                <a:shade val="50000"/>
+              </a:schemeClr>
+            </a:lnRef>
+            <a:fillRef idx="1">
+              <a:schemeClr val="accent1"/>
+            </a:fillRef>
+            <a:effectRef idx="0">
+              <a:schemeClr val="accent1"/>
+            </a:effectRef>
+            <a:fontRef idx="minor">
+              <a:schemeClr val="lt1"/>
+            </a:fontRef>
+          </p:style>
+          <p:txBody>
+            <a:bodyPr rtlCol="0" anchor="ctr"/>
+            <a:lstStyle/>
+            <a:p>
+              <a:pPr algn="ctr"/>
+              <a:endParaRPr lang="en-US"/>
+            </a:p>
+          </p:txBody>
+        </p:sp>
+        <p:sp>
+          <p:nvSpPr>
+            <p:cNvPr id="190" name="Round Same Side Corner Rectangle 189"/>
+            <p:cNvSpPr/>
+            <p:nvPr/>
+          </p:nvSpPr>
+          <p:spPr>
+            <a:xfrm>
+              <a:off x="2643743" y="5100789"/>
+              <a:ext cx="150866" cy="150866"/>
+            </a:xfrm>
+            <a:prstGeom prst="round2SameRect">
+              <a:avLst>
+                <a:gd name="adj1" fmla="val 49716"/>
+                <a:gd name="adj2" fmla="val 0"/>
+              </a:avLst>
+            </a:prstGeom>
+            <a:solidFill>
+              <a:srgbClr val="FFC000"/>
+            </a:solidFill>
+            <a:ln>
+              <a:solidFill>
+                <a:srgbClr val="D29500"/>
+              </a:solidFill>
+            </a:ln>
+          </p:spPr>
+          <p:style>
+            <a:lnRef idx="2">
+              <a:schemeClr val="accent1">
+                <a:shade val="50000"/>
+              </a:schemeClr>
+            </a:lnRef>
+            <a:fillRef idx="1">
+              <a:schemeClr val="accent1"/>
+            </a:fillRef>
+            <a:effectRef idx="0">
+              <a:schemeClr val="accent1"/>
+            </a:effectRef>
+            <a:fontRef idx="minor">
+              <a:schemeClr val="lt1"/>
+            </a:fontRef>
+          </p:style>
+          <p:txBody>
+            <a:bodyPr rtlCol="0" anchor="ctr"/>
+            <a:lstStyle/>
+            <a:p>
+              <a:pPr algn="ctr"/>
+              <a:r>
+                <a:rPr lang="en-US" sz="1050" dirty="0" smtClean="0"/>
+                <a:t>B</a:t>
+              </a:r>
+              <a:endParaRPr lang="en-US" sz="4000" dirty="0"/>
+            </a:p>
+          </p:txBody>
+        </p:sp>
+        <p:cxnSp>
+          <p:nvCxnSpPr>
+            <p:cNvPr id="191" name="Straight Connector 190"/>
+            <p:cNvCxnSpPr/>
+            <p:nvPr/>
+          </p:nvCxnSpPr>
+          <p:spPr>
+            <a:xfrm>
+              <a:off x="2824919" y="5062846"/>
+              <a:ext cx="123069" cy="0"/>
+            </a:xfrm>
+            <a:prstGeom prst="line">
+              <a:avLst/>
+            </a:prstGeom>
+            <a:ln w="25400">
+              <a:solidFill>
+                <a:srgbClr val="FFC000"/>
+              </a:solidFill>
+            </a:ln>
+          </p:spPr>
+          <p:style>
+            <a:lnRef idx="1">
+              <a:schemeClr val="accent1"/>
+            </a:lnRef>
+            <a:fillRef idx="0">
+              <a:schemeClr val="accent1"/>
+            </a:fillRef>
+            <a:effectRef idx="0">
+              <a:schemeClr val="accent1"/>
+            </a:effectRef>
+            <a:fontRef idx="minor">
+              <a:schemeClr val="tx1"/>
+            </a:fontRef>
+          </p:style>
+        </p:cxnSp>
+        <p:cxnSp>
+          <p:nvCxnSpPr>
+            <p:cNvPr id="192" name="Straight Connector 191"/>
+            <p:cNvCxnSpPr/>
+            <p:nvPr/>
+          </p:nvCxnSpPr>
+          <p:spPr>
+            <a:xfrm>
+              <a:off x="2824919" y="5100781"/>
+              <a:ext cx="123069" cy="0"/>
+            </a:xfrm>
+            <a:prstGeom prst="line">
+              <a:avLst/>
+            </a:prstGeom>
+            <a:ln w="25400">
+              <a:solidFill>
+                <a:srgbClr val="FFC000"/>
+              </a:solidFill>
+            </a:ln>
+          </p:spPr>
+          <p:style>
+            <a:lnRef idx="1">
+              <a:schemeClr val="accent1"/>
+            </a:lnRef>
+            <a:fillRef idx="0">
+              <a:schemeClr val="accent1"/>
+            </a:fillRef>
+            <a:effectRef idx="0">
+              <a:schemeClr val="accent1"/>
+            </a:effectRef>
+            <a:fontRef idx="minor">
+              <a:schemeClr val="tx1"/>
+            </a:fontRef>
+          </p:style>
+        </p:cxnSp>
+        <p:cxnSp>
+          <p:nvCxnSpPr>
+            <p:cNvPr id="193" name="Straight Connector 192"/>
+            <p:cNvCxnSpPr/>
+            <p:nvPr/>
+          </p:nvCxnSpPr>
+          <p:spPr>
+            <a:xfrm>
+              <a:off x="2824919" y="5138716"/>
+              <a:ext cx="123069" cy="0"/>
+            </a:xfrm>
+            <a:prstGeom prst="line">
+              <a:avLst/>
+            </a:prstGeom>
+            <a:ln w="25400">
+              <a:solidFill>
+                <a:srgbClr val="FFC000"/>
+              </a:solidFill>
+            </a:ln>
+          </p:spPr>
+          <p:style>
+            <a:lnRef idx="1">
+              <a:schemeClr val="accent1"/>
+            </a:lnRef>
+            <a:fillRef idx="0">
+              <a:schemeClr val="accent1"/>
+            </a:fillRef>
+            <a:effectRef idx="0">
+              <a:schemeClr val="accent1"/>
+            </a:effectRef>
+            <a:fontRef idx="minor">
+              <a:schemeClr val="tx1"/>
+            </a:fontRef>
+          </p:style>
+        </p:cxnSp>
+      </p:grpSp>
+      <p:grpSp>
+        <p:nvGrpSpPr>
+          <p:cNvPr id="197" name="Group 196"/>
+          <p:cNvGrpSpPr/>
+          <p:nvPr/>
+        </p:nvGrpSpPr>
+        <p:grpSpPr>
+          <a:xfrm>
+            <a:off x="4726961" y="4677113"/>
+            <a:ext cx="420764" cy="340787"/>
+            <a:chOff x="4481963" y="4953056"/>
+            <a:chExt cx="420764" cy="340787"/>
+          </a:xfrm>
+        </p:grpSpPr>
+        <p:sp>
+          <p:nvSpPr>
+            <p:cNvPr id="200" name="Rectangle 199"/>
+            <p:cNvSpPr/>
+            <p:nvPr/>
+          </p:nvSpPr>
+          <p:spPr>
+            <a:xfrm>
+              <a:off x="4481963" y="4953056"/>
+              <a:ext cx="420764" cy="340787"/>
+            </a:xfrm>
+            <a:prstGeom prst="rect">
+              <a:avLst/>
+            </a:prstGeom>
+            <a:solidFill>
+              <a:schemeClr val="bg1"/>
+            </a:solidFill>
+            <a:ln w="25400">
+              <a:solidFill>
+                <a:srgbClr val="00B050"/>
+              </a:solidFill>
+            </a:ln>
+          </p:spPr>
+          <p:style>
+            <a:lnRef idx="2">
+              <a:schemeClr val="accent1">
+                <a:shade val="50000"/>
+              </a:schemeClr>
+            </a:lnRef>
+            <a:fillRef idx="1">
+              <a:schemeClr val="accent1"/>
+            </a:fillRef>
+            <a:effectRef idx="0">
+              <a:schemeClr val="accent1"/>
+            </a:effectRef>
+            <a:fontRef idx="minor">
+              <a:schemeClr val="lt1"/>
+            </a:fontRef>
+          </p:style>
+          <p:txBody>
+            <a:bodyPr rtlCol="0" anchor="ctr"/>
+            <a:lstStyle/>
+            <a:p>
+              <a:pPr algn="ctr"/>
+              <a:endParaRPr lang="en-US"/>
+            </a:p>
+          </p:txBody>
+        </p:sp>
+        <p:grpSp>
+          <p:nvGrpSpPr>
+            <p:cNvPr id="201" name="Group 200"/>
+            <p:cNvGrpSpPr/>
+            <p:nvPr/>
+          </p:nvGrpSpPr>
+          <p:grpSpPr>
+            <a:xfrm>
+              <a:off x="4533065" y="5002884"/>
+              <a:ext cx="150866" cy="241130"/>
+              <a:chOff x="5212465" y="3556092"/>
+              <a:chExt cx="189760" cy="303294"/>
+            </a:xfrm>
+            <a:solidFill>
+              <a:schemeClr val="accent6"/>
+            </a:solidFill>
+          </p:grpSpPr>
+          <p:sp>
+            <p:nvSpPr>
+              <p:cNvPr id="209" name="Oval 208"/>
+              <p:cNvSpPr/>
+              <p:nvPr/>
+            </p:nvSpPr>
+            <p:spPr>
+              <a:xfrm>
+                <a:off x="5250578" y="3556092"/>
+                <a:ext cx="113534" cy="113534"/>
+              </a:xfrm>
+              <a:prstGeom prst="ellipse">
+                <a:avLst/>
+              </a:prstGeom>
+              <a:grpFill/>
+              <a:ln>
+                <a:solidFill>
+                  <a:schemeClr val="accent6">
+                    <a:lumMod val="75000"/>
+                  </a:schemeClr>
+                </a:solidFill>
+              </a:ln>
+            </p:spPr>
+            <p:style>
+              <a:lnRef idx="2">
+                <a:schemeClr val="accent1">
+                  <a:shade val="50000"/>
+                </a:schemeClr>
+              </a:lnRef>
+              <a:fillRef idx="1">
+                <a:schemeClr val="accent1"/>
+              </a:fillRef>
+              <a:effectRef idx="0">
+                <a:schemeClr val="accent1"/>
+              </a:effectRef>
+              <a:fontRef idx="minor">
+                <a:schemeClr val="lt1"/>
+              </a:fontRef>
+            </p:style>
+            <p:txBody>
+              <a:bodyPr rtlCol="0" anchor="ctr"/>
+              <a:lstStyle/>
+              <a:p>
+                <a:pPr algn="ctr"/>
+                <a:endParaRPr lang="en-US"/>
+              </a:p>
+            </p:txBody>
+          </p:sp>
+          <p:sp>
+            <p:nvSpPr>
+              <p:cNvPr id="210" name="Round Same Side Corner Rectangle 209"/>
+              <p:cNvSpPr/>
+              <p:nvPr/>
+            </p:nvSpPr>
+            <p:spPr>
+              <a:xfrm>
+                <a:off x="5212465" y="3669626"/>
+                <a:ext cx="189760" cy="189760"/>
+              </a:xfrm>
+              <a:prstGeom prst="round2SameRect">
+                <a:avLst>
+                  <a:gd name="adj1" fmla="val 49716"/>
+                  <a:gd name="adj2" fmla="val 0"/>
+                </a:avLst>
+              </a:prstGeom>
+              <a:grpFill/>
+              <a:ln>
+                <a:solidFill>
+                  <a:schemeClr val="accent6">
+                    <a:lumMod val="75000"/>
+                  </a:schemeClr>
+                </a:solidFill>
+              </a:ln>
+            </p:spPr>
+            <p:style>
+              <a:lnRef idx="2">
+                <a:schemeClr val="accent1">
+                  <a:shade val="50000"/>
+                </a:schemeClr>
+              </a:lnRef>
+              <a:fillRef idx="1">
+                <a:schemeClr val="accent1"/>
+              </a:fillRef>
+              <a:effectRef idx="0">
+                <a:schemeClr val="accent1"/>
+              </a:effectRef>
+              <a:fontRef idx="minor">
+                <a:schemeClr val="lt1"/>
+              </a:fontRef>
+            </p:style>
+            <p:txBody>
+              <a:bodyPr rtlCol="0" anchor="ctr"/>
+              <a:lstStyle/>
+              <a:p>
+                <a:pPr algn="ctr"/>
+                <a:r>
+                  <a:rPr lang="en-US" sz="1050" dirty="0" smtClean="0"/>
+                  <a:t>B</a:t>
+                </a:r>
+                <a:endParaRPr lang="en-US" sz="4000" dirty="0"/>
+              </a:p>
+            </p:txBody>
+          </p:sp>
+        </p:grpSp>
+        <p:grpSp>
+          <p:nvGrpSpPr>
+            <p:cNvPr id="202" name="Group 201"/>
+            <p:cNvGrpSpPr/>
+            <p:nvPr/>
+          </p:nvGrpSpPr>
+          <p:grpSpPr>
+            <a:xfrm>
+              <a:off x="4714232" y="5055213"/>
+              <a:ext cx="123069" cy="75870"/>
+              <a:chOff x="4770478" y="3634526"/>
+              <a:chExt cx="123069" cy="75870"/>
+            </a:xfrm>
+          </p:grpSpPr>
+          <p:cxnSp>
+            <p:nvCxnSpPr>
+              <p:cNvPr id="203" name="Straight Connector 202"/>
+              <p:cNvCxnSpPr/>
+              <p:nvPr/>
+            </p:nvCxnSpPr>
+            <p:spPr>
+              <a:xfrm>
+                <a:off x="4770478" y="3634526"/>
+                <a:ext cx="123069" cy="0"/>
+              </a:xfrm>
+              <a:prstGeom prst="line">
+                <a:avLst/>
+              </a:prstGeom>
+              <a:ln w="25400">
+                <a:solidFill>
+                  <a:srgbClr val="00B050"/>
+                </a:solidFill>
+              </a:ln>
+            </p:spPr>
+            <p:style>
+              <a:lnRef idx="1">
+                <a:schemeClr val="accent1"/>
+              </a:lnRef>
+              <a:fillRef idx="0">
+                <a:schemeClr val="accent1"/>
+              </a:fillRef>
+              <a:effectRef idx="0">
+                <a:schemeClr val="accent1"/>
+              </a:effectRef>
+              <a:fontRef idx="minor">
+                <a:schemeClr val="tx1"/>
+              </a:fontRef>
+            </p:style>
+          </p:cxnSp>
+          <p:cxnSp>
+            <p:nvCxnSpPr>
+              <p:cNvPr id="207" name="Straight Connector 206"/>
+              <p:cNvCxnSpPr/>
+              <p:nvPr/>
+            </p:nvCxnSpPr>
+            <p:spPr>
+              <a:xfrm>
+                <a:off x="4770478" y="3672461"/>
+                <a:ext cx="123069" cy="0"/>
+              </a:xfrm>
+              <a:prstGeom prst="line">
+                <a:avLst/>
+              </a:prstGeom>
+              <a:ln w="25400">
+                <a:solidFill>
+                  <a:srgbClr val="00B050"/>
+                </a:solidFill>
+              </a:ln>
+            </p:spPr>
+            <p:style>
+              <a:lnRef idx="1">
+                <a:schemeClr val="accent1"/>
+              </a:lnRef>
+              <a:fillRef idx="0">
+                <a:schemeClr val="accent1"/>
+              </a:fillRef>
+              <a:effectRef idx="0">
+                <a:schemeClr val="accent1"/>
+              </a:effectRef>
+              <a:fontRef idx="minor">
+                <a:schemeClr val="tx1"/>
+              </a:fontRef>
+            </p:style>
+          </p:cxnSp>
+          <p:cxnSp>
+            <p:nvCxnSpPr>
+              <p:cNvPr id="208" name="Straight Connector 207"/>
+              <p:cNvCxnSpPr/>
+              <p:nvPr/>
+            </p:nvCxnSpPr>
+            <p:spPr>
+              <a:xfrm>
+                <a:off x="4770478" y="3710396"/>
+                <a:ext cx="123069" cy="0"/>
+              </a:xfrm>
+              <a:prstGeom prst="line">
+                <a:avLst/>
+              </a:prstGeom>
+              <a:ln w="25400">
+                <a:solidFill>
+                  <a:srgbClr val="00B050"/>
+                </a:solidFill>
+              </a:ln>
+            </p:spPr>
+            <p:style>
+              <a:lnRef idx="1">
+                <a:schemeClr val="accent1"/>
+              </a:lnRef>
+              <a:fillRef idx="0">
+                <a:schemeClr val="accent1"/>
+              </a:fillRef>
+              <a:effectRef idx="0">
+                <a:schemeClr val="accent1"/>
+              </a:effectRef>
+              <a:fontRef idx="minor">
+                <a:schemeClr val="tx1"/>
+              </a:fontRef>
+            </p:style>
+          </p:cxnSp>
+        </p:grpSp>
+      </p:grpSp>
+      <p:grpSp>
+        <p:nvGrpSpPr>
+          <p:cNvPr id="211" name="Group 210"/>
+          <p:cNvGrpSpPr/>
+          <p:nvPr/>
+        </p:nvGrpSpPr>
+        <p:grpSpPr>
+          <a:xfrm>
+            <a:off x="4879361" y="4829513"/>
+            <a:ext cx="420764" cy="340787"/>
+            <a:chOff x="4481963" y="4953056"/>
+            <a:chExt cx="420764" cy="340787"/>
+          </a:xfrm>
+        </p:grpSpPr>
+        <p:sp>
+          <p:nvSpPr>
+            <p:cNvPr id="212" name="Rectangle 211"/>
+            <p:cNvSpPr/>
+            <p:nvPr/>
+          </p:nvSpPr>
+          <p:spPr>
+            <a:xfrm>
+              <a:off x="4481963" y="4953056"/>
+              <a:ext cx="420764" cy="340787"/>
+            </a:xfrm>
+            <a:prstGeom prst="rect">
+              <a:avLst/>
+            </a:prstGeom>
+            <a:solidFill>
+              <a:schemeClr val="bg1"/>
+            </a:solidFill>
+            <a:ln w="25400">
+              <a:solidFill>
+                <a:srgbClr val="00B050"/>
+              </a:solidFill>
+            </a:ln>
+          </p:spPr>
+          <p:style>
+            <a:lnRef idx="2">
+              <a:schemeClr val="accent1">
+                <a:shade val="50000"/>
+              </a:schemeClr>
+            </a:lnRef>
+            <a:fillRef idx="1">
+              <a:schemeClr val="accent1"/>
+            </a:fillRef>
+            <a:effectRef idx="0">
+              <a:schemeClr val="accent1"/>
+            </a:effectRef>
+            <a:fontRef idx="minor">
+              <a:schemeClr val="lt1"/>
+            </a:fontRef>
+          </p:style>
+          <p:txBody>
+            <a:bodyPr rtlCol="0" anchor="ctr"/>
+            <a:lstStyle/>
+            <a:p>
+              <a:pPr algn="ctr"/>
+              <a:endParaRPr lang="en-US"/>
+            </a:p>
+          </p:txBody>
+        </p:sp>
+        <p:grpSp>
+          <p:nvGrpSpPr>
+            <p:cNvPr id="233" name="Group 232"/>
+            <p:cNvGrpSpPr/>
+            <p:nvPr/>
+          </p:nvGrpSpPr>
+          <p:grpSpPr>
+            <a:xfrm>
+              <a:off x="4533065" y="5002884"/>
+              <a:ext cx="150866" cy="241130"/>
+              <a:chOff x="5212465" y="3556092"/>
+              <a:chExt cx="189760" cy="303294"/>
+            </a:xfrm>
+            <a:solidFill>
+              <a:schemeClr val="accent6"/>
+            </a:solidFill>
+          </p:grpSpPr>
+          <p:sp>
+            <p:nvSpPr>
+              <p:cNvPr id="263" name="Oval 262"/>
+              <p:cNvSpPr/>
+              <p:nvPr/>
+            </p:nvSpPr>
+            <p:spPr>
+              <a:xfrm>
+                <a:off x="5250578" y="3556092"/>
+                <a:ext cx="113534" cy="113534"/>
+              </a:xfrm>
+              <a:prstGeom prst="ellipse">
+                <a:avLst/>
+              </a:prstGeom>
+              <a:grpFill/>
+              <a:ln>
+                <a:solidFill>
+                  <a:schemeClr val="accent6">
+                    <a:lumMod val="75000"/>
+                  </a:schemeClr>
+                </a:solidFill>
+              </a:ln>
+            </p:spPr>
+            <p:style>
+              <a:lnRef idx="2">
+                <a:schemeClr val="accent1">
+                  <a:shade val="50000"/>
+                </a:schemeClr>
+              </a:lnRef>
+              <a:fillRef idx="1">
+                <a:schemeClr val="accent1"/>
+              </a:fillRef>
+              <a:effectRef idx="0">
+                <a:schemeClr val="accent1"/>
+              </a:effectRef>
+              <a:fontRef idx="minor">
+                <a:schemeClr val="lt1"/>
+              </a:fontRef>
+            </p:style>
+            <p:txBody>
+              <a:bodyPr rtlCol="0" anchor="ctr"/>
+              <a:lstStyle/>
+              <a:p>
+                <a:pPr algn="ctr"/>
+                <a:endParaRPr lang="en-US"/>
+              </a:p>
+            </p:txBody>
+          </p:sp>
+          <p:sp>
+            <p:nvSpPr>
+              <p:cNvPr id="264" name="Round Same Side Corner Rectangle 263"/>
+              <p:cNvSpPr/>
+              <p:nvPr/>
+            </p:nvSpPr>
+            <p:spPr>
+              <a:xfrm>
+                <a:off x="5212465" y="3669626"/>
+                <a:ext cx="189760" cy="189760"/>
+              </a:xfrm>
+              <a:prstGeom prst="round2SameRect">
+                <a:avLst>
+                  <a:gd name="adj1" fmla="val 49716"/>
+                  <a:gd name="adj2" fmla="val 0"/>
+                </a:avLst>
+              </a:prstGeom>
+              <a:grpFill/>
+              <a:ln>
+                <a:solidFill>
+                  <a:schemeClr val="accent6">
+                    <a:lumMod val="75000"/>
+                  </a:schemeClr>
+                </a:solidFill>
+              </a:ln>
+            </p:spPr>
+            <p:style>
+              <a:lnRef idx="2">
+                <a:schemeClr val="accent1">
+                  <a:shade val="50000"/>
+                </a:schemeClr>
+              </a:lnRef>
+              <a:fillRef idx="1">
+                <a:schemeClr val="accent1"/>
+              </a:fillRef>
+              <a:effectRef idx="0">
+                <a:schemeClr val="accent1"/>
+              </a:effectRef>
+              <a:fontRef idx="minor">
+                <a:schemeClr val="lt1"/>
+              </a:fontRef>
+            </p:style>
+            <p:txBody>
+              <a:bodyPr rtlCol="0" anchor="ctr"/>
+              <a:lstStyle/>
+              <a:p>
+                <a:pPr algn="ctr"/>
+                <a:r>
+                  <a:rPr lang="en-US" sz="1050" dirty="0" smtClean="0"/>
+                  <a:t>B</a:t>
+                </a:r>
+                <a:endParaRPr lang="en-US" sz="4000" dirty="0"/>
+              </a:p>
+            </p:txBody>
+          </p:sp>
+        </p:grpSp>
+        <p:grpSp>
+          <p:nvGrpSpPr>
+            <p:cNvPr id="234" name="Group 233"/>
+            <p:cNvGrpSpPr/>
+            <p:nvPr/>
+          </p:nvGrpSpPr>
+          <p:grpSpPr>
+            <a:xfrm>
+              <a:off x="4714232" y="5055213"/>
+              <a:ext cx="123069" cy="75870"/>
+              <a:chOff x="4770478" y="3634526"/>
+              <a:chExt cx="123069" cy="75870"/>
+            </a:xfrm>
+          </p:grpSpPr>
+          <p:cxnSp>
+            <p:nvCxnSpPr>
+              <p:cNvPr id="235" name="Straight Connector 234"/>
+              <p:cNvCxnSpPr/>
+              <p:nvPr/>
+            </p:nvCxnSpPr>
+            <p:spPr>
+              <a:xfrm>
+                <a:off x="4770478" y="3634526"/>
+                <a:ext cx="123069" cy="0"/>
+              </a:xfrm>
+              <a:prstGeom prst="line">
+                <a:avLst/>
+              </a:prstGeom>
+              <a:ln w="25400">
+                <a:solidFill>
+                  <a:srgbClr val="00B050"/>
+                </a:solidFill>
+              </a:ln>
+            </p:spPr>
+            <p:style>
+              <a:lnRef idx="1">
+                <a:schemeClr val="accent1"/>
+              </a:lnRef>
+              <a:fillRef idx="0">
+                <a:schemeClr val="accent1"/>
+              </a:fillRef>
+              <a:effectRef idx="0">
+                <a:schemeClr val="accent1"/>
+              </a:effectRef>
+              <a:fontRef idx="minor">
+                <a:schemeClr val="tx1"/>
+              </a:fontRef>
+            </p:style>
+          </p:cxnSp>
+          <p:cxnSp>
+            <p:nvCxnSpPr>
+              <p:cNvPr id="239" name="Straight Connector 238"/>
+              <p:cNvCxnSpPr/>
+              <p:nvPr/>
+            </p:nvCxnSpPr>
+            <p:spPr>
+              <a:xfrm>
+                <a:off x="4770478" y="3672461"/>
+                <a:ext cx="123069" cy="0"/>
+              </a:xfrm>
+              <a:prstGeom prst="line">
+                <a:avLst/>
+              </a:prstGeom>
+              <a:ln w="25400">
+                <a:solidFill>
+                  <a:srgbClr val="00B050"/>
+                </a:solidFill>
+              </a:ln>
+            </p:spPr>
+            <p:style>
+              <a:lnRef idx="1">
+                <a:schemeClr val="accent1"/>
+              </a:lnRef>
+              <a:fillRef idx="0">
+                <a:schemeClr val="accent1"/>
+              </a:fillRef>
+              <a:effectRef idx="0">
+                <a:schemeClr val="accent1"/>
+              </a:effectRef>
+              <a:fontRef idx="minor">
+                <a:schemeClr val="tx1"/>
+              </a:fontRef>
+            </p:style>
+          </p:cxnSp>
+          <p:cxnSp>
+            <p:nvCxnSpPr>
+              <p:cNvPr id="260" name="Straight Connector 259"/>
+              <p:cNvCxnSpPr/>
+              <p:nvPr/>
+            </p:nvCxnSpPr>
+            <p:spPr>
+              <a:xfrm>
+                <a:off x="4770478" y="3710396"/>
+                <a:ext cx="123069" cy="0"/>
+              </a:xfrm>
+              <a:prstGeom prst="line">
+                <a:avLst/>
+              </a:prstGeom>
+              <a:ln w="25400">
+                <a:solidFill>
+                  <a:srgbClr val="00B050"/>
+                </a:solidFill>
+              </a:ln>
+            </p:spPr>
+            <p:style>
+              <a:lnRef idx="1">
+                <a:schemeClr val="accent1"/>
+              </a:lnRef>
+              <a:fillRef idx="0">
+                <a:schemeClr val="accent1"/>
+              </a:fillRef>
+              <a:effectRef idx="0">
+                <a:schemeClr val="accent1"/>
+              </a:effectRef>
+              <a:fontRef idx="minor">
+                <a:schemeClr val="tx1"/>
+              </a:fontRef>
+            </p:style>
+          </p:cxnSp>
+        </p:grpSp>
+      </p:grpSp>
+      <p:grpSp>
+        <p:nvGrpSpPr>
+          <p:cNvPr id="265" name="Group 264"/>
+          <p:cNvGrpSpPr/>
+          <p:nvPr/>
+        </p:nvGrpSpPr>
+        <p:grpSpPr>
+          <a:xfrm>
+            <a:off x="5031761" y="4981913"/>
+            <a:ext cx="420764" cy="340787"/>
+            <a:chOff x="4481963" y="4953056"/>
+            <a:chExt cx="420764" cy="340787"/>
+          </a:xfrm>
+        </p:grpSpPr>
+        <p:sp>
+          <p:nvSpPr>
+            <p:cNvPr id="278" name="Rectangle 277"/>
+            <p:cNvSpPr/>
+            <p:nvPr/>
+          </p:nvSpPr>
+          <p:spPr>
+            <a:xfrm>
+              <a:off x="4481963" y="4953056"/>
+              <a:ext cx="420764" cy="340787"/>
+            </a:xfrm>
+            <a:prstGeom prst="rect">
+              <a:avLst/>
+            </a:prstGeom>
+            <a:solidFill>
+              <a:schemeClr val="bg1"/>
+            </a:solidFill>
+            <a:ln w="25400">
+              <a:solidFill>
+                <a:srgbClr val="00B050"/>
+              </a:solidFill>
+            </a:ln>
+          </p:spPr>
+          <p:style>
+            <a:lnRef idx="2">
+              <a:schemeClr val="accent1">
+                <a:shade val="50000"/>
+              </a:schemeClr>
+            </a:lnRef>
+            <a:fillRef idx="1">
+              <a:schemeClr val="accent1"/>
+            </a:fillRef>
+            <a:effectRef idx="0">
+              <a:schemeClr val="accent1"/>
+            </a:effectRef>
+            <a:fontRef idx="minor">
+              <a:schemeClr val="lt1"/>
+            </a:fontRef>
+          </p:style>
+          <p:txBody>
+            <a:bodyPr rtlCol="0" anchor="ctr"/>
+            <a:lstStyle/>
+            <a:p>
+              <a:pPr algn="ctr"/>
+              <a:endParaRPr lang="en-US"/>
+            </a:p>
+          </p:txBody>
+        </p:sp>
+        <p:grpSp>
+          <p:nvGrpSpPr>
+            <p:cNvPr id="279" name="Group 278"/>
+            <p:cNvGrpSpPr/>
+            <p:nvPr/>
+          </p:nvGrpSpPr>
+          <p:grpSpPr>
+            <a:xfrm>
+              <a:off x="4533065" y="5002884"/>
+              <a:ext cx="150866" cy="241130"/>
+              <a:chOff x="5212465" y="3556092"/>
+              <a:chExt cx="189760" cy="303294"/>
+            </a:xfrm>
+            <a:solidFill>
+              <a:schemeClr val="accent6"/>
+            </a:solidFill>
+          </p:grpSpPr>
+          <p:sp>
+            <p:nvSpPr>
+              <p:cNvPr id="284" name="Oval 283"/>
+              <p:cNvSpPr/>
+              <p:nvPr/>
+            </p:nvSpPr>
+            <p:spPr>
+              <a:xfrm>
+                <a:off x="5250578" y="3556092"/>
+                <a:ext cx="113534" cy="113534"/>
+              </a:xfrm>
+              <a:prstGeom prst="ellipse">
+                <a:avLst/>
+              </a:prstGeom>
+              <a:grpFill/>
+              <a:ln>
+                <a:solidFill>
+                  <a:schemeClr val="accent6">
+                    <a:lumMod val="75000"/>
+                  </a:schemeClr>
+                </a:solidFill>
+              </a:ln>
+            </p:spPr>
+            <p:style>
+              <a:lnRef idx="2">
+                <a:schemeClr val="accent1">
+                  <a:shade val="50000"/>
+                </a:schemeClr>
+              </a:lnRef>
+              <a:fillRef idx="1">
+                <a:schemeClr val="accent1"/>
+              </a:fillRef>
+              <a:effectRef idx="0">
+                <a:schemeClr val="accent1"/>
+              </a:effectRef>
+              <a:fontRef idx="minor">
+                <a:schemeClr val="lt1"/>
+              </a:fontRef>
+            </p:style>
+            <p:txBody>
+              <a:bodyPr rtlCol="0" anchor="ctr"/>
+              <a:lstStyle/>
+              <a:p>
+                <a:pPr algn="ctr"/>
+                <a:endParaRPr lang="en-US"/>
+              </a:p>
+            </p:txBody>
+          </p:sp>
+          <p:sp>
+            <p:nvSpPr>
+              <p:cNvPr id="286" name="Round Same Side Corner Rectangle 285"/>
+              <p:cNvSpPr/>
+              <p:nvPr/>
+            </p:nvSpPr>
+            <p:spPr>
+              <a:xfrm>
+                <a:off x="5212465" y="3669626"/>
+                <a:ext cx="189760" cy="189760"/>
+              </a:xfrm>
+              <a:prstGeom prst="round2SameRect">
+                <a:avLst>
+                  <a:gd name="adj1" fmla="val 49716"/>
+                  <a:gd name="adj2" fmla="val 0"/>
+                </a:avLst>
+              </a:prstGeom>
+              <a:grpFill/>
+              <a:ln>
+                <a:solidFill>
+                  <a:schemeClr val="accent6">
+                    <a:lumMod val="75000"/>
+                  </a:schemeClr>
+                </a:solidFill>
+              </a:ln>
+            </p:spPr>
+            <p:style>
+              <a:lnRef idx="2">
+                <a:schemeClr val="accent1">
+                  <a:shade val="50000"/>
+                </a:schemeClr>
+              </a:lnRef>
+              <a:fillRef idx="1">
+                <a:schemeClr val="accent1"/>
+              </a:fillRef>
+              <a:effectRef idx="0">
+                <a:schemeClr val="accent1"/>
+              </a:effectRef>
+              <a:fontRef idx="minor">
+                <a:schemeClr val="lt1"/>
+              </a:fontRef>
+            </p:style>
+            <p:txBody>
+              <a:bodyPr rtlCol="0" anchor="ctr"/>
+              <a:lstStyle/>
+              <a:p>
+                <a:pPr algn="ctr"/>
+                <a:r>
+                  <a:rPr lang="en-US" sz="1050" dirty="0" smtClean="0"/>
+                  <a:t>B</a:t>
+                </a:r>
+                <a:endParaRPr lang="en-US" sz="4000" dirty="0"/>
+              </a:p>
+            </p:txBody>
+          </p:sp>
+        </p:grpSp>
+        <p:grpSp>
+          <p:nvGrpSpPr>
+            <p:cNvPr id="280" name="Group 279"/>
+            <p:cNvGrpSpPr/>
+            <p:nvPr/>
+          </p:nvGrpSpPr>
+          <p:grpSpPr>
+            <a:xfrm>
+              <a:off x="4714232" y="5055213"/>
+              <a:ext cx="123069" cy="75870"/>
+              <a:chOff x="4770478" y="3634526"/>
+              <a:chExt cx="123069" cy="75870"/>
+            </a:xfrm>
+          </p:grpSpPr>
+          <p:cxnSp>
+            <p:nvCxnSpPr>
+              <p:cNvPr id="281" name="Straight Connector 280"/>
+              <p:cNvCxnSpPr/>
+              <p:nvPr/>
+            </p:nvCxnSpPr>
+            <p:spPr>
+              <a:xfrm>
+                <a:off x="4770478" y="3634526"/>
+                <a:ext cx="123069" cy="0"/>
+              </a:xfrm>
+              <a:prstGeom prst="line">
+                <a:avLst/>
+              </a:prstGeom>
+              <a:ln w="25400">
+                <a:solidFill>
+                  <a:srgbClr val="00B050"/>
+                </a:solidFill>
+              </a:ln>
+            </p:spPr>
+            <p:style>
+              <a:lnRef idx="1">
+                <a:schemeClr val="accent1"/>
+              </a:lnRef>
+              <a:fillRef idx="0">
+                <a:schemeClr val="accent1"/>
+              </a:fillRef>
+              <a:effectRef idx="0">
+                <a:schemeClr val="accent1"/>
+              </a:effectRef>
+              <a:fontRef idx="minor">
+                <a:schemeClr val="tx1"/>
+              </a:fontRef>
+            </p:style>
+          </p:cxnSp>
+          <p:cxnSp>
+            <p:nvCxnSpPr>
+              <p:cNvPr id="282" name="Straight Connector 281"/>
+              <p:cNvCxnSpPr/>
+              <p:nvPr/>
+            </p:nvCxnSpPr>
+            <p:spPr>
+              <a:xfrm>
+                <a:off x="4770478" y="3672461"/>
+                <a:ext cx="123069" cy="0"/>
+              </a:xfrm>
+              <a:prstGeom prst="line">
+                <a:avLst/>
+              </a:prstGeom>
+              <a:ln w="25400">
+                <a:solidFill>
+                  <a:srgbClr val="00B050"/>
+                </a:solidFill>
+              </a:ln>
+            </p:spPr>
+            <p:style>
+              <a:lnRef idx="1">
+                <a:schemeClr val="accent1"/>
+              </a:lnRef>
+              <a:fillRef idx="0">
+                <a:schemeClr val="accent1"/>
+              </a:fillRef>
+              <a:effectRef idx="0">
+                <a:schemeClr val="accent1"/>
+              </a:effectRef>
+              <a:fontRef idx="minor">
+                <a:schemeClr val="tx1"/>
+              </a:fontRef>
+            </p:style>
+          </p:cxnSp>
+          <p:cxnSp>
+            <p:nvCxnSpPr>
+              <p:cNvPr id="283" name="Straight Connector 282"/>
+              <p:cNvCxnSpPr/>
+              <p:nvPr/>
+            </p:nvCxnSpPr>
+            <p:spPr>
+              <a:xfrm>
+                <a:off x="4770478" y="3710396"/>
+                <a:ext cx="123069" cy="0"/>
+              </a:xfrm>
+              <a:prstGeom prst="line">
+                <a:avLst/>
+              </a:prstGeom>
+              <a:ln w="25400">
+                <a:solidFill>
+                  <a:srgbClr val="00B050"/>
+                </a:solidFill>
+              </a:ln>
+            </p:spPr>
+            <p:style>
+              <a:lnRef idx="1">
+                <a:schemeClr val="accent1"/>
+              </a:lnRef>
+              <a:fillRef idx="0">
+                <a:schemeClr val="accent1"/>
+              </a:fillRef>
+              <a:effectRef idx="0">
+                <a:schemeClr val="accent1"/>
+              </a:effectRef>
+              <a:fontRef idx="minor">
+                <a:schemeClr val="tx1"/>
+              </a:fontRef>
+            </p:style>
+          </p:cxnSp>
+        </p:grpSp>
+      </p:grpSp>
+      <p:grpSp>
+        <p:nvGrpSpPr>
+          <p:cNvPr id="287" name="Group 286"/>
+          <p:cNvGrpSpPr/>
+          <p:nvPr/>
+        </p:nvGrpSpPr>
+        <p:grpSpPr>
+          <a:xfrm>
+            <a:off x="6616274" y="4668411"/>
+            <a:ext cx="420764" cy="340787"/>
+            <a:chOff x="6371276" y="4944354"/>
+            <a:chExt cx="420764" cy="340787"/>
+          </a:xfrm>
+        </p:grpSpPr>
+        <p:sp>
+          <p:nvSpPr>
+            <p:cNvPr id="288" name="Rectangle 287"/>
+            <p:cNvSpPr/>
+            <p:nvPr/>
+          </p:nvSpPr>
+          <p:spPr>
+            <a:xfrm>
+              <a:off x="6371276" y="4944354"/>
+              <a:ext cx="420764" cy="340787"/>
+            </a:xfrm>
+            <a:prstGeom prst="rect">
+              <a:avLst/>
+            </a:prstGeom>
+            <a:solidFill>
+              <a:schemeClr val="bg1"/>
+            </a:solidFill>
+            <a:ln w="25400"/>
+          </p:spPr>
+          <p:style>
+            <a:lnRef idx="2">
+              <a:schemeClr val="accent1">
+                <a:shade val="50000"/>
+              </a:schemeClr>
+            </a:lnRef>
+            <a:fillRef idx="1">
+              <a:schemeClr val="accent1"/>
+            </a:fillRef>
+            <a:effectRef idx="0">
+              <a:schemeClr val="accent1"/>
+            </a:effectRef>
+            <a:fontRef idx="minor">
+              <a:schemeClr val="lt1"/>
+            </a:fontRef>
+          </p:style>
+          <p:txBody>
+            <a:bodyPr rtlCol="0" anchor="ctr"/>
+            <a:lstStyle/>
+            <a:p>
+              <a:pPr algn="ctr"/>
+              <a:endParaRPr lang="en-US"/>
+            </a:p>
+          </p:txBody>
+        </p:sp>
+        <p:grpSp>
+          <p:nvGrpSpPr>
+            <p:cNvPr id="289" name="Group 288"/>
+            <p:cNvGrpSpPr/>
+            <p:nvPr/>
+          </p:nvGrpSpPr>
+          <p:grpSpPr>
+            <a:xfrm>
+              <a:off x="6422378" y="4994182"/>
+              <a:ext cx="150866" cy="241130"/>
+              <a:chOff x="5212465" y="3556092"/>
+              <a:chExt cx="189760" cy="303294"/>
+            </a:xfrm>
+          </p:grpSpPr>
+          <p:sp>
+            <p:nvSpPr>
+              <p:cNvPr id="294" name="Oval 293"/>
+              <p:cNvSpPr/>
+              <p:nvPr/>
+            </p:nvSpPr>
+            <p:spPr>
+              <a:xfrm>
+                <a:off x="5250578" y="3556092"/>
+                <a:ext cx="113534" cy="113534"/>
+              </a:xfrm>
+              <a:prstGeom prst="ellipse">
+                <a:avLst/>
+              </a:prstGeom>
+            </p:spPr>
+            <p:style>
+              <a:lnRef idx="2">
+                <a:schemeClr val="accent1">
+                  <a:shade val="50000"/>
+                </a:schemeClr>
+              </a:lnRef>
+              <a:fillRef idx="1">
+                <a:schemeClr val="accent1"/>
+              </a:fillRef>
+              <a:effectRef idx="0">
+                <a:schemeClr val="accent1"/>
+              </a:effectRef>
+              <a:fontRef idx="minor">
+                <a:schemeClr val="lt1"/>
+              </a:fontRef>
+            </p:style>
+            <p:txBody>
+              <a:bodyPr rtlCol="0" anchor="ctr"/>
+              <a:lstStyle/>
+              <a:p>
+                <a:pPr algn="ctr"/>
+                <a:endParaRPr lang="en-US"/>
+              </a:p>
+            </p:txBody>
+          </p:sp>
+          <p:sp>
+            <p:nvSpPr>
+              <p:cNvPr id="295" name="Round Same Side Corner Rectangle 294"/>
+              <p:cNvSpPr/>
+              <p:nvPr/>
+            </p:nvSpPr>
+            <p:spPr>
+              <a:xfrm>
+                <a:off x="5212465" y="3669626"/>
+                <a:ext cx="189760" cy="189760"/>
+              </a:xfrm>
+              <a:prstGeom prst="round2SameRect">
+                <a:avLst>
+                  <a:gd name="adj1" fmla="val 49716"/>
+                  <a:gd name="adj2" fmla="val 0"/>
+                </a:avLst>
+              </a:prstGeom>
+            </p:spPr>
+            <p:style>
+              <a:lnRef idx="2">
+                <a:schemeClr val="accent1">
+                  <a:shade val="50000"/>
+                </a:schemeClr>
+              </a:lnRef>
+              <a:fillRef idx="1">
+                <a:schemeClr val="accent1"/>
+              </a:fillRef>
+              <a:effectRef idx="0">
+                <a:schemeClr val="accent1"/>
+              </a:effectRef>
+              <a:fontRef idx="minor">
+                <a:schemeClr val="lt1"/>
+              </a:fontRef>
+            </p:style>
+            <p:txBody>
+              <a:bodyPr rtlCol="0" anchor="ctr"/>
+              <a:lstStyle/>
+              <a:p>
+                <a:pPr algn="ctr"/>
+                <a:r>
+                  <a:rPr lang="en-US" sz="1050" dirty="0" smtClean="0"/>
+                  <a:t>B</a:t>
+                </a:r>
+                <a:endParaRPr lang="en-US" sz="4000" dirty="0"/>
+              </a:p>
+            </p:txBody>
+          </p:sp>
+        </p:grpSp>
+        <p:grpSp>
+          <p:nvGrpSpPr>
+            <p:cNvPr id="290" name="Group 289"/>
+            <p:cNvGrpSpPr/>
+            <p:nvPr/>
+          </p:nvGrpSpPr>
+          <p:grpSpPr>
+            <a:xfrm>
+              <a:off x="6603545" y="5046511"/>
+              <a:ext cx="123069" cy="75870"/>
+              <a:chOff x="4770478" y="3634526"/>
+              <a:chExt cx="123069" cy="75870"/>
+            </a:xfrm>
+          </p:grpSpPr>
+          <p:cxnSp>
+            <p:nvCxnSpPr>
+              <p:cNvPr id="291" name="Straight Connector 290"/>
+              <p:cNvCxnSpPr/>
+              <p:nvPr/>
+            </p:nvCxnSpPr>
+            <p:spPr>
+              <a:xfrm>
+                <a:off x="4770478" y="3634526"/>
+                <a:ext cx="123069" cy="0"/>
+              </a:xfrm>
+              <a:prstGeom prst="line">
+                <a:avLst/>
+              </a:prstGeom>
+              <a:ln w="25400"/>
+            </p:spPr>
+            <p:style>
+              <a:lnRef idx="1">
+                <a:schemeClr val="accent1"/>
+              </a:lnRef>
+              <a:fillRef idx="0">
+                <a:schemeClr val="accent1"/>
+              </a:fillRef>
+              <a:effectRef idx="0">
+                <a:schemeClr val="accent1"/>
+              </a:effectRef>
+              <a:fontRef idx="minor">
+                <a:schemeClr val="tx1"/>
+              </a:fontRef>
+            </p:style>
+          </p:cxnSp>
+          <p:cxnSp>
+            <p:nvCxnSpPr>
+              <p:cNvPr id="292" name="Straight Connector 291"/>
+              <p:cNvCxnSpPr/>
+              <p:nvPr/>
+            </p:nvCxnSpPr>
+            <p:spPr>
+              <a:xfrm>
+                <a:off x="4770478" y="3672461"/>
+                <a:ext cx="123069" cy="0"/>
+              </a:xfrm>
+              <a:prstGeom prst="line">
+                <a:avLst/>
+              </a:prstGeom>
+              <a:ln w="25400"/>
+            </p:spPr>
+            <p:style>
+              <a:lnRef idx="1">
+                <a:schemeClr val="accent1"/>
+              </a:lnRef>
+              <a:fillRef idx="0">
+                <a:schemeClr val="accent1"/>
+              </a:fillRef>
+              <a:effectRef idx="0">
+                <a:schemeClr val="accent1"/>
+              </a:effectRef>
+              <a:fontRef idx="minor">
+                <a:schemeClr val="tx1"/>
+              </a:fontRef>
+            </p:style>
+          </p:cxnSp>
+          <p:cxnSp>
+            <p:nvCxnSpPr>
+              <p:cNvPr id="293" name="Straight Connector 292"/>
+              <p:cNvCxnSpPr/>
+              <p:nvPr/>
+            </p:nvCxnSpPr>
+            <p:spPr>
+              <a:xfrm>
+                <a:off x="4770478" y="3710396"/>
+                <a:ext cx="123069" cy="0"/>
+              </a:xfrm>
+              <a:prstGeom prst="line">
+                <a:avLst/>
+              </a:prstGeom>
+              <a:ln w="25400"/>
+            </p:spPr>
+            <p:style>
+              <a:lnRef idx="1">
+                <a:schemeClr val="accent1"/>
+              </a:lnRef>
+              <a:fillRef idx="0">
+                <a:schemeClr val="accent1"/>
+              </a:fillRef>
+              <a:effectRef idx="0">
+                <a:schemeClr val="accent1"/>
+              </a:effectRef>
+              <a:fontRef idx="minor">
+                <a:schemeClr val="tx1"/>
+              </a:fontRef>
+            </p:style>
+          </p:cxnSp>
+        </p:grpSp>
+      </p:grpSp>
+      <p:grpSp>
+        <p:nvGrpSpPr>
+          <p:cNvPr id="296" name="Group 295"/>
+          <p:cNvGrpSpPr/>
+          <p:nvPr/>
+        </p:nvGrpSpPr>
+        <p:grpSpPr>
+          <a:xfrm>
+            <a:off x="6768674" y="4820811"/>
+            <a:ext cx="420764" cy="340787"/>
+            <a:chOff x="6371276" y="4944354"/>
+            <a:chExt cx="420764" cy="340787"/>
+          </a:xfrm>
+        </p:grpSpPr>
+        <p:sp>
+          <p:nvSpPr>
+            <p:cNvPr id="297" name="Rectangle 296"/>
+            <p:cNvSpPr/>
+            <p:nvPr/>
+          </p:nvSpPr>
+          <p:spPr>
+            <a:xfrm>
+              <a:off x="6371276" y="4944354"/>
+              <a:ext cx="420764" cy="340787"/>
+            </a:xfrm>
+            <a:prstGeom prst="rect">
+              <a:avLst/>
+            </a:prstGeom>
+            <a:solidFill>
+              <a:schemeClr val="bg1"/>
+            </a:solidFill>
+            <a:ln w="25400"/>
+          </p:spPr>
+          <p:style>
+            <a:lnRef idx="2">
+              <a:schemeClr val="accent1">
+                <a:shade val="50000"/>
+              </a:schemeClr>
+            </a:lnRef>
+            <a:fillRef idx="1">
+              <a:schemeClr val="accent1"/>
+            </a:fillRef>
+            <a:effectRef idx="0">
+              <a:schemeClr val="accent1"/>
+            </a:effectRef>
+            <a:fontRef idx="minor">
+              <a:schemeClr val="lt1"/>
+            </a:fontRef>
+          </p:style>
+          <p:txBody>
+            <a:bodyPr rtlCol="0" anchor="ctr"/>
+            <a:lstStyle/>
+            <a:p>
+              <a:pPr algn="ctr"/>
+              <a:endParaRPr lang="en-US"/>
+            </a:p>
+          </p:txBody>
+        </p:sp>
+        <p:grpSp>
+          <p:nvGrpSpPr>
+            <p:cNvPr id="298" name="Group 297"/>
+            <p:cNvGrpSpPr/>
+            <p:nvPr/>
+          </p:nvGrpSpPr>
+          <p:grpSpPr>
+            <a:xfrm>
+              <a:off x="6422378" y="4994182"/>
+              <a:ext cx="150866" cy="241130"/>
+              <a:chOff x="5212465" y="3556092"/>
+              <a:chExt cx="189760" cy="303294"/>
+            </a:xfrm>
+          </p:grpSpPr>
+          <p:sp>
+            <p:nvSpPr>
+              <p:cNvPr id="303" name="Oval 302"/>
+              <p:cNvSpPr/>
+              <p:nvPr/>
+            </p:nvSpPr>
+            <p:spPr>
+              <a:xfrm>
+                <a:off x="5250578" y="3556092"/>
+                <a:ext cx="113534" cy="113534"/>
+              </a:xfrm>
+              <a:prstGeom prst="ellipse">
+                <a:avLst/>
+              </a:prstGeom>
+            </p:spPr>
+            <p:style>
+              <a:lnRef idx="2">
+                <a:schemeClr val="accent1">
+                  <a:shade val="50000"/>
+                </a:schemeClr>
+              </a:lnRef>
+              <a:fillRef idx="1">
+                <a:schemeClr val="accent1"/>
+              </a:fillRef>
+              <a:effectRef idx="0">
+                <a:schemeClr val="accent1"/>
+              </a:effectRef>
+              <a:fontRef idx="minor">
+                <a:schemeClr val="lt1"/>
+              </a:fontRef>
+            </p:style>
+            <p:txBody>
+              <a:bodyPr rtlCol="0" anchor="ctr"/>
+              <a:lstStyle/>
+              <a:p>
+                <a:pPr algn="ctr"/>
+                <a:endParaRPr lang="en-US"/>
+              </a:p>
+            </p:txBody>
+          </p:sp>
+          <p:sp>
+            <p:nvSpPr>
+              <p:cNvPr id="304" name="Round Same Side Corner Rectangle 303"/>
+              <p:cNvSpPr/>
+              <p:nvPr/>
+            </p:nvSpPr>
+            <p:spPr>
+              <a:xfrm>
+                <a:off x="5212465" y="3669626"/>
+                <a:ext cx="189760" cy="189760"/>
+              </a:xfrm>
+              <a:prstGeom prst="round2SameRect">
+                <a:avLst>
+                  <a:gd name="adj1" fmla="val 49716"/>
+                  <a:gd name="adj2" fmla="val 0"/>
+                </a:avLst>
+              </a:prstGeom>
+            </p:spPr>
+            <p:style>
+              <a:lnRef idx="2">
+                <a:schemeClr val="accent1">
+                  <a:shade val="50000"/>
+                </a:schemeClr>
+              </a:lnRef>
+              <a:fillRef idx="1">
+                <a:schemeClr val="accent1"/>
+              </a:fillRef>
+              <a:effectRef idx="0">
+                <a:schemeClr val="accent1"/>
+              </a:effectRef>
+              <a:fontRef idx="minor">
+                <a:schemeClr val="lt1"/>
+              </a:fontRef>
+            </p:style>
+            <p:txBody>
+              <a:bodyPr rtlCol="0" anchor="ctr"/>
+              <a:lstStyle/>
+              <a:p>
+                <a:pPr algn="ctr"/>
+                <a:r>
+                  <a:rPr lang="en-US" sz="1050" dirty="0" smtClean="0"/>
+                  <a:t>B</a:t>
+                </a:r>
+                <a:endParaRPr lang="en-US" sz="4000" dirty="0"/>
+              </a:p>
+            </p:txBody>
+          </p:sp>
+        </p:grpSp>
+        <p:grpSp>
+          <p:nvGrpSpPr>
+            <p:cNvPr id="299" name="Group 298"/>
+            <p:cNvGrpSpPr/>
+            <p:nvPr/>
+          </p:nvGrpSpPr>
+          <p:grpSpPr>
+            <a:xfrm>
+              <a:off x="6603545" y="5046511"/>
+              <a:ext cx="123069" cy="75870"/>
+              <a:chOff x="4770478" y="3634526"/>
+              <a:chExt cx="123069" cy="75870"/>
+            </a:xfrm>
+          </p:grpSpPr>
+          <p:cxnSp>
+            <p:nvCxnSpPr>
+              <p:cNvPr id="300" name="Straight Connector 299"/>
+              <p:cNvCxnSpPr/>
+              <p:nvPr/>
+            </p:nvCxnSpPr>
+            <p:spPr>
+              <a:xfrm>
+                <a:off x="4770478" y="3634526"/>
+                <a:ext cx="123069" cy="0"/>
+              </a:xfrm>
+              <a:prstGeom prst="line">
+                <a:avLst/>
+              </a:prstGeom>
+              <a:ln w="25400"/>
+            </p:spPr>
+            <p:style>
+              <a:lnRef idx="1">
+                <a:schemeClr val="accent1"/>
+              </a:lnRef>
+              <a:fillRef idx="0">
+                <a:schemeClr val="accent1"/>
+              </a:fillRef>
+              <a:effectRef idx="0">
+                <a:schemeClr val="accent1"/>
+              </a:effectRef>
+              <a:fontRef idx="minor">
+                <a:schemeClr val="tx1"/>
+              </a:fontRef>
+            </p:style>
+          </p:cxnSp>
+          <p:cxnSp>
+            <p:nvCxnSpPr>
+              <p:cNvPr id="301" name="Straight Connector 300"/>
+              <p:cNvCxnSpPr/>
+              <p:nvPr/>
+            </p:nvCxnSpPr>
+            <p:spPr>
+              <a:xfrm>
+                <a:off x="4770478" y="3672461"/>
+                <a:ext cx="123069" cy="0"/>
+              </a:xfrm>
+              <a:prstGeom prst="line">
+                <a:avLst/>
+              </a:prstGeom>
+              <a:ln w="25400"/>
+            </p:spPr>
+            <p:style>
+              <a:lnRef idx="1">
+                <a:schemeClr val="accent1"/>
+              </a:lnRef>
+              <a:fillRef idx="0">
+                <a:schemeClr val="accent1"/>
+              </a:fillRef>
+              <a:effectRef idx="0">
+                <a:schemeClr val="accent1"/>
+              </a:effectRef>
+              <a:fontRef idx="minor">
+                <a:schemeClr val="tx1"/>
+              </a:fontRef>
+            </p:style>
+          </p:cxnSp>
+          <p:cxnSp>
+            <p:nvCxnSpPr>
+              <p:cNvPr id="302" name="Straight Connector 301"/>
+              <p:cNvCxnSpPr/>
+              <p:nvPr/>
+            </p:nvCxnSpPr>
+            <p:spPr>
+              <a:xfrm>
+                <a:off x="4770478" y="3710396"/>
+                <a:ext cx="123069" cy="0"/>
+              </a:xfrm>
+              <a:prstGeom prst="line">
+                <a:avLst/>
+              </a:prstGeom>
+              <a:ln w="25400"/>
+            </p:spPr>
+            <p:style>
+              <a:lnRef idx="1">
+                <a:schemeClr val="accent1"/>
+              </a:lnRef>
+              <a:fillRef idx="0">
+                <a:schemeClr val="accent1"/>
+              </a:fillRef>
+              <a:effectRef idx="0">
+                <a:schemeClr val="accent1"/>
+              </a:effectRef>
+              <a:fontRef idx="minor">
+                <a:schemeClr val="tx1"/>
+              </a:fontRef>
+            </p:style>
+          </p:cxnSp>
+        </p:grpSp>
+      </p:grpSp>
+      <p:grpSp>
+        <p:nvGrpSpPr>
+          <p:cNvPr id="305" name="Group 304"/>
+          <p:cNvGrpSpPr/>
+          <p:nvPr/>
+        </p:nvGrpSpPr>
+        <p:grpSpPr>
+          <a:xfrm>
+            <a:off x="6921074" y="4973211"/>
+            <a:ext cx="420764" cy="340787"/>
+            <a:chOff x="6371276" y="4944354"/>
+            <a:chExt cx="420764" cy="340787"/>
+          </a:xfrm>
+        </p:grpSpPr>
+        <p:sp>
+          <p:nvSpPr>
+            <p:cNvPr id="306" name="Rectangle 305"/>
+            <p:cNvSpPr/>
+            <p:nvPr/>
+          </p:nvSpPr>
+          <p:spPr>
+            <a:xfrm>
+              <a:off x="6371276" y="4944354"/>
+              <a:ext cx="420764" cy="340787"/>
+            </a:xfrm>
+            <a:prstGeom prst="rect">
+              <a:avLst/>
+            </a:prstGeom>
+            <a:solidFill>
+              <a:schemeClr val="bg1"/>
+            </a:solidFill>
+            <a:ln w="25400"/>
+          </p:spPr>
+          <p:style>
+            <a:lnRef idx="2">
+              <a:schemeClr val="accent1">
+                <a:shade val="50000"/>
+              </a:schemeClr>
+            </a:lnRef>
+            <a:fillRef idx="1">
+              <a:schemeClr val="accent1"/>
+            </a:fillRef>
+            <a:effectRef idx="0">
+              <a:schemeClr val="accent1"/>
+            </a:effectRef>
+            <a:fontRef idx="minor">
+              <a:schemeClr val="lt1"/>
+            </a:fontRef>
+          </p:style>
+          <p:txBody>
+            <a:bodyPr rtlCol="0" anchor="ctr"/>
+            <a:lstStyle/>
+            <a:p>
+              <a:pPr algn="ctr"/>
+              <a:endParaRPr lang="en-US"/>
+            </a:p>
+          </p:txBody>
+        </p:sp>
+        <p:grpSp>
+          <p:nvGrpSpPr>
+            <p:cNvPr id="307" name="Group 306"/>
+            <p:cNvGrpSpPr/>
+            <p:nvPr/>
+          </p:nvGrpSpPr>
+          <p:grpSpPr>
+            <a:xfrm>
+              <a:off x="6422378" y="4994182"/>
+              <a:ext cx="150866" cy="241130"/>
+              <a:chOff x="5212465" y="3556092"/>
+              <a:chExt cx="189760" cy="303294"/>
+            </a:xfrm>
+          </p:grpSpPr>
+          <p:sp>
+            <p:nvSpPr>
+              <p:cNvPr id="312" name="Oval 311"/>
+              <p:cNvSpPr/>
+              <p:nvPr/>
+            </p:nvSpPr>
+            <p:spPr>
+              <a:xfrm>
+                <a:off x="5250578" y="3556092"/>
+                <a:ext cx="113534" cy="113534"/>
+              </a:xfrm>
+              <a:prstGeom prst="ellipse">
+                <a:avLst/>
+              </a:prstGeom>
+            </p:spPr>
+            <p:style>
+              <a:lnRef idx="2">
+                <a:schemeClr val="accent1">
+                  <a:shade val="50000"/>
+                </a:schemeClr>
+              </a:lnRef>
+              <a:fillRef idx="1">
+                <a:schemeClr val="accent1"/>
+              </a:fillRef>
+              <a:effectRef idx="0">
+                <a:schemeClr val="accent1"/>
+              </a:effectRef>
+              <a:fontRef idx="minor">
+                <a:schemeClr val="lt1"/>
+              </a:fontRef>
+            </p:style>
+            <p:txBody>
+              <a:bodyPr rtlCol="0" anchor="ctr"/>
+              <a:lstStyle/>
+              <a:p>
+                <a:pPr algn="ctr"/>
+                <a:endParaRPr lang="en-US"/>
+              </a:p>
+            </p:txBody>
+          </p:sp>
+          <p:sp>
+            <p:nvSpPr>
+              <p:cNvPr id="313" name="Round Same Side Corner Rectangle 312"/>
+              <p:cNvSpPr/>
+              <p:nvPr/>
+            </p:nvSpPr>
+            <p:spPr>
+              <a:xfrm>
+                <a:off x="5212465" y="3669626"/>
+                <a:ext cx="189760" cy="189760"/>
+              </a:xfrm>
+              <a:prstGeom prst="round2SameRect">
+                <a:avLst>
+                  <a:gd name="adj1" fmla="val 49716"/>
+                  <a:gd name="adj2" fmla="val 0"/>
+                </a:avLst>
+              </a:prstGeom>
+            </p:spPr>
+            <p:style>
+              <a:lnRef idx="2">
+                <a:schemeClr val="accent1">
+                  <a:shade val="50000"/>
+                </a:schemeClr>
+              </a:lnRef>
+              <a:fillRef idx="1">
+                <a:schemeClr val="accent1"/>
+              </a:fillRef>
+              <a:effectRef idx="0">
+                <a:schemeClr val="accent1"/>
+              </a:effectRef>
+              <a:fontRef idx="minor">
+                <a:schemeClr val="lt1"/>
+              </a:fontRef>
+            </p:style>
+            <p:txBody>
+              <a:bodyPr rtlCol="0" anchor="ctr"/>
+              <a:lstStyle/>
+              <a:p>
+                <a:pPr algn="ctr"/>
+                <a:r>
+                  <a:rPr lang="en-US" sz="1050" dirty="0" smtClean="0"/>
+                  <a:t>B</a:t>
+                </a:r>
+                <a:endParaRPr lang="en-US" sz="4000" dirty="0"/>
+              </a:p>
+            </p:txBody>
+          </p:sp>
+        </p:grpSp>
+        <p:grpSp>
+          <p:nvGrpSpPr>
+            <p:cNvPr id="308" name="Group 307"/>
+            <p:cNvGrpSpPr/>
+            <p:nvPr/>
+          </p:nvGrpSpPr>
+          <p:grpSpPr>
+            <a:xfrm>
+              <a:off x="6603545" y="5046511"/>
+              <a:ext cx="123069" cy="75870"/>
+              <a:chOff x="4770478" y="3634526"/>
+              <a:chExt cx="123069" cy="75870"/>
+            </a:xfrm>
+          </p:grpSpPr>
+          <p:cxnSp>
+            <p:nvCxnSpPr>
+              <p:cNvPr id="309" name="Straight Connector 308"/>
+              <p:cNvCxnSpPr/>
+              <p:nvPr/>
+            </p:nvCxnSpPr>
+            <p:spPr>
+              <a:xfrm>
+                <a:off x="4770478" y="3634526"/>
+                <a:ext cx="123069" cy="0"/>
+              </a:xfrm>
+              <a:prstGeom prst="line">
+                <a:avLst/>
+              </a:prstGeom>
+              <a:ln w="25400"/>
+            </p:spPr>
+            <p:style>
+              <a:lnRef idx="1">
+                <a:schemeClr val="accent1"/>
+              </a:lnRef>
+              <a:fillRef idx="0">
+                <a:schemeClr val="accent1"/>
+              </a:fillRef>
+              <a:effectRef idx="0">
+                <a:schemeClr val="accent1"/>
+              </a:effectRef>
+              <a:fontRef idx="minor">
+                <a:schemeClr val="tx1"/>
+              </a:fontRef>
+            </p:style>
+          </p:cxnSp>
+          <p:cxnSp>
+            <p:nvCxnSpPr>
+              <p:cNvPr id="310" name="Straight Connector 309"/>
+              <p:cNvCxnSpPr/>
+              <p:nvPr/>
+            </p:nvCxnSpPr>
+            <p:spPr>
+              <a:xfrm>
+                <a:off x="4770478" y="3672461"/>
+                <a:ext cx="123069" cy="0"/>
+              </a:xfrm>
+              <a:prstGeom prst="line">
+                <a:avLst/>
+              </a:prstGeom>
+              <a:ln w="25400"/>
+            </p:spPr>
+            <p:style>
+              <a:lnRef idx="1">
+                <a:schemeClr val="accent1"/>
+              </a:lnRef>
+              <a:fillRef idx="0">
+                <a:schemeClr val="accent1"/>
+              </a:fillRef>
+              <a:effectRef idx="0">
+                <a:schemeClr val="accent1"/>
+              </a:effectRef>
+              <a:fontRef idx="minor">
+                <a:schemeClr val="tx1"/>
+              </a:fontRef>
+            </p:style>
+          </p:cxnSp>
+          <p:cxnSp>
+            <p:nvCxnSpPr>
+              <p:cNvPr id="311" name="Straight Connector 310"/>
+              <p:cNvCxnSpPr/>
+              <p:nvPr/>
+            </p:nvCxnSpPr>
+            <p:spPr>
+              <a:xfrm>
+                <a:off x="4770478" y="3710396"/>
+                <a:ext cx="123069" cy="0"/>
+              </a:xfrm>
+              <a:prstGeom prst="line">
+                <a:avLst/>
+              </a:prstGeom>
+              <a:ln w="25400"/>
+            </p:spPr>
+            <p:style>
+              <a:lnRef idx="1">
+                <a:schemeClr val="accent1"/>
+              </a:lnRef>
+              <a:fillRef idx="0">
+                <a:schemeClr val="accent1"/>
+              </a:fillRef>
+              <a:effectRef idx="0">
+                <a:schemeClr val="accent1"/>
+              </a:effectRef>
+              <a:fontRef idx="minor">
+                <a:schemeClr val="tx1"/>
+              </a:fontRef>
+            </p:style>
+          </p:cxnSp>
+        </p:grpSp>
+      </p:grpSp>
+      <p:grpSp>
+        <p:nvGrpSpPr>
+          <p:cNvPr id="314" name="Group 313"/>
+          <p:cNvGrpSpPr/>
+          <p:nvPr/>
+        </p:nvGrpSpPr>
+        <p:grpSpPr>
+          <a:xfrm>
+            <a:off x="8505587" y="4681810"/>
+            <a:ext cx="420764" cy="340787"/>
+            <a:chOff x="8260589" y="4957753"/>
+            <a:chExt cx="420764" cy="340787"/>
+          </a:xfrm>
+        </p:grpSpPr>
+        <p:sp>
+          <p:nvSpPr>
+            <p:cNvPr id="315" name="Rectangle 314"/>
+            <p:cNvSpPr/>
+            <p:nvPr/>
+          </p:nvSpPr>
+          <p:spPr>
+            <a:xfrm>
+              <a:off x="8260589" y="4957753"/>
+              <a:ext cx="420764" cy="340787"/>
+            </a:xfrm>
+            <a:prstGeom prst="rect">
+              <a:avLst/>
+            </a:prstGeom>
+            <a:solidFill>
+              <a:schemeClr val="bg1"/>
+            </a:solidFill>
+            <a:ln w="25400">
+              <a:solidFill>
+                <a:schemeClr val="bg2">
+                  <a:lumMod val="50000"/>
+                </a:schemeClr>
+              </a:solidFill>
+            </a:ln>
+          </p:spPr>
+          <p:style>
+            <a:lnRef idx="2">
+              <a:schemeClr val="accent1">
+                <a:shade val="50000"/>
+              </a:schemeClr>
+            </a:lnRef>
+            <a:fillRef idx="1">
+              <a:schemeClr val="accent1"/>
+            </a:fillRef>
+            <a:effectRef idx="0">
+              <a:schemeClr val="accent1"/>
+            </a:effectRef>
+            <a:fontRef idx="minor">
+              <a:schemeClr val="lt1"/>
+            </a:fontRef>
+          </p:style>
+          <p:txBody>
+            <a:bodyPr rtlCol="0" anchor="ctr"/>
+            <a:lstStyle/>
+            <a:p>
+              <a:pPr algn="ctr"/>
+              <a:endParaRPr lang="en-US"/>
+            </a:p>
+          </p:txBody>
+        </p:sp>
+        <p:sp>
+          <p:nvSpPr>
+            <p:cNvPr id="316" name="Oval 315"/>
+            <p:cNvSpPr/>
+            <p:nvPr/>
+          </p:nvSpPr>
+          <p:spPr>
+            <a:xfrm>
+              <a:off x="8341983" y="5007589"/>
+              <a:ext cx="90263" cy="90264"/>
+            </a:xfrm>
+            <a:prstGeom prst="ellipse">
+              <a:avLst/>
+            </a:prstGeom>
+            <a:solidFill>
+              <a:schemeClr val="bg2">
+                <a:lumMod val="50000"/>
+              </a:schemeClr>
+            </a:solidFill>
+            <a:ln>
+              <a:solidFill>
+                <a:schemeClr val="tx1"/>
+              </a:solidFill>
+            </a:ln>
+          </p:spPr>
+          <p:style>
+            <a:lnRef idx="2">
+              <a:schemeClr val="accent1">
+                <a:shade val="50000"/>
+              </a:schemeClr>
+            </a:lnRef>
+            <a:fillRef idx="1">
+              <a:schemeClr val="accent1"/>
+            </a:fillRef>
+            <a:effectRef idx="0">
+              <a:schemeClr val="accent1"/>
+            </a:effectRef>
+            <a:fontRef idx="minor">
+              <a:schemeClr val="lt1"/>
+            </a:fontRef>
+          </p:style>
+          <p:txBody>
+            <a:bodyPr rtlCol="0" anchor="ctr"/>
+            <a:lstStyle/>
+            <a:p>
+              <a:pPr algn="ctr"/>
+              <a:endParaRPr lang="en-US"/>
+            </a:p>
+          </p:txBody>
+        </p:sp>
+        <p:sp>
+          <p:nvSpPr>
+            <p:cNvPr id="317" name="Round Same Side Corner Rectangle 316"/>
+            <p:cNvSpPr/>
+            <p:nvPr/>
+          </p:nvSpPr>
+          <p:spPr>
+            <a:xfrm>
+              <a:off x="8311682" y="5097853"/>
+              <a:ext cx="150866" cy="150867"/>
+            </a:xfrm>
+            <a:prstGeom prst="round2SameRect">
+              <a:avLst>
+                <a:gd name="adj1" fmla="val 49716"/>
+                <a:gd name="adj2" fmla="val 0"/>
+              </a:avLst>
+            </a:prstGeom>
+            <a:solidFill>
+              <a:schemeClr val="bg2">
+                <a:lumMod val="50000"/>
+              </a:schemeClr>
+            </a:solidFill>
+            <a:ln>
+              <a:solidFill>
+                <a:schemeClr val="tx1"/>
+              </a:solidFill>
+            </a:ln>
+          </p:spPr>
+          <p:style>
+            <a:lnRef idx="2">
+              <a:schemeClr val="accent1">
+                <a:shade val="50000"/>
+              </a:schemeClr>
+            </a:lnRef>
+            <a:fillRef idx="1">
+              <a:schemeClr val="accent1"/>
+            </a:fillRef>
+            <a:effectRef idx="0">
+              <a:schemeClr val="accent1"/>
+            </a:effectRef>
+            <a:fontRef idx="minor">
+              <a:schemeClr val="lt1"/>
+            </a:fontRef>
+          </p:style>
+          <p:txBody>
+            <a:bodyPr rtlCol="0" anchor="ctr"/>
+            <a:lstStyle/>
+            <a:p>
+              <a:pPr algn="ctr"/>
+              <a:r>
+                <a:rPr lang="en-US" sz="1050" dirty="0" smtClean="0"/>
+                <a:t>B</a:t>
+              </a:r>
+              <a:endParaRPr lang="en-US" sz="4000" dirty="0"/>
+            </a:p>
+          </p:txBody>
+        </p:sp>
+        <p:cxnSp>
+          <p:nvCxnSpPr>
+            <p:cNvPr id="318" name="Straight Connector 317"/>
+            <p:cNvCxnSpPr/>
+            <p:nvPr/>
+          </p:nvCxnSpPr>
+          <p:spPr>
+            <a:xfrm>
+              <a:off x="8492858" y="5059910"/>
+              <a:ext cx="123069" cy="0"/>
+            </a:xfrm>
+            <a:prstGeom prst="line">
+              <a:avLst/>
+            </a:prstGeom>
+            <a:ln w="25400">
+              <a:solidFill>
+                <a:schemeClr val="bg2">
+                  <a:lumMod val="50000"/>
+                </a:schemeClr>
+              </a:solidFill>
+            </a:ln>
+          </p:spPr>
+          <p:style>
+            <a:lnRef idx="1">
+              <a:schemeClr val="accent1"/>
+            </a:lnRef>
+            <a:fillRef idx="0">
+              <a:schemeClr val="accent1"/>
+            </a:fillRef>
+            <a:effectRef idx="0">
+              <a:schemeClr val="accent1"/>
+            </a:effectRef>
+            <a:fontRef idx="minor">
+              <a:schemeClr val="tx1"/>
+            </a:fontRef>
+          </p:style>
+        </p:cxnSp>
+        <p:cxnSp>
+          <p:nvCxnSpPr>
+            <p:cNvPr id="319" name="Straight Connector 318"/>
+            <p:cNvCxnSpPr/>
+            <p:nvPr/>
+          </p:nvCxnSpPr>
+          <p:spPr>
+            <a:xfrm>
+              <a:off x="8492858" y="5097845"/>
+              <a:ext cx="123069" cy="0"/>
+            </a:xfrm>
+            <a:prstGeom prst="line">
+              <a:avLst/>
+            </a:prstGeom>
+            <a:ln w="25400">
+              <a:solidFill>
+                <a:schemeClr val="bg2">
+                  <a:lumMod val="50000"/>
+                </a:schemeClr>
+              </a:solidFill>
+            </a:ln>
+          </p:spPr>
+          <p:style>
+            <a:lnRef idx="1">
+              <a:schemeClr val="accent1"/>
+            </a:lnRef>
+            <a:fillRef idx="0">
+              <a:schemeClr val="accent1"/>
+            </a:fillRef>
+            <a:effectRef idx="0">
+              <a:schemeClr val="accent1"/>
+            </a:effectRef>
+            <a:fontRef idx="minor">
+              <a:schemeClr val="tx1"/>
+            </a:fontRef>
+          </p:style>
+        </p:cxnSp>
+        <p:cxnSp>
+          <p:nvCxnSpPr>
+            <p:cNvPr id="320" name="Straight Connector 319"/>
+            <p:cNvCxnSpPr/>
+            <p:nvPr/>
+          </p:nvCxnSpPr>
+          <p:spPr>
+            <a:xfrm>
+              <a:off x="8492858" y="5135780"/>
+              <a:ext cx="123069" cy="0"/>
+            </a:xfrm>
+            <a:prstGeom prst="line">
+              <a:avLst/>
+            </a:prstGeom>
+            <a:ln w="25400">
+              <a:solidFill>
+                <a:schemeClr val="bg2">
+                  <a:lumMod val="50000"/>
+                </a:schemeClr>
+              </a:solidFill>
+            </a:ln>
+          </p:spPr>
+          <p:style>
+            <a:lnRef idx="1">
+              <a:schemeClr val="accent1"/>
+            </a:lnRef>
+            <a:fillRef idx="0">
+              <a:schemeClr val="accent1"/>
+            </a:fillRef>
+            <a:effectRef idx="0">
+              <a:schemeClr val="accent1"/>
+            </a:effectRef>
+            <a:fontRef idx="minor">
+              <a:schemeClr val="tx1"/>
+            </a:fontRef>
+          </p:style>
+        </p:cxnSp>
+      </p:grpSp>
+      <p:grpSp>
+        <p:nvGrpSpPr>
+          <p:cNvPr id="321" name="Group 320"/>
+          <p:cNvGrpSpPr/>
+          <p:nvPr/>
+        </p:nvGrpSpPr>
+        <p:grpSpPr>
+          <a:xfrm>
+            <a:off x="8657987" y="4834210"/>
+            <a:ext cx="420764" cy="340787"/>
+            <a:chOff x="8260589" y="4957753"/>
+            <a:chExt cx="420764" cy="340787"/>
+          </a:xfrm>
+        </p:grpSpPr>
+        <p:sp>
+          <p:nvSpPr>
+            <p:cNvPr id="322" name="Rectangle 321"/>
+            <p:cNvSpPr/>
+            <p:nvPr/>
+          </p:nvSpPr>
+          <p:spPr>
+            <a:xfrm>
+              <a:off x="8260589" y="4957753"/>
+              <a:ext cx="420764" cy="340787"/>
+            </a:xfrm>
+            <a:prstGeom prst="rect">
+              <a:avLst/>
+            </a:prstGeom>
+            <a:solidFill>
+              <a:schemeClr val="bg1"/>
+            </a:solidFill>
+            <a:ln w="25400">
+              <a:solidFill>
+                <a:schemeClr val="bg2">
+                  <a:lumMod val="50000"/>
+                </a:schemeClr>
+              </a:solidFill>
+            </a:ln>
+          </p:spPr>
+          <p:style>
+            <a:lnRef idx="2">
+              <a:schemeClr val="accent1">
+                <a:shade val="50000"/>
+              </a:schemeClr>
+            </a:lnRef>
+            <a:fillRef idx="1">
+              <a:schemeClr val="accent1"/>
+            </a:fillRef>
+            <a:effectRef idx="0">
+              <a:schemeClr val="accent1"/>
+            </a:effectRef>
+            <a:fontRef idx="minor">
+              <a:schemeClr val="lt1"/>
+            </a:fontRef>
+          </p:style>
+          <p:txBody>
+            <a:bodyPr rtlCol="0" anchor="ctr"/>
+            <a:lstStyle/>
+            <a:p>
+              <a:pPr algn="ctr"/>
+              <a:endParaRPr lang="en-US"/>
+            </a:p>
+          </p:txBody>
+        </p:sp>
+        <p:sp>
+          <p:nvSpPr>
+            <p:cNvPr id="323" name="Oval 322"/>
+            <p:cNvSpPr/>
+            <p:nvPr/>
+          </p:nvSpPr>
+          <p:spPr>
+            <a:xfrm>
+              <a:off x="8341983" y="5007589"/>
+              <a:ext cx="90263" cy="90264"/>
+            </a:xfrm>
+            <a:prstGeom prst="ellipse">
+              <a:avLst/>
+            </a:prstGeom>
+            <a:solidFill>
+              <a:schemeClr val="bg2">
+                <a:lumMod val="50000"/>
+              </a:schemeClr>
+            </a:solidFill>
+            <a:ln>
+              <a:solidFill>
+                <a:schemeClr val="tx1"/>
+              </a:solidFill>
+            </a:ln>
+          </p:spPr>
+          <p:style>
+            <a:lnRef idx="2">
+              <a:schemeClr val="accent1">
+                <a:shade val="50000"/>
+              </a:schemeClr>
+            </a:lnRef>
+            <a:fillRef idx="1">
+              <a:schemeClr val="accent1"/>
+            </a:fillRef>
+            <a:effectRef idx="0">
+              <a:schemeClr val="accent1"/>
+            </a:effectRef>
+            <a:fontRef idx="minor">
+              <a:schemeClr val="lt1"/>
+            </a:fontRef>
+          </p:style>
+          <p:txBody>
+            <a:bodyPr rtlCol="0" anchor="ctr"/>
+            <a:lstStyle/>
+            <a:p>
+              <a:pPr algn="ctr"/>
+              <a:endParaRPr lang="en-US"/>
+            </a:p>
+          </p:txBody>
+        </p:sp>
+        <p:sp>
+          <p:nvSpPr>
+            <p:cNvPr id="324" name="Round Same Side Corner Rectangle 323"/>
+            <p:cNvSpPr/>
+            <p:nvPr/>
+          </p:nvSpPr>
+          <p:spPr>
+            <a:xfrm>
+              <a:off x="8311682" y="5097853"/>
+              <a:ext cx="150866" cy="150867"/>
+            </a:xfrm>
+            <a:prstGeom prst="round2SameRect">
+              <a:avLst>
+                <a:gd name="adj1" fmla="val 49716"/>
+                <a:gd name="adj2" fmla="val 0"/>
+              </a:avLst>
+            </a:prstGeom>
+            <a:solidFill>
+              <a:schemeClr val="bg2">
+                <a:lumMod val="50000"/>
+              </a:schemeClr>
+            </a:solidFill>
+            <a:ln>
+              <a:solidFill>
+                <a:schemeClr val="tx1"/>
+              </a:solidFill>
+            </a:ln>
+          </p:spPr>
+          <p:style>
+            <a:lnRef idx="2">
+              <a:schemeClr val="accent1">
+                <a:shade val="50000"/>
+              </a:schemeClr>
+            </a:lnRef>
+            <a:fillRef idx="1">
+              <a:schemeClr val="accent1"/>
+            </a:fillRef>
+            <a:effectRef idx="0">
+              <a:schemeClr val="accent1"/>
+            </a:effectRef>
+            <a:fontRef idx="minor">
+              <a:schemeClr val="lt1"/>
+            </a:fontRef>
+          </p:style>
+          <p:txBody>
+            <a:bodyPr rtlCol="0" anchor="ctr"/>
+            <a:lstStyle/>
+            <a:p>
+              <a:pPr algn="ctr"/>
+              <a:r>
+                <a:rPr lang="en-US" sz="1050" dirty="0" smtClean="0"/>
+                <a:t>B</a:t>
+              </a:r>
+              <a:endParaRPr lang="en-US" sz="4000" dirty="0"/>
+            </a:p>
+          </p:txBody>
+        </p:sp>
+        <p:cxnSp>
+          <p:nvCxnSpPr>
+            <p:cNvPr id="325" name="Straight Connector 324"/>
+            <p:cNvCxnSpPr/>
+            <p:nvPr/>
+          </p:nvCxnSpPr>
+          <p:spPr>
+            <a:xfrm>
+              <a:off x="8492858" y="5059910"/>
+              <a:ext cx="123069" cy="0"/>
+            </a:xfrm>
+            <a:prstGeom prst="line">
+              <a:avLst/>
+            </a:prstGeom>
+            <a:ln w="25400">
+              <a:solidFill>
+                <a:schemeClr val="bg2">
+                  <a:lumMod val="50000"/>
+                </a:schemeClr>
+              </a:solidFill>
+            </a:ln>
+          </p:spPr>
+          <p:style>
+            <a:lnRef idx="1">
+              <a:schemeClr val="accent1"/>
+            </a:lnRef>
+            <a:fillRef idx="0">
+              <a:schemeClr val="accent1"/>
+            </a:fillRef>
+            <a:effectRef idx="0">
+              <a:schemeClr val="accent1"/>
+            </a:effectRef>
+            <a:fontRef idx="minor">
+              <a:schemeClr val="tx1"/>
+            </a:fontRef>
+          </p:style>
+        </p:cxnSp>
+        <p:cxnSp>
+          <p:nvCxnSpPr>
+            <p:cNvPr id="326" name="Straight Connector 325"/>
+            <p:cNvCxnSpPr/>
+            <p:nvPr/>
+          </p:nvCxnSpPr>
+          <p:spPr>
+            <a:xfrm>
+              <a:off x="8492858" y="5097845"/>
+              <a:ext cx="123069" cy="0"/>
+            </a:xfrm>
+            <a:prstGeom prst="line">
+              <a:avLst/>
+            </a:prstGeom>
+            <a:ln w="25400">
+              <a:solidFill>
+                <a:schemeClr val="bg2">
+                  <a:lumMod val="50000"/>
+                </a:schemeClr>
+              </a:solidFill>
+            </a:ln>
+          </p:spPr>
+          <p:style>
+            <a:lnRef idx="1">
+              <a:schemeClr val="accent1"/>
+            </a:lnRef>
+            <a:fillRef idx="0">
+              <a:schemeClr val="accent1"/>
+            </a:fillRef>
+            <a:effectRef idx="0">
+              <a:schemeClr val="accent1"/>
+            </a:effectRef>
+            <a:fontRef idx="minor">
+              <a:schemeClr val="tx1"/>
+            </a:fontRef>
+          </p:style>
+        </p:cxnSp>
+        <p:cxnSp>
+          <p:nvCxnSpPr>
+            <p:cNvPr id="327" name="Straight Connector 326"/>
+            <p:cNvCxnSpPr/>
+            <p:nvPr/>
+          </p:nvCxnSpPr>
+          <p:spPr>
+            <a:xfrm>
+              <a:off x="8492858" y="5135780"/>
+              <a:ext cx="123069" cy="0"/>
+            </a:xfrm>
+            <a:prstGeom prst="line">
+              <a:avLst/>
+            </a:prstGeom>
+            <a:ln w="25400">
+              <a:solidFill>
+                <a:schemeClr val="bg2">
+                  <a:lumMod val="50000"/>
+                </a:schemeClr>
+              </a:solidFill>
+            </a:ln>
+          </p:spPr>
+          <p:style>
+            <a:lnRef idx="1">
+              <a:schemeClr val="accent1"/>
+            </a:lnRef>
+            <a:fillRef idx="0">
+              <a:schemeClr val="accent1"/>
+            </a:fillRef>
+            <a:effectRef idx="0">
+              <a:schemeClr val="accent1"/>
+            </a:effectRef>
+            <a:fontRef idx="minor">
+              <a:schemeClr val="tx1"/>
+            </a:fontRef>
+          </p:style>
+        </p:cxnSp>
+      </p:grpSp>
+      <p:grpSp>
+        <p:nvGrpSpPr>
+          <p:cNvPr id="328" name="Group 327"/>
+          <p:cNvGrpSpPr/>
+          <p:nvPr/>
+        </p:nvGrpSpPr>
+        <p:grpSpPr>
+          <a:xfrm>
+            <a:off x="8810387" y="4986610"/>
+            <a:ext cx="420764" cy="340787"/>
+            <a:chOff x="8260589" y="4957753"/>
+            <a:chExt cx="420764" cy="340787"/>
+          </a:xfrm>
+        </p:grpSpPr>
+        <p:sp>
+          <p:nvSpPr>
+            <p:cNvPr id="329" name="Rectangle 328"/>
+            <p:cNvSpPr/>
+            <p:nvPr/>
+          </p:nvSpPr>
+          <p:spPr>
+            <a:xfrm>
+              <a:off x="8260589" y="4957753"/>
+              <a:ext cx="420764" cy="340787"/>
+            </a:xfrm>
+            <a:prstGeom prst="rect">
+              <a:avLst/>
+            </a:prstGeom>
+            <a:solidFill>
+              <a:schemeClr val="bg1"/>
+            </a:solidFill>
+            <a:ln w="25400">
+              <a:solidFill>
+                <a:schemeClr val="bg2">
+                  <a:lumMod val="50000"/>
+                </a:schemeClr>
+              </a:solidFill>
+            </a:ln>
+          </p:spPr>
+          <p:style>
+            <a:lnRef idx="2">
+              <a:schemeClr val="accent1">
+                <a:shade val="50000"/>
+              </a:schemeClr>
+            </a:lnRef>
+            <a:fillRef idx="1">
+              <a:schemeClr val="accent1"/>
+            </a:fillRef>
+            <a:effectRef idx="0">
+              <a:schemeClr val="accent1"/>
+            </a:effectRef>
+            <a:fontRef idx="minor">
+              <a:schemeClr val="lt1"/>
+            </a:fontRef>
+          </p:style>
+          <p:txBody>
+            <a:bodyPr rtlCol="0" anchor="ctr"/>
+            <a:lstStyle/>
+            <a:p>
+              <a:pPr algn="ctr"/>
+              <a:endParaRPr lang="en-US"/>
+            </a:p>
+          </p:txBody>
+        </p:sp>
+        <p:sp>
+          <p:nvSpPr>
+            <p:cNvPr id="330" name="Oval 329"/>
+            <p:cNvSpPr/>
+            <p:nvPr/>
+          </p:nvSpPr>
+          <p:spPr>
+            <a:xfrm>
+              <a:off x="8341983" y="5007589"/>
+              <a:ext cx="90263" cy="90264"/>
+            </a:xfrm>
+            <a:prstGeom prst="ellipse">
+              <a:avLst/>
+            </a:prstGeom>
+            <a:solidFill>
+              <a:schemeClr val="bg2">
+                <a:lumMod val="50000"/>
+              </a:schemeClr>
+            </a:solidFill>
+            <a:ln>
+              <a:solidFill>
+                <a:schemeClr val="tx1"/>
+              </a:solidFill>
+            </a:ln>
+          </p:spPr>
+          <p:style>
+            <a:lnRef idx="2">
+              <a:schemeClr val="accent1">
+                <a:shade val="50000"/>
+              </a:schemeClr>
+            </a:lnRef>
+            <a:fillRef idx="1">
+              <a:schemeClr val="accent1"/>
+            </a:fillRef>
+            <a:effectRef idx="0">
+              <a:schemeClr val="accent1"/>
+            </a:effectRef>
+            <a:fontRef idx="minor">
+              <a:schemeClr val="lt1"/>
+            </a:fontRef>
+          </p:style>
+          <p:txBody>
+            <a:bodyPr rtlCol="0" anchor="ctr"/>
+            <a:lstStyle/>
+            <a:p>
+              <a:pPr algn="ctr"/>
+              <a:endParaRPr lang="en-US"/>
+            </a:p>
+          </p:txBody>
+        </p:sp>
+        <p:sp>
+          <p:nvSpPr>
+            <p:cNvPr id="331" name="Round Same Side Corner Rectangle 330"/>
+            <p:cNvSpPr/>
+            <p:nvPr/>
+          </p:nvSpPr>
+          <p:spPr>
+            <a:xfrm>
+              <a:off x="8311682" y="5097853"/>
+              <a:ext cx="150866" cy="150867"/>
+            </a:xfrm>
+            <a:prstGeom prst="round2SameRect">
+              <a:avLst>
+                <a:gd name="adj1" fmla="val 49716"/>
+                <a:gd name="adj2" fmla="val 0"/>
+              </a:avLst>
+            </a:prstGeom>
+            <a:solidFill>
+              <a:schemeClr val="bg2">
+                <a:lumMod val="50000"/>
+              </a:schemeClr>
+            </a:solidFill>
+            <a:ln>
+              <a:solidFill>
+                <a:schemeClr val="tx1"/>
+              </a:solidFill>
+            </a:ln>
+          </p:spPr>
+          <p:style>
+            <a:lnRef idx="2">
+              <a:schemeClr val="accent1">
+                <a:shade val="50000"/>
+              </a:schemeClr>
+            </a:lnRef>
+            <a:fillRef idx="1">
+              <a:schemeClr val="accent1"/>
+            </a:fillRef>
+            <a:effectRef idx="0">
+              <a:schemeClr val="accent1"/>
+            </a:effectRef>
+            <a:fontRef idx="minor">
+              <a:schemeClr val="lt1"/>
+            </a:fontRef>
+          </p:style>
+          <p:txBody>
+            <a:bodyPr rtlCol="0" anchor="ctr"/>
+            <a:lstStyle/>
+            <a:p>
+              <a:pPr algn="ctr"/>
+              <a:r>
+                <a:rPr lang="en-US" sz="1050" dirty="0" smtClean="0"/>
+                <a:t>B</a:t>
+              </a:r>
+              <a:endParaRPr lang="en-US" sz="4000" dirty="0"/>
+            </a:p>
+          </p:txBody>
+        </p:sp>
+        <p:cxnSp>
+          <p:nvCxnSpPr>
+            <p:cNvPr id="332" name="Straight Connector 331"/>
+            <p:cNvCxnSpPr/>
+            <p:nvPr/>
+          </p:nvCxnSpPr>
+          <p:spPr>
+            <a:xfrm>
+              <a:off x="8492858" y="5059910"/>
+              <a:ext cx="123069" cy="0"/>
+            </a:xfrm>
+            <a:prstGeom prst="line">
+              <a:avLst/>
+            </a:prstGeom>
+            <a:ln w="25400">
+              <a:solidFill>
+                <a:schemeClr val="bg2">
+                  <a:lumMod val="50000"/>
+                </a:schemeClr>
+              </a:solidFill>
+            </a:ln>
+          </p:spPr>
+          <p:style>
+            <a:lnRef idx="1">
+              <a:schemeClr val="accent1"/>
+            </a:lnRef>
+            <a:fillRef idx="0">
+              <a:schemeClr val="accent1"/>
+            </a:fillRef>
+            <a:effectRef idx="0">
+              <a:schemeClr val="accent1"/>
+            </a:effectRef>
+            <a:fontRef idx="minor">
+              <a:schemeClr val="tx1"/>
+            </a:fontRef>
+          </p:style>
+        </p:cxnSp>
+        <p:cxnSp>
+          <p:nvCxnSpPr>
+            <p:cNvPr id="333" name="Straight Connector 332"/>
+            <p:cNvCxnSpPr/>
+            <p:nvPr/>
+          </p:nvCxnSpPr>
+          <p:spPr>
+            <a:xfrm>
+              <a:off x="8492858" y="5097845"/>
+              <a:ext cx="123069" cy="0"/>
+            </a:xfrm>
+            <a:prstGeom prst="line">
+              <a:avLst/>
+            </a:prstGeom>
+            <a:ln w="25400">
+              <a:solidFill>
+                <a:schemeClr val="bg2">
+                  <a:lumMod val="50000"/>
+                </a:schemeClr>
+              </a:solidFill>
+            </a:ln>
+          </p:spPr>
+          <p:style>
+            <a:lnRef idx="1">
+              <a:schemeClr val="accent1"/>
+            </a:lnRef>
+            <a:fillRef idx="0">
+              <a:schemeClr val="accent1"/>
+            </a:fillRef>
+            <a:effectRef idx="0">
+              <a:schemeClr val="accent1"/>
+            </a:effectRef>
+            <a:fontRef idx="minor">
+              <a:schemeClr val="tx1"/>
+            </a:fontRef>
+          </p:style>
+        </p:cxnSp>
+        <p:cxnSp>
+          <p:nvCxnSpPr>
+            <p:cNvPr id="334" name="Straight Connector 333"/>
+            <p:cNvCxnSpPr/>
+            <p:nvPr/>
+          </p:nvCxnSpPr>
+          <p:spPr>
+            <a:xfrm>
+              <a:off x="8492858" y="5135780"/>
+              <a:ext cx="123069" cy="0"/>
+            </a:xfrm>
+            <a:prstGeom prst="line">
+              <a:avLst/>
+            </a:prstGeom>
+            <a:ln w="25400">
+              <a:solidFill>
+                <a:schemeClr val="bg2">
+                  <a:lumMod val="50000"/>
+                </a:schemeClr>
+              </a:solidFill>
+            </a:ln>
+          </p:spPr>
+          <p:style>
+            <a:lnRef idx="1">
+              <a:schemeClr val="accent1"/>
+            </a:lnRef>
+            <a:fillRef idx="0">
+              <a:schemeClr val="accent1"/>
+            </a:fillRef>
+            <a:effectRef idx="0">
+              <a:schemeClr val="accent1"/>
+            </a:effectRef>
+            <a:fontRef idx="minor">
+              <a:schemeClr val="tx1"/>
+            </a:fontRef>
+          </p:style>
+        </p:cxnSp>
+      </p:grpSp>
+      <p:sp>
+        <p:nvSpPr>
+          <p:cNvPr id="335" name="TextBox 334"/>
+          <p:cNvSpPr txBox="1"/>
+          <p:nvPr/>
+        </p:nvSpPr>
+        <p:spPr>
+          <a:xfrm>
+            <a:off x="2170825" y="5421916"/>
+            <a:ext cx="1432763" cy="461665"/>
+          </a:xfrm>
+          <a:prstGeom prst="rect">
+            <a:avLst/>
+          </a:prstGeom>
+          <a:noFill/>
+        </p:spPr>
+        <p:txBody>
+          <a:bodyPr wrap="square" rtlCol="0">
+            <a:spAutoFit/>
+          </a:bodyPr>
+          <a:lstStyle/>
+          <a:p>
+            <a:pPr algn="ctr"/>
+            <a:r>
+              <a:rPr lang="en-US" sz="1200" dirty="0" smtClean="0"/>
+              <a:t>Yellow certificates signed by RCA</a:t>
+            </a:r>
+            <a:endParaRPr lang="en-US" sz="1200" dirty="0"/>
+          </a:p>
+        </p:txBody>
+      </p:sp>
+      <p:sp>
+        <p:nvSpPr>
+          <p:cNvPr id="337" name="TextBox 336"/>
+          <p:cNvSpPr txBox="1"/>
+          <p:nvPr/>
+        </p:nvSpPr>
+        <p:spPr>
+          <a:xfrm>
+            <a:off x="4076180" y="5421916"/>
+            <a:ext cx="1432763" cy="461665"/>
+          </a:xfrm>
+          <a:prstGeom prst="rect">
+            <a:avLst/>
+          </a:prstGeom>
+          <a:noFill/>
+        </p:spPr>
+        <p:txBody>
+          <a:bodyPr wrap="square" rtlCol="0">
+            <a:spAutoFit/>
+          </a:bodyPr>
+          <a:lstStyle/>
+          <a:p>
+            <a:pPr algn="ctr"/>
+            <a:r>
+              <a:rPr lang="en-US" sz="1200" dirty="0" smtClean="0"/>
+              <a:t>Green certificates signed by ICA1</a:t>
+            </a:r>
+            <a:endParaRPr lang="en-US" sz="1200" dirty="0"/>
+          </a:p>
+        </p:txBody>
+      </p:sp>
+      <p:sp>
+        <p:nvSpPr>
+          <p:cNvPr id="338" name="TextBox 337"/>
+          <p:cNvSpPr txBox="1"/>
+          <p:nvPr/>
+        </p:nvSpPr>
+        <p:spPr>
+          <a:xfrm>
+            <a:off x="5981535" y="5421916"/>
+            <a:ext cx="1432763" cy="461665"/>
+          </a:xfrm>
+          <a:prstGeom prst="rect">
+            <a:avLst/>
+          </a:prstGeom>
+          <a:noFill/>
+        </p:spPr>
+        <p:txBody>
+          <a:bodyPr wrap="square" rtlCol="0">
+            <a:spAutoFit/>
+          </a:bodyPr>
+          <a:lstStyle/>
+          <a:p>
+            <a:pPr algn="ctr"/>
+            <a:r>
+              <a:rPr lang="en-US" sz="1200" dirty="0" smtClean="0"/>
+              <a:t>Blue certificates signed by ICA2</a:t>
+            </a:r>
+            <a:endParaRPr lang="en-US" sz="1200" dirty="0"/>
+          </a:p>
+        </p:txBody>
+      </p:sp>
+      <p:sp>
+        <p:nvSpPr>
+          <p:cNvPr id="339" name="TextBox 338"/>
+          <p:cNvSpPr txBox="1"/>
+          <p:nvPr/>
+        </p:nvSpPr>
+        <p:spPr>
+          <a:xfrm>
+            <a:off x="7886890" y="5421916"/>
+            <a:ext cx="1432763" cy="461665"/>
+          </a:xfrm>
+          <a:prstGeom prst="rect">
+            <a:avLst/>
+          </a:prstGeom>
+          <a:noFill/>
+        </p:spPr>
+        <p:txBody>
+          <a:bodyPr wrap="square" rtlCol="0">
+            <a:spAutoFit/>
+          </a:bodyPr>
+          <a:lstStyle/>
+          <a:p>
+            <a:pPr algn="ctr"/>
+            <a:r>
+              <a:rPr lang="en-US" sz="1200" dirty="0" smtClean="0"/>
+              <a:t>Grey certificates signed by ICA3</a:t>
+            </a:r>
+            <a:endParaRPr lang="en-US" sz="1200" dirty="0"/>
+          </a:p>
+        </p:txBody>
+      </p:sp>
+    </p:spTree>
+    <p:extLst>
+      <p:ext uri="{BB962C8B-B14F-4D97-AF65-F5344CB8AC3E}">
+        <p14:creationId xmlns:p14="http://schemas.microsoft.com/office/powerpoint/2010/main" val="1409964370"/>
+      </p:ext>
+    </p:extLst>
+  </p:cSld>
+  <p:clrMapOvr>
+    <a:masterClrMapping/>
+  </p:clrMapOvr>
+  <p:timing>
+    <p:tnLst>
+      <p:par>
+        <p:cTn id="1" dur="indefinite" restart="never" nodeType="tmRoot"/>
+      </p:par>
+    </p:tnLst>
+  </p:timing>
 </p:sld>
 </file>
 
@@ -5290,7 +11827,7 @@
         <p:spPr>
           <a:xfrm>
             <a:off x="5262556" y="4404554"/>
-            <a:ext cx="0" cy="688932"/>
+            <a:ext cx="0" cy="547023"/>
           </a:xfrm>
           <a:prstGeom prst="line">
             <a:avLst/>
@@ -5322,7 +11859,7 @@
         </p:nvSpPr>
         <p:spPr>
           <a:xfrm>
-            <a:off x="6191375" y="4673609"/>
+            <a:off x="4753186" y="4874658"/>
             <a:ext cx="348172" cy="461665"/>
           </a:xfrm>
           <a:prstGeom prst="rect">
@@ -5355,13 +11892,16 @@
       <p:cxnSp>
         <p:nvCxnSpPr>
           <p:cNvPr id="18" name="Straight Connector 17"/>
-          <p:cNvCxnSpPr/>
+          <p:cNvCxnSpPr>
+            <a:stCxn id="19" idx="0"/>
+            <a:endCxn id="40" idx="7"/>
+          </p:cNvCxnSpPr>
           <p:nvPr/>
         </p:nvCxnSpPr>
         <p:spPr>
-          <a:xfrm flipH="1">
-            <a:off x="6028254" y="3510799"/>
-            <a:ext cx="1" cy="1600714"/>
+          <a:xfrm>
+            <a:off x="6028255" y="3510799"/>
+            <a:ext cx="6231" cy="1485858"/>
           </a:xfrm>
           <a:prstGeom prst="line">
             <a:avLst/>
@@ -5658,11 +12198,11 @@
             <a:avLst/>
           </a:prstGeom>
           <a:solidFill>
-            <a:srgbClr val="FF0000"/>
+            <a:srgbClr val="4372C4"/>
           </a:solidFill>
           <a:ln w="19050">
             <a:solidFill>
-              <a:srgbClr val="0070C0"/>
+              <a:srgbClr val="3D4B5F"/>
             </a:solidFill>
           </a:ln>
         </p:spPr>
@@ -5703,69 +12243,6 @@
           </a:p>
         </p:txBody>
       </p:sp>
-      <p:sp>
-        <p:nvSpPr>
-          <p:cNvPr id="29" name="Rounded Rectangle 28"/>
-          <p:cNvSpPr/>
-          <p:nvPr/>
-        </p:nvSpPr>
-        <p:spPr>
-          <a:xfrm>
-            <a:off x="3084434" y="2374979"/>
-            <a:ext cx="595004" cy="549201"/>
-          </a:xfrm>
-          <a:prstGeom prst="roundRect">
-            <a:avLst/>
-          </a:prstGeom>
-          <a:solidFill>
-            <a:srgbClr val="FFC000"/>
-          </a:solidFill>
-          <a:ln w="28575" cmpd="sng">
-            <a:solidFill>
-              <a:srgbClr val="0070C0"/>
-            </a:solidFill>
-          </a:ln>
-          <a:effectLst/>
-        </p:spPr>
-        <p:style>
-          <a:lnRef idx="1">
-            <a:schemeClr val="accent1"/>
-          </a:lnRef>
-          <a:fillRef idx="3">
-            <a:schemeClr val="accent1"/>
-          </a:fillRef>
-          <a:effectRef idx="2">
-            <a:schemeClr val="accent1"/>
-          </a:effectRef>
-          <a:fontRef idx="minor">
-            <a:schemeClr val="lt1"/>
-          </a:fontRef>
-        </p:style>
-        <p:txBody>
-          <a:bodyPr rtlCol="0" anchor="ctr"/>
-          <a:lstStyle/>
-          <a:p>
-            <a:pPr algn="ctr"/>
-            <a:r>
-              <a:rPr lang="en-US" sz="2400" b="1" smtClean="0">
-                <a:solidFill>
-                  <a:srgbClr val="4372C4"/>
-                </a:solidFill>
-                <a:ea typeface="Arial" charset="0"/>
-                <a:cs typeface="Arial" charset="0"/>
-              </a:rPr>
-              <a:t>S</a:t>
-            </a:r>
-            <a:endParaRPr lang="en-US" sz="2400" b="1" dirty="0">
-              <a:solidFill>
-                <a:srgbClr val="4372C4"/>
-              </a:solidFill>
-              <a:ea typeface="Arial" charset="0"/>
-              <a:cs typeface="Arial" charset="0"/>
-            </a:endParaRPr>
-          </a:p>
-        </p:txBody>
-      </p:sp>
       <p:cxnSp>
         <p:nvCxnSpPr>
           <p:cNvPr id="39" name="Straight Connector 38"/>
@@ -5777,7 +12254,7 @@
         <p:spPr>
           <a:xfrm>
             <a:off x="5068309" y="4404554"/>
-            <a:ext cx="0" cy="185450"/>
+            <a:ext cx="0" cy="164271"/>
           </a:xfrm>
           <a:prstGeom prst="line">
             <a:avLst/>
@@ -5809,7 +12286,7 @@
         </p:nvSpPr>
         <p:spPr>
           <a:xfrm>
-            <a:off x="861598" y="4158961"/>
+            <a:off x="3196198" y="4395118"/>
             <a:ext cx="348172" cy="461665"/>
           </a:xfrm>
           <a:prstGeom prst="rect">
@@ -5847,13 +12324,14 @@
           <p:cNvPr id="34" name="Straight Connector 33"/>
           <p:cNvCxnSpPr>
             <a:stCxn id="35" idx="0"/>
+            <a:endCxn id="46" idx="0"/>
           </p:cNvCxnSpPr>
           <p:nvPr/>
         </p:nvCxnSpPr>
         <p:spPr>
           <a:xfrm>
             <a:off x="3380302" y="3518567"/>
-            <a:ext cx="0" cy="1081164"/>
+            <a:ext cx="943" cy="953470"/>
           </a:xfrm>
           <a:prstGeom prst="line">
             <a:avLst/>
@@ -6023,7 +12501,7 @@
         <p:spPr>
           <a:xfrm>
             <a:off x="1993951" y="3525065"/>
-            <a:ext cx="0" cy="1081164"/>
+            <a:ext cx="13365" cy="996135"/>
           </a:xfrm>
           <a:prstGeom prst="line">
             <a:avLst/>
@@ -6111,9 +12589,9 @@
           <p:nvPr/>
         </p:nvCxnSpPr>
         <p:spPr>
-          <a:xfrm flipH="1">
-            <a:off x="3609598" y="3510799"/>
-            <a:ext cx="1" cy="1600714"/>
+          <a:xfrm>
+            <a:off x="3609600" y="3510799"/>
+            <a:ext cx="4723" cy="1526033"/>
           </a:xfrm>
           <a:prstGeom prst="line">
             <a:avLst/>
@@ -6233,7 +12711,7 @@
           <p:nvPr>
             <p:extLst>
               <p:ext uri="{D42A27DB-BD31-4B8C-83A1-F6EECF244321}">
-                <p14:modId xmlns:p14="http://schemas.microsoft.com/office/powerpoint/2010/main" val="165150380"/>
+                <p14:modId xmlns:p14="http://schemas.microsoft.com/office/powerpoint/2010/main" val="1774820842"/>
               </p:ext>
             </p:extLst>
           </p:nvPr>
@@ -6546,7 +13024,15 @@
                     <a:lstStyle/>
                     <a:p>
                       <a:pPr lvl="0"/>
-                      <a:endParaRPr lang="en-US" sz="1400" dirty="0"/>
+                      <a:r>
+                        <a:rPr lang="en-US" sz="1400" dirty="0" smtClean="0"/>
+                        <a:t>    </a:t>
+                      </a:r>
+                      <a:r>
+                        <a:rPr lang="en-US" sz="1400" b="1" dirty="0" smtClean="0"/>
+                        <a:t>C</a:t>
+                      </a:r>
+                      <a:endParaRPr lang="en-US" sz="1400" b="1" dirty="0"/>
                     </a:p>
                   </a:txBody>
                   <a:tcPr anchor="ctr">
@@ -7244,104 +13730,6 @@
           </a:p>
         </p:txBody>
       </p:sp>
-      <p:grpSp>
-        <p:nvGrpSpPr>
-          <p:cNvPr id="3" name="Group 2"/>
-          <p:cNvGrpSpPr/>
-          <p:nvPr/>
-        </p:nvGrpSpPr>
-        <p:grpSpPr>
-          <a:xfrm>
-            <a:off x="7369422" y="3653125"/>
-            <a:ext cx="371378" cy="176077"/>
-            <a:chOff x="7369422" y="3653125"/>
-            <a:chExt cx="371378" cy="176077"/>
-          </a:xfrm>
-        </p:grpSpPr>
-        <p:sp>
-          <p:nvSpPr>
-            <p:cNvPr id="58" name="Oval 57"/>
-            <p:cNvSpPr/>
-            <p:nvPr/>
-          </p:nvSpPr>
-          <p:spPr>
-            <a:xfrm>
-              <a:off x="7369422" y="3653125"/>
-              <a:ext cx="176077" cy="176077"/>
-            </a:xfrm>
-            <a:prstGeom prst="ellipse">
-              <a:avLst/>
-            </a:prstGeom>
-            <a:solidFill>
-              <a:srgbClr val="4372C4"/>
-            </a:solidFill>
-            <a:ln w="25400" cmpd="sng">
-              <a:solidFill>
-                <a:schemeClr val="tx2"/>
-              </a:solidFill>
-            </a:ln>
-          </p:spPr>
-          <p:style>
-            <a:lnRef idx="1">
-              <a:schemeClr val="accent1"/>
-            </a:lnRef>
-            <a:fillRef idx="3">
-              <a:schemeClr val="accent1"/>
-            </a:fillRef>
-            <a:effectRef idx="2">
-              <a:schemeClr val="accent1"/>
-            </a:effectRef>
-            <a:fontRef idx="minor">
-              <a:schemeClr val="lt1"/>
-            </a:fontRef>
-          </p:style>
-          <p:txBody>
-            <a:bodyPr rtlCol="0" anchor="ctr"/>
-            <a:lstStyle/>
-            <a:p>
-              <a:pPr algn="ctr" defTabSz="457200"/>
-              <a:endParaRPr lang="en-GB" sz="1000">
-                <a:solidFill>
-                  <a:srgbClr val="000000"/>
-                </a:solidFill>
-              </a:endParaRPr>
-            </a:p>
-          </p:txBody>
-        </p:sp>
-        <p:cxnSp>
-          <p:nvCxnSpPr>
-            <p:cNvPr id="59" name="Straight Connector 58"/>
-            <p:cNvCxnSpPr/>
-            <p:nvPr/>
-          </p:nvCxnSpPr>
-          <p:spPr>
-            <a:xfrm flipV="1">
-              <a:off x="7545499" y="3741163"/>
-              <a:ext cx="195301" cy="1"/>
-            </a:xfrm>
-            <a:prstGeom prst="line">
-              <a:avLst/>
-            </a:prstGeom>
-            <a:solidFill>
-              <a:srgbClr val="4372C4"/>
-            </a:solidFill>
-            <a:ln w="25400" cap="flat" cmpd="sng" algn="ctr">
-              <a:solidFill>
-                <a:srgbClr val="0070C0"/>
-              </a:solidFill>
-              <a:prstDash val="solid"/>
-              <a:tailEnd type="none"/>
-            </a:ln>
-            <a:effectLst>
-              <a:outerShdw blurRad="40000" dist="20000" dir="5400000" rotWithShape="0">
-                <a:srgbClr val="000000">
-                  <a:alpha val="38000"/>
-                </a:srgbClr>
-              </a:outerShdw>
-            </a:effectLst>
-          </p:spPr>
-        </p:cxnSp>
-      </p:grpSp>
       <p:sp>
         <p:nvSpPr>
           <p:cNvPr id="61" name="Rounded Rectangle 60"/>
@@ -7642,72 +14030,348 @@
           </a:p>
         </p:txBody>
       </p:sp>
-      <p:cxnSp>
-        <p:nvCxnSpPr>
-          <p:cNvPr id="20" name="Straight Connector 19"/>
-          <p:cNvCxnSpPr/>
+      <p:sp>
+        <p:nvSpPr>
+          <p:cNvPr id="40" name="Oval 39"/>
+          <p:cNvSpPr/>
           <p:nvPr/>
-        </p:nvCxnSpPr>
+        </p:nvSpPr>
         <p:spPr>
-          <a:xfrm flipV="1">
-            <a:off x="3525815" y="5111513"/>
-            <a:ext cx="2932732" cy="3949"/>
+          <a:xfrm>
+            <a:off x="3491578" y="4951577"/>
+            <a:ext cx="2979202" cy="307828"/>
           </a:xfrm>
-          <a:prstGeom prst="line">
+          <a:prstGeom prst="ellipse">
+            <a:avLst/>
+          </a:prstGeom>
+          <a:noFill/>
+          <a:ln w="38100">
+            <a:solidFill>
+              <a:srgbClr val="FF0000"/>
+            </a:solidFill>
+          </a:ln>
+          <a:effectLst>
+            <a:outerShdw blurRad="50800" dist="38100" dir="2700000" algn="tl" rotWithShape="0">
+              <a:prstClr val="black">
+                <a:alpha val="40000"/>
+              </a:prstClr>
+            </a:outerShdw>
+          </a:effectLst>
+        </p:spPr>
+        <p:style>
+          <a:lnRef idx="2">
+            <a:schemeClr val="accent1">
+              <a:shade val="50000"/>
+            </a:schemeClr>
+          </a:lnRef>
+          <a:fillRef idx="1">
+            <a:schemeClr val="accent1"/>
+          </a:fillRef>
+          <a:effectRef idx="0">
+            <a:schemeClr val="accent1"/>
+          </a:effectRef>
+          <a:fontRef idx="minor">
+            <a:schemeClr val="lt1"/>
+          </a:fontRef>
+        </p:style>
+        <p:txBody>
+          <a:bodyPr rtlCol="0" anchor="ctr"/>
+          <a:lstStyle/>
+          <a:p>
+            <a:pPr algn="ctr"/>
+            <a:endParaRPr lang="en-US"/>
+          </a:p>
+        </p:txBody>
+      </p:sp>
+      <p:sp>
+        <p:nvSpPr>
+          <p:cNvPr id="46" name="Oval 45"/>
+          <p:cNvSpPr/>
+          <p:nvPr/>
+        </p:nvSpPr>
+        <p:spPr>
+          <a:xfrm>
+            <a:off x="1604165" y="4472037"/>
+            <a:ext cx="3554159" cy="307828"/>
+          </a:xfrm>
+          <a:prstGeom prst="ellipse">
+            <a:avLst/>
+          </a:prstGeom>
+          <a:noFill/>
+          <a:ln w="38100">
+            <a:solidFill>
+              <a:srgbClr val="4372C4"/>
+            </a:solidFill>
+          </a:ln>
+          <a:effectLst>
+            <a:outerShdw blurRad="50800" dist="38100" dir="2700000" algn="tl" rotWithShape="0">
+              <a:prstClr val="black">
+                <a:alpha val="40000"/>
+              </a:prstClr>
+            </a:outerShdw>
+          </a:effectLst>
+        </p:spPr>
+        <p:style>
+          <a:lnRef idx="2">
+            <a:schemeClr val="accent1">
+              <a:shade val="50000"/>
+            </a:schemeClr>
+          </a:lnRef>
+          <a:fillRef idx="1">
+            <a:schemeClr val="accent1"/>
+          </a:fillRef>
+          <a:effectRef idx="0">
+            <a:schemeClr val="accent1"/>
+          </a:effectRef>
+          <a:fontRef idx="minor">
+            <a:schemeClr val="lt1"/>
+          </a:fontRef>
+        </p:style>
+        <p:txBody>
+          <a:bodyPr rtlCol="0" anchor="ctr"/>
+          <a:lstStyle/>
+          <a:p>
+            <a:pPr algn="ctr"/>
+            <a:endParaRPr lang="en-US"/>
+          </a:p>
+        </p:txBody>
+      </p:sp>
+      <p:sp>
+        <p:nvSpPr>
+          <p:cNvPr id="64" name="Oval 63"/>
+          <p:cNvSpPr/>
+          <p:nvPr/>
+        </p:nvSpPr>
+        <p:spPr>
+          <a:xfrm>
+            <a:off x="7256346" y="3627780"/>
+            <a:ext cx="526249" cy="238539"/>
+          </a:xfrm>
+          <a:prstGeom prst="ellipse">
+            <a:avLst/>
+          </a:prstGeom>
+          <a:noFill/>
+          <a:ln w="38100">
+            <a:solidFill>
+              <a:srgbClr val="4372C4"/>
+            </a:solidFill>
+          </a:ln>
+          <a:effectLst>
+            <a:outerShdw blurRad="50800" dist="38100" dir="2700000" algn="tl" rotWithShape="0">
+              <a:prstClr val="black">
+                <a:alpha val="40000"/>
+              </a:prstClr>
+            </a:outerShdw>
+          </a:effectLst>
+        </p:spPr>
+        <p:style>
+          <a:lnRef idx="2">
+            <a:schemeClr val="accent1">
+              <a:shade val="50000"/>
+            </a:schemeClr>
+          </a:lnRef>
+          <a:fillRef idx="1">
+            <a:schemeClr val="accent1"/>
+          </a:fillRef>
+          <a:effectRef idx="0">
+            <a:schemeClr val="accent1"/>
+          </a:effectRef>
+          <a:fontRef idx="minor">
+            <a:schemeClr val="lt1"/>
+          </a:fontRef>
+        </p:style>
+        <p:txBody>
+          <a:bodyPr rtlCol="0" anchor="ctr"/>
+          <a:lstStyle/>
+          <a:p>
+            <a:pPr algn="ctr"/>
+            <a:endParaRPr lang="en-US"/>
+          </a:p>
+        </p:txBody>
+      </p:sp>
+      <p:sp>
+        <p:nvSpPr>
+          <p:cNvPr id="43" name="Document 42"/>
+          <p:cNvSpPr/>
+          <p:nvPr/>
+        </p:nvSpPr>
+        <p:spPr>
+          <a:xfrm>
+            <a:off x="1290622" y="2832864"/>
+            <a:ext cx="547666" cy="433746"/>
+          </a:xfrm>
+          <a:prstGeom prst="flowChartDocument">
             <a:avLst/>
           </a:prstGeom>
           <a:solidFill>
-            <a:srgbClr val="4372C4"/>
+            <a:schemeClr val="accent1"/>
           </a:solidFill>
-          <a:ln w="38100" cap="flat" cmpd="sng" algn="ctr">
+          <a:ln w="19050">
             <a:solidFill>
-              <a:srgbClr val="FF0000"/>
+              <a:srgbClr val="3D4B5F"/>
             </a:solidFill>
-            <a:prstDash val="solid"/>
-            <a:tailEnd type="none"/>
           </a:ln>
-          <a:effectLst>
-            <a:outerShdw blurRad="40000" dist="20000" dir="5400000" rotWithShape="0">
-              <a:srgbClr val="000000">
-                <a:alpha val="38000"/>
-              </a:srgbClr>
-            </a:outerShdw>
-          </a:effectLst>
         </p:spPr>
-      </p:cxnSp>
-      <p:cxnSp>
-        <p:nvCxnSpPr>
-          <p:cNvPr id="36" name="Straight Connector 35"/>
-          <p:cNvCxnSpPr/>
+        <p:style>
+          <a:lnRef idx="2">
+            <a:schemeClr val="accent1">
+              <a:shade val="50000"/>
+            </a:schemeClr>
+          </a:lnRef>
+          <a:fillRef idx="1">
+            <a:schemeClr val="accent1"/>
+          </a:fillRef>
+          <a:effectRef idx="0">
+            <a:schemeClr val="accent1"/>
+          </a:effectRef>
+          <a:fontRef idx="minor">
+            <a:schemeClr val="lt1"/>
+          </a:fontRef>
+        </p:style>
+        <p:txBody>
+          <a:bodyPr rtlCol="0" anchor="ctr"/>
+          <a:lstStyle/>
+          <a:p>
+            <a:pPr algn="ctr"/>
+            <a:r>
+              <a:rPr lang="en-US" sz="2400" b="1" dirty="0" smtClean="0">
+                <a:solidFill>
+                  <a:schemeClr val="bg1"/>
+                </a:solidFill>
+              </a:rPr>
+              <a:t>L</a:t>
+            </a:r>
+            <a:endParaRPr lang="en-US" sz="2400" b="1" dirty="0">
+              <a:solidFill>
+                <a:schemeClr val="bg1"/>
+              </a:solidFill>
+            </a:endParaRPr>
+          </a:p>
+        </p:txBody>
+      </p:sp>
+      <p:sp>
+        <p:nvSpPr>
+          <p:cNvPr id="44" name="Document 43"/>
+          <p:cNvSpPr/>
           <p:nvPr/>
-        </p:nvCxnSpPr>
+        </p:nvSpPr>
         <p:spPr>
-          <a:xfrm flipV="1">
-            <a:off x="943011" y="4590004"/>
-            <a:ext cx="4206299" cy="16225"/>
+          <a:xfrm>
+            <a:off x="3620000" y="2829847"/>
+            <a:ext cx="547666" cy="433746"/>
           </a:xfrm>
-          <a:prstGeom prst="line">
+          <a:prstGeom prst="flowChartDocument">
             <a:avLst/>
           </a:prstGeom>
           <a:solidFill>
-            <a:srgbClr val="4372C4"/>
+            <a:srgbClr val="FF0000"/>
           </a:solidFill>
-          <a:ln w="38100" cap="flat" cmpd="sng" algn="ctr">
+          <a:ln w="19050">
             <a:solidFill>
-              <a:schemeClr val="accent1"/>
+              <a:srgbClr val="0070C0"/>
             </a:solidFill>
-            <a:prstDash val="solid"/>
-            <a:tailEnd type="none"/>
           </a:ln>
-          <a:effectLst>
-            <a:outerShdw blurRad="40000" dist="20000" dir="5400000" rotWithShape="0">
-              <a:srgbClr val="000000">
-                <a:alpha val="38000"/>
-              </a:srgbClr>
-            </a:outerShdw>
-          </a:effectLst>
         </p:spPr>
-      </p:cxnSp>
+        <p:style>
+          <a:lnRef idx="2">
+            <a:schemeClr val="accent1">
+              <a:shade val="50000"/>
+            </a:schemeClr>
+          </a:lnRef>
+          <a:fillRef idx="1">
+            <a:schemeClr val="accent1"/>
+          </a:fillRef>
+          <a:effectRef idx="0">
+            <a:schemeClr val="accent1"/>
+          </a:effectRef>
+          <a:fontRef idx="minor">
+            <a:schemeClr val="lt1"/>
+          </a:fontRef>
+        </p:style>
+        <p:txBody>
+          <a:bodyPr rtlCol="0" anchor="ctr"/>
+          <a:lstStyle/>
+          <a:p>
+            <a:pPr algn="ctr"/>
+            <a:r>
+              <a:rPr lang="en-US" sz="2400" b="1" dirty="0" smtClean="0">
+                <a:solidFill>
+                  <a:schemeClr val="bg1"/>
+                </a:solidFill>
+              </a:rPr>
+              <a:t>L</a:t>
+            </a:r>
+            <a:endParaRPr lang="en-US" sz="2400" b="1" dirty="0">
+              <a:solidFill>
+                <a:schemeClr val="bg1"/>
+              </a:solidFill>
+            </a:endParaRPr>
+          </a:p>
+        </p:txBody>
+      </p:sp>
+      <p:sp>
+        <p:nvSpPr>
+          <p:cNvPr id="29" name="Rounded Rectangle 28"/>
+          <p:cNvSpPr/>
+          <p:nvPr/>
+        </p:nvSpPr>
+        <p:spPr>
+          <a:xfrm>
+            <a:off x="3084434" y="2374979"/>
+            <a:ext cx="595004" cy="549201"/>
+          </a:xfrm>
+          <a:prstGeom prst="roundRect">
+            <a:avLst/>
+          </a:prstGeom>
+          <a:solidFill>
+            <a:srgbClr val="FFC000"/>
+          </a:solidFill>
+          <a:ln w="28575" cmpd="sng">
+            <a:solidFill>
+              <a:srgbClr val="0070C0"/>
+            </a:solidFill>
+          </a:ln>
+          <a:effectLst/>
+        </p:spPr>
+        <p:style>
+          <a:lnRef idx="1">
+            <a:schemeClr val="accent1"/>
+          </a:lnRef>
+          <a:fillRef idx="3">
+            <a:schemeClr val="accent1"/>
+          </a:fillRef>
+          <a:effectRef idx="2">
+            <a:schemeClr val="accent1"/>
+          </a:effectRef>
+          <a:fontRef idx="minor">
+            <a:schemeClr val="lt1"/>
+          </a:fontRef>
+        </p:style>
+        <p:txBody>
+          <a:bodyPr rtlCol="0" anchor="ctr"/>
+          <a:lstStyle/>
+          <a:p>
+            <a:pPr algn="ctr"/>
+            <a:r>
+              <a:rPr lang="en-US" sz="2400" b="1" smtClean="0">
+                <a:solidFill>
+                  <a:srgbClr val="4372C4"/>
+                </a:solidFill>
+                <a:ea typeface="Arial" charset="0"/>
+                <a:cs typeface="Arial" charset="0"/>
+              </a:rPr>
+              <a:t>S</a:t>
+            </a:r>
+            <a:endParaRPr lang="en-US" sz="2400" b="1" dirty="0">
+              <a:solidFill>
+                <a:srgbClr val="4372C4"/>
+              </a:solidFill>
+              <a:ea typeface="Arial" charset="0"/>
+              <a:cs typeface="Arial" charset="0"/>
+            </a:endParaRPr>
+          </a:p>
+        </p:txBody>
+      </p:sp>
     </p:spTree>
     <p:extLst>
       <p:ext uri="{BB962C8B-B14F-4D97-AF65-F5344CB8AC3E}">
@@ -7805,11 +14469,7 @@
           <a:p>
             <a:r>
               <a:rPr lang="en-US" dirty="0" smtClean="0"/>
-              <a:t>Diagram </a:t>
-            </a:r>
-            <a:r>
-              <a:rPr lang="en-US" dirty="0" smtClean="0"/>
-              <a:t>3</a:t>
+              <a:t>Diagram 3</a:t>
             </a:r>
             <a:endParaRPr lang="en-US" dirty="0"/>
           </a:p>
@@ -7853,7 +14513,7 @@
           <p:nvPr>
             <p:extLst>
               <p:ext uri="{D42A27DB-BD31-4B8C-83A1-F6EECF244321}">
-                <p14:modId xmlns:p14="http://schemas.microsoft.com/office/powerpoint/2010/main" val="902720426"/>
+                <p14:modId xmlns:p14="http://schemas.microsoft.com/office/powerpoint/2010/main" val="331735132"/>
               </p:ext>
             </p:extLst>
           </p:nvPr>
@@ -8245,7 +14905,7 @@
                       </a:pPr>
                       <a:r>
                         <a:rPr lang="en-US" sz="1400" dirty="0" smtClean="0"/>
-                        <a:t>Channel</a:t>
+                        <a:t>Organization</a:t>
                       </a:r>
                     </a:p>
                   </a:txBody>
@@ -8394,7 +15054,6 @@
                         <a:rPr lang="en-US" sz="1400" dirty="0" smtClean="0"/>
                         <a:t>Identity</a:t>
                       </a:r>
-                      <a:endParaRPr lang="en-US" sz="1400" dirty="0" smtClean="0"/>
                     </a:p>
                   </a:txBody>
                   <a:tcPr anchor="ctr">
@@ -8544,7 +15203,6 @@
                         <a:rPr lang="en-US" sz="1400" dirty="0" smtClean="0"/>
                         <a:t>Blockchain user</a:t>
                       </a:r>
-                      <a:endParaRPr lang="en-US" sz="1400" dirty="0" smtClean="0"/>
                     </a:p>
                   </a:txBody>
                   <a:tcPr anchor="ctr">
@@ -8700,7 +15358,6 @@
                         <a:rPr lang="en-US" sz="1400" dirty="0" smtClean="0"/>
                         <a:t>dministrator</a:t>
                       </a:r>
-                      <a:endParaRPr lang="en-US" sz="1400" dirty="0" smtClean="0"/>
                     </a:p>
                   </a:txBody>
                   <a:tcPr anchor="ctr">
@@ -8850,7 +15507,6 @@
                         <a:rPr lang="en-US" sz="1400" dirty="0" smtClean="0"/>
                         <a:t>Application</a:t>
                       </a:r>
-                      <a:endParaRPr lang="en-US" sz="1400" dirty="0" smtClean="0"/>
                     </a:p>
                   </a:txBody>
                   <a:tcPr anchor="ctr">
@@ -12178,7 +18834,6 @@
               <a:rPr lang="en-US" dirty="0"/>
               <a:t>4</a:t>
             </a:r>
-            <a:endParaRPr lang="en-US" dirty="0"/>
           </a:p>
         </p:txBody>
       </p:sp>
@@ -12220,7 +18875,7 @@
           <p:nvPr>
             <p:extLst>
               <p:ext uri="{D42A27DB-BD31-4B8C-83A1-F6EECF244321}">
-                <p14:modId xmlns:p14="http://schemas.microsoft.com/office/powerpoint/2010/main" val="1996676788"/>
+                <p14:modId xmlns:p14="http://schemas.microsoft.com/office/powerpoint/2010/main" val="99570020"/>
               </p:ext>
             </p:extLst>
           </p:nvPr>
@@ -12612,7 +19267,7 @@
                       </a:pPr>
                       <a:r>
                         <a:rPr lang="en-US" sz="1400" dirty="0" smtClean="0"/>
-                        <a:t>Channel</a:t>
+                        <a:t>Organization</a:t>
                       </a:r>
                     </a:p>
                   </a:txBody>
@@ -12761,7 +19416,6 @@
                         <a:rPr lang="en-US" sz="1400" dirty="0" smtClean="0"/>
                         <a:t>Identity</a:t>
                       </a:r>
-                      <a:endParaRPr lang="en-US" sz="1400" dirty="0" smtClean="0"/>
                     </a:p>
                   </a:txBody>
                   <a:tcPr anchor="ctr">
@@ -12911,7 +19565,6 @@
                         <a:rPr lang="en-US" sz="1400" dirty="0" smtClean="0"/>
                         <a:t>Blockchain user</a:t>
                       </a:r>
-                      <a:endParaRPr lang="en-US" sz="1400" dirty="0" smtClean="0"/>
                     </a:p>
                   </a:txBody>
                   <a:tcPr anchor="ctr">
@@ -13067,7 +19720,6 @@
                         <a:rPr lang="en-US" sz="1400" dirty="0" smtClean="0"/>
                         <a:t>dministrator</a:t>
                       </a:r>
-                      <a:endParaRPr lang="en-US" sz="1400" dirty="0" smtClean="0"/>
                     </a:p>
                   </a:txBody>
                   <a:tcPr anchor="ctr">
@@ -13217,7 +19869,6 @@
                         <a:rPr lang="en-US" sz="1400" dirty="0" smtClean="0"/>
                         <a:t>Application</a:t>
                       </a:r>
-                      <a:endParaRPr lang="en-US" sz="1400" dirty="0" smtClean="0"/>
                     </a:p>
                   </a:txBody>
                   <a:tcPr anchor="ctr">
@@ -13515,7 +20166,6 @@
                         <a:rPr lang="en-US" sz="1400" dirty="0" smtClean="0"/>
                         <a:t>Peer</a:t>
                       </a:r>
-                      <a:endParaRPr lang="en-US" sz="1400" dirty="0" smtClean="0"/>
                     </a:p>
                   </a:txBody>
                   <a:tcPr anchor="ctr">
@@ -18412,11 +25062,7 @@
           <a:p>
             <a:r>
               <a:rPr lang="en-US" dirty="0" smtClean="0"/>
-              <a:t>Diagram </a:t>
-            </a:r>
-            <a:r>
-              <a:rPr lang="en-US" dirty="0" smtClean="0"/>
-              <a:t>5</a:t>
+              <a:t>Diagram 5</a:t>
             </a:r>
             <a:endParaRPr lang="en-US" dirty="0"/>
           </a:p>
@@ -18451,633 +25097,370 @@
           </a:p>
         </p:txBody>
       </p:sp>
+      <p:sp>
+        <p:nvSpPr>
+          <p:cNvPr id="236" name="Rounded Rectangle 235"/>
+          <p:cNvSpPr/>
+          <p:nvPr/>
+        </p:nvSpPr>
+        <p:spPr>
+          <a:xfrm>
+            <a:off x="7067462" y="4571483"/>
+            <a:ext cx="559591" cy="554570"/>
+          </a:xfrm>
+          <a:prstGeom prst="roundRect">
+            <a:avLst/>
+          </a:prstGeom>
+          <a:solidFill>
+            <a:schemeClr val="accent1"/>
+          </a:solidFill>
+          <a:ln w="28575" cap="flat" cmpd="sng" algn="ctr">
+            <a:solidFill>
+              <a:schemeClr val="tx2"/>
+            </a:solidFill>
+            <a:prstDash val="solid"/>
+          </a:ln>
+          <a:effectLst>
+            <a:outerShdw blurRad="40000" dist="23000" dir="5400000" rotWithShape="0">
+              <a:srgbClr val="000000">
+                <a:alpha val="35000"/>
+              </a:srgbClr>
+            </a:outerShdw>
+          </a:effectLst>
+        </p:spPr>
+        <p:txBody>
+          <a:bodyPr tIns="36000" bIns="36000" rtlCol="0" anchor="ctr"/>
+          <a:lstStyle/>
+          <a:p>
+            <a:pPr marL="0" marR="0" lvl="0" indent="0" algn="ctr" defTabSz="457200" eaLnBrk="1" fontAlgn="auto" latinLnBrk="0" hangingPunct="1">
+              <a:lnSpc>
+                <a:spcPct val="100000"/>
+              </a:lnSpc>
+              <a:spcBef>
+                <a:spcPts val="0"/>
+              </a:spcBef>
+              <a:spcAft>
+                <a:spcPts val="0"/>
+              </a:spcAft>
+              <a:buClrTx/>
+              <a:buSzTx/>
+              <a:buFontTx/>
+              <a:buNone/>
+              <a:tabLst/>
+              <a:defRPr/>
+            </a:pPr>
+            <a:r>
+              <a:rPr lang="en-US" sz="2400" b="1" kern="0" noProof="0" dirty="0" smtClean="0">
+                <a:solidFill>
+                  <a:schemeClr val="bg1"/>
+                </a:solidFill>
+                <a:ea typeface=""/>
+                <a:cs typeface=""/>
+              </a:rPr>
+              <a:t>P</a:t>
+            </a:r>
+            <a:endParaRPr kumimoji="0" lang="en-US" sz="2400" b="1" i="0" u="none" strike="noStrike" kern="0" cap="none" spc="0" normalizeH="0" baseline="0" noProof="0" dirty="0" smtClean="0">
+              <a:ln>
+                <a:noFill/>
+              </a:ln>
+              <a:solidFill>
+                <a:schemeClr val="bg1"/>
+              </a:solidFill>
+              <a:effectLst/>
+              <a:uLnTx/>
+              <a:uFillTx/>
+              <a:ea typeface=""/>
+              <a:cs typeface=""/>
+            </a:endParaRPr>
+          </a:p>
+        </p:txBody>
+      </p:sp>
+      <p:sp>
+        <p:nvSpPr>
+          <p:cNvPr id="198" name="Folded Corner 197"/>
+          <p:cNvSpPr/>
+          <p:nvPr/>
+        </p:nvSpPr>
+        <p:spPr>
+          <a:xfrm>
+            <a:off x="5876447" y="2095923"/>
+            <a:ext cx="837868" cy="848971"/>
+          </a:xfrm>
+          <a:prstGeom prst="foldedCorner">
+            <a:avLst/>
+          </a:prstGeom>
+          <a:solidFill>
+            <a:srgbClr val="F7ADFF"/>
+          </a:solidFill>
+          <a:ln w="19050" cap="flat" cmpd="sng" algn="ctr">
+            <a:solidFill>
+              <a:srgbClr val="3C75BD"/>
+            </a:solidFill>
+            <a:prstDash val="solid"/>
+          </a:ln>
+          <a:effectLst/>
+        </p:spPr>
+        <p:txBody>
+          <a:bodyPr rtlCol="0" anchor="ctr"/>
+          <a:lstStyle/>
+          <a:p>
+            <a:pPr marL="0" marR="0" lvl="0" indent="0" algn="ctr" defTabSz="457200" eaLnBrk="1" fontAlgn="auto" latinLnBrk="0" hangingPunct="1">
+              <a:lnSpc>
+                <a:spcPct val="100000"/>
+              </a:lnSpc>
+              <a:spcBef>
+                <a:spcPts val="0"/>
+              </a:spcBef>
+              <a:spcAft>
+                <a:spcPts val="0"/>
+              </a:spcAft>
+              <a:buClrTx/>
+              <a:buSzTx/>
+              <a:buFontTx/>
+              <a:buNone/>
+              <a:tabLst/>
+              <a:defRPr/>
+            </a:pPr>
+            <a:r>
+              <a:rPr lang="en-US" sz="1200" b="1" kern="0" noProof="0" smtClean="0">
+                <a:solidFill>
+                  <a:srgbClr val="4372C4"/>
+                </a:solidFill>
+                <a:latin typeface="Arial"/>
+                <a:ea typeface=""/>
+                <a:cs typeface=""/>
+              </a:rPr>
+              <a:t>Channel Policy</a:t>
+            </a:r>
+            <a:endParaRPr kumimoji="0" lang="en-US" sz="1200" b="1" i="0" u="none" strike="noStrike" kern="0" cap="none" spc="0" normalizeH="0" baseline="-25000" noProof="0" dirty="0" smtClean="0">
+              <a:ln>
+                <a:noFill/>
+              </a:ln>
+              <a:solidFill>
+                <a:srgbClr val="4372C4"/>
+              </a:solidFill>
+              <a:effectLst/>
+              <a:uLnTx/>
+              <a:uFillTx/>
+              <a:latin typeface="Arial"/>
+              <a:ea typeface=""/>
+              <a:cs typeface=""/>
+            </a:endParaRPr>
+          </a:p>
+        </p:txBody>
+      </p:sp>
+      <p:cxnSp>
+        <p:nvCxnSpPr>
+          <p:cNvPr id="199" name="Straight Connector 198"/>
+          <p:cNvCxnSpPr>
+            <a:stCxn id="198" idx="2"/>
+          </p:cNvCxnSpPr>
+          <p:nvPr/>
+        </p:nvCxnSpPr>
+        <p:spPr>
+          <a:xfrm>
+            <a:off x="6295381" y="2944894"/>
+            <a:ext cx="6714" cy="715509"/>
+          </a:xfrm>
+          <a:prstGeom prst="line">
+            <a:avLst/>
+          </a:prstGeom>
+          <a:ln w="28575">
+            <a:solidFill>
+              <a:srgbClr val="FF0000"/>
+            </a:solidFill>
+            <a:prstDash val="sysDot"/>
+            <a:headEnd type="none" w="med" len="med"/>
+            <a:tailEnd type="none" w="med" len="med"/>
+          </a:ln>
+        </p:spPr>
+        <p:style>
+          <a:lnRef idx="1">
+            <a:schemeClr val="accent1"/>
+          </a:lnRef>
+          <a:fillRef idx="0">
+            <a:schemeClr val="accent1"/>
+          </a:fillRef>
+          <a:effectRef idx="0">
+            <a:schemeClr val="accent1"/>
+          </a:effectRef>
+          <a:fontRef idx="minor">
+            <a:schemeClr val="tx1"/>
+          </a:fontRef>
+        </p:style>
+      </p:cxnSp>
+      <p:cxnSp>
+        <p:nvCxnSpPr>
+          <p:cNvPr id="206" name="Straight Connector 205"/>
+          <p:cNvCxnSpPr>
+            <a:stCxn id="205" idx="0"/>
+            <a:endCxn id="285" idx="4"/>
+          </p:cNvCxnSpPr>
+          <p:nvPr/>
+        </p:nvCxnSpPr>
+        <p:spPr>
+          <a:xfrm flipH="1" flipV="1">
+            <a:off x="7344307" y="3968231"/>
+            <a:ext cx="3940" cy="498272"/>
+          </a:xfrm>
+          <a:prstGeom prst="line">
+            <a:avLst/>
+          </a:prstGeom>
+          <a:solidFill>
+            <a:srgbClr val="4372C4"/>
+          </a:solidFill>
+          <a:ln w="38100" cap="flat" cmpd="sng" algn="ctr">
+            <a:solidFill>
+              <a:srgbClr val="FF0000"/>
+            </a:solidFill>
+            <a:prstDash val="solid"/>
+            <a:tailEnd type="none"/>
+          </a:ln>
+          <a:effectLst>
+            <a:outerShdw blurRad="40000" dist="20000" dir="5400000" rotWithShape="0">
+              <a:srgbClr val="000000">
+                <a:alpha val="38000"/>
+              </a:srgbClr>
+            </a:outerShdw>
+          </a:effectLst>
+        </p:spPr>
+      </p:cxnSp>
+      <p:sp>
+        <p:nvSpPr>
+          <p:cNvPr id="204" name="TextBox 203"/>
+          <p:cNvSpPr txBox="1"/>
+          <p:nvPr/>
+        </p:nvSpPr>
+        <p:spPr>
+          <a:xfrm>
+            <a:off x="7192837" y="3577360"/>
+            <a:ext cx="348172" cy="461665"/>
+          </a:xfrm>
+          <a:prstGeom prst="rect">
+            <a:avLst/>
+          </a:prstGeom>
+          <a:noFill/>
+        </p:spPr>
+        <p:txBody>
+          <a:bodyPr wrap="none" rtlCol="0">
+            <a:spAutoFit/>
+          </a:bodyPr>
+          <a:lstStyle/>
+          <a:p>
+            <a:r>
+              <a:rPr lang="en-US" sz="2400" b="1" smtClean="0">
+                <a:solidFill>
+                  <a:srgbClr val="FF0000"/>
+                </a:solidFill>
+              </a:rPr>
+              <a:t>C</a:t>
+            </a:r>
+            <a:endParaRPr lang="en-US" sz="2400" b="1" dirty="0">
+              <a:solidFill>
+                <a:srgbClr val="FF0000"/>
+              </a:solidFill>
+            </a:endParaRPr>
+          </a:p>
+        </p:txBody>
+      </p:sp>
       <p:grpSp>
         <p:nvGrpSpPr>
-          <p:cNvPr id="32" name="Group 31"/>
+          <p:cNvPr id="24" name="Group 23"/>
           <p:cNvGrpSpPr/>
           <p:nvPr/>
         </p:nvGrpSpPr>
         <p:grpSpPr>
           <a:xfrm>
-            <a:off x="4894636" y="1970469"/>
-            <a:ext cx="4424909" cy="3146470"/>
-            <a:chOff x="9544128" y="1867261"/>
-            <a:chExt cx="4424909" cy="3146470"/>
+            <a:off x="6777277" y="1970469"/>
+            <a:ext cx="420764" cy="1110662"/>
+            <a:chOff x="2901909" y="2277139"/>
+            <a:chExt cx="420764" cy="1110662"/>
           </a:xfrm>
         </p:grpSpPr>
-        <p:sp>
-          <p:nvSpPr>
-            <p:cNvPr id="236" name="Rounded Rectangle 235"/>
-            <p:cNvSpPr/>
-            <p:nvPr/>
-          </p:nvSpPr>
-          <p:spPr>
-            <a:xfrm>
-              <a:off x="11781559" y="4459161"/>
-              <a:ext cx="559591" cy="554570"/>
-            </a:xfrm>
-            <a:prstGeom prst="roundRect">
-              <a:avLst/>
-            </a:prstGeom>
-            <a:solidFill>
-              <a:schemeClr val="accent1"/>
-            </a:solidFill>
-            <a:ln w="28575" cap="flat" cmpd="sng" algn="ctr">
-              <a:solidFill>
-                <a:schemeClr val="tx2"/>
-              </a:solidFill>
-              <a:prstDash val="solid"/>
-            </a:ln>
-            <a:effectLst>
-              <a:outerShdw blurRad="40000" dist="23000" dir="5400000" rotWithShape="0">
-                <a:srgbClr val="000000">
-                  <a:alpha val="35000"/>
-                </a:srgbClr>
-              </a:outerShdw>
-            </a:effectLst>
-          </p:spPr>
-          <p:txBody>
-            <a:bodyPr tIns="36000" bIns="36000" rtlCol="0" anchor="ctr"/>
-            <a:lstStyle/>
-            <a:p>
-              <a:pPr marL="0" marR="0" lvl="0" indent="0" algn="ctr" defTabSz="457200" eaLnBrk="1" fontAlgn="auto" latinLnBrk="0" hangingPunct="1">
-                <a:lnSpc>
-                  <a:spcPct val="100000"/>
-                </a:lnSpc>
-                <a:spcBef>
-                  <a:spcPts val="0"/>
-                </a:spcBef>
-                <a:spcAft>
-                  <a:spcPts val="0"/>
-                </a:spcAft>
-                <a:buClrTx/>
-                <a:buSzTx/>
-                <a:buFontTx/>
-                <a:buNone/>
-                <a:tabLst/>
-                <a:defRPr/>
-              </a:pPr>
-              <a:r>
-                <a:rPr lang="en-US" sz="2400" b="1" kern="0" noProof="0" dirty="0" smtClean="0">
-                  <a:solidFill>
-                    <a:schemeClr val="bg1"/>
-                  </a:solidFill>
-                  <a:ea typeface=""/>
-                  <a:cs typeface=""/>
-                </a:rPr>
-                <a:t>P</a:t>
-              </a:r>
-              <a:endParaRPr kumimoji="0" lang="en-US" sz="2400" b="1" i="0" u="none" strike="noStrike" kern="0" cap="none" spc="0" normalizeH="0" baseline="0" noProof="0" dirty="0" smtClean="0">
-                <a:ln>
-                  <a:noFill/>
-                </a:ln>
-                <a:solidFill>
-                  <a:schemeClr val="bg1"/>
-                </a:solidFill>
-                <a:effectLst/>
-                <a:uLnTx/>
-                <a:uFillTx/>
-                <a:ea typeface=""/>
-                <a:cs typeface=""/>
-              </a:endParaRPr>
-            </a:p>
-          </p:txBody>
-        </p:sp>
-        <p:sp>
-          <p:nvSpPr>
-            <p:cNvPr id="198" name="Folded Corner 197"/>
-            <p:cNvSpPr/>
-            <p:nvPr/>
-          </p:nvSpPr>
-          <p:spPr>
-            <a:xfrm>
-              <a:off x="10525939" y="1992715"/>
-              <a:ext cx="837868" cy="848971"/>
-            </a:xfrm>
-            <a:prstGeom prst="foldedCorner">
-              <a:avLst/>
-            </a:prstGeom>
-            <a:solidFill>
-              <a:srgbClr val="F7ADFF"/>
-            </a:solidFill>
-            <a:ln w="19050" cap="flat" cmpd="sng" algn="ctr">
-              <a:solidFill>
-                <a:srgbClr val="3C75BD"/>
-              </a:solidFill>
-              <a:prstDash val="solid"/>
-            </a:ln>
-            <a:effectLst/>
-          </p:spPr>
-          <p:txBody>
-            <a:bodyPr rtlCol="0" anchor="ctr"/>
-            <a:lstStyle/>
-            <a:p>
-              <a:pPr marL="0" marR="0" lvl="0" indent="0" algn="ctr" defTabSz="457200" eaLnBrk="1" fontAlgn="auto" latinLnBrk="0" hangingPunct="1">
-                <a:lnSpc>
-                  <a:spcPct val="100000"/>
-                </a:lnSpc>
-                <a:spcBef>
-                  <a:spcPts val="0"/>
-                </a:spcBef>
-                <a:spcAft>
-                  <a:spcPts val="0"/>
-                </a:spcAft>
-                <a:buClrTx/>
-                <a:buSzTx/>
-                <a:buFontTx/>
-                <a:buNone/>
-                <a:tabLst/>
-                <a:defRPr/>
-              </a:pPr>
-              <a:r>
-                <a:rPr lang="en-US" sz="1200" b="1" kern="0" noProof="0" smtClean="0">
-                  <a:solidFill>
-                    <a:srgbClr val="4372C4"/>
-                  </a:solidFill>
-                  <a:latin typeface="Arial"/>
-                  <a:ea typeface=""/>
-                  <a:cs typeface=""/>
-                </a:rPr>
-                <a:t>Channel Policy</a:t>
-              </a:r>
-              <a:endParaRPr kumimoji="0" lang="en-US" sz="1200" b="1" i="0" u="none" strike="noStrike" kern="0" cap="none" spc="0" normalizeH="0" baseline="-25000" noProof="0" dirty="0" smtClean="0">
-                <a:ln>
-                  <a:noFill/>
-                </a:ln>
-                <a:solidFill>
-                  <a:srgbClr val="4372C4"/>
-                </a:solidFill>
-                <a:effectLst/>
-                <a:uLnTx/>
-                <a:uFillTx/>
-                <a:latin typeface="Arial"/>
-                <a:ea typeface=""/>
-                <a:cs typeface=""/>
-              </a:endParaRPr>
-            </a:p>
-          </p:txBody>
-        </p:sp>
-        <p:cxnSp>
-          <p:nvCxnSpPr>
-            <p:cNvPr id="199" name="Straight Connector 198"/>
-            <p:cNvCxnSpPr>
-              <a:stCxn id="198" idx="2"/>
-            </p:cNvCxnSpPr>
-            <p:nvPr/>
-          </p:nvCxnSpPr>
-          <p:spPr>
-            <a:xfrm flipH="1">
-              <a:off x="10941995" y="2841686"/>
-              <a:ext cx="2878" cy="866816"/>
-            </a:xfrm>
-            <a:prstGeom prst="line">
-              <a:avLst/>
-            </a:prstGeom>
-            <a:ln w="28575">
-              <a:solidFill>
-                <a:srgbClr val="FF0000"/>
-              </a:solidFill>
-              <a:prstDash val="sysDot"/>
-              <a:headEnd type="none" w="med" len="med"/>
-              <a:tailEnd type="none" w="med" len="med"/>
-            </a:ln>
-          </p:spPr>
-          <p:style>
-            <a:lnRef idx="1">
-              <a:schemeClr val="accent1"/>
-            </a:lnRef>
-            <a:fillRef idx="0">
-              <a:schemeClr val="accent1"/>
-            </a:fillRef>
-            <a:effectRef idx="0">
-              <a:schemeClr val="accent1"/>
-            </a:effectRef>
-            <a:fontRef idx="minor">
-              <a:schemeClr val="tx1"/>
-            </a:fontRef>
-          </p:style>
-        </p:cxnSp>
-        <p:cxnSp>
-          <p:nvCxnSpPr>
-            <p:cNvPr id="206" name="Straight Connector 205"/>
-            <p:cNvCxnSpPr>
-              <a:stCxn id="205" idx="0"/>
-            </p:cNvCxnSpPr>
-            <p:nvPr/>
-          </p:nvCxnSpPr>
-          <p:spPr>
-            <a:xfrm flipV="1">
-              <a:off x="12062344" y="3708502"/>
-              <a:ext cx="0" cy="645679"/>
-            </a:xfrm>
-            <a:prstGeom prst="line">
-              <a:avLst/>
-            </a:prstGeom>
-            <a:solidFill>
-              <a:srgbClr val="4372C4"/>
-            </a:solidFill>
-            <a:ln w="38100" cap="flat" cmpd="sng" algn="ctr">
-              <a:solidFill>
-                <a:srgbClr val="FF0000"/>
-              </a:solidFill>
-              <a:prstDash val="solid"/>
-              <a:tailEnd type="none"/>
-            </a:ln>
-            <a:effectLst>
-              <a:outerShdw blurRad="40000" dist="20000" dir="5400000" rotWithShape="0">
-                <a:srgbClr val="000000">
-                  <a:alpha val="38000"/>
-                </a:srgbClr>
-              </a:outerShdw>
-            </a:effectLst>
-          </p:spPr>
-        </p:cxnSp>
-        <p:cxnSp>
-          <p:nvCxnSpPr>
-            <p:cNvPr id="207" name="Straight Connector 206"/>
-            <p:cNvCxnSpPr/>
-            <p:nvPr/>
-          </p:nvCxnSpPr>
-          <p:spPr>
-            <a:xfrm flipH="1">
-              <a:off x="10029129" y="3708502"/>
-              <a:ext cx="3939908" cy="0"/>
-            </a:xfrm>
-            <a:prstGeom prst="line">
-              <a:avLst/>
-            </a:prstGeom>
-            <a:solidFill>
-              <a:srgbClr val="4372C4"/>
-            </a:solidFill>
-            <a:ln w="38100" cap="flat" cmpd="sng" algn="ctr">
-              <a:solidFill>
-                <a:srgbClr val="FF0000"/>
-              </a:solidFill>
-              <a:prstDash val="solid"/>
-              <a:tailEnd type="none"/>
-            </a:ln>
-            <a:effectLst>
-              <a:outerShdw blurRad="40000" dist="20000" dir="5400000" rotWithShape="0">
-                <a:srgbClr val="000000">
-                  <a:alpha val="38000"/>
-                </a:srgbClr>
-              </a:outerShdw>
-            </a:effectLst>
-          </p:spPr>
-        </p:cxnSp>
-        <p:sp>
-          <p:nvSpPr>
-            <p:cNvPr id="204" name="TextBox 203"/>
-            <p:cNvSpPr txBox="1"/>
-            <p:nvPr/>
-          </p:nvSpPr>
-          <p:spPr>
-            <a:xfrm>
-              <a:off x="9544128" y="3444261"/>
-              <a:ext cx="513282" cy="461665"/>
-            </a:xfrm>
-            <a:prstGeom prst="rect">
-              <a:avLst/>
-            </a:prstGeom>
-            <a:noFill/>
-          </p:spPr>
-          <p:txBody>
-            <a:bodyPr wrap="none" rtlCol="0">
-              <a:spAutoFit/>
-            </a:bodyPr>
-            <a:lstStyle/>
-            <a:p>
-              <a:r>
-                <a:rPr lang="en-US" sz="2400" b="1" dirty="0" err="1" smtClean="0">
-                  <a:solidFill>
-                    <a:srgbClr val="FF0000"/>
-                  </a:solidFill>
-                </a:rPr>
-                <a:t>Ch</a:t>
-              </a:r>
-              <a:endParaRPr lang="en-US" sz="2400" b="1" dirty="0">
-                <a:solidFill>
-                  <a:srgbClr val="FF0000"/>
-                </a:solidFill>
-              </a:endParaRPr>
-            </a:p>
-          </p:txBody>
-        </p:sp>
         <p:grpSp>
           <p:nvGrpSpPr>
-            <p:cNvPr id="24" name="Group 23"/>
+            <p:cNvPr id="16" name="Group 15"/>
             <p:cNvGrpSpPr/>
             <p:nvPr/>
           </p:nvGrpSpPr>
           <p:grpSpPr>
             <a:xfrm>
-              <a:off x="11426769" y="1867261"/>
-              <a:ext cx="420764" cy="1110662"/>
+              <a:off x="2901909" y="2277139"/>
+              <a:ext cx="420764" cy="340787"/>
               <a:chOff x="2901909" y="2277139"/>
-              <a:chExt cx="420764" cy="1110662"/>
+              <a:chExt cx="420764" cy="340787"/>
             </a:xfrm>
           </p:grpSpPr>
+          <p:sp>
+            <p:nvSpPr>
+              <p:cNvPr id="213" name="Rectangle 212"/>
+              <p:cNvSpPr/>
+              <p:nvPr/>
+            </p:nvSpPr>
+            <p:spPr>
+              <a:xfrm>
+                <a:off x="2901909" y="2277139"/>
+                <a:ext cx="420764" cy="340787"/>
+              </a:xfrm>
+              <a:prstGeom prst="rect">
+                <a:avLst/>
+              </a:prstGeom>
+              <a:noFill/>
+              <a:ln w="25400"/>
+            </p:spPr>
+            <p:style>
+              <a:lnRef idx="2">
+                <a:schemeClr val="accent1">
+                  <a:shade val="50000"/>
+                </a:schemeClr>
+              </a:lnRef>
+              <a:fillRef idx="1">
+                <a:schemeClr val="accent1"/>
+              </a:fillRef>
+              <a:effectRef idx="0">
+                <a:schemeClr val="accent1"/>
+              </a:effectRef>
+              <a:fontRef idx="minor">
+                <a:schemeClr val="lt1"/>
+              </a:fontRef>
+            </p:style>
+            <p:txBody>
+              <a:bodyPr rtlCol="0" anchor="ctr"/>
+              <a:lstStyle/>
+              <a:p>
+                <a:pPr algn="ctr"/>
+                <a:endParaRPr lang="en-US"/>
+              </a:p>
+            </p:txBody>
+          </p:sp>
           <p:grpSp>
             <p:nvGrpSpPr>
-              <p:cNvPr id="16" name="Group 15"/>
+              <p:cNvPr id="214" name="Group 213"/>
               <p:cNvGrpSpPr/>
               <p:nvPr/>
             </p:nvGrpSpPr>
             <p:grpSpPr>
               <a:xfrm>
-                <a:off x="2901909" y="2277139"/>
-                <a:ext cx="420764" cy="340787"/>
-                <a:chOff x="2901909" y="2277139"/>
-                <a:chExt cx="420764" cy="340787"/>
+                <a:off x="2953011" y="2326967"/>
+                <a:ext cx="150866" cy="241130"/>
+                <a:chOff x="5212465" y="3556092"/>
+                <a:chExt cx="189760" cy="303294"/>
               </a:xfrm>
             </p:grpSpPr>
             <p:sp>
               <p:nvSpPr>
-                <p:cNvPr id="213" name="Rectangle 212"/>
+                <p:cNvPr id="219" name="Oval 218"/>
                 <p:cNvSpPr/>
                 <p:nvPr/>
               </p:nvSpPr>
               <p:spPr>
                 <a:xfrm>
-                  <a:off x="2901909" y="2277139"/>
-                  <a:ext cx="420764" cy="340787"/>
+                  <a:off x="5250578" y="3556092"/>
+                  <a:ext cx="113534" cy="113534"/>
                 </a:xfrm>
-                <a:prstGeom prst="rect">
+                <a:prstGeom prst="ellipse">
                   <a:avLst/>
                 </a:prstGeom>
-                <a:noFill/>
-                <a:ln w="25400"/>
-              </p:spPr>
-              <p:style>
-                <a:lnRef idx="2">
-                  <a:schemeClr val="accent1">
-                    <a:shade val="50000"/>
-                  </a:schemeClr>
-                </a:lnRef>
-                <a:fillRef idx="1">
-                  <a:schemeClr val="accent1"/>
-                </a:fillRef>
-                <a:effectRef idx="0">
-                  <a:schemeClr val="accent1"/>
-                </a:effectRef>
-                <a:fontRef idx="minor">
-                  <a:schemeClr val="lt1"/>
-                </a:fontRef>
-              </p:style>
-              <p:txBody>
-                <a:bodyPr rtlCol="0" anchor="ctr"/>
-                <a:lstStyle/>
-                <a:p>
-                  <a:pPr algn="ctr"/>
-                  <a:endParaRPr lang="en-US"/>
-                </a:p>
-              </p:txBody>
-            </p:sp>
-            <p:grpSp>
-              <p:nvGrpSpPr>
-                <p:cNvPr id="214" name="Group 213"/>
-                <p:cNvGrpSpPr/>
-                <p:nvPr/>
-              </p:nvGrpSpPr>
-              <p:grpSpPr>
-                <a:xfrm>
-                  <a:off x="2953011" y="2326967"/>
-                  <a:ext cx="150866" cy="241130"/>
-                  <a:chOff x="5212465" y="3556092"/>
-                  <a:chExt cx="189760" cy="303294"/>
-                </a:xfrm>
-              </p:grpSpPr>
-              <p:sp>
-                <p:nvSpPr>
-                  <p:cNvPr id="219" name="Oval 218"/>
-                  <p:cNvSpPr/>
-                  <p:nvPr/>
-                </p:nvSpPr>
-                <p:spPr>
-                  <a:xfrm>
-                    <a:off x="5250578" y="3556092"/>
-                    <a:ext cx="113534" cy="113534"/>
-                  </a:xfrm>
-                  <a:prstGeom prst="ellipse">
-                    <a:avLst/>
-                  </a:prstGeom>
-                </p:spPr>
-                <p:style>
-                  <a:lnRef idx="2">
-                    <a:schemeClr val="accent1">
-                      <a:shade val="50000"/>
-                    </a:schemeClr>
-                  </a:lnRef>
-                  <a:fillRef idx="1">
-                    <a:schemeClr val="accent1"/>
-                  </a:fillRef>
-                  <a:effectRef idx="0">
-                    <a:schemeClr val="accent1"/>
-                  </a:effectRef>
-                  <a:fontRef idx="minor">
-                    <a:schemeClr val="lt1"/>
-                  </a:fontRef>
-                </p:style>
-                <p:txBody>
-                  <a:bodyPr rtlCol="0" anchor="ctr"/>
-                  <a:lstStyle/>
-                  <a:p>
-                    <a:pPr algn="ctr"/>
-                    <a:endParaRPr lang="en-US"/>
-                  </a:p>
-                </p:txBody>
-              </p:sp>
-              <p:sp>
-                <p:nvSpPr>
-                  <p:cNvPr id="220" name="Round Same Side Corner Rectangle 219"/>
-                  <p:cNvSpPr/>
-                  <p:nvPr/>
-                </p:nvSpPr>
-                <p:spPr>
-                  <a:xfrm>
-                    <a:off x="5212465" y="3669626"/>
-                    <a:ext cx="189760" cy="189760"/>
-                  </a:xfrm>
-                  <a:prstGeom prst="round2SameRect">
-                    <a:avLst>
-                      <a:gd name="adj1" fmla="val 49716"/>
-                      <a:gd name="adj2" fmla="val 0"/>
-                    </a:avLst>
-                  </a:prstGeom>
-                </p:spPr>
-                <p:style>
-                  <a:lnRef idx="2">
-                    <a:schemeClr val="accent1">
-                      <a:shade val="50000"/>
-                    </a:schemeClr>
-                  </a:lnRef>
-                  <a:fillRef idx="1">
-                    <a:schemeClr val="accent1"/>
-                  </a:fillRef>
-                  <a:effectRef idx="0">
-                    <a:schemeClr val="accent1"/>
-                  </a:effectRef>
-                  <a:fontRef idx="minor">
-                    <a:schemeClr val="lt1"/>
-                  </a:fontRef>
-                </p:style>
-                <p:txBody>
-                  <a:bodyPr rtlCol="0" anchor="ctr"/>
-                  <a:lstStyle/>
-                  <a:p>
-                    <a:pPr algn="ctr"/>
-                    <a:r>
-                      <a:rPr lang="en-US" sz="1050" dirty="0" smtClean="0"/>
-                      <a:t>B</a:t>
-                    </a:r>
-                    <a:endParaRPr lang="en-US" sz="4000" dirty="0"/>
-                  </a:p>
-                </p:txBody>
-              </p:sp>
-            </p:grpSp>
-            <p:grpSp>
-              <p:nvGrpSpPr>
-                <p:cNvPr id="215" name="Group 214"/>
-                <p:cNvGrpSpPr/>
-                <p:nvPr/>
-              </p:nvGrpSpPr>
-              <p:grpSpPr>
-                <a:xfrm>
-                  <a:off x="3134178" y="2379296"/>
-                  <a:ext cx="123069" cy="75870"/>
-                  <a:chOff x="4770478" y="3634526"/>
-                  <a:chExt cx="123069" cy="75870"/>
-                </a:xfrm>
-              </p:grpSpPr>
-              <p:cxnSp>
-                <p:nvCxnSpPr>
-                  <p:cNvPr id="216" name="Straight Connector 215"/>
-                  <p:cNvCxnSpPr/>
-                  <p:nvPr/>
-                </p:nvCxnSpPr>
-                <p:spPr>
-                  <a:xfrm>
-                    <a:off x="4770478" y="3634526"/>
-                    <a:ext cx="123069" cy="0"/>
-                  </a:xfrm>
-                  <a:prstGeom prst="line">
-                    <a:avLst/>
-                  </a:prstGeom>
-                  <a:ln w="25400"/>
-                </p:spPr>
-                <p:style>
-                  <a:lnRef idx="1">
-                    <a:schemeClr val="accent1"/>
-                  </a:lnRef>
-                  <a:fillRef idx="0">
-                    <a:schemeClr val="accent1"/>
-                  </a:fillRef>
-                  <a:effectRef idx="0">
-                    <a:schemeClr val="accent1"/>
-                  </a:effectRef>
-                  <a:fontRef idx="minor">
-                    <a:schemeClr val="tx1"/>
-                  </a:fontRef>
-                </p:style>
-              </p:cxnSp>
-              <p:cxnSp>
-                <p:nvCxnSpPr>
-                  <p:cNvPr id="217" name="Straight Connector 216"/>
-                  <p:cNvCxnSpPr/>
-                  <p:nvPr/>
-                </p:nvCxnSpPr>
-                <p:spPr>
-                  <a:xfrm>
-                    <a:off x="4770478" y="3672461"/>
-                    <a:ext cx="123069" cy="0"/>
-                  </a:xfrm>
-                  <a:prstGeom prst="line">
-                    <a:avLst/>
-                  </a:prstGeom>
-                  <a:ln w="25400"/>
-                </p:spPr>
-                <p:style>
-                  <a:lnRef idx="1">
-                    <a:schemeClr val="accent1"/>
-                  </a:lnRef>
-                  <a:fillRef idx="0">
-                    <a:schemeClr val="accent1"/>
-                  </a:fillRef>
-                  <a:effectRef idx="0">
-                    <a:schemeClr val="accent1"/>
-                  </a:effectRef>
-                  <a:fontRef idx="minor">
-                    <a:schemeClr val="tx1"/>
-                  </a:fontRef>
-                </p:style>
-              </p:cxnSp>
-              <p:cxnSp>
-                <p:nvCxnSpPr>
-                  <p:cNvPr id="218" name="Straight Connector 217"/>
-                  <p:cNvCxnSpPr/>
-                  <p:nvPr/>
-                </p:nvCxnSpPr>
-                <p:spPr>
-                  <a:xfrm>
-                    <a:off x="4770478" y="3710396"/>
-                    <a:ext cx="123069" cy="0"/>
-                  </a:xfrm>
-                  <a:prstGeom prst="line">
-                    <a:avLst/>
-                  </a:prstGeom>
-                  <a:ln w="25400"/>
-                </p:spPr>
-                <p:style>
-                  <a:lnRef idx="1">
-                    <a:schemeClr val="accent1"/>
-                  </a:lnRef>
-                  <a:fillRef idx="0">
-                    <a:schemeClr val="accent1"/>
-                  </a:fillRef>
-                  <a:effectRef idx="0">
-                    <a:schemeClr val="accent1"/>
-                  </a:effectRef>
-                  <a:fontRef idx="minor">
-                    <a:schemeClr val="tx1"/>
-                  </a:fontRef>
-                </p:style>
-              </p:cxnSp>
-            </p:grpSp>
-          </p:grpSp>
-          <p:grpSp>
-            <p:nvGrpSpPr>
-              <p:cNvPr id="17" name="Group 16"/>
-              <p:cNvGrpSpPr/>
-              <p:nvPr/>
-            </p:nvGrpSpPr>
-            <p:grpSpPr>
-              <a:xfrm>
-                <a:off x="2901909" y="2661005"/>
-                <a:ext cx="420764" cy="340787"/>
-                <a:chOff x="2903135" y="2661005"/>
-                <a:chExt cx="420764" cy="340787"/>
-              </a:xfrm>
-            </p:grpSpPr>
-            <p:sp>
-              <p:nvSpPr>
-                <p:cNvPr id="221" name="Rectangle 220"/>
-                <p:cNvSpPr/>
-                <p:nvPr/>
-              </p:nvSpPr>
-              <p:spPr>
-                <a:xfrm>
-                  <a:off x="2903135" y="2661005"/>
-                  <a:ext cx="420764" cy="340787"/>
-                </a:xfrm>
-                <a:prstGeom prst="rect">
-                  <a:avLst/>
-                </a:prstGeom>
-                <a:noFill/>
-                <a:ln w="25400">
-                  <a:solidFill>
-                    <a:srgbClr val="FF0000"/>
-                  </a:solidFill>
-                </a:ln>
               </p:spPr>
               <p:style>
                 <a:lnRef idx="2">
@@ -19106,62 +25489,14 @@
             </p:sp>
             <p:sp>
               <p:nvSpPr>
-                <p:cNvPr id="222" name="Oval 221"/>
+                <p:cNvPr id="220" name="Round Same Side Corner Rectangle 219"/>
                 <p:cNvSpPr/>
                 <p:nvPr/>
               </p:nvSpPr>
               <p:spPr>
                 <a:xfrm>
-                  <a:off x="2984529" y="2710841"/>
-                  <a:ext cx="90263" cy="90264"/>
-                </a:xfrm>
-                <a:prstGeom prst="ellipse">
-                  <a:avLst/>
-                </a:prstGeom>
-                <a:solidFill>
-                  <a:srgbClr val="FF0000"/>
-                </a:solidFill>
-                <a:ln>
-                  <a:solidFill>
-                    <a:srgbClr val="C00000"/>
-                  </a:solidFill>
-                </a:ln>
-              </p:spPr>
-              <p:style>
-                <a:lnRef idx="2">
-                  <a:schemeClr val="accent1">
-                    <a:shade val="50000"/>
-                  </a:schemeClr>
-                </a:lnRef>
-                <a:fillRef idx="1">
-                  <a:schemeClr val="accent1"/>
-                </a:fillRef>
-                <a:effectRef idx="0">
-                  <a:schemeClr val="accent1"/>
-                </a:effectRef>
-                <a:fontRef idx="minor">
-                  <a:schemeClr val="lt1"/>
-                </a:fontRef>
-              </p:style>
-              <p:txBody>
-                <a:bodyPr rtlCol="0" anchor="ctr"/>
-                <a:lstStyle/>
-                <a:p>
-                  <a:pPr algn="ctr"/>
-                  <a:endParaRPr lang="en-US"/>
-                </a:p>
-              </p:txBody>
-            </p:sp>
-            <p:sp>
-              <p:nvSpPr>
-                <p:cNvPr id="223" name="Round Same Side Corner Rectangle 222"/>
-                <p:cNvSpPr/>
-                <p:nvPr/>
-              </p:nvSpPr>
-              <p:spPr>
-                <a:xfrm>
-                  <a:off x="2954228" y="2801105"/>
-                  <a:ext cx="150866" cy="150867"/>
+                  <a:off x="5212465" y="3669626"/>
+                  <a:ext cx="189760" cy="189760"/>
                 </a:xfrm>
                 <a:prstGeom prst="round2SameRect">
                   <a:avLst>
@@ -19169,14 +25504,6 @@
                     <a:gd name="adj2" fmla="val 0"/>
                   </a:avLst>
                 </a:prstGeom>
-                <a:solidFill>
-                  <a:srgbClr val="FF0000"/>
-                </a:solidFill>
-                <a:ln>
-                  <a:solidFill>
-                    <a:srgbClr val="C00000"/>
-                  </a:solidFill>
-                </a:ln>
               </p:spPr>
               <p:style>
                 <a:lnRef idx="2">
@@ -19207,25 +25534,36 @@
                 </a:p>
               </p:txBody>
             </p:sp>
+          </p:grpSp>
+          <p:grpSp>
+            <p:nvGrpSpPr>
+              <p:cNvPr id="215" name="Group 214"/>
+              <p:cNvGrpSpPr/>
+              <p:nvPr/>
+            </p:nvGrpSpPr>
+            <p:grpSpPr>
+              <a:xfrm>
+                <a:off x="3134178" y="2379296"/>
+                <a:ext cx="123069" cy="75870"/>
+                <a:chOff x="4770478" y="3634526"/>
+                <a:chExt cx="123069" cy="75870"/>
+              </a:xfrm>
+            </p:grpSpPr>
             <p:cxnSp>
               <p:nvCxnSpPr>
-                <p:cNvPr id="226" name="Straight Connector 225"/>
+                <p:cNvPr id="216" name="Straight Connector 215"/>
                 <p:cNvCxnSpPr/>
                 <p:nvPr/>
               </p:nvCxnSpPr>
               <p:spPr>
                 <a:xfrm>
-                  <a:off x="3135404" y="2763162"/>
+                  <a:off x="4770478" y="3634526"/>
                   <a:ext cx="123069" cy="0"/>
                 </a:xfrm>
                 <a:prstGeom prst="line">
                   <a:avLst/>
                 </a:prstGeom>
-                <a:ln w="25400">
-                  <a:solidFill>
-                    <a:srgbClr val="FF0000"/>
-                  </a:solidFill>
-                </a:ln>
+                <a:ln w="25400"/>
               </p:spPr>
               <p:style>
                 <a:lnRef idx="1">
@@ -19244,23 +25582,19 @@
             </p:cxnSp>
             <p:cxnSp>
               <p:nvCxnSpPr>
-                <p:cNvPr id="227" name="Straight Connector 226"/>
+                <p:cNvPr id="217" name="Straight Connector 216"/>
                 <p:cNvCxnSpPr/>
                 <p:nvPr/>
               </p:nvCxnSpPr>
               <p:spPr>
                 <a:xfrm>
-                  <a:off x="3135404" y="2801097"/>
+                  <a:off x="4770478" y="3672461"/>
                   <a:ext cx="123069" cy="0"/>
                 </a:xfrm>
                 <a:prstGeom prst="line">
                   <a:avLst/>
                 </a:prstGeom>
-                <a:ln w="25400">
-                  <a:solidFill>
-                    <a:srgbClr val="FF0000"/>
-                  </a:solidFill>
-                </a:ln>
+                <a:ln w="25400"/>
               </p:spPr>
               <p:style>
                 <a:lnRef idx="1">
@@ -19279,23 +25613,19 @@
             </p:cxnSp>
             <p:cxnSp>
               <p:nvCxnSpPr>
-                <p:cNvPr id="228" name="Straight Connector 227"/>
+                <p:cNvPr id="218" name="Straight Connector 217"/>
                 <p:cNvCxnSpPr/>
                 <p:nvPr/>
               </p:nvCxnSpPr>
               <p:spPr>
                 <a:xfrm>
-                  <a:off x="3135404" y="2839032"/>
+                  <a:off x="4770478" y="3710396"/>
                   <a:ext cx="123069" cy="0"/>
                 </a:xfrm>
                 <a:prstGeom prst="line">
                   <a:avLst/>
                 </a:prstGeom>
-                <a:ln w="25400">
-                  <a:solidFill>
-                    <a:srgbClr val="FF0000"/>
-                  </a:solidFill>
-                </a:ln>
+                <a:ln w="25400"/>
               </p:spPr>
               <p:style>
                 <a:lnRef idx="1">
@@ -19313,394 +25643,663 @@
               </p:style>
             </p:cxnSp>
           </p:grpSp>
-          <p:grpSp>
-            <p:nvGrpSpPr>
-              <p:cNvPr id="18" name="Group 17"/>
-              <p:cNvGrpSpPr/>
+        </p:grpSp>
+        <p:grpSp>
+          <p:nvGrpSpPr>
+            <p:cNvPr id="17" name="Group 16"/>
+            <p:cNvGrpSpPr/>
+            <p:nvPr/>
+          </p:nvGrpSpPr>
+          <p:grpSpPr>
+            <a:xfrm>
+              <a:off x="2901909" y="2661005"/>
+              <a:ext cx="420764" cy="340787"/>
+              <a:chOff x="2903135" y="2661005"/>
+              <a:chExt cx="420764" cy="340787"/>
+            </a:xfrm>
+          </p:grpSpPr>
+          <p:sp>
+            <p:nvSpPr>
+              <p:cNvPr id="221" name="Rectangle 220"/>
+              <p:cNvSpPr/>
               <p:nvPr/>
-            </p:nvGrpSpPr>
-            <p:grpSpPr>
+            </p:nvSpPr>
+            <p:spPr>
               <a:xfrm>
-                <a:off x="2901909" y="3047014"/>
+                <a:off x="2903135" y="2661005"/>
                 <a:ext cx="420764" cy="340787"/>
-                <a:chOff x="2906795" y="3047014"/>
-                <a:chExt cx="420764" cy="340787"/>
               </a:xfrm>
-            </p:grpSpPr>
-            <p:sp>
-              <p:nvSpPr>
-                <p:cNvPr id="224" name="Oval 223"/>
-                <p:cNvSpPr/>
-                <p:nvPr/>
-              </p:nvSpPr>
-              <p:spPr>
-                <a:xfrm>
-                  <a:off x="2988189" y="3096850"/>
-                  <a:ext cx="90264" cy="90264"/>
-                </a:xfrm>
-                <a:prstGeom prst="ellipse">
-                  <a:avLst/>
-                </a:prstGeom>
+              <a:prstGeom prst="rect">
+                <a:avLst/>
+              </a:prstGeom>
+              <a:noFill/>
+              <a:ln w="25400">
+                <a:solidFill>
+                  <a:srgbClr val="FF0000"/>
+                </a:solidFill>
+              </a:ln>
+            </p:spPr>
+            <p:style>
+              <a:lnRef idx="2">
+                <a:schemeClr val="accent1">
+                  <a:shade val="50000"/>
+                </a:schemeClr>
+              </a:lnRef>
+              <a:fillRef idx="1">
+                <a:schemeClr val="accent1"/>
+              </a:fillRef>
+              <a:effectRef idx="0">
+                <a:schemeClr val="accent1"/>
+              </a:effectRef>
+              <a:fontRef idx="minor">
+                <a:schemeClr val="lt1"/>
+              </a:fontRef>
+            </p:style>
+            <p:txBody>
+              <a:bodyPr rtlCol="0" anchor="ctr"/>
+              <a:lstStyle/>
+              <a:p>
+                <a:pPr algn="ctr"/>
+                <a:endParaRPr lang="en-US"/>
+              </a:p>
+            </p:txBody>
+          </p:sp>
+          <p:sp>
+            <p:nvSpPr>
+              <p:cNvPr id="222" name="Oval 221"/>
+              <p:cNvSpPr/>
+              <p:nvPr/>
+            </p:nvSpPr>
+            <p:spPr>
+              <a:xfrm>
+                <a:off x="2984529" y="2710841"/>
+                <a:ext cx="90263" cy="90264"/>
+              </a:xfrm>
+              <a:prstGeom prst="ellipse">
+                <a:avLst/>
+              </a:prstGeom>
+              <a:solidFill>
+                <a:srgbClr val="FF0000"/>
+              </a:solidFill>
+              <a:ln>
+                <a:solidFill>
+                  <a:srgbClr val="C00000"/>
+                </a:solidFill>
+              </a:ln>
+            </p:spPr>
+            <p:style>
+              <a:lnRef idx="2">
+                <a:schemeClr val="accent1">
+                  <a:shade val="50000"/>
+                </a:schemeClr>
+              </a:lnRef>
+              <a:fillRef idx="1">
+                <a:schemeClr val="accent1"/>
+              </a:fillRef>
+              <a:effectRef idx="0">
+                <a:schemeClr val="accent1"/>
+              </a:effectRef>
+              <a:fontRef idx="minor">
+                <a:schemeClr val="lt1"/>
+              </a:fontRef>
+            </p:style>
+            <p:txBody>
+              <a:bodyPr rtlCol="0" anchor="ctr"/>
+              <a:lstStyle/>
+              <a:p>
+                <a:pPr algn="ctr"/>
+                <a:endParaRPr lang="en-US"/>
+              </a:p>
+            </p:txBody>
+          </p:sp>
+          <p:sp>
+            <p:nvSpPr>
+              <p:cNvPr id="223" name="Round Same Side Corner Rectangle 222"/>
+              <p:cNvSpPr/>
+              <p:nvPr/>
+            </p:nvSpPr>
+            <p:spPr>
+              <a:xfrm>
+                <a:off x="2954228" y="2801105"/>
+                <a:ext cx="150866" cy="150867"/>
+              </a:xfrm>
+              <a:prstGeom prst="round2SameRect">
+                <a:avLst>
+                  <a:gd name="adj1" fmla="val 49716"/>
+                  <a:gd name="adj2" fmla="val 0"/>
+                </a:avLst>
+              </a:prstGeom>
+              <a:solidFill>
+                <a:srgbClr val="FF0000"/>
+              </a:solidFill>
+              <a:ln>
+                <a:solidFill>
+                  <a:srgbClr val="C00000"/>
+                </a:solidFill>
+              </a:ln>
+            </p:spPr>
+            <p:style>
+              <a:lnRef idx="2">
+                <a:schemeClr val="accent1">
+                  <a:shade val="50000"/>
+                </a:schemeClr>
+              </a:lnRef>
+              <a:fillRef idx="1">
+                <a:schemeClr val="accent1"/>
+              </a:fillRef>
+              <a:effectRef idx="0">
+                <a:schemeClr val="accent1"/>
+              </a:effectRef>
+              <a:fontRef idx="minor">
+                <a:schemeClr val="lt1"/>
+              </a:fontRef>
+            </p:style>
+            <p:txBody>
+              <a:bodyPr rtlCol="0" anchor="ctr"/>
+              <a:lstStyle/>
+              <a:p>
+                <a:pPr algn="ctr"/>
+                <a:r>
+                  <a:rPr lang="en-US" sz="1050" dirty="0" smtClean="0"/>
+                  <a:t>B</a:t>
+                </a:r>
+                <a:endParaRPr lang="en-US" sz="4000" dirty="0"/>
+              </a:p>
+            </p:txBody>
+          </p:sp>
+          <p:cxnSp>
+            <p:nvCxnSpPr>
+              <p:cNvPr id="226" name="Straight Connector 225"/>
+              <p:cNvCxnSpPr/>
+              <p:nvPr/>
+            </p:nvCxnSpPr>
+            <p:spPr>
+              <a:xfrm>
+                <a:off x="3135404" y="2763162"/>
+                <a:ext cx="123069" cy="0"/>
+              </a:xfrm>
+              <a:prstGeom prst="line">
+                <a:avLst/>
+              </a:prstGeom>
+              <a:ln w="25400">
+                <a:solidFill>
+                  <a:srgbClr val="FF0000"/>
+                </a:solidFill>
+              </a:ln>
+            </p:spPr>
+            <p:style>
+              <a:lnRef idx="1">
+                <a:schemeClr val="accent1"/>
+              </a:lnRef>
+              <a:fillRef idx="0">
+                <a:schemeClr val="accent1"/>
+              </a:fillRef>
+              <a:effectRef idx="0">
+                <a:schemeClr val="accent1"/>
+              </a:effectRef>
+              <a:fontRef idx="minor">
+                <a:schemeClr val="tx1"/>
+              </a:fontRef>
+            </p:style>
+          </p:cxnSp>
+          <p:cxnSp>
+            <p:nvCxnSpPr>
+              <p:cNvPr id="227" name="Straight Connector 226"/>
+              <p:cNvCxnSpPr/>
+              <p:nvPr/>
+            </p:nvCxnSpPr>
+            <p:spPr>
+              <a:xfrm>
+                <a:off x="3135404" y="2801097"/>
+                <a:ext cx="123069" cy="0"/>
+              </a:xfrm>
+              <a:prstGeom prst="line">
+                <a:avLst/>
+              </a:prstGeom>
+              <a:ln w="25400">
+                <a:solidFill>
+                  <a:srgbClr val="FF0000"/>
+                </a:solidFill>
+              </a:ln>
+            </p:spPr>
+            <p:style>
+              <a:lnRef idx="1">
+                <a:schemeClr val="accent1"/>
+              </a:lnRef>
+              <a:fillRef idx="0">
+                <a:schemeClr val="accent1"/>
+              </a:fillRef>
+              <a:effectRef idx="0">
+                <a:schemeClr val="accent1"/>
+              </a:effectRef>
+              <a:fontRef idx="minor">
+                <a:schemeClr val="tx1"/>
+              </a:fontRef>
+            </p:style>
+          </p:cxnSp>
+          <p:cxnSp>
+            <p:nvCxnSpPr>
+              <p:cNvPr id="228" name="Straight Connector 227"/>
+              <p:cNvCxnSpPr/>
+              <p:nvPr/>
+            </p:nvCxnSpPr>
+            <p:spPr>
+              <a:xfrm>
+                <a:off x="3135404" y="2839032"/>
+                <a:ext cx="123069" cy="0"/>
+              </a:xfrm>
+              <a:prstGeom prst="line">
+                <a:avLst/>
+              </a:prstGeom>
+              <a:ln w="25400">
+                <a:solidFill>
+                  <a:srgbClr val="FF0000"/>
+                </a:solidFill>
+              </a:ln>
+            </p:spPr>
+            <p:style>
+              <a:lnRef idx="1">
+                <a:schemeClr val="accent1"/>
+              </a:lnRef>
+              <a:fillRef idx="0">
+                <a:schemeClr val="accent1"/>
+              </a:fillRef>
+              <a:effectRef idx="0">
+                <a:schemeClr val="accent1"/>
+              </a:effectRef>
+              <a:fontRef idx="minor">
+                <a:schemeClr val="tx1"/>
+              </a:fontRef>
+            </p:style>
+          </p:cxnSp>
+        </p:grpSp>
+        <p:grpSp>
+          <p:nvGrpSpPr>
+            <p:cNvPr id="18" name="Group 17"/>
+            <p:cNvGrpSpPr/>
+            <p:nvPr/>
+          </p:nvGrpSpPr>
+          <p:grpSpPr>
+            <a:xfrm>
+              <a:off x="2901909" y="3047014"/>
+              <a:ext cx="420764" cy="340787"/>
+              <a:chOff x="2906795" y="3047014"/>
+              <a:chExt cx="420764" cy="340787"/>
+            </a:xfrm>
+          </p:grpSpPr>
+          <p:sp>
+            <p:nvSpPr>
+              <p:cNvPr id="224" name="Oval 223"/>
+              <p:cNvSpPr/>
+              <p:nvPr/>
+            </p:nvSpPr>
+            <p:spPr>
+              <a:xfrm>
+                <a:off x="2988189" y="3096850"/>
+                <a:ext cx="90264" cy="90264"/>
+              </a:xfrm>
+              <a:prstGeom prst="ellipse">
+                <a:avLst/>
+              </a:prstGeom>
+              <a:solidFill>
+                <a:srgbClr val="FFC000"/>
+              </a:solidFill>
+              <a:ln>
+                <a:solidFill>
+                  <a:srgbClr val="D29500"/>
+                </a:solidFill>
+              </a:ln>
+            </p:spPr>
+            <p:style>
+              <a:lnRef idx="2">
+                <a:schemeClr val="accent1">
+                  <a:shade val="50000"/>
+                </a:schemeClr>
+              </a:lnRef>
+              <a:fillRef idx="1">
+                <a:schemeClr val="accent1"/>
+              </a:fillRef>
+              <a:effectRef idx="0">
+                <a:schemeClr val="accent1"/>
+              </a:effectRef>
+              <a:fontRef idx="minor">
+                <a:schemeClr val="lt1"/>
+              </a:fontRef>
+            </p:style>
+            <p:txBody>
+              <a:bodyPr rtlCol="0" anchor="ctr"/>
+              <a:lstStyle/>
+              <a:p>
+                <a:pPr algn="ctr"/>
+                <a:endParaRPr lang="en-US"/>
+              </a:p>
+            </p:txBody>
+          </p:sp>
+          <p:sp>
+            <p:nvSpPr>
+              <p:cNvPr id="225" name="Round Same Side Corner Rectangle 224"/>
+              <p:cNvSpPr/>
+              <p:nvPr/>
+            </p:nvSpPr>
+            <p:spPr>
+              <a:xfrm>
+                <a:off x="2957888" y="3187114"/>
+                <a:ext cx="150866" cy="150866"/>
+              </a:xfrm>
+              <a:prstGeom prst="round2SameRect">
+                <a:avLst>
+                  <a:gd name="adj1" fmla="val 49716"/>
+                  <a:gd name="adj2" fmla="val 0"/>
+                </a:avLst>
+              </a:prstGeom>
+              <a:solidFill>
+                <a:srgbClr val="FFC000"/>
+              </a:solidFill>
+              <a:ln>
+                <a:solidFill>
+                  <a:srgbClr val="D29500"/>
+                </a:solidFill>
+              </a:ln>
+            </p:spPr>
+            <p:style>
+              <a:lnRef idx="2">
+                <a:schemeClr val="accent1">
+                  <a:shade val="50000"/>
+                </a:schemeClr>
+              </a:lnRef>
+              <a:fillRef idx="1">
+                <a:schemeClr val="accent1"/>
+              </a:fillRef>
+              <a:effectRef idx="0">
+                <a:schemeClr val="accent1"/>
+              </a:effectRef>
+              <a:fontRef idx="minor">
+                <a:schemeClr val="lt1"/>
+              </a:fontRef>
+            </p:style>
+            <p:txBody>
+              <a:bodyPr rtlCol="0" anchor="ctr"/>
+              <a:lstStyle/>
+              <a:p>
+                <a:pPr algn="ctr"/>
+                <a:r>
+                  <a:rPr lang="en-US" sz="1050" dirty="0" smtClean="0"/>
+                  <a:t>B</a:t>
+                </a:r>
+                <a:endParaRPr lang="en-US" sz="4000" dirty="0"/>
+              </a:p>
+            </p:txBody>
+          </p:sp>
+          <p:cxnSp>
+            <p:nvCxnSpPr>
+              <p:cNvPr id="229" name="Straight Connector 228"/>
+              <p:cNvCxnSpPr/>
+              <p:nvPr/>
+            </p:nvCxnSpPr>
+            <p:spPr>
+              <a:xfrm>
+                <a:off x="3139064" y="3149171"/>
+                <a:ext cx="123069" cy="0"/>
+              </a:xfrm>
+              <a:prstGeom prst="line">
+                <a:avLst/>
+              </a:prstGeom>
+              <a:ln w="25400">
                 <a:solidFill>
                   <a:srgbClr val="FFC000"/>
                 </a:solidFill>
-                <a:ln>
-                  <a:solidFill>
-                    <a:srgbClr val="D29500"/>
-                  </a:solidFill>
-                </a:ln>
-              </p:spPr>
-              <p:style>
-                <a:lnRef idx="2">
-                  <a:schemeClr val="accent1">
-                    <a:shade val="50000"/>
-                  </a:schemeClr>
-                </a:lnRef>
-                <a:fillRef idx="1">
-                  <a:schemeClr val="accent1"/>
-                </a:fillRef>
-                <a:effectRef idx="0">
-                  <a:schemeClr val="accent1"/>
-                </a:effectRef>
-                <a:fontRef idx="minor">
-                  <a:schemeClr val="lt1"/>
-                </a:fontRef>
-              </p:style>
-              <p:txBody>
-                <a:bodyPr rtlCol="0" anchor="ctr"/>
-                <a:lstStyle/>
-                <a:p>
-                  <a:pPr algn="ctr"/>
-                  <a:endParaRPr lang="en-US"/>
-                </a:p>
-              </p:txBody>
-            </p:sp>
-            <p:sp>
-              <p:nvSpPr>
-                <p:cNvPr id="225" name="Round Same Side Corner Rectangle 224"/>
-                <p:cNvSpPr/>
-                <p:nvPr/>
-              </p:nvSpPr>
-              <p:spPr>
-                <a:xfrm>
-                  <a:off x="2957888" y="3187114"/>
-                  <a:ext cx="150866" cy="150866"/>
-                </a:xfrm>
-                <a:prstGeom prst="round2SameRect">
-                  <a:avLst>
-                    <a:gd name="adj1" fmla="val 49716"/>
-                    <a:gd name="adj2" fmla="val 0"/>
-                  </a:avLst>
-                </a:prstGeom>
+              </a:ln>
+            </p:spPr>
+            <p:style>
+              <a:lnRef idx="1">
+                <a:schemeClr val="accent1"/>
+              </a:lnRef>
+              <a:fillRef idx="0">
+                <a:schemeClr val="accent1"/>
+              </a:fillRef>
+              <a:effectRef idx="0">
+                <a:schemeClr val="accent1"/>
+              </a:effectRef>
+              <a:fontRef idx="minor">
+                <a:schemeClr val="tx1"/>
+              </a:fontRef>
+            </p:style>
+          </p:cxnSp>
+          <p:cxnSp>
+            <p:nvCxnSpPr>
+              <p:cNvPr id="230" name="Straight Connector 229"/>
+              <p:cNvCxnSpPr/>
+              <p:nvPr/>
+            </p:nvCxnSpPr>
+            <p:spPr>
+              <a:xfrm>
+                <a:off x="3139064" y="3187106"/>
+                <a:ext cx="123069" cy="0"/>
+              </a:xfrm>
+              <a:prstGeom prst="line">
+                <a:avLst/>
+              </a:prstGeom>
+              <a:ln w="25400">
                 <a:solidFill>
                   <a:srgbClr val="FFC000"/>
                 </a:solidFill>
-                <a:ln>
-                  <a:solidFill>
-                    <a:srgbClr val="D29500"/>
-                  </a:solidFill>
-                </a:ln>
-              </p:spPr>
-              <p:style>
-                <a:lnRef idx="2">
-                  <a:schemeClr val="accent1">
-                    <a:shade val="50000"/>
-                  </a:schemeClr>
-                </a:lnRef>
-                <a:fillRef idx="1">
-                  <a:schemeClr val="accent1"/>
-                </a:fillRef>
-                <a:effectRef idx="0">
-                  <a:schemeClr val="accent1"/>
-                </a:effectRef>
-                <a:fontRef idx="minor">
-                  <a:schemeClr val="lt1"/>
-                </a:fontRef>
-              </p:style>
-              <p:txBody>
-                <a:bodyPr rtlCol="0" anchor="ctr"/>
-                <a:lstStyle/>
-                <a:p>
-                  <a:pPr algn="ctr"/>
-                  <a:r>
-                    <a:rPr lang="en-US" sz="1050" dirty="0" smtClean="0"/>
-                    <a:t>B</a:t>
-                  </a:r>
-                  <a:endParaRPr lang="en-US" sz="4000" dirty="0"/>
-                </a:p>
-              </p:txBody>
-            </p:sp>
-            <p:cxnSp>
-              <p:nvCxnSpPr>
-                <p:cNvPr id="229" name="Straight Connector 228"/>
-                <p:cNvCxnSpPr/>
-                <p:nvPr/>
-              </p:nvCxnSpPr>
-              <p:spPr>
-                <a:xfrm>
-                  <a:off x="3139064" y="3149171"/>
-                  <a:ext cx="123069" cy="0"/>
-                </a:xfrm>
-                <a:prstGeom prst="line">
-                  <a:avLst/>
-                </a:prstGeom>
-                <a:ln w="25400">
-                  <a:solidFill>
-                    <a:srgbClr val="FFC000"/>
-                  </a:solidFill>
-                </a:ln>
-              </p:spPr>
-              <p:style>
-                <a:lnRef idx="1">
-                  <a:schemeClr val="accent1"/>
-                </a:lnRef>
-                <a:fillRef idx="0">
-                  <a:schemeClr val="accent1"/>
-                </a:fillRef>
-                <a:effectRef idx="0">
-                  <a:schemeClr val="accent1"/>
-                </a:effectRef>
-                <a:fontRef idx="minor">
-                  <a:schemeClr val="tx1"/>
-                </a:fontRef>
-              </p:style>
-            </p:cxnSp>
-            <p:cxnSp>
-              <p:nvCxnSpPr>
-                <p:cNvPr id="230" name="Straight Connector 229"/>
-                <p:cNvCxnSpPr/>
-                <p:nvPr/>
-              </p:nvCxnSpPr>
-              <p:spPr>
-                <a:xfrm>
-                  <a:off x="3139064" y="3187106"/>
-                  <a:ext cx="123069" cy="0"/>
-                </a:xfrm>
-                <a:prstGeom prst="line">
-                  <a:avLst/>
-                </a:prstGeom>
-                <a:ln w="25400">
-                  <a:solidFill>
-                    <a:srgbClr val="FFC000"/>
-                  </a:solidFill>
-                </a:ln>
-              </p:spPr>
-              <p:style>
-                <a:lnRef idx="1">
-                  <a:schemeClr val="accent1"/>
-                </a:lnRef>
-                <a:fillRef idx="0">
-                  <a:schemeClr val="accent1"/>
-                </a:fillRef>
-                <a:effectRef idx="0">
-                  <a:schemeClr val="accent1"/>
-                </a:effectRef>
-                <a:fontRef idx="minor">
-                  <a:schemeClr val="tx1"/>
-                </a:fontRef>
-              </p:style>
-            </p:cxnSp>
-            <p:cxnSp>
-              <p:nvCxnSpPr>
-                <p:cNvPr id="231" name="Straight Connector 230"/>
-                <p:cNvCxnSpPr/>
-                <p:nvPr/>
-              </p:nvCxnSpPr>
-              <p:spPr>
-                <a:xfrm>
-                  <a:off x="3139064" y="3225041"/>
-                  <a:ext cx="123069" cy="0"/>
-                </a:xfrm>
-                <a:prstGeom prst="line">
-                  <a:avLst/>
-                </a:prstGeom>
-                <a:ln w="25400">
-                  <a:solidFill>
-                    <a:srgbClr val="FFC000"/>
-                  </a:solidFill>
-                </a:ln>
-              </p:spPr>
-              <p:style>
-                <a:lnRef idx="1">
-                  <a:schemeClr val="accent1"/>
-                </a:lnRef>
-                <a:fillRef idx="0">
-                  <a:schemeClr val="accent1"/>
-                </a:fillRef>
-                <a:effectRef idx="0">
-                  <a:schemeClr val="accent1"/>
-                </a:effectRef>
-                <a:fontRef idx="minor">
-                  <a:schemeClr val="tx1"/>
-                </a:fontRef>
-              </p:style>
-            </p:cxnSp>
-            <p:sp>
-              <p:nvSpPr>
-                <p:cNvPr id="232" name="Rectangle 231"/>
-                <p:cNvSpPr/>
-                <p:nvPr/>
-              </p:nvSpPr>
-              <p:spPr>
-                <a:xfrm>
-                  <a:off x="2906795" y="3047014"/>
-                  <a:ext cx="420764" cy="340787"/>
-                </a:xfrm>
-                <a:prstGeom prst="rect">
-                  <a:avLst/>
-                </a:prstGeom>
-                <a:noFill/>
-                <a:ln w="25400">
-                  <a:solidFill>
-                    <a:srgbClr val="FFC000"/>
-                  </a:solidFill>
-                </a:ln>
-              </p:spPr>
-              <p:style>
-                <a:lnRef idx="2">
-                  <a:schemeClr val="accent1">
-                    <a:shade val="50000"/>
-                  </a:schemeClr>
-                </a:lnRef>
-                <a:fillRef idx="1">
-                  <a:schemeClr val="accent1"/>
-                </a:fillRef>
-                <a:effectRef idx="0">
-                  <a:schemeClr val="accent1"/>
-                </a:effectRef>
-                <a:fontRef idx="minor">
-                  <a:schemeClr val="lt1"/>
-                </a:fontRef>
-              </p:style>
-              <p:txBody>
-                <a:bodyPr rtlCol="0" anchor="ctr"/>
-                <a:lstStyle/>
-                <a:p>
-                  <a:pPr algn="ctr"/>
-                  <a:endParaRPr lang="en-US"/>
-                </a:p>
-              </p:txBody>
-            </p:sp>
-          </p:grpSp>
+              </a:ln>
+            </p:spPr>
+            <p:style>
+              <a:lnRef idx="1">
+                <a:schemeClr val="accent1"/>
+              </a:lnRef>
+              <a:fillRef idx="0">
+                <a:schemeClr val="accent1"/>
+              </a:fillRef>
+              <a:effectRef idx="0">
+                <a:schemeClr val="accent1"/>
+              </a:effectRef>
+              <a:fontRef idx="minor">
+                <a:schemeClr val="tx1"/>
+              </a:fontRef>
+            </p:style>
+          </p:cxnSp>
+          <p:cxnSp>
+            <p:nvCxnSpPr>
+              <p:cNvPr id="231" name="Straight Connector 230"/>
+              <p:cNvCxnSpPr/>
+              <p:nvPr/>
+            </p:nvCxnSpPr>
+            <p:spPr>
+              <a:xfrm>
+                <a:off x="3139064" y="3225041"/>
+                <a:ext cx="123069" cy="0"/>
+              </a:xfrm>
+              <a:prstGeom prst="line">
+                <a:avLst/>
+              </a:prstGeom>
+              <a:ln w="25400">
+                <a:solidFill>
+                  <a:srgbClr val="FFC000"/>
+                </a:solidFill>
+              </a:ln>
+            </p:spPr>
+            <p:style>
+              <a:lnRef idx="1">
+                <a:schemeClr val="accent1"/>
+              </a:lnRef>
+              <a:fillRef idx="0">
+                <a:schemeClr val="accent1"/>
+              </a:fillRef>
+              <a:effectRef idx="0">
+                <a:schemeClr val="accent1"/>
+              </a:effectRef>
+              <a:fontRef idx="minor">
+                <a:schemeClr val="tx1"/>
+              </a:fontRef>
+            </p:style>
+          </p:cxnSp>
+          <p:sp>
+            <p:nvSpPr>
+              <p:cNvPr id="232" name="Rectangle 231"/>
+              <p:cNvSpPr/>
+              <p:nvPr/>
+            </p:nvSpPr>
+            <p:spPr>
+              <a:xfrm>
+                <a:off x="2906795" y="3047014"/>
+                <a:ext cx="420764" cy="340787"/>
+              </a:xfrm>
+              <a:prstGeom prst="rect">
+                <a:avLst/>
+              </a:prstGeom>
+              <a:noFill/>
+              <a:ln w="25400">
+                <a:solidFill>
+                  <a:srgbClr val="FFC000"/>
+                </a:solidFill>
+              </a:ln>
+            </p:spPr>
+            <p:style>
+              <a:lnRef idx="2">
+                <a:schemeClr val="accent1">
+                  <a:shade val="50000"/>
+                </a:schemeClr>
+              </a:lnRef>
+              <a:fillRef idx="1">
+                <a:schemeClr val="accent1"/>
+              </a:fillRef>
+              <a:effectRef idx="0">
+                <a:schemeClr val="accent1"/>
+              </a:effectRef>
+              <a:fontRef idx="minor">
+                <a:schemeClr val="lt1"/>
+              </a:fontRef>
+            </p:style>
+            <p:txBody>
+              <a:bodyPr rtlCol="0" anchor="ctr"/>
+              <a:lstStyle/>
+              <a:p>
+                <a:pPr algn="ctr"/>
+                <a:endParaRPr lang="en-US"/>
+              </a:p>
+            </p:txBody>
+          </p:sp>
         </p:grpSp>
-        <p:sp>
-          <p:nvSpPr>
-            <p:cNvPr id="205" name="Oval 204"/>
-            <p:cNvSpPr/>
-            <p:nvPr/>
-          </p:nvSpPr>
-          <p:spPr>
-            <a:xfrm>
-              <a:off x="11981343" y="4354181"/>
-              <a:ext cx="162001" cy="162001"/>
-            </a:xfrm>
-            <a:prstGeom prst="ellipse">
-              <a:avLst/>
-            </a:prstGeom>
+      </p:grpSp>
+      <p:sp>
+        <p:nvSpPr>
+          <p:cNvPr id="205" name="Oval 204"/>
+          <p:cNvSpPr/>
+          <p:nvPr/>
+        </p:nvSpPr>
+        <p:spPr>
+          <a:xfrm>
+            <a:off x="7267246" y="4466503"/>
+            <a:ext cx="162001" cy="162001"/>
+          </a:xfrm>
+          <a:prstGeom prst="ellipse">
+            <a:avLst/>
+          </a:prstGeom>
+          <a:solidFill>
+            <a:srgbClr val="FF0000"/>
+          </a:solidFill>
+          <a:ln w="25400" cmpd="sng">
             <a:solidFill>
               <a:srgbClr val="FF0000"/>
             </a:solidFill>
-            <a:ln w="25400" cmpd="sng">
+          </a:ln>
+          <a:effectLst>
+            <a:outerShdw blurRad="50800" dist="38100" dir="2700000" algn="tl" rotWithShape="0">
+              <a:prstClr val="black">
+                <a:alpha val="40000"/>
+              </a:prstClr>
+            </a:outerShdw>
+          </a:effectLst>
+        </p:spPr>
+        <p:style>
+          <a:lnRef idx="1">
+            <a:schemeClr val="accent1"/>
+          </a:lnRef>
+          <a:fillRef idx="3">
+            <a:schemeClr val="accent1"/>
+          </a:fillRef>
+          <a:effectRef idx="2">
+            <a:schemeClr val="accent1"/>
+          </a:effectRef>
+          <a:fontRef idx="minor">
+            <a:schemeClr val="lt1"/>
+          </a:fontRef>
+        </p:style>
+        <p:txBody>
+          <a:bodyPr rtlCol="0" anchor="ctr"/>
+          <a:lstStyle/>
+          <a:p>
+            <a:pPr algn="ctr"/>
+            <a:endParaRPr lang="en-GB" sz="1000">
               <a:solidFill>
-                <a:srgbClr val="FF0000"/>
+                <a:srgbClr val="000000"/>
               </a:solidFill>
-            </a:ln>
-            <a:effectLst>
-              <a:outerShdw blurRad="50800" dist="38100" dir="2700000" algn="tl" rotWithShape="0">
-                <a:prstClr val="black">
-                  <a:alpha val="40000"/>
-                </a:prstClr>
-              </a:outerShdw>
-            </a:effectLst>
-          </p:spPr>
-          <p:style>
-            <a:lnRef idx="1">
-              <a:schemeClr val="accent1"/>
-            </a:lnRef>
-            <a:fillRef idx="3">
-              <a:schemeClr val="accent1"/>
-            </a:fillRef>
-            <a:effectRef idx="2">
-              <a:schemeClr val="accent1"/>
-            </a:effectRef>
-            <a:fontRef idx="minor">
-              <a:schemeClr val="lt1"/>
-            </a:fontRef>
-          </p:style>
-          <p:txBody>
-            <a:bodyPr rtlCol="0" anchor="ctr"/>
-            <a:lstStyle/>
-            <a:p>
-              <a:pPr algn="ctr"/>
-              <a:endParaRPr lang="en-GB" sz="1000">
-                <a:solidFill>
-                  <a:srgbClr val="000000"/>
-                </a:solidFill>
-              </a:endParaRPr>
-            </a:p>
-          </p:txBody>
-        </p:sp>
-        <p:sp>
-          <p:nvSpPr>
-            <p:cNvPr id="237" name="Document 236"/>
-            <p:cNvSpPr/>
-            <p:nvPr/>
-          </p:nvSpPr>
-          <p:spPr>
-            <a:xfrm>
-              <a:off x="12194192" y="4218308"/>
-              <a:ext cx="547666" cy="433746"/>
-            </a:xfrm>
-            <a:prstGeom prst="flowChartDocument">
-              <a:avLst/>
-            </a:prstGeom>
+            </a:endParaRPr>
+          </a:p>
+        </p:txBody>
+      </p:sp>
+      <p:sp>
+        <p:nvSpPr>
+          <p:cNvPr id="237" name="Document 236"/>
+          <p:cNvSpPr/>
+          <p:nvPr/>
+        </p:nvSpPr>
+        <p:spPr>
+          <a:xfrm>
+            <a:off x="7480095" y="4330630"/>
+            <a:ext cx="547666" cy="433746"/>
+          </a:xfrm>
+          <a:prstGeom prst="flowChartDocument">
+            <a:avLst/>
+          </a:prstGeom>
+          <a:solidFill>
+            <a:srgbClr val="FF0000"/>
+          </a:solidFill>
+          <a:ln w="19050">
             <a:solidFill>
-              <a:srgbClr val="FF0000"/>
+              <a:srgbClr val="0070C0"/>
             </a:solidFill>
-            <a:ln w="19050">
-              <a:solidFill>
-                <a:srgbClr val="0070C0"/>
-              </a:solidFill>
-            </a:ln>
-          </p:spPr>
-          <p:style>
-            <a:lnRef idx="2">
-              <a:schemeClr val="accent1">
-                <a:shade val="50000"/>
-              </a:schemeClr>
-            </a:lnRef>
-            <a:fillRef idx="1">
-              <a:schemeClr val="accent1"/>
-            </a:fillRef>
-            <a:effectRef idx="0">
-              <a:schemeClr val="accent1"/>
-            </a:effectRef>
-            <a:fontRef idx="minor">
-              <a:schemeClr val="lt1"/>
-            </a:fontRef>
-          </p:style>
-          <p:txBody>
-            <a:bodyPr rtlCol="0" anchor="ctr"/>
-            <a:lstStyle/>
-            <a:p>
-              <a:pPr algn="ctr"/>
-              <a:r>
-                <a:rPr lang="en-US" sz="2400" b="1" dirty="0" smtClean="0">
-                  <a:solidFill>
-                    <a:schemeClr val="bg1"/>
-                  </a:solidFill>
-                </a:rPr>
-                <a:t>L</a:t>
-              </a:r>
-              <a:endParaRPr lang="en-US" sz="2400" b="1" dirty="0">
+          </a:ln>
+        </p:spPr>
+        <p:style>
+          <a:lnRef idx="2">
+            <a:schemeClr val="accent1">
+              <a:shade val="50000"/>
+            </a:schemeClr>
+          </a:lnRef>
+          <a:fillRef idx="1">
+            <a:schemeClr val="accent1"/>
+          </a:fillRef>
+          <a:effectRef idx="0">
+            <a:schemeClr val="accent1"/>
+          </a:effectRef>
+          <a:fontRef idx="minor">
+            <a:schemeClr val="lt1"/>
+          </a:fontRef>
+        </p:style>
+        <p:txBody>
+          <a:bodyPr rtlCol="0" anchor="ctr"/>
+          <a:lstStyle/>
+          <a:p>
+            <a:pPr algn="ctr"/>
+            <a:r>
+              <a:rPr lang="en-US" sz="2400" b="1" dirty="0" smtClean="0">
                 <a:solidFill>
                   <a:schemeClr val="bg1"/>
                 </a:solidFill>
-              </a:endParaRPr>
-            </a:p>
-          </p:txBody>
-        </p:sp>
-      </p:grpSp>
+              </a:rPr>
+              <a:t>L</a:t>
+            </a:r>
+            <a:endParaRPr lang="en-US" sz="2400" b="1" dirty="0">
+              <a:solidFill>
+                <a:schemeClr val="bg1"/>
+              </a:solidFill>
+            </a:endParaRPr>
+          </a:p>
+        </p:txBody>
+      </p:sp>
       <p:grpSp>
         <p:nvGrpSpPr>
           <p:cNvPr id="31" name="Group 30"/>
@@ -21301,6 +27900,59 @@
           </p:style>
         </p:cxnSp>
       </p:grpSp>
+      <p:sp>
+        <p:nvSpPr>
+          <p:cNvPr id="285" name="Oval 284"/>
+          <p:cNvSpPr/>
+          <p:nvPr/>
+        </p:nvSpPr>
+        <p:spPr>
+          <a:xfrm>
+            <a:off x="5369069" y="3660403"/>
+            <a:ext cx="3950475" cy="307828"/>
+          </a:xfrm>
+          <a:prstGeom prst="ellipse">
+            <a:avLst/>
+          </a:prstGeom>
+          <a:noFill/>
+          <a:ln w="38100">
+            <a:solidFill>
+              <a:srgbClr val="FF0000"/>
+            </a:solidFill>
+          </a:ln>
+          <a:effectLst>
+            <a:outerShdw blurRad="50800" dist="38100" dir="2700000" algn="tl" rotWithShape="0">
+              <a:prstClr val="black">
+                <a:alpha val="40000"/>
+              </a:prstClr>
+            </a:outerShdw>
+          </a:effectLst>
+        </p:spPr>
+        <p:style>
+          <a:lnRef idx="2">
+            <a:schemeClr val="accent1">
+              <a:shade val="50000"/>
+            </a:schemeClr>
+          </a:lnRef>
+          <a:fillRef idx="1">
+            <a:schemeClr val="accent1"/>
+          </a:fillRef>
+          <a:effectRef idx="0">
+            <a:schemeClr val="accent1"/>
+          </a:effectRef>
+          <a:fontRef idx="minor">
+            <a:schemeClr val="lt1"/>
+          </a:fontRef>
+        </p:style>
+        <p:txBody>
+          <a:bodyPr rtlCol="0" anchor="ctr"/>
+          <a:lstStyle/>
+          <a:p>
+            <a:pPr algn="ctr"/>
+            <a:endParaRPr lang="en-US"/>
+          </a:p>
+        </p:txBody>
+      </p:sp>
     </p:spTree>
     <p:extLst>
       <p:ext uri="{BB962C8B-B14F-4D97-AF65-F5344CB8AC3E}">

--- a/docs/OtherSourceMaterial/Diagrams.pptx
+++ b/docs/OtherSourceMaterial/Diagrams.pptx
@@ -5,7 +5,7 @@
     <p:sldMasterId id="2147483648" r:id="rId1"/>
   </p:sldMasterIdLst>
   <p:notesMasterIdLst>
-    <p:notesMasterId r:id="rId12"/>
+    <p:notesMasterId r:id="rId13"/>
   </p:notesMasterIdLst>
   <p:sldIdLst>
     <p:sldId id="386" r:id="rId2"/>
@@ -17,7 +17,8 @@
     <p:sldId id="393" r:id="rId8"/>
     <p:sldId id="395" r:id="rId9"/>
     <p:sldId id="396" r:id="rId10"/>
-    <p:sldId id="397" r:id="rId11"/>
+    <p:sldId id="398" r:id="rId11"/>
+    <p:sldId id="397" r:id="rId12"/>
   </p:sldIdLst>
   <p:sldSz cx="12192000" cy="6858000"/>
   <p:notesSz cx="6858000" cy="9144000"/>
@@ -3444,6 +3445,113 @@
             <p:ph type="title"/>
           </p:nvPr>
         </p:nvSpPr>
+        <p:spPr/>
+        <p:txBody>
+          <a:bodyPr/>
+          <a:lstStyle/>
+          <a:p>
+            <a:r>
+              <a:rPr lang="en-US" dirty="0" smtClean="0"/>
+              <a:t>Admin Guide</a:t>
+            </a:r>
+            <a:endParaRPr lang="en-US" dirty="0"/>
+          </a:p>
+        </p:txBody>
+      </p:sp>
+      <p:sp>
+        <p:nvSpPr>
+          <p:cNvPr id="3" name="Text Placeholder 2"/>
+          <p:cNvSpPr>
+            <a:spLocks noGrp="1"/>
+          </p:cNvSpPr>
+          <p:nvPr>
+            <p:ph type="body" idx="1"/>
+          </p:nvPr>
+        </p:nvSpPr>
+        <p:spPr/>
+        <p:txBody>
+          <a:bodyPr/>
+          <a:lstStyle/>
+          <a:p>
+            <a:r>
+              <a:rPr lang="en-US" dirty="0" smtClean="0"/>
+              <a:t>Key </a:t>
+            </a:r>
+            <a:r>
+              <a:rPr lang="en-US" dirty="0" smtClean="0"/>
+              <a:t>Concepts, Identity </a:t>
+            </a:r>
+            <a:r>
+              <a:rPr lang="en-US" smtClean="0"/>
+              <a:t>and Chains of Trust</a:t>
+            </a:r>
+            <a:endParaRPr lang="en-US" dirty="0"/>
+          </a:p>
+        </p:txBody>
+      </p:sp>
+      <p:sp>
+        <p:nvSpPr>
+          <p:cNvPr id="4" name="Slide Number Placeholder 3"/>
+          <p:cNvSpPr>
+            <a:spLocks noGrp="1"/>
+          </p:cNvSpPr>
+          <p:nvPr>
+            <p:ph type="sldNum" sz="quarter" idx="12"/>
+          </p:nvPr>
+        </p:nvSpPr>
+        <p:spPr/>
+        <p:txBody>
+          <a:bodyPr/>
+          <a:lstStyle/>
+          <a:p>
+            <a:fld id="{2AF5F8E0-9CB9-8D41-B80C-6B76C9B710FC}" type="slidenum">
+              <a:rPr lang="en-US" smtClean="0"/>
+              <a:t>10</a:t>
+            </a:fld>
+            <a:endParaRPr lang="en-US"/>
+          </a:p>
+        </p:txBody>
+      </p:sp>
+    </p:spTree>
+    <p:extLst>
+      <p:ext uri="{BB962C8B-B14F-4D97-AF65-F5344CB8AC3E}">
+        <p14:creationId xmlns:p14="http://schemas.microsoft.com/office/powerpoint/2010/main" val="52439793"/>
+      </p:ext>
+    </p:extLst>
+  </p:cSld>
+  <p:clrMapOvr>
+    <a:masterClrMapping/>
+  </p:clrMapOvr>
+</p:sld>
+</file>
+
+<file path=ppt/slides/slide11.xml><?xml version="1.0" encoding="utf-8"?>
+<p:sld xmlns:a="http://schemas.openxmlformats.org/drawingml/2006/main" xmlns:r="http://schemas.openxmlformats.org/officeDocument/2006/relationships" xmlns:p="http://schemas.openxmlformats.org/presentationml/2006/main">
+  <p:cSld>
+    <p:spTree>
+      <p:nvGrpSpPr>
+        <p:cNvPr id="1" name=""/>
+        <p:cNvGrpSpPr/>
+        <p:nvPr/>
+      </p:nvGrpSpPr>
+      <p:grpSpPr>
+        <a:xfrm>
+          <a:off x="0" y="0"/>
+          <a:ext cx="0" cy="0"/>
+          <a:chOff x="0" y="0"/>
+          <a:chExt cx="0" cy="0"/>
+        </a:xfrm>
+      </p:grpSpPr>
+      <p:sp>
+        <p:nvSpPr>
+          <p:cNvPr id="2" name="Title 1"/>
+          <p:cNvSpPr>
+            <a:spLocks noGrp="1"/>
+          </p:cNvSpPr>
+          <p:nvPr>
+            <p:ph type="title"/>
+          </p:nvPr>
+        </p:nvSpPr>
         <p:spPr>
           <a:xfrm>
             <a:off x="814450" y="376687"/>
@@ -3459,8 +3567,8 @@
               <a:t>Diagram </a:t>
             </a:r>
             <a:r>
-              <a:rPr lang="en-US" dirty="0"/>
-              <a:t>6</a:t>
+              <a:rPr lang="en-US" dirty="0" smtClean="0"/>
+              <a:t>1</a:t>
             </a:r>
             <a:endParaRPr lang="en-US" dirty="0"/>
           </a:p>
@@ -3489,7 +3597,7 @@
             <a:fld id="{2AF5F8E0-9CB9-8D41-B80C-6B76C9B710FC}" type="slidenum">
               <a:rPr lang="en-US" smtClean="0"/>
               <a:pPr/>
-              <a:t>10</a:t>
+              <a:t>11</a:t>
             </a:fld>
             <a:endParaRPr lang="en-US"/>
           </a:p>
@@ -11237,7 +11345,11 @@
           <a:p>
             <a:r>
               <a:rPr lang="en-US" dirty="0" smtClean="0"/>
-              <a:t>Key Concepts</a:t>
+              <a:t>Key </a:t>
+            </a:r>
+            <a:r>
+              <a:rPr lang="en-US" dirty="0" smtClean="0"/>
+              <a:t>Concepts, A Blockchain Network</a:t>
             </a:r>
             <a:endParaRPr lang="en-US" dirty="0"/>
           </a:p>
@@ -14234,14 +14346,22 @@
           <a:p>
             <a:pPr algn="ctr"/>
             <a:r>
-              <a:rPr lang="en-US" sz="2400" b="1" dirty="0" smtClean="0">
+              <a:rPr lang="en-US" sz="2400" b="1" smtClean="0">
                 <a:solidFill>
                   <a:schemeClr val="bg1"/>
                 </a:solidFill>
               </a:rPr>
               <a:t>L</a:t>
             </a:r>
-            <a:endParaRPr lang="en-US" sz="2400" b="1" dirty="0">
+            <a:r>
+              <a:rPr lang="en-US" sz="2400" b="1" baseline="-25000">
+                <a:solidFill>
+                  <a:schemeClr val="bg1"/>
+                </a:solidFill>
+              </a:rPr>
+              <a:t>b</a:t>
+            </a:r>
+            <a:endParaRPr lang="en-US" sz="2400" b="1" baseline="-25000" dirty="0">
               <a:solidFill>
                 <a:schemeClr val="bg1"/>
               </a:solidFill>

--- a/docs/OtherSourceMaterial/Diagrams.pptx
+++ b/docs/OtherSourceMaterial/Diagrams.pptx
@@ -5,7 +5,7 @@
     <p:sldMasterId id="2147483648" r:id="rId1"/>
   </p:sldMasterIdLst>
   <p:notesMasterIdLst>
-    <p:notesMasterId r:id="rId13"/>
+    <p:notesMasterId r:id="rId14"/>
   </p:notesMasterIdLst>
   <p:sldIdLst>
     <p:sldId id="386" r:id="rId2"/>
@@ -19,6 +19,7 @@
     <p:sldId id="396" r:id="rId10"/>
     <p:sldId id="398" r:id="rId11"/>
     <p:sldId id="397" r:id="rId12"/>
+    <p:sldId id="399" r:id="rId13"/>
   </p:sldIdLst>
   <p:sldSz cx="12192000" cy="6858000"/>
   <p:notesSz cx="6858000" cy="9144000"/>
@@ -10061,6 +10062,2952 @@
 </p:sld>
 </file>
 
+<file path=ppt/slides/slide12.xml><?xml version="1.0" encoding="utf-8"?>
+<p:sld xmlns:a="http://schemas.openxmlformats.org/drawingml/2006/main" xmlns:r="http://schemas.openxmlformats.org/officeDocument/2006/relationships" xmlns:p="http://schemas.openxmlformats.org/presentationml/2006/main">
+  <p:cSld>
+    <p:spTree>
+      <p:nvGrpSpPr>
+        <p:cNvPr id="1" name=""/>
+        <p:cNvGrpSpPr/>
+        <p:nvPr/>
+      </p:nvGrpSpPr>
+      <p:grpSpPr>
+        <a:xfrm>
+          <a:off x="0" y="0"/>
+          <a:ext cx="0" cy="0"/>
+          <a:chOff x="0" y="0"/>
+          <a:chExt cx="0" cy="0"/>
+        </a:xfrm>
+      </p:grpSpPr>
+      <p:sp>
+        <p:nvSpPr>
+          <p:cNvPr id="2" name="Title 1"/>
+          <p:cNvSpPr>
+            <a:spLocks noGrp="1"/>
+          </p:cNvSpPr>
+          <p:nvPr>
+            <p:ph type="title"/>
+          </p:nvPr>
+        </p:nvSpPr>
+        <p:spPr/>
+        <p:txBody>
+          <a:bodyPr/>
+          <a:lstStyle/>
+          <a:p>
+            <a:r>
+              <a:rPr lang="en-US" dirty="0" smtClean="0"/>
+              <a:t>Diagram 2</a:t>
+            </a:r>
+            <a:endParaRPr lang="en-US" dirty="0"/>
+          </a:p>
+        </p:txBody>
+      </p:sp>
+      <p:sp>
+        <p:nvSpPr>
+          <p:cNvPr id="4" name="Slide Number Placeholder 3"/>
+          <p:cNvSpPr>
+            <a:spLocks noGrp="1"/>
+          </p:cNvSpPr>
+          <p:nvPr>
+            <p:ph type="sldNum" sz="quarter" idx="12"/>
+          </p:nvPr>
+        </p:nvSpPr>
+        <p:spPr>
+          <a:xfrm>
+            <a:off x="1149384" y="6156888"/>
+            <a:ext cx="2743200" cy="365125"/>
+          </a:xfrm>
+        </p:spPr>
+        <p:txBody>
+          <a:bodyPr/>
+          <a:lstStyle/>
+          <a:p>
+            <a:fld id="{2AF5F8E0-9CB9-8D41-B80C-6B76C9B710FC}" type="slidenum">
+              <a:rPr lang="en-US" smtClean="0"/>
+              <a:pPr/>
+              <a:t>12</a:t>
+            </a:fld>
+            <a:endParaRPr lang="en-US"/>
+          </a:p>
+        </p:txBody>
+      </p:sp>
+      <p:sp>
+        <p:nvSpPr>
+          <p:cNvPr id="5" name="Rounded Rectangle 4"/>
+          <p:cNvSpPr/>
+          <p:nvPr/>
+        </p:nvSpPr>
+        <p:spPr>
+          <a:xfrm>
+            <a:off x="1562214" y="1612074"/>
+            <a:ext cx="6274520" cy="4109570"/>
+          </a:xfrm>
+          <a:prstGeom prst="roundRect">
+            <a:avLst/>
+          </a:prstGeom>
+          <a:solidFill>
+            <a:srgbClr val="DBE4F3"/>
+          </a:solidFill>
+        </p:spPr>
+        <p:style>
+          <a:lnRef idx="2">
+            <a:schemeClr val="accent1">
+              <a:shade val="50000"/>
+            </a:schemeClr>
+          </a:lnRef>
+          <a:fillRef idx="1">
+            <a:schemeClr val="accent1"/>
+          </a:fillRef>
+          <a:effectRef idx="0">
+            <a:schemeClr val="accent1"/>
+          </a:effectRef>
+          <a:fontRef idx="minor">
+            <a:schemeClr val="lt1"/>
+          </a:fontRef>
+        </p:style>
+        <p:txBody>
+          <a:bodyPr rtlCol="0" anchor="ctr"/>
+          <a:lstStyle/>
+          <a:p>
+            <a:pPr algn="ctr"/>
+            <a:endParaRPr lang="en-US" dirty="0"/>
+          </a:p>
+        </p:txBody>
+      </p:sp>
+      <p:sp>
+        <p:nvSpPr>
+          <p:cNvPr id="9" name="Rounded Rectangle 8"/>
+          <p:cNvSpPr/>
+          <p:nvPr/>
+        </p:nvSpPr>
+        <p:spPr>
+          <a:xfrm>
+            <a:off x="5809411" y="2486435"/>
+            <a:ext cx="571412" cy="563758"/>
+          </a:xfrm>
+          <a:prstGeom prst="roundRect">
+            <a:avLst/>
+          </a:prstGeom>
+          <a:solidFill>
+            <a:srgbClr val="00B050"/>
+          </a:solidFill>
+          <a:ln w="25400">
+            <a:solidFill>
+              <a:srgbClr val="0070C0"/>
+            </a:solidFill>
+          </a:ln>
+        </p:spPr>
+        <p:style>
+          <a:lnRef idx="2">
+            <a:schemeClr val="accent1">
+              <a:shade val="50000"/>
+            </a:schemeClr>
+          </a:lnRef>
+          <a:fillRef idx="1">
+            <a:schemeClr val="accent1"/>
+          </a:fillRef>
+          <a:effectRef idx="0">
+            <a:schemeClr val="accent1"/>
+          </a:effectRef>
+          <a:fontRef idx="minor">
+            <a:schemeClr val="lt1"/>
+          </a:fontRef>
+        </p:style>
+        <p:txBody>
+          <a:bodyPr rtlCol="0" anchor="ctr"/>
+          <a:lstStyle/>
+          <a:p>
+            <a:pPr algn="ctr"/>
+            <a:r>
+              <a:rPr lang="en-US" sz="2400" b="1" dirty="0">
+                <a:solidFill>
+                  <a:srgbClr val="4372C4"/>
+                </a:solidFill>
+              </a:rPr>
+              <a:t>O</a:t>
+            </a:r>
+          </a:p>
+        </p:txBody>
+      </p:sp>
+      <p:cxnSp>
+        <p:nvCxnSpPr>
+          <p:cNvPr id="39" name="Straight Connector 38"/>
+          <p:cNvCxnSpPr>
+            <a:stCxn id="38" idx="0"/>
+            <a:endCxn id="46" idx="7"/>
+          </p:cNvCxnSpPr>
+          <p:nvPr/>
+        </p:nvCxnSpPr>
+        <p:spPr>
+          <a:xfrm>
+            <a:off x="6094679" y="3140413"/>
+            <a:ext cx="1309" cy="466383"/>
+          </a:xfrm>
+          <a:prstGeom prst="line">
+            <a:avLst/>
+          </a:prstGeom>
+          <a:solidFill>
+            <a:schemeClr val="accent1"/>
+          </a:solidFill>
+          <a:ln w="38100" cap="flat" cmpd="sng" algn="ctr">
+            <a:solidFill>
+              <a:schemeClr val="accent1"/>
+            </a:solidFill>
+            <a:prstDash val="solid"/>
+            <a:tailEnd type="none"/>
+          </a:ln>
+          <a:effectLst>
+            <a:outerShdw blurRad="40000" dist="20000" dir="5400000" rotWithShape="0">
+              <a:srgbClr val="000000">
+                <a:alpha val="38000"/>
+              </a:srgbClr>
+            </a:outerShdw>
+          </a:effectLst>
+        </p:spPr>
+      </p:cxnSp>
+      <p:sp>
+        <p:nvSpPr>
+          <p:cNvPr id="37" name="TextBox 36"/>
+          <p:cNvSpPr txBox="1"/>
+          <p:nvPr/>
+        </p:nvSpPr>
+        <p:spPr>
+          <a:xfrm>
+            <a:off x="4654357" y="3490824"/>
+            <a:ext cx="348172" cy="461665"/>
+          </a:xfrm>
+          <a:prstGeom prst="rect">
+            <a:avLst/>
+          </a:prstGeom>
+          <a:noFill/>
+          <a:ln>
+            <a:noFill/>
+          </a:ln>
+        </p:spPr>
+        <p:txBody>
+          <a:bodyPr wrap="none" rtlCol="0">
+            <a:spAutoFit/>
+          </a:bodyPr>
+          <a:lstStyle/>
+          <a:p>
+            <a:r>
+              <a:rPr lang="en-US" sz="2400" b="1" dirty="0" smtClean="0">
+                <a:solidFill>
+                  <a:schemeClr val="accent1"/>
+                </a:solidFill>
+              </a:rPr>
+              <a:t>C</a:t>
+            </a:r>
+            <a:endParaRPr lang="en-US" sz="2400" b="1" dirty="0">
+              <a:solidFill>
+                <a:schemeClr val="accent1"/>
+              </a:solidFill>
+            </a:endParaRPr>
+          </a:p>
+        </p:txBody>
+      </p:sp>
+      <p:sp>
+        <p:nvSpPr>
+          <p:cNvPr id="47" name="Rounded Rectangle 46"/>
+          <p:cNvSpPr/>
+          <p:nvPr/>
+        </p:nvSpPr>
+        <p:spPr>
+          <a:xfrm>
+            <a:off x="3157252" y="1978073"/>
+            <a:ext cx="559591" cy="554570"/>
+          </a:xfrm>
+          <a:prstGeom prst="roundRect">
+            <a:avLst/>
+          </a:prstGeom>
+          <a:solidFill>
+            <a:srgbClr val="4372C4"/>
+          </a:solidFill>
+          <a:ln w="28575" cap="flat" cmpd="sng" algn="ctr">
+            <a:solidFill>
+              <a:schemeClr val="tx2"/>
+            </a:solidFill>
+            <a:prstDash val="solid"/>
+          </a:ln>
+          <a:effectLst>
+            <a:outerShdw blurRad="40000" dist="23000" dir="5400000" rotWithShape="0">
+              <a:srgbClr val="000000">
+                <a:alpha val="35000"/>
+              </a:srgbClr>
+            </a:outerShdw>
+          </a:effectLst>
+        </p:spPr>
+        <p:txBody>
+          <a:bodyPr tIns="36000" bIns="36000" rtlCol="0" anchor="ctr"/>
+          <a:lstStyle/>
+          <a:p>
+            <a:pPr marL="0" marR="0" lvl="0" indent="0" algn="ctr" defTabSz="457200" eaLnBrk="1" fontAlgn="auto" latinLnBrk="0" hangingPunct="1">
+              <a:lnSpc>
+                <a:spcPct val="100000"/>
+              </a:lnSpc>
+              <a:spcBef>
+                <a:spcPts val="0"/>
+              </a:spcBef>
+              <a:spcAft>
+                <a:spcPts val="0"/>
+              </a:spcAft>
+              <a:buClrTx/>
+              <a:buSzTx/>
+              <a:buFontTx/>
+              <a:buNone/>
+              <a:tabLst/>
+              <a:defRPr/>
+            </a:pPr>
+            <a:r>
+              <a:rPr lang="en-US" sz="2400" b="1" kern="0" noProof="0" dirty="0" smtClean="0">
+                <a:solidFill>
+                  <a:schemeClr val="bg1"/>
+                </a:solidFill>
+                <a:ea typeface=""/>
+                <a:cs typeface=""/>
+              </a:rPr>
+              <a:t>P</a:t>
+            </a:r>
+            <a:endParaRPr kumimoji="0" lang="en-US" sz="2400" b="1" i="0" u="none" strike="noStrike" kern="0" cap="none" spc="0" normalizeH="0" baseline="0" noProof="0" dirty="0" smtClean="0">
+              <a:ln>
+                <a:noFill/>
+              </a:ln>
+              <a:solidFill>
+                <a:schemeClr val="bg1"/>
+              </a:solidFill>
+              <a:effectLst/>
+              <a:uLnTx/>
+              <a:uFillTx/>
+              <a:ea typeface=""/>
+              <a:cs typeface=""/>
+            </a:endParaRPr>
+          </a:p>
+        </p:txBody>
+      </p:sp>
+      <p:cxnSp>
+        <p:nvCxnSpPr>
+          <p:cNvPr id="48" name="Straight Connector 47"/>
+          <p:cNvCxnSpPr>
+            <a:stCxn id="49" idx="0"/>
+          </p:cNvCxnSpPr>
+          <p:nvPr/>
+        </p:nvCxnSpPr>
+        <p:spPr>
+          <a:xfrm>
+            <a:off x="3452110" y="2620771"/>
+            <a:ext cx="13365" cy="996135"/>
+          </a:xfrm>
+          <a:prstGeom prst="line">
+            <a:avLst/>
+          </a:prstGeom>
+          <a:solidFill>
+            <a:schemeClr val="accent1"/>
+          </a:solidFill>
+          <a:ln w="38100" cap="flat" cmpd="sng" algn="ctr">
+            <a:solidFill>
+              <a:schemeClr val="accent1"/>
+            </a:solidFill>
+            <a:prstDash val="solid"/>
+            <a:tailEnd type="none"/>
+          </a:ln>
+          <a:effectLst>
+            <a:outerShdw blurRad="40000" dist="20000" dir="5400000" rotWithShape="0">
+              <a:srgbClr val="000000">
+                <a:alpha val="38000"/>
+              </a:srgbClr>
+            </a:outerShdw>
+          </a:effectLst>
+        </p:spPr>
+      </p:cxnSp>
+      <p:sp>
+        <p:nvSpPr>
+          <p:cNvPr id="49" name="Oval 48"/>
+          <p:cNvSpPr/>
+          <p:nvPr/>
+        </p:nvSpPr>
+        <p:spPr>
+          <a:xfrm flipV="1">
+            <a:off x="3371109" y="2458770"/>
+            <a:ext cx="162001" cy="162001"/>
+          </a:xfrm>
+          <a:prstGeom prst="ellipse">
+            <a:avLst/>
+          </a:prstGeom>
+          <a:solidFill>
+            <a:schemeClr val="accent1"/>
+          </a:solidFill>
+          <a:ln w="25400" cmpd="sng">
+            <a:solidFill>
+              <a:schemeClr val="tx2"/>
+            </a:solidFill>
+          </a:ln>
+          <a:effectLst>
+            <a:outerShdw blurRad="50800" dist="38100" dir="2700000" algn="tl" rotWithShape="0">
+              <a:prstClr val="black">
+                <a:alpha val="40000"/>
+              </a:prstClr>
+            </a:outerShdw>
+          </a:effectLst>
+        </p:spPr>
+        <p:style>
+          <a:lnRef idx="1">
+            <a:schemeClr val="accent1"/>
+          </a:lnRef>
+          <a:fillRef idx="3">
+            <a:schemeClr val="accent1"/>
+          </a:fillRef>
+          <a:effectRef idx="2">
+            <a:schemeClr val="accent1"/>
+          </a:effectRef>
+          <a:fontRef idx="minor">
+            <a:schemeClr val="lt1"/>
+          </a:fontRef>
+        </p:style>
+        <p:txBody>
+          <a:bodyPr rtlCol="0" anchor="ctr"/>
+          <a:lstStyle/>
+          <a:p>
+            <a:pPr algn="ctr"/>
+            <a:endParaRPr lang="en-GB" sz="1000">
+              <a:solidFill>
+                <a:srgbClr val="000000"/>
+              </a:solidFill>
+            </a:endParaRPr>
+          </a:p>
+        </p:txBody>
+      </p:sp>
+      <p:sp>
+        <p:nvSpPr>
+          <p:cNvPr id="53" name="TextBox 52"/>
+          <p:cNvSpPr txBox="1"/>
+          <p:nvPr/>
+        </p:nvSpPr>
+        <p:spPr>
+          <a:xfrm>
+            <a:off x="7331670" y="5037473"/>
+            <a:ext cx="527124" cy="461665"/>
+          </a:xfrm>
+          <a:prstGeom prst="rect">
+            <a:avLst/>
+          </a:prstGeom>
+          <a:noFill/>
+        </p:spPr>
+        <p:txBody>
+          <a:bodyPr wrap="square" rtlCol="0">
+            <a:spAutoFit/>
+          </a:bodyPr>
+          <a:lstStyle/>
+          <a:p>
+            <a:r>
+              <a:rPr lang="en-US" sz="2400" b="1" smtClean="0"/>
+              <a:t>N</a:t>
+            </a:r>
+            <a:endParaRPr lang="en-US" sz="2400" b="1"/>
+          </a:p>
+        </p:txBody>
+      </p:sp>
+      <p:graphicFrame>
+        <p:nvGraphicFramePr>
+          <p:cNvPr id="54" name="Table 53"/>
+          <p:cNvGraphicFramePr>
+            <a:graphicFrameLocks noGrp="1"/>
+          </p:cNvGraphicFramePr>
+          <p:nvPr>
+            <p:extLst>
+              <p:ext uri="{D42A27DB-BD31-4B8C-83A1-F6EECF244321}">
+                <p14:modId xmlns:p14="http://schemas.microsoft.com/office/powerpoint/2010/main" val="342803715"/>
+              </p:ext>
+            </p:extLst>
+          </p:nvPr>
+        </p:nvGraphicFramePr>
+        <p:xfrm>
+          <a:off x="9042960" y="1449910"/>
+          <a:ext cx="2315141" cy="4313772"/>
+        </p:xfrm>
+        <a:graphic>
+          <a:graphicData uri="http://schemas.openxmlformats.org/drawingml/2006/table">
+            <a:tbl>
+              <a:tblPr firstRow="1" bandRow="1">
+                <a:tableStyleId>{2D5ABB26-0587-4C30-8999-92F81FD0307C}</a:tableStyleId>
+              </a:tblPr>
+              <a:tblGrid>
+                <a:gridCol w="648469"/>
+                <a:gridCol w="1666672"/>
+              </a:tblGrid>
+              <a:tr h="718962">
+                <a:tc>
+                  <a:txBody>
+                    <a:bodyPr/>
+                    <a:lstStyle/>
+                    <a:p>
+                      <a:pPr marL="0" marR="0" lvl="0" indent="0" algn="l" defTabSz="914400" rtl="0" eaLnBrk="1" fontAlgn="auto" latinLnBrk="0" hangingPunct="1">
+                        <a:lnSpc>
+                          <a:spcPct val="100000"/>
+                        </a:lnSpc>
+                        <a:spcBef>
+                          <a:spcPts val="0"/>
+                        </a:spcBef>
+                        <a:spcAft>
+                          <a:spcPts val="0"/>
+                        </a:spcAft>
+                        <a:buClrTx/>
+                        <a:buSzTx/>
+                        <a:buFontTx/>
+                        <a:buNone/>
+                        <a:tabLst/>
+                        <a:defRPr/>
+                      </a:pPr>
+                      <a:endParaRPr lang="en-US" sz="1400" dirty="0" smtClean="0"/>
+                    </a:p>
+                  </a:txBody>
+                  <a:tcPr anchor="ctr">
+                    <a:lnL w="12700" cap="flat" cmpd="sng" algn="ctr">
+                      <a:solidFill>
+                        <a:schemeClr val="tx1"/>
+                      </a:solidFill>
+                      <a:prstDash val="solid"/>
+                      <a:round/>
+                      <a:headEnd type="none" w="med" len="med"/>
+                      <a:tailEnd type="none" w="med" len="med"/>
+                    </a:lnL>
+                    <a:lnR w="12700" cap="flat" cmpd="sng" algn="ctr">
+                      <a:solidFill>
+                        <a:schemeClr val="tx1"/>
+                      </a:solidFill>
+                      <a:prstDash val="solid"/>
+                      <a:round/>
+                      <a:headEnd type="none" w="med" len="med"/>
+                      <a:tailEnd type="none" w="med" len="med"/>
+                    </a:lnR>
+                    <a:lnT w="12700" cap="flat" cmpd="sng" algn="ctr">
+                      <a:solidFill>
+                        <a:schemeClr val="tx1"/>
+                      </a:solidFill>
+                      <a:prstDash val="solid"/>
+                      <a:round/>
+                      <a:headEnd type="none" w="med" len="med"/>
+                      <a:tailEnd type="none" w="med" len="med"/>
+                    </a:lnT>
+                    <a:lnB w="12700" cap="flat" cmpd="sng" algn="ctr">
+                      <a:solidFill>
+                        <a:schemeClr val="tx1"/>
+                      </a:solidFill>
+                      <a:prstDash val="solid"/>
+                      <a:round/>
+                      <a:headEnd type="none" w="med" len="med"/>
+                      <a:tailEnd type="none" w="med" len="med"/>
+                    </a:lnB>
+                    <a:lnTlToBr w="12700" cmpd="sng">
+                      <a:noFill/>
+                      <a:prstDash val="solid"/>
+                    </a:lnTlToBr>
+                    <a:lnBlToTr w="12700" cmpd="sng">
+                      <a:noFill/>
+                      <a:prstDash val="solid"/>
+                    </a:lnBlToTr>
+                  </a:tcPr>
+                </a:tc>
+                <a:tc>
+                  <a:txBody>
+                    <a:bodyPr/>
+                    <a:lstStyle/>
+                    <a:p>
+                      <a:pPr lvl="0"/>
+                      <a:r>
+                        <a:rPr lang="en-US" sz="1400" dirty="0" smtClean="0"/>
+                        <a:t>Blockchain</a:t>
+                      </a:r>
+                      <a:r>
+                        <a:rPr lang="en-US" sz="1400" baseline="0" dirty="0" smtClean="0"/>
+                        <a:t> Network</a:t>
+                      </a:r>
+                      <a:endParaRPr lang="en-US" sz="1400" dirty="0"/>
+                    </a:p>
+                  </a:txBody>
+                  <a:tcPr anchor="ctr">
+                    <a:lnL w="12700" cap="flat" cmpd="sng" algn="ctr">
+                      <a:solidFill>
+                        <a:schemeClr val="tx1"/>
+                      </a:solidFill>
+                      <a:prstDash val="solid"/>
+                      <a:round/>
+                      <a:headEnd type="none" w="med" len="med"/>
+                      <a:tailEnd type="none" w="med" len="med"/>
+                    </a:lnL>
+                    <a:lnR w="12700" cap="flat" cmpd="sng" algn="ctr">
+                      <a:solidFill>
+                        <a:schemeClr val="tx1"/>
+                      </a:solidFill>
+                      <a:prstDash val="solid"/>
+                      <a:round/>
+                      <a:headEnd type="none" w="med" len="med"/>
+                      <a:tailEnd type="none" w="med" len="med"/>
+                    </a:lnR>
+                    <a:lnT w="12700" cap="flat" cmpd="sng" algn="ctr">
+                      <a:solidFill>
+                        <a:schemeClr val="tx1"/>
+                      </a:solidFill>
+                      <a:prstDash val="solid"/>
+                      <a:round/>
+                      <a:headEnd type="none" w="med" len="med"/>
+                      <a:tailEnd type="none" w="med" len="med"/>
+                    </a:lnT>
+                    <a:lnB w="12700" cap="flat" cmpd="sng" algn="ctr">
+                      <a:solidFill>
+                        <a:schemeClr val="tx1"/>
+                      </a:solidFill>
+                      <a:prstDash val="solid"/>
+                      <a:round/>
+                      <a:headEnd type="none" w="med" len="med"/>
+                      <a:tailEnd type="none" w="med" len="med"/>
+                    </a:lnB>
+                    <a:lnTlToBr w="12700" cmpd="sng">
+                      <a:noFill/>
+                      <a:prstDash val="solid"/>
+                    </a:lnTlToBr>
+                    <a:lnBlToTr w="12700" cmpd="sng">
+                      <a:noFill/>
+                      <a:prstDash val="solid"/>
+                    </a:lnBlToTr>
+                  </a:tcPr>
+                </a:tc>
+              </a:tr>
+              <a:tr h="718962">
+                <a:tc>
+                  <a:txBody>
+                    <a:bodyPr/>
+                    <a:lstStyle/>
+                    <a:p>
+                      <a:pPr lvl="0"/>
+                      <a:r>
+                        <a:rPr lang="en-US" sz="1400" dirty="0" smtClean="0"/>
+                        <a:t>    </a:t>
+                      </a:r>
+                      <a:r>
+                        <a:rPr lang="en-US" sz="1400" b="1" dirty="0" smtClean="0"/>
+                        <a:t>C</a:t>
+                      </a:r>
+                      <a:endParaRPr lang="en-US" sz="1400" b="1" dirty="0"/>
+                    </a:p>
+                  </a:txBody>
+                  <a:tcPr anchor="ctr">
+                    <a:lnL w="12700" cap="flat" cmpd="sng" algn="ctr">
+                      <a:solidFill>
+                        <a:schemeClr val="tx1"/>
+                      </a:solidFill>
+                      <a:prstDash val="solid"/>
+                      <a:round/>
+                      <a:headEnd type="none" w="med" len="med"/>
+                      <a:tailEnd type="none" w="med" len="med"/>
+                    </a:lnL>
+                    <a:lnR w="12700" cap="flat" cmpd="sng" algn="ctr">
+                      <a:solidFill>
+                        <a:schemeClr val="tx1"/>
+                      </a:solidFill>
+                      <a:prstDash val="solid"/>
+                      <a:round/>
+                      <a:headEnd type="none" w="med" len="med"/>
+                      <a:tailEnd type="none" w="med" len="med"/>
+                    </a:lnR>
+                    <a:lnT w="12700" cap="flat" cmpd="sng" algn="ctr">
+                      <a:solidFill>
+                        <a:schemeClr val="tx1"/>
+                      </a:solidFill>
+                      <a:prstDash val="solid"/>
+                      <a:round/>
+                      <a:headEnd type="none" w="med" len="med"/>
+                      <a:tailEnd type="none" w="med" len="med"/>
+                    </a:lnT>
+                    <a:lnB w="12700" cap="flat" cmpd="sng" algn="ctr">
+                      <a:solidFill>
+                        <a:schemeClr val="tx1"/>
+                      </a:solidFill>
+                      <a:prstDash val="solid"/>
+                      <a:round/>
+                      <a:headEnd type="none" w="med" len="med"/>
+                      <a:tailEnd type="none" w="med" len="med"/>
+                    </a:lnB>
+                    <a:lnTlToBr w="12700" cmpd="sng">
+                      <a:noFill/>
+                      <a:prstDash val="solid"/>
+                    </a:lnTlToBr>
+                    <a:lnBlToTr w="12700" cmpd="sng">
+                      <a:noFill/>
+                      <a:prstDash val="solid"/>
+                    </a:lnBlToTr>
+                  </a:tcPr>
+                </a:tc>
+                <a:tc>
+                  <a:txBody>
+                    <a:bodyPr/>
+                    <a:lstStyle/>
+                    <a:p>
+                      <a:pPr marL="0" marR="0" lvl="0" indent="0" algn="l" defTabSz="914400" rtl="0" eaLnBrk="1" fontAlgn="auto" latinLnBrk="0" hangingPunct="1">
+                        <a:lnSpc>
+                          <a:spcPct val="100000"/>
+                        </a:lnSpc>
+                        <a:spcBef>
+                          <a:spcPts val="0"/>
+                        </a:spcBef>
+                        <a:spcAft>
+                          <a:spcPts val="0"/>
+                        </a:spcAft>
+                        <a:buClrTx/>
+                        <a:buSzTx/>
+                        <a:buFontTx/>
+                        <a:buNone/>
+                        <a:tabLst/>
+                        <a:defRPr/>
+                      </a:pPr>
+                      <a:r>
+                        <a:rPr lang="en-US" sz="1400" dirty="0" smtClean="0"/>
+                        <a:t>Channel</a:t>
+                      </a:r>
+                    </a:p>
+                  </a:txBody>
+                  <a:tcPr anchor="ctr">
+                    <a:lnL w="12700" cap="flat" cmpd="sng" algn="ctr">
+                      <a:solidFill>
+                        <a:schemeClr val="tx1"/>
+                      </a:solidFill>
+                      <a:prstDash val="solid"/>
+                      <a:round/>
+                      <a:headEnd type="none" w="med" len="med"/>
+                      <a:tailEnd type="none" w="med" len="med"/>
+                    </a:lnL>
+                    <a:lnR w="12700" cap="flat" cmpd="sng" algn="ctr">
+                      <a:solidFill>
+                        <a:schemeClr val="tx1"/>
+                      </a:solidFill>
+                      <a:prstDash val="solid"/>
+                      <a:round/>
+                      <a:headEnd type="none" w="med" len="med"/>
+                      <a:tailEnd type="none" w="med" len="med"/>
+                    </a:lnR>
+                    <a:lnT w="12700" cap="flat" cmpd="sng" algn="ctr">
+                      <a:solidFill>
+                        <a:schemeClr val="tx1"/>
+                      </a:solidFill>
+                      <a:prstDash val="solid"/>
+                      <a:round/>
+                      <a:headEnd type="none" w="med" len="med"/>
+                      <a:tailEnd type="none" w="med" len="med"/>
+                    </a:lnT>
+                    <a:lnB w="12700" cap="flat" cmpd="sng" algn="ctr">
+                      <a:solidFill>
+                        <a:schemeClr val="tx1"/>
+                      </a:solidFill>
+                      <a:prstDash val="solid"/>
+                      <a:round/>
+                      <a:headEnd type="none" w="med" len="med"/>
+                      <a:tailEnd type="none" w="med" len="med"/>
+                    </a:lnB>
+                    <a:lnTlToBr w="12700" cmpd="sng">
+                      <a:noFill/>
+                      <a:prstDash val="solid"/>
+                    </a:lnTlToBr>
+                    <a:lnBlToTr w="12700" cmpd="sng">
+                      <a:noFill/>
+                      <a:prstDash val="solid"/>
+                    </a:lnBlToTr>
+                  </a:tcPr>
+                </a:tc>
+              </a:tr>
+              <a:tr h="718962">
+                <a:tc>
+                  <a:txBody>
+                    <a:bodyPr/>
+                    <a:lstStyle/>
+                    <a:p>
+                      <a:pPr marL="0" marR="0" lvl="0" indent="0" algn="l" defTabSz="914400" rtl="0" eaLnBrk="1" fontAlgn="auto" latinLnBrk="0" hangingPunct="1">
+                        <a:lnSpc>
+                          <a:spcPct val="100000"/>
+                        </a:lnSpc>
+                        <a:spcBef>
+                          <a:spcPts val="0"/>
+                        </a:spcBef>
+                        <a:spcAft>
+                          <a:spcPts val="0"/>
+                        </a:spcAft>
+                        <a:buClrTx/>
+                        <a:buSzTx/>
+                        <a:buFontTx/>
+                        <a:buNone/>
+                        <a:tabLst/>
+                        <a:defRPr/>
+                      </a:pPr>
+                      <a:endParaRPr lang="en-US" sz="1400" dirty="0" smtClean="0"/>
+                    </a:p>
+                  </a:txBody>
+                  <a:tcPr anchor="ctr">
+                    <a:lnL w="12700" cap="flat" cmpd="sng" algn="ctr">
+                      <a:solidFill>
+                        <a:schemeClr val="tx1"/>
+                      </a:solidFill>
+                      <a:prstDash val="solid"/>
+                      <a:round/>
+                      <a:headEnd type="none" w="med" len="med"/>
+                      <a:tailEnd type="none" w="med" len="med"/>
+                    </a:lnL>
+                    <a:lnR w="12700" cap="flat" cmpd="sng" algn="ctr">
+                      <a:solidFill>
+                        <a:schemeClr val="tx1"/>
+                      </a:solidFill>
+                      <a:prstDash val="solid"/>
+                      <a:round/>
+                      <a:headEnd type="none" w="med" len="med"/>
+                      <a:tailEnd type="none" w="med" len="med"/>
+                    </a:lnR>
+                    <a:lnT w="12700" cap="flat" cmpd="sng" algn="ctr">
+                      <a:solidFill>
+                        <a:schemeClr val="tx1"/>
+                      </a:solidFill>
+                      <a:prstDash val="solid"/>
+                      <a:round/>
+                      <a:headEnd type="none" w="med" len="med"/>
+                      <a:tailEnd type="none" w="med" len="med"/>
+                    </a:lnT>
+                    <a:lnB w="12700" cap="flat" cmpd="sng" algn="ctr">
+                      <a:solidFill>
+                        <a:schemeClr val="tx1"/>
+                      </a:solidFill>
+                      <a:prstDash val="solid"/>
+                      <a:round/>
+                      <a:headEnd type="none" w="med" len="med"/>
+                      <a:tailEnd type="none" w="med" len="med"/>
+                    </a:lnB>
+                    <a:lnTlToBr w="12700" cmpd="sng">
+                      <a:noFill/>
+                      <a:prstDash val="solid"/>
+                    </a:lnTlToBr>
+                    <a:lnBlToTr w="12700" cmpd="sng">
+                      <a:noFill/>
+                      <a:prstDash val="solid"/>
+                    </a:lnBlToTr>
+                  </a:tcPr>
+                </a:tc>
+                <a:tc>
+                  <a:txBody>
+                    <a:bodyPr/>
+                    <a:lstStyle/>
+                    <a:p>
+                      <a:pPr marL="0" marR="0" lvl="0" indent="0" algn="l" defTabSz="914400" rtl="0" eaLnBrk="1" fontAlgn="auto" latinLnBrk="0" hangingPunct="1">
+                        <a:lnSpc>
+                          <a:spcPct val="100000"/>
+                        </a:lnSpc>
+                        <a:spcBef>
+                          <a:spcPts val="0"/>
+                        </a:spcBef>
+                        <a:spcAft>
+                          <a:spcPts val="0"/>
+                        </a:spcAft>
+                        <a:buClrTx/>
+                        <a:buSzTx/>
+                        <a:buFontTx/>
+                        <a:buNone/>
+                        <a:tabLst/>
+                        <a:defRPr/>
+                      </a:pPr>
+                      <a:r>
+                        <a:rPr lang="en-US" sz="1400" dirty="0" smtClean="0"/>
+                        <a:t>Membership Services Provider</a:t>
+                      </a:r>
+                      <a:endParaRPr lang="en-US" sz="1400" dirty="0" smtClean="0"/>
+                    </a:p>
+                  </a:txBody>
+                  <a:tcPr anchor="ctr">
+                    <a:lnL w="12700" cap="flat" cmpd="sng" algn="ctr">
+                      <a:solidFill>
+                        <a:schemeClr val="tx1"/>
+                      </a:solidFill>
+                      <a:prstDash val="solid"/>
+                      <a:round/>
+                      <a:headEnd type="none" w="med" len="med"/>
+                      <a:tailEnd type="none" w="med" len="med"/>
+                    </a:lnL>
+                    <a:lnR w="12700" cap="flat" cmpd="sng" algn="ctr">
+                      <a:solidFill>
+                        <a:schemeClr val="tx1"/>
+                      </a:solidFill>
+                      <a:prstDash val="solid"/>
+                      <a:round/>
+                      <a:headEnd type="none" w="med" len="med"/>
+                      <a:tailEnd type="none" w="med" len="med"/>
+                    </a:lnR>
+                    <a:lnT w="12700" cap="flat" cmpd="sng" algn="ctr">
+                      <a:solidFill>
+                        <a:schemeClr val="tx1"/>
+                      </a:solidFill>
+                      <a:prstDash val="solid"/>
+                      <a:round/>
+                      <a:headEnd type="none" w="med" len="med"/>
+                      <a:tailEnd type="none" w="med" len="med"/>
+                    </a:lnT>
+                    <a:lnB w="12700" cap="flat" cmpd="sng" algn="ctr">
+                      <a:solidFill>
+                        <a:schemeClr val="tx1"/>
+                      </a:solidFill>
+                      <a:prstDash val="solid"/>
+                      <a:round/>
+                      <a:headEnd type="none" w="med" len="med"/>
+                      <a:tailEnd type="none" w="med" len="med"/>
+                    </a:lnB>
+                    <a:lnTlToBr w="12700" cmpd="sng">
+                      <a:noFill/>
+                      <a:prstDash val="solid"/>
+                    </a:lnTlToBr>
+                    <a:lnBlToTr w="12700" cmpd="sng">
+                      <a:noFill/>
+                      <a:prstDash val="solid"/>
+                    </a:lnBlToTr>
+                  </a:tcPr>
+                </a:tc>
+              </a:tr>
+              <a:tr h="718962">
+                <a:tc>
+                  <a:txBody>
+                    <a:bodyPr/>
+                    <a:lstStyle/>
+                    <a:p>
+                      <a:pPr marL="0" marR="0" lvl="0" indent="0" algn="l" defTabSz="914400" rtl="0" eaLnBrk="1" fontAlgn="auto" latinLnBrk="0" hangingPunct="1">
+                        <a:lnSpc>
+                          <a:spcPct val="100000"/>
+                        </a:lnSpc>
+                        <a:spcBef>
+                          <a:spcPts val="0"/>
+                        </a:spcBef>
+                        <a:spcAft>
+                          <a:spcPts val="0"/>
+                        </a:spcAft>
+                        <a:buClrTx/>
+                        <a:buSzTx/>
+                        <a:buFontTx/>
+                        <a:buNone/>
+                        <a:tabLst/>
+                        <a:defRPr/>
+                      </a:pPr>
+                      <a:endParaRPr lang="en-US" sz="1400" dirty="0" smtClean="0"/>
+                    </a:p>
+                  </a:txBody>
+                  <a:tcPr anchor="ctr">
+                    <a:lnL w="12700" cap="flat" cmpd="sng" algn="ctr">
+                      <a:solidFill>
+                        <a:schemeClr val="tx1"/>
+                      </a:solidFill>
+                      <a:prstDash val="solid"/>
+                      <a:round/>
+                      <a:headEnd type="none" w="med" len="med"/>
+                      <a:tailEnd type="none" w="med" len="med"/>
+                    </a:lnL>
+                    <a:lnR w="12700" cap="flat" cmpd="sng" algn="ctr">
+                      <a:solidFill>
+                        <a:schemeClr val="tx1"/>
+                      </a:solidFill>
+                      <a:prstDash val="solid"/>
+                      <a:round/>
+                      <a:headEnd type="none" w="med" len="med"/>
+                      <a:tailEnd type="none" w="med" len="med"/>
+                    </a:lnR>
+                    <a:lnT w="12700" cap="flat" cmpd="sng" algn="ctr">
+                      <a:solidFill>
+                        <a:schemeClr val="tx1"/>
+                      </a:solidFill>
+                      <a:prstDash val="solid"/>
+                      <a:round/>
+                      <a:headEnd type="none" w="med" len="med"/>
+                      <a:tailEnd type="none" w="med" len="med"/>
+                    </a:lnT>
+                    <a:lnB w="12700" cap="flat" cmpd="sng" algn="ctr">
+                      <a:solidFill>
+                        <a:schemeClr val="tx1"/>
+                      </a:solidFill>
+                      <a:prstDash val="solid"/>
+                      <a:round/>
+                      <a:headEnd type="none" w="med" len="med"/>
+                      <a:tailEnd type="none" w="med" len="med"/>
+                    </a:lnB>
+                    <a:lnTlToBr w="12700" cmpd="sng">
+                      <a:noFill/>
+                      <a:prstDash val="solid"/>
+                    </a:lnTlToBr>
+                    <a:lnBlToTr w="12700" cmpd="sng">
+                      <a:noFill/>
+                      <a:prstDash val="solid"/>
+                    </a:lnBlToTr>
+                  </a:tcPr>
+                </a:tc>
+                <a:tc>
+                  <a:txBody>
+                    <a:bodyPr/>
+                    <a:lstStyle/>
+                    <a:p>
+                      <a:pPr marL="0" marR="0" lvl="0" indent="0" algn="l" defTabSz="914400" rtl="0" eaLnBrk="1" fontAlgn="auto" latinLnBrk="0" hangingPunct="1">
+                        <a:lnSpc>
+                          <a:spcPct val="100000"/>
+                        </a:lnSpc>
+                        <a:spcBef>
+                          <a:spcPts val="0"/>
+                        </a:spcBef>
+                        <a:spcAft>
+                          <a:spcPts val="0"/>
+                        </a:spcAft>
+                        <a:buClrTx/>
+                        <a:buSzTx/>
+                        <a:buFontTx/>
+                        <a:buNone/>
+                        <a:tabLst/>
+                        <a:defRPr/>
+                      </a:pPr>
+                      <a:r>
+                        <a:rPr lang="en-US" sz="1400" dirty="0" smtClean="0"/>
+                        <a:t>Peer</a:t>
+                      </a:r>
+                    </a:p>
+                    <a:p>
+                      <a:pPr marL="0" marR="0" lvl="0" indent="0" algn="l" defTabSz="914400" rtl="0" eaLnBrk="1" fontAlgn="auto" latinLnBrk="0" hangingPunct="1">
+                        <a:lnSpc>
+                          <a:spcPct val="100000"/>
+                        </a:lnSpc>
+                        <a:spcBef>
+                          <a:spcPts val="0"/>
+                        </a:spcBef>
+                        <a:spcAft>
+                          <a:spcPts val="0"/>
+                        </a:spcAft>
+                        <a:buClrTx/>
+                        <a:buSzTx/>
+                        <a:buFontTx/>
+                        <a:buNone/>
+                        <a:tabLst/>
+                        <a:defRPr/>
+                      </a:pPr>
+                      <a:endParaRPr lang="en-US" sz="1400" dirty="0" smtClean="0"/>
+                    </a:p>
+                  </a:txBody>
+                  <a:tcPr anchor="ctr">
+                    <a:lnL w="12700" cap="flat" cmpd="sng" algn="ctr">
+                      <a:solidFill>
+                        <a:schemeClr val="tx1"/>
+                      </a:solidFill>
+                      <a:prstDash val="solid"/>
+                      <a:round/>
+                      <a:headEnd type="none" w="med" len="med"/>
+                      <a:tailEnd type="none" w="med" len="med"/>
+                    </a:lnL>
+                    <a:lnR w="12700" cap="flat" cmpd="sng" algn="ctr">
+                      <a:solidFill>
+                        <a:schemeClr val="tx1"/>
+                      </a:solidFill>
+                      <a:prstDash val="solid"/>
+                      <a:round/>
+                      <a:headEnd type="none" w="med" len="med"/>
+                      <a:tailEnd type="none" w="med" len="med"/>
+                    </a:lnR>
+                    <a:lnT w="12700" cap="flat" cmpd="sng" algn="ctr">
+                      <a:solidFill>
+                        <a:schemeClr val="tx1"/>
+                      </a:solidFill>
+                      <a:prstDash val="solid"/>
+                      <a:round/>
+                      <a:headEnd type="none" w="med" len="med"/>
+                      <a:tailEnd type="none" w="med" len="med"/>
+                    </a:lnT>
+                    <a:lnB w="12700" cap="flat" cmpd="sng" algn="ctr">
+                      <a:solidFill>
+                        <a:schemeClr val="tx1"/>
+                      </a:solidFill>
+                      <a:prstDash val="solid"/>
+                      <a:round/>
+                      <a:headEnd type="none" w="med" len="med"/>
+                      <a:tailEnd type="none" w="med" len="med"/>
+                    </a:lnB>
+                    <a:lnTlToBr w="12700" cmpd="sng">
+                      <a:noFill/>
+                      <a:prstDash val="solid"/>
+                    </a:lnTlToBr>
+                    <a:lnBlToTr w="12700" cmpd="sng">
+                      <a:noFill/>
+                      <a:prstDash val="solid"/>
+                    </a:lnBlToTr>
+                  </a:tcPr>
+                </a:tc>
+              </a:tr>
+              <a:tr h="718962">
+                <a:tc>
+                  <a:txBody>
+                    <a:bodyPr/>
+                    <a:lstStyle/>
+                    <a:p>
+                      <a:pPr marL="0" marR="0" lvl="0" indent="0" algn="l" defTabSz="914400" rtl="0" eaLnBrk="1" fontAlgn="auto" latinLnBrk="0" hangingPunct="1">
+                        <a:lnSpc>
+                          <a:spcPct val="100000"/>
+                        </a:lnSpc>
+                        <a:spcBef>
+                          <a:spcPts val="0"/>
+                        </a:spcBef>
+                        <a:spcAft>
+                          <a:spcPts val="0"/>
+                        </a:spcAft>
+                        <a:buClrTx/>
+                        <a:buSzTx/>
+                        <a:buFontTx/>
+                        <a:buNone/>
+                        <a:tabLst/>
+                        <a:defRPr/>
+                      </a:pPr>
+                      <a:endParaRPr lang="en-US" sz="1400" dirty="0" smtClean="0"/>
+                    </a:p>
+                  </a:txBody>
+                  <a:tcPr anchor="ctr">
+                    <a:lnL w="12700" cap="flat" cmpd="sng" algn="ctr">
+                      <a:solidFill>
+                        <a:schemeClr val="tx1"/>
+                      </a:solidFill>
+                      <a:prstDash val="solid"/>
+                      <a:round/>
+                      <a:headEnd type="none" w="med" len="med"/>
+                      <a:tailEnd type="none" w="med" len="med"/>
+                    </a:lnL>
+                    <a:lnR w="12700" cap="flat" cmpd="sng" algn="ctr">
+                      <a:solidFill>
+                        <a:schemeClr val="tx1"/>
+                      </a:solidFill>
+                      <a:prstDash val="solid"/>
+                      <a:round/>
+                      <a:headEnd type="none" w="med" len="med"/>
+                      <a:tailEnd type="none" w="med" len="med"/>
+                    </a:lnR>
+                    <a:lnT w="12700" cap="flat" cmpd="sng" algn="ctr">
+                      <a:solidFill>
+                        <a:schemeClr val="tx1"/>
+                      </a:solidFill>
+                      <a:prstDash val="solid"/>
+                      <a:round/>
+                      <a:headEnd type="none" w="med" len="med"/>
+                      <a:tailEnd type="none" w="med" len="med"/>
+                    </a:lnT>
+                    <a:lnB w="12700" cap="flat" cmpd="sng" algn="ctr">
+                      <a:solidFill>
+                        <a:schemeClr val="tx1"/>
+                      </a:solidFill>
+                      <a:prstDash val="solid"/>
+                      <a:round/>
+                      <a:headEnd type="none" w="med" len="med"/>
+                      <a:tailEnd type="none" w="med" len="med"/>
+                    </a:lnB>
+                    <a:lnTlToBr w="12700" cmpd="sng">
+                      <a:noFill/>
+                      <a:prstDash val="solid"/>
+                    </a:lnTlToBr>
+                    <a:lnBlToTr w="12700" cmpd="sng">
+                      <a:noFill/>
+                      <a:prstDash val="solid"/>
+                    </a:lnBlToTr>
+                  </a:tcPr>
+                </a:tc>
+                <a:tc>
+                  <a:txBody>
+                    <a:bodyPr/>
+                    <a:lstStyle/>
+                    <a:p>
+                      <a:pPr marL="0" marR="0" lvl="0" indent="0" algn="l" defTabSz="914400" rtl="0" eaLnBrk="1" fontAlgn="auto" latinLnBrk="0" hangingPunct="1">
+                        <a:lnSpc>
+                          <a:spcPct val="100000"/>
+                        </a:lnSpc>
+                        <a:spcBef>
+                          <a:spcPts val="0"/>
+                        </a:spcBef>
+                        <a:spcAft>
+                          <a:spcPts val="0"/>
+                        </a:spcAft>
+                        <a:buClrTx/>
+                        <a:buSzTx/>
+                        <a:buFontTx/>
+                        <a:buNone/>
+                        <a:tabLst/>
+                        <a:defRPr/>
+                      </a:pPr>
+                      <a:r>
+                        <a:rPr lang="en-US" sz="1400" dirty="0" err="1" smtClean="0"/>
+                        <a:t>Orderer</a:t>
+                      </a:r>
+                      <a:endParaRPr lang="en-US" sz="1400" dirty="0" smtClean="0"/>
+                    </a:p>
+                  </a:txBody>
+                  <a:tcPr anchor="ctr">
+                    <a:lnL w="12700" cap="flat" cmpd="sng" algn="ctr">
+                      <a:solidFill>
+                        <a:schemeClr val="tx1"/>
+                      </a:solidFill>
+                      <a:prstDash val="solid"/>
+                      <a:round/>
+                      <a:headEnd type="none" w="med" len="med"/>
+                      <a:tailEnd type="none" w="med" len="med"/>
+                    </a:lnL>
+                    <a:lnR w="12700" cap="flat" cmpd="sng" algn="ctr">
+                      <a:solidFill>
+                        <a:schemeClr val="tx1"/>
+                      </a:solidFill>
+                      <a:prstDash val="solid"/>
+                      <a:round/>
+                      <a:headEnd type="none" w="med" len="med"/>
+                      <a:tailEnd type="none" w="med" len="med"/>
+                    </a:lnR>
+                    <a:lnT w="12700" cap="flat" cmpd="sng" algn="ctr">
+                      <a:solidFill>
+                        <a:schemeClr val="tx1"/>
+                      </a:solidFill>
+                      <a:prstDash val="solid"/>
+                      <a:round/>
+                      <a:headEnd type="none" w="med" len="med"/>
+                      <a:tailEnd type="none" w="med" len="med"/>
+                    </a:lnT>
+                    <a:lnB w="12700" cap="flat" cmpd="sng" algn="ctr">
+                      <a:solidFill>
+                        <a:schemeClr val="tx1"/>
+                      </a:solidFill>
+                      <a:prstDash val="solid"/>
+                      <a:round/>
+                      <a:headEnd type="none" w="med" len="med"/>
+                      <a:tailEnd type="none" w="med" len="med"/>
+                    </a:lnB>
+                    <a:lnTlToBr w="12700" cmpd="sng">
+                      <a:noFill/>
+                      <a:prstDash val="solid"/>
+                    </a:lnTlToBr>
+                    <a:lnBlToTr w="12700" cmpd="sng">
+                      <a:noFill/>
+                      <a:prstDash val="solid"/>
+                    </a:lnBlToTr>
+                  </a:tcPr>
+                </a:tc>
+              </a:tr>
+              <a:tr h="718962">
+                <a:tc>
+                  <a:txBody>
+                    <a:bodyPr/>
+                    <a:lstStyle/>
+                    <a:p>
+                      <a:pPr marL="0" marR="0" lvl="0" indent="0" algn="l" defTabSz="914400" rtl="0" eaLnBrk="1" fontAlgn="auto" latinLnBrk="0" hangingPunct="1">
+                        <a:lnSpc>
+                          <a:spcPct val="100000"/>
+                        </a:lnSpc>
+                        <a:spcBef>
+                          <a:spcPts val="0"/>
+                        </a:spcBef>
+                        <a:spcAft>
+                          <a:spcPts val="0"/>
+                        </a:spcAft>
+                        <a:buClrTx/>
+                        <a:buSzTx/>
+                        <a:buFontTx/>
+                        <a:buNone/>
+                        <a:tabLst/>
+                        <a:defRPr/>
+                      </a:pPr>
+                      <a:endParaRPr lang="en-US" sz="1400" dirty="0" smtClean="0"/>
+                    </a:p>
+                  </a:txBody>
+                  <a:tcPr anchor="ctr">
+                    <a:lnL w="12700" cap="flat" cmpd="sng" algn="ctr">
+                      <a:solidFill>
+                        <a:schemeClr val="tx1"/>
+                      </a:solidFill>
+                      <a:prstDash val="solid"/>
+                      <a:round/>
+                      <a:headEnd type="none" w="med" len="med"/>
+                      <a:tailEnd type="none" w="med" len="med"/>
+                    </a:lnL>
+                    <a:lnR w="12700" cap="flat" cmpd="sng" algn="ctr">
+                      <a:solidFill>
+                        <a:schemeClr val="tx1"/>
+                      </a:solidFill>
+                      <a:prstDash val="solid"/>
+                      <a:round/>
+                      <a:headEnd type="none" w="med" len="med"/>
+                      <a:tailEnd type="none" w="med" len="med"/>
+                    </a:lnR>
+                    <a:lnT w="12700" cap="flat" cmpd="sng" algn="ctr">
+                      <a:solidFill>
+                        <a:schemeClr val="tx1"/>
+                      </a:solidFill>
+                      <a:prstDash val="solid"/>
+                      <a:round/>
+                      <a:headEnd type="none" w="med" len="med"/>
+                      <a:tailEnd type="none" w="med" len="med"/>
+                    </a:lnT>
+                    <a:lnB w="12700" cap="flat" cmpd="sng" algn="ctr">
+                      <a:solidFill>
+                        <a:schemeClr val="tx1"/>
+                      </a:solidFill>
+                      <a:prstDash val="solid"/>
+                      <a:round/>
+                      <a:headEnd type="none" w="med" len="med"/>
+                      <a:tailEnd type="none" w="med" len="med"/>
+                    </a:lnB>
+                    <a:lnTlToBr w="12700" cmpd="sng">
+                      <a:noFill/>
+                      <a:prstDash val="solid"/>
+                    </a:lnTlToBr>
+                    <a:lnBlToTr w="12700" cmpd="sng">
+                      <a:noFill/>
+                      <a:prstDash val="solid"/>
+                    </a:lnBlToTr>
+                  </a:tcPr>
+                </a:tc>
+                <a:tc>
+                  <a:txBody>
+                    <a:bodyPr/>
+                    <a:lstStyle/>
+                    <a:p>
+                      <a:pPr marL="0" marR="0" lvl="0" indent="0" algn="l" defTabSz="914400" rtl="0" eaLnBrk="1" fontAlgn="auto" latinLnBrk="0" hangingPunct="1">
+                        <a:lnSpc>
+                          <a:spcPct val="100000"/>
+                        </a:lnSpc>
+                        <a:spcBef>
+                          <a:spcPts val="0"/>
+                        </a:spcBef>
+                        <a:spcAft>
+                          <a:spcPts val="0"/>
+                        </a:spcAft>
+                        <a:buClrTx/>
+                        <a:buSzTx/>
+                        <a:buFontTx/>
+                        <a:buNone/>
+                        <a:tabLst/>
+                        <a:defRPr/>
+                      </a:pPr>
+                      <a:r>
+                        <a:rPr lang="en-US" sz="1400" dirty="0" smtClean="0"/>
+                        <a:t>Certificate Authority</a:t>
+                      </a:r>
+                      <a:endParaRPr lang="en-US" sz="1400" dirty="0" smtClean="0"/>
+                    </a:p>
+                  </a:txBody>
+                  <a:tcPr anchor="ctr">
+                    <a:lnL w="12700" cap="flat" cmpd="sng" algn="ctr">
+                      <a:solidFill>
+                        <a:schemeClr val="tx1"/>
+                      </a:solidFill>
+                      <a:prstDash val="solid"/>
+                      <a:round/>
+                      <a:headEnd type="none" w="med" len="med"/>
+                      <a:tailEnd type="none" w="med" len="med"/>
+                    </a:lnL>
+                    <a:lnR w="12700" cap="flat" cmpd="sng" algn="ctr">
+                      <a:solidFill>
+                        <a:schemeClr val="tx1"/>
+                      </a:solidFill>
+                      <a:prstDash val="solid"/>
+                      <a:round/>
+                      <a:headEnd type="none" w="med" len="med"/>
+                      <a:tailEnd type="none" w="med" len="med"/>
+                    </a:lnR>
+                    <a:lnT w="12700" cap="flat" cmpd="sng" algn="ctr">
+                      <a:solidFill>
+                        <a:schemeClr val="tx1"/>
+                      </a:solidFill>
+                      <a:prstDash val="solid"/>
+                      <a:round/>
+                      <a:headEnd type="none" w="med" len="med"/>
+                      <a:tailEnd type="none" w="med" len="med"/>
+                    </a:lnT>
+                    <a:lnB w="12700" cap="flat" cmpd="sng" algn="ctr">
+                      <a:solidFill>
+                        <a:schemeClr val="tx1"/>
+                      </a:solidFill>
+                      <a:prstDash val="solid"/>
+                      <a:round/>
+                      <a:headEnd type="none" w="med" len="med"/>
+                      <a:tailEnd type="none" w="med" len="med"/>
+                    </a:lnB>
+                    <a:lnTlToBr w="12700" cmpd="sng">
+                      <a:noFill/>
+                      <a:prstDash val="solid"/>
+                    </a:lnTlToBr>
+                    <a:lnBlToTr w="12700" cmpd="sng">
+                      <a:noFill/>
+                      <a:prstDash val="solid"/>
+                    </a:lnBlToTr>
+                  </a:tcPr>
+                </a:tc>
+              </a:tr>
+            </a:tbl>
+          </a:graphicData>
+        </a:graphic>
+      </p:graphicFrame>
+      <p:sp>
+        <p:nvSpPr>
+          <p:cNvPr id="56" name="Rounded Rectangle 55"/>
+          <p:cNvSpPr/>
+          <p:nvPr/>
+        </p:nvSpPr>
+        <p:spPr>
+          <a:xfrm>
+            <a:off x="9116375" y="4480069"/>
+            <a:ext cx="470643" cy="431746"/>
+          </a:xfrm>
+          <a:prstGeom prst="roundRect">
+            <a:avLst/>
+          </a:prstGeom>
+          <a:solidFill>
+            <a:srgbClr val="00B050"/>
+          </a:solidFill>
+          <a:ln w="19050">
+            <a:solidFill>
+              <a:srgbClr val="0070C0"/>
+            </a:solidFill>
+          </a:ln>
+        </p:spPr>
+        <p:style>
+          <a:lnRef idx="2">
+            <a:schemeClr val="accent1">
+              <a:shade val="50000"/>
+            </a:schemeClr>
+          </a:lnRef>
+          <a:fillRef idx="1">
+            <a:schemeClr val="accent1"/>
+          </a:fillRef>
+          <a:effectRef idx="0">
+            <a:schemeClr val="accent1"/>
+          </a:effectRef>
+          <a:fontRef idx="minor">
+            <a:schemeClr val="lt1"/>
+          </a:fontRef>
+        </p:style>
+        <p:txBody>
+          <a:bodyPr rtlCol="0" anchor="ctr"/>
+          <a:lstStyle/>
+          <a:p>
+            <a:pPr algn="ctr" defTabSz="457200"/>
+            <a:r>
+              <a:rPr lang="en-US" sz="1400" b="1" dirty="0" smtClean="0">
+                <a:solidFill>
+                  <a:srgbClr val="000000"/>
+                </a:solidFill>
+                <a:ea typeface="Arial" charset="0"/>
+                <a:cs typeface="Arial" charset="0"/>
+              </a:rPr>
+              <a:t>O</a:t>
+            </a:r>
+            <a:endParaRPr lang="en-US" sz="1600" b="1" dirty="0">
+              <a:solidFill>
+                <a:srgbClr val="000000"/>
+              </a:solidFill>
+              <a:ea typeface="Arial" charset="0"/>
+              <a:cs typeface="Arial" charset="0"/>
+            </a:endParaRPr>
+          </a:p>
+        </p:txBody>
+      </p:sp>
+      <p:sp>
+        <p:nvSpPr>
+          <p:cNvPr id="61" name="Rounded Rectangle 60"/>
+          <p:cNvSpPr/>
+          <p:nvPr/>
+        </p:nvSpPr>
+        <p:spPr>
+          <a:xfrm>
+            <a:off x="9116376" y="1553918"/>
+            <a:ext cx="470643" cy="431746"/>
+          </a:xfrm>
+          <a:prstGeom prst="roundRect">
+            <a:avLst/>
+          </a:prstGeom>
+          <a:solidFill>
+            <a:schemeClr val="accent1">
+              <a:lumMod val="20000"/>
+              <a:lumOff val="80000"/>
+            </a:schemeClr>
+          </a:solidFill>
+          <a:ln w="19050">
+            <a:solidFill>
+              <a:srgbClr val="0070C0"/>
+            </a:solidFill>
+          </a:ln>
+        </p:spPr>
+        <p:style>
+          <a:lnRef idx="2">
+            <a:schemeClr val="accent1">
+              <a:shade val="50000"/>
+            </a:schemeClr>
+          </a:lnRef>
+          <a:fillRef idx="1">
+            <a:schemeClr val="accent1"/>
+          </a:fillRef>
+          <a:effectRef idx="0">
+            <a:schemeClr val="accent1"/>
+          </a:effectRef>
+          <a:fontRef idx="minor">
+            <a:schemeClr val="lt1"/>
+          </a:fontRef>
+        </p:style>
+        <p:txBody>
+          <a:bodyPr rtlCol="0" anchor="ctr"/>
+          <a:lstStyle/>
+          <a:p>
+            <a:pPr algn="ctr" defTabSz="457200"/>
+            <a:r>
+              <a:rPr lang="en-US" sz="1400" b="1" dirty="0" smtClean="0">
+                <a:solidFill>
+                  <a:srgbClr val="000000"/>
+                </a:solidFill>
+                <a:ea typeface="Arial" charset="0"/>
+                <a:cs typeface="Arial" charset="0"/>
+              </a:rPr>
+              <a:t>N</a:t>
+            </a:r>
+            <a:endParaRPr lang="en-US" sz="1600" b="1" dirty="0">
+              <a:solidFill>
+                <a:srgbClr val="000000"/>
+              </a:solidFill>
+              <a:ea typeface="Arial" charset="0"/>
+              <a:cs typeface="Arial" charset="0"/>
+            </a:endParaRPr>
+          </a:p>
+        </p:txBody>
+      </p:sp>
+      <p:sp>
+        <p:nvSpPr>
+          <p:cNvPr id="63" name="Rounded Rectangle 62"/>
+          <p:cNvSpPr/>
+          <p:nvPr/>
+        </p:nvSpPr>
+        <p:spPr>
+          <a:xfrm>
+            <a:off x="9118922" y="3763230"/>
+            <a:ext cx="481189" cy="444147"/>
+          </a:xfrm>
+          <a:prstGeom prst="roundRect">
+            <a:avLst/>
+          </a:prstGeom>
+          <a:solidFill>
+            <a:schemeClr val="accent1"/>
+          </a:solidFill>
+          <a:ln w="19050" cmpd="sng">
+            <a:solidFill>
+              <a:schemeClr val="tx2"/>
+            </a:solidFill>
+          </a:ln>
+          <a:effectLst/>
+        </p:spPr>
+        <p:style>
+          <a:lnRef idx="1">
+            <a:schemeClr val="accent1"/>
+          </a:lnRef>
+          <a:fillRef idx="3">
+            <a:schemeClr val="accent1"/>
+          </a:fillRef>
+          <a:effectRef idx="2">
+            <a:schemeClr val="accent1"/>
+          </a:effectRef>
+          <a:fontRef idx="minor">
+            <a:schemeClr val="lt1"/>
+          </a:fontRef>
+        </p:style>
+        <p:txBody>
+          <a:bodyPr rtlCol="0" anchor="ctr"/>
+          <a:lstStyle/>
+          <a:p>
+            <a:pPr algn="ctr" defTabSz="457200"/>
+            <a:r>
+              <a:rPr lang="en-US" sz="1400" b="1" dirty="0">
+                <a:solidFill>
+                  <a:schemeClr val="bg1"/>
+                </a:solidFill>
+                <a:ea typeface="Arial" charset="0"/>
+                <a:cs typeface="Arial" charset="0"/>
+              </a:rPr>
+              <a:t>P</a:t>
+            </a:r>
+          </a:p>
+        </p:txBody>
+      </p:sp>
+      <p:sp>
+        <p:nvSpPr>
+          <p:cNvPr id="38" name="Oval 37"/>
+          <p:cNvSpPr/>
+          <p:nvPr/>
+        </p:nvSpPr>
+        <p:spPr>
+          <a:xfrm flipH="1" flipV="1">
+            <a:off x="6013679" y="2978412"/>
+            <a:ext cx="162001" cy="162001"/>
+          </a:xfrm>
+          <a:prstGeom prst="ellipse">
+            <a:avLst/>
+          </a:prstGeom>
+          <a:solidFill>
+            <a:schemeClr val="accent1"/>
+          </a:solidFill>
+          <a:ln w="25400" cmpd="sng">
+            <a:solidFill>
+              <a:schemeClr val="tx2"/>
+            </a:solidFill>
+          </a:ln>
+          <a:effectLst>
+            <a:outerShdw blurRad="50800" dist="38100" dir="2700000" algn="tl" rotWithShape="0">
+              <a:prstClr val="black">
+                <a:alpha val="40000"/>
+              </a:prstClr>
+            </a:outerShdw>
+          </a:effectLst>
+        </p:spPr>
+        <p:style>
+          <a:lnRef idx="1">
+            <a:schemeClr val="accent1"/>
+          </a:lnRef>
+          <a:fillRef idx="3">
+            <a:schemeClr val="accent1"/>
+          </a:fillRef>
+          <a:effectRef idx="2">
+            <a:schemeClr val="accent1"/>
+          </a:effectRef>
+          <a:fontRef idx="minor">
+            <a:schemeClr val="lt1"/>
+          </a:fontRef>
+        </p:style>
+        <p:txBody>
+          <a:bodyPr rtlCol="0" anchor="ctr"/>
+          <a:lstStyle/>
+          <a:p>
+            <a:pPr algn="ctr"/>
+            <a:endParaRPr lang="en-GB" sz="1000">
+              <a:solidFill>
+                <a:srgbClr val="000000"/>
+              </a:solidFill>
+            </a:endParaRPr>
+          </a:p>
+        </p:txBody>
+      </p:sp>
+      <p:sp>
+        <p:nvSpPr>
+          <p:cNvPr id="46" name="Oval 45"/>
+          <p:cNvSpPr/>
+          <p:nvPr/>
+        </p:nvSpPr>
+        <p:spPr>
+          <a:xfrm>
+            <a:off x="3062324" y="3561716"/>
+            <a:ext cx="3554159" cy="307828"/>
+          </a:xfrm>
+          <a:prstGeom prst="ellipse">
+            <a:avLst/>
+          </a:prstGeom>
+          <a:noFill/>
+          <a:ln w="38100">
+            <a:solidFill>
+              <a:srgbClr val="4372C4"/>
+            </a:solidFill>
+          </a:ln>
+          <a:effectLst>
+            <a:outerShdw blurRad="50800" dist="38100" dir="2700000" algn="tl" rotWithShape="0">
+              <a:prstClr val="black">
+                <a:alpha val="40000"/>
+              </a:prstClr>
+            </a:outerShdw>
+          </a:effectLst>
+        </p:spPr>
+        <p:style>
+          <a:lnRef idx="2">
+            <a:schemeClr val="accent1">
+              <a:shade val="50000"/>
+            </a:schemeClr>
+          </a:lnRef>
+          <a:fillRef idx="1">
+            <a:schemeClr val="accent1"/>
+          </a:fillRef>
+          <a:effectRef idx="0">
+            <a:schemeClr val="accent1"/>
+          </a:effectRef>
+          <a:fontRef idx="minor">
+            <a:schemeClr val="lt1"/>
+          </a:fontRef>
+        </p:style>
+        <p:txBody>
+          <a:bodyPr rtlCol="0" anchor="ctr"/>
+          <a:lstStyle/>
+          <a:p>
+            <a:pPr algn="ctr"/>
+            <a:endParaRPr lang="en-US"/>
+          </a:p>
+        </p:txBody>
+      </p:sp>
+      <p:sp>
+        <p:nvSpPr>
+          <p:cNvPr id="64" name="Oval 63"/>
+          <p:cNvSpPr/>
+          <p:nvPr/>
+        </p:nvSpPr>
+        <p:spPr>
+          <a:xfrm>
+            <a:off x="9095425" y="2410660"/>
+            <a:ext cx="526249" cy="238539"/>
+          </a:xfrm>
+          <a:prstGeom prst="ellipse">
+            <a:avLst/>
+          </a:prstGeom>
+          <a:noFill/>
+          <a:ln w="38100">
+            <a:solidFill>
+              <a:srgbClr val="4372C4"/>
+            </a:solidFill>
+          </a:ln>
+          <a:effectLst>
+            <a:outerShdw blurRad="50800" dist="38100" dir="2700000" algn="tl" rotWithShape="0">
+              <a:prstClr val="black">
+                <a:alpha val="40000"/>
+              </a:prstClr>
+            </a:outerShdw>
+          </a:effectLst>
+        </p:spPr>
+        <p:style>
+          <a:lnRef idx="2">
+            <a:schemeClr val="accent1">
+              <a:shade val="50000"/>
+            </a:schemeClr>
+          </a:lnRef>
+          <a:fillRef idx="1">
+            <a:schemeClr val="accent1"/>
+          </a:fillRef>
+          <a:effectRef idx="0">
+            <a:schemeClr val="accent1"/>
+          </a:effectRef>
+          <a:fontRef idx="minor">
+            <a:schemeClr val="lt1"/>
+          </a:fontRef>
+        </p:style>
+        <p:txBody>
+          <a:bodyPr rtlCol="0" anchor="ctr"/>
+          <a:lstStyle/>
+          <a:p>
+            <a:pPr algn="ctr"/>
+            <a:endParaRPr lang="en-US"/>
+          </a:p>
+        </p:txBody>
+      </p:sp>
+      <p:cxnSp>
+        <p:nvCxnSpPr>
+          <p:cNvPr id="14" name="Straight Connector 13"/>
+          <p:cNvCxnSpPr>
+            <a:stCxn id="47" idx="1"/>
+            <a:endCxn id="50" idx="1"/>
+          </p:cNvCxnSpPr>
+          <p:nvPr/>
+        </p:nvCxnSpPr>
+        <p:spPr>
+          <a:xfrm flipH="1">
+            <a:off x="1937975" y="2255358"/>
+            <a:ext cx="1219277" cy="0"/>
+          </a:xfrm>
+          <a:prstGeom prst="line">
+            <a:avLst/>
+          </a:prstGeom>
+          <a:ln w="28575">
+            <a:solidFill>
+              <a:srgbClr val="4372C4"/>
+            </a:solidFill>
+            <a:prstDash val="sysDot"/>
+            <a:headEnd type="none" w="med" len="med"/>
+            <a:tailEnd type="none" w="med" len="med"/>
+          </a:ln>
+        </p:spPr>
+        <p:style>
+          <a:lnRef idx="1">
+            <a:schemeClr val="accent1"/>
+          </a:lnRef>
+          <a:fillRef idx="0">
+            <a:schemeClr val="accent1"/>
+          </a:fillRef>
+          <a:effectRef idx="0">
+            <a:schemeClr val="accent1"/>
+          </a:effectRef>
+          <a:fontRef idx="minor">
+            <a:schemeClr val="tx1"/>
+          </a:fontRef>
+        </p:style>
+      </p:cxnSp>
+      <p:sp>
+        <p:nvSpPr>
+          <p:cNvPr id="50" name="Rounded Rectangle 49"/>
+          <p:cNvSpPr/>
+          <p:nvPr/>
+        </p:nvSpPr>
+        <p:spPr>
+          <a:xfrm>
+            <a:off x="1937975" y="2095417"/>
+            <a:ext cx="966733" cy="319881"/>
+          </a:xfrm>
+          <a:prstGeom prst="roundRect">
+            <a:avLst>
+              <a:gd name="adj" fmla="val 50000"/>
+            </a:avLst>
+          </a:prstGeom>
+          <a:solidFill>
+            <a:srgbClr val="9F42E6"/>
+          </a:solidFill>
+          <a:ln w="28575" cap="flat" cmpd="sng" algn="ctr">
+            <a:solidFill>
+              <a:schemeClr val="tx2"/>
+            </a:solidFill>
+            <a:prstDash val="solid"/>
+          </a:ln>
+          <a:effectLst>
+            <a:outerShdw blurRad="40000" dist="23000" dir="5400000" rotWithShape="0">
+              <a:srgbClr val="000000">
+                <a:alpha val="35000"/>
+              </a:srgbClr>
+            </a:outerShdw>
+          </a:effectLst>
+        </p:spPr>
+        <p:txBody>
+          <a:bodyPr tIns="36000" bIns="36000" rtlCol="0" anchor="ctr"/>
+          <a:lstStyle/>
+          <a:p>
+            <a:pPr marL="0" marR="0" lvl="0" indent="0" algn="ctr" defTabSz="457200" eaLnBrk="1" fontAlgn="auto" latinLnBrk="0" hangingPunct="1">
+              <a:lnSpc>
+                <a:spcPct val="100000"/>
+              </a:lnSpc>
+              <a:spcBef>
+                <a:spcPts val="0"/>
+              </a:spcBef>
+              <a:spcAft>
+                <a:spcPts val="0"/>
+              </a:spcAft>
+              <a:buClrTx/>
+              <a:buSzTx/>
+              <a:buFontTx/>
+              <a:buNone/>
+              <a:tabLst/>
+              <a:defRPr/>
+            </a:pPr>
+            <a:r>
+              <a:rPr lang="en-US" sz="1600" b="1" kern="0" noProof="0" dirty="0" smtClean="0">
+                <a:solidFill>
+                  <a:schemeClr val="bg1"/>
+                </a:solidFill>
+                <a:ea typeface=""/>
+                <a:cs typeface=""/>
+              </a:rPr>
+              <a:t>MSP</a:t>
+            </a:r>
+            <a:endParaRPr kumimoji="0" lang="en-US" sz="1600" b="1" i="0" u="none" strike="noStrike" kern="0" cap="none" spc="0" normalizeH="0" baseline="0" noProof="0" dirty="0" smtClean="0">
+              <a:ln>
+                <a:noFill/>
+              </a:ln>
+              <a:solidFill>
+                <a:schemeClr val="bg1"/>
+              </a:solidFill>
+              <a:effectLst/>
+              <a:uLnTx/>
+              <a:uFillTx/>
+              <a:ea typeface=""/>
+              <a:cs typeface=""/>
+            </a:endParaRPr>
+          </a:p>
+        </p:txBody>
+      </p:sp>
+      <p:sp>
+        <p:nvSpPr>
+          <p:cNvPr id="58" name="Rounded Rectangle 57"/>
+          <p:cNvSpPr/>
+          <p:nvPr/>
+        </p:nvSpPr>
+        <p:spPr>
+          <a:xfrm>
+            <a:off x="6663046" y="2608373"/>
+            <a:ext cx="1029062" cy="319881"/>
+          </a:xfrm>
+          <a:prstGeom prst="roundRect">
+            <a:avLst>
+              <a:gd name="adj" fmla="val 50000"/>
+            </a:avLst>
+          </a:prstGeom>
+          <a:solidFill>
+            <a:srgbClr val="9F42E6"/>
+          </a:solidFill>
+          <a:ln w="28575" cap="flat" cmpd="sng" algn="ctr">
+            <a:solidFill>
+              <a:schemeClr val="tx2"/>
+            </a:solidFill>
+            <a:prstDash val="solid"/>
+          </a:ln>
+          <a:effectLst>
+            <a:outerShdw blurRad="40000" dist="23000" dir="5400000" rotWithShape="0">
+              <a:srgbClr val="000000">
+                <a:alpha val="35000"/>
+              </a:srgbClr>
+            </a:outerShdw>
+          </a:effectLst>
+        </p:spPr>
+        <p:txBody>
+          <a:bodyPr tIns="36000" bIns="36000" rtlCol="0" anchor="ctr"/>
+          <a:lstStyle/>
+          <a:p>
+            <a:pPr marL="0" marR="0" lvl="0" indent="0" algn="ctr" defTabSz="457200" eaLnBrk="1" fontAlgn="auto" latinLnBrk="0" hangingPunct="1">
+              <a:lnSpc>
+                <a:spcPct val="100000"/>
+              </a:lnSpc>
+              <a:spcBef>
+                <a:spcPts val="0"/>
+              </a:spcBef>
+              <a:spcAft>
+                <a:spcPts val="0"/>
+              </a:spcAft>
+              <a:buClrTx/>
+              <a:buSzTx/>
+              <a:buFontTx/>
+              <a:buNone/>
+              <a:tabLst/>
+              <a:defRPr/>
+            </a:pPr>
+            <a:r>
+              <a:rPr lang="en-US" sz="1600" b="1" kern="0" noProof="0" dirty="0" smtClean="0">
+                <a:solidFill>
+                  <a:schemeClr val="bg1"/>
+                </a:solidFill>
+                <a:ea typeface=""/>
+                <a:cs typeface=""/>
+              </a:rPr>
+              <a:t>MSP</a:t>
+            </a:r>
+            <a:endParaRPr kumimoji="0" lang="en-US" sz="1600" b="1" i="0" u="none" strike="noStrike" kern="0" cap="none" spc="0" normalizeH="0" baseline="0" noProof="0" dirty="0" smtClean="0">
+              <a:ln>
+                <a:noFill/>
+              </a:ln>
+              <a:solidFill>
+                <a:schemeClr val="bg1"/>
+              </a:solidFill>
+              <a:effectLst/>
+              <a:uLnTx/>
+              <a:uFillTx/>
+              <a:ea typeface=""/>
+              <a:cs typeface=""/>
+            </a:endParaRPr>
+          </a:p>
+        </p:txBody>
+      </p:sp>
+      <p:cxnSp>
+        <p:nvCxnSpPr>
+          <p:cNvPr id="65" name="Straight Connector 64"/>
+          <p:cNvCxnSpPr>
+            <a:stCxn id="9" idx="3"/>
+            <a:endCxn id="58" idx="1"/>
+          </p:cNvCxnSpPr>
+          <p:nvPr/>
+        </p:nvCxnSpPr>
+        <p:spPr>
+          <a:xfrm>
+            <a:off x="6380823" y="2768314"/>
+            <a:ext cx="282223" cy="0"/>
+          </a:xfrm>
+          <a:prstGeom prst="line">
+            <a:avLst/>
+          </a:prstGeom>
+          <a:ln w="28575">
+            <a:solidFill>
+              <a:srgbClr val="4372C4"/>
+            </a:solidFill>
+            <a:prstDash val="sysDot"/>
+            <a:headEnd type="none" w="med" len="med"/>
+            <a:tailEnd type="none" w="med" len="med"/>
+          </a:ln>
+        </p:spPr>
+        <p:style>
+          <a:lnRef idx="1">
+            <a:schemeClr val="accent1"/>
+          </a:lnRef>
+          <a:fillRef idx="0">
+            <a:schemeClr val="accent1"/>
+          </a:fillRef>
+          <a:effectRef idx="0">
+            <a:schemeClr val="accent1"/>
+          </a:effectRef>
+          <a:fontRef idx="minor">
+            <a:schemeClr val="tx1"/>
+          </a:fontRef>
+        </p:style>
+      </p:cxnSp>
+      <p:sp>
+        <p:nvSpPr>
+          <p:cNvPr id="67" name="Rounded Rectangle 66"/>
+          <p:cNvSpPr/>
+          <p:nvPr/>
+        </p:nvSpPr>
+        <p:spPr>
+          <a:xfrm>
+            <a:off x="6133116" y="5116493"/>
+            <a:ext cx="966733" cy="319881"/>
+          </a:xfrm>
+          <a:prstGeom prst="roundRect">
+            <a:avLst>
+              <a:gd name="adj" fmla="val 50000"/>
+            </a:avLst>
+          </a:prstGeom>
+          <a:solidFill>
+            <a:srgbClr val="9F42E6"/>
+          </a:solidFill>
+          <a:ln w="28575" cap="flat" cmpd="sng" algn="ctr">
+            <a:solidFill>
+              <a:schemeClr val="tx2"/>
+            </a:solidFill>
+            <a:prstDash val="solid"/>
+          </a:ln>
+          <a:effectLst>
+            <a:outerShdw blurRad="40000" dist="23000" dir="5400000" rotWithShape="0">
+              <a:srgbClr val="000000">
+                <a:alpha val="35000"/>
+              </a:srgbClr>
+            </a:outerShdw>
+          </a:effectLst>
+        </p:spPr>
+        <p:txBody>
+          <a:bodyPr tIns="36000" bIns="36000" rtlCol="0" anchor="ctr"/>
+          <a:lstStyle/>
+          <a:p>
+            <a:pPr marL="0" marR="0" lvl="0" indent="0" algn="ctr" defTabSz="457200" eaLnBrk="1" fontAlgn="auto" latinLnBrk="0" hangingPunct="1">
+              <a:lnSpc>
+                <a:spcPct val="100000"/>
+              </a:lnSpc>
+              <a:spcBef>
+                <a:spcPts val="0"/>
+              </a:spcBef>
+              <a:spcAft>
+                <a:spcPts val="0"/>
+              </a:spcAft>
+              <a:buClrTx/>
+              <a:buSzTx/>
+              <a:buFontTx/>
+              <a:buNone/>
+              <a:tabLst/>
+              <a:defRPr/>
+            </a:pPr>
+            <a:r>
+              <a:rPr lang="en-US" sz="1600" b="1" kern="0" noProof="0" dirty="0" smtClean="0">
+                <a:solidFill>
+                  <a:schemeClr val="bg1"/>
+                </a:solidFill>
+                <a:ea typeface=""/>
+                <a:cs typeface=""/>
+              </a:rPr>
+              <a:t>MSP</a:t>
+            </a:r>
+            <a:endParaRPr kumimoji="0" lang="en-US" sz="1600" b="1" i="0" u="none" strike="noStrike" kern="0" cap="none" spc="0" normalizeH="0" baseline="0" noProof="0" dirty="0" smtClean="0">
+              <a:ln>
+                <a:noFill/>
+              </a:ln>
+              <a:solidFill>
+                <a:schemeClr val="bg1"/>
+              </a:solidFill>
+              <a:effectLst/>
+              <a:uLnTx/>
+              <a:uFillTx/>
+              <a:ea typeface=""/>
+              <a:cs typeface=""/>
+            </a:endParaRPr>
+          </a:p>
+        </p:txBody>
+      </p:sp>
+      <p:sp>
+        <p:nvSpPr>
+          <p:cNvPr id="77" name="Rounded Rectangle 76"/>
+          <p:cNvSpPr/>
+          <p:nvPr/>
+        </p:nvSpPr>
+        <p:spPr>
+          <a:xfrm>
+            <a:off x="1718030" y="3555690"/>
+            <a:ext cx="1029062" cy="319881"/>
+          </a:xfrm>
+          <a:prstGeom prst="roundRect">
+            <a:avLst>
+              <a:gd name="adj" fmla="val 50000"/>
+            </a:avLst>
+          </a:prstGeom>
+          <a:solidFill>
+            <a:srgbClr val="9F42E6"/>
+          </a:solidFill>
+          <a:ln w="28575" cap="flat" cmpd="sng" algn="ctr">
+            <a:solidFill>
+              <a:schemeClr val="tx2"/>
+            </a:solidFill>
+            <a:prstDash val="solid"/>
+          </a:ln>
+          <a:effectLst>
+            <a:outerShdw blurRad="40000" dist="23000" dir="5400000" rotWithShape="0">
+              <a:srgbClr val="000000">
+                <a:alpha val="35000"/>
+              </a:srgbClr>
+            </a:outerShdw>
+          </a:effectLst>
+        </p:spPr>
+        <p:txBody>
+          <a:bodyPr tIns="36000" bIns="36000" rtlCol="0" anchor="ctr"/>
+          <a:lstStyle/>
+          <a:p>
+            <a:pPr marL="0" marR="0" lvl="0" indent="0" algn="ctr" defTabSz="457200" eaLnBrk="1" fontAlgn="auto" latinLnBrk="0" hangingPunct="1">
+              <a:lnSpc>
+                <a:spcPct val="100000"/>
+              </a:lnSpc>
+              <a:spcBef>
+                <a:spcPts val="0"/>
+              </a:spcBef>
+              <a:spcAft>
+                <a:spcPts val="0"/>
+              </a:spcAft>
+              <a:buClrTx/>
+              <a:buSzTx/>
+              <a:buFontTx/>
+              <a:buNone/>
+              <a:tabLst/>
+              <a:defRPr/>
+            </a:pPr>
+            <a:r>
+              <a:rPr lang="en-US" sz="1600" b="1" kern="0" noProof="0" dirty="0" smtClean="0">
+                <a:solidFill>
+                  <a:schemeClr val="bg1"/>
+                </a:solidFill>
+                <a:ea typeface=""/>
+                <a:cs typeface=""/>
+              </a:rPr>
+              <a:t>MSP</a:t>
+            </a:r>
+            <a:endParaRPr kumimoji="0" lang="en-US" sz="1600" b="1" i="0" u="none" strike="noStrike" kern="0" cap="none" spc="0" normalizeH="0" baseline="0" noProof="0" dirty="0" smtClean="0">
+              <a:ln>
+                <a:noFill/>
+              </a:ln>
+              <a:solidFill>
+                <a:schemeClr val="bg1"/>
+              </a:solidFill>
+              <a:effectLst/>
+              <a:uLnTx/>
+              <a:uFillTx/>
+              <a:ea typeface=""/>
+              <a:cs typeface=""/>
+            </a:endParaRPr>
+          </a:p>
+        </p:txBody>
+      </p:sp>
+      <p:cxnSp>
+        <p:nvCxnSpPr>
+          <p:cNvPr id="78" name="Straight Connector 77"/>
+          <p:cNvCxnSpPr>
+            <a:stCxn id="46" idx="2"/>
+            <a:endCxn id="77" idx="3"/>
+          </p:cNvCxnSpPr>
+          <p:nvPr/>
+        </p:nvCxnSpPr>
+        <p:spPr>
+          <a:xfrm flipH="1">
+            <a:off x="2747092" y="3715630"/>
+            <a:ext cx="315232" cy="1"/>
+          </a:xfrm>
+          <a:prstGeom prst="line">
+            <a:avLst/>
+          </a:prstGeom>
+          <a:ln w="28575">
+            <a:solidFill>
+              <a:srgbClr val="4372C4"/>
+            </a:solidFill>
+            <a:prstDash val="sysDot"/>
+            <a:headEnd type="none" w="med" len="med"/>
+            <a:tailEnd type="none" w="med" len="med"/>
+          </a:ln>
+        </p:spPr>
+        <p:style>
+          <a:lnRef idx="1">
+            <a:schemeClr val="accent1"/>
+          </a:lnRef>
+          <a:fillRef idx="0">
+            <a:schemeClr val="accent1"/>
+          </a:fillRef>
+          <a:effectRef idx="0">
+            <a:schemeClr val="accent1"/>
+          </a:effectRef>
+          <a:fontRef idx="minor">
+            <a:schemeClr val="tx1"/>
+          </a:fontRef>
+        </p:style>
+      </p:cxnSp>
+      <p:cxnSp>
+        <p:nvCxnSpPr>
+          <p:cNvPr id="80" name="Straight Connector 79"/>
+          <p:cNvCxnSpPr>
+            <a:stCxn id="67" idx="3"/>
+          </p:cNvCxnSpPr>
+          <p:nvPr/>
+        </p:nvCxnSpPr>
+        <p:spPr>
+          <a:xfrm flipV="1">
+            <a:off x="7099849" y="5276433"/>
+            <a:ext cx="348355" cy="1"/>
+          </a:xfrm>
+          <a:prstGeom prst="line">
+            <a:avLst/>
+          </a:prstGeom>
+          <a:ln w="28575">
+            <a:solidFill>
+              <a:srgbClr val="4372C4"/>
+            </a:solidFill>
+            <a:prstDash val="sysDot"/>
+            <a:headEnd type="none" w="med" len="med"/>
+            <a:tailEnd type="none" w="med" len="med"/>
+          </a:ln>
+        </p:spPr>
+        <p:style>
+          <a:lnRef idx="1">
+            <a:schemeClr val="accent1"/>
+          </a:lnRef>
+          <a:fillRef idx="0">
+            <a:schemeClr val="accent1"/>
+          </a:fillRef>
+          <a:effectRef idx="0">
+            <a:schemeClr val="accent1"/>
+          </a:effectRef>
+          <a:fontRef idx="minor">
+            <a:schemeClr val="tx1"/>
+          </a:fontRef>
+        </p:style>
+      </p:cxnSp>
+      <p:sp>
+        <p:nvSpPr>
+          <p:cNvPr id="97" name="Rounded Rectangle 96"/>
+          <p:cNvSpPr/>
+          <p:nvPr/>
+        </p:nvSpPr>
+        <p:spPr>
+          <a:xfrm>
+            <a:off x="9071121" y="3074195"/>
+            <a:ext cx="574856" cy="295840"/>
+          </a:xfrm>
+          <a:prstGeom prst="roundRect">
+            <a:avLst>
+              <a:gd name="adj" fmla="val 50000"/>
+            </a:avLst>
+          </a:prstGeom>
+          <a:solidFill>
+            <a:srgbClr val="9F42E6"/>
+          </a:solidFill>
+          <a:ln w="28575" cap="flat" cmpd="sng" algn="ctr">
+            <a:solidFill>
+              <a:schemeClr val="tx2"/>
+            </a:solidFill>
+            <a:prstDash val="solid"/>
+          </a:ln>
+          <a:effectLst>
+            <a:outerShdw blurRad="40000" dist="23000" dir="5400000" rotWithShape="0">
+              <a:srgbClr val="000000">
+                <a:alpha val="35000"/>
+              </a:srgbClr>
+            </a:outerShdw>
+          </a:effectLst>
+        </p:spPr>
+        <p:txBody>
+          <a:bodyPr tIns="36000" bIns="36000" rtlCol="0" anchor="ctr"/>
+          <a:lstStyle/>
+          <a:p>
+            <a:pPr marL="0" marR="0" lvl="0" indent="0" algn="ctr" defTabSz="457200" eaLnBrk="1" fontAlgn="auto" latinLnBrk="0" hangingPunct="1">
+              <a:lnSpc>
+                <a:spcPct val="100000"/>
+              </a:lnSpc>
+              <a:spcBef>
+                <a:spcPts val="0"/>
+              </a:spcBef>
+              <a:spcAft>
+                <a:spcPts val="0"/>
+              </a:spcAft>
+              <a:buClrTx/>
+              <a:buSzTx/>
+              <a:buFontTx/>
+              <a:buNone/>
+              <a:tabLst/>
+              <a:defRPr/>
+            </a:pPr>
+            <a:r>
+              <a:rPr lang="en-US" sz="1200" b="1" kern="0" noProof="0" dirty="0" smtClean="0">
+                <a:solidFill>
+                  <a:schemeClr val="bg1"/>
+                </a:solidFill>
+                <a:ea typeface=""/>
+                <a:cs typeface=""/>
+              </a:rPr>
+              <a:t>MSP</a:t>
+            </a:r>
+            <a:endParaRPr kumimoji="0" lang="en-US" sz="1200" b="1" i="0" u="none" strike="noStrike" kern="0" cap="none" spc="0" normalizeH="0" baseline="0" noProof="0" dirty="0" smtClean="0">
+              <a:ln>
+                <a:noFill/>
+              </a:ln>
+              <a:solidFill>
+                <a:schemeClr val="bg1"/>
+              </a:solidFill>
+              <a:effectLst/>
+              <a:uLnTx/>
+              <a:uFillTx/>
+              <a:ea typeface=""/>
+              <a:cs typeface=""/>
+            </a:endParaRPr>
+          </a:p>
+        </p:txBody>
+      </p:sp>
+      <p:sp>
+        <p:nvSpPr>
+          <p:cNvPr id="99" name="Rounded Rectangle 98"/>
+          <p:cNvSpPr/>
+          <p:nvPr/>
+        </p:nvSpPr>
+        <p:spPr>
+          <a:xfrm>
+            <a:off x="7985249" y="4363256"/>
+            <a:ext cx="575072" cy="567368"/>
+          </a:xfrm>
+          <a:prstGeom prst="roundRect">
+            <a:avLst/>
+          </a:prstGeom>
+          <a:solidFill>
+            <a:schemeClr val="accent4"/>
+          </a:solidFill>
+          <a:ln w="25400">
+            <a:solidFill>
+              <a:srgbClr val="0070C0"/>
+            </a:solidFill>
+          </a:ln>
+        </p:spPr>
+        <p:style>
+          <a:lnRef idx="2">
+            <a:schemeClr val="accent1">
+              <a:shade val="50000"/>
+            </a:schemeClr>
+          </a:lnRef>
+          <a:fillRef idx="1">
+            <a:schemeClr val="accent1"/>
+          </a:fillRef>
+          <a:effectRef idx="0">
+            <a:schemeClr val="accent1"/>
+          </a:effectRef>
+          <a:fontRef idx="minor">
+            <a:schemeClr val="lt1"/>
+          </a:fontRef>
+        </p:style>
+        <p:txBody>
+          <a:bodyPr rtlCol="0" anchor="ctr"/>
+          <a:lstStyle/>
+          <a:p>
+            <a:pPr algn="ctr"/>
+            <a:r>
+              <a:rPr lang="en-US" sz="1200" b="1" dirty="0" smtClean="0">
+                <a:solidFill>
+                  <a:srgbClr val="4372C4"/>
+                </a:solidFill>
+              </a:rPr>
+              <a:t>RCA1</a:t>
+            </a:r>
+            <a:endParaRPr lang="en-US" sz="1200" b="1" dirty="0">
+              <a:solidFill>
+                <a:srgbClr val="4372C4"/>
+              </a:solidFill>
+            </a:endParaRPr>
+          </a:p>
+        </p:txBody>
+      </p:sp>
+      <p:sp>
+        <p:nvSpPr>
+          <p:cNvPr id="100" name="Rounded Rectangle 99"/>
+          <p:cNvSpPr/>
+          <p:nvPr/>
+        </p:nvSpPr>
+        <p:spPr>
+          <a:xfrm>
+            <a:off x="9114922" y="5193314"/>
+            <a:ext cx="481189" cy="444147"/>
+          </a:xfrm>
+          <a:prstGeom prst="roundRect">
+            <a:avLst/>
+          </a:prstGeom>
+          <a:solidFill>
+            <a:srgbClr val="FFC000"/>
+          </a:solidFill>
+          <a:ln w="19050" cmpd="sng">
+            <a:solidFill>
+              <a:srgbClr val="0070C0"/>
+            </a:solidFill>
+          </a:ln>
+          <a:effectLst/>
+        </p:spPr>
+        <p:style>
+          <a:lnRef idx="1">
+            <a:schemeClr val="accent1"/>
+          </a:lnRef>
+          <a:fillRef idx="3">
+            <a:schemeClr val="accent1"/>
+          </a:fillRef>
+          <a:effectRef idx="2">
+            <a:schemeClr val="accent1"/>
+          </a:effectRef>
+          <a:fontRef idx="minor">
+            <a:schemeClr val="lt1"/>
+          </a:fontRef>
+        </p:style>
+        <p:txBody>
+          <a:bodyPr rtlCol="0" anchor="ctr"/>
+          <a:lstStyle/>
+          <a:p>
+            <a:pPr algn="ctr" defTabSz="457200"/>
+            <a:r>
+              <a:rPr lang="en-US" sz="1400" b="1" dirty="0" smtClean="0">
+                <a:solidFill>
+                  <a:schemeClr val="accent1"/>
+                </a:solidFill>
+                <a:ea typeface="Arial" charset="0"/>
+                <a:cs typeface="Arial" charset="0"/>
+              </a:rPr>
+              <a:t>CA</a:t>
+            </a:r>
+            <a:endParaRPr lang="en-US" sz="1400" b="1" dirty="0">
+              <a:solidFill>
+                <a:schemeClr val="accent1"/>
+              </a:solidFill>
+              <a:ea typeface="Arial" charset="0"/>
+              <a:cs typeface="Arial" charset="0"/>
+            </a:endParaRPr>
+          </a:p>
+        </p:txBody>
+      </p:sp>
+      <p:sp>
+        <p:nvSpPr>
+          <p:cNvPr id="101" name="Rounded Rectangle 100"/>
+          <p:cNvSpPr/>
+          <p:nvPr/>
+        </p:nvSpPr>
+        <p:spPr>
+          <a:xfrm>
+            <a:off x="838200" y="1995111"/>
+            <a:ext cx="575072" cy="567368"/>
+          </a:xfrm>
+          <a:prstGeom prst="roundRect">
+            <a:avLst/>
+          </a:prstGeom>
+          <a:solidFill>
+            <a:schemeClr val="accent4"/>
+          </a:solidFill>
+          <a:ln w="25400">
+            <a:solidFill>
+              <a:srgbClr val="0070C0"/>
+            </a:solidFill>
+          </a:ln>
+        </p:spPr>
+        <p:style>
+          <a:lnRef idx="2">
+            <a:schemeClr val="accent1">
+              <a:shade val="50000"/>
+            </a:schemeClr>
+          </a:lnRef>
+          <a:fillRef idx="1">
+            <a:schemeClr val="accent1"/>
+          </a:fillRef>
+          <a:effectRef idx="0">
+            <a:schemeClr val="accent1"/>
+          </a:effectRef>
+          <a:fontRef idx="minor">
+            <a:schemeClr val="lt1"/>
+          </a:fontRef>
+        </p:style>
+        <p:txBody>
+          <a:bodyPr rtlCol="0" anchor="ctr"/>
+          <a:lstStyle/>
+          <a:p>
+            <a:pPr algn="ctr"/>
+            <a:r>
+              <a:rPr lang="en-US" sz="1200" b="1" smtClean="0">
+                <a:solidFill>
+                  <a:srgbClr val="4372C4"/>
+                </a:solidFill>
+              </a:rPr>
+              <a:t>I</a:t>
+            </a:r>
+            <a:r>
+              <a:rPr lang="en-US" sz="1200" b="1" smtClean="0">
+                <a:solidFill>
+                  <a:srgbClr val="4372C4"/>
+                </a:solidFill>
+              </a:rPr>
+              <a:t>CA2</a:t>
+            </a:r>
+            <a:endParaRPr lang="en-US" sz="1200" b="1" dirty="0">
+              <a:solidFill>
+                <a:srgbClr val="4372C4"/>
+              </a:solidFill>
+            </a:endParaRPr>
+          </a:p>
+        </p:txBody>
+      </p:sp>
+      <p:sp>
+        <p:nvSpPr>
+          <p:cNvPr id="102" name="Rounded Rectangle 101"/>
+          <p:cNvSpPr/>
+          <p:nvPr/>
+        </p:nvSpPr>
+        <p:spPr>
+          <a:xfrm>
+            <a:off x="7985249" y="2486435"/>
+            <a:ext cx="575072" cy="567368"/>
+          </a:xfrm>
+          <a:prstGeom prst="roundRect">
+            <a:avLst/>
+          </a:prstGeom>
+          <a:solidFill>
+            <a:schemeClr val="accent4"/>
+          </a:solidFill>
+          <a:ln w="25400">
+            <a:solidFill>
+              <a:srgbClr val="0070C0"/>
+            </a:solidFill>
+          </a:ln>
+        </p:spPr>
+        <p:style>
+          <a:lnRef idx="2">
+            <a:schemeClr val="accent1">
+              <a:shade val="50000"/>
+            </a:schemeClr>
+          </a:lnRef>
+          <a:fillRef idx="1">
+            <a:schemeClr val="accent1"/>
+          </a:fillRef>
+          <a:effectRef idx="0">
+            <a:schemeClr val="accent1"/>
+          </a:effectRef>
+          <a:fontRef idx="minor">
+            <a:schemeClr val="lt1"/>
+          </a:fontRef>
+        </p:style>
+        <p:txBody>
+          <a:bodyPr rtlCol="0" anchor="ctr"/>
+          <a:lstStyle/>
+          <a:p>
+            <a:pPr algn="ctr"/>
+            <a:r>
+              <a:rPr lang="en-US" sz="1200" b="1" smtClean="0">
+                <a:solidFill>
+                  <a:srgbClr val="4372C4"/>
+                </a:solidFill>
+              </a:rPr>
+              <a:t>I</a:t>
+            </a:r>
+            <a:r>
+              <a:rPr lang="en-US" sz="1200" b="1" smtClean="0">
+                <a:solidFill>
+                  <a:srgbClr val="4372C4"/>
+                </a:solidFill>
+              </a:rPr>
+              <a:t>CA1</a:t>
+            </a:r>
+            <a:endParaRPr lang="en-US" sz="1200" b="1" dirty="0">
+              <a:solidFill>
+                <a:srgbClr val="4372C4"/>
+              </a:solidFill>
+            </a:endParaRPr>
+          </a:p>
+        </p:txBody>
+      </p:sp>
+      <p:sp>
+        <p:nvSpPr>
+          <p:cNvPr id="104" name="Rounded Rectangle 103"/>
+          <p:cNvSpPr/>
+          <p:nvPr/>
+        </p:nvSpPr>
+        <p:spPr>
+          <a:xfrm>
+            <a:off x="838200" y="3490824"/>
+            <a:ext cx="575072" cy="567368"/>
+          </a:xfrm>
+          <a:prstGeom prst="roundRect">
+            <a:avLst/>
+          </a:prstGeom>
+          <a:solidFill>
+            <a:schemeClr val="accent4"/>
+          </a:solidFill>
+          <a:ln w="25400">
+            <a:solidFill>
+              <a:srgbClr val="0070C0"/>
+            </a:solidFill>
+          </a:ln>
+        </p:spPr>
+        <p:style>
+          <a:lnRef idx="2">
+            <a:schemeClr val="accent1">
+              <a:shade val="50000"/>
+            </a:schemeClr>
+          </a:lnRef>
+          <a:fillRef idx="1">
+            <a:schemeClr val="accent1"/>
+          </a:fillRef>
+          <a:effectRef idx="0">
+            <a:schemeClr val="accent1"/>
+          </a:effectRef>
+          <a:fontRef idx="minor">
+            <a:schemeClr val="lt1"/>
+          </a:fontRef>
+        </p:style>
+        <p:txBody>
+          <a:bodyPr rtlCol="0" anchor="ctr"/>
+          <a:lstStyle/>
+          <a:p>
+            <a:pPr algn="ctr"/>
+            <a:r>
+              <a:rPr lang="en-US" sz="1200" b="1" dirty="0" smtClean="0">
+                <a:solidFill>
+                  <a:srgbClr val="4372C4"/>
+                </a:solidFill>
+              </a:rPr>
+              <a:t>RCA2</a:t>
+            </a:r>
+            <a:endParaRPr lang="en-US" sz="1200" b="1" dirty="0">
+              <a:solidFill>
+                <a:srgbClr val="4372C4"/>
+              </a:solidFill>
+            </a:endParaRPr>
+          </a:p>
+        </p:txBody>
+      </p:sp>
+      <p:cxnSp>
+        <p:nvCxnSpPr>
+          <p:cNvPr id="108" name="Elbow Connector 107"/>
+          <p:cNvCxnSpPr>
+            <a:stCxn id="50" idx="2"/>
+            <a:endCxn id="101" idx="2"/>
+          </p:cNvCxnSpPr>
+          <p:nvPr/>
+        </p:nvCxnSpPr>
+        <p:spPr>
+          <a:xfrm rot="5400000">
+            <a:off x="1699949" y="1841085"/>
+            <a:ext cx="147181" cy="1295606"/>
+          </a:xfrm>
+          <a:prstGeom prst="bentConnector3">
+            <a:avLst>
+              <a:gd name="adj1" fmla="val 255319"/>
+            </a:avLst>
+          </a:prstGeom>
+          <a:ln w="28575">
+            <a:solidFill>
+              <a:srgbClr val="4372C4"/>
+            </a:solidFill>
+            <a:tailEnd type="triangle"/>
+          </a:ln>
+        </p:spPr>
+        <p:style>
+          <a:lnRef idx="1">
+            <a:schemeClr val="accent1"/>
+          </a:lnRef>
+          <a:fillRef idx="0">
+            <a:schemeClr val="accent1"/>
+          </a:fillRef>
+          <a:effectRef idx="0">
+            <a:schemeClr val="accent1"/>
+          </a:effectRef>
+          <a:fontRef idx="minor">
+            <a:schemeClr val="tx1"/>
+          </a:fontRef>
+        </p:style>
+      </p:cxnSp>
+      <p:cxnSp>
+        <p:nvCxnSpPr>
+          <p:cNvPr id="110" name="Elbow Connector 109"/>
+          <p:cNvCxnSpPr>
+            <a:stCxn id="77" idx="2"/>
+            <a:endCxn id="104" idx="2"/>
+          </p:cNvCxnSpPr>
+          <p:nvPr/>
+        </p:nvCxnSpPr>
+        <p:spPr>
+          <a:xfrm rot="5400000">
+            <a:off x="1587839" y="3413469"/>
+            <a:ext cx="182621" cy="1106825"/>
+          </a:xfrm>
+          <a:prstGeom prst="bentConnector3">
+            <a:avLst>
+              <a:gd name="adj1" fmla="val 225177"/>
+            </a:avLst>
+          </a:prstGeom>
+          <a:ln w="28575">
+            <a:solidFill>
+              <a:srgbClr val="4372C4"/>
+            </a:solidFill>
+            <a:tailEnd type="triangle"/>
+          </a:ln>
+        </p:spPr>
+        <p:style>
+          <a:lnRef idx="1">
+            <a:schemeClr val="accent1"/>
+          </a:lnRef>
+          <a:fillRef idx="0">
+            <a:schemeClr val="accent1"/>
+          </a:fillRef>
+          <a:effectRef idx="0">
+            <a:schemeClr val="accent1"/>
+          </a:effectRef>
+          <a:fontRef idx="minor">
+            <a:schemeClr val="tx1"/>
+          </a:fontRef>
+        </p:style>
+      </p:cxnSp>
+      <p:cxnSp>
+        <p:nvCxnSpPr>
+          <p:cNvPr id="112" name="Elbow Connector 111"/>
+          <p:cNvCxnSpPr>
+            <a:stCxn id="58" idx="2"/>
+            <a:endCxn id="102" idx="2"/>
+          </p:cNvCxnSpPr>
+          <p:nvPr/>
+        </p:nvCxnSpPr>
+        <p:spPr>
+          <a:xfrm rot="16200000" flipH="1">
+            <a:off x="7662407" y="2443424"/>
+            <a:ext cx="125549" cy="1095208"/>
+          </a:xfrm>
+          <a:prstGeom prst="bentConnector3">
+            <a:avLst>
+              <a:gd name="adj1" fmla="val 282080"/>
+            </a:avLst>
+          </a:prstGeom>
+          <a:ln w="28575">
+            <a:solidFill>
+              <a:srgbClr val="4372C4"/>
+            </a:solidFill>
+            <a:tailEnd type="triangle"/>
+          </a:ln>
+        </p:spPr>
+        <p:style>
+          <a:lnRef idx="1">
+            <a:schemeClr val="accent1"/>
+          </a:lnRef>
+          <a:fillRef idx="0">
+            <a:schemeClr val="accent1"/>
+          </a:fillRef>
+          <a:effectRef idx="0">
+            <a:schemeClr val="accent1"/>
+          </a:effectRef>
+          <a:fontRef idx="minor">
+            <a:schemeClr val="tx1"/>
+          </a:fontRef>
+        </p:style>
+      </p:cxnSp>
+      <p:cxnSp>
+        <p:nvCxnSpPr>
+          <p:cNvPr id="123" name="Elbow Connector 122"/>
+          <p:cNvCxnSpPr>
+            <a:stCxn id="67" idx="0"/>
+            <a:endCxn id="99" idx="1"/>
+          </p:cNvCxnSpPr>
+          <p:nvPr/>
+        </p:nvCxnSpPr>
+        <p:spPr>
+          <a:xfrm rot="5400000" flipH="1" flipV="1">
+            <a:off x="7066090" y="4197334"/>
+            <a:ext cx="469553" cy="1368766"/>
+          </a:xfrm>
+          <a:prstGeom prst="bentConnector2">
+            <a:avLst/>
+          </a:prstGeom>
+          <a:ln w="28575">
+            <a:solidFill>
+              <a:srgbClr val="4372C4"/>
+            </a:solidFill>
+            <a:tailEnd type="triangle"/>
+          </a:ln>
+        </p:spPr>
+        <p:style>
+          <a:lnRef idx="1">
+            <a:schemeClr val="accent1"/>
+          </a:lnRef>
+          <a:fillRef idx="0">
+            <a:schemeClr val="accent1"/>
+          </a:fillRef>
+          <a:effectRef idx="0">
+            <a:schemeClr val="accent1"/>
+          </a:effectRef>
+          <a:fontRef idx="minor">
+            <a:schemeClr val="tx1"/>
+          </a:fontRef>
+        </p:style>
+      </p:cxnSp>
+    </p:spTree>
+    <p:extLst>
+      <p:ext uri="{BB962C8B-B14F-4D97-AF65-F5344CB8AC3E}">
+        <p14:creationId xmlns:p14="http://schemas.microsoft.com/office/powerpoint/2010/main" val="574982305"/>
+      </p:ext>
+    </p:extLst>
+  </p:cSld>
+  <p:clrMapOvr>
+    <a:masterClrMapping/>
+  </p:clrMapOvr>
+  <p:timing>
+    <p:tnLst>
+      <p:par>
+        <p:cTn id="1" dur="indefinite" restart="never" nodeType="tmRoot">
+          <p:childTnLst>
+            <p:seq concurrent="1" nextAc="seek">
+              <p:cTn id="2" dur="indefinite" nodeType="mainSeq">
+                <p:childTnLst>
+                  <p:par>
+                    <p:cTn id="3" fill="hold">
+                      <p:stCondLst>
+                        <p:cond delay="indefinite"/>
+                        <p:cond evt="onBegin" delay="0">
+                          <p:tn val="2"/>
+                        </p:cond>
+                      </p:stCondLst>
+                      <p:childTnLst>
+                        <p:par>
+                          <p:cTn id="4" fill="hold">
+                            <p:stCondLst>
+                              <p:cond delay="0"/>
+                            </p:stCondLst>
+                            <p:childTnLst>
+                              <p:par>
+                                <p:cTn id="5" presetID="1" presetClass="entr" presetSubtype="0" fill="hold" grpId="0" nodeType="withEffect">
+                                  <p:stCondLst>
+                                    <p:cond delay="0"/>
+                                  </p:stCondLst>
+                                  <p:childTnLst>
+                                    <p:set>
+                                      <p:cBhvr>
+                                        <p:cTn id="6" dur="1" fill="hold">
+                                          <p:stCondLst>
+                                            <p:cond delay="0"/>
+                                          </p:stCondLst>
+                                        </p:cTn>
+                                        <p:tgtEl>
+                                          <p:spTgt spid="99"/>
+                                        </p:tgtEl>
+                                        <p:attrNameLst>
+                                          <p:attrName>style.visibility</p:attrName>
+                                        </p:attrNameLst>
+                                      </p:cBhvr>
+                                      <p:to>
+                                        <p:strVal val="visible"/>
+                                      </p:to>
+                                    </p:set>
+                                  </p:childTnLst>
+                                </p:cTn>
+                              </p:par>
+                              <p:par>
+                                <p:cTn id="7" presetID="1" presetClass="entr" presetSubtype="0" fill="hold" grpId="0" nodeType="withEffect">
+                                  <p:stCondLst>
+                                    <p:cond delay="0"/>
+                                  </p:stCondLst>
+                                  <p:childTnLst>
+                                    <p:set>
+                                      <p:cBhvr>
+                                        <p:cTn id="8" dur="1" fill="hold">
+                                          <p:stCondLst>
+                                            <p:cond delay="0"/>
+                                          </p:stCondLst>
+                                        </p:cTn>
+                                        <p:tgtEl>
+                                          <p:spTgt spid="101"/>
+                                        </p:tgtEl>
+                                        <p:attrNameLst>
+                                          <p:attrName>style.visibility</p:attrName>
+                                        </p:attrNameLst>
+                                      </p:cBhvr>
+                                      <p:to>
+                                        <p:strVal val="visible"/>
+                                      </p:to>
+                                    </p:set>
+                                  </p:childTnLst>
+                                </p:cTn>
+                              </p:par>
+                              <p:par>
+                                <p:cTn id="9" presetID="1" presetClass="entr" presetSubtype="0" fill="hold" grpId="0" nodeType="withEffect">
+                                  <p:stCondLst>
+                                    <p:cond delay="0"/>
+                                  </p:stCondLst>
+                                  <p:childTnLst>
+                                    <p:set>
+                                      <p:cBhvr>
+                                        <p:cTn id="10" dur="1" fill="hold">
+                                          <p:stCondLst>
+                                            <p:cond delay="0"/>
+                                          </p:stCondLst>
+                                        </p:cTn>
+                                        <p:tgtEl>
+                                          <p:spTgt spid="102"/>
+                                        </p:tgtEl>
+                                        <p:attrNameLst>
+                                          <p:attrName>style.visibility</p:attrName>
+                                        </p:attrNameLst>
+                                      </p:cBhvr>
+                                      <p:to>
+                                        <p:strVal val="visible"/>
+                                      </p:to>
+                                    </p:set>
+                                  </p:childTnLst>
+                                </p:cTn>
+                              </p:par>
+                              <p:par>
+                                <p:cTn id="11" presetID="1" presetClass="entr" presetSubtype="0" fill="hold" grpId="0" nodeType="withEffect">
+                                  <p:stCondLst>
+                                    <p:cond delay="0"/>
+                                  </p:stCondLst>
+                                  <p:childTnLst>
+                                    <p:set>
+                                      <p:cBhvr>
+                                        <p:cTn id="12" dur="1" fill="hold">
+                                          <p:stCondLst>
+                                            <p:cond delay="0"/>
+                                          </p:stCondLst>
+                                        </p:cTn>
+                                        <p:tgtEl>
+                                          <p:spTgt spid="104"/>
+                                        </p:tgtEl>
+                                        <p:attrNameLst>
+                                          <p:attrName>style.visibility</p:attrName>
+                                        </p:attrNameLst>
+                                      </p:cBhvr>
+                                      <p:to>
+                                        <p:strVal val="visible"/>
+                                      </p:to>
+                                    </p:set>
+                                  </p:childTnLst>
+                                </p:cTn>
+                              </p:par>
+                            </p:childTnLst>
+                          </p:cTn>
+                        </p:par>
+                      </p:childTnLst>
+                    </p:cTn>
+                  </p:par>
+                </p:childTnLst>
+              </p:cTn>
+              <p:prevCondLst>
+                <p:cond evt="onPrev" delay="0">
+                  <p:tgtEl>
+                    <p:sldTgt/>
+                  </p:tgtEl>
+                </p:cond>
+              </p:prevCondLst>
+              <p:nextCondLst>
+                <p:cond evt="onNext" delay="0">
+                  <p:tgtEl>
+                    <p:sldTgt/>
+                  </p:tgtEl>
+                </p:cond>
+              </p:nextCondLst>
+            </p:seq>
+          </p:childTnLst>
+        </p:cTn>
+      </p:par>
+    </p:tnLst>
+    <p:bldLst>
+      <p:bldP spid="99" grpId="0" animBg="1"/>
+      <p:bldP spid="101" grpId="0" animBg="1"/>
+      <p:bldP spid="102" grpId="0" animBg="1"/>
+      <p:bldP spid="104" grpId="0" animBg="1"/>
+    </p:bldLst>
+  </p:timing>
+</p:sld>
+</file>
+
 <file path=ppt/slides/slide2.xml><?xml version="1.0" encoding="utf-8"?>
 <p:sld xmlns:a="http://schemas.openxmlformats.org/drawingml/2006/main" xmlns:r="http://schemas.openxmlformats.org/officeDocument/2006/relationships" xmlns:p="http://schemas.openxmlformats.org/presentationml/2006/main">
   <p:cSld>
@@ -14346,20 +17293,12 @@
           <a:p>
             <a:pPr algn="ctr"/>
             <a:r>
-              <a:rPr lang="en-US" sz="2400" b="1" smtClean="0">
+              <a:rPr lang="en-US" sz="2400" b="1" dirty="0" smtClean="0">
                 <a:solidFill>
                   <a:schemeClr val="bg1"/>
                 </a:solidFill>
               </a:rPr>
               <a:t>L</a:t>
-            </a:r>
-            <a:r>
-              <a:rPr lang="en-US" sz="2400" b="1" baseline="-25000">
-                <a:solidFill>
-                  <a:schemeClr val="bg1"/>
-                </a:solidFill>
-              </a:rPr>
-              <a:t>b</a:t>
             </a:r>
             <a:endParaRPr lang="en-US" sz="2400" b="1" baseline="-25000" dirty="0">
               <a:solidFill>

--- a/docs/OtherSourceMaterial/Diagrams.pptx
+++ b/docs/OtherSourceMaterial/Diagrams.pptx
@@ -5,7 +5,7 @@
     <p:sldMasterId id="2147483648" r:id="rId1"/>
   </p:sldMasterIdLst>
   <p:notesMasterIdLst>
-    <p:notesMasterId r:id="rId14"/>
+    <p:notesMasterId r:id="rId15"/>
   </p:notesMasterIdLst>
   <p:sldIdLst>
     <p:sldId id="386" r:id="rId2"/>
@@ -20,6 +20,7 @@
     <p:sldId id="398" r:id="rId11"/>
     <p:sldId id="397" r:id="rId12"/>
     <p:sldId id="399" r:id="rId13"/>
+    <p:sldId id="400" r:id="rId14"/>
   </p:sldIdLst>
   <p:sldSz cx="12192000" cy="6858000"/>
   <p:notesSz cx="6858000" cy="9144000"/>
@@ -208,7 +209,7 @@
           <a:p>
             <a:fld id="{48055B63-EFAE-2A43-85FA-5DAC8F9BAC3F}" type="datetimeFigureOut">
               <a:rPr lang="en-US" smtClean="0"/>
-              <a:t>10/27/17</a:t>
+              <a:t>11/1/17</a:t>
             </a:fld>
             <a:endParaRPr lang="en-US"/>
           </a:p>
@@ -607,7 +608,7 @@
           <a:p>
             <a:fld id="{6C7BE63D-DD88-A54A-A88E-C97EE36BADC0}" type="datetime1">
               <a:rPr lang="en-GB" smtClean="0"/>
-              <a:t>27/10/2017</a:t>
+              <a:t>01/11/2017</a:t>
             </a:fld>
             <a:endParaRPr lang="en-US"/>
           </a:p>
@@ -787,7 +788,7 @@
           <a:p>
             <a:fld id="{CFAE1D81-3507-1D4B-B2E6-E436B7EC74F0}" type="datetime1">
               <a:rPr lang="en-GB" smtClean="0"/>
-              <a:t>27/10/2017</a:t>
+              <a:t>01/11/2017</a:t>
             </a:fld>
             <a:endParaRPr lang="en-US"/>
           </a:p>
@@ -967,7 +968,7 @@
           <a:p>
             <a:fld id="{37AF6443-B0B9-F647-87A5-9330C0B11D11}" type="datetime1">
               <a:rPr lang="en-GB" smtClean="0"/>
-              <a:t>27/10/2017</a:t>
+              <a:t>01/11/2017</a:t>
             </a:fld>
             <a:endParaRPr lang="en-US"/>
           </a:p>
@@ -1143,7 +1144,7 @@
           <a:p>
             <a:fld id="{728B045C-8A79-5A4A-BFBC-9E1C1DE9261A}" type="datetime1">
               <a:rPr lang="en-GB" smtClean="0"/>
-              <a:t>27/10/2017</a:t>
+              <a:t>01/11/2017</a:t>
             </a:fld>
             <a:endParaRPr lang="en-US"/>
           </a:p>
@@ -1399,7 +1400,7 @@
           <a:p>
             <a:fld id="{B885F966-2610-1243-AD0D-F969BA7258EC}" type="datetime1">
               <a:rPr lang="en-GB" smtClean="0"/>
-              <a:t>27/10/2017</a:t>
+              <a:t>01/11/2017</a:t>
             </a:fld>
             <a:endParaRPr lang="en-US"/>
           </a:p>
@@ -1631,7 +1632,7 @@
           <a:p>
             <a:fld id="{DDF18408-AC91-4B48-B784-F25A5DE3799B}" type="datetime1">
               <a:rPr lang="en-GB" smtClean="0"/>
-              <a:t>27/10/2017</a:t>
+              <a:t>01/11/2017</a:t>
             </a:fld>
             <a:endParaRPr lang="en-US"/>
           </a:p>
@@ -1998,7 +1999,7 @@
           <a:p>
             <a:fld id="{51058417-D083-E348-841D-52330D70C7E0}" type="datetime1">
               <a:rPr lang="en-GB" smtClean="0"/>
-              <a:t>27/10/2017</a:t>
+              <a:t>01/11/2017</a:t>
             </a:fld>
             <a:endParaRPr lang="en-US"/>
           </a:p>
@@ -2116,7 +2117,7 @@
           <a:p>
             <a:fld id="{679548A0-A8B8-1042-8CE3-3A35FFB758C7}" type="datetime1">
               <a:rPr lang="en-GB" smtClean="0"/>
-              <a:t>27/10/2017</a:t>
+              <a:t>01/11/2017</a:t>
             </a:fld>
             <a:endParaRPr lang="en-US"/>
           </a:p>
@@ -2211,7 +2212,7 @@
           <a:p>
             <a:fld id="{6B3AB6E1-5BF7-484A-8C83-83906C82FC4B}" type="datetime1">
               <a:rPr lang="en-GB" smtClean="0"/>
-              <a:t>27/10/2017</a:t>
+              <a:t>01/11/2017</a:t>
             </a:fld>
             <a:endParaRPr lang="en-US"/>
           </a:p>
@@ -2488,7 +2489,7 @@
           <a:p>
             <a:fld id="{0B1CFD86-D165-4643-8BC0-9FFEA3E2E848}" type="datetime1">
               <a:rPr lang="en-GB" smtClean="0"/>
-              <a:t>27/10/2017</a:t>
+              <a:t>01/11/2017</a:t>
             </a:fld>
             <a:endParaRPr lang="en-US"/>
           </a:p>
@@ -2741,7 +2742,7 @@
           <a:p>
             <a:fld id="{B5049785-C023-2A44-AA2B-186909FC4B13}" type="datetime1">
               <a:rPr lang="en-GB" smtClean="0"/>
-              <a:t>27/10/2017</a:t>
+              <a:t>01/11/2017</a:t>
             </a:fld>
             <a:endParaRPr lang="en-US"/>
           </a:p>
@@ -2954,7 +2955,7 @@
           <a:p>
             <a:fld id="{624E8C89-FE04-EF43-8A26-75C78A3AEBE8}" type="datetime1">
               <a:rPr lang="en-GB" smtClean="0"/>
-              <a:t>27/10/2017</a:t>
+              <a:t>01/11/2017</a:t>
             </a:fld>
             <a:endParaRPr lang="en-US"/>
           </a:p>
@@ -3476,11 +3477,7 @@
           <a:p>
             <a:r>
               <a:rPr lang="en-US" dirty="0" smtClean="0"/>
-              <a:t>Key </a:t>
-            </a:r>
-            <a:r>
-              <a:rPr lang="en-US" dirty="0" smtClean="0"/>
-              <a:t>Concepts, Identity </a:t>
+              <a:t>Key Concepts, Identity </a:t>
             </a:r>
             <a:r>
               <a:rPr lang="en-US" smtClean="0"/>
@@ -3565,11 +3562,7 @@
           <a:p>
             <a:r>
               <a:rPr lang="en-US" dirty="0" smtClean="0"/>
-              <a:t>Diagram </a:t>
-            </a:r>
-            <a:r>
-              <a:rPr lang="en-US" dirty="0" smtClean="0"/>
-              <a:t>1</a:t>
+              <a:t>Diagram 1</a:t>
             </a:r>
             <a:endParaRPr lang="en-US" dirty="0"/>
           </a:p>
@@ -10912,7 +10905,6 @@
                         <a:rPr lang="en-US" sz="1400" dirty="0" smtClean="0"/>
                         <a:t>Membership Services Provider</a:t>
                       </a:r>
-                      <a:endParaRPr lang="en-US" sz="1400" dirty="0" smtClean="0"/>
                     </a:p>
                   </a:txBody>
                   <a:tcPr anchor="ctr">
@@ -11381,7 +11373,6 @@
                         <a:rPr lang="en-US" sz="1400" dirty="0" smtClean="0"/>
                         <a:t>Certificate Authority</a:t>
                       </a:r>
-                      <a:endParaRPr lang="en-US" sz="1400" dirty="0" smtClean="0"/>
                     </a:p>
                   </a:txBody>
                   <a:tcPr anchor="ctr">
@@ -12522,15 +12513,7 @@
                   <a:srgbClr val="4372C4"/>
                 </a:solidFill>
               </a:rPr>
-              <a:t>I</a:t>
-            </a:r>
-            <a:r>
-              <a:rPr lang="en-US" sz="1200" b="1" smtClean="0">
-                <a:solidFill>
-                  <a:srgbClr val="4372C4"/>
-                </a:solidFill>
-              </a:rPr>
-              <a:t>CA2</a:t>
+              <a:t>ICA2</a:t>
             </a:r>
             <a:endParaRPr lang="en-US" sz="1200" b="1" dirty="0">
               <a:solidFill>
@@ -12590,15 +12573,7 @@
                   <a:srgbClr val="4372C4"/>
                 </a:solidFill>
               </a:rPr>
-              <a:t>I</a:t>
-            </a:r>
-            <a:r>
-              <a:rPr lang="en-US" sz="1200" b="1" smtClean="0">
-                <a:solidFill>
-                  <a:srgbClr val="4372C4"/>
-                </a:solidFill>
-              </a:rPr>
-              <a:t>CA1</a:t>
+              <a:t>ICA1</a:t>
             </a:r>
             <a:endParaRPr lang="en-US" sz="1200" b="1" dirty="0">
               <a:solidFill>
@@ -13002,6 +12977,2922 @@
       <p:bldP spid="99" grpId="0" animBg="1"/>
       <p:bldP spid="101" grpId="0" animBg="1"/>
       <p:bldP spid="102" grpId="0" animBg="1"/>
+      <p:bldP spid="104" grpId="0" animBg="1"/>
+    </p:bldLst>
+  </p:timing>
+</p:sld>
+</file>
+
+<file path=ppt/slides/slide13.xml><?xml version="1.0" encoding="utf-8"?>
+<p:sld xmlns:a="http://schemas.openxmlformats.org/drawingml/2006/main" xmlns:r="http://schemas.openxmlformats.org/officeDocument/2006/relationships" xmlns:p="http://schemas.openxmlformats.org/presentationml/2006/main">
+  <p:cSld>
+    <p:spTree>
+      <p:nvGrpSpPr>
+        <p:cNvPr id="1" name=""/>
+        <p:cNvGrpSpPr/>
+        <p:nvPr/>
+      </p:nvGrpSpPr>
+      <p:grpSpPr>
+        <a:xfrm>
+          <a:off x="0" y="0"/>
+          <a:ext cx="0" cy="0"/>
+          <a:chOff x="0" y="0"/>
+          <a:chExt cx="0" cy="0"/>
+        </a:xfrm>
+      </p:grpSpPr>
+      <p:sp>
+        <p:nvSpPr>
+          <p:cNvPr id="2" name="Title 1"/>
+          <p:cNvSpPr>
+            <a:spLocks noGrp="1"/>
+          </p:cNvSpPr>
+          <p:nvPr>
+            <p:ph type="title"/>
+          </p:nvPr>
+        </p:nvSpPr>
+        <p:spPr/>
+        <p:txBody>
+          <a:bodyPr/>
+          <a:lstStyle/>
+          <a:p>
+            <a:r>
+              <a:rPr lang="en-US" dirty="0" smtClean="0"/>
+              <a:t>Diagram </a:t>
+            </a:r>
+            <a:r>
+              <a:rPr lang="en-US" dirty="0" smtClean="0"/>
+              <a:t>3</a:t>
+            </a:r>
+            <a:endParaRPr lang="en-US" dirty="0"/>
+          </a:p>
+        </p:txBody>
+      </p:sp>
+      <p:sp>
+        <p:nvSpPr>
+          <p:cNvPr id="4" name="Slide Number Placeholder 3"/>
+          <p:cNvSpPr>
+            <a:spLocks noGrp="1"/>
+          </p:cNvSpPr>
+          <p:nvPr>
+            <p:ph type="sldNum" sz="quarter" idx="12"/>
+          </p:nvPr>
+        </p:nvSpPr>
+        <p:spPr>
+          <a:xfrm>
+            <a:off x="1149384" y="6156888"/>
+            <a:ext cx="2743200" cy="365125"/>
+          </a:xfrm>
+        </p:spPr>
+        <p:txBody>
+          <a:bodyPr/>
+          <a:lstStyle/>
+          <a:p>
+            <a:fld id="{2AF5F8E0-9CB9-8D41-B80C-6B76C9B710FC}" type="slidenum">
+              <a:rPr lang="en-US" smtClean="0"/>
+              <a:pPr/>
+              <a:t>13</a:t>
+            </a:fld>
+            <a:endParaRPr lang="en-US"/>
+          </a:p>
+        </p:txBody>
+      </p:sp>
+      <p:sp>
+        <p:nvSpPr>
+          <p:cNvPr id="5" name="Rounded Rectangle 4"/>
+          <p:cNvSpPr/>
+          <p:nvPr/>
+        </p:nvSpPr>
+        <p:spPr>
+          <a:xfrm>
+            <a:off x="1562214" y="1612074"/>
+            <a:ext cx="6274520" cy="4109570"/>
+          </a:xfrm>
+          <a:prstGeom prst="roundRect">
+            <a:avLst/>
+          </a:prstGeom>
+          <a:solidFill>
+            <a:srgbClr val="DBE4F3"/>
+          </a:solidFill>
+        </p:spPr>
+        <p:style>
+          <a:lnRef idx="2">
+            <a:schemeClr val="accent1">
+              <a:shade val="50000"/>
+            </a:schemeClr>
+          </a:lnRef>
+          <a:fillRef idx="1">
+            <a:schemeClr val="accent1"/>
+          </a:fillRef>
+          <a:effectRef idx="0">
+            <a:schemeClr val="accent1"/>
+          </a:effectRef>
+          <a:fontRef idx="minor">
+            <a:schemeClr val="lt1"/>
+          </a:fontRef>
+        </p:style>
+        <p:txBody>
+          <a:bodyPr rtlCol="0" anchor="ctr"/>
+          <a:lstStyle/>
+          <a:p>
+            <a:pPr algn="ctr"/>
+            <a:endParaRPr lang="en-US" dirty="0"/>
+          </a:p>
+        </p:txBody>
+      </p:sp>
+      <p:sp>
+        <p:nvSpPr>
+          <p:cNvPr id="9" name="Rounded Rectangle 8"/>
+          <p:cNvSpPr/>
+          <p:nvPr/>
+        </p:nvSpPr>
+        <p:spPr>
+          <a:xfrm>
+            <a:off x="5809411" y="2486435"/>
+            <a:ext cx="571412" cy="563758"/>
+          </a:xfrm>
+          <a:prstGeom prst="roundRect">
+            <a:avLst/>
+          </a:prstGeom>
+          <a:solidFill>
+            <a:srgbClr val="00B050"/>
+          </a:solidFill>
+          <a:ln w="25400">
+            <a:solidFill>
+              <a:srgbClr val="0070C0"/>
+            </a:solidFill>
+          </a:ln>
+        </p:spPr>
+        <p:style>
+          <a:lnRef idx="2">
+            <a:schemeClr val="accent1">
+              <a:shade val="50000"/>
+            </a:schemeClr>
+          </a:lnRef>
+          <a:fillRef idx="1">
+            <a:schemeClr val="accent1"/>
+          </a:fillRef>
+          <a:effectRef idx="0">
+            <a:schemeClr val="accent1"/>
+          </a:effectRef>
+          <a:fontRef idx="minor">
+            <a:schemeClr val="lt1"/>
+          </a:fontRef>
+        </p:style>
+        <p:txBody>
+          <a:bodyPr rtlCol="0" anchor="ctr"/>
+          <a:lstStyle/>
+          <a:p>
+            <a:pPr algn="ctr"/>
+            <a:r>
+              <a:rPr lang="en-US" sz="2400" b="1" dirty="0">
+                <a:solidFill>
+                  <a:srgbClr val="4372C4"/>
+                </a:solidFill>
+              </a:rPr>
+              <a:t>O</a:t>
+            </a:r>
+          </a:p>
+        </p:txBody>
+      </p:sp>
+      <p:cxnSp>
+        <p:nvCxnSpPr>
+          <p:cNvPr id="39" name="Straight Connector 38"/>
+          <p:cNvCxnSpPr>
+            <a:stCxn id="38" idx="0"/>
+            <a:endCxn id="46" idx="7"/>
+          </p:cNvCxnSpPr>
+          <p:nvPr/>
+        </p:nvCxnSpPr>
+        <p:spPr>
+          <a:xfrm>
+            <a:off x="6094679" y="3140413"/>
+            <a:ext cx="1309" cy="466383"/>
+          </a:xfrm>
+          <a:prstGeom prst="line">
+            <a:avLst/>
+          </a:prstGeom>
+          <a:solidFill>
+            <a:schemeClr val="accent1"/>
+          </a:solidFill>
+          <a:ln w="38100" cap="flat" cmpd="sng" algn="ctr">
+            <a:solidFill>
+              <a:schemeClr val="accent1"/>
+            </a:solidFill>
+            <a:prstDash val="solid"/>
+            <a:tailEnd type="none"/>
+          </a:ln>
+          <a:effectLst>
+            <a:outerShdw blurRad="40000" dist="20000" dir="5400000" rotWithShape="0">
+              <a:srgbClr val="000000">
+                <a:alpha val="38000"/>
+              </a:srgbClr>
+            </a:outerShdw>
+          </a:effectLst>
+        </p:spPr>
+      </p:cxnSp>
+      <p:sp>
+        <p:nvSpPr>
+          <p:cNvPr id="37" name="TextBox 36"/>
+          <p:cNvSpPr txBox="1"/>
+          <p:nvPr/>
+        </p:nvSpPr>
+        <p:spPr>
+          <a:xfrm>
+            <a:off x="4654357" y="3490824"/>
+            <a:ext cx="348172" cy="461665"/>
+          </a:xfrm>
+          <a:prstGeom prst="rect">
+            <a:avLst/>
+          </a:prstGeom>
+          <a:noFill/>
+          <a:ln>
+            <a:noFill/>
+          </a:ln>
+        </p:spPr>
+        <p:txBody>
+          <a:bodyPr wrap="none" rtlCol="0">
+            <a:spAutoFit/>
+          </a:bodyPr>
+          <a:lstStyle/>
+          <a:p>
+            <a:r>
+              <a:rPr lang="en-US" sz="2400" b="1" dirty="0" smtClean="0">
+                <a:solidFill>
+                  <a:schemeClr val="accent1"/>
+                </a:solidFill>
+              </a:rPr>
+              <a:t>C</a:t>
+            </a:r>
+            <a:endParaRPr lang="en-US" sz="2400" b="1" dirty="0">
+              <a:solidFill>
+                <a:schemeClr val="accent1"/>
+              </a:solidFill>
+            </a:endParaRPr>
+          </a:p>
+        </p:txBody>
+      </p:sp>
+      <p:sp>
+        <p:nvSpPr>
+          <p:cNvPr id="47" name="Rounded Rectangle 46"/>
+          <p:cNvSpPr/>
+          <p:nvPr/>
+        </p:nvSpPr>
+        <p:spPr>
+          <a:xfrm>
+            <a:off x="3157252" y="1978073"/>
+            <a:ext cx="559591" cy="554570"/>
+          </a:xfrm>
+          <a:prstGeom prst="roundRect">
+            <a:avLst/>
+          </a:prstGeom>
+          <a:solidFill>
+            <a:srgbClr val="4372C4"/>
+          </a:solidFill>
+          <a:ln w="28575" cap="flat" cmpd="sng" algn="ctr">
+            <a:solidFill>
+              <a:schemeClr val="tx2"/>
+            </a:solidFill>
+            <a:prstDash val="solid"/>
+          </a:ln>
+          <a:effectLst>
+            <a:outerShdw blurRad="40000" dist="23000" dir="5400000" rotWithShape="0">
+              <a:srgbClr val="000000">
+                <a:alpha val="35000"/>
+              </a:srgbClr>
+            </a:outerShdw>
+          </a:effectLst>
+        </p:spPr>
+        <p:txBody>
+          <a:bodyPr tIns="36000" bIns="36000" rtlCol="0" anchor="ctr"/>
+          <a:lstStyle/>
+          <a:p>
+            <a:pPr marL="0" marR="0" lvl="0" indent="0" algn="ctr" defTabSz="457200" eaLnBrk="1" fontAlgn="auto" latinLnBrk="0" hangingPunct="1">
+              <a:lnSpc>
+                <a:spcPct val="100000"/>
+              </a:lnSpc>
+              <a:spcBef>
+                <a:spcPts val="0"/>
+              </a:spcBef>
+              <a:spcAft>
+                <a:spcPts val="0"/>
+              </a:spcAft>
+              <a:buClrTx/>
+              <a:buSzTx/>
+              <a:buFontTx/>
+              <a:buNone/>
+              <a:tabLst/>
+              <a:defRPr/>
+            </a:pPr>
+            <a:r>
+              <a:rPr lang="en-US" sz="2400" b="1" kern="0" noProof="0" dirty="0" smtClean="0">
+                <a:solidFill>
+                  <a:schemeClr val="bg1"/>
+                </a:solidFill>
+                <a:ea typeface=""/>
+                <a:cs typeface=""/>
+              </a:rPr>
+              <a:t>P</a:t>
+            </a:r>
+            <a:endParaRPr kumimoji="0" lang="en-US" sz="2400" b="1" i="0" u="none" strike="noStrike" kern="0" cap="none" spc="0" normalizeH="0" baseline="0" noProof="0" dirty="0" smtClean="0">
+              <a:ln>
+                <a:noFill/>
+              </a:ln>
+              <a:solidFill>
+                <a:schemeClr val="bg1"/>
+              </a:solidFill>
+              <a:effectLst/>
+              <a:uLnTx/>
+              <a:uFillTx/>
+              <a:ea typeface=""/>
+              <a:cs typeface=""/>
+            </a:endParaRPr>
+          </a:p>
+        </p:txBody>
+      </p:sp>
+      <p:cxnSp>
+        <p:nvCxnSpPr>
+          <p:cNvPr id="48" name="Straight Connector 47"/>
+          <p:cNvCxnSpPr>
+            <a:stCxn id="49" idx="0"/>
+          </p:cNvCxnSpPr>
+          <p:nvPr/>
+        </p:nvCxnSpPr>
+        <p:spPr>
+          <a:xfrm>
+            <a:off x="3452110" y="2620771"/>
+            <a:ext cx="13365" cy="996135"/>
+          </a:xfrm>
+          <a:prstGeom prst="line">
+            <a:avLst/>
+          </a:prstGeom>
+          <a:solidFill>
+            <a:schemeClr val="accent1"/>
+          </a:solidFill>
+          <a:ln w="38100" cap="flat" cmpd="sng" algn="ctr">
+            <a:solidFill>
+              <a:schemeClr val="accent1"/>
+            </a:solidFill>
+            <a:prstDash val="solid"/>
+            <a:tailEnd type="none"/>
+          </a:ln>
+          <a:effectLst>
+            <a:outerShdw blurRad="40000" dist="20000" dir="5400000" rotWithShape="0">
+              <a:srgbClr val="000000">
+                <a:alpha val="38000"/>
+              </a:srgbClr>
+            </a:outerShdw>
+          </a:effectLst>
+        </p:spPr>
+      </p:cxnSp>
+      <p:sp>
+        <p:nvSpPr>
+          <p:cNvPr id="49" name="Oval 48"/>
+          <p:cNvSpPr/>
+          <p:nvPr/>
+        </p:nvSpPr>
+        <p:spPr>
+          <a:xfrm flipV="1">
+            <a:off x="3371109" y="2458770"/>
+            <a:ext cx="162001" cy="162001"/>
+          </a:xfrm>
+          <a:prstGeom prst="ellipse">
+            <a:avLst/>
+          </a:prstGeom>
+          <a:solidFill>
+            <a:schemeClr val="accent1"/>
+          </a:solidFill>
+          <a:ln w="25400" cmpd="sng">
+            <a:solidFill>
+              <a:schemeClr val="tx2"/>
+            </a:solidFill>
+          </a:ln>
+          <a:effectLst>
+            <a:outerShdw blurRad="50800" dist="38100" dir="2700000" algn="tl" rotWithShape="0">
+              <a:prstClr val="black">
+                <a:alpha val="40000"/>
+              </a:prstClr>
+            </a:outerShdw>
+          </a:effectLst>
+        </p:spPr>
+        <p:style>
+          <a:lnRef idx="1">
+            <a:schemeClr val="accent1"/>
+          </a:lnRef>
+          <a:fillRef idx="3">
+            <a:schemeClr val="accent1"/>
+          </a:fillRef>
+          <a:effectRef idx="2">
+            <a:schemeClr val="accent1"/>
+          </a:effectRef>
+          <a:fontRef idx="minor">
+            <a:schemeClr val="lt1"/>
+          </a:fontRef>
+        </p:style>
+        <p:txBody>
+          <a:bodyPr rtlCol="0" anchor="ctr"/>
+          <a:lstStyle/>
+          <a:p>
+            <a:pPr algn="ctr"/>
+            <a:endParaRPr lang="en-GB" sz="1000">
+              <a:solidFill>
+                <a:srgbClr val="000000"/>
+              </a:solidFill>
+            </a:endParaRPr>
+          </a:p>
+        </p:txBody>
+      </p:sp>
+      <p:sp>
+        <p:nvSpPr>
+          <p:cNvPr id="53" name="TextBox 52"/>
+          <p:cNvSpPr txBox="1"/>
+          <p:nvPr/>
+        </p:nvSpPr>
+        <p:spPr>
+          <a:xfrm>
+            <a:off x="7331670" y="5037473"/>
+            <a:ext cx="527124" cy="461665"/>
+          </a:xfrm>
+          <a:prstGeom prst="rect">
+            <a:avLst/>
+          </a:prstGeom>
+          <a:noFill/>
+        </p:spPr>
+        <p:txBody>
+          <a:bodyPr wrap="square" rtlCol="0">
+            <a:spAutoFit/>
+          </a:bodyPr>
+          <a:lstStyle/>
+          <a:p>
+            <a:r>
+              <a:rPr lang="en-US" sz="2400" b="1" smtClean="0"/>
+              <a:t>N</a:t>
+            </a:r>
+            <a:endParaRPr lang="en-US" sz="2400" b="1"/>
+          </a:p>
+        </p:txBody>
+      </p:sp>
+      <p:graphicFrame>
+        <p:nvGraphicFramePr>
+          <p:cNvPr id="54" name="Table 53"/>
+          <p:cNvGraphicFramePr>
+            <a:graphicFrameLocks noGrp="1"/>
+          </p:cNvGraphicFramePr>
+          <p:nvPr>
+            <p:extLst>
+              <p:ext uri="{D42A27DB-BD31-4B8C-83A1-F6EECF244321}">
+                <p14:modId xmlns:p14="http://schemas.microsoft.com/office/powerpoint/2010/main" val="342803715"/>
+              </p:ext>
+            </p:extLst>
+          </p:nvPr>
+        </p:nvGraphicFramePr>
+        <p:xfrm>
+          <a:off x="9042960" y="1449910"/>
+          <a:ext cx="2315141" cy="4313772"/>
+        </p:xfrm>
+        <a:graphic>
+          <a:graphicData uri="http://schemas.openxmlformats.org/drawingml/2006/table">
+            <a:tbl>
+              <a:tblPr firstRow="1" bandRow="1">
+                <a:tableStyleId>{2D5ABB26-0587-4C30-8999-92F81FD0307C}</a:tableStyleId>
+              </a:tblPr>
+              <a:tblGrid>
+                <a:gridCol w="648469"/>
+                <a:gridCol w="1666672"/>
+              </a:tblGrid>
+              <a:tr h="718962">
+                <a:tc>
+                  <a:txBody>
+                    <a:bodyPr/>
+                    <a:lstStyle/>
+                    <a:p>
+                      <a:pPr marL="0" marR="0" lvl="0" indent="0" algn="l" defTabSz="914400" rtl="0" eaLnBrk="1" fontAlgn="auto" latinLnBrk="0" hangingPunct="1">
+                        <a:lnSpc>
+                          <a:spcPct val="100000"/>
+                        </a:lnSpc>
+                        <a:spcBef>
+                          <a:spcPts val="0"/>
+                        </a:spcBef>
+                        <a:spcAft>
+                          <a:spcPts val="0"/>
+                        </a:spcAft>
+                        <a:buClrTx/>
+                        <a:buSzTx/>
+                        <a:buFontTx/>
+                        <a:buNone/>
+                        <a:tabLst/>
+                        <a:defRPr/>
+                      </a:pPr>
+                      <a:endParaRPr lang="en-US" sz="1400" dirty="0" smtClean="0"/>
+                    </a:p>
+                  </a:txBody>
+                  <a:tcPr anchor="ctr">
+                    <a:lnL w="12700" cap="flat" cmpd="sng" algn="ctr">
+                      <a:solidFill>
+                        <a:schemeClr val="tx1"/>
+                      </a:solidFill>
+                      <a:prstDash val="solid"/>
+                      <a:round/>
+                      <a:headEnd type="none" w="med" len="med"/>
+                      <a:tailEnd type="none" w="med" len="med"/>
+                    </a:lnL>
+                    <a:lnR w="12700" cap="flat" cmpd="sng" algn="ctr">
+                      <a:solidFill>
+                        <a:schemeClr val="tx1"/>
+                      </a:solidFill>
+                      <a:prstDash val="solid"/>
+                      <a:round/>
+                      <a:headEnd type="none" w="med" len="med"/>
+                      <a:tailEnd type="none" w="med" len="med"/>
+                    </a:lnR>
+                    <a:lnT w="12700" cap="flat" cmpd="sng" algn="ctr">
+                      <a:solidFill>
+                        <a:schemeClr val="tx1"/>
+                      </a:solidFill>
+                      <a:prstDash val="solid"/>
+                      <a:round/>
+                      <a:headEnd type="none" w="med" len="med"/>
+                      <a:tailEnd type="none" w="med" len="med"/>
+                    </a:lnT>
+                    <a:lnB w="12700" cap="flat" cmpd="sng" algn="ctr">
+                      <a:solidFill>
+                        <a:schemeClr val="tx1"/>
+                      </a:solidFill>
+                      <a:prstDash val="solid"/>
+                      <a:round/>
+                      <a:headEnd type="none" w="med" len="med"/>
+                      <a:tailEnd type="none" w="med" len="med"/>
+                    </a:lnB>
+                    <a:lnTlToBr w="12700" cmpd="sng">
+                      <a:noFill/>
+                      <a:prstDash val="solid"/>
+                    </a:lnTlToBr>
+                    <a:lnBlToTr w="12700" cmpd="sng">
+                      <a:noFill/>
+                      <a:prstDash val="solid"/>
+                    </a:lnBlToTr>
+                  </a:tcPr>
+                </a:tc>
+                <a:tc>
+                  <a:txBody>
+                    <a:bodyPr/>
+                    <a:lstStyle/>
+                    <a:p>
+                      <a:pPr lvl="0"/>
+                      <a:r>
+                        <a:rPr lang="en-US" sz="1400" dirty="0" smtClean="0"/>
+                        <a:t>Blockchain</a:t>
+                      </a:r>
+                      <a:r>
+                        <a:rPr lang="en-US" sz="1400" baseline="0" dirty="0" smtClean="0"/>
+                        <a:t> Network</a:t>
+                      </a:r>
+                      <a:endParaRPr lang="en-US" sz="1400" dirty="0"/>
+                    </a:p>
+                  </a:txBody>
+                  <a:tcPr anchor="ctr">
+                    <a:lnL w="12700" cap="flat" cmpd="sng" algn="ctr">
+                      <a:solidFill>
+                        <a:schemeClr val="tx1"/>
+                      </a:solidFill>
+                      <a:prstDash val="solid"/>
+                      <a:round/>
+                      <a:headEnd type="none" w="med" len="med"/>
+                      <a:tailEnd type="none" w="med" len="med"/>
+                    </a:lnL>
+                    <a:lnR w="12700" cap="flat" cmpd="sng" algn="ctr">
+                      <a:solidFill>
+                        <a:schemeClr val="tx1"/>
+                      </a:solidFill>
+                      <a:prstDash val="solid"/>
+                      <a:round/>
+                      <a:headEnd type="none" w="med" len="med"/>
+                      <a:tailEnd type="none" w="med" len="med"/>
+                    </a:lnR>
+                    <a:lnT w="12700" cap="flat" cmpd="sng" algn="ctr">
+                      <a:solidFill>
+                        <a:schemeClr val="tx1"/>
+                      </a:solidFill>
+                      <a:prstDash val="solid"/>
+                      <a:round/>
+                      <a:headEnd type="none" w="med" len="med"/>
+                      <a:tailEnd type="none" w="med" len="med"/>
+                    </a:lnT>
+                    <a:lnB w="12700" cap="flat" cmpd="sng" algn="ctr">
+                      <a:solidFill>
+                        <a:schemeClr val="tx1"/>
+                      </a:solidFill>
+                      <a:prstDash val="solid"/>
+                      <a:round/>
+                      <a:headEnd type="none" w="med" len="med"/>
+                      <a:tailEnd type="none" w="med" len="med"/>
+                    </a:lnB>
+                    <a:lnTlToBr w="12700" cmpd="sng">
+                      <a:noFill/>
+                      <a:prstDash val="solid"/>
+                    </a:lnTlToBr>
+                    <a:lnBlToTr w="12700" cmpd="sng">
+                      <a:noFill/>
+                      <a:prstDash val="solid"/>
+                    </a:lnBlToTr>
+                  </a:tcPr>
+                </a:tc>
+              </a:tr>
+              <a:tr h="718962">
+                <a:tc>
+                  <a:txBody>
+                    <a:bodyPr/>
+                    <a:lstStyle/>
+                    <a:p>
+                      <a:pPr lvl="0"/>
+                      <a:r>
+                        <a:rPr lang="en-US" sz="1400" dirty="0" smtClean="0"/>
+                        <a:t>    </a:t>
+                      </a:r>
+                      <a:r>
+                        <a:rPr lang="en-US" sz="1400" b="1" dirty="0" smtClean="0"/>
+                        <a:t>C</a:t>
+                      </a:r>
+                      <a:endParaRPr lang="en-US" sz="1400" b="1" dirty="0"/>
+                    </a:p>
+                  </a:txBody>
+                  <a:tcPr anchor="ctr">
+                    <a:lnL w="12700" cap="flat" cmpd="sng" algn="ctr">
+                      <a:solidFill>
+                        <a:schemeClr val="tx1"/>
+                      </a:solidFill>
+                      <a:prstDash val="solid"/>
+                      <a:round/>
+                      <a:headEnd type="none" w="med" len="med"/>
+                      <a:tailEnd type="none" w="med" len="med"/>
+                    </a:lnL>
+                    <a:lnR w="12700" cap="flat" cmpd="sng" algn="ctr">
+                      <a:solidFill>
+                        <a:schemeClr val="tx1"/>
+                      </a:solidFill>
+                      <a:prstDash val="solid"/>
+                      <a:round/>
+                      <a:headEnd type="none" w="med" len="med"/>
+                      <a:tailEnd type="none" w="med" len="med"/>
+                    </a:lnR>
+                    <a:lnT w="12700" cap="flat" cmpd="sng" algn="ctr">
+                      <a:solidFill>
+                        <a:schemeClr val="tx1"/>
+                      </a:solidFill>
+                      <a:prstDash val="solid"/>
+                      <a:round/>
+                      <a:headEnd type="none" w="med" len="med"/>
+                      <a:tailEnd type="none" w="med" len="med"/>
+                    </a:lnT>
+                    <a:lnB w="12700" cap="flat" cmpd="sng" algn="ctr">
+                      <a:solidFill>
+                        <a:schemeClr val="tx1"/>
+                      </a:solidFill>
+                      <a:prstDash val="solid"/>
+                      <a:round/>
+                      <a:headEnd type="none" w="med" len="med"/>
+                      <a:tailEnd type="none" w="med" len="med"/>
+                    </a:lnB>
+                    <a:lnTlToBr w="12700" cmpd="sng">
+                      <a:noFill/>
+                      <a:prstDash val="solid"/>
+                    </a:lnTlToBr>
+                    <a:lnBlToTr w="12700" cmpd="sng">
+                      <a:noFill/>
+                      <a:prstDash val="solid"/>
+                    </a:lnBlToTr>
+                  </a:tcPr>
+                </a:tc>
+                <a:tc>
+                  <a:txBody>
+                    <a:bodyPr/>
+                    <a:lstStyle/>
+                    <a:p>
+                      <a:pPr marL="0" marR="0" lvl="0" indent="0" algn="l" defTabSz="914400" rtl="0" eaLnBrk="1" fontAlgn="auto" latinLnBrk="0" hangingPunct="1">
+                        <a:lnSpc>
+                          <a:spcPct val="100000"/>
+                        </a:lnSpc>
+                        <a:spcBef>
+                          <a:spcPts val="0"/>
+                        </a:spcBef>
+                        <a:spcAft>
+                          <a:spcPts val="0"/>
+                        </a:spcAft>
+                        <a:buClrTx/>
+                        <a:buSzTx/>
+                        <a:buFontTx/>
+                        <a:buNone/>
+                        <a:tabLst/>
+                        <a:defRPr/>
+                      </a:pPr>
+                      <a:r>
+                        <a:rPr lang="en-US" sz="1400" dirty="0" smtClean="0"/>
+                        <a:t>Channel</a:t>
+                      </a:r>
+                    </a:p>
+                  </a:txBody>
+                  <a:tcPr anchor="ctr">
+                    <a:lnL w="12700" cap="flat" cmpd="sng" algn="ctr">
+                      <a:solidFill>
+                        <a:schemeClr val="tx1"/>
+                      </a:solidFill>
+                      <a:prstDash val="solid"/>
+                      <a:round/>
+                      <a:headEnd type="none" w="med" len="med"/>
+                      <a:tailEnd type="none" w="med" len="med"/>
+                    </a:lnL>
+                    <a:lnR w="12700" cap="flat" cmpd="sng" algn="ctr">
+                      <a:solidFill>
+                        <a:schemeClr val="tx1"/>
+                      </a:solidFill>
+                      <a:prstDash val="solid"/>
+                      <a:round/>
+                      <a:headEnd type="none" w="med" len="med"/>
+                      <a:tailEnd type="none" w="med" len="med"/>
+                    </a:lnR>
+                    <a:lnT w="12700" cap="flat" cmpd="sng" algn="ctr">
+                      <a:solidFill>
+                        <a:schemeClr val="tx1"/>
+                      </a:solidFill>
+                      <a:prstDash val="solid"/>
+                      <a:round/>
+                      <a:headEnd type="none" w="med" len="med"/>
+                      <a:tailEnd type="none" w="med" len="med"/>
+                    </a:lnT>
+                    <a:lnB w="12700" cap="flat" cmpd="sng" algn="ctr">
+                      <a:solidFill>
+                        <a:schemeClr val="tx1"/>
+                      </a:solidFill>
+                      <a:prstDash val="solid"/>
+                      <a:round/>
+                      <a:headEnd type="none" w="med" len="med"/>
+                      <a:tailEnd type="none" w="med" len="med"/>
+                    </a:lnB>
+                    <a:lnTlToBr w="12700" cmpd="sng">
+                      <a:noFill/>
+                      <a:prstDash val="solid"/>
+                    </a:lnTlToBr>
+                    <a:lnBlToTr w="12700" cmpd="sng">
+                      <a:noFill/>
+                      <a:prstDash val="solid"/>
+                    </a:lnBlToTr>
+                  </a:tcPr>
+                </a:tc>
+              </a:tr>
+              <a:tr h="718962">
+                <a:tc>
+                  <a:txBody>
+                    <a:bodyPr/>
+                    <a:lstStyle/>
+                    <a:p>
+                      <a:pPr marL="0" marR="0" lvl="0" indent="0" algn="l" defTabSz="914400" rtl="0" eaLnBrk="1" fontAlgn="auto" latinLnBrk="0" hangingPunct="1">
+                        <a:lnSpc>
+                          <a:spcPct val="100000"/>
+                        </a:lnSpc>
+                        <a:spcBef>
+                          <a:spcPts val="0"/>
+                        </a:spcBef>
+                        <a:spcAft>
+                          <a:spcPts val="0"/>
+                        </a:spcAft>
+                        <a:buClrTx/>
+                        <a:buSzTx/>
+                        <a:buFontTx/>
+                        <a:buNone/>
+                        <a:tabLst/>
+                        <a:defRPr/>
+                      </a:pPr>
+                      <a:endParaRPr lang="en-US" sz="1400" dirty="0" smtClean="0"/>
+                    </a:p>
+                  </a:txBody>
+                  <a:tcPr anchor="ctr">
+                    <a:lnL w="12700" cap="flat" cmpd="sng" algn="ctr">
+                      <a:solidFill>
+                        <a:schemeClr val="tx1"/>
+                      </a:solidFill>
+                      <a:prstDash val="solid"/>
+                      <a:round/>
+                      <a:headEnd type="none" w="med" len="med"/>
+                      <a:tailEnd type="none" w="med" len="med"/>
+                    </a:lnL>
+                    <a:lnR w="12700" cap="flat" cmpd="sng" algn="ctr">
+                      <a:solidFill>
+                        <a:schemeClr val="tx1"/>
+                      </a:solidFill>
+                      <a:prstDash val="solid"/>
+                      <a:round/>
+                      <a:headEnd type="none" w="med" len="med"/>
+                      <a:tailEnd type="none" w="med" len="med"/>
+                    </a:lnR>
+                    <a:lnT w="12700" cap="flat" cmpd="sng" algn="ctr">
+                      <a:solidFill>
+                        <a:schemeClr val="tx1"/>
+                      </a:solidFill>
+                      <a:prstDash val="solid"/>
+                      <a:round/>
+                      <a:headEnd type="none" w="med" len="med"/>
+                      <a:tailEnd type="none" w="med" len="med"/>
+                    </a:lnT>
+                    <a:lnB w="12700" cap="flat" cmpd="sng" algn="ctr">
+                      <a:solidFill>
+                        <a:schemeClr val="tx1"/>
+                      </a:solidFill>
+                      <a:prstDash val="solid"/>
+                      <a:round/>
+                      <a:headEnd type="none" w="med" len="med"/>
+                      <a:tailEnd type="none" w="med" len="med"/>
+                    </a:lnB>
+                    <a:lnTlToBr w="12700" cmpd="sng">
+                      <a:noFill/>
+                      <a:prstDash val="solid"/>
+                    </a:lnTlToBr>
+                    <a:lnBlToTr w="12700" cmpd="sng">
+                      <a:noFill/>
+                      <a:prstDash val="solid"/>
+                    </a:lnBlToTr>
+                  </a:tcPr>
+                </a:tc>
+                <a:tc>
+                  <a:txBody>
+                    <a:bodyPr/>
+                    <a:lstStyle/>
+                    <a:p>
+                      <a:pPr marL="0" marR="0" lvl="0" indent="0" algn="l" defTabSz="914400" rtl="0" eaLnBrk="1" fontAlgn="auto" latinLnBrk="0" hangingPunct="1">
+                        <a:lnSpc>
+                          <a:spcPct val="100000"/>
+                        </a:lnSpc>
+                        <a:spcBef>
+                          <a:spcPts val="0"/>
+                        </a:spcBef>
+                        <a:spcAft>
+                          <a:spcPts val="0"/>
+                        </a:spcAft>
+                        <a:buClrTx/>
+                        <a:buSzTx/>
+                        <a:buFontTx/>
+                        <a:buNone/>
+                        <a:tabLst/>
+                        <a:defRPr/>
+                      </a:pPr>
+                      <a:r>
+                        <a:rPr lang="en-US" sz="1400" dirty="0" smtClean="0"/>
+                        <a:t>Membership Services Provider</a:t>
+                      </a:r>
+                    </a:p>
+                  </a:txBody>
+                  <a:tcPr anchor="ctr">
+                    <a:lnL w="12700" cap="flat" cmpd="sng" algn="ctr">
+                      <a:solidFill>
+                        <a:schemeClr val="tx1"/>
+                      </a:solidFill>
+                      <a:prstDash val="solid"/>
+                      <a:round/>
+                      <a:headEnd type="none" w="med" len="med"/>
+                      <a:tailEnd type="none" w="med" len="med"/>
+                    </a:lnL>
+                    <a:lnR w="12700" cap="flat" cmpd="sng" algn="ctr">
+                      <a:solidFill>
+                        <a:schemeClr val="tx1"/>
+                      </a:solidFill>
+                      <a:prstDash val="solid"/>
+                      <a:round/>
+                      <a:headEnd type="none" w="med" len="med"/>
+                      <a:tailEnd type="none" w="med" len="med"/>
+                    </a:lnR>
+                    <a:lnT w="12700" cap="flat" cmpd="sng" algn="ctr">
+                      <a:solidFill>
+                        <a:schemeClr val="tx1"/>
+                      </a:solidFill>
+                      <a:prstDash val="solid"/>
+                      <a:round/>
+                      <a:headEnd type="none" w="med" len="med"/>
+                      <a:tailEnd type="none" w="med" len="med"/>
+                    </a:lnT>
+                    <a:lnB w="12700" cap="flat" cmpd="sng" algn="ctr">
+                      <a:solidFill>
+                        <a:schemeClr val="tx1"/>
+                      </a:solidFill>
+                      <a:prstDash val="solid"/>
+                      <a:round/>
+                      <a:headEnd type="none" w="med" len="med"/>
+                      <a:tailEnd type="none" w="med" len="med"/>
+                    </a:lnB>
+                    <a:lnTlToBr w="12700" cmpd="sng">
+                      <a:noFill/>
+                      <a:prstDash val="solid"/>
+                    </a:lnTlToBr>
+                    <a:lnBlToTr w="12700" cmpd="sng">
+                      <a:noFill/>
+                      <a:prstDash val="solid"/>
+                    </a:lnBlToTr>
+                  </a:tcPr>
+                </a:tc>
+              </a:tr>
+              <a:tr h="718962">
+                <a:tc>
+                  <a:txBody>
+                    <a:bodyPr/>
+                    <a:lstStyle/>
+                    <a:p>
+                      <a:pPr marL="0" marR="0" lvl="0" indent="0" algn="l" defTabSz="914400" rtl="0" eaLnBrk="1" fontAlgn="auto" latinLnBrk="0" hangingPunct="1">
+                        <a:lnSpc>
+                          <a:spcPct val="100000"/>
+                        </a:lnSpc>
+                        <a:spcBef>
+                          <a:spcPts val="0"/>
+                        </a:spcBef>
+                        <a:spcAft>
+                          <a:spcPts val="0"/>
+                        </a:spcAft>
+                        <a:buClrTx/>
+                        <a:buSzTx/>
+                        <a:buFontTx/>
+                        <a:buNone/>
+                        <a:tabLst/>
+                        <a:defRPr/>
+                      </a:pPr>
+                      <a:endParaRPr lang="en-US" sz="1400" dirty="0" smtClean="0"/>
+                    </a:p>
+                  </a:txBody>
+                  <a:tcPr anchor="ctr">
+                    <a:lnL w="12700" cap="flat" cmpd="sng" algn="ctr">
+                      <a:solidFill>
+                        <a:schemeClr val="tx1"/>
+                      </a:solidFill>
+                      <a:prstDash val="solid"/>
+                      <a:round/>
+                      <a:headEnd type="none" w="med" len="med"/>
+                      <a:tailEnd type="none" w="med" len="med"/>
+                    </a:lnL>
+                    <a:lnR w="12700" cap="flat" cmpd="sng" algn="ctr">
+                      <a:solidFill>
+                        <a:schemeClr val="tx1"/>
+                      </a:solidFill>
+                      <a:prstDash val="solid"/>
+                      <a:round/>
+                      <a:headEnd type="none" w="med" len="med"/>
+                      <a:tailEnd type="none" w="med" len="med"/>
+                    </a:lnR>
+                    <a:lnT w="12700" cap="flat" cmpd="sng" algn="ctr">
+                      <a:solidFill>
+                        <a:schemeClr val="tx1"/>
+                      </a:solidFill>
+                      <a:prstDash val="solid"/>
+                      <a:round/>
+                      <a:headEnd type="none" w="med" len="med"/>
+                      <a:tailEnd type="none" w="med" len="med"/>
+                    </a:lnT>
+                    <a:lnB w="12700" cap="flat" cmpd="sng" algn="ctr">
+                      <a:solidFill>
+                        <a:schemeClr val="tx1"/>
+                      </a:solidFill>
+                      <a:prstDash val="solid"/>
+                      <a:round/>
+                      <a:headEnd type="none" w="med" len="med"/>
+                      <a:tailEnd type="none" w="med" len="med"/>
+                    </a:lnB>
+                    <a:lnTlToBr w="12700" cmpd="sng">
+                      <a:noFill/>
+                      <a:prstDash val="solid"/>
+                    </a:lnTlToBr>
+                    <a:lnBlToTr w="12700" cmpd="sng">
+                      <a:noFill/>
+                      <a:prstDash val="solid"/>
+                    </a:lnBlToTr>
+                  </a:tcPr>
+                </a:tc>
+                <a:tc>
+                  <a:txBody>
+                    <a:bodyPr/>
+                    <a:lstStyle/>
+                    <a:p>
+                      <a:pPr marL="0" marR="0" lvl="0" indent="0" algn="l" defTabSz="914400" rtl="0" eaLnBrk="1" fontAlgn="auto" latinLnBrk="0" hangingPunct="1">
+                        <a:lnSpc>
+                          <a:spcPct val="100000"/>
+                        </a:lnSpc>
+                        <a:spcBef>
+                          <a:spcPts val="0"/>
+                        </a:spcBef>
+                        <a:spcAft>
+                          <a:spcPts val="0"/>
+                        </a:spcAft>
+                        <a:buClrTx/>
+                        <a:buSzTx/>
+                        <a:buFontTx/>
+                        <a:buNone/>
+                        <a:tabLst/>
+                        <a:defRPr/>
+                      </a:pPr>
+                      <a:r>
+                        <a:rPr lang="en-US" sz="1400" dirty="0" smtClean="0"/>
+                        <a:t>Peer</a:t>
+                      </a:r>
+                    </a:p>
+                    <a:p>
+                      <a:pPr marL="0" marR="0" lvl="0" indent="0" algn="l" defTabSz="914400" rtl="0" eaLnBrk="1" fontAlgn="auto" latinLnBrk="0" hangingPunct="1">
+                        <a:lnSpc>
+                          <a:spcPct val="100000"/>
+                        </a:lnSpc>
+                        <a:spcBef>
+                          <a:spcPts val="0"/>
+                        </a:spcBef>
+                        <a:spcAft>
+                          <a:spcPts val="0"/>
+                        </a:spcAft>
+                        <a:buClrTx/>
+                        <a:buSzTx/>
+                        <a:buFontTx/>
+                        <a:buNone/>
+                        <a:tabLst/>
+                        <a:defRPr/>
+                      </a:pPr>
+                      <a:endParaRPr lang="en-US" sz="1400" dirty="0" smtClean="0"/>
+                    </a:p>
+                  </a:txBody>
+                  <a:tcPr anchor="ctr">
+                    <a:lnL w="12700" cap="flat" cmpd="sng" algn="ctr">
+                      <a:solidFill>
+                        <a:schemeClr val="tx1"/>
+                      </a:solidFill>
+                      <a:prstDash val="solid"/>
+                      <a:round/>
+                      <a:headEnd type="none" w="med" len="med"/>
+                      <a:tailEnd type="none" w="med" len="med"/>
+                    </a:lnL>
+                    <a:lnR w="12700" cap="flat" cmpd="sng" algn="ctr">
+                      <a:solidFill>
+                        <a:schemeClr val="tx1"/>
+                      </a:solidFill>
+                      <a:prstDash val="solid"/>
+                      <a:round/>
+                      <a:headEnd type="none" w="med" len="med"/>
+                      <a:tailEnd type="none" w="med" len="med"/>
+                    </a:lnR>
+                    <a:lnT w="12700" cap="flat" cmpd="sng" algn="ctr">
+                      <a:solidFill>
+                        <a:schemeClr val="tx1"/>
+                      </a:solidFill>
+                      <a:prstDash val="solid"/>
+                      <a:round/>
+                      <a:headEnd type="none" w="med" len="med"/>
+                      <a:tailEnd type="none" w="med" len="med"/>
+                    </a:lnT>
+                    <a:lnB w="12700" cap="flat" cmpd="sng" algn="ctr">
+                      <a:solidFill>
+                        <a:schemeClr val="tx1"/>
+                      </a:solidFill>
+                      <a:prstDash val="solid"/>
+                      <a:round/>
+                      <a:headEnd type="none" w="med" len="med"/>
+                      <a:tailEnd type="none" w="med" len="med"/>
+                    </a:lnB>
+                    <a:lnTlToBr w="12700" cmpd="sng">
+                      <a:noFill/>
+                      <a:prstDash val="solid"/>
+                    </a:lnTlToBr>
+                    <a:lnBlToTr w="12700" cmpd="sng">
+                      <a:noFill/>
+                      <a:prstDash val="solid"/>
+                    </a:lnBlToTr>
+                  </a:tcPr>
+                </a:tc>
+              </a:tr>
+              <a:tr h="718962">
+                <a:tc>
+                  <a:txBody>
+                    <a:bodyPr/>
+                    <a:lstStyle/>
+                    <a:p>
+                      <a:pPr marL="0" marR="0" lvl="0" indent="0" algn="l" defTabSz="914400" rtl="0" eaLnBrk="1" fontAlgn="auto" latinLnBrk="0" hangingPunct="1">
+                        <a:lnSpc>
+                          <a:spcPct val="100000"/>
+                        </a:lnSpc>
+                        <a:spcBef>
+                          <a:spcPts val="0"/>
+                        </a:spcBef>
+                        <a:spcAft>
+                          <a:spcPts val="0"/>
+                        </a:spcAft>
+                        <a:buClrTx/>
+                        <a:buSzTx/>
+                        <a:buFontTx/>
+                        <a:buNone/>
+                        <a:tabLst/>
+                        <a:defRPr/>
+                      </a:pPr>
+                      <a:endParaRPr lang="en-US" sz="1400" dirty="0" smtClean="0"/>
+                    </a:p>
+                  </a:txBody>
+                  <a:tcPr anchor="ctr">
+                    <a:lnL w="12700" cap="flat" cmpd="sng" algn="ctr">
+                      <a:solidFill>
+                        <a:schemeClr val="tx1"/>
+                      </a:solidFill>
+                      <a:prstDash val="solid"/>
+                      <a:round/>
+                      <a:headEnd type="none" w="med" len="med"/>
+                      <a:tailEnd type="none" w="med" len="med"/>
+                    </a:lnL>
+                    <a:lnR w="12700" cap="flat" cmpd="sng" algn="ctr">
+                      <a:solidFill>
+                        <a:schemeClr val="tx1"/>
+                      </a:solidFill>
+                      <a:prstDash val="solid"/>
+                      <a:round/>
+                      <a:headEnd type="none" w="med" len="med"/>
+                      <a:tailEnd type="none" w="med" len="med"/>
+                    </a:lnR>
+                    <a:lnT w="12700" cap="flat" cmpd="sng" algn="ctr">
+                      <a:solidFill>
+                        <a:schemeClr val="tx1"/>
+                      </a:solidFill>
+                      <a:prstDash val="solid"/>
+                      <a:round/>
+                      <a:headEnd type="none" w="med" len="med"/>
+                      <a:tailEnd type="none" w="med" len="med"/>
+                    </a:lnT>
+                    <a:lnB w="12700" cap="flat" cmpd="sng" algn="ctr">
+                      <a:solidFill>
+                        <a:schemeClr val="tx1"/>
+                      </a:solidFill>
+                      <a:prstDash val="solid"/>
+                      <a:round/>
+                      <a:headEnd type="none" w="med" len="med"/>
+                      <a:tailEnd type="none" w="med" len="med"/>
+                    </a:lnB>
+                    <a:lnTlToBr w="12700" cmpd="sng">
+                      <a:noFill/>
+                      <a:prstDash val="solid"/>
+                    </a:lnTlToBr>
+                    <a:lnBlToTr w="12700" cmpd="sng">
+                      <a:noFill/>
+                      <a:prstDash val="solid"/>
+                    </a:lnBlToTr>
+                  </a:tcPr>
+                </a:tc>
+                <a:tc>
+                  <a:txBody>
+                    <a:bodyPr/>
+                    <a:lstStyle/>
+                    <a:p>
+                      <a:pPr marL="0" marR="0" lvl="0" indent="0" algn="l" defTabSz="914400" rtl="0" eaLnBrk="1" fontAlgn="auto" latinLnBrk="0" hangingPunct="1">
+                        <a:lnSpc>
+                          <a:spcPct val="100000"/>
+                        </a:lnSpc>
+                        <a:spcBef>
+                          <a:spcPts val="0"/>
+                        </a:spcBef>
+                        <a:spcAft>
+                          <a:spcPts val="0"/>
+                        </a:spcAft>
+                        <a:buClrTx/>
+                        <a:buSzTx/>
+                        <a:buFontTx/>
+                        <a:buNone/>
+                        <a:tabLst/>
+                        <a:defRPr/>
+                      </a:pPr>
+                      <a:r>
+                        <a:rPr lang="en-US" sz="1400" dirty="0" err="1" smtClean="0"/>
+                        <a:t>Orderer</a:t>
+                      </a:r>
+                      <a:endParaRPr lang="en-US" sz="1400" dirty="0" smtClean="0"/>
+                    </a:p>
+                  </a:txBody>
+                  <a:tcPr anchor="ctr">
+                    <a:lnL w="12700" cap="flat" cmpd="sng" algn="ctr">
+                      <a:solidFill>
+                        <a:schemeClr val="tx1"/>
+                      </a:solidFill>
+                      <a:prstDash val="solid"/>
+                      <a:round/>
+                      <a:headEnd type="none" w="med" len="med"/>
+                      <a:tailEnd type="none" w="med" len="med"/>
+                    </a:lnL>
+                    <a:lnR w="12700" cap="flat" cmpd="sng" algn="ctr">
+                      <a:solidFill>
+                        <a:schemeClr val="tx1"/>
+                      </a:solidFill>
+                      <a:prstDash val="solid"/>
+                      <a:round/>
+                      <a:headEnd type="none" w="med" len="med"/>
+                      <a:tailEnd type="none" w="med" len="med"/>
+                    </a:lnR>
+                    <a:lnT w="12700" cap="flat" cmpd="sng" algn="ctr">
+                      <a:solidFill>
+                        <a:schemeClr val="tx1"/>
+                      </a:solidFill>
+                      <a:prstDash val="solid"/>
+                      <a:round/>
+                      <a:headEnd type="none" w="med" len="med"/>
+                      <a:tailEnd type="none" w="med" len="med"/>
+                    </a:lnT>
+                    <a:lnB w="12700" cap="flat" cmpd="sng" algn="ctr">
+                      <a:solidFill>
+                        <a:schemeClr val="tx1"/>
+                      </a:solidFill>
+                      <a:prstDash val="solid"/>
+                      <a:round/>
+                      <a:headEnd type="none" w="med" len="med"/>
+                      <a:tailEnd type="none" w="med" len="med"/>
+                    </a:lnB>
+                    <a:lnTlToBr w="12700" cmpd="sng">
+                      <a:noFill/>
+                      <a:prstDash val="solid"/>
+                    </a:lnTlToBr>
+                    <a:lnBlToTr w="12700" cmpd="sng">
+                      <a:noFill/>
+                      <a:prstDash val="solid"/>
+                    </a:lnBlToTr>
+                  </a:tcPr>
+                </a:tc>
+              </a:tr>
+              <a:tr h="718962">
+                <a:tc>
+                  <a:txBody>
+                    <a:bodyPr/>
+                    <a:lstStyle/>
+                    <a:p>
+                      <a:pPr marL="0" marR="0" lvl="0" indent="0" algn="l" defTabSz="914400" rtl="0" eaLnBrk="1" fontAlgn="auto" latinLnBrk="0" hangingPunct="1">
+                        <a:lnSpc>
+                          <a:spcPct val="100000"/>
+                        </a:lnSpc>
+                        <a:spcBef>
+                          <a:spcPts val="0"/>
+                        </a:spcBef>
+                        <a:spcAft>
+                          <a:spcPts val="0"/>
+                        </a:spcAft>
+                        <a:buClrTx/>
+                        <a:buSzTx/>
+                        <a:buFontTx/>
+                        <a:buNone/>
+                        <a:tabLst/>
+                        <a:defRPr/>
+                      </a:pPr>
+                      <a:endParaRPr lang="en-US" sz="1400" dirty="0" smtClean="0"/>
+                    </a:p>
+                  </a:txBody>
+                  <a:tcPr anchor="ctr">
+                    <a:lnL w="12700" cap="flat" cmpd="sng" algn="ctr">
+                      <a:solidFill>
+                        <a:schemeClr val="tx1"/>
+                      </a:solidFill>
+                      <a:prstDash val="solid"/>
+                      <a:round/>
+                      <a:headEnd type="none" w="med" len="med"/>
+                      <a:tailEnd type="none" w="med" len="med"/>
+                    </a:lnL>
+                    <a:lnR w="12700" cap="flat" cmpd="sng" algn="ctr">
+                      <a:solidFill>
+                        <a:schemeClr val="tx1"/>
+                      </a:solidFill>
+                      <a:prstDash val="solid"/>
+                      <a:round/>
+                      <a:headEnd type="none" w="med" len="med"/>
+                      <a:tailEnd type="none" w="med" len="med"/>
+                    </a:lnR>
+                    <a:lnT w="12700" cap="flat" cmpd="sng" algn="ctr">
+                      <a:solidFill>
+                        <a:schemeClr val="tx1"/>
+                      </a:solidFill>
+                      <a:prstDash val="solid"/>
+                      <a:round/>
+                      <a:headEnd type="none" w="med" len="med"/>
+                      <a:tailEnd type="none" w="med" len="med"/>
+                    </a:lnT>
+                    <a:lnB w="12700" cap="flat" cmpd="sng" algn="ctr">
+                      <a:solidFill>
+                        <a:schemeClr val="tx1"/>
+                      </a:solidFill>
+                      <a:prstDash val="solid"/>
+                      <a:round/>
+                      <a:headEnd type="none" w="med" len="med"/>
+                      <a:tailEnd type="none" w="med" len="med"/>
+                    </a:lnB>
+                    <a:lnTlToBr w="12700" cmpd="sng">
+                      <a:noFill/>
+                      <a:prstDash val="solid"/>
+                    </a:lnTlToBr>
+                    <a:lnBlToTr w="12700" cmpd="sng">
+                      <a:noFill/>
+                      <a:prstDash val="solid"/>
+                    </a:lnBlToTr>
+                  </a:tcPr>
+                </a:tc>
+                <a:tc>
+                  <a:txBody>
+                    <a:bodyPr/>
+                    <a:lstStyle/>
+                    <a:p>
+                      <a:pPr marL="0" marR="0" lvl="0" indent="0" algn="l" defTabSz="914400" rtl="0" eaLnBrk="1" fontAlgn="auto" latinLnBrk="0" hangingPunct="1">
+                        <a:lnSpc>
+                          <a:spcPct val="100000"/>
+                        </a:lnSpc>
+                        <a:spcBef>
+                          <a:spcPts val="0"/>
+                        </a:spcBef>
+                        <a:spcAft>
+                          <a:spcPts val="0"/>
+                        </a:spcAft>
+                        <a:buClrTx/>
+                        <a:buSzTx/>
+                        <a:buFontTx/>
+                        <a:buNone/>
+                        <a:tabLst/>
+                        <a:defRPr/>
+                      </a:pPr>
+                      <a:r>
+                        <a:rPr lang="en-US" sz="1400" dirty="0" smtClean="0"/>
+                        <a:t>Certificate Authority</a:t>
+                      </a:r>
+                    </a:p>
+                  </a:txBody>
+                  <a:tcPr anchor="ctr">
+                    <a:lnL w="12700" cap="flat" cmpd="sng" algn="ctr">
+                      <a:solidFill>
+                        <a:schemeClr val="tx1"/>
+                      </a:solidFill>
+                      <a:prstDash val="solid"/>
+                      <a:round/>
+                      <a:headEnd type="none" w="med" len="med"/>
+                      <a:tailEnd type="none" w="med" len="med"/>
+                    </a:lnL>
+                    <a:lnR w="12700" cap="flat" cmpd="sng" algn="ctr">
+                      <a:solidFill>
+                        <a:schemeClr val="tx1"/>
+                      </a:solidFill>
+                      <a:prstDash val="solid"/>
+                      <a:round/>
+                      <a:headEnd type="none" w="med" len="med"/>
+                      <a:tailEnd type="none" w="med" len="med"/>
+                    </a:lnR>
+                    <a:lnT w="12700" cap="flat" cmpd="sng" algn="ctr">
+                      <a:solidFill>
+                        <a:schemeClr val="tx1"/>
+                      </a:solidFill>
+                      <a:prstDash val="solid"/>
+                      <a:round/>
+                      <a:headEnd type="none" w="med" len="med"/>
+                      <a:tailEnd type="none" w="med" len="med"/>
+                    </a:lnT>
+                    <a:lnB w="12700" cap="flat" cmpd="sng" algn="ctr">
+                      <a:solidFill>
+                        <a:schemeClr val="tx1"/>
+                      </a:solidFill>
+                      <a:prstDash val="solid"/>
+                      <a:round/>
+                      <a:headEnd type="none" w="med" len="med"/>
+                      <a:tailEnd type="none" w="med" len="med"/>
+                    </a:lnB>
+                    <a:lnTlToBr w="12700" cmpd="sng">
+                      <a:noFill/>
+                      <a:prstDash val="solid"/>
+                    </a:lnTlToBr>
+                    <a:lnBlToTr w="12700" cmpd="sng">
+                      <a:noFill/>
+                      <a:prstDash val="solid"/>
+                    </a:lnBlToTr>
+                  </a:tcPr>
+                </a:tc>
+              </a:tr>
+            </a:tbl>
+          </a:graphicData>
+        </a:graphic>
+      </p:graphicFrame>
+      <p:sp>
+        <p:nvSpPr>
+          <p:cNvPr id="56" name="Rounded Rectangle 55"/>
+          <p:cNvSpPr/>
+          <p:nvPr/>
+        </p:nvSpPr>
+        <p:spPr>
+          <a:xfrm>
+            <a:off x="9116375" y="4480069"/>
+            <a:ext cx="470643" cy="431746"/>
+          </a:xfrm>
+          <a:prstGeom prst="roundRect">
+            <a:avLst/>
+          </a:prstGeom>
+          <a:solidFill>
+            <a:srgbClr val="00B050"/>
+          </a:solidFill>
+          <a:ln w="19050">
+            <a:solidFill>
+              <a:srgbClr val="0070C0"/>
+            </a:solidFill>
+          </a:ln>
+        </p:spPr>
+        <p:style>
+          <a:lnRef idx="2">
+            <a:schemeClr val="accent1">
+              <a:shade val="50000"/>
+            </a:schemeClr>
+          </a:lnRef>
+          <a:fillRef idx="1">
+            <a:schemeClr val="accent1"/>
+          </a:fillRef>
+          <a:effectRef idx="0">
+            <a:schemeClr val="accent1"/>
+          </a:effectRef>
+          <a:fontRef idx="minor">
+            <a:schemeClr val="lt1"/>
+          </a:fontRef>
+        </p:style>
+        <p:txBody>
+          <a:bodyPr rtlCol="0" anchor="ctr"/>
+          <a:lstStyle/>
+          <a:p>
+            <a:pPr algn="ctr" defTabSz="457200"/>
+            <a:r>
+              <a:rPr lang="en-US" sz="1400" b="1" dirty="0" smtClean="0">
+                <a:solidFill>
+                  <a:srgbClr val="000000"/>
+                </a:solidFill>
+                <a:ea typeface="Arial" charset="0"/>
+                <a:cs typeface="Arial" charset="0"/>
+              </a:rPr>
+              <a:t>O</a:t>
+            </a:r>
+            <a:endParaRPr lang="en-US" sz="1600" b="1" dirty="0">
+              <a:solidFill>
+                <a:srgbClr val="000000"/>
+              </a:solidFill>
+              <a:ea typeface="Arial" charset="0"/>
+              <a:cs typeface="Arial" charset="0"/>
+            </a:endParaRPr>
+          </a:p>
+        </p:txBody>
+      </p:sp>
+      <p:sp>
+        <p:nvSpPr>
+          <p:cNvPr id="61" name="Rounded Rectangle 60"/>
+          <p:cNvSpPr/>
+          <p:nvPr/>
+        </p:nvSpPr>
+        <p:spPr>
+          <a:xfrm>
+            <a:off x="9116376" y="1553918"/>
+            <a:ext cx="470643" cy="431746"/>
+          </a:xfrm>
+          <a:prstGeom prst="roundRect">
+            <a:avLst/>
+          </a:prstGeom>
+          <a:solidFill>
+            <a:schemeClr val="accent1">
+              <a:lumMod val="20000"/>
+              <a:lumOff val="80000"/>
+            </a:schemeClr>
+          </a:solidFill>
+          <a:ln w="19050">
+            <a:solidFill>
+              <a:srgbClr val="0070C0"/>
+            </a:solidFill>
+          </a:ln>
+        </p:spPr>
+        <p:style>
+          <a:lnRef idx="2">
+            <a:schemeClr val="accent1">
+              <a:shade val="50000"/>
+            </a:schemeClr>
+          </a:lnRef>
+          <a:fillRef idx="1">
+            <a:schemeClr val="accent1"/>
+          </a:fillRef>
+          <a:effectRef idx="0">
+            <a:schemeClr val="accent1"/>
+          </a:effectRef>
+          <a:fontRef idx="minor">
+            <a:schemeClr val="lt1"/>
+          </a:fontRef>
+        </p:style>
+        <p:txBody>
+          <a:bodyPr rtlCol="0" anchor="ctr"/>
+          <a:lstStyle/>
+          <a:p>
+            <a:pPr algn="ctr" defTabSz="457200"/>
+            <a:r>
+              <a:rPr lang="en-US" sz="1400" b="1" dirty="0" smtClean="0">
+                <a:solidFill>
+                  <a:srgbClr val="000000"/>
+                </a:solidFill>
+                <a:ea typeface="Arial" charset="0"/>
+                <a:cs typeface="Arial" charset="0"/>
+              </a:rPr>
+              <a:t>N</a:t>
+            </a:r>
+            <a:endParaRPr lang="en-US" sz="1600" b="1" dirty="0">
+              <a:solidFill>
+                <a:srgbClr val="000000"/>
+              </a:solidFill>
+              <a:ea typeface="Arial" charset="0"/>
+              <a:cs typeface="Arial" charset="0"/>
+            </a:endParaRPr>
+          </a:p>
+        </p:txBody>
+      </p:sp>
+      <p:sp>
+        <p:nvSpPr>
+          <p:cNvPr id="63" name="Rounded Rectangle 62"/>
+          <p:cNvSpPr/>
+          <p:nvPr/>
+        </p:nvSpPr>
+        <p:spPr>
+          <a:xfrm>
+            <a:off x="9118922" y="3763230"/>
+            <a:ext cx="481189" cy="444147"/>
+          </a:xfrm>
+          <a:prstGeom prst="roundRect">
+            <a:avLst/>
+          </a:prstGeom>
+          <a:solidFill>
+            <a:schemeClr val="accent1"/>
+          </a:solidFill>
+          <a:ln w="19050" cmpd="sng">
+            <a:solidFill>
+              <a:schemeClr val="tx2"/>
+            </a:solidFill>
+          </a:ln>
+          <a:effectLst/>
+        </p:spPr>
+        <p:style>
+          <a:lnRef idx="1">
+            <a:schemeClr val="accent1"/>
+          </a:lnRef>
+          <a:fillRef idx="3">
+            <a:schemeClr val="accent1"/>
+          </a:fillRef>
+          <a:effectRef idx="2">
+            <a:schemeClr val="accent1"/>
+          </a:effectRef>
+          <a:fontRef idx="minor">
+            <a:schemeClr val="lt1"/>
+          </a:fontRef>
+        </p:style>
+        <p:txBody>
+          <a:bodyPr rtlCol="0" anchor="ctr"/>
+          <a:lstStyle/>
+          <a:p>
+            <a:pPr algn="ctr" defTabSz="457200"/>
+            <a:r>
+              <a:rPr lang="en-US" sz="1400" b="1" dirty="0">
+                <a:solidFill>
+                  <a:schemeClr val="bg1"/>
+                </a:solidFill>
+                <a:ea typeface="Arial" charset="0"/>
+                <a:cs typeface="Arial" charset="0"/>
+              </a:rPr>
+              <a:t>P</a:t>
+            </a:r>
+          </a:p>
+        </p:txBody>
+      </p:sp>
+      <p:sp>
+        <p:nvSpPr>
+          <p:cNvPr id="38" name="Oval 37"/>
+          <p:cNvSpPr/>
+          <p:nvPr/>
+        </p:nvSpPr>
+        <p:spPr>
+          <a:xfrm flipH="1" flipV="1">
+            <a:off x="6013679" y="2978412"/>
+            <a:ext cx="162001" cy="162001"/>
+          </a:xfrm>
+          <a:prstGeom prst="ellipse">
+            <a:avLst/>
+          </a:prstGeom>
+          <a:solidFill>
+            <a:schemeClr val="accent1"/>
+          </a:solidFill>
+          <a:ln w="25400" cmpd="sng">
+            <a:solidFill>
+              <a:schemeClr val="tx2"/>
+            </a:solidFill>
+          </a:ln>
+          <a:effectLst>
+            <a:outerShdw blurRad="50800" dist="38100" dir="2700000" algn="tl" rotWithShape="0">
+              <a:prstClr val="black">
+                <a:alpha val="40000"/>
+              </a:prstClr>
+            </a:outerShdw>
+          </a:effectLst>
+        </p:spPr>
+        <p:style>
+          <a:lnRef idx="1">
+            <a:schemeClr val="accent1"/>
+          </a:lnRef>
+          <a:fillRef idx="3">
+            <a:schemeClr val="accent1"/>
+          </a:fillRef>
+          <a:effectRef idx="2">
+            <a:schemeClr val="accent1"/>
+          </a:effectRef>
+          <a:fontRef idx="minor">
+            <a:schemeClr val="lt1"/>
+          </a:fontRef>
+        </p:style>
+        <p:txBody>
+          <a:bodyPr rtlCol="0" anchor="ctr"/>
+          <a:lstStyle/>
+          <a:p>
+            <a:pPr algn="ctr"/>
+            <a:endParaRPr lang="en-GB" sz="1000">
+              <a:solidFill>
+                <a:srgbClr val="000000"/>
+              </a:solidFill>
+            </a:endParaRPr>
+          </a:p>
+        </p:txBody>
+      </p:sp>
+      <p:sp>
+        <p:nvSpPr>
+          <p:cNvPr id="46" name="Oval 45"/>
+          <p:cNvSpPr/>
+          <p:nvPr/>
+        </p:nvSpPr>
+        <p:spPr>
+          <a:xfrm>
+            <a:off x="3062324" y="3561716"/>
+            <a:ext cx="3554159" cy="307828"/>
+          </a:xfrm>
+          <a:prstGeom prst="ellipse">
+            <a:avLst/>
+          </a:prstGeom>
+          <a:noFill/>
+          <a:ln w="38100">
+            <a:solidFill>
+              <a:srgbClr val="4372C4"/>
+            </a:solidFill>
+          </a:ln>
+          <a:effectLst>
+            <a:outerShdw blurRad="50800" dist="38100" dir="2700000" algn="tl" rotWithShape="0">
+              <a:prstClr val="black">
+                <a:alpha val="40000"/>
+              </a:prstClr>
+            </a:outerShdw>
+          </a:effectLst>
+        </p:spPr>
+        <p:style>
+          <a:lnRef idx="2">
+            <a:schemeClr val="accent1">
+              <a:shade val="50000"/>
+            </a:schemeClr>
+          </a:lnRef>
+          <a:fillRef idx="1">
+            <a:schemeClr val="accent1"/>
+          </a:fillRef>
+          <a:effectRef idx="0">
+            <a:schemeClr val="accent1"/>
+          </a:effectRef>
+          <a:fontRef idx="minor">
+            <a:schemeClr val="lt1"/>
+          </a:fontRef>
+        </p:style>
+        <p:txBody>
+          <a:bodyPr rtlCol="0" anchor="ctr"/>
+          <a:lstStyle/>
+          <a:p>
+            <a:pPr algn="ctr"/>
+            <a:endParaRPr lang="en-US"/>
+          </a:p>
+        </p:txBody>
+      </p:sp>
+      <p:sp>
+        <p:nvSpPr>
+          <p:cNvPr id="64" name="Oval 63"/>
+          <p:cNvSpPr/>
+          <p:nvPr/>
+        </p:nvSpPr>
+        <p:spPr>
+          <a:xfrm>
+            <a:off x="9095425" y="2410660"/>
+            <a:ext cx="526249" cy="238539"/>
+          </a:xfrm>
+          <a:prstGeom prst="ellipse">
+            <a:avLst/>
+          </a:prstGeom>
+          <a:noFill/>
+          <a:ln w="38100">
+            <a:solidFill>
+              <a:srgbClr val="4372C4"/>
+            </a:solidFill>
+          </a:ln>
+          <a:effectLst>
+            <a:outerShdw blurRad="50800" dist="38100" dir="2700000" algn="tl" rotWithShape="0">
+              <a:prstClr val="black">
+                <a:alpha val="40000"/>
+              </a:prstClr>
+            </a:outerShdw>
+          </a:effectLst>
+        </p:spPr>
+        <p:style>
+          <a:lnRef idx="2">
+            <a:schemeClr val="accent1">
+              <a:shade val="50000"/>
+            </a:schemeClr>
+          </a:lnRef>
+          <a:fillRef idx="1">
+            <a:schemeClr val="accent1"/>
+          </a:fillRef>
+          <a:effectRef idx="0">
+            <a:schemeClr val="accent1"/>
+          </a:effectRef>
+          <a:fontRef idx="minor">
+            <a:schemeClr val="lt1"/>
+          </a:fontRef>
+        </p:style>
+        <p:txBody>
+          <a:bodyPr rtlCol="0" anchor="ctr"/>
+          <a:lstStyle/>
+          <a:p>
+            <a:pPr algn="ctr"/>
+            <a:endParaRPr lang="en-US"/>
+          </a:p>
+        </p:txBody>
+      </p:sp>
+      <p:cxnSp>
+        <p:nvCxnSpPr>
+          <p:cNvPr id="14" name="Straight Connector 13"/>
+          <p:cNvCxnSpPr>
+            <a:stCxn id="47" idx="1"/>
+            <a:endCxn id="50" idx="1"/>
+          </p:cNvCxnSpPr>
+          <p:nvPr/>
+        </p:nvCxnSpPr>
+        <p:spPr>
+          <a:xfrm flipH="1">
+            <a:off x="1937975" y="2255358"/>
+            <a:ext cx="1219277" cy="0"/>
+          </a:xfrm>
+          <a:prstGeom prst="line">
+            <a:avLst/>
+          </a:prstGeom>
+          <a:ln w="28575">
+            <a:solidFill>
+              <a:srgbClr val="4372C4"/>
+            </a:solidFill>
+            <a:prstDash val="sysDot"/>
+            <a:headEnd type="none" w="med" len="med"/>
+            <a:tailEnd type="none" w="med" len="med"/>
+          </a:ln>
+        </p:spPr>
+        <p:style>
+          <a:lnRef idx="1">
+            <a:schemeClr val="accent1"/>
+          </a:lnRef>
+          <a:fillRef idx="0">
+            <a:schemeClr val="accent1"/>
+          </a:fillRef>
+          <a:effectRef idx="0">
+            <a:schemeClr val="accent1"/>
+          </a:effectRef>
+          <a:fontRef idx="minor">
+            <a:schemeClr val="tx1"/>
+          </a:fontRef>
+        </p:style>
+      </p:cxnSp>
+      <p:sp>
+        <p:nvSpPr>
+          <p:cNvPr id="50" name="Rounded Rectangle 49"/>
+          <p:cNvSpPr/>
+          <p:nvPr/>
+        </p:nvSpPr>
+        <p:spPr>
+          <a:xfrm>
+            <a:off x="1937975" y="2095417"/>
+            <a:ext cx="966733" cy="319881"/>
+          </a:xfrm>
+          <a:prstGeom prst="roundRect">
+            <a:avLst>
+              <a:gd name="adj" fmla="val 50000"/>
+            </a:avLst>
+          </a:prstGeom>
+          <a:solidFill>
+            <a:srgbClr val="9F42E6"/>
+          </a:solidFill>
+          <a:ln w="28575" cap="flat" cmpd="sng" algn="ctr">
+            <a:solidFill>
+              <a:schemeClr val="tx2"/>
+            </a:solidFill>
+            <a:prstDash val="solid"/>
+          </a:ln>
+          <a:effectLst>
+            <a:outerShdw blurRad="40000" dist="23000" dir="5400000" rotWithShape="0">
+              <a:srgbClr val="000000">
+                <a:alpha val="35000"/>
+              </a:srgbClr>
+            </a:outerShdw>
+          </a:effectLst>
+        </p:spPr>
+        <p:txBody>
+          <a:bodyPr tIns="36000" bIns="36000" rtlCol="0" anchor="ctr"/>
+          <a:lstStyle/>
+          <a:p>
+            <a:pPr marL="0" marR="0" lvl="0" indent="0" algn="ctr" defTabSz="457200" eaLnBrk="1" fontAlgn="auto" latinLnBrk="0" hangingPunct="1">
+              <a:lnSpc>
+                <a:spcPct val="100000"/>
+              </a:lnSpc>
+              <a:spcBef>
+                <a:spcPts val="0"/>
+              </a:spcBef>
+              <a:spcAft>
+                <a:spcPts val="0"/>
+              </a:spcAft>
+              <a:buClrTx/>
+              <a:buSzTx/>
+              <a:buFontTx/>
+              <a:buNone/>
+              <a:tabLst/>
+              <a:defRPr/>
+            </a:pPr>
+            <a:r>
+              <a:rPr lang="en-US" sz="1100" b="1" kern="0" noProof="0" smtClean="0">
+                <a:solidFill>
+                  <a:schemeClr val="bg1"/>
+                </a:solidFill>
+                <a:ea typeface=""/>
+                <a:cs typeface=""/>
+              </a:rPr>
+              <a:t>MSP.ORG1</a:t>
+            </a:r>
+            <a:endParaRPr kumimoji="0" lang="en-US" sz="1100" b="1" i="0" u="none" strike="noStrike" kern="0" cap="none" spc="0" normalizeH="0" baseline="0" noProof="0" dirty="0" smtClean="0">
+              <a:ln>
+                <a:noFill/>
+              </a:ln>
+              <a:solidFill>
+                <a:schemeClr val="bg1"/>
+              </a:solidFill>
+              <a:effectLst/>
+              <a:uLnTx/>
+              <a:uFillTx/>
+              <a:ea typeface=""/>
+              <a:cs typeface=""/>
+            </a:endParaRPr>
+          </a:p>
+        </p:txBody>
+      </p:sp>
+      <p:sp>
+        <p:nvSpPr>
+          <p:cNvPr id="58" name="Rounded Rectangle 57"/>
+          <p:cNvSpPr/>
+          <p:nvPr/>
+        </p:nvSpPr>
+        <p:spPr>
+          <a:xfrm>
+            <a:off x="6663046" y="2608373"/>
+            <a:ext cx="1029062" cy="319881"/>
+          </a:xfrm>
+          <a:prstGeom prst="roundRect">
+            <a:avLst>
+              <a:gd name="adj" fmla="val 50000"/>
+            </a:avLst>
+          </a:prstGeom>
+          <a:solidFill>
+            <a:srgbClr val="9F42E6"/>
+          </a:solidFill>
+          <a:ln w="28575" cap="flat" cmpd="sng" algn="ctr">
+            <a:solidFill>
+              <a:schemeClr val="tx2"/>
+            </a:solidFill>
+            <a:prstDash val="solid"/>
+          </a:ln>
+          <a:effectLst>
+            <a:outerShdw blurRad="40000" dist="23000" dir="5400000" rotWithShape="0">
+              <a:srgbClr val="000000">
+                <a:alpha val="35000"/>
+              </a:srgbClr>
+            </a:outerShdw>
+          </a:effectLst>
+        </p:spPr>
+        <p:txBody>
+          <a:bodyPr tIns="36000" bIns="36000" rtlCol="0" anchor="ctr"/>
+          <a:lstStyle/>
+          <a:p>
+            <a:pPr marL="0" marR="0" lvl="0" indent="0" algn="ctr" defTabSz="457200" eaLnBrk="1" fontAlgn="auto" latinLnBrk="0" hangingPunct="1">
+              <a:lnSpc>
+                <a:spcPct val="100000"/>
+              </a:lnSpc>
+              <a:spcBef>
+                <a:spcPts val="0"/>
+              </a:spcBef>
+              <a:spcAft>
+                <a:spcPts val="0"/>
+              </a:spcAft>
+              <a:buClrTx/>
+              <a:buSzTx/>
+              <a:buFontTx/>
+              <a:buNone/>
+              <a:tabLst/>
+              <a:defRPr/>
+            </a:pPr>
+            <a:r>
+              <a:rPr lang="en-US" sz="1200" b="1" kern="0" noProof="0" dirty="0" smtClean="0">
+                <a:solidFill>
+                  <a:schemeClr val="bg1"/>
+                </a:solidFill>
+                <a:ea typeface=""/>
+                <a:cs typeface=""/>
+              </a:rPr>
+              <a:t>MSP.ORG2</a:t>
+            </a:r>
+            <a:endParaRPr kumimoji="0" lang="en-US" sz="1200" b="1" i="0" u="none" strike="noStrike" kern="0" cap="none" spc="0" normalizeH="0" baseline="0" noProof="0" dirty="0" smtClean="0">
+              <a:ln>
+                <a:noFill/>
+              </a:ln>
+              <a:solidFill>
+                <a:schemeClr val="bg1"/>
+              </a:solidFill>
+              <a:effectLst/>
+              <a:uLnTx/>
+              <a:uFillTx/>
+              <a:ea typeface=""/>
+              <a:cs typeface=""/>
+            </a:endParaRPr>
+          </a:p>
+        </p:txBody>
+      </p:sp>
+      <p:cxnSp>
+        <p:nvCxnSpPr>
+          <p:cNvPr id="65" name="Straight Connector 64"/>
+          <p:cNvCxnSpPr>
+            <a:stCxn id="9" idx="3"/>
+            <a:endCxn id="58" idx="1"/>
+          </p:cNvCxnSpPr>
+          <p:nvPr/>
+        </p:nvCxnSpPr>
+        <p:spPr>
+          <a:xfrm>
+            <a:off x="6380823" y="2768314"/>
+            <a:ext cx="282223" cy="0"/>
+          </a:xfrm>
+          <a:prstGeom prst="line">
+            <a:avLst/>
+          </a:prstGeom>
+          <a:ln w="28575">
+            <a:solidFill>
+              <a:srgbClr val="4372C4"/>
+            </a:solidFill>
+            <a:prstDash val="sysDot"/>
+            <a:headEnd type="none" w="med" len="med"/>
+            <a:tailEnd type="none" w="med" len="med"/>
+          </a:ln>
+        </p:spPr>
+        <p:style>
+          <a:lnRef idx="1">
+            <a:schemeClr val="accent1"/>
+          </a:lnRef>
+          <a:fillRef idx="0">
+            <a:schemeClr val="accent1"/>
+          </a:fillRef>
+          <a:effectRef idx="0">
+            <a:schemeClr val="accent1"/>
+          </a:effectRef>
+          <a:fontRef idx="minor">
+            <a:schemeClr val="tx1"/>
+          </a:fontRef>
+        </p:style>
+      </p:cxnSp>
+      <p:sp>
+        <p:nvSpPr>
+          <p:cNvPr id="77" name="Rounded Rectangle 76"/>
+          <p:cNvSpPr/>
+          <p:nvPr/>
+        </p:nvSpPr>
+        <p:spPr>
+          <a:xfrm>
+            <a:off x="1718030" y="3555690"/>
+            <a:ext cx="1029062" cy="319881"/>
+          </a:xfrm>
+          <a:prstGeom prst="roundRect">
+            <a:avLst>
+              <a:gd name="adj" fmla="val 50000"/>
+            </a:avLst>
+          </a:prstGeom>
+          <a:solidFill>
+            <a:srgbClr val="9F42E6"/>
+          </a:solidFill>
+          <a:ln w="28575" cap="flat" cmpd="sng" algn="ctr">
+            <a:solidFill>
+              <a:schemeClr val="tx2"/>
+            </a:solidFill>
+            <a:prstDash val="solid"/>
+          </a:ln>
+          <a:effectLst>
+            <a:outerShdw blurRad="40000" dist="23000" dir="5400000" rotWithShape="0">
+              <a:srgbClr val="000000">
+                <a:alpha val="35000"/>
+              </a:srgbClr>
+            </a:outerShdw>
+          </a:effectLst>
+        </p:spPr>
+        <p:txBody>
+          <a:bodyPr tIns="36000" bIns="36000" rtlCol="0" anchor="ctr"/>
+          <a:lstStyle/>
+          <a:p>
+            <a:pPr marL="0" marR="0" lvl="0" indent="0" algn="ctr" defTabSz="457200" eaLnBrk="1" fontAlgn="auto" latinLnBrk="0" hangingPunct="1">
+              <a:lnSpc>
+                <a:spcPct val="100000"/>
+              </a:lnSpc>
+              <a:spcBef>
+                <a:spcPts val="0"/>
+              </a:spcBef>
+              <a:spcAft>
+                <a:spcPts val="0"/>
+              </a:spcAft>
+              <a:buClrTx/>
+              <a:buSzTx/>
+              <a:buFontTx/>
+              <a:buNone/>
+              <a:tabLst/>
+              <a:defRPr/>
+            </a:pPr>
+            <a:r>
+              <a:rPr lang="en-US" sz="1200" b="1" kern="0" noProof="0" dirty="0" smtClean="0">
+                <a:solidFill>
+                  <a:schemeClr val="bg1"/>
+                </a:solidFill>
+                <a:ea typeface=""/>
+                <a:cs typeface=""/>
+              </a:rPr>
+              <a:t>MSP.ORG1</a:t>
+            </a:r>
+            <a:endParaRPr kumimoji="0" lang="en-US" sz="1200" b="1" i="0" u="none" strike="noStrike" kern="0" cap="none" spc="0" normalizeH="0" baseline="0" noProof="0" dirty="0" smtClean="0">
+              <a:ln>
+                <a:noFill/>
+              </a:ln>
+              <a:solidFill>
+                <a:schemeClr val="bg1"/>
+              </a:solidFill>
+              <a:effectLst/>
+              <a:uLnTx/>
+              <a:uFillTx/>
+              <a:ea typeface=""/>
+              <a:cs typeface=""/>
+            </a:endParaRPr>
+          </a:p>
+        </p:txBody>
+      </p:sp>
+      <p:cxnSp>
+        <p:nvCxnSpPr>
+          <p:cNvPr id="78" name="Straight Connector 77"/>
+          <p:cNvCxnSpPr>
+            <a:stCxn id="46" idx="2"/>
+            <a:endCxn id="77" idx="3"/>
+          </p:cNvCxnSpPr>
+          <p:nvPr/>
+        </p:nvCxnSpPr>
+        <p:spPr>
+          <a:xfrm flipH="1">
+            <a:off x="2747092" y="3715630"/>
+            <a:ext cx="315232" cy="1"/>
+          </a:xfrm>
+          <a:prstGeom prst="line">
+            <a:avLst/>
+          </a:prstGeom>
+          <a:ln w="28575">
+            <a:solidFill>
+              <a:srgbClr val="4372C4"/>
+            </a:solidFill>
+            <a:prstDash val="sysDot"/>
+            <a:headEnd type="none" w="med" len="med"/>
+            <a:tailEnd type="none" w="med" len="med"/>
+          </a:ln>
+        </p:spPr>
+        <p:style>
+          <a:lnRef idx="1">
+            <a:schemeClr val="accent1"/>
+          </a:lnRef>
+          <a:fillRef idx="0">
+            <a:schemeClr val="accent1"/>
+          </a:fillRef>
+          <a:effectRef idx="0">
+            <a:schemeClr val="accent1"/>
+          </a:effectRef>
+          <a:fontRef idx="minor">
+            <a:schemeClr val="tx1"/>
+          </a:fontRef>
+        </p:style>
+      </p:cxnSp>
+      <p:cxnSp>
+        <p:nvCxnSpPr>
+          <p:cNvPr id="80" name="Straight Connector 79"/>
+          <p:cNvCxnSpPr>
+            <a:stCxn id="66" idx="3"/>
+          </p:cNvCxnSpPr>
+          <p:nvPr/>
+        </p:nvCxnSpPr>
+        <p:spPr>
+          <a:xfrm>
+            <a:off x="7123741" y="5273364"/>
+            <a:ext cx="307837" cy="3070"/>
+          </a:xfrm>
+          <a:prstGeom prst="line">
+            <a:avLst/>
+          </a:prstGeom>
+          <a:ln w="28575">
+            <a:solidFill>
+              <a:srgbClr val="4372C4"/>
+            </a:solidFill>
+            <a:prstDash val="sysDot"/>
+            <a:headEnd type="none" w="med" len="med"/>
+            <a:tailEnd type="none" w="med" len="med"/>
+          </a:ln>
+        </p:spPr>
+        <p:style>
+          <a:lnRef idx="1">
+            <a:schemeClr val="accent1"/>
+          </a:lnRef>
+          <a:fillRef idx="0">
+            <a:schemeClr val="accent1"/>
+          </a:fillRef>
+          <a:effectRef idx="0">
+            <a:schemeClr val="accent1"/>
+          </a:effectRef>
+          <a:fontRef idx="minor">
+            <a:schemeClr val="tx1"/>
+          </a:fontRef>
+        </p:style>
+      </p:cxnSp>
+      <p:sp>
+        <p:nvSpPr>
+          <p:cNvPr id="97" name="Rounded Rectangle 96"/>
+          <p:cNvSpPr/>
+          <p:nvPr/>
+        </p:nvSpPr>
+        <p:spPr>
+          <a:xfrm>
+            <a:off x="9071121" y="3074195"/>
+            <a:ext cx="574856" cy="295840"/>
+          </a:xfrm>
+          <a:prstGeom prst="roundRect">
+            <a:avLst>
+              <a:gd name="adj" fmla="val 50000"/>
+            </a:avLst>
+          </a:prstGeom>
+          <a:solidFill>
+            <a:srgbClr val="9F42E6"/>
+          </a:solidFill>
+          <a:ln w="28575" cap="flat" cmpd="sng" algn="ctr">
+            <a:solidFill>
+              <a:schemeClr val="tx2"/>
+            </a:solidFill>
+            <a:prstDash val="solid"/>
+          </a:ln>
+          <a:effectLst>
+            <a:outerShdw blurRad="40000" dist="23000" dir="5400000" rotWithShape="0">
+              <a:srgbClr val="000000">
+                <a:alpha val="35000"/>
+              </a:srgbClr>
+            </a:outerShdw>
+          </a:effectLst>
+        </p:spPr>
+        <p:txBody>
+          <a:bodyPr tIns="36000" bIns="36000" rtlCol="0" anchor="ctr"/>
+          <a:lstStyle/>
+          <a:p>
+            <a:pPr marL="0" marR="0" lvl="0" indent="0" algn="ctr" defTabSz="457200" eaLnBrk="1" fontAlgn="auto" latinLnBrk="0" hangingPunct="1">
+              <a:lnSpc>
+                <a:spcPct val="100000"/>
+              </a:lnSpc>
+              <a:spcBef>
+                <a:spcPts val="0"/>
+              </a:spcBef>
+              <a:spcAft>
+                <a:spcPts val="0"/>
+              </a:spcAft>
+              <a:buClrTx/>
+              <a:buSzTx/>
+              <a:buFontTx/>
+              <a:buNone/>
+              <a:tabLst/>
+              <a:defRPr/>
+            </a:pPr>
+            <a:r>
+              <a:rPr lang="en-US" sz="1200" b="1" kern="0" noProof="0" dirty="0" smtClean="0">
+                <a:solidFill>
+                  <a:schemeClr val="bg1"/>
+                </a:solidFill>
+                <a:ea typeface=""/>
+                <a:cs typeface=""/>
+              </a:rPr>
+              <a:t>MSP</a:t>
+            </a:r>
+            <a:endParaRPr kumimoji="0" lang="en-US" sz="1200" b="1" i="0" u="none" strike="noStrike" kern="0" cap="none" spc="0" normalizeH="0" baseline="0" noProof="0" dirty="0" smtClean="0">
+              <a:ln>
+                <a:noFill/>
+              </a:ln>
+              <a:solidFill>
+                <a:schemeClr val="bg1"/>
+              </a:solidFill>
+              <a:effectLst/>
+              <a:uLnTx/>
+              <a:uFillTx/>
+              <a:ea typeface=""/>
+              <a:cs typeface=""/>
+            </a:endParaRPr>
+          </a:p>
+        </p:txBody>
+      </p:sp>
+      <p:sp>
+        <p:nvSpPr>
+          <p:cNvPr id="99" name="Rounded Rectangle 98"/>
+          <p:cNvSpPr/>
+          <p:nvPr/>
+        </p:nvSpPr>
+        <p:spPr>
+          <a:xfrm>
+            <a:off x="8061956" y="3912701"/>
+            <a:ext cx="575072" cy="567368"/>
+          </a:xfrm>
+          <a:prstGeom prst="roundRect">
+            <a:avLst/>
+          </a:prstGeom>
+          <a:solidFill>
+            <a:schemeClr val="accent4"/>
+          </a:solidFill>
+          <a:ln w="25400">
+            <a:solidFill>
+              <a:srgbClr val="0070C0"/>
+            </a:solidFill>
+          </a:ln>
+        </p:spPr>
+        <p:style>
+          <a:lnRef idx="2">
+            <a:schemeClr val="accent1">
+              <a:shade val="50000"/>
+            </a:schemeClr>
+          </a:lnRef>
+          <a:fillRef idx="1">
+            <a:schemeClr val="accent1"/>
+          </a:fillRef>
+          <a:effectRef idx="0">
+            <a:schemeClr val="accent1"/>
+          </a:effectRef>
+          <a:fontRef idx="minor">
+            <a:schemeClr val="lt1"/>
+          </a:fontRef>
+        </p:style>
+        <p:txBody>
+          <a:bodyPr rtlCol="0" anchor="ctr"/>
+          <a:lstStyle/>
+          <a:p>
+            <a:pPr algn="ctr"/>
+            <a:r>
+              <a:rPr lang="en-US" sz="1200" b="1" dirty="0" smtClean="0">
+                <a:solidFill>
+                  <a:srgbClr val="4372C4"/>
+                </a:solidFill>
+              </a:rPr>
+              <a:t>RCA1</a:t>
+            </a:r>
+            <a:endParaRPr lang="en-US" sz="1200" b="1" dirty="0">
+              <a:solidFill>
+                <a:srgbClr val="4372C4"/>
+              </a:solidFill>
+            </a:endParaRPr>
+          </a:p>
+        </p:txBody>
+      </p:sp>
+      <p:sp>
+        <p:nvSpPr>
+          <p:cNvPr id="100" name="Rounded Rectangle 99"/>
+          <p:cNvSpPr/>
+          <p:nvPr/>
+        </p:nvSpPr>
+        <p:spPr>
+          <a:xfrm>
+            <a:off x="9114922" y="5193314"/>
+            <a:ext cx="481189" cy="444147"/>
+          </a:xfrm>
+          <a:prstGeom prst="roundRect">
+            <a:avLst/>
+          </a:prstGeom>
+          <a:solidFill>
+            <a:srgbClr val="FFC000"/>
+          </a:solidFill>
+          <a:ln w="19050" cmpd="sng">
+            <a:solidFill>
+              <a:srgbClr val="0070C0"/>
+            </a:solidFill>
+          </a:ln>
+          <a:effectLst/>
+        </p:spPr>
+        <p:style>
+          <a:lnRef idx="1">
+            <a:schemeClr val="accent1"/>
+          </a:lnRef>
+          <a:fillRef idx="3">
+            <a:schemeClr val="accent1"/>
+          </a:fillRef>
+          <a:effectRef idx="2">
+            <a:schemeClr val="accent1"/>
+          </a:effectRef>
+          <a:fontRef idx="minor">
+            <a:schemeClr val="lt1"/>
+          </a:fontRef>
+        </p:style>
+        <p:txBody>
+          <a:bodyPr rtlCol="0" anchor="ctr"/>
+          <a:lstStyle/>
+          <a:p>
+            <a:pPr algn="ctr" defTabSz="457200"/>
+            <a:r>
+              <a:rPr lang="en-US" sz="1400" b="1" dirty="0" smtClean="0">
+                <a:solidFill>
+                  <a:schemeClr val="accent1"/>
+                </a:solidFill>
+                <a:ea typeface="Arial" charset="0"/>
+                <a:cs typeface="Arial" charset="0"/>
+              </a:rPr>
+              <a:t>CA</a:t>
+            </a:r>
+            <a:endParaRPr lang="en-US" sz="1400" b="1" dirty="0">
+              <a:solidFill>
+                <a:schemeClr val="accent1"/>
+              </a:solidFill>
+              <a:ea typeface="Arial" charset="0"/>
+              <a:cs typeface="Arial" charset="0"/>
+            </a:endParaRPr>
+          </a:p>
+        </p:txBody>
+      </p:sp>
+      <p:sp>
+        <p:nvSpPr>
+          <p:cNvPr id="104" name="Rounded Rectangle 103"/>
+          <p:cNvSpPr/>
+          <p:nvPr/>
+        </p:nvSpPr>
+        <p:spPr>
+          <a:xfrm>
+            <a:off x="761919" y="3434667"/>
+            <a:ext cx="575072" cy="567368"/>
+          </a:xfrm>
+          <a:prstGeom prst="roundRect">
+            <a:avLst/>
+          </a:prstGeom>
+          <a:solidFill>
+            <a:schemeClr val="accent4"/>
+          </a:solidFill>
+          <a:ln w="25400">
+            <a:solidFill>
+              <a:srgbClr val="0070C0"/>
+            </a:solidFill>
+          </a:ln>
+        </p:spPr>
+        <p:style>
+          <a:lnRef idx="2">
+            <a:schemeClr val="accent1">
+              <a:shade val="50000"/>
+            </a:schemeClr>
+          </a:lnRef>
+          <a:fillRef idx="1">
+            <a:schemeClr val="accent1"/>
+          </a:fillRef>
+          <a:effectRef idx="0">
+            <a:schemeClr val="accent1"/>
+          </a:effectRef>
+          <a:fontRef idx="minor">
+            <a:schemeClr val="lt1"/>
+          </a:fontRef>
+        </p:style>
+        <p:txBody>
+          <a:bodyPr rtlCol="0" anchor="ctr"/>
+          <a:lstStyle/>
+          <a:p>
+            <a:pPr algn="ctr"/>
+            <a:r>
+              <a:rPr lang="en-US" sz="1200" b="1" dirty="0" smtClean="0">
+                <a:solidFill>
+                  <a:srgbClr val="4372C4"/>
+                </a:solidFill>
+              </a:rPr>
+              <a:t>RCA2</a:t>
+            </a:r>
+            <a:endParaRPr lang="en-US" sz="1200" b="1" dirty="0">
+              <a:solidFill>
+                <a:srgbClr val="4372C4"/>
+              </a:solidFill>
+            </a:endParaRPr>
+          </a:p>
+        </p:txBody>
+      </p:sp>
+      <p:cxnSp>
+        <p:nvCxnSpPr>
+          <p:cNvPr id="108" name="Elbow Connector 107"/>
+          <p:cNvCxnSpPr>
+            <a:stCxn id="50" idx="2"/>
+            <a:endCxn id="104" idx="0"/>
+          </p:cNvCxnSpPr>
+          <p:nvPr/>
+        </p:nvCxnSpPr>
+        <p:spPr>
+          <a:xfrm rot="5400000">
+            <a:off x="1225715" y="2239039"/>
+            <a:ext cx="1019369" cy="1371887"/>
+          </a:xfrm>
+          <a:prstGeom prst="bentConnector3">
+            <a:avLst>
+              <a:gd name="adj1" fmla="val 50000"/>
+            </a:avLst>
+          </a:prstGeom>
+          <a:ln w="28575">
+            <a:solidFill>
+              <a:srgbClr val="4372C4"/>
+            </a:solidFill>
+            <a:tailEnd type="triangle"/>
+          </a:ln>
+        </p:spPr>
+        <p:style>
+          <a:lnRef idx="1">
+            <a:schemeClr val="accent1"/>
+          </a:lnRef>
+          <a:fillRef idx="0">
+            <a:schemeClr val="accent1"/>
+          </a:fillRef>
+          <a:effectRef idx="0">
+            <a:schemeClr val="accent1"/>
+          </a:effectRef>
+          <a:fontRef idx="minor">
+            <a:schemeClr val="tx1"/>
+          </a:fontRef>
+        </p:style>
+      </p:cxnSp>
+      <p:cxnSp>
+        <p:nvCxnSpPr>
+          <p:cNvPr id="112" name="Elbow Connector 111"/>
+          <p:cNvCxnSpPr>
+            <a:stCxn id="58" idx="2"/>
+            <a:endCxn id="99" idx="0"/>
+          </p:cNvCxnSpPr>
+          <p:nvPr/>
+        </p:nvCxnSpPr>
+        <p:spPr>
+          <a:xfrm rot="16200000" flipH="1">
+            <a:off x="7271311" y="2834519"/>
+            <a:ext cx="984447" cy="1171915"/>
+          </a:xfrm>
+          <a:prstGeom prst="bentConnector3">
+            <a:avLst>
+              <a:gd name="adj1" fmla="val 50000"/>
+            </a:avLst>
+          </a:prstGeom>
+          <a:ln w="28575">
+            <a:solidFill>
+              <a:srgbClr val="4372C4"/>
+            </a:solidFill>
+            <a:tailEnd type="triangle"/>
+          </a:ln>
+        </p:spPr>
+        <p:style>
+          <a:lnRef idx="1">
+            <a:schemeClr val="accent1"/>
+          </a:lnRef>
+          <a:fillRef idx="0">
+            <a:schemeClr val="accent1"/>
+          </a:fillRef>
+          <a:effectRef idx="0">
+            <a:schemeClr val="accent1"/>
+          </a:effectRef>
+          <a:fontRef idx="minor">
+            <a:schemeClr val="tx1"/>
+          </a:fontRef>
+        </p:style>
+      </p:cxnSp>
+      <p:cxnSp>
+        <p:nvCxnSpPr>
+          <p:cNvPr id="123" name="Elbow Connector 122"/>
+          <p:cNvCxnSpPr>
+            <a:stCxn id="66" idx="0"/>
+            <a:endCxn id="99" idx="2"/>
+          </p:cNvCxnSpPr>
+          <p:nvPr/>
+        </p:nvCxnSpPr>
+        <p:spPr>
+          <a:xfrm rot="5400000" flipH="1" flipV="1">
+            <a:off x="7162674" y="3926605"/>
+            <a:ext cx="633354" cy="1740282"/>
+          </a:xfrm>
+          <a:prstGeom prst="bentConnector3">
+            <a:avLst>
+              <a:gd name="adj1" fmla="val 50000"/>
+            </a:avLst>
+          </a:prstGeom>
+          <a:ln w="28575">
+            <a:solidFill>
+              <a:srgbClr val="4372C4"/>
+            </a:solidFill>
+            <a:tailEnd type="triangle"/>
+          </a:ln>
+        </p:spPr>
+        <p:style>
+          <a:lnRef idx="1">
+            <a:schemeClr val="accent1"/>
+          </a:lnRef>
+          <a:fillRef idx="0">
+            <a:schemeClr val="accent1"/>
+          </a:fillRef>
+          <a:effectRef idx="0">
+            <a:schemeClr val="accent1"/>
+          </a:effectRef>
+          <a:fontRef idx="minor">
+            <a:schemeClr val="tx1"/>
+          </a:fontRef>
+        </p:style>
+      </p:cxnSp>
+      <p:sp>
+        <p:nvSpPr>
+          <p:cNvPr id="40" name="Rounded Rectangle 39"/>
+          <p:cNvSpPr/>
+          <p:nvPr/>
+        </p:nvSpPr>
+        <p:spPr>
+          <a:xfrm>
+            <a:off x="1718030" y="4037508"/>
+            <a:ext cx="1029062" cy="319881"/>
+          </a:xfrm>
+          <a:prstGeom prst="roundRect">
+            <a:avLst>
+              <a:gd name="adj" fmla="val 50000"/>
+            </a:avLst>
+          </a:prstGeom>
+          <a:solidFill>
+            <a:srgbClr val="9F42E6"/>
+          </a:solidFill>
+          <a:ln w="28575" cap="flat" cmpd="sng" algn="ctr">
+            <a:solidFill>
+              <a:schemeClr val="tx2"/>
+            </a:solidFill>
+            <a:prstDash val="solid"/>
+          </a:ln>
+          <a:effectLst>
+            <a:outerShdw blurRad="40000" dist="23000" dir="5400000" rotWithShape="0">
+              <a:srgbClr val="000000">
+                <a:alpha val="35000"/>
+              </a:srgbClr>
+            </a:outerShdw>
+          </a:effectLst>
+        </p:spPr>
+        <p:txBody>
+          <a:bodyPr tIns="36000" bIns="36000" rtlCol="0" anchor="ctr"/>
+          <a:lstStyle/>
+          <a:p>
+            <a:pPr marL="0" marR="0" lvl="0" indent="0" algn="ctr" defTabSz="457200" eaLnBrk="1" fontAlgn="auto" latinLnBrk="0" hangingPunct="1">
+              <a:lnSpc>
+                <a:spcPct val="100000"/>
+              </a:lnSpc>
+              <a:spcBef>
+                <a:spcPts val="0"/>
+              </a:spcBef>
+              <a:spcAft>
+                <a:spcPts val="0"/>
+              </a:spcAft>
+              <a:buClrTx/>
+              <a:buSzTx/>
+              <a:buFontTx/>
+              <a:buNone/>
+              <a:tabLst/>
+              <a:defRPr/>
+            </a:pPr>
+            <a:r>
+              <a:rPr lang="en-US" sz="1200" b="1" kern="0" noProof="0" smtClean="0">
+                <a:solidFill>
+                  <a:schemeClr val="bg1"/>
+                </a:solidFill>
+                <a:ea typeface=""/>
+                <a:cs typeface=""/>
+              </a:rPr>
+              <a:t>MSP.ORG2</a:t>
+            </a:r>
+            <a:endParaRPr kumimoji="0" lang="en-US" sz="1200" b="1" i="0" u="none" strike="noStrike" kern="0" cap="none" spc="0" normalizeH="0" baseline="0" noProof="0" dirty="0" smtClean="0">
+              <a:ln>
+                <a:noFill/>
+              </a:ln>
+              <a:solidFill>
+                <a:schemeClr val="bg1"/>
+              </a:solidFill>
+              <a:effectLst/>
+              <a:uLnTx/>
+              <a:uFillTx/>
+              <a:ea typeface=""/>
+              <a:cs typeface=""/>
+            </a:endParaRPr>
+          </a:p>
+        </p:txBody>
+      </p:sp>
+      <p:cxnSp>
+        <p:nvCxnSpPr>
+          <p:cNvPr id="27" name="Straight Arrow Connector 26"/>
+          <p:cNvCxnSpPr>
+            <a:stCxn id="40" idx="3"/>
+            <a:endCxn id="99" idx="1"/>
+          </p:cNvCxnSpPr>
+          <p:nvPr/>
+        </p:nvCxnSpPr>
+        <p:spPr>
+          <a:xfrm flipV="1">
+            <a:off x="2747092" y="4196385"/>
+            <a:ext cx="5314864" cy="1064"/>
+          </a:xfrm>
+          <a:prstGeom prst="straightConnector1">
+            <a:avLst/>
+          </a:prstGeom>
+          <a:ln w="28575">
+            <a:solidFill>
+              <a:srgbClr val="4372C4"/>
+            </a:solidFill>
+            <a:tailEnd type="triangle"/>
+          </a:ln>
+        </p:spPr>
+        <p:style>
+          <a:lnRef idx="1">
+            <a:schemeClr val="accent1"/>
+          </a:lnRef>
+          <a:fillRef idx="0">
+            <a:schemeClr val="accent1"/>
+          </a:fillRef>
+          <a:effectRef idx="0">
+            <a:schemeClr val="accent1"/>
+          </a:effectRef>
+          <a:fontRef idx="minor">
+            <a:schemeClr val="tx1"/>
+          </a:fontRef>
+        </p:style>
+      </p:cxnSp>
+      <p:cxnSp>
+        <p:nvCxnSpPr>
+          <p:cNvPr id="30" name="Straight Arrow Connector 29"/>
+          <p:cNvCxnSpPr>
+            <a:stCxn id="77" idx="1"/>
+            <a:endCxn id="104" idx="3"/>
+          </p:cNvCxnSpPr>
+          <p:nvPr/>
+        </p:nvCxnSpPr>
+        <p:spPr>
+          <a:xfrm flipH="1">
+            <a:off x="1336991" y="3715631"/>
+            <a:ext cx="381039" cy="2720"/>
+          </a:xfrm>
+          <a:prstGeom prst="straightConnector1">
+            <a:avLst/>
+          </a:prstGeom>
+          <a:ln w="28575">
+            <a:solidFill>
+              <a:srgbClr val="4372C4"/>
+            </a:solidFill>
+            <a:tailEnd type="triangle"/>
+          </a:ln>
+        </p:spPr>
+        <p:style>
+          <a:lnRef idx="1">
+            <a:schemeClr val="accent1"/>
+          </a:lnRef>
+          <a:fillRef idx="0">
+            <a:schemeClr val="accent1"/>
+          </a:fillRef>
+          <a:effectRef idx="0">
+            <a:schemeClr val="accent1"/>
+          </a:effectRef>
+          <a:fontRef idx="minor">
+            <a:schemeClr val="tx1"/>
+          </a:fontRef>
+        </p:style>
+      </p:cxnSp>
+      <p:sp>
+        <p:nvSpPr>
+          <p:cNvPr id="66" name="Rounded Rectangle 65"/>
+          <p:cNvSpPr/>
+          <p:nvPr/>
+        </p:nvSpPr>
+        <p:spPr>
+          <a:xfrm>
+            <a:off x="6094679" y="5113423"/>
+            <a:ext cx="1029062" cy="319881"/>
+          </a:xfrm>
+          <a:prstGeom prst="roundRect">
+            <a:avLst>
+              <a:gd name="adj" fmla="val 50000"/>
+            </a:avLst>
+          </a:prstGeom>
+          <a:solidFill>
+            <a:srgbClr val="9F42E6"/>
+          </a:solidFill>
+          <a:ln w="28575" cap="flat" cmpd="sng" algn="ctr">
+            <a:solidFill>
+              <a:schemeClr val="tx2"/>
+            </a:solidFill>
+            <a:prstDash val="solid"/>
+          </a:ln>
+          <a:effectLst>
+            <a:outerShdw blurRad="40000" dist="23000" dir="5400000" rotWithShape="0">
+              <a:srgbClr val="000000">
+                <a:alpha val="35000"/>
+              </a:srgbClr>
+            </a:outerShdw>
+          </a:effectLst>
+        </p:spPr>
+        <p:txBody>
+          <a:bodyPr tIns="36000" bIns="36000" rtlCol="0" anchor="ctr"/>
+          <a:lstStyle/>
+          <a:p>
+            <a:pPr marL="0" marR="0" lvl="0" indent="0" algn="ctr" defTabSz="457200" eaLnBrk="1" fontAlgn="auto" latinLnBrk="0" hangingPunct="1">
+              <a:lnSpc>
+                <a:spcPct val="100000"/>
+              </a:lnSpc>
+              <a:spcBef>
+                <a:spcPts val="0"/>
+              </a:spcBef>
+              <a:spcAft>
+                <a:spcPts val="0"/>
+              </a:spcAft>
+              <a:buClrTx/>
+              <a:buSzTx/>
+              <a:buFontTx/>
+              <a:buNone/>
+              <a:tabLst/>
+              <a:defRPr/>
+            </a:pPr>
+            <a:r>
+              <a:rPr lang="en-US" sz="1200" b="1" kern="0" noProof="0" dirty="0" smtClean="0">
+                <a:solidFill>
+                  <a:schemeClr val="bg1"/>
+                </a:solidFill>
+                <a:ea typeface=""/>
+                <a:cs typeface=""/>
+              </a:rPr>
+              <a:t>MSP.ORG2</a:t>
+            </a:r>
+            <a:endParaRPr kumimoji="0" lang="en-US" sz="1200" b="1" i="0" u="none" strike="noStrike" kern="0" cap="none" spc="0" normalizeH="0" baseline="0" noProof="0" dirty="0" smtClean="0">
+              <a:ln>
+                <a:noFill/>
+              </a:ln>
+              <a:solidFill>
+                <a:schemeClr val="bg1"/>
+              </a:solidFill>
+              <a:effectLst/>
+              <a:uLnTx/>
+              <a:uFillTx/>
+              <a:ea typeface=""/>
+              <a:cs typeface=""/>
+            </a:endParaRPr>
+          </a:p>
+        </p:txBody>
+      </p:sp>
+      <p:cxnSp>
+        <p:nvCxnSpPr>
+          <p:cNvPr id="43" name="Straight Connector 42"/>
+          <p:cNvCxnSpPr>
+            <a:stCxn id="77" idx="2"/>
+            <a:endCxn id="40" idx="0"/>
+          </p:cNvCxnSpPr>
+          <p:nvPr/>
+        </p:nvCxnSpPr>
+        <p:spPr>
+          <a:xfrm>
+            <a:off x="2232561" y="3875571"/>
+            <a:ext cx="0" cy="161937"/>
+          </a:xfrm>
+          <a:prstGeom prst="line">
+            <a:avLst/>
+          </a:prstGeom>
+          <a:ln w="28575">
+            <a:solidFill>
+              <a:srgbClr val="4372C4"/>
+            </a:solidFill>
+            <a:prstDash val="sysDot"/>
+            <a:headEnd type="none" w="med" len="med"/>
+            <a:tailEnd type="none" w="med" len="med"/>
+          </a:ln>
+        </p:spPr>
+        <p:style>
+          <a:lnRef idx="1">
+            <a:schemeClr val="accent1"/>
+          </a:lnRef>
+          <a:fillRef idx="0">
+            <a:schemeClr val="accent1"/>
+          </a:fillRef>
+          <a:effectRef idx="0">
+            <a:schemeClr val="accent1"/>
+          </a:effectRef>
+          <a:fontRef idx="minor">
+            <a:schemeClr val="tx1"/>
+          </a:fontRef>
+        </p:style>
+      </p:cxnSp>
+    </p:spTree>
+    <p:extLst>
+      <p:ext uri="{BB962C8B-B14F-4D97-AF65-F5344CB8AC3E}">
+        <p14:creationId xmlns:p14="http://schemas.microsoft.com/office/powerpoint/2010/main" val="1869672205"/>
+      </p:ext>
+    </p:extLst>
+  </p:cSld>
+  <p:clrMapOvr>
+    <a:masterClrMapping/>
+  </p:clrMapOvr>
+  <p:timing>
+    <p:tnLst>
+      <p:par>
+        <p:cTn id="1" dur="indefinite" restart="never" nodeType="tmRoot">
+          <p:childTnLst>
+            <p:seq concurrent="1" nextAc="seek">
+              <p:cTn id="2" dur="indefinite" nodeType="mainSeq">
+                <p:childTnLst>
+                  <p:par>
+                    <p:cTn id="3" fill="hold">
+                      <p:stCondLst>
+                        <p:cond delay="indefinite"/>
+                        <p:cond evt="onBegin" delay="0">
+                          <p:tn val="2"/>
+                        </p:cond>
+                      </p:stCondLst>
+                      <p:childTnLst>
+                        <p:par>
+                          <p:cTn id="4" fill="hold">
+                            <p:stCondLst>
+                              <p:cond delay="0"/>
+                            </p:stCondLst>
+                            <p:childTnLst>
+                              <p:par>
+                                <p:cTn id="5" presetID="1" presetClass="entr" presetSubtype="0" fill="hold" grpId="0" nodeType="withEffect">
+                                  <p:stCondLst>
+                                    <p:cond delay="0"/>
+                                  </p:stCondLst>
+                                  <p:childTnLst>
+                                    <p:set>
+                                      <p:cBhvr>
+                                        <p:cTn id="6" dur="1" fill="hold">
+                                          <p:stCondLst>
+                                            <p:cond delay="0"/>
+                                          </p:stCondLst>
+                                        </p:cTn>
+                                        <p:tgtEl>
+                                          <p:spTgt spid="99"/>
+                                        </p:tgtEl>
+                                        <p:attrNameLst>
+                                          <p:attrName>style.visibility</p:attrName>
+                                        </p:attrNameLst>
+                                      </p:cBhvr>
+                                      <p:to>
+                                        <p:strVal val="visible"/>
+                                      </p:to>
+                                    </p:set>
+                                  </p:childTnLst>
+                                </p:cTn>
+                              </p:par>
+                              <p:par>
+                                <p:cTn id="7" presetID="1" presetClass="entr" presetSubtype="0" fill="hold" grpId="0" nodeType="withEffect">
+                                  <p:stCondLst>
+                                    <p:cond delay="0"/>
+                                  </p:stCondLst>
+                                  <p:childTnLst>
+                                    <p:set>
+                                      <p:cBhvr>
+                                        <p:cTn id="8" dur="1" fill="hold">
+                                          <p:stCondLst>
+                                            <p:cond delay="0"/>
+                                          </p:stCondLst>
+                                        </p:cTn>
+                                        <p:tgtEl>
+                                          <p:spTgt spid="104"/>
+                                        </p:tgtEl>
+                                        <p:attrNameLst>
+                                          <p:attrName>style.visibility</p:attrName>
+                                        </p:attrNameLst>
+                                      </p:cBhvr>
+                                      <p:to>
+                                        <p:strVal val="visible"/>
+                                      </p:to>
+                                    </p:set>
+                                  </p:childTnLst>
+                                </p:cTn>
+                              </p:par>
+                            </p:childTnLst>
+                          </p:cTn>
+                        </p:par>
+                      </p:childTnLst>
+                    </p:cTn>
+                  </p:par>
+                </p:childTnLst>
+              </p:cTn>
+              <p:prevCondLst>
+                <p:cond evt="onPrev" delay="0">
+                  <p:tgtEl>
+                    <p:sldTgt/>
+                  </p:tgtEl>
+                </p:cond>
+              </p:prevCondLst>
+              <p:nextCondLst>
+                <p:cond evt="onNext" delay="0">
+                  <p:tgtEl>
+                    <p:sldTgt/>
+                  </p:tgtEl>
+                </p:cond>
+              </p:nextCondLst>
+            </p:seq>
+          </p:childTnLst>
+        </p:cTn>
+      </p:par>
+    </p:tnLst>
+    <p:bldLst>
+      <p:bldP spid="99" grpId="0" animBg="1"/>
       <p:bldP spid="104" grpId="0" animBg="1"/>
     </p:bldLst>
   </p:timing>
@@ -14292,11 +17183,7 @@
           <a:p>
             <a:r>
               <a:rPr lang="en-US" dirty="0" smtClean="0"/>
-              <a:t>Key </a:t>
-            </a:r>
-            <a:r>
-              <a:rPr lang="en-US" dirty="0" smtClean="0"/>
-              <a:t>Concepts, A Blockchain Network</a:t>
+              <a:t>Key Concepts, A Blockchain Network</a:t>
             </a:r>
             <a:endParaRPr lang="en-US" dirty="0"/>
           </a:p>

--- a/docs/OtherSourceMaterial/Diagrams.pptx
+++ b/docs/OtherSourceMaterial/Diagrams.pptx
@@ -14805,14 +14805,14 @@
               <a:defRPr/>
             </a:pPr>
             <a:r>
-              <a:rPr lang="en-US" sz="1100" b="1" kern="0" noProof="0" smtClean="0">
+              <a:rPr lang="en-US" sz="1100" b="1" kern="0" noProof="0" dirty="0" smtClean="0">
                 <a:solidFill>
                   <a:schemeClr val="bg1"/>
                 </a:solidFill>
                 <a:ea typeface=""/>
                 <a:cs typeface=""/>
               </a:rPr>
-              <a:t>MSP.ORG1</a:t>
+              <a:t>MSP.ORG2</a:t>
             </a:r>
             <a:endParaRPr kumimoji="0" lang="en-US" sz="1100" b="1" i="0" u="none" strike="noStrike" kern="0" cap="none" spc="0" normalizeH="0" baseline="0" noProof="0" dirty="0" smtClean="0">
               <a:ln>
@@ -14892,7 +14892,7 @@
                 <a:ea typeface=""/>
                 <a:cs typeface=""/>
               </a:rPr>
-              <a:t>MSP.ORG2</a:t>
+              <a:t>MSP.ORG1</a:t>
             </a:r>
             <a:endParaRPr kumimoji="0" lang="en-US" sz="1200" b="1" i="0" u="none" strike="noStrike" kern="0" cap="none" spc="0" normalizeH="0" baseline="0" noProof="0" dirty="0" smtClean="0">
               <a:ln>
@@ -15013,7 +15013,7 @@
                 <a:ea typeface=""/>
                 <a:cs typeface=""/>
               </a:rPr>
-              <a:t>MSP.ORG1</a:t>
+              <a:t>MSP.ORG2</a:t>
             </a:r>
             <a:endParaRPr kumimoji="0" lang="en-US" sz="1200" b="1" i="0" u="none" strike="noStrike" kern="0" cap="none" spc="0" normalizeH="0" baseline="0" noProof="0" dirty="0" smtClean="0">
               <a:ln>
@@ -15200,7 +15200,7 @@
         </p:nvSpPr>
         <p:spPr>
           <a:xfrm>
-            <a:off x="8061956" y="3912701"/>
+            <a:off x="8068639" y="3754548"/>
             <a:ext cx="575072" cy="567368"/>
           </a:xfrm>
           <a:prstGeom prst="roundRect">
@@ -15427,8 +15427,8 @@
         </p:nvCxnSpPr>
         <p:spPr>
           <a:xfrm rot="16200000" flipH="1">
-            <a:off x="7271311" y="2834519"/>
-            <a:ext cx="984447" cy="1171915"/>
+            <a:off x="7353729" y="2752102"/>
+            <a:ext cx="826294" cy="1178598"/>
           </a:xfrm>
           <a:prstGeom prst="bentConnector3">
             <a:avLst>
@@ -15468,8 +15468,8 @@
         </p:nvCxnSpPr>
         <p:spPr>
           <a:xfrm rot="5400000" flipH="1" flipV="1">
-            <a:off x="7162674" y="3926605"/>
-            <a:ext cx="633354" cy="1740282"/>
+            <a:off x="7086939" y="3844188"/>
+            <a:ext cx="791507" cy="1746965"/>
           </a:xfrm>
           <a:prstGeom prst="bentConnector3">
             <a:avLst>
@@ -15506,7 +15506,7 @@
         </p:nvSpPr>
         <p:spPr>
           <a:xfrm>
-            <a:off x="1718030" y="4037508"/>
+            <a:off x="1718030" y="3878292"/>
             <a:ext cx="1029062" cy="319881"/>
           </a:xfrm>
           <a:prstGeom prst="roundRect">
@@ -15560,7 +15560,7 @@
                 <a:ea typeface=""/>
                 <a:cs typeface=""/>
               </a:rPr>
-              <a:t>MSP.ORG2</a:t>
+              <a:t>MSP.ORG1</a:t>
             </a:r>
             <a:endParaRPr kumimoji="0" lang="en-US" sz="1200" b="1" i="0" u="none" strike="noStrike" kern="0" cap="none" spc="0" normalizeH="0" baseline="0" noProof="0" dirty="0" smtClean="0">
               <a:ln>
@@ -15589,8 +15589,8 @@
         </p:nvCxnSpPr>
         <p:spPr>
           <a:xfrm flipV="1">
-            <a:off x="2747092" y="4196385"/>
-            <a:ext cx="5314864" cy="1064"/>
+            <a:off x="2747092" y="4038232"/>
+            <a:ext cx="5321547" cy="1"/>
           </a:xfrm>
           <a:prstGeom prst="straightConnector1">
             <a:avLst/>
@@ -15718,7 +15718,7 @@
                 <a:ea typeface=""/>
                 <a:cs typeface=""/>
               </a:rPr>
-              <a:t>MSP.ORG2</a:t>
+              <a:t>MSP.ORG1</a:t>
             </a:r>
             <a:endParaRPr kumimoji="0" lang="en-US" sz="1200" b="1" i="0" u="none" strike="noStrike" kern="0" cap="none" spc="0" normalizeH="0" baseline="0" noProof="0" dirty="0" smtClean="0">
               <a:ln>
@@ -15736,47 +15736,6 @@
           </a:p>
         </p:txBody>
       </p:sp>
-      <p:cxnSp>
-        <p:nvCxnSpPr>
-          <p:cNvPr id="43" name="Straight Connector 42"/>
-          <p:cNvCxnSpPr>
-            <a:stCxn id="77" idx="2"/>
-            <a:endCxn id="40" idx="0"/>
-          </p:cNvCxnSpPr>
-          <p:nvPr/>
-        </p:nvCxnSpPr>
-        <p:spPr>
-          <a:xfrm>
-            <a:off x="2232561" y="3875571"/>
-            <a:ext cx="0" cy="161937"/>
-          </a:xfrm>
-          <a:prstGeom prst="line">
-            <a:avLst/>
-          </a:prstGeom>
-          <a:ln w="28575">
-            <a:solidFill>
-              <a:srgbClr val="4372C4"/>
-            </a:solidFill>
-            <a:prstDash val="sysDot"/>
-            <a:headEnd type="none" w="med" len="med"/>
-            <a:tailEnd type="none" w="med" len="med"/>
-          </a:ln>
-        </p:spPr>
-        <p:style>
-          <a:lnRef idx="1">
-            <a:schemeClr val="accent1"/>
-          </a:lnRef>
-          <a:fillRef idx="0">
-            <a:schemeClr val="accent1"/>
-          </a:fillRef>
-          <a:effectRef idx="0">
-            <a:schemeClr val="accent1"/>
-          </a:effectRef>
-          <a:fontRef idx="minor">
-            <a:schemeClr val="tx1"/>
-          </a:fontRef>
-        </p:style>
-      </p:cxnSp>
     </p:spTree>
     <p:extLst>
       <p:ext uri="{BB962C8B-B14F-4D97-AF65-F5344CB8AC3E}">

--- a/docs/OtherSourceMaterial/Diagrams.pptx
+++ b/docs/OtherSourceMaterial/Diagrams.pptx
@@ -5,7 +5,7 @@
     <p:sldMasterId id="2147483648" r:id="rId1"/>
   </p:sldMasterIdLst>
   <p:notesMasterIdLst>
-    <p:notesMasterId r:id="rId15"/>
+    <p:notesMasterId r:id="rId16"/>
   </p:notesMasterIdLst>
   <p:sldIdLst>
     <p:sldId id="386" r:id="rId2"/>
@@ -21,6 +21,7 @@
     <p:sldId id="397" r:id="rId12"/>
     <p:sldId id="399" r:id="rId13"/>
     <p:sldId id="400" r:id="rId14"/>
+    <p:sldId id="401" r:id="rId15"/>
   </p:sldIdLst>
   <p:sldSz cx="12192000" cy="6858000"/>
   <p:notesSz cx="6858000" cy="9144000"/>
@@ -14812,7 +14813,7 @@
                 <a:ea typeface=""/>
                 <a:cs typeface=""/>
               </a:rPr>
-              <a:t>MSP.ORG2</a:t>
+              <a:t>ORG2.MSP</a:t>
             </a:r>
             <a:endParaRPr kumimoji="0" lang="en-US" sz="1100" b="1" i="0" u="none" strike="noStrike" kern="0" cap="none" spc="0" normalizeH="0" baseline="0" noProof="0" dirty="0" smtClean="0">
               <a:ln>
@@ -14892,7 +14893,7 @@
                 <a:ea typeface=""/>
                 <a:cs typeface=""/>
               </a:rPr>
-              <a:t>MSP.ORG1</a:t>
+              <a:t>ORG1.MSP</a:t>
             </a:r>
             <a:endParaRPr kumimoji="0" lang="en-US" sz="1200" b="1" i="0" u="none" strike="noStrike" kern="0" cap="none" spc="0" normalizeH="0" baseline="0" noProof="0" dirty="0" smtClean="0">
               <a:ln>
@@ -15013,7 +15014,7 @@
                 <a:ea typeface=""/>
                 <a:cs typeface=""/>
               </a:rPr>
-              <a:t>MSP.ORG2</a:t>
+              <a:t>ORG2.MSP</a:t>
             </a:r>
             <a:endParaRPr kumimoji="0" lang="en-US" sz="1200" b="1" i="0" u="none" strike="noStrike" kern="0" cap="none" spc="0" normalizeH="0" baseline="0" noProof="0" dirty="0" smtClean="0">
               <a:ln>
@@ -15553,14 +15554,14 @@
               <a:defRPr/>
             </a:pPr>
             <a:r>
-              <a:rPr lang="en-US" sz="1200" b="1" kern="0" noProof="0" smtClean="0">
+              <a:rPr lang="en-US" sz="1200" b="1" kern="0" noProof="0" dirty="0" smtClean="0">
                 <a:solidFill>
                   <a:schemeClr val="bg1"/>
                 </a:solidFill>
                 <a:ea typeface=""/>
                 <a:cs typeface=""/>
               </a:rPr>
-              <a:t>MSP.ORG1</a:t>
+              <a:t>ORG1.MSP</a:t>
             </a:r>
             <a:endParaRPr kumimoji="0" lang="en-US" sz="1200" b="1" i="0" u="none" strike="noStrike" kern="0" cap="none" spc="0" normalizeH="0" baseline="0" noProof="0" dirty="0" smtClean="0">
               <a:ln>
@@ -15718,7 +15719,7 @@
                 <a:ea typeface=""/>
                 <a:cs typeface=""/>
               </a:rPr>
-              <a:t>MSP.ORG1</a:t>
+              <a:t>ORG1.MSP</a:t>
             </a:r>
             <a:endParaRPr kumimoji="0" lang="en-US" sz="1200" b="1" i="0" u="none" strike="noStrike" kern="0" cap="none" spc="0" normalizeH="0" baseline="0" noProof="0" dirty="0" smtClean="0">
               <a:ln>
@@ -15853,6 +15854,2232 @@
     <p:bldLst>
       <p:bldP spid="99" grpId="0" animBg="1"/>
       <p:bldP spid="104" grpId="0" animBg="1"/>
+    </p:bldLst>
+  </p:timing>
+</p:sld>
+</file>
+
+<file path=ppt/slides/slide14.xml><?xml version="1.0" encoding="utf-8"?>
+<p:sld xmlns:a="http://schemas.openxmlformats.org/drawingml/2006/main" xmlns:r="http://schemas.openxmlformats.org/officeDocument/2006/relationships" xmlns:p="http://schemas.openxmlformats.org/presentationml/2006/main">
+  <p:cSld>
+    <p:spTree>
+      <p:nvGrpSpPr>
+        <p:cNvPr id="1" name=""/>
+        <p:cNvGrpSpPr/>
+        <p:nvPr/>
+      </p:nvGrpSpPr>
+      <p:grpSpPr>
+        <a:xfrm>
+          <a:off x="0" y="0"/>
+          <a:ext cx="0" cy="0"/>
+          <a:chOff x="0" y="0"/>
+          <a:chExt cx="0" cy="0"/>
+        </a:xfrm>
+      </p:grpSpPr>
+      <p:sp>
+        <p:nvSpPr>
+          <p:cNvPr id="2" name="Title 1"/>
+          <p:cNvSpPr>
+            <a:spLocks noGrp="1"/>
+          </p:cNvSpPr>
+          <p:nvPr>
+            <p:ph type="title"/>
+          </p:nvPr>
+        </p:nvSpPr>
+        <p:spPr/>
+        <p:txBody>
+          <a:bodyPr/>
+          <a:lstStyle/>
+          <a:p>
+            <a:r>
+              <a:rPr lang="en-US" smtClean="0"/>
+              <a:t>Diagram </a:t>
+            </a:r>
+            <a:r>
+              <a:rPr lang="en-US" dirty="0"/>
+              <a:t>4</a:t>
+            </a:r>
+            <a:endParaRPr lang="en-US" dirty="0"/>
+          </a:p>
+        </p:txBody>
+      </p:sp>
+      <p:sp>
+        <p:nvSpPr>
+          <p:cNvPr id="4" name="Slide Number Placeholder 3"/>
+          <p:cNvSpPr>
+            <a:spLocks noGrp="1"/>
+          </p:cNvSpPr>
+          <p:nvPr>
+            <p:ph type="sldNum" sz="quarter" idx="12"/>
+          </p:nvPr>
+        </p:nvSpPr>
+        <p:spPr>
+          <a:xfrm>
+            <a:off x="1149384" y="6156888"/>
+            <a:ext cx="2743200" cy="365125"/>
+          </a:xfrm>
+        </p:spPr>
+        <p:txBody>
+          <a:bodyPr/>
+          <a:lstStyle/>
+          <a:p>
+            <a:fld id="{2AF5F8E0-9CB9-8D41-B80C-6B76C9B710FC}" type="slidenum">
+              <a:rPr lang="en-US" smtClean="0"/>
+              <a:pPr/>
+              <a:t>14</a:t>
+            </a:fld>
+            <a:endParaRPr lang="en-US"/>
+          </a:p>
+        </p:txBody>
+      </p:sp>
+      <p:sp>
+        <p:nvSpPr>
+          <p:cNvPr id="50" name="Rounded Rectangle 49"/>
+          <p:cNvSpPr/>
+          <p:nvPr/>
+        </p:nvSpPr>
+        <p:spPr>
+          <a:xfrm>
+            <a:off x="2742928" y="2069449"/>
+            <a:ext cx="966733" cy="319881"/>
+          </a:xfrm>
+          <a:prstGeom prst="roundRect">
+            <a:avLst>
+              <a:gd name="adj" fmla="val 50000"/>
+            </a:avLst>
+          </a:prstGeom>
+          <a:solidFill>
+            <a:srgbClr val="9F42E6"/>
+          </a:solidFill>
+          <a:ln w="28575" cap="flat" cmpd="sng" algn="ctr">
+            <a:solidFill>
+              <a:schemeClr val="tx2"/>
+            </a:solidFill>
+            <a:prstDash val="solid"/>
+          </a:ln>
+          <a:effectLst>
+            <a:outerShdw blurRad="40000" dist="23000" dir="5400000" rotWithShape="0">
+              <a:srgbClr val="000000">
+                <a:alpha val="35000"/>
+              </a:srgbClr>
+            </a:outerShdw>
+          </a:effectLst>
+        </p:spPr>
+        <p:txBody>
+          <a:bodyPr tIns="36000" bIns="36000" rtlCol="0" anchor="ctr"/>
+          <a:lstStyle/>
+          <a:p>
+            <a:pPr marL="0" marR="0" lvl="0" indent="0" algn="ctr" defTabSz="457200" eaLnBrk="1" fontAlgn="auto" latinLnBrk="0" hangingPunct="1">
+              <a:lnSpc>
+                <a:spcPct val="100000"/>
+              </a:lnSpc>
+              <a:spcBef>
+                <a:spcPts val="0"/>
+              </a:spcBef>
+              <a:spcAft>
+                <a:spcPts val="0"/>
+              </a:spcAft>
+              <a:buClrTx/>
+              <a:buSzTx/>
+              <a:buFontTx/>
+              <a:buNone/>
+              <a:tabLst/>
+              <a:defRPr/>
+            </a:pPr>
+            <a:r>
+              <a:rPr lang="en-US" sz="1100" b="1" kern="0" noProof="0" dirty="0" smtClean="0">
+                <a:solidFill>
+                  <a:schemeClr val="bg1"/>
+                </a:solidFill>
+                <a:ea typeface=""/>
+                <a:cs typeface=""/>
+              </a:rPr>
+              <a:t>ORG.MSP</a:t>
+            </a:r>
+            <a:endParaRPr kumimoji="0" lang="en-US" sz="1100" b="1" i="0" u="none" strike="noStrike" kern="0" cap="none" spc="0" normalizeH="0" baseline="0" noProof="0" dirty="0" smtClean="0">
+              <a:ln>
+                <a:noFill/>
+              </a:ln>
+              <a:solidFill>
+                <a:schemeClr val="bg1"/>
+              </a:solidFill>
+              <a:effectLst/>
+              <a:uLnTx/>
+              <a:uFillTx/>
+              <a:ea typeface=""/>
+              <a:cs typeface=""/>
+            </a:endParaRPr>
+          </a:p>
+        </p:txBody>
+      </p:sp>
+      <p:cxnSp>
+        <p:nvCxnSpPr>
+          <p:cNvPr id="65" name="Straight Connector 64"/>
+          <p:cNvCxnSpPr>
+            <a:endCxn id="50" idx="1"/>
+          </p:cNvCxnSpPr>
+          <p:nvPr/>
+        </p:nvCxnSpPr>
+        <p:spPr>
+          <a:xfrm>
+            <a:off x="2282265" y="2228200"/>
+            <a:ext cx="460663" cy="1190"/>
+          </a:xfrm>
+          <a:prstGeom prst="line">
+            <a:avLst/>
+          </a:prstGeom>
+          <a:ln w="28575">
+            <a:solidFill>
+              <a:srgbClr val="4372C4"/>
+            </a:solidFill>
+            <a:prstDash val="sysDot"/>
+            <a:headEnd type="none" w="med" len="med"/>
+            <a:tailEnd type="none" w="med" len="med"/>
+          </a:ln>
+        </p:spPr>
+        <p:style>
+          <a:lnRef idx="1">
+            <a:schemeClr val="accent1"/>
+          </a:lnRef>
+          <a:fillRef idx="0">
+            <a:schemeClr val="accent1"/>
+          </a:fillRef>
+          <a:effectRef idx="0">
+            <a:schemeClr val="accent1"/>
+          </a:effectRef>
+          <a:fontRef idx="minor">
+            <a:schemeClr val="tx1"/>
+          </a:fontRef>
+        </p:style>
+      </p:cxnSp>
+      <p:sp>
+        <p:nvSpPr>
+          <p:cNvPr id="104" name="Rounded Rectangle 103"/>
+          <p:cNvSpPr/>
+          <p:nvPr/>
+        </p:nvSpPr>
+        <p:spPr>
+          <a:xfrm>
+            <a:off x="4541789" y="3095625"/>
+            <a:ext cx="575072" cy="567368"/>
+          </a:xfrm>
+          <a:prstGeom prst="roundRect">
+            <a:avLst/>
+          </a:prstGeom>
+          <a:solidFill>
+            <a:schemeClr val="accent4"/>
+          </a:solidFill>
+          <a:ln w="25400">
+            <a:solidFill>
+              <a:srgbClr val="0070C0"/>
+            </a:solidFill>
+          </a:ln>
+        </p:spPr>
+        <p:style>
+          <a:lnRef idx="2">
+            <a:schemeClr val="accent1">
+              <a:shade val="50000"/>
+            </a:schemeClr>
+          </a:lnRef>
+          <a:fillRef idx="1">
+            <a:schemeClr val="accent1"/>
+          </a:fillRef>
+          <a:effectRef idx="0">
+            <a:schemeClr val="accent1"/>
+          </a:effectRef>
+          <a:fontRef idx="minor">
+            <a:schemeClr val="lt1"/>
+          </a:fontRef>
+        </p:style>
+        <p:txBody>
+          <a:bodyPr rtlCol="0" anchor="ctr"/>
+          <a:lstStyle/>
+          <a:p>
+            <a:pPr algn="ctr"/>
+            <a:r>
+              <a:rPr lang="en-US" sz="1200" b="1" dirty="0" smtClean="0">
+                <a:solidFill>
+                  <a:srgbClr val="4372C4"/>
+                </a:solidFill>
+              </a:rPr>
+              <a:t>I</a:t>
+            </a:r>
+            <a:r>
+              <a:rPr lang="en-US" sz="1200" b="1" dirty="0" smtClean="0">
+                <a:solidFill>
+                  <a:srgbClr val="4372C4"/>
+                </a:solidFill>
+              </a:rPr>
+              <a:t>CA</a:t>
+            </a:r>
+            <a:endParaRPr lang="en-US" sz="1200" b="1" dirty="0">
+              <a:solidFill>
+                <a:srgbClr val="4372C4"/>
+              </a:solidFill>
+            </a:endParaRPr>
+          </a:p>
+        </p:txBody>
+      </p:sp>
+      <p:cxnSp>
+        <p:nvCxnSpPr>
+          <p:cNvPr id="27" name="Straight Arrow Connector 26"/>
+          <p:cNvCxnSpPr>
+            <a:stCxn id="50" idx="3"/>
+            <a:endCxn id="101" idx="1"/>
+          </p:cNvCxnSpPr>
+          <p:nvPr/>
+        </p:nvCxnSpPr>
+        <p:spPr>
+          <a:xfrm flipV="1">
+            <a:off x="3709661" y="2228200"/>
+            <a:ext cx="832128" cy="1190"/>
+          </a:xfrm>
+          <a:prstGeom prst="straightConnector1">
+            <a:avLst/>
+          </a:prstGeom>
+          <a:ln w="28575">
+            <a:solidFill>
+              <a:srgbClr val="4372C4"/>
+            </a:solidFill>
+            <a:tailEnd type="triangle"/>
+          </a:ln>
+        </p:spPr>
+        <p:style>
+          <a:lnRef idx="1">
+            <a:schemeClr val="accent1"/>
+          </a:lnRef>
+          <a:fillRef idx="0">
+            <a:schemeClr val="accent1"/>
+          </a:fillRef>
+          <a:effectRef idx="0">
+            <a:schemeClr val="accent1"/>
+          </a:effectRef>
+          <a:fontRef idx="minor">
+            <a:schemeClr val="tx1"/>
+          </a:fontRef>
+        </p:style>
+      </p:cxnSp>
+      <p:grpSp>
+        <p:nvGrpSpPr>
+          <p:cNvPr id="41" name="Group 40"/>
+          <p:cNvGrpSpPr/>
+          <p:nvPr/>
+        </p:nvGrpSpPr>
+        <p:grpSpPr>
+          <a:xfrm>
+            <a:off x="1693968" y="1890690"/>
+            <a:ext cx="742889" cy="677401"/>
+            <a:chOff x="10666566" y="3979442"/>
+            <a:chExt cx="742889" cy="677401"/>
+          </a:xfrm>
+        </p:grpSpPr>
+        <p:sp>
+          <p:nvSpPr>
+            <p:cNvPr id="42" name="Triangle 41"/>
+            <p:cNvSpPr/>
+            <p:nvPr/>
+          </p:nvSpPr>
+          <p:spPr>
+            <a:xfrm>
+              <a:off x="10666566" y="3979442"/>
+              <a:ext cx="742889" cy="677401"/>
+            </a:xfrm>
+            <a:prstGeom prst="triangle">
+              <a:avLst/>
+            </a:prstGeom>
+            <a:ln w="12700">
+              <a:solidFill>
+                <a:schemeClr val="tx2"/>
+              </a:solidFill>
+            </a:ln>
+          </p:spPr>
+          <p:style>
+            <a:lnRef idx="2">
+              <a:schemeClr val="accent1">
+                <a:shade val="50000"/>
+              </a:schemeClr>
+            </a:lnRef>
+            <a:fillRef idx="1">
+              <a:schemeClr val="accent1"/>
+            </a:fillRef>
+            <a:effectRef idx="0">
+              <a:schemeClr val="accent1"/>
+            </a:effectRef>
+            <a:fontRef idx="minor">
+              <a:schemeClr val="lt1"/>
+            </a:fontRef>
+          </p:style>
+          <p:txBody>
+            <a:bodyPr rtlCol="0" anchor="ctr"/>
+            <a:lstStyle/>
+            <a:p>
+              <a:pPr algn="ctr"/>
+              <a:endParaRPr lang="en-US" sz="1600" b="1" dirty="0">
+                <a:solidFill>
+                  <a:schemeClr val="bg1"/>
+                </a:solidFill>
+              </a:endParaRPr>
+            </a:p>
+          </p:txBody>
+        </p:sp>
+        <p:sp>
+          <p:nvSpPr>
+            <p:cNvPr id="43" name="TextBox 42"/>
+            <p:cNvSpPr txBox="1"/>
+            <p:nvPr/>
+          </p:nvSpPr>
+          <p:spPr>
+            <a:xfrm>
+              <a:off x="10763238" y="4281243"/>
+              <a:ext cx="520014" cy="307777"/>
+            </a:xfrm>
+            <a:prstGeom prst="rect">
+              <a:avLst/>
+            </a:prstGeom>
+            <a:noFill/>
+          </p:spPr>
+          <p:txBody>
+            <a:bodyPr wrap="none" rtlCol="0">
+              <a:spAutoFit/>
+            </a:bodyPr>
+            <a:lstStyle/>
+            <a:p>
+              <a:r>
+                <a:rPr lang="en-US" sz="1400" b="1" smtClean="0">
+                  <a:solidFill>
+                    <a:schemeClr val="bg1"/>
+                  </a:solidFill>
+                </a:rPr>
+                <a:t>ORG</a:t>
+              </a:r>
+              <a:endParaRPr lang="en-US" sz="1400" b="1" dirty="0">
+                <a:solidFill>
+                  <a:schemeClr val="bg1"/>
+                </a:solidFill>
+              </a:endParaRPr>
+            </a:p>
+          </p:txBody>
+        </p:sp>
+      </p:grpSp>
+      <p:grpSp>
+        <p:nvGrpSpPr>
+          <p:cNvPr id="59" name="Group 58"/>
+          <p:cNvGrpSpPr/>
+          <p:nvPr/>
+        </p:nvGrpSpPr>
+        <p:grpSpPr>
+          <a:xfrm>
+            <a:off x="1679202" y="3681125"/>
+            <a:ext cx="742889" cy="677401"/>
+            <a:chOff x="10666566" y="3979442"/>
+            <a:chExt cx="742889" cy="677401"/>
+          </a:xfrm>
+        </p:grpSpPr>
+        <p:sp>
+          <p:nvSpPr>
+            <p:cNvPr id="60" name="Triangle 59"/>
+            <p:cNvSpPr/>
+            <p:nvPr/>
+          </p:nvSpPr>
+          <p:spPr>
+            <a:xfrm>
+              <a:off x="10666566" y="3979442"/>
+              <a:ext cx="742889" cy="677401"/>
+            </a:xfrm>
+            <a:prstGeom prst="triangle">
+              <a:avLst/>
+            </a:prstGeom>
+            <a:ln w="12700">
+              <a:solidFill>
+                <a:schemeClr val="tx2"/>
+              </a:solidFill>
+            </a:ln>
+          </p:spPr>
+          <p:style>
+            <a:lnRef idx="2">
+              <a:schemeClr val="accent1">
+                <a:shade val="50000"/>
+              </a:schemeClr>
+            </a:lnRef>
+            <a:fillRef idx="1">
+              <a:schemeClr val="accent1"/>
+            </a:fillRef>
+            <a:effectRef idx="0">
+              <a:schemeClr val="accent1"/>
+            </a:effectRef>
+            <a:fontRef idx="minor">
+              <a:schemeClr val="lt1"/>
+            </a:fontRef>
+          </p:style>
+          <p:txBody>
+            <a:bodyPr rtlCol="0" anchor="ctr"/>
+            <a:lstStyle/>
+            <a:p>
+              <a:pPr algn="ctr"/>
+              <a:endParaRPr lang="en-US" sz="1600" b="1" dirty="0">
+                <a:solidFill>
+                  <a:schemeClr val="bg1"/>
+                </a:solidFill>
+              </a:endParaRPr>
+            </a:p>
+          </p:txBody>
+        </p:sp>
+        <p:sp>
+          <p:nvSpPr>
+            <p:cNvPr id="62" name="TextBox 61"/>
+            <p:cNvSpPr txBox="1"/>
+            <p:nvPr/>
+          </p:nvSpPr>
+          <p:spPr>
+            <a:xfrm>
+              <a:off x="10763238" y="4281243"/>
+              <a:ext cx="520014" cy="307777"/>
+            </a:xfrm>
+            <a:prstGeom prst="rect">
+              <a:avLst/>
+            </a:prstGeom>
+            <a:noFill/>
+          </p:spPr>
+          <p:txBody>
+            <a:bodyPr wrap="none" rtlCol="0">
+              <a:spAutoFit/>
+            </a:bodyPr>
+            <a:lstStyle/>
+            <a:p>
+              <a:r>
+                <a:rPr lang="en-US" sz="1400" b="1" smtClean="0">
+                  <a:solidFill>
+                    <a:schemeClr val="bg1"/>
+                  </a:solidFill>
+                </a:rPr>
+                <a:t>ORG</a:t>
+              </a:r>
+              <a:endParaRPr lang="en-US" sz="1400" b="1" dirty="0">
+                <a:solidFill>
+                  <a:schemeClr val="bg1"/>
+                </a:solidFill>
+              </a:endParaRPr>
+            </a:p>
+          </p:txBody>
+        </p:sp>
+      </p:grpSp>
+      <p:sp>
+        <p:nvSpPr>
+          <p:cNvPr id="67" name="Rounded Rectangle 66"/>
+          <p:cNvSpPr/>
+          <p:nvPr/>
+        </p:nvSpPr>
+        <p:spPr>
+          <a:xfrm>
+            <a:off x="2742928" y="3219368"/>
+            <a:ext cx="966733" cy="319881"/>
+          </a:xfrm>
+          <a:prstGeom prst="roundRect">
+            <a:avLst>
+              <a:gd name="adj" fmla="val 50000"/>
+            </a:avLst>
+          </a:prstGeom>
+          <a:solidFill>
+            <a:srgbClr val="9F42E6"/>
+          </a:solidFill>
+          <a:ln w="28575" cap="flat" cmpd="sng" algn="ctr">
+            <a:solidFill>
+              <a:schemeClr val="tx2"/>
+            </a:solidFill>
+            <a:prstDash val="solid"/>
+          </a:ln>
+          <a:effectLst>
+            <a:outerShdw blurRad="40000" dist="23000" dir="5400000" rotWithShape="0">
+              <a:srgbClr val="000000">
+                <a:alpha val="35000"/>
+              </a:srgbClr>
+            </a:outerShdw>
+          </a:effectLst>
+        </p:spPr>
+        <p:txBody>
+          <a:bodyPr tIns="36000" bIns="36000" rtlCol="0" anchor="ctr"/>
+          <a:lstStyle/>
+          <a:p>
+            <a:pPr marL="0" marR="0" lvl="0" indent="0" algn="ctr" defTabSz="457200" eaLnBrk="1" fontAlgn="auto" latinLnBrk="0" hangingPunct="1">
+              <a:lnSpc>
+                <a:spcPct val="100000"/>
+              </a:lnSpc>
+              <a:spcBef>
+                <a:spcPts val="0"/>
+              </a:spcBef>
+              <a:spcAft>
+                <a:spcPts val="0"/>
+              </a:spcAft>
+              <a:buClrTx/>
+              <a:buSzTx/>
+              <a:buFontTx/>
+              <a:buNone/>
+              <a:tabLst/>
+              <a:defRPr/>
+            </a:pPr>
+            <a:r>
+              <a:rPr lang="en-US" sz="1100" b="1" kern="0" noProof="0" dirty="0" smtClean="0">
+                <a:solidFill>
+                  <a:schemeClr val="bg1"/>
+                </a:solidFill>
+                <a:ea typeface=""/>
+                <a:cs typeface=""/>
+              </a:rPr>
+              <a:t>ORG.MSP1</a:t>
+            </a:r>
+            <a:endParaRPr kumimoji="0" lang="en-US" sz="1100" b="1" i="0" u="none" strike="noStrike" kern="0" cap="none" spc="0" normalizeH="0" baseline="0" noProof="0" dirty="0" smtClean="0">
+              <a:ln>
+                <a:noFill/>
+              </a:ln>
+              <a:solidFill>
+                <a:schemeClr val="bg1"/>
+              </a:solidFill>
+              <a:effectLst/>
+              <a:uLnTx/>
+              <a:uFillTx/>
+              <a:ea typeface=""/>
+              <a:cs typeface=""/>
+            </a:endParaRPr>
+          </a:p>
+        </p:txBody>
+      </p:sp>
+      <p:sp>
+        <p:nvSpPr>
+          <p:cNvPr id="68" name="Rounded Rectangle 67"/>
+          <p:cNvSpPr/>
+          <p:nvPr/>
+        </p:nvSpPr>
+        <p:spPr>
+          <a:xfrm>
+            <a:off x="2742928" y="3859886"/>
+            <a:ext cx="966733" cy="319881"/>
+          </a:xfrm>
+          <a:prstGeom prst="roundRect">
+            <a:avLst>
+              <a:gd name="adj" fmla="val 50000"/>
+            </a:avLst>
+          </a:prstGeom>
+          <a:solidFill>
+            <a:srgbClr val="9F42E6"/>
+          </a:solidFill>
+          <a:ln w="28575" cap="flat" cmpd="sng" algn="ctr">
+            <a:solidFill>
+              <a:schemeClr val="tx2"/>
+            </a:solidFill>
+            <a:prstDash val="solid"/>
+          </a:ln>
+          <a:effectLst>
+            <a:outerShdw blurRad="40000" dist="23000" dir="5400000" rotWithShape="0">
+              <a:srgbClr val="000000">
+                <a:alpha val="35000"/>
+              </a:srgbClr>
+            </a:outerShdw>
+          </a:effectLst>
+        </p:spPr>
+        <p:txBody>
+          <a:bodyPr tIns="36000" bIns="36000" rtlCol="0" anchor="ctr"/>
+          <a:lstStyle/>
+          <a:p>
+            <a:pPr marL="0" marR="0" lvl="0" indent="0" algn="ctr" defTabSz="457200" eaLnBrk="1" fontAlgn="auto" latinLnBrk="0" hangingPunct="1">
+              <a:lnSpc>
+                <a:spcPct val="100000"/>
+              </a:lnSpc>
+              <a:spcBef>
+                <a:spcPts val="0"/>
+              </a:spcBef>
+              <a:spcAft>
+                <a:spcPts val="0"/>
+              </a:spcAft>
+              <a:buClrTx/>
+              <a:buSzTx/>
+              <a:buFontTx/>
+              <a:buNone/>
+              <a:tabLst/>
+              <a:defRPr/>
+            </a:pPr>
+            <a:r>
+              <a:rPr lang="en-US" sz="1100" b="1" kern="0" noProof="0" dirty="0" smtClean="0">
+                <a:solidFill>
+                  <a:schemeClr val="bg1"/>
+                </a:solidFill>
+                <a:ea typeface=""/>
+                <a:cs typeface=""/>
+              </a:rPr>
+              <a:t>ORG.MSP2</a:t>
+            </a:r>
+            <a:endParaRPr kumimoji="0" lang="en-US" sz="1100" b="1" i="0" u="none" strike="noStrike" kern="0" cap="none" spc="0" normalizeH="0" baseline="0" noProof="0" dirty="0" smtClean="0">
+              <a:ln>
+                <a:noFill/>
+              </a:ln>
+              <a:solidFill>
+                <a:schemeClr val="bg1"/>
+              </a:solidFill>
+              <a:effectLst/>
+              <a:uLnTx/>
+              <a:uFillTx/>
+              <a:ea typeface=""/>
+              <a:cs typeface=""/>
+            </a:endParaRPr>
+          </a:p>
+        </p:txBody>
+      </p:sp>
+      <p:sp>
+        <p:nvSpPr>
+          <p:cNvPr id="69" name="Rounded Rectangle 68"/>
+          <p:cNvSpPr/>
+          <p:nvPr/>
+        </p:nvSpPr>
+        <p:spPr>
+          <a:xfrm>
+            <a:off x="2742927" y="4500404"/>
+            <a:ext cx="966733" cy="319881"/>
+          </a:xfrm>
+          <a:prstGeom prst="roundRect">
+            <a:avLst>
+              <a:gd name="adj" fmla="val 50000"/>
+            </a:avLst>
+          </a:prstGeom>
+          <a:solidFill>
+            <a:srgbClr val="9F42E6"/>
+          </a:solidFill>
+          <a:ln w="28575" cap="flat" cmpd="sng" algn="ctr">
+            <a:solidFill>
+              <a:schemeClr val="tx2"/>
+            </a:solidFill>
+            <a:prstDash val="solid"/>
+          </a:ln>
+          <a:effectLst>
+            <a:outerShdw blurRad="40000" dist="23000" dir="5400000" rotWithShape="0">
+              <a:srgbClr val="000000">
+                <a:alpha val="35000"/>
+              </a:srgbClr>
+            </a:outerShdw>
+          </a:effectLst>
+        </p:spPr>
+        <p:txBody>
+          <a:bodyPr tIns="36000" bIns="36000" rtlCol="0" anchor="ctr"/>
+          <a:lstStyle/>
+          <a:p>
+            <a:pPr marL="0" marR="0" lvl="0" indent="0" algn="ctr" defTabSz="457200" eaLnBrk="1" fontAlgn="auto" latinLnBrk="0" hangingPunct="1">
+              <a:lnSpc>
+                <a:spcPct val="100000"/>
+              </a:lnSpc>
+              <a:spcBef>
+                <a:spcPts val="0"/>
+              </a:spcBef>
+              <a:spcAft>
+                <a:spcPts val="0"/>
+              </a:spcAft>
+              <a:buClrTx/>
+              <a:buSzTx/>
+              <a:buFontTx/>
+              <a:buNone/>
+              <a:tabLst/>
+              <a:defRPr/>
+            </a:pPr>
+            <a:r>
+              <a:rPr lang="en-US" sz="1100" b="1" kern="0" noProof="0" smtClean="0">
+                <a:solidFill>
+                  <a:schemeClr val="bg1"/>
+                </a:solidFill>
+                <a:ea typeface=""/>
+                <a:cs typeface=""/>
+              </a:rPr>
+              <a:t>ORG.MSP3</a:t>
+            </a:r>
+            <a:endParaRPr kumimoji="0" lang="en-US" sz="1100" b="1" i="0" u="none" strike="noStrike" kern="0" cap="none" spc="0" normalizeH="0" baseline="0" noProof="0" dirty="0" smtClean="0">
+              <a:ln>
+                <a:noFill/>
+              </a:ln>
+              <a:solidFill>
+                <a:schemeClr val="bg1"/>
+              </a:solidFill>
+              <a:effectLst/>
+              <a:uLnTx/>
+              <a:uFillTx/>
+              <a:ea typeface=""/>
+              <a:cs typeface=""/>
+            </a:endParaRPr>
+          </a:p>
+        </p:txBody>
+      </p:sp>
+      <p:sp>
+        <p:nvSpPr>
+          <p:cNvPr id="70" name="Rounded Rectangle 69"/>
+          <p:cNvSpPr/>
+          <p:nvPr/>
+        </p:nvSpPr>
+        <p:spPr>
+          <a:xfrm>
+            <a:off x="6075199" y="3095789"/>
+            <a:ext cx="575072" cy="567368"/>
+          </a:xfrm>
+          <a:prstGeom prst="roundRect">
+            <a:avLst/>
+          </a:prstGeom>
+          <a:solidFill>
+            <a:schemeClr val="accent4"/>
+          </a:solidFill>
+          <a:ln w="25400">
+            <a:solidFill>
+              <a:srgbClr val="0070C0"/>
+            </a:solidFill>
+          </a:ln>
+        </p:spPr>
+        <p:style>
+          <a:lnRef idx="2">
+            <a:schemeClr val="accent1">
+              <a:shade val="50000"/>
+            </a:schemeClr>
+          </a:lnRef>
+          <a:fillRef idx="1">
+            <a:schemeClr val="accent1"/>
+          </a:fillRef>
+          <a:effectRef idx="0">
+            <a:schemeClr val="accent1"/>
+          </a:effectRef>
+          <a:fontRef idx="minor">
+            <a:schemeClr val="lt1"/>
+          </a:fontRef>
+        </p:style>
+        <p:txBody>
+          <a:bodyPr rtlCol="0" anchor="ctr"/>
+          <a:lstStyle/>
+          <a:p>
+            <a:pPr algn="ctr"/>
+            <a:r>
+              <a:rPr lang="en-US" sz="1200" b="1" dirty="0" smtClean="0">
+                <a:solidFill>
+                  <a:srgbClr val="4372C4"/>
+                </a:solidFill>
+              </a:rPr>
+              <a:t>RCA1</a:t>
+            </a:r>
+            <a:endParaRPr lang="en-US" sz="1200" b="1" dirty="0">
+              <a:solidFill>
+                <a:srgbClr val="4372C4"/>
+              </a:solidFill>
+            </a:endParaRPr>
+          </a:p>
+        </p:txBody>
+      </p:sp>
+      <p:sp>
+        <p:nvSpPr>
+          <p:cNvPr id="71" name="Rounded Rectangle 70"/>
+          <p:cNvSpPr/>
+          <p:nvPr/>
+        </p:nvSpPr>
+        <p:spPr>
+          <a:xfrm>
+            <a:off x="4541789" y="3743849"/>
+            <a:ext cx="575072" cy="567368"/>
+          </a:xfrm>
+          <a:prstGeom prst="roundRect">
+            <a:avLst/>
+          </a:prstGeom>
+          <a:solidFill>
+            <a:schemeClr val="accent4"/>
+          </a:solidFill>
+          <a:ln w="25400">
+            <a:solidFill>
+              <a:srgbClr val="0070C0"/>
+            </a:solidFill>
+          </a:ln>
+        </p:spPr>
+        <p:style>
+          <a:lnRef idx="2">
+            <a:schemeClr val="accent1">
+              <a:shade val="50000"/>
+            </a:schemeClr>
+          </a:lnRef>
+          <a:fillRef idx="1">
+            <a:schemeClr val="accent1"/>
+          </a:fillRef>
+          <a:effectRef idx="0">
+            <a:schemeClr val="accent1"/>
+          </a:effectRef>
+          <a:fontRef idx="minor">
+            <a:schemeClr val="lt1"/>
+          </a:fontRef>
+        </p:style>
+        <p:txBody>
+          <a:bodyPr rtlCol="0" anchor="ctr"/>
+          <a:lstStyle/>
+          <a:p>
+            <a:pPr algn="ctr"/>
+            <a:r>
+              <a:rPr lang="en-US" sz="1200" b="1" dirty="0" smtClean="0">
+                <a:solidFill>
+                  <a:srgbClr val="4372C4"/>
+                </a:solidFill>
+              </a:rPr>
+              <a:t>I</a:t>
+            </a:r>
+            <a:r>
+              <a:rPr lang="en-US" sz="1200" b="1" dirty="0" smtClean="0">
+                <a:solidFill>
+                  <a:srgbClr val="4372C4"/>
+                </a:solidFill>
+              </a:rPr>
+              <a:t>CA</a:t>
+            </a:r>
+            <a:endParaRPr lang="en-US" sz="1200" b="1" dirty="0">
+              <a:solidFill>
+                <a:srgbClr val="4372C4"/>
+              </a:solidFill>
+            </a:endParaRPr>
+          </a:p>
+        </p:txBody>
+      </p:sp>
+      <p:sp>
+        <p:nvSpPr>
+          <p:cNvPr id="72" name="Rounded Rectangle 71"/>
+          <p:cNvSpPr/>
+          <p:nvPr/>
+        </p:nvSpPr>
+        <p:spPr>
+          <a:xfrm>
+            <a:off x="6075199" y="3744013"/>
+            <a:ext cx="575072" cy="567368"/>
+          </a:xfrm>
+          <a:prstGeom prst="roundRect">
+            <a:avLst/>
+          </a:prstGeom>
+          <a:solidFill>
+            <a:schemeClr val="accent4"/>
+          </a:solidFill>
+          <a:ln w="25400">
+            <a:solidFill>
+              <a:srgbClr val="0070C0"/>
+            </a:solidFill>
+          </a:ln>
+        </p:spPr>
+        <p:style>
+          <a:lnRef idx="2">
+            <a:schemeClr val="accent1">
+              <a:shade val="50000"/>
+            </a:schemeClr>
+          </a:lnRef>
+          <a:fillRef idx="1">
+            <a:schemeClr val="accent1"/>
+          </a:fillRef>
+          <a:effectRef idx="0">
+            <a:schemeClr val="accent1"/>
+          </a:effectRef>
+          <a:fontRef idx="minor">
+            <a:schemeClr val="lt1"/>
+          </a:fontRef>
+        </p:style>
+        <p:txBody>
+          <a:bodyPr rtlCol="0" anchor="ctr"/>
+          <a:lstStyle/>
+          <a:p>
+            <a:pPr algn="ctr"/>
+            <a:r>
+              <a:rPr lang="en-US" sz="1200" b="1" dirty="0" smtClean="0">
+                <a:solidFill>
+                  <a:srgbClr val="4372C4"/>
+                </a:solidFill>
+              </a:rPr>
+              <a:t>RCA2</a:t>
+            </a:r>
+            <a:endParaRPr lang="en-US" sz="1200" b="1" dirty="0">
+              <a:solidFill>
+                <a:srgbClr val="4372C4"/>
+              </a:solidFill>
+            </a:endParaRPr>
+          </a:p>
+        </p:txBody>
+      </p:sp>
+      <p:sp>
+        <p:nvSpPr>
+          <p:cNvPr id="73" name="Rounded Rectangle 72"/>
+          <p:cNvSpPr/>
+          <p:nvPr/>
+        </p:nvSpPr>
+        <p:spPr>
+          <a:xfrm>
+            <a:off x="5308494" y="3743849"/>
+            <a:ext cx="575072" cy="567368"/>
+          </a:xfrm>
+          <a:prstGeom prst="roundRect">
+            <a:avLst/>
+          </a:prstGeom>
+          <a:solidFill>
+            <a:schemeClr val="accent4"/>
+          </a:solidFill>
+          <a:ln w="25400">
+            <a:solidFill>
+              <a:srgbClr val="0070C0"/>
+            </a:solidFill>
+          </a:ln>
+        </p:spPr>
+        <p:style>
+          <a:lnRef idx="2">
+            <a:schemeClr val="accent1">
+              <a:shade val="50000"/>
+            </a:schemeClr>
+          </a:lnRef>
+          <a:fillRef idx="1">
+            <a:schemeClr val="accent1"/>
+          </a:fillRef>
+          <a:effectRef idx="0">
+            <a:schemeClr val="accent1"/>
+          </a:effectRef>
+          <a:fontRef idx="minor">
+            <a:schemeClr val="lt1"/>
+          </a:fontRef>
+        </p:style>
+        <p:txBody>
+          <a:bodyPr rtlCol="0" anchor="ctr"/>
+          <a:lstStyle/>
+          <a:p>
+            <a:pPr algn="ctr"/>
+            <a:r>
+              <a:rPr lang="en-US" sz="1200" b="1" smtClean="0">
+                <a:solidFill>
+                  <a:srgbClr val="4372C4"/>
+                </a:solidFill>
+              </a:rPr>
+              <a:t>I</a:t>
+            </a:r>
+            <a:r>
+              <a:rPr lang="en-US" sz="1200" b="1" smtClean="0">
+                <a:solidFill>
+                  <a:srgbClr val="4372C4"/>
+                </a:solidFill>
+              </a:rPr>
+              <a:t>CA</a:t>
+            </a:r>
+            <a:endParaRPr lang="en-US" sz="1200" b="1" dirty="0">
+              <a:solidFill>
+                <a:srgbClr val="4372C4"/>
+              </a:solidFill>
+            </a:endParaRPr>
+          </a:p>
+        </p:txBody>
+      </p:sp>
+      <p:sp>
+        <p:nvSpPr>
+          <p:cNvPr id="74" name="Rounded Rectangle 73"/>
+          <p:cNvSpPr/>
+          <p:nvPr/>
+        </p:nvSpPr>
+        <p:spPr>
+          <a:xfrm>
+            <a:off x="6075199" y="4392237"/>
+            <a:ext cx="575072" cy="567368"/>
+          </a:xfrm>
+          <a:prstGeom prst="roundRect">
+            <a:avLst/>
+          </a:prstGeom>
+          <a:solidFill>
+            <a:schemeClr val="accent4"/>
+          </a:solidFill>
+          <a:ln w="25400">
+            <a:solidFill>
+              <a:srgbClr val="0070C0"/>
+            </a:solidFill>
+          </a:ln>
+        </p:spPr>
+        <p:style>
+          <a:lnRef idx="2">
+            <a:schemeClr val="accent1">
+              <a:shade val="50000"/>
+            </a:schemeClr>
+          </a:lnRef>
+          <a:fillRef idx="1">
+            <a:schemeClr val="accent1"/>
+          </a:fillRef>
+          <a:effectRef idx="0">
+            <a:schemeClr val="accent1"/>
+          </a:effectRef>
+          <a:fontRef idx="minor">
+            <a:schemeClr val="lt1"/>
+          </a:fontRef>
+        </p:style>
+        <p:txBody>
+          <a:bodyPr rtlCol="0" anchor="ctr"/>
+          <a:lstStyle/>
+          <a:p>
+            <a:pPr algn="ctr"/>
+            <a:r>
+              <a:rPr lang="en-US" sz="1200" b="1" smtClean="0">
+                <a:solidFill>
+                  <a:srgbClr val="4372C4"/>
+                </a:solidFill>
+              </a:rPr>
+              <a:t>RCA3</a:t>
+            </a:r>
+            <a:endParaRPr lang="en-US" sz="1200" b="1" dirty="0">
+              <a:solidFill>
+                <a:srgbClr val="4372C4"/>
+              </a:solidFill>
+            </a:endParaRPr>
+          </a:p>
+        </p:txBody>
+      </p:sp>
+      <p:cxnSp>
+        <p:nvCxnSpPr>
+          <p:cNvPr id="28" name="Elbow Connector 27"/>
+          <p:cNvCxnSpPr>
+            <a:endCxn id="67" idx="1"/>
+          </p:cNvCxnSpPr>
+          <p:nvPr/>
+        </p:nvCxnSpPr>
+        <p:spPr>
+          <a:xfrm rot="5400000" flipH="1" flipV="1">
+            <a:off x="2179463" y="3419461"/>
+            <a:ext cx="603617" cy="523314"/>
+          </a:xfrm>
+          <a:prstGeom prst="bentConnector2">
+            <a:avLst/>
+          </a:prstGeom>
+          <a:ln w="28575">
+            <a:solidFill>
+              <a:srgbClr val="4372C4"/>
+            </a:solidFill>
+            <a:prstDash val="sysDot"/>
+            <a:headEnd type="none" w="med" len="med"/>
+            <a:tailEnd type="none" w="med" len="med"/>
+          </a:ln>
+        </p:spPr>
+        <p:style>
+          <a:lnRef idx="1">
+            <a:schemeClr val="accent1"/>
+          </a:lnRef>
+          <a:fillRef idx="0">
+            <a:schemeClr val="accent1"/>
+          </a:fillRef>
+          <a:effectRef idx="0">
+            <a:schemeClr val="accent1"/>
+          </a:effectRef>
+          <a:fontRef idx="minor">
+            <a:schemeClr val="tx1"/>
+          </a:fontRef>
+        </p:style>
+      </p:cxnSp>
+      <p:cxnSp>
+        <p:nvCxnSpPr>
+          <p:cNvPr id="75" name="Elbow Connector 74"/>
+          <p:cNvCxnSpPr>
+            <a:endCxn id="69" idx="1"/>
+          </p:cNvCxnSpPr>
+          <p:nvPr/>
+        </p:nvCxnSpPr>
+        <p:spPr>
+          <a:xfrm>
+            <a:off x="2231520" y="4369288"/>
+            <a:ext cx="511407" cy="291057"/>
+          </a:xfrm>
+          <a:prstGeom prst="bentConnector3">
+            <a:avLst>
+              <a:gd name="adj1" fmla="val 1236"/>
+            </a:avLst>
+          </a:prstGeom>
+          <a:ln w="28575">
+            <a:solidFill>
+              <a:srgbClr val="4372C4"/>
+            </a:solidFill>
+            <a:prstDash val="sysDot"/>
+            <a:headEnd type="none" w="med" len="med"/>
+            <a:tailEnd type="none" w="med" len="med"/>
+          </a:ln>
+        </p:spPr>
+        <p:style>
+          <a:lnRef idx="1">
+            <a:schemeClr val="accent1"/>
+          </a:lnRef>
+          <a:fillRef idx="0">
+            <a:schemeClr val="accent1"/>
+          </a:fillRef>
+          <a:effectRef idx="0">
+            <a:schemeClr val="accent1"/>
+          </a:effectRef>
+          <a:fontRef idx="minor">
+            <a:schemeClr val="tx1"/>
+          </a:fontRef>
+        </p:style>
+      </p:cxnSp>
+      <p:cxnSp>
+        <p:nvCxnSpPr>
+          <p:cNvPr id="79" name="Straight Connector 78"/>
+          <p:cNvCxnSpPr>
+            <a:endCxn id="68" idx="1"/>
+          </p:cNvCxnSpPr>
+          <p:nvPr/>
+        </p:nvCxnSpPr>
+        <p:spPr>
+          <a:xfrm>
+            <a:off x="2231520" y="4019826"/>
+            <a:ext cx="511408" cy="1"/>
+          </a:xfrm>
+          <a:prstGeom prst="line">
+            <a:avLst/>
+          </a:prstGeom>
+          <a:ln w="28575">
+            <a:solidFill>
+              <a:srgbClr val="4372C4"/>
+            </a:solidFill>
+            <a:prstDash val="sysDot"/>
+            <a:headEnd type="none" w="med" len="med"/>
+            <a:tailEnd type="none" w="med" len="med"/>
+          </a:ln>
+        </p:spPr>
+        <p:style>
+          <a:lnRef idx="1">
+            <a:schemeClr val="accent1"/>
+          </a:lnRef>
+          <a:fillRef idx="0">
+            <a:schemeClr val="accent1"/>
+          </a:fillRef>
+          <a:effectRef idx="0">
+            <a:schemeClr val="accent1"/>
+          </a:effectRef>
+          <a:fontRef idx="minor">
+            <a:schemeClr val="tx1"/>
+          </a:fontRef>
+        </p:style>
+      </p:cxnSp>
+      <p:cxnSp>
+        <p:nvCxnSpPr>
+          <p:cNvPr id="81" name="Straight Arrow Connector 80"/>
+          <p:cNvCxnSpPr>
+            <a:stCxn id="67" idx="3"/>
+            <a:endCxn id="104" idx="1"/>
+          </p:cNvCxnSpPr>
+          <p:nvPr/>
+        </p:nvCxnSpPr>
+        <p:spPr>
+          <a:xfrm>
+            <a:off x="3709661" y="3379309"/>
+            <a:ext cx="832128" cy="0"/>
+          </a:xfrm>
+          <a:prstGeom prst="straightConnector1">
+            <a:avLst/>
+          </a:prstGeom>
+          <a:ln w="28575">
+            <a:solidFill>
+              <a:srgbClr val="4372C4"/>
+            </a:solidFill>
+            <a:tailEnd type="triangle"/>
+          </a:ln>
+        </p:spPr>
+        <p:style>
+          <a:lnRef idx="1">
+            <a:schemeClr val="accent1"/>
+          </a:lnRef>
+          <a:fillRef idx="0">
+            <a:schemeClr val="accent1"/>
+          </a:fillRef>
+          <a:effectRef idx="0">
+            <a:schemeClr val="accent1"/>
+          </a:effectRef>
+          <a:fontRef idx="minor">
+            <a:schemeClr val="tx1"/>
+          </a:fontRef>
+        </p:style>
+      </p:cxnSp>
+      <p:cxnSp>
+        <p:nvCxnSpPr>
+          <p:cNvPr id="83" name="Straight Arrow Connector 82"/>
+          <p:cNvCxnSpPr>
+            <a:stCxn id="68" idx="3"/>
+            <a:endCxn id="71" idx="1"/>
+          </p:cNvCxnSpPr>
+          <p:nvPr/>
+        </p:nvCxnSpPr>
+        <p:spPr>
+          <a:xfrm>
+            <a:off x="3709661" y="4019827"/>
+            <a:ext cx="832128" cy="7706"/>
+          </a:xfrm>
+          <a:prstGeom prst="straightConnector1">
+            <a:avLst/>
+          </a:prstGeom>
+          <a:ln w="28575">
+            <a:solidFill>
+              <a:srgbClr val="4372C4"/>
+            </a:solidFill>
+            <a:tailEnd type="triangle"/>
+          </a:ln>
+        </p:spPr>
+        <p:style>
+          <a:lnRef idx="1">
+            <a:schemeClr val="accent1"/>
+          </a:lnRef>
+          <a:fillRef idx="0">
+            <a:schemeClr val="accent1"/>
+          </a:fillRef>
+          <a:effectRef idx="0">
+            <a:schemeClr val="accent1"/>
+          </a:effectRef>
+          <a:fontRef idx="minor">
+            <a:schemeClr val="tx1"/>
+          </a:fontRef>
+        </p:style>
+      </p:cxnSp>
+      <p:cxnSp>
+        <p:nvCxnSpPr>
+          <p:cNvPr id="86" name="Straight Arrow Connector 85"/>
+          <p:cNvCxnSpPr>
+            <a:stCxn id="69" idx="3"/>
+            <a:endCxn id="74" idx="1"/>
+          </p:cNvCxnSpPr>
+          <p:nvPr/>
+        </p:nvCxnSpPr>
+        <p:spPr>
+          <a:xfrm>
+            <a:off x="3709660" y="4660345"/>
+            <a:ext cx="2365539" cy="15576"/>
+          </a:xfrm>
+          <a:prstGeom prst="straightConnector1">
+            <a:avLst/>
+          </a:prstGeom>
+          <a:ln w="28575">
+            <a:solidFill>
+              <a:srgbClr val="4372C4"/>
+            </a:solidFill>
+            <a:tailEnd type="triangle"/>
+          </a:ln>
+        </p:spPr>
+        <p:style>
+          <a:lnRef idx="1">
+            <a:schemeClr val="accent1"/>
+          </a:lnRef>
+          <a:fillRef idx="0">
+            <a:schemeClr val="accent1"/>
+          </a:fillRef>
+          <a:effectRef idx="0">
+            <a:schemeClr val="accent1"/>
+          </a:effectRef>
+          <a:fontRef idx="minor">
+            <a:schemeClr val="tx1"/>
+          </a:fontRef>
+        </p:style>
+      </p:cxnSp>
+      <p:cxnSp>
+        <p:nvCxnSpPr>
+          <p:cNvPr id="89" name="Straight Arrow Connector 88"/>
+          <p:cNvCxnSpPr>
+            <a:stCxn id="71" idx="3"/>
+            <a:endCxn id="73" idx="1"/>
+          </p:cNvCxnSpPr>
+          <p:nvPr/>
+        </p:nvCxnSpPr>
+        <p:spPr>
+          <a:xfrm>
+            <a:off x="5116861" y="4027533"/>
+            <a:ext cx="191633" cy="0"/>
+          </a:xfrm>
+          <a:prstGeom prst="straightConnector1">
+            <a:avLst/>
+          </a:prstGeom>
+          <a:ln w="28575">
+            <a:solidFill>
+              <a:srgbClr val="4372C4"/>
+            </a:solidFill>
+            <a:tailEnd type="triangle"/>
+          </a:ln>
+        </p:spPr>
+        <p:style>
+          <a:lnRef idx="1">
+            <a:schemeClr val="accent1"/>
+          </a:lnRef>
+          <a:fillRef idx="0">
+            <a:schemeClr val="accent1"/>
+          </a:fillRef>
+          <a:effectRef idx="0">
+            <a:schemeClr val="accent1"/>
+          </a:effectRef>
+          <a:fontRef idx="minor">
+            <a:schemeClr val="tx1"/>
+          </a:fontRef>
+        </p:style>
+      </p:cxnSp>
+      <p:cxnSp>
+        <p:nvCxnSpPr>
+          <p:cNvPr id="92" name="Straight Arrow Connector 91"/>
+          <p:cNvCxnSpPr>
+            <a:stCxn id="73" idx="3"/>
+            <a:endCxn id="72" idx="1"/>
+          </p:cNvCxnSpPr>
+          <p:nvPr/>
+        </p:nvCxnSpPr>
+        <p:spPr>
+          <a:xfrm>
+            <a:off x="5883566" y="4027533"/>
+            <a:ext cx="191633" cy="164"/>
+          </a:xfrm>
+          <a:prstGeom prst="straightConnector1">
+            <a:avLst/>
+          </a:prstGeom>
+          <a:ln w="28575">
+            <a:solidFill>
+              <a:srgbClr val="4372C4"/>
+            </a:solidFill>
+            <a:tailEnd type="triangle"/>
+          </a:ln>
+        </p:spPr>
+        <p:style>
+          <a:lnRef idx="1">
+            <a:schemeClr val="accent1"/>
+          </a:lnRef>
+          <a:fillRef idx="0">
+            <a:schemeClr val="accent1"/>
+          </a:fillRef>
+          <a:effectRef idx="0">
+            <a:schemeClr val="accent1"/>
+          </a:effectRef>
+          <a:fontRef idx="minor">
+            <a:schemeClr val="tx1"/>
+          </a:fontRef>
+        </p:style>
+      </p:cxnSp>
+      <p:cxnSp>
+        <p:nvCxnSpPr>
+          <p:cNvPr id="95" name="Straight Arrow Connector 94"/>
+          <p:cNvCxnSpPr>
+            <a:stCxn id="104" idx="3"/>
+            <a:endCxn id="70" idx="1"/>
+          </p:cNvCxnSpPr>
+          <p:nvPr/>
+        </p:nvCxnSpPr>
+        <p:spPr>
+          <a:xfrm>
+            <a:off x="5116861" y="3379309"/>
+            <a:ext cx="958338" cy="164"/>
+          </a:xfrm>
+          <a:prstGeom prst="straightConnector1">
+            <a:avLst/>
+          </a:prstGeom>
+          <a:ln w="28575">
+            <a:solidFill>
+              <a:srgbClr val="4372C4"/>
+            </a:solidFill>
+            <a:tailEnd type="triangle"/>
+          </a:ln>
+        </p:spPr>
+        <p:style>
+          <a:lnRef idx="1">
+            <a:schemeClr val="accent1"/>
+          </a:lnRef>
+          <a:fillRef idx="0">
+            <a:schemeClr val="accent1"/>
+          </a:fillRef>
+          <a:effectRef idx="0">
+            <a:schemeClr val="accent1"/>
+          </a:effectRef>
+          <a:fontRef idx="minor">
+            <a:schemeClr val="tx1"/>
+          </a:fontRef>
+        </p:style>
+      </p:cxnSp>
+      <p:sp>
+        <p:nvSpPr>
+          <p:cNvPr id="101" name="Rounded Rectangle 100"/>
+          <p:cNvSpPr/>
+          <p:nvPr/>
+        </p:nvSpPr>
+        <p:spPr>
+          <a:xfrm>
+            <a:off x="4541789" y="1944516"/>
+            <a:ext cx="575072" cy="567368"/>
+          </a:xfrm>
+          <a:prstGeom prst="roundRect">
+            <a:avLst/>
+          </a:prstGeom>
+          <a:solidFill>
+            <a:schemeClr val="accent4"/>
+          </a:solidFill>
+          <a:ln w="25400">
+            <a:solidFill>
+              <a:srgbClr val="0070C0"/>
+            </a:solidFill>
+          </a:ln>
+        </p:spPr>
+        <p:style>
+          <a:lnRef idx="2">
+            <a:schemeClr val="accent1">
+              <a:shade val="50000"/>
+            </a:schemeClr>
+          </a:lnRef>
+          <a:fillRef idx="1">
+            <a:schemeClr val="accent1"/>
+          </a:fillRef>
+          <a:effectRef idx="0">
+            <a:schemeClr val="accent1"/>
+          </a:effectRef>
+          <a:fontRef idx="minor">
+            <a:schemeClr val="lt1"/>
+          </a:fontRef>
+        </p:style>
+        <p:txBody>
+          <a:bodyPr rtlCol="0" anchor="ctr"/>
+          <a:lstStyle/>
+          <a:p>
+            <a:pPr algn="ctr"/>
+            <a:r>
+              <a:rPr lang="en-US" sz="1200" b="1" dirty="0" smtClean="0">
+                <a:solidFill>
+                  <a:srgbClr val="4372C4"/>
+                </a:solidFill>
+              </a:rPr>
+              <a:t>I</a:t>
+            </a:r>
+            <a:r>
+              <a:rPr lang="en-US" sz="1200" b="1" dirty="0" smtClean="0">
+                <a:solidFill>
+                  <a:srgbClr val="4372C4"/>
+                </a:solidFill>
+              </a:rPr>
+              <a:t>CA</a:t>
+            </a:r>
+            <a:endParaRPr lang="en-US" sz="1200" b="1" dirty="0">
+              <a:solidFill>
+                <a:srgbClr val="4372C4"/>
+              </a:solidFill>
+            </a:endParaRPr>
+          </a:p>
+        </p:txBody>
+      </p:sp>
+      <p:sp>
+        <p:nvSpPr>
+          <p:cNvPr id="102" name="Rounded Rectangle 101"/>
+          <p:cNvSpPr/>
+          <p:nvPr/>
+        </p:nvSpPr>
+        <p:spPr>
+          <a:xfrm>
+            <a:off x="6071649" y="1943794"/>
+            <a:ext cx="575072" cy="567368"/>
+          </a:xfrm>
+          <a:prstGeom prst="roundRect">
+            <a:avLst/>
+          </a:prstGeom>
+          <a:solidFill>
+            <a:schemeClr val="accent4"/>
+          </a:solidFill>
+          <a:ln w="25400">
+            <a:solidFill>
+              <a:srgbClr val="0070C0"/>
+            </a:solidFill>
+          </a:ln>
+        </p:spPr>
+        <p:style>
+          <a:lnRef idx="2">
+            <a:schemeClr val="accent1">
+              <a:shade val="50000"/>
+            </a:schemeClr>
+          </a:lnRef>
+          <a:fillRef idx="1">
+            <a:schemeClr val="accent1"/>
+          </a:fillRef>
+          <a:effectRef idx="0">
+            <a:schemeClr val="accent1"/>
+          </a:effectRef>
+          <a:fontRef idx="minor">
+            <a:schemeClr val="lt1"/>
+          </a:fontRef>
+        </p:style>
+        <p:txBody>
+          <a:bodyPr rtlCol="0" anchor="ctr"/>
+          <a:lstStyle/>
+          <a:p>
+            <a:pPr algn="ctr"/>
+            <a:r>
+              <a:rPr lang="en-US" sz="1200" b="1" dirty="0" smtClean="0">
+                <a:solidFill>
+                  <a:srgbClr val="4372C4"/>
+                </a:solidFill>
+              </a:rPr>
+              <a:t>RCA</a:t>
+            </a:r>
+            <a:endParaRPr lang="en-US" sz="1200" b="1" dirty="0">
+              <a:solidFill>
+                <a:srgbClr val="4372C4"/>
+              </a:solidFill>
+            </a:endParaRPr>
+          </a:p>
+        </p:txBody>
+      </p:sp>
+      <p:sp>
+        <p:nvSpPr>
+          <p:cNvPr id="103" name="Rounded Rectangle 102"/>
+          <p:cNvSpPr/>
+          <p:nvPr/>
+        </p:nvSpPr>
+        <p:spPr>
+          <a:xfrm>
+            <a:off x="5304944" y="1943630"/>
+            <a:ext cx="575072" cy="567368"/>
+          </a:xfrm>
+          <a:prstGeom prst="roundRect">
+            <a:avLst/>
+          </a:prstGeom>
+          <a:solidFill>
+            <a:schemeClr val="accent4"/>
+          </a:solidFill>
+          <a:ln w="25400">
+            <a:solidFill>
+              <a:srgbClr val="0070C0"/>
+            </a:solidFill>
+          </a:ln>
+        </p:spPr>
+        <p:style>
+          <a:lnRef idx="2">
+            <a:schemeClr val="accent1">
+              <a:shade val="50000"/>
+            </a:schemeClr>
+          </a:lnRef>
+          <a:fillRef idx="1">
+            <a:schemeClr val="accent1"/>
+          </a:fillRef>
+          <a:effectRef idx="0">
+            <a:schemeClr val="accent1"/>
+          </a:effectRef>
+          <a:fontRef idx="minor">
+            <a:schemeClr val="lt1"/>
+          </a:fontRef>
+        </p:style>
+        <p:txBody>
+          <a:bodyPr rtlCol="0" anchor="ctr"/>
+          <a:lstStyle/>
+          <a:p>
+            <a:pPr algn="ctr"/>
+            <a:r>
+              <a:rPr lang="en-US" sz="1200" b="1" smtClean="0">
+                <a:solidFill>
+                  <a:srgbClr val="4372C4"/>
+                </a:solidFill>
+              </a:rPr>
+              <a:t>I</a:t>
+            </a:r>
+            <a:r>
+              <a:rPr lang="en-US" sz="1200" b="1" smtClean="0">
+                <a:solidFill>
+                  <a:srgbClr val="4372C4"/>
+                </a:solidFill>
+              </a:rPr>
+              <a:t>CA</a:t>
+            </a:r>
+            <a:endParaRPr lang="en-US" sz="1200" b="1" dirty="0">
+              <a:solidFill>
+                <a:srgbClr val="4372C4"/>
+              </a:solidFill>
+            </a:endParaRPr>
+          </a:p>
+        </p:txBody>
+      </p:sp>
+      <p:cxnSp>
+        <p:nvCxnSpPr>
+          <p:cNvPr id="105" name="Straight Arrow Connector 104"/>
+          <p:cNvCxnSpPr>
+            <a:stCxn id="101" idx="3"/>
+            <a:endCxn id="103" idx="1"/>
+          </p:cNvCxnSpPr>
+          <p:nvPr/>
+        </p:nvCxnSpPr>
+        <p:spPr>
+          <a:xfrm flipV="1">
+            <a:off x="5116861" y="2227314"/>
+            <a:ext cx="188083" cy="886"/>
+          </a:xfrm>
+          <a:prstGeom prst="straightConnector1">
+            <a:avLst/>
+          </a:prstGeom>
+          <a:ln w="28575">
+            <a:solidFill>
+              <a:srgbClr val="4372C4"/>
+            </a:solidFill>
+            <a:tailEnd type="triangle"/>
+          </a:ln>
+        </p:spPr>
+        <p:style>
+          <a:lnRef idx="1">
+            <a:schemeClr val="accent1"/>
+          </a:lnRef>
+          <a:fillRef idx="0">
+            <a:schemeClr val="accent1"/>
+          </a:fillRef>
+          <a:effectRef idx="0">
+            <a:schemeClr val="accent1"/>
+          </a:effectRef>
+          <a:fontRef idx="minor">
+            <a:schemeClr val="tx1"/>
+          </a:fontRef>
+        </p:style>
+      </p:cxnSp>
+      <p:cxnSp>
+        <p:nvCxnSpPr>
+          <p:cNvPr id="106" name="Straight Arrow Connector 105"/>
+          <p:cNvCxnSpPr>
+            <a:stCxn id="103" idx="3"/>
+            <a:endCxn id="102" idx="1"/>
+          </p:cNvCxnSpPr>
+          <p:nvPr/>
+        </p:nvCxnSpPr>
+        <p:spPr>
+          <a:xfrm>
+            <a:off x="5880016" y="2227314"/>
+            <a:ext cx="191633" cy="164"/>
+          </a:xfrm>
+          <a:prstGeom prst="straightConnector1">
+            <a:avLst/>
+          </a:prstGeom>
+          <a:ln w="28575">
+            <a:solidFill>
+              <a:srgbClr val="4372C4"/>
+            </a:solidFill>
+            <a:tailEnd type="triangle"/>
+          </a:ln>
+        </p:spPr>
+        <p:style>
+          <a:lnRef idx="1">
+            <a:schemeClr val="accent1"/>
+          </a:lnRef>
+          <a:fillRef idx="0">
+            <a:schemeClr val="accent1"/>
+          </a:fillRef>
+          <a:effectRef idx="0">
+            <a:schemeClr val="accent1"/>
+          </a:effectRef>
+          <a:fontRef idx="minor">
+            <a:schemeClr val="tx1"/>
+          </a:fontRef>
+        </p:style>
+      </p:cxnSp>
+      <p:sp>
+        <p:nvSpPr>
+          <p:cNvPr id="98" name="TextBox 97"/>
+          <p:cNvSpPr txBox="1"/>
+          <p:nvPr/>
+        </p:nvSpPr>
+        <p:spPr>
+          <a:xfrm>
+            <a:off x="7026437" y="2042648"/>
+            <a:ext cx="3955635" cy="369332"/>
+          </a:xfrm>
+          <a:prstGeom prst="rect">
+            <a:avLst/>
+          </a:prstGeom>
+          <a:noFill/>
+        </p:spPr>
+        <p:txBody>
+          <a:bodyPr wrap="none" rtlCol="0">
+            <a:spAutoFit/>
+          </a:bodyPr>
+          <a:lstStyle/>
+          <a:p>
+            <a:r>
+              <a:rPr lang="en-US" dirty="0" smtClean="0"/>
+              <a:t>MSP : Single source of verifiable identity</a:t>
+            </a:r>
+            <a:endParaRPr lang="en-US" dirty="0"/>
+          </a:p>
+        </p:txBody>
+      </p:sp>
+      <p:sp>
+        <p:nvSpPr>
+          <p:cNvPr id="110" name="TextBox 109"/>
+          <p:cNvSpPr txBox="1"/>
+          <p:nvPr/>
+        </p:nvSpPr>
+        <p:spPr>
+          <a:xfrm>
+            <a:off x="7041931" y="3169917"/>
+            <a:ext cx="3269741" cy="369332"/>
+          </a:xfrm>
+          <a:prstGeom prst="rect">
+            <a:avLst/>
+          </a:prstGeom>
+          <a:noFill/>
+        </p:spPr>
+        <p:txBody>
+          <a:bodyPr wrap="none" rtlCol="0">
+            <a:spAutoFit/>
+          </a:bodyPr>
+          <a:lstStyle/>
+          <a:p>
+            <a:r>
+              <a:rPr lang="en-US" dirty="0" smtClean="0"/>
+              <a:t>MSP1 : Identity for national sales</a:t>
+            </a:r>
+            <a:endParaRPr lang="en-US" dirty="0"/>
+          </a:p>
+        </p:txBody>
+      </p:sp>
+      <p:sp>
+        <p:nvSpPr>
+          <p:cNvPr id="111" name="TextBox 110"/>
+          <p:cNvSpPr txBox="1"/>
+          <p:nvPr/>
+        </p:nvSpPr>
+        <p:spPr>
+          <a:xfrm>
+            <a:off x="7041931" y="3798260"/>
+            <a:ext cx="3712619" cy="369332"/>
+          </a:xfrm>
+          <a:prstGeom prst="rect">
+            <a:avLst/>
+          </a:prstGeom>
+          <a:noFill/>
+        </p:spPr>
+        <p:txBody>
+          <a:bodyPr wrap="none" rtlCol="0">
+            <a:spAutoFit/>
+          </a:bodyPr>
+          <a:lstStyle/>
+          <a:p>
+            <a:r>
+              <a:rPr lang="en-US" smtClean="0"/>
+              <a:t>MSP2 : Identity </a:t>
+            </a:r>
+            <a:r>
+              <a:rPr lang="en-US" dirty="0" smtClean="0"/>
+              <a:t>for international sales</a:t>
+            </a:r>
+            <a:endParaRPr lang="en-US" dirty="0"/>
+          </a:p>
+        </p:txBody>
+      </p:sp>
+      <p:sp>
+        <p:nvSpPr>
+          <p:cNvPr id="113" name="TextBox 112"/>
+          <p:cNvSpPr txBox="1"/>
+          <p:nvPr/>
+        </p:nvSpPr>
+        <p:spPr>
+          <a:xfrm>
+            <a:off x="7041931" y="4426603"/>
+            <a:ext cx="3646896" cy="369332"/>
+          </a:xfrm>
+          <a:prstGeom prst="rect">
+            <a:avLst/>
+          </a:prstGeom>
+          <a:noFill/>
+        </p:spPr>
+        <p:txBody>
+          <a:bodyPr wrap="none" rtlCol="0">
+            <a:spAutoFit/>
+          </a:bodyPr>
+          <a:lstStyle/>
+          <a:p>
+            <a:r>
+              <a:rPr lang="en-US" dirty="0" smtClean="0"/>
+              <a:t>MSP3 : Identity for government sales</a:t>
+            </a:r>
+            <a:endParaRPr lang="en-US" dirty="0"/>
+          </a:p>
+        </p:txBody>
+      </p:sp>
+      <p:cxnSp>
+        <p:nvCxnSpPr>
+          <p:cNvPr id="109" name="Straight Connector 108"/>
+          <p:cNvCxnSpPr/>
+          <p:nvPr/>
+        </p:nvCxnSpPr>
+        <p:spPr>
+          <a:xfrm>
+            <a:off x="1679202" y="2819998"/>
+            <a:ext cx="9179298" cy="299"/>
+          </a:xfrm>
+          <a:prstGeom prst="line">
+            <a:avLst/>
+          </a:prstGeom>
+          <a:ln w="3175">
+            <a:solidFill>
+              <a:schemeClr val="bg2">
+                <a:lumMod val="75000"/>
+              </a:schemeClr>
+            </a:solidFill>
+            <a:prstDash val="dash"/>
+            <a:headEnd type="none" w="med" len="med"/>
+            <a:tailEnd type="none" w="med" len="med"/>
+          </a:ln>
+        </p:spPr>
+        <p:style>
+          <a:lnRef idx="1">
+            <a:schemeClr val="accent1"/>
+          </a:lnRef>
+          <a:fillRef idx="0">
+            <a:schemeClr val="accent1"/>
+          </a:fillRef>
+          <a:effectRef idx="0">
+            <a:schemeClr val="accent1"/>
+          </a:effectRef>
+          <a:fontRef idx="minor">
+            <a:schemeClr val="tx1"/>
+          </a:fontRef>
+        </p:style>
+      </p:cxnSp>
+    </p:spTree>
+    <p:extLst>
+      <p:ext uri="{BB962C8B-B14F-4D97-AF65-F5344CB8AC3E}">
+        <p14:creationId xmlns:p14="http://schemas.microsoft.com/office/powerpoint/2010/main" val="1953365746"/>
+      </p:ext>
+    </p:extLst>
+  </p:cSld>
+  <p:clrMapOvr>
+    <a:masterClrMapping/>
+  </p:clrMapOvr>
+  <p:timing>
+    <p:tnLst>
+      <p:par>
+        <p:cTn id="1" dur="indefinite" restart="never" nodeType="tmRoot">
+          <p:childTnLst>
+            <p:seq concurrent="1" nextAc="seek">
+              <p:cTn id="2" dur="indefinite" nodeType="mainSeq">
+                <p:childTnLst>
+                  <p:par>
+                    <p:cTn id="3" fill="hold">
+                      <p:stCondLst>
+                        <p:cond delay="indefinite"/>
+                        <p:cond evt="onBegin" delay="0">
+                          <p:tn val="2"/>
+                        </p:cond>
+                      </p:stCondLst>
+                      <p:childTnLst>
+                        <p:par>
+                          <p:cTn id="4" fill="hold">
+                            <p:stCondLst>
+                              <p:cond delay="0"/>
+                            </p:stCondLst>
+                            <p:childTnLst>
+                              <p:par>
+                                <p:cTn id="5" presetID="1" presetClass="entr" presetSubtype="0" fill="hold" grpId="0" nodeType="withEffect">
+                                  <p:stCondLst>
+                                    <p:cond delay="0"/>
+                                  </p:stCondLst>
+                                  <p:childTnLst>
+                                    <p:set>
+                                      <p:cBhvr>
+                                        <p:cTn id="6" dur="1" fill="hold">
+                                          <p:stCondLst>
+                                            <p:cond delay="0"/>
+                                          </p:stCondLst>
+                                        </p:cTn>
+                                        <p:tgtEl>
+                                          <p:spTgt spid="104"/>
+                                        </p:tgtEl>
+                                        <p:attrNameLst>
+                                          <p:attrName>style.visibility</p:attrName>
+                                        </p:attrNameLst>
+                                      </p:cBhvr>
+                                      <p:to>
+                                        <p:strVal val="visible"/>
+                                      </p:to>
+                                    </p:set>
+                                  </p:childTnLst>
+                                </p:cTn>
+                              </p:par>
+                              <p:par>
+                                <p:cTn id="7" presetID="1" presetClass="entr" presetSubtype="0" fill="hold" nodeType="withEffect">
+                                  <p:stCondLst>
+                                    <p:cond delay="0"/>
+                                  </p:stCondLst>
+                                  <p:childTnLst>
+                                    <p:set>
+                                      <p:cBhvr>
+                                        <p:cTn id="8" dur="1" fill="hold">
+                                          <p:stCondLst>
+                                            <p:cond delay="0"/>
+                                          </p:stCondLst>
+                                        </p:cTn>
+                                        <p:tgtEl>
+                                          <p:spTgt spid="41"/>
+                                        </p:tgtEl>
+                                        <p:attrNameLst>
+                                          <p:attrName>style.visibility</p:attrName>
+                                        </p:attrNameLst>
+                                      </p:cBhvr>
+                                      <p:to>
+                                        <p:strVal val="visible"/>
+                                      </p:to>
+                                    </p:set>
+                                  </p:childTnLst>
+                                </p:cTn>
+                              </p:par>
+                              <p:par>
+                                <p:cTn id="9" presetID="1" presetClass="entr" presetSubtype="0" fill="hold" nodeType="withEffect">
+                                  <p:stCondLst>
+                                    <p:cond delay="0"/>
+                                  </p:stCondLst>
+                                  <p:childTnLst>
+                                    <p:set>
+                                      <p:cBhvr>
+                                        <p:cTn id="10" dur="1" fill="hold">
+                                          <p:stCondLst>
+                                            <p:cond delay="0"/>
+                                          </p:stCondLst>
+                                        </p:cTn>
+                                        <p:tgtEl>
+                                          <p:spTgt spid="59"/>
+                                        </p:tgtEl>
+                                        <p:attrNameLst>
+                                          <p:attrName>style.visibility</p:attrName>
+                                        </p:attrNameLst>
+                                      </p:cBhvr>
+                                      <p:to>
+                                        <p:strVal val="visible"/>
+                                      </p:to>
+                                    </p:set>
+                                  </p:childTnLst>
+                                </p:cTn>
+                              </p:par>
+                              <p:par>
+                                <p:cTn id="11" presetID="1" presetClass="entr" presetSubtype="0" fill="hold" grpId="0" nodeType="withEffect">
+                                  <p:stCondLst>
+                                    <p:cond delay="0"/>
+                                  </p:stCondLst>
+                                  <p:childTnLst>
+                                    <p:set>
+                                      <p:cBhvr>
+                                        <p:cTn id="12" dur="1" fill="hold">
+                                          <p:stCondLst>
+                                            <p:cond delay="0"/>
+                                          </p:stCondLst>
+                                        </p:cTn>
+                                        <p:tgtEl>
+                                          <p:spTgt spid="70"/>
+                                        </p:tgtEl>
+                                        <p:attrNameLst>
+                                          <p:attrName>style.visibility</p:attrName>
+                                        </p:attrNameLst>
+                                      </p:cBhvr>
+                                      <p:to>
+                                        <p:strVal val="visible"/>
+                                      </p:to>
+                                    </p:set>
+                                  </p:childTnLst>
+                                </p:cTn>
+                              </p:par>
+                              <p:par>
+                                <p:cTn id="13" presetID="1" presetClass="entr" presetSubtype="0" fill="hold" grpId="0" nodeType="withEffect">
+                                  <p:stCondLst>
+                                    <p:cond delay="0"/>
+                                  </p:stCondLst>
+                                  <p:childTnLst>
+                                    <p:set>
+                                      <p:cBhvr>
+                                        <p:cTn id="14" dur="1" fill="hold">
+                                          <p:stCondLst>
+                                            <p:cond delay="0"/>
+                                          </p:stCondLst>
+                                        </p:cTn>
+                                        <p:tgtEl>
+                                          <p:spTgt spid="71"/>
+                                        </p:tgtEl>
+                                        <p:attrNameLst>
+                                          <p:attrName>style.visibility</p:attrName>
+                                        </p:attrNameLst>
+                                      </p:cBhvr>
+                                      <p:to>
+                                        <p:strVal val="visible"/>
+                                      </p:to>
+                                    </p:set>
+                                  </p:childTnLst>
+                                </p:cTn>
+                              </p:par>
+                              <p:par>
+                                <p:cTn id="15" presetID="1" presetClass="entr" presetSubtype="0" fill="hold" grpId="0" nodeType="withEffect">
+                                  <p:stCondLst>
+                                    <p:cond delay="0"/>
+                                  </p:stCondLst>
+                                  <p:childTnLst>
+                                    <p:set>
+                                      <p:cBhvr>
+                                        <p:cTn id="16" dur="1" fill="hold">
+                                          <p:stCondLst>
+                                            <p:cond delay="0"/>
+                                          </p:stCondLst>
+                                        </p:cTn>
+                                        <p:tgtEl>
+                                          <p:spTgt spid="72"/>
+                                        </p:tgtEl>
+                                        <p:attrNameLst>
+                                          <p:attrName>style.visibility</p:attrName>
+                                        </p:attrNameLst>
+                                      </p:cBhvr>
+                                      <p:to>
+                                        <p:strVal val="visible"/>
+                                      </p:to>
+                                    </p:set>
+                                  </p:childTnLst>
+                                </p:cTn>
+                              </p:par>
+                              <p:par>
+                                <p:cTn id="17" presetID="1" presetClass="entr" presetSubtype="0" fill="hold" grpId="0" nodeType="withEffect">
+                                  <p:stCondLst>
+                                    <p:cond delay="0"/>
+                                  </p:stCondLst>
+                                  <p:childTnLst>
+                                    <p:set>
+                                      <p:cBhvr>
+                                        <p:cTn id="18" dur="1" fill="hold">
+                                          <p:stCondLst>
+                                            <p:cond delay="0"/>
+                                          </p:stCondLst>
+                                        </p:cTn>
+                                        <p:tgtEl>
+                                          <p:spTgt spid="73"/>
+                                        </p:tgtEl>
+                                        <p:attrNameLst>
+                                          <p:attrName>style.visibility</p:attrName>
+                                        </p:attrNameLst>
+                                      </p:cBhvr>
+                                      <p:to>
+                                        <p:strVal val="visible"/>
+                                      </p:to>
+                                    </p:set>
+                                  </p:childTnLst>
+                                </p:cTn>
+                              </p:par>
+                              <p:par>
+                                <p:cTn id="19" presetID="1" presetClass="entr" presetSubtype="0" fill="hold" grpId="0" nodeType="withEffect">
+                                  <p:stCondLst>
+                                    <p:cond delay="0"/>
+                                  </p:stCondLst>
+                                  <p:childTnLst>
+                                    <p:set>
+                                      <p:cBhvr>
+                                        <p:cTn id="20" dur="1" fill="hold">
+                                          <p:stCondLst>
+                                            <p:cond delay="0"/>
+                                          </p:stCondLst>
+                                        </p:cTn>
+                                        <p:tgtEl>
+                                          <p:spTgt spid="74"/>
+                                        </p:tgtEl>
+                                        <p:attrNameLst>
+                                          <p:attrName>style.visibility</p:attrName>
+                                        </p:attrNameLst>
+                                      </p:cBhvr>
+                                      <p:to>
+                                        <p:strVal val="visible"/>
+                                      </p:to>
+                                    </p:set>
+                                  </p:childTnLst>
+                                </p:cTn>
+                              </p:par>
+                              <p:par>
+                                <p:cTn id="21" presetID="1" presetClass="entr" presetSubtype="0" fill="hold" grpId="0" nodeType="withEffect">
+                                  <p:stCondLst>
+                                    <p:cond delay="0"/>
+                                  </p:stCondLst>
+                                  <p:childTnLst>
+                                    <p:set>
+                                      <p:cBhvr>
+                                        <p:cTn id="22" dur="1" fill="hold">
+                                          <p:stCondLst>
+                                            <p:cond delay="0"/>
+                                          </p:stCondLst>
+                                        </p:cTn>
+                                        <p:tgtEl>
+                                          <p:spTgt spid="101"/>
+                                        </p:tgtEl>
+                                        <p:attrNameLst>
+                                          <p:attrName>style.visibility</p:attrName>
+                                        </p:attrNameLst>
+                                      </p:cBhvr>
+                                      <p:to>
+                                        <p:strVal val="visible"/>
+                                      </p:to>
+                                    </p:set>
+                                  </p:childTnLst>
+                                </p:cTn>
+                              </p:par>
+                              <p:par>
+                                <p:cTn id="23" presetID="1" presetClass="entr" presetSubtype="0" fill="hold" grpId="0" nodeType="withEffect">
+                                  <p:stCondLst>
+                                    <p:cond delay="0"/>
+                                  </p:stCondLst>
+                                  <p:childTnLst>
+                                    <p:set>
+                                      <p:cBhvr>
+                                        <p:cTn id="24" dur="1" fill="hold">
+                                          <p:stCondLst>
+                                            <p:cond delay="0"/>
+                                          </p:stCondLst>
+                                        </p:cTn>
+                                        <p:tgtEl>
+                                          <p:spTgt spid="102"/>
+                                        </p:tgtEl>
+                                        <p:attrNameLst>
+                                          <p:attrName>style.visibility</p:attrName>
+                                        </p:attrNameLst>
+                                      </p:cBhvr>
+                                      <p:to>
+                                        <p:strVal val="visible"/>
+                                      </p:to>
+                                    </p:set>
+                                  </p:childTnLst>
+                                </p:cTn>
+                              </p:par>
+                              <p:par>
+                                <p:cTn id="25" presetID="1" presetClass="entr" presetSubtype="0" fill="hold" grpId="0" nodeType="withEffect">
+                                  <p:stCondLst>
+                                    <p:cond delay="0"/>
+                                  </p:stCondLst>
+                                  <p:childTnLst>
+                                    <p:set>
+                                      <p:cBhvr>
+                                        <p:cTn id="26" dur="1" fill="hold">
+                                          <p:stCondLst>
+                                            <p:cond delay="0"/>
+                                          </p:stCondLst>
+                                        </p:cTn>
+                                        <p:tgtEl>
+                                          <p:spTgt spid="103"/>
+                                        </p:tgtEl>
+                                        <p:attrNameLst>
+                                          <p:attrName>style.visibility</p:attrName>
+                                        </p:attrNameLst>
+                                      </p:cBhvr>
+                                      <p:to>
+                                        <p:strVal val="visible"/>
+                                      </p:to>
+                                    </p:set>
+                                  </p:childTnLst>
+                                </p:cTn>
+                              </p:par>
+                            </p:childTnLst>
+                          </p:cTn>
+                        </p:par>
+                      </p:childTnLst>
+                    </p:cTn>
+                  </p:par>
+                </p:childTnLst>
+              </p:cTn>
+              <p:prevCondLst>
+                <p:cond evt="onPrev" delay="0">
+                  <p:tgtEl>
+                    <p:sldTgt/>
+                  </p:tgtEl>
+                </p:cond>
+              </p:prevCondLst>
+              <p:nextCondLst>
+                <p:cond evt="onNext" delay="0">
+                  <p:tgtEl>
+                    <p:sldTgt/>
+                  </p:tgtEl>
+                </p:cond>
+              </p:nextCondLst>
+            </p:seq>
+          </p:childTnLst>
+        </p:cTn>
+      </p:par>
+    </p:tnLst>
+    <p:bldLst>
+      <p:bldP spid="104" grpId="0" animBg="1"/>
+      <p:bldP spid="70" grpId="0" animBg="1"/>
+      <p:bldP spid="71" grpId="0" animBg="1"/>
+      <p:bldP spid="72" grpId="0" animBg="1"/>
+      <p:bldP spid="73" grpId="0" animBg="1"/>
+      <p:bldP spid="74" grpId="0" animBg="1"/>
+      <p:bldP spid="101" grpId="0" animBg="1"/>
+      <p:bldP spid="102" grpId="0" animBg="1"/>
+      <p:bldP spid="103" grpId="0" animBg="1"/>
     </p:bldLst>
   </p:timing>
 </p:sld>

--- a/docs/OtherSourceMaterial/Diagrams.pptx
+++ b/docs/OtherSourceMaterial/Diagrams.pptx
@@ -19,9 +19,9 @@
     <p:sldId id="396" r:id="rId10"/>
     <p:sldId id="398" r:id="rId11"/>
     <p:sldId id="397" r:id="rId12"/>
-    <p:sldId id="399" r:id="rId13"/>
-    <p:sldId id="400" r:id="rId14"/>
-    <p:sldId id="401" r:id="rId15"/>
+    <p:sldId id="400" r:id="rId13"/>
+    <p:sldId id="401" r:id="rId14"/>
+    <p:sldId id="402" r:id="rId15"/>
   </p:sldIdLst>
   <p:sldSz cx="12192000" cy="6858000"/>
   <p:notesSz cx="6858000" cy="9144000"/>
@@ -2120,7 +2120,7 @@
               <a:rPr lang="en-GB" smtClean="0"/>
               <a:t>01/11/2017</a:t>
             </a:fld>
-            <a:endParaRPr lang="en-US"/>
+            <a:endParaRPr lang="en-US" dirty="0"/>
           </a:p>
         </p:txBody>
       </p:sp>
@@ -2153,7 +2153,12 @@
             <p:ph type="sldNum" sz="quarter" idx="12"/>
           </p:nvPr>
         </p:nvSpPr>
-        <p:spPr/>
+        <p:spPr>
+          <a:xfrm>
+            <a:off x="838200" y="6356348"/>
+            <a:ext cx="387285" cy="365125"/>
+          </a:xfrm>
+        </p:spPr>
         <p:txBody>
           <a:bodyPr/>
           <a:lstStyle/>
@@ -2162,7 +2167,7 @@
               <a:rPr lang="en-US" smtClean="0"/>
               <a:t>‹#›</a:t>
             </a:fld>
-            <a:endParaRPr lang="en-US"/>
+            <a:endParaRPr lang="en-US" dirty="0"/>
           </a:p>
         </p:txBody>
       </p:sp>
@@ -3012,7 +3017,7 @@
         <p:spPr>
           <a:xfrm>
             <a:off x="838200" y="6356348"/>
-            <a:ext cx="2743200" cy="365125"/>
+            <a:ext cx="368431" cy="365125"/>
           </a:xfrm>
           <a:prstGeom prst="rect">
             <a:avLst/>
@@ -10090,7 +10095,11 @@
           <a:p>
             <a:r>
               <a:rPr lang="en-US" dirty="0" smtClean="0"/>
-              <a:t>Diagram 2</a:t>
+              <a:t>Diagram </a:t>
+            </a:r>
+            <a:r>
+              <a:rPr lang="en-US" dirty="0"/>
+              <a:t>2</a:t>
             </a:r>
             <a:endParaRPr lang="en-US" dirty="0"/>
           </a:p>
@@ -11783,2946 +11792,14 @@
           <p:cNvPr id="14" name="Straight Connector 13"/>
           <p:cNvCxnSpPr>
             <a:stCxn id="47" idx="1"/>
-            <a:endCxn id="50" idx="1"/>
+            <a:endCxn id="50" idx="3"/>
           </p:cNvCxnSpPr>
           <p:nvPr/>
         </p:nvCxnSpPr>
         <p:spPr>
           <a:xfrm flipH="1">
-            <a:off x="1937975" y="2255358"/>
-            <a:ext cx="1219277" cy="0"/>
-          </a:xfrm>
-          <a:prstGeom prst="line">
-            <a:avLst/>
-          </a:prstGeom>
-          <a:ln w="28575">
-            <a:solidFill>
-              <a:srgbClr val="4372C4"/>
-            </a:solidFill>
-            <a:prstDash val="sysDot"/>
-            <a:headEnd type="none" w="med" len="med"/>
-            <a:tailEnd type="none" w="med" len="med"/>
-          </a:ln>
-        </p:spPr>
-        <p:style>
-          <a:lnRef idx="1">
-            <a:schemeClr val="accent1"/>
-          </a:lnRef>
-          <a:fillRef idx="0">
-            <a:schemeClr val="accent1"/>
-          </a:fillRef>
-          <a:effectRef idx="0">
-            <a:schemeClr val="accent1"/>
-          </a:effectRef>
-          <a:fontRef idx="minor">
-            <a:schemeClr val="tx1"/>
-          </a:fontRef>
-        </p:style>
-      </p:cxnSp>
-      <p:sp>
-        <p:nvSpPr>
-          <p:cNvPr id="50" name="Rounded Rectangle 49"/>
-          <p:cNvSpPr/>
-          <p:nvPr/>
-        </p:nvSpPr>
-        <p:spPr>
-          <a:xfrm>
-            <a:off x="1937975" y="2095417"/>
-            <a:ext cx="966733" cy="319881"/>
-          </a:xfrm>
-          <a:prstGeom prst="roundRect">
-            <a:avLst>
-              <a:gd name="adj" fmla="val 50000"/>
-            </a:avLst>
-          </a:prstGeom>
-          <a:solidFill>
-            <a:srgbClr val="9F42E6"/>
-          </a:solidFill>
-          <a:ln w="28575" cap="flat" cmpd="sng" algn="ctr">
-            <a:solidFill>
-              <a:schemeClr val="tx2"/>
-            </a:solidFill>
-            <a:prstDash val="solid"/>
-          </a:ln>
-          <a:effectLst>
-            <a:outerShdw blurRad="40000" dist="23000" dir="5400000" rotWithShape="0">
-              <a:srgbClr val="000000">
-                <a:alpha val="35000"/>
-              </a:srgbClr>
-            </a:outerShdw>
-          </a:effectLst>
-        </p:spPr>
-        <p:txBody>
-          <a:bodyPr tIns="36000" bIns="36000" rtlCol="0" anchor="ctr"/>
-          <a:lstStyle/>
-          <a:p>
-            <a:pPr marL="0" marR="0" lvl="0" indent="0" algn="ctr" defTabSz="457200" eaLnBrk="1" fontAlgn="auto" latinLnBrk="0" hangingPunct="1">
-              <a:lnSpc>
-                <a:spcPct val="100000"/>
-              </a:lnSpc>
-              <a:spcBef>
-                <a:spcPts val="0"/>
-              </a:spcBef>
-              <a:spcAft>
-                <a:spcPts val="0"/>
-              </a:spcAft>
-              <a:buClrTx/>
-              <a:buSzTx/>
-              <a:buFontTx/>
-              <a:buNone/>
-              <a:tabLst/>
-              <a:defRPr/>
-            </a:pPr>
-            <a:r>
-              <a:rPr lang="en-US" sz="1600" b="1" kern="0" noProof="0" dirty="0" smtClean="0">
-                <a:solidFill>
-                  <a:schemeClr val="bg1"/>
-                </a:solidFill>
-                <a:ea typeface=""/>
-                <a:cs typeface=""/>
-              </a:rPr>
-              <a:t>MSP</a:t>
-            </a:r>
-            <a:endParaRPr kumimoji="0" lang="en-US" sz="1600" b="1" i="0" u="none" strike="noStrike" kern="0" cap="none" spc="0" normalizeH="0" baseline="0" noProof="0" dirty="0" smtClean="0">
-              <a:ln>
-                <a:noFill/>
-              </a:ln>
-              <a:solidFill>
-                <a:schemeClr val="bg1"/>
-              </a:solidFill>
-              <a:effectLst/>
-              <a:uLnTx/>
-              <a:uFillTx/>
-              <a:ea typeface=""/>
-              <a:cs typeface=""/>
-            </a:endParaRPr>
-          </a:p>
-        </p:txBody>
-      </p:sp>
-      <p:sp>
-        <p:nvSpPr>
-          <p:cNvPr id="58" name="Rounded Rectangle 57"/>
-          <p:cNvSpPr/>
-          <p:nvPr/>
-        </p:nvSpPr>
-        <p:spPr>
-          <a:xfrm>
-            <a:off x="6663046" y="2608373"/>
-            <a:ext cx="1029062" cy="319881"/>
-          </a:xfrm>
-          <a:prstGeom prst="roundRect">
-            <a:avLst>
-              <a:gd name="adj" fmla="val 50000"/>
-            </a:avLst>
-          </a:prstGeom>
-          <a:solidFill>
-            <a:srgbClr val="9F42E6"/>
-          </a:solidFill>
-          <a:ln w="28575" cap="flat" cmpd="sng" algn="ctr">
-            <a:solidFill>
-              <a:schemeClr val="tx2"/>
-            </a:solidFill>
-            <a:prstDash val="solid"/>
-          </a:ln>
-          <a:effectLst>
-            <a:outerShdw blurRad="40000" dist="23000" dir="5400000" rotWithShape="0">
-              <a:srgbClr val="000000">
-                <a:alpha val="35000"/>
-              </a:srgbClr>
-            </a:outerShdw>
-          </a:effectLst>
-        </p:spPr>
-        <p:txBody>
-          <a:bodyPr tIns="36000" bIns="36000" rtlCol="0" anchor="ctr"/>
-          <a:lstStyle/>
-          <a:p>
-            <a:pPr marL="0" marR="0" lvl="0" indent="0" algn="ctr" defTabSz="457200" eaLnBrk="1" fontAlgn="auto" latinLnBrk="0" hangingPunct="1">
-              <a:lnSpc>
-                <a:spcPct val="100000"/>
-              </a:lnSpc>
-              <a:spcBef>
-                <a:spcPts val="0"/>
-              </a:spcBef>
-              <a:spcAft>
-                <a:spcPts val="0"/>
-              </a:spcAft>
-              <a:buClrTx/>
-              <a:buSzTx/>
-              <a:buFontTx/>
-              <a:buNone/>
-              <a:tabLst/>
-              <a:defRPr/>
-            </a:pPr>
-            <a:r>
-              <a:rPr lang="en-US" sz="1600" b="1" kern="0" noProof="0" dirty="0" smtClean="0">
-                <a:solidFill>
-                  <a:schemeClr val="bg1"/>
-                </a:solidFill>
-                <a:ea typeface=""/>
-                <a:cs typeface=""/>
-              </a:rPr>
-              <a:t>MSP</a:t>
-            </a:r>
-            <a:endParaRPr kumimoji="0" lang="en-US" sz="1600" b="1" i="0" u="none" strike="noStrike" kern="0" cap="none" spc="0" normalizeH="0" baseline="0" noProof="0" dirty="0" smtClean="0">
-              <a:ln>
-                <a:noFill/>
-              </a:ln>
-              <a:solidFill>
-                <a:schemeClr val="bg1"/>
-              </a:solidFill>
-              <a:effectLst/>
-              <a:uLnTx/>
-              <a:uFillTx/>
-              <a:ea typeface=""/>
-              <a:cs typeface=""/>
-            </a:endParaRPr>
-          </a:p>
-        </p:txBody>
-      </p:sp>
-      <p:cxnSp>
-        <p:nvCxnSpPr>
-          <p:cNvPr id="65" name="Straight Connector 64"/>
-          <p:cNvCxnSpPr>
-            <a:stCxn id="9" idx="3"/>
-            <a:endCxn id="58" idx="1"/>
-          </p:cNvCxnSpPr>
-          <p:nvPr/>
-        </p:nvCxnSpPr>
-        <p:spPr>
-          <a:xfrm>
-            <a:off x="6380823" y="2768314"/>
-            <a:ext cx="282223" cy="0"/>
-          </a:xfrm>
-          <a:prstGeom prst="line">
-            <a:avLst/>
-          </a:prstGeom>
-          <a:ln w="28575">
-            <a:solidFill>
-              <a:srgbClr val="4372C4"/>
-            </a:solidFill>
-            <a:prstDash val="sysDot"/>
-            <a:headEnd type="none" w="med" len="med"/>
-            <a:tailEnd type="none" w="med" len="med"/>
-          </a:ln>
-        </p:spPr>
-        <p:style>
-          <a:lnRef idx="1">
-            <a:schemeClr val="accent1"/>
-          </a:lnRef>
-          <a:fillRef idx="0">
-            <a:schemeClr val="accent1"/>
-          </a:fillRef>
-          <a:effectRef idx="0">
-            <a:schemeClr val="accent1"/>
-          </a:effectRef>
-          <a:fontRef idx="minor">
-            <a:schemeClr val="tx1"/>
-          </a:fontRef>
-        </p:style>
-      </p:cxnSp>
-      <p:sp>
-        <p:nvSpPr>
-          <p:cNvPr id="67" name="Rounded Rectangle 66"/>
-          <p:cNvSpPr/>
-          <p:nvPr/>
-        </p:nvSpPr>
-        <p:spPr>
-          <a:xfrm>
-            <a:off x="6133116" y="5116493"/>
-            <a:ext cx="966733" cy="319881"/>
-          </a:xfrm>
-          <a:prstGeom prst="roundRect">
-            <a:avLst>
-              <a:gd name="adj" fmla="val 50000"/>
-            </a:avLst>
-          </a:prstGeom>
-          <a:solidFill>
-            <a:srgbClr val="9F42E6"/>
-          </a:solidFill>
-          <a:ln w="28575" cap="flat" cmpd="sng" algn="ctr">
-            <a:solidFill>
-              <a:schemeClr val="tx2"/>
-            </a:solidFill>
-            <a:prstDash val="solid"/>
-          </a:ln>
-          <a:effectLst>
-            <a:outerShdw blurRad="40000" dist="23000" dir="5400000" rotWithShape="0">
-              <a:srgbClr val="000000">
-                <a:alpha val="35000"/>
-              </a:srgbClr>
-            </a:outerShdw>
-          </a:effectLst>
-        </p:spPr>
-        <p:txBody>
-          <a:bodyPr tIns="36000" bIns="36000" rtlCol="0" anchor="ctr"/>
-          <a:lstStyle/>
-          <a:p>
-            <a:pPr marL="0" marR="0" lvl="0" indent="0" algn="ctr" defTabSz="457200" eaLnBrk="1" fontAlgn="auto" latinLnBrk="0" hangingPunct="1">
-              <a:lnSpc>
-                <a:spcPct val="100000"/>
-              </a:lnSpc>
-              <a:spcBef>
-                <a:spcPts val="0"/>
-              </a:spcBef>
-              <a:spcAft>
-                <a:spcPts val="0"/>
-              </a:spcAft>
-              <a:buClrTx/>
-              <a:buSzTx/>
-              <a:buFontTx/>
-              <a:buNone/>
-              <a:tabLst/>
-              <a:defRPr/>
-            </a:pPr>
-            <a:r>
-              <a:rPr lang="en-US" sz="1600" b="1" kern="0" noProof="0" dirty="0" smtClean="0">
-                <a:solidFill>
-                  <a:schemeClr val="bg1"/>
-                </a:solidFill>
-                <a:ea typeface=""/>
-                <a:cs typeface=""/>
-              </a:rPr>
-              <a:t>MSP</a:t>
-            </a:r>
-            <a:endParaRPr kumimoji="0" lang="en-US" sz="1600" b="1" i="0" u="none" strike="noStrike" kern="0" cap="none" spc="0" normalizeH="0" baseline="0" noProof="0" dirty="0" smtClean="0">
-              <a:ln>
-                <a:noFill/>
-              </a:ln>
-              <a:solidFill>
-                <a:schemeClr val="bg1"/>
-              </a:solidFill>
-              <a:effectLst/>
-              <a:uLnTx/>
-              <a:uFillTx/>
-              <a:ea typeface=""/>
-              <a:cs typeface=""/>
-            </a:endParaRPr>
-          </a:p>
-        </p:txBody>
-      </p:sp>
-      <p:sp>
-        <p:nvSpPr>
-          <p:cNvPr id="77" name="Rounded Rectangle 76"/>
-          <p:cNvSpPr/>
-          <p:nvPr/>
-        </p:nvSpPr>
-        <p:spPr>
-          <a:xfrm>
-            <a:off x="1718030" y="3555690"/>
-            <a:ext cx="1029062" cy="319881"/>
-          </a:xfrm>
-          <a:prstGeom prst="roundRect">
-            <a:avLst>
-              <a:gd name="adj" fmla="val 50000"/>
-            </a:avLst>
-          </a:prstGeom>
-          <a:solidFill>
-            <a:srgbClr val="9F42E6"/>
-          </a:solidFill>
-          <a:ln w="28575" cap="flat" cmpd="sng" algn="ctr">
-            <a:solidFill>
-              <a:schemeClr val="tx2"/>
-            </a:solidFill>
-            <a:prstDash val="solid"/>
-          </a:ln>
-          <a:effectLst>
-            <a:outerShdw blurRad="40000" dist="23000" dir="5400000" rotWithShape="0">
-              <a:srgbClr val="000000">
-                <a:alpha val="35000"/>
-              </a:srgbClr>
-            </a:outerShdw>
-          </a:effectLst>
-        </p:spPr>
-        <p:txBody>
-          <a:bodyPr tIns="36000" bIns="36000" rtlCol="0" anchor="ctr"/>
-          <a:lstStyle/>
-          <a:p>
-            <a:pPr marL="0" marR="0" lvl="0" indent="0" algn="ctr" defTabSz="457200" eaLnBrk="1" fontAlgn="auto" latinLnBrk="0" hangingPunct="1">
-              <a:lnSpc>
-                <a:spcPct val="100000"/>
-              </a:lnSpc>
-              <a:spcBef>
-                <a:spcPts val="0"/>
-              </a:spcBef>
-              <a:spcAft>
-                <a:spcPts val="0"/>
-              </a:spcAft>
-              <a:buClrTx/>
-              <a:buSzTx/>
-              <a:buFontTx/>
-              <a:buNone/>
-              <a:tabLst/>
-              <a:defRPr/>
-            </a:pPr>
-            <a:r>
-              <a:rPr lang="en-US" sz="1600" b="1" kern="0" noProof="0" dirty="0" smtClean="0">
-                <a:solidFill>
-                  <a:schemeClr val="bg1"/>
-                </a:solidFill>
-                <a:ea typeface=""/>
-                <a:cs typeface=""/>
-              </a:rPr>
-              <a:t>MSP</a:t>
-            </a:r>
-            <a:endParaRPr kumimoji="0" lang="en-US" sz="1600" b="1" i="0" u="none" strike="noStrike" kern="0" cap="none" spc="0" normalizeH="0" baseline="0" noProof="0" dirty="0" smtClean="0">
-              <a:ln>
-                <a:noFill/>
-              </a:ln>
-              <a:solidFill>
-                <a:schemeClr val="bg1"/>
-              </a:solidFill>
-              <a:effectLst/>
-              <a:uLnTx/>
-              <a:uFillTx/>
-              <a:ea typeface=""/>
-              <a:cs typeface=""/>
-            </a:endParaRPr>
-          </a:p>
-        </p:txBody>
-      </p:sp>
-      <p:cxnSp>
-        <p:nvCxnSpPr>
-          <p:cNvPr id="78" name="Straight Connector 77"/>
-          <p:cNvCxnSpPr>
-            <a:stCxn id="46" idx="2"/>
-            <a:endCxn id="77" idx="3"/>
-          </p:cNvCxnSpPr>
-          <p:nvPr/>
-        </p:nvCxnSpPr>
-        <p:spPr>
-          <a:xfrm flipH="1">
-            <a:off x="2747092" y="3715630"/>
-            <a:ext cx="315232" cy="1"/>
-          </a:xfrm>
-          <a:prstGeom prst="line">
-            <a:avLst/>
-          </a:prstGeom>
-          <a:ln w="28575">
-            <a:solidFill>
-              <a:srgbClr val="4372C4"/>
-            </a:solidFill>
-            <a:prstDash val="sysDot"/>
-            <a:headEnd type="none" w="med" len="med"/>
-            <a:tailEnd type="none" w="med" len="med"/>
-          </a:ln>
-        </p:spPr>
-        <p:style>
-          <a:lnRef idx="1">
-            <a:schemeClr val="accent1"/>
-          </a:lnRef>
-          <a:fillRef idx="0">
-            <a:schemeClr val="accent1"/>
-          </a:fillRef>
-          <a:effectRef idx="0">
-            <a:schemeClr val="accent1"/>
-          </a:effectRef>
-          <a:fontRef idx="minor">
-            <a:schemeClr val="tx1"/>
-          </a:fontRef>
-        </p:style>
-      </p:cxnSp>
-      <p:cxnSp>
-        <p:nvCxnSpPr>
-          <p:cNvPr id="80" name="Straight Connector 79"/>
-          <p:cNvCxnSpPr>
-            <a:stCxn id="67" idx="3"/>
-          </p:cNvCxnSpPr>
-          <p:nvPr/>
-        </p:nvCxnSpPr>
-        <p:spPr>
-          <a:xfrm flipV="1">
-            <a:off x="7099849" y="5276433"/>
-            <a:ext cx="348355" cy="1"/>
-          </a:xfrm>
-          <a:prstGeom prst="line">
-            <a:avLst/>
-          </a:prstGeom>
-          <a:ln w="28575">
-            <a:solidFill>
-              <a:srgbClr val="4372C4"/>
-            </a:solidFill>
-            <a:prstDash val="sysDot"/>
-            <a:headEnd type="none" w="med" len="med"/>
-            <a:tailEnd type="none" w="med" len="med"/>
-          </a:ln>
-        </p:spPr>
-        <p:style>
-          <a:lnRef idx="1">
-            <a:schemeClr val="accent1"/>
-          </a:lnRef>
-          <a:fillRef idx="0">
-            <a:schemeClr val="accent1"/>
-          </a:fillRef>
-          <a:effectRef idx="0">
-            <a:schemeClr val="accent1"/>
-          </a:effectRef>
-          <a:fontRef idx="minor">
-            <a:schemeClr val="tx1"/>
-          </a:fontRef>
-        </p:style>
-      </p:cxnSp>
-      <p:sp>
-        <p:nvSpPr>
-          <p:cNvPr id="97" name="Rounded Rectangle 96"/>
-          <p:cNvSpPr/>
-          <p:nvPr/>
-        </p:nvSpPr>
-        <p:spPr>
-          <a:xfrm>
-            <a:off x="9071121" y="3074195"/>
-            <a:ext cx="574856" cy="295840"/>
-          </a:xfrm>
-          <a:prstGeom prst="roundRect">
-            <a:avLst>
-              <a:gd name="adj" fmla="val 50000"/>
-            </a:avLst>
-          </a:prstGeom>
-          <a:solidFill>
-            <a:srgbClr val="9F42E6"/>
-          </a:solidFill>
-          <a:ln w="28575" cap="flat" cmpd="sng" algn="ctr">
-            <a:solidFill>
-              <a:schemeClr val="tx2"/>
-            </a:solidFill>
-            <a:prstDash val="solid"/>
-          </a:ln>
-          <a:effectLst>
-            <a:outerShdw blurRad="40000" dist="23000" dir="5400000" rotWithShape="0">
-              <a:srgbClr val="000000">
-                <a:alpha val="35000"/>
-              </a:srgbClr>
-            </a:outerShdw>
-          </a:effectLst>
-        </p:spPr>
-        <p:txBody>
-          <a:bodyPr tIns="36000" bIns="36000" rtlCol="0" anchor="ctr"/>
-          <a:lstStyle/>
-          <a:p>
-            <a:pPr marL="0" marR="0" lvl="0" indent="0" algn="ctr" defTabSz="457200" eaLnBrk="1" fontAlgn="auto" latinLnBrk="0" hangingPunct="1">
-              <a:lnSpc>
-                <a:spcPct val="100000"/>
-              </a:lnSpc>
-              <a:spcBef>
-                <a:spcPts val="0"/>
-              </a:spcBef>
-              <a:spcAft>
-                <a:spcPts val="0"/>
-              </a:spcAft>
-              <a:buClrTx/>
-              <a:buSzTx/>
-              <a:buFontTx/>
-              <a:buNone/>
-              <a:tabLst/>
-              <a:defRPr/>
-            </a:pPr>
-            <a:r>
-              <a:rPr lang="en-US" sz="1200" b="1" kern="0" noProof="0" dirty="0" smtClean="0">
-                <a:solidFill>
-                  <a:schemeClr val="bg1"/>
-                </a:solidFill>
-                <a:ea typeface=""/>
-                <a:cs typeface=""/>
-              </a:rPr>
-              <a:t>MSP</a:t>
-            </a:r>
-            <a:endParaRPr kumimoji="0" lang="en-US" sz="1200" b="1" i="0" u="none" strike="noStrike" kern="0" cap="none" spc="0" normalizeH="0" baseline="0" noProof="0" dirty="0" smtClean="0">
-              <a:ln>
-                <a:noFill/>
-              </a:ln>
-              <a:solidFill>
-                <a:schemeClr val="bg1"/>
-              </a:solidFill>
-              <a:effectLst/>
-              <a:uLnTx/>
-              <a:uFillTx/>
-              <a:ea typeface=""/>
-              <a:cs typeface=""/>
-            </a:endParaRPr>
-          </a:p>
-        </p:txBody>
-      </p:sp>
-      <p:sp>
-        <p:nvSpPr>
-          <p:cNvPr id="99" name="Rounded Rectangle 98"/>
-          <p:cNvSpPr/>
-          <p:nvPr/>
-        </p:nvSpPr>
-        <p:spPr>
-          <a:xfrm>
-            <a:off x="7985249" y="4363256"/>
-            <a:ext cx="575072" cy="567368"/>
-          </a:xfrm>
-          <a:prstGeom prst="roundRect">
-            <a:avLst/>
-          </a:prstGeom>
-          <a:solidFill>
-            <a:schemeClr val="accent4"/>
-          </a:solidFill>
-          <a:ln w="25400">
-            <a:solidFill>
-              <a:srgbClr val="0070C0"/>
-            </a:solidFill>
-          </a:ln>
-        </p:spPr>
-        <p:style>
-          <a:lnRef idx="2">
-            <a:schemeClr val="accent1">
-              <a:shade val="50000"/>
-            </a:schemeClr>
-          </a:lnRef>
-          <a:fillRef idx="1">
-            <a:schemeClr val="accent1"/>
-          </a:fillRef>
-          <a:effectRef idx="0">
-            <a:schemeClr val="accent1"/>
-          </a:effectRef>
-          <a:fontRef idx="minor">
-            <a:schemeClr val="lt1"/>
-          </a:fontRef>
-        </p:style>
-        <p:txBody>
-          <a:bodyPr rtlCol="0" anchor="ctr"/>
-          <a:lstStyle/>
-          <a:p>
-            <a:pPr algn="ctr"/>
-            <a:r>
-              <a:rPr lang="en-US" sz="1200" b="1" dirty="0" smtClean="0">
-                <a:solidFill>
-                  <a:srgbClr val="4372C4"/>
-                </a:solidFill>
-              </a:rPr>
-              <a:t>RCA1</a:t>
-            </a:r>
-            <a:endParaRPr lang="en-US" sz="1200" b="1" dirty="0">
-              <a:solidFill>
-                <a:srgbClr val="4372C4"/>
-              </a:solidFill>
-            </a:endParaRPr>
-          </a:p>
-        </p:txBody>
-      </p:sp>
-      <p:sp>
-        <p:nvSpPr>
-          <p:cNvPr id="100" name="Rounded Rectangle 99"/>
-          <p:cNvSpPr/>
-          <p:nvPr/>
-        </p:nvSpPr>
-        <p:spPr>
-          <a:xfrm>
-            <a:off x="9114922" y="5193314"/>
-            <a:ext cx="481189" cy="444147"/>
-          </a:xfrm>
-          <a:prstGeom prst="roundRect">
-            <a:avLst/>
-          </a:prstGeom>
-          <a:solidFill>
-            <a:srgbClr val="FFC000"/>
-          </a:solidFill>
-          <a:ln w="19050" cmpd="sng">
-            <a:solidFill>
-              <a:srgbClr val="0070C0"/>
-            </a:solidFill>
-          </a:ln>
-          <a:effectLst/>
-        </p:spPr>
-        <p:style>
-          <a:lnRef idx="1">
-            <a:schemeClr val="accent1"/>
-          </a:lnRef>
-          <a:fillRef idx="3">
-            <a:schemeClr val="accent1"/>
-          </a:fillRef>
-          <a:effectRef idx="2">
-            <a:schemeClr val="accent1"/>
-          </a:effectRef>
-          <a:fontRef idx="minor">
-            <a:schemeClr val="lt1"/>
-          </a:fontRef>
-        </p:style>
-        <p:txBody>
-          <a:bodyPr rtlCol="0" anchor="ctr"/>
-          <a:lstStyle/>
-          <a:p>
-            <a:pPr algn="ctr" defTabSz="457200"/>
-            <a:r>
-              <a:rPr lang="en-US" sz="1400" b="1" dirty="0" smtClean="0">
-                <a:solidFill>
-                  <a:schemeClr val="accent1"/>
-                </a:solidFill>
-                <a:ea typeface="Arial" charset="0"/>
-                <a:cs typeface="Arial" charset="0"/>
-              </a:rPr>
-              <a:t>CA</a:t>
-            </a:r>
-            <a:endParaRPr lang="en-US" sz="1400" b="1" dirty="0">
-              <a:solidFill>
-                <a:schemeClr val="accent1"/>
-              </a:solidFill>
-              <a:ea typeface="Arial" charset="0"/>
-              <a:cs typeface="Arial" charset="0"/>
-            </a:endParaRPr>
-          </a:p>
-        </p:txBody>
-      </p:sp>
-      <p:sp>
-        <p:nvSpPr>
-          <p:cNvPr id="101" name="Rounded Rectangle 100"/>
-          <p:cNvSpPr/>
-          <p:nvPr/>
-        </p:nvSpPr>
-        <p:spPr>
-          <a:xfrm>
-            <a:off x="838200" y="1995111"/>
-            <a:ext cx="575072" cy="567368"/>
-          </a:xfrm>
-          <a:prstGeom prst="roundRect">
-            <a:avLst/>
-          </a:prstGeom>
-          <a:solidFill>
-            <a:schemeClr val="accent4"/>
-          </a:solidFill>
-          <a:ln w="25400">
-            <a:solidFill>
-              <a:srgbClr val="0070C0"/>
-            </a:solidFill>
-          </a:ln>
-        </p:spPr>
-        <p:style>
-          <a:lnRef idx="2">
-            <a:schemeClr val="accent1">
-              <a:shade val="50000"/>
-            </a:schemeClr>
-          </a:lnRef>
-          <a:fillRef idx="1">
-            <a:schemeClr val="accent1"/>
-          </a:fillRef>
-          <a:effectRef idx="0">
-            <a:schemeClr val="accent1"/>
-          </a:effectRef>
-          <a:fontRef idx="minor">
-            <a:schemeClr val="lt1"/>
-          </a:fontRef>
-        </p:style>
-        <p:txBody>
-          <a:bodyPr rtlCol="0" anchor="ctr"/>
-          <a:lstStyle/>
-          <a:p>
-            <a:pPr algn="ctr"/>
-            <a:r>
-              <a:rPr lang="en-US" sz="1200" b="1" smtClean="0">
-                <a:solidFill>
-                  <a:srgbClr val="4372C4"/>
-                </a:solidFill>
-              </a:rPr>
-              <a:t>ICA2</a:t>
-            </a:r>
-            <a:endParaRPr lang="en-US" sz="1200" b="1" dirty="0">
-              <a:solidFill>
-                <a:srgbClr val="4372C4"/>
-              </a:solidFill>
-            </a:endParaRPr>
-          </a:p>
-        </p:txBody>
-      </p:sp>
-      <p:sp>
-        <p:nvSpPr>
-          <p:cNvPr id="102" name="Rounded Rectangle 101"/>
-          <p:cNvSpPr/>
-          <p:nvPr/>
-        </p:nvSpPr>
-        <p:spPr>
-          <a:xfrm>
-            <a:off x="7985249" y="2486435"/>
-            <a:ext cx="575072" cy="567368"/>
-          </a:xfrm>
-          <a:prstGeom prst="roundRect">
-            <a:avLst/>
-          </a:prstGeom>
-          <a:solidFill>
-            <a:schemeClr val="accent4"/>
-          </a:solidFill>
-          <a:ln w="25400">
-            <a:solidFill>
-              <a:srgbClr val="0070C0"/>
-            </a:solidFill>
-          </a:ln>
-        </p:spPr>
-        <p:style>
-          <a:lnRef idx="2">
-            <a:schemeClr val="accent1">
-              <a:shade val="50000"/>
-            </a:schemeClr>
-          </a:lnRef>
-          <a:fillRef idx="1">
-            <a:schemeClr val="accent1"/>
-          </a:fillRef>
-          <a:effectRef idx="0">
-            <a:schemeClr val="accent1"/>
-          </a:effectRef>
-          <a:fontRef idx="minor">
-            <a:schemeClr val="lt1"/>
-          </a:fontRef>
-        </p:style>
-        <p:txBody>
-          <a:bodyPr rtlCol="0" anchor="ctr"/>
-          <a:lstStyle/>
-          <a:p>
-            <a:pPr algn="ctr"/>
-            <a:r>
-              <a:rPr lang="en-US" sz="1200" b="1" smtClean="0">
-                <a:solidFill>
-                  <a:srgbClr val="4372C4"/>
-                </a:solidFill>
-              </a:rPr>
-              <a:t>ICA1</a:t>
-            </a:r>
-            <a:endParaRPr lang="en-US" sz="1200" b="1" dirty="0">
-              <a:solidFill>
-                <a:srgbClr val="4372C4"/>
-              </a:solidFill>
-            </a:endParaRPr>
-          </a:p>
-        </p:txBody>
-      </p:sp>
-      <p:sp>
-        <p:nvSpPr>
-          <p:cNvPr id="104" name="Rounded Rectangle 103"/>
-          <p:cNvSpPr/>
-          <p:nvPr/>
-        </p:nvSpPr>
-        <p:spPr>
-          <a:xfrm>
-            <a:off x="838200" y="3490824"/>
-            <a:ext cx="575072" cy="567368"/>
-          </a:xfrm>
-          <a:prstGeom prst="roundRect">
-            <a:avLst/>
-          </a:prstGeom>
-          <a:solidFill>
-            <a:schemeClr val="accent4"/>
-          </a:solidFill>
-          <a:ln w="25400">
-            <a:solidFill>
-              <a:srgbClr val="0070C0"/>
-            </a:solidFill>
-          </a:ln>
-        </p:spPr>
-        <p:style>
-          <a:lnRef idx="2">
-            <a:schemeClr val="accent1">
-              <a:shade val="50000"/>
-            </a:schemeClr>
-          </a:lnRef>
-          <a:fillRef idx="1">
-            <a:schemeClr val="accent1"/>
-          </a:fillRef>
-          <a:effectRef idx="0">
-            <a:schemeClr val="accent1"/>
-          </a:effectRef>
-          <a:fontRef idx="minor">
-            <a:schemeClr val="lt1"/>
-          </a:fontRef>
-        </p:style>
-        <p:txBody>
-          <a:bodyPr rtlCol="0" anchor="ctr"/>
-          <a:lstStyle/>
-          <a:p>
-            <a:pPr algn="ctr"/>
-            <a:r>
-              <a:rPr lang="en-US" sz="1200" b="1" dirty="0" smtClean="0">
-                <a:solidFill>
-                  <a:srgbClr val="4372C4"/>
-                </a:solidFill>
-              </a:rPr>
-              <a:t>RCA2</a:t>
-            </a:r>
-            <a:endParaRPr lang="en-US" sz="1200" b="1" dirty="0">
-              <a:solidFill>
-                <a:srgbClr val="4372C4"/>
-              </a:solidFill>
-            </a:endParaRPr>
-          </a:p>
-        </p:txBody>
-      </p:sp>
-      <p:cxnSp>
-        <p:nvCxnSpPr>
-          <p:cNvPr id="108" name="Elbow Connector 107"/>
-          <p:cNvCxnSpPr>
-            <a:stCxn id="50" idx="2"/>
-            <a:endCxn id="101" idx="2"/>
-          </p:cNvCxnSpPr>
-          <p:nvPr/>
-        </p:nvCxnSpPr>
-        <p:spPr>
-          <a:xfrm rot="5400000">
-            <a:off x="1699949" y="1841085"/>
-            <a:ext cx="147181" cy="1295606"/>
-          </a:xfrm>
-          <a:prstGeom prst="bentConnector3">
-            <a:avLst>
-              <a:gd name="adj1" fmla="val 255319"/>
-            </a:avLst>
-          </a:prstGeom>
-          <a:ln w="28575">
-            <a:solidFill>
-              <a:srgbClr val="4372C4"/>
-            </a:solidFill>
-            <a:tailEnd type="triangle"/>
-          </a:ln>
-        </p:spPr>
-        <p:style>
-          <a:lnRef idx="1">
-            <a:schemeClr val="accent1"/>
-          </a:lnRef>
-          <a:fillRef idx="0">
-            <a:schemeClr val="accent1"/>
-          </a:fillRef>
-          <a:effectRef idx="0">
-            <a:schemeClr val="accent1"/>
-          </a:effectRef>
-          <a:fontRef idx="minor">
-            <a:schemeClr val="tx1"/>
-          </a:fontRef>
-        </p:style>
-      </p:cxnSp>
-      <p:cxnSp>
-        <p:nvCxnSpPr>
-          <p:cNvPr id="110" name="Elbow Connector 109"/>
-          <p:cNvCxnSpPr>
-            <a:stCxn id="77" idx="2"/>
-            <a:endCxn id="104" idx="2"/>
-          </p:cNvCxnSpPr>
-          <p:nvPr/>
-        </p:nvCxnSpPr>
-        <p:spPr>
-          <a:xfrm rot="5400000">
-            <a:off x="1587839" y="3413469"/>
-            <a:ext cx="182621" cy="1106825"/>
-          </a:xfrm>
-          <a:prstGeom prst="bentConnector3">
-            <a:avLst>
-              <a:gd name="adj1" fmla="val 225177"/>
-            </a:avLst>
-          </a:prstGeom>
-          <a:ln w="28575">
-            <a:solidFill>
-              <a:srgbClr val="4372C4"/>
-            </a:solidFill>
-            <a:tailEnd type="triangle"/>
-          </a:ln>
-        </p:spPr>
-        <p:style>
-          <a:lnRef idx="1">
-            <a:schemeClr val="accent1"/>
-          </a:lnRef>
-          <a:fillRef idx="0">
-            <a:schemeClr val="accent1"/>
-          </a:fillRef>
-          <a:effectRef idx="0">
-            <a:schemeClr val="accent1"/>
-          </a:effectRef>
-          <a:fontRef idx="minor">
-            <a:schemeClr val="tx1"/>
-          </a:fontRef>
-        </p:style>
-      </p:cxnSp>
-      <p:cxnSp>
-        <p:nvCxnSpPr>
-          <p:cNvPr id="112" name="Elbow Connector 111"/>
-          <p:cNvCxnSpPr>
-            <a:stCxn id="58" idx="2"/>
-            <a:endCxn id="102" idx="2"/>
-          </p:cNvCxnSpPr>
-          <p:nvPr/>
-        </p:nvCxnSpPr>
-        <p:spPr>
-          <a:xfrm rot="16200000" flipH="1">
-            <a:off x="7662407" y="2443424"/>
-            <a:ext cx="125549" cy="1095208"/>
-          </a:xfrm>
-          <a:prstGeom prst="bentConnector3">
-            <a:avLst>
-              <a:gd name="adj1" fmla="val 282080"/>
-            </a:avLst>
-          </a:prstGeom>
-          <a:ln w="28575">
-            <a:solidFill>
-              <a:srgbClr val="4372C4"/>
-            </a:solidFill>
-            <a:tailEnd type="triangle"/>
-          </a:ln>
-        </p:spPr>
-        <p:style>
-          <a:lnRef idx="1">
-            <a:schemeClr val="accent1"/>
-          </a:lnRef>
-          <a:fillRef idx="0">
-            <a:schemeClr val="accent1"/>
-          </a:fillRef>
-          <a:effectRef idx="0">
-            <a:schemeClr val="accent1"/>
-          </a:effectRef>
-          <a:fontRef idx="minor">
-            <a:schemeClr val="tx1"/>
-          </a:fontRef>
-        </p:style>
-      </p:cxnSp>
-      <p:cxnSp>
-        <p:nvCxnSpPr>
-          <p:cNvPr id="123" name="Elbow Connector 122"/>
-          <p:cNvCxnSpPr>
-            <a:stCxn id="67" idx="0"/>
-            <a:endCxn id="99" idx="1"/>
-          </p:cNvCxnSpPr>
-          <p:nvPr/>
-        </p:nvCxnSpPr>
-        <p:spPr>
-          <a:xfrm rot="5400000" flipH="1" flipV="1">
-            <a:off x="7066090" y="4197334"/>
-            <a:ext cx="469553" cy="1368766"/>
-          </a:xfrm>
-          <a:prstGeom prst="bentConnector2">
-            <a:avLst/>
-          </a:prstGeom>
-          <a:ln w="28575">
-            <a:solidFill>
-              <a:srgbClr val="4372C4"/>
-            </a:solidFill>
-            <a:tailEnd type="triangle"/>
-          </a:ln>
-        </p:spPr>
-        <p:style>
-          <a:lnRef idx="1">
-            <a:schemeClr val="accent1"/>
-          </a:lnRef>
-          <a:fillRef idx="0">
-            <a:schemeClr val="accent1"/>
-          </a:fillRef>
-          <a:effectRef idx="0">
-            <a:schemeClr val="accent1"/>
-          </a:effectRef>
-          <a:fontRef idx="minor">
-            <a:schemeClr val="tx1"/>
-          </a:fontRef>
-        </p:style>
-      </p:cxnSp>
-    </p:spTree>
-    <p:extLst>
-      <p:ext uri="{BB962C8B-B14F-4D97-AF65-F5344CB8AC3E}">
-        <p14:creationId xmlns:p14="http://schemas.microsoft.com/office/powerpoint/2010/main" val="574982305"/>
-      </p:ext>
-    </p:extLst>
-  </p:cSld>
-  <p:clrMapOvr>
-    <a:masterClrMapping/>
-  </p:clrMapOvr>
-  <p:timing>
-    <p:tnLst>
-      <p:par>
-        <p:cTn id="1" dur="indefinite" restart="never" nodeType="tmRoot">
-          <p:childTnLst>
-            <p:seq concurrent="1" nextAc="seek">
-              <p:cTn id="2" dur="indefinite" nodeType="mainSeq">
-                <p:childTnLst>
-                  <p:par>
-                    <p:cTn id="3" fill="hold">
-                      <p:stCondLst>
-                        <p:cond delay="indefinite"/>
-                        <p:cond evt="onBegin" delay="0">
-                          <p:tn val="2"/>
-                        </p:cond>
-                      </p:stCondLst>
-                      <p:childTnLst>
-                        <p:par>
-                          <p:cTn id="4" fill="hold">
-                            <p:stCondLst>
-                              <p:cond delay="0"/>
-                            </p:stCondLst>
-                            <p:childTnLst>
-                              <p:par>
-                                <p:cTn id="5" presetID="1" presetClass="entr" presetSubtype="0" fill="hold" grpId="0" nodeType="withEffect">
-                                  <p:stCondLst>
-                                    <p:cond delay="0"/>
-                                  </p:stCondLst>
-                                  <p:childTnLst>
-                                    <p:set>
-                                      <p:cBhvr>
-                                        <p:cTn id="6" dur="1" fill="hold">
-                                          <p:stCondLst>
-                                            <p:cond delay="0"/>
-                                          </p:stCondLst>
-                                        </p:cTn>
-                                        <p:tgtEl>
-                                          <p:spTgt spid="99"/>
-                                        </p:tgtEl>
-                                        <p:attrNameLst>
-                                          <p:attrName>style.visibility</p:attrName>
-                                        </p:attrNameLst>
-                                      </p:cBhvr>
-                                      <p:to>
-                                        <p:strVal val="visible"/>
-                                      </p:to>
-                                    </p:set>
-                                  </p:childTnLst>
-                                </p:cTn>
-                              </p:par>
-                              <p:par>
-                                <p:cTn id="7" presetID="1" presetClass="entr" presetSubtype="0" fill="hold" grpId="0" nodeType="withEffect">
-                                  <p:stCondLst>
-                                    <p:cond delay="0"/>
-                                  </p:stCondLst>
-                                  <p:childTnLst>
-                                    <p:set>
-                                      <p:cBhvr>
-                                        <p:cTn id="8" dur="1" fill="hold">
-                                          <p:stCondLst>
-                                            <p:cond delay="0"/>
-                                          </p:stCondLst>
-                                        </p:cTn>
-                                        <p:tgtEl>
-                                          <p:spTgt spid="101"/>
-                                        </p:tgtEl>
-                                        <p:attrNameLst>
-                                          <p:attrName>style.visibility</p:attrName>
-                                        </p:attrNameLst>
-                                      </p:cBhvr>
-                                      <p:to>
-                                        <p:strVal val="visible"/>
-                                      </p:to>
-                                    </p:set>
-                                  </p:childTnLst>
-                                </p:cTn>
-                              </p:par>
-                              <p:par>
-                                <p:cTn id="9" presetID="1" presetClass="entr" presetSubtype="0" fill="hold" grpId="0" nodeType="withEffect">
-                                  <p:stCondLst>
-                                    <p:cond delay="0"/>
-                                  </p:stCondLst>
-                                  <p:childTnLst>
-                                    <p:set>
-                                      <p:cBhvr>
-                                        <p:cTn id="10" dur="1" fill="hold">
-                                          <p:stCondLst>
-                                            <p:cond delay="0"/>
-                                          </p:stCondLst>
-                                        </p:cTn>
-                                        <p:tgtEl>
-                                          <p:spTgt spid="102"/>
-                                        </p:tgtEl>
-                                        <p:attrNameLst>
-                                          <p:attrName>style.visibility</p:attrName>
-                                        </p:attrNameLst>
-                                      </p:cBhvr>
-                                      <p:to>
-                                        <p:strVal val="visible"/>
-                                      </p:to>
-                                    </p:set>
-                                  </p:childTnLst>
-                                </p:cTn>
-                              </p:par>
-                              <p:par>
-                                <p:cTn id="11" presetID="1" presetClass="entr" presetSubtype="0" fill="hold" grpId="0" nodeType="withEffect">
-                                  <p:stCondLst>
-                                    <p:cond delay="0"/>
-                                  </p:stCondLst>
-                                  <p:childTnLst>
-                                    <p:set>
-                                      <p:cBhvr>
-                                        <p:cTn id="12" dur="1" fill="hold">
-                                          <p:stCondLst>
-                                            <p:cond delay="0"/>
-                                          </p:stCondLst>
-                                        </p:cTn>
-                                        <p:tgtEl>
-                                          <p:spTgt spid="104"/>
-                                        </p:tgtEl>
-                                        <p:attrNameLst>
-                                          <p:attrName>style.visibility</p:attrName>
-                                        </p:attrNameLst>
-                                      </p:cBhvr>
-                                      <p:to>
-                                        <p:strVal val="visible"/>
-                                      </p:to>
-                                    </p:set>
-                                  </p:childTnLst>
-                                </p:cTn>
-                              </p:par>
-                            </p:childTnLst>
-                          </p:cTn>
-                        </p:par>
-                      </p:childTnLst>
-                    </p:cTn>
-                  </p:par>
-                </p:childTnLst>
-              </p:cTn>
-              <p:prevCondLst>
-                <p:cond evt="onPrev" delay="0">
-                  <p:tgtEl>
-                    <p:sldTgt/>
-                  </p:tgtEl>
-                </p:cond>
-              </p:prevCondLst>
-              <p:nextCondLst>
-                <p:cond evt="onNext" delay="0">
-                  <p:tgtEl>
-                    <p:sldTgt/>
-                  </p:tgtEl>
-                </p:cond>
-              </p:nextCondLst>
-            </p:seq>
-          </p:childTnLst>
-        </p:cTn>
-      </p:par>
-    </p:tnLst>
-    <p:bldLst>
-      <p:bldP spid="99" grpId="0" animBg="1"/>
-      <p:bldP spid="101" grpId="0" animBg="1"/>
-      <p:bldP spid="102" grpId="0" animBg="1"/>
-      <p:bldP spid="104" grpId="0" animBg="1"/>
-    </p:bldLst>
-  </p:timing>
-</p:sld>
-</file>
-
-<file path=ppt/slides/slide13.xml><?xml version="1.0" encoding="utf-8"?>
-<p:sld xmlns:a="http://schemas.openxmlformats.org/drawingml/2006/main" xmlns:r="http://schemas.openxmlformats.org/officeDocument/2006/relationships" xmlns:p="http://schemas.openxmlformats.org/presentationml/2006/main">
-  <p:cSld>
-    <p:spTree>
-      <p:nvGrpSpPr>
-        <p:cNvPr id="1" name=""/>
-        <p:cNvGrpSpPr/>
-        <p:nvPr/>
-      </p:nvGrpSpPr>
-      <p:grpSpPr>
-        <a:xfrm>
-          <a:off x="0" y="0"/>
-          <a:ext cx="0" cy="0"/>
-          <a:chOff x="0" y="0"/>
-          <a:chExt cx="0" cy="0"/>
-        </a:xfrm>
-      </p:grpSpPr>
-      <p:sp>
-        <p:nvSpPr>
-          <p:cNvPr id="2" name="Title 1"/>
-          <p:cNvSpPr>
-            <a:spLocks noGrp="1"/>
-          </p:cNvSpPr>
-          <p:nvPr>
-            <p:ph type="title"/>
-          </p:nvPr>
-        </p:nvSpPr>
-        <p:spPr/>
-        <p:txBody>
-          <a:bodyPr/>
-          <a:lstStyle/>
-          <a:p>
-            <a:r>
-              <a:rPr lang="en-US" dirty="0" smtClean="0"/>
-              <a:t>Diagram </a:t>
-            </a:r>
-            <a:r>
-              <a:rPr lang="en-US" dirty="0" smtClean="0"/>
-              <a:t>3</a:t>
-            </a:r>
-            <a:endParaRPr lang="en-US" dirty="0"/>
-          </a:p>
-        </p:txBody>
-      </p:sp>
-      <p:sp>
-        <p:nvSpPr>
-          <p:cNvPr id="4" name="Slide Number Placeholder 3"/>
-          <p:cNvSpPr>
-            <a:spLocks noGrp="1"/>
-          </p:cNvSpPr>
-          <p:nvPr>
-            <p:ph type="sldNum" sz="quarter" idx="12"/>
-          </p:nvPr>
-        </p:nvSpPr>
-        <p:spPr>
-          <a:xfrm>
-            <a:off x="1149384" y="6156888"/>
-            <a:ext cx="2743200" cy="365125"/>
-          </a:xfrm>
-        </p:spPr>
-        <p:txBody>
-          <a:bodyPr/>
-          <a:lstStyle/>
-          <a:p>
-            <a:fld id="{2AF5F8E0-9CB9-8D41-B80C-6B76C9B710FC}" type="slidenum">
-              <a:rPr lang="en-US" smtClean="0"/>
-              <a:pPr/>
-              <a:t>13</a:t>
-            </a:fld>
-            <a:endParaRPr lang="en-US"/>
-          </a:p>
-        </p:txBody>
-      </p:sp>
-      <p:sp>
-        <p:nvSpPr>
-          <p:cNvPr id="5" name="Rounded Rectangle 4"/>
-          <p:cNvSpPr/>
-          <p:nvPr/>
-        </p:nvSpPr>
-        <p:spPr>
-          <a:xfrm>
-            <a:off x="1562214" y="1612074"/>
-            <a:ext cx="6274520" cy="4109570"/>
-          </a:xfrm>
-          <a:prstGeom prst="roundRect">
-            <a:avLst/>
-          </a:prstGeom>
-          <a:solidFill>
-            <a:srgbClr val="DBE4F3"/>
-          </a:solidFill>
-        </p:spPr>
-        <p:style>
-          <a:lnRef idx="2">
-            <a:schemeClr val="accent1">
-              <a:shade val="50000"/>
-            </a:schemeClr>
-          </a:lnRef>
-          <a:fillRef idx="1">
-            <a:schemeClr val="accent1"/>
-          </a:fillRef>
-          <a:effectRef idx="0">
-            <a:schemeClr val="accent1"/>
-          </a:effectRef>
-          <a:fontRef idx="minor">
-            <a:schemeClr val="lt1"/>
-          </a:fontRef>
-        </p:style>
-        <p:txBody>
-          <a:bodyPr rtlCol="0" anchor="ctr"/>
-          <a:lstStyle/>
-          <a:p>
-            <a:pPr algn="ctr"/>
-            <a:endParaRPr lang="en-US" dirty="0"/>
-          </a:p>
-        </p:txBody>
-      </p:sp>
-      <p:sp>
-        <p:nvSpPr>
-          <p:cNvPr id="9" name="Rounded Rectangle 8"/>
-          <p:cNvSpPr/>
-          <p:nvPr/>
-        </p:nvSpPr>
-        <p:spPr>
-          <a:xfrm>
-            <a:off x="5809411" y="2486435"/>
-            <a:ext cx="571412" cy="563758"/>
-          </a:xfrm>
-          <a:prstGeom prst="roundRect">
-            <a:avLst/>
-          </a:prstGeom>
-          <a:solidFill>
-            <a:srgbClr val="00B050"/>
-          </a:solidFill>
-          <a:ln w="25400">
-            <a:solidFill>
-              <a:srgbClr val="0070C0"/>
-            </a:solidFill>
-          </a:ln>
-        </p:spPr>
-        <p:style>
-          <a:lnRef idx="2">
-            <a:schemeClr val="accent1">
-              <a:shade val="50000"/>
-            </a:schemeClr>
-          </a:lnRef>
-          <a:fillRef idx="1">
-            <a:schemeClr val="accent1"/>
-          </a:fillRef>
-          <a:effectRef idx="0">
-            <a:schemeClr val="accent1"/>
-          </a:effectRef>
-          <a:fontRef idx="minor">
-            <a:schemeClr val="lt1"/>
-          </a:fontRef>
-        </p:style>
-        <p:txBody>
-          <a:bodyPr rtlCol="0" anchor="ctr"/>
-          <a:lstStyle/>
-          <a:p>
-            <a:pPr algn="ctr"/>
-            <a:r>
-              <a:rPr lang="en-US" sz="2400" b="1" dirty="0">
-                <a:solidFill>
-                  <a:srgbClr val="4372C4"/>
-                </a:solidFill>
-              </a:rPr>
-              <a:t>O</a:t>
-            </a:r>
-          </a:p>
-        </p:txBody>
-      </p:sp>
-      <p:cxnSp>
-        <p:nvCxnSpPr>
-          <p:cNvPr id="39" name="Straight Connector 38"/>
-          <p:cNvCxnSpPr>
-            <a:stCxn id="38" idx="0"/>
-            <a:endCxn id="46" idx="7"/>
-          </p:cNvCxnSpPr>
-          <p:nvPr/>
-        </p:nvCxnSpPr>
-        <p:spPr>
-          <a:xfrm>
-            <a:off x="6094679" y="3140413"/>
-            <a:ext cx="1309" cy="466383"/>
-          </a:xfrm>
-          <a:prstGeom prst="line">
-            <a:avLst/>
-          </a:prstGeom>
-          <a:solidFill>
-            <a:schemeClr val="accent1"/>
-          </a:solidFill>
-          <a:ln w="38100" cap="flat" cmpd="sng" algn="ctr">
-            <a:solidFill>
-              <a:schemeClr val="accent1"/>
-            </a:solidFill>
-            <a:prstDash val="solid"/>
-            <a:tailEnd type="none"/>
-          </a:ln>
-          <a:effectLst>
-            <a:outerShdw blurRad="40000" dist="20000" dir="5400000" rotWithShape="0">
-              <a:srgbClr val="000000">
-                <a:alpha val="38000"/>
-              </a:srgbClr>
-            </a:outerShdw>
-          </a:effectLst>
-        </p:spPr>
-      </p:cxnSp>
-      <p:sp>
-        <p:nvSpPr>
-          <p:cNvPr id="37" name="TextBox 36"/>
-          <p:cNvSpPr txBox="1"/>
-          <p:nvPr/>
-        </p:nvSpPr>
-        <p:spPr>
-          <a:xfrm>
-            <a:off x="4654357" y="3490824"/>
-            <a:ext cx="348172" cy="461665"/>
-          </a:xfrm>
-          <a:prstGeom prst="rect">
-            <a:avLst/>
-          </a:prstGeom>
-          <a:noFill/>
-          <a:ln>
-            <a:noFill/>
-          </a:ln>
-        </p:spPr>
-        <p:txBody>
-          <a:bodyPr wrap="none" rtlCol="0">
-            <a:spAutoFit/>
-          </a:bodyPr>
-          <a:lstStyle/>
-          <a:p>
-            <a:r>
-              <a:rPr lang="en-US" sz="2400" b="1" dirty="0" smtClean="0">
-                <a:solidFill>
-                  <a:schemeClr val="accent1"/>
-                </a:solidFill>
-              </a:rPr>
-              <a:t>C</a:t>
-            </a:r>
-            <a:endParaRPr lang="en-US" sz="2400" b="1" dirty="0">
-              <a:solidFill>
-                <a:schemeClr val="accent1"/>
-              </a:solidFill>
-            </a:endParaRPr>
-          </a:p>
-        </p:txBody>
-      </p:sp>
-      <p:sp>
-        <p:nvSpPr>
-          <p:cNvPr id="47" name="Rounded Rectangle 46"/>
-          <p:cNvSpPr/>
-          <p:nvPr/>
-        </p:nvSpPr>
-        <p:spPr>
-          <a:xfrm>
-            <a:off x="3157252" y="1978073"/>
-            <a:ext cx="559591" cy="554570"/>
-          </a:xfrm>
-          <a:prstGeom prst="roundRect">
-            <a:avLst/>
-          </a:prstGeom>
-          <a:solidFill>
-            <a:srgbClr val="4372C4"/>
-          </a:solidFill>
-          <a:ln w="28575" cap="flat" cmpd="sng" algn="ctr">
-            <a:solidFill>
-              <a:schemeClr val="tx2"/>
-            </a:solidFill>
-            <a:prstDash val="solid"/>
-          </a:ln>
-          <a:effectLst>
-            <a:outerShdw blurRad="40000" dist="23000" dir="5400000" rotWithShape="0">
-              <a:srgbClr val="000000">
-                <a:alpha val="35000"/>
-              </a:srgbClr>
-            </a:outerShdw>
-          </a:effectLst>
-        </p:spPr>
-        <p:txBody>
-          <a:bodyPr tIns="36000" bIns="36000" rtlCol="0" anchor="ctr"/>
-          <a:lstStyle/>
-          <a:p>
-            <a:pPr marL="0" marR="0" lvl="0" indent="0" algn="ctr" defTabSz="457200" eaLnBrk="1" fontAlgn="auto" latinLnBrk="0" hangingPunct="1">
-              <a:lnSpc>
-                <a:spcPct val="100000"/>
-              </a:lnSpc>
-              <a:spcBef>
-                <a:spcPts val="0"/>
-              </a:spcBef>
-              <a:spcAft>
-                <a:spcPts val="0"/>
-              </a:spcAft>
-              <a:buClrTx/>
-              <a:buSzTx/>
-              <a:buFontTx/>
-              <a:buNone/>
-              <a:tabLst/>
-              <a:defRPr/>
-            </a:pPr>
-            <a:r>
-              <a:rPr lang="en-US" sz="2400" b="1" kern="0" noProof="0" dirty="0" smtClean="0">
-                <a:solidFill>
-                  <a:schemeClr val="bg1"/>
-                </a:solidFill>
-                <a:ea typeface=""/>
-                <a:cs typeface=""/>
-              </a:rPr>
-              <a:t>P</a:t>
-            </a:r>
-            <a:endParaRPr kumimoji="0" lang="en-US" sz="2400" b="1" i="0" u="none" strike="noStrike" kern="0" cap="none" spc="0" normalizeH="0" baseline="0" noProof="0" dirty="0" smtClean="0">
-              <a:ln>
-                <a:noFill/>
-              </a:ln>
-              <a:solidFill>
-                <a:schemeClr val="bg1"/>
-              </a:solidFill>
-              <a:effectLst/>
-              <a:uLnTx/>
-              <a:uFillTx/>
-              <a:ea typeface=""/>
-              <a:cs typeface=""/>
-            </a:endParaRPr>
-          </a:p>
-        </p:txBody>
-      </p:sp>
-      <p:cxnSp>
-        <p:nvCxnSpPr>
-          <p:cNvPr id="48" name="Straight Connector 47"/>
-          <p:cNvCxnSpPr>
-            <a:stCxn id="49" idx="0"/>
-          </p:cNvCxnSpPr>
-          <p:nvPr/>
-        </p:nvCxnSpPr>
-        <p:spPr>
-          <a:xfrm>
-            <a:off x="3452110" y="2620771"/>
-            <a:ext cx="13365" cy="996135"/>
-          </a:xfrm>
-          <a:prstGeom prst="line">
-            <a:avLst/>
-          </a:prstGeom>
-          <a:solidFill>
-            <a:schemeClr val="accent1"/>
-          </a:solidFill>
-          <a:ln w="38100" cap="flat" cmpd="sng" algn="ctr">
-            <a:solidFill>
-              <a:schemeClr val="accent1"/>
-            </a:solidFill>
-            <a:prstDash val="solid"/>
-            <a:tailEnd type="none"/>
-          </a:ln>
-          <a:effectLst>
-            <a:outerShdw blurRad="40000" dist="20000" dir="5400000" rotWithShape="0">
-              <a:srgbClr val="000000">
-                <a:alpha val="38000"/>
-              </a:srgbClr>
-            </a:outerShdw>
-          </a:effectLst>
-        </p:spPr>
-      </p:cxnSp>
-      <p:sp>
-        <p:nvSpPr>
-          <p:cNvPr id="49" name="Oval 48"/>
-          <p:cNvSpPr/>
-          <p:nvPr/>
-        </p:nvSpPr>
-        <p:spPr>
-          <a:xfrm flipV="1">
-            <a:off x="3371109" y="2458770"/>
-            <a:ext cx="162001" cy="162001"/>
-          </a:xfrm>
-          <a:prstGeom prst="ellipse">
-            <a:avLst/>
-          </a:prstGeom>
-          <a:solidFill>
-            <a:schemeClr val="accent1"/>
-          </a:solidFill>
-          <a:ln w="25400" cmpd="sng">
-            <a:solidFill>
-              <a:schemeClr val="tx2"/>
-            </a:solidFill>
-          </a:ln>
-          <a:effectLst>
-            <a:outerShdw blurRad="50800" dist="38100" dir="2700000" algn="tl" rotWithShape="0">
-              <a:prstClr val="black">
-                <a:alpha val="40000"/>
-              </a:prstClr>
-            </a:outerShdw>
-          </a:effectLst>
-        </p:spPr>
-        <p:style>
-          <a:lnRef idx="1">
-            <a:schemeClr val="accent1"/>
-          </a:lnRef>
-          <a:fillRef idx="3">
-            <a:schemeClr val="accent1"/>
-          </a:fillRef>
-          <a:effectRef idx="2">
-            <a:schemeClr val="accent1"/>
-          </a:effectRef>
-          <a:fontRef idx="minor">
-            <a:schemeClr val="lt1"/>
-          </a:fontRef>
-        </p:style>
-        <p:txBody>
-          <a:bodyPr rtlCol="0" anchor="ctr"/>
-          <a:lstStyle/>
-          <a:p>
-            <a:pPr algn="ctr"/>
-            <a:endParaRPr lang="en-GB" sz="1000">
-              <a:solidFill>
-                <a:srgbClr val="000000"/>
-              </a:solidFill>
-            </a:endParaRPr>
-          </a:p>
-        </p:txBody>
-      </p:sp>
-      <p:sp>
-        <p:nvSpPr>
-          <p:cNvPr id="53" name="TextBox 52"/>
-          <p:cNvSpPr txBox="1"/>
-          <p:nvPr/>
-        </p:nvSpPr>
-        <p:spPr>
-          <a:xfrm>
-            <a:off x="7331670" y="5037473"/>
-            <a:ext cx="527124" cy="461665"/>
-          </a:xfrm>
-          <a:prstGeom prst="rect">
-            <a:avLst/>
-          </a:prstGeom>
-          <a:noFill/>
-        </p:spPr>
-        <p:txBody>
-          <a:bodyPr wrap="square" rtlCol="0">
-            <a:spAutoFit/>
-          </a:bodyPr>
-          <a:lstStyle/>
-          <a:p>
-            <a:r>
-              <a:rPr lang="en-US" sz="2400" b="1" smtClean="0"/>
-              <a:t>N</a:t>
-            </a:r>
-            <a:endParaRPr lang="en-US" sz="2400" b="1"/>
-          </a:p>
-        </p:txBody>
-      </p:sp>
-      <p:graphicFrame>
-        <p:nvGraphicFramePr>
-          <p:cNvPr id="54" name="Table 53"/>
-          <p:cNvGraphicFramePr>
-            <a:graphicFrameLocks noGrp="1"/>
-          </p:cNvGraphicFramePr>
-          <p:nvPr>
-            <p:extLst>
-              <p:ext uri="{D42A27DB-BD31-4B8C-83A1-F6EECF244321}">
-                <p14:modId xmlns:p14="http://schemas.microsoft.com/office/powerpoint/2010/main" val="342803715"/>
-              </p:ext>
-            </p:extLst>
-          </p:nvPr>
-        </p:nvGraphicFramePr>
-        <p:xfrm>
-          <a:off x="9042960" y="1449910"/>
-          <a:ext cx="2315141" cy="4313772"/>
-        </p:xfrm>
-        <a:graphic>
-          <a:graphicData uri="http://schemas.openxmlformats.org/drawingml/2006/table">
-            <a:tbl>
-              <a:tblPr firstRow="1" bandRow="1">
-                <a:tableStyleId>{2D5ABB26-0587-4C30-8999-92F81FD0307C}</a:tableStyleId>
-              </a:tblPr>
-              <a:tblGrid>
-                <a:gridCol w="648469"/>
-                <a:gridCol w="1666672"/>
-              </a:tblGrid>
-              <a:tr h="718962">
-                <a:tc>
-                  <a:txBody>
-                    <a:bodyPr/>
-                    <a:lstStyle/>
-                    <a:p>
-                      <a:pPr marL="0" marR="0" lvl="0" indent="0" algn="l" defTabSz="914400" rtl="0" eaLnBrk="1" fontAlgn="auto" latinLnBrk="0" hangingPunct="1">
-                        <a:lnSpc>
-                          <a:spcPct val="100000"/>
-                        </a:lnSpc>
-                        <a:spcBef>
-                          <a:spcPts val="0"/>
-                        </a:spcBef>
-                        <a:spcAft>
-                          <a:spcPts val="0"/>
-                        </a:spcAft>
-                        <a:buClrTx/>
-                        <a:buSzTx/>
-                        <a:buFontTx/>
-                        <a:buNone/>
-                        <a:tabLst/>
-                        <a:defRPr/>
-                      </a:pPr>
-                      <a:endParaRPr lang="en-US" sz="1400" dirty="0" smtClean="0"/>
-                    </a:p>
-                  </a:txBody>
-                  <a:tcPr anchor="ctr">
-                    <a:lnL w="12700" cap="flat" cmpd="sng" algn="ctr">
-                      <a:solidFill>
-                        <a:schemeClr val="tx1"/>
-                      </a:solidFill>
-                      <a:prstDash val="solid"/>
-                      <a:round/>
-                      <a:headEnd type="none" w="med" len="med"/>
-                      <a:tailEnd type="none" w="med" len="med"/>
-                    </a:lnL>
-                    <a:lnR w="12700" cap="flat" cmpd="sng" algn="ctr">
-                      <a:solidFill>
-                        <a:schemeClr val="tx1"/>
-                      </a:solidFill>
-                      <a:prstDash val="solid"/>
-                      <a:round/>
-                      <a:headEnd type="none" w="med" len="med"/>
-                      <a:tailEnd type="none" w="med" len="med"/>
-                    </a:lnR>
-                    <a:lnT w="12700" cap="flat" cmpd="sng" algn="ctr">
-                      <a:solidFill>
-                        <a:schemeClr val="tx1"/>
-                      </a:solidFill>
-                      <a:prstDash val="solid"/>
-                      <a:round/>
-                      <a:headEnd type="none" w="med" len="med"/>
-                      <a:tailEnd type="none" w="med" len="med"/>
-                    </a:lnT>
-                    <a:lnB w="12700" cap="flat" cmpd="sng" algn="ctr">
-                      <a:solidFill>
-                        <a:schemeClr val="tx1"/>
-                      </a:solidFill>
-                      <a:prstDash val="solid"/>
-                      <a:round/>
-                      <a:headEnd type="none" w="med" len="med"/>
-                      <a:tailEnd type="none" w="med" len="med"/>
-                    </a:lnB>
-                    <a:lnTlToBr w="12700" cmpd="sng">
-                      <a:noFill/>
-                      <a:prstDash val="solid"/>
-                    </a:lnTlToBr>
-                    <a:lnBlToTr w="12700" cmpd="sng">
-                      <a:noFill/>
-                      <a:prstDash val="solid"/>
-                    </a:lnBlToTr>
-                  </a:tcPr>
-                </a:tc>
-                <a:tc>
-                  <a:txBody>
-                    <a:bodyPr/>
-                    <a:lstStyle/>
-                    <a:p>
-                      <a:pPr lvl="0"/>
-                      <a:r>
-                        <a:rPr lang="en-US" sz="1400" dirty="0" smtClean="0"/>
-                        <a:t>Blockchain</a:t>
-                      </a:r>
-                      <a:r>
-                        <a:rPr lang="en-US" sz="1400" baseline="0" dirty="0" smtClean="0"/>
-                        <a:t> Network</a:t>
-                      </a:r>
-                      <a:endParaRPr lang="en-US" sz="1400" dirty="0"/>
-                    </a:p>
-                  </a:txBody>
-                  <a:tcPr anchor="ctr">
-                    <a:lnL w="12700" cap="flat" cmpd="sng" algn="ctr">
-                      <a:solidFill>
-                        <a:schemeClr val="tx1"/>
-                      </a:solidFill>
-                      <a:prstDash val="solid"/>
-                      <a:round/>
-                      <a:headEnd type="none" w="med" len="med"/>
-                      <a:tailEnd type="none" w="med" len="med"/>
-                    </a:lnL>
-                    <a:lnR w="12700" cap="flat" cmpd="sng" algn="ctr">
-                      <a:solidFill>
-                        <a:schemeClr val="tx1"/>
-                      </a:solidFill>
-                      <a:prstDash val="solid"/>
-                      <a:round/>
-                      <a:headEnd type="none" w="med" len="med"/>
-                      <a:tailEnd type="none" w="med" len="med"/>
-                    </a:lnR>
-                    <a:lnT w="12700" cap="flat" cmpd="sng" algn="ctr">
-                      <a:solidFill>
-                        <a:schemeClr val="tx1"/>
-                      </a:solidFill>
-                      <a:prstDash val="solid"/>
-                      <a:round/>
-                      <a:headEnd type="none" w="med" len="med"/>
-                      <a:tailEnd type="none" w="med" len="med"/>
-                    </a:lnT>
-                    <a:lnB w="12700" cap="flat" cmpd="sng" algn="ctr">
-                      <a:solidFill>
-                        <a:schemeClr val="tx1"/>
-                      </a:solidFill>
-                      <a:prstDash val="solid"/>
-                      <a:round/>
-                      <a:headEnd type="none" w="med" len="med"/>
-                      <a:tailEnd type="none" w="med" len="med"/>
-                    </a:lnB>
-                    <a:lnTlToBr w="12700" cmpd="sng">
-                      <a:noFill/>
-                      <a:prstDash val="solid"/>
-                    </a:lnTlToBr>
-                    <a:lnBlToTr w="12700" cmpd="sng">
-                      <a:noFill/>
-                      <a:prstDash val="solid"/>
-                    </a:lnBlToTr>
-                  </a:tcPr>
-                </a:tc>
-              </a:tr>
-              <a:tr h="718962">
-                <a:tc>
-                  <a:txBody>
-                    <a:bodyPr/>
-                    <a:lstStyle/>
-                    <a:p>
-                      <a:pPr lvl="0"/>
-                      <a:r>
-                        <a:rPr lang="en-US" sz="1400" dirty="0" smtClean="0"/>
-                        <a:t>    </a:t>
-                      </a:r>
-                      <a:r>
-                        <a:rPr lang="en-US" sz="1400" b="1" dirty="0" smtClean="0"/>
-                        <a:t>C</a:t>
-                      </a:r>
-                      <a:endParaRPr lang="en-US" sz="1400" b="1" dirty="0"/>
-                    </a:p>
-                  </a:txBody>
-                  <a:tcPr anchor="ctr">
-                    <a:lnL w="12700" cap="flat" cmpd="sng" algn="ctr">
-                      <a:solidFill>
-                        <a:schemeClr val="tx1"/>
-                      </a:solidFill>
-                      <a:prstDash val="solid"/>
-                      <a:round/>
-                      <a:headEnd type="none" w="med" len="med"/>
-                      <a:tailEnd type="none" w="med" len="med"/>
-                    </a:lnL>
-                    <a:lnR w="12700" cap="flat" cmpd="sng" algn="ctr">
-                      <a:solidFill>
-                        <a:schemeClr val="tx1"/>
-                      </a:solidFill>
-                      <a:prstDash val="solid"/>
-                      <a:round/>
-                      <a:headEnd type="none" w="med" len="med"/>
-                      <a:tailEnd type="none" w="med" len="med"/>
-                    </a:lnR>
-                    <a:lnT w="12700" cap="flat" cmpd="sng" algn="ctr">
-                      <a:solidFill>
-                        <a:schemeClr val="tx1"/>
-                      </a:solidFill>
-                      <a:prstDash val="solid"/>
-                      <a:round/>
-                      <a:headEnd type="none" w="med" len="med"/>
-                      <a:tailEnd type="none" w="med" len="med"/>
-                    </a:lnT>
-                    <a:lnB w="12700" cap="flat" cmpd="sng" algn="ctr">
-                      <a:solidFill>
-                        <a:schemeClr val="tx1"/>
-                      </a:solidFill>
-                      <a:prstDash val="solid"/>
-                      <a:round/>
-                      <a:headEnd type="none" w="med" len="med"/>
-                      <a:tailEnd type="none" w="med" len="med"/>
-                    </a:lnB>
-                    <a:lnTlToBr w="12700" cmpd="sng">
-                      <a:noFill/>
-                      <a:prstDash val="solid"/>
-                    </a:lnTlToBr>
-                    <a:lnBlToTr w="12700" cmpd="sng">
-                      <a:noFill/>
-                      <a:prstDash val="solid"/>
-                    </a:lnBlToTr>
-                  </a:tcPr>
-                </a:tc>
-                <a:tc>
-                  <a:txBody>
-                    <a:bodyPr/>
-                    <a:lstStyle/>
-                    <a:p>
-                      <a:pPr marL="0" marR="0" lvl="0" indent="0" algn="l" defTabSz="914400" rtl="0" eaLnBrk="1" fontAlgn="auto" latinLnBrk="0" hangingPunct="1">
-                        <a:lnSpc>
-                          <a:spcPct val="100000"/>
-                        </a:lnSpc>
-                        <a:spcBef>
-                          <a:spcPts val="0"/>
-                        </a:spcBef>
-                        <a:spcAft>
-                          <a:spcPts val="0"/>
-                        </a:spcAft>
-                        <a:buClrTx/>
-                        <a:buSzTx/>
-                        <a:buFontTx/>
-                        <a:buNone/>
-                        <a:tabLst/>
-                        <a:defRPr/>
-                      </a:pPr>
-                      <a:r>
-                        <a:rPr lang="en-US" sz="1400" dirty="0" smtClean="0"/>
-                        <a:t>Channel</a:t>
-                      </a:r>
-                    </a:p>
-                  </a:txBody>
-                  <a:tcPr anchor="ctr">
-                    <a:lnL w="12700" cap="flat" cmpd="sng" algn="ctr">
-                      <a:solidFill>
-                        <a:schemeClr val="tx1"/>
-                      </a:solidFill>
-                      <a:prstDash val="solid"/>
-                      <a:round/>
-                      <a:headEnd type="none" w="med" len="med"/>
-                      <a:tailEnd type="none" w="med" len="med"/>
-                    </a:lnL>
-                    <a:lnR w="12700" cap="flat" cmpd="sng" algn="ctr">
-                      <a:solidFill>
-                        <a:schemeClr val="tx1"/>
-                      </a:solidFill>
-                      <a:prstDash val="solid"/>
-                      <a:round/>
-                      <a:headEnd type="none" w="med" len="med"/>
-                      <a:tailEnd type="none" w="med" len="med"/>
-                    </a:lnR>
-                    <a:lnT w="12700" cap="flat" cmpd="sng" algn="ctr">
-                      <a:solidFill>
-                        <a:schemeClr val="tx1"/>
-                      </a:solidFill>
-                      <a:prstDash val="solid"/>
-                      <a:round/>
-                      <a:headEnd type="none" w="med" len="med"/>
-                      <a:tailEnd type="none" w="med" len="med"/>
-                    </a:lnT>
-                    <a:lnB w="12700" cap="flat" cmpd="sng" algn="ctr">
-                      <a:solidFill>
-                        <a:schemeClr val="tx1"/>
-                      </a:solidFill>
-                      <a:prstDash val="solid"/>
-                      <a:round/>
-                      <a:headEnd type="none" w="med" len="med"/>
-                      <a:tailEnd type="none" w="med" len="med"/>
-                    </a:lnB>
-                    <a:lnTlToBr w="12700" cmpd="sng">
-                      <a:noFill/>
-                      <a:prstDash val="solid"/>
-                    </a:lnTlToBr>
-                    <a:lnBlToTr w="12700" cmpd="sng">
-                      <a:noFill/>
-                      <a:prstDash val="solid"/>
-                    </a:lnBlToTr>
-                  </a:tcPr>
-                </a:tc>
-              </a:tr>
-              <a:tr h="718962">
-                <a:tc>
-                  <a:txBody>
-                    <a:bodyPr/>
-                    <a:lstStyle/>
-                    <a:p>
-                      <a:pPr marL="0" marR="0" lvl="0" indent="0" algn="l" defTabSz="914400" rtl="0" eaLnBrk="1" fontAlgn="auto" latinLnBrk="0" hangingPunct="1">
-                        <a:lnSpc>
-                          <a:spcPct val="100000"/>
-                        </a:lnSpc>
-                        <a:spcBef>
-                          <a:spcPts val="0"/>
-                        </a:spcBef>
-                        <a:spcAft>
-                          <a:spcPts val="0"/>
-                        </a:spcAft>
-                        <a:buClrTx/>
-                        <a:buSzTx/>
-                        <a:buFontTx/>
-                        <a:buNone/>
-                        <a:tabLst/>
-                        <a:defRPr/>
-                      </a:pPr>
-                      <a:endParaRPr lang="en-US" sz="1400" dirty="0" smtClean="0"/>
-                    </a:p>
-                  </a:txBody>
-                  <a:tcPr anchor="ctr">
-                    <a:lnL w="12700" cap="flat" cmpd="sng" algn="ctr">
-                      <a:solidFill>
-                        <a:schemeClr val="tx1"/>
-                      </a:solidFill>
-                      <a:prstDash val="solid"/>
-                      <a:round/>
-                      <a:headEnd type="none" w="med" len="med"/>
-                      <a:tailEnd type="none" w="med" len="med"/>
-                    </a:lnL>
-                    <a:lnR w="12700" cap="flat" cmpd="sng" algn="ctr">
-                      <a:solidFill>
-                        <a:schemeClr val="tx1"/>
-                      </a:solidFill>
-                      <a:prstDash val="solid"/>
-                      <a:round/>
-                      <a:headEnd type="none" w="med" len="med"/>
-                      <a:tailEnd type="none" w="med" len="med"/>
-                    </a:lnR>
-                    <a:lnT w="12700" cap="flat" cmpd="sng" algn="ctr">
-                      <a:solidFill>
-                        <a:schemeClr val="tx1"/>
-                      </a:solidFill>
-                      <a:prstDash val="solid"/>
-                      <a:round/>
-                      <a:headEnd type="none" w="med" len="med"/>
-                      <a:tailEnd type="none" w="med" len="med"/>
-                    </a:lnT>
-                    <a:lnB w="12700" cap="flat" cmpd="sng" algn="ctr">
-                      <a:solidFill>
-                        <a:schemeClr val="tx1"/>
-                      </a:solidFill>
-                      <a:prstDash val="solid"/>
-                      <a:round/>
-                      <a:headEnd type="none" w="med" len="med"/>
-                      <a:tailEnd type="none" w="med" len="med"/>
-                    </a:lnB>
-                    <a:lnTlToBr w="12700" cmpd="sng">
-                      <a:noFill/>
-                      <a:prstDash val="solid"/>
-                    </a:lnTlToBr>
-                    <a:lnBlToTr w="12700" cmpd="sng">
-                      <a:noFill/>
-                      <a:prstDash val="solid"/>
-                    </a:lnBlToTr>
-                  </a:tcPr>
-                </a:tc>
-                <a:tc>
-                  <a:txBody>
-                    <a:bodyPr/>
-                    <a:lstStyle/>
-                    <a:p>
-                      <a:pPr marL="0" marR="0" lvl="0" indent="0" algn="l" defTabSz="914400" rtl="0" eaLnBrk="1" fontAlgn="auto" latinLnBrk="0" hangingPunct="1">
-                        <a:lnSpc>
-                          <a:spcPct val="100000"/>
-                        </a:lnSpc>
-                        <a:spcBef>
-                          <a:spcPts val="0"/>
-                        </a:spcBef>
-                        <a:spcAft>
-                          <a:spcPts val="0"/>
-                        </a:spcAft>
-                        <a:buClrTx/>
-                        <a:buSzTx/>
-                        <a:buFontTx/>
-                        <a:buNone/>
-                        <a:tabLst/>
-                        <a:defRPr/>
-                      </a:pPr>
-                      <a:r>
-                        <a:rPr lang="en-US" sz="1400" dirty="0" smtClean="0"/>
-                        <a:t>Membership Services Provider</a:t>
-                      </a:r>
-                    </a:p>
-                  </a:txBody>
-                  <a:tcPr anchor="ctr">
-                    <a:lnL w="12700" cap="flat" cmpd="sng" algn="ctr">
-                      <a:solidFill>
-                        <a:schemeClr val="tx1"/>
-                      </a:solidFill>
-                      <a:prstDash val="solid"/>
-                      <a:round/>
-                      <a:headEnd type="none" w="med" len="med"/>
-                      <a:tailEnd type="none" w="med" len="med"/>
-                    </a:lnL>
-                    <a:lnR w="12700" cap="flat" cmpd="sng" algn="ctr">
-                      <a:solidFill>
-                        <a:schemeClr val="tx1"/>
-                      </a:solidFill>
-                      <a:prstDash val="solid"/>
-                      <a:round/>
-                      <a:headEnd type="none" w="med" len="med"/>
-                      <a:tailEnd type="none" w="med" len="med"/>
-                    </a:lnR>
-                    <a:lnT w="12700" cap="flat" cmpd="sng" algn="ctr">
-                      <a:solidFill>
-                        <a:schemeClr val="tx1"/>
-                      </a:solidFill>
-                      <a:prstDash val="solid"/>
-                      <a:round/>
-                      <a:headEnd type="none" w="med" len="med"/>
-                      <a:tailEnd type="none" w="med" len="med"/>
-                    </a:lnT>
-                    <a:lnB w="12700" cap="flat" cmpd="sng" algn="ctr">
-                      <a:solidFill>
-                        <a:schemeClr val="tx1"/>
-                      </a:solidFill>
-                      <a:prstDash val="solid"/>
-                      <a:round/>
-                      <a:headEnd type="none" w="med" len="med"/>
-                      <a:tailEnd type="none" w="med" len="med"/>
-                    </a:lnB>
-                    <a:lnTlToBr w="12700" cmpd="sng">
-                      <a:noFill/>
-                      <a:prstDash val="solid"/>
-                    </a:lnTlToBr>
-                    <a:lnBlToTr w="12700" cmpd="sng">
-                      <a:noFill/>
-                      <a:prstDash val="solid"/>
-                    </a:lnBlToTr>
-                  </a:tcPr>
-                </a:tc>
-              </a:tr>
-              <a:tr h="718962">
-                <a:tc>
-                  <a:txBody>
-                    <a:bodyPr/>
-                    <a:lstStyle/>
-                    <a:p>
-                      <a:pPr marL="0" marR="0" lvl="0" indent="0" algn="l" defTabSz="914400" rtl="0" eaLnBrk="1" fontAlgn="auto" latinLnBrk="0" hangingPunct="1">
-                        <a:lnSpc>
-                          <a:spcPct val="100000"/>
-                        </a:lnSpc>
-                        <a:spcBef>
-                          <a:spcPts val="0"/>
-                        </a:spcBef>
-                        <a:spcAft>
-                          <a:spcPts val="0"/>
-                        </a:spcAft>
-                        <a:buClrTx/>
-                        <a:buSzTx/>
-                        <a:buFontTx/>
-                        <a:buNone/>
-                        <a:tabLst/>
-                        <a:defRPr/>
-                      </a:pPr>
-                      <a:endParaRPr lang="en-US" sz="1400" dirty="0" smtClean="0"/>
-                    </a:p>
-                  </a:txBody>
-                  <a:tcPr anchor="ctr">
-                    <a:lnL w="12700" cap="flat" cmpd="sng" algn="ctr">
-                      <a:solidFill>
-                        <a:schemeClr val="tx1"/>
-                      </a:solidFill>
-                      <a:prstDash val="solid"/>
-                      <a:round/>
-                      <a:headEnd type="none" w="med" len="med"/>
-                      <a:tailEnd type="none" w="med" len="med"/>
-                    </a:lnL>
-                    <a:lnR w="12700" cap="flat" cmpd="sng" algn="ctr">
-                      <a:solidFill>
-                        <a:schemeClr val="tx1"/>
-                      </a:solidFill>
-                      <a:prstDash val="solid"/>
-                      <a:round/>
-                      <a:headEnd type="none" w="med" len="med"/>
-                      <a:tailEnd type="none" w="med" len="med"/>
-                    </a:lnR>
-                    <a:lnT w="12700" cap="flat" cmpd="sng" algn="ctr">
-                      <a:solidFill>
-                        <a:schemeClr val="tx1"/>
-                      </a:solidFill>
-                      <a:prstDash val="solid"/>
-                      <a:round/>
-                      <a:headEnd type="none" w="med" len="med"/>
-                      <a:tailEnd type="none" w="med" len="med"/>
-                    </a:lnT>
-                    <a:lnB w="12700" cap="flat" cmpd="sng" algn="ctr">
-                      <a:solidFill>
-                        <a:schemeClr val="tx1"/>
-                      </a:solidFill>
-                      <a:prstDash val="solid"/>
-                      <a:round/>
-                      <a:headEnd type="none" w="med" len="med"/>
-                      <a:tailEnd type="none" w="med" len="med"/>
-                    </a:lnB>
-                    <a:lnTlToBr w="12700" cmpd="sng">
-                      <a:noFill/>
-                      <a:prstDash val="solid"/>
-                    </a:lnTlToBr>
-                    <a:lnBlToTr w="12700" cmpd="sng">
-                      <a:noFill/>
-                      <a:prstDash val="solid"/>
-                    </a:lnBlToTr>
-                  </a:tcPr>
-                </a:tc>
-                <a:tc>
-                  <a:txBody>
-                    <a:bodyPr/>
-                    <a:lstStyle/>
-                    <a:p>
-                      <a:pPr marL="0" marR="0" lvl="0" indent="0" algn="l" defTabSz="914400" rtl="0" eaLnBrk="1" fontAlgn="auto" latinLnBrk="0" hangingPunct="1">
-                        <a:lnSpc>
-                          <a:spcPct val="100000"/>
-                        </a:lnSpc>
-                        <a:spcBef>
-                          <a:spcPts val="0"/>
-                        </a:spcBef>
-                        <a:spcAft>
-                          <a:spcPts val="0"/>
-                        </a:spcAft>
-                        <a:buClrTx/>
-                        <a:buSzTx/>
-                        <a:buFontTx/>
-                        <a:buNone/>
-                        <a:tabLst/>
-                        <a:defRPr/>
-                      </a:pPr>
-                      <a:r>
-                        <a:rPr lang="en-US" sz="1400" dirty="0" smtClean="0"/>
-                        <a:t>Peer</a:t>
-                      </a:r>
-                    </a:p>
-                    <a:p>
-                      <a:pPr marL="0" marR="0" lvl="0" indent="0" algn="l" defTabSz="914400" rtl="0" eaLnBrk="1" fontAlgn="auto" latinLnBrk="0" hangingPunct="1">
-                        <a:lnSpc>
-                          <a:spcPct val="100000"/>
-                        </a:lnSpc>
-                        <a:spcBef>
-                          <a:spcPts val="0"/>
-                        </a:spcBef>
-                        <a:spcAft>
-                          <a:spcPts val="0"/>
-                        </a:spcAft>
-                        <a:buClrTx/>
-                        <a:buSzTx/>
-                        <a:buFontTx/>
-                        <a:buNone/>
-                        <a:tabLst/>
-                        <a:defRPr/>
-                      </a:pPr>
-                      <a:endParaRPr lang="en-US" sz="1400" dirty="0" smtClean="0"/>
-                    </a:p>
-                  </a:txBody>
-                  <a:tcPr anchor="ctr">
-                    <a:lnL w="12700" cap="flat" cmpd="sng" algn="ctr">
-                      <a:solidFill>
-                        <a:schemeClr val="tx1"/>
-                      </a:solidFill>
-                      <a:prstDash val="solid"/>
-                      <a:round/>
-                      <a:headEnd type="none" w="med" len="med"/>
-                      <a:tailEnd type="none" w="med" len="med"/>
-                    </a:lnL>
-                    <a:lnR w="12700" cap="flat" cmpd="sng" algn="ctr">
-                      <a:solidFill>
-                        <a:schemeClr val="tx1"/>
-                      </a:solidFill>
-                      <a:prstDash val="solid"/>
-                      <a:round/>
-                      <a:headEnd type="none" w="med" len="med"/>
-                      <a:tailEnd type="none" w="med" len="med"/>
-                    </a:lnR>
-                    <a:lnT w="12700" cap="flat" cmpd="sng" algn="ctr">
-                      <a:solidFill>
-                        <a:schemeClr val="tx1"/>
-                      </a:solidFill>
-                      <a:prstDash val="solid"/>
-                      <a:round/>
-                      <a:headEnd type="none" w="med" len="med"/>
-                      <a:tailEnd type="none" w="med" len="med"/>
-                    </a:lnT>
-                    <a:lnB w="12700" cap="flat" cmpd="sng" algn="ctr">
-                      <a:solidFill>
-                        <a:schemeClr val="tx1"/>
-                      </a:solidFill>
-                      <a:prstDash val="solid"/>
-                      <a:round/>
-                      <a:headEnd type="none" w="med" len="med"/>
-                      <a:tailEnd type="none" w="med" len="med"/>
-                    </a:lnB>
-                    <a:lnTlToBr w="12700" cmpd="sng">
-                      <a:noFill/>
-                      <a:prstDash val="solid"/>
-                    </a:lnTlToBr>
-                    <a:lnBlToTr w="12700" cmpd="sng">
-                      <a:noFill/>
-                      <a:prstDash val="solid"/>
-                    </a:lnBlToTr>
-                  </a:tcPr>
-                </a:tc>
-              </a:tr>
-              <a:tr h="718962">
-                <a:tc>
-                  <a:txBody>
-                    <a:bodyPr/>
-                    <a:lstStyle/>
-                    <a:p>
-                      <a:pPr marL="0" marR="0" lvl="0" indent="0" algn="l" defTabSz="914400" rtl="0" eaLnBrk="1" fontAlgn="auto" latinLnBrk="0" hangingPunct="1">
-                        <a:lnSpc>
-                          <a:spcPct val="100000"/>
-                        </a:lnSpc>
-                        <a:spcBef>
-                          <a:spcPts val="0"/>
-                        </a:spcBef>
-                        <a:spcAft>
-                          <a:spcPts val="0"/>
-                        </a:spcAft>
-                        <a:buClrTx/>
-                        <a:buSzTx/>
-                        <a:buFontTx/>
-                        <a:buNone/>
-                        <a:tabLst/>
-                        <a:defRPr/>
-                      </a:pPr>
-                      <a:endParaRPr lang="en-US" sz="1400" dirty="0" smtClean="0"/>
-                    </a:p>
-                  </a:txBody>
-                  <a:tcPr anchor="ctr">
-                    <a:lnL w="12700" cap="flat" cmpd="sng" algn="ctr">
-                      <a:solidFill>
-                        <a:schemeClr val="tx1"/>
-                      </a:solidFill>
-                      <a:prstDash val="solid"/>
-                      <a:round/>
-                      <a:headEnd type="none" w="med" len="med"/>
-                      <a:tailEnd type="none" w="med" len="med"/>
-                    </a:lnL>
-                    <a:lnR w="12700" cap="flat" cmpd="sng" algn="ctr">
-                      <a:solidFill>
-                        <a:schemeClr val="tx1"/>
-                      </a:solidFill>
-                      <a:prstDash val="solid"/>
-                      <a:round/>
-                      <a:headEnd type="none" w="med" len="med"/>
-                      <a:tailEnd type="none" w="med" len="med"/>
-                    </a:lnR>
-                    <a:lnT w="12700" cap="flat" cmpd="sng" algn="ctr">
-                      <a:solidFill>
-                        <a:schemeClr val="tx1"/>
-                      </a:solidFill>
-                      <a:prstDash val="solid"/>
-                      <a:round/>
-                      <a:headEnd type="none" w="med" len="med"/>
-                      <a:tailEnd type="none" w="med" len="med"/>
-                    </a:lnT>
-                    <a:lnB w="12700" cap="flat" cmpd="sng" algn="ctr">
-                      <a:solidFill>
-                        <a:schemeClr val="tx1"/>
-                      </a:solidFill>
-                      <a:prstDash val="solid"/>
-                      <a:round/>
-                      <a:headEnd type="none" w="med" len="med"/>
-                      <a:tailEnd type="none" w="med" len="med"/>
-                    </a:lnB>
-                    <a:lnTlToBr w="12700" cmpd="sng">
-                      <a:noFill/>
-                      <a:prstDash val="solid"/>
-                    </a:lnTlToBr>
-                    <a:lnBlToTr w="12700" cmpd="sng">
-                      <a:noFill/>
-                      <a:prstDash val="solid"/>
-                    </a:lnBlToTr>
-                  </a:tcPr>
-                </a:tc>
-                <a:tc>
-                  <a:txBody>
-                    <a:bodyPr/>
-                    <a:lstStyle/>
-                    <a:p>
-                      <a:pPr marL="0" marR="0" lvl="0" indent="0" algn="l" defTabSz="914400" rtl="0" eaLnBrk="1" fontAlgn="auto" latinLnBrk="0" hangingPunct="1">
-                        <a:lnSpc>
-                          <a:spcPct val="100000"/>
-                        </a:lnSpc>
-                        <a:spcBef>
-                          <a:spcPts val="0"/>
-                        </a:spcBef>
-                        <a:spcAft>
-                          <a:spcPts val="0"/>
-                        </a:spcAft>
-                        <a:buClrTx/>
-                        <a:buSzTx/>
-                        <a:buFontTx/>
-                        <a:buNone/>
-                        <a:tabLst/>
-                        <a:defRPr/>
-                      </a:pPr>
-                      <a:r>
-                        <a:rPr lang="en-US" sz="1400" dirty="0" err="1" smtClean="0"/>
-                        <a:t>Orderer</a:t>
-                      </a:r>
-                      <a:endParaRPr lang="en-US" sz="1400" dirty="0" smtClean="0"/>
-                    </a:p>
-                  </a:txBody>
-                  <a:tcPr anchor="ctr">
-                    <a:lnL w="12700" cap="flat" cmpd="sng" algn="ctr">
-                      <a:solidFill>
-                        <a:schemeClr val="tx1"/>
-                      </a:solidFill>
-                      <a:prstDash val="solid"/>
-                      <a:round/>
-                      <a:headEnd type="none" w="med" len="med"/>
-                      <a:tailEnd type="none" w="med" len="med"/>
-                    </a:lnL>
-                    <a:lnR w="12700" cap="flat" cmpd="sng" algn="ctr">
-                      <a:solidFill>
-                        <a:schemeClr val="tx1"/>
-                      </a:solidFill>
-                      <a:prstDash val="solid"/>
-                      <a:round/>
-                      <a:headEnd type="none" w="med" len="med"/>
-                      <a:tailEnd type="none" w="med" len="med"/>
-                    </a:lnR>
-                    <a:lnT w="12700" cap="flat" cmpd="sng" algn="ctr">
-                      <a:solidFill>
-                        <a:schemeClr val="tx1"/>
-                      </a:solidFill>
-                      <a:prstDash val="solid"/>
-                      <a:round/>
-                      <a:headEnd type="none" w="med" len="med"/>
-                      <a:tailEnd type="none" w="med" len="med"/>
-                    </a:lnT>
-                    <a:lnB w="12700" cap="flat" cmpd="sng" algn="ctr">
-                      <a:solidFill>
-                        <a:schemeClr val="tx1"/>
-                      </a:solidFill>
-                      <a:prstDash val="solid"/>
-                      <a:round/>
-                      <a:headEnd type="none" w="med" len="med"/>
-                      <a:tailEnd type="none" w="med" len="med"/>
-                    </a:lnB>
-                    <a:lnTlToBr w="12700" cmpd="sng">
-                      <a:noFill/>
-                      <a:prstDash val="solid"/>
-                    </a:lnTlToBr>
-                    <a:lnBlToTr w="12700" cmpd="sng">
-                      <a:noFill/>
-                      <a:prstDash val="solid"/>
-                    </a:lnBlToTr>
-                  </a:tcPr>
-                </a:tc>
-              </a:tr>
-              <a:tr h="718962">
-                <a:tc>
-                  <a:txBody>
-                    <a:bodyPr/>
-                    <a:lstStyle/>
-                    <a:p>
-                      <a:pPr marL="0" marR="0" lvl="0" indent="0" algn="l" defTabSz="914400" rtl="0" eaLnBrk="1" fontAlgn="auto" latinLnBrk="0" hangingPunct="1">
-                        <a:lnSpc>
-                          <a:spcPct val="100000"/>
-                        </a:lnSpc>
-                        <a:spcBef>
-                          <a:spcPts val="0"/>
-                        </a:spcBef>
-                        <a:spcAft>
-                          <a:spcPts val="0"/>
-                        </a:spcAft>
-                        <a:buClrTx/>
-                        <a:buSzTx/>
-                        <a:buFontTx/>
-                        <a:buNone/>
-                        <a:tabLst/>
-                        <a:defRPr/>
-                      </a:pPr>
-                      <a:endParaRPr lang="en-US" sz="1400" dirty="0" smtClean="0"/>
-                    </a:p>
-                  </a:txBody>
-                  <a:tcPr anchor="ctr">
-                    <a:lnL w="12700" cap="flat" cmpd="sng" algn="ctr">
-                      <a:solidFill>
-                        <a:schemeClr val="tx1"/>
-                      </a:solidFill>
-                      <a:prstDash val="solid"/>
-                      <a:round/>
-                      <a:headEnd type="none" w="med" len="med"/>
-                      <a:tailEnd type="none" w="med" len="med"/>
-                    </a:lnL>
-                    <a:lnR w="12700" cap="flat" cmpd="sng" algn="ctr">
-                      <a:solidFill>
-                        <a:schemeClr val="tx1"/>
-                      </a:solidFill>
-                      <a:prstDash val="solid"/>
-                      <a:round/>
-                      <a:headEnd type="none" w="med" len="med"/>
-                      <a:tailEnd type="none" w="med" len="med"/>
-                    </a:lnR>
-                    <a:lnT w="12700" cap="flat" cmpd="sng" algn="ctr">
-                      <a:solidFill>
-                        <a:schemeClr val="tx1"/>
-                      </a:solidFill>
-                      <a:prstDash val="solid"/>
-                      <a:round/>
-                      <a:headEnd type="none" w="med" len="med"/>
-                      <a:tailEnd type="none" w="med" len="med"/>
-                    </a:lnT>
-                    <a:lnB w="12700" cap="flat" cmpd="sng" algn="ctr">
-                      <a:solidFill>
-                        <a:schemeClr val="tx1"/>
-                      </a:solidFill>
-                      <a:prstDash val="solid"/>
-                      <a:round/>
-                      <a:headEnd type="none" w="med" len="med"/>
-                      <a:tailEnd type="none" w="med" len="med"/>
-                    </a:lnB>
-                    <a:lnTlToBr w="12700" cmpd="sng">
-                      <a:noFill/>
-                      <a:prstDash val="solid"/>
-                    </a:lnTlToBr>
-                    <a:lnBlToTr w="12700" cmpd="sng">
-                      <a:noFill/>
-                      <a:prstDash val="solid"/>
-                    </a:lnBlToTr>
-                  </a:tcPr>
-                </a:tc>
-                <a:tc>
-                  <a:txBody>
-                    <a:bodyPr/>
-                    <a:lstStyle/>
-                    <a:p>
-                      <a:pPr marL="0" marR="0" lvl="0" indent="0" algn="l" defTabSz="914400" rtl="0" eaLnBrk="1" fontAlgn="auto" latinLnBrk="0" hangingPunct="1">
-                        <a:lnSpc>
-                          <a:spcPct val="100000"/>
-                        </a:lnSpc>
-                        <a:spcBef>
-                          <a:spcPts val="0"/>
-                        </a:spcBef>
-                        <a:spcAft>
-                          <a:spcPts val="0"/>
-                        </a:spcAft>
-                        <a:buClrTx/>
-                        <a:buSzTx/>
-                        <a:buFontTx/>
-                        <a:buNone/>
-                        <a:tabLst/>
-                        <a:defRPr/>
-                      </a:pPr>
-                      <a:r>
-                        <a:rPr lang="en-US" sz="1400" dirty="0" smtClean="0"/>
-                        <a:t>Certificate Authority</a:t>
-                      </a:r>
-                    </a:p>
-                  </a:txBody>
-                  <a:tcPr anchor="ctr">
-                    <a:lnL w="12700" cap="flat" cmpd="sng" algn="ctr">
-                      <a:solidFill>
-                        <a:schemeClr val="tx1"/>
-                      </a:solidFill>
-                      <a:prstDash val="solid"/>
-                      <a:round/>
-                      <a:headEnd type="none" w="med" len="med"/>
-                      <a:tailEnd type="none" w="med" len="med"/>
-                    </a:lnL>
-                    <a:lnR w="12700" cap="flat" cmpd="sng" algn="ctr">
-                      <a:solidFill>
-                        <a:schemeClr val="tx1"/>
-                      </a:solidFill>
-                      <a:prstDash val="solid"/>
-                      <a:round/>
-                      <a:headEnd type="none" w="med" len="med"/>
-                      <a:tailEnd type="none" w="med" len="med"/>
-                    </a:lnR>
-                    <a:lnT w="12700" cap="flat" cmpd="sng" algn="ctr">
-                      <a:solidFill>
-                        <a:schemeClr val="tx1"/>
-                      </a:solidFill>
-                      <a:prstDash val="solid"/>
-                      <a:round/>
-                      <a:headEnd type="none" w="med" len="med"/>
-                      <a:tailEnd type="none" w="med" len="med"/>
-                    </a:lnT>
-                    <a:lnB w="12700" cap="flat" cmpd="sng" algn="ctr">
-                      <a:solidFill>
-                        <a:schemeClr val="tx1"/>
-                      </a:solidFill>
-                      <a:prstDash val="solid"/>
-                      <a:round/>
-                      <a:headEnd type="none" w="med" len="med"/>
-                      <a:tailEnd type="none" w="med" len="med"/>
-                    </a:lnB>
-                    <a:lnTlToBr w="12700" cmpd="sng">
-                      <a:noFill/>
-                      <a:prstDash val="solid"/>
-                    </a:lnTlToBr>
-                    <a:lnBlToTr w="12700" cmpd="sng">
-                      <a:noFill/>
-                      <a:prstDash val="solid"/>
-                    </a:lnBlToTr>
-                  </a:tcPr>
-                </a:tc>
-              </a:tr>
-            </a:tbl>
-          </a:graphicData>
-        </a:graphic>
-      </p:graphicFrame>
-      <p:sp>
-        <p:nvSpPr>
-          <p:cNvPr id="56" name="Rounded Rectangle 55"/>
-          <p:cNvSpPr/>
-          <p:nvPr/>
-        </p:nvSpPr>
-        <p:spPr>
-          <a:xfrm>
-            <a:off x="9116375" y="4480069"/>
-            <a:ext cx="470643" cy="431746"/>
-          </a:xfrm>
-          <a:prstGeom prst="roundRect">
-            <a:avLst/>
-          </a:prstGeom>
-          <a:solidFill>
-            <a:srgbClr val="00B050"/>
-          </a:solidFill>
-          <a:ln w="19050">
-            <a:solidFill>
-              <a:srgbClr val="0070C0"/>
-            </a:solidFill>
-          </a:ln>
-        </p:spPr>
-        <p:style>
-          <a:lnRef idx="2">
-            <a:schemeClr val="accent1">
-              <a:shade val="50000"/>
-            </a:schemeClr>
-          </a:lnRef>
-          <a:fillRef idx="1">
-            <a:schemeClr val="accent1"/>
-          </a:fillRef>
-          <a:effectRef idx="0">
-            <a:schemeClr val="accent1"/>
-          </a:effectRef>
-          <a:fontRef idx="minor">
-            <a:schemeClr val="lt1"/>
-          </a:fontRef>
-        </p:style>
-        <p:txBody>
-          <a:bodyPr rtlCol="0" anchor="ctr"/>
-          <a:lstStyle/>
-          <a:p>
-            <a:pPr algn="ctr" defTabSz="457200"/>
-            <a:r>
-              <a:rPr lang="en-US" sz="1400" b="1" dirty="0" smtClean="0">
-                <a:solidFill>
-                  <a:srgbClr val="000000"/>
-                </a:solidFill>
-                <a:ea typeface="Arial" charset="0"/>
-                <a:cs typeface="Arial" charset="0"/>
-              </a:rPr>
-              <a:t>O</a:t>
-            </a:r>
-            <a:endParaRPr lang="en-US" sz="1600" b="1" dirty="0">
-              <a:solidFill>
-                <a:srgbClr val="000000"/>
-              </a:solidFill>
-              <a:ea typeface="Arial" charset="0"/>
-              <a:cs typeface="Arial" charset="0"/>
-            </a:endParaRPr>
-          </a:p>
-        </p:txBody>
-      </p:sp>
-      <p:sp>
-        <p:nvSpPr>
-          <p:cNvPr id="61" name="Rounded Rectangle 60"/>
-          <p:cNvSpPr/>
-          <p:nvPr/>
-        </p:nvSpPr>
-        <p:spPr>
-          <a:xfrm>
-            <a:off x="9116376" y="1553918"/>
-            <a:ext cx="470643" cy="431746"/>
-          </a:xfrm>
-          <a:prstGeom prst="roundRect">
-            <a:avLst/>
-          </a:prstGeom>
-          <a:solidFill>
-            <a:schemeClr val="accent1">
-              <a:lumMod val="20000"/>
-              <a:lumOff val="80000"/>
-            </a:schemeClr>
-          </a:solidFill>
-          <a:ln w="19050">
-            <a:solidFill>
-              <a:srgbClr val="0070C0"/>
-            </a:solidFill>
-          </a:ln>
-        </p:spPr>
-        <p:style>
-          <a:lnRef idx="2">
-            <a:schemeClr val="accent1">
-              <a:shade val="50000"/>
-            </a:schemeClr>
-          </a:lnRef>
-          <a:fillRef idx="1">
-            <a:schemeClr val="accent1"/>
-          </a:fillRef>
-          <a:effectRef idx="0">
-            <a:schemeClr val="accent1"/>
-          </a:effectRef>
-          <a:fontRef idx="minor">
-            <a:schemeClr val="lt1"/>
-          </a:fontRef>
-        </p:style>
-        <p:txBody>
-          <a:bodyPr rtlCol="0" anchor="ctr"/>
-          <a:lstStyle/>
-          <a:p>
-            <a:pPr algn="ctr" defTabSz="457200"/>
-            <a:r>
-              <a:rPr lang="en-US" sz="1400" b="1" dirty="0" smtClean="0">
-                <a:solidFill>
-                  <a:srgbClr val="000000"/>
-                </a:solidFill>
-                <a:ea typeface="Arial" charset="0"/>
-                <a:cs typeface="Arial" charset="0"/>
-              </a:rPr>
-              <a:t>N</a:t>
-            </a:r>
-            <a:endParaRPr lang="en-US" sz="1600" b="1" dirty="0">
-              <a:solidFill>
-                <a:srgbClr val="000000"/>
-              </a:solidFill>
-              <a:ea typeface="Arial" charset="0"/>
-              <a:cs typeface="Arial" charset="0"/>
-            </a:endParaRPr>
-          </a:p>
-        </p:txBody>
-      </p:sp>
-      <p:sp>
-        <p:nvSpPr>
-          <p:cNvPr id="63" name="Rounded Rectangle 62"/>
-          <p:cNvSpPr/>
-          <p:nvPr/>
-        </p:nvSpPr>
-        <p:spPr>
-          <a:xfrm>
-            <a:off x="9118922" y="3763230"/>
-            <a:ext cx="481189" cy="444147"/>
-          </a:xfrm>
-          <a:prstGeom prst="roundRect">
-            <a:avLst/>
-          </a:prstGeom>
-          <a:solidFill>
-            <a:schemeClr val="accent1"/>
-          </a:solidFill>
-          <a:ln w="19050" cmpd="sng">
-            <a:solidFill>
-              <a:schemeClr val="tx2"/>
-            </a:solidFill>
-          </a:ln>
-          <a:effectLst/>
-        </p:spPr>
-        <p:style>
-          <a:lnRef idx="1">
-            <a:schemeClr val="accent1"/>
-          </a:lnRef>
-          <a:fillRef idx="3">
-            <a:schemeClr val="accent1"/>
-          </a:fillRef>
-          <a:effectRef idx="2">
-            <a:schemeClr val="accent1"/>
-          </a:effectRef>
-          <a:fontRef idx="minor">
-            <a:schemeClr val="lt1"/>
-          </a:fontRef>
-        </p:style>
-        <p:txBody>
-          <a:bodyPr rtlCol="0" anchor="ctr"/>
-          <a:lstStyle/>
-          <a:p>
-            <a:pPr algn="ctr" defTabSz="457200"/>
-            <a:r>
-              <a:rPr lang="en-US" sz="1400" b="1" dirty="0">
-                <a:solidFill>
-                  <a:schemeClr val="bg1"/>
-                </a:solidFill>
-                <a:ea typeface="Arial" charset="0"/>
-                <a:cs typeface="Arial" charset="0"/>
-              </a:rPr>
-              <a:t>P</a:t>
-            </a:r>
-          </a:p>
-        </p:txBody>
-      </p:sp>
-      <p:sp>
-        <p:nvSpPr>
-          <p:cNvPr id="38" name="Oval 37"/>
-          <p:cNvSpPr/>
-          <p:nvPr/>
-        </p:nvSpPr>
-        <p:spPr>
-          <a:xfrm flipH="1" flipV="1">
-            <a:off x="6013679" y="2978412"/>
-            <a:ext cx="162001" cy="162001"/>
-          </a:xfrm>
-          <a:prstGeom prst="ellipse">
-            <a:avLst/>
-          </a:prstGeom>
-          <a:solidFill>
-            <a:schemeClr val="accent1"/>
-          </a:solidFill>
-          <a:ln w="25400" cmpd="sng">
-            <a:solidFill>
-              <a:schemeClr val="tx2"/>
-            </a:solidFill>
-          </a:ln>
-          <a:effectLst>
-            <a:outerShdw blurRad="50800" dist="38100" dir="2700000" algn="tl" rotWithShape="0">
-              <a:prstClr val="black">
-                <a:alpha val="40000"/>
-              </a:prstClr>
-            </a:outerShdw>
-          </a:effectLst>
-        </p:spPr>
-        <p:style>
-          <a:lnRef idx="1">
-            <a:schemeClr val="accent1"/>
-          </a:lnRef>
-          <a:fillRef idx="3">
-            <a:schemeClr val="accent1"/>
-          </a:fillRef>
-          <a:effectRef idx="2">
-            <a:schemeClr val="accent1"/>
-          </a:effectRef>
-          <a:fontRef idx="minor">
-            <a:schemeClr val="lt1"/>
-          </a:fontRef>
-        </p:style>
-        <p:txBody>
-          <a:bodyPr rtlCol="0" anchor="ctr"/>
-          <a:lstStyle/>
-          <a:p>
-            <a:pPr algn="ctr"/>
-            <a:endParaRPr lang="en-GB" sz="1000">
-              <a:solidFill>
-                <a:srgbClr val="000000"/>
-              </a:solidFill>
-            </a:endParaRPr>
-          </a:p>
-        </p:txBody>
-      </p:sp>
-      <p:sp>
-        <p:nvSpPr>
-          <p:cNvPr id="46" name="Oval 45"/>
-          <p:cNvSpPr/>
-          <p:nvPr/>
-        </p:nvSpPr>
-        <p:spPr>
-          <a:xfrm>
-            <a:off x="3062324" y="3561716"/>
-            <a:ext cx="3554159" cy="307828"/>
-          </a:xfrm>
-          <a:prstGeom prst="ellipse">
-            <a:avLst/>
-          </a:prstGeom>
-          <a:noFill/>
-          <a:ln w="38100">
-            <a:solidFill>
-              <a:srgbClr val="4372C4"/>
-            </a:solidFill>
-          </a:ln>
-          <a:effectLst>
-            <a:outerShdw blurRad="50800" dist="38100" dir="2700000" algn="tl" rotWithShape="0">
-              <a:prstClr val="black">
-                <a:alpha val="40000"/>
-              </a:prstClr>
-            </a:outerShdw>
-          </a:effectLst>
-        </p:spPr>
-        <p:style>
-          <a:lnRef idx="2">
-            <a:schemeClr val="accent1">
-              <a:shade val="50000"/>
-            </a:schemeClr>
-          </a:lnRef>
-          <a:fillRef idx="1">
-            <a:schemeClr val="accent1"/>
-          </a:fillRef>
-          <a:effectRef idx="0">
-            <a:schemeClr val="accent1"/>
-          </a:effectRef>
-          <a:fontRef idx="minor">
-            <a:schemeClr val="lt1"/>
-          </a:fontRef>
-        </p:style>
-        <p:txBody>
-          <a:bodyPr rtlCol="0" anchor="ctr"/>
-          <a:lstStyle/>
-          <a:p>
-            <a:pPr algn="ctr"/>
-            <a:endParaRPr lang="en-US"/>
-          </a:p>
-        </p:txBody>
-      </p:sp>
-      <p:sp>
-        <p:nvSpPr>
-          <p:cNvPr id="64" name="Oval 63"/>
-          <p:cNvSpPr/>
-          <p:nvPr/>
-        </p:nvSpPr>
-        <p:spPr>
-          <a:xfrm>
-            <a:off x="9095425" y="2410660"/>
-            <a:ext cx="526249" cy="238539"/>
-          </a:xfrm>
-          <a:prstGeom prst="ellipse">
-            <a:avLst/>
-          </a:prstGeom>
-          <a:noFill/>
-          <a:ln w="38100">
-            <a:solidFill>
-              <a:srgbClr val="4372C4"/>
-            </a:solidFill>
-          </a:ln>
-          <a:effectLst>
-            <a:outerShdw blurRad="50800" dist="38100" dir="2700000" algn="tl" rotWithShape="0">
-              <a:prstClr val="black">
-                <a:alpha val="40000"/>
-              </a:prstClr>
-            </a:outerShdw>
-          </a:effectLst>
-        </p:spPr>
-        <p:style>
-          <a:lnRef idx="2">
-            <a:schemeClr val="accent1">
-              <a:shade val="50000"/>
-            </a:schemeClr>
-          </a:lnRef>
-          <a:fillRef idx="1">
-            <a:schemeClr val="accent1"/>
-          </a:fillRef>
-          <a:effectRef idx="0">
-            <a:schemeClr val="accent1"/>
-          </a:effectRef>
-          <a:fontRef idx="minor">
-            <a:schemeClr val="lt1"/>
-          </a:fontRef>
-        </p:style>
-        <p:txBody>
-          <a:bodyPr rtlCol="0" anchor="ctr"/>
-          <a:lstStyle/>
-          <a:p>
-            <a:pPr algn="ctr"/>
-            <a:endParaRPr lang="en-US"/>
-          </a:p>
-        </p:txBody>
-      </p:sp>
-      <p:cxnSp>
-        <p:nvCxnSpPr>
-          <p:cNvPr id="14" name="Straight Connector 13"/>
-          <p:cNvCxnSpPr>
-            <a:stCxn id="47" idx="1"/>
-            <a:endCxn id="50" idx="1"/>
-          </p:cNvCxnSpPr>
-          <p:nvPr/>
-        </p:nvCxnSpPr>
-        <p:spPr>
-          <a:xfrm flipH="1">
-            <a:off x="1937975" y="2255358"/>
-            <a:ext cx="1219277" cy="0"/>
+            <a:off x="2904708" y="2255358"/>
+            <a:ext cx="252544" cy="0"/>
           </a:xfrm>
           <a:prstGeom prst="line">
             <a:avLst/>
@@ -15859,7 +12936,7 @@
 </p:sld>
 </file>
 
-<file path=ppt/slides/slide14.xml><?xml version="1.0" encoding="utf-8"?>
+<file path=ppt/slides/slide13.xml><?xml version="1.0" encoding="utf-8"?>
 <p:sld xmlns:a="http://schemas.openxmlformats.org/drawingml/2006/main" xmlns:r="http://schemas.openxmlformats.org/officeDocument/2006/relationships" xmlns:p="http://schemas.openxmlformats.org/presentationml/2006/main">
   <p:cSld>
     <p:spTree>
@@ -15892,12 +12969,12 @@
           <a:lstStyle/>
           <a:p>
             <a:r>
-              <a:rPr lang="en-US" smtClean="0"/>
+              <a:rPr lang="en-US" dirty="0" smtClean="0"/>
               <a:t>Diagram </a:t>
             </a:r>
             <a:r>
-              <a:rPr lang="en-US" dirty="0"/>
-              <a:t>4</a:t>
+              <a:rPr lang="en-US" dirty="0" smtClean="0"/>
+              <a:t>3</a:t>
             </a:r>
             <a:endParaRPr lang="en-US" dirty="0"/>
           </a:p>
@@ -15926,7 +13003,7 @@
             <a:fld id="{2AF5F8E0-9CB9-8D41-B80C-6B76C9B710FC}" type="slidenum">
               <a:rPr lang="en-US" smtClean="0"/>
               <a:pPr/>
-              <a:t>14</a:t>
+              <a:t>13</a:t>
             </a:fld>
             <a:endParaRPr lang="en-US"/>
           </a:p>
@@ -18081,6 +15158,3587 @@
       <p:bldP spid="102" grpId="0" animBg="1"/>
       <p:bldP spid="103" grpId="0" animBg="1"/>
     </p:bldLst>
+  </p:timing>
+</p:sld>
+</file>
+
+<file path=ppt/slides/slide14.xml><?xml version="1.0" encoding="utf-8"?>
+<p:sld xmlns:a="http://schemas.openxmlformats.org/drawingml/2006/main" xmlns:r="http://schemas.openxmlformats.org/officeDocument/2006/relationships" xmlns:p="http://schemas.openxmlformats.org/presentationml/2006/main">
+  <p:cSld>
+    <p:spTree>
+      <p:nvGrpSpPr>
+        <p:cNvPr id="1" name=""/>
+        <p:cNvGrpSpPr/>
+        <p:nvPr/>
+      </p:nvGrpSpPr>
+      <p:grpSpPr>
+        <a:xfrm>
+          <a:off x="0" y="0"/>
+          <a:ext cx="0" cy="0"/>
+          <a:chOff x="0" y="0"/>
+          <a:chExt cx="0" cy="0"/>
+        </a:xfrm>
+      </p:grpSpPr>
+      <p:sp>
+        <p:nvSpPr>
+          <p:cNvPr id="2" name="Title 1"/>
+          <p:cNvSpPr>
+            <a:spLocks noGrp="1"/>
+          </p:cNvSpPr>
+          <p:nvPr>
+            <p:ph type="title"/>
+          </p:nvPr>
+        </p:nvSpPr>
+        <p:spPr/>
+        <p:txBody>
+          <a:bodyPr/>
+          <a:lstStyle/>
+          <a:p>
+            <a:r>
+              <a:rPr lang="en-US" dirty="0" smtClean="0"/>
+              <a:t>Diagram </a:t>
+            </a:r>
+            <a:r>
+              <a:rPr lang="en-US" dirty="0"/>
+              <a:t>4</a:t>
+            </a:r>
+            <a:endParaRPr lang="en-US" dirty="0"/>
+          </a:p>
+        </p:txBody>
+      </p:sp>
+      <p:sp>
+        <p:nvSpPr>
+          <p:cNvPr id="4" name="Slide Number Placeholder 3"/>
+          <p:cNvSpPr>
+            <a:spLocks noGrp="1"/>
+          </p:cNvSpPr>
+          <p:nvPr>
+            <p:ph type="sldNum" sz="quarter" idx="12"/>
+          </p:nvPr>
+        </p:nvSpPr>
+        <p:spPr>
+          <a:xfrm>
+            <a:off x="1149384" y="6156888"/>
+            <a:ext cx="2743200" cy="365125"/>
+          </a:xfrm>
+        </p:spPr>
+        <p:txBody>
+          <a:bodyPr/>
+          <a:lstStyle/>
+          <a:p>
+            <a:fld id="{2AF5F8E0-9CB9-8D41-B80C-6B76C9B710FC}" type="slidenum">
+              <a:rPr lang="en-US" smtClean="0"/>
+              <a:pPr/>
+              <a:t>14</a:t>
+            </a:fld>
+            <a:endParaRPr lang="en-US" dirty="0"/>
+          </a:p>
+        </p:txBody>
+      </p:sp>
+      <p:sp>
+        <p:nvSpPr>
+          <p:cNvPr id="50" name="Rounded Rectangle 49"/>
+          <p:cNvSpPr/>
+          <p:nvPr/>
+        </p:nvSpPr>
+        <p:spPr>
+          <a:xfrm>
+            <a:off x="3967380" y="2417772"/>
+            <a:ext cx="966733" cy="319881"/>
+          </a:xfrm>
+          <a:prstGeom prst="roundRect">
+            <a:avLst>
+              <a:gd name="adj" fmla="val 50000"/>
+            </a:avLst>
+          </a:prstGeom>
+          <a:solidFill>
+            <a:srgbClr val="9F42E6"/>
+          </a:solidFill>
+          <a:ln w="28575" cap="flat" cmpd="sng" algn="ctr">
+            <a:solidFill>
+              <a:schemeClr val="tx2"/>
+            </a:solidFill>
+            <a:prstDash val="solid"/>
+          </a:ln>
+          <a:effectLst>
+            <a:outerShdw blurRad="40000" dist="23000" dir="5400000" rotWithShape="0">
+              <a:srgbClr val="000000">
+                <a:alpha val="35000"/>
+              </a:srgbClr>
+            </a:outerShdw>
+          </a:effectLst>
+        </p:spPr>
+        <p:txBody>
+          <a:bodyPr tIns="36000" bIns="36000" rtlCol="0" anchor="ctr"/>
+          <a:lstStyle/>
+          <a:p>
+            <a:pPr marL="0" marR="0" lvl="0" indent="0" algn="ctr" defTabSz="457200" eaLnBrk="1" fontAlgn="auto" latinLnBrk="0" hangingPunct="1">
+              <a:lnSpc>
+                <a:spcPct val="100000"/>
+              </a:lnSpc>
+              <a:spcBef>
+                <a:spcPts val="0"/>
+              </a:spcBef>
+              <a:spcAft>
+                <a:spcPts val="0"/>
+              </a:spcAft>
+              <a:buClrTx/>
+              <a:buSzTx/>
+              <a:buFontTx/>
+              <a:buNone/>
+              <a:tabLst/>
+              <a:defRPr/>
+            </a:pPr>
+            <a:r>
+              <a:rPr lang="en-US" sz="1100" b="1" kern="0" noProof="0" dirty="0" smtClean="0">
+                <a:solidFill>
+                  <a:schemeClr val="bg1"/>
+                </a:solidFill>
+                <a:ea typeface=""/>
+                <a:cs typeface=""/>
+              </a:rPr>
+              <a:t>ORG1.MSP</a:t>
+            </a:r>
+            <a:endParaRPr kumimoji="0" lang="en-US" sz="1100" b="1" i="0" u="none" strike="noStrike" kern="0" cap="none" spc="0" normalizeH="0" baseline="0" noProof="0" dirty="0" smtClean="0">
+              <a:ln>
+                <a:noFill/>
+              </a:ln>
+              <a:solidFill>
+                <a:schemeClr val="bg1"/>
+              </a:solidFill>
+              <a:effectLst/>
+              <a:uLnTx/>
+              <a:uFillTx/>
+              <a:ea typeface=""/>
+              <a:cs typeface=""/>
+            </a:endParaRPr>
+          </a:p>
+        </p:txBody>
+      </p:sp>
+      <p:grpSp>
+        <p:nvGrpSpPr>
+          <p:cNvPr id="41" name="Group 40"/>
+          <p:cNvGrpSpPr/>
+          <p:nvPr/>
+        </p:nvGrpSpPr>
+        <p:grpSpPr>
+          <a:xfrm>
+            <a:off x="4079303" y="1287403"/>
+            <a:ext cx="742889" cy="677401"/>
+            <a:chOff x="10666566" y="3979442"/>
+            <a:chExt cx="742889" cy="677401"/>
+          </a:xfrm>
+        </p:grpSpPr>
+        <p:sp>
+          <p:nvSpPr>
+            <p:cNvPr id="42" name="Triangle 41"/>
+            <p:cNvSpPr/>
+            <p:nvPr/>
+          </p:nvSpPr>
+          <p:spPr>
+            <a:xfrm>
+              <a:off x="10666566" y="3979442"/>
+              <a:ext cx="742889" cy="677401"/>
+            </a:xfrm>
+            <a:prstGeom prst="triangle">
+              <a:avLst/>
+            </a:prstGeom>
+            <a:ln w="12700">
+              <a:solidFill>
+                <a:schemeClr val="tx2"/>
+              </a:solidFill>
+            </a:ln>
+          </p:spPr>
+          <p:style>
+            <a:lnRef idx="2">
+              <a:schemeClr val="accent1">
+                <a:shade val="50000"/>
+              </a:schemeClr>
+            </a:lnRef>
+            <a:fillRef idx="1">
+              <a:schemeClr val="accent1"/>
+            </a:fillRef>
+            <a:effectRef idx="0">
+              <a:schemeClr val="accent1"/>
+            </a:effectRef>
+            <a:fontRef idx="minor">
+              <a:schemeClr val="lt1"/>
+            </a:fontRef>
+          </p:style>
+          <p:txBody>
+            <a:bodyPr rtlCol="0" anchor="ctr"/>
+            <a:lstStyle/>
+            <a:p>
+              <a:pPr algn="ctr"/>
+              <a:endParaRPr lang="en-US" sz="1600" b="1" dirty="0">
+                <a:solidFill>
+                  <a:schemeClr val="bg1"/>
+                </a:solidFill>
+              </a:endParaRPr>
+            </a:p>
+          </p:txBody>
+        </p:sp>
+        <p:sp>
+          <p:nvSpPr>
+            <p:cNvPr id="43" name="TextBox 42"/>
+            <p:cNvSpPr txBox="1"/>
+            <p:nvPr/>
+          </p:nvSpPr>
+          <p:spPr>
+            <a:xfrm>
+              <a:off x="10750538" y="4281243"/>
+              <a:ext cx="611386" cy="307777"/>
+            </a:xfrm>
+            <a:prstGeom prst="rect">
+              <a:avLst/>
+            </a:prstGeom>
+            <a:noFill/>
+          </p:spPr>
+          <p:txBody>
+            <a:bodyPr wrap="none" rtlCol="0">
+              <a:spAutoFit/>
+            </a:bodyPr>
+            <a:lstStyle/>
+            <a:p>
+              <a:r>
+                <a:rPr lang="en-US" sz="1400" b="1" dirty="0" smtClean="0">
+                  <a:solidFill>
+                    <a:schemeClr val="bg1"/>
+                  </a:solidFill>
+                </a:rPr>
+                <a:t>ORG1</a:t>
+              </a:r>
+              <a:endParaRPr lang="en-US" sz="1400" b="1" dirty="0">
+                <a:solidFill>
+                  <a:schemeClr val="bg1"/>
+                </a:solidFill>
+              </a:endParaRPr>
+            </a:p>
+          </p:txBody>
+        </p:sp>
+      </p:grpSp>
+      <p:grpSp>
+        <p:nvGrpSpPr>
+          <p:cNvPr id="59" name="Group 58"/>
+          <p:cNvGrpSpPr/>
+          <p:nvPr/>
+        </p:nvGrpSpPr>
+        <p:grpSpPr>
+          <a:xfrm>
+            <a:off x="7772977" y="1287403"/>
+            <a:ext cx="742889" cy="677401"/>
+            <a:chOff x="10666566" y="3979442"/>
+            <a:chExt cx="742889" cy="677401"/>
+          </a:xfrm>
+        </p:grpSpPr>
+        <p:sp>
+          <p:nvSpPr>
+            <p:cNvPr id="60" name="Triangle 59"/>
+            <p:cNvSpPr/>
+            <p:nvPr/>
+          </p:nvSpPr>
+          <p:spPr>
+            <a:xfrm>
+              <a:off x="10666566" y="3979442"/>
+              <a:ext cx="742889" cy="677401"/>
+            </a:xfrm>
+            <a:prstGeom prst="triangle">
+              <a:avLst/>
+            </a:prstGeom>
+            <a:ln w="12700">
+              <a:solidFill>
+                <a:schemeClr val="tx2"/>
+              </a:solidFill>
+            </a:ln>
+          </p:spPr>
+          <p:style>
+            <a:lnRef idx="2">
+              <a:schemeClr val="accent1">
+                <a:shade val="50000"/>
+              </a:schemeClr>
+            </a:lnRef>
+            <a:fillRef idx="1">
+              <a:schemeClr val="accent1"/>
+            </a:fillRef>
+            <a:effectRef idx="0">
+              <a:schemeClr val="accent1"/>
+            </a:effectRef>
+            <a:fontRef idx="minor">
+              <a:schemeClr val="lt1"/>
+            </a:fontRef>
+          </p:style>
+          <p:txBody>
+            <a:bodyPr rtlCol="0" anchor="ctr"/>
+            <a:lstStyle/>
+            <a:p>
+              <a:pPr algn="ctr"/>
+              <a:endParaRPr lang="en-US" sz="1600" b="1" dirty="0">
+                <a:solidFill>
+                  <a:schemeClr val="bg1"/>
+                </a:solidFill>
+              </a:endParaRPr>
+            </a:p>
+          </p:txBody>
+        </p:sp>
+        <p:sp>
+          <p:nvSpPr>
+            <p:cNvPr id="62" name="TextBox 61"/>
+            <p:cNvSpPr txBox="1"/>
+            <p:nvPr/>
+          </p:nvSpPr>
+          <p:spPr>
+            <a:xfrm>
+              <a:off x="10750538" y="4281243"/>
+              <a:ext cx="611386" cy="307777"/>
+            </a:xfrm>
+            <a:prstGeom prst="rect">
+              <a:avLst/>
+            </a:prstGeom>
+            <a:noFill/>
+          </p:spPr>
+          <p:txBody>
+            <a:bodyPr wrap="none" rtlCol="0">
+              <a:spAutoFit/>
+            </a:bodyPr>
+            <a:lstStyle/>
+            <a:p>
+              <a:r>
+                <a:rPr lang="en-US" sz="1400" b="1" dirty="0" smtClean="0">
+                  <a:solidFill>
+                    <a:schemeClr val="bg1"/>
+                  </a:solidFill>
+                </a:rPr>
+                <a:t>ORG2</a:t>
+              </a:r>
+              <a:endParaRPr lang="en-US" sz="1400" b="1" dirty="0">
+                <a:solidFill>
+                  <a:schemeClr val="bg1"/>
+                </a:solidFill>
+              </a:endParaRPr>
+            </a:p>
+          </p:txBody>
+        </p:sp>
+      </p:grpSp>
+      <p:sp>
+        <p:nvSpPr>
+          <p:cNvPr id="44" name="Rounded Rectangle 43"/>
+          <p:cNvSpPr/>
+          <p:nvPr/>
+        </p:nvSpPr>
+        <p:spPr>
+          <a:xfrm>
+            <a:off x="4170953" y="2890659"/>
+            <a:ext cx="559591" cy="554570"/>
+          </a:xfrm>
+          <a:prstGeom prst="roundRect">
+            <a:avLst/>
+          </a:prstGeom>
+          <a:solidFill>
+            <a:srgbClr val="4372C4"/>
+          </a:solidFill>
+          <a:ln w="28575" cap="flat" cmpd="sng" algn="ctr">
+            <a:solidFill>
+              <a:schemeClr val="tx2"/>
+            </a:solidFill>
+            <a:prstDash val="solid"/>
+          </a:ln>
+          <a:effectLst>
+            <a:outerShdw blurRad="40000" dist="23000" dir="5400000" rotWithShape="0">
+              <a:srgbClr val="000000">
+                <a:alpha val="35000"/>
+              </a:srgbClr>
+            </a:outerShdw>
+          </a:effectLst>
+        </p:spPr>
+        <p:txBody>
+          <a:bodyPr tIns="36000" bIns="36000" rtlCol="0" anchor="ctr"/>
+          <a:lstStyle/>
+          <a:p>
+            <a:pPr marL="0" marR="0" lvl="0" indent="0" algn="ctr" defTabSz="457200" eaLnBrk="1" fontAlgn="auto" latinLnBrk="0" hangingPunct="1">
+              <a:lnSpc>
+                <a:spcPct val="100000"/>
+              </a:lnSpc>
+              <a:spcBef>
+                <a:spcPts val="0"/>
+              </a:spcBef>
+              <a:spcAft>
+                <a:spcPts val="0"/>
+              </a:spcAft>
+              <a:buClrTx/>
+              <a:buSzTx/>
+              <a:buFontTx/>
+              <a:buNone/>
+              <a:tabLst/>
+              <a:defRPr/>
+            </a:pPr>
+            <a:r>
+              <a:rPr lang="en-US" sz="2400" b="1" kern="0" noProof="0" dirty="0" smtClean="0">
+                <a:solidFill>
+                  <a:schemeClr val="bg1"/>
+                </a:solidFill>
+                <a:ea typeface=""/>
+                <a:cs typeface=""/>
+              </a:rPr>
+              <a:t>P</a:t>
+            </a:r>
+            <a:endParaRPr kumimoji="0" lang="en-US" sz="2400" b="1" i="0" u="none" strike="noStrike" kern="0" cap="none" spc="0" normalizeH="0" baseline="0" noProof="0" dirty="0" smtClean="0">
+              <a:ln>
+                <a:noFill/>
+              </a:ln>
+              <a:solidFill>
+                <a:schemeClr val="bg1"/>
+              </a:solidFill>
+              <a:effectLst/>
+              <a:uLnTx/>
+              <a:uFillTx/>
+              <a:ea typeface=""/>
+              <a:cs typeface=""/>
+            </a:endParaRPr>
+          </a:p>
+        </p:txBody>
+      </p:sp>
+      <p:cxnSp>
+        <p:nvCxnSpPr>
+          <p:cNvPr id="45" name="Straight Connector 44"/>
+          <p:cNvCxnSpPr>
+            <a:stCxn id="46" idx="0"/>
+            <a:endCxn id="47" idx="1"/>
+          </p:cNvCxnSpPr>
+          <p:nvPr/>
+        </p:nvCxnSpPr>
+        <p:spPr>
+          <a:xfrm>
+            <a:off x="4465811" y="3533357"/>
+            <a:ext cx="5684" cy="709801"/>
+          </a:xfrm>
+          <a:prstGeom prst="line">
+            <a:avLst/>
+          </a:prstGeom>
+          <a:solidFill>
+            <a:schemeClr val="accent1"/>
+          </a:solidFill>
+          <a:ln w="38100" cap="flat" cmpd="sng" algn="ctr">
+            <a:solidFill>
+              <a:schemeClr val="accent1"/>
+            </a:solidFill>
+            <a:prstDash val="solid"/>
+            <a:tailEnd type="none"/>
+          </a:ln>
+          <a:effectLst>
+            <a:outerShdw blurRad="40000" dist="20000" dir="5400000" rotWithShape="0">
+              <a:srgbClr val="000000">
+                <a:alpha val="38000"/>
+              </a:srgbClr>
+            </a:outerShdw>
+          </a:effectLst>
+        </p:spPr>
+      </p:cxnSp>
+      <p:sp>
+        <p:nvSpPr>
+          <p:cNvPr id="46" name="Oval 45"/>
+          <p:cNvSpPr/>
+          <p:nvPr/>
+        </p:nvSpPr>
+        <p:spPr>
+          <a:xfrm flipV="1">
+            <a:off x="4384810" y="3371356"/>
+            <a:ext cx="162001" cy="162001"/>
+          </a:xfrm>
+          <a:prstGeom prst="ellipse">
+            <a:avLst/>
+          </a:prstGeom>
+          <a:solidFill>
+            <a:schemeClr val="accent1"/>
+          </a:solidFill>
+          <a:ln w="25400" cmpd="sng">
+            <a:solidFill>
+              <a:schemeClr val="tx2"/>
+            </a:solidFill>
+          </a:ln>
+          <a:effectLst>
+            <a:outerShdw blurRad="50800" dist="38100" dir="2700000" algn="tl" rotWithShape="0">
+              <a:prstClr val="black">
+                <a:alpha val="40000"/>
+              </a:prstClr>
+            </a:outerShdw>
+          </a:effectLst>
+        </p:spPr>
+        <p:style>
+          <a:lnRef idx="1">
+            <a:schemeClr val="accent1"/>
+          </a:lnRef>
+          <a:fillRef idx="3">
+            <a:schemeClr val="accent1"/>
+          </a:fillRef>
+          <a:effectRef idx="2">
+            <a:schemeClr val="accent1"/>
+          </a:effectRef>
+          <a:fontRef idx="minor">
+            <a:schemeClr val="lt1"/>
+          </a:fontRef>
+        </p:style>
+        <p:txBody>
+          <a:bodyPr rtlCol="0" anchor="ctr"/>
+          <a:lstStyle/>
+          <a:p>
+            <a:pPr algn="ctr"/>
+            <a:endParaRPr lang="en-GB" sz="1000">
+              <a:solidFill>
+                <a:srgbClr val="000000"/>
+              </a:solidFill>
+            </a:endParaRPr>
+          </a:p>
+        </p:txBody>
+      </p:sp>
+      <p:sp>
+        <p:nvSpPr>
+          <p:cNvPr id="48" name="Rounded Rectangle 47"/>
+          <p:cNvSpPr/>
+          <p:nvPr/>
+        </p:nvSpPr>
+        <p:spPr>
+          <a:xfrm>
+            <a:off x="7849565" y="2890659"/>
+            <a:ext cx="559591" cy="554570"/>
+          </a:xfrm>
+          <a:prstGeom prst="roundRect">
+            <a:avLst/>
+          </a:prstGeom>
+          <a:solidFill>
+            <a:srgbClr val="4372C4"/>
+          </a:solidFill>
+          <a:ln w="28575" cap="flat" cmpd="sng" algn="ctr">
+            <a:solidFill>
+              <a:schemeClr val="tx2"/>
+            </a:solidFill>
+            <a:prstDash val="solid"/>
+          </a:ln>
+          <a:effectLst>
+            <a:outerShdw blurRad="40000" dist="23000" dir="5400000" rotWithShape="0">
+              <a:srgbClr val="000000">
+                <a:alpha val="35000"/>
+              </a:srgbClr>
+            </a:outerShdw>
+          </a:effectLst>
+        </p:spPr>
+        <p:txBody>
+          <a:bodyPr tIns="36000" bIns="36000" rtlCol="0" anchor="ctr"/>
+          <a:lstStyle/>
+          <a:p>
+            <a:pPr marL="0" marR="0" lvl="0" indent="0" algn="ctr" defTabSz="457200" eaLnBrk="1" fontAlgn="auto" latinLnBrk="0" hangingPunct="1">
+              <a:lnSpc>
+                <a:spcPct val="100000"/>
+              </a:lnSpc>
+              <a:spcBef>
+                <a:spcPts val="0"/>
+              </a:spcBef>
+              <a:spcAft>
+                <a:spcPts val="0"/>
+              </a:spcAft>
+              <a:buClrTx/>
+              <a:buSzTx/>
+              <a:buFontTx/>
+              <a:buNone/>
+              <a:tabLst/>
+              <a:defRPr/>
+            </a:pPr>
+            <a:r>
+              <a:rPr lang="en-US" sz="2400" b="1" kern="0" noProof="0" dirty="0" smtClean="0">
+                <a:solidFill>
+                  <a:schemeClr val="bg1"/>
+                </a:solidFill>
+                <a:ea typeface=""/>
+                <a:cs typeface=""/>
+              </a:rPr>
+              <a:t>P</a:t>
+            </a:r>
+            <a:endParaRPr kumimoji="0" lang="en-US" sz="2400" b="1" i="0" u="none" strike="noStrike" kern="0" cap="none" spc="0" normalizeH="0" baseline="0" noProof="0" dirty="0" smtClean="0">
+              <a:ln>
+                <a:noFill/>
+              </a:ln>
+              <a:solidFill>
+                <a:schemeClr val="bg1"/>
+              </a:solidFill>
+              <a:effectLst/>
+              <a:uLnTx/>
+              <a:uFillTx/>
+              <a:ea typeface=""/>
+              <a:cs typeface=""/>
+            </a:endParaRPr>
+          </a:p>
+        </p:txBody>
+      </p:sp>
+      <p:cxnSp>
+        <p:nvCxnSpPr>
+          <p:cNvPr id="49" name="Straight Connector 48"/>
+          <p:cNvCxnSpPr>
+            <a:stCxn id="51" idx="0"/>
+            <a:endCxn id="47" idx="7"/>
+          </p:cNvCxnSpPr>
+          <p:nvPr/>
+        </p:nvCxnSpPr>
+        <p:spPr>
+          <a:xfrm>
+            <a:off x="8144423" y="3533357"/>
+            <a:ext cx="5534" cy="709801"/>
+          </a:xfrm>
+          <a:prstGeom prst="line">
+            <a:avLst/>
+          </a:prstGeom>
+          <a:solidFill>
+            <a:schemeClr val="accent1"/>
+          </a:solidFill>
+          <a:ln w="38100" cap="flat" cmpd="sng" algn="ctr">
+            <a:solidFill>
+              <a:schemeClr val="accent1"/>
+            </a:solidFill>
+            <a:prstDash val="solid"/>
+            <a:tailEnd type="none"/>
+          </a:ln>
+          <a:effectLst>
+            <a:outerShdw blurRad="40000" dist="20000" dir="5400000" rotWithShape="0">
+              <a:srgbClr val="000000">
+                <a:alpha val="38000"/>
+              </a:srgbClr>
+            </a:outerShdw>
+          </a:effectLst>
+        </p:spPr>
+      </p:cxnSp>
+      <p:sp>
+        <p:nvSpPr>
+          <p:cNvPr id="51" name="Oval 50"/>
+          <p:cNvSpPr/>
+          <p:nvPr/>
+        </p:nvSpPr>
+        <p:spPr>
+          <a:xfrm flipV="1">
+            <a:off x="8063422" y="3371356"/>
+            <a:ext cx="162001" cy="162001"/>
+          </a:xfrm>
+          <a:prstGeom prst="ellipse">
+            <a:avLst/>
+          </a:prstGeom>
+          <a:solidFill>
+            <a:schemeClr val="accent1"/>
+          </a:solidFill>
+          <a:ln w="25400" cmpd="sng">
+            <a:solidFill>
+              <a:schemeClr val="tx2"/>
+            </a:solidFill>
+          </a:ln>
+          <a:effectLst>
+            <a:outerShdw blurRad="50800" dist="38100" dir="2700000" algn="tl" rotWithShape="0">
+              <a:prstClr val="black">
+                <a:alpha val="40000"/>
+              </a:prstClr>
+            </a:outerShdw>
+          </a:effectLst>
+        </p:spPr>
+        <p:style>
+          <a:lnRef idx="1">
+            <a:schemeClr val="accent1"/>
+          </a:lnRef>
+          <a:fillRef idx="3">
+            <a:schemeClr val="accent1"/>
+          </a:fillRef>
+          <a:effectRef idx="2">
+            <a:schemeClr val="accent1"/>
+          </a:effectRef>
+          <a:fontRef idx="minor">
+            <a:schemeClr val="lt1"/>
+          </a:fontRef>
+        </p:style>
+        <p:txBody>
+          <a:bodyPr rtlCol="0" anchor="ctr"/>
+          <a:lstStyle/>
+          <a:p>
+            <a:pPr algn="ctr"/>
+            <a:endParaRPr lang="en-GB" sz="1000">
+              <a:solidFill>
+                <a:srgbClr val="000000"/>
+              </a:solidFill>
+            </a:endParaRPr>
+          </a:p>
+        </p:txBody>
+      </p:sp>
+      <p:sp>
+        <p:nvSpPr>
+          <p:cNvPr id="47" name="Oval 46"/>
+          <p:cNvSpPr/>
+          <p:nvPr/>
+        </p:nvSpPr>
+        <p:spPr>
+          <a:xfrm>
+            <a:off x="3709661" y="4198078"/>
+            <a:ext cx="5202130" cy="307828"/>
+          </a:xfrm>
+          <a:prstGeom prst="ellipse">
+            <a:avLst/>
+          </a:prstGeom>
+          <a:noFill/>
+          <a:ln w="38100">
+            <a:solidFill>
+              <a:srgbClr val="4372C4"/>
+            </a:solidFill>
+          </a:ln>
+          <a:effectLst>
+            <a:outerShdw blurRad="50800" dist="38100" dir="2700000" algn="tl" rotWithShape="0">
+              <a:prstClr val="black">
+                <a:alpha val="40000"/>
+              </a:prstClr>
+            </a:outerShdw>
+          </a:effectLst>
+        </p:spPr>
+        <p:style>
+          <a:lnRef idx="2">
+            <a:schemeClr val="accent1">
+              <a:shade val="50000"/>
+            </a:schemeClr>
+          </a:lnRef>
+          <a:fillRef idx="1">
+            <a:schemeClr val="accent1"/>
+          </a:fillRef>
+          <a:effectRef idx="0">
+            <a:schemeClr val="accent1"/>
+          </a:effectRef>
+          <a:fontRef idx="minor">
+            <a:schemeClr val="lt1"/>
+          </a:fontRef>
+        </p:style>
+        <p:txBody>
+          <a:bodyPr rtlCol="0" anchor="ctr"/>
+          <a:lstStyle/>
+          <a:p>
+            <a:pPr algn="ctr"/>
+            <a:endParaRPr lang="en-US"/>
+          </a:p>
+        </p:txBody>
+      </p:sp>
+      <p:sp>
+        <p:nvSpPr>
+          <p:cNvPr id="54" name="Rounded Rectangle 53"/>
+          <p:cNvSpPr/>
+          <p:nvPr/>
+        </p:nvSpPr>
+        <p:spPr>
+          <a:xfrm>
+            <a:off x="7645993" y="2414662"/>
+            <a:ext cx="966733" cy="319881"/>
+          </a:xfrm>
+          <a:prstGeom prst="roundRect">
+            <a:avLst>
+              <a:gd name="adj" fmla="val 50000"/>
+            </a:avLst>
+          </a:prstGeom>
+          <a:solidFill>
+            <a:srgbClr val="9F42E6"/>
+          </a:solidFill>
+          <a:ln w="28575" cap="flat" cmpd="sng" algn="ctr">
+            <a:solidFill>
+              <a:schemeClr val="tx2"/>
+            </a:solidFill>
+            <a:prstDash val="solid"/>
+          </a:ln>
+          <a:effectLst>
+            <a:outerShdw blurRad="40000" dist="23000" dir="5400000" rotWithShape="0">
+              <a:srgbClr val="000000">
+                <a:alpha val="35000"/>
+              </a:srgbClr>
+            </a:outerShdw>
+          </a:effectLst>
+        </p:spPr>
+        <p:txBody>
+          <a:bodyPr tIns="36000" bIns="36000" rtlCol="0" anchor="ctr"/>
+          <a:lstStyle/>
+          <a:p>
+            <a:pPr marL="0" marR="0" lvl="0" indent="0" algn="ctr" defTabSz="457200" eaLnBrk="1" fontAlgn="auto" latinLnBrk="0" hangingPunct="1">
+              <a:lnSpc>
+                <a:spcPct val="100000"/>
+              </a:lnSpc>
+              <a:spcBef>
+                <a:spcPts val="0"/>
+              </a:spcBef>
+              <a:spcAft>
+                <a:spcPts val="0"/>
+              </a:spcAft>
+              <a:buClrTx/>
+              <a:buSzTx/>
+              <a:buFontTx/>
+              <a:buNone/>
+              <a:tabLst/>
+              <a:defRPr/>
+            </a:pPr>
+            <a:r>
+              <a:rPr lang="en-US" sz="1100" b="1" kern="0" noProof="0" smtClean="0">
+                <a:solidFill>
+                  <a:schemeClr val="bg1"/>
+                </a:solidFill>
+                <a:ea typeface=""/>
+                <a:cs typeface=""/>
+              </a:rPr>
+              <a:t>ORG2.MSP</a:t>
+            </a:r>
+            <a:endParaRPr kumimoji="0" lang="en-US" sz="1100" b="1" i="0" u="none" strike="noStrike" kern="0" cap="none" spc="0" normalizeH="0" baseline="0" noProof="0" dirty="0" smtClean="0">
+              <a:ln>
+                <a:noFill/>
+              </a:ln>
+              <a:solidFill>
+                <a:schemeClr val="bg1"/>
+              </a:solidFill>
+              <a:effectLst/>
+              <a:uLnTx/>
+              <a:uFillTx/>
+              <a:ea typeface=""/>
+              <a:cs typeface=""/>
+            </a:endParaRPr>
+          </a:p>
+        </p:txBody>
+      </p:sp>
+      <p:cxnSp>
+        <p:nvCxnSpPr>
+          <p:cNvPr id="55" name="Straight Connector 54"/>
+          <p:cNvCxnSpPr>
+            <a:stCxn id="44" idx="0"/>
+            <a:endCxn id="50" idx="2"/>
+          </p:cNvCxnSpPr>
+          <p:nvPr/>
+        </p:nvCxnSpPr>
+        <p:spPr>
+          <a:xfrm flipH="1" flipV="1">
+            <a:off x="4450747" y="2737653"/>
+            <a:ext cx="2" cy="153006"/>
+          </a:xfrm>
+          <a:prstGeom prst="line">
+            <a:avLst/>
+          </a:prstGeom>
+          <a:ln w="28575">
+            <a:solidFill>
+              <a:srgbClr val="4372C4"/>
+            </a:solidFill>
+            <a:prstDash val="sysDot"/>
+            <a:headEnd type="none" w="med" len="med"/>
+            <a:tailEnd type="none" w="med" len="med"/>
+          </a:ln>
+        </p:spPr>
+        <p:style>
+          <a:lnRef idx="1">
+            <a:schemeClr val="accent1"/>
+          </a:lnRef>
+          <a:fillRef idx="0">
+            <a:schemeClr val="accent1"/>
+          </a:fillRef>
+          <a:effectRef idx="0">
+            <a:schemeClr val="accent1"/>
+          </a:effectRef>
+          <a:fontRef idx="minor">
+            <a:schemeClr val="tx1"/>
+          </a:fontRef>
+        </p:style>
+      </p:cxnSp>
+      <p:cxnSp>
+        <p:nvCxnSpPr>
+          <p:cNvPr id="63" name="Straight Connector 62"/>
+          <p:cNvCxnSpPr>
+            <a:stCxn id="48" idx="0"/>
+            <a:endCxn id="54" idx="2"/>
+          </p:cNvCxnSpPr>
+          <p:nvPr/>
+        </p:nvCxnSpPr>
+        <p:spPr>
+          <a:xfrm flipH="1" flipV="1">
+            <a:off x="8129360" y="2734543"/>
+            <a:ext cx="1" cy="156116"/>
+          </a:xfrm>
+          <a:prstGeom prst="line">
+            <a:avLst/>
+          </a:prstGeom>
+          <a:ln w="28575">
+            <a:solidFill>
+              <a:srgbClr val="4372C4"/>
+            </a:solidFill>
+            <a:prstDash val="sysDot"/>
+            <a:headEnd type="none" w="med" len="med"/>
+            <a:tailEnd type="none" w="med" len="med"/>
+          </a:ln>
+        </p:spPr>
+        <p:style>
+          <a:lnRef idx="1">
+            <a:schemeClr val="accent1"/>
+          </a:lnRef>
+          <a:fillRef idx="0">
+            <a:schemeClr val="accent1"/>
+          </a:fillRef>
+          <a:effectRef idx="0">
+            <a:schemeClr val="accent1"/>
+          </a:effectRef>
+          <a:fontRef idx="minor">
+            <a:schemeClr val="tx1"/>
+          </a:fontRef>
+        </p:style>
+      </p:cxnSp>
+      <p:sp>
+        <p:nvSpPr>
+          <p:cNvPr id="64" name="Rounded Rectangle 63"/>
+          <p:cNvSpPr/>
+          <p:nvPr/>
+        </p:nvSpPr>
+        <p:spPr>
+          <a:xfrm>
+            <a:off x="5827359" y="5156893"/>
+            <a:ext cx="966733" cy="319881"/>
+          </a:xfrm>
+          <a:prstGeom prst="roundRect">
+            <a:avLst>
+              <a:gd name="adj" fmla="val 50000"/>
+            </a:avLst>
+          </a:prstGeom>
+          <a:solidFill>
+            <a:srgbClr val="9F42E6"/>
+          </a:solidFill>
+          <a:ln w="28575" cap="flat" cmpd="sng" algn="ctr">
+            <a:solidFill>
+              <a:schemeClr val="tx2"/>
+            </a:solidFill>
+            <a:prstDash val="solid"/>
+          </a:ln>
+          <a:effectLst>
+            <a:outerShdw blurRad="40000" dist="23000" dir="5400000" rotWithShape="0">
+              <a:srgbClr val="000000">
+                <a:alpha val="35000"/>
+              </a:srgbClr>
+            </a:outerShdw>
+          </a:effectLst>
+        </p:spPr>
+        <p:txBody>
+          <a:bodyPr tIns="36000" bIns="36000" rtlCol="0" anchor="ctr"/>
+          <a:lstStyle/>
+          <a:p>
+            <a:pPr marL="0" marR="0" lvl="0" indent="0" algn="ctr" defTabSz="457200" eaLnBrk="1" fontAlgn="auto" latinLnBrk="0" hangingPunct="1">
+              <a:lnSpc>
+                <a:spcPct val="100000"/>
+              </a:lnSpc>
+              <a:spcBef>
+                <a:spcPts val="0"/>
+              </a:spcBef>
+              <a:spcAft>
+                <a:spcPts val="0"/>
+              </a:spcAft>
+              <a:buClrTx/>
+              <a:buSzTx/>
+              <a:buFontTx/>
+              <a:buNone/>
+              <a:tabLst/>
+              <a:defRPr/>
+            </a:pPr>
+            <a:r>
+              <a:rPr lang="en-US" sz="1100" b="1" kern="0" noProof="0" smtClean="0">
+                <a:solidFill>
+                  <a:schemeClr val="bg1"/>
+                </a:solidFill>
+                <a:ea typeface=""/>
+                <a:cs typeface=""/>
+              </a:rPr>
+              <a:t>ORG1.MSP</a:t>
+            </a:r>
+            <a:endParaRPr kumimoji="0" lang="en-US" sz="1100" b="1" i="0" u="none" strike="noStrike" kern="0" cap="none" spc="0" normalizeH="0" baseline="0" noProof="0" dirty="0" smtClean="0">
+              <a:ln>
+                <a:noFill/>
+              </a:ln>
+              <a:solidFill>
+                <a:schemeClr val="bg1"/>
+              </a:solidFill>
+              <a:effectLst/>
+              <a:uLnTx/>
+              <a:uFillTx/>
+              <a:ea typeface=""/>
+              <a:cs typeface=""/>
+            </a:endParaRPr>
+          </a:p>
+        </p:txBody>
+      </p:sp>
+      <p:sp>
+        <p:nvSpPr>
+          <p:cNvPr id="66" name="Rounded Rectangle 65"/>
+          <p:cNvSpPr/>
+          <p:nvPr/>
+        </p:nvSpPr>
+        <p:spPr>
+          <a:xfrm>
+            <a:off x="5827358" y="5468606"/>
+            <a:ext cx="966733" cy="319881"/>
+          </a:xfrm>
+          <a:prstGeom prst="roundRect">
+            <a:avLst>
+              <a:gd name="adj" fmla="val 50000"/>
+            </a:avLst>
+          </a:prstGeom>
+          <a:solidFill>
+            <a:srgbClr val="9F42E6"/>
+          </a:solidFill>
+          <a:ln w="28575" cap="flat" cmpd="sng" algn="ctr">
+            <a:solidFill>
+              <a:schemeClr val="tx2"/>
+            </a:solidFill>
+            <a:prstDash val="solid"/>
+          </a:ln>
+          <a:effectLst>
+            <a:outerShdw blurRad="40000" dist="23000" dir="5400000" rotWithShape="0">
+              <a:srgbClr val="000000">
+                <a:alpha val="35000"/>
+              </a:srgbClr>
+            </a:outerShdw>
+          </a:effectLst>
+        </p:spPr>
+        <p:txBody>
+          <a:bodyPr tIns="36000" bIns="36000" rtlCol="0" anchor="ctr"/>
+          <a:lstStyle/>
+          <a:p>
+            <a:pPr marL="0" marR="0" lvl="0" indent="0" algn="ctr" defTabSz="457200" eaLnBrk="1" fontAlgn="auto" latinLnBrk="0" hangingPunct="1">
+              <a:lnSpc>
+                <a:spcPct val="100000"/>
+              </a:lnSpc>
+              <a:spcBef>
+                <a:spcPts val="0"/>
+              </a:spcBef>
+              <a:spcAft>
+                <a:spcPts val="0"/>
+              </a:spcAft>
+              <a:buClrTx/>
+              <a:buSzTx/>
+              <a:buFontTx/>
+              <a:buNone/>
+              <a:tabLst/>
+              <a:defRPr/>
+            </a:pPr>
+            <a:r>
+              <a:rPr lang="en-US" sz="1100" b="1" kern="0" noProof="0" smtClean="0">
+                <a:solidFill>
+                  <a:schemeClr val="bg1"/>
+                </a:solidFill>
+                <a:ea typeface=""/>
+                <a:cs typeface=""/>
+              </a:rPr>
+              <a:t>ORG2.MSP</a:t>
+            </a:r>
+            <a:endParaRPr kumimoji="0" lang="en-US" sz="1100" b="1" i="0" u="none" strike="noStrike" kern="0" cap="none" spc="0" normalizeH="0" baseline="0" noProof="0" dirty="0" smtClean="0">
+              <a:ln>
+                <a:noFill/>
+              </a:ln>
+              <a:solidFill>
+                <a:schemeClr val="bg1"/>
+              </a:solidFill>
+              <a:effectLst/>
+              <a:uLnTx/>
+              <a:uFillTx/>
+              <a:ea typeface=""/>
+              <a:cs typeface=""/>
+            </a:endParaRPr>
+          </a:p>
+        </p:txBody>
+      </p:sp>
+      <p:cxnSp>
+        <p:nvCxnSpPr>
+          <p:cNvPr id="76" name="Straight Connector 75"/>
+          <p:cNvCxnSpPr>
+            <a:stCxn id="57" idx="0"/>
+            <a:endCxn id="47" idx="4"/>
+          </p:cNvCxnSpPr>
+          <p:nvPr/>
+        </p:nvCxnSpPr>
+        <p:spPr>
+          <a:xfrm flipV="1">
+            <a:off x="6310726" y="4505906"/>
+            <a:ext cx="0" cy="426275"/>
+          </a:xfrm>
+          <a:prstGeom prst="line">
+            <a:avLst/>
+          </a:prstGeom>
+          <a:ln w="28575">
+            <a:solidFill>
+              <a:srgbClr val="4372C4"/>
+            </a:solidFill>
+            <a:prstDash val="sysDot"/>
+            <a:headEnd type="none" w="med" len="med"/>
+            <a:tailEnd type="none" w="med" len="med"/>
+          </a:ln>
+        </p:spPr>
+        <p:style>
+          <a:lnRef idx="1">
+            <a:schemeClr val="accent1"/>
+          </a:lnRef>
+          <a:fillRef idx="0">
+            <a:schemeClr val="accent1"/>
+          </a:fillRef>
+          <a:effectRef idx="0">
+            <a:schemeClr val="accent1"/>
+          </a:effectRef>
+          <a:fontRef idx="minor">
+            <a:schemeClr val="tx1"/>
+          </a:fontRef>
+        </p:style>
+      </p:cxnSp>
+      <p:grpSp>
+        <p:nvGrpSpPr>
+          <p:cNvPr id="21" name="Group 20"/>
+          <p:cNvGrpSpPr/>
+          <p:nvPr/>
+        </p:nvGrpSpPr>
+        <p:grpSpPr>
+          <a:xfrm>
+            <a:off x="4782100" y="2887082"/>
+            <a:ext cx="1182456" cy="820951"/>
+            <a:chOff x="5213906" y="2257415"/>
+            <a:chExt cx="1182456" cy="855289"/>
+          </a:xfrm>
+        </p:grpSpPr>
+        <p:sp>
+          <p:nvSpPr>
+            <p:cNvPr id="18" name="Folded Corner 17"/>
+            <p:cNvSpPr/>
+            <p:nvPr/>
+          </p:nvSpPr>
+          <p:spPr>
+            <a:xfrm>
+              <a:off x="5213906" y="2257415"/>
+              <a:ext cx="1065903" cy="855289"/>
+            </a:xfrm>
+            <a:prstGeom prst="foldedCorner">
+              <a:avLst/>
+            </a:prstGeom>
+            <a:solidFill>
+              <a:schemeClr val="accent1">
+                <a:lumMod val="20000"/>
+                <a:lumOff val="80000"/>
+              </a:schemeClr>
+            </a:solidFill>
+          </p:spPr>
+          <p:style>
+            <a:lnRef idx="2">
+              <a:schemeClr val="accent1">
+                <a:shade val="50000"/>
+              </a:schemeClr>
+            </a:lnRef>
+            <a:fillRef idx="1">
+              <a:schemeClr val="accent1"/>
+            </a:fillRef>
+            <a:effectRef idx="0">
+              <a:schemeClr val="accent1"/>
+            </a:effectRef>
+            <a:fontRef idx="minor">
+              <a:schemeClr val="lt1"/>
+            </a:fontRef>
+          </p:style>
+          <p:txBody>
+            <a:bodyPr rtlCol="0" anchor="ctr"/>
+            <a:lstStyle/>
+            <a:p>
+              <a:pPr algn="ctr"/>
+              <a:endParaRPr lang="en-US"/>
+            </a:p>
+          </p:txBody>
+        </p:sp>
+        <p:sp>
+          <p:nvSpPr>
+            <p:cNvPr id="19" name="TextBox 18"/>
+            <p:cNvSpPr txBox="1"/>
+            <p:nvPr/>
+          </p:nvSpPr>
+          <p:spPr>
+            <a:xfrm>
+              <a:off x="5213906" y="2286330"/>
+              <a:ext cx="1182456" cy="707886"/>
+            </a:xfrm>
+            <a:prstGeom prst="rect">
+              <a:avLst/>
+            </a:prstGeom>
+            <a:noFill/>
+          </p:spPr>
+          <p:txBody>
+            <a:bodyPr wrap="square" rtlCol="0">
+              <a:spAutoFit/>
+            </a:bodyPr>
+            <a:lstStyle/>
+            <a:p>
+              <a:r>
+                <a:rPr lang="en-US" sz="1000" dirty="0" smtClean="0">
+                  <a:latin typeface="Courier New" charset="0"/>
+                  <a:ea typeface="Courier New" charset="0"/>
+                  <a:cs typeface="Courier New" charset="0"/>
+                </a:rPr>
+                <a:t>\ORG1.MSP</a:t>
+              </a:r>
+            </a:p>
+            <a:p>
+              <a:r>
+                <a:rPr lang="en-US" sz="1000" dirty="0" smtClean="0">
+                  <a:latin typeface="Courier New" charset="0"/>
+                  <a:ea typeface="Courier New" charset="0"/>
+                  <a:cs typeface="Courier New" charset="0"/>
+                </a:rPr>
+                <a:t>   \</a:t>
+              </a:r>
+              <a:r>
+                <a:rPr lang="en-US" sz="1000" dirty="0" err="1" smtClean="0">
+                  <a:latin typeface="Courier New" charset="0"/>
+                  <a:ea typeface="Courier New" charset="0"/>
+                  <a:cs typeface="Courier New" charset="0"/>
+                </a:rPr>
+                <a:t>RootCAs</a:t>
+              </a:r>
+              <a:endParaRPr lang="en-US" sz="1000" dirty="0" smtClean="0">
+                <a:latin typeface="Courier New" charset="0"/>
+                <a:ea typeface="Courier New" charset="0"/>
+                <a:cs typeface="Courier New" charset="0"/>
+              </a:endParaRPr>
+            </a:p>
+            <a:p>
+              <a:r>
+                <a:rPr lang="en-US" sz="1000" dirty="0">
+                  <a:latin typeface="Courier New" charset="0"/>
+                  <a:ea typeface="Courier New" charset="0"/>
+                  <a:cs typeface="Courier New" charset="0"/>
+                </a:rPr>
+                <a:t> </a:t>
+              </a:r>
+              <a:r>
+                <a:rPr lang="en-US" sz="1000" dirty="0" smtClean="0">
+                  <a:latin typeface="Courier New" charset="0"/>
+                  <a:ea typeface="Courier New" charset="0"/>
+                  <a:cs typeface="Courier New" charset="0"/>
+                </a:rPr>
+                <a:t>  \</a:t>
+              </a:r>
+              <a:r>
+                <a:rPr lang="en-US" sz="1000" dirty="0" err="1" smtClean="0">
+                  <a:latin typeface="Courier New" charset="0"/>
+                  <a:ea typeface="Courier New" charset="0"/>
+                  <a:cs typeface="Courier New" charset="0"/>
+                </a:rPr>
+                <a:t>IntCAs</a:t>
+              </a:r>
+              <a:endParaRPr lang="en-US" sz="1000" dirty="0" smtClean="0">
+                <a:latin typeface="Courier New" charset="0"/>
+                <a:ea typeface="Courier New" charset="0"/>
+                <a:cs typeface="Courier New" charset="0"/>
+              </a:endParaRPr>
+            </a:p>
+            <a:p>
+              <a:r>
+                <a:rPr lang="en-US" sz="1000" dirty="0">
+                  <a:latin typeface="Courier New" charset="0"/>
+                  <a:ea typeface="Courier New" charset="0"/>
+                  <a:cs typeface="Courier New" charset="0"/>
+                </a:rPr>
+                <a:t> </a:t>
+              </a:r>
+              <a:r>
+                <a:rPr lang="en-US" sz="1000" dirty="0" smtClean="0">
+                  <a:latin typeface="Courier New" charset="0"/>
+                  <a:ea typeface="Courier New" charset="0"/>
+                  <a:cs typeface="Courier New" charset="0"/>
+                </a:rPr>
+                <a:t>  </a:t>
+              </a:r>
+              <a:r>
+                <a:rPr lang="en-US" sz="1000" b="1" dirty="0" smtClean="0">
+                  <a:latin typeface="Courier New" charset="0"/>
+                  <a:ea typeface="Courier New" charset="0"/>
+                  <a:cs typeface="Courier New" charset="0"/>
+                </a:rPr>
+                <a:t>...</a:t>
+              </a:r>
+            </a:p>
+          </p:txBody>
+        </p:sp>
+      </p:grpSp>
+      <p:sp>
+        <p:nvSpPr>
+          <p:cNvPr id="20" name="TextBox 19"/>
+          <p:cNvSpPr txBox="1"/>
+          <p:nvPr/>
+        </p:nvSpPr>
+        <p:spPr>
+          <a:xfrm>
+            <a:off x="5137426" y="3638748"/>
+            <a:ext cx="808282" cy="400110"/>
+          </a:xfrm>
+          <a:prstGeom prst="rect">
+            <a:avLst/>
+          </a:prstGeom>
+          <a:noFill/>
+        </p:spPr>
+        <p:txBody>
+          <a:bodyPr wrap="square" rtlCol="0">
+            <a:spAutoFit/>
+          </a:bodyPr>
+          <a:lstStyle/>
+          <a:p>
+            <a:pPr algn="r"/>
+            <a:r>
+              <a:rPr lang="en-US" sz="1000" dirty="0" smtClean="0"/>
+              <a:t>peer’s local</a:t>
+            </a:r>
+          </a:p>
+          <a:p>
+            <a:pPr algn="r"/>
+            <a:r>
+              <a:rPr lang="en-US" sz="1000" dirty="0" smtClean="0"/>
+              <a:t>filesystem</a:t>
+            </a:r>
+            <a:endParaRPr lang="en-US" sz="1000" dirty="0"/>
+          </a:p>
+        </p:txBody>
+      </p:sp>
+      <p:cxnSp>
+        <p:nvCxnSpPr>
+          <p:cNvPr id="33" name="Elbow Connector 32"/>
+          <p:cNvCxnSpPr>
+            <a:stCxn id="50" idx="3"/>
+            <a:endCxn id="18" idx="0"/>
+          </p:cNvCxnSpPr>
+          <p:nvPr/>
+        </p:nvCxnSpPr>
+        <p:spPr>
+          <a:xfrm>
+            <a:off x="4934113" y="2577713"/>
+            <a:ext cx="380939" cy="309369"/>
+          </a:xfrm>
+          <a:prstGeom prst="bentConnector2">
+            <a:avLst/>
+          </a:prstGeom>
+          <a:ln w="28575">
+            <a:solidFill>
+              <a:srgbClr val="4372C4"/>
+            </a:solidFill>
+            <a:tailEnd type="triangle"/>
+          </a:ln>
+        </p:spPr>
+        <p:style>
+          <a:lnRef idx="1">
+            <a:schemeClr val="accent1"/>
+          </a:lnRef>
+          <a:fillRef idx="0">
+            <a:schemeClr val="accent1"/>
+          </a:fillRef>
+          <a:effectRef idx="0">
+            <a:schemeClr val="accent1"/>
+          </a:effectRef>
+          <a:fontRef idx="minor">
+            <a:schemeClr val="tx1"/>
+          </a:fontRef>
+        </p:style>
+      </p:cxnSp>
+      <p:grpSp>
+        <p:nvGrpSpPr>
+          <p:cNvPr id="84" name="Group 83"/>
+          <p:cNvGrpSpPr/>
+          <p:nvPr/>
+        </p:nvGrpSpPr>
+        <p:grpSpPr>
+          <a:xfrm>
+            <a:off x="6741069" y="2887082"/>
+            <a:ext cx="1182456" cy="820951"/>
+            <a:chOff x="5213906" y="2257415"/>
+            <a:chExt cx="1182456" cy="855289"/>
+          </a:xfrm>
+        </p:grpSpPr>
+        <p:sp>
+          <p:nvSpPr>
+            <p:cNvPr id="85" name="Folded Corner 84"/>
+            <p:cNvSpPr/>
+            <p:nvPr/>
+          </p:nvSpPr>
+          <p:spPr>
+            <a:xfrm>
+              <a:off x="5213906" y="2257415"/>
+              <a:ext cx="1065903" cy="855289"/>
+            </a:xfrm>
+            <a:prstGeom prst="foldedCorner">
+              <a:avLst/>
+            </a:prstGeom>
+            <a:solidFill>
+              <a:schemeClr val="accent1">
+                <a:lumMod val="20000"/>
+                <a:lumOff val="80000"/>
+              </a:schemeClr>
+            </a:solidFill>
+          </p:spPr>
+          <p:style>
+            <a:lnRef idx="2">
+              <a:schemeClr val="accent1">
+                <a:shade val="50000"/>
+              </a:schemeClr>
+            </a:lnRef>
+            <a:fillRef idx="1">
+              <a:schemeClr val="accent1"/>
+            </a:fillRef>
+            <a:effectRef idx="0">
+              <a:schemeClr val="accent1"/>
+            </a:effectRef>
+            <a:fontRef idx="minor">
+              <a:schemeClr val="lt1"/>
+            </a:fontRef>
+          </p:style>
+          <p:txBody>
+            <a:bodyPr rtlCol="0" anchor="ctr"/>
+            <a:lstStyle/>
+            <a:p>
+              <a:pPr algn="ctr"/>
+              <a:endParaRPr lang="en-US"/>
+            </a:p>
+          </p:txBody>
+        </p:sp>
+        <p:sp>
+          <p:nvSpPr>
+            <p:cNvPr id="87" name="TextBox 86"/>
+            <p:cNvSpPr txBox="1"/>
+            <p:nvPr/>
+          </p:nvSpPr>
+          <p:spPr>
+            <a:xfrm>
+              <a:off x="5213906" y="2286330"/>
+              <a:ext cx="1182456" cy="707886"/>
+            </a:xfrm>
+            <a:prstGeom prst="rect">
+              <a:avLst/>
+            </a:prstGeom>
+            <a:noFill/>
+          </p:spPr>
+          <p:txBody>
+            <a:bodyPr wrap="square" rtlCol="0">
+              <a:spAutoFit/>
+            </a:bodyPr>
+            <a:lstStyle/>
+            <a:p>
+              <a:r>
+                <a:rPr lang="en-US" sz="1000" dirty="0" smtClean="0">
+                  <a:latin typeface="Courier New" charset="0"/>
+                  <a:ea typeface="Courier New" charset="0"/>
+                  <a:cs typeface="Courier New" charset="0"/>
+                </a:rPr>
+                <a:t>\ORG1.MSP</a:t>
+              </a:r>
+            </a:p>
+            <a:p>
+              <a:r>
+                <a:rPr lang="en-US" sz="1000" dirty="0" smtClean="0">
+                  <a:latin typeface="Courier New" charset="0"/>
+                  <a:ea typeface="Courier New" charset="0"/>
+                  <a:cs typeface="Courier New" charset="0"/>
+                </a:rPr>
+                <a:t>   \</a:t>
+              </a:r>
+              <a:r>
+                <a:rPr lang="en-US" sz="1000" dirty="0" err="1" smtClean="0">
+                  <a:latin typeface="Courier New" charset="0"/>
+                  <a:ea typeface="Courier New" charset="0"/>
+                  <a:cs typeface="Courier New" charset="0"/>
+                </a:rPr>
+                <a:t>RootCAs</a:t>
+              </a:r>
+              <a:endParaRPr lang="en-US" sz="1000" dirty="0" smtClean="0">
+                <a:latin typeface="Courier New" charset="0"/>
+                <a:ea typeface="Courier New" charset="0"/>
+                <a:cs typeface="Courier New" charset="0"/>
+              </a:endParaRPr>
+            </a:p>
+            <a:p>
+              <a:r>
+                <a:rPr lang="en-US" sz="1000" dirty="0">
+                  <a:latin typeface="Courier New" charset="0"/>
+                  <a:ea typeface="Courier New" charset="0"/>
+                  <a:cs typeface="Courier New" charset="0"/>
+                </a:rPr>
+                <a:t> </a:t>
+              </a:r>
+              <a:r>
+                <a:rPr lang="en-US" sz="1000" dirty="0" smtClean="0">
+                  <a:latin typeface="Courier New" charset="0"/>
+                  <a:ea typeface="Courier New" charset="0"/>
+                  <a:cs typeface="Courier New" charset="0"/>
+                </a:rPr>
+                <a:t>  \</a:t>
+              </a:r>
+              <a:r>
+                <a:rPr lang="en-US" sz="1000" dirty="0" err="1" smtClean="0">
+                  <a:latin typeface="Courier New" charset="0"/>
+                  <a:ea typeface="Courier New" charset="0"/>
+                  <a:cs typeface="Courier New" charset="0"/>
+                </a:rPr>
+                <a:t>IntCAs</a:t>
+              </a:r>
+              <a:endParaRPr lang="en-US" sz="1000" dirty="0" smtClean="0">
+                <a:latin typeface="Courier New" charset="0"/>
+                <a:ea typeface="Courier New" charset="0"/>
+                <a:cs typeface="Courier New" charset="0"/>
+              </a:endParaRPr>
+            </a:p>
+            <a:p>
+              <a:r>
+                <a:rPr lang="en-US" sz="1000" dirty="0">
+                  <a:latin typeface="Courier New" charset="0"/>
+                  <a:ea typeface="Courier New" charset="0"/>
+                  <a:cs typeface="Courier New" charset="0"/>
+                </a:rPr>
+                <a:t> </a:t>
+              </a:r>
+              <a:r>
+                <a:rPr lang="en-US" sz="1000" dirty="0" smtClean="0">
+                  <a:latin typeface="Courier New" charset="0"/>
+                  <a:ea typeface="Courier New" charset="0"/>
+                  <a:cs typeface="Courier New" charset="0"/>
+                </a:rPr>
+                <a:t>  </a:t>
+              </a:r>
+              <a:r>
+                <a:rPr lang="en-US" sz="1000" b="1" dirty="0" smtClean="0">
+                  <a:latin typeface="Courier New" charset="0"/>
+                  <a:ea typeface="Courier New" charset="0"/>
+                  <a:cs typeface="Courier New" charset="0"/>
+                </a:rPr>
+                <a:t>...</a:t>
+              </a:r>
+            </a:p>
+          </p:txBody>
+        </p:sp>
+      </p:grpSp>
+      <p:sp>
+        <p:nvSpPr>
+          <p:cNvPr id="88" name="TextBox 87"/>
+          <p:cNvSpPr txBox="1"/>
+          <p:nvPr/>
+        </p:nvSpPr>
+        <p:spPr>
+          <a:xfrm>
+            <a:off x="7079691" y="3640774"/>
+            <a:ext cx="808282" cy="400110"/>
+          </a:xfrm>
+          <a:prstGeom prst="rect">
+            <a:avLst/>
+          </a:prstGeom>
+          <a:noFill/>
+        </p:spPr>
+        <p:txBody>
+          <a:bodyPr wrap="square" rtlCol="0">
+            <a:spAutoFit/>
+          </a:bodyPr>
+          <a:lstStyle/>
+          <a:p>
+            <a:pPr algn="r"/>
+            <a:r>
+              <a:rPr lang="en-US" sz="1000" dirty="0" smtClean="0"/>
+              <a:t>peer’s local</a:t>
+            </a:r>
+          </a:p>
+          <a:p>
+            <a:pPr algn="r"/>
+            <a:r>
+              <a:rPr lang="en-US" sz="1000" dirty="0" smtClean="0"/>
+              <a:t>filesystem</a:t>
+            </a:r>
+            <a:endParaRPr lang="en-US" sz="1000" dirty="0"/>
+          </a:p>
+        </p:txBody>
+      </p:sp>
+      <p:cxnSp>
+        <p:nvCxnSpPr>
+          <p:cNvPr id="90" name="Elbow Connector 89"/>
+          <p:cNvCxnSpPr>
+            <a:stCxn id="54" idx="1"/>
+            <a:endCxn id="85" idx="0"/>
+          </p:cNvCxnSpPr>
+          <p:nvPr/>
+        </p:nvCxnSpPr>
+        <p:spPr>
+          <a:xfrm rot="10800000" flipV="1">
+            <a:off x="7274021" y="2574602"/>
+            <a:ext cx="371972" cy="312479"/>
+          </a:xfrm>
+          <a:prstGeom prst="bentConnector2">
+            <a:avLst/>
+          </a:prstGeom>
+          <a:ln w="28575">
+            <a:solidFill>
+              <a:srgbClr val="4372C4"/>
+            </a:solidFill>
+            <a:tailEnd type="triangle"/>
+          </a:ln>
+        </p:spPr>
+        <p:style>
+          <a:lnRef idx="1">
+            <a:schemeClr val="accent1"/>
+          </a:lnRef>
+          <a:fillRef idx="0">
+            <a:schemeClr val="accent1"/>
+          </a:fillRef>
+          <a:effectRef idx="0">
+            <a:schemeClr val="accent1"/>
+          </a:effectRef>
+          <a:fontRef idx="minor">
+            <a:schemeClr val="tx1"/>
+          </a:fontRef>
+        </p:style>
+      </p:cxnSp>
+      <p:sp>
+        <p:nvSpPr>
+          <p:cNvPr id="91" name="TextBox 90"/>
+          <p:cNvSpPr txBox="1"/>
+          <p:nvPr/>
+        </p:nvSpPr>
+        <p:spPr>
+          <a:xfrm>
+            <a:off x="6133873" y="4121159"/>
+            <a:ext cx="348172" cy="461665"/>
+          </a:xfrm>
+          <a:prstGeom prst="rect">
+            <a:avLst/>
+          </a:prstGeom>
+          <a:noFill/>
+          <a:ln>
+            <a:noFill/>
+          </a:ln>
+        </p:spPr>
+        <p:txBody>
+          <a:bodyPr wrap="none" rtlCol="0">
+            <a:spAutoFit/>
+          </a:bodyPr>
+          <a:lstStyle/>
+          <a:p>
+            <a:r>
+              <a:rPr lang="en-US" sz="2400" b="1" dirty="0" smtClean="0">
+                <a:solidFill>
+                  <a:schemeClr val="accent1"/>
+                </a:solidFill>
+              </a:rPr>
+              <a:t>C</a:t>
+            </a:r>
+            <a:endParaRPr lang="en-US" sz="2400" b="1" dirty="0">
+              <a:solidFill>
+                <a:schemeClr val="accent1"/>
+              </a:solidFill>
+            </a:endParaRPr>
+          </a:p>
+        </p:txBody>
+      </p:sp>
+      <p:sp>
+        <p:nvSpPr>
+          <p:cNvPr id="94" name="Folded Corner 93"/>
+          <p:cNvSpPr/>
+          <p:nvPr/>
+        </p:nvSpPr>
+        <p:spPr>
+          <a:xfrm>
+            <a:off x="3874582" y="5082422"/>
+            <a:ext cx="1065903" cy="820951"/>
+          </a:xfrm>
+          <a:prstGeom prst="foldedCorner">
+            <a:avLst/>
+          </a:prstGeom>
+          <a:solidFill>
+            <a:schemeClr val="accent4">
+              <a:lumMod val="60000"/>
+              <a:lumOff val="40000"/>
+            </a:schemeClr>
+          </a:solidFill>
+          <a:ln>
+            <a:solidFill>
+              <a:schemeClr val="accent4">
+                <a:lumMod val="75000"/>
+              </a:schemeClr>
+            </a:solidFill>
+          </a:ln>
+        </p:spPr>
+        <p:style>
+          <a:lnRef idx="2">
+            <a:schemeClr val="accent1">
+              <a:shade val="50000"/>
+            </a:schemeClr>
+          </a:lnRef>
+          <a:fillRef idx="1">
+            <a:schemeClr val="accent1"/>
+          </a:fillRef>
+          <a:effectRef idx="0">
+            <a:schemeClr val="accent1"/>
+          </a:effectRef>
+          <a:fontRef idx="minor">
+            <a:schemeClr val="lt1"/>
+          </a:fontRef>
+        </p:style>
+        <p:txBody>
+          <a:bodyPr rtlCol="0" anchor="ctr"/>
+          <a:lstStyle/>
+          <a:p>
+            <a:pPr algn="ctr"/>
+            <a:endParaRPr lang="en-US"/>
+          </a:p>
+        </p:txBody>
+      </p:sp>
+      <p:sp>
+        <p:nvSpPr>
+          <p:cNvPr id="96" name="TextBox 95"/>
+          <p:cNvSpPr txBox="1"/>
+          <p:nvPr/>
+        </p:nvSpPr>
+        <p:spPr>
+          <a:xfrm>
+            <a:off x="3874582" y="5110176"/>
+            <a:ext cx="1182456" cy="679466"/>
+          </a:xfrm>
+          <a:prstGeom prst="rect">
+            <a:avLst/>
+          </a:prstGeom>
+          <a:noFill/>
+        </p:spPr>
+        <p:txBody>
+          <a:bodyPr wrap="square" rtlCol="0">
+            <a:spAutoFit/>
+          </a:bodyPr>
+          <a:lstStyle/>
+          <a:p>
+            <a:r>
+              <a:rPr lang="en-US" sz="1000" dirty="0" smtClean="0">
+                <a:latin typeface="Courier New" charset="0"/>
+                <a:ea typeface="Courier New" charset="0"/>
+                <a:cs typeface="Courier New" charset="0"/>
+              </a:rPr>
+              <a:t>\ORG1.MSP</a:t>
+            </a:r>
+          </a:p>
+          <a:p>
+            <a:r>
+              <a:rPr lang="en-US" sz="1000" dirty="0" smtClean="0">
+                <a:latin typeface="Courier New" charset="0"/>
+                <a:ea typeface="Courier New" charset="0"/>
+                <a:cs typeface="Courier New" charset="0"/>
+              </a:rPr>
+              <a:t>   \</a:t>
+            </a:r>
+            <a:r>
+              <a:rPr lang="en-US" sz="1000" dirty="0" err="1" smtClean="0">
+                <a:latin typeface="Courier New" charset="0"/>
+                <a:ea typeface="Courier New" charset="0"/>
+                <a:cs typeface="Courier New" charset="0"/>
+              </a:rPr>
+              <a:t>RootCAs</a:t>
+            </a:r>
+            <a:endParaRPr lang="en-US" sz="1000" dirty="0" smtClean="0">
+              <a:latin typeface="Courier New" charset="0"/>
+              <a:ea typeface="Courier New" charset="0"/>
+              <a:cs typeface="Courier New" charset="0"/>
+            </a:endParaRPr>
+          </a:p>
+          <a:p>
+            <a:r>
+              <a:rPr lang="en-US" sz="1000" dirty="0">
+                <a:latin typeface="Courier New" charset="0"/>
+                <a:ea typeface="Courier New" charset="0"/>
+                <a:cs typeface="Courier New" charset="0"/>
+              </a:rPr>
+              <a:t> </a:t>
+            </a:r>
+            <a:r>
+              <a:rPr lang="en-US" sz="1000" dirty="0" smtClean="0">
+                <a:latin typeface="Courier New" charset="0"/>
+                <a:ea typeface="Courier New" charset="0"/>
+                <a:cs typeface="Courier New" charset="0"/>
+              </a:rPr>
+              <a:t>  \</a:t>
+            </a:r>
+            <a:r>
+              <a:rPr lang="en-US" sz="1000" dirty="0" err="1" smtClean="0">
+                <a:latin typeface="Courier New" charset="0"/>
+                <a:ea typeface="Courier New" charset="0"/>
+                <a:cs typeface="Courier New" charset="0"/>
+              </a:rPr>
+              <a:t>IntCAs</a:t>
+            </a:r>
+            <a:endParaRPr lang="en-US" sz="1000" dirty="0" smtClean="0">
+              <a:latin typeface="Courier New" charset="0"/>
+              <a:ea typeface="Courier New" charset="0"/>
+              <a:cs typeface="Courier New" charset="0"/>
+            </a:endParaRPr>
+          </a:p>
+          <a:p>
+            <a:r>
+              <a:rPr lang="en-US" sz="1000" dirty="0">
+                <a:latin typeface="Courier New" charset="0"/>
+                <a:ea typeface="Courier New" charset="0"/>
+                <a:cs typeface="Courier New" charset="0"/>
+              </a:rPr>
+              <a:t> </a:t>
+            </a:r>
+            <a:r>
+              <a:rPr lang="en-US" sz="1000" dirty="0" smtClean="0">
+                <a:latin typeface="Courier New" charset="0"/>
+                <a:ea typeface="Courier New" charset="0"/>
+                <a:cs typeface="Courier New" charset="0"/>
+              </a:rPr>
+              <a:t>  </a:t>
+            </a:r>
+            <a:r>
+              <a:rPr lang="en-US" sz="1000" b="1" dirty="0" smtClean="0">
+                <a:latin typeface="Courier New" charset="0"/>
+                <a:ea typeface="Courier New" charset="0"/>
+                <a:cs typeface="Courier New" charset="0"/>
+              </a:rPr>
+              <a:t>...</a:t>
+            </a:r>
+          </a:p>
+        </p:txBody>
+      </p:sp>
+      <p:sp>
+        <p:nvSpPr>
+          <p:cNvPr id="99" name="Folded Corner 98"/>
+          <p:cNvSpPr/>
+          <p:nvPr/>
+        </p:nvSpPr>
+        <p:spPr>
+          <a:xfrm>
+            <a:off x="7670969" y="5082421"/>
+            <a:ext cx="1065903" cy="820951"/>
+          </a:xfrm>
+          <a:prstGeom prst="foldedCorner">
+            <a:avLst/>
+          </a:prstGeom>
+          <a:solidFill>
+            <a:schemeClr val="accent4">
+              <a:lumMod val="60000"/>
+              <a:lumOff val="40000"/>
+            </a:schemeClr>
+          </a:solidFill>
+          <a:ln>
+            <a:solidFill>
+              <a:schemeClr val="accent4">
+                <a:lumMod val="75000"/>
+              </a:schemeClr>
+            </a:solidFill>
+          </a:ln>
+        </p:spPr>
+        <p:style>
+          <a:lnRef idx="2">
+            <a:schemeClr val="accent1">
+              <a:shade val="50000"/>
+            </a:schemeClr>
+          </a:lnRef>
+          <a:fillRef idx="1">
+            <a:schemeClr val="accent1"/>
+          </a:fillRef>
+          <a:effectRef idx="0">
+            <a:schemeClr val="accent1"/>
+          </a:effectRef>
+          <a:fontRef idx="minor">
+            <a:schemeClr val="lt1"/>
+          </a:fontRef>
+        </p:style>
+        <p:txBody>
+          <a:bodyPr rtlCol="0" anchor="ctr"/>
+          <a:lstStyle/>
+          <a:p>
+            <a:pPr algn="ctr"/>
+            <a:endParaRPr lang="en-US"/>
+          </a:p>
+        </p:txBody>
+      </p:sp>
+      <p:sp>
+        <p:nvSpPr>
+          <p:cNvPr id="100" name="TextBox 99"/>
+          <p:cNvSpPr txBox="1"/>
+          <p:nvPr/>
+        </p:nvSpPr>
+        <p:spPr>
+          <a:xfrm>
+            <a:off x="7670969" y="5110175"/>
+            <a:ext cx="1182456" cy="707886"/>
+          </a:xfrm>
+          <a:prstGeom prst="rect">
+            <a:avLst/>
+          </a:prstGeom>
+          <a:noFill/>
+        </p:spPr>
+        <p:txBody>
+          <a:bodyPr wrap="square" rtlCol="0">
+            <a:spAutoFit/>
+          </a:bodyPr>
+          <a:lstStyle/>
+          <a:p>
+            <a:r>
+              <a:rPr lang="en-US" sz="1000" dirty="0" smtClean="0">
+                <a:latin typeface="Courier New" charset="0"/>
+                <a:ea typeface="Courier New" charset="0"/>
+                <a:cs typeface="Courier New" charset="0"/>
+              </a:rPr>
+              <a:t>\ORG2.MSP</a:t>
+            </a:r>
+          </a:p>
+          <a:p>
+            <a:r>
+              <a:rPr lang="en-US" sz="1000" dirty="0" smtClean="0">
+                <a:latin typeface="Courier New" charset="0"/>
+                <a:ea typeface="Courier New" charset="0"/>
+                <a:cs typeface="Courier New" charset="0"/>
+              </a:rPr>
+              <a:t>   \</a:t>
+            </a:r>
+            <a:r>
+              <a:rPr lang="en-US" sz="1000" dirty="0" err="1" smtClean="0">
+                <a:latin typeface="Courier New" charset="0"/>
+                <a:ea typeface="Courier New" charset="0"/>
+                <a:cs typeface="Courier New" charset="0"/>
+              </a:rPr>
+              <a:t>RootCAs</a:t>
+            </a:r>
+            <a:endParaRPr lang="en-US" sz="1000" dirty="0" smtClean="0">
+              <a:latin typeface="Courier New" charset="0"/>
+              <a:ea typeface="Courier New" charset="0"/>
+              <a:cs typeface="Courier New" charset="0"/>
+            </a:endParaRPr>
+          </a:p>
+          <a:p>
+            <a:r>
+              <a:rPr lang="en-US" sz="1000" dirty="0">
+                <a:latin typeface="Courier New" charset="0"/>
+                <a:ea typeface="Courier New" charset="0"/>
+                <a:cs typeface="Courier New" charset="0"/>
+              </a:rPr>
+              <a:t> </a:t>
+            </a:r>
+            <a:r>
+              <a:rPr lang="en-US" sz="1000" dirty="0" smtClean="0">
+                <a:latin typeface="Courier New" charset="0"/>
+                <a:ea typeface="Courier New" charset="0"/>
+                <a:cs typeface="Courier New" charset="0"/>
+              </a:rPr>
+              <a:t>  \</a:t>
+            </a:r>
+            <a:r>
+              <a:rPr lang="en-US" sz="1000" dirty="0" err="1" smtClean="0">
+                <a:latin typeface="Courier New" charset="0"/>
+                <a:ea typeface="Courier New" charset="0"/>
+                <a:cs typeface="Courier New" charset="0"/>
+              </a:rPr>
+              <a:t>IntCAs</a:t>
+            </a:r>
+            <a:endParaRPr lang="en-US" sz="1000" dirty="0" smtClean="0">
+              <a:latin typeface="Courier New" charset="0"/>
+              <a:ea typeface="Courier New" charset="0"/>
+              <a:cs typeface="Courier New" charset="0"/>
+            </a:endParaRPr>
+          </a:p>
+          <a:p>
+            <a:r>
+              <a:rPr lang="en-US" sz="1000" dirty="0">
+                <a:latin typeface="Courier New" charset="0"/>
+                <a:ea typeface="Courier New" charset="0"/>
+                <a:cs typeface="Courier New" charset="0"/>
+              </a:rPr>
+              <a:t> </a:t>
+            </a:r>
+            <a:r>
+              <a:rPr lang="en-US" sz="1000" dirty="0" smtClean="0">
+                <a:latin typeface="Courier New" charset="0"/>
+                <a:ea typeface="Courier New" charset="0"/>
+                <a:cs typeface="Courier New" charset="0"/>
+              </a:rPr>
+              <a:t>  </a:t>
+            </a:r>
+            <a:r>
+              <a:rPr lang="en-US" sz="1000" b="1" dirty="0" smtClean="0">
+                <a:latin typeface="Courier New" charset="0"/>
+                <a:ea typeface="Courier New" charset="0"/>
+                <a:cs typeface="Courier New" charset="0"/>
+              </a:rPr>
+              <a:t>...</a:t>
+            </a:r>
+          </a:p>
+        </p:txBody>
+      </p:sp>
+      <p:cxnSp>
+        <p:nvCxnSpPr>
+          <p:cNvPr id="107" name="Elbow Connector 106"/>
+          <p:cNvCxnSpPr>
+            <a:stCxn id="64" idx="1"/>
+            <a:endCxn id="94" idx="3"/>
+          </p:cNvCxnSpPr>
+          <p:nvPr/>
+        </p:nvCxnSpPr>
+        <p:spPr>
+          <a:xfrm rot="10800000" flipV="1">
+            <a:off x="4940485" y="5316834"/>
+            <a:ext cx="886874" cy="176064"/>
+          </a:xfrm>
+          <a:prstGeom prst="bentConnector3">
+            <a:avLst>
+              <a:gd name="adj1" fmla="val 50000"/>
+            </a:avLst>
+          </a:prstGeom>
+          <a:ln w="28575">
+            <a:solidFill>
+              <a:srgbClr val="4372C4"/>
+            </a:solidFill>
+            <a:tailEnd type="triangle"/>
+          </a:ln>
+        </p:spPr>
+        <p:style>
+          <a:lnRef idx="1">
+            <a:schemeClr val="accent1"/>
+          </a:lnRef>
+          <a:fillRef idx="0">
+            <a:schemeClr val="accent1"/>
+          </a:fillRef>
+          <a:effectRef idx="0">
+            <a:schemeClr val="accent1"/>
+          </a:effectRef>
+          <a:fontRef idx="minor">
+            <a:schemeClr val="tx1"/>
+          </a:fontRef>
+        </p:style>
+      </p:cxnSp>
+      <p:cxnSp>
+        <p:nvCxnSpPr>
+          <p:cNvPr id="108" name="Elbow Connector 107"/>
+          <p:cNvCxnSpPr>
+            <a:stCxn id="66" idx="3"/>
+            <a:endCxn id="100" idx="1"/>
+          </p:cNvCxnSpPr>
+          <p:nvPr/>
+        </p:nvCxnSpPr>
+        <p:spPr>
+          <a:xfrm flipV="1">
+            <a:off x="6794091" y="5464118"/>
+            <a:ext cx="876878" cy="164429"/>
+          </a:xfrm>
+          <a:prstGeom prst="bentConnector3">
+            <a:avLst>
+              <a:gd name="adj1" fmla="val 50000"/>
+            </a:avLst>
+          </a:prstGeom>
+          <a:ln w="28575">
+            <a:solidFill>
+              <a:srgbClr val="4372C4"/>
+            </a:solidFill>
+            <a:tailEnd type="triangle"/>
+          </a:ln>
+        </p:spPr>
+        <p:style>
+          <a:lnRef idx="1">
+            <a:schemeClr val="accent1"/>
+          </a:lnRef>
+          <a:fillRef idx="0">
+            <a:schemeClr val="accent1"/>
+          </a:fillRef>
+          <a:effectRef idx="0">
+            <a:schemeClr val="accent1"/>
+          </a:effectRef>
+          <a:fontRef idx="minor">
+            <a:schemeClr val="tx1"/>
+          </a:fontRef>
+        </p:style>
+      </p:cxnSp>
+      <p:sp>
+        <p:nvSpPr>
+          <p:cNvPr id="57" name="Rectangle 56"/>
+          <p:cNvSpPr/>
+          <p:nvPr/>
+        </p:nvSpPr>
+        <p:spPr>
+          <a:xfrm>
+            <a:off x="3709661" y="4932181"/>
+            <a:ext cx="5202130" cy="1137534"/>
+          </a:xfrm>
+          <a:prstGeom prst="rect">
+            <a:avLst/>
+          </a:prstGeom>
+          <a:noFill/>
+        </p:spPr>
+        <p:style>
+          <a:lnRef idx="2">
+            <a:schemeClr val="accent1">
+              <a:shade val="50000"/>
+            </a:schemeClr>
+          </a:lnRef>
+          <a:fillRef idx="1">
+            <a:schemeClr val="accent1"/>
+          </a:fillRef>
+          <a:effectRef idx="0">
+            <a:schemeClr val="accent1"/>
+          </a:effectRef>
+          <a:fontRef idx="minor">
+            <a:schemeClr val="lt1"/>
+          </a:fontRef>
+        </p:style>
+        <p:txBody>
+          <a:bodyPr rtlCol="0" anchor="ctr"/>
+          <a:lstStyle/>
+          <a:p>
+            <a:pPr algn="ctr"/>
+            <a:endParaRPr lang="en-US"/>
+          </a:p>
+        </p:txBody>
+      </p:sp>
+      <p:sp>
+        <p:nvSpPr>
+          <p:cNvPr id="112" name="TextBox 111"/>
+          <p:cNvSpPr txBox="1"/>
+          <p:nvPr/>
+        </p:nvSpPr>
+        <p:spPr>
+          <a:xfrm>
+            <a:off x="3633926" y="6031673"/>
+            <a:ext cx="2281469" cy="307777"/>
+          </a:xfrm>
+          <a:prstGeom prst="rect">
+            <a:avLst/>
+          </a:prstGeom>
+          <a:noFill/>
+        </p:spPr>
+        <p:txBody>
+          <a:bodyPr wrap="square" rtlCol="0">
+            <a:spAutoFit/>
+          </a:bodyPr>
+          <a:lstStyle/>
+          <a:p>
+            <a:r>
+              <a:rPr lang="en-US" sz="1400" b="1" dirty="0">
+                <a:solidFill>
+                  <a:srgbClr val="4372C4"/>
+                </a:solidFill>
+              </a:rPr>
+              <a:t>C</a:t>
+            </a:r>
+            <a:r>
+              <a:rPr lang="en-US" sz="1400" b="1" dirty="0" smtClean="0">
+                <a:solidFill>
+                  <a:srgbClr val="4372C4"/>
+                </a:solidFill>
+              </a:rPr>
+              <a:t>hannel policy</a:t>
+            </a:r>
+            <a:endParaRPr lang="en-US" sz="1400" b="1" dirty="0">
+              <a:solidFill>
+                <a:srgbClr val="4372C4"/>
+              </a:solidFill>
+            </a:endParaRPr>
+          </a:p>
+        </p:txBody>
+      </p:sp>
+      <p:sp>
+        <p:nvSpPr>
+          <p:cNvPr id="114" name="Document 113"/>
+          <p:cNvSpPr/>
+          <p:nvPr/>
+        </p:nvSpPr>
+        <p:spPr>
+          <a:xfrm>
+            <a:off x="3752487" y="3312882"/>
+            <a:ext cx="547666" cy="433746"/>
+          </a:xfrm>
+          <a:prstGeom prst="flowChartDocument">
+            <a:avLst/>
+          </a:prstGeom>
+          <a:solidFill>
+            <a:schemeClr val="accent1"/>
+          </a:solidFill>
+          <a:ln w="19050">
+            <a:solidFill>
+              <a:srgbClr val="3D4B5F"/>
+            </a:solidFill>
+          </a:ln>
+        </p:spPr>
+        <p:style>
+          <a:lnRef idx="2">
+            <a:schemeClr val="accent1">
+              <a:shade val="50000"/>
+            </a:schemeClr>
+          </a:lnRef>
+          <a:fillRef idx="1">
+            <a:schemeClr val="accent1"/>
+          </a:fillRef>
+          <a:effectRef idx="0">
+            <a:schemeClr val="accent1"/>
+          </a:effectRef>
+          <a:fontRef idx="minor">
+            <a:schemeClr val="lt1"/>
+          </a:fontRef>
+        </p:style>
+        <p:txBody>
+          <a:bodyPr rtlCol="0" anchor="ctr"/>
+          <a:lstStyle/>
+          <a:p>
+            <a:pPr algn="ctr"/>
+            <a:r>
+              <a:rPr lang="en-US" sz="2400" b="1" dirty="0" smtClean="0">
+                <a:solidFill>
+                  <a:schemeClr val="bg1"/>
+                </a:solidFill>
+              </a:rPr>
+              <a:t>L</a:t>
+            </a:r>
+            <a:endParaRPr lang="en-US" sz="2400" b="1" baseline="-25000" dirty="0">
+              <a:solidFill>
+                <a:schemeClr val="bg1"/>
+              </a:solidFill>
+            </a:endParaRPr>
+          </a:p>
+        </p:txBody>
+      </p:sp>
+      <p:sp>
+        <p:nvSpPr>
+          <p:cNvPr id="115" name="Document 114"/>
+          <p:cNvSpPr/>
+          <p:nvPr/>
+        </p:nvSpPr>
+        <p:spPr>
+          <a:xfrm>
+            <a:off x="8306424" y="3314357"/>
+            <a:ext cx="547666" cy="433746"/>
+          </a:xfrm>
+          <a:prstGeom prst="flowChartDocument">
+            <a:avLst/>
+          </a:prstGeom>
+          <a:solidFill>
+            <a:schemeClr val="accent1"/>
+          </a:solidFill>
+          <a:ln w="19050">
+            <a:solidFill>
+              <a:srgbClr val="3D4B5F"/>
+            </a:solidFill>
+          </a:ln>
+        </p:spPr>
+        <p:style>
+          <a:lnRef idx="2">
+            <a:schemeClr val="accent1">
+              <a:shade val="50000"/>
+            </a:schemeClr>
+          </a:lnRef>
+          <a:fillRef idx="1">
+            <a:schemeClr val="accent1"/>
+          </a:fillRef>
+          <a:effectRef idx="0">
+            <a:schemeClr val="accent1"/>
+          </a:effectRef>
+          <a:fontRef idx="minor">
+            <a:schemeClr val="lt1"/>
+          </a:fontRef>
+        </p:style>
+        <p:txBody>
+          <a:bodyPr rtlCol="0" anchor="ctr"/>
+          <a:lstStyle/>
+          <a:p>
+            <a:pPr algn="ctr"/>
+            <a:r>
+              <a:rPr lang="en-US" sz="2400" b="1" dirty="0" smtClean="0">
+                <a:solidFill>
+                  <a:schemeClr val="bg1"/>
+                </a:solidFill>
+              </a:rPr>
+              <a:t>L</a:t>
+            </a:r>
+            <a:endParaRPr lang="en-US" sz="2400" b="1" baseline="-25000" dirty="0">
+              <a:solidFill>
+                <a:schemeClr val="bg1"/>
+              </a:solidFill>
+            </a:endParaRPr>
+          </a:p>
+        </p:txBody>
+      </p:sp>
+      <p:sp>
+        <p:nvSpPr>
+          <p:cNvPr id="117" name="Folded Corner 116"/>
+          <p:cNvSpPr/>
+          <p:nvPr/>
+        </p:nvSpPr>
+        <p:spPr>
+          <a:xfrm>
+            <a:off x="2488858" y="3305845"/>
+            <a:ext cx="1065903" cy="820951"/>
+          </a:xfrm>
+          <a:prstGeom prst="foldedCorner">
+            <a:avLst/>
+          </a:prstGeom>
+          <a:solidFill>
+            <a:schemeClr val="accent4">
+              <a:lumMod val="60000"/>
+              <a:lumOff val="40000"/>
+            </a:schemeClr>
+          </a:solidFill>
+          <a:ln>
+            <a:solidFill>
+              <a:schemeClr val="accent4">
+                <a:lumMod val="75000"/>
+              </a:schemeClr>
+            </a:solidFill>
+          </a:ln>
+        </p:spPr>
+        <p:style>
+          <a:lnRef idx="2">
+            <a:schemeClr val="accent1">
+              <a:shade val="50000"/>
+            </a:schemeClr>
+          </a:lnRef>
+          <a:fillRef idx="1">
+            <a:schemeClr val="accent1"/>
+          </a:fillRef>
+          <a:effectRef idx="0">
+            <a:schemeClr val="accent1"/>
+          </a:effectRef>
+          <a:fontRef idx="minor">
+            <a:schemeClr val="lt1"/>
+          </a:fontRef>
+        </p:style>
+        <p:txBody>
+          <a:bodyPr rtlCol="0" anchor="ctr"/>
+          <a:lstStyle/>
+          <a:p>
+            <a:pPr algn="ctr"/>
+            <a:endParaRPr lang="en-US"/>
+          </a:p>
+        </p:txBody>
+      </p:sp>
+      <p:sp>
+        <p:nvSpPr>
+          <p:cNvPr id="118" name="TextBox 117"/>
+          <p:cNvSpPr txBox="1"/>
+          <p:nvPr/>
+        </p:nvSpPr>
+        <p:spPr>
+          <a:xfrm>
+            <a:off x="2488858" y="3333599"/>
+            <a:ext cx="1182456" cy="707886"/>
+          </a:xfrm>
+          <a:prstGeom prst="rect">
+            <a:avLst/>
+          </a:prstGeom>
+          <a:noFill/>
+        </p:spPr>
+        <p:txBody>
+          <a:bodyPr wrap="square" rtlCol="0">
+            <a:spAutoFit/>
+          </a:bodyPr>
+          <a:lstStyle/>
+          <a:p>
+            <a:r>
+              <a:rPr lang="en-US" sz="1000" dirty="0" smtClean="0">
+                <a:latin typeface="Courier New" charset="0"/>
+                <a:ea typeface="Courier New" charset="0"/>
+                <a:cs typeface="Courier New" charset="0"/>
+              </a:rPr>
+              <a:t>\ORG2.MSP</a:t>
+            </a:r>
+          </a:p>
+          <a:p>
+            <a:r>
+              <a:rPr lang="en-US" sz="1000" dirty="0" smtClean="0">
+                <a:latin typeface="Courier New" charset="0"/>
+                <a:ea typeface="Courier New" charset="0"/>
+                <a:cs typeface="Courier New" charset="0"/>
+              </a:rPr>
+              <a:t>   \</a:t>
+            </a:r>
+            <a:r>
+              <a:rPr lang="en-US" sz="1000" dirty="0" err="1" smtClean="0">
+                <a:latin typeface="Courier New" charset="0"/>
+                <a:ea typeface="Courier New" charset="0"/>
+                <a:cs typeface="Courier New" charset="0"/>
+              </a:rPr>
+              <a:t>RootCAs</a:t>
+            </a:r>
+            <a:endParaRPr lang="en-US" sz="1000" dirty="0" smtClean="0">
+              <a:latin typeface="Courier New" charset="0"/>
+              <a:ea typeface="Courier New" charset="0"/>
+              <a:cs typeface="Courier New" charset="0"/>
+            </a:endParaRPr>
+          </a:p>
+          <a:p>
+            <a:r>
+              <a:rPr lang="en-US" sz="1000" dirty="0">
+                <a:latin typeface="Courier New" charset="0"/>
+                <a:ea typeface="Courier New" charset="0"/>
+                <a:cs typeface="Courier New" charset="0"/>
+              </a:rPr>
+              <a:t> </a:t>
+            </a:r>
+            <a:r>
+              <a:rPr lang="en-US" sz="1000" dirty="0" smtClean="0">
+                <a:latin typeface="Courier New" charset="0"/>
+                <a:ea typeface="Courier New" charset="0"/>
+                <a:cs typeface="Courier New" charset="0"/>
+              </a:rPr>
+              <a:t>  \</a:t>
+            </a:r>
+            <a:r>
+              <a:rPr lang="en-US" sz="1000" dirty="0" err="1" smtClean="0">
+                <a:latin typeface="Courier New" charset="0"/>
+                <a:ea typeface="Courier New" charset="0"/>
+                <a:cs typeface="Courier New" charset="0"/>
+              </a:rPr>
+              <a:t>IntCAs</a:t>
+            </a:r>
+            <a:endParaRPr lang="en-US" sz="1000" dirty="0" smtClean="0">
+              <a:latin typeface="Courier New" charset="0"/>
+              <a:ea typeface="Courier New" charset="0"/>
+              <a:cs typeface="Courier New" charset="0"/>
+            </a:endParaRPr>
+          </a:p>
+          <a:p>
+            <a:r>
+              <a:rPr lang="en-US" sz="1000" dirty="0">
+                <a:latin typeface="Courier New" charset="0"/>
+                <a:ea typeface="Courier New" charset="0"/>
+                <a:cs typeface="Courier New" charset="0"/>
+              </a:rPr>
+              <a:t> </a:t>
+            </a:r>
+            <a:r>
+              <a:rPr lang="en-US" sz="1000" dirty="0" smtClean="0">
+                <a:latin typeface="Courier New" charset="0"/>
+                <a:ea typeface="Courier New" charset="0"/>
+                <a:cs typeface="Courier New" charset="0"/>
+              </a:rPr>
+              <a:t>  </a:t>
+            </a:r>
+            <a:r>
+              <a:rPr lang="en-US" sz="1000" b="1" dirty="0" smtClean="0">
+                <a:latin typeface="Courier New" charset="0"/>
+                <a:ea typeface="Courier New" charset="0"/>
+                <a:cs typeface="Courier New" charset="0"/>
+              </a:rPr>
+              <a:t>...</a:t>
+            </a:r>
+          </a:p>
+        </p:txBody>
+      </p:sp>
+      <p:sp>
+        <p:nvSpPr>
+          <p:cNvPr id="120" name="Folded Corner 119"/>
+          <p:cNvSpPr/>
+          <p:nvPr/>
+        </p:nvSpPr>
+        <p:spPr>
+          <a:xfrm>
+            <a:off x="9063215" y="3305845"/>
+            <a:ext cx="1065903" cy="820951"/>
+          </a:xfrm>
+          <a:prstGeom prst="foldedCorner">
+            <a:avLst/>
+          </a:prstGeom>
+          <a:solidFill>
+            <a:schemeClr val="accent4">
+              <a:lumMod val="60000"/>
+              <a:lumOff val="40000"/>
+            </a:schemeClr>
+          </a:solidFill>
+          <a:ln>
+            <a:solidFill>
+              <a:schemeClr val="accent4">
+                <a:lumMod val="75000"/>
+              </a:schemeClr>
+            </a:solidFill>
+          </a:ln>
+        </p:spPr>
+        <p:style>
+          <a:lnRef idx="2">
+            <a:schemeClr val="accent1">
+              <a:shade val="50000"/>
+            </a:schemeClr>
+          </a:lnRef>
+          <a:fillRef idx="1">
+            <a:schemeClr val="accent1"/>
+          </a:fillRef>
+          <a:effectRef idx="0">
+            <a:schemeClr val="accent1"/>
+          </a:effectRef>
+          <a:fontRef idx="minor">
+            <a:schemeClr val="lt1"/>
+          </a:fontRef>
+        </p:style>
+        <p:txBody>
+          <a:bodyPr rtlCol="0" anchor="ctr"/>
+          <a:lstStyle/>
+          <a:p>
+            <a:pPr algn="ctr"/>
+            <a:endParaRPr lang="en-US"/>
+          </a:p>
+        </p:txBody>
+      </p:sp>
+      <p:sp>
+        <p:nvSpPr>
+          <p:cNvPr id="121" name="TextBox 120"/>
+          <p:cNvSpPr txBox="1"/>
+          <p:nvPr/>
+        </p:nvSpPr>
+        <p:spPr>
+          <a:xfrm>
+            <a:off x="9063215" y="3333599"/>
+            <a:ext cx="1182456" cy="707886"/>
+          </a:xfrm>
+          <a:prstGeom prst="rect">
+            <a:avLst/>
+          </a:prstGeom>
+          <a:noFill/>
+        </p:spPr>
+        <p:txBody>
+          <a:bodyPr wrap="square" rtlCol="0">
+            <a:spAutoFit/>
+          </a:bodyPr>
+          <a:lstStyle/>
+          <a:p>
+            <a:r>
+              <a:rPr lang="en-US" sz="1000" dirty="0" smtClean="0">
+                <a:latin typeface="Courier New" charset="0"/>
+                <a:ea typeface="Courier New" charset="0"/>
+                <a:cs typeface="Courier New" charset="0"/>
+              </a:rPr>
+              <a:t>\ORG1.MSP</a:t>
+            </a:r>
+          </a:p>
+          <a:p>
+            <a:r>
+              <a:rPr lang="en-US" sz="1000" dirty="0" smtClean="0">
+                <a:latin typeface="Courier New" charset="0"/>
+                <a:ea typeface="Courier New" charset="0"/>
+                <a:cs typeface="Courier New" charset="0"/>
+              </a:rPr>
+              <a:t>   \</a:t>
+            </a:r>
+            <a:r>
+              <a:rPr lang="en-US" sz="1000" dirty="0" err="1" smtClean="0">
+                <a:latin typeface="Courier New" charset="0"/>
+                <a:ea typeface="Courier New" charset="0"/>
+                <a:cs typeface="Courier New" charset="0"/>
+              </a:rPr>
+              <a:t>RootCAs</a:t>
+            </a:r>
+            <a:endParaRPr lang="en-US" sz="1000" dirty="0" smtClean="0">
+              <a:latin typeface="Courier New" charset="0"/>
+              <a:ea typeface="Courier New" charset="0"/>
+              <a:cs typeface="Courier New" charset="0"/>
+            </a:endParaRPr>
+          </a:p>
+          <a:p>
+            <a:r>
+              <a:rPr lang="en-US" sz="1000" dirty="0">
+                <a:latin typeface="Courier New" charset="0"/>
+                <a:ea typeface="Courier New" charset="0"/>
+                <a:cs typeface="Courier New" charset="0"/>
+              </a:rPr>
+              <a:t> </a:t>
+            </a:r>
+            <a:r>
+              <a:rPr lang="en-US" sz="1000" dirty="0" smtClean="0">
+                <a:latin typeface="Courier New" charset="0"/>
+                <a:ea typeface="Courier New" charset="0"/>
+                <a:cs typeface="Courier New" charset="0"/>
+              </a:rPr>
+              <a:t>  \</a:t>
+            </a:r>
+            <a:r>
+              <a:rPr lang="en-US" sz="1000" dirty="0" err="1" smtClean="0">
+                <a:latin typeface="Courier New" charset="0"/>
+                <a:ea typeface="Courier New" charset="0"/>
+                <a:cs typeface="Courier New" charset="0"/>
+              </a:rPr>
+              <a:t>IntCAs</a:t>
+            </a:r>
+            <a:endParaRPr lang="en-US" sz="1000" dirty="0" smtClean="0">
+              <a:latin typeface="Courier New" charset="0"/>
+              <a:ea typeface="Courier New" charset="0"/>
+              <a:cs typeface="Courier New" charset="0"/>
+            </a:endParaRPr>
+          </a:p>
+          <a:p>
+            <a:r>
+              <a:rPr lang="en-US" sz="1000" dirty="0">
+                <a:latin typeface="Courier New" charset="0"/>
+                <a:ea typeface="Courier New" charset="0"/>
+                <a:cs typeface="Courier New" charset="0"/>
+              </a:rPr>
+              <a:t> </a:t>
+            </a:r>
+            <a:r>
+              <a:rPr lang="en-US" sz="1000" dirty="0" smtClean="0">
+                <a:latin typeface="Courier New" charset="0"/>
+                <a:ea typeface="Courier New" charset="0"/>
+                <a:cs typeface="Courier New" charset="0"/>
+              </a:rPr>
+              <a:t>  </a:t>
+            </a:r>
+            <a:r>
+              <a:rPr lang="en-US" sz="1000" b="1" dirty="0" smtClean="0">
+                <a:latin typeface="Courier New" charset="0"/>
+                <a:ea typeface="Courier New" charset="0"/>
+                <a:cs typeface="Courier New" charset="0"/>
+              </a:rPr>
+              <a:t>...</a:t>
+            </a:r>
+          </a:p>
+        </p:txBody>
+      </p:sp>
+      <p:sp>
+        <p:nvSpPr>
+          <p:cNvPr id="122" name="Rectangle 121"/>
+          <p:cNvSpPr/>
+          <p:nvPr/>
+        </p:nvSpPr>
+        <p:spPr>
+          <a:xfrm>
+            <a:off x="1205455" y="3201891"/>
+            <a:ext cx="2445970" cy="1036550"/>
+          </a:xfrm>
+          <a:prstGeom prst="rect">
+            <a:avLst/>
+          </a:prstGeom>
+          <a:noFill/>
+        </p:spPr>
+        <p:style>
+          <a:lnRef idx="2">
+            <a:schemeClr val="accent1">
+              <a:shade val="50000"/>
+            </a:schemeClr>
+          </a:lnRef>
+          <a:fillRef idx="1">
+            <a:schemeClr val="accent1"/>
+          </a:fillRef>
+          <a:effectRef idx="0">
+            <a:schemeClr val="accent1"/>
+          </a:effectRef>
+          <a:fontRef idx="minor">
+            <a:schemeClr val="lt1"/>
+          </a:fontRef>
+        </p:style>
+        <p:txBody>
+          <a:bodyPr rtlCol="0" anchor="ctr"/>
+          <a:lstStyle/>
+          <a:p>
+            <a:pPr algn="ctr"/>
+            <a:endParaRPr lang="en-US"/>
+          </a:p>
+        </p:txBody>
+      </p:sp>
+      <p:sp>
+        <p:nvSpPr>
+          <p:cNvPr id="124" name="TextBox 123"/>
+          <p:cNvSpPr txBox="1"/>
+          <p:nvPr/>
+        </p:nvSpPr>
+        <p:spPr>
+          <a:xfrm>
+            <a:off x="1146485" y="2945559"/>
+            <a:ext cx="1920545" cy="261610"/>
+          </a:xfrm>
+          <a:prstGeom prst="rect">
+            <a:avLst/>
+          </a:prstGeom>
+          <a:noFill/>
+        </p:spPr>
+        <p:txBody>
+          <a:bodyPr wrap="square" rtlCol="0">
+            <a:spAutoFit/>
+          </a:bodyPr>
+          <a:lstStyle/>
+          <a:p>
+            <a:r>
+              <a:rPr lang="en-US" sz="1100" b="1" dirty="0" smtClean="0">
+                <a:solidFill>
+                  <a:srgbClr val="4372C4"/>
+                </a:solidFill>
+              </a:rPr>
+              <a:t>Local copy of channel policy</a:t>
+            </a:r>
+            <a:endParaRPr lang="en-US" sz="1100" b="1" dirty="0">
+              <a:solidFill>
+                <a:srgbClr val="4372C4"/>
+              </a:solidFill>
+            </a:endParaRPr>
+          </a:p>
+        </p:txBody>
+      </p:sp>
+      <p:sp>
+        <p:nvSpPr>
+          <p:cNvPr id="125" name="TextBox 124"/>
+          <p:cNvSpPr txBox="1"/>
+          <p:nvPr/>
+        </p:nvSpPr>
+        <p:spPr>
+          <a:xfrm>
+            <a:off x="8778896" y="2945166"/>
+            <a:ext cx="1920545" cy="261610"/>
+          </a:xfrm>
+          <a:prstGeom prst="rect">
+            <a:avLst/>
+          </a:prstGeom>
+          <a:noFill/>
+        </p:spPr>
+        <p:txBody>
+          <a:bodyPr wrap="square" rtlCol="0">
+            <a:spAutoFit/>
+          </a:bodyPr>
+          <a:lstStyle/>
+          <a:p>
+            <a:pPr algn="r"/>
+            <a:r>
+              <a:rPr lang="en-US" sz="1100" b="1" dirty="0" smtClean="0">
+                <a:solidFill>
+                  <a:srgbClr val="4372C4"/>
+                </a:solidFill>
+              </a:rPr>
+              <a:t>Local </a:t>
+            </a:r>
+            <a:r>
+              <a:rPr lang="en-US" sz="1100" b="1" smtClean="0">
+                <a:solidFill>
+                  <a:srgbClr val="4372C4"/>
+                </a:solidFill>
+              </a:rPr>
+              <a:t>copy of channel </a:t>
+            </a:r>
+            <a:r>
+              <a:rPr lang="en-US" sz="1100" b="1" dirty="0" smtClean="0">
+                <a:solidFill>
+                  <a:srgbClr val="4372C4"/>
+                </a:solidFill>
+              </a:rPr>
+              <a:t>policy</a:t>
+            </a:r>
+            <a:endParaRPr lang="en-US" sz="1100" b="1" dirty="0">
+              <a:solidFill>
+                <a:srgbClr val="4372C4"/>
+              </a:solidFill>
+            </a:endParaRPr>
+          </a:p>
+        </p:txBody>
+      </p:sp>
+      <p:sp>
+        <p:nvSpPr>
+          <p:cNvPr id="126" name="TextBox 125"/>
+          <p:cNvSpPr txBox="1"/>
+          <p:nvPr/>
+        </p:nvSpPr>
+        <p:spPr>
+          <a:xfrm>
+            <a:off x="1146485" y="4198078"/>
+            <a:ext cx="889579" cy="430887"/>
+          </a:xfrm>
+          <a:prstGeom prst="rect">
+            <a:avLst/>
+          </a:prstGeom>
+          <a:noFill/>
+        </p:spPr>
+        <p:txBody>
+          <a:bodyPr wrap="square" rtlCol="0">
+            <a:spAutoFit/>
+          </a:bodyPr>
+          <a:lstStyle/>
+          <a:p>
+            <a:r>
+              <a:rPr lang="en-US" sz="1100" b="1" dirty="0" smtClean="0">
+                <a:solidFill>
+                  <a:srgbClr val="4372C4"/>
+                </a:solidFill>
+              </a:rPr>
+              <a:t>peer’s local</a:t>
+            </a:r>
+          </a:p>
+          <a:p>
+            <a:r>
+              <a:rPr lang="en-US" sz="1100" b="1" dirty="0" smtClean="0">
+                <a:solidFill>
+                  <a:srgbClr val="4372C4"/>
+                </a:solidFill>
+              </a:rPr>
+              <a:t>filesystem</a:t>
+            </a:r>
+            <a:endParaRPr lang="en-US" sz="1100" b="1" dirty="0">
+              <a:solidFill>
+                <a:srgbClr val="4372C4"/>
+              </a:solidFill>
+            </a:endParaRPr>
+          </a:p>
+        </p:txBody>
+      </p:sp>
+      <p:sp>
+        <p:nvSpPr>
+          <p:cNvPr id="127" name="TextBox 126"/>
+          <p:cNvSpPr txBox="1"/>
+          <p:nvPr/>
+        </p:nvSpPr>
+        <p:spPr>
+          <a:xfrm>
+            <a:off x="10579703" y="4198078"/>
+            <a:ext cx="897545" cy="430887"/>
+          </a:xfrm>
+          <a:prstGeom prst="rect">
+            <a:avLst/>
+          </a:prstGeom>
+          <a:noFill/>
+        </p:spPr>
+        <p:txBody>
+          <a:bodyPr wrap="square" rtlCol="0">
+            <a:spAutoFit/>
+          </a:bodyPr>
+          <a:lstStyle/>
+          <a:p>
+            <a:pPr algn="r"/>
+            <a:r>
+              <a:rPr lang="en-US" sz="1100" b="1" dirty="0" smtClean="0">
+                <a:solidFill>
+                  <a:srgbClr val="4372C4"/>
+                </a:solidFill>
+              </a:rPr>
+              <a:t>peer’s local</a:t>
+            </a:r>
+          </a:p>
+          <a:p>
+            <a:pPr algn="r"/>
+            <a:r>
+              <a:rPr lang="en-US" sz="1100" b="1" dirty="0" smtClean="0">
+                <a:solidFill>
+                  <a:srgbClr val="4372C4"/>
+                </a:solidFill>
+              </a:rPr>
+              <a:t>filesystem</a:t>
+            </a:r>
+            <a:endParaRPr lang="en-US" sz="1100" b="1" dirty="0">
+              <a:solidFill>
+                <a:srgbClr val="4372C4"/>
+              </a:solidFill>
+            </a:endParaRPr>
+          </a:p>
+        </p:txBody>
+      </p:sp>
+      <p:sp>
+        <p:nvSpPr>
+          <p:cNvPr id="129" name="Folded Corner 128"/>
+          <p:cNvSpPr/>
+          <p:nvPr/>
+        </p:nvSpPr>
+        <p:spPr>
+          <a:xfrm>
+            <a:off x="1338528" y="3312882"/>
+            <a:ext cx="1065903" cy="820951"/>
+          </a:xfrm>
+          <a:prstGeom prst="foldedCorner">
+            <a:avLst/>
+          </a:prstGeom>
+          <a:solidFill>
+            <a:schemeClr val="accent4">
+              <a:lumMod val="60000"/>
+              <a:lumOff val="40000"/>
+            </a:schemeClr>
+          </a:solidFill>
+          <a:ln>
+            <a:solidFill>
+              <a:schemeClr val="accent4">
+                <a:lumMod val="75000"/>
+              </a:schemeClr>
+            </a:solidFill>
+          </a:ln>
+        </p:spPr>
+        <p:style>
+          <a:lnRef idx="2">
+            <a:schemeClr val="accent1">
+              <a:shade val="50000"/>
+            </a:schemeClr>
+          </a:lnRef>
+          <a:fillRef idx="1">
+            <a:schemeClr val="accent1"/>
+          </a:fillRef>
+          <a:effectRef idx="0">
+            <a:schemeClr val="accent1"/>
+          </a:effectRef>
+          <a:fontRef idx="minor">
+            <a:schemeClr val="lt1"/>
+          </a:fontRef>
+        </p:style>
+        <p:txBody>
+          <a:bodyPr rtlCol="0" anchor="ctr"/>
+          <a:lstStyle/>
+          <a:p>
+            <a:pPr algn="ctr"/>
+            <a:endParaRPr lang="en-US"/>
+          </a:p>
+        </p:txBody>
+      </p:sp>
+      <p:sp>
+        <p:nvSpPr>
+          <p:cNvPr id="130" name="TextBox 129"/>
+          <p:cNvSpPr txBox="1"/>
+          <p:nvPr/>
+        </p:nvSpPr>
+        <p:spPr>
+          <a:xfrm>
+            <a:off x="1338528" y="3340636"/>
+            <a:ext cx="1182456" cy="707886"/>
+          </a:xfrm>
+          <a:prstGeom prst="rect">
+            <a:avLst/>
+          </a:prstGeom>
+          <a:noFill/>
+        </p:spPr>
+        <p:txBody>
+          <a:bodyPr wrap="square" rtlCol="0">
+            <a:spAutoFit/>
+          </a:bodyPr>
+          <a:lstStyle/>
+          <a:p>
+            <a:r>
+              <a:rPr lang="en-US" sz="1000" dirty="0" smtClean="0">
+                <a:latin typeface="Courier New" charset="0"/>
+                <a:ea typeface="Courier New" charset="0"/>
+                <a:cs typeface="Courier New" charset="0"/>
+              </a:rPr>
+              <a:t>\ORG1.MSP</a:t>
+            </a:r>
+          </a:p>
+          <a:p>
+            <a:r>
+              <a:rPr lang="en-US" sz="1000" dirty="0" smtClean="0">
+                <a:latin typeface="Courier New" charset="0"/>
+                <a:ea typeface="Courier New" charset="0"/>
+                <a:cs typeface="Courier New" charset="0"/>
+              </a:rPr>
+              <a:t>   \</a:t>
+            </a:r>
+            <a:r>
+              <a:rPr lang="en-US" sz="1000" dirty="0" err="1" smtClean="0">
+                <a:latin typeface="Courier New" charset="0"/>
+                <a:ea typeface="Courier New" charset="0"/>
+                <a:cs typeface="Courier New" charset="0"/>
+              </a:rPr>
+              <a:t>RootCAs</a:t>
+            </a:r>
+            <a:endParaRPr lang="en-US" sz="1000" dirty="0" smtClean="0">
+              <a:latin typeface="Courier New" charset="0"/>
+              <a:ea typeface="Courier New" charset="0"/>
+              <a:cs typeface="Courier New" charset="0"/>
+            </a:endParaRPr>
+          </a:p>
+          <a:p>
+            <a:r>
+              <a:rPr lang="en-US" sz="1000" dirty="0">
+                <a:latin typeface="Courier New" charset="0"/>
+                <a:ea typeface="Courier New" charset="0"/>
+                <a:cs typeface="Courier New" charset="0"/>
+              </a:rPr>
+              <a:t> </a:t>
+            </a:r>
+            <a:r>
+              <a:rPr lang="en-US" sz="1000" dirty="0" smtClean="0">
+                <a:latin typeface="Courier New" charset="0"/>
+                <a:ea typeface="Courier New" charset="0"/>
+                <a:cs typeface="Courier New" charset="0"/>
+              </a:rPr>
+              <a:t>  \</a:t>
+            </a:r>
+            <a:r>
+              <a:rPr lang="en-US" sz="1000" dirty="0" err="1" smtClean="0">
+                <a:latin typeface="Courier New" charset="0"/>
+                <a:ea typeface="Courier New" charset="0"/>
+                <a:cs typeface="Courier New" charset="0"/>
+              </a:rPr>
+              <a:t>IntCAs</a:t>
+            </a:r>
+            <a:endParaRPr lang="en-US" sz="1000" dirty="0" smtClean="0">
+              <a:latin typeface="Courier New" charset="0"/>
+              <a:ea typeface="Courier New" charset="0"/>
+              <a:cs typeface="Courier New" charset="0"/>
+            </a:endParaRPr>
+          </a:p>
+          <a:p>
+            <a:r>
+              <a:rPr lang="en-US" sz="1000" dirty="0">
+                <a:latin typeface="Courier New" charset="0"/>
+                <a:ea typeface="Courier New" charset="0"/>
+                <a:cs typeface="Courier New" charset="0"/>
+              </a:rPr>
+              <a:t> </a:t>
+            </a:r>
+            <a:r>
+              <a:rPr lang="en-US" sz="1000" dirty="0" smtClean="0">
+                <a:latin typeface="Courier New" charset="0"/>
+                <a:ea typeface="Courier New" charset="0"/>
+                <a:cs typeface="Courier New" charset="0"/>
+              </a:rPr>
+              <a:t>  </a:t>
+            </a:r>
+            <a:r>
+              <a:rPr lang="en-US" sz="1000" b="1" dirty="0" smtClean="0">
+                <a:latin typeface="Courier New" charset="0"/>
+                <a:ea typeface="Courier New" charset="0"/>
+                <a:cs typeface="Courier New" charset="0"/>
+              </a:rPr>
+              <a:t>...</a:t>
+            </a:r>
+          </a:p>
+        </p:txBody>
+      </p:sp>
+      <p:sp>
+        <p:nvSpPr>
+          <p:cNvPr id="131" name="Rectangle 130"/>
+          <p:cNvSpPr/>
+          <p:nvPr/>
+        </p:nvSpPr>
+        <p:spPr>
+          <a:xfrm>
+            <a:off x="8986250" y="3201890"/>
+            <a:ext cx="2411809" cy="1036552"/>
+          </a:xfrm>
+          <a:prstGeom prst="rect">
+            <a:avLst/>
+          </a:prstGeom>
+          <a:noFill/>
+        </p:spPr>
+        <p:style>
+          <a:lnRef idx="2">
+            <a:schemeClr val="accent1">
+              <a:shade val="50000"/>
+            </a:schemeClr>
+          </a:lnRef>
+          <a:fillRef idx="1">
+            <a:schemeClr val="accent1"/>
+          </a:fillRef>
+          <a:effectRef idx="0">
+            <a:schemeClr val="accent1"/>
+          </a:effectRef>
+          <a:fontRef idx="minor">
+            <a:schemeClr val="lt1"/>
+          </a:fontRef>
+        </p:style>
+        <p:txBody>
+          <a:bodyPr rtlCol="0" anchor="ctr"/>
+          <a:lstStyle/>
+          <a:p>
+            <a:pPr algn="ctr"/>
+            <a:endParaRPr lang="en-US"/>
+          </a:p>
+        </p:txBody>
+      </p:sp>
+      <p:sp>
+        <p:nvSpPr>
+          <p:cNvPr id="133" name="Folded Corner 132"/>
+          <p:cNvSpPr/>
+          <p:nvPr/>
+        </p:nvSpPr>
+        <p:spPr>
+          <a:xfrm>
+            <a:off x="10215604" y="3305844"/>
+            <a:ext cx="1065903" cy="820951"/>
+          </a:xfrm>
+          <a:prstGeom prst="foldedCorner">
+            <a:avLst/>
+          </a:prstGeom>
+          <a:solidFill>
+            <a:schemeClr val="accent4">
+              <a:lumMod val="60000"/>
+              <a:lumOff val="40000"/>
+            </a:schemeClr>
+          </a:solidFill>
+          <a:ln>
+            <a:solidFill>
+              <a:schemeClr val="accent4">
+                <a:lumMod val="75000"/>
+              </a:schemeClr>
+            </a:solidFill>
+          </a:ln>
+        </p:spPr>
+        <p:style>
+          <a:lnRef idx="2">
+            <a:schemeClr val="accent1">
+              <a:shade val="50000"/>
+            </a:schemeClr>
+          </a:lnRef>
+          <a:fillRef idx="1">
+            <a:schemeClr val="accent1"/>
+          </a:fillRef>
+          <a:effectRef idx="0">
+            <a:schemeClr val="accent1"/>
+          </a:effectRef>
+          <a:fontRef idx="minor">
+            <a:schemeClr val="lt1"/>
+          </a:fontRef>
+        </p:style>
+        <p:txBody>
+          <a:bodyPr rtlCol="0" anchor="ctr"/>
+          <a:lstStyle/>
+          <a:p>
+            <a:pPr algn="ctr"/>
+            <a:endParaRPr lang="en-US"/>
+          </a:p>
+        </p:txBody>
+      </p:sp>
+      <p:sp>
+        <p:nvSpPr>
+          <p:cNvPr id="134" name="TextBox 133"/>
+          <p:cNvSpPr txBox="1"/>
+          <p:nvPr/>
+        </p:nvSpPr>
+        <p:spPr>
+          <a:xfrm>
+            <a:off x="10215604" y="3333598"/>
+            <a:ext cx="1182456" cy="707886"/>
+          </a:xfrm>
+          <a:prstGeom prst="rect">
+            <a:avLst/>
+          </a:prstGeom>
+          <a:noFill/>
+        </p:spPr>
+        <p:txBody>
+          <a:bodyPr wrap="square" rtlCol="0">
+            <a:spAutoFit/>
+          </a:bodyPr>
+          <a:lstStyle/>
+          <a:p>
+            <a:r>
+              <a:rPr lang="en-US" sz="1000" dirty="0" smtClean="0">
+                <a:latin typeface="Courier New" charset="0"/>
+                <a:ea typeface="Courier New" charset="0"/>
+                <a:cs typeface="Courier New" charset="0"/>
+              </a:rPr>
+              <a:t>\ORG2.MSP</a:t>
+            </a:r>
+          </a:p>
+          <a:p>
+            <a:r>
+              <a:rPr lang="en-US" sz="1000" dirty="0" smtClean="0">
+                <a:latin typeface="Courier New" charset="0"/>
+                <a:ea typeface="Courier New" charset="0"/>
+                <a:cs typeface="Courier New" charset="0"/>
+              </a:rPr>
+              <a:t>   \</a:t>
+            </a:r>
+            <a:r>
+              <a:rPr lang="en-US" sz="1000" dirty="0" err="1" smtClean="0">
+                <a:latin typeface="Courier New" charset="0"/>
+                <a:ea typeface="Courier New" charset="0"/>
+                <a:cs typeface="Courier New" charset="0"/>
+              </a:rPr>
+              <a:t>RootCAs</a:t>
+            </a:r>
+            <a:endParaRPr lang="en-US" sz="1000" dirty="0" smtClean="0">
+              <a:latin typeface="Courier New" charset="0"/>
+              <a:ea typeface="Courier New" charset="0"/>
+              <a:cs typeface="Courier New" charset="0"/>
+            </a:endParaRPr>
+          </a:p>
+          <a:p>
+            <a:r>
+              <a:rPr lang="en-US" sz="1000" dirty="0">
+                <a:latin typeface="Courier New" charset="0"/>
+                <a:ea typeface="Courier New" charset="0"/>
+                <a:cs typeface="Courier New" charset="0"/>
+              </a:rPr>
+              <a:t> </a:t>
+            </a:r>
+            <a:r>
+              <a:rPr lang="en-US" sz="1000" dirty="0" smtClean="0">
+                <a:latin typeface="Courier New" charset="0"/>
+                <a:ea typeface="Courier New" charset="0"/>
+                <a:cs typeface="Courier New" charset="0"/>
+              </a:rPr>
+              <a:t>  \</a:t>
+            </a:r>
+            <a:r>
+              <a:rPr lang="en-US" sz="1000" dirty="0" err="1" smtClean="0">
+                <a:latin typeface="Courier New" charset="0"/>
+                <a:ea typeface="Courier New" charset="0"/>
+                <a:cs typeface="Courier New" charset="0"/>
+              </a:rPr>
+              <a:t>IntCAs</a:t>
+            </a:r>
+            <a:endParaRPr lang="en-US" sz="1000" dirty="0" smtClean="0">
+              <a:latin typeface="Courier New" charset="0"/>
+              <a:ea typeface="Courier New" charset="0"/>
+              <a:cs typeface="Courier New" charset="0"/>
+            </a:endParaRPr>
+          </a:p>
+          <a:p>
+            <a:r>
+              <a:rPr lang="en-US" sz="1000" dirty="0">
+                <a:latin typeface="Courier New" charset="0"/>
+                <a:ea typeface="Courier New" charset="0"/>
+                <a:cs typeface="Courier New" charset="0"/>
+              </a:rPr>
+              <a:t> </a:t>
+            </a:r>
+            <a:r>
+              <a:rPr lang="en-US" sz="1000" dirty="0" smtClean="0">
+                <a:latin typeface="Courier New" charset="0"/>
+                <a:ea typeface="Courier New" charset="0"/>
+                <a:cs typeface="Courier New" charset="0"/>
+              </a:rPr>
+              <a:t>  </a:t>
+            </a:r>
+            <a:r>
+              <a:rPr lang="en-US" sz="1000" b="1" dirty="0" smtClean="0">
+                <a:latin typeface="Courier New" charset="0"/>
+                <a:ea typeface="Courier New" charset="0"/>
+                <a:cs typeface="Courier New" charset="0"/>
+              </a:rPr>
+              <a:t>...</a:t>
+            </a:r>
+          </a:p>
+        </p:txBody>
+      </p:sp>
+      <p:cxnSp>
+        <p:nvCxnSpPr>
+          <p:cNvPr id="135" name="Curved Connector 134"/>
+          <p:cNvCxnSpPr>
+            <a:stCxn id="57" idx="1"/>
+            <a:endCxn id="122" idx="2"/>
+          </p:cNvCxnSpPr>
+          <p:nvPr/>
+        </p:nvCxnSpPr>
+        <p:spPr>
+          <a:xfrm rot="10800000">
+            <a:off x="2428441" y="4238442"/>
+            <a:ext cx="1281221" cy="1262507"/>
+          </a:xfrm>
+          <a:prstGeom prst="curvedConnector2">
+            <a:avLst/>
+          </a:prstGeom>
+          <a:ln w="28575">
+            <a:solidFill>
+              <a:srgbClr val="4372C4"/>
+            </a:solidFill>
+            <a:prstDash val="sysDot"/>
+            <a:tailEnd type="triangle"/>
+          </a:ln>
+        </p:spPr>
+        <p:style>
+          <a:lnRef idx="1">
+            <a:schemeClr val="accent1"/>
+          </a:lnRef>
+          <a:fillRef idx="0">
+            <a:schemeClr val="accent1"/>
+          </a:fillRef>
+          <a:effectRef idx="0">
+            <a:schemeClr val="accent1"/>
+          </a:effectRef>
+          <a:fontRef idx="minor">
+            <a:schemeClr val="tx1"/>
+          </a:fontRef>
+        </p:style>
+      </p:cxnSp>
+      <p:cxnSp>
+        <p:nvCxnSpPr>
+          <p:cNvPr id="136" name="Curved Connector 135"/>
+          <p:cNvCxnSpPr>
+            <a:stCxn id="57" idx="3"/>
+            <a:endCxn id="131" idx="2"/>
+          </p:cNvCxnSpPr>
+          <p:nvPr/>
+        </p:nvCxnSpPr>
+        <p:spPr>
+          <a:xfrm flipV="1">
+            <a:off x="8911791" y="4238442"/>
+            <a:ext cx="1280364" cy="1262506"/>
+          </a:xfrm>
+          <a:prstGeom prst="curvedConnector2">
+            <a:avLst/>
+          </a:prstGeom>
+          <a:ln w="28575">
+            <a:solidFill>
+              <a:srgbClr val="4372C4"/>
+            </a:solidFill>
+            <a:prstDash val="sysDot"/>
+            <a:tailEnd type="triangle"/>
+          </a:ln>
+        </p:spPr>
+        <p:style>
+          <a:lnRef idx="1">
+            <a:schemeClr val="accent1"/>
+          </a:lnRef>
+          <a:fillRef idx="0">
+            <a:schemeClr val="accent1"/>
+          </a:fillRef>
+          <a:effectRef idx="0">
+            <a:schemeClr val="accent1"/>
+          </a:effectRef>
+          <a:fontRef idx="minor">
+            <a:schemeClr val="tx1"/>
+          </a:fontRef>
+        </p:style>
+      </p:cxnSp>
+      <p:sp>
+        <p:nvSpPr>
+          <p:cNvPr id="139" name="TextBox 138"/>
+          <p:cNvSpPr txBox="1"/>
+          <p:nvPr/>
+        </p:nvSpPr>
+        <p:spPr>
+          <a:xfrm>
+            <a:off x="1876695" y="4915196"/>
+            <a:ext cx="929806" cy="307777"/>
+          </a:xfrm>
+          <a:prstGeom prst="rect">
+            <a:avLst/>
+          </a:prstGeom>
+          <a:noFill/>
+        </p:spPr>
+        <p:txBody>
+          <a:bodyPr wrap="none" rtlCol="0">
+            <a:spAutoFit/>
+          </a:bodyPr>
+          <a:lstStyle/>
+          <a:p>
+            <a:r>
+              <a:rPr lang="en-US" sz="1400" b="1" dirty="0" smtClean="0">
+                <a:solidFill>
+                  <a:srgbClr val="4372C4"/>
+                </a:solidFill>
+              </a:rPr>
+              <a:t>replicated</a:t>
+            </a:r>
+            <a:endParaRPr lang="en-US" sz="1400" b="1" dirty="0">
+              <a:solidFill>
+                <a:srgbClr val="4372C4"/>
+              </a:solidFill>
+            </a:endParaRPr>
+          </a:p>
+        </p:txBody>
+      </p:sp>
+      <p:sp>
+        <p:nvSpPr>
+          <p:cNvPr id="140" name="TextBox 139"/>
+          <p:cNvSpPr txBox="1"/>
+          <p:nvPr/>
+        </p:nvSpPr>
+        <p:spPr>
+          <a:xfrm>
+            <a:off x="9828573" y="4915196"/>
+            <a:ext cx="929806" cy="307777"/>
+          </a:xfrm>
+          <a:prstGeom prst="rect">
+            <a:avLst/>
+          </a:prstGeom>
+          <a:noFill/>
+        </p:spPr>
+        <p:txBody>
+          <a:bodyPr wrap="none" rtlCol="0">
+            <a:spAutoFit/>
+          </a:bodyPr>
+          <a:lstStyle/>
+          <a:p>
+            <a:r>
+              <a:rPr lang="en-US" sz="1400" b="1" smtClean="0">
+                <a:solidFill>
+                  <a:srgbClr val="4372C4"/>
+                </a:solidFill>
+              </a:rPr>
+              <a:t>replicated</a:t>
+            </a:r>
+            <a:endParaRPr lang="en-US" sz="1400" b="1">
+              <a:solidFill>
+                <a:srgbClr val="4372C4"/>
+              </a:solidFill>
+            </a:endParaRPr>
+          </a:p>
+        </p:txBody>
+      </p:sp>
+      <p:sp>
+        <p:nvSpPr>
+          <p:cNvPr id="141" name="TextBox 140"/>
+          <p:cNvSpPr txBox="1"/>
+          <p:nvPr/>
+        </p:nvSpPr>
+        <p:spPr>
+          <a:xfrm>
+            <a:off x="3979751" y="2130720"/>
+            <a:ext cx="941989" cy="307777"/>
+          </a:xfrm>
+          <a:prstGeom prst="rect">
+            <a:avLst/>
+          </a:prstGeom>
+          <a:noFill/>
+        </p:spPr>
+        <p:txBody>
+          <a:bodyPr wrap="none" rtlCol="0">
+            <a:spAutoFit/>
+          </a:bodyPr>
+          <a:lstStyle/>
+          <a:p>
+            <a:r>
+              <a:rPr lang="en-US" sz="1400" b="1" smtClean="0"/>
+              <a:t>Local MSP</a:t>
+            </a:r>
+            <a:endParaRPr lang="en-US" sz="1400" b="1"/>
+          </a:p>
+        </p:txBody>
+      </p:sp>
+      <p:sp>
+        <p:nvSpPr>
+          <p:cNvPr id="142" name="TextBox 141"/>
+          <p:cNvSpPr txBox="1"/>
+          <p:nvPr/>
+        </p:nvSpPr>
+        <p:spPr>
+          <a:xfrm>
+            <a:off x="7658364" y="2139486"/>
+            <a:ext cx="941989" cy="307777"/>
+          </a:xfrm>
+          <a:prstGeom prst="rect">
+            <a:avLst/>
+          </a:prstGeom>
+          <a:noFill/>
+        </p:spPr>
+        <p:txBody>
+          <a:bodyPr wrap="none" rtlCol="0">
+            <a:spAutoFit/>
+          </a:bodyPr>
+          <a:lstStyle/>
+          <a:p>
+            <a:r>
+              <a:rPr lang="en-US" sz="1400" b="1" smtClean="0"/>
+              <a:t>Local MSP</a:t>
+            </a:r>
+            <a:endParaRPr lang="en-US" sz="1400" b="1"/>
+          </a:p>
+        </p:txBody>
+      </p:sp>
+      <p:sp>
+        <p:nvSpPr>
+          <p:cNvPr id="143" name="TextBox 142"/>
+          <p:cNvSpPr txBox="1"/>
+          <p:nvPr/>
+        </p:nvSpPr>
+        <p:spPr>
+          <a:xfrm>
+            <a:off x="5749247" y="5788487"/>
+            <a:ext cx="1117422" cy="307777"/>
+          </a:xfrm>
+          <a:prstGeom prst="rect">
+            <a:avLst/>
+          </a:prstGeom>
+          <a:noFill/>
+        </p:spPr>
+        <p:txBody>
+          <a:bodyPr wrap="none" rtlCol="0">
+            <a:spAutoFit/>
+          </a:bodyPr>
+          <a:lstStyle/>
+          <a:p>
+            <a:pPr algn="ctr"/>
+            <a:r>
+              <a:rPr lang="en-US" sz="1400" b="1" dirty="0" smtClean="0"/>
+              <a:t>Global MSPs</a:t>
+            </a:r>
+            <a:endParaRPr lang="en-US" sz="1400" b="1" dirty="0"/>
+          </a:p>
+        </p:txBody>
+      </p:sp>
+    </p:spTree>
+    <p:extLst>
+      <p:ext uri="{BB962C8B-B14F-4D97-AF65-F5344CB8AC3E}">
+        <p14:creationId xmlns:p14="http://schemas.microsoft.com/office/powerpoint/2010/main" val="1079609037"/>
+      </p:ext>
+    </p:extLst>
+  </p:cSld>
+  <p:clrMapOvr>
+    <a:masterClrMapping/>
+  </p:clrMapOvr>
+  <p:timing>
+    <p:tnLst>
+      <p:par>
+        <p:cTn id="1" dur="indefinite" restart="never" nodeType="tmRoot">
+          <p:childTnLst>
+            <p:seq concurrent="1" nextAc="seek">
+              <p:cTn id="2" dur="indefinite" nodeType="mainSeq">
+                <p:childTnLst>
+                  <p:par>
+                    <p:cTn id="3" fill="hold">
+                      <p:stCondLst>
+                        <p:cond delay="indefinite"/>
+                        <p:cond evt="onBegin" delay="0">
+                          <p:tn val="2"/>
+                        </p:cond>
+                      </p:stCondLst>
+                      <p:childTnLst>
+                        <p:par>
+                          <p:cTn id="4" fill="hold">
+                            <p:stCondLst>
+                              <p:cond delay="0"/>
+                            </p:stCondLst>
+                            <p:childTnLst>
+                              <p:par>
+                                <p:cTn id="5" presetID="1" presetClass="entr" presetSubtype="0" fill="hold" nodeType="withEffect">
+                                  <p:stCondLst>
+                                    <p:cond delay="0"/>
+                                  </p:stCondLst>
+                                  <p:childTnLst>
+                                    <p:set>
+                                      <p:cBhvr>
+                                        <p:cTn id="6" dur="1" fill="hold">
+                                          <p:stCondLst>
+                                            <p:cond delay="0"/>
+                                          </p:stCondLst>
+                                        </p:cTn>
+                                        <p:tgtEl>
+                                          <p:spTgt spid="41"/>
+                                        </p:tgtEl>
+                                        <p:attrNameLst>
+                                          <p:attrName>style.visibility</p:attrName>
+                                        </p:attrNameLst>
+                                      </p:cBhvr>
+                                      <p:to>
+                                        <p:strVal val="visible"/>
+                                      </p:to>
+                                    </p:set>
+                                  </p:childTnLst>
+                                </p:cTn>
+                              </p:par>
+                              <p:par>
+                                <p:cTn id="7" presetID="1" presetClass="entr" presetSubtype="0" fill="hold" nodeType="withEffect">
+                                  <p:stCondLst>
+                                    <p:cond delay="0"/>
+                                  </p:stCondLst>
+                                  <p:childTnLst>
+                                    <p:set>
+                                      <p:cBhvr>
+                                        <p:cTn id="8" dur="1" fill="hold">
+                                          <p:stCondLst>
+                                            <p:cond delay="0"/>
+                                          </p:stCondLst>
+                                        </p:cTn>
+                                        <p:tgtEl>
+                                          <p:spTgt spid="59"/>
+                                        </p:tgtEl>
+                                        <p:attrNameLst>
+                                          <p:attrName>style.visibility</p:attrName>
+                                        </p:attrNameLst>
+                                      </p:cBhvr>
+                                      <p:to>
+                                        <p:strVal val="visible"/>
+                                      </p:to>
+                                    </p:set>
+                                  </p:childTnLst>
+                                </p:cTn>
+                              </p:par>
+                            </p:childTnLst>
+                          </p:cTn>
+                        </p:par>
+                      </p:childTnLst>
+                    </p:cTn>
+                  </p:par>
+                </p:childTnLst>
+              </p:cTn>
+              <p:prevCondLst>
+                <p:cond evt="onPrev" delay="0">
+                  <p:tgtEl>
+                    <p:sldTgt/>
+                  </p:tgtEl>
+                </p:cond>
+              </p:prevCondLst>
+              <p:nextCondLst>
+                <p:cond evt="onNext" delay="0">
+                  <p:tgtEl>
+                    <p:sldTgt/>
+                  </p:tgtEl>
+                </p:cond>
+              </p:nextCondLst>
+            </p:seq>
+          </p:childTnLst>
+        </p:cTn>
+      </p:par>
+    </p:tnLst>
   </p:timing>
 </p:sld>
 </file>

--- a/docs/OtherSourceMaterial/Diagrams.pptx
+++ b/docs/OtherSourceMaterial/Diagrams.pptx
@@ -2064,6 +2064,11 @@
 <file path=ppt/slideLayouts/slideLayout6.xml><?xml version="1.0" encoding="utf-8"?>
 <p:sldLayout xmlns:a="http://schemas.openxmlformats.org/drawingml/2006/main" xmlns:r="http://schemas.openxmlformats.org/officeDocument/2006/relationships" xmlns:p="http://schemas.openxmlformats.org/presentationml/2006/main" type="titleOnly" preserve="1">
   <p:cSld name="Title Only">
+    <p:bg>
+      <p:bgRef idx="1001">
+        <a:schemeClr val="bg1"/>
+      </p:bgRef>
+    </p:bg>
     <p:spTree>
       <p:nvGrpSpPr>
         <p:cNvPr id="1" name=""/>
@@ -2179,7 +2184,7 @@
     </p:extLst>
   </p:cSld>
   <p:clrMapOvr>
-    <a:masterClrMapping/>
+    <a:overrideClrMapping bg1="lt1" tx1="dk1" bg2="lt2" tx2="dk2" accent1="accent1" accent2="accent2" accent3="accent3" accent4="accent4" accent5="accent5" accent6="accent6" hlink="hlink" folHlink="folHlink"/>
   </p:clrMapOvr>
 </p:sldLayout>
 </file>
@@ -3017,7 +3022,7 @@
         <p:spPr>
           <a:xfrm>
             <a:off x="838200" y="6356348"/>
-            <a:ext cx="368431" cy="365125"/>
+            <a:ext cx="2743200" cy="365125"/>
           </a:xfrm>
           <a:prstGeom prst="rect">
             <a:avLst/>
@@ -15219,7 +15224,7 @@
         <p:spPr>
           <a:xfrm>
             <a:off x="1149384" y="6156888"/>
-            <a:ext cx="2743200" cy="365125"/>
+            <a:ext cx="377758" cy="365125"/>
           </a:xfrm>
         </p:spPr>
         <p:txBody>
@@ -15243,7 +15248,7 @@
         </p:nvSpPr>
         <p:spPr>
           <a:xfrm>
-            <a:off x="3967380" y="2417772"/>
+            <a:off x="3967380" y="2332929"/>
             <a:ext cx="966733" cy="319881"/>
           </a:xfrm>
           <a:prstGeom prst="roundRect">
@@ -15323,7 +15328,7 @@
         </p:nvGrpSpPr>
         <p:grpSpPr>
           <a:xfrm>
-            <a:off x="4079303" y="1287403"/>
+            <a:off x="4079303" y="1372245"/>
             <a:ext cx="742889" cy="677401"/>
             <a:chOff x="10666566" y="3979442"/>
             <a:chExt cx="742889" cy="677401"/>
@@ -15425,7 +15430,7 @@
         </p:nvGrpSpPr>
         <p:grpSpPr>
           <a:xfrm>
-            <a:off x="7772977" y="1287403"/>
+            <a:off x="7772977" y="1372245"/>
             <a:ext cx="742889" cy="677401"/>
             <a:chOff x="10666566" y="3979442"/>
             <a:chExt cx="742889" cy="677401"/>
@@ -15527,7 +15532,7 @@
         </p:nvSpPr>
         <p:spPr>
           <a:xfrm>
-            <a:off x="4170953" y="2890659"/>
+            <a:off x="4170953" y="2805816"/>
             <a:ext cx="559591" cy="554570"/>
           </a:xfrm>
           <a:prstGeom prst="roundRect">
@@ -15608,7 +15613,7 @@
         </p:nvCxnSpPr>
         <p:spPr>
           <a:xfrm>
-            <a:off x="4465811" y="3533357"/>
+            <a:off x="4465811" y="3448514"/>
             <a:ext cx="5684" cy="709801"/>
           </a:xfrm>
           <a:prstGeom prst="line">
@@ -15641,7 +15646,7 @@
         </p:nvSpPr>
         <p:spPr>
           <a:xfrm flipV="1">
-            <a:off x="4384810" y="3371356"/>
+            <a:off x="4384810" y="3286513"/>
             <a:ext cx="162001" cy="162001"/>
           </a:xfrm>
           <a:prstGeom prst="ellipse">
@@ -15698,7 +15703,7 @@
         </p:nvSpPr>
         <p:spPr>
           <a:xfrm>
-            <a:off x="7849565" y="2890659"/>
+            <a:off x="7849565" y="2805816"/>
             <a:ext cx="559591" cy="554570"/>
           </a:xfrm>
           <a:prstGeom prst="roundRect">
@@ -15779,7 +15784,7 @@
         </p:nvCxnSpPr>
         <p:spPr>
           <a:xfrm>
-            <a:off x="8144423" y="3533357"/>
+            <a:off x="8144423" y="3448514"/>
             <a:ext cx="5534" cy="709801"/>
           </a:xfrm>
           <a:prstGeom prst="line">
@@ -15812,7 +15817,7 @@
         </p:nvSpPr>
         <p:spPr>
           <a:xfrm flipV="1">
-            <a:off x="8063422" y="3371356"/>
+            <a:off x="8063422" y="3286513"/>
             <a:ext cx="162001" cy="162001"/>
           </a:xfrm>
           <a:prstGeom prst="ellipse">
@@ -15869,7 +15874,7 @@
         </p:nvSpPr>
         <p:spPr>
           <a:xfrm>
-            <a:off x="3709661" y="4198078"/>
+            <a:off x="3709661" y="4113235"/>
             <a:ext cx="5202130" cy="307828"/>
           </a:xfrm>
           <a:prstGeom prst="ellipse">
@@ -15922,7 +15927,7 @@
         </p:nvSpPr>
         <p:spPr>
           <a:xfrm>
-            <a:off x="7645993" y="2414662"/>
+            <a:off x="7645993" y="2329819"/>
             <a:ext cx="966733" cy="319881"/>
           </a:xfrm>
           <a:prstGeom prst="roundRect">
@@ -16005,7 +16010,7 @@
         </p:nvCxnSpPr>
         <p:spPr>
           <a:xfrm flipH="1" flipV="1">
-            <a:off x="4450747" y="2737653"/>
+            <a:off x="4450747" y="2652810"/>
             <a:ext cx="2" cy="153006"/>
           </a:xfrm>
           <a:prstGeom prst="line">
@@ -16046,7 +16051,7 @@
         </p:nvCxnSpPr>
         <p:spPr>
           <a:xfrm flipH="1" flipV="1">
-            <a:off x="8129360" y="2734543"/>
+            <a:off x="8129360" y="2649700"/>
             <a:ext cx="1" cy="156116"/>
           </a:xfrm>
           <a:prstGeom prst="line">
@@ -16084,7 +16089,7 @@
         </p:nvSpPr>
         <p:spPr>
           <a:xfrm>
-            <a:off x="5827359" y="5156893"/>
+            <a:off x="5827359" y="5072050"/>
             <a:ext cx="966733" cy="319881"/>
           </a:xfrm>
           <a:prstGeom prst="roundRect">
@@ -16164,7 +16169,7 @@
         </p:nvSpPr>
         <p:spPr>
           <a:xfrm>
-            <a:off x="5827358" y="5468606"/>
+            <a:off x="5827358" y="5383763"/>
             <a:ext cx="966733" cy="319881"/>
           </a:xfrm>
           <a:prstGeom prst="roundRect">
@@ -16247,7 +16252,7 @@
         </p:nvCxnSpPr>
         <p:spPr>
           <a:xfrm flipV="1">
-            <a:off x="6310726" y="4505906"/>
+            <a:off x="6310726" y="4421063"/>
             <a:ext cx="0" cy="426275"/>
           </a:xfrm>
           <a:prstGeom prst="line">
@@ -16285,7 +16290,7 @@
         </p:nvGrpSpPr>
         <p:grpSpPr>
           <a:xfrm>
-            <a:off x="4782100" y="2887082"/>
+            <a:off x="4782100" y="2802239"/>
             <a:ext cx="1182456" cy="820951"/>
             <a:chOff x="5213906" y="2257415"/>
             <a:chExt cx="1182456" cy="855289"/>
@@ -16459,7 +16464,7 @@
         </p:nvSpPr>
         <p:spPr>
           <a:xfrm>
-            <a:off x="5137426" y="3638748"/>
+            <a:off x="5137426" y="3553905"/>
             <a:ext cx="808282" cy="400110"/>
           </a:xfrm>
           <a:prstGeom prst="rect">
@@ -16500,7 +16505,7 @@
         </p:nvCxnSpPr>
         <p:spPr>
           <a:xfrm>
-            <a:off x="4934113" y="2577713"/>
+            <a:off x="4934113" y="2492870"/>
             <a:ext cx="380939" cy="309369"/>
           </a:xfrm>
           <a:prstGeom prst="bentConnector2">
@@ -16536,7 +16541,7 @@
         </p:nvGrpSpPr>
         <p:grpSpPr>
           <a:xfrm>
-            <a:off x="6741069" y="2887082"/>
+            <a:off x="6741069" y="2802239"/>
             <a:ext cx="1182456" cy="820951"/>
             <a:chOff x="5213906" y="2257415"/>
             <a:chExt cx="1182456" cy="855289"/>
@@ -16710,7 +16715,7 @@
         </p:nvSpPr>
         <p:spPr>
           <a:xfrm>
-            <a:off x="7079691" y="3640774"/>
+            <a:off x="7079691" y="3555931"/>
             <a:ext cx="808282" cy="400110"/>
           </a:xfrm>
           <a:prstGeom prst="rect">
@@ -16751,7 +16756,7 @@
         </p:nvCxnSpPr>
         <p:spPr>
           <a:xfrm rot="10800000" flipV="1">
-            <a:off x="7274021" y="2574602"/>
+            <a:off x="7274021" y="2489759"/>
             <a:ext cx="371972" cy="312479"/>
           </a:xfrm>
           <a:prstGeom prst="bentConnector2">
@@ -16787,7 +16792,7 @@
         </p:nvSpPr>
         <p:spPr>
           <a:xfrm>
-            <a:off x="6133873" y="4121159"/>
+            <a:off x="6133873" y="4036316"/>
             <a:ext cx="348172" cy="461665"/>
           </a:xfrm>
           <a:prstGeom prst="rect">
@@ -16828,7 +16833,7 @@
         </p:nvSpPr>
         <p:spPr>
           <a:xfrm>
-            <a:off x="3874582" y="5082422"/>
+            <a:off x="3874582" y="4997579"/>
             <a:ext cx="1065903" cy="820951"/>
           </a:xfrm>
           <a:prstGeom prst="foldedCorner">
@@ -16836,8 +16841,8 @@
           </a:prstGeom>
           <a:solidFill>
             <a:schemeClr val="accent4">
-              <a:lumMod val="60000"/>
-              <a:lumOff val="40000"/>
+              <a:lumMod val="40000"/>
+              <a:lumOff val="60000"/>
             </a:schemeClr>
           </a:solidFill>
           <a:ln>
@@ -16881,7 +16886,7 @@
         </p:nvSpPr>
         <p:spPr>
           <a:xfrm>
-            <a:off x="3874582" y="5110176"/>
+            <a:off x="3874582" y="5025333"/>
             <a:ext cx="1182456" cy="679466"/>
           </a:xfrm>
           <a:prstGeom prst="rect">
@@ -16994,7 +16999,7 @@
         </p:nvSpPr>
         <p:spPr>
           <a:xfrm>
-            <a:off x="7670969" y="5082421"/>
+            <a:off x="7670969" y="4997578"/>
             <a:ext cx="1065903" cy="820951"/>
           </a:xfrm>
           <a:prstGeom prst="foldedCorner">
@@ -17002,8 +17007,8 @@
           </a:prstGeom>
           <a:solidFill>
             <a:schemeClr val="accent4">
-              <a:lumMod val="60000"/>
-              <a:lumOff val="40000"/>
+              <a:lumMod val="40000"/>
+              <a:lumOff val="60000"/>
             </a:schemeClr>
           </a:solidFill>
           <a:ln>
@@ -17047,7 +17052,7 @@
         </p:nvSpPr>
         <p:spPr>
           <a:xfrm>
-            <a:off x="7670969" y="5110175"/>
+            <a:off x="7670969" y="5025332"/>
             <a:ext cx="1182456" cy="707886"/>
           </a:xfrm>
           <a:prstGeom prst="rect">
@@ -17163,7 +17168,7 @@
         </p:nvCxnSpPr>
         <p:spPr>
           <a:xfrm rot="10800000" flipV="1">
-            <a:off x="4940485" y="5316834"/>
+            <a:off x="4940485" y="5231991"/>
             <a:ext cx="886874" cy="176064"/>
           </a:xfrm>
           <a:prstGeom prst="bentConnector3">
@@ -17204,7 +17209,7 @@
         </p:nvCxnSpPr>
         <p:spPr>
           <a:xfrm flipV="1">
-            <a:off x="6794091" y="5464118"/>
+            <a:off x="6794091" y="5379275"/>
             <a:ext cx="876878" cy="164429"/>
           </a:xfrm>
           <a:prstGeom prst="bentConnector3">
@@ -17242,7 +17247,7 @@
         </p:nvSpPr>
         <p:spPr>
           <a:xfrm>
-            <a:off x="3709661" y="4932181"/>
+            <a:off x="3709661" y="4847338"/>
             <a:ext cx="5202130" cy="1137534"/>
           </a:xfrm>
           <a:prstGeom prst="rect">
@@ -17283,7 +17288,7 @@
         </p:nvSpPr>
         <p:spPr>
           <a:xfrm>
-            <a:off x="3633926" y="6031673"/>
+            <a:off x="3633926" y="5946830"/>
             <a:ext cx="2281469" cy="307777"/>
           </a:xfrm>
           <a:prstGeom prst="rect">
@@ -17329,7 +17334,7 @@
         </p:nvSpPr>
         <p:spPr>
           <a:xfrm>
-            <a:off x="3752487" y="3312882"/>
+            <a:off x="3752487" y="3228039"/>
             <a:ext cx="547666" cy="433746"/>
           </a:xfrm>
           <a:prstGeom prst="flowChartDocument">
@@ -17389,7 +17394,7 @@
         </p:nvSpPr>
         <p:spPr>
           <a:xfrm>
-            <a:off x="8306424" y="3314357"/>
+            <a:off x="8306424" y="3229514"/>
             <a:ext cx="547666" cy="433746"/>
           </a:xfrm>
           <a:prstGeom prst="flowChartDocument">
@@ -17449,7 +17454,7 @@
         </p:nvSpPr>
         <p:spPr>
           <a:xfrm>
-            <a:off x="2488858" y="3305845"/>
+            <a:off x="2488858" y="3221002"/>
             <a:ext cx="1065903" cy="820951"/>
           </a:xfrm>
           <a:prstGeom prst="foldedCorner">
@@ -17457,8 +17462,8 @@
           </a:prstGeom>
           <a:solidFill>
             <a:schemeClr val="accent4">
-              <a:lumMod val="60000"/>
-              <a:lumOff val="40000"/>
+              <a:lumMod val="40000"/>
+              <a:lumOff val="60000"/>
             </a:schemeClr>
           </a:solidFill>
           <a:ln>
@@ -17502,7 +17507,7 @@
         </p:nvSpPr>
         <p:spPr>
           <a:xfrm>
-            <a:off x="2488858" y="3333599"/>
+            <a:off x="2488858" y="3248756"/>
             <a:ext cx="1182456" cy="707886"/>
           </a:xfrm>
           <a:prstGeom prst="rect">
@@ -17615,7 +17620,7 @@
         </p:nvSpPr>
         <p:spPr>
           <a:xfrm>
-            <a:off x="9063215" y="3305845"/>
+            <a:off x="9063215" y="3221002"/>
             <a:ext cx="1065903" cy="820951"/>
           </a:xfrm>
           <a:prstGeom prst="foldedCorner">
@@ -17623,8 +17628,8 @@
           </a:prstGeom>
           <a:solidFill>
             <a:schemeClr val="accent4">
-              <a:lumMod val="60000"/>
-              <a:lumOff val="40000"/>
+              <a:lumMod val="40000"/>
+              <a:lumOff val="60000"/>
             </a:schemeClr>
           </a:solidFill>
           <a:ln>
@@ -17668,7 +17673,7 @@
         </p:nvSpPr>
         <p:spPr>
           <a:xfrm>
-            <a:off x="9063215" y="3333599"/>
+            <a:off x="9063215" y="3248756"/>
             <a:ext cx="1182456" cy="707886"/>
           </a:xfrm>
           <a:prstGeom prst="rect">
@@ -17781,7 +17786,7 @@
         </p:nvSpPr>
         <p:spPr>
           <a:xfrm>
-            <a:off x="1205455" y="3201891"/>
+            <a:off x="1205455" y="3117048"/>
             <a:ext cx="2445970" cy="1036550"/>
           </a:xfrm>
           <a:prstGeom prst="rect">
@@ -17822,7 +17827,7 @@
         </p:nvSpPr>
         <p:spPr>
           <a:xfrm>
-            <a:off x="1146485" y="2945559"/>
+            <a:off x="1146485" y="2860716"/>
             <a:ext cx="1920545" cy="261610"/>
           </a:xfrm>
           <a:prstGeom prst="rect">
@@ -17860,7 +17865,7 @@
         </p:nvSpPr>
         <p:spPr>
           <a:xfrm>
-            <a:off x="8778896" y="2945166"/>
+            <a:off x="8778896" y="2860323"/>
             <a:ext cx="1920545" cy="261610"/>
           </a:xfrm>
           <a:prstGeom prst="rect">
@@ -17915,7 +17920,7 @@
         </p:nvSpPr>
         <p:spPr>
           <a:xfrm>
-            <a:off x="1146485" y="4198078"/>
+            <a:off x="1146485" y="4113235"/>
             <a:ext cx="889579" cy="430887"/>
           </a:xfrm>
           <a:prstGeom prst="rect">
@@ -17963,7 +17968,7 @@
         </p:nvSpPr>
         <p:spPr>
           <a:xfrm>
-            <a:off x="10579703" y="4198078"/>
+            <a:off x="10579703" y="4113235"/>
             <a:ext cx="897545" cy="430887"/>
           </a:xfrm>
           <a:prstGeom prst="rect">
@@ -18013,7 +18018,7 @@
         </p:nvSpPr>
         <p:spPr>
           <a:xfrm>
-            <a:off x="1338528" y="3312882"/>
+            <a:off x="1338528" y="3228039"/>
             <a:ext cx="1065903" cy="820951"/>
           </a:xfrm>
           <a:prstGeom prst="foldedCorner">
@@ -18021,8 +18026,8 @@
           </a:prstGeom>
           <a:solidFill>
             <a:schemeClr val="accent4">
-              <a:lumMod val="60000"/>
-              <a:lumOff val="40000"/>
+              <a:lumMod val="40000"/>
+              <a:lumOff val="60000"/>
             </a:schemeClr>
           </a:solidFill>
           <a:ln>
@@ -18066,7 +18071,7 @@
         </p:nvSpPr>
         <p:spPr>
           <a:xfrm>
-            <a:off x="1338528" y="3340636"/>
+            <a:off x="1338528" y="3255793"/>
             <a:ext cx="1182456" cy="707886"/>
           </a:xfrm>
           <a:prstGeom prst="rect">
@@ -18179,7 +18184,7 @@
         </p:nvSpPr>
         <p:spPr>
           <a:xfrm>
-            <a:off x="8986250" y="3201890"/>
+            <a:off x="8986250" y="3117047"/>
             <a:ext cx="2411809" cy="1036552"/>
           </a:xfrm>
           <a:prstGeom prst="rect">
@@ -18220,7 +18225,7 @@
         </p:nvSpPr>
         <p:spPr>
           <a:xfrm>
-            <a:off x="10215604" y="3305844"/>
+            <a:off x="10215604" y="3221001"/>
             <a:ext cx="1065903" cy="820951"/>
           </a:xfrm>
           <a:prstGeom prst="foldedCorner">
@@ -18228,8 +18233,8 @@
           </a:prstGeom>
           <a:solidFill>
             <a:schemeClr val="accent4">
-              <a:lumMod val="60000"/>
-              <a:lumOff val="40000"/>
+              <a:lumMod val="40000"/>
+              <a:lumOff val="60000"/>
             </a:schemeClr>
           </a:solidFill>
           <a:ln>
@@ -18273,7 +18278,7 @@
         </p:nvSpPr>
         <p:spPr>
           <a:xfrm>
-            <a:off x="10215604" y="3333598"/>
+            <a:off x="10215604" y="3248755"/>
             <a:ext cx="1182456" cy="707886"/>
           </a:xfrm>
           <a:prstGeom prst="rect">
@@ -18389,7 +18394,7 @@
         </p:nvCxnSpPr>
         <p:spPr>
           <a:xfrm rot="10800000">
-            <a:off x="2428441" y="4238442"/>
+            <a:off x="2428441" y="4153599"/>
             <a:ext cx="1281221" cy="1262507"/>
           </a:xfrm>
           <a:prstGeom prst="curvedConnector2">
@@ -18429,7 +18434,7 @@
         </p:nvCxnSpPr>
         <p:spPr>
           <a:xfrm flipV="1">
-            <a:off x="8911791" y="4238442"/>
+            <a:off x="8911791" y="4153599"/>
             <a:ext cx="1280364" cy="1262506"/>
           </a:xfrm>
           <a:prstGeom prst="curvedConnector2">
@@ -18466,7 +18471,7 @@
         </p:nvSpPr>
         <p:spPr>
           <a:xfrm>
-            <a:off x="1876695" y="4915196"/>
+            <a:off x="1876695" y="4830353"/>
             <a:ext cx="929806" cy="307777"/>
           </a:xfrm>
           <a:prstGeom prst="rect">
@@ -18504,7 +18509,7 @@
         </p:nvSpPr>
         <p:spPr>
           <a:xfrm>
-            <a:off x="9828573" y="4915196"/>
+            <a:off x="9828573" y="4830353"/>
             <a:ext cx="929806" cy="307777"/>
           </a:xfrm>
           <a:prstGeom prst="rect">
@@ -18542,7 +18547,7 @@
         </p:nvSpPr>
         <p:spPr>
           <a:xfrm>
-            <a:off x="3979751" y="2130720"/>
+            <a:off x="3979751" y="2045877"/>
             <a:ext cx="941989" cy="307777"/>
           </a:xfrm>
           <a:prstGeom prst="rect">
@@ -18572,7 +18577,7 @@
         </p:nvSpPr>
         <p:spPr>
           <a:xfrm>
-            <a:off x="7658364" y="2139486"/>
+            <a:off x="7658364" y="2054643"/>
             <a:ext cx="941989" cy="307777"/>
           </a:xfrm>
           <a:prstGeom prst="rect">
@@ -18602,7 +18607,7 @@
         </p:nvSpPr>
         <p:spPr>
           <a:xfrm>
-            <a:off x="5749247" y="5788487"/>
+            <a:off x="5749247" y="5703644"/>
             <a:ext cx="1117422" cy="307777"/>
           </a:xfrm>
           <a:prstGeom prst="rect">

--- a/docs/OtherSourceMaterial/Diagrams.pptx
+++ b/docs/OtherSourceMaterial/Diagrams.pptx
@@ -5,7 +5,7 @@
     <p:sldMasterId id="2147483648" r:id="rId1"/>
   </p:sldMasterIdLst>
   <p:notesMasterIdLst>
-    <p:notesMasterId r:id="rId16"/>
+    <p:notesMasterId r:id="rId17"/>
   </p:notesMasterIdLst>
   <p:sldIdLst>
     <p:sldId id="386" r:id="rId2"/>
@@ -22,6 +22,7 @@
     <p:sldId id="400" r:id="rId13"/>
     <p:sldId id="401" r:id="rId14"/>
     <p:sldId id="402" r:id="rId15"/>
+    <p:sldId id="403" r:id="rId16"/>
   </p:sldIdLst>
   <p:sldSz cx="12192000" cy="6858000"/>
   <p:notesSz cx="6858000" cy="9144000"/>
@@ -210,7 +211,7 @@
           <a:p>
             <a:fld id="{48055B63-EFAE-2A43-85FA-5DAC8F9BAC3F}" type="datetimeFigureOut">
               <a:rPr lang="en-US" smtClean="0"/>
-              <a:t>11/1/17</a:t>
+              <a:t>11/3/17</a:t>
             </a:fld>
             <a:endParaRPr lang="en-US"/>
           </a:p>
@@ -609,7 +610,7 @@
           <a:p>
             <a:fld id="{6C7BE63D-DD88-A54A-A88E-C97EE36BADC0}" type="datetime1">
               <a:rPr lang="en-GB" smtClean="0"/>
-              <a:t>01/11/2017</a:t>
+              <a:t>03/11/2017</a:t>
             </a:fld>
             <a:endParaRPr lang="en-US"/>
           </a:p>
@@ -789,7 +790,7 @@
           <a:p>
             <a:fld id="{CFAE1D81-3507-1D4B-B2E6-E436B7EC74F0}" type="datetime1">
               <a:rPr lang="en-GB" smtClean="0"/>
-              <a:t>01/11/2017</a:t>
+              <a:t>03/11/2017</a:t>
             </a:fld>
             <a:endParaRPr lang="en-US"/>
           </a:p>
@@ -969,7 +970,7 @@
           <a:p>
             <a:fld id="{37AF6443-B0B9-F647-87A5-9330C0B11D11}" type="datetime1">
               <a:rPr lang="en-GB" smtClean="0"/>
-              <a:t>01/11/2017</a:t>
+              <a:t>03/11/2017</a:t>
             </a:fld>
             <a:endParaRPr lang="en-US"/>
           </a:p>
@@ -1145,7 +1146,7 @@
           <a:p>
             <a:fld id="{728B045C-8A79-5A4A-BFBC-9E1C1DE9261A}" type="datetime1">
               <a:rPr lang="en-GB" smtClean="0"/>
-              <a:t>01/11/2017</a:t>
+              <a:t>03/11/2017</a:t>
             </a:fld>
             <a:endParaRPr lang="en-US"/>
           </a:p>
@@ -1401,7 +1402,7 @@
           <a:p>
             <a:fld id="{B885F966-2610-1243-AD0D-F969BA7258EC}" type="datetime1">
               <a:rPr lang="en-GB" smtClean="0"/>
-              <a:t>01/11/2017</a:t>
+              <a:t>03/11/2017</a:t>
             </a:fld>
             <a:endParaRPr lang="en-US"/>
           </a:p>
@@ -1633,7 +1634,7 @@
           <a:p>
             <a:fld id="{DDF18408-AC91-4B48-B784-F25A5DE3799B}" type="datetime1">
               <a:rPr lang="en-GB" smtClean="0"/>
-              <a:t>01/11/2017</a:t>
+              <a:t>03/11/2017</a:t>
             </a:fld>
             <a:endParaRPr lang="en-US"/>
           </a:p>
@@ -2000,7 +2001,7 @@
           <a:p>
             <a:fld id="{51058417-D083-E348-841D-52330D70C7E0}" type="datetime1">
               <a:rPr lang="en-GB" smtClean="0"/>
-              <a:t>01/11/2017</a:t>
+              <a:t>03/11/2017</a:t>
             </a:fld>
             <a:endParaRPr lang="en-US"/>
           </a:p>
@@ -2123,7 +2124,7 @@
           <a:p>
             <a:fld id="{679548A0-A8B8-1042-8CE3-3A35FFB758C7}" type="datetime1">
               <a:rPr lang="en-GB" smtClean="0"/>
-              <a:t>01/11/2017</a:t>
+              <a:t>03/11/2017</a:t>
             </a:fld>
             <a:endParaRPr lang="en-US" dirty="0"/>
           </a:p>
@@ -2223,7 +2224,7 @@
           <a:p>
             <a:fld id="{6B3AB6E1-5BF7-484A-8C83-83906C82FC4B}" type="datetime1">
               <a:rPr lang="en-GB" smtClean="0"/>
-              <a:t>01/11/2017</a:t>
+              <a:t>03/11/2017</a:t>
             </a:fld>
             <a:endParaRPr lang="en-US"/>
           </a:p>
@@ -2500,7 +2501,7 @@
           <a:p>
             <a:fld id="{0B1CFD86-D165-4643-8BC0-9FFEA3E2E848}" type="datetime1">
               <a:rPr lang="en-GB" smtClean="0"/>
-              <a:t>01/11/2017</a:t>
+              <a:t>03/11/2017</a:t>
             </a:fld>
             <a:endParaRPr lang="en-US"/>
           </a:p>
@@ -2753,7 +2754,7 @@
           <a:p>
             <a:fld id="{B5049785-C023-2A44-AA2B-186909FC4B13}" type="datetime1">
               <a:rPr lang="en-GB" smtClean="0"/>
-              <a:t>01/11/2017</a:t>
+              <a:t>03/11/2017</a:t>
             </a:fld>
             <a:endParaRPr lang="en-US"/>
           </a:p>
@@ -2966,7 +2967,7 @@
           <a:p>
             <a:fld id="{624E8C89-FE04-EF43-8A26-75C78A3AEBE8}" type="datetime1">
               <a:rPr lang="en-GB" smtClean="0"/>
-              <a:t>01/11/2017</a:t>
+              <a:t>03/11/2017</a:t>
             </a:fld>
             <a:endParaRPr lang="en-US"/>
           </a:p>
@@ -10106,7 +10107,6 @@
               <a:rPr lang="en-US" dirty="0"/>
               <a:t>2</a:t>
             </a:r>
-            <a:endParaRPr lang="en-US" dirty="0"/>
           </a:p>
         </p:txBody>
       </p:sp>
@@ -12960,6 +12960,168 @@
       </p:grpSpPr>
       <p:sp>
         <p:nvSpPr>
+          <p:cNvPr id="13" name="Oval 12"/>
+          <p:cNvSpPr/>
+          <p:nvPr/>
+        </p:nvSpPr>
+        <p:spPr>
+          <a:xfrm>
+            <a:off x="2033337" y="3998067"/>
+            <a:ext cx="63353" cy="63353"/>
+          </a:xfrm>
+          <a:prstGeom prst="ellipse">
+            <a:avLst/>
+          </a:prstGeom>
+        </p:spPr>
+        <p:style>
+          <a:lnRef idx="2">
+            <a:schemeClr val="accent1">
+              <a:shade val="50000"/>
+            </a:schemeClr>
+          </a:lnRef>
+          <a:fillRef idx="1">
+            <a:schemeClr val="accent1"/>
+          </a:fillRef>
+          <a:effectRef idx="0">
+            <a:schemeClr val="accent1"/>
+          </a:effectRef>
+          <a:fontRef idx="minor">
+            <a:schemeClr val="lt1"/>
+          </a:fontRef>
+        </p:style>
+        <p:txBody>
+          <a:bodyPr rtlCol="0" anchor="ctr"/>
+          <a:lstStyle/>
+          <a:p>
+            <a:pPr algn="ctr"/>
+            <a:endParaRPr lang="en-US"/>
+          </a:p>
+        </p:txBody>
+      </p:sp>
+      <p:sp>
+        <p:nvSpPr>
+          <p:cNvPr id="78" name="Oval 77"/>
+          <p:cNvSpPr/>
+          <p:nvPr/>
+        </p:nvSpPr>
+        <p:spPr>
+          <a:xfrm>
+            <a:off x="2030093" y="1998189"/>
+            <a:ext cx="63353" cy="63353"/>
+          </a:xfrm>
+          <a:prstGeom prst="ellipse">
+            <a:avLst/>
+          </a:prstGeom>
+        </p:spPr>
+        <p:style>
+          <a:lnRef idx="2">
+            <a:schemeClr val="accent1">
+              <a:shade val="50000"/>
+            </a:schemeClr>
+          </a:lnRef>
+          <a:fillRef idx="1">
+            <a:schemeClr val="accent1"/>
+          </a:fillRef>
+          <a:effectRef idx="0">
+            <a:schemeClr val="accent1"/>
+          </a:effectRef>
+          <a:fontRef idx="minor">
+            <a:schemeClr val="lt1"/>
+          </a:fontRef>
+        </p:style>
+        <p:txBody>
+          <a:bodyPr rtlCol="0" anchor="ctr"/>
+          <a:lstStyle/>
+          <a:p>
+            <a:pPr algn="ctr"/>
+            <a:endParaRPr lang="en-US"/>
+          </a:p>
+        </p:txBody>
+      </p:sp>
+      <p:cxnSp>
+        <p:nvCxnSpPr>
+          <p:cNvPr id="28" name="Elbow Connector 27"/>
+          <p:cNvCxnSpPr>
+            <a:stCxn id="13" idx="0"/>
+            <a:endCxn id="67" idx="1"/>
+          </p:cNvCxnSpPr>
+          <p:nvPr/>
+        </p:nvCxnSpPr>
+        <p:spPr>
+          <a:xfrm rot="5400000" flipH="1" flipV="1">
+            <a:off x="2084408" y="3339548"/>
+            <a:ext cx="639126" cy="677912"/>
+          </a:xfrm>
+          <a:prstGeom prst="bentConnector2">
+            <a:avLst/>
+          </a:prstGeom>
+          <a:ln w="28575">
+            <a:solidFill>
+              <a:srgbClr val="4372C4"/>
+            </a:solidFill>
+            <a:prstDash val="sysDot"/>
+            <a:headEnd type="none" w="med" len="med"/>
+            <a:tailEnd type="none" w="med" len="med"/>
+          </a:ln>
+        </p:spPr>
+        <p:style>
+          <a:lnRef idx="1">
+            <a:schemeClr val="accent1"/>
+          </a:lnRef>
+          <a:fillRef idx="0">
+            <a:schemeClr val="accent1"/>
+          </a:fillRef>
+          <a:effectRef idx="0">
+            <a:schemeClr val="accent1"/>
+          </a:effectRef>
+          <a:fontRef idx="minor">
+            <a:schemeClr val="tx1"/>
+          </a:fontRef>
+        </p:style>
+      </p:cxnSp>
+      <p:cxnSp>
+        <p:nvCxnSpPr>
+          <p:cNvPr id="75" name="Elbow Connector 74"/>
+          <p:cNvCxnSpPr>
+            <a:stCxn id="13" idx="3"/>
+            <a:endCxn id="69" idx="1"/>
+          </p:cNvCxnSpPr>
+          <p:nvPr/>
+        </p:nvCxnSpPr>
+        <p:spPr>
+          <a:xfrm rot="16200000" flipH="1">
+            <a:off x="2059634" y="4035123"/>
+            <a:ext cx="666274" cy="700311"/>
+          </a:xfrm>
+          <a:prstGeom prst="bentConnector2">
+            <a:avLst/>
+          </a:prstGeom>
+          <a:ln w="28575">
+            <a:solidFill>
+              <a:srgbClr val="4372C4"/>
+            </a:solidFill>
+            <a:prstDash val="sysDot"/>
+            <a:headEnd type="none" w="med" len="med"/>
+            <a:tailEnd type="none" w="med" len="med"/>
+          </a:ln>
+        </p:spPr>
+        <p:style>
+          <a:lnRef idx="1">
+            <a:schemeClr val="accent1"/>
+          </a:lnRef>
+          <a:fillRef idx="0">
+            <a:schemeClr val="accent1"/>
+          </a:fillRef>
+          <a:effectRef idx="0">
+            <a:schemeClr val="accent1"/>
+          </a:effectRef>
+          <a:fontRef idx="minor">
+            <a:schemeClr val="tx1"/>
+          </a:fontRef>
+        </p:style>
+      </p:cxnSp>
+      <p:sp>
+        <p:nvSpPr>
           <p:cNvPr id="2" name="Title 1"/>
           <p:cNvSpPr>
             <a:spLocks noGrp="1"/>
@@ -12975,11 +13137,7 @@
           <a:p>
             <a:r>
               <a:rPr lang="en-US" dirty="0" smtClean="0"/>
-              <a:t>Diagram </a:t>
-            </a:r>
-            <a:r>
-              <a:rPr lang="en-US" dirty="0" smtClean="0"/>
-              <a:t>3</a:t>
+              <a:t>Diagram 3</a:t>
             </a:r>
             <a:endParaRPr lang="en-US" dirty="0"/>
           </a:p>
@@ -13022,8 +13180,8 @@
         </p:nvSpPr>
         <p:spPr>
           <a:xfrm>
-            <a:off x="2742928" y="2069449"/>
-            <a:ext cx="966733" cy="319881"/>
+            <a:off x="2742928" y="1736637"/>
+            <a:ext cx="1972546" cy="652693"/>
           </a:xfrm>
           <a:prstGeom prst="roundRect">
             <a:avLst>
@@ -13069,16 +13227,16 @@
               <a:defRPr/>
             </a:pPr>
             <a:r>
-              <a:rPr lang="en-US" sz="1100" b="1" kern="0" noProof="0" dirty="0" smtClean="0">
+              <a:rPr lang="en-US" sz="1050" b="1" kern="0" noProof="0" dirty="0" smtClean="0">
                 <a:solidFill>
                   <a:schemeClr val="bg1"/>
                 </a:solidFill>
                 <a:ea typeface=""/>
                 <a:cs typeface=""/>
               </a:rPr>
-              <a:t>ORG.MSP</a:t>
+              <a:t>ORG1.MSP</a:t>
             </a:r>
-            <a:endParaRPr kumimoji="0" lang="en-US" sz="1100" b="1" i="0" u="none" strike="noStrike" kern="0" cap="none" spc="0" normalizeH="0" baseline="0" noProof="0" dirty="0" smtClean="0">
+            <a:endParaRPr kumimoji="0" lang="en-US" sz="1050" b="1" i="0" u="none" strike="noStrike" kern="0" cap="none" spc="0" normalizeH="0" baseline="0" noProof="0" dirty="0" smtClean="0">
               <a:ln>
                 <a:noFill/>
               </a:ln>
@@ -13098,14 +13256,15 @@
         <p:nvCxnSpPr>
           <p:cNvPr id="65" name="Straight Connector 64"/>
           <p:cNvCxnSpPr>
+            <a:stCxn id="78" idx="5"/>
             <a:endCxn id="50" idx="1"/>
           </p:cNvCxnSpPr>
           <p:nvPr/>
         </p:nvCxnSpPr>
         <p:spPr>
           <a:xfrm>
-            <a:off x="2282265" y="2228200"/>
-            <a:ext cx="460663" cy="1190"/>
+            <a:off x="2084169" y="2052264"/>
+            <a:ext cx="658759" cy="10720"/>
           </a:xfrm>
           <a:prstGeom prst="line">
             <a:avLst/>
@@ -13142,7 +13301,7 @@
         </p:nvSpPr>
         <p:spPr>
           <a:xfrm>
-            <a:off x="4541789" y="3095625"/>
+            <a:off x="5107800" y="3070899"/>
             <a:ext cx="575072" cy="567368"/>
           </a:xfrm>
           <a:prstGeom prst="roundRect">
@@ -13184,15 +13343,7 @@
                   <a:srgbClr val="4372C4"/>
                 </a:solidFill>
               </a:rPr>
-              <a:t>I</a:t>
-            </a:r>
-            <a:r>
-              <a:rPr lang="en-US" sz="1200" b="1" dirty="0" smtClean="0">
-                <a:solidFill>
-                  <a:srgbClr val="4372C4"/>
-                </a:solidFill>
-              </a:rPr>
-              <a:t>CA</a:t>
+              <a:t>ICA</a:t>
             </a:r>
             <a:endParaRPr lang="en-US" sz="1200" b="1" dirty="0">
               <a:solidFill>
@@ -13213,8 +13364,8 @@
         </p:nvCxnSpPr>
         <p:spPr>
           <a:xfrm flipV="1">
-            <a:off x="3709661" y="2228200"/>
-            <a:ext cx="832128" cy="1190"/>
+            <a:off x="4715474" y="2061599"/>
+            <a:ext cx="392326" cy="1385"/>
           </a:xfrm>
           <a:prstGeom prst="straightConnector1">
             <a:avLst/>
@@ -13241,6 +13392,1258 @@
           </a:fontRef>
         </p:style>
       </p:cxnSp>
+      <p:sp>
+        <p:nvSpPr>
+          <p:cNvPr id="67" name="Rounded Rectangle 66"/>
+          <p:cNvSpPr/>
+          <p:nvPr/>
+        </p:nvSpPr>
+        <p:spPr>
+          <a:xfrm>
+            <a:off x="2742927" y="3032594"/>
+            <a:ext cx="1972546" cy="652693"/>
+          </a:xfrm>
+          <a:prstGeom prst="roundRect">
+            <a:avLst>
+              <a:gd name="adj" fmla="val 50000"/>
+            </a:avLst>
+          </a:prstGeom>
+          <a:solidFill>
+            <a:srgbClr val="9F42E6"/>
+          </a:solidFill>
+          <a:ln w="28575" cap="flat" cmpd="sng" algn="ctr">
+            <a:solidFill>
+              <a:schemeClr val="tx2"/>
+            </a:solidFill>
+            <a:prstDash val="solid"/>
+          </a:ln>
+          <a:effectLst>
+            <a:outerShdw blurRad="40000" dist="23000" dir="5400000" rotWithShape="0">
+              <a:srgbClr val="000000">
+                <a:alpha val="35000"/>
+              </a:srgbClr>
+            </a:outerShdw>
+          </a:effectLst>
+        </p:spPr>
+        <p:txBody>
+          <a:bodyPr tIns="36000" bIns="36000" rtlCol="0" anchor="ctr"/>
+          <a:lstStyle/>
+          <a:p>
+            <a:pPr marL="0" marR="0" lvl="0" indent="0" algn="ctr" defTabSz="457200" eaLnBrk="1" fontAlgn="auto" latinLnBrk="0" hangingPunct="1">
+              <a:lnSpc>
+                <a:spcPct val="100000"/>
+              </a:lnSpc>
+              <a:spcBef>
+                <a:spcPts val="0"/>
+              </a:spcBef>
+              <a:spcAft>
+                <a:spcPts val="0"/>
+              </a:spcAft>
+              <a:buClrTx/>
+              <a:buSzTx/>
+              <a:buFontTx/>
+              <a:buNone/>
+              <a:tabLst/>
+              <a:defRPr/>
+            </a:pPr>
+            <a:r>
+              <a:rPr lang="en-US" sz="1050" b="1" kern="0" noProof="0" dirty="0" smtClean="0">
+                <a:solidFill>
+                  <a:schemeClr val="bg1"/>
+                </a:solidFill>
+                <a:ea typeface=""/>
+                <a:cs typeface=""/>
+              </a:rPr>
+              <a:t>ORG2.MSP.NATIONAL</a:t>
+            </a:r>
+            <a:endParaRPr kumimoji="0" lang="en-US" sz="1050" b="1" i="0" u="none" strike="noStrike" kern="0" cap="none" spc="0" normalizeH="0" baseline="0" noProof="0" dirty="0" smtClean="0">
+              <a:ln>
+                <a:noFill/>
+              </a:ln>
+              <a:solidFill>
+                <a:schemeClr val="bg1"/>
+              </a:solidFill>
+              <a:effectLst/>
+              <a:uLnTx/>
+              <a:uFillTx/>
+              <a:ea typeface=""/>
+              <a:cs typeface=""/>
+            </a:endParaRPr>
+          </a:p>
+        </p:txBody>
+      </p:sp>
+      <p:sp>
+        <p:nvSpPr>
+          <p:cNvPr id="68" name="Rounded Rectangle 67"/>
+          <p:cNvSpPr/>
+          <p:nvPr/>
+        </p:nvSpPr>
+        <p:spPr>
+          <a:xfrm>
+            <a:off x="2742927" y="3712050"/>
+            <a:ext cx="1972546" cy="652693"/>
+          </a:xfrm>
+          <a:prstGeom prst="roundRect">
+            <a:avLst>
+              <a:gd name="adj" fmla="val 50000"/>
+            </a:avLst>
+          </a:prstGeom>
+          <a:solidFill>
+            <a:srgbClr val="9F42E6"/>
+          </a:solidFill>
+          <a:ln w="28575" cap="flat" cmpd="sng" algn="ctr">
+            <a:solidFill>
+              <a:schemeClr val="tx2"/>
+            </a:solidFill>
+            <a:prstDash val="solid"/>
+          </a:ln>
+          <a:effectLst>
+            <a:outerShdw blurRad="40000" dist="23000" dir="5400000" rotWithShape="0">
+              <a:srgbClr val="000000">
+                <a:alpha val="35000"/>
+              </a:srgbClr>
+            </a:outerShdw>
+          </a:effectLst>
+        </p:spPr>
+        <p:txBody>
+          <a:bodyPr tIns="36000" bIns="36000" rtlCol="0" anchor="ctr"/>
+          <a:lstStyle/>
+          <a:p>
+            <a:pPr marL="0" marR="0" lvl="0" indent="0" algn="ctr" defTabSz="457200" eaLnBrk="1" fontAlgn="auto" latinLnBrk="0" hangingPunct="1">
+              <a:lnSpc>
+                <a:spcPct val="100000"/>
+              </a:lnSpc>
+              <a:spcBef>
+                <a:spcPts val="0"/>
+              </a:spcBef>
+              <a:spcAft>
+                <a:spcPts val="0"/>
+              </a:spcAft>
+              <a:buClrTx/>
+              <a:buSzTx/>
+              <a:buFontTx/>
+              <a:buNone/>
+              <a:tabLst/>
+              <a:defRPr/>
+            </a:pPr>
+            <a:r>
+              <a:rPr lang="en-US" sz="1050" b="1" kern="0" noProof="0" dirty="0" smtClean="0">
+                <a:solidFill>
+                  <a:schemeClr val="bg1"/>
+                </a:solidFill>
+                <a:ea typeface=""/>
+                <a:cs typeface=""/>
+              </a:rPr>
+              <a:t>ORG2.MSP.INTERNATIONAL</a:t>
+            </a:r>
+            <a:endParaRPr kumimoji="0" lang="en-US" sz="1050" b="1" i="0" u="none" strike="noStrike" kern="0" cap="none" spc="0" normalizeH="0" baseline="0" noProof="0" dirty="0" smtClean="0">
+              <a:ln>
+                <a:noFill/>
+              </a:ln>
+              <a:solidFill>
+                <a:schemeClr val="bg1"/>
+              </a:solidFill>
+              <a:effectLst/>
+              <a:uLnTx/>
+              <a:uFillTx/>
+              <a:ea typeface=""/>
+              <a:cs typeface=""/>
+            </a:endParaRPr>
+          </a:p>
+        </p:txBody>
+      </p:sp>
+      <p:sp>
+        <p:nvSpPr>
+          <p:cNvPr id="69" name="Rounded Rectangle 68"/>
+          <p:cNvSpPr/>
+          <p:nvPr/>
+        </p:nvSpPr>
+        <p:spPr>
+          <a:xfrm>
+            <a:off x="2742927" y="4392069"/>
+            <a:ext cx="1972546" cy="652693"/>
+          </a:xfrm>
+          <a:prstGeom prst="roundRect">
+            <a:avLst>
+              <a:gd name="adj" fmla="val 50000"/>
+            </a:avLst>
+          </a:prstGeom>
+          <a:solidFill>
+            <a:srgbClr val="9F42E6"/>
+          </a:solidFill>
+          <a:ln w="28575" cap="flat" cmpd="sng" algn="ctr">
+            <a:solidFill>
+              <a:schemeClr val="tx2"/>
+            </a:solidFill>
+            <a:prstDash val="solid"/>
+          </a:ln>
+          <a:effectLst>
+            <a:outerShdw blurRad="40000" dist="23000" dir="5400000" rotWithShape="0">
+              <a:srgbClr val="000000">
+                <a:alpha val="35000"/>
+              </a:srgbClr>
+            </a:outerShdw>
+          </a:effectLst>
+        </p:spPr>
+        <p:txBody>
+          <a:bodyPr tIns="36000" bIns="36000" rtlCol="0" anchor="ctr"/>
+          <a:lstStyle/>
+          <a:p>
+            <a:pPr marL="0" marR="0" lvl="0" indent="0" algn="ctr" defTabSz="457200" eaLnBrk="1" fontAlgn="auto" latinLnBrk="0" hangingPunct="1">
+              <a:lnSpc>
+                <a:spcPct val="100000"/>
+              </a:lnSpc>
+              <a:spcBef>
+                <a:spcPts val="0"/>
+              </a:spcBef>
+              <a:spcAft>
+                <a:spcPts val="0"/>
+              </a:spcAft>
+              <a:buClrTx/>
+              <a:buSzTx/>
+              <a:buFontTx/>
+              <a:buNone/>
+              <a:tabLst/>
+              <a:defRPr/>
+            </a:pPr>
+            <a:r>
+              <a:rPr lang="en-US" sz="1050" b="1" kern="0" noProof="0" dirty="0" smtClean="0">
+                <a:solidFill>
+                  <a:schemeClr val="bg1"/>
+                </a:solidFill>
+                <a:ea typeface=""/>
+                <a:cs typeface=""/>
+              </a:rPr>
+              <a:t>ORG2.MSP.GOVERNMENT</a:t>
+            </a:r>
+            <a:endParaRPr kumimoji="0" lang="en-US" sz="1050" b="1" i="0" u="none" strike="noStrike" kern="0" cap="none" spc="0" normalizeH="0" baseline="0" noProof="0" dirty="0" smtClean="0">
+              <a:ln>
+                <a:noFill/>
+              </a:ln>
+              <a:solidFill>
+                <a:schemeClr val="bg1"/>
+              </a:solidFill>
+              <a:effectLst/>
+              <a:uLnTx/>
+              <a:uFillTx/>
+              <a:ea typeface=""/>
+              <a:cs typeface=""/>
+            </a:endParaRPr>
+          </a:p>
+        </p:txBody>
+      </p:sp>
+      <p:sp>
+        <p:nvSpPr>
+          <p:cNvPr id="70" name="Rounded Rectangle 69"/>
+          <p:cNvSpPr/>
+          <p:nvPr/>
+        </p:nvSpPr>
+        <p:spPr>
+          <a:xfrm>
+            <a:off x="7036874" y="3070899"/>
+            <a:ext cx="575072" cy="567368"/>
+          </a:xfrm>
+          <a:prstGeom prst="roundRect">
+            <a:avLst/>
+          </a:prstGeom>
+          <a:solidFill>
+            <a:schemeClr val="accent4"/>
+          </a:solidFill>
+          <a:ln w="25400">
+            <a:solidFill>
+              <a:srgbClr val="0070C0"/>
+            </a:solidFill>
+          </a:ln>
+        </p:spPr>
+        <p:style>
+          <a:lnRef idx="2">
+            <a:schemeClr val="accent1">
+              <a:shade val="50000"/>
+            </a:schemeClr>
+          </a:lnRef>
+          <a:fillRef idx="1">
+            <a:schemeClr val="accent1"/>
+          </a:fillRef>
+          <a:effectRef idx="0">
+            <a:schemeClr val="accent1"/>
+          </a:effectRef>
+          <a:fontRef idx="minor">
+            <a:schemeClr val="lt1"/>
+          </a:fontRef>
+        </p:style>
+        <p:txBody>
+          <a:bodyPr rtlCol="0" anchor="ctr"/>
+          <a:lstStyle/>
+          <a:p>
+            <a:pPr algn="ctr"/>
+            <a:r>
+              <a:rPr lang="en-US" sz="1200" b="1" dirty="0" smtClean="0">
+                <a:solidFill>
+                  <a:srgbClr val="4372C4"/>
+                </a:solidFill>
+              </a:rPr>
+              <a:t>RCA1</a:t>
+            </a:r>
+            <a:endParaRPr lang="en-US" sz="1200" b="1" dirty="0">
+              <a:solidFill>
+                <a:srgbClr val="4372C4"/>
+              </a:solidFill>
+            </a:endParaRPr>
+          </a:p>
+        </p:txBody>
+      </p:sp>
+      <p:sp>
+        <p:nvSpPr>
+          <p:cNvPr id="72" name="Rounded Rectangle 71"/>
+          <p:cNvSpPr/>
+          <p:nvPr/>
+        </p:nvSpPr>
+        <p:spPr>
+          <a:xfrm>
+            <a:off x="7036874" y="3755060"/>
+            <a:ext cx="575072" cy="567368"/>
+          </a:xfrm>
+          <a:prstGeom prst="roundRect">
+            <a:avLst/>
+          </a:prstGeom>
+          <a:solidFill>
+            <a:schemeClr val="accent4"/>
+          </a:solidFill>
+          <a:ln w="25400">
+            <a:solidFill>
+              <a:srgbClr val="0070C0"/>
+            </a:solidFill>
+          </a:ln>
+        </p:spPr>
+        <p:style>
+          <a:lnRef idx="2">
+            <a:schemeClr val="accent1">
+              <a:shade val="50000"/>
+            </a:schemeClr>
+          </a:lnRef>
+          <a:fillRef idx="1">
+            <a:schemeClr val="accent1"/>
+          </a:fillRef>
+          <a:effectRef idx="0">
+            <a:schemeClr val="accent1"/>
+          </a:effectRef>
+          <a:fontRef idx="minor">
+            <a:schemeClr val="lt1"/>
+          </a:fontRef>
+        </p:style>
+        <p:txBody>
+          <a:bodyPr rtlCol="0" anchor="ctr"/>
+          <a:lstStyle/>
+          <a:p>
+            <a:pPr algn="ctr"/>
+            <a:r>
+              <a:rPr lang="en-US" sz="1200" b="1" dirty="0" smtClean="0">
+                <a:solidFill>
+                  <a:srgbClr val="4372C4"/>
+                </a:solidFill>
+              </a:rPr>
+              <a:t>RCA2</a:t>
+            </a:r>
+            <a:endParaRPr lang="en-US" sz="1200" b="1" dirty="0">
+              <a:solidFill>
+                <a:srgbClr val="4372C4"/>
+              </a:solidFill>
+            </a:endParaRPr>
+          </a:p>
+        </p:txBody>
+      </p:sp>
+      <p:sp>
+        <p:nvSpPr>
+          <p:cNvPr id="73" name="Rounded Rectangle 72"/>
+          <p:cNvSpPr/>
+          <p:nvPr/>
+        </p:nvSpPr>
+        <p:spPr>
+          <a:xfrm>
+            <a:off x="6065740" y="3754712"/>
+            <a:ext cx="575072" cy="567368"/>
+          </a:xfrm>
+          <a:prstGeom prst="roundRect">
+            <a:avLst/>
+          </a:prstGeom>
+          <a:solidFill>
+            <a:schemeClr val="accent4"/>
+          </a:solidFill>
+          <a:ln w="25400">
+            <a:solidFill>
+              <a:srgbClr val="0070C0"/>
+            </a:solidFill>
+          </a:ln>
+        </p:spPr>
+        <p:style>
+          <a:lnRef idx="2">
+            <a:schemeClr val="accent1">
+              <a:shade val="50000"/>
+            </a:schemeClr>
+          </a:lnRef>
+          <a:fillRef idx="1">
+            <a:schemeClr val="accent1"/>
+          </a:fillRef>
+          <a:effectRef idx="0">
+            <a:schemeClr val="accent1"/>
+          </a:effectRef>
+          <a:fontRef idx="minor">
+            <a:schemeClr val="lt1"/>
+          </a:fontRef>
+        </p:style>
+        <p:txBody>
+          <a:bodyPr rtlCol="0" anchor="ctr"/>
+          <a:lstStyle/>
+          <a:p>
+            <a:pPr algn="ctr"/>
+            <a:r>
+              <a:rPr lang="en-US" sz="1200" b="1" smtClean="0">
+                <a:solidFill>
+                  <a:srgbClr val="4372C4"/>
+                </a:solidFill>
+              </a:rPr>
+              <a:t>ICA</a:t>
+            </a:r>
+            <a:endParaRPr lang="en-US" sz="1200" b="1" dirty="0">
+              <a:solidFill>
+                <a:srgbClr val="4372C4"/>
+              </a:solidFill>
+            </a:endParaRPr>
+          </a:p>
+        </p:txBody>
+      </p:sp>
+      <p:sp>
+        <p:nvSpPr>
+          <p:cNvPr id="74" name="Rounded Rectangle 73"/>
+          <p:cNvSpPr/>
+          <p:nvPr/>
+        </p:nvSpPr>
+        <p:spPr>
+          <a:xfrm>
+            <a:off x="7036874" y="4426154"/>
+            <a:ext cx="575072" cy="567368"/>
+          </a:xfrm>
+          <a:prstGeom prst="roundRect">
+            <a:avLst/>
+          </a:prstGeom>
+          <a:solidFill>
+            <a:schemeClr val="accent4"/>
+          </a:solidFill>
+          <a:ln w="25400">
+            <a:solidFill>
+              <a:srgbClr val="0070C0"/>
+            </a:solidFill>
+          </a:ln>
+        </p:spPr>
+        <p:style>
+          <a:lnRef idx="2">
+            <a:schemeClr val="accent1">
+              <a:shade val="50000"/>
+            </a:schemeClr>
+          </a:lnRef>
+          <a:fillRef idx="1">
+            <a:schemeClr val="accent1"/>
+          </a:fillRef>
+          <a:effectRef idx="0">
+            <a:schemeClr val="accent1"/>
+          </a:effectRef>
+          <a:fontRef idx="minor">
+            <a:schemeClr val="lt1"/>
+          </a:fontRef>
+        </p:style>
+        <p:txBody>
+          <a:bodyPr rtlCol="0" anchor="ctr"/>
+          <a:lstStyle/>
+          <a:p>
+            <a:pPr algn="ctr"/>
+            <a:r>
+              <a:rPr lang="en-US" sz="1200" b="1" smtClean="0">
+                <a:solidFill>
+                  <a:srgbClr val="4372C4"/>
+                </a:solidFill>
+              </a:rPr>
+              <a:t>RCA3</a:t>
+            </a:r>
+            <a:endParaRPr lang="en-US" sz="1200" b="1" dirty="0">
+              <a:solidFill>
+                <a:srgbClr val="4372C4"/>
+              </a:solidFill>
+            </a:endParaRPr>
+          </a:p>
+        </p:txBody>
+      </p:sp>
+      <p:cxnSp>
+        <p:nvCxnSpPr>
+          <p:cNvPr id="79" name="Straight Connector 78"/>
+          <p:cNvCxnSpPr>
+            <a:stCxn id="13" idx="6"/>
+            <a:endCxn id="68" idx="1"/>
+          </p:cNvCxnSpPr>
+          <p:nvPr/>
+        </p:nvCxnSpPr>
+        <p:spPr>
+          <a:xfrm>
+            <a:off x="2096691" y="4029744"/>
+            <a:ext cx="646236" cy="8653"/>
+          </a:xfrm>
+          <a:prstGeom prst="line">
+            <a:avLst/>
+          </a:prstGeom>
+          <a:ln w="28575">
+            <a:solidFill>
+              <a:srgbClr val="4372C4"/>
+            </a:solidFill>
+            <a:prstDash val="sysDot"/>
+            <a:headEnd type="none" w="med" len="med"/>
+            <a:tailEnd type="none" w="med" len="med"/>
+          </a:ln>
+        </p:spPr>
+        <p:style>
+          <a:lnRef idx="1">
+            <a:schemeClr val="accent1"/>
+          </a:lnRef>
+          <a:fillRef idx="0">
+            <a:schemeClr val="accent1"/>
+          </a:fillRef>
+          <a:effectRef idx="0">
+            <a:schemeClr val="accent1"/>
+          </a:effectRef>
+          <a:fontRef idx="minor">
+            <a:schemeClr val="tx1"/>
+          </a:fontRef>
+        </p:style>
+      </p:cxnSp>
+      <p:cxnSp>
+        <p:nvCxnSpPr>
+          <p:cNvPr id="81" name="Straight Arrow Connector 80"/>
+          <p:cNvCxnSpPr>
+            <a:stCxn id="67" idx="3"/>
+            <a:endCxn id="104" idx="1"/>
+          </p:cNvCxnSpPr>
+          <p:nvPr/>
+        </p:nvCxnSpPr>
+        <p:spPr>
+          <a:xfrm flipV="1">
+            <a:off x="4715473" y="3354583"/>
+            <a:ext cx="392327" cy="4358"/>
+          </a:xfrm>
+          <a:prstGeom prst="straightConnector1">
+            <a:avLst/>
+          </a:prstGeom>
+          <a:ln w="28575">
+            <a:solidFill>
+              <a:srgbClr val="4372C4"/>
+            </a:solidFill>
+            <a:tailEnd type="triangle"/>
+          </a:ln>
+        </p:spPr>
+        <p:style>
+          <a:lnRef idx="1">
+            <a:schemeClr val="accent1"/>
+          </a:lnRef>
+          <a:fillRef idx="0">
+            <a:schemeClr val="accent1"/>
+          </a:fillRef>
+          <a:effectRef idx="0">
+            <a:schemeClr val="accent1"/>
+          </a:effectRef>
+          <a:fontRef idx="minor">
+            <a:schemeClr val="tx1"/>
+          </a:fontRef>
+        </p:style>
+      </p:cxnSp>
+      <p:cxnSp>
+        <p:nvCxnSpPr>
+          <p:cNvPr id="83" name="Straight Arrow Connector 82"/>
+          <p:cNvCxnSpPr>
+            <a:stCxn id="68" idx="3"/>
+            <a:endCxn id="73" idx="1"/>
+          </p:cNvCxnSpPr>
+          <p:nvPr/>
+        </p:nvCxnSpPr>
+        <p:spPr>
+          <a:xfrm flipV="1">
+            <a:off x="4715473" y="4038396"/>
+            <a:ext cx="1350267" cy="1"/>
+          </a:xfrm>
+          <a:prstGeom prst="straightConnector1">
+            <a:avLst/>
+          </a:prstGeom>
+          <a:ln w="28575">
+            <a:solidFill>
+              <a:srgbClr val="4372C4"/>
+            </a:solidFill>
+            <a:tailEnd type="triangle"/>
+          </a:ln>
+        </p:spPr>
+        <p:style>
+          <a:lnRef idx="1">
+            <a:schemeClr val="accent1"/>
+          </a:lnRef>
+          <a:fillRef idx="0">
+            <a:schemeClr val="accent1"/>
+          </a:fillRef>
+          <a:effectRef idx="0">
+            <a:schemeClr val="accent1"/>
+          </a:effectRef>
+          <a:fontRef idx="minor">
+            <a:schemeClr val="tx1"/>
+          </a:fontRef>
+        </p:style>
+      </p:cxnSp>
+      <p:cxnSp>
+        <p:nvCxnSpPr>
+          <p:cNvPr id="86" name="Straight Arrow Connector 85"/>
+          <p:cNvCxnSpPr>
+            <a:stCxn id="69" idx="3"/>
+            <a:endCxn id="74" idx="1"/>
+          </p:cNvCxnSpPr>
+          <p:nvPr/>
+        </p:nvCxnSpPr>
+        <p:spPr>
+          <a:xfrm flipV="1">
+            <a:off x="4715473" y="4709838"/>
+            <a:ext cx="2321401" cy="8578"/>
+          </a:xfrm>
+          <a:prstGeom prst="straightConnector1">
+            <a:avLst/>
+          </a:prstGeom>
+          <a:ln w="28575">
+            <a:solidFill>
+              <a:srgbClr val="4372C4"/>
+            </a:solidFill>
+            <a:tailEnd type="triangle"/>
+          </a:ln>
+        </p:spPr>
+        <p:style>
+          <a:lnRef idx="1">
+            <a:schemeClr val="accent1"/>
+          </a:lnRef>
+          <a:fillRef idx="0">
+            <a:schemeClr val="accent1"/>
+          </a:fillRef>
+          <a:effectRef idx="0">
+            <a:schemeClr val="accent1"/>
+          </a:effectRef>
+          <a:fontRef idx="minor">
+            <a:schemeClr val="tx1"/>
+          </a:fontRef>
+        </p:style>
+      </p:cxnSp>
+      <p:cxnSp>
+        <p:nvCxnSpPr>
+          <p:cNvPr id="92" name="Straight Arrow Connector 91"/>
+          <p:cNvCxnSpPr>
+            <a:stCxn id="73" idx="3"/>
+            <a:endCxn id="72" idx="1"/>
+          </p:cNvCxnSpPr>
+          <p:nvPr/>
+        </p:nvCxnSpPr>
+        <p:spPr>
+          <a:xfrm>
+            <a:off x="6640812" y="4038396"/>
+            <a:ext cx="396062" cy="348"/>
+          </a:xfrm>
+          <a:prstGeom prst="straightConnector1">
+            <a:avLst/>
+          </a:prstGeom>
+          <a:ln w="28575">
+            <a:solidFill>
+              <a:srgbClr val="4372C4"/>
+            </a:solidFill>
+            <a:tailEnd type="triangle"/>
+          </a:ln>
+        </p:spPr>
+        <p:style>
+          <a:lnRef idx="1">
+            <a:schemeClr val="accent1"/>
+          </a:lnRef>
+          <a:fillRef idx="0">
+            <a:schemeClr val="accent1"/>
+          </a:fillRef>
+          <a:effectRef idx="0">
+            <a:schemeClr val="accent1"/>
+          </a:effectRef>
+          <a:fontRef idx="minor">
+            <a:schemeClr val="tx1"/>
+          </a:fontRef>
+        </p:style>
+      </p:cxnSp>
+      <p:cxnSp>
+        <p:nvCxnSpPr>
+          <p:cNvPr id="95" name="Straight Arrow Connector 94"/>
+          <p:cNvCxnSpPr>
+            <a:stCxn id="104" idx="3"/>
+            <a:endCxn id="70" idx="1"/>
+          </p:cNvCxnSpPr>
+          <p:nvPr/>
+        </p:nvCxnSpPr>
+        <p:spPr>
+          <a:xfrm>
+            <a:off x="5682872" y="3354583"/>
+            <a:ext cx="1354002" cy="0"/>
+          </a:xfrm>
+          <a:prstGeom prst="straightConnector1">
+            <a:avLst/>
+          </a:prstGeom>
+          <a:ln w="28575">
+            <a:solidFill>
+              <a:srgbClr val="4372C4"/>
+            </a:solidFill>
+            <a:tailEnd type="triangle"/>
+          </a:ln>
+        </p:spPr>
+        <p:style>
+          <a:lnRef idx="1">
+            <a:schemeClr val="accent1"/>
+          </a:lnRef>
+          <a:fillRef idx="0">
+            <a:schemeClr val="accent1"/>
+          </a:fillRef>
+          <a:effectRef idx="0">
+            <a:schemeClr val="accent1"/>
+          </a:effectRef>
+          <a:fontRef idx="minor">
+            <a:schemeClr val="tx1"/>
+          </a:fontRef>
+        </p:style>
+      </p:cxnSp>
+      <p:sp>
+        <p:nvSpPr>
+          <p:cNvPr id="101" name="Rounded Rectangle 100"/>
+          <p:cNvSpPr/>
+          <p:nvPr/>
+        </p:nvSpPr>
+        <p:spPr>
+          <a:xfrm>
+            <a:off x="5107800" y="1777915"/>
+            <a:ext cx="575072" cy="567368"/>
+          </a:xfrm>
+          <a:prstGeom prst="roundRect">
+            <a:avLst/>
+          </a:prstGeom>
+          <a:solidFill>
+            <a:schemeClr val="accent4"/>
+          </a:solidFill>
+          <a:ln w="25400">
+            <a:solidFill>
+              <a:srgbClr val="0070C0"/>
+            </a:solidFill>
+          </a:ln>
+        </p:spPr>
+        <p:style>
+          <a:lnRef idx="2">
+            <a:schemeClr val="accent1">
+              <a:shade val="50000"/>
+            </a:schemeClr>
+          </a:lnRef>
+          <a:fillRef idx="1">
+            <a:schemeClr val="accent1"/>
+          </a:fillRef>
+          <a:effectRef idx="0">
+            <a:schemeClr val="accent1"/>
+          </a:effectRef>
+          <a:fontRef idx="minor">
+            <a:schemeClr val="lt1"/>
+          </a:fontRef>
+        </p:style>
+        <p:txBody>
+          <a:bodyPr rtlCol="0" anchor="ctr"/>
+          <a:lstStyle/>
+          <a:p>
+            <a:pPr algn="ctr"/>
+            <a:r>
+              <a:rPr lang="en-US" sz="1200" b="1" dirty="0" smtClean="0">
+                <a:solidFill>
+                  <a:srgbClr val="4372C4"/>
+                </a:solidFill>
+              </a:rPr>
+              <a:t>ICA</a:t>
+            </a:r>
+            <a:endParaRPr lang="en-US" sz="1200" b="1" dirty="0">
+              <a:solidFill>
+                <a:srgbClr val="4372C4"/>
+              </a:solidFill>
+            </a:endParaRPr>
+          </a:p>
+        </p:txBody>
+      </p:sp>
+      <p:sp>
+        <p:nvSpPr>
+          <p:cNvPr id="102" name="Rounded Rectangle 101"/>
+          <p:cNvSpPr/>
+          <p:nvPr/>
+        </p:nvSpPr>
+        <p:spPr>
+          <a:xfrm>
+            <a:off x="7036874" y="1773080"/>
+            <a:ext cx="575072" cy="567368"/>
+          </a:xfrm>
+          <a:prstGeom prst="roundRect">
+            <a:avLst/>
+          </a:prstGeom>
+          <a:solidFill>
+            <a:schemeClr val="accent4"/>
+          </a:solidFill>
+          <a:ln w="25400">
+            <a:solidFill>
+              <a:srgbClr val="0070C0"/>
+            </a:solidFill>
+          </a:ln>
+        </p:spPr>
+        <p:style>
+          <a:lnRef idx="2">
+            <a:schemeClr val="accent1">
+              <a:shade val="50000"/>
+            </a:schemeClr>
+          </a:lnRef>
+          <a:fillRef idx="1">
+            <a:schemeClr val="accent1"/>
+          </a:fillRef>
+          <a:effectRef idx="0">
+            <a:schemeClr val="accent1"/>
+          </a:effectRef>
+          <a:fontRef idx="minor">
+            <a:schemeClr val="lt1"/>
+          </a:fontRef>
+        </p:style>
+        <p:txBody>
+          <a:bodyPr rtlCol="0" anchor="ctr"/>
+          <a:lstStyle/>
+          <a:p>
+            <a:pPr algn="ctr"/>
+            <a:r>
+              <a:rPr lang="en-US" sz="1200" b="1" dirty="0" smtClean="0">
+                <a:solidFill>
+                  <a:srgbClr val="4372C4"/>
+                </a:solidFill>
+              </a:rPr>
+              <a:t>RCA</a:t>
+            </a:r>
+            <a:endParaRPr lang="en-US" sz="1200" b="1" dirty="0">
+              <a:solidFill>
+                <a:srgbClr val="4372C4"/>
+              </a:solidFill>
+            </a:endParaRPr>
+          </a:p>
+        </p:txBody>
+      </p:sp>
+      <p:sp>
+        <p:nvSpPr>
+          <p:cNvPr id="103" name="Rounded Rectangle 102"/>
+          <p:cNvSpPr/>
+          <p:nvPr/>
+        </p:nvSpPr>
+        <p:spPr>
+          <a:xfrm>
+            <a:off x="6071079" y="1773080"/>
+            <a:ext cx="575072" cy="567368"/>
+          </a:xfrm>
+          <a:prstGeom prst="roundRect">
+            <a:avLst/>
+          </a:prstGeom>
+          <a:solidFill>
+            <a:schemeClr val="accent4"/>
+          </a:solidFill>
+          <a:ln w="25400">
+            <a:solidFill>
+              <a:srgbClr val="0070C0"/>
+            </a:solidFill>
+          </a:ln>
+        </p:spPr>
+        <p:style>
+          <a:lnRef idx="2">
+            <a:schemeClr val="accent1">
+              <a:shade val="50000"/>
+            </a:schemeClr>
+          </a:lnRef>
+          <a:fillRef idx="1">
+            <a:schemeClr val="accent1"/>
+          </a:fillRef>
+          <a:effectRef idx="0">
+            <a:schemeClr val="accent1"/>
+          </a:effectRef>
+          <a:fontRef idx="minor">
+            <a:schemeClr val="lt1"/>
+          </a:fontRef>
+        </p:style>
+        <p:txBody>
+          <a:bodyPr rtlCol="0" anchor="ctr"/>
+          <a:lstStyle/>
+          <a:p>
+            <a:pPr algn="ctr"/>
+            <a:r>
+              <a:rPr lang="en-US" sz="1200" b="1" smtClean="0">
+                <a:solidFill>
+                  <a:srgbClr val="4372C4"/>
+                </a:solidFill>
+              </a:rPr>
+              <a:t>ICA</a:t>
+            </a:r>
+            <a:endParaRPr lang="en-US" sz="1200" b="1" dirty="0">
+              <a:solidFill>
+                <a:srgbClr val="4372C4"/>
+              </a:solidFill>
+            </a:endParaRPr>
+          </a:p>
+        </p:txBody>
+      </p:sp>
+      <p:cxnSp>
+        <p:nvCxnSpPr>
+          <p:cNvPr id="105" name="Straight Arrow Connector 104"/>
+          <p:cNvCxnSpPr>
+            <a:stCxn id="101" idx="3"/>
+            <a:endCxn id="103" idx="1"/>
+          </p:cNvCxnSpPr>
+          <p:nvPr/>
+        </p:nvCxnSpPr>
+        <p:spPr>
+          <a:xfrm flipV="1">
+            <a:off x="5682872" y="2056764"/>
+            <a:ext cx="388207" cy="4835"/>
+          </a:xfrm>
+          <a:prstGeom prst="straightConnector1">
+            <a:avLst/>
+          </a:prstGeom>
+          <a:ln w="28575">
+            <a:solidFill>
+              <a:srgbClr val="4372C4"/>
+            </a:solidFill>
+            <a:tailEnd type="triangle"/>
+          </a:ln>
+        </p:spPr>
+        <p:style>
+          <a:lnRef idx="1">
+            <a:schemeClr val="accent1"/>
+          </a:lnRef>
+          <a:fillRef idx="0">
+            <a:schemeClr val="accent1"/>
+          </a:fillRef>
+          <a:effectRef idx="0">
+            <a:schemeClr val="accent1"/>
+          </a:effectRef>
+          <a:fontRef idx="minor">
+            <a:schemeClr val="tx1"/>
+          </a:fontRef>
+        </p:style>
+      </p:cxnSp>
+      <p:cxnSp>
+        <p:nvCxnSpPr>
+          <p:cNvPr id="106" name="Straight Arrow Connector 105"/>
+          <p:cNvCxnSpPr>
+            <a:stCxn id="103" idx="3"/>
+            <a:endCxn id="102" idx="1"/>
+          </p:cNvCxnSpPr>
+          <p:nvPr/>
+        </p:nvCxnSpPr>
+        <p:spPr>
+          <a:xfrm>
+            <a:off x="6646151" y="2056764"/>
+            <a:ext cx="390723" cy="0"/>
+          </a:xfrm>
+          <a:prstGeom prst="straightConnector1">
+            <a:avLst/>
+          </a:prstGeom>
+          <a:ln w="28575">
+            <a:solidFill>
+              <a:srgbClr val="4372C4"/>
+            </a:solidFill>
+            <a:tailEnd type="triangle"/>
+          </a:ln>
+        </p:spPr>
+        <p:style>
+          <a:lnRef idx="1">
+            <a:schemeClr val="accent1"/>
+          </a:lnRef>
+          <a:fillRef idx="0">
+            <a:schemeClr val="accent1"/>
+          </a:fillRef>
+          <a:effectRef idx="0">
+            <a:schemeClr val="accent1"/>
+          </a:effectRef>
+          <a:fontRef idx="minor">
+            <a:schemeClr val="tx1"/>
+          </a:fontRef>
+        </p:style>
+      </p:cxnSp>
+      <p:sp>
+        <p:nvSpPr>
+          <p:cNvPr id="98" name="TextBox 97"/>
+          <p:cNvSpPr txBox="1"/>
+          <p:nvPr/>
+        </p:nvSpPr>
+        <p:spPr>
+          <a:xfrm>
+            <a:off x="7700283" y="1906934"/>
+            <a:ext cx="1569469" cy="276999"/>
+          </a:xfrm>
+          <a:prstGeom prst="rect">
+            <a:avLst/>
+          </a:prstGeom>
+          <a:noFill/>
+        </p:spPr>
+        <p:txBody>
+          <a:bodyPr wrap="none" rtlCol="0">
+            <a:spAutoFit/>
+          </a:bodyPr>
+          <a:lstStyle/>
+          <a:p>
+            <a:r>
+              <a:rPr lang="en-US" sz="1200" dirty="0" smtClean="0"/>
+              <a:t>Single set of members</a:t>
+            </a:r>
+            <a:endParaRPr lang="en-US" sz="1200" dirty="0"/>
+          </a:p>
+        </p:txBody>
+      </p:sp>
+      <p:sp>
+        <p:nvSpPr>
+          <p:cNvPr id="110" name="TextBox 109"/>
+          <p:cNvSpPr txBox="1"/>
+          <p:nvPr/>
+        </p:nvSpPr>
+        <p:spPr>
+          <a:xfrm>
+            <a:off x="7700283" y="3214580"/>
+            <a:ext cx="1886350" cy="276999"/>
+          </a:xfrm>
+          <a:prstGeom prst="rect">
+            <a:avLst/>
+          </a:prstGeom>
+          <a:noFill/>
+        </p:spPr>
+        <p:txBody>
+          <a:bodyPr wrap="none" rtlCol="0">
+            <a:spAutoFit/>
+          </a:bodyPr>
+          <a:lstStyle/>
+          <a:p>
+            <a:r>
+              <a:rPr lang="en-US" sz="1200" dirty="0" smtClean="0"/>
+              <a:t>M</a:t>
+            </a:r>
+            <a:r>
+              <a:rPr lang="en-US" sz="1200" dirty="0" smtClean="0"/>
+              <a:t>embers </a:t>
+            </a:r>
+            <a:r>
+              <a:rPr lang="en-US" sz="1200" dirty="0" smtClean="0"/>
+              <a:t>for national sales</a:t>
+            </a:r>
+            <a:endParaRPr lang="en-US" sz="1200" dirty="0"/>
+          </a:p>
+        </p:txBody>
+      </p:sp>
+      <p:sp>
+        <p:nvSpPr>
+          <p:cNvPr id="111" name="TextBox 110"/>
+          <p:cNvSpPr txBox="1"/>
+          <p:nvPr/>
+        </p:nvSpPr>
+        <p:spPr>
+          <a:xfrm>
+            <a:off x="7700283" y="3881325"/>
+            <a:ext cx="2179956" cy="276999"/>
+          </a:xfrm>
+          <a:prstGeom prst="rect">
+            <a:avLst/>
+          </a:prstGeom>
+          <a:noFill/>
+        </p:spPr>
+        <p:txBody>
+          <a:bodyPr wrap="none" rtlCol="0">
+            <a:spAutoFit/>
+          </a:bodyPr>
+          <a:lstStyle/>
+          <a:p>
+            <a:r>
+              <a:rPr lang="en-US" sz="1200" dirty="0" smtClean="0"/>
+              <a:t>Members </a:t>
+            </a:r>
+            <a:r>
+              <a:rPr lang="en-US" sz="1200" dirty="0" smtClean="0"/>
+              <a:t>for international sales</a:t>
+            </a:r>
+            <a:endParaRPr lang="en-US" sz="1200" dirty="0"/>
+          </a:p>
+        </p:txBody>
+      </p:sp>
+      <p:sp>
+        <p:nvSpPr>
+          <p:cNvPr id="113" name="TextBox 112"/>
+          <p:cNvSpPr txBox="1"/>
+          <p:nvPr/>
+        </p:nvSpPr>
+        <p:spPr>
+          <a:xfrm>
+            <a:off x="7700283" y="4571338"/>
+            <a:ext cx="2136675" cy="276999"/>
+          </a:xfrm>
+          <a:prstGeom prst="rect">
+            <a:avLst/>
+          </a:prstGeom>
+          <a:noFill/>
+        </p:spPr>
+        <p:txBody>
+          <a:bodyPr wrap="none" rtlCol="0">
+            <a:spAutoFit/>
+          </a:bodyPr>
+          <a:lstStyle/>
+          <a:p>
+            <a:r>
+              <a:rPr lang="en-US" sz="1200" dirty="0" smtClean="0"/>
+              <a:t>Members for </a:t>
+            </a:r>
+            <a:r>
+              <a:rPr lang="en-US" sz="1200" dirty="0" smtClean="0"/>
+              <a:t>government sales</a:t>
+            </a:r>
+            <a:endParaRPr lang="en-US" sz="1200" dirty="0"/>
+          </a:p>
+        </p:txBody>
+      </p:sp>
+      <p:cxnSp>
+        <p:nvCxnSpPr>
+          <p:cNvPr id="109" name="Straight Connector 108"/>
+          <p:cNvCxnSpPr/>
+          <p:nvPr/>
+        </p:nvCxnSpPr>
+        <p:spPr>
+          <a:xfrm>
+            <a:off x="1679202" y="2819998"/>
+            <a:ext cx="9179298" cy="299"/>
+          </a:xfrm>
+          <a:prstGeom prst="line">
+            <a:avLst/>
+          </a:prstGeom>
+          <a:ln w="3175">
+            <a:solidFill>
+              <a:schemeClr val="bg2">
+                <a:lumMod val="75000"/>
+              </a:schemeClr>
+            </a:solidFill>
+            <a:prstDash val="dash"/>
+            <a:headEnd type="none" w="med" len="med"/>
+            <a:tailEnd type="none" w="med" len="med"/>
+          </a:ln>
+        </p:spPr>
+        <p:style>
+          <a:lnRef idx="1">
+            <a:schemeClr val="accent1"/>
+          </a:lnRef>
+          <a:fillRef idx="0">
+            <a:schemeClr val="accent1"/>
+          </a:fillRef>
+          <a:effectRef idx="0">
+            <a:schemeClr val="accent1"/>
+          </a:effectRef>
+          <a:fontRef idx="minor">
+            <a:schemeClr val="tx1"/>
+          </a:fontRef>
+        </p:style>
+      </p:cxnSp>
+      <p:grpSp>
+        <p:nvGrpSpPr>
+          <p:cNvPr id="59" name="Group 58"/>
+          <p:cNvGrpSpPr/>
+          <p:nvPr/>
+        </p:nvGrpSpPr>
+        <p:grpSpPr>
+          <a:xfrm>
+            <a:off x="1347835" y="3555763"/>
+            <a:ext cx="1053649" cy="938683"/>
+            <a:chOff x="10666566" y="3979442"/>
+            <a:chExt cx="760366" cy="677401"/>
+          </a:xfrm>
+        </p:grpSpPr>
+        <p:sp>
+          <p:nvSpPr>
+            <p:cNvPr id="60" name="Triangle 59"/>
+            <p:cNvSpPr/>
+            <p:nvPr/>
+          </p:nvSpPr>
+          <p:spPr>
+            <a:xfrm>
+              <a:off x="10666566" y="3979442"/>
+              <a:ext cx="742889" cy="677401"/>
+            </a:xfrm>
+            <a:prstGeom prst="triangle">
+              <a:avLst/>
+            </a:prstGeom>
+            <a:ln w="12700">
+              <a:solidFill>
+                <a:schemeClr val="tx2"/>
+              </a:solidFill>
+            </a:ln>
+          </p:spPr>
+          <p:style>
+            <a:lnRef idx="2">
+              <a:schemeClr val="accent1">
+                <a:shade val="50000"/>
+              </a:schemeClr>
+            </a:lnRef>
+            <a:fillRef idx="1">
+              <a:schemeClr val="accent1"/>
+            </a:fillRef>
+            <a:effectRef idx="0">
+              <a:schemeClr val="accent1"/>
+            </a:effectRef>
+            <a:fontRef idx="minor">
+              <a:schemeClr val="lt1"/>
+            </a:fontRef>
+          </p:style>
+          <p:txBody>
+            <a:bodyPr rtlCol="0" anchor="ctr"/>
+            <a:lstStyle/>
+            <a:p>
+              <a:pPr algn="ctr"/>
+              <a:endParaRPr lang="en-US" sz="1600" b="1" dirty="0">
+                <a:solidFill>
+                  <a:schemeClr val="bg1"/>
+                </a:solidFill>
+              </a:endParaRPr>
+            </a:p>
+          </p:txBody>
+        </p:sp>
+        <p:sp>
+          <p:nvSpPr>
+            <p:cNvPr id="62" name="TextBox 61"/>
+            <p:cNvSpPr txBox="1"/>
+            <p:nvPr/>
+          </p:nvSpPr>
+          <p:spPr>
+            <a:xfrm>
+              <a:off x="10815546" y="4281243"/>
+              <a:ext cx="611386" cy="307777"/>
+            </a:xfrm>
+            <a:prstGeom prst="rect">
+              <a:avLst/>
+            </a:prstGeom>
+            <a:noFill/>
+          </p:spPr>
+          <p:txBody>
+            <a:bodyPr wrap="none" rtlCol="0">
+              <a:spAutoFit/>
+            </a:bodyPr>
+            <a:lstStyle/>
+            <a:p>
+              <a:r>
+                <a:rPr lang="en-US" sz="1400" b="1" smtClean="0">
+                  <a:solidFill>
+                    <a:schemeClr val="bg1"/>
+                  </a:solidFill>
+                </a:rPr>
+                <a:t>ORG2</a:t>
+              </a:r>
+              <a:endParaRPr lang="en-US" sz="1400" b="1" dirty="0">
+                <a:solidFill>
+                  <a:schemeClr val="bg1"/>
+                </a:solidFill>
+              </a:endParaRPr>
+            </a:p>
+          </p:txBody>
+        </p:sp>
+      </p:grpSp>
       <p:grpSp>
         <p:nvGrpSpPr>
           <p:cNvPr id="41" name="Group 40"/>
@@ -13249,10 +14652,10 @@
         </p:nvGrpSpPr>
         <p:grpSpPr>
           <a:xfrm>
-            <a:off x="1693968" y="1890690"/>
-            <a:ext cx="742889" cy="677401"/>
+            <a:off x="1347835" y="1554969"/>
+            <a:ext cx="1044685" cy="938683"/>
             <a:chOff x="10666566" y="3979442"/>
-            <a:chExt cx="742889" cy="677401"/>
+            <a:chExt cx="753897" cy="677401"/>
           </a:xfrm>
         </p:grpSpPr>
         <p:sp>
@@ -13312,8 +14715,8 @@
           </p:nvSpPr>
           <p:spPr>
             <a:xfrm>
-              <a:off x="10763238" y="4281243"/>
-              <a:ext cx="520014" cy="307777"/>
+              <a:off x="10809077" y="4281243"/>
+              <a:ext cx="611386" cy="307777"/>
             </a:xfrm>
             <a:prstGeom prst="rect">
               <a:avLst/>
@@ -13332,7 +14735,7 @@
                     <a:schemeClr val="bg1"/>
                   </a:solidFill>
                 </a:rPr>
-                <a:t>ORG</a:t>
+                <a:t>ORG1</a:t>
               </a:r>
               <a:endParaRPr lang="en-US" sz="1400" b="1" dirty="0">
                 <a:solidFill>
@@ -13343,1458 +14746,6 @@
           </p:txBody>
         </p:sp>
       </p:grpSp>
-      <p:grpSp>
-        <p:nvGrpSpPr>
-          <p:cNvPr id="59" name="Group 58"/>
-          <p:cNvGrpSpPr/>
-          <p:nvPr/>
-        </p:nvGrpSpPr>
-        <p:grpSpPr>
-          <a:xfrm>
-            <a:off x="1679202" y="3681125"/>
-            <a:ext cx="742889" cy="677401"/>
-            <a:chOff x="10666566" y="3979442"/>
-            <a:chExt cx="742889" cy="677401"/>
-          </a:xfrm>
-        </p:grpSpPr>
-        <p:sp>
-          <p:nvSpPr>
-            <p:cNvPr id="60" name="Triangle 59"/>
-            <p:cNvSpPr/>
-            <p:nvPr/>
-          </p:nvSpPr>
-          <p:spPr>
-            <a:xfrm>
-              <a:off x="10666566" y="3979442"/>
-              <a:ext cx="742889" cy="677401"/>
-            </a:xfrm>
-            <a:prstGeom prst="triangle">
-              <a:avLst/>
-            </a:prstGeom>
-            <a:ln w="12700">
-              <a:solidFill>
-                <a:schemeClr val="tx2"/>
-              </a:solidFill>
-            </a:ln>
-          </p:spPr>
-          <p:style>
-            <a:lnRef idx="2">
-              <a:schemeClr val="accent1">
-                <a:shade val="50000"/>
-              </a:schemeClr>
-            </a:lnRef>
-            <a:fillRef idx="1">
-              <a:schemeClr val="accent1"/>
-            </a:fillRef>
-            <a:effectRef idx="0">
-              <a:schemeClr val="accent1"/>
-            </a:effectRef>
-            <a:fontRef idx="minor">
-              <a:schemeClr val="lt1"/>
-            </a:fontRef>
-          </p:style>
-          <p:txBody>
-            <a:bodyPr rtlCol="0" anchor="ctr"/>
-            <a:lstStyle/>
-            <a:p>
-              <a:pPr algn="ctr"/>
-              <a:endParaRPr lang="en-US" sz="1600" b="1" dirty="0">
-                <a:solidFill>
-                  <a:schemeClr val="bg1"/>
-                </a:solidFill>
-              </a:endParaRPr>
-            </a:p>
-          </p:txBody>
-        </p:sp>
-        <p:sp>
-          <p:nvSpPr>
-            <p:cNvPr id="62" name="TextBox 61"/>
-            <p:cNvSpPr txBox="1"/>
-            <p:nvPr/>
-          </p:nvSpPr>
-          <p:spPr>
-            <a:xfrm>
-              <a:off x="10763238" y="4281243"/>
-              <a:ext cx="520014" cy="307777"/>
-            </a:xfrm>
-            <a:prstGeom prst="rect">
-              <a:avLst/>
-            </a:prstGeom>
-            <a:noFill/>
-          </p:spPr>
-          <p:txBody>
-            <a:bodyPr wrap="none" rtlCol="0">
-              <a:spAutoFit/>
-            </a:bodyPr>
-            <a:lstStyle/>
-            <a:p>
-              <a:r>
-                <a:rPr lang="en-US" sz="1400" b="1" smtClean="0">
-                  <a:solidFill>
-                    <a:schemeClr val="bg1"/>
-                  </a:solidFill>
-                </a:rPr>
-                <a:t>ORG</a:t>
-              </a:r>
-              <a:endParaRPr lang="en-US" sz="1400" b="1" dirty="0">
-                <a:solidFill>
-                  <a:schemeClr val="bg1"/>
-                </a:solidFill>
-              </a:endParaRPr>
-            </a:p>
-          </p:txBody>
-        </p:sp>
-      </p:grpSp>
-      <p:sp>
-        <p:nvSpPr>
-          <p:cNvPr id="67" name="Rounded Rectangle 66"/>
-          <p:cNvSpPr/>
-          <p:nvPr/>
-        </p:nvSpPr>
-        <p:spPr>
-          <a:xfrm>
-            <a:off x="2742928" y="3219368"/>
-            <a:ext cx="966733" cy="319881"/>
-          </a:xfrm>
-          <a:prstGeom prst="roundRect">
-            <a:avLst>
-              <a:gd name="adj" fmla="val 50000"/>
-            </a:avLst>
-          </a:prstGeom>
-          <a:solidFill>
-            <a:srgbClr val="9F42E6"/>
-          </a:solidFill>
-          <a:ln w="28575" cap="flat" cmpd="sng" algn="ctr">
-            <a:solidFill>
-              <a:schemeClr val="tx2"/>
-            </a:solidFill>
-            <a:prstDash val="solid"/>
-          </a:ln>
-          <a:effectLst>
-            <a:outerShdw blurRad="40000" dist="23000" dir="5400000" rotWithShape="0">
-              <a:srgbClr val="000000">
-                <a:alpha val="35000"/>
-              </a:srgbClr>
-            </a:outerShdw>
-          </a:effectLst>
-        </p:spPr>
-        <p:txBody>
-          <a:bodyPr tIns="36000" bIns="36000" rtlCol="0" anchor="ctr"/>
-          <a:lstStyle/>
-          <a:p>
-            <a:pPr marL="0" marR="0" lvl="0" indent="0" algn="ctr" defTabSz="457200" eaLnBrk="1" fontAlgn="auto" latinLnBrk="0" hangingPunct="1">
-              <a:lnSpc>
-                <a:spcPct val="100000"/>
-              </a:lnSpc>
-              <a:spcBef>
-                <a:spcPts val="0"/>
-              </a:spcBef>
-              <a:spcAft>
-                <a:spcPts val="0"/>
-              </a:spcAft>
-              <a:buClrTx/>
-              <a:buSzTx/>
-              <a:buFontTx/>
-              <a:buNone/>
-              <a:tabLst/>
-              <a:defRPr/>
-            </a:pPr>
-            <a:r>
-              <a:rPr lang="en-US" sz="1100" b="1" kern="0" noProof="0" dirty="0" smtClean="0">
-                <a:solidFill>
-                  <a:schemeClr val="bg1"/>
-                </a:solidFill>
-                <a:ea typeface=""/>
-                <a:cs typeface=""/>
-              </a:rPr>
-              <a:t>ORG.MSP1</a:t>
-            </a:r>
-            <a:endParaRPr kumimoji="0" lang="en-US" sz="1100" b="1" i="0" u="none" strike="noStrike" kern="0" cap="none" spc="0" normalizeH="0" baseline="0" noProof="0" dirty="0" smtClean="0">
-              <a:ln>
-                <a:noFill/>
-              </a:ln>
-              <a:solidFill>
-                <a:schemeClr val="bg1"/>
-              </a:solidFill>
-              <a:effectLst/>
-              <a:uLnTx/>
-              <a:uFillTx/>
-              <a:ea typeface=""/>
-              <a:cs typeface=""/>
-            </a:endParaRPr>
-          </a:p>
-        </p:txBody>
-      </p:sp>
-      <p:sp>
-        <p:nvSpPr>
-          <p:cNvPr id="68" name="Rounded Rectangle 67"/>
-          <p:cNvSpPr/>
-          <p:nvPr/>
-        </p:nvSpPr>
-        <p:spPr>
-          <a:xfrm>
-            <a:off x="2742928" y="3859886"/>
-            <a:ext cx="966733" cy="319881"/>
-          </a:xfrm>
-          <a:prstGeom prst="roundRect">
-            <a:avLst>
-              <a:gd name="adj" fmla="val 50000"/>
-            </a:avLst>
-          </a:prstGeom>
-          <a:solidFill>
-            <a:srgbClr val="9F42E6"/>
-          </a:solidFill>
-          <a:ln w="28575" cap="flat" cmpd="sng" algn="ctr">
-            <a:solidFill>
-              <a:schemeClr val="tx2"/>
-            </a:solidFill>
-            <a:prstDash val="solid"/>
-          </a:ln>
-          <a:effectLst>
-            <a:outerShdw blurRad="40000" dist="23000" dir="5400000" rotWithShape="0">
-              <a:srgbClr val="000000">
-                <a:alpha val="35000"/>
-              </a:srgbClr>
-            </a:outerShdw>
-          </a:effectLst>
-        </p:spPr>
-        <p:txBody>
-          <a:bodyPr tIns="36000" bIns="36000" rtlCol="0" anchor="ctr"/>
-          <a:lstStyle/>
-          <a:p>
-            <a:pPr marL="0" marR="0" lvl="0" indent="0" algn="ctr" defTabSz="457200" eaLnBrk="1" fontAlgn="auto" latinLnBrk="0" hangingPunct="1">
-              <a:lnSpc>
-                <a:spcPct val="100000"/>
-              </a:lnSpc>
-              <a:spcBef>
-                <a:spcPts val="0"/>
-              </a:spcBef>
-              <a:spcAft>
-                <a:spcPts val="0"/>
-              </a:spcAft>
-              <a:buClrTx/>
-              <a:buSzTx/>
-              <a:buFontTx/>
-              <a:buNone/>
-              <a:tabLst/>
-              <a:defRPr/>
-            </a:pPr>
-            <a:r>
-              <a:rPr lang="en-US" sz="1100" b="1" kern="0" noProof="0" dirty="0" smtClean="0">
-                <a:solidFill>
-                  <a:schemeClr val="bg1"/>
-                </a:solidFill>
-                <a:ea typeface=""/>
-                <a:cs typeface=""/>
-              </a:rPr>
-              <a:t>ORG.MSP2</a:t>
-            </a:r>
-            <a:endParaRPr kumimoji="0" lang="en-US" sz="1100" b="1" i="0" u="none" strike="noStrike" kern="0" cap="none" spc="0" normalizeH="0" baseline="0" noProof="0" dirty="0" smtClean="0">
-              <a:ln>
-                <a:noFill/>
-              </a:ln>
-              <a:solidFill>
-                <a:schemeClr val="bg1"/>
-              </a:solidFill>
-              <a:effectLst/>
-              <a:uLnTx/>
-              <a:uFillTx/>
-              <a:ea typeface=""/>
-              <a:cs typeface=""/>
-            </a:endParaRPr>
-          </a:p>
-        </p:txBody>
-      </p:sp>
-      <p:sp>
-        <p:nvSpPr>
-          <p:cNvPr id="69" name="Rounded Rectangle 68"/>
-          <p:cNvSpPr/>
-          <p:nvPr/>
-        </p:nvSpPr>
-        <p:spPr>
-          <a:xfrm>
-            <a:off x="2742927" y="4500404"/>
-            <a:ext cx="966733" cy="319881"/>
-          </a:xfrm>
-          <a:prstGeom prst="roundRect">
-            <a:avLst>
-              <a:gd name="adj" fmla="val 50000"/>
-            </a:avLst>
-          </a:prstGeom>
-          <a:solidFill>
-            <a:srgbClr val="9F42E6"/>
-          </a:solidFill>
-          <a:ln w="28575" cap="flat" cmpd="sng" algn="ctr">
-            <a:solidFill>
-              <a:schemeClr val="tx2"/>
-            </a:solidFill>
-            <a:prstDash val="solid"/>
-          </a:ln>
-          <a:effectLst>
-            <a:outerShdw blurRad="40000" dist="23000" dir="5400000" rotWithShape="0">
-              <a:srgbClr val="000000">
-                <a:alpha val="35000"/>
-              </a:srgbClr>
-            </a:outerShdw>
-          </a:effectLst>
-        </p:spPr>
-        <p:txBody>
-          <a:bodyPr tIns="36000" bIns="36000" rtlCol="0" anchor="ctr"/>
-          <a:lstStyle/>
-          <a:p>
-            <a:pPr marL="0" marR="0" lvl="0" indent="0" algn="ctr" defTabSz="457200" eaLnBrk="1" fontAlgn="auto" latinLnBrk="0" hangingPunct="1">
-              <a:lnSpc>
-                <a:spcPct val="100000"/>
-              </a:lnSpc>
-              <a:spcBef>
-                <a:spcPts val="0"/>
-              </a:spcBef>
-              <a:spcAft>
-                <a:spcPts val="0"/>
-              </a:spcAft>
-              <a:buClrTx/>
-              <a:buSzTx/>
-              <a:buFontTx/>
-              <a:buNone/>
-              <a:tabLst/>
-              <a:defRPr/>
-            </a:pPr>
-            <a:r>
-              <a:rPr lang="en-US" sz="1100" b="1" kern="0" noProof="0" smtClean="0">
-                <a:solidFill>
-                  <a:schemeClr val="bg1"/>
-                </a:solidFill>
-                <a:ea typeface=""/>
-                <a:cs typeface=""/>
-              </a:rPr>
-              <a:t>ORG.MSP3</a:t>
-            </a:r>
-            <a:endParaRPr kumimoji="0" lang="en-US" sz="1100" b="1" i="0" u="none" strike="noStrike" kern="0" cap="none" spc="0" normalizeH="0" baseline="0" noProof="0" dirty="0" smtClean="0">
-              <a:ln>
-                <a:noFill/>
-              </a:ln>
-              <a:solidFill>
-                <a:schemeClr val="bg1"/>
-              </a:solidFill>
-              <a:effectLst/>
-              <a:uLnTx/>
-              <a:uFillTx/>
-              <a:ea typeface=""/>
-              <a:cs typeface=""/>
-            </a:endParaRPr>
-          </a:p>
-        </p:txBody>
-      </p:sp>
-      <p:sp>
-        <p:nvSpPr>
-          <p:cNvPr id="70" name="Rounded Rectangle 69"/>
-          <p:cNvSpPr/>
-          <p:nvPr/>
-        </p:nvSpPr>
-        <p:spPr>
-          <a:xfrm>
-            <a:off x="6075199" y="3095789"/>
-            <a:ext cx="575072" cy="567368"/>
-          </a:xfrm>
-          <a:prstGeom prst="roundRect">
-            <a:avLst/>
-          </a:prstGeom>
-          <a:solidFill>
-            <a:schemeClr val="accent4"/>
-          </a:solidFill>
-          <a:ln w="25400">
-            <a:solidFill>
-              <a:srgbClr val="0070C0"/>
-            </a:solidFill>
-          </a:ln>
-        </p:spPr>
-        <p:style>
-          <a:lnRef idx="2">
-            <a:schemeClr val="accent1">
-              <a:shade val="50000"/>
-            </a:schemeClr>
-          </a:lnRef>
-          <a:fillRef idx="1">
-            <a:schemeClr val="accent1"/>
-          </a:fillRef>
-          <a:effectRef idx="0">
-            <a:schemeClr val="accent1"/>
-          </a:effectRef>
-          <a:fontRef idx="minor">
-            <a:schemeClr val="lt1"/>
-          </a:fontRef>
-        </p:style>
-        <p:txBody>
-          <a:bodyPr rtlCol="0" anchor="ctr"/>
-          <a:lstStyle/>
-          <a:p>
-            <a:pPr algn="ctr"/>
-            <a:r>
-              <a:rPr lang="en-US" sz="1200" b="1" dirty="0" smtClean="0">
-                <a:solidFill>
-                  <a:srgbClr val="4372C4"/>
-                </a:solidFill>
-              </a:rPr>
-              <a:t>RCA1</a:t>
-            </a:r>
-            <a:endParaRPr lang="en-US" sz="1200" b="1" dirty="0">
-              <a:solidFill>
-                <a:srgbClr val="4372C4"/>
-              </a:solidFill>
-            </a:endParaRPr>
-          </a:p>
-        </p:txBody>
-      </p:sp>
-      <p:sp>
-        <p:nvSpPr>
-          <p:cNvPr id="71" name="Rounded Rectangle 70"/>
-          <p:cNvSpPr/>
-          <p:nvPr/>
-        </p:nvSpPr>
-        <p:spPr>
-          <a:xfrm>
-            <a:off x="4541789" y="3743849"/>
-            <a:ext cx="575072" cy="567368"/>
-          </a:xfrm>
-          <a:prstGeom prst="roundRect">
-            <a:avLst/>
-          </a:prstGeom>
-          <a:solidFill>
-            <a:schemeClr val="accent4"/>
-          </a:solidFill>
-          <a:ln w="25400">
-            <a:solidFill>
-              <a:srgbClr val="0070C0"/>
-            </a:solidFill>
-          </a:ln>
-        </p:spPr>
-        <p:style>
-          <a:lnRef idx="2">
-            <a:schemeClr val="accent1">
-              <a:shade val="50000"/>
-            </a:schemeClr>
-          </a:lnRef>
-          <a:fillRef idx="1">
-            <a:schemeClr val="accent1"/>
-          </a:fillRef>
-          <a:effectRef idx="0">
-            <a:schemeClr val="accent1"/>
-          </a:effectRef>
-          <a:fontRef idx="minor">
-            <a:schemeClr val="lt1"/>
-          </a:fontRef>
-        </p:style>
-        <p:txBody>
-          <a:bodyPr rtlCol="0" anchor="ctr"/>
-          <a:lstStyle/>
-          <a:p>
-            <a:pPr algn="ctr"/>
-            <a:r>
-              <a:rPr lang="en-US" sz="1200" b="1" dirty="0" smtClean="0">
-                <a:solidFill>
-                  <a:srgbClr val="4372C4"/>
-                </a:solidFill>
-              </a:rPr>
-              <a:t>I</a:t>
-            </a:r>
-            <a:r>
-              <a:rPr lang="en-US" sz="1200" b="1" dirty="0" smtClean="0">
-                <a:solidFill>
-                  <a:srgbClr val="4372C4"/>
-                </a:solidFill>
-              </a:rPr>
-              <a:t>CA</a:t>
-            </a:r>
-            <a:endParaRPr lang="en-US" sz="1200" b="1" dirty="0">
-              <a:solidFill>
-                <a:srgbClr val="4372C4"/>
-              </a:solidFill>
-            </a:endParaRPr>
-          </a:p>
-        </p:txBody>
-      </p:sp>
-      <p:sp>
-        <p:nvSpPr>
-          <p:cNvPr id="72" name="Rounded Rectangle 71"/>
-          <p:cNvSpPr/>
-          <p:nvPr/>
-        </p:nvSpPr>
-        <p:spPr>
-          <a:xfrm>
-            <a:off x="6075199" y="3744013"/>
-            <a:ext cx="575072" cy="567368"/>
-          </a:xfrm>
-          <a:prstGeom prst="roundRect">
-            <a:avLst/>
-          </a:prstGeom>
-          <a:solidFill>
-            <a:schemeClr val="accent4"/>
-          </a:solidFill>
-          <a:ln w="25400">
-            <a:solidFill>
-              <a:srgbClr val="0070C0"/>
-            </a:solidFill>
-          </a:ln>
-        </p:spPr>
-        <p:style>
-          <a:lnRef idx="2">
-            <a:schemeClr val="accent1">
-              <a:shade val="50000"/>
-            </a:schemeClr>
-          </a:lnRef>
-          <a:fillRef idx="1">
-            <a:schemeClr val="accent1"/>
-          </a:fillRef>
-          <a:effectRef idx="0">
-            <a:schemeClr val="accent1"/>
-          </a:effectRef>
-          <a:fontRef idx="minor">
-            <a:schemeClr val="lt1"/>
-          </a:fontRef>
-        </p:style>
-        <p:txBody>
-          <a:bodyPr rtlCol="0" anchor="ctr"/>
-          <a:lstStyle/>
-          <a:p>
-            <a:pPr algn="ctr"/>
-            <a:r>
-              <a:rPr lang="en-US" sz="1200" b="1" dirty="0" smtClean="0">
-                <a:solidFill>
-                  <a:srgbClr val="4372C4"/>
-                </a:solidFill>
-              </a:rPr>
-              <a:t>RCA2</a:t>
-            </a:r>
-            <a:endParaRPr lang="en-US" sz="1200" b="1" dirty="0">
-              <a:solidFill>
-                <a:srgbClr val="4372C4"/>
-              </a:solidFill>
-            </a:endParaRPr>
-          </a:p>
-        </p:txBody>
-      </p:sp>
-      <p:sp>
-        <p:nvSpPr>
-          <p:cNvPr id="73" name="Rounded Rectangle 72"/>
-          <p:cNvSpPr/>
-          <p:nvPr/>
-        </p:nvSpPr>
-        <p:spPr>
-          <a:xfrm>
-            <a:off x="5308494" y="3743849"/>
-            <a:ext cx="575072" cy="567368"/>
-          </a:xfrm>
-          <a:prstGeom prst="roundRect">
-            <a:avLst/>
-          </a:prstGeom>
-          <a:solidFill>
-            <a:schemeClr val="accent4"/>
-          </a:solidFill>
-          <a:ln w="25400">
-            <a:solidFill>
-              <a:srgbClr val="0070C0"/>
-            </a:solidFill>
-          </a:ln>
-        </p:spPr>
-        <p:style>
-          <a:lnRef idx="2">
-            <a:schemeClr val="accent1">
-              <a:shade val="50000"/>
-            </a:schemeClr>
-          </a:lnRef>
-          <a:fillRef idx="1">
-            <a:schemeClr val="accent1"/>
-          </a:fillRef>
-          <a:effectRef idx="0">
-            <a:schemeClr val="accent1"/>
-          </a:effectRef>
-          <a:fontRef idx="minor">
-            <a:schemeClr val="lt1"/>
-          </a:fontRef>
-        </p:style>
-        <p:txBody>
-          <a:bodyPr rtlCol="0" anchor="ctr"/>
-          <a:lstStyle/>
-          <a:p>
-            <a:pPr algn="ctr"/>
-            <a:r>
-              <a:rPr lang="en-US" sz="1200" b="1" smtClean="0">
-                <a:solidFill>
-                  <a:srgbClr val="4372C4"/>
-                </a:solidFill>
-              </a:rPr>
-              <a:t>I</a:t>
-            </a:r>
-            <a:r>
-              <a:rPr lang="en-US" sz="1200" b="1" smtClean="0">
-                <a:solidFill>
-                  <a:srgbClr val="4372C4"/>
-                </a:solidFill>
-              </a:rPr>
-              <a:t>CA</a:t>
-            </a:r>
-            <a:endParaRPr lang="en-US" sz="1200" b="1" dirty="0">
-              <a:solidFill>
-                <a:srgbClr val="4372C4"/>
-              </a:solidFill>
-            </a:endParaRPr>
-          </a:p>
-        </p:txBody>
-      </p:sp>
-      <p:sp>
-        <p:nvSpPr>
-          <p:cNvPr id="74" name="Rounded Rectangle 73"/>
-          <p:cNvSpPr/>
-          <p:nvPr/>
-        </p:nvSpPr>
-        <p:spPr>
-          <a:xfrm>
-            <a:off x="6075199" y="4392237"/>
-            <a:ext cx="575072" cy="567368"/>
-          </a:xfrm>
-          <a:prstGeom prst="roundRect">
-            <a:avLst/>
-          </a:prstGeom>
-          <a:solidFill>
-            <a:schemeClr val="accent4"/>
-          </a:solidFill>
-          <a:ln w="25400">
-            <a:solidFill>
-              <a:srgbClr val="0070C0"/>
-            </a:solidFill>
-          </a:ln>
-        </p:spPr>
-        <p:style>
-          <a:lnRef idx="2">
-            <a:schemeClr val="accent1">
-              <a:shade val="50000"/>
-            </a:schemeClr>
-          </a:lnRef>
-          <a:fillRef idx="1">
-            <a:schemeClr val="accent1"/>
-          </a:fillRef>
-          <a:effectRef idx="0">
-            <a:schemeClr val="accent1"/>
-          </a:effectRef>
-          <a:fontRef idx="minor">
-            <a:schemeClr val="lt1"/>
-          </a:fontRef>
-        </p:style>
-        <p:txBody>
-          <a:bodyPr rtlCol="0" anchor="ctr"/>
-          <a:lstStyle/>
-          <a:p>
-            <a:pPr algn="ctr"/>
-            <a:r>
-              <a:rPr lang="en-US" sz="1200" b="1" smtClean="0">
-                <a:solidFill>
-                  <a:srgbClr val="4372C4"/>
-                </a:solidFill>
-              </a:rPr>
-              <a:t>RCA3</a:t>
-            </a:r>
-            <a:endParaRPr lang="en-US" sz="1200" b="1" dirty="0">
-              <a:solidFill>
-                <a:srgbClr val="4372C4"/>
-              </a:solidFill>
-            </a:endParaRPr>
-          </a:p>
-        </p:txBody>
-      </p:sp>
-      <p:cxnSp>
-        <p:nvCxnSpPr>
-          <p:cNvPr id="28" name="Elbow Connector 27"/>
-          <p:cNvCxnSpPr>
-            <a:endCxn id="67" idx="1"/>
-          </p:cNvCxnSpPr>
-          <p:nvPr/>
-        </p:nvCxnSpPr>
-        <p:spPr>
-          <a:xfrm rot="5400000" flipH="1" flipV="1">
-            <a:off x="2179463" y="3419461"/>
-            <a:ext cx="603617" cy="523314"/>
-          </a:xfrm>
-          <a:prstGeom prst="bentConnector2">
-            <a:avLst/>
-          </a:prstGeom>
-          <a:ln w="28575">
-            <a:solidFill>
-              <a:srgbClr val="4372C4"/>
-            </a:solidFill>
-            <a:prstDash val="sysDot"/>
-            <a:headEnd type="none" w="med" len="med"/>
-            <a:tailEnd type="none" w="med" len="med"/>
-          </a:ln>
-        </p:spPr>
-        <p:style>
-          <a:lnRef idx="1">
-            <a:schemeClr val="accent1"/>
-          </a:lnRef>
-          <a:fillRef idx="0">
-            <a:schemeClr val="accent1"/>
-          </a:fillRef>
-          <a:effectRef idx="0">
-            <a:schemeClr val="accent1"/>
-          </a:effectRef>
-          <a:fontRef idx="minor">
-            <a:schemeClr val="tx1"/>
-          </a:fontRef>
-        </p:style>
-      </p:cxnSp>
-      <p:cxnSp>
-        <p:nvCxnSpPr>
-          <p:cNvPr id="75" name="Elbow Connector 74"/>
-          <p:cNvCxnSpPr>
-            <a:endCxn id="69" idx="1"/>
-          </p:cNvCxnSpPr>
-          <p:nvPr/>
-        </p:nvCxnSpPr>
-        <p:spPr>
-          <a:xfrm>
-            <a:off x="2231520" y="4369288"/>
-            <a:ext cx="511407" cy="291057"/>
-          </a:xfrm>
-          <a:prstGeom prst="bentConnector3">
-            <a:avLst>
-              <a:gd name="adj1" fmla="val 1236"/>
-            </a:avLst>
-          </a:prstGeom>
-          <a:ln w="28575">
-            <a:solidFill>
-              <a:srgbClr val="4372C4"/>
-            </a:solidFill>
-            <a:prstDash val="sysDot"/>
-            <a:headEnd type="none" w="med" len="med"/>
-            <a:tailEnd type="none" w="med" len="med"/>
-          </a:ln>
-        </p:spPr>
-        <p:style>
-          <a:lnRef idx="1">
-            <a:schemeClr val="accent1"/>
-          </a:lnRef>
-          <a:fillRef idx="0">
-            <a:schemeClr val="accent1"/>
-          </a:fillRef>
-          <a:effectRef idx="0">
-            <a:schemeClr val="accent1"/>
-          </a:effectRef>
-          <a:fontRef idx="minor">
-            <a:schemeClr val="tx1"/>
-          </a:fontRef>
-        </p:style>
-      </p:cxnSp>
-      <p:cxnSp>
-        <p:nvCxnSpPr>
-          <p:cNvPr id="79" name="Straight Connector 78"/>
-          <p:cNvCxnSpPr>
-            <a:endCxn id="68" idx="1"/>
-          </p:cNvCxnSpPr>
-          <p:nvPr/>
-        </p:nvCxnSpPr>
-        <p:spPr>
-          <a:xfrm>
-            <a:off x="2231520" y="4019826"/>
-            <a:ext cx="511408" cy="1"/>
-          </a:xfrm>
-          <a:prstGeom prst="line">
-            <a:avLst/>
-          </a:prstGeom>
-          <a:ln w="28575">
-            <a:solidFill>
-              <a:srgbClr val="4372C4"/>
-            </a:solidFill>
-            <a:prstDash val="sysDot"/>
-            <a:headEnd type="none" w="med" len="med"/>
-            <a:tailEnd type="none" w="med" len="med"/>
-          </a:ln>
-        </p:spPr>
-        <p:style>
-          <a:lnRef idx="1">
-            <a:schemeClr val="accent1"/>
-          </a:lnRef>
-          <a:fillRef idx="0">
-            <a:schemeClr val="accent1"/>
-          </a:fillRef>
-          <a:effectRef idx="0">
-            <a:schemeClr val="accent1"/>
-          </a:effectRef>
-          <a:fontRef idx="minor">
-            <a:schemeClr val="tx1"/>
-          </a:fontRef>
-        </p:style>
-      </p:cxnSp>
-      <p:cxnSp>
-        <p:nvCxnSpPr>
-          <p:cNvPr id="81" name="Straight Arrow Connector 80"/>
-          <p:cNvCxnSpPr>
-            <a:stCxn id="67" idx="3"/>
-            <a:endCxn id="104" idx="1"/>
-          </p:cNvCxnSpPr>
-          <p:nvPr/>
-        </p:nvCxnSpPr>
-        <p:spPr>
-          <a:xfrm>
-            <a:off x="3709661" y="3379309"/>
-            <a:ext cx="832128" cy="0"/>
-          </a:xfrm>
-          <a:prstGeom prst="straightConnector1">
-            <a:avLst/>
-          </a:prstGeom>
-          <a:ln w="28575">
-            <a:solidFill>
-              <a:srgbClr val="4372C4"/>
-            </a:solidFill>
-            <a:tailEnd type="triangle"/>
-          </a:ln>
-        </p:spPr>
-        <p:style>
-          <a:lnRef idx="1">
-            <a:schemeClr val="accent1"/>
-          </a:lnRef>
-          <a:fillRef idx="0">
-            <a:schemeClr val="accent1"/>
-          </a:fillRef>
-          <a:effectRef idx="0">
-            <a:schemeClr val="accent1"/>
-          </a:effectRef>
-          <a:fontRef idx="minor">
-            <a:schemeClr val="tx1"/>
-          </a:fontRef>
-        </p:style>
-      </p:cxnSp>
-      <p:cxnSp>
-        <p:nvCxnSpPr>
-          <p:cNvPr id="83" name="Straight Arrow Connector 82"/>
-          <p:cNvCxnSpPr>
-            <a:stCxn id="68" idx="3"/>
-            <a:endCxn id="71" idx="1"/>
-          </p:cNvCxnSpPr>
-          <p:nvPr/>
-        </p:nvCxnSpPr>
-        <p:spPr>
-          <a:xfrm>
-            <a:off x="3709661" y="4019827"/>
-            <a:ext cx="832128" cy="7706"/>
-          </a:xfrm>
-          <a:prstGeom prst="straightConnector1">
-            <a:avLst/>
-          </a:prstGeom>
-          <a:ln w="28575">
-            <a:solidFill>
-              <a:srgbClr val="4372C4"/>
-            </a:solidFill>
-            <a:tailEnd type="triangle"/>
-          </a:ln>
-        </p:spPr>
-        <p:style>
-          <a:lnRef idx="1">
-            <a:schemeClr val="accent1"/>
-          </a:lnRef>
-          <a:fillRef idx="0">
-            <a:schemeClr val="accent1"/>
-          </a:fillRef>
-          <a:effectRef idx="0">
-            <a:schemeClr val="accent1"/>
-          </a:effectRef>
-          <a:fontRef idx="minor">
-            <a:schemeClr val="tx1"/>
-          </a:fontRef>
-        </p:style>
-      </p:cxnSp>
-      <p:cxnSp>
-        <p:nvCxnSpPr>
-          <p:cNvPr id="86" name="Straight Arrow Connector 85"/>
-          <p:cNvCxnSpPr>
-            <a:stCxn id="69" idx="3"/>
-            <a:endCxn id="74" idx="1"/>
-          </p:cNvCxnSpPr>
-          <p:nvPr/>
-        </p:nvCxnSpPr>
-        <p:spPr>
-          <a:xfrm>
-            <a:off x="3709660" y="4660345"/>
-            <a:ext cx="2365539" cy="15576"/>
-          </a:xfrm>
-          <a:prstGeom prst="straightConnector1">
-            <a:avLst/>
-          </a:prstGeom>
-          <a:ln w="28575">
-            <a:solidFill>
-              <a:srgbClr val="4372C4"/>
-            </a:solidFill>
-            <a:tailEnd type="triangle"/>
-          </a:ln>
-        </p:spPr>
-        <p:style>
-          <a:lnRef idx="1">
-            <a:schemeClr val="accent1"/>
-          </a:lnRef>
-          <a:fillRef idx="0">
-            <a:schemeClr val="accent1"/>
-          </a:fillRef>
-          <a:effectRef idx="0">
-            <a:schemeClr val="accent1"/>
-          </a:effectRef>
-          <a:fontRef idx="minor">
-            <a:schemeClr val="tx1"/>
-          </a:fontRef>
-        </p:style>
-      </p:cxnSp>
-      <p:cxnSp>
-        <p:nvCxnSpPr>
-          <p:cNvPr id="89" name="Straight Arrow Connector 88"/>
-          <p:cNvCxnSpPr>
-            <a:stCxn id="71" idx="3"/>
-            <a:endCxn id="73" idx="1"/>
-          </p:cNvCxnSpPr>
-          <p:nvPr/>
-        </p:nvCxnSpPr>
-        <p:spPr>
-          <a:xfrm>
-            <a:off x="5116861" y="4027533"/>
-            <a:ext cx="191633" cy="0"/>
-          </a:xfrm>
-          <a:prstGeom prst="straightConnector1">
-            <a:avLst/>
-          </a:prstGeom>
-          <a:ln w="28575">
-            <a:solidFill>
-              <a:srgbClr val="4372C4"/>
-            </a:solidFill>
-            <a:tailEnd type="triangle"/>
-          </a:ln>
-        </p:spPr>
-        <p:style>
-          <a:lnRef idx="1">
-            <a:schemeClr val="accent1"/>
-          </a:lnRef>
-          <a:fillRef idx="0">
-            <a:schemeClr val="accent1"/>
-          </a:fillRef>
-          <a:effectRef idx="0">
-            <a:schemeClr val="accent1"/>
-          </a:effectRef>
-          <a:fontRef idx="minor">
-            <a:schemeClr val="tx1"/>
-          </a:fontRef>
-        </p:style>
-      </p:cxnSp>
-      <p:cxnSp>
-        <p:nvCxnSpPr>
-          <p:cNvPr id="92" name="Straight Arrow Connector 91"/>
-          <p:cNvCxnSpPr>
-            <a:stCxn id="73" idx="3"/>
-            <a:endCxn id="72" idx="1"/>
-          </p:cNvCxnSpPr>
-          <p:nvPr/>
-        </p:nvCxnSpPr>
-        <p:spPr>
-          <a:xfrm>
-            <a:off x="5883566" y="4027533"/>
-            <a:ext cx="191633" cy="164"/>
-          </a:xfrm>
-          <a:prstGeom prst="straightConnector1">
-            <a:avLst/>
-          </a:prstGeom>
-          <a:ln w="28575">
-            <a:solidFill>
-              <a:srgbClr val="4372C4"/>
-            </a:solidFill>
-            <a:tailEnd type="triangle"/>
-          </a:ln>
-        </p:spPr>
-        <p:style>
-          <a:lnRef idx="1">
-            <a:schemeClr val="accent1"/>
-          </a:lnRef>
-          <a:fillRef idx="0">
-            <a:schemeClr val="accent1"/>
-          </a:fillRef>
-          <a:effectRef idx="0">
-            <a:schemeClr val="accent1"/>
-          </a:effectRef>
-          <a:fontRef idx="minor">
-            <a:schemeClr val="tx1"/>
-          </a:fontRef>
-        </p:style>
-      </p:cxnSp>
-      <p:cxnSp>
-        <p:nvCxnSpPr>
-          <p:cNvPr id="95" name="Straight Arrow Connector 94"/>
-          <p:cNvCxnSpPr>
-            <a:stCxn id="104" idx="3"/>
-            <a:endCxn id="70" idx="1"/>
-          </p:cNvCxnSpPr>
-          <p:nvPr/>
-        </p:nvCxnSpPr>
-        <p:spPr>
-          <a:xfrm>
-            <a:off x="5116861" y="3379309"/>
-            <a:ext cx="958338" cy="164"/>
-          </a:xfrm>
-          <a:prstGeom prst="straightConnector1">
-            <a:avLst/>
-          </a:prstGeom>
-          <a:ln w="28575">
-            <a:solidFill>
-              <a:srgbClr val="4372C4"/>
-            </a:solidFill>
-            <a:tailEnd type="triangle"/>
-          </a:ln>
-        </p:spPr>
-        <p:style>
-          <a:lnRef idx="1">
-            <a:schemeClr val="accent1"/>
-          </a:lnRef>
-          <a:fillRef idx="0">
-            <a:schemeClr val="accent1"/>
-          </a:fillRef>
-          <a:effectRef idx="0">
-            <a:schemeClr val="accent1"/>
-          </a:effectRef>
-          <a:fontRef idx="minor">
-            <a:schemeClr val="tx1"/>
-          </a:fontRef>
-        </p:style>
-      </p:cxnSp>
-      <p:sp>
-        <p:nvSpPr>
-          <p:cNvPr id="101" name="Rounded Rectangle 100"/>
-          <p:cNvSpPr/>
-          <p:nvPr/>
-        </p:nvSpPr>
-        <p:spPr>
-          <a:xfrm>
-            <a:off x="4541789" y="1944516"/>
-            <a:ext cx="575072" cy="567368"/>
-          </a:xfrm>
-          <a:prstGeom prst="roundRect">
-            <a:avLst/>
-          </a:prstGeom>
-          <a:solidFill>
-            <a:schemeClr val="accent4"/>
-          </a:solidFill>
-          <a:ln w="25400">
-            <a:solidFill>
-              <a:srgbClr val="0070C0"/>
-            </a:solidFill>
-          </a:ln>
-        </p:spPr>
-        <p:style>
-          <a:lnRef idx="2">
-            <a:schemeClr val="accent1">
-              <a:shade val="50000"/>
-            </a:schemeClr>
-          </a:lnRef>
-          <a:fillRef idx="1">
-            <a:schemeClr val="accent1"/>
-          </a:fillRef>
-          <a:effectRef idx="0">
-            <a:schemeClr val="accent1"/>
-          </a:effectRef>
-          <a:fontRef idx="minor">
-            <a:schemeClr val="lt1"/>
-          </a:fontRef>
-        </p:style>
-        <p:txBody>
-          <a:bodyPr rtlCol="0" anchor="ctr"/>
-          <a:lstStyle/>
-          <a:p>
-            <a:pPr algn="ctr"/>
-            <a:r>
-              <a:rPr lang="en-US" sz="1200" b="1" dirty="0" smtClean="0">
-                <a:solidFill>
-                  <a:srgbClr val="4372C4"/>
-                </a:solidFill>
-              </a:rPr>
-              <a:t>I</a:t>
-            </a:r>
-            <a:r>
-              <a:rPr lang="en-US" sz="1200" b="1" dirty="0" smtClean="0">
-                <a:solidFill>
-                  <a:srgbClr val="4372C4"/>
-                </a:solidFill>
-              </a:rPr>
-              <a:t>CA</a:t>
-            </a:r>
-            <a:endParaRPr lang="en-US" sz="1200" b="1" dirty="0">
-              <a:solidFill>
-                <a:srgbClr val="4372C4"/>
-              </a:solidFill>
-            </a:endParaRPr>
-          </a:p>
-        </p:txBody>
-      </p:sp>
-      <p:sp>
-        <p:nvSpPr>
-          <p:cNvPr id="102" name="Rounded Rectangle 101"/>
-          <p:cNvSpPr/>
-          <p:nvPr/>
-        </p:nvSpPr>
-        <p:spPr>
-          <a:xfrm>
-            <a:off x="6071649" y="1943794"/>
-            <a:ext cx="575072" cy="567368"/>
-          </a:xfrm>
-          <a:prstGeom prst="roundRect">
-            <a:avLst/>
-          </a:prstGeom>
-          <a:solidFill>
-            <a:schemeClr val="accent4"/>
-          </a:solidFill>
-          <a:ln w="25400">
-            <a:solidFill>
-              <a:srgbClr val="0070C0"/>
-            </a:solidFill>
-          </a:ln>
-        </p:spPr>
-        <p:style>
-          <a:lnRef idx="2">
-            <a:schemeClr val="accent1">
-              <a:shade val="50000"/>
-            </a:schemeClr>
-          </a:lnRef>
-          <a:fillRef idx="1">
-            <a:schemeClr val="accent1"/>
-          </a:fillRef>
-          <a:effectRef idx="0">
-            <a:schemeClr val="accent1"/>
-          </a:effectRef>
-          <a:fontRef idx="minor">
-            <a:schemeClr val="lt1"/>
-          </a:fontRef>
-        </p:style>
-        <p:txBody>
-          <a:bodyPr rtlCol="0" anchor="ctr"/>
-          <a:lstStyle/>
-          <a:p>
-            <a:pPr algn="ctr"/>
-            <a:r>
-              <a:rPr lang="en-US" sz="1200" b="1" dirty="0" smtClean="0">
-                <a:solidFill>
-                  <a:srgbClr val="4372C4"/>
-                </a:solidFill>
-              </a:rPr>
-              <a:t>RCA</a:t>
-            </a:r>
-            <a:endParaRPr lang="en-US" sz="1200" b="1" dirty="0">
-              <a:solidFill>
-                <a:srgbClr val="4372C4"/>
-              </a:solidFill>
-            </a:endParaRPr>
-          </a:p>
-        </p:txBody>
-      </p:sp>
-      <p:sp>
-        <p:nvSpPr>
-          <p:cNvPr id="103" name="Rounded Rectangle 102"/>
-          <p:cNvSpPr/>
-          <p:nvPr/>
-        </p:nvSpPr>
-        <p:spPr>
-          <a:xfrm>
-            <a:off x="5304944" y="1943630"/>
-            <a:ext cx="575072" cy="567368"/>
-          </a:xfrm>
-          <a:prstGeom prst="roundRect">
-            <a:avLst/>
-          </a:prstGeom>
-          <a:solidFill>
-            <a:schemeClr val="accent4"/>
-          </a:solidFill>
-          <a:ln w="25400">
-            <a:solidFill>
-              <a:srgbClr val="0070C0"/>
-            </a:solidFill>
-          </a:ln>
-        </p:spPr>
-        <p:style>
-          <a:lnRef idx="2">
-            <a:schemeClr val="accent1">
-              <a:shade val="50000"/>
-            </a:schemeClr>
-          </a:lnRef>
-          <a:fillRef idx="1">
-            <a:schemeClr val="accent1"/>
-          </a:fillRef>
-          <a:effectRef idx="0">
-            <a:schemeClr val="accent1"/>
-          </a:effectRef>
-          <a:fontRef idx="minor">
-            <a:schemeClr val="lt1"/>
-          </a:fontRef>
-        </p:style>
-        <p:txBody>
-          <a:bodyPr rtlCol="0" anchor="ctr"/>
-          <a:lstStyle/>
-          <a:p>
-            <a:pPr algn="ctr"/>
-            <a:r>
-              <a:rPr lang="en-US" sz="1200" b="1" smtClean="0">
-                <a:solidFill>
-                  <a:srgbClr val="4372C4"/>
-                </a:solidFill>
-              </a:rPr>
-              <a:t>I</a:t>
-            </a:r>
-            <a:r>
-              <a:rPr lang="en-US" sz="1200" b="1" smtClean="0">
-                <a:solidFill>
-                  <a:srgbClr val="4372C4"/>
-                </a:solidFill>
-              </a:rPr>
-              <a:t>CA</a:t>
-            </a:r>
-            <a:endParaRPr lang="en-US" sz="1200" b="1" dirty="0">
-              <a:solidFill>
-                <a:srgbClr val="4372C4"/>
-              </a:solidFill>
-            </a:endParaRPr>
-          </a:p>
-        </p:txBody>
-      </p:sp>
-      <p:cxnSp>
-        <p:nvCxnSpPr>
-          <p:cNvPr id="105" name="Straight Arrow Connector 104"/>
-          <p:cNvCxnSpPr>
-            <a:stCxn id="101" idx="3"/>
-            <a:endCxn id="103" idx="1"/>
-          </p:cNvCxnSpPr>
-          <p:nvPr/>
-        </p:nvCxnSpPr>
-        <p:spPr>
-          <a:xfrm flipV="1">
-            <a:off x="5116861" y="2227314"/>
-            <a:ext cx="188083" cy="886"/>
-          </a:xfrm>
-          <a:prstGeom prst="straightConnector1">
-            <a:avLst/>
-          </a:prstGeom>
-          <a:ln w="28575">
-            <a:solidFill>
-              <a:srgbClr val="4372C4"/>
-            </a:solidFill>
-            <a:tailEnd type="triangle"/>
-          </a:ln>
-        </p:spPr>
-        <p:style>
-          <a:lnRef idx="1">
-            <a:schemeClr val="accent1"/>
-          </a:lnRef>
-          <a:fillRef idx="0">
-            <a:schemeClr val="accent1"/>
-          </a:fillRef>
-          <a:effectRef idx="0">
-            <a:schemeClr val="accent1"/>
-          </a:effectRef>
-          <a:fontRef idx="minor">
-            <a:schemeClr val="tx1"/>
-          </a:fontRef>
-        </p:style>
-      </p:cxnSp>
-      <p:cxnSp>
-        <p:nvCxnSpPr>
-          <p:cNvPr id="106" name="Straight Arrow Connector 105"/>
-          <p:cNvCxnSpPr>
-            <a:stCxn id="103" idx="3"/>
-            <a:endCxn id="102" idx="1"/>
-          </p:cNvCxnSpPr>
-          <p:nvPr/>
-        </p:nvCxnSpPr>
-        <p:spPr>
-          <a:xfrm>
-            <a:off x="5880016" y="2227314"/>
-            <a:ext cx="191633" cy="164"/>
-          </a:xfrm>
-          <a:prstGeom prst="straightConnector1">
-            <a:avLst/>
-          </a:prstGeom>
-          <a:ln w="28575">
-            <a:solidFill>
-              <a:srgbClr val="4372C4"/>
-            </a:solidFill>
-            <a:tailEnd type="triangle"/>
-          </a:ln>
-        </p:spPr>
-        <p:style>
-          <a:lnRef idx="1">
-            <a:schemeClr val="accent1"/>
-          </a:lnRef>
-          <a:fillRef idx="0">
-            <a:schemeClr val="accent1"/>
-          </a:fillRef>
-          <a:effectRef idx="0">
-            <a:schemeClr val="accent1"/>
-          </a:effectRef>
-          <a:fontRef idx="minor">
-            <a:schemeClr val="tx1"/>
-          </a:fontRef>
-        </p:style>
-      </p:cxnSp>
-      <p:sp>
-        <p:nvSpPr>
-          <p:cNvPr id="98" name="TextBox 97"/>
-          <p:cNvSpPr txBox="1"/>
-          <p:nvPr/>
-        </p:nvSpPr>
-        <p:spPr>
-          <a:xfrm>
-            <a:off x="7026437" y="2042648"/>
-            <a:ext cx="3955635" cy="369332"/>
-          </a:xfrm>
-          <a:prstGeom prst="rect">
-            <a:avLst/>
-          </a:prstGeom>
-          <a:noFill/>
-        </p:spPr>
-        <p:txBody>
-          <a:bodyPr wrap="none" rtlCol="0">
-            <a:spAutoFit/>
-          </a:bodyPr>
-          <a:lstStyle/>
-          <a:p>
-            <a:r>
-              <a:rPr lang="en-US" dirty="0" smtClean="0"/>
-              <a:t>MSP : Single source of verifiable identity</a:t>
-            </a:r>
-            <a:endParaRPr lang="en-US" dirty="0"/>
-          </a:p>
-        </p:txBody>
-      </p:sp>
-      <p:sp>
-        <p:nvSpPr>
-          <p:cNvPr id="110" name="TextBox 109"/>
-          <p:cNvSpPr txBox="1"/>
-          <p:nvPr/>
-        </p:nvSpPr>
-        <p:spPr>
-          <a:xfrm>
-            <a:off x="7041931" y="3169917"/>
-            <a:ext cx="3269741" cy="369332"/>
-          </a:xfrm>
-          <a:prstGeom prst="rect">
-            <a:avLst/>
-          </a:prstGeom>
-          <a:noFill/>
-        </p:spPr>
-        <p:txBody>
-          <a:bodyPr wrap="none" rtlCol="0">
-            <a:spAutoFit/>
-          </a:bodyPr>
-          <a:lstStyle/>
-          <a:p>
-            <a:r>
-              <a:rPr lang="en-US" dirty="0" smtClean="0"/>
-              <a:t>MSP1 : Identity for national sales</a:t>
-            </a:r>
-            <a:endParaRPr lang="en-US" dirty="0"/>
-          </a:p>
-        </p:txBody>
-      </p:sp>
-      <p:sp>
-        <p:nvSpPr>
-          <p:cNvPr id="111" name="TextBox 110"/>
-          <p:cNvSpPr txBox="1"/>
-          <p:nvPr/>
-        </p:nvSpPr>
-        <p:spPr>
-          <a:xfrm>
-            <a:off x="7041931" y="3798260"/>
-            <a:ext cx="3712619" cy="369332"/>
-          </a:xfrm>
-          <a:prstGeom prst="rect">
-            <a:avLst/>
-          </a:prstGeom>
-          <a:noFill/>
-        </p:spPr>
-        <p:txBody>
-          <a:bodyPr wrap="none" rtlCol="0">
-            <a:spAutoFit/>
-          </a:bodyPr>
-          <a:lstStyle/>
-          <a:p>
-            <a:r>
-              <a:rPr lang="en-US" smtClean="0"/>
-              <a:t>MSP2 : Identity </a:t>
-            </a:r>
-            <a:r>
-              <a:rPr lang="en-US" dirty="0" smtClean="0"/>
-              <a:t>for international sales</a:t>
-            </a:r>
-            <a:endParaRPr lang="en-US" dirty="0"/>
-          </a:p>
-        </p:txBody>
-      </p:sp>
-      <p:sp>
-        <p:nvSpPr>
-          <p:cNvPr id="113" name="TextBox 112"/>
-          <p:cNvSpPr txBox="1"/>
-          <p:nvPr/>
-        </p:nvSpPr>
-        <p:spPr>
-          <a:xfrm>
-            <a:off x="7041931" y="4426603"/>
-            <a:ext cx="3646896" cy="369332"/>
-          </a:xfrm>
-          <a:prstGeom prst="rect">
-            <a:avLst/>
-          </a:prstGeom>
-          <a:noFill/>
-        </p:spPr>
-        <p:txBody>
-          <a:bodyPr wrap="none" rtlCol="0">
-            <a:spAutoFit/>
-          </a:bodyPr>
-          <a:lstStyle/>
-          <a:p>
-            <a:r>
-              <a:rPr lang="en-US" dirty="0" smtClean="0"/>
-              <a:t>MSP3 : Identity for government sales</a:t>
-            </a:r>
-            <a:endParaRPr lang="en-US" dirty="0"/>
-          </a:p>
-        </p:txBody>
-      </p:sp>
-      <p:cxnSp>
-        <p:nvCxnSpPr>
-          <p:cNvPr id="109" name="Straight Connector 108"/>
-          <p:cNvCxnSpPr/>
-          <p:nvPr/>
-        </p:nvCxnSpPr>
-        <p:spPr>
-          <a:xfrm>
-            <a:off x="1679202" y="2819998"/>
-            <a:ext cx="9179298" cy="299"/>
-          </a:xfrm>
-          <a:prstGeom prst="line">
-            <a:avLst/>
-          </a:prstGeom>
-          <a:ln w="3175">
-            <a:solidFill>
-              <a:schemeClr val="bg2">
-                <a:lumMod val="75000"/>
-              </a:schemeClr>
-            </a:solidFill>
-            <a:prstDash val="dash"/>
-            <a:headEnd type="none" w="med" len="med"/>
-            <a:tailEnd type="none" w="med" len="med"/>
-          </a:ln>
-        </p:spPr>
-        <p:style>
-          <a:lnRef idx="1">
-            <a:schemeClr val="accent1"/>
-          </a:lnRef>
-          <a:fillRef idx="0">
-            <a:schemeClr val="accent1"/>
-          </a:fillRef>
-          <a:effectRef idx="0">
-            <a:schemeClr val="accent1"/>
-          </a:effectRef>
-          <a:fontRef idx="minor">
-            <a:schemeClr val="tx1"/>
-          </a:fontRef>
-        </p:style>
-      </p:cxnSp>
     </p:spTree>
     <p:extLst>
       <p:ext uri="{BB962C8B-B14F-4D97-AF65-F5344CB8AC3E}">
@@ -14856,7 +14807,7 @@
                                 </p:cTn>
                               </p:par>
                               <p:par>
-                                <p:cTn id="7" presetID="1" presetClass="entr" presetSubtype="0" fill="hold" nodeType="withEffect">
+                                <p:cTn id="7" presetID="1" presetClass="entr" presetSubtype="0" fill="hold" grpId="0" nodeType="withEffect">
                                   <p:stCondLst>
                                     <p:cond delay="0"/>
                                   </p:stCondLst>
@@ -14869,7 +14820,7 @@
                                           </p:stCondLst>
                                         </p:cTn>
                                         <p:tgtEl>
-                                          <p:spTgt spid="41"/>
+                                          <p:spTgt spid="70"/>
                                         </p:tgtEl>
                                         <p:attrNameLst>
                                           <p:attrName>style.visibility</p:attrName>
@@ -14883,7 +14834,7 @@
                                 </p:cTn>
                               </p:par>
                               <p:par>
-                                <p:cTn id="9" presetID="1" presetClass="entr" presetSubtype="0" fill="hold" nodeType="withEffect">
+                                <p:cTn id="9" presetID="1" presetClass="entr" presetSubtype="0" fill="hold" grpId="0" nodeType="withEffect">
                                   <p:stCondLst>
                                     <p:cond delay="0"/>
                                   </p:stCondLst>
@@ -14896,7 +14847,7 @@
                                           </p:stCondLst>
                                         </p:cTn>
                                         <p:tgtEl>
-                                          <p:spTgt spid="59"/>
+                                          <p:spTgt spid="72"/>
                                         </p:tgtEl>
                                         <p:attrNameLst>
                                           <p:attrName>style.visibility</p:attrName>
@@ -14923,7 +14874,7 @@
                                           </p:stCondLst>
                                         </p:cTn>
                                         <p:tgtEl>
-                                          <p:spTgt spid="70"/>
+                                          <p:spTgt spid="73"/>
                                         </p:tgtEl>
                                         <p:attrNameLst>
                                           <p:attrName>style.visibility</p:attrName>
@@ -14950,7 +14901,7 @@
                                           </p:stCondLst>
                                         </p:cTn>
                                         <p:tgtEl>
-                                          <p:spTgt spid="71"/>
+                                          <p:spTgt spid="74"/>
                                         </p:tgtEl>
                                         <p:attrNameLst>
                                           <p:attrName>style.visibility</p:attrName>
@@ -14977,7 +14928,7 @@
                                           </p:stCondLst>
                                         </p:cTn>
                                         <p:tgtEl>
-                                          <p:spTgt spid="72"/>
+                                          <p:spTgt spid="101"/>
                                         </p:tgtEl>
                                         <p:attrNameLst>
                                           <p:attrName>style.visibility</p:attrName>
@@ -15004,7 +14955,7 @@
                                           </p:stCondLst>
                                         </p:cTn>
                                         <p:tgtEl>
-                                          <p:spTgt spid="73"/>
+                                          <p:spTgt spid="102"/>
                                         </p:tgtEl>
                                         <p:attrNameLst>
                                           <p:attrName>style.visibility</p:attrName>
@@ -15026,87 +14977,6 @@
                                     <p:set>
                                       <p:cBhvr>
                                         <p:cTn id="20" dur="1" fill="hold">
-                                          <p:stCondLst>
-                                            <p:cond delay="0"/>
-                                          </p:stCondLst>
-                                        </p:cTn>
-                                        <p:tgtEl>
-                                          <p:spTgt spid="74"/>
-                                        </p:tgtEl>
-                                        <p:attrNameLst>
-                                          <p:attrName>style.visibility</p:attrName>
-                                        </p:attrNameLst>
-                                      </p:cBhvr>
-                                      <p:to>
-                                        <p:strVal val="visible"/>
-                                      </p:to>
-                                    </p:set>
-                                  </p:childTnLst>
-                                </p:cTn>
-                              </p:par>
-                              <p:par>
-                                <p:cTn id="21" presetID="1" presetClass="entr" presetSubtype="0" fill="hold" grpId="0" nodeType="withEffect">
-                                  <p:stCondLst>
-                                    <p:cond delay="0"/>
-                                  </p:stCondLst>
-                                  <p:childTnLst>
-                                    <p:set>
-                                      <p:cBhvr>
-                                        <p:cTn id="22" dur="1" fill="hold">
-                                          <p:stCondLst>
-                                            <p:cond delay="0"/>
-                                          </p:stCondLst>
-                                        </p:cTn>
-                                        <p:tgtEl>
-                                          <p:spTgt spid="101"/>
-                                        </p:tgtEl>
-                                        <p:attrNameLst>
-                                          <p:attrName>style.visibility</p:attrName>
-                                        </p:attrNameLst>
-                                      </p:cBhvr>
-                                      <p:to>
-                                        <p:strVal val="visible"/>
-                                      </p:to>
-                                    </p:set>
-                                  </p:childTnLst>
-                                </p:cTn>
-                              </p:par>
-                              <p:par>
-                                <p:cTn id="23" presetID="1" presetClass="entr" presetSubtype="0" fill="hold" grpId="0" nodeType="withEffect">
-                                  <p:stCondLst>
-                                    <p:cond delay="0"/>
-                                  </p:stCondLst>
-                                  <p:childTnLst>
-                                    <p:set>
-                                      <p:cBhvr>
-                                        <p:cTn id="24" dur="1" fill="hold">
-                                          <p:stCondLst>
-                                            <p:cond delay="0"/>
-                                          </p:stCondLst>
-                                        </p:cTn>
-                                        <p:tgtEl>
-                                          <p:spTgt spid="102"/>
-                                        </p:tgtEl>
-                                        <p:attrNameLst>
-                                          <p:attrName>style.visibility</p:attrName>
-                                        </p:attrNameLst>
-                                      </p:cBhvr>
-                                      <p:to>
-                                        <p:strVal val="visible"/>
-                                      </p:to>
-                                    </p:set>
-                                  </p:childTnLst>
-                                </p:cTn>
-                              </p:par>
-                              <p:par>
-                                <p:cTn id="25" presetID="1" presetClass="entr" presetSubtype="0" fill="hold" grpId="0" nodeType="withEffect">
-                                  <p:stCondLst>
-                                    <p:cond delay="0"/>
-                                  </p:stCondLst>
-                                  <p:childTnLst>
-                                    <p:set>
-                                      <p:cBhvr>
-                                        <p:cTn id="26" dur="1" fill="hold">
                                           <p:stCondLst>
                                             <p:cond delay="0"/>
                                           </p:stCondLst>
@@ -15155,7 +15025,6 @@
     <p:bldLst>
       <p:bldP spid="104" grpId="0" animBg="1"/>
       <p:bldP spid="70" grpId="0" animBg="1"/>
-      <p:bldP spid="71" grpId="0" animBg="1"/>
       <p:bldP spid="72" grpId="0" animBg="1"/>
       <p:bldP spid="73" grpId="0" animBg="1"/>
       <p:bldP spid="74" grpId="0" animBg="1"/>
@@ -15207,7 +15076,6 @@
               <a:rPr lang="en-US" dirty="0"/>
               <a:t>4</a:t>
             </a:r>
-            <a:endParaRPr lang="en-US" dirty="0"/>
           </a:p>
         </p:txBody>
       </p:sp>
@@ -18744,6 +18612,4431 @@
         </p:cTn>
       </p:par>
     </p:tnLst>
+  </p:timing>
+</p:sld>
+</file>
+
+<file path=ppt/slides/slide15.xml><?xml version="1.0" encoding="utf-8"?>
+<p:sld xmlns:a="http://schemas.openxmlformats.org/drawingml/2006/main" xmlns:r="http://schemas.openxmlformats.org/officeDocument/2006/relationships" xmlns:p="http://schemas.openxmlformats.org/presentationml/2006/main">
+  <p:cSld>
+    <p:spTree>
+      <p:nvGrpSpPr>
+        <p:cNvPr id="1" name=""/>
+        <p:cNvGrpSpPr/>
+        <p:nvPr/>
+      </p:nvGrpSpPr>
+      <p:grpSpPr>
+        <a:xfrm>
+          <a:off x="0" y="0"/>
+          <a:ext cx="0" cy="0"/>
+          <a:chOff x="0" y="0"/>
+          <a:chExt cx="0" cy="0"/>
+        </a:xfrm>
+      </p:grpSpPr>
+      <p:sp>
+        <p:nvSpPr>
+          <p:cNvPr id="2" name="Title 1"/>
+          <p:cNvSpPr>
+            <a:spLocks noGrp="1"/>
+          </p:cNvSpPr>
+          <p:nvPr>
+            <p:ph type="title"/>
+          </p:nvPr>
+        </p:nvSpPr>
+        <p:spPr/>
+        <p:txBody>
+          <a:bodyPr/>
+          <a:lstStyle/>
+          <a:p>
+            <a:r>
+              <a:rPr lang="en-US" dirty="0" smtClean="0"/>
+              <a:t>Diagram </a:t>
+            </a:r>
+            <a:r>
+              <a:rPr lang="en-US" dirty="0"/>
+              <a:t>4</a:t>
+            </a:r>
+          </a:p>
+        </p:txBody>
+      </p:sp>
+      <p:sp>
+        <p:nvSpPr>
+          <p:cNvPr id="4" name="Slide Number Placeholder 3"/>
+          <p:cNvSpPr>
+            <a:spLocks noGrp="1"/>
+          </p:cNvSpPr>
+          <p:nvPr>
+            <p:ph type="sldNum" sz="quarter" idx="12"/>
+          </p:nvPr>
+        </p:nvSpPr>
+        <p:spPr>
+          <a:xfrm>
+            <a:off x="1149384" y="6156888"/>
+            <a:ext cx="377758" cy="365125"/>
+          </a:xfrm>
+        </p:spPr>
+        <p:txBody>
+          <a:bodyPr/>
+          <a:lstStyle/>
+          <a:p>
+            <a:fld id="{2AF5F8E0-9CB9-8D41-B80C-6B76C9B710FC}" type="slidenum">
+              <a:rPr lang="en-US" smtClean="0"/>
+              <a:pPr/>
+              <a:t>15</a:t>
+            </a:fld>
+            <a:endParaRPr lang="en-US" dirty="0"/>
+          </a:p>
+        </p:txBody>
+      </p:sp>
+      <p:sp>
+        <p:nvSpPr>
+          <p:cNvPr id="50" name="Rounded Rectangle 49"/>
+          <p:cNvSpPr/>
+          <p:nvPr/>
+        </p:nvSpPr>
+        <p:spPr>
+          <a:xfrm>
+            <a:off x="3967380" y="2332929"/>
+            <a:ext cx="966733" cy="319881"/>
+          </a:xfrm>
+          <a:prstGeom prst="roundRect">
+            <a:avLst>
+              <a:gd name="adj" fmla="val 50000"/>
+            </a:avLst>
+          </a:prstGeom>
+          <a:solidFill>
+            <a:srgbClr val="9F42E6"/>
+          </a:solidFill>
+          <a:ln w="28575" cap="flat" cmpd="sng" algn="ctr">
+            <a:solidFill>
+              <a:schemeClr val="tx2"/>
+            </a:solidFill>
+            <a:prstDash val="solid"/>
+          </a:ln>
+          <a:effectLst>
+            <a:outerShdw blurRad="40000" dist="23000" dir="5400000" rotWithShape="0">
+              <a:srgbClr val="000000">
+                <a:alpha val="35000"/>
+              </a:srgbClr>
+            </a:outerShdw>
+          </a:effectLst>
+        </p:spPr>
+        <p:txBody>
+          <a:bodyPr tIns="36000" bIns="36000" rtlCol="0" anchor="ctr"/>
+          <a:lstStyle/>
+          <a:p>
+            <a:pPr marL="0" marR="0" lvl="0" indent="0" algn="ctr" defTabSz="457200" eaLnBrk="1" fontAlgn="auto" latinLnBrk="0" hangingPunct="1">
+              <a:lnSpc>
+                <a:spcPct val="100000"/>
+              </a:lnSpc>
+              <a:spcBef>
+                <a:spcPts val="0"/>
+              </a:spcBef>
+              <a:spcAft>
+                <a:spcPts val="0"/>
+              </a:spcAft>
+              <a:buClrTx/>
+              <a:buSzTx/>
+              <a:buFontTx/>
+              <a:buNone/>
+              <a:tabLst/>
+              <a:defRPr/>
+            </a:pPr>
+            <a:r>
+              <a:rPr lang="en-US" sz="1100" b="1" kern="0" noProof="0" dirty="0" smtClean="0">
+                <a:solidFill>
+                  <a:schemeClr val="bg1"/>
+                </a:solidFill>
+                <a:ea typeface=""/>
+                <a:cs typeface=""/>
+              </a:rPr>
+              <a:t>ORG1.MSP</a:t>
+            </a:r>
+            <a:endParaRPr kumimoji="0" lang="en-US" sz="1100" b="1" i="0" u="none" strike="noStrike" kern="0" cap="none" spc="0" normalizeH="0" baseline="0" noProof="0" dirty="0" smtClean="0">
+              <a:ln>
+                <a:noFill/>
+              </a:ln>
+              <a:solidFill>
+                <a:schemeClr val="bg1"/>
+              </a:solidFill>
+              <a:effectLst/>
+              <a:uLnTx/>
+              <a:uFillTx/>
+              <a:ea typeface=""/>
+              <a:cs typeface=""/>
+            </a:endParaRPr>
+          </a:p>
+        </p:txBody>
+      </p:sp>
+      <p:grpSp>
+        <p:nvGrpSpPr>
+          <p:cNvPr id="41" name="Group 40"/>
+          <p:cNvGrpSpPr/>
+          <p:nvPr/>
+        </p:nvGrpSpPr>
+        <p:grpSpPr>
+          <a:xfrm>
+            <a:off x="4079303" y="1372245"/>
+            <a:ext cx="742889" cy="677401"/>
+            <a:chOff x="10666566" y="3979442"/>
+            <a:chExt cx="742889" cy="677401"/>
+          </a:xfrm>
+        </p:grpSpPr>
+        <p:sp>
+          <p:nvSpPr>
+            <p:cNvPr id="42" name="Triangle 41"/>
+            <p:cNvSpPr/>
+            <p:nvPr/>
+          </p:nvSpPr>
+          <p:spPr>
+            <a:xfrm>
+              <a:off x="10666566" y="3979442"/>
+              <a:ext cx="742889" cy="677401"/>
+            </a:xfrm>
+            <a:prstGeom prst="triangle">
+              <a:avLst/>
+            </a:prstGeom>
+            <a:ln w="12700">
+              <a:solidFill>
+                <a:schemeClr val="tx2"/>
+              </a:solidFill>
+            </a:ln>
+          </p:spPr>
+          <p:style>
+            <a:lnRef idx="2">
+              <a:schemeClr val="accent1">
+                <a:shade val="50000"/>
+              </a:schemeClr>
+            </a:lnRef>
+            <a:fillRef idx="1">
+              <a:schemeClr val="accent1"/>
+            </a:fillRef>
+            <a:effectRef idx="0">
+              <a:schemeClr val="accent1"/>
+            </a:effectRef>
+            <a:fontRef idx="minor">
+              <a:schemeClr val="lt1"/>
+            </a:fontRef>
+          </p:style>
+          <p:txBody>
+            <a:bodyPr rtlCol="0" anchor="ctr"/>
+            <a:lstStyle/>
+            <a:p>
+              <a:pPr algn="ctr"/>
+              <a:endParaRPr lang="en-US" sz="1600" b="1" dirty="0">
+                <a:solidFill>
+                  <a:schemeClr val="bg1"/>
+                </a:solidFill>
+              </a:endParaRPr>
+            </a:p>
+          </p:txBody>
+        </p:sp>
+        <p:sp>
+          <p:nvSpPr>
+            <p:cNvPr id="43" name="TextBox 42"/>
+            <p:cNvSpPr txBox="1"/>
+            <p:nvPr/>
+          </p:nvSpPr>
+          <p:spPr>
+            <a:xfrm>
+              <a:off x="10750538" y="4281243"/>
+              <a:ext cx="611386" cy="307777"/>
+            </a:xfrm>
+            <a:prstGeom prst="rect">
+              <a:avLst/>
+            </a:prstGeom>
+            <a:noFill/>
+          </p:spPr>
+          <p:txBody>
+            <a:bodyPr wrap="none" rtlCol="0">
+              <a:spAutoFit/>
+            </a:bodyPr>
+            <a:lstStyle/>
+            <a:p>
+              <a:r>
+                <a:rPr lang="en-US" sz="1400" b="1" dirty="0" smtClean="0">
+                  <a:solidFill>
+                    <a:schemeClr val="bg1"/>
+                  </a:solidFill>
+                </a:rPr>
+                <a:t>ORG1</a:t>
+              </a:r>
+              <a:endParaRPr lang="en-US" sz="1400" b="1" dirty="0">
+                <a:solidFill>
+                  <a:schemeClr val="bg1"/>
+                </a:solidFill>
+              </a:endParaRPr>
+            </a:p>
+          </p:txBody>
+        </p:sp>
+      </p:grpSp>
+      <p:grpSp>
+        <p:nvGrpSpPr>
+          <p:cNvPr id="59" name="Group 58"/>
+          <p:cNvGrpSpPr/>
+          <p:nvPr/>
+        </p:nvGrpSpPr>
+        <p:grpSpPr>
+          <a:xfrm>
+            <a:off x="7772977" y="1372245"/>
+            <a:ext cx="742889" cy="677401"/>
+            <a:chOff x="10666566" y="3979442"/>
+            <a:chExt cx="742889" cy="677401"/>
+          </a:xfrm>
+        </p:grpSpPr>
+        <p:sp>
+          <p:nvSpPr>
+            <p:cNvPr id="60" name="Triangle 59"/>
+            <p:cNvSpPr/>
+            <p:nvPr/>
+          </p:nvSpPr>
+          <p:spPr>
+            <a:xfrm>
+              <a:off x="10666566" y="3979442"/>
+              <a:ext cx="742889" cy="677401"/>
+            </a:xfrm>
+            <a:prstGeom prst="triangle">
+              <a:avLst/>
+            </a:prstGeom>
+            <a:ln w="12700">
+              <a:solidFill>
+                <a:schemeClr val="tx2"/>
+              </a:solidFill>
+            </a:ln>
+          </p:spPr>
+          <p:style>
+            <a:lnRef idx="2">
+              <a:schemeClr val="accent1">
+                <a:shade val="50000"/>
+              </a:schemeClr>
+            </a:lnRef>
+            <a:fillRef idx="1">
+              <a:schemeClr val="accent1"/>
+            </a:fillRef>
+            <a:effectRef idx="0">
+              <a:schemeClr val="accent1"/>
+            </a:effectRef>
+            <a:fontRef idx="minor">
+              <a:schemeClr val="lt1"/>
+            </a:fontRef>
+          </p:style>
+          <p:txBody>
+            <a:bodyPr rtlCol="0" anchor="ctr"/>
+            <a:lstStyle/>
+            <a:p>
+              <a:pPr algn="ctr"/>
+              <a:endParaRPr lang="en-US" sz="1600" b="1" dirty="0">
+                <a:solidFill>
+                  <a:schemeClr val="bg1"/>
+                </a:solidFill>
+              </a:endParaRPr>
+            </a:p>
+          </p:txBody>
+        </p:sp>
+        <p:sp>
+          <p:nvSpPr>
+            <p:cNvPr id="62" name="TextBox 61"/>
+            <p:cNvSpPr txBox="1"/>
+            <p:nvPr/>
+          </p:nvSpPr>
+          <p:spPr>
+            <a:xfrm>
+              <a:off x="10750538" y="4281243"/>
+              <a:ext cx="611386" cy="307777"/>
+            </a:xfrm>
+            <a:prstGeom prst="rect">
+              <a:avLst/>
+            </a:prstGeom>
+            <a:noFill/>
+          </p:spPr>
+          <p:txBody>
+            <a:bodyPr wrap="none" rtlCol="0">
+              <a:spAutoFit/>
+            </a:bodyPr>
+            <a:lstStyle/>
+            <a:p>
+              <a:r>
+                <a:rPr lang="en-US" sz="1400" b="1" dirty="0" smtClean="0">
+                  <a:solidFill>
+                    <a:schemeClr val="bg1"/>
+                  </a:solidFill>
+                </a:rPr>
+                <a:t>ORG2</a:t>
+              </a:r>
+              <a:endParaRPr lang="en-US" sz="1400" b="1" dirty="0">
+                <a:solidFill>
+                  <a:schemeClr val="bg1"/>
+                </a:solidFill>
+              </a:endParaRPr>
+            </a:p>
+          </p:txBody>
+        </p:sp>
+      </p:grpSp>
+      <p:sp>
+        <p:nvSpPr>
+          <p:cNvPr id="44" name="Rounded Rectangle 43"/>
+          <p:cNvSpPr/>
+          <p:nvPr/>
+        </p:nvSpPr>
+        <p:spPr>
+          <a:xfrm>
+            <a:off x="4170953" y="2805816"/>
+            <a:ext cx="559591" cy="554570"/>
+          </a:xfrm>
+          <a:prstGeom prst="roundRect">
+            <a:avLst/>
+          </a:prstGeom>
+          <a:solidFill>
+            <a:srgbClr val="4372C4"/>
+          </a:solidFill>
+          <a:ln w="28575" cap="flat" cmpd="sng" algn="ctr">
+            <a:solidFill>
+              <a:schemeClr val="tx2"/>
+            </a:solidFill>
+            <a:prstDash val="solid"/>
+          </a:ln>
+          <a:effectLst>
+            <a:outerShdw blurRad="40000" dist="23000" dir="5400000" rotWithShape="0">
+              <a:srgbClr val="000000">
+                <a:alpha val="35000"/>
+              </a:srgbClr>
+            </a:outerShdw>
+          </a:effectLst>
+        </p:spPr>
+        <p:txBody>
+          <a:bodyPr tIns="36000" bIns="36000" rtlCol="0" anchor="ctr"/>
+          <a:lstStyle/>
+          <a:p>
+            <a:pPr marL="0" marR="0" lvl="0" indent="0" algn="ctr" defTabSz="457200" eaLnBrk="1" fontAlgn="auto" latinLnBrk="0" hangingPunct="1">
+              <a:lnSpc>
+                <a:spcPct val="100000"/>
+              </a:lnSpc>
+              <a:spcBef>
+                <a:spcPts val="0"/>
+              </a:spcBef>
+              <a:spcAft>
+                <a:spcPts val="0"/>
+              </a:spcAft>
+              <a:buClrTx/>
+              <a:buSzTx/>
+              <a:buFontTx/>
+              <a:buNone/>
+              <a:tabLst/>
+              <a:defRPr/>
+            </a:pPr>
+            <a:r>
+              <a:rPr lang="en-US" sz="2400" b="1" kern="0" noProof="0" dirty="0" smtClean="0">
+                <a:solidFill>
+                  <a:schemeClr val="bg1"/>
+                </a:solidFill>
+                <a:ea typeface=""/>
+                <a:cs typeface=""/>
+              </a:rPr>
+              <a:t>P</a:t>
+            </a:r>
+            <a:endParaRPr kumimoji="0" lang="en-US" sz="2400" b="1" i="0" u="none" strike="noStrike" kern="0" cap="none" spc="0" normalizeH="0" baseline="0" noProof="0" dirty="0" smtClean="0">
+              <a:ln>
+                <a:noFill/>
+              </a:ln>
+              <a:solidFill>
+                <a:schemeClr val="bg1"/>
+              </a:solidFill>
+              <a:effectLst/>
+              <a:uLnTx/>
+              <a:uFillTx/>
+              <a:ea typeface=""/>
+              <a:cs typeface=""/>
+            </a:endParaRPr>
+          </a:p>
+        </p:txBody>
+      </p:sp>
+      <p:cxnSp>
+        <p:nvCxnSpPr>
+          <p:cNvPr id="45" name="Straight Connector 44"/>
+          <p:cNvCxnSpPr>
+            <a:stCxn id="46" idx="0"/>
+            <a:endCxn id="47" idx="1"/>
+          </p:cNvCxnSpPr>
+          <p:nvPr/>
+        </p:nvCxnSpPr>
+        <p:spPr>
+          <a:xfrm>
+            <a:off x="4465811" y="3448514"/>
+            <a:ext cx="5684" cy="709801"/>
+          </a:xfrm>
+          <a:prstGeom prst="line">
+            <a:avLst/>
+          </a:prstGeom>
+          <a:solidFill>
+            <a:schemeClr val="accent1"/>
+          </a:solidFill>
+          <a:ln w="38100" cap="flat" cmpd="sng" algn="ctr">
+            <a:solidFill>
+              <a:schemeClr val="accent1"/>
+            </a:solidFill>
+            <a:prstDash val="solid"/>
+            <a:tailEnd type="none"/>
+          </a:ln>
+          <a:effectLst>
+            <a:outerShdw blurRad="40000" dist="20000" dir="5400000" rotWithShape="0">
+              <a:srgbClr val="000000">
+                <a:alpha val="38000"/>
+              </a:srgbClr>
+            </a:outerShdw>
+          </a:effectLst>
+        </p:spPr>
+      </p:cxnSp>
+      <p:sp>
+        <p:nvSpPr>
+          <p:cNvPr id="46" name="Oval 45"/>
+          <p:cNvSpPr/>
+          <p:nvPr/>
+        </p:nvSpPr>
+        <p:spPr>
+          <a:xfrm flipV="1">
+            <a:off x="4384810" y="3286513"/>
+            <a:ext cx="162001" cy="162001"/>
+          </a:xfrm>
+          <a:prstGeom prst="ellipse">
+            <a:avLst/>
+          </a:prstGeom>
+          <a:solidFill>
+            <a:schemeClr val="accent1"/>
+          </a:solidFill>
+          <a:ln w="25400" cmpd="sng">
+            <a:solidFill>
+              <a:schemeClr val="tx2"/>
+            </a:solidFill>
+          </a:ln>
+          <a:effectLst>
+            <a:outerShdw blurRad="50800" dist="38100" dir="2700000" algn="tl" rotWithShape="0">
+              <a:prstClr val="black">
+                <a:alpha val="40000"/>
+              </a:prstClr>
+            </a:outerShdw>
+          </a:effectLst>
+        </p:spPr>
+        <p:style>
+          <a:lnRef idx="1">
+            <a:schemeClr val="accent1"/>
+          </a:lnRef>
+          <a:fillRef idx="3">
+            <a:schemeClr val="accent1"/>
+          </a:fillRef>
+          <a:effectRef idx="2">
+            <a:schemeClr val="accent1"/>
+          </a:effectRef>
+          <a:fontRef idx="minor">
+            <a:schemeClr val="lt1"/>
+          </a:fontRef>
+        </p:style>
+        <p:txBody>
+          <a:bodyPr rtlCol="0" anchor="ctr"/>
+          <a:lstStyle/>
+          <a:p>
+            <a:pPr algn="ctr"/>
+            <a:endParaRPr lang="en-GB" sz="1000">
+              <a:solidFill>
+                <a:srgbClr val="000000"/>
+              </a:solidFill>
+            </a:endParaRPr>
+          </a:p>
+        </p:txBody>
+      </p:sp>
+      <p:sp>
+        <p:nvSpPr>
+          <p:cNvPr id="48" name="Rounded Rectangle 47"/>
+          <p:cNvSpPr/>
+          <p:nvPr/>
+        </p:nvSpPr>
+        <p:spPr>
+          <a:xfrm>
+            <a:off x="7849565" y="2805816"/>
+            <a:ext cx="559591" cy="554570"/>
+          </a:xfrm>
+          <a:prstGeom prst="roundRect">
+            <a:avLst/>
+          </a:prstGeom>
+          <a:solidFill>
+            <a:srgbClr val="4372C4"/>
+          </a:solidFill>
+          <a:ln w="28575" cap="flat" cmpd="sng" algn="ctr">
+            <a:solidFill>
+              <a:schemeClr val="tx2"/>
+            </a:solidFill>
+            <a:prstDash val="solid"/>
+          </a:ln>
+          <a:effectLst>
+            <a:outerShdw blurRad="40000" dist="23000" dir="5400000" rotWithShape="0">
+              <a:srgbClr val="000000">
+                <a:alpha val="35000"/>
+              </a:srgbClr>
+            </a:outerShdw>
+          </a:effectLst>
+        </p:spPr>
+        <p:txBody>
+          <a:bodyPr tIns="36000" bIns="36000" rtlCol="0" anchor="ctr"/>
+          <a:lstStyle/>
+          <a:p>
+            <a:pPr marL="0" marR="0" lvl="0" indent="0" algn="ctr" defTabSz="457200" eaLnBrk="1" fontAlgn="auto" latinLnBrk="0" hangingPunct="1">
+              <a:lnSpc>
+                <a:spcPct val="100000"/>
+              </a:lnSpc>
+              <a:spcBef>
+                <a:spcPts val="0"/>
+              </a:spcBef>
+              <a:spcAft>
+                <a:spcPts val="0"/>
+              </a:spcAft>
+              <a:buClrTx/>
+              <a:buSzTx/>
+              <a:buFontTx/>
+              <a:buNone/>
+              <a:tabLst/>
+              <a:defRPr/>
+            </a:pPr>
+            <a:r>
+              <a:rPr lang="en-US" sz="2400" b="1" kern="0" noProof="0" dirty="0" smtClean="0">
+                <a:solidFill>
+                  <a:schemeClr val="bg1"/>
+                </a:solidFill>
+                <a:ea typeface=""/>
+                <a:cs typeface=""/>
+              </a:rPr>
+              <a:t>P</a:t>
+            </a:r>
+            <a:endParaRPr kumimoji="0" lang="en-US" sz="2400" b="1" i="0" u="none" strike="noStrike" kern="0" cap="none" spc="0" normalizeH="0" baseline="0" noProof="0" dirty="0" smtClean="0">
+              <a:ln>
+                <a:noFill/>
+              </a:ln>
+              <a:solidFill>
+                <a:schemeClr val="bg1"/>
+              </a:solidFill>
+              <a:effectLst/>
+              <a:uLnTx/>
+              <a:uFillTx/>
+              <a:ea typeface=""/>
+              <a:cs typeface=""/>
+            </a:endParaRPr>
+          </a:p>
+        </p:txBody>
+      </p:sp>
+      <p:cxnSp>
+        <p:nvCxnSpPr>
+          <p:cNvPr id="49" name="Straight Connector 48"/>
+          <p:cNvCxnSpPr>
+            <a:stCxn id="51" idx="0"/>
+            <a:endCxn id="47" idx="7"/>
+          </p:cNvCxnSpPr>
+          <p:nvPr/>
+        </p:nvCxnSpPr>
+        <p:spPr>
+          <a:xfrm>
+            <a:off x="8144423" y="3448514"/>
+            <a:ext cx="5534" cy="709801"/>
+          </a:xfrm>
+          <a:prstGeom prst="line">
+            <a:avLst/>
+          </a:prstGeom>
+          <a:solidFill>
+            <a:schemeClr val="accent1"/>
+          </a:solidFill>
+          <a:ln w="38100" cap="flat" cmpd="sng" algn="ctr">
+            <a:solidFill>
+              <a:schemeClr val="accent1"/>
+            </a:solidFill>
+            <a:prstDash val="solid"/>
+            <a:tailEnd type="none"/>
+          </a:ln>
+          <a:effectLst>
+            <a:outerShdw blurRad="40000" dist="20000" dir="5400000" rotWithShape="0">
+              <a:srgbClr val="000000">
+                <a:alpha val="38000"/>
+              </a:srgbClr>
+            </a:outerShdw>
+          </a:effectLst>
+        </p:spPr>
+      </p:cxnSp>
+      <p:sp>
+        <p:nvSpPr>
+          <p:cNvPr id="51" name="Oval 50"/>
+          <p:cNvSpPr/>
+          <p:nvPr/>
+        </p:nvSpPr>
+        <p:spPr>
+          <a:xfrm flipV="1">
+            <a:off x="8063422" y="3286513"/>
+            <a:ext cx="162001" cy="162001"/>
+          </a:xfrm>
+          <a:prstGeom prst="ellipse">
+            <a:avLst/>
+          </a:prstGeom>
+          <a:solidFill>
+            <a:schemeClr val="accent1"/>
+          </a:solidFill>
+          <a:ln w="25400" cmpd="sng">
+            <a:solidFill>
+              <a:schemeClr val="tx2"/>
+            </a:solidFill>
+          </a:ln>
+          <a:effectLst>
+            <a:outerShdw blurRad="50800" dist="38100" dir="2700000" algn="tl" rotWithShape="0">
+              <a:prstClr val="black">
+                <a:alpha val="40000"/>
+              </a:prstClr>
+            </a:outerShdw>
+          </a:effectLst>
+        </p:spPr>
+        <p:style>
+          <a:lnRef idx="1">
+            <a:schemeClr val="accent1"/>
+          </a:lnRef>
+          <a:fillRef idx="3">
+            <a:schemeClr val="accent1"/>
+          </a:fillRef>
+          <a:effectRef idx="2">
+            <a:schemeClr val="accent1"/>
+          </a:effectRef>
+          <a:fontRef idx="minor">
+            <a:schemeClr val="lt1"/>
+          </a:fontRef>
+        </p:style>
+        <p:txBody>
+          <a:bodyPr rtlCol="0" anchor="ctr"/>
+          <a:lstStyle/>
+          <a:p>
+            <a:pPr algn="ctr"/>
+            <a:endParaRPr lang="en-GB" sz="1000">
+              <a:solidFill>
+                <a:srgbClr val="000000"/>
+              </a:solidFill>
+            </a:endParaRPr>
+          </a:p>
+        </p:txBody>
+      </p:sp>
+      <p:sp>
+        <p:nvSpPr>
+          <p:cNvPr id="47" name="Oval 46"/>
+          <p:cNvSpPr/>
+          <p:nvPr/>
+        </p:nvSpPr>
+        <p:spPr>
+          <a:xfrm>
+            <a:off x="3709661" y="4113235"/>
+            <a:ext cx="5202130" cy="307828"/>
+          </a:xfrm>
+          <a:prstGeom prst="ellipse">
+            <a:avLst/>
+          </a:prstGeom>
+          <a:noFill/>
+          <a:ln w="38100">
+            <a:solidFill>
+              <a:srgbClr val="4372C4"/>
+            </a:solidFill>
+          </a:ln>
+          <a:effectLst>
+            <a:outerShdw blurRad="50800" dist="38100" dir="2700000" algn="tl" rotWithShape="0">
+              <a:prstClr val="black">
+                <a:alpha val="40000"/>
+              </a:prstClr>
+            </a:outerShdw>
+          </a:effectLst>
+        </p:spPr>
+        <p:style>
+          <a:lnRef idx="2">
+            <a:schemeClr val="accent1">
+              <a:shade val="50000"/>
+            </a:schemeClr>
+          </a:lnRef>
+          <a:fillRef idx="1">
+            <a:schemeClr val="accent1"/>
+          </a:fillRef>
+          <a:effectRef idx="0">
+            <a:schemeClr val="accent1"/>
+          </a:effectRef>
+          <a:fontRef idx="minor">
+            <a:schemeClr val="lt1"/>
+          </a:fontRef>
+        </p:style>
+        <p:txBody>
+          <a:bodyPr rtlCol="0" anchor="ctr"/>
+          <a:lstStyle/>
+          <a:p>
+            <a:pPr algn="ctr"/>
+            <a:endParaRPr lang="en-US"/>
+          </a:p>
+        </p:txBody>
+      </p:sp>
+      <p:sp>
+        <p:nvSpPr>
+          <p:cNvPr id="54" name="Rounded Rectangle 53"/>
+          <p:cNvSpPr/>
+          <p:nvPr/>
+        </p:nvSpPr>
+        <p:spPr>
+          <a:xfrm>
+            <a:off x="7645993" y="2329819"/>
+            <a:ext cx="966733" cy="319881"/>
+          </a:xfrm>
+          <a:prstGeom prst="roundRect">
+            <a:avLst>
+              <a:gd name="adj" fmla="val 50000"/>
+            </a:avLst>
+          </a:prstGeom>
+          <a:solidFill>
+            <a:srgbClr val="9F42E6"/>
+          </a:solidFill>
+          <a:ln w="28575" cap="flat" cmpd="sng" algn="ctr">
+            <a:solidFill>
+              <a:schemeClr val="tx2"/>
+            </a:solidFill>
+            <a:prstDash val="solid"/>
+          </a:ln>
+          <a:effectLst>
+            <a:outerShdw blurRad="40000" dist="23000" dir="5400000" rotWithShape="0">
+              <a:srgbClr val="000000">
+                <a:alpha val="35000"/>
+              </a:srgbClr>
+            </a:outerShdw>
+          </a:effectLst>
+        </p:spPr>
+        <p:txBody>
+          <a:bodyPr tIns="36000" bIns="36000" rtlCol="0" anchor="ctr"/>
+          <a:lstStyle/>
+          <a:p>
+            <a:pPr marL="0" marR="0" lvl="0" indent="0" algn="ctr" defTabSz="457200" eaLnBrk="1" fontAlgn="auto" latinLnBrk="0" hangingPunct="1">
+              <a:lnSpc>
+                <a:spcPct val="100000"/>
+              </a:lnSpc>
+              <a:spcBef>
+                <a:spcPts val="0"/>
+              </a:spcBef>
+              <a:spcAft>
+                <a:spcPts val="0"/>
+              </a:spcAft>
+              <a:buClrTx/>
+              <a:buSzTx/>
+              <a:buFontTx/>
+              <a:buNone/>
+              <a:tabLst/>
+              <a:defRPr/>
+            </a:pPr>
+            <a:r>
+              <a:rPr lang="en-US" sz="1100" b="1" kern="0" noProof="0" smtClean="0">
+                <a:solidFill>
+                  <a:schemeClr val="bg1"/>
+                </a:solidFill>
+                <a:ea typeface=""/>
+                <a:cs typeface=""/>
+              </a:rPr>
+              <a:t>ORG2.MSP</a:t>
+            </a:r>
+            <a:endParaRPr kumimoji="0" lang="en-US" sz="1100" b="1" i="0" u="none" strike="noStrike" kern="0" cap="none" spc="0" normalizeH="0" baseline="0" noProof="0" dirty="0" smtClean="0">
+              <a:ln>
+                <a:noFill/>
+              </a:ln>
+              <a:solidFill>
+                <a:schemeClr val="bg1"/>
+              </a:solidFill>
+              <a:effectLst/>
+              <a:uLnTx/>
+              <a:uFillTx/>
+              <a:ea typeface=""/>
+              <a:cs typeface=""/>
+            </a:endParaRPr>
+          </a:p>
+        </p:txBody>
+      </p:sp>
+      <p:cxnSp>
+        <p:nvCxnSpPr>
+          <p:cNvPr id="55" name="Straight Connector 54"/>
+          <p:cNvCxnSpPr>
+            <a:stCxn id="44" idx="0"/>
+            <a:endCxn id="50" idx="2"/>
+          </p:cNvCxnSpPr>
+          <p:nvPr/>
+        </p:nvCxnSpPr>
+        <p:spPr>
+          <a:xfrm flipH="1" flipV="1">
+            <a:off x="4450747" y="2652810"/>
+            <a:ext cx="2" cy="153006"/>
+          </a:xfrm>
+          <a:prstGeom prst="line">
+            <a:avLst/>
+          </a:prstGeom>
+          <a:ln w="28575">
+            <a:solidFill>
+              <a:srgbClr val="4372C4"/>
+            </a:solidFill>
+            <a:prstDash val="sysDot"/>
+            <a:headEnd type="none" w="med" len="med"/>
+            <a:tailEnd type="none" w="med" len="med"/>
+          </a:ln>
+        </p:spPr>
+        <p:style>
+          <a:lnRef idx="1">
+            <a:schemeClr val="accent1"/>
+          </a:lnRef>
+          <a:fillRef idx="0">
+            <a:schemeClr val="accent1"/>
+          </a:fillRef>
+          <a:effectRef idx="0">
+            <a:schemeClr val="accent1"/>
+          </a:effectRef>
+          <a:fontRef idx="minor">
+            <a:schemeClr val="tx1"/>
+          </a:fontRef>
+        </p:style>
+      </p:cxnSp>
+      <p:cxnSp>
+        <p:nvCxnSpPr>
+          <p:cNvPr id="63" name="Straight Connector 62"/>
+          <p:cNvCxnSpPr>
+            <a:stCxn id="48" idx="0"/>
+            <a:endCxn id="54" idx="2"/>
+          </p:cNvCxnSpPr>
+          <p:nvPr/>
+        </p:nvCxnSpPr>
+        <p:spPr>
+          <a:xfrm flipH="1" flipV="1">
+            <a:off x="8129360" y="2649700"/>
+            <a:ext cx="1" cy="156116"/>
+          </a:xfrm>
+          <a:prstGeom prst="line">
+            <a:avLst/>
+          </a:prstGeom>
+          <a:ln w="28575">
+            <a:solidFill>
+              <a:srgbClr val="4372C4"/>
+            </a:solidFill>
+            <a:prstDash val="sysDot"/>
+            <a:headEnd type="none" w="med" len="med"/>
+            <a:tailEnd type="none" w="med" len="med"/>
+          </a:ln>
+        </p:spPr>
+        <p:style>
+          <a:lnRef idx="1">
+            <a:schemeClr val="accent1"/>
+          </a:lnRef>
+          <a:fillRef idx="0">
+            <a:schemeClr val="accent1"/>
+          </a:fillRef>
+          <a:effectRef idx="0">
+            <a:schemeClr val="accent1"/>
+          </a:effectRef>
+          <a:fontRef idx="minor">
+            <a:schemeClr val="tx1"/>
+          </a:fontRef>
+        </p:style>
+      </p:cxnSp>
+      <p:sp>
+        <p:nvSpPr>
+          <p:cNvPr id="64" name="Rounded Rectangle 63"/>
+          <p:cNvSpPr/>
+          <p:nvPr/>
+        </p:nvSpPr>
+        <p:spPr>
+          <a:xfrm>
+            <a:off x="5827359" y="5072050"/>
+            <a:ext cx="966733" cy="319881"/>
+          </a:xfrm>
+          <a:prstGeom prst="roundRect">
+            <a:avLst>
+              <a:gd name="adj" fmla="val 50000"/>
+            </a:avLst>
+          </a:prstGeom>
+          <a:solidFill>
+            <a:srgbClr val="9F42E6"/>
+          </a:solidFill>
+          <a:ln w="28575" cap="flat" cmpd="sng" algn="ctr">
+            <a:solidFill>
+              <a:schemeClr val="tx2"/>
+            </a:solidFill>
+            <a:prstDash val="solid"/>
+          </a:ln>
+          <a:effectLst>
+            <a:outerShdw blurRad="40000" dist="23000" dir="5400000" rotWithShape="0">
+              <a:srgbClr val="000000">
+                <a:alpha val="35000"/>
+              </a:srgbClr>
+            </a:outerShdw>
+          </a:effectLst>
+        </p:spPr>
+        <p:txBody>
+          <a:bodyPr tIns="36000" bIns="36000" rtlCol="0" anchor="ctr"/>
+          <a:lstStyle/>
+          <a:p>
+            <a:pPr marL="0" marR="0" lvl="0" indent="0" algn="ctr" defTabSz="457200" eaLnBrk="1" fontAlgn="auto" latinLnBrk="0" hangingPunct="1">
+              <a:lnSpc>
+                <a:spcPct val="100000"/>
+              </a:lnSpc>
+              <a:spcBef>
+                <a:spcPts val="0"/>
+              </a:spcBef>
+              <a:spcAft>
+                <a:spcPts val="0"/>
+              </a:spcAft>
+              <a:buClrTx/>
+              <a:buSzTx/>
+              <a:buFontTx/>
+              <a:buNone/>
+              <a:tabLst/>
+              <a:defRPr/>
+            </a:pPr>
+            <a:r>
+              <a:rPr lang="en-US" sz="1100" b="1" kern="0" noProof="0" dirty="0" smtClean="0">
+                <a:solidFill>
+                  <a:schemeClr val="bg1"/>
+                </a:solidFill>
+                <a:ea typeface=""/>
+                <a:cs typeface=""/>
+              </a:rPr>
+              <a:t>ORG1.MSP</a:t>
+            </a:r>
+            <a:endParaRPr kumimoji="0" lang="en-US" sz="1100" b="1" i="0" u="none" strike="noStrike" kern="0" cap="none" spc="0" normalizeH="0" baseline="0" noProof="0" dirty="0" smtClean="0">
+              <a:ln>
+                <a:noFill/>
+              </a:ln>
+              <a:solidFill>
+                <a:schemeClr val="bg1"/>
+              </a:solidFill>
+              <a:effectLst/>
+              <a:uLnTx/>
+              <a:uFillTx/>
+              <a:ea typeface=""/>
+              <a:cs typeface=""/>
+            </a:endParaRPr>
+          </a:p>
+        </p:txBody>
+      </p:sp>
+      <p:sp>
+        <p:nvSpPr>
+          <p:cNvPr id="66" name="Rounded Rectangle 65"/>
+          <p:cNvSpPr/>
+          <p:nvPr/>
+        </p:nvSpPr>
+        <p:spPr>
+          <a:xfrm>
+            <a:off x="5827358" y="5383763"/>
+            <a:ext cx="966733" cy="319881"/>
+          </a:xfrm>
+          <a:prstGeom prst="roundRect">
+            <a:avLst>
+              <a:gd name="adj" fmla="val 50000"/>
+            </a:avLst>
+          </a:prstGeom>
+          <a:solidFill>
+            <a:srgbClr val="9F42E6"/>
+          </a:solidFill>
+          <a:ln w="28575" cap="flat" cmpd="sng" algn="ctr">
+            <a:solidFill>
+              <a:schemeClr val="tx2"/>
+            </a:solidFill>
+            <a:prstDash val="solid"/>
+          </a:ln>
+          <a:effectLst>
+            <a:outerShdw blurRad="40000" dist="23000" dir="5400000" rotWithShape="0">
+              <a:srgbClr val="000000">
+                <a:alpha val="35000"/>
+              </a:srgbClr>
+            </a:outerShdw>
+          </a:effectLst>
+        </p:spPr>
+        <p:txBody>
+          <a:bodyPr tIns="36000" bIns="36000" rtlCol="0" anchor="ctr"/>
+          <a:lstStyle/>
+          <a:p>
+            <a:pPr marL="0" marR="0" lvl="0" indent="0" algn="ctr" defTabSz="457200" eaLnBrk="1" fontAlgn="auto" latinLnBrk="0" hangingPunct="1">
+              <a:lnSpc>
+                <a:spcPct val="100000"/>
+              </a:lnSpc>
+              <a:spcBef>
+                <a:spcPts val="0"/>
+              </a:spcBef>
+              <a:spcAft>
+                <a:spcPts val="0"/>
+              </a:spcAft>
+              <a:buClrTx/>
+              <a:buSzTx/>
+              <a:buFontTx/>
+              <a:buNone/>
+              <a:tabLst/>
+              <a:defRPr/>
+            </a:pPr>
+            <a:r>
+              <a:rPr lang="en-US" sz="1100" b="1" kern="0" noProof="0" dirty="0" smtClean="0">
+                <a:solidFill>
+                  <a:schemeClr val="bg1"/>
+                </a:solidFill>
+                <a:ea typeface=""/>
+                <a:cs typeface=""/>
+              </a:rPr>
+              <a:t>ORG2.MSP</a:t>
+            </a:r>
+            <a:endParaRPr kumimoji="0" lang="en-US" sz="1100" b="1" i="0" u="none" strike="noStrike" kern="0" cap="none" spc="0" normalizeH="0" baseline="0" noProof="0" dirty="0" smtClean="0">
+              <a:ln>
+                <a:noFill/>
+              </a:ln>
+              <a:solidFill>
+                <a:schemeClr val="bg1"/>
+              </a:solidFill>
+              <a:effectLst/>
+              <a:uLnTx/>
+              <a:uFillTx/>
+              <a:ea typeface=""/>
+              <a:cs typeface=""/>
+            </a:endParaRPr>
+          </a:p>
+        </p:txBody>
+      </p:sp>
+      <p:cxnSp>
+        <p:nvCxnSpPr>
+          <p:cNvPr id="76" name="Straight Connector 75"/>
+          <p:cNvCxnSpPr>
+            <a:stCxn id="57" idx="0"/>
+            <a:endCxn id="47" idx="4"/>
+          </p:cNvCxnSpPr>
+          <p:nvPr/>
+        </p:nvCxnSpPr>
+        <p:spPr>
+          <a:xfrm flipV="1">
+            <a:off x="6310726" y="4421063"/>
+            <a:ext cx="0" cy="426275"/>
+          </a:xfrm>
+          <a:prstGeom prst="line">
+            <a:avLst/>
+          </a:prstGeom>
+          <a:ln w="28575">
+            <a:solidFill>
+              <a:srgbClr val="4372C4"/>
+            </a:solidFill>
+            <a:prstDash val="sysDot"/>
+            <a:headEnd type="none" w="med" len="med"/>
+            <a:tailEnd type="none" w="med" len="med"/>
+          </a:ln>
+        </p:spPr>
+        <p:style>
+          <a:lnRef idx="1">
+            <a:schemeClr val="accent1"/>
+          </a:lnRef>
+          <a:fillRef idx="0">
+            <a:schemeClr val="accent1"/>
+          </a:fillRef>
+          <a:effectRef idx="0">
+            <a:schemeClr val="accent1"/>
+          </a:effectRef>
+          <a:fontRef idx="minor">
+            <a:schemeClr val="tx1"/>
+          </a:fontRef>
+        </p:style>
+      </p:cxnSp>
+      <p:grpSp>
+        <p:nvGrpSpPr>
+          <p:cNvPr id="21" name="Group 20"/>
+          <p:cNvGrpSpPr/>
+          <p:nvPr/>
+        </p:nvGrpSpPr>
+        <p:grpSpPr>
+          <a:xfrm>
+            <a:off x="4782100" y="2802240"/>
+            <a:ext cx="1182456" cy="889529"/>
+            <a:chOff x="5213906" y="2257415"/>
+            <a:chExt cx="1182456" cy="926735"/>
+          </a:xfrm>
+        </p:grpSpPr>
+        <p:sp>
+          <p:nvSpPr>
+            <p:cNvPr id="18" name="Folded Corner 17"/>
+            <p:cNvSpPr/>
+            <p:nvPr/>
+          </p:nvSpPr>
+          <p:spPr>
+            <a:xfrm>
+              <a:off x="5213906" y="2257415"/>
+              <a:ext cx="1065903" cy="855289"/>
+            </a:xfrm>
+            <a:prstGeom prst="foldedCorner">
+              <a:avLst/>
+            </a:prstGeom>
+            <a:solidFill>
+              <a:schemeClr val="accent1">
+                <a:lumMod val="20000"/>
+                <a:lumOff val="80000"/>
+              </a:schemeClr>
+            </a:solidFill>
+          </p:spPr>
+          <p:style>
+            <a:lnRef idx="2">
+              <a:schemeClr val="accent1">
+                <a:shade val="50000"/>
+              </a:schemeClr>
+            </a:lnRef>
+            <a:fillRef idx="1">
+              <a:schemeClr val="accent1"/>
+            </a:fillRef>
+            <a:effectRef idx="0">
+              <a:schemeClr val="accent1"/>
+            </a:effectRef>
+            <a:fontRef idx="minor">
+              <a:schemeClr val="lt1"/>
+            </a:fontRef>
+          </p:style>
+          <p:txBody>
+            <a:bodyPr rtlCol="0" anchor="ctr"/>
+            <a:lstStyle/>
+            <a:p>
+              <a:pPr algn="ctr"/>
+              <a:endParaRPr lang="en-US"/>
+            </a:p>
+          </p:txBody>
+        </p:sp>
+        <p:sp>
+          <p:nvSpPr>
+            <p:cNvPr id="19" name="TextBox 18"/>
+            <p:cNvSpPr txBox="1"/>
+            <p:nvPr/>
+          </p:nvSpPr>
+          <p:spPr>
+            <a:xfrm>
+              <a:off x="5213906" y="2286330"/>
+              <a:ext cx="1182456" cy="897820"/>
+            </a:xfrm>
+            <a:prstGeom prst="rect">
+              <a:avLst/>
+            </a:prstGeom>
+            <a:noFill/>
+          </p:spPr>
+          <p:txBody>
+            <a:bodyPr wrap="square" rtlCol="0">
+              <a:spAutoFit/>
+            </a:bodyPr>
+            <a:lstStyle/>
+            <a:p>
+              <a:r>
+                <a:rPr lang="en-US" sz="1000" dirty="0" smtClean="0">
+                  <a:latin typeface="Courier New" charset="0"/>
+                  <a:ea typeface="Courier New" charset="0"/>
+                  <a:cs typeface="Courier New" charset="0"/>
+                </a:rPr>
+                <a:t>\ORG1.MSP</a:t>
+              </a:r>
+            </a:p>
+            <a:p>
+              <a:r>
+                <a:rPr lang="en-US" sz="1000" dirty="0" smtClean="0">
+                  <a:latin typeface="Courier New" charset="0"/>
+                  <a:ea typeface="Courier New" charset="0"/>
+                  <a:cs typeface="Courier New" charset="0"/>
+                </a:rPr>
+                <a:t>   \</a:t>
+              </a:r>
+              <a:r>
+                <a:rPr lang="en-US" sz="1000" dirty="0" err="1" smtClean="0">
+                  <a:latin typeface="Courier New" charset="0"/>
+                  <a:ea typeface="Courier New" charset="0"/>
+                  <a:cs typeface="Courier New" charset="0"/>
+                </a:rPr>
+                <a:t>RootCAs</a:t>
+              </a:r>
+              <a:endParaRPr lang="en-US" sz="1000" dirty="0" smtClean="0">
+                <a:latin typeface="Courier New" charset="0"/>
+                <a:ea typeface="Courier New" charset="0"/>
+                <a:cs typeface="Courier New" charset="0"/>
+              </a:endParaRPr>
+            </a:p>
+            <a:p>
+              <a:r>
+                <a:rPr lang="en-US" sz="1000" dirty="0">
+                  <a:latin typeface="Courier New" charset="0"/>
+                  <a:ea typeface="Courier New" charset="0"/>
+                  <a:cs typeface="Courier New" charset="0"/>
+                </a:rPr>
+                <a:t> </a:t>
+              </a:r>
+              <a:r>
+                <a:rPr lang="en-US" sz="1000" dirty="0" smtClean="0">
+                  <a:latin typeface="Courier New" charset="0"/>
+                  <a:ea typeface="Courier New" charset="0"/>
+                  <a:cs typeface="Courier New" charset="0"/>
+                </a:rPr>
+                <a:t>     RCA1</a:t>
+              </a:r>
+              <a:endParaRPr lang="en-US" sz="1000" dirty="0" smtClean="0">
+                <a:latin typeface="Courier New" charset="0"/>
+                <a:ea typeface="Courier New" charset="0"/>
+                <a:cs typeface="Courier New" charset="0"/>
+              </a:endParaRPr>
+            </a:p>
+            <a:p>
+              <a:r>
+                <a:rPr lang="en-US" sz="1000" dirty="0">
+                  <a:latin typeface="Courier New" charset="0"/>
+                  <a:ea typeface="Courier New" charset="0"/>
+                  <a:cs typeface="Courier New" charset="0"/>
+                </a:rPr>
+                <a:t> </a:t>
+              </a:r>
+              <a:r>
+                <a:rPr lang="en-US" sz="1000" dirty="0" smtClean="0">
+                  <a:latin typeface="Courier New" charset="0"/>
+                  <a:ea typeface="Courier New" charset="0"/>
+                  <a:cs typeface="Courier New" charset="0"/>
+                </a:rPr>
+                <a:t>  \</a:t>
+              </a:r>
+              <a:r>
+                <a:rPr lang="en-US" sz="1000" dirty="0" err="1" smtClean="0">
+                  <a:latin typeface="Courier New" charset="0"/>
+                  <a:ea typeface="Courier New" charset="0"/>
+                  <a:cs typeface="Courier New" charset="0"/>
+                </a:rPr>
+                <a:t>IntCAs</a:t>
+              </a:r>
+              <a:endParaRPr lang="en-US" sz="1000" dirty="0" smtClean="0">
+                <a:latin typeface="Courier New" charset="0"/>
+                <a:ea typeface="Courier New" charset="0"/>
+                <a:cs typeface="Courier New" charset="0"/>
+              </a:endParaRPr>
+            </a:p>
+            <a:p>
+              <a:r>
+                <a:rPr lang="en-US" sz="1000" dirty="0">
+                  <a:latin typeface="Courier New" charset="0"/>
+                  <a:ea typeface="Courier New" charset="0"/>
+                  <a:cs typeface="Courier New" charset="0"/>
+                </a:rPr>
+                <a:t> </a:t>
+              </a:r>
+              <a:r>
+                <a:rPr lang="en-US" sz="1000" dirty="0" smtClean="0">
+                  <a:latin typeface="Courier New" charset="0"/>
+                  <a:ea typeface="Courier New" charset="0"/>
+                  <a:cs typeface="Courier New" charset="0"/>
+                </a:rPr>
+                <a:t>  </a:t>
+              </a:r>
+              <a:r>
+                <a:rPr lang="en-US" sz="1000" b="1" dirty="0" smtClean="0">
+                  <a:latin typeface="Courier New" charset="0"/>
+                  <a:ea typeface="Courier New" charset="0"/>
+                  <a:cs typeface="Courier New" charset="0"/>
+                </a:rPr>
+                <a:t>...</a:t>
+              </a:r>
+            </a:p>
+          </p:txBody>
+        </p:sp>
+      </p:grpSp>
+      <p:sp>
+        <p:nvSpPr>
+          <p:cNvPr id="20" name="TextBox 19"/>
+          <p:cNvSpPr txBox="1"/>
+          <p:nvPr/>
+        </p:nvSpPr>
+        <p:spPr>
+          <a:xfrm>
+            <a:off x="5137426" y="3553905"/>
+            <a:ext cx="808282" cy="400110"/>
+          </a:xfrm>
+          <a:prstGeom prst="rect">
+            <a:avLst/>
+          </a:prstGeom>
+          <a:noFill/>
+        </p:spPr>
+        <p:txBody>
+          <a:bodyPr wrap="square" rtlCol="0">
+            <a:spAutoFit/>
+          </a:bodyPr>
+          <a:lstStyle/>
+          <a:p>
+            <a:pPr algn="r"/>
+            <a:r>
+              <a:rPr lang="en-US" sz="1000" dirty="0" smtClean="0"/>
+              <a:t>peer’s local</a:t>
+            </a:r>
+          </a:p>
+          <a:p>
+            <a:pPr algn="r"/>
+            <a:r>
+              <a:rPr lang="en-US" sz="1000" dirty="0" smtClean="0"/>
+              <a:t>filesystem</a:t>
+            </a:r>
+            <a:endParaRPr lang="en-US" sz="1000" dirty="0"/>
+          </a:p>
+        </p:txBody>
+      </p:sp>
+      <p:cxnSp>
+        <p:nvCxnSpPr>
+          <p:cNvPr id="33" name="Elbow Connector 32"/>
+          <p:cNvCxnSpPr>
+            <a:stCxn id="50" idx="3"/>
+            <a:endCxn id="18" idx="0"/>
+          </p:cNvCxnSpPr>
+          <p:nvPr/>
+        </p:nvCxnSpPr>
+        <p:spPr>
+          <a:xfrm>
+            <a:off x="4934113" y="2492870"/>
+            <a:ext cx="380939" cy="309369"/>
+          </a:xfrm>
+          <a:prstGeom prst="bentConnector2">
+            <a:avLst/>
+          </a:prstGeom>
+          <a:ln w="28575">
+            <a:solidFill>
+              <a:srgbClr val="4372C4"/>
+            </a:solidFill>
+            <a:tailEnd type="triangle"/>
+          </a:ln>
+        </p:spPr>
+        <p:style>
+          <a:lnRef idx="1">
+            <a:schemeClr val="accent1"/>
+          </a:lnRef>
+          <a:fillRef idx="0">
+            <a:schemeClr val="accent1"/>
+          </a:fillRef>
+          <a:effectRef idx="0">
+            <a:schemeClr val="accent1"/>
+          </a:effectRef>
+          <a:fontRef idx="minor">
+            <a:schemeClr val="tx1"/>
+          </a:fontRef>
+        </p:style>
+      </p:cxnSp>
+      <p:grpSp>
+        <p:nvGrpSpPr>
+          <p:cNvPr id="84" name="Group 83"/>
+          <p:cNvGrpSpPr/>
+          <p:nvPr/>
+        </p:nvGrpSpPr>
+        <p:grpSpPr>
+          <a:xfrm>
+            <a:off x="6741069" y="2802240"/>
+            <a:ext cx="1182456" cy="889529"/>
+            <a:chOff x="5213906" y="2257415"/>
+            <a:chExt cx="1182456" cy="926735"/>
+          </a:xfrm>
+        </p:grpSpPr>
+        <p:sp>
+          <p:nvSpPr>
+            <p:cNvPr id="85" name="Folded Corner 84"/>
+            <p:cNvSpPr/>
+            <p:nvPr/>
+          </p:nvSpPr>
+          <p:spPr>
+            <a:xfrm>
+              <a:off x="5213906" y="2257415"/>
+              <a:ext cx="1065903" cy="855289"/>
+            </a:xfrm>
+            <a:prstGeom prst="foldedCorner">
+              <a:avLst/>
+            </a:prstGeom>
+            <a:solidFill>
+              <a:schemeClr val="accent1">
+                <a:lumMod val="20000"/>
+                <a:lumOff val="80000"/>
+              </a:schemeClr>
+            </a:solidFill>
+          </p:spPr>
+          <p:style>
+            <a:lnRef idx="2">
+              <a:schemeClr val="accent1">
+                <a:shade val="50000"/>
+              </a:schemeClr>
+            </a:lnRef>
+            <a:fillRef idx="1">
+              <a:schemeClr val="accent1"/>
+            </a:fillRef>
+            <a:effectRef idx="0">
+              <a:schemeClr val="accent1"/>
+            </a:effectRef>
+            <a:fontRef idx="minor">
+              <a:schemeClr val="lt1"/>
+            </a:fontRef>
+          </p:style>
+          <p:txBody>
+            <a:bodyPr rtlCol="0" anchor="ctr"/>
+            <a:lstStyle/>
+            <a:p>
+              <a:pPr algn="ctr"/>
+              <a:endParaRPr lang="en-US"/>
+            </a:p>
+          </p:txBody>
+        </p:sp>
+        <p:sp>
+          <p:nvSpPr>
+            <p:cNvPr id="87" name="TextBox 86"/>
+            <p:cNvSpPr txBox="1"/>
+            <p:nvPr/>
+          </p:nvSpPr>
+          <p:spPr>
+            <a:xfrm>
+              <a:off x="5213906" y="2286330"/>
+              <a:ext cx="1182456" cy="897820"/>
+            </a:xfrm>
+            <a:prstGeom prst="rect">
+              <a:avLst/>
+            </a:prstGeom>
+            <a:noFill/>
+          </p:spPr>
+          <p:txBody>
+            <a:bodyPr wrap="square" rtlCol="0">
+              <a:spAutoFit/>
+            </a:bodyPr>
+            <a:lstStyle/>
+            <a:p>
+              <a:r>
+                <a:rPr lang="en-US" sz="1000" dirty="0" smtClean="0">
+                  <a:latin typeface="Courier New" charset="0"/>
+                  <a:ea typeface="Courier New" charset="0"/>
+                  <a:cs typeface="Courier New" charset="0"/>
+                </a:rPr>
+                <a:t>\</a:t>
+              </a:r>
+              <a:r>
+                <a:rPr lang="en-US" sz="1000" dirty="0" smtClean="0">
+                  <a:latin typeface="Courier New" charset="0"/>
+                  <a:ea typeface="Courier New" charset="0"/>
+                  <a:cs typeface="Courier New" charset="0"/>
+                </a:rPr>
+                <a:t>ORG2.MSP</a:t>
+              </a:r>
+              <a:endParaRPr lang="en-US" sz="1000" dirty="0" smtClean="0">
+                <a:latin typeface="Courier New" charset="0"/>
+                <a:ea typeface="Courier New" charset="0"/>
+                <a:cs typeface="Courier New" charset="0"/>
+              </a:endParaRPr>
+            </a:p>
+            <a:p>
+              <a:r>
+                <a:rPr lang="en-US" sz="1000" dirty="0" smtClean="0">
+                  <a:latin typeface="Courier New" charset="0"/>
+                  <a:ea typeface="Courier New" charset="0"/>
+                  <a:cs typeface="Courier New" charset="0"/>
+                </a:rPr>
+                <a:t>   \</a:t>
+              </a:r>
+              <a:r>
+                <a:rPr lang="en-US" sz="1000" dirty="0" err="1" smtClean="0">
+                  <a:latin typeface="Courier New" charset="0"/>
+                  <a:ea typeface="Courier New" charset="0"/>
+                  <a:cs typeface="Courier New" charset="0"/>
+                </a:rPr>
+                <a:t>RootCAs</a:t>
+              </a:r>
+              <a:endParaRPr lang="en-US" sz="1000" dirty="0" smtClean="0">
+                <a:latin typeface="Courier New" charset="0"/>
+                <a:ea typeface="Courier New" charset="0"/>
+                <a:cs typeface="Courier New" charset="0"/>
+              </a:endParaRPr>
+            </a:p>
+            <a:p>
+              <a:r>
+                <a:rPr lang="en-US" sz="1000" dirty="0">
+                  <a:latin typeface="Courier New" charset="0"/>
+                  <a:ea typeface="Courier New" charset="0"/>
+                  <a:cs typeface="Courier New" charset="0"/>
+                </a:rPr>
+                <a:t> </a:t>
+              </a:r>
+              <a:r>
+                <a:rPr lang="en-US" sz="1000" dirty="0" smtClean="0">
+                  <a:latin typeface="Courier New" charset="0"/>
+                  <a:ea typeface="Courier New" charset="0"/>
+                  <a:cs typeface="Courier New" charset="0"/>
+                </a:rPr>
+                <a:t>     RCA2</a:t>
+              </a:r>
+              <a:endParaRPr lang="en-US" sz="1000" dirty="0" smtClean="0">
+                <a:latin typeface="Courier New" charset="0"/>
+                <a:ea typeface="Courier New" charset="0"/>
+                <a:cs typeface="Courier New" charset="0"/>
+              </a:endParaRPr>
+            </a:p>
+            <a:p>
+              <a:r>
+                <a:rPr lang="en-US" sz="1000" dirty="0">
+                  <a:latin typeface="Courier New" charset="0"/>
+                  <a:ea typeface="Courier New" charset="0"/>
+                  <a:cs typeface="Courier New" charset="0"/>
+                </a:rPr>
+                <a:t> </a:t>
+              </a:r>
+              <a:r>
+                <a:rPr lang="en-US" sz="1000" dirty="0" smtClean="0">
+                  <a:latin typeface="Courier New" charset="0"/>
+                  <a:ea typeface="Courier New" charset="0"/>
+                  <a:cs typeface="Courier New" charset="0"/>
+                </a:rPr>
+                <a:t>  \</a:t>
+              </a:r>
+              <a:r>
+                <a:rPr lang="en-US" sz="1000" dirty="0" err="1" smtClean="0">
+                  <a:latin typeface="Courier New" charset="0"/>
+                  <a:ea typeface="Courier New" charset="0"/>
+                  <a:cs typeface="Courier New" charset="0"/>
+                </a:rPr>
+                <a:t>IntCAs</a:t>
+              </a:r>
+              <a:endParaRPr lang="en-US" sz="1000" dirty="0" smtClean="0">
+                <a:latin typeface="Courier New" charset="0"/>
+                <a:ea typeface="Courier New" charset="0"/>
+                <a:cs typeface="Courier New" charset="0"/>
+              </a:endParaRPr>
+            </a:p>
+            <a:p>
+              <a:r>
+                <a:rPr lang="en-US" sz="1000" dirty="0">
+                  <a:latin typeface="Courier New" charset="0"/>
+                  <a:ea typeface="Courier New" charset="0"/>
+                  <a:cs typeface="Courier New" charset="0"/>
+                </a:rPr>
+                <a:t> </a:t>
+              </a:r>
+              <a:r>
+                <a:rPr lang="en-US" sz="1000" dirty="0" smtClean="0">
+                  <a:latin typeface="Courier New" charset="0"/>
+                  <a:ea typeface="Courier New" charset="0"/>
+                  <a:cs typeface="Courier New" charset="0"/>
+                </a:rPr>
+                <a:t>  </a:t>
+              </a:r>
+              <a:r>
+                <a:rPr lang="en-US" sz="1000" b="1" dirty="0" smtClean="0">
+                  <a:latin typeface="Courier New" charset="0"/>
+                  <a:ea typeface="Courier New" charset="0"/>
+                  <a:cs typeface="Courier New" charset="0"/>
+                </a:rPr>
+                <a:t>...</a:t>
+              </a:r>
+            </a:p>
+          </p:txBody>
+        </p:sp>
+      </p:grpSp>
+      <p:sp>
+        <p:nvSpPr>
+          <p:cNvPr id="88" name="TextBox 87"/>
+          <p:cNvSpPr txBox="1"/>
+          <p:nvPr/>
+        </p:nvSpPr>
+        <p:spPr>
+          <a:xfrm>
+            <a:off x="7079691" y="3555931"/>
+            <a:ext cx="808282" cy="400110"/>
+          </a:xfrm>
+          <a:prstGeom prst="rect">
+            <a:avLst/>
+          </a:prstGeom>
+          <a:noFill/>
+        </p:spPr>
+        <p:txBody>
+          <a:bodyPr wrap="square" rtlCol="0">
+            <a:spAutoFit/>
+          </a:bodyPr>
+          <a:lstStyle/>
+          <a:p>
+            <a:pPr algn="r"/>
+            <a:r>
+              <a:rPr lang="en-US" sz="1000" dirty="0" smtClean="0"/>
+              <a:t>peer’s local</a:t>
+            </a:r>
+          </a:p>
+          <a:p>
+            <a:pPr algn="r"/>
+            <a:r>
+              <a:rPr lang="en-US" sz="1000" dirty="0" smtClean="0"/>
+              <a:t>filesystem</a:t>
+            </a:r>
+            <a:endParaRPr lang="en-US" sz="1000" dirty="0"/>
+          </a:p>
+        </p:txBody>
+      </p:sp>
+      <p:cxnSp>
+        <p:nvCxnSpPr>
+          <p:cNvPr id="90" name="Elbow Connector 89"/>
+          <p:cNvCxnSpPr>
+            <a:stCxn id="54" idx="1"/>
+            <a:endCxn id="85" idx="0"/>
+          </p:cNvCxnSpPr>
+          <p:nvPr/>
+        </p:nvCxnSpPr>
+        <p:spPr>
+          <a:xfrm rot="10800000" flipV="1">
+            <a:off x="7274021" y="2489759"/>
+            <a:ext cx="371972" cy="312479"/>
+          </a:xfrm>
+          <a:prstGeom prst="bentConnector2">
+            <a:avLst/>
+          </a:prstGeom>
+          <a:ln w="28575">
+            <a:solidFill>
+              <a:srgbClr val="4372C4"/>
+            </a:solidFill>
+            <a:tailEnd type="triangle"/>
+          </a:ln>
+        </p:spPr>
+        <p:style>
+          <a:lnRef idx="1">
+            <a:schemeClr val="accent1"/>
+          </a:lnRef>
+          <a:fillRef idx="0">
+            <a:schemeClr val="accent1"/>
+          </a:fillRef>
+          <a:effectRef idx="0">
+            <a:schemeClr val="accent1"/>
+          </a:effectRef>
+          <a:fontRef idx="minor">
+            <a:schemeClr val="tx1"/>
+          </a:fontRef>
+        </p:style>
+      </p:cxnSp>
+      <p:sp>
+        <p:nvSpPr>
+          <p:cNvPr id="91" name="TextBox 90"/>
+          <p:cNvSpPr txBox="1"/>
+          <p:nvPr/>
+        </p:nvSpPr>
+        <p:spPr>
+          <a:xfrm>
+            <a:off x="6133873" y="4036316"/>
+            <a:ext cx="348172" cy="461665"/>
+          </a:xfrm>
+          <a:prstGeom prst="rect">
+            <a:avLst/>
+          </a:prstGeom>
+          <a:noFill/>
+          <a:ln>
+            <a:noFill/>
+          </a:ln>
+        </p:spPr>
+        <p:txBody>
+          <a:bodyPr wrap="none" rtlCol="0">
+            <a:spAutoFit/>
+          </a:bodyPr>
+          <a:lstStyle/>
+          <a:p>
+            <a:r>
+              <a:rPr lang="en-US" sz="2400" b="1" dirty="0" smtClean="0">
+                <a:solidFill>
+                  <a:schemeClr val="accent1"/>
+                </a:solidFill>
+              </a:rPr>
+              <a:t>C</a:t>
+            </a:r>
+            <a:endParaRPr lang="en-US" sz="2400" b="1" dirty="0">
+              <a:solidFill>
+                <a:schemeClr val="accent1"/>
+              </a:solidFill>
+            </a:endParaRPr>
+          </a:p>
+        </p:txBody>
+      </p:sp>
+      <p:sp>
+        <p:nvSpPr>
+          <p:cNvPr id="94" name="Folded Corner 93"/>
+          <p:cNvSpPr/>
+          <p:nvPr/>
+        </p:nvSpPr>
+        <p:spPr>
+          <a:xfrm>
+            <a:off x="3874582" y="4997579"/>
+            <a:ext cx="1065903" cy="820951"/>
+          </a:xfrm>
+          <a:prstGeom prst="foldedCorner">
+            <a:avLst/>
+          </a:prstGeom>
+          <a:solidFill>
+            <a:schemeClr val="accent4">
+              <a:lumMod val="40000"/>
+              <a:lumOff val="60000"/>
+            </a:schemeClr>
+          </a:solidFill>
+          <a:ln>
+            <a:solidFill>
+              <a:schemeClr val="accent4">
+                <a:lumMod val="75000"/>
+              </a:schemeClr>
+            </a:solidFill>
+          </a:ln>
+        </p:spPr>
+        <p:style>
+          <a:lnRef idx="2">
+            <a:schemeClr val="accent1">
+              <a:shade val="50000"/>
+            </a:schemeClr>
+          </a:lnRef>
+          <a:fillRef idx="1">
+            <a:schemeClr val="accent1"/>
+          </a:fillRef>
+          <a:effectRef idx="0">
+            <a:schemeClr val="accent1"/>
+          </a:effectRef>
+          <a:fontRef idx="minor">
+            <a:schemeClr val="lt1"/>
+          </a:fontRef>
+        </p:style>
+        <p:txBody>
+          <a:bodyPr rtlCol="0" anchor="ctr"/>
+          <a:lstStyle/>
+          <a:p>
+            <a:pPr algn="ctr"/>
+            <a:endParaRPr lang="en-US"/>
+          </a:p>
+        </p:txBody>
+      </p:sp>
+      <p:sp>
+        <p:nvSpPr>
+          <p:cNvPr id="96" name="TextBox 95"/>
+          <p:cNvSpPr txBox="1"/>
+          <p:nvPr/>
+        </p:nvSpPr>
+        <p:spPr>
+          <a:xfrm>
+            <a:off x="3874582" y="5025333"/>
+            <a:ext cx="1182456" cy="679466"/>
+          </a:xfrm>
+          <a:prstGeom prst="rect">
+            <a:avLst/>
+          </a:prstGeom>
+          <a:noFill/>
+        </p:spPr>
+        <p:txBody>
+          <a:bodyPr wrap="square" rtlCol="0">
+            <a:spAutoFit/>
+          </a:bodyPr>
+          <a:lstStyle/>
+          <a:p>
+            <a:r>
+              <a:rPr lang="en-US" sz="1000" dirty="0" smtClean="0">
+                <a:latin typeface="Courier New" charset="0"/>
+                <a:ea typeface="Courier New" charset="0"/>
+                <a:cs typeface="Courier New" charset="0"/>
+              </a:rPr>
+              <a:t>\ORG1.MSP</a:t>
+            </a:r>
+          </a:p>
+          <a:p>
+            <a:r>
+              <a:rPr lang="en-US" sz="1000" dirty="0" smtClean="0">
+                <a:latin typeface="Courier New" charset="0"/>
+                <a:ea typeface="Courier New" charset="0"/>
+                <a:cs typeface="Courier New" charset="0"/>
+              </a:rPr>
+              <a:t>   \</a:t>
+            </a:r>
+            <a:r>
+              <a:rPr lang="en-US" sz="1000" dirty="0" err="1" smtClean="0">
+                <a:latin typeface="Courier New" charset="0"/>
+                <a:ea typeface="Courier New" charset="0"/>
+                <a:cs typeface="Courier New" charset="0"/>
+              </a:rPr>
+              <a:t>RootCAs</a:t>
+            </a:r>
+            <a:endParaRPr lang="en-US" sz="1000" dirty="0" smtClean="0">
+              <a:latin typeface="Courier New" charset="0"/>
+              <a:ea typeface="Courier New" charset="0"/>
+              <a:cs typeface="Courier New" charset="0"/>
+            </a:endParaRPr>
+          </a:p>
+          <a:p>
+            <a:r>
+              <a:rPr lang="en-US" sz="1000" dirty="0">
+                <a:latin typeface="Courier New" charset="0"/>
+                <a:ea typeface="Courier New" charset="0"/>
+                <a:cs typeface="Courier New" charset="0"/>
+              </a:rPr>
+              <a:t> </a:t>
+            </a:r>
+            <a:r>
+              <a:rPr lang="en-US" sz="1000" dirty="0" smtClean="0">
+                <a:latin typeface="Courier New" charset="0"/>
+                <a:ea typeface="Courier New" charset="0"/>
+                <a:cs typeface="Courier New" charset="0"/>
+              </a:rPr>
+              <a:t>  \</a:t>
+            </a:r>
+            <a:r>
+              <a:rPr lang="en-US" sz="1000" dirty="0" err="1" smtClean="0">
+                <a:latin typeface="Courier New" charset="0"/>
+                <a:ea typeface="Courier New" charset="0"/>
+                <a:cs typeface="Courier New" charset="0"/>
+              </a:rPr>
+              <a:t>IntCAs</a:t>
+            </a:r>
+            <a:endParaRPr lang="en-US" sz="1000" dirty="0" smtClean="0">
+              <a:latin typeface="Courier New" charset="0"/>
+              <a:ea typeface="Courier New" charset="0"/>
+              <a:cs typeface="Courier New" charset="0"/>
+            </a:endParaRPr>
+          </a:p>
+          <a:p>
+            <a:r>
+              <a:rPr lang="en-US" sz="1000" dirty="0">
+                <a:latin typeface="Courier New" charset="0"/>
+                <a:ea typeface="Courier New" charset="0"/>
+                <a:cs typeface="Courier New" charset="0"/>
+              </a:rPr>
+              <a:t> </a:t>
+            </a:r>
+            <a:r>
+              <a:rPr lang="en-US" sz="1000" dirty="0" smtClean="0">
+                <a:latin typeface="Courier New" charset="0"/>
+                <a:ea typeface="Courier New" charset="0"/>
+                <a:cs typeface="Courier New" charset="0"/>
+              </a:rPr>
+              <a:t>  </a:t>
+            </a:r>
+            <a:r>
+              <a:rPr lang="en-US" sz="1000" b="1" dirty="0" smtClean="0">
+                <a:latin typeface="Courier New" charset="0"/>
+                <a:ea typeface="Courier New" charset="0"/>
+                <a:cs typeface="Courier New" charset="0"/>
+              </a:rPr>
+              <a:t>...</a:t>
+            </a:r>
+          </a:p>
+        </p:txBody>
+      </p:sp>
+      <p:sp>
+        <p:nvSpPr>
+          <p:cNvPr id="99" name="Folded Corner 98"/>
+          <p:cNvSpPr/>
+          <p:nvPr/>
+        </p:nvSpPr>
+        <p:spPr>
+          <a:xfrm>
+            <a:off x="7670969" y="4997578"/>
+            <a:ext cx="1065903" cy="820951"/>
+          </a:xfrm>
+          <a:prstGeom prst="foldedCorner">
+            <a:avLst/>
+          </a:prstGeom>
+          <a:solidFill>
+            <a:schemeClr val="accent4">
+              <a:lumMod val="40000"/>
+              <a:lumOff val="60000"/>
+            </a:schemeClr>
+          </a:solidFill>
+          <a:ln>
+            <a:solidFill>
+              <a:schemeClr val="accent4">
+                <a:lumMod val="75000"/>
+              </a:schemeClr>
+            </a:solidFill>
+          </a:ln>
+        </p:spPr>
+        <p:style>
+          <a:lnRef idx="2">
+            <a:schemeClr val="accent1">
+              <a:shade val="50000"/>
+            </a:schemeClr>
+          </a:lnRef>
+          <a:fillRef idx="1">
+            <a:schemeClr val="accent1"/>
+          </a:fillRef>
+          <a:effectRef idx="0">
+            <a:schemeClr val="accent1"/>
+          </a:effectRef>
+          <a:fontRef idx="minor">
+            <a:schemeClr val="lt1"/>
+          </a:fontRef>
+        </p:style>
+        <p:txBody>
+          <a:bodyPr rtlCol="0" anchor="ctr"/>
+          <a:lstStyle/>
+          <a:p>
+            <a:pPr algn="ctr"/>
+            <a:endParaRPr lang="en-US"/>
+          </a:p>
+        </p:txBody>
+      </p:sp>
+      <p:sp>
+        <p:nvSpPr>
+          <p:cNvPr id="100" name="TextBox 99"/>
+          <p:cNvSpPr txBox="1"/>
+          <p:nvPr/>
+        </p:nvSpPr>
+        <p:spPr>
+          <a:xfrm>
+            <a:off x="7670969" y="5025332"/>
+            <a:ext cx="1182456" cy="707886"/>
+          </a:xfrm>
+          <a:prstGeom prst="rect">
+            <a:avLst/>
+          </a:prstGeom>
+          <a:noFill/>
+        </p:spPr>
+        <p:txBody>
+          <a:bodyPr wrap="square" rtlCol="0">
+            <a:spAutoFit/>
+          </a:bodyPr>
+          <a:lstStyle/>
+          <a:p>
+            <a:r>
+              <a:rPr lang="en-US" sz="1000" dirty="0" smtClean="0">
+                <a:latin typeface="Courier New" charset="0"/>
+                <a:ea typeface="Courier New" charset="0"/>
+                <a:cs typeface="Courier New" charset="0"/>
+              </a:rPr>
+              <a:t>\ORG2.MSP</a:t>
+            </a:r>
+          </a:p>
+          <a:p>
+            <a:r>
+              <a:rPr lang="en-US" sz="1000" dirty="0" smtClean="0">
+                <a:latin typeface="Courier New" charset="0"/>
+                <a:ea typeface="Courier New" charset="0"/>
+                <a:cs typeface="Courier New" charset="0"/>
+              </a:rPr>
+              <a:t>   \</a:t>
+            </a:r>
+            <a:r>
+              <a:rPr lang="en-US" sz="1000" dirty="0" err="1" smtClean="0">
+                <a:latin typeface="Courier New" charset="0"/>
+                <a:ea typeface="Courier New" charset="0"/>
+                <a:cs typeface="Courier New" charset="0"/>
+              </a:rPr>
+              <a:t>RootCAs</a:t>
+            </a:r>
+            <a:endParaRPr lang="en-US" sz="1000" dirty="0" smtClean="0">
+              <a:latin typeface="Courier New" charset="0"/>
+              <a:ea typeface="Courier New" charset="0"/>
+              <a:cs typeface="Courier New" charset="0"/>
+            </a:endParaRPr>
+          </a:p>
+          <a:p>
+            <a:r>
+              <a:rPr lang="en-US" sz="1000" dirty="0">
+                <a:latin typeface="Courier New" charset="0"/>
+                <a:ea typeface="Courier New" charset="0"/>
+                <a:cs typeface="Courier New" charset="0"/>
+              </a:rPr>
+              <a:t> </a:t>
+            </a:r>
+            <a:r>
+              <a:rPr lang="en-US" sz="1000" dirty="0" smtClean="0">
+                <a:latin typeface="Courier New" charset="0"/>
+                <a:ea typeface="Courier New" charset="0"/>
+                <a:cs typeface="Courier New" charset="0"/>
+              </a:rPr>
+              <a:t>  \</a:t>
+            </a:r>
+            <a:r>
+              <a:rPr lang="en-US" sz="1000" dirty="0" err="1" smtClean="0">
+                <a:latin typeface="Courier New" charset="0"/>
+                <a:ea typeface="Courier New" charset="0"/>
+                <a:cs typeface="Courier New" charset="0"/>
+              </a:rPr>
+              <a:t>IntCAs</a:t>
+            </a:r>
+            <a:endParaRPr lang="en-US" sz="1000" dirty="0" smtClean="0">
+              <a:latin typeface="Courier New" charset="0"/>
+              <a:ea typeface="Courier New" charset="0"/>
+              <a:cs typeface="Courier New" charset="0"/>
+            </a:endParaRPr>
+          </a:p>
+          <a:p>
+            <a:r>
+              <a:rPr lang="en-US" sz="1000" dirty="0">
+                <a:latin typeface="Courier New" charset="0"/>
+                <a:ea typeface="Courier New" charset="0"/>
+                <a:cs typeface="Courier New" charset="0"/>
+              </a:rPr>
+              <a:t> </a:t>
+            </a:r>
+            <a:r>
+              <a:rPr lang="en-US" sz="1000" dirty="0" smtClean="0">
+                <a:latin typeface="Courier New" charset="0"/>
+                <a:ea typeface="Courier New" charset="0"/>
+                <a:cs typeface="Courier New" charset="0"/>
+              </a:rPr>
+              <a:t>  </a:t>
+            </a:r>
+            <a:r>
+              <a:rPr lang="en-US" sz="1000" b="1" dirty="0" smtClean="0">
+                <a:latin typeface="Courier New" charset="0"/>
+                <a:ea typeface="Courier New" charset="0"/>
+                <a:cs typeface="Courier New" charset="0"/>
+              </a:rPr>
+              <a:t>...</a:t>
+            </a:r>
+          </a:p>
+        </p:txBody>
+      </p:sp>
+      <p:cxnSp>
+        <p:nvCxnSpPr>
+          <p:cNvPr id="107" name="Elbow Connector 106"/>
+          <p:cNvCxnSpPr>
+            <a:stCxn id="64" idx="1"/>
+            <a:endCxn id="94" idx="3"/>
+          </p:cNvCxnSpPr>
+          <p:nvPr/>
+        </p:nvCxnSpPr>
+        <p:spPr>
+          <a:xfrm rot="10800000" flipV="1">
+            <a:off x="4940485" y="5231991"/>
+            <a:ext cx="886874" cy="176064"/>
+          </a:xfrm>
+          <a:prstGeom prst="bentConnector3">
+            <a:avLst>
+              <a:gd name="adj1" fmla="val 50000"/>
+            </a:avLst>
+          </a:prstGeom>
+          <a:ln w="28575">
+            <a:solidFill>
+              <a:srgbClr val="4372C4"/>
+            </a:solidFill>
+            <a:tailEnd type="triangle"/>
+          </a:ln>
+        </p:spPr>
+        <p:style>
+          <a:lnRef idx="1">
+            <a:schemeClr val="accent1"/>
+          </a:lnRef>
+          <a:fillRef idx="0">
+            <a:schemeClr val="accent1"/>
+          </a:fillRef>
+          <a:effectRef idx="0">
+            <a:schemeClr val="accent1"/>
+          </a:effectRef>
+          <a:fontRef idx="minor">
+            <a:schemeClr val="tx1"/>
+          </a:fontRef>
+        </p:style>
+      </p:cxnSp>
+      <p:cxnSp>
+        <p:nvCxnSpPr>
+          <p:cNvPr id="108" name="Elbow Connector 107"/>
+          <p:cNvCxnSpPr>
+            <a:stCxn id="66" idx="3"/>
+            <a:endCxn id="100" idx="1"/>
+          </p:cNvCxnSpPr>
+          <p:nvPr/>
+        </p:nvCxnSpPr>
+        <p:spPr>
+          <a:xfrm flipV="1">
+            <a:off x="6794091" y="5379275"/>
+            <a:ext cx="876878" cy="164429"/>
+          </a:xfrm>
+          <a:prstGeom prst="bentConnector3">
+            <a:avLst>
+              <a:gd name="adj1" fmla="val 50000"/>
+            </a:avLst>
+          </a:prstGeom>
+          <a:ln w="28575">
+            <a:solidFill>
+              <a:srgbClr val="4372C4"/>
+            </a:solidFill>
+            <a:tailEnd type="triangle"/>
+          </a:ln>
+        </p:spPr>
+        <p:style>
+          <a:lnRef idx="1">
+            <a:schemeClr val="accent1"/>
+          </a:lnRef>
+          <a:fillRef idx="0">
+            <a:schemeClr val="accent1"/>
+          </a:fillRef>
+          <a:effectRef idx="0">
+            <a:schemeClr val="accent1"/>
+          </a:effectRef>
+          <a:fontRef idx="minor">
+            <a:schemeClr val="tx1"/>
+          </a:fontRef>
+        </p:style>
+      </p:cxnSp>
+      <p:sp>
+        <p:nvSpPr>
+          <p:cNvPr id="57" name="Rectangle 56"/>
+          <p:cNvSpPr/>
+          <p:nvPr/>
+        </p:nvSpPr>
+        <p:spPr>
+          <a:xfrm>
+            <a:off x="3709661" y="4847338"/>
+            <a:ext cx="5202130" cy="1137534"/>
+          </a:xfrm>
+          <a:prstGeom prst="rect">
+            <a:avLst/>
+          </a:prstGeom>
+          <a:noFill/>
+        </p:spPr>
+        <p:style>
+          <a:lnRef idx="2">
+            <a:schemeClr val="accent1">
+              <a:shade val="50000"/>
+            </a:schemeClr>
+          </a:lnRef>
+          <a:fillRef idx="1">
+            <a:schemeClr val="accent1"/>
+          </a:fillRef>
+          <a:effectRef idx="0">
+            <a:schemeClr val="accent1"/>
+          </a:effectRef>
+          <a:fontRef idx="minor">
+            <a:schemeClr val="lt1"/>
+          </a:fontRef>
+        </p:style>
+        <p:txBody>
+          <a:bodyPr rtlCol="0" anchor="ctr"/>
+          <a:lstStyle/>
+          <a:p>
+            <a:pPr algn="ctr"/>
+            <a:endParaRPr lang="en-US"/>
+          </a:p>
+        </p:txBody>
+      </p:sp>
+      <p:sp>
+        <p:nvSpPr>
+          <p:cNvPr id="112" name="TextBox 111"/>
+          <p:cNvSpPr txBox="1"/>
+          <p:nvPr/>
+        </p:nvSpPr>
+        <p:spPr>
+          <a:xfrm>
+            <a:off x="3633926" y="5946830"/>
+            <a:ext cx="2281469" cy="307777"/>
+          </a:xfrm>
+          <a:prstGeom prst="rect">
+            <a:avLst/>
+          </a:prstGeom>
+          <a:noFill/>
+        </p:spPr>
+        <p:txBody>
+          <a:bodyPr wrap="square" rtlCol="0">
+            <a:spAutoFit/>
+          </a:bodyPr>
+          <a:lstStyle/>
+          <a:p>
+            <a:r>
+              <a:rPr lang="en-US" sz="1400" b="1" dirty="0">
+                <a:solidFill>
+                  <a:srgbClr val="4372C4"/>
+                </a:solidFill>
+              </a:rPr>
+              <a:t>C</a:t>
+            </a:r>
+            <a:r>
+              <a:rPr lang="en-US" sz="1400" b="1" dirty="0" smtClean="0">
+                <a:solidFill>
+                  <a:srgbClr val="4372C4"/>
+                </a:solidFill>
+              </a:rPr>
+              <a:t>hannel policy</a:t>
+            </a:r>
+            <a:endParaRPr lang="en-US" sz="1400" b="1" dirty="0">
+              <a:solidFill>
+                <a:srgbClr val="4372C4"/>
+              </a:solidFill>
+            </a:endParaRPr>
+          </a:p>
+        </p:txBody>
+      </p:sp>
+      <p:sp>
+        <p:nvSpPr>
+          <p:cNvPr id="114" name="Document 113"/>
+          <p:cNvSpPr/>
+          <p:nvPr/>
+        </p:nvSpPr>
+        <p:spPr>
+          <a:xfrm>
+            <a:off x="3752487" y="3228039"/>
+            <a:ext cx="547666" cy="433746"/>
+          </a:xfrm>
+          <a:prstGeom prst="flowChartDocument">
+            <a:avLst/>
+          </a:prstGeom>
+          <a:solidFill>
+            <a:schemeClr val="accent1"/>
+          </a:solidFill>
+          <a:ln w="19050">
+            <a:solidFill>
+              <a:srgbClr val="3D4B5F"/>
+            </a:solidFill>
+          </a:ln>
+        </p:spPr>
+        <p:style>
+          <a:lnRef idx="2">
+            <a:schemeClr val="accent1">
+              <a:shade val="50000"/>
+            </a:schemeClr>
+          </a:lnRef>
+          <a:fillRef idx="1">
+            <a:schemeClr val="accent1"/>
+          </a:fillRef>
+          <a:effectRef idx="0">
+            <a:schemeClr val="accent1"/>
+          </a:effectRef>
+          <a:fontRef idx="minor">
+            <a:schemeClr val="lt1"/>
+          </a:fontRef>
+        </p:style>
+        <p:txBody>
+          <a:bodyPr rtlCol="0" anchor="ctr"/>
+          <a:lstStyle/>
+          <a:p>
+            <a:pPr algn="ctr"/>
+            <a:r>
+              <a:rPr lang="en-US" sz="2400" b="1" dirty="0" smtClean="0">
+                <a:solidFill>
+                  <a:schemeClr val="bg1"/>
+                </a:solidFill>
+              </a:rPr>
+              <a:t>L</a:t>
+            </a:r>
+            <a:endParaRPr lang="en-US" sz="2400" b="1" baseline="-25000" dirty="0">
+              <a:solidFill>
+                <a:schemeClr val="bg1"/>
+              </a:solidFill>
+            </a:endParaRPr>
+          </a:p>
+        </p:txBody>
+      </p:sp>
+      <p:sp>
+        <p:nvSpPr>
+          <p:cNvPr id="115" name="Document 114"/>
+          <p:cNvSpPr/>
+          <p:nvPr/>
+        </p:nvSpPr>
+        <p:spPr>
+          <a:xfrm>
+            <a:off x="8306424" y="3229514"/>
+            <a:ext cx="547666" cy="433746"/>
+          </a:xfrm>
+          <a:prstGeom prst="flowChartDocument">
+            <a:avLst/>
+          </a:prstGeom>
+          <a:solidFill>
+            <a:schemeClr val="accent1"/>
+          </a:solidFill>
+          <a:ln w="19050">
+            <a:solidFill>
+              <a:srgbClr val="3D4B5F"/>
+            </a:solidFill>
+          </a:ln>
+        </p:spPr>
+        <p:style>
+          <a:lnRef idx="2">
+            <a:schemeClr val="accent1">
+              <a:shade val="50000"/>
+            </a:schemeClr>
+          </a:lnRef>
+          <a:fillRef idx="1">
+            <a:schemeClr val="accent1"/>
+          </a:fillRef>
+          <a:effectRef idx="0">
+            <a:schemeClr val="accent1"/>
+          </a:effectRef>
+          <a:fontRef idx="minor">
+            <a:schemeClr val="lt1"/>
+          </a:fontRef>
+        </p:style>
+        <p:txBody>
+          <a:bodyPr rtlCol="0" anchor="ctr"/>
+          <a:lstStyle/>
+          <a:p>
+            <a:pPr algn="ctr"/>
+            <a:r>
+              <a:rPr lang="en-US" sz="2400" b="1" dirty="0" smtClean="0">
+                <a:solidFill>
+                  <a:schemeClr val="bg1"/>
+                </a:solidFill>
+              </a:rPr>
+              <a:t>L</a:t>
+            </a:r>
+            <a:endParaRPr lang="en-US" sz="2400" b="1" baseline="-25000" dirty="0">
+              <a:solidFill>
+                <a:schemeClr val="bg1"/>
+              </a:solidFill>
+            </a:endParaRPr>
+          </a:p>
+        </p:txBody>
+      </p:sp>
+      <p:sp>
+        <p:nvSpPr>
+          <p:cNvPr id="117" name="Folded Corner 116"/>
+          <p:cNvSpPr/>
+          <p:nvPr/>
+        </p:nvSpPr>
+        <p:spPr>
+          <a:xfrm>
+            <a:off x="2488858" y="3221002"/>
+            <a:ext cx="1065903" cy="820951"/>
+          </a:xfrm>
+          <a:prstGeom prst="foldedCorner">
+            <a:avLst/>
+          </a:prstGeom>
+          <a:solidFill>
+            <a:schemeClr val="accent4">
+              <a:lumMod val="40000"/>
+              <a:lumOff val="60000"/>
+            </a:schemeClr>
+          </a:solidFill>
+          <a:ln>
+            <a:solidFill>
+              <a:schemeClr val="accent4">
+                <a:lumMod val="75000"/>
+              </a:schemeClr>
+            </a:solidFill>
+          </a:ln>
+        </p:spPr>
+        <p:style>
+          <a:lnRef idx="2">
+            <a:schemeClr val="accent1">
+              <a:shade val="50000"/>
+            </a:schemeClr>
+          </a:lnRef>
+          <a:fillRef idx="1">
+            <a:schemeClr val="accent1"/>
+          </a:fillRef>
+          <a:effectRef idx="0">
+            <a:schemeClr val="accent1"/>
+          </a:effectRef>
+          <a:fontRef idx="minor">
+            <a:schemeClr val="lt1"/>
+          </a:fontRef>
+        </p:style>
+        <p:txBody>
+          <a:bodyPr rtlCol="0" anchor="ctr"/>
+          <a:lstStyle/>
+          <a:p>
+            <a:pPr algn="ctr"/>
+            <a:endParaRPr lang="en-US"/>
+          </a:p>
+        </p:txBody>
+      </p:sp>
+      <p:sp>
+        <p:nvSpPr>
+          <p:cNvPr id="118" name="TextBox 117"/>
+          <p:cNvSpPr txBox="1"/>
+          <p:nvPr/>
+        </p:nvSpPr>
+        <p:spPr>
+          <a:xfrm>
+            <a:off x="2488858" y="3248756"/>
+            <a:ext cx="1182456" cy="707886"/>
+          </a:xfrm>
+          <a:prstGeom prst="rect">
+            <a:avLst/>
+          </a:prstGeom>
+          <a:noFill/>
+        </p:spPr>
+        <p:txBody>
+          <a:bodyPr wrap="square" rtlCol="0">
+            <a:spAutoFit/>
+          </a:bodyPr>
+          <a:lstStyle/>
+          <a:p>
+            <a:r>
+              <a:rPr lang="en-US" sz="1000" dirty="0" smtClean="0">
+                <a:latin typeface="Courier New" charset="0"/>
+                <a:ea typeface="Courier New" charset="0"/>
+                <a:cs typeface="Courier New" charset="0"/>
+              </a:rPr>
+              <a:t>\ORG2.MSP</a:t>
+            </a:r>
+          </a:p>
+          <a:p>
+            <a:r>
+              <a:rPr lang="en-US" sz="1000" dirty="0" smtClean="0">
+                <a:latin typeface="Courier New" charset="0"/>
+                <a:ea typeface="Courier New" charset="0"/>
+                <a:cs typeface="Courier New" charset="0"/>
+              </a:rPr>
+              <a:t>   \</a:t>
+            </a:r>
+            <a:r>
+              <a:rPr lang="en-US" sz="1000" dirty="0" err="1" smtClean="0">
+                <a:latin typeface="Courier New" charset="0"/>
+                <a:ea typeface="Courier New" charset="0"/>
+                <a:cs typeface="Courier New" charset="0"/>
+              </a:rPr>
+              <a:t>RootCAs</a:t>
+            </a:r>
+            <a:endParaRPr lang="en-US" sz="1000" dirty="0" smtClean="0">
+              <a:latin typeface="Courier New" charset="0"/>
+              <a:ea typeface="Courier New" charset="0"/>
+              <a:cs typeface="Courier New" charset="0"/>
+            </a:endParaRPr>
+          </a:p>
+          <a:p>
+            <a:r>
+              <a:rPr lang="en-US" sz="1000" dirty="0">
+                <a:latin typeface="Courier New" charset="0"/>
+                <a:ea typeface="Courier New" charset="0"/>
+                <a:cs typeface="Courier New" charset="0"/>
+              </a:rPr>
+              <a:t> </a:t>
+            </a:r>
+            <a:r>
+              <a:rPr lang="en-US" sz="1000" dirty="0" smtClean="0">
+                <a:latin typeface="Courier New" charset="0"/>
+                <a:ea typeface="Courier New" charset="0"/>
+                <a:cs typeface="Courier New" charset="0"/>
+              </a:rPr>
+              <a:t>  \</a:t>
+            </a:r>
+            <a:r>
+              <a:rPr lang="en-US" sz="1000" dirty="0" err="1" smtClean="0">
+                <a:latin typeface="Courier New" charset="0"/>
+                <a:ea typeface="Courier New" charset="0"/>
+                <a:cs typeface="Courier New" charset="0"/>
+              </a:rPr>
+              <a:t>IntCAs</a:t>
+            </a:r>
+            <a:endParaRPr lang="en-US" sz="1000" dirty="0" smtClean="0">
+              <a:latin typeface="Courier New" charset="0"/>
+              <a:ea typeface="Courier New" charset="0"/>
+              <a:cs typeface="Courier New" charset="0"/>
+            </a:endParaRPr>
+          </a:p>
+          <a:p>
+            <a:r>
+              <a:rPr lang="en-US" sz="1000" dirty="0">
+                <a:latin typeface="Courier New" charset="0"/>
+                <a:ea typeface="Courier New" charset="0"/>
+                <a:cs typeface="Courier New" charset="0"/>
+              </a:rPr>
+              <a:t> </a:t>
+            </a:r>
+            <a:r>
+              <a:rPr lang="en-US" sz="1000" dirty="0" smtClean="0">
+                <a:latin typeface="Courier New" charset="0"/>
+                <a:ea typeface="Courier New" charset="0"/>
+                <a:cs typeface="Courier New" charset="0"/>
+              </a:rPr>
+              <a:t>  </a:t>
+            </a:r>
+            <a:r>
+              <a:rPr lang="en-US" sz="1000" b="1" dirty="0" smtClean="0">
+                <a:latin typeface="Courier New" charset="0"/>
+                <a:ea typeface="Courier New" charset="0"/>
+                <a:cs typeface="Courier New" charset="0"/>
+              </a:rPr>
+              <a:t>...</a:t>
+            </a:r>
+          </a:p>
+        </p:txBody>
+      </p:sp>
+      <p:sp>
+        <p:nvSpPr>
+          <p:cNvPr id="120" name="Folded Corner 119"/>
+          <p:cNvSpPr/>
+          <p:nvPr/>
+        </p:nvSpPr>
+        <p:spPr>
+          <a:xfrm>
+            <a:off x="9063215" y="3221002"/>
+            <a:ext cx="1065903" cy="820951"/>
+          </a:xfrm>
+          <a:prstGeom prst="foldedCorner">
+            <a:avLst/>
+          </a:prstGeom>
+          <a:solidFill>
+            <a:schemeClr val="accent4">
+              <a:lumMod val="40000"/>
+              <a:lumOff val="60000"/>
+            </a:schemeClr>
+          </a:solidFill>
+          <a:ln>
+            <a:solidFill>
+              <a:schemeClr val="accent4">
+                <a:lumMod val="75000"/>
+              </a:schemeClr>
+            </a:solidFill>
+          </a:ln>
+        </p:spPr>
+        <p:style>
+          <a:lnRef idx="2">
+            <a:schemeClr val="accent1">
+              <a:shade val="50000"/>
+            </a:schemeClr>
+          </a:lnRef>
+          <a:fillRef idx="1">
+            <a:schemeClr val="accent1"/>
+          </a:fillRef>
+          <a:effectRef idx="0">
+            <a:schemeClr val="accent1"/>
+          </a:effectRef>
+          <a:fontRef idx="minor">
+            <a:schemeClr val="lt1"/>
+          </a:fontRef>
+        </p:style>
+        <p:txBody>
+          <a:bodyPr rtlCol="0" anchor="ctr"/>
+          <a:lstStyle/>
+          <a:p>
+            <a:pPr algn="ctr"/>
+            <a:endParaRPr lang="en-US"/>
+          </a:p>
+        </p:txBody>
+      </p:sp>
+      <p:sp>
+        <p:nvSpPr>
+          <p:cNvPr id="121" name="TextBox 120"/>
+          <p:cNvSpPr txBox="1"/>
+          <p:nvPr/>
+        </p:nvSpPr>
+        <p:spPr>
+          <a:xfrm>
+            <a:off x="9063215" y="3248756"/>
+            <a:ext cx="1182456" cy="707886"/>
+          </a:xfrm>
+          <a:prstGeom prst="rect">
+            <a:avLst/>
+          </a:prstGeom>
+          <a:noFill/>
+        </p:spPr>
+        <p:txBody>
+          <a:bodyPr wrap="square" rtlCol="0">
+            <a:spAutoFit/>
+          </a:bodyPr>
+          <a:lstStyle/>
+          <a:p>
+            <a:r>
+              <a:rPr lang="en-US" sz="1000" dirty="0" smtClean="0">
+                <a:latin typeface="Courier New" charset="0"/>
+                <a:ea typeface="Courier New" charset="0"/>
+                <a:cs typeface="Courier New" charset="0"/>
+              </a:rPr>
+              <a:t>\ORG1.MSP</a:t>
+            </a:r>
+          </a:p>
+          <a:p>
+            <a:r>
+              <a:rPr lang="en-US" sz="1000" dirty="0" smtClean="0">
+                <a:latin typeface="Courier New" charset="0"/>
+                <a:ea typeface="Courier New" charset="0"/>
+                <a:cs typeface="Courier New" charset="0"/>
+              </a:rPr>
+              <a:t>   \</a:t>
+            </a:r>
+            <a:r>
+              <a:rPr lang="en-US" sz="1000" dirty="0" err="1" smtClean="0">
+                <a:latin typeface="Courier New" charset="0"/>
+                <a:ea typeface="Courier New" charset="0"/>
+                <a:cs typeface="Courier New" charset="0"/>
+              </a:rPr>
+              <a:t>RootCAs</a:t>
+            </a:r>
+            <a:endParaRPr lang="en-US" sz="1000" dirty="0" smtClean="0">
+              <a:latin typeface="Courier New" charset="0"/>
+              <a:ea typeface="Courier New" charset="0"/>
+              <a:cs typeface="Courier New" charset="0"/>
+            </a:endParaRPr>
+          </a:p>
+          <a:p>
+            <a:r>
+              <a:rPr lang="en-US" sz="1000" dirty="0">
+                <a:latin typeface="Courier New" charset="0"/>
+                <a:ea typeface="Courier New" charset="0"/>
+                <a:cs typeface="Courier New" charset="0"/>
+              </a:rPr>
+              <a:t> </a:t>
+            </a:r>
+            <a:r>
+              <a:rPr lang="en-US" sz="1000" dirty="0" smtClean="0">
+                <a:latin typeface="Courier New" charset="0"/>
+                <a:ea typeface="Courier New" charset="0"/>
+                <a:cs typeface="Courier New" charset="0"/>
+              </a:rPr>
+              <a:t>  \</a:t>
+            </a:r>
+            <a:r>
+              <a:rPr lang="en-US" sz="1000" dirty="0" err="1" smtClean="0">
+                <a:latin typeface="Courier New" charset="0"/>
+                <a:ea typeface="Courier New" charset="0"/>
+                <a:cs typeface="Courier New" charset="0"/>
+              </a:rPr>
+              <a:t>IntCAs</a:t>
+            </a:r>
+            <a:endParaRPr lang="en-US" sz="1000" dirty="0" smtClean="0">
+              <a:latin typeface="Courier New" charset="0"/>
+              <a:ea typeface="Courier New" charset="0"/>
+              <a:cs typeface="Courier New" charset="0"/>
+            </a:endParaRPr>
+          </a:p>
+          <a:p>
+            <a:r>
+              <a:rPr lang="en-US" sz="1000" dirty="0">
+                <a:latin typeface="Courier New" charset="0"/>
+                <a:ea typeface="Courier New" charset="0"/>
+                <a:cs typeface="Courier New" charset="0"/>
+              </a:rPr>
+              <a:t> </a:t>
+            </a:r>
+            <a:r>
+              <a:rPr lang="en-US" sz="1000" dirty="0" smtClean="0">
+                <a:latin typeface="Courier New" charset="0"/>
+                <a:ea typeface="Courier New" charset="0"/>
+                <a:cs typeface="Courier New" charset="0"/>
+              </a:rPr>
+              <a:t>  </a:t>
+            </a:r>
+            <a:r>
+              <a:rPr lang="en-US" sz="1000" b="1" dirty="0" smtClean="0">
+                <a:latin typeface="Courier New" charset="0"/>
+                <a:ea typeface="Courier New" charset="0"/>
+                <a:cs typeface="Courier New" charset="0"/>
+              </a:rPr>
+              <a:t>...</a:t>
+            </a:r>
+          </a:p>
+        </p:txBody>
+      </p:sp>
+      <p:sp>
+        <p:nvSpPr>
+          <p:cNvPr id="122" name="Rectangle 121"/>
+          <p:cNvSpPr/>
+          <p:nvPr/>
+        </p:nvSpPr>
+        <p:spPr>
+          <a:xfrm>
+            <a:off x="1205455" y="3117048"/>
+            <a:ext cx="2445970" cy="1036550"/>
+          </a:xfrm>
+          <a:prstGeom prst="rect">
+            <a:avLst/>
+          </a:prstGeom>
+          <a:noFill/>
+        </p:spPr>
+        <p:style>
+          <a:lnRef idx="2">
+            <a:schemeClr val="accent1">
+              <a:shade val="50000"/>
+            </a:schemeClr>
+          </a:lnRef>
+          <a:fillRef idx="1">
+            <a:schemeClr val="accent1"/>
+          </a:fillRef>
+          <a:effectRef idx="0">
+            <a:schemeClr val="accent1"/>
+          </a:effectRef>
+          <a:fontRef idx="minor">
+            <a:schemeClr val="lt1"/>
+          </a:fontRef>
+        </p:style>
+        <p:txBody>
+          <a:bodyPr rtlCol="0" anchor="ctr"/>
+          <a:lstStyle/>
+          <a:p>
+            <a:pPr algn="ctr"/>
+            <a:endParaRPr lang="en-US"/>
+          </a:p>
+        </p:txBody>
+      </p:sp>
+      <p:sp>
+        <p:nvSpPr>
+          <p:cNvPr id="124" name="TextBox 123"/>
+          <p:cNvSpPr txBox="1"/>
+          <p:nvPr/>
+        </p:nvSpPr>
+        <p:spPr>
+          <a:xfrm>
+            <a:off x="1146485" y="2860716"/>
+            <a:ext cx="1920545" cy="261610"/>
+          </a:xfrm>
+          <a:prstGeom prst="rect">
+            <a:avLst/>
+          </a:prstGeom>
+          <a:noFill/>
+        </p:spPr>
+        <p:txBody>
+          <a:bodyPr wrap="square" rtlCol="0">
+            <a:spAutoFit/>
+          </a:bodyPr>
+          <a:lstStyle/>
+          <a:p>
+            <a:r>
+              <a:rPr lang="en-US" sz="1100" b="1" dirty="0" smtClean="0">
+                <a:solidFill>
+                  <a:srgbClr val="4372C4"/>
+                </a:solidFill>
+              </a:rPr>
+              <a:t>Local copy of channel policy</a:t>
+            </a:r>
+            <a:endParaRPr lang="en-US" sz="1100" b="1" dirty="0">
+              <a:solidFill>
+                <a:srgbClr val="4372C4"/>
+              </a:solidFill>
+            </a:endParaRPr>
+          </a:p>
+        </p:txBody>
+      </p:sp>
+      <p:sp>
+        <p:nvSpPr>
+          <p:cNvPr id="125" name="TextBox 124"/>
+          <p:cNvSpPr txBox="1"/>
+          <p:nvPr/>
+        </p:nvSpPr>
+        <p:spPr>
+          <a:xfrm>
+            <a:off x="8778896" y="2860323"/>
+            <a:ext cx="1920545" cy="261610"/>
+          </a:xfrm>
+          <a:prstGeom prst="rect">
+            <a:avLst/>
+          </a:prstGeom>
+          <a:noFill/>
+        </p:spPr>
+        <p:txBody>
+          <a:bodyPr wrap="square" rtlCol="0">
+            <a:spAutoFit/>
+          </a:bodyPr>
+          <a:lstStyle/>
+          <a:p>
+            <a:pPr algn="r"/>
+            <a:r>
+              <a:rPr lang="en-US" sz="1100" b="1" dirty="0" smtClean="0">
+                <a:solidFill>
+                  <a:srgbClr val="4372C4"/>
+                </a:solidFill>
+              </a:rPr>
+              <a:t>Local </a:t>
+            </a:r>
+            <a:r>
+              <a:rPr lang="en-US" sz="1100" b="1" smtClean="0">
+                <a:solidFill>
+                  <a:srgbClr val="4372C4"/>
+                </a:solidFill>
+              </a:rPr>
+              <a:t>copy of channel </a:t>
+            </a:r>
+            <a:r>
+              <a:rPr lang="en-US" sz="1100" b="1" dirty="0" smtClean="0">
+                <a:solidFill>
+                  <a:srgbClr val="4372C4"/>
+                </a:solidFill>
+              </a:rPr>
+              <a:t>policy</a:t>
+            </a:r>
+            <a:endParaRPr lang="en-US" sz="1100" b="1" dirty="0">
+              <a:solidFill>
+                <a:srgbClr val="4372C4"/>
+              </a:solidFill>
+            </a:endParaRPr>
+          </a:p>
+        </p:txBody>
+      </p:sp>
+      <p:sp>
+        <p:nvSpPr>
+          <p:cNvPr id="126" name="TextBox 125"/>
+          <p:cNvSpPr txBox="1"/>
+          <p:nvPr/>
+        </p:nvSpPr>
+        <p:spPr>
+          <a:xfrm>
+            <a:off x="1146485" y="4113235"/>
+            <a:ext cx="889579" cy="430887"/>
+          </a:xfrm>
+          <a:prstGeom prst="rect">
+            <a:avLst/>
+          </a:prstGeom>
+          <a:noFill/>
+        </p:spPr>
+        <p:txBody>
+          <a:bodyPr wrap="square" rtlCol="0">
+            <a:spAutoFit/>
+          </a:bodyPr>
+          <a:lstStyle/>
+          <a:p>
+            <a:r>
+              <a:rPr lang="en-US" sz="1100" b="1" dirty="0" smtClean="0">
+                <a:solidFill>
+                  <a:srgbClr val="4372C4"/>
+                </a:solidFill>
+              </a:rPr>
+              <a:t>peer’s local</a:t>
+            </a:r>
+          </a:p>
+          <a:p>
+            <a:r>
+              <a:rPr lang="en-US" sz="1100" b="1" dirty="0" smtClean="0">
+                <a:solidFill>
+                  <a:srgbClr val="4372C4"/>
+                </a:solidFill>
+              </a:rPr>
+              <a:t>filesystem</a:t>
+            </a:r>
+            <a:endParaRPr lang="en-US" sz="1100" b="1" dirty="0">
+              <a:solidFill>
+                <a:srgbClr val="4372C4"/>
+              </a:solidFill>
+            </a:endParaRPr>
+          </a:p>
+        </p:txBody>
+      </p:sp>
+      <p:sp>
+        <p:nvSpPr>
+          <p:cNvPr id="127" name="TextBox 126"/>
+          <p:cNvSpPr txBox="1"/>
+          <p:nvPr/>
+        </p:nvSpPr>
+        <p:spPr>
+          <a:xfrm>
+            <a:off x="10579703" y="4113235"/>
+            <a:ext cx="897545" cy="430887"/>
+          </a:xfrm>
+          <a:prstGeom prst="rect">
+            <a:avLst/>
+          </a:prstGeom>
+          <a:noFill/>
+        </p:spPr>
+        <p:txBody>
+          <a:bodyPr wrap="square" rtlCol="0">
+            <a:spAutoFit/>
+          </a:bodyPr>
+          <a:lstStyle/>
+          <a:p>
+            <a:pPr algn="r"/>
+            <a:r>
+              <a:rPr lang="en-US" sz="1100" b="1" dirty="0" smtClean="0">
+                <a:solidFill>
+                  <a:srgbClr val="4372C4"/>
+                </a:solidFill>
+              </a:rPr>
+              <a:t>peer’s local</a:t>
+            </a:r>
+          </a:p>
+          <a:p>
+            <a:pPr algn="r"/>
+            <a:r>
+              <a:rPr lang="en-US" sz="1100" b="1" dirty="0" smtClean="0">
+                <a:solidFill>
+                  <a:srgbClr val="4372C4"/>
+                </a:solidFill>
+              </a:rPr>
+              <a:t>filesystem</a:t>
+            </a:r>
+            <a:endParaRPr lang="en-US" sz="1100" b="1" dirty="0">
+              <a:solidFill>
+                <a:srgbClr val="4372C4"/>
+              </a:solidFill>
+            </a:endParaRPr>
+          </a:p>
+        </p:txBody>
+      </p:sp>
+      <p:sp>
+        <p:nvSpPr>
+          <p:cNvPr id="129" name="Folded Corner 128"/>
+          <p:cNvSpPr/>
+          <p:nvPr/>
+        </p:nvSpPr>
+        <p:spPr>
+          <a:xfrm>
+            <a:off x="1338528" y="3228039"/>
+            <a:ext cx="1065903" cy="820951"/>
+          </a:xfrm>
+          <a:prstGeom prst="foldedCorner">
+            <a:avLst/>
+          </a:prstGeom>
+          <a:solidFill>
+            <a:schemeClr val="accent4">
+              <a:lumMod val="40000"/>
+              <a:lumOff val="60000"/>
+            </a:schemeClr>
+          </a:solidFill>
+          <a:ln>
+            <a:solidFill>
+              <a:schemeClr val="accent4">
+                <a:lumMod val="75000"/>
+              </a:schemeClr>
+            </a:solidFill>
+          </a:ln>
+        </p:spPr>
+        <p:style>
+          <a:lnRef idx="2">
+            <a:schemeClr val="accent1">
+              <a:shade val="50000"/>
+            </a:schemeClr>
+          </a:lnRef>
+          <a:fillRef idx="1">
+            <a:schemeClr val="accent1"/>
+          </a:fillRef>
+          <a:effectRef idx="0">
+            <a:schemeClr val="accent1"/>
+          </a:effectRef>
+          <a:fontRef idx="minor">
+            <a:schemeClr val="lt1"/>
+          </a:fontRef>
+        </p:style>
+        <p:txBody>
+          <a:bodyPr rtlCol="0" anchor="ctr"/>
+          <a:lstStyle/>
+          <a:p>
+            <a:pPr algn="ctr"/>
+            <a:endParaRPr lang="en-US"/>
+          </a:p>
+        </p:txBody>
+      </p:sp>
+      <p:sp>
+        <p:nvSpPr>
+          <p:cNvPr id="130" name="TextBox 129"/>
+          <p:cNvSpPr txBox="1"/>
+          <p:nvPr/>
+        </p:nvSpPr>
+        <p:spPr>
+          <a:xfrm>
+            <a:off x="1338528" y="3255793"/>
+            <a:ext cx="1182456" cy="707886"/>
+          </a:xfrm>
+          <a:prstGeom prst="rect">
+            <a:avLst/>
+          </a:prstGeom>
+          <a:noFill/>
+        </p:spPr>
+        <p:txBody>
+          <a:bodyPr wrap="square" rtlCol="0">
+            <a:spAutoFit/>
+          </a:bodyPr>
+          <a:lstStyle/>
+          <a:p>
+            <a:r>
+              <a:rPr lang="en-US" sz="1000" dirty="0" smtClean="0">
+                <a:latin typeface="Courier New" charset="0"/>
+                <a:ea typeface="Courier New" charset="0"/>
+                <a:cs typeface="Courier New" charset="0"/>
+              </a:rPr>
+              <a:t>\ORG1.MSP</a:t>
+            </a:r>
+          </a:p>
+          <a:p>
+            <a:r>
+              <a:rPr lang="en-US" sz="1000" dirty="0" smtClean="0">
+                <a:latin typeface="Courier New" charset="0"/>
+                <a:ea typeface="Courier New" charset="0"/>
+                <a:cs typeface="Courier New" charset="0"/>
+              </a:rPr>
+              <a:t>   \</a:t>
+            </a:r>
+            <a:r>
+              <a:rPr lang="en-US" sz="1000" dirty="0" err="1" smtClean="0">
+                <a:latin typeface="Courier New" charset="0"/>
+                <a:ea typeface="Courier New" charset="0"/>
+                <a:cs typeface="Courier New" charset="0"/>
+              </a:rPr>
+              <a:t>RootCAs</a:t>
+            </a:r>
+            <a:endParaRPr lang="en-US" sz="1000" dirty="0" smtClean="0">
+              <a:latin typeface="Courier New" charset="0"/>
+              <a:ea typeface="Courier New" charset="0"/>
+              <a:cs typeface="Courier New" charset="0"/>
+            </a:endParaRPr>
+          </a:p>
+          <a:p>
+            <a:r>
+              <a:rPr lang="en-US" sz="1000" dirty="0">
+                <a:latin typeface="Courier New" charset="0"/>
+                <a:ea typeface="Courier New" charset="0"/>
+                <a:cs typeface="Courier New" charset="0"/>
+              </a:rPr>
+              <a:t> </a:t>
+            </a:r>
+            <a:r>
+              <a:rPr lang="en-US" sz="1000" dirty="0" smtClean="0">
+                <a:latin typeface="Courier New" charset="0"/>
+                <a:ea typeface="Courier New" charset="0"/>
+                <a:cs typeface="Courier New" charset="0"/>
+              </a:rPr>
+              <a:t>  \</a:t>
+            </a:r>
+            <a:r>
+              <a:rPr lang="en-US" sz="1000" dirty="0" err="1" smtClean="0">
+                <a:latin typeface="Courier New" charset="0"/>
+                <a:ea typeface="Courier New" charset="0"/>
+                <a:cs typeface="Courier New" charset="0"/>
+              </a:rPr>
+              <a:t>IntCAs</a:t>
+            </a:r>
+            <a:endParaRPr lang="en-US" sz="1000" dirty="0" smtClean="0">
+              <a:latin typeface="Courier New" charset="0"/>
+              <a:ea typeface="Courier New" charset="0"/>
+              <a:cs typeface="Courier New" charset="0"/>
+            </a:endParaRPr>
+          </a:p>
+          <a:p>
+            <a:r>
+              <a:rPr lang="en-US" sz="1000" dirty="0">
+                <a:latin typeface="Courier New" charset="0"/>
+                <a:ea typeface="Courier New" charset="0"/>
+                <a:cs typeface="Courier New" charset="0"/>
+              </a:rPr>
+              <a:t> </a:t>
+            </a:r>
+            <a:r>
+              <a:rPr lang="en-US" sz="1000" dirty="0" smtClean="0">
+                <a:latin typeface="Courier New" charset="0"/>
+                <a:ea typeface="Courier New" charset="0"/>
+                <a:cs typeface="Courier New" charset="0"/>
+              </a:rPr>
+              <a:t>  </a:t>
+            </a:r>
+            <a:r>
+              <a:rPr lang="en-US" sz="1000" b="1" dirty="0" smtClean="0">
+                <a:latin typeface="Courier New" charset="0"/>
+                <a:ea typeface="Courier New" charset="0"/>
+                <a:cs typeface="Courier New" charset="0"/>
+              </a:rPr>
+              <a:t>...</a:t>
+            </a:r>
+          </a:p>
+        </p:txBody>
+      </p:sp>
+      <p:sp>
+        <p:nvSpPr>
+          <p:cNvPr id="131" name="Rectangle 130"/>
+          <p:cNvSpPr/>
+          <p:nvPr/>
+        </p:nvSpPr>
+        <p:spPr>
+          <a:xfrm>
+            <a:off x="8986250" y="3117047"/>
+            <a:ext cx="2411809" cy="1036552"/>
+          </a:xfrm>
+          <a:prstGeom prst="rect">
+            <a:avLst/>
+          </a:prstGeom>
+          <a:noFill/>
+        </p:spPr>
+        <p:style>
+          <a:lnRef idx="2">
+            <a:schemeClr val="accent1">
+              <a:shade val="50000"/>
+            </a:schemeClr>
+          </a:lnRef>
+          <a:fillRef idx="1">
+            <a:schemeClr val="accent1"/>
+          </a:fillRef>
+          <a:effectRef idx="0">
+            <a:schemeClr val="accent1"/>
+          </a:effectRef>
+          <a:fontRef idx="minor">
+            <a:schemeClr val="lt1"/>
+          </a:fontRef>
+        </p:style>
+        <p:txBody>
+          <a:bodyPr rtlCol="0" anchor="ctr"/>
+          <a:lstStyle/>
+          <a:p>
+            <a:pPr algn="ctr"/>
+            <a:endParaRPr lang="en-US"/>
+          </a:p>
+        </p:txBody>
+      </p:sp>
+      <p:sp>
+        <p:nvSpPr>
+          <p:cNvPr id="133" name="Folded Corner 132"/>
+          <p:cNvSpPr/>
+          <p:nvPr/>
+        </p:nvSpPr>
+        <p:spPr>
+          <a:xfrm>
+            <a:off x="10215604" y="3221001"/>
+            <a:ext cx="1065903" cy="820951"/>
+          </a:xfrm>
+          <a:prstGeom prst="foldedCorner">
+            <a:avLst/>
+          </a:prstGeom>
+          <a:solidFill>
+            <a:schemeClr val="accent4">
+              <a:lumMod val="40000"/>
+              <a:lumOff val="60000"/>
+            </a:schemeClr>
+          </a:solidFill>
+          <a:ln>
+            <a:solidFill>
+              <a:schemeClr val="accent4">
+                <a:lumMod val="75000"/>
+              </a:schemeClr>
+            </a:solidFill>
+          </a:ln>
+        </p:spPr>
+        <p:style>
+          <a:lnRef idx="2">
+            <a:schemeClr val="accent1">
+              <a:shade val="50000"/>
+            </a:schemeClr>
+          </a:lnRef>
+          <a:fillRef idx="1">
+            <a:schemeClr val="accent1"/>
+          </a:fillRef>
+          <a:effectRef idx="0">
+            <a:schemeClr val="accent1"/>
+          </a:effectRef>
+          <a:fontRef idx="minor">
+            <a:schemeClr val="lt1"/>
+          </a:fontRef>
+        </p:style>
+        <p:txBody>
+          <a:bodyPr rtlCol="0" anchor="ctr"/>
+          <a:lstStyle/>
+          <a:p>
+            <a:pPr algn="ctr"/>
+            <a:endParaRPr lang="en-US"/>
+          </a:p>
+        </p:txBody>
+      </p:sp>
+      <p:sp>
+        <p:nvSpPr>
+          <p:cNvPr id="134" name="TextBox 133"/>
+          <p:cNvSpPr txBox="1"/>
+          <p:nvPr/>
+        </p:nvSpPr>
+        <p:spPr>
+          <a:xfrm>
+            <a:off x="10215604" y="3248755"/>
+            <a:ext cx="1182456" cy="707886"/>
+          </a:xfrm>
+          <a:prstGeom prst="rect">
+            <a:avLst/>
+          </a:prstGeom>
+          <a:noFill/>
+        </p:spPr>
+        <p:txBody>
+          <a:bodyPr wrap="square" rtlCol="0">
+            <a:spAutoFit/>
+          </a:bodyPr>
+          <a:lstStyle/>
+          <a:p>
+            <a:r>
+              <a:rPr lang="en-US" sz="1000" dirty="0" smtClean="0">
+                <a:latin typeface="Courier New" charset="0"/>
+                <a:ea typeface="Courier New" charset="0"/>
+                <a:cs typeface="Courier New" charset="0"/>
+              </a:rPr>
+              <a:t>\ORG2.MSP</a:t>
+            </a:r>
+          </a:p>
+          <a:p>
+            <a:r>
+              <a:rPr lang="en-US" sz="1000" dirty="0" smtClean="0">
+                <a:latin typeface="Courier New" charset="0"/>
+                <a:ea typeface="Courier New" charset="0"/>
+                <a:cs typeface="Courier New" charset="0"/>
+              </a:rPr>
+              <a:t>   \</a:t>
+            </a:r>
+            <a:r>
+              <a:rPr lang="en-US" sz="1000" dirty="0" err="1" smtClean="0">
+                <a:latin typeface="Courier New" charset="0"/>
+                <a:ea typeface="Courier New" charset="0"/>
+                <a:cs typeface="Courier New" charset="0"/>
+              </a:rPr>
+              <a:t>RootCAs</a:t>
+            </a:r>
+            <a:endParaRPr lang="en-US" sz="1000" dirty="0" smtClean="0">
+              <a:latin typeface="Courier New" charset="0"/>
+              <a:ea typeface="Courier New" charset="0"/>
+              <a:cs typeface="Courier New" charset="0"/>
+            </a:endParaRPr>
+          </a:p>
+          <a:p>
+            <a:r>
+              <a:rPr lang="en-US" sz="1000" dirty="0">
+                <a:latin typeface="Courier New" charset="0"/>
+                <a:ea typeface="Courier New" charset="0"/>
+                <a:cs typeface="Courier New" charset="0"/>
+              </a:rPr>
+              <a:t> </a:t>
+            </a:r>
+            <a:r>
+              <a:rPr lang="en-US" sz="1000" dirty="0" smtClean="0">
+                <a:latin typeface="Courier New" charset="0"/>
+                <a:ea typeface="Courier New" charset="0"/>
+                <a:cs typeface="Courier New" charset="0"/>
+              </a:rPr>
+              <a:t>  \</a:t>
+            </a:r>
+            <a:r>
+              <a:rPr lang="en-US" sz="1000" dirty="0" err="1" smtClean="0">
+                <a:latin typeface="Courier New" charset="0"/>
+                <a:ea typeface="Courier New" charset="0"/>
+                <a:cs typeface="Courier New" charset="0"/>
+              </a:rPr>
+              <a:t>IntCAs</a:t>
+            </a:r>
+            <a:endParaRPr lang="en-US" sz="1000" dirty="0" smtClean="0">
+              <a:latin typeface="Courier New" charset="0"/>
+              <a:ea typeface="Courier New" charset="0"/>
+              <a:cs typeface="Courier New" charset="0"/>
+            </a:endParaRPr>
+          </a:p>
+          <a:p>
+            <a:r>
+              <a:rPr lang="en-US" sz="1000" dirty="0">
+                <a:latin typeface="Courier New" charset="0"/>
+                <a:ea typeface="Courier New" charset="0"/>
+                <a:cs typeface="Courier New" charset="0"/>
+              </a:rPr>
+              <a:t> </a:t>
+            </a:r>
+            <a:r>
+              <a:rPr lang="en-US" sz="1000" dirty="0" smtClean="0">
+                <a:latin typeface="Courier New" charset="0"/>
+                <a:ea typeface="Courier New" charset="0"/>
+                <a:cs typeface="Courier New" charset="0"/>
+              </a:rPr>
+              <a:t>  </a:t>
+            </a:r>
+            <a:r>
+              <a:rPr lang="en-US" sz="1000" b="1" dirty="0" smtClean="0">
+                <a:latin typeface="Courier New" charset="0"/>
+                <a:ea typeface="Courier New" charset="0"/>
+                <a:cs typeface="Courier New" charset="0"/>
+              </a:rPr>
+              <a:t>...</a:t>
+            </a:r>
+          </a:p>
+        </p:txBody>
+      </p:sp>
+      <p:cxnSp>
+        <p:nvCxnSpPr>
+          <p:cNvPr id="135" name="Curved Connector 134"/>
+          <p:cNvCxnSpPr>
+            <a:stCxn id="57" idx="1"/>
+            <a:endCxn id="122" idx="2"/>
+          </p:cNvCxnSpPr>
+          <p:nvPr/>
+        </p:nvCxnSpPr>
+        <p:spPr>
+          <a:xfrm rot="10800000">
+            <a:off x="2428441" y="4153599"/>
+            <a:ext cx="1281221" cy="1262507"/>
+          </a:xfrm>
+          <a:prstGeom prst="curvedConnector2">
+            <a:avLst/>
+          </a:prstGeom>
+          <a:ln w="28575">
+            <a:solidFill>
+              <a:srgbClr val="4372C4"/>
+            </a:solidFill>
+            <a:prstDash val="sysDot"/>
+            <a:tailEnd type="triangle"/>
+          </a:ln>
+        </p:spPr>
+        <p:style>
+          <a:lnRef idx="1">
+            <a:schemeClr val="accent1"/>
+          </a:lnRef>
+          <a:fillRef idx="0">
+            <a:schemeClr val="accent1"/>
+          </a:fillRef>
+          <a:effectRef idx="0">
+            <a:schemeClr val="accent1"/>
+          </a:effectRef>
+          <a:fontRef idx="minor">
+            <a:schemeClr val="tx1"/>
+          </a:fontRef>
+        </p:style>
+      </p:cxnSp>
+      <p:cxnSp>
+        <p:nvCxnSpPr>
+          <p:cNvPr id="136" name="Curved Connector 135"/>
+          <p:cNvCxnSpPr>
+            <a:stCxn id="57" idx="3"/>
+            <a:endCxn id="131" idx="2"/>
+          </p:cNvCxnSpPr>
+          <p:nvPr/>
+        </p:nvCxnSpPr>
+        <p:spPr>
+          <a:xfrm flipV="1">
+            <a:off x="8911791" y="4153599"/>
+            <a:ext cx="1280364" cy="1262506"/>
+          </a:xfrm>
+          <a:prstGeom prst="curvedConnector2">
+            <a:avLst/>
+          </a:prstGeom>
+          <a:ln w="28575">
+            <a:solidFill>
+              <a:srgbClr val="4372C4"/>
+            </a:solidFill>
+            <a:prstDash val="sysDot"/>
+            <a:tailEnd type="triangle"/>
+          </a:ln>
+        </p:spPr>
+        <p:style>
+          <a:lnRef idx="1">
+            <a:schemeClr val="accent1"/>
+          </a:lnRef>
+          <a:fillRef idx="0">
+            <a:schemeClr val="accent1"/>
+          </a:fillRef>
+          <a:effectRef idx="0">
+            <a:schemeClr val="accent1"/>
+          </a:effectRef>
+          <a:fontRef idx="minor">
+            <a:schemeClr val="tx1"/>
+          </a:fontRef>
+        </p:style>
+      </p:cxnSp>
+      <p:sp>
+        <p:nvSpPr>
+          <p:cNvPr id="139" name="TextBox 138"/>
+          <p:cNvSpPr txBox="1"/>
+          <p:nvPr/>
+        </p:nvSpPr>
+        <p:spPr>
+          <a:xfrm>
+            <a:off x="1876695" y="4830353"/>
+            <a:ext cx="929806" cy="307777"/>
+          </a:xfrm>
+          <a:prstGeom prst="rect">
+            <a:avLst/>
+          </a:prstGeom>
+          <a:noFill/>
+        </p:spPr>
+        <p:txBody>
+          <a:bodyPr wrap="none" rtlCol="0">
+            <a:spAutoFit/>
+          </a:bodyPr>
+          <a:lstStyle/>
+          <a:p>
+            <a:r>
+              <a:rPr lang="en-US" sz="1400" b="1" dirty="0" smtClean="0">
+                <a:solidFill>
+                  <a:srgbClr val="4372C4"/>
+                </a:solidFill>
+              </a:rPr>
+              <a:t>replicated</a:t>
+            </a:r>
+            <a:endParaRPr lang="en-US" sz="1400" b="1" dirty="0">
+              <a:solidFill>
+                <a:srgbClr val="4372C4"/>
+              </a:solidFill>
+            </a:endParaRPr>
+          </a:p>
+        </p:txBody>
+      </p:sp>
+      <p:sp>
+        <p:nvSpPr>
+          <p:cNvPr id="140" name="TextBox 139"/>
+          <p:cNvSpPr txBox="1"/>
+          <p:nvPr/>
+        </p:nvSpPr>
+        <p:spPr>
+          <a:xfrm>
+            <a:off x="9828573" y="4830353"/>
+            <a:ext cx="929806" cy="307777"/>
+          </a:xfrm>
+          <a:prstGeom prst="rect">
+            <a:avLst/>
+          </a:prstGeom>
+          <a:noFill/>
+        </p:spPr>
+        <p:txBody>
+          <a:bodyPr wrap="none" rtlCol="0">
+            <a:spAutoFit/>
+          </a:bodyPr>
+          <a:lstStyle/>
+          <a:p>
+            <a:r>
+              <a:rPr lang="en-US" sz="1400" b="1" smtClean="0">
+                <a:solidFill>
+                  <a:srgbClr val="4372C4"/>
+                </a:solidFill>
+              </a:rPr>
+              <a:t>replicated</a:t>
+            </a:r>
+            <a:endParaRPr lang="en-US" sz="1400" b="1">
+              <a:solidFill>
+                <a:srgbClr val="4372C4"/>
+              </a:solidFill>
+            </a:endParaRPr>
+          </a:p>
+        </p:txBody>
+      </p:sp>
+      <p:sp>
+        <p:nvSpPr>
+          <p:cNvPr id="141" name="TextBox 140"/>
+          <p:cNvSpPr txBox="1"/>
+          <p:nvPr/>
+        </p:nvSpPr>
+        <p:spPr>
+          <a:xfrm>
+            <a:off x="3979751" y="2045877"/>
+            <a:ext cx="941989" cy="307777"/>
+          </a:xfrm>
+          <a:prstGeom prst="rect">
+            <a:avLst/>
+          </a:prstGeom>
+          <a:noFill/>
+        </p:spPr>
+        <p:txBody>
+          <a:bodyPr wrap="none" rtlCol="0">
+            <a:spAutoFit/>
+          </a:bodyPr>
+          <a:lstStyle/>
+          <a:p>
+            <a:r>
+              <a:rPr lang="en-US" sz="1400" b="1" smtClean="0"/>
+              <a:t>Local MSP</a:t>
+            </a:r>
+            <a:endParaRPr lang="en-US" sz="1400" b="1"/>
+          </a:p>
+        </p:txBody>
+      </p:sp>
+      <p:sp>
+        <p:nvSpPr>
+          <p:cNvPr id="142" name="TextBox 141"/>
+          <p:cNvSpPr txBox="1"/>
+          <p:nvPr/>
+        </p:nvSpPr>
+        <p:spPr>
+          <a:xfrm>
+            <a:off x="7658364" y="2054643"/>
+            <a:ext cx="941989" cy="307777"/>
+          </a:xfrm>
+          <a:prstGeom prst="rect">
+            <a:avLst/>
+          </a:prstGeom>
+          <a:noFill/>
+        </p:spPr>
+        <p:txBody>
+          <a:bodyPr wrap="none" rtlCol="0">
+            <a:spAutoFit/>
+          </a:bodyPr>
+          <a:lstStyle/>
+          <a:p>
+            <a:r>
+              <a:rPr lang="en-US" sz="1400" b="1" smtClean="0"/>
+              <a:t>Local MSP</a:t>
+            </a:r>
+            <a:endParaRPr lang="en-US" sz="1400" b="1"/>
+          </a:p>
+        </p:txBody>
+      </p:sp>
+      <p:sp>
+        <p:nvSpPr>
+          <p:cNvPr id="143" name="TextBox 142"/>
+          <p:cNvSpPr txBox="1"/>
+          <p:nvPr/>
+        </p:nvSpPr>
+        <p:spPr>
+          <a:xfrm>
+            <a:off x="5749247" y="5703644"/>
+            <a:ext cx="1117422" cy="307777"/>
+          </a:xfrm>
+          <a:prstGeom prst="rect">
+            <a:avLst/>
+          </a:prstGeom>
+          <a:noFill/>
+        </p:spPr>
+        <p:txBody>
+          <a:bodyPr wrap="none" rtlCol="0">
+            <a:spAutoFit/>
+          </a:bodyPr>
+          <a:lstStyle/>
+          <a:p>
+            <a:pPr algn="ctr"/>
+            <a:r>
+              <a:rPr lang="en-US" sz="1400" b="1" dirty="0" smtClean="0"/>
+              <a:t>Global MSPs</a:t>
+            </a:r>
+            <a:endParaRPr lang="en-US" sz="1400" b="1" dirty="0"/>
+          </a:p>
+        </p:txBody>
+      </p:sp>
+      <p:cxnSp>
+        <p:nvCxnSpPr>
+          <p:cNvPr id="5" name="Elbow Connector 4"/>
+          <p:cNvCxnSpPr>
+            <a:stCxn id="97" idx="0"/>
+            <a:endCxn id="44" idx="1"/>
+          </p:cNvCxnSpPr>
+          <p:nvPr/>
+        </p:nvCxnSpPr>
+        <p:spPr>
+          <a:xfrm>
+            <a:off x="1980777" y="2009218"/>
+            <a:ext cx="2190176" cy="1073883"/>
+          </a:xfrm>
+          <a:prstGeom prst="bentConnector3">
+            <a:avLst/>
+          </a:prstGeom>
+          <a:ln w="28575">
+            <a:solidFill>
+              <a:srgbClr val="4372C4"/>
+            </a:solidFill>
+            <a:tailEnd type="triangle"/>
+          </a:ln>
+        </p:spPr>
+        <p:style>
+          <a:lnRef idx="1">
+            <a:schemeClr val="accent1"/>
+          </a:lnRef>
+          <a:fillRef idx="0">
+            <a:schemeClr val="accent1"/>
+          </a:fillRef>
+          <a:effectRef idx="0">
+            <a:schemeClr val="accent1"/>
+          </a:effectRef>
+          <a:fontRef idx="minor">
+            <a:schemeClr val="tx1"/>
+          </a:fontRef>
+        </p:style>
+      </p:cxnSp>
+      <p:sp>
+        <p:nvSpPr>
+          <p:cNvPr id="69" name="Rounded Rectangle 68"/>
+          <p:cNvSpPr/>
+          <p:nvPr/>
+        </p:nvSpPr>
+        <p:spPr>
+          <a:xfrm>
+            <a:off x="2713849" y="1313269"/>
+            <a:ext cx="575072" cy="567368"/>
+          </a:xfrm>
+          <a:prstGeom prst="roundRect">
+            <a:avLst/>
+          </a:prstGeom>
+          <a:solidFill>
+            <a:schemeClr val="accent4"/>
+          </a:solidFill>
+          <a:ln w="25400">
+            <a:solidFill>
+              <a:srgbClr val="0070C0"/>
+            </a:solidFill>
+          </a:ln>
+        </p:spPr>
+        <p:style>
+          <a:lnRef idx="2">
+            <a:schemeClr val="accent1">
+              <a:shade val="50000"/>
+            </a:schemeClr>
+          </a:lnRef>
+          <a:fillRef idx="1">
+            <a:schemeClr val="accent1"/>
+          </a:fillRef>
+          <a:effectRef idx="0">
+            <a:schemeClr val="accent1"/>
+          </a:effectRef>
+          <a:fontRef idx="minor">
+            <a:schemeClr val="lt1"/>
+          </a:fontRef>
+        </p:style>
+        <p:txBody>
+          <a:bodyPr rtlCol="0" anchor="ctr"/>
+          <a:lstStyle/>
+          <a:p>
+            <a:pPr algn="ctr"/>
+            <a:r>
+              <a:rPr lang="en-US" sz="1200" b="1" smtClean="0">
+                <a:solidFill>
+                  <a:srgbClr val="4372C4"/>
+                </a:solidFill>
+              </a:rPr>
+              <a:t>RCA1</a:t>
+            </a:r>
+            <a:endParaRPr lang="en-US" sz="1200" b="1" dirty="0">
+              <a:solidFill>
+                <a:srgbClr val="4372C4"/>
+              </a:solidFill>
+            </a:endParaRPr>
+          </a:p>
+        </p:txBody>
+      </p:sp>
+      <p:sp>
+        <p:nvSpPr>
+          <p:cNvPr id="70" name="Rounded Rectangle 69"/>
+          <p:cNvSpPr/>
+          <p:nvPr/>
+        </p:nvSpPr>
+        <p:spPr>
+          <a:xfrm>
+            <a:off x="10293476" y="1201617"/>
+            <a:ext cx="575072" cy="567368"/>
+          </a:xfrm>
+          <a:prstGeom prst="roundRect">
+            <a:avLst/>
+          </a:prstGeom>
+          <a:solidFill>
+            <a:schemeClr val="accent4"/>
+          </a:solidFill>
+          <a:ln w="25400">
+            <a:solidFill>
+              <a:srgbClr val="0070C0"/>
+            </a:solidFill>
+          </a:ln>
+        </p:spPr>
+        <p:style>
+          <a:lnRef idx="2">
+            <a:schemeClr val="accent1">
+              <a:shade val="50000"/>
+            </a:schemeClr>
+          </a:lnRef>
+          <a:fillRef idx="1">
+            <a:schemeClr val="accent1"/>
+          </a:fillRef>
+          <a:effectRef idx="0">
+            <a:schemeClr val="accent1"/>
+          </a:effectRef>
+          <a:fontRef idx="minor">
+            <a:schemeClr val="lt1"/>
+          </a:fontRef>
+        </p:style>
+        <p:txBody>
+          <a:bodyPr rtlCol="0" anchor="ctr"/>
+          <a:lstStyle/>
+          <a:p>
+            <a:pPr algn="ctr"/>
+            <a:r>
+              <a:rPr lang="en-US" sz="1200" b="1" dirty="0" smtClean="0">
+                <a:solidFill>
+                  <a:srgbClr val="4372C4"/>
+                </a:solidFill>
+              </a:rPr>
+              <a:t>RCA2</a:t>
+            </a:r>
+            <a:endParaRPr lang="en-US" sz="1200" b="1" dirty="0">
+              <a:solidFill>
+                <a:srgbClr val="4372C4"/>
+              </a:solidFill>
+            </a:endParaRPr>
+          </a:p>
+        </p:txBody>
+      </p:sp>
+      <p:cxnSp>
+        <p:nvCxnSpPr>
+          <p:cNvPr id="7" name="Elbow Connector 6"/>
+          <p:cNvCxnSpPr>
+            <a:stCxn id="50" idx="1"/>
+            <a:endCxn id="69" idx="3"/>
+          </p:cNvCxnSpPr>
+          <p:nvPr/>
+        </p:nvCxnSpPr>
+        <p:spPr>
+          <a:xfrm rot="10800000">
+            <a:off x="3288922" y="1596954"/>
+            <a:ext cx="678459" cy="895917"/>
+          </a:xfrm>
+          <a:prstGeom prst="bentConnector3">
+            <a:avLst/>
+          </a:prstGeom>
+          <a:ln w="28575">
+            <a:solidFill>
+              <a:srgbClr val="4372C4"/>
+            </a:solidFill>
+            <a:tailEnd type="triangle"/>
+          </a:ln>
+        </p:spPr>
+        <p:style>
+          <a:lnRef idx="1">
+            <a:schemeClr val="accent1"/>
+          </a:lnRef>
+          <a:fillRef idx="0">
+            <a:schemeClr val="accent1"/>
+          </a:fillRef>
+          <a:effectRef idx="0">
+            <a:schemeClr val="accent1"/>
+          </a:effectRef>
+          <a:fontRef idx="minor">
+            <a:schemeClr val="tx1"/>
+          </a:fontRef>
+        </p:style>
+      </p:cxnSp>
+      <p:cxnSp>
+        <p:nvCxnSpPr>
+          <p:cNvPr id="73" name="Elbow Connector 72"/>
+          <p:cNvCxnSpPr>
+            <a:stCxn id="54" idx="3"/>
+            <a:endCxn id="70" idx="1"/>
+          </p:cNvCxnSpPr>
+          <p:nvPr/>
+        </p:nvCxnSpPr>
+        <p:spPr>
+          <a:xfrm flipV="1">
+            <a:off x="8612726" y="1485301"/>
+            <a:ext cx="1680750" cy="1004459"/>
+          </a:xfrm>
+          <a:prstGeom prst="bentConnector3">
+            <a:avLst>
+              <a:gd name="adj1" fmla="val 50000"/>
+            </a:avLst>
+          </a:prstGeom>
+          <a:ln w="28575">
+            <a:solidFill>
+              <a:srgbClr val="4372C4"/>
+            </a:solidFill>
+            <a:tailEnd type="triangle"/>
+          </a:ln>
+        </p:spPr>
+        <p:style>
+          <a:lnRef idx="1">
+            <a:schemeClr val="accent1"/>
+          </a:lnRef>
+          <a:fillRef idx="0">
+            <a:schemeClr val="accent1"/>
+          </a:fillRef>
+          <a:effectRef idx="0">
+            <a:schemeClr val="accent1"/>
+          </a:effectRef>
+          <a:fontRef idx="minor">
+            <a:schemeClr val="tx1"/>
+          </a:fontRef>
+        </p:style>
+      </p:cxnSp>
+      <p:grpSp>
+        <p:nvGrpSpPr>
+          <p:cNvPr id="77" name="Group 76"/>
+          <p:cNvGrpSpPr/>
+          <p:nvPr/>
+        </p:nvGrpSpPr>
+        <p:grpSpPr>
+          <a:xfrm>
+            <a:off x="1573163" y="2300280"/>
+            <a:ext cx="312349" cy="323772"/>
+            <a:chOff x="5676338" y="2717038"/>
+            <a:chExt cx="312349" cy="323772"/>
+          </a:xfrm>
+        </p:grpSpPr>
+        <p:grpSp>
+          <p:nvGrpSpPr>
+            <p:cNvPr id="78" name="Group 77"/>
+            <p:cNvGrpSpPr/>
+            <p:nvPr/>
+          </p:nvGrpSpPr>
+          <p:grpSpPr>
+            <a:xfrm>
+              <a:off x="5676338" y="2717038"/>
+              <a:ext cx="312349" cy="252979"/>
+              <a:chOff x="9015959" y="4587888"/>
+              <a:chExt cx="420764" cy="340787"/>
+            </a:xfrm>
+          </p:grpSpPr>
+          <p:sp>
+            <p:nvSpPr>
+              <p:cNvPr id="80" name="Rectangle 79"/>
+              <p:cNvSpPr/>
+              <p:nvPr/>
+            </p:nvSpPr>
+            <p:spPr>
+              <a:xfrm>
+                <a:off x="9015959" y="4587888"/>
+                <a:ext cx="420764" cy="340787"/>
+              </a:xfrm>
+              <a:prstGeom prst="rect">
+                <a:avLst/>
+              </a:prstGeom>
+              <a:noFill/>
+              <a:ln w="25400"/>
+            </p:spPr>
+            <p:style>
+              <a:lnRef idx="2">
+                <a:schemeClr val="accent1">
+                  <a:shade val="50000"/>
+                </a:schemeClr>
+              </a:lnRef>
+              <a:fillRef idx="1">
+                <a:schemeClr val="accent1"/>
+              </a:fillRef>
+              <a:effectRef idx="0">
+                <a:schemeClr val="accent1"/>
+              </a:effectRef>
+              <a:fontRef idx="minor">
+                <a:schemeClr val="lt1"/>
+              </a:fontRef>
+            </p:style>
+            <p:txBody>
+              <a:bodyPr rtlCol="0" anchor="ctr"/>
+              <a:lstStyle/>
+              <a:p>
+                <a:pPr algn="ctr"/>
+                <a:endParaRPr lang="en-US" sz="1050"/>
+              </a:p>
+            </p:txBody>
+          </p:sp>
+          <p:grpSp>
+            <p:nvGrpSpPr>
+              <p:cNvPr id="81" name="Group 80"/>
+              <p:cNvGrpSpPr/>
+              <p:nvPr/>
+            </p:nvGrpSpPr>
+            <p:grpSpPr>
+              <a:xfrm>
+                <a:off x="9261059" y="4690045"/>
+                <a:ext cx="123069" cy="75870"/>
+                <a:chOff x="4783309" y="3634526"/>
+                <a:chExt cx="123069" cy="75870"/>
+              </a:xfrm>
+            </p:grpSpPr>
+            <p:cxnSp>
+              <p:nvCxnSpPr>
+                <p:cNvPr id="83" name="Straight Connector 82"/>
+                <p:cNvCxnSpPr/>
+                <p:nvPr/>
+              </p:nvCxnSpPr>
+              <p:spPr>
+                <a:xfrm>
+                  <a:off x="4783309" y="3634526"/>
+                  <a:ext cx="123069" cy="0"/>
+                </a:xfrm>
+                <a:prstGeom prst="line">
+                  <a:avLst/>
+                </a:prstGeom>
+                <a:ln w="25400"/>
+              </p:spPr>
+              <p:style>
+                <a:lnRef idx="1">
+                  <a:schemeClr val="accent1"/>
+                </a:lnRef>
+                <a:fillRef idx="0">
+                  <a:schemeClr val="accent1"/>
+                </a:fillRef>
+                <a:effectRef idx="0">
+                  <a:schemeClr val="accent1"/>
+                </a:effectRef>
+                <a:fontRef idx="minor">
+                  <a:schemeClr val="tx1"/>
+                </a:fontRef>
+              </p:style>
+            </p:cxnSp>
+            <p:cxnSp>
+              <p:nvCxnSpPr>
+                <p:cNvPr id="86" name="Straight Connector 85"/>
+                <p:cNvCxnSpPr/>
+                <p:nvPr/>
+              </p:nvCxnSpPr>
+              <p:spPr>
+                <a:xfrm>
+                  <a:off x="4783309" y="3672462"/>
+                  <a:ext cx="123069" cy="0"/>
+                </a:xfrm>
+                <a:prstGeom prst="line">
+                  <a:avLst/>
+                </a:prstGeom>
+                <a:ln w="25400"/>
+              </p:spPr>
+              <p:style>
+                <a:lnRef idx="1">
+                  <a:schemeClr val="accent1"/>
+                </a:lnRef>
+                <a:fillRef idx="0">
+                  <a:schemeClr val="accent1"/>
+                </a:fillRef>
+                <a:effectRef idx="0">
+                  <a:schemeClr val="accent1"/>
+                </a:effectRef>
+                <a:fontRef idx="minor">
+                  <a:schemeClr val="tx1"/>
+                </a:fontRef>
+              </p:style>
+            </p:cxnSp>
+            <p:cxnSp>
+              <p:nvCxnSpPr>
+                <p:cNvPr id="89" name="Straight Connector 88"/>
+                <p:cNvCxnSpPr/>
+                <p:nvPr/>
+              </p:nvCxnSpPr>
+              <p:spPr>
+                <a:xfrm>
+                  <a:off x="4783309" y="3710396"/>
+                  <a:ext cx="123069" cy="0"/>
+                </a:xfrm>
+                <a:prstGeom prst="line">
+                  <a:avLst/>
+                </a:prstGeom>
+                <a:ln w="25400"/>
+              </p:spPr>
+              <p:style>
+                <a:lnRef idx="1">
+                  <a:schemeClr val="accent1"/>
+                </a:lnRef>
+                <a:fillRef idx="0">
+                  <a:schemeClr val="accent1"/>
+                </a:fillRef>
+                <a:effectRef idx="0">
+                  <a:schemeClr val="accent1"/>
+                </a:effectRef>
+                <a:fontRef idx="minor">
+                  <a:schemeClr val="tx1"/>
+                </a:fontRef>
+              </p:style>
+            </p:cxnSp>
+          </p:grpSp>
+          <p:sp>
+            <p:nvSpPr>
+              <p:cNvPr id="82" name="Rounded Rectangle 81"/>
+              <p:cNvSpPr/>
+              <p:nvPr/>
+            </p:nvSpPr>
+            <p:spPr>
+              <a:xfrm>
+                <a:off x="9059604" y="4675660"/>
+                <a:ext cx="166737" cy="165241"/>
+              </a:xfrm>
+              <a:prstGeom prst="roundRect">
+                <a:avLst/>
+              </a:prstGeom>
+              <a:solidFill>
+                <a:srgbClr val="4372C4"/>
+              </a:solidFill>
+              <a:ln w="12700" cap="flat" cmpd="sng" algn="ctr">
+                <a:solidFill>
+                  <a:schemeClr val="tx2"/>
+                </a:solidFill>
+                <a:prstDash val="solid"/>
+              </a:ln>
+              <a:effectLst>
+                <a:outerShdw blurRad="40000" dist="23000" dir="5400000" rotWithShape="0">
+                  <a:srgbClr val="000000">
+                    <a:alpha val="35000"/>
+                  </a:srgbClr>
+                </a:outerShdw>
+              </a:effectLst>
+            </p:spPr>
+            <p:txBody>
+              <a:bodyPr tIns="36000" bIns="36000" rtlCol="0" anchor="ctr"/>
+              <a:lstStyle/>
+              <a:p>
+                <a:pPr marL="0" marR="0" lvl="0" indent="0" algn="ctr" defTabSz="457200" eaLnBrk="1" fontAlgn="auto" latinLnBrk="0" hangingPunct="1">
+                  <a:lnSpc>
+                    <a:spcPct val="100000"/>
+                  </a:lnSpc>
+                  <a:spcBef>
+                    <a:spcPts val="0"/>
+                  </a:spcBef>
+                  <a:spcAft>
+                    <a:spcPts val="0"/>
+                  </a:spcAft>
+                  <a:buClrTx/>
+                  <a:buSzTx/>
+                  <a:buFontTx/>
+                  <a:buNone/>
+                  <a:tabLst/>
+                  <a:defRPr/>
+                </a:pPr>
+                <a:r>
+                  <a:rPr lang="en-US" sz="1000" b="1" kern="0" dirty="0">
+                    <a:solidFill>
+                      <a:schemeClr val="bg1"/>
+                    </a:solidFill>
+                    <a:ea typeface=""/>
+                    <a:cs typeface=""/>
+                  </a:rPr>
+                  <a:t>I</a:t>
+                </a:r>
+                <a:endParaRPr kumimoji="0" lang="en-US" sz="1000" b="1" i="0" u="none" strike="noStrike" kern="0" cap="none" spc="0" normalizeH="0" baseline="0" noProof="0" dirty="0" smtClean="0">
+                  <a:ln>
+                    <a:noFill/>
+                  </a:ln>
+                  <a:solidFill>
+                    <a:schemeClr val="bg1"/>
+                  </a:solidFill>
+                  <a:effectLst/>
+                  <a:uLnTx/>
+                  <a:uFillTx/>
+                  <a:ea typeface=""/>
+                  <a:cs typeface=""/>
+                </a:endParaRPr>
+              </a:p>
+            </p:txBody>
+          </p:sp>
+        </p:grpSp>
+        <p:sp>
+          <p:nvSpPr>
+            <p:cNvPr id="79" name="7-Point Star 78"/>
+            <p:cNvSpPr/>
+            <p:nvPr/>
+          </p:nvSpPr>
+          <p:spPr>
+            <a:xfrm>
+              <a:off x="5834851" y="2902584"/>
+              <a:ext cx="138226" cy="138226"/>
+            </a:xfrm>
+            <a:prstGeom prst="star7">
+              <a:avLst/>
+            </a:prstGeom>
+            <a:solidFill>
+              <a:schemeClr val="bg1"/>
+            </a:solidFill>
+          </p:spPr>
+          <p:style>
+            <a:lnRef idx="2">
+              <a:schemeClr val="accent1">
+                <a:shade val="50000"/>
+              </a:schemeClr>
+            </a:lnRef>
+            <a:fillRef idx="1">
+              <a:schemeClr val="accent1"/>
+            </a:fillRef>
+            <a:effectRef idx="0">
+              <a:schemeClr val="accent1"/>
+            </a:effectRef>
+            <a:fontRef idx="minor">
+              <a:schemeClr val="lt1"/>
+            </a:fontRef>
+          </p:style>
+          <p:txBody>
+            <a:bodyPr rtlCol="0" anchor="ctr"/>
+            <a:lstStyle/>
+            <a:p>
+              <a:pPr algn="ctr"/>
+              <a:endParaRPr lang="en-US"/>
+            </a:p>
+          </p:txBody>
+        </p:sp>
+      </p:grpSp>
+      <p:sp>
+        <p:nvSpPr>
+          <p:cNvPr id="92" name="Document 91"/>
+          <p:cNvSpPr/>
+          <p:nvPr/>
+        </p:nvSpPr>
+        <p:spPr>
+          <a:xfrm>
+            <a:off x="6041896" y="3626627"/>
+            <a:ext cx="547666" cy="433746"/>
+          </a:xfrm>
+          <a:prstGeom prst="flowChartDocument">
+            <a:avLst/>
+          </a:prstGeom>
+          <a:noFill/>
+          <a:ln w="19050">
+            <a:solidFill>
+              <a:srgbClr val="4372C4"/>
+            </a:solidFill>
+            <a:prstDash val="solid"/>
+          </a:ln>
+        </p:spPr>
+        <p:style>
+          <a:lnRef idx="2">
+            <a:schemeClr val="accent1">
+              <a:shade val="50000"/>
+            </a:schemeClr>
+          </a:lnRef>
+          <a:fillRef idx="1">
+            <a:schemeClr val="accent1"/>
+          </a:fillRef>
+          <a:effectRef idx="0">
+            <a:schemeClr val="accent1"/>
+          </a:effectRef>
+          <a:fontRef idx="minor">
+            <a:schemeClr val="lt1"/>
+          </a:fontRef>
+        </p:style>
+        <p:txBody>
+          <a:bodyPr rtlCol="0" anchor="ctr"/>
+          <a:lstStyle/>
+          <a:p>
+            <a:pPr algn="ctr"/>
+            <a:r>
+              <a:rPr lang="en-US" sz="2400" b="1" dirty="0" smtClean="0">
+                <a:solidFill>
+                  <a:srgbClr val="4372C4"/>
+                </a:solidFill>
+              </a:rPr>
+              <a:t>L</a:t>
+            </a:r>
+            <a:endParaRPr lang="en-US" sz="2400" b="1" baseline="-25000" dirty="0">
+              <a:solidFill>
+                <a:srgbClr val="4372C4"/>
+              </a:solidFill>
+            </a:endParaRPr>
+          </a:p>
+        </p:txBody>
+      </p:sp>
+      <p:grpSp>
+        <p:nvGrpSpPr>
+          <p:cNvPr id="93" name="Group 92"/>
+          <p:cNvGrpSpPr/>
+          <p:nvPr/>
+        </p:nvGrpSpPr>
+        <p:grpSpPr>
+          <a:xfrm>
+            <a:off x="1527142" y="1510989"/>
+            <a:ext cx="453635" cy="725046"/>
+            <a:chOff x="5701137" y="2384637"/>
+            <a:chExt cx="1133935" cy="1812371"/>
+          </a:xfrm>
+        </p:grpSpPr>
+        <p:sp>
+          <p:nvSpPr>
+            <p:cNvPr id="95" name="Oval 94"/>
+            <p:cNvSpPr/>
+            <p:nvPr/>
+          </p:nvSpPr>
+          <p:spPr>
+            <a:xfrm>
+              <a:off x="5928886" y="2384637"/>
+              <a:ext cx="678435" cy="678436"/>
+            </a:xfrm>
+            <a:prstGeom prst="ellipse">
+              <a:avLst/>
+            </a:prstGeom>
+          </p:spPr>
+          <p:style>
+            <a:lnRef idx="2">
+              <a:schemeClr val="accent1">
+                <a:shade val="50000"/>
+              </a:schemeClr>
+            </a:lnRef>
+            <a:fillRef idx="1">
+              <a:schemeClr val="accent1"/>
+            </a:fillRef>
+            <a:effectRef idx="0">
+              <a:schemeClr val="accent1"/>
+            </a:effectRef>
+            <a:fontRef idx="minor">
+              <a:schemeClr val="lt1"/>
+            </a:fontRef>
+          </p:style>
+          <p:txBody>
+            <a:bodyPr rtlCol="0" anchor="ctr"/>
+            <a:lstStyle/>
+            <a:p>
+              <a:pPr algn="ctr"/>
+              <a:endParaRPr lang="en-US"/>
+            </a:p>
+          </p:txBody>
+        </p:sp>
+        <p:sp>
+          <p:nvSpPr>
+            <p:cNvPr id="97" name="Round Same Side Corner Rectangle 96"/>
+            <p:cNvSpPr/>
+            <p:nvPr/>
+          </p:nvSpPr>
+          <p:spPr>
+            <a:xfrm>
+              <a:off x="5701137" y="3063073"/>
+              <a:ext cx="1133935" cy="1133935"/>
+            </a:xfrm>
+            <a:prstGeom prst="round2SameRect">
+              <a:avLst>
+                <a:gd name="adj1" fmla="val 49716"/>
+                <a:gd name="adj2" fmla="val 0"/>
+              </a:avLst>
+            </a:prstGeom>
+          </p:spPr>
+          <p:style>
+            <a:lnRef idx="2">
+              <a:schemeClr val="accent1">
+                <a:shade val="50000"/>
+              </a:schemeClr>
+            </a:lnRef>
+            <a:fillRef idx="1">
+              <a:schemeClr val="accent1"/>
+            </a:fillRef>
+            <a:effectRef idx="0">
+              <a:schemeClr val="accent1"/>
+            </a:effectRef>
+            <a:fontRef idx="minor">
+              <a:schemeClr val="lt1"/>
+            </a:fontRef>
+          </p:style>
+          <p:txBody>
+            <a:bodyPr rtlCol="0" anchor="ctr"/>
+            <a:lstStyle/>
+            <a:p>
+              <a:pPr algn="ctr"/>
+              <a:r>
+                <a:rPr lang="en-US" sz="2400" b="1" dirty="0" smtClean="0"/>
+                <a:t>B</a:t>
+              </a:r>
+              <a:endParaRPr lang="en-US" sz="2400" b="1" dirty="0"/>
+            </a:p>
+          </p:txBody>
+        </p:sp>
+      </p:grpSp>
+    </p:spTree>
+    <p:extLst>
+      <p:ext uri="{BB962C8B-B14F-4D97-AF65-F5344CB8AC3E}">
+        <p14:creationId xmlns:p14="http://schemas.microsoft.com/office/powerpoint/2010/main" val="1681579485"/>
+      </p:ext>
+    </p:extLst>
+  </p:cSld>
+  <p:clrMapOvr>
+    <a:masterClrMapping/>
+  </p:clrMapOvr>
+  <p:timing>
+    <p:tnLst>
+      <p:par>
+        <p:cTn id="1" dur="indefinite" restart="never" nodeType="tmRoot">
+          <p:childTnLst>
+            <p:seq concurrent="1" nextAc="seek">
+              <p:cTn id="2" dur="indefinite" nodeType="mainSeq">
+                <p:childTnLst>
+                  <p:par>
+                    <p:cTn id="3" fill="hold">
+                      <p:stCondLst>
+                        <p:cond delay="indefinite"/>
+                        <p:cond evt="onBegin" delay="0">
+                          <p:tn val="2"/>
+                        </p:cond>
+                      </p:stCondLst>
+                      <p:childTnLst>
+                        <p:par>
+                          <p:cTn id="4" fill="hold">
+                            <p:stCondLst>
+                              <p:cond delay="0"/>
+                            </p:stCondLst>
+                            <p:childTnLst>
+                              <p:par>
+                                <p:cTn id="5" presetID="1" presetClass="entr" presetSubtype="0" fill="hold" nodeType="withEffect">
+                                  <p:stCondLst>
+                                    <p:cond delay="0"/>
+                                  </p:stCondLst>
+                                  <p:childTnLst>
+                                    <p:set>
+                                      <p:cBhvr>
+                                        <p:cTn id="6" dur="1" fill="hold">
+                                          <p:stCondLst>
+                                            <p:cond delay="0"/>
+                                          </p:stCondLst>
+                                        </p:cTn>
+                                        <p:tgtEl>
+                                          <p:spTgt spid="41"/>
+                                        </p:tgtEl>
+                                        <p:attrNameLst>
+                                          <p:attrName>style.visibility</p:attrName>
+                                        </p:attrNameLst>
+                                      </p:cBhvr>
+                                      <p:to>
+                                        <p:strVal val="visible"/>
+                                      </p:to>
+                                    </p:set>
+                                  </p:childTnLst>
+                                </p:cTn>
+                              </p:par>
+                              <p:par>
+                                <p:cTn id="7" presetID="1" presetClass="entr" presetSubtype="0" fill="hold" nodeType="withEffect">
+                                  <p:stCondLst>
+                                    <p:cond delay="0"/>
+                                  </p:stCondLst>
+                                  <p:childTnLst>
+                                    <p:set>
+                                      <p:cBhvr>
+                                        <p:cTn id="8" dur="1" fill="hold">
+                                          <p:stCondLst>
+                                            <p:cond delay="0"/>
+                                          </p:stCondLst>
+                                        </p:cTn>
+                                        <p:tgtEl>
+                                          <p:spTgt spid="59"/>
+                                        </p:tgtEl>
+                                        <p:attrNameLst>
+                                          <p:attrName>style.visibility</p:attrName>
+                                        </p:attrNameLst>
+                                      </p:cBhvr>
+                                      <p:to>
+                                        <p:strVal val="visible"/>
+                                      </p:to>
+                                    </p:set>
+                                  </p:childTnLst>
+                                </p:cTn>
+                              </p:par>
+                              <p:par>
+                                <p:cTn id="9" presetID="1" presetClass="entr" presetSubtype="0" fill="hold" grpId="0" nodeType="withEffect">
+                                  <p:stCondLst>
+                                    <p:cond delay="0"/>
+                                  </p:stCondLst>
+                                  <p:childTnLst>
+                                    <p:set>
+                                      <p:cBhvr>
+                                        <p:cTn id="10" dur="1" fill="hold">
+                                          <p:stCondLst>
+                                            <p:cond delay="0"/>
+                                          </p:stCondLst>
+                                        </p:cTn>
+                                        <p:tgtEl>
+                                          <p:spTgt spid="69"/>
+                                        </p:tgtEl>
+                                        <p:attrNameLst>
+                                          <p:attrName>style.visibility</p:attrName>
+                                        </p:attrNameLst>
+                                      </p:cBhvr>
+                                      <p:to>
+                                        <p:strVal val="visible"/>
+                                      </p:to>
+                                    </p:set>
+                                  </p:childTnLst>
+                                </p:cTn>
+                              </p:par>
+                              <p:par>
+                                <p:cTn id="11" presetID="1" presetClass="entr" presetSubtype="0" fill="hold" grpId="0" nodeType="withEffect">
+                                  <p:stCondLst>
+                                    <p:cond delay="0"/>
+                                  </p:stCondLst>
+                                  <p:childTnLst>
+                                    <p:set>
+                                      <p:cBhvr>
+                                        <p:cTn id="12" dur="1" fill="hold">
+                                          <p:stCondLst>
+                                            <p:cond delay="0"/>
+                                          </p:stCondLst>
+                                        </p:cTn>
+                                        <p:tgtEl>
+                                          <p:spTgt spid="70"/>
+                                        </p:tgtEl>
+                                        <p:attrNameLst>
+                                          <p:attrName>style.visibility</p:attrName>
+                                        </p:attrNameLst>
+                                      </p:cBhvr>
+                                      <p:to>
+                                        <p:strVal val="visible"/>
+                                      </p:to>
+                                    </p:set>
+                                  </p:childTnLst>
+                                </p:cTn>
+                              </p:par>
+                              <p:par>
+                                <p:cTn id="13" presetID="1" presetClass="entr" presetSubtype="0" fill="hold" nodeType="withEffect">
+                                  <p:stCondLst>
+                                    <p:cond delay="0"/>
+                                  </p:stCondLst>
+                                  <p:childTnLst>
+                                    <p:set>
+                                      <p:cBhvr>
+                                        <p:cTn id="14" dur="1" fill="hold">
+                                          <p:stCondLst>
+                                            <p:cond delay="0"/>
+                                          </p:stCondLst>
+                                        </p:cTn>
+                                        <p:tgtEl>
+                                          <p:spTgt spid="93"/>
+                                        </p:tgtEl>
+                                        <p:attrNameLst>
+                                          <p:attrName>style.visibility</p:attrName>
+                                        </p:attrNameLst>
+                                      </p:cBhvr>
+                                      <p:to>
+                                        <p:strVal val="visible"/>
+                                      </p:to>
+                                    </p:set>
+                                  </p:childTnLst>
+                                </p:cTn>
+                              </p:par>
+                            </p:childTnLst>
+                          </p:cTn>
+                        </p:par>
+                      </p:childTnLst>
+                    </p:cTn>
+                  </p:par>
+                </p:childTnLst>
+              </p:cTn>
+              <p:prevCondLst>
+                <p:cond evt="onPrev" delay="0">
+                  <p:tgtEl>
+                    <p:sldTgt/>
+                  </p:tgtEl>
+                </p:cond>
+              </p:prevCondLst>
+              <p:nextCondLst>
+                <p:cond evt="onNext" delay="0">
+                  <p:tgtEl>
+                    <p:sldTgt/>
+                  </p:tgtEl>
+                </p:cond>
+              </p:nextCondLst>
+            </p:seq>
+          </p:childTnLst>
+        </p:cTn>
+      </p:par>
+    </p:tnLst>
+    <p:bldLst>
+      <p:bldP spid="69" grpId="0" animBg="1"/>
+      <p:bldP spid="70" grpId="0" animBg="1"/>
+    </p:bldLst>
   </p:timing>
 </p:sld>
 </file>

--- a/docs/OtherSourceMaterial/Diagrams.pptx
+++ b/docs/OtherSourceMaterial/Diagrams.pptx
@@ -14510,8 +14510,8 @@
         </p:nvCxnSpPr>
         <p:spPr>
           <a:xfrm>
-            <a:off x="1679202" y="2819998"/>
-            <a:ext cx="9179298" cy="299"/>
+            <a:off x="1347835" y="2814104"/>
+            <a:ext cx="8325083" cy="0"/>
           </a:xfrm>
           <a:prstGeom prst="line">
             <a:avLst/>
@@ -18633,6 +18633,482 @@
           <a:chExt cx="0" cy="0"/>
         </a:xfrm>
       </p:grpSpPr>
+      <p:grpSp>
+        <p:nvGrpSpPr>
+          <p:cNvPr id="101" name="Group 100"/>
+          <p:cNvGrpSpPr/>
+          <p:nvPr/>
+        </p:nvGrpSpPr>
+        <p:grpSpPr>
+          <a:xfrm>
+            <a:off x="9517264" y="2832375"/>
+            <a:ext cx="2411810" cy="1140804"/>
+            <a:chOff x="8952296" y="3566347"/>
+            <a:chExt cx="2411810" cy="1140804"/>
+          </a:xfrm>
+        </p:grpSpPr>
+        <p:sp>
+          <p:nvSpPr>
+            <p:cNvPr id="120" name="Folded Corner 119"/>
+            <p:cNvSpPr/>
+            <p:nvPr/>
+          </p:nvSpPr>
+          <p:spPr>
+            <a:xfrm>
+              <a:off x="9029261" y="3670302"/>
+              <a:ext cx="1065903" cy="950062"/>
+            </a:xfrm>
+            <a:prstGeom prst="foldedCorner">
+              <a:avLst/>
+            </a:prstGeom>
+            <a:solidFill>
+              <a:schemeClr val="accent4">
+                <a:lumMod val="40000"/>
+                <a:lumOff val="60000"/>
+              </a:schemeClr>
+            </a:solidFill>
+            <a:ln>
+              <a:solidFill>
+                <a:schemeClr val="accent4">
+                  <a:lumMod val="75000"/>
+                </a:schemeClr>
+              </a:solidFill>
+            </a:ln>
+          </p:spPr>
+          <p:style>
+            <a:lnRef idx="2">
+              <a:schemeClr val="accent1">
+                <a:shade val="50000"/>
+              </a:schemeClr>
+            </a:lnRef>
+            <a:fillRef idx="1">
+              <a:schemeClr val="accent1"/>
+            </a:fillRef>
+            <a:effectRef idx="0">
+              <a:schemeClr val="accent1"/>
+            </a:effectRef>
+            <a:fontRef idx="minor">
+              <a:schemeClr val="lt1"/>
+            </a:fontRef>
+          </p:style>
+          <p:txBody>
+            <a:bodyPr rtlCol="0" anchor="ctr"/>
+            <a:lstStyle/>
+            <a:p>
+              <a:pPr algn="ctr"/>
+              <a:endParaRPr lang="en-US"/>
+            </a:p>
+          </p:txBody>
+        </p:sp>
+        <p:sp>
+          <p:nvSpPr>
+            <p:cNvPr id="121" name="TextBox 120"/>
+            <p:cNvSpPr txBox="1"/>
+            <p:nvPr/>
+          </p:nvSpPr>
+          <p:spPr>
+            <a:xfrm>
+              <a:off x="9029261" y="3698056"/>
+              <a:ext cx="1182456" cy="861774"/>
+            </a:xfrm>
+            <a:prstGeom prst="rect">
+              <a:avLst/>
+            </a:prstGeom>
+            <a:noFill/>
+          </p:spPr>
+          <p:txBody>
+            <a:bodyPr wrap="square" rtlCol="0">
+              <a:spAutoFit/>
+            </a:bodyPr>
+            <a:lstStyle/>
+            <a:p>
+              <a:r>
+                <a:rPr lang="en-US" sz="1000" dirty="0" smtClean="0">
+                  <a:latin typeface="Courier New" charset="0"/>
+                  <a:ea typeface="Courier New" charset="0"/>
+                  <a:cs typeface="Courier New" charset="0"/>
+                </a:rPr>
+                <a:t>\ORG1.MSP</a:t>
+              </a:r>
+            </a:p>
+            <a:p>
+              <a:r>
+                <a:rPr lang="en-US" sz="1000" dirty="0" smtClean="0">
+                  <a:latin typeface="Courier New" charset="0"/>
+                  <a:ea typeface="Courier New" charset="0"/>
+                  <a:cs typeface="Courier New" charset="0"/>
+                </a:rPr>
+                <a:t>  </a:t>
+              </a:r>
+              <a:r>
+                <a:rPr lang="en-US" sz="1000" dirty="0" smtClean="0">
+                  <a:latin typeface="Courier New" charset="0"/>
+                  <a:ea typeface="Courier New" charset="0"/>
+                  <a:cs typeface="Courier New" charset="0"/>
+                </a:rPr>
+                <a:t>\</a:t>
+              </a:r>
+              <a:r>
+                <a:rPr lang="en-US" sz="1000" dirty="0" err="1" smtClean="0">
+                  <a:latin typeface="Courier New" charset="0"/>
+                  <a:ea typeface="Courier New" charset="0"/>
+                  <a:cs typeface="Courier New" charset="0"/>
+                </a:rPr>
+                <a:t>RootCAs</a:t>
+              </a:r>
+              <a:endParaRPr lang="en-US" sz="1000" dirty="0" smtClean="0">
+                <a:latin typeface="Courier New" charset="0"/>
+                <a:ea typeface="Courier New" charset="0"/>
+                <a:cs typeface="Courier New" charset="0"/>
+              </a:endParaRPr>
+            </a:p>
+            <a:p>
+              <a:r>
+                <a:rPr lang="en-US" sz="1000" dirty="0">
+                  <a:latin typeface="Courier New" charset="0"/>
+                  <a:ea typeface="Courier New" charset="0"/>
+                  <a:cs typeface="Courier New" charset="0"/>
+                </a:rPr>
+                <a:t> </a:t>
+              </a:r>
+              <a:r>
+                <a:rPr lang="en-US" sz="1000" dirty="0" smtClean="0">
+                  <a:latin typeface="Courier New" charset="0"/>
+                  <a:ea typeface="Courier New" charset="0"/>
+                  <a:cs typeface="Courier New" charset="0"/>
+                </a:rPr>
+                <a:t>   RCA1</a:t>
+              </a:r>
+              <a:endParaRPr lang="en-US" sz="1000" dirty="0" smtClean="0">
+                <a:latin typeface="Courier New" charset="0"/>
+                <a:ea typeface="Courier New" charset="0"/>
+                <a:cs typeface="Courier New" charset="0"/>
+              </a:endParaRPr>
+            </a:p>
+            <a:p>
+              <a:r>
+                <a:rPr lang="en-US" sz="1000" dirty="0">
+                  <a:latin typeface="Courier New" charset="0"/>
+                  <a:ea typeface="Courier New" charset="0"/>
+                  <a:cs typeface="Courier New" charset="0"/>
+                </a:rPr>
+                <a:t> </a:t>
+              </a:r>
+              <a:r>
+                <a:rPr lang="en-US" sz="1000" dirty="0" smtClean="0">
+                  <a:latin typeface="Courier New" charset="0"/>
+                  <a:ea typeface="Courier New" charset="0"/>
+                  <a:cs typeface="Courier New" charset="0"/>
+                </a:rPr>
+                <a:t> </a:t>
+              </a:r>
+              <a:r>
+                <a:rPr lang="en-US" sz="1000" dirty="0" smtClean="0">
+                  <a:latin typeface="Courier New" charset="0"/>
+                  <a:ea typeface="Courier New" charset="0"/>
+                  <a:cs typeface="Courier New" charset="0"/>
+                </a:rPr>
+                <a:t>\</a:t>
+              </a:r>
+              <a:r>
+                <a:rPr lang="en-US" sz="1000" dirty="0" err="1" smtClean="0">
+                  <a:latin typeface="Courier New" charset="0"/>
+                  <a:ea typeface="Courier New" charset="0"/>
+                  <a:cs typeface="Courier New" charset="0"/>
+                </a:rPr>
+                <a:t>IntCAs</a:t>
+              </a:r>
+              <a:endParaRPr lang="en-US" sz="1000" dirty="0" smtClean="0">
+                <a:latin typeface="Courier New" charset="0"/>
+                <a:ea typeface="Courier New" charset="0"/>
+                <a:cs typeface="Courier New" charset="0"/>
+              </a:endParaRPr>
+            </a:p>
+            <a:p>
+              <a:r>
+                <a:rPr lang="en-US" sz="1000" dirty="0">
+                  <a:latin typeface="Courier New" charset="0"/>
+                  <a:ea typeface="Courier New" charset="0"/>
+                  <a:cs typeface="Courier New" charset="0"/>
+                </a:rPr>
+                <a:t> </a:t>
+              </a:r>
+              <a:r>
+                <a:rPr lang="en-US" sz="1000" dirty="0" smtClean="0">
+                  <a:latin typeface="Courier New" charset="0"/>
+                  <a:ea typeface="Courier New" charset="0"/>
+                  <a:cs typeface="Courier New" charset="0"/>
+                </a:rPr>
+                <a:t> </a:t>
+              </a:r>
+              <a:r>
+                <a:rPr lang="en-US" sz="1000" b="1" dirty="0" smtClean="0">
+                  <a:latin typeface="Courier New" charset="0"/>
+                  <a:ea typeface="Courier New" charset="0"/>
+                  <a:cs typeface="Courier New" charset="0"/>
+                </a:rPr>
+                <a:t>...</a:t>
+              </a:r>
+              <a:endParaRPr lang="en-US" sz="1000" b="1" dirty="0" smtClean="0">
+                <a:latin typeface="Courier New" charset="0"/>
+                <a:ea typeface="Courier New" charset="0"/>
+                <a:cs typeface="Courier New" charset="0"/>
+              </a:endParaRPr>
+            </a:p>
+          </p:txBody>
+        </p:sp>
+        <p:sp>
+          <p:nvSpPr>
+            <p:cNvPr id="131" name="Rectangle 130"/>
+            <p:cNvSpPr/>
+            <p:nvPr/>
+          </p:nvSpPr>
+          <p:spPr>
+            <a:xfrm>
+              <a:off x="8952296" y="3566347"/>
+              <a:ext cx="2411809" cy="1140804"/>
+            </a:xfrm>
+            <a:prstGeom prst="rect">
+              <a:avLst/>
+            </a:prstGeom>
+            <a:noFill/>
+          </p:spPr>
+          <p:style>
+            <a:lnRef idx="2">
+              <a:schemeClr val="accent1">
+                <a:shade val="50000"/>
+              </a:schemeClr>
+            </a:lnRef>
+            <a:fillRef idx="1">
+              <a:schemeClr val="accent1"/>
+            </a:fillRef>
+            <a:effectRef idx="0">
+              <a:schemeClr val="accent1"/>
+            </a:effectRef>
+            <a:fontRef idx="minor">
+              <a:schemeClr val="lt1"/>
+            </a:fontRef>
+          </p:style>
+          <p:txBody>
+            <a:bodyPr rtlCol="0" anchor="ctr"/>
+            <a:lstStyle/>
+            <a:p>
+              <a:pPr algn="ctr"/>
+              <a:endParaRPr lang="en-US"/>
+            </a:p>
+          </p:txBody>
+        </p:sp>
+        <p:sp>
+          <p:nvSpPr>
+            <p:cNvPr id="133" name="Folded Corner 132"/>
+            <p:cNvSpPr/>
+            <p:nvPr/>
+          </p:nvSpPr>
+          <p:spPr>
+            <a:xfrm>
+              <a:off x="10181650" y="3670301"/>
+              <a:ext cx="1065903" cy="950062"/>
+            </a:xfrm>
+            <a:prstGeom prst="foldedCorner">
+              <a:avLst/>
+            </a:prstGeom>
+            <a:solidFill>
+              <a:schemeClr val="accent4">
+                <a:lumMod val="40000"/>
+                <a:lumOff val="60000"/>
+              </a:schemeClr>
+            </a:solidFill>
+            <a:ln>
+              <a:solidFill>
+                <a:schemeClr val="accent4">
+                  <a:lumMod val="75000"/>
+                </a:schemeClr>
+              </a:solidFill>
+            </a:ln>
+          </p:spPr>
+          <p:style>
+            <a:lnRef idx="2">
+              <a:schemeClr val="accent1">
+                <a:shade val="50000"/>
+              </a:schemeClr>
+            </a:lnRef>
+            <a:fillRef idx="1">
+              <a:schemeClr val="accent1"/>
+            </a:fillRef>
+            <a:effectRef idx="0">
+              <a:schemeClr val="accent1"/>
+            </a:effectRef>
+            <a:fontRef idx="minor">
+              <a:schemeClr val="lt1"/>
+            </a:fontRef>
+          </p:style>
+          <p:txBody>
+            <a:bodyPr rtlCol="0" anchor="ctr"/>
+            <a:lstStyle/>
+            <a:p>
+              <a:pPr algn="ctr"/>
+              <a:endParaRPr lang="en-US"/>
+            </a:p>
+          </p:txBody>
+        </p:sp>
+        <p:sp>
+          <p:nvSpPr>
+            <p:cNvPr id="134" name="TextBox 133"/>
+            <p:cNvSpPr txBox="1"/>
+            <p:nvPr/>
+          </p:nvSpPr>
+          <p:spPr>
+            <a:xfrm>
+              <a:off x="10181650" y="3698055"/>
+              <a:ext cx="1182456" cy="861774"/>
+            </a:xfrm>
+            <a:prstGeom prst="rect">
+              <a:avLst/>
+            </a:prstGeom>
+            <a:noFill/>
+          </p:spPr>
+          <p:txBody>
+            <a:bodyPr wrap="square" rtlCol="0">
+              <a:spAutoFit/>
+            </a:bodyPr>
+            <a:lstStyle/>
+            <a:p>
+              <a:r>
+                <a:rPr lang="en-US" sz="1000" dirty="0" smtClean="0">
+                  <a:latin typeface="Courier New" charset="0"/>
+                  <a:ea typeface="Courier New" charset="0"/>
+                  <a:cs typeface="Courier New" charset="0"/>
+                </a:rPr>
+                <a:t>\ORG2.MSP</a:t>
+              </a:r>
+            </a:p>
+            <a:p>
+              <a:r>
+                <a:rPr lang="en-US" sz="1000" dirty="0" smtClean="0">
+                  <a:latin typeface="Courier New" charset="0"/>
+                  <a:ea typeface="Courier New" charset="0"/>
+                  <a:cs typeface="Courier New" charset="0"/>
+                </a:rPr>
+                <a:t>  </a:t>
+              </a:r>
+              <a:r>
+                <a:rPr lang="en-US" sz="1000" dirty="0" smtClean="0">
+                  <a:latin typeface="Courier New" charset="0"/>
+                  <a:ea typeface="Courier New" charset="0"/>
+                  <a:cs typeface="Courier New" charset="0"/>
+                </a:rPr>
+                <a:t>\</a:t>
+              </a:r>
+              <a:r>
+                <a:rPr lang="en-US" sz="1000" dirty="0" err="1" smtClean="0">
+                  <a:latin typeface="Courier New" charset="0"/>
+                  <a:ea typeface="Courier New" charset="0"/>
+                  <a:cs typeface="Courier New" charset="0"/>
+                </a:rPr>
+                <a:t>RootCAs</a:t>
+              </a:r>
+              <a:endParaRPr lang="en-US" sz="1000" dirty="0" smtClean="0">
+                <a:latin typeface="Courier New" charset="0"/>
+                <a:ea typeface="Courier New" charset="0"/>
+                <a:cs typeface="Courier New" charset="0"/>
+              </a:endParaRPr>
+            </a:p>
+            <a:p>
+              <a:r>
+                <a:rPr lang="en-US" sz="1000" dirty="0">
+                  <a:latin typeface="Courier New" charset="0"/>
+                  <a:ea typeface="Courier New" charset="0"/>
+                  <a:cs typeface="Courier New" charset="0"/>
+                </a:rPr>
+                <a:t> </a:t>
+              </a:r>
+              <a:r>
+                <a:rPr lang="en-US" sz="1000" dirty="0" smtClean="0">
+                  <a:latin typeface="Courier New" charset="0"/>
+                  <a:ea typeface="Courier New" charset="0"/>
+                  <a:cs typeface="Courier New" charset="0"/>
+                </a:rPr>
+                <a:t>   RCA2</a:t>
+              </a:r>
+              <a:endParaRPr lang="en-US" sz="1000" dirty="0" smtClean="0">
+                <a:latin typeface="Courier New" charset="0"/>
+                <a:ea typeface="Courier New" charset="0"/>
+                <a:cs typeface="Courier New" charset="0"/>
+              </a:endParaRPr>
+            </a:p>
+            <a:p>
+              <a:r>
+                <a:rPr lang="en-US" sz="1000" dirty="0">
+                  <a:latin typeface="Courier New" charset="0"/>
+                  <a:ea typeface="Courier New" charset="0"/>
+                  <a:cs typeface="Courier New" charset="0"/>
+                </a:rPr>
+                <a:t> </a:t>
+              </a:r>
+              <a:r>
+                <a:rPr lang="en-US" sz="1000" dirty="0" smtClean="0">
+                  <a:latin typeface="Courier New" charset="0"/>
+                  <a:ea typeface="Courier New" charset="0"/>
+                  <a:cs typeface="Courier New" charset="0"/>
+                </a:rPr>
+                <a:t> </a:t>
+              </a:r>
+              <a:r>
+                <a:rPr lang="en-US" sz="1000" dirty="0" smtClean="0">
+                  <a:latin typeface="Courier New" charset="0"/>
+                  <a:ea typeface="Courier New" charset="0"/>
+                  <a:cs typeface="Courier New" charset="0"/>
+                </a:rPr>
+                <a:t>\</a:t>
+              </a:r>
+              <a:r>
+                <a:rPr lang="en-US" sz="1000" dirty="0" err="1" smtClean="0">
+                  <a:latin typeface="Courier New" charset="0"/>
+                  <a:ea typeface="Courier New" charset="0"/>
+                  <a:cs typeface="Courier New" charset="0"/>
+                </a:rPr>
+                <a:t>IntCAs</a:t>
+              </a:r>
+              <a:endParaRPr lang="en-US" sz="1000" dirty="0" smtClean="0">
+                <a:latin typeface="Courier New" charset="0"/>
+                <a:ea typeface="Courier New" charset="0"/>
+                <a:cs typeface="Courier New" charset="0"/>
+              </a:endParaRPr>
+            </a:p>
+            <a:p>
+              <a:r>
+                <a:rPr lang="en-US" sz="1000" dirty="0">
+                  <a:latin typeface="Courier New" charset="0"/>
+                  <a:ea typeface="Courier New" charset="0"/>
+                  <a:cs typeface="Courier New" charset="0"/>
+                </a:rPr>
+                <a:t> </a:t>
+              </a:r>
+              <a:r>
+                <a:rPr lang="en-US" sz="1000" dirty="0" smtClean="0">
+                  <a:latin typeface="Courier New" charset="0"/>
+                  <a:ea typeface="Courier New" charset="0"/>
+                  <a:cs typeface="Courier New" charset="0"/>
+                </a:rPr>
+                <a:t> </a:t>
+              </a:r>
+              <a:r>
+                <a:rPr lang="en-US" sz="1000" b="1" dirty="0" smtClean="0">
+                  <a:latin typeface="Courier New" charset="0"/>
+                  <a:ea typeface="Courier New" charset="0"/>
+                  <a:cs typeface="Courier New" charset="0"/>
+                </a:rPr>
+                <a:t>...</a:t>
+              </a:r>
+              <a:endParaRPr lang="en-US" sz="1000" b="1" dirty="0" smtClean="0">
+                <a:latin typeface="Courier New" charset="0"/>
+                <a:ea typeface="Courier New" charset="0"/>
+                <a:cs typeface="Courier New" charset="0"/>
+              </a:endParaRPr>
+            </a:p>
+          </p:txBody>
+        </p:sp>
+      </p:grpSp>
       <p:sp>
         <p:nvSpPr>
           <p:cNvPr id="2" name="Title 1"/>
@@ -18653,9 +19129,10 @@
               <a:t>Diagram </a:t>
             </a:r>
             <a:r>
-              <a:rPr lang="en-US" dirty="0"/>
-              <a:t>4</a:t>
+              <a:rPr lang="en-US" dirty="0" smtClean="0"/>
+              <a:t>4b</a:t>
             </a:r>
+            <a:endParaRPr lang="en-US" dirty="0"/>
           </a:p>
         </p:txBody>
       </p:sp>
@@ -18671,7 +19148,7 @@
         </p:nvSpPr>
         <p:spPr>
           <a:xfrm>
-            <a:off x="1149384" y="6156888"/>
+            <a:off x="26257" y="6367954"/>
             <a:ext cx="377758" cy="365125"/>
           </a:xfrm>
         </p:spPr>
@@ -18696,7 +19173,7 @@
         </p:nvSpPr>
         <p:spPr>
           <a:xfrm>
-            <a:off x="3967380" y="2332929"/>
+            <a:off x="3806015" y="2458435"/>
             <a:ext cx="966733" cy="319881"/>
           </a:xfrm>
           <a:prstGeom prst="roundRect">
@@ -18776,7 +19253,7 @@
         </p:nvGrpSpPr>
         <p:grpSpPr>
           <a:xfrm>
-            <a:off x="4079303" y="1372245"/>
+            <a:off x="3917938" y="1497751"/>
             <a:ext cx="742889" cy="677401"/>
             <a:chOff x="10666566" y="3979442"/>
             <a:chExt cx="742889" cy="677401"/>
@@ -18878,7 +19355,7 @@
         </p:nvGrpSpPr>
         <p:grpSpPr>
           <a:xfrm>
-            <a:off x="7772977" y="1372245"/>
+            <a:off x="7611612" y="1497751"/>
             <a:ext cx="742889" cy="677401"/>
             <a:chOff x="10666566" y="3979442"/>
             <a:chExt cx="742889" cy="677401"/>
@@ -18980,7 +19457,7 @@
         </p:nvSpPr>
         <p:spPr>
           <a:xfrm>
-            <a:off x="4170953" y="2805816"/>
+            <a:off x="4009588" y="2931322"/>
             <a:ext cx="559591" cy="554570"/>
           </a:xfrm>
           <a:prstGeom prst="roundRect">
@@ -19061,7 +19538,7 @@
         </p:nvCxnSpPr>
         <p:spPr>
           <a:xfrm>
-            <a:off x="4465811" y="3448514"/>
+            <a:off x="4304446" y="3574020"/>
             <a:ext cx="5684" cy="709801"/>
           </a:xfrm>
           <a:prstGeom prst="line">
@@ -19094,7 +19571,7 @@
         </p:nvSpPr>
         <p:spPr>
           <a:xfrm flipV="1">
-            <a:off x="4384810" y="3286513"/>
+            <a:off x="4223445" y="3412019"/>
             <a:ext cx="162001" cy="162001"/>
           </a:xfrm>
           <a:prstGeom prst="ellipse">
@@ -19151,7 +19628,7 @@
         </p:nvSpPr>
         <p:spPr>
           <a:xfrm>
-            <a:off x="7849565" y="2805816"/>
+            <a:off x="7688200" y="2931322"/>
             <a:ext cx="559591" cy="554570"/>
           </a:xfrm>
           <a:prstGeom prst="roundRect">
@@ -19232,7 +19709,7 @@
         </p:nvCxnSpPr>
         <p:spPr>
           <a:xfrm>
-            <a:off x="8144423" y="3448514"/>
+            <a:off x="7983058" y="3574020"/>
             <a:ext cx="5534" cy="709801"/>
           </a:xfrm>
           <a:prstGeom prst="line">
@@ -19265,7 +19742,7 @@
         </p:nvSpPr>
         <p:spPr>
           <a:xfrm flipV="1">
-            <a:off x="8063422" y="3286513"/>
+            <a:off x="7902057" y="3412019"/>
             <a:ext cx="162001" cy="162001"/>
           </a:xfrm>
           <a:prstGeom prst="ellipse">
@@ -19322,7 +19799,7 @@
         </p:nvSpPr>
         <p:spPr>
           <a:xfrm>
-            <a:off x="3709661" y="4113235"/>
+            <a:off x="3548296" y="4238741"/>
             <a:ext cx="5202130" cy="307828"/>
           </a:xfrm>
           <a:prstGeom prst="ellipse">
@@ -19375,7 +19852,7 @@
         </p:nvSpPr>
         <p:spPr>
           <a:xfrm>
-            <a:off x="7645993" y="2329819"/>
+            <a:off x="7484628" y="2455325"/>
             <a:ext cx="966733" cy="319881"/>
           </a:xfrm>
           <a:prstGeom prst="roundRect">
@@ -19458,7 +19935,7 @@
         </p:nvCxnSpPr>
         <p:spPr>
           <a:xfrm flipH="1" flipV="1">
-            <a:off x="4450747" y="2652810"/>
+            <a:off x="4289382" y="2778316"/>
             <a:ext cx="2" cy="153006"/>
           </a:xfrm>
           <a:prstGeom prst="line">
@@ -19499,7 +19976,7 @@
         </p:nvCxnSpPr>
         <p:spPr>
           <a:xfrm flipH="1" flipV="1">
-            <a:off x="8129360" y="2649700"/>
+            <a:off x="7967995" y="2775206"/>
             <a:ext cx="1" cy="156116"/>
           </a:xfrm>
           <a:prstGeom prst="line">
@@ -19537,7 +20014,7 @@
         </p:nvSpPr>
         <p:spPr>
           <a:xfrm>
-            <a:off x="5827359" y="5072050"/>
+            <a:off x="5665994" y="5197556"/>
             <a:ext cx="966733" cy="319881"/>
           </a:xfrm>
           <a:prstGeom prst="roundRect">
@@ -19617,7 +20094,7 @@
         </p:nvSpPr>
         <p:spPr>
           <a:xfrm>
-            <a:off x="5827358" y="5383763"/>
+            <a:off x="5665993" y="5509269"/>
             <a:ext cx="966733" cy="319881"/>
           </a:xfrm>
           <a:prstGeom prst="roundRect">
@@ -19700,7 +20177,7 @@
         </p:nvCxnSpPr>
         <p:spPr>
           <a:xfrm flipV="1">
-            <a:off x="6310726" y="4421063"/>
+            <a:off x="6149361" y="4546569"/>
             <a:ext cx="0" cy="426275"/>
           </a:xfrm>
           <a:prstGeom prst="line">
@@ -19732,16 +20209,16 @@
       </p:cxnSp>
       <p:grpSp>
         <p:nvGrpSpPr>
-          <p:cNvPr id="21" name="Group 20"/>
+          <p:cNvPr id="111" name="Group 110"/>
           <p:cNvGrpSpPr/>
           <p:nvPr/>
         </p:nvGrpSpPr>
         <p:grpSpPr>
           <a:xfrm>
-            <a:off x="4782100" y="2802240"/>
-            <a:ext cx="1182456" cy="889529"/>
-            <a:chOff x="5213906" y="2257415"/>
-            <a:chExt cx="1182456" cy="926735"/>
+            <a:off x="2828044" y="2936505"/>
+            <a:ext cx="1182456" cy="950062"/>
+            <a:chOff x="4782100" y="2802240"/>
+            <a:chExt cx="1182456" cy="950062"/>
           </a:xfrm>
         </p:grpSpPr>
         <p:sp>
@@ -19752,8 +20229,8 @@
           </p:nvSpPr>
           <p:spPr>
             <a:xfrm>
-              <a:off x="5213906" y="2257415"/>
-              <a:ext cx="1065903" cy="855289"/>
+              <a:off x="4782100" y="2802240"/>
+              <a:ext cx="1065903" cy="950062"/>
             </a:xfrm>
             <a:prstGeom prst="foldedCorner">
               <a:avLst/>
@@ -19798,8 +20275,8 @@
           </p:nvSpPr>
           <p:spPr>
             <a:xfrm>
-              <a:off x="5213906" y="2286330"/>
-              <a:ext cx="1182456" cy="897820"/>
+              <a:off x="4782100" y="2829994"/>
+              <a:ext cx="1182456" cy="861775"/>
             </a:xfrm>
             <a:prstGeom prst="rect">
               <a:avLst/>
@@ -19927,57 +20404,19 @@
           </p:txBody>
         </p:sp>
       </p:grpSp>
-      <p:sp>
-        <p:nvSpPr>
-          <p:cNvPr id="20" name="TextBox 19"/>
-          <p:cNvSpPr txBox="1"/>
-          <p:nvPr/>
-        </p:nvSpPr>
-        <p:spPr>
-          <a:xfrm>
-            <a:off x="5137426" y="3553905"/>
-            <a:ext cx="808282" cy="400110"/>
-          </a:xfrm>
-          <a:prstGeom prst="rect">
-            <a:avLst/>
-          </a:prstGeom>
-          <a:noFill/>
-        </p:spPr>
-        <p:txBody>
-          <a:bodyPr wrap="square" rtlCol="0">
-            <a:spAutoFit/>
-          </a:bodyPr>
-          <a:lstStyle/>
-          <a:p>
-            <a:pPr algn="r"/>
-            <a:r>
-              <a:rPr lang="en-US" sz="1000" dirty="0" smtClean="0"/>
-              <a:t>peer’s local</a:t>
-            </a:r>
-          </a:p>
-          <a:p>
-            <a:pPr algn="r"/>
-            <a:r>
-              <a:rPr lang="en-US" sz="1000" dirty="0" smtClean="0"/>
-              <a:t>filesystem</a:t>
-            </a:r>
-            <a:endParaRPr lang="en-US" sz="1000" dirty="0"/>
-          </a:p>
-        </p:txBody>
-      </p:sp>
       <p:cxnSp>
         <p:nvCxnSpPr>
           <p:cNvPr id="33" name="Elbow Connector 32"/>
           <p:cNvCxnSpPr>
-            <a:stCxn id="50" idx="3"/>
+            <a:stCxn id="50" idx="1"/>
             <a:endCxn id="18" idx="0"/>
           </p:cNvCxnSpPr>
           <p:nvPr/>
         </p:nvCxnSpPr>
         <p:spPr>
-          <a:xfrm>
-            <a:off x="4934113" y="2492870"/>
-            <a:ext cx="380939" cy="309369"/>
+          <a:xfrm rot="10800000" flipV="1">
+            <a:off x="3360997" y="2618375"/>
+            <a:ext cx="445019" cy="318129"/>
           </a:xfrm>
           <a:prstGeom prst="bentConnector2">
             <a:avLst/>
@@ -20006,16 +20445,16 @@
       </p:cxnSp>
       <p:grpSp>
         <p:nvGrpSpPr>
-          <p:cNvPr id="84" name="Group 83"/>
+          <p:cNvPr id="58" name="Group 57"/>
           <p:cNvGrpSpPr/>
           <p:nvPr/>
         </p:nvGrpSpPr>
         <p:grpSpPr>
           <a:xfrm>
-            <a:off x="6741069" y="2802240"/>
-            <a:ext cx="1182456" cy="889529"/>
-            <a:chOff x="5213906" y="2257415"/>
-            <a:chExt cx="1182456" cy="926735"/>
+            <a:off x="8365203" y="2934805"/>
+            <a:ext cx="1182456" cy="950062"/>
+            <a:chOff x="6741069" y="2802240"/>
+            <a:chExt cx="1182456" cy="950062"/>
           </a:xfrm>
         </p:grpSpPr>
         <p:sp>
@@ -20026,8 +20465,8 @@
           </p:nvSpPr>
           <p:spPr>
             <a:xfrm>
-              <a:off x="5213906" y="2257415"/>
-              <a:ext cx="1065903" cy="855289"/>
+              <a:off x="6741069" y="2802240"/>
+              <a:ext cx="1065903" cy="950062"/>
             </a:xfrm>
             <a:prstGeom prst="foldedCorner">
               <a:avLst/>
@@ -20072,8 +20511,8 @@
           </p:nvSpPr>
           <p:spPr>
             <a:xfrm>
-              <a:off x="5213906" y="2286330"/>
-              <a:ext cx="1182456" cy="897820"/>
+              <a:off x="6741069" y="2829994"/>
+              <a:ext cx="1182456" cy="861775"/>
             </a:xfrm>
             <a:prstGeom prst="rect">
               <a:avLst/>
@@ -20216,90 +20655,13 @@
       </p:grpSp>
       <p:sp>
         <p:nvSpPr>
-          <p:cNvPr id="88" name="TextBox 87"/>
-          <p:cNvSpPr txBox="1"/>
-          <p:nvPr/>
-        </p:nvSpPr>
-        <p:spPr>
-          <a:xfrm>
-            <a:off x="7079691" y="3555931"/>
-            <a:ext cx="808282" cy="400110"/>
-          </a:xfrm>
-          <a:prstGeom prst="rect">
-            <a:avLst/>
-          </a:prstGeom>
-          <a:noFill/>
-        </p:spPr>
-        <p:txBody>
-          <a:bodyPr wrap="square" rtlCol="0">
-            <a:spAutoFit/>
-          </a:bodyPr>
-          <a:lstStyle/>
-          <a:p>
-            <a:pPr algn="r"/>
-            <a:r>
-              <a:rPr lang="en-US" sz="1000" dirty="0" smtClean="0"/>
-              <a:t>peer’s local</a:t>
-            </a:r>
-          </a:p>
-          <a:p>
-            <a:pPr algn="r"/>
-            <a:r>
-              <a:rPr lang="en-US" sz="1000" dirty="0" smtClean="0"/>
-              <a:t>filesystem</a:t>
-            </a:r>
-            <a:endParaRPr lang="en-US" sz="1000" dirty="0"/>
-          </a:p>
-        </p:txBody>
-      </p:sp>
-      <p:cxnSp>
-        <p:nvCxnSpPr>
-          <p:cNvPr id="90" name="Elbow Connector 89"/>
-          <p:cNvCxnSpPr>
-            <a:stCxn id="54" idx="1"/>
-            <a:endCxn id="85" idx="0"/>
-          </p:cNvCxnSpPr>
-          <p:nvPr/>
-        </p:nvCxnSpPr>
-        <p:spPr>
-          <a:xfrm rot="10800000" flipV="1">
-            <a:off x="7274021" y="2489759"/>
-            <a:ext cx="371972" cy="312479"/>
-          </a:xfrm>
-          <a:prstGeom prst="bentConnector2">
-            <a:avLst/>
-          </a:prstGeom>
-          <a:ln w="28575">
-            <a:solidFill>
-              <a:srgbClr val="4372C4"/>
-            </a:solidFill>
-            <a:tailEnd type="triangle"/>
-          </a:ln>
-        </p:spPr>
-        <p:style>
-          <a:lnRef idx="1">
-            <a:schemeClr val="accent1"/>
-          </a:lnRef>
-          <a:fillRef idx="0">
-            <a:schemeClr val="accent1"/>
-          </a:fillRef>
-          <a:effectRef idx="0">
-            <a:schemeClr val="accent1"/>
-          </a:effectRef>
-          <a:fontRef idx="minor">
-            <a:schemeClr val="tx1"/>
-          </a:fontRef>
-        </p:style>
-      </p:cxnSp>
-      <p:sp>
-        <p:nvSpPr>
           <p:cNvPr id="91" name="TextBox 90"/>
           <p:cNvSpPr txBox="1"/>
           <p:nvPr/>
         </p:nvSpPr>
         <p:spPr>
           <a:xfrm>
-            <a:off x="6133873" y="4036316"/>
+            <a:off x="5972508" y="4161822"/>
             <a:ext cx="348172" cy="461665"/>
           </a:xfrm>
           <a:prstGeom prst="rect">
@@ -20340,8 +20702,8 @@
         </p:nvSpPr>
         <p:spPr>
           <a:xfrm>
-            <a:off x="3874582" y="4997579"/>
-            <a:ext cx="1065903" cy="820951"/>
+            <a:off x="3713217" y="5123085"/>
+            <a:ext cx="1065903" cy="950062"/>
           </a:xfrm>
           <a:prstGeom prst="foldedCorner">
             <a:avLst/>
@@ -20393,8 +20755,8 @@
         </p:nvSpPr>
         <p:spPr>
           <a:xfrm>
-            <a:off x="3874582" y="5025333"/>
-            <a:ext cx="1182456" cy="679466"/>
+            <a:off x="3713217" y="5150839"/>
+            <a:ext cx="1182456" cy="861774"/>
           </a:xfrm>
           <a:prstGeom prst="rect">
             <a:avLst/>
@@ -20423,7 +20785,15 @@
                 <a:ea typeface="Courier New" charset="0"/>
                 <a:cs typeface="Courier New" charset="0"/>
               </a:rPr>
-              <a:t>   \</a:t>
+              <a:t>  </a:t>
+            </a:r>
+            <a:r>
+              <a:rPr lang="en-US" sz="1000" dirty="0" smtClean="0">
+                <a:latin typeface="Courier New" charset="0"/>
+                <a:ea typeface="Courier New" charset="0"/>
+                <a:cs typeface="Courier New" charset="0"/>
+              </a:rPr>
+              <a:t>\</a:t>
             </a:r>
             <a:r>
               <a:rPr lang="en-US" sz="1000" dirty="0" err="1" smtClean="0">
@@ -20454,7 +20824,38 @@
                 <a:ea typeface="Courier New" charset="0"/>
                 <a:cs typeface="Courier New" charset="0"/>
               </a:rPr>
-              <a:t>  \</a:t>
+              <a:t>   RCA1</a:t>
+            </a:r>
+            <a:endParaRPr lang="en-US" sz="1000" dirty="0" smtClean="0">
+              <a:latin typeface="Courier New" charset="0"/>
+              <a:ea typeface="Courier New" charset="0"/>
+              <a:cs typeface="Courier New" charset="0"/>
+            </a:endParaRPr>
+          </a:p>
+          <a:p>
+            <a:r>
+              <a:rPr lang="en-US" sz="1000" dirty="0">
+                <a:latin typeface="Courier New" charset="0"/>
+                <a:ea typeface="Courier New" charset="0"/>
+                <a:cs typeface="Courier New" charset="0"/>
+              </a:rPr>
+              <a:t> </a:t>
+            </a:r>
+            <a:r>
+              <a:rPr lang="en-US" sz="1000" dirty="0" smtClean="0">
+                <a:latin typeface="Courier New" charset="0"/>
+                <a:ea typeface="Courier New" charset="0"/>
+                <a:cs typeface="Courier New" charset="0"/>
+              </a:rPr>
+              <a:t> </a:t>
+            </a:r>
+            <a:r>
+              <a:rPr lang="en-US" sz="1000" dirty="0" smtClean="0">
+                <a:latin typeface="Courier New" charset="0"/>
+                <a:ea typeface="Courier New" charset="0"/>
+                <a:cs typeface="Courier New" charset="0"/>
+              </a:rPr>
+              <a:t>\</a:t>
             </a:r>
             <a:r>
               <a:rPr lang="en-US" sz="1000" dirty="0" err="1" smtClean="0">
@@ -20506,8 +20907,8 @@
         </p:nvSpPr>
         <p:spPr>
           <a:xfrm>
-            <a:off x="7670969" y="4997578"/>
-            <a:ext cx="1065903" cy="820951"/>
+            <a:off x="7509604" y="5123084"/>
+            <a:ext cx="1065903" cy="950062"/>
           </a:xfrm>
           <a:prstGeom prst="foldedCorner">
             <a:avLst/>
@@ -20559,8 +20960,8 @@
         </p:nvSpPr>
         <p:spPr>
           <a:xfrm>
-            <a:off x="7670969" y="5025332"/>
-            <a:ext cx="1182456" cy="707886"/>
+            <a:off x="7509604" y="5150838"/>
+            <a:ext cx="1182456" cy="861774"/>
           </a:xfrm>
           <a:prstGeom prst="rect">
             <a:avLst/>
@@ -20589,7 +20990,15 @@
                 <a:ea typeface="Courier New" charset="0"/>
                 <a:cs typeface="Courier New" charset="0"/>
               </a:rPr>
-              <a:t>   \</a:t>
+              <a:t>  </a:t>
+            </a:r>
+            <a:r>
+              <a:rPr lang="en-US" sz="1000" dirty="0" smtClean="0">
+                <a:latin typeface="Courier New" charset="0"/>
+                <a:ea typeface="Courier New" charset="0"/>
+                <a:cs typeface="Courier New" charset="0"/>
+              </a:rPr>
+              <a:t>\</a:t>
             </a:r>
             <a:r>
               <a:rPr lang="en-US" sz="1000" dirty="0" err="1" smtClean="0">
@@ -20620,7 +21029,38 @@
                 <a:ea typeface="Courier New" charset="0"/>
                 <a:cs typeface="Courier New" charset="0"/>
               </a:rPr>
-              <a:t>  \</a:t>
+              <a:t>   RCA2</a:t>
+            </a:r>
+            <a:endParaRPr lang="en-US" sz="1000" dirty="0" smtClean="0">
+              <a:latin typeface="Courier New" charset="0"/>
+              <a:ea typeface="Courier New" charset="0"/>
+              <a:cs typeface="Courier New" charset="0"/>
+            </a:endParaRPr>
+          </a:p>
+          <a:p>
+            <a:r>
+              <a:rPr lang="en-US" sz="1000" dirty="0">
+                <a:latin typeface="Courier New" charset="0"/>
+                <a:ea typeface="Courier New" charset="0"/>
+                <a:cs typeface="Courier New" charset="0"/>
+              </a:rPr>
+              <a:t> </a:t>
+            </a:r>
+            <a:r>
+              <a:rPr lang="en-US" sz="1000" dirty="0" smtClean="0">
+                <a:latin typeface="Courier New" charset="0"/>
+                <a:ea typeface="Courier New" charset="0"/>
+                <a:cs typeface="Courier New" charset="0"/>
+              </a:rPr>
+              <a:t> </a:t>
+            </a:r>
+            <a:r>
+              <a:rPr lang="en-US" sz="1000" dirty="0" smtClean="0">
+                <a:latin typeface="Courier New" charset="0"/>
+                <a:ea typeface="Courier New" charset="0"/>
+                <a:cs typeface="Courier New" charset="0"/>
+              </a:rPr>
+              <a:t>\</a:t>
             </a:r>
             <a:r>
               <a:rPr lang="en-US" sz="1000" dirty="0" err="1" smtClean="0">
@@ -20651,7 +21091,7 @@
                 <a:ea typeface="Courier New" charset="0"/>
                 <a:cs typeface="Courier New" charset="0"/>
               </a:rPr>
-              <a:t>  </a:t>
+              <a:t> </a:t>
             </a:r>
             <a:r>
               <a:rPr lang="en-US" sz="1000" b="1" dirty="0" smtClean="0">
@@ -20661,6 +21101,11 @@
               </a:rPr>
               <a:t>...</a:t>
             </a:r>
+            <a:endParaRPr lang="en-US" sz="1000" b="1" dirty="0" smtClean="0">
+              <a:latin typeface="Courier New" charset="0"/>
+              <a:ea typeface="Courier New" charset="0"/>
+              <a:cs typeface="Courier New" charset="0"/>
+            </a:endParaRPr>
           </a:p>
         </p:txBody>
       </p:sp>
@@ -20675,8 +21120,8 @@
         </p:nvCxnSpPr>
         <p:spPr>
           <a:xfrm rot="10800000" flipV="1">
-            <a:off x="4940485" y="5231991"/>
-            <a:ext cx="886874" cy="176064"/>
+            <a:off x="4779120" y="5357496"/>
+            <a:ext cx="886874" cy="240619"/>
           </a:xfrm>
           <a:prstGeom prst="bentConnector3">
             <a:avLst>
@@ -20716,8 +21161,8 @@
         </p:nvCxnSpPr>
         <p:spPr>
           <a:xfrm flipV="1">
-            <a:off x="6794091" y="5379275"/>
-            <a:ext cx="876878" cy="164429"/>
+            <a:off x="6632726" y="5581725"/>
+            <a:ext cx="876878" cy="87485"/>
           </a:xfrm>
           <a:prstGeom prst="bentConnector3">
             <a:avLst>
@@ -20754,8 +21199,8 @@
         </p:nvSpPr>
         <p:spPr>
           <a:xfrm>
-            <a:off x="3709661" y="4847338"/>
-            <a:ext cx="5202130" cy="1137534"/>
+            <a:off x="3548296" y="4972844"/>
+            <a:ext cx="5202130" cy="1236994"/>
           </a:xfrm>
           <a:prstGeom prst="rect">
             <a:avLst/>
@@ -20795,7 +21240,7 @@
         </p:nvSpPr>
         <p:spPr>
           <a:xfrm>
-            <a:off x="3633926" y="5946830"/>
+            <a:off x="3472561" y="6185683"/>
             <a:ext cx="2281469" cy="307777"/>
           </a:xfrm>
           <a:prstGeom prst="rect">
@@ -20841,7 +21286,7 @@
         </p:nvSpPr>
         <p:spPr>
           <a:xfrm>
-            <a:off x="3752487" y="3228039"/>
+            <a:off x="4508291" y="3371225"/>
             <a:ext cx="547666" cy="433746"/>
           </a:xfrm>
           <a:prstGeom prst="flowChartDocument">
@@ -20901,7 +21346,7 @@
         </p:nvSpPr>
         <p:spPr>
           <a:xfrm>
-            <a:off x="8306424" y="3229514"/>
+            <a:off x="7230617" y="3362695"/>
             <a:ext cx="547666" cy="433746"/>
           </a:xfrm>
           <a:prstGeom prst="flowChartDocument">
@@ -20955,387 +21400,14 @@
       </p:sp>
       <p:sp>
         <p:nvSpPr>
-          <p:cNvPr id="117" name="Folded Corner 116"/>
-          <p:cNvSpPr/>
-          <p:nvPr/>
-        </p:nvSpPr>
-        <p:spPr>
-          <a:xfrm>
-            <a:off x="2488858" y="3221002"/>
-            <a:ext cx="1065903" cy="820951"/>
-          </a:xfrm>
-          <a:prstGeom prst="foldedCorner">
-            <a:avLst/>
-          </a:prstGeom>
-          <a:solidFill>
-            <a:schemeClr val="accent4">
-              <a:lumMod val="40000"/>
-              <a:lumOff val="60000"/>
-            </a:schemeClr>
-          </a:solidFill>
-          <a:ln>
-            <a:solidFill>
-              <a:schemeClr val="accent4">
-                <a:lumMod val="75000"/>
-              </a:schemeClr>
-            </a:solidFill>
-          </a:ln>
-        </p:spPr>
-        <p:style>
-          <a:lnRef idx="2">
-            <a:schemeClr val="accent1">
-              <a:shade val="50000"/>
-            </a:schemeClr>
-          </a:lnRef>
-          <a:fillRef idx="1">
-            <a:schemeClr val="accent1"/>
-          </a:fillRef>
-          <a:effectRef idx="0">
-            <a:schemeClr val="accent1"/>
-          </a:effectRef>
-          <a:fontRef idx="minor">
-            <a:schemeClr val="lt1"/>
-          </a:fontRef>
-        </p:style>
-        <p:txBody>
-          <a:bodyPr rtlCol="0" anchor="ctr"/>
-          <a:lstStyle/>
-          <a:p>
-            <a:pPr algn="ctr"/>
-            <a:endParaRPr lang="en-US"/>
-          </a:p>
-        </p:txBody>
-      </p:sp>
-      <p:sp>
-        <p:nvSpPr>
-          <p:cNvPr id="118" name="TextBox 117"/>
-          <p:cNvSpPr txBox="1"/>
-          <p:nvPr/>
-        </p:nvSpPr>
-        <p:spPr>
-          <a:xfrm>
-            <a:off x="2488858" y="3248756"/>
-            <a:ext cx="1182456" cy="707886"/>
-          </a:xfrm>
-          <a:prstGeom prst="rect">
-            <a:avLst/>
-          </a:prstGeom>
-          <a:noFill/>
-        </p:spPr>
-        <p:txBody>
-          <a:bodyPr wrap="square" rtlCol="0">
-            <a:spAutoFit/>
-          </a:bodyPr>
-          <a:lstStyle/>
-          <a:p>
-            <a:r>
-              <a:rPr lang="en-US" sz="1000" dirty="0" smtClean="0">
-                <a:latin typeface="Courier New" charset="0"/>
-                <a:ea typeface="Courier New" charset="0"/>
-                <a:cs typeface="Courier New" charset="0"/>
-              </a:rPr>
-              <a:t>\ORG2.MSP</a:t>
-            </a:r>
-          </a:p>
-          <a:p>
-            <a:r>
-              <a:rPr lang="en-US" sz="1000" dirty="0" smtClean="0">
-                <a:latin typeface="Courier New" charset="0"/>
-                <a:ea typeface="Courier New" charset="0"/>
-                <a:cs typeface="Courier New" charset="0"/>
-              </a:rPr>
-              <a:t>   \</a:t>
-            </a:r>
-            <a:r>
-              <a:rPr lang="en-US" sz="1000" dirty="0" err="1" smtClean="0">
-                <a:latin typeface="Courier New" charset="0"/>
-                <a:ea typeface="Courier New" charset="0"/>
-                <a:cs typeface="Courier New" charset="0"/>
-              </a:rPr>
-              <a:t>RootCAs</a:t>
-            </a:r>
-            <a:endParaRPr lang="en-US" sz="1000" dirty="0" smtClean="0">
-              <a:latin typeface="Courier New" charset="0"/>
-              <a:ea typeface="Courier New" charset="0"/>
-              <a:cs typeface="Courier New" charset="0"/>
-            </a:endParaRPr>
-          </a:p>
-          <a:p>
-            <a:r>
-              <a:rPr lang="en-US" sz="1000" dirty="0">
-                <a:latin typeface="Courier New" charset="0"/>
-                <a:ea typeface="Courier New" charset="0"/>
-                <a:cs typeface="Courier New" charset="0"/>
-              </a:rPr>
-              <a:t> </a:t>
-            </a:r>
-            <a:r>
-              <a:rPr lang="en-US" sz="1000" dirty="0" smtClean="0">
-                <a:latin typeface="Courier New" charset="0"/>
-                <a:ea typeface="Courier New" charset="0"/>
-                <a:cs typeface="Courier New" charset="0"/>
-              </a:rPr>
-              <a:t>  \</a:t>
-            </a:r>
-            <a:r>
-              <a:rPr lang="en-US" sz="1000" dirty="0" err="1" smtClean="0">
-                <a:latin typeface="Courier New" charset="0"/>
-                <a:ea typeface="Courier New" charset="0"/>
-                <a:cs typeface="Courier New" charset="0"/>
-              </a:rPr>
-              <a:t>IntCAs</a:t>
-            </a:r>
-            <a:endParaRPr lang="en-US" sz="1000" dirty="0" smtClean="0">
-              <a:latin typeface="Courier New" charset="0"/>
-              <a:ea typeface="Courier New" charset="0"/>
-              <a:cs typeface="Courier New" charset="0"/>
-            </a:endParaRPr>
-          </a:p>
-          <a:p>
-            <a:r>
-              <a:rPr lang="en-US" sz="1000" dirty="0">
-                <a:latin typeface="Courier New" charset="0"/>
-                <a:ea typeface="Courier New" charset="0"/>
-                <a:cs typeface="Courier New" charset="0"/>
-              </a:rPr>
-              <a:t> </a:t>
-            </a:r>
-            <a:r>
-              <a:rPr lang="en-US" sz="1000" dirty="0" smtClean="0">
-                <a:latin typeface="Courier New" charset="0"/>
-                <a:ea typeface="Courier New" charset="0"/>
-                <a:cs typeface="Courier New" charset="0"/>
-              </a:rPr>
-              <a:t>  </a:t>
-            </a:r>
-            <a:r>
-              <a:rPr lang="en-US" sz="1000" b="1" dirty="0" smtClean="0">
-                <a:latin typeface="Courier New" charset="0"/>
-                <a:ea typeface="Courier New" charset="0"/>
-                <a:cs typeface="Courier New" charset="0"/>
-              </a:rPr>
-              <a:t>...</a:t>
-            </a:r>
-          </a:p>
-        </p:txBody>
-      </p:sp>
-      <p:sp>
-        <p:nvSpPr>
-          <p:cNvPr id="120" name="Folded Corner 119"/>
-          <p:cNvSpPr/>
-          <p:nvPr/>
-        </p:nvSpPr>
-        <p:spPr>
-          <a:xfrm>
-            <a:off x="9063215" y="3221002"/>
-            <a:ext cx="1065903" cy="820951"/>
-          </a:xfrm>
-          <a:prstGeom prst="foldedCorner">
-            <a:avLst/>
-          </a:prstGeom>
-          <a:solidFill>
-            <a:schemeClr val="accent4">
-              <a:lumMod val="40000"/>
-              <a:lumOff val="60000"/>
-            </a:schemeClr>
-          </a:solidFill>
-          <a:ln>
-            <a:solidFill>
-              <a:schemeClr val="accent4">
-                <a:lumMod val="75000"/>
-              </a:schemeClr>
-            </a:solidFill>
-          </a:ln>
-        </p:spPr>
-        <p:style>
-          <a:lnRef idx="2">
-            <a:schemeClr val="accent1">
-              <a:shade val="50000"/>
-            </a:schemeClr>
-          </a:lnRef>
-          <a:fillRef idx="1">
-            <a:schemeClr val="accent1"/>
-          </a:fillRef>
-          <a:effectRef idx="0">
-            <a:schemeClr val="accent1"/>
-          </a:effectRef>
-          <a:fontRef idx="minor">
-            <a:schemeClr val="lt1"/>
-          </a:fontRef>
-        </p:style>
-        <p:txBody>
-          <a:bodyPr rtlCol="0" anchor="ctr"/>
-          <a:lstStyle/>
-          <a:p>
-            <a:pPr algn="ctr"/>
-            <a:endParaRPr lang="en-US"/>
-          </a:p>
-        </p:txBody>
-      </p:sp>
-      <p:sp>
-        <p:nvSpPr>
-          <p:cNvPr id="121" name="TextBox 120"/>
-          <p:cNvSpPr txBox="1"/>
-          <p:nvPr/>
-        </p:nvSpPr>
-        <p:spPr>
-          <a:xfrm>
-            <a:off x="9063215" y="3248756"/>
-            <a:ext cx="1182456" cy="707886"/>
-          </a:xfrm>
-          <a:prstGeom prst="rect">
-            <a:avLst/>
-          </a:prstGeom>
-          <a:noFill/>
-        </p:spPr>
-        <p:txBody>
-          <a:bodyPr wrap="square" rtlCol="0">
-            <a:spAutoFit/>
-          </a:bodyPr>
-          <a:lstStyle/>
-          <a:p>
-            <a:r>
-              <a:rPr lang="en-US" sz="1000" dirty="0" smtClean="0">
-                <a:latin typeface="Courier New" charset="0"/>
-                <a:ea typeface="Courier New" charset="0"/>
-                <a:cs typeface="Courier New" charset="0"/>
-              </a:rPr>
-              <a:t>\ORG1.MSP</a:t>
-            </a:r>
-          </a:p>
-          <a:p>
-            <a:r>
-              <a:rPr lang="en-US" sz="1000" dirty="0" smtClean="0">
-                <a:latin typeface="Courier New" charset="0"/>
-                <a:ea typeface="Courier New" charset="0"/>
-                <a:cs typeface="Courier New" charset="0"/>
-              </a:rPr>
-              <a:t>   \</a:t>
-            </a:r>
-            <a:r>
-              <a:rPr lang="en-US" sz="1000" dirty="0" err="1" smtClean="0">
-                <a:latin typeface="Courier New" charset="0"/>
-                <a:ea typeface="Courier New" charset="0"/>
-                <a:cs typeface="Courier New" charset="0"/>
-              </a:rPr>
-              <a:t>RootCAs</a:t>
-            </a:r>
-            <a:endParaRPr lang="en-US" sz="1000" dirty="0" smtClean="0">
-              <a:latin typeface="Courier New" charset="0"/>
-              <a:ea typeface="Courier New" charset="0"/>
-              <a:cs typeface="Courier New" charset="0"/>
-            </a:endParaRPr>
-          </a:p>
-          <a:p>
-            <a:r>
-              <a:rPr lang="en-US" sz="1000" dirty="0">
-                <a:latin typeface="Courier New" charset="0"/>
-                <a:ea typeface="Courier New" charset="0"/>
-                <a:cs typeface="Courier New" charset="0"/>
-              </a:rPr>
-              <a:t> </a:t>
-            </a:r>
-            <a:r>
-              <a:rPr lang="en-US" sz="1000" dirty="0" smtClean="0">
-                <a:latin typeface="Courier New" charset="0"/>
-                <a:ea typeface="Courier New" charset="0"/>
-                <a:cs typeface="Courier New" charset="0"/>
-              </a:rPr>
-              <a:t>  \</a:t>
-            </a:r>
-            <a:r>
-              <a:rPr lang="en-US" sz="1000" dirty="0" err="1" smtClean="0">
-                <a:latin typeface="Courier New" charset="0"/>
-                <a:ea typeface="Courier New" charset="0"/>
-                <a:cs typeface="Courier New" charset="0"/>
-              </a:rPr>
-              <a:t>IntCAs</a:t>
-            </a:r>
-            <a:endParaRPr lang="en-US" sz="1000" dirty="0" smtClean="0">
-              <a:latin typeface="Courier New" charset="0"/>
-              <a:ea typeface="Courier New" charset="0"/>
-              <a:cs typeface="Courier New" charset="0"/>
-            </a:endParaRPr>
-          </a:p>
-          <a:p>
-            <a:r>
-              <a:rPr lang="en-US" sz="1000" dirty="0">
-                <a:latin typeface="Courier New" charset="0"/>
-                <a:ea typeface="Courier New" charset="0"/>
-                <a:cs typeface="Courier New" charset="0"/>
-              </a:rPr>
-              <a:t> </a:t>
-            </a:r>
-            <a:r>
-              <a:rPr lang="en-US" sz="1000" dirty="0" smtClean="0">
-                <a:latin typeface="Courier New" charset="0"/>
-                <a:ea typeface="Courier New" charset="0"/>
-                <a:cs typeface="Courier New" charset="0"/>
-              </a:rPr>
-              <a:t>  </a:t>
-            </a:r>
-            <a:r>
-              <a:rPr lang="en-US" sz="1000" b="1" dirty="0" smtClean="0">
-                <a:latin typeface="Courier New" charset="0"/>
-                <a:ea typeface="Courier New" charset="0"/>
-                <a:cs typeface="Courier New" charset="0"/>
-              </a:rPr>
-              <a:t>...</a:t>
-            </a:r>
-          </a:p>
-        </p:txBody>
-      </p:sp>
-      <p:sp>
-        <p:nvSpPr>
-          <p:cNvPr id="122" name="Rectangle 121"/>
-          <p:cNvSpPr/>
-          <p:nvPr/>
-        </p:nvSpPr>
-        <p:spPr>
-          <a:xfrm>
-            <a:off x="1205455" y="3117048"/>
-            <a:ext cx="2445970" cy="1036550"/>
-          </a:xfrm>
-          <a:prstGeom prst="rect">
-            <a:avLst/>
-          </a:prstGeom>
-          <a:noFill/>
-        </p:spPr>
-        <p:style>
-          <a:lnRef idx="2">
-            <a:schemeClr val="accent1">
-              <a:shade val="50000"/>
-            </a:schemeClr>
-          </a:lnRef>
-          <a:fillRef idx="1">
-            <a:schemeClr val="accent1"/>
-          </a:fillRef>
-          <a:effectRef idx="0">
-            <a:schemeClr val="accent1"/>
-          </a:effectRef>
-          <a:fontRef idx="minor">
-            <a:schemeClr val="lt1"/>
-          </a:fontRef>
-        </p:style>
-        <p:txBody>
-          <a:bodyPr rtlCol="0" anchor="ctr"/>
-          <a:lstStyle/>
-          <a:p>
-            <a:pPr algn="ctr"/>
-            <a:endParaRPr lang="en-US"/>
-          </a:p>
-        </p:txBody>
-      </p:sp>
-      <p:sp>
-        <p:nvSpPr>
           <p:cNvPr id="124" name="TextBox 123"/>
           <p:cNvSpPr txBox="1"/>
           <p:nvPr/>
         </p:nvSpPr>
         <p:spPr>
           <a:xfrm>
-            <a:off x="1146485" y="2860716"/>
-            <a:ext cx="1920545" cy="261610"/>
+            <a:off x="187621" y="3957760"/>
+            <a:ext cx="1284350" cy="430887"/>
           </a:xfrm>
           <a:prstGeom prst="rect">
             <a:avLst/>
@@ -21366,14 +21438,527 @@
       </p:sp>
       <p:sp>
         <p:nvSpPr>
+          <p:cNvPr id="126" name="TextBox 125"/>
+          <p:cNvSpPr txBox="1"/>
+          <p:nvPr/>
+        </p:nvSpPr>
+        <p:spPr>
+          <a:xfrm>
+            <a:off x="2839296" y="3837972"/>
+            <a:ext cx="889579" cy="430887"/>
+          </a:xfrm>
+          <a:prstGeom prst="rect">
+            <a:avLst/>
+          </a:prstGeom>
+          <a:noFill/>
+        </p:spPr>
+        <p:txBody>
+          <a:bodyPr wrap="square" rtlCol="0">
+            <a:spAutoFit/>
+          </a:bodyPr>
+          <a:lstStyle/>
+          <a:p>
+            <a:pPr algn="r"/>
+            <a:r>
+              <a:rPr lang="en-US" sz="1100" b="1" dirty="0" smtClean="0">
+                <a:solidFill>
+                  <a:srgbClr val="4372C4"/>
+                </a:solidFill>
+              </a:rPr>
+              <a:t>peer’s local</a:t>
+            </a:r>
+          </a:p>
+          <a:p>
+            <a:pPr algn="r"/>
+            <a:r>
+              <a:rPr lang="en-US" sz="1100" b="1" dirty="0" smtClean="0">
+                <a:solidFill>
+                  <a:srgbClr val="4372C4"/>
+                </a:solidFill>
+              </a:rPr>
+              <a:t>filesystem</a:t>
+            </a:r>
+            <a:endParaRPr lang="en-US" sz="1100" b="1" dirty="0">
+              <a:solidFill>
+                <a:srgbClr val="4372C4"/>
+              </a:solidFill>
+            </a:endParaRPr>
+          </a:p>
+        </p:txBody>
+      </p:sp>
+      <p:grpSp>
+        <p:nvGrpSpPr>
+          <p:cNvPr id="40" name="Group 39"/>
+          <p:cNvGrpSpPr/>
+          <p:nvPr/>
+        </p:nvGrpSpPr>
+        <p:grpSpPr>
+          <a:xfrm>
+            <a:off x="276645" y="2859665"/>
+            <a:ext cx="2465859" cy="1140802"/>
+            <a:chOff x="1205455" y="3117048"/>
+            <a:chExt cx="2465859" cy="1140802"/>
+          </a:xfrm>
+        </p:grpSpPr>
+        <p:sp>
+          <p:nvSpPr>
+            <p:cNvPr id="117" name="Folded Corner 116"/>
+            <p:cNvSpPr/>
+            <p:nvPr/>
+          </p:nvSpPr>
+          <p:spPr>
+            <a:xfrm>
+              <a:off x="2488858" y="3221002"/>
+              <a:ext cx="1065903" cy="950062"/>
+            </a:xfrm>
+            <a:prstGeom prst="foldedCorner">
+              <a:avLst/>
+            </a:prstGeom>
+            <a:solidFill>
+              <a:schemeClr val="accent4">
+                <a:lumMod val="40000"/>
+                <a:lumOff val="60000"/>
+              </a:schemeClr>
+            </a:solidFill>
+            <a:ln>
+              <a:solidFill>
+                <a:schemeClr val="accent4">
+                  <a:lumMod val="75000"/>
+                </a:schemeClr>
+              </a:solidFill>
+            </a:ln>
+          </p:spPr>
+          <p:style>
+            <a:lnRef idx="2">
+              <a:schemeClr val="accent1">
+                <a:shade val="50000"/>
+              </a:schemeClr>
+            </a:lnRef>
+            <a:fillRef idx="1">
+              <a:schemeClr val="accent1"/>
+            </a:fillRef>
+            <a:effectRef idx="0">
+              <a:schemeClr val="accent1"/>
+            </a:effectRef>
+            <a:fontRef idx="minor">
+              <a:schemeClr val="lt1"/>
+            </a:fontRef>
+          </p:style>
+          <p:txBody>
+            <a:bodyPr rtlCol="0" anchor="ctr"/>
+            <a:lstStyle/>
+            <a:p>
+              <a:pPr algn="ctr"/>
+              <a:endParaRPr lang="en-US"/>
+            </a:p>
+          </p:txBody>
+        </p:sp>
+        <p:sp>
+          <p:nvSpPr>
+            <p:cNvPr id="118" name="TextBox 117"/>
+            <p:cNvSpPr txBox="1"/>
+            <p:nvPr/>
+          </p:nvSpPr>
+          <p:spPr>
+            <a:xfrm>
+              <a:off x="2488858" y="3248756"/>
+              <a:ext cx="1182456" cy="861774"/>
+            </a:xfrm>
+            <a:prstGeom prst="rect">
+              <a:avLst/>
+            </a:prstGeom>
+            <a:noFill/>
+          </p:spPr>
+          <p:txBody>
+            <a:bodyPr wrap="square" rtlCol="0">
+              <a:spAutoFit/>
+            </a:bodyPr>
+            <a:lstStyle/>
+            <a:p>
+              <a:r>
+                <a:rPr lang="en-US" sz="1000" dirty="0" smtClean="0">
+                  <a:latin typeface="Courier New" charset="0"/>
+                  <a:ea typeface="Courier New" charset="0"/>
+                  <a:cs typeface="Courier New" charset="0"/>
+                </a:rPr>
+                <a:t>\ORG2.MSP</a:t>
+              </a:r>
+            </a:p>
+            <a:p>
+              <a:r>
+                <a:rPr lang="en-US" sz="1000" dirty="0" smtClean="0">
+                  <a:latin typeface="Courier New" charset="0"/>
+                  <a:ea typeface="Courier New" charset="0"/>
+                  <a:cs typeface="Courier New" charset="0"/>
+                </a:rPr>
+                <a:t> </a:t>
+              </a:r>
+              <a:r>
+                <a:rPr lang="en-US" sz="1000" dirty="0" smtClean="0">
+                  <a:latin typeface="Courier New" charset="0"/>
+                  <a:ea typeface="Courier New" charset="0"/>
+                  <a:cs typeface="Courier New" charset="0"/>
+                </a:rPr>
+                <a:t> </a:t>
+              </a:r>
+              <a:r>
+                <a:rPr lang="en-US" sz="1000" dirty="0" smtClean="0">
+                  <a:latin typeface="Courier New" charset="0"/>
+                  <a:ea typeface="Courier New" charset="0"/>
+                  <a:cs typeface="Courier New" charset="0"/>
+                </a:rPr>
+                <a:t>\</a:t>
+              </a:r>
+              <a:r>
+                <a:rPr lang="en-US" sz="1000" dirty="0" err="1" smtClean="0">
+                  <a:latin typeface="Courier New" charset="0"/>
+                  <a:ea typeface="Courier New" charset="0"/>
+                  <a:cs typeface="Courier New" charset="0"/>
+                </a:rPr>
+                <a:t>RootCAs</a:t>
+              </a:r>
+              <a:endParaRPr lang="en-US" sz="1000" dirty="0" smtClean="0">
+                <a:latin typeface="Courier New" charset="0"/>
+                <a:ea typeface="Courier New" charset="0"/>
+                <a:cs typeface="Courier New" charset="0"/>
+              </a:endParaRPr>
+            </a:p>
+            <a:p>
+              <a:r>
+                <a:rPr lang="en-US" sz="1000" dirty="0">
+                  <a:latin typeface="Courier New" charset="0"/>
+                  <a:ea typeface="Courier New" charset="0"/>
+                  <a:cs typeface="Courier New" charset="0"/>
+                </a:rPr>
+                <a:t> </a:t>
+              </a:r>
+              <a:r>
+                <a:rPr lang="en-US" sz="1000" dirty="0" smtClean="0">
+                  <a:latin typeface="Courier New" charset="0"/>
+                  <a:ea typeface="Courier New" charset="0"/>
+                  <a:cs typeface="Courier New" charset="0"/>
+                </a:rPr>
+                <a:t>   RCA2</a:t>
+              </a:r>
+              <a:endParaRPr lang="en-US" sz="1000" dirty="0" smtClean="0">
+                <a:latin typeface="Courier New" charset="0"/>
+                <a:ea typeface="Courier New" charset="0"/>
+                <a:cs typeface="Courier New" charset="0"/>
+              </a:endParaRPr>
+            </a:p>
+            <a:p>
+              <a:r>
+                <a:rPr lang="en-US" sz="1000" dirty="0">
+                  <a:latin typeface="Courier New" charset="0"/>
+                  <a:ea typeface="Courier New" charset="0"/>
+                  <a:cs typeface="Courier New" charset="0"/>
+                </a:rPr>
+                <a:t> </a:t>
+              </a:r>
+              <a:r>
+                <a:rPr lang="en-US" sz="1000" dirty="0" smtClean="0">
+                  <a:latin typeface="Courier New" charset="0"/>
+                  <a:ea typeface="Courier New" charset="0"/>
+                  <a:cs typeface="Courier New" charset="0"/>
+                </a:rPr>
+                <a:t> </a:t>
+              </a:r>
+              <a:r>
+                <a:rPr lang="en-US" sz="1000" dirty="0" smtClean="0">
+                  <a:latin typeface="Courier New" charset="0"/>
+                  <a:ea typeface="Courier New" charset="0"/>
+                  <a:cs typeface="Courier New" charset="0"/>
+                </a:rPr>
+                <a:t>\</a:t>
+              </a:r>
+              <a:r>
+                <a:rPr lang="en-US" sz="1000" dirty="0" err="1" smtClean="0">
+                  <a:latin typeface="Courier New" charset="0"/>
+                  <a:ea typeface="Courier New" charset="0"/>
+                  <a:cs typeface="Courier New" charset="0"/>
+                </a:rPr>
+                <a:t>IntCAs</a:t>
+              </a:r>
+              <a:endParaRPr lang="en-US" sz="1000" dirty="0" smtClean="0">
+                <a:latin typeface="Courier New" charset="0"/>
+                <a:ea typeface="Courier New" charset="0"/>
+                <a:cs typeface="Courier New" charset="0"/>
+              </a:endParaRPr>
+            </a:p>
+            <a:p>
+              <a:r>
+                <a:rPr lang="en-US" sz="1000" dirty="0">
+                  <a:latin typeface="Courier New" charset="0"/>
+                  <a:ea typeface="Courier New" charset="0"/>
+                  <a:cs typeface="Courier New" charset="0"/>
+                </a:rPr>
+                <a:t> </a:t>
+              </a:r>
+              <a:r>
+                <a:rPr lang="en-US" sz="1000" dirty="0" smtClean="0">
+                  <a:latin typeface="Courier New" charset="0"/>
+                  <a:ea typeface="Courier New" charset="0"/>
+                  <a:cs typeface="Courier New" charset="0"/>
+                </a:rPr>
+                <a:t> </a:t>
+              </a:r>
+              <a:r>
+                <a:rPr lang="en-US" sz="1000" b="1" dirty="0" smtClean="0">
+                  <a:latin typeface="Courier New" charset="0"/>
+                  <a:ea typeface="Courier New" charset="0"/>
+                  <a:cs typeface="Courier New" charset="0"/>
+                </a:rPr>
+                <a:t>...</a:t>
+              </a:r>
+            </a:p>
+          </p:txBody>
+        </p:sp>
+        <p:sp>
+          <p:nvSpPr>
+            <p:cNvPr id="122" name="Rectangle 121"/>
+            <p:cNvSpPr/>
+            <p:nvPr/>
+          </p:nvSpPr>
+          <p:spPr>
+            <a:xfrm>
+              <a:off x="1205455" y="3117048"/>
+              <a:ext cx="2445970" cy="1140802"/>
+            </a:xfrm>
+            <a:prstGeom prst="rect">
+              <a:avLst/>
+            </a:prstGeom>
+            <a:noFill/>
+          </p:spPr>
+          <p:style>
+            <a:lnRef idx="2">
+              <a:schemeClr val="accent1">
+                <a:shade val="50000"/>
+              </a:schemeClr>
+            </a:lnRef>
+            <a:fillRef idx="1">
+              <a:schemeClr val="accent1"/>
+            </a:fillRef>
+            <a:effectRef idx="0">
+              <a:schemeClr val="accent1"/>
+            </a:effectRef>
+            <a:fontRef idx="minor">
+              <a:schemeClr val="lt1"/>
+            </a:fontRef>
+          </p:style>
+          <p:txBody>
+            <a:bodyPr rtlCol="0" anchor="ctr"/>
+            <a:lstStyle/>
+            <a:p>
+              <a:pPr algn="ctr"/>
+              <a:endParaRPr lang="en-US"/>
+            </a:p>
+          </p:txBody>
+        </p:sp>
+        <p:sp>
+          <p:nvSpPr>
+            <p:cNvPr id="129" name="Folded Corner 128"/>
+            <p:cNvSpPr/>
+            <p:nvPr/>
+          </p:nvSpPr>
+          <p:spPr>
+            <a:xfrm>
+              <a:off x="1338528" y="3228039"/>
+              <a:ext cx="1065903" cy="950062"/>
+            </a:xfrm>
+            <a:prstGeom prst="foldedCorner">
+              <a:avLst/>
+            </a:prstGeom>
+            <a:solidFill>
+              <a:schemeClr val="accent4">
+                <a:lumMod val="40000"/>
+                <a:lumOff val="60000"/>
+              </a:schemeClr>
+            </a:solidFill>
+            <a:ln>
+              <a:solidFill>
+                <a:schemeClr val="accent4">
+                  <a:lumMod val="75000"/>
+                </a:schemeClr>
+              </a:solidFill>
+            </a:ln>
+          </p:spPr>
+          <p:style>
+            <a:lnRef idx="2">
+              <a:schemeClr val="accent1">
+                <a:shade val="50000"/>
+              </a:schemeClr>
+            </a:lnRef>
+            <a:fillRef idx="1">
+              <a:schemeClr val="accent1"/>
+            </a:fillRef>
+            <a:effectRef idx="0">
+              <a:schemeClr val="accent1"/>
+            </a:effectRef>
+            <a:fontRef idx="minor">
+              <a:schemeClr val="lt1"/>
+            </a:fontRef>
+          </p:style>
+          <p:txBody>
+            <a:bodyPr rtlCol="0" anchor="ctr"/>
+            <a:lstStyle/>
+            <a:p>
+              <a:pPr algn="ctr"/>
+              <a:endParaRPr lang="en-US"/>
+            </a:p>
+          </p:txBody>
+        </p:sp>
+        <p:sp>
+          <p:nvSpPr>
+            <p:cNvPr id="130" name="TextBox 129"/>
+            <p:cNvSpPr txBox="1"/>
+            <p:nvPr/>
+          </p:nvSpPr>
+          <p:spPr>
+            <a:xfrm>
+              <a:off x="1338528" y="3255793"/>
+              <a:ext cx="1182456" cy="861774"/>
+            </a:xfrm>
+            <a:prstGeom prst="rect">
+              <a:avLst/>
+            </a:prstGeom>
+            <a:noFill/>
+          </p:spPr>
+          <p:txBody>
+            <a:bodyPr wrap="square" rtlCol="0">
+              <a:spAutoFit/>
+            </a:bodyPr>
+            <a:lstStyle/>
+            <a:p>
+              <a:r>
+                <a:rPr lang="en-US" sz="1000" dirty="0" smtClean="0">
+                  <a:latin typeface="Courier New" charset="0"/>
+                  <a:ea typeface="Courier New" charset="0"/>
+                  <a:cs typeface="Courier New" charset="0"/>
+                </a:rPr>
+                <a:t>\ORG1.MSP</a:t>
+              </a:r>
+            </a:p>
+            <a:p>
+              <a:r>
+                <a:rPr lang="en-US" sz="1000" dirty="0" smtClean="0">
+                  <a:latin typeface="Courier New" charset="0"/>
+                  <a:ea typeface="Courier New" charset="0"/>
+                  <a:cs typeface="Courier New" charset="0"/>
+                </a:rPr>
+                <a:t>  \</a:t>
+              </a:r>
+              <a:r>
+                <a:rPr lang="en-US" sz="1000" dirty="0" err="1" smtClean="0">
+                  <a:latin typeface="Courier New" charset="0"/>
+                  <a:ea typeface="Courier New" charset="0"/>
+                  <a:cs typeface="Courier New" charset="0"/>
+                </a:rPr>
+                <a:t>RootCAs</a:t>
+              </a:r>
+              <a:endParaRPr lang="en-US" sz="1000" dirty="0" smtClean="0">
+                <a:latin typeface="Courier New" charset="0"/>
+                <a:ea typeface="Courier New" charset="0"/>
+                <a:cs typeface="Courier New" charset="0"/>
+              </a:endParaRPr>
+            </a:p>
+            <a:p>
+              <a:r>
+                <a:rPr lang="en-US" sz="1000" dirty="0" smtClean="0">
+                  <a:latin typeface="Courier New" charset="0"/>
+                  <a:ea typeface="Courier New" charset="0"/>
+                  <a:cs typeface="Courier New" charset="0"/>
+                </a:rPr>
+                <a:t>    RCA1</a:t>
+              </a:r>
+              <a:endParaRPr lang="en-US" sz="1000" dirty="0" smtClean="0">
+                <a:latin typeface="Courier New" charset="0"/>
+                <a:ea typeface="Courier New" charset="0"/>
+                <a:cs typeface="Courier New" charset="0"/>
+              </a:endParaRPr>
+            </a:p>
+            <a:p>
+              <a:r>
+                <a:rPr lang="en-US" sz="1000" dirty="0">
+                  <a:latin typeface="Courier New" charset="0"/>
+                  <a:ea typeface="Courier New" charset="0"/>
+                  <a:cs typeface="Courier New" charset="0"/>
+                </a:rPr>
+                <a:t> </a:t>
+              </a:r>
+              <a:r>
+                <a:rPr lang="en-US" sz="1000" dirty="0" smtClean="0">
+                  <a:latin typeface="Courier New" charset="0"/>
+                  <a:ea typeface="Courier New" charset="0"/>
+                  <a:cs typeface="Courier New" charset="0"/>
+                </a:rPr>
+                <a:t> </a:t>
+              </a:r>
+              <a:r>
+                <a:rPr lang="en-US" sz="1000" dirty="0" smtClean="0">
+                  <a:latin typeface="Courier New" charset="0"/>
+                  <a:ea typeface="Courier New" charset="0"/>
+                  <a:cs typeface="Courier New" charset="0"/>
+                </a:rPr>
+                <a:t>\</a:t>
+              </a:r>
+              <a:r>
+                <a:rPr lang="en-US" sz="1000" dirty="0" err="1" smtClean="0">
+                  <a:latin typeface="Courier New" charset="0"/>
+                  <a:ea typeface="Courier New" charset="0"/>
+                  <a:cs typeface="Courier New" charset="0"/>
+                </a:rPr>
+                <a:t>IntCAs</a:t>
+              </a:r>
+              <a:endParaRPr lang="en-US" sz="1000" dirty="0" smtClean="0">
+                <a:latin typeface="Courier New" charset="0"/>
+                <a:ea typeface="Courier New" charset="0"/>
+                <a:cs typeface="Courier New" charset="0"/>
+              </a:endParaRPr>
+            </a:p>
+            <a:p>
+              <a:r>
+                <a:rPr lang="en-US" sz="1000" dirty="0">
+                  <a:latin typeface="Courier New" charset="0"/>
+                  <a:ea typeface="Courier New" charset="0"/>
+                  <a:cs typeface="Courier New" charset="0"/>
+                </a:rPr>
+                <a:t> </a:t>
+              </a:r>
+              <a:r>
+                <a:rPr lang="en-US" sz="1000" dirty="0" smtClean="0">
+                  <a:latin typeface="Courier New" charset="0"/>
+                  <a:ea typeface="Courier New" charset="0"/>
+                  <a:cs typeface="Courier New" charset="0"/>
+                </a:rPr>
+                <a:t> </a:t>
+              </a:r>
+              <a:r>
+                <a:rPr lang="en-US" sz="1000" b="1" dirty="0" smtClean="0">
+                  <a:latin typeface="Courier New" charset="0"/>
+                  <a:ea typeface="Courier New" charset="0"/>
+                  <a:cs typeface="Courier New" charset="0"/>
+                </a:rPr>
+                <a:t>...</a:t>
+              </a:r>
+              <a:endParaRPr lang="en-US" sz="1000" b="1" dirty="0" smtClean="0">
+                <a:latin typeface="Courier New" charset="0"/>
+                <a:ea typeface="Courier New" charset="0"/>
+                <a:cs typeface="Courier New" charset="0"/>
+              </a:endParaRPr>
+            </a:p>
+          </p:txBody>
+        </p:sp>
+      </p:grpSp>
+      <p:sp>
+        <p:nvSpPr>
           <p:cNvPr id="125" name="TextBox 124"/>
           <p:cNvSpPr txBox="1"/>
           <p:nvPr/>
         </p:nvSpPr>
         <p:spPr>
           <a:xfrm>
-            <a:off x="8778896" y="2860323"/>
-            <a:ext cx="1920545" cy="261610"/>
+            <a:off x="10746285" y="3930865"/>
+            <a:ext cx="1284350" cy="430887"/>
           </a:xfrm>
           <a:prstGeom prst="rect">
             <a:avLst/>
@@ -21421,14 +22006,14 @@
       </p:sp>
       <p:sp>
         <p:nvSpPr>
-          <p:cNvPr id="126" name="TextBox 125"/>
+          <p:cNvPr id="127" name="TextBox 126"/>
           <p:cNvSpPr txBox="1"/>
           <p:nvPr/>
         </p:nvSpPr>
         <p:spPr>
           <a:xfrm>
-            <a:off x="1146485" y="4113235"/>
-            <a:ext cx="889579" cy="430887"/>
+            <a:off x="8455832" y="3837972"/>
+            <a:ext cx="897545" cy="430887"/>
           </a:xfrm>
           <a:prstGeom prst="rect">
             <a:avLst/>
@@ -21467,429 +22052,6 @@
           </a:p>
         </p:txBody>
       </p:sp>
-      <p:sp>
-        <p:nvSpPr>
-          <p:cNvPr id="127" name="TextBox 126"/>
-          <p:cNvSpPr txBox="1"/>
-          <p:nvPr/>
-        </p:nvSpPr>
-        <p:spPr>
-          <a:xfrm>
-            <a:off x="10579703" y="4113235"/>
-            <a:ext cx="897545" cy="430887"/>
-          </a:xfrm>
-          <a:prstGeom prst="rect">
-            <a:avLst/>
-          </a:prstGeom>
-          <a:noFill/>
-        </p:spPr>
-        <p:txBody>
-          <a:bodyPr wrap="square" rtlCol="0">
-            <a:spAutoFit/>
-          </a:bodyPr>
-          <a:lstStyle/>
-          <a:p>
-            <a:pPr algn="r"/>
-            <a:r>
-              <a:rPr lang="en-US" sz="1100" b="1" dirty="0" smtClean="0">
-                <a:solidFill>
-                  <a:srgbClr val="4372C4"/>
-                </a:solidFill>
-              </a:rPr>
-              <a:t>peer’s local</a:t>
-            </a:r>
-          </a:p>
-          <a:p>
-            <a:pPr algn="r"/>
-            <a:r>
-              <a:rPr lang="en-US" sz="1100" b="1" dirty="0" smtClean="0">
-                <a:solidFill>
-                  <a:srgbClr val="4372C4"/>
-                </a:solidFill>
-              </a:rPr>
-              <a:t>filesystem</a:t>
-            </a:r>
-            <a:endParaRPr lang="en-US" sz="1100" b="1" dirty="0">
-              <a:solidFill>
-                <a:srgbClr val="4372C4"/>
-              </a:solidFill>
-            </a:endParaRPr>
-          </a:p>
-        </p:txBody>
-      </p:sp>
-      <p:sp>
-        <p:nvSpPr>
-          <p:cNvPr id="129" name="Folded Corner 128"/>
-          <p:cNvSpPr/>
-          <p:nvPr/>
-        </p:nvSpPr>
-        <p:spPr>
-          <a:xfrm>
-            <a:off x="1338528" y="3228039"/>
-            <a:ext cx="1065903" cy="820951"/>
-          </a:xfrm>
-          <a:prstGeom prst="foldedCorner">
-            <a:avLst/>
-          </a:prstGeom>
-          <a:solidFill>
-            <a:schemeClr val="accent4">
-              <a:lumMod val="40000"/>
-              <a:lumOff val="60000"/>
-            </a:schemeClr>
-          </a:solidFill>
-          <a:ln>
-            <a:solidFill>
-              <a:schemeClr val="accent4">
-                <a:lumMod val="75000"/>
-              </a:schemeClr>
-            </a:solidFill>
-          </a:ln>
-        </p:spPr>
-        <p:style>
-          <a:lnRef idx="2">
-            <a:schemeClr val="accent1">
-              <a:shade val="50000"/>
-            </a:schemeClr>
-          </a:lnRef>
-          <a:fillRef idx="1">
-            <a:schemeClr val="accent1"/>
-          </a:fillRef>
-          <a:effectRef idx="0">
-            <a:schemeClr val="accent1"/>
-          </a:effectRef>
-          <a:fontRef idx="minor">
-            <a:schemeClr val="lt1"/>
-          </a:fontRef>
-        </p:style>
-        <p:txBody>
-          <a:bodyPr rtlCol="0" anchor="ctr"/>
-          <a:lstStyle/>
-          <a:p>
-            <a:pPr algn="ctr"/>
-            <a:endParaRPr lang="en-US"/>
-          </a:p>
-        </p:txBody>
-      </p:sp>
-      <p:sp>
-        <p:nvSpPr>
-          <p:cNvPr id="130" name="TextBox 129"/>
-          <p:cNvSpPr txBox="1"/>
-          <p:nvPr/>
-        </p:nvSpPr>
-        <p:spPr>
-          <a:xfrm>
-            <a:off x="1338528" y="3255793"/>
-            <a:ext cx="1182456" cy="707886"/>
-          </a:xfrm>
-          <a:prstGeom prst="rect">
-            <a:avLst/>
-          </a:prstGeom>
-          <a:noFill/>
-        </p:spPr>
-        <p:txBody>
-          <a:bodyPr wrap="square" rtlCol="0">
-            <a:spAutoFit/>
-          </a:bodyPr>
-          <a:lstStyle/>
-          <a:p>
-            <a:r>
-              <a:rPr lang="en-US" sz="1000" dirty="0" smtClean="0">
-                <a:latin typeface="Courier New" charset="0"/>
-                <a:ea typeface="Courier New" charset="0"/>
-                <a:cs typeface="Courier New" charset="0"/>
-              </a:rPr>
-              <a:t>\ORG1.MSP</a:t>
-            </a:r>
-          </a:p>
-          <a:p>
-            <a:r>
-              <a:rPr lang="en-US" sz="1000" dirty="0" smtClean="0">
-                <a:latin typeface="Courier New" charset="0"/>
-                <a:ea typeface="Courier New" charset="0"/>
-                <a:cs typeface="Courier New" charset="0"/>
-              </a:rPr>
-              <a:t>   \</a:t>
-            </a:r>
-            <a:r>
-              <a:rPr lang="en-US" sz="1000" dirty="0" err="1" smtClean="0">
-                <a:latin typeface="Courier New" charset="0"/>
-                <a:ea typeface="Courier New" charset="0"/>
-                <a:cs typeface="Courier New" charset="0"/>
-              </a:rPr>
-              <a:t>RootCAs</a:t>
-            </a:r>
-            <a:endParaRPr lang="en-US" sz="1000" dirty="0" smtClean="0">
-              <a:latin typeface="Courier New" charset="0"/>
-              <a:ea typeface="Courier New" charset="0"/>
-              <a:cs typeface="Courier New" charset="0"/>
-            </a:endParaRPr>
-          </a:p>
-          <a:p>
-            <a:r>
-              <a:rPr lang="en-US" sz="1000" dirty="0">
-                <a:latin typeface="Courier New" charset="0"/>
-                <a:ea typeface="Courier New" charset="0"/>
-                <a:cs typeface="Courier New" charset="0"/>
-              </a:rPr>
-              <a:t> </a:t>
-            </a:r>
-            <a:r>
-              <a:rPr lang="en-US" sz="1000" dirty="0" smtClean="0">
-                <a:latin typeface="Courier New" charset="0"/>
-                <a:ea typeface="Courier New" charset="0"/>
-                <a:cs typeface="Courier New" charset="0"/>
-              </a:rPr>
-              <a:t>  \</a:t>
-            </a:r>
-            <a:r>
-              <a:rPr lang="en-US" sz="1000" dirty="0" err="1" smtClean="0">
-                <a:latin typeface="Courier New" charset="0"/>
-                <a:ea typeface="Courier New" charset="0"/>
-                <a:cs typeface="Courier New" charset="0"/>
-              </a:rPr>
-              <a:t>IntCAs</a:t>
-            </a:r>
-            <a:endParaRPr lang="en-US" sz="1000" dirty="0" smtClean="0">
-              <a:latin typeface="Courier New" charset="0"/>
-              <a:ea typeface="Courier New" charset="0"/>
-              <a:cs typeface="Courier New" charset="0"/>
-            </a:endParaRPr>
-          </a:p>
-          <a:p>
-            <a:r>
-              <a:rPr lang="en-US" sz="1000" dirty="0">
-                <a:latin typeface="Courier New" charset="0"/>
-                <a:ea typeface="Courier New" charset="0"/>
-                <a:cs typeface="Courier New" charset="0"/>
-              </a:rPr>
-              <a:t> </a:t>
-            </a:r>
-            <a:r>
-              <a:rPr lang="en-US" sz="1000" dirty="0" smtClean="0">
-                <a:latin typeface="Courier New" charset="0"/>
-                <a:ea typeface="Courier New" charset="0"/>
-                <a:cs typeface="Courier New" charset="0"/>
-              </a:rPr>
-              <a:t>  </a:t>
-            </a:r>
-            <a:r>
-              <a:rPr lang="en-US" sz="1000" b="1" dirty="0" smtClean="0">
-                <a:latin typeface="Courier New" charset="0"/>
-                <a:ea typeface="Courier New" charset="0"/>
-                <a:cs typeface="Courier New" charset="0"/>
-              </a:rPr>
-              <a:t>...</a:t>
-            </a:r>
-          </a:p>
-        </p:txBody>
-      </p:sp>
-      <p:sp>
-        <p:nvSpPr>
-          <p:cNvPr id="131" name="Rectangle 130"/>
-          <p:cNvSpPr/>
-          <p:nvPr/>
-        </p:nvSpPr>
-        <p:spPr>
-          <a:xfrm>
-            <a:off x="8986250" y="3117047"/>
-            <a:ext cx="2411809" cy="1036552"/>
-          </a:xfrm>
-          <a:prstGeom prst="rect">
-            <a:avLst/>
-          </a:prstGeom>
-          <a:noFill/>
-        </p:spPr>
-        <p:style>
-          <a:lnRef idx="2">
-            <a:schemeClr val="accent1">
-              <a:shade val="50000"/>
-            </a:schemeClr>
-          </a:lnRef>
-          <a:fillRef idx="1">
-            <a:schemeClr val="accent1"/>
-          </a:fillRef>
-          <a:effectRef idx="0">
-            <a:schemeClr val="accent1"/>
-          </a:effectRef>
-          <a:fontRef idx="minor">
-            <a:schemeClr val="lt1"/>
-          </a:fontRef>
-        </p:style>
-        <p:txBody>
-          <a:bodyPr rtlCol="0" anchor="ctr"/>
-          <a:lstStyle/>
-          <a:p>
-            <a:pPr algn="ctr"/>
-            <a:endParaRPr lang="en-US"/>
-          </a:p>
-        </p:txBody>
-      </p:sp>
-      <p:sp>
-        <p:nvSpPr>
-          <p:cNvPr id="133" name="Folded Corner 132"/>
-          <p:cNvSpPr/>
-          <p:nvPr/>
-        </p:nvSpPr>
-        <p:spPr>
-          <a:xfrm>
-            <a:off x="10215604" y="3221001"/>
-            <a:ext cx="1065903" cy="820951"/>
-          </a:xfrm>
-          <a:prstGeom prst="foldedCorner">
-            <a:avLst/>
-          </a:prstGeom>
-          <a:solidFill>
-            <a:schemeClr val="accent4">
-              <a:lumMod val="40000"/>
-              <a:lumOff val="60000"/>
-            </a:schemeClr>
-          </a:solidFill>
-          <a:ln>
-            <a:solidFill>
-              <a:schemeClr val="accent4">
-                <a:lumMod val="75000"/>
-              </a:schemeClr>
-            </a:solidFill>
-          </a:ln>
-        </p:spPr>
-        <p:style>
-          <a:lnRef idx="2">
-            <a:schemeClr val="accent1">
-              <a:shade val="50000"/>
-            </a:schemeClr>
-          </a:lnRef>
-          <a:fillRef idx="1">
-            <a:schemeClr val="accent1"/>
-          </a:fillRef>
-          <a:effectRef idx="0">
-            <a:schemeClr val="accent1"/>
-          </a:effectRef>
-          <a:fontRef idx="minor">
-            <a:schemeClr val="lt1"/>
-          </a:fontRef>
-        </p:style>
-        <p:txBody>
-          <a:bodyPr rtlCol="0" anchor="ctr"/>
-          <a:lstStyle/>
-          <a:p>
-            <a:pPr algn="ctr"/>
-            <a:endParaRPr lang="en-US"/>
-          </a:p>
-        </p:txBody>
-      </p:sp>
-      <p:sp>
-        <p:nvSpPr>
-          <p:cNvPr id="134" name="TextBox 133"/>
-          <p:cNvSpPr txBox="1"/>
-          <p:nvPr/>
-        </p:nvSpPr>
-        <p:spPr>
-          <a:xfrm>
-            <a:off x="10215604" y="3248755"/>
-            <a:ext cx="1182456" cy="707886"/>
-          </a:xfrm>
-          <a:prstGeom prst="rect">
-            <a:avLst/>
-          </a:prstGeom>
-          <a:noFill/>
-        </p:spPr>
-        <p:txBody>
-          <a:bodyPr wrap="square" rtlCol="0">
-            <a:spAutoFit/>
-          </a:bodyPr>
-          <a:lstStyle/>
-          <a:p>
-            <a:r>
-              <a:rPr lang="en-US" sz="1000" dirty="0" smtClean="0">
-                <a:latin typeface="Courier New" charset="0"/>
-                <a:ea typeface="Courier New" charset="0"/>
-                <a:cs typeface="Courier New" charset="0"/>
-              </a:rPr>
-              <a:t>\ORG2.MSP</a:t>
-            </a:r>
-          </a:p>
-          <a:p>
-            <a:r>
-              <a:rPr lang="en-US" sz="1000" dirty="0" smtClean="0">
-                <a:latin typeface="Courier New" charset="0"/>
-                <a:ea typeface="Courier New" charset="0"/>
-                <a:cs typeface="Courier New" charset="0"/>
-              </a:rPr>
-              <a:t>   \</a:t>
-            </a:r>
-            <a:r>
-              <a:rPr lang="en-US" sz="1000" dirty="0" err="1" smtClean="0">
-                <a:latin typeface="Courier New" charset="0"/>
-                <a:ea typeface="Courier New" charset="0"/>
-                <a:cs typeface="Courier New" charset="0"/>
-              </a:rPr>
-              <a:t>RootCAs</a:t>
-            </a:r>
-            <a:endParaRPr lang="en-US" sz="1000" dirty="0" smtClean="0">
-              <a:latin typeface="Courier New" charset="0"/>
-              <a:ea typeface="Courier New" charset="0"/>
-              <a:cs typeface="Courier New" charset="0"/>
-            </a:endParaRPr>
-          </a:p>
-          <a:p>
-            <a:r>
-              <a:rPr lang="en-US" sz="1000" dirty="0">
-                <a:latin typeface="Courier New" charset="0"/>
-                <a:ea typeface="Courier New" charset="0"/>
-                <a:cs typeface="Courier New" charset="0"/>
-              </a:rPr>
-              <a:t> </a:t>
-            </a:r>
-            <a:r>
-              <a:rPr lang="en-US" sz="1000" dirty="0" smtClean="0">
-                <a:latin typeface="Courier New" charset="0"/>
-                <a:ea typeface="Courier New" charset="0"/>
-                <a:cs typeface="Courier New" charset="0"/>
-              </a:rPr>
-              <a:t>  \</a:t>
-            </a:r>
-            <a:r>
-              <a:rPr lang="en-US" sz="1000" dirty="0" err="1" smtClean="0">
-                <a:latin typeface="Courier New" charset="0"/>
-                <a:ea typeface="Courier New" charset="0"/>
-                <a:cs typeface="Courier New" charset="0"/>
-              </a:rPr>
-              <a:t>IntCAs</a:t>
-            </a:r>
-            <a:endParaRPr lang="en-US" sz="1000" dirty="0" smtClean="0">
-              <a:latin typeface="Courier New" charset="0"/>
-              <a:ea typeface="Courier New" charset="0"/>
-              <a:cs typeface="Courier New" charset="0"/>
-            </a:endParaRPr>
-          </a:p>
-          <a:p>
-            <a:r>
-              <a:rPr lang="en-US" sz="1000" dirty="0">
-                <a:latin typeface="Courier New" charset="0"/>
-                <a:ea typeface="Courier New" charset="0"/>
-                <a:cs typeface="Courier New" charset="0"/>
-              </a:rPr>
-              <a:t> </a:t>
-            </a:r>
-            <a:r>
-              <a:rPr lang="en-US" sz="1000" dirty="0" smtClean="0">
-                <a:latin typeface="Courier New" charset="0"/>
-                <a:ea typeface="Courier New" charset="0"/>
-                <a:cs typeface="Courier New" charset="0"/>
-              </a:rPr>
-              <a:t>  </a:t>
-            </a:r>
-            <a:r>
-              <a:rPr lang="en-US" sz="1000" b="1" dirty="0" smtClean="0">
-                <a:latin typeface="Courier New" charset="0"/>
-                <a:ea typeface="Courier New" charset="0"/>
-                <a:cs typeface="Courier New" charset="0"/>
-              </a:rPr>
-              <a:t>...</a:t>
-            </a:r>
-          </a:p>
-        </p:txBody>
-      </p:sp>
       <p:cxnSp>
         <p:nvCxnSpPr>
           <p:cNvPr id="135" name="Curved Connector 134"/>
@@ -21901,8 +22063,8 @@
         </p:nvCxnSpPr>
         <p:spPr>
           <a:xfrm rot="10800000">
-            <a:off x="2428441" y="4153599"/>
-            <a:ext cx="1281221" cy="1262507"/>
+            <a:off x="1499630" y="4000467"/>
+            <a:ext cx="2048666" cy="1590874"/>
           </a:xfrm>
           <a:prstGeom prst="curvedConnector2">
             <a:avLst/>
@@ -21941,8 +22103,8 @@
         </p:nvCxnSpPr>
         <p:spPr>
           <a:xfrm flipV="1">
-            <a:off x="8911791" y="4153599"/>
-            <a:ext cx="1280364" cy="1262506"/>
+            <a:off x="8750426" y="3973179"/>
+            <a:ext cx="1972743" cy="1618162"/>
           </a:xfrm>
           <a:prstGeom prst="curvedConnector2">
             <a:avLst/>
@@ -21978,8 +22140,8 @@
         </p:nvSpPr>
         <p:spPr>
           <a:xfrm>
-            <a:off x="1876695" y="4830353"/>
-            <a:ext cx="929806" cy="307777"/>
+            <a:off x="1953201" y="4748768"/>
+            <a:ext cx="983603" cy="307777"/>
           </a:xfrm>
           <a:prstGeom prst="rect">
             <a:avLst/>
@@ -21998,7 +22160,7 @@
                   <a:srgbClr val="4372C4"/>
                 </a:solidFill>
               </a:rPr>
-              <a:t>replicated</a:t>
+              <a:t>instantiate</a:t>
             </a:r>
             <a:endParaRPr lang="en-US" sz="1400" b="1" dirty="0">
               <a:solidFill>
@@ -22016,8 +22178,8 @@
         </p:nvSpPr>
         <p:spPr>
           <a:xfrm>
-            <a:off x="9828573" y="4830353"/>
-            <a:ext cx="929806" cy="307777"/>
+            <a:off x="9310547" y="4748768"/>
+            <a:ext cx="983603" cy="307777"/>
           </a:xfrm>
           <a:prstGeom prst="rect">
             <a:avLst/>
@@ -22036,9 +22198,9 @@
                   <a:srgbClr val="4372C4"/>
                 </a:solidFill>
               </a:rPr>
-              <a:t>replicated</a:t>
+              <a:t>instantiate</a:t>
             </a:r>
-            <a:endParaRPr lang="en-US" sz="1400" b="1">
+            <a:endParaRPr lang="en-US" sz="1400" b="1" dirty="0">
               <a:solidFill>
                 <a:srgbClr val="4372C4"/>
               </a:solidFill>
@@ -22054,7 +22216,7 @@
         </p:nvSpPr>
         <p:spPr>
           <a:xfrm>
-            <a:off x="3979751" y="2045877"/>
+            <a:off x="3818389" y="2172977"/>
             <a:ext cx="941989" cy="307777"/>
           </a:xfrm>
           <a:prstGeom prst="rect">
@@ -22084,7 +22246,7 @@
         </p:nvSpPr>
         <p:spPr>
           <a:xfrm>
-            <a:off x="7658364" y="2054643"/>
+            <a:off x="7530282" y="2171214"/>
             <a:ext cx="941989" cy="307777"/>
           </a:xfrm>
           <a:prstGeom prst="rect">
@@ -22114,7 +22276,7 @@
         </p:nvSpPr>
         <p:spPr>
           <a:xfrm>
-            <a:off x="5749247" y="5703644"/>
+            <a:off x="5587882" y="5829150"/>
             <a:ext cx="1117422" cy="307777"/>
           </a:xfrm>
           <a:prstGeom prst="rect">
@@ -22137,45 +22299,6 @@
           </a:p>
         </p:txBody>
       </p:sp>
-      <p:cxnSp>
-        <p:nvCxnSpPr>
-          <p:cNvPr id="5" name="Elbow Connector 4"/>
-          <p:cNvCxnSpPr>
-            <a:stCxn id="97" idx="0"/>
-            <a:endCxn id="44" idx="1"/>
-          </p:cNvCxnSpPr>
-          <p:nvPr/>
-        </p:nvCxnSpPr>
-        <p:spPr>
-          <a:xfrm>
-            <a:off x="1980777" y="2009218"/>
-            <a:ext cx="2190176" cy="1073883"/>
-          </a:xfrm>
-          <a:prstGeom prst="bentConnector3">
-            <a:avLst/>
-          </a:prstGeom>
-          <a:ln w="28575">
-            <a:solidFill>
-              <a:srgbClr val="4372C4"/>
-            </a:solidFill>
-            <a:tailEnd type="triangle"/>
-          </a:ln>
-        </p:spPr>
-        <p:style>
-          <a:lnRef idx="1">
-            <a:schemeClr val="accent1"/>
-          </a:lnRef>
-          <a:fillRef idx="0">
-            <a:schemeClr val="accent1"/>
-          </a:fillRef>
-          <a:effectRef idx="0">
-            <a:schemeClr val="accent1"/>
-          </a:effectRef>
-          <a:fontRef idx="minor">
-            <a:schemeClr val="tx1"/>
-          </a:fontRef>
-        </p:style>
-      </p:cxnSp>
       <p:sp>
         <p:nvSpPr>
           <p:cNvPr id="69" name="Rounded Rectangle 68"/>
@@ -22184,7 +22307,7 @@
         </p:nvSpPr>
         <p:spPr>
           <a:xfrm>
-            <a:off x="2713849" y="1313269"/>
+            <a:off x="5111566" y="1765924"/>
             <a:ext cx="575072" cy="567368"/>
           </a:xfrm>
           <a:prstGeom prst="roundRect">
@@ -22244,7 +22367,7 @@
         </p:nvSpPr>
         <p:spPr>
           <a:xfrm>
-            <a:off x="10293476" y="1201617"/>
+            <a:off x="6579704" y="1765924"/>
             <a:ext cx="575072" cy="567368"/>
           </a:xfrm>
           <a:prstGeom prst="roundRect">
@@ -22300,17 +22423,17 @@
         <p:nvCxnSpPr>
           <p:cNvPr id="7" name="Elbow Connector 6"/>
           <p:cNvCxnSpPr>
-            <a:stCxn id="50" idx="1"/>
-            <a:endCxn id="69" idx="3"/>
+            <a:stCxn id="50" idx="3"/>
+            <a:endCxn id="69" idx="2"/>
           </p:cNvCxnSpPr>
           <p:nvPr/>
         </p:nvCxnSpPr>
         <p:spPr>
-          <a:xfrm rot="10800000">
-            <a:off x="3288922" y="1596954"/>
-            <a:ext cx="678459" cy="895917"/>
+          <a:xfrm flipV="1">
+            <a:off x="4772748" y="2333292"/>
+            <a:ext cx="626354" cy="285084"/>
           </a:xfrm>
-          <a:prstGeom prst="bentConnector3">
+          <a:prstGeom prst="bentConnector2">
             <a:avLst/>
           </a:prstGeom>
           <a:ln w="28575">
@@ -22339,20 +22462,18 @@
         <p:nvCxnSpPr>
           <p:cNvPr id="73" name="Elbow Connector 72"/>
           <p:cNvCxnSpPr>
-            <a:stCxn id="54" idx="3"/>
-            <a:endCxn id="70" idx="1"/>
+            <a:stCxn id="54" idx="1"/>
+            <a:endCxn id="70" idx="2"/>
           </p:cNvCxnSpPr>
           <p:nvPr/>
         </p:nvCxnSpPr>
         <p:spPr>
-          <a:xfrm flipV="1">
-            <a:off x="8612726" y="1485301"/>
-            <a:ext cx="1680750" cy="1004459"/>
+          <a:xfrm rot="10800000">
+            <a:off x="6867240" y="2333292"/>
+            <a:ext cx="617388" cy="281974"/>
           </a:xfrm>
-          <a:prstGeom prst="bentConnector3">
-            <a:avLst>
-              <a:gd name="adj1" fmla="val 50000"/>
-            </a:avLst>
+          <a:prstGeom prst="bentConnector2">
+            <a:avLst/>
           </a:prstGeom>
           <a:ln w="28575">
             <a:solidFill>
@@ -22384,7 +22505,7 @@
         </p:nvGrpSpPr>
         <p:grpSpPr>
           <a:xfrm>
-            <a:off x="1573163" y="2300280"/>
+            <a:off x="5400149" y="3465840"/>
             <a:ext cx="312349" cy="323772"/>
             <a:chOff x="5676338" y="2717038"/>
             <a:chExt cx="312349" cy="323772"/>
@@ -22685,7 +22806,7 @@
         </p:nvSpPr>
         <p:spPr>
           <a:xfrm>
-            <a:off x="6041896" y="3626627"/>
+            <a:off x="5877281" y="3725208"/>
             <a:ext cx="547666" cy="433746"/>
           </a:xfrm>
           <a:prstGeom prst="flowChartDocument">
@@ -22744,7 +22865,7 @@
         </p:nvGrpSpPr>
         <p:grpSpPr>
           <a:xfrm>
-            <a:off x="1527142" y="1510989"/>
+            <a:off x="5329507" y="2703302"/>
             <a:ext cx="453635" cy="725046"/>
             <a:chOff x="5701137" y="2384637"/>
             <a:chExt cx="1133935" cy="1812371"/>
@@ -22838,6 +22959,85 @@
           </p:txBody>
         </p:sp>
       </p:grpSp>
+      <p:cxnSp>
+        <p:nvCxnSpPr>
+          <p:cNvPr id="104" name="Elbow Connector 103"/>
+          <p:cNvCxnSpPr>
+            <a:stCxn id="54" idx="3"/>
+            <a:endCxn id="85" idx="0"/>
+          </p:cNvCxnSpPr>
+          <p:nvPr/>
+        </p:nvCxnSpPr>
+        <p:spPr>
+          <a:xfrm>
+            <a:off x="8451361" y="2615266"/>
+            <a:ext cx="446794" cy="319539"/>
+          </a:xfrm>
+          <a:prstGeom prst="bentConnector2">
+            <a:avLst/>
+          </a:prstGeom>
+          <a:ln w="28575">
+            <a:solidFill>
+              <a:srgbClr val="4372C4"/>
+            </a:solidFill>
+            <a:tailEnd type="triangle"/>
+          </a:ln>
+        </p:spPr>
+        <p:style>
+          <a:lnRef idx="1">
+            <a:schemeClr val="accent1"/>
+          </a:lnRef>
+          <a:fillRef idx="0">
+            <a:schemeClr val="accent1"/>
+          </a:fillRef>
+          <a:effectRef idx="0">
+            <a:schemeClr val="accent1"/>
+          </a:effectRef>
+          <a:fontRef idx="minor">
+            <a:schemeClr val="tx1"/>
+          </a:fontRef>
+        </p:style>
+      </p:cxnSp>
+      <p:cxnSp>
+        <p:nvCxnSpPr>
+          <p:cNvPr id="128" name="Straight Arrow Connector 127"/>
+          <p:cNvCxnSpPr>
+            <a:stCxn id="97" idx="2"/>
+            <a:endCxn id="44" idx="3"/>
+          </p:cNvCxnSpPr>
+          <p:nvPr/>
+        </p:nvCxnSpPr>
+        <p:spPr>
+          <a:xfrm flipH="1">
+            <a:off x="4569179" y="3201531"/>
+            <a:ext cx="760328" cy="7076"/>
+          </a:xfrm>
+          <a:prstGeom prst="straightConnector1">
+            <a:avLst/>
+          </a:prstGeom>
+          <a:ln w="28575">
+            <a:solidFill>
+              <a:srgbClr val="4372C4"/>
+            </a:solidFill>
+            <a:prstDash val="dash"/>
+            <a:tailEnd type="triangle"/>
+          </a:ln>
+        </p:spPr>
+        <p:style>
+          <a:lnRef idx="1">
+            <a:schemeClr val="accent1"/>
+          </a:lnRef>
+          <a:fillRef idx="0">
+            <a:schemeClr val="accent1"/>
+          </a:fillRef>
+          <a:effectRef idx="0">
+            <a:schemeClr val="accent1"/>
+          </a:effectRef>
+          <a:fontRef idx="minor">
+            <a:schemeClr val="tx1"/>
+          </a:fontRef>
+        </p:style>
+      </p:cxnSp>
     </p:spTree>
     <p:extLst>
       <p:ext uri="{BB962C8B-B14F-4D97-AF65-F5344CB8AC3E}">

--- a/docs/OtherSourceMaterial/Diagrams.pptx
+++ b/docs/OtherSourceMaterial/Diagrams.pptx
@@ -5,7 +5,7 @@
     <p:sldMasterId id="2147483648" r:id="rId1"/>
   </p:sldMasterIdLst>
   <p:notesMasterIdLst>
-    <p:notesMasterId r:id="rId17"/>
+    <p:notesMasterId r:id="rId16"/>
   </p:notesMasterIdLst>
   <p:sldIdLst>
     <p:sldId id="386" r:id="rId2"/>
@@ -21,8 +21,7 @@
     <p:sldId id="397" r:id="rId12"/>
     <p:sldId id="400" r:id="rId13"/>
     <p:sldId id="401" r:id="rId14"/>
-    <p:sldId id="402" r:id="rId15"/>
-    <p:sldId id="403" r:id="rId16"/>
+    <p:sldId id="403" r:id="rId15"/>
   </p:sldIdLst>
   <p:sldSz cx="12192000" cy="6858000"/>
   <p:notesSz cx="6858000" cy="9144000"/>
@@ -15053,3586 +15052,6 @@
           <a:chExt cx="0" cy="0"/>
         </a:xfrm>
       </p:grpSpPr>
-      <p:sp>
-        <p:nvSpPr>
-          <p:cNvPr id="2" name="Title 1"/>
-          <p:cNvSpPr>
-            <a:spLocks noGrp="1"/>
-          </p:cNvSpPr>
-          <p:nvPr>
-            <p:ph type="title"/>
-          </p:nvPr>
-        </p:nvSpPr>
-        <p:spPr/>
-        <p:txBody>
-          <a:bodyPr/>
-          <a:lstStyle/>
-          <a:p>
-            <a:r>
-              <a:rPr lang="en-US" dirty="0" smtClean="0"/>
-              <a:t>Diagram </a:t>
-            </a:r>
-            <a:r>
-              <a:rPr lang="en-US" dirty="0"/>
-              <a:t>4</a:t>
-            </a:r>
-          </a:p>
-        </p:txBody>
-      </p:sp>
-      <p:sp>
-        <p:nvSpPr>
-          <p:cNvPr id="4" name="Slide Number Placeholder 3"/>
-          <p:cNvSpPr>
-            <a:spLocks noGrp="1"/>
-          </p:cNvSpPr>
-          <p:nvPr>
-            <p:ph type="sldNum" sz="quarter" idx="12"/>
-          </p:nvPr>
-        </p:nvSpPr>
-        <p:spPr>
-          <a:xfrm>
-            <a:off x="1149384" y="6156888"/>
-            <a:ext cx="377758" cy="365125"/>
-          </a:xfrm>
-        </p:spPr>
-        <p:txBody>
-          <a:bodyPr/>
-          <a:lstStyle/>
-          <a:p>
-            <a:fld id="{2AF5F8E0-9CB9-8D41-B80C-6B76C9B710FC}" type="slidenum">
-              <a:rPr lang="en-US" smtClean="0"/>
-              <a:pPr/>
-              <a:t>14</a:t>
-            </a:fld>
-            <a:endParaRPr lang="en-US" dirty="0"/>
-          </a:p>
-        </p:txBody>
-      </p:sp>
-      <p:sp>
-        <p:nvSpPr>
-          <p:cNvPr id="50" name="Rounded Rectangle 49"/>
-          <p:cNvSpPr/>
-          <p:nvPr/>
-        </p:nvSpPr>
-        <p:spPr>
-          <a:xfrm>
-            <a:off x="3967380" y="2332929"/>
-            <a:ext cx="966733" cy="319881"/>
-          </a:xfrm>
-          <a:prstGeom prst="roundRect">
-            <a:avLst>
-              <a:gd name="adj" fmla="val 50000"/>
-            </a:avLst>
-          </a:prstGeom>
-          <a:solidFill>
-            <a:srgbClr val="9F42E6"/>
-          </a:solidFill>
-          <a:ln w="28575" cap="flat" cmpd="sng" algn="ctr">
-            <a:solidFill>
-              <a:schemeClr val="tx2"/>
-            </a:solidFill>
-            <a:prstDash val="solid"/>
-          </a:ln>
-          <a:effectLst>
-            <a:outerShdw blurRad="40000" dist="23000" dir="5400000" rotWithShape="0">
-              <a:srgbClr val="000000">
-                <a:alpha val="35000"/>
-              </a:srgbClr>
-            </a:outerShdw>
-          </a:effectLst>
-        </p:spPr>
-        <p:txBody>
-          <a:bodyPr tIns="36000" bIns="36000" rtlCol="0" anchor="ctr"/>
-          <a:lstStyle/>
-          <a:p>
-            <a:pPr marL="0" marR="0" lvl="0" indent="0" algn="ctr" defTabSz="457200" eaLnBrk="1" fontAlgn="auto" latinLnBrk="0" hangingPunct="1">
-              <a:lnSpc>
-                <a:spcPct val="100000"/>
-              </a:lnSpc>
-              <a:spcBef>
-                <a:spcPts val="0"/>
-              </a:spcBef>
-              <a:spcAft>
-                <a:spcPts val="0"/>
-              </a:spcAft>
-              <a:buClrTx/>
-              <a:buSzTx/>
-              <a:buFontTx/>
-              <a:buNone/>
-              <a:tabLst/>
-              <a:defRPr/>
-            </a:pPr>
-            <a:r>
-              <a:rPr lang="en-US" sz="1100" b="1" kern="0" noProof="0" dirty="0" smtClean="0">
-                <a:solidFill>
-                  <a:schemeClr val="bg1"/>
-                </a:solidFill>
-                <a:ea typeface=""/>
-                <a:cs typeface=""/>
-              </a:rPr>
-              <a:t>ORG1.MSP</a:t>
-            </a:r>
-            <a:endParaRPr kumimoji="0" lang="en-US" sz="1100" b="1" i="0" u="none" strike="noStrike" kern="0" cap="none" spc="0" normalizeH="0" baseline="0" noProof="0" dirty="0" smtClean="0">
-              <a:ln>
-                <a:noFill/>
-              </a:ln>
-              <a:solidFill>
-                <a:schemeClr val="bg1"/>
-              </a:solidFill>
-              <a:effectLst/>
-              <a:uLnTx/>
-              <a:uFillTx/>
-              <a:ea typeface=""/>
-              <a:cs typeface=""/>
-            </a:endParaRPr>
-          </a:p>
-        </p:txBody>
-      </p:sp>
-      <p:grpSp>
-        <p:nvGrpSpPr>
-          <p:cNvPr id="41" name="Group 40"/>
-          <p:cNvGrpSpPr/>
-          <p:nvPr/>
-        </p:nvGrpSpPr>
-        <p:grpSpPr>
-          <a:xfrm>
-            <a:off x="4079303" y="1372245"/>
-            <a:ext cx="742889" cy="677401"/>
-            <a:chOff x="10666566" y="3979442"/>
-            <a:chExt cx="742889" cy="677401"/>
-          </a:xfrm>
-        </p:grpSpPr>
-        <p:sp>
-          <p:nvSpPr>
-            <p:cNvPr id="42" name="Triangle 41"/>
-            <p:cNvSpPr/>
-            <p:nvPr/>
-          </p:nvSpPr>
-          <p:spPr>
-            <a:xfrm>
-              <a:off x="10666566" y="3979442"/>
-              <a:ext cx="742889" cy="677401"/>
-            </a:xfrm>
-            <a:prstGeom prst="triangle">
-              <a:avLst/>
-            </a:prstGeom>
-            <a:ln w="12700">
-              <a:solidFill>
-                <a:schemeClr val="tx2"/>
-              </a:solidFill>
-            </a:ln>
-          </p:spPr>
-          <p:style>
-            <a:lnRef idx="2">
-              <a:schemeClr val="accent1">
-                <a:shade val="50000"/>
-              </a:schemeClr>
-            </a:lnRef>
-            <a:fillRef idx="1">
-              <a:schemeClr val="accent1"/>
-            </a:fillRef>
-            <a:effectRef idx="0">
-              <a:schemeClr val="accent1"/>
-            </a:effectRef>
-            <a:fontRef idx="minor">
-              <a:schemeClr val="lt1"/>
-            </a:fontRef>
-          </p:style>
-          <p:txBody>
-            <a:bodyPr rtlCol="0" anchor="ctr"/>
-            <a:lstStyle/>
-            <a:p>
-              <a:pPr algn="ctr"/>
-              <a:endParaRPr lang="en-US" sz="1600" b="1" dirty="0">
-                <a:solidFill>
-                  <a:schemeClr val="bg1"/>
-                </a:solidFill>
-              </a:endParaRPr>
-            </a:p>
-          </p:txBody>
-        </p:sp>
-        <p:sp>
-          <p:nvSpPr>
-            <p:cNvPr id="43" name="TextBox 42"/>
-            <p:cNvSpPr txBox="1"/>
-            <p:nvPr/>
-          </p:nvSpPr>
-          <p:spPr>
-            <a:xfrm>
-              <a:off x="10750538" y="4281243"/>
-              <a:ext cx="611386" cy="307777"/>
-            </a:xfrm>
-            <a:prstGeom prst="rect">
-              <a:avLst/>
-            </a:prstGeom>
-            <a:noFill/>
-          </p:spPr>
-          <p:txBody>
-            <a:bodyPr wrap="none" rtlCol="0">
-              <a:spAutoFit/>
-            </a:bodyPr>
-            <a:lstStyle/>
-            <a:p>
-              <a:r>
-                <a:rPr lang="en-US" sz="1400" b="1" dirty="0" smtClean="0">
-                  <a:solidFill>
-                    <a:schemeClr val="bg1"/>
-                  </a:solidFill>
-                </a:rPr>
-                <a:t>ORG1</a:t>
-              </a:r>
-              <a:endParaRPr lang="en-US" sz="1400" b="1" dirty="0">
-                <a:solidFill>
-                  <a:schemeClr val="bg1"/>
-                </a:solidFill>
-              </a:endParaRPr>
-            </a:p>
-          </p:txBody>
-        </p:sp>
-      </p:grpSp>
-      <p:grpSp>
-        <p:nvGrpSpPr>
-          <p:cNvPr id="59" name="Group 58"/>
-          <p:cNvGrpSpPr/>
-          <p:nvPr/>
-        </p:nvGrpSpPr>
-        <p:grpSpPr>
-          <a:xfrm>
-            <a:off x="7772977" y="1372245"/>
-            <a:ext cx="742889" cy="677401"/>
-            <a:chOff x="10666566" y="3979442"/>
-            <a:chExt cx="742889" cy="677401"/>
-          </a:xfrm>
-        </p:grpSpPr>
-        <p:sp>
-          <p:nvSpPr>
-            <p:cNvPr id="60" name="Triangle 59"/>
-            <p:cNvSpPr/>
-            <p:nvPr/>
-          </p:nvSpPr>
-          <p:spPr>
-            <a:xfrm>
-              <a:off x="10666566" y="3979442"/>
-              <a:ext cx="742889" cy="677401"/>
-            </a:xfrm>
-            <a:prstGeom prst="triangle">
-              <a:avLst/>
-            </a:prstGeom>
-            <a:ln w="12700">
-              <a:solidFill>
-                <a:schemeClr val="tx2"/>
-              </a:solidFill>
-            </a:ln>
-          </p:spPr>
-          <p:style>
-            <a:lnRef idx="2">
-              <a:schemeClr val="accent1">
-                <a:shade val="50000"/>
-              </a:schemeClr>
-            </a:lnRef>
-            <a:fillRef idx="1">
-              <a:schemeClr val="accent1"/>
-            </a:fillRef>
-            <a:effectRef idx="0">
-              <a:schemeClr val="accent1"/>
-            </a:effectRef>
-            <a:fontRef idx="minor">
-              <a:schemeClr val="lt1"/>
-            </a:fontRef>
-          </p:style>
-          <p:txBody>
-            <a:bodyPr rtlCol="0" anchor="ctr"/>
-            <a:lstStyle/>
-            <a:p>
-              <a:pPr algn="ctr"/>
-              <a:endParaRPr lang="en-US" sz="1600" b="1" dirty="0">
-                <a:solidFill>
-                  <a:schemeClr val="bg1"/>
-                </a:solidFill>
-              </a:endParaRPr>
-            </a:p>
-          </p:txBody>
-        </p:sp>
-        <p:sp>
-          <p:nvSpPr>
-            <p:cNvPr id="62" name="TextBox 61"/>
-            <p:cNvSpPr txBox="1"/>
-            <p:nvPr/>
-          </p:nvSpPr>
-          <p:spPr>
-            <a:xfrm>
-              <a:off x="10750538" y="4281243"/>
-              <a:ext cx="611386" cy="307777"/>
-            </a:xfrm>
-            <a:prstGeom prst="rect">
-              <a:avLst/>
-            </a:prstGeom>
-            <a:noFill/>
-          </p:spPr>
-          <p:txBody>
-            <a:bodyPr wrap="none" rtlCol="0">
-              <a:spAutoFit/>
-            </a:bodyPr>
-            <a:lstStyle/>
-            <a:p>
-              <a:r>
-                <a:rPr lang="en-US" sz="1400" b="1" dirty="0" smtClean="0">
-                  <a:solidFill>
-                    <a:schemeClr val="bg1"/>
-                  </a:solidFill>
-                </a:rPr>
-                <a:t>ORG2</a:t>
-              </a:r>
-              <a:endParaRPr lang="en-US" sz="1400" b="1" dirty="0">
-                <a:solidFill>
-                  <a:schemeClr val="bg1"/>
-                </a:solidFill>
-              </a:endParaRPr>
-            </a:p>
-          </p:txBody>
-        </p:sp>
-      </p:grpSp>
-      <p:sp>
-        <p:nvSpPr>
-          <p:cNvPr id="44" name="Rounded Rectangle 43"/>
-          <p:cNvSpPr/>
-          <p:nvPr/>
-        </p:nvSpPr>
-        <p:spPr>
-          <a:xfrm>
-            <a:off x="4170953" y="2805816"/>
-            <a:ext cx="559591" cy="554570"/>
-          </a:xfrm>
-          <a:prstGeom prst="roundRect">
-            <a:avLst/>
-          </a:prstGeom>
-          <a:solidFill>
-            <a:srgbClr val="4372C4"/>
-          </a:solidFill>
-          <a:ln w="28575" cap="flat" cmpd="sng" algn="ctr">
-            <a:solidFill>
-              <a:schemeClr val="tx2"/>
-            </a:solidFill>
-            <a:prstDash val="solid"/>
-          </a:ln>
-          <a:effectLst>
-            <a:outerShdw blurRad="40000" dist="23000" dir="5400000" rotWithShape="0">
-              <a:srgbClr val="000000">
-                <a:alpha val="35000"/>
-              </a:srgbClr>
-            </a:outerShdw>
-          </a:effectLst>
-        </p:spPr>
-        <p:txBody>
-          <a:bodyPr tIns="36000" bIns="36000" rtlCol="0" anchor="ctr"/>
-          <a:lstStyle/>
-          <a:p>
-            <a:pPr marL="0" marR="0" lvl="0" indent="0" algn="ctr" defTabSz="457200" eaLnBrk="1" fontAlgn="auto" latinLnBrk="0" hangingPunct="1">
-              <a:lnSpc>
-                <a:spcPct val="100000"/>
-              </a:lnSpc>
-              <a:spcBef>
-                <a:spcPts val="0"/>
-              </a:spcBef>
-              <a:spcAft>
-                <a:spcPts val="0"/>
-              </a:spcAft>
-              <a:buClrTx/>
-              <a:buSzTx/>
-              <a:buFontTx/>
-              <a:buNone/>
-              <a:tabLst/>
-              <a:defRPr/>
-            </a:pPr>
-            <a:r>
-              <a:rPr lang="en-US" sz="2400" b="1" kern="0" noProof="0" dirty="0" smtClean="0">
-                <a:solidFill>
-                  <a:schemeClr val="bg1"/>
-                </a:solidFill>
-                <a:ea typeface=""/>
-                <a:cs typeface=""/>
-              </a:rPr>
-              <a:t>P</a:t>
-            </a:r>
-            <a:endParaRPr kumimoji="0" lang="en-US" sz="2400" b="1" i="0" u="none" strike="noStrike" kern="0" cap="none" spc="0" normalizeH="0" baseline="0" noProof="0" dirty="0" smtClean="0">
-              <a:ln>
-                <a:noFill/>
-              </a:ln>
-              <a:solidFill>
-                <a:schemeClr val="bg1"/>
-              </a:solidFill>
-              <a:effectLst/>
-              <a:uLnTx/>
-              <a:uFillTx/>
-              <a:ea typeface=""/>
-              <a:cs typeface=""/>
-            </a:endParaRPr>
-          </a:p>
-        </p:txBody>
-      </p:sp>
-      <p:cxnSp>
-        <p:nvCxnSpPr>
-          <p:cNvPr id="45" name="Straight Connector 44"/>
-          <p:cNvCxnSpPr>
-            <a:stCxn id="46" idx="0"/>
-            <a:endCxn id="47" idx="1"/>
-          </p:cNvCxnSpPr>
-          <p:nvPr/>
-        </p:nvCxnSpPr>
-        <p:spPr>
-          <a:xfrm>
-            <a:off x="4465811" y="3448514"/>
-            <a:ext cx="5684" cy="709801"/>
-          </a:xfrm>
-          <a:prstGeom prst="line">
-            <a:avLst/>
-          </a:prstGeom>
-          <a:solidFill>
-            <a:schemeClr val="accent1"/>
-          </a:solidFill>
-          <a:ln w="38100" cap="flat" cmpd="sng" algn="ctr">
-            <a:solidFill>
-              <a:schemeClr val="accent1"/>
-            </a:solidFill>
-            <a:prstDash val="solid"/>
-            <a:tailEnd type="none"/>
-          </a:ln>
-          <a:effectLst>
-            <a:outerShdw blurRad="40000" dist="20000" dir="5400000" rotWithShape="0">
-              <a:srgbClr val="000000">
-                <a:alpha val="38000"/>
-              </a:srgbClr>
-            </a:outerShdw>
-          </a:effectLst>
-        </p:spPr>
-      </p:cxnSp>
-      <p:sp>
-        <p:nvSpPr>
-          <p:cNvPr id="46" name="Oval 45"/>
-          <p:cNvSpPr/>
-          <p:nvPr/>
-        </p:nvSpPr>
-        <p:spPr>
-          <a:xfrm flipV="1">
-            <a:off x="4384810" y="3286513"/>
-            <a:ext cx="162001" cy="162001"/>
-          </a:xfrm>
-          <a:prstGeom prst="ellipse">
-            <a:avLst/>
-          </a:prstGeom>
-          <a:solidFill>
-            <a:schemeClr val="accent1"/>
-          </a:solidFill>
-          <a:ln w="25400" cmpd="sng">
-            <a:solidFill>
-              <a:schemeClr val="tx2"/>
-            </a:solidFill>
-          </a:ln>
-          <a:effectLst>
-            <a:outerShdw blurRad="50800" dist="38100" dir="2700000" algn="tl" rotWithShape="0">
-              <a:prstClr val="black">
-                <a:alpha val="40000"/>
-              </a:prstClr>
-            </a:outerShdw>
-          </a:effectLst>
-        </p:spPr>
-        <p:style>
-          <a:lnRef idx="1">
-            <a:schemeClr val="accent1"/>
-          </a:lnRef>
-          <a:fillRef idx="3">
-            <a:schemeClr val="accent1"/>
-          </a:fillRef>
-          <a:effectRef idx="2">
-            <a:schemeClr val="accent1"/>
-          </a:effectRef>
-          <a:fontRef idx="minor">
-            <a:schemeClr val="lt1"/>
-          </a:fontRef>
-        </p:style>
-        <p:txBody>
-          <a:bodyPr rtlCol="0" anchor="ctr"/>
-          <a:lstStyle/>
-          <a:p>
-            <a:pPr algn="ctr"/>
-            <a:endParaRPr lang="en-GB" sz="1000">
-              <a:solidFill>
-                <a:srgbClr val="000000"/>
-              </a:solidFill>
-            </a:endParaRPr>
-          </a:p>
-        </p:txBody>
-      </p:sp>
-      <p:sp>
-        <p:nvSpPr>
-          <p:cNvPr id="48" name="Rounded Rectangle 47"/>
-          <p:cNvSpPr/>
-          <p:nvPr/>
-        </p:nvSpPr>
-        <p:spPr>
-          <a:xfrm>
-            <a:off x="7849565" y="2805816"/>
-            <a:ext cx="559591" cy="554570"/>
-          </a:xfrm>
-          <a:prstGeom prst="roundRect">
-            <a:avLst/>
-          </a:prstGeom>
-          <a:solidFill>
-            <a:srgbClr val="4372C4"/>
-          </a:solidFill>
-          <a:ln w="28575" cap="flat" cmpd="sng" algn="ctr">
-            <a:solidFill>
-              <a:schemeClr val="tx2"/>
-            </a:solidFill>
-            <a:prstDash val="solid"/>
-          </a:ln>
-          <a:effectLst>
-            <a:outerShdw blurRad="40000" dist="23000" dir="5400000" rotWithShape="0">
-              <a:srgbClr val="000000">
-                <a:alpha val="35000"/>
-              </a:srgbClr>
-            </a:outerShdw>
-          </a:effectLst>
-        </p:spPr>
-        <p:txBody>
-          <a:bodyPr tIns="36000" bIns="36000" rtlCol="0" anchor="ctr"/>
-          <a:lstStyle/>
-          <a:p>
-            <a:pPr marL="0" marR="0" lvl="0" indent="0" algn="ctr" defTabSz="457200" eaLnBrk="1" fontAlgn="auto" latinLnBrk="0" hangingPunct="1">
-              <a:lnSpc>
-                <a:spcPct val="100000"/>
-              </a:lnSpc>
-              <a:spcBef>
-                <a:spcPts val="0"/>
-              </a:spcBef>
-              <a:spcAft>
-                <a:spcPts val="0"/>
-              </a:spcAft>
-              <a:buClrTx/>
-              <a:buSzTx/>
-              <a:buFontTx/>
-              <a:buNone/>
-              <a:tabLst/>
-              <a:defRPr/>
-            </a:pPr>
-            <a:r>
-              <a:rPr lang="en-US" sz="2400" b="1" kern="0" noProof="0" dirty="0" smtClean="0">
-                <a:solidFill>
-                  <a:schemeClr val="bg1"/>
-                </a:solidFill>
-                <a:ea typeface=""/>
-                <a:cs typeface=""/>
-              </a:rPr>
-              <a:t>P</a:t>
-            </a:r>
-            <a:endParaRPr kumimoji="0" lang="en-US" sz="2400" b="1" i="0" u="none" strike="noStrike" kern="0" cap="none" spc="0" normalizeH="0" baseline="0" noProof="0" dirty="0" smtClean="0">
-              <a:ln>
-                <a:noFill/>
-              </a:ln>
-              <a:solidFill>
-                <a:schemeClr val="bg1"/>
-              </a:solidFill>
-              <a:effectLst/>
-              <a:uLnTx/>
-              <a:uFillTx/>
-              <a:ea typeface=""/>
-              <a:cs typeface=""/>
-            </a:endParaRPr>
-          </a:p>
-        </p:txBody>
-      </p:sp>
-      <p:cxnSp>
-        <p:nvCxnSpPr>
-          <p:cNvPr id="49" name="Straight Connector 48"/>
-          <p:cNvCxnSpPr>
-            <a:stCxn id="51" idx="0"/>
-            <a:endCxn id="47" idx="7"/>
-          </p:cNvCxnSpPr>
-          <p:nvPr/>
-        </p:nvCxnSpPr>
-        <p:spPr>
-          <a:xfrm>
-            <a:off x="8144423" y="3448514"/>
-            <a:ext cx="5534" cy="709801"/>
-          </a:xfrm>
-          <a:prstGeom prst="line">
-            <a:avLst/>
-          </a:prstGeom>
-          <a:solidFill>
-            <a:schemeClr val="accent1"/>
-          </a:solidFill>
-          <a:ln w="38100" cap="flat" cmpd="sng" algn="ctr">
-            <a:solidFill>
-              <a:schemeClr val="accent1"/>
-            </a:solidFill>
-            <a:prstDash val="solid"/>
-            <a:tailEnd type="none"/>
-          </a:ln>
-          <a:effectLst>
-            <a:outerShdw blurRad="40000" dist="20000" dir="5400000" rotWithShape="0">
-              <a:srgbClr val="000000">
-                <a:alpha val="38000"/>
-              </a:srgbClr>
-            </a:outerShdw>
-          </a:effectLst>
-        </p:spPr>
-      </p:cxnSp>
-      <p:sp>
-        <p:nvSpPr>
-          <p:cNvPr id="51" name="Oval 50"/>
-          <p:cNvSpPr/>
-          <p:nvPr/>
-        </p:nvSpPr>
-        <p:spPr>
-          <a:xfrm flipV="1">
-            <a:off x="8063422" y="3286513"/>
-            <a:ext cx="162001" cy="162001"/>
-          </a:xfrm>
-          <a:prstGeom prst="ellipse">
-            <a:avLst/>
-          </a:prstGeom>
-          <a:solidFill>
-            <a:schemeClr val="accent1"/>
-          </a:solidFill>
-          <a:ln w="25400" cmpd="sng">
-            <a:solidFill>
-              <a:schemeClr val="tx2"/>
-            </a:solidFill>
-          </a:ln>
-          <a:effectLst>
-            <a:outerShdw blurRad="50800" dist="38100" dir="2700000" algn="tl" rotWithShape="0">
-              <a:prstClr val="black">
-                <a:alpha val="40000"/>
-              </a:prstClr>
-            </a:outerShdw>
-          </a:effectLst>
-        </p:spPr>
-        <p:style>
-          <a:lnRef idx="1">
-            <a:schemeClr val="accent1"/>
-          </a:lnRef>
-          <a:fillRef idx="3">
-            <a:schemeClr val="accent1"/>
-          </a:fillRef>
-          <a:effectRef idx="2">
-            <a:schemeClr val="accent1"/>
-          </a:effectRef>
-          <a:fontRef idx="minor">
-            <a:schemeClr val="lt1"/>
-          </a:fontRef>
-        </p:style>
-        <p:txBody>
-          <a:bodyPr rtlCol="0" anchor="ctr"/>
-          <a:lstStyle/>
-          <a:p>
-            <a:pPr algn="ctr"/>
-            <a:endParaRPr lang="en-GB" sz="1000">
-              <a:solidFill>
-                <a:srgbClr val="000000"/>
-              </a:solidFill>
-            </a:endParaRPr>
-          </a:p>
-        </p:txBody>
-      </p:sp>
-      <p:sp>
-        <p:nvSpPr>
-          <p:cNvPr id="47" name="Oval 46"/>
-          <p:cNvSpPr/>
-          <p:nvPr/>
-        </p:nvSpPr>
-        <p:spPr>
-          <a:xfrm>
-            <a:off x="3709661" y="4113235"/>
-            <a:ext cx="5202130" cy="307828"/>
-          </a:xfrm>
-          <a:prstGeom prst="ellipse">
-            <a:avLst/>
-          </a:prstGeom>
-          <a:noFill/>
-          <a:ln w="38100">
-            <a:solidFill>
-              <a:srgbClr val="4372C4"/>
-            </a:solidFill>
-          </a:ln>
-          <a:effectLst>
-            <a:outerShdw blurRad="50800" dist="38100" dir="2700000" algn="tl" rotWithShape="0">
-              <a:prstClr val="black">
-                <a:alpha val="40000"/>
-              </a:prstClr>
-            </a:outerShdw>
-          </a:effectLst>
-        </p:spPr>
-        <p:style>
-          <a:lnRef idx="2">
-            <a:schemeClr val="accent1">
-              <a:shade val="50000"/>
-            </a:schemeClr>
-          </a:lnRef>
-          <a:fillRef idx="1">
-            <a:schemeClr val="accent1"/>
-          </a:fillRef>
-          <a:effectRef idx="0">
-            <a:schemeClr val="accent1"/>
-          </a:effectRef>
-          <a:fontRef idx="minor">
-            <a:schemeClr val="lt1"/>
-          </a:fontRef>
-        </p:style>
-        <p:txBody>
-          <a:bodyPr rtlCol="0" anchor="ctr"/>
-          <a:lstStyle/>
-          <a:p>
-            <a:pPr algn="ctr"/>
-            <a:endParaRPr lang="en-US"/>
-          </a:p>
-        </p:txBody>
-      </p:sp>
-      <p:sp>
-        <p:nvSpPr>
-          <p:cNvPr id="54" name="Rounded Rectangle 53"/>
-          <p:cNvSpPr/>
-          <p:nvPr/>
-        </p:nvSpPr>
-        <p:spPr>
-          <a:xfrm>
-            <a:off x="7645993" y="2329819"/>
-            <a:ext cx="966733" cy="319881"/>
-          </a:xfrm>
-          <a:prstGeom prst="roundRect">
-            <a:avLst>
-              <a:gd name="adj" fmla="val 50000"/>
-            </a:avLst>
-          </a:prstGeom>
-          <a:solidFill>
-            <a:srgbClr val="9F42E6"/>
-          </a:solidFill>
-          <a:ln w="28575" cap="flat" cmpd="sng" algn="ctr">
-            <a:solidFill>
-              <a:schemeClr val="tx2"/>
-            </a:solidFill>
-            <a:prstDash val="solid"/>
-          </a:ln>
-          <a:effectLst>
-            <a:outerShdw blurRad="40000" dist="23000" dir="5400000" rotWithShape="0">
-              <a:srgbClr val="000000">
-                <a:alpha val="35000"/>
-              </a:srgbClr>
-            </a:outerShdw>
-          </a:effectLst>
-        </p:spPr>
-        <p:txBody>
-          <a:bodyPr tIns="36000" bIns="36000" rtlCol="0" anchor="ctr"/>
-          <a:lstStyle/>
-          <a:p>
-            <a:pPr marL="0" marR="0" lvl="0" indent="0" algn="ctr" defTabSz="457200" eaLnBrk="1" fontAlgn="auto" latinLnBrk="0" hangingPunct="1">
-              <a:lnSpc>
-                <a:spcPct val="100000"/>
-              </a:lnSpc>
-              <a:spcBef>
-                <a:spcPts val="0"/>
-              </a:spcBef>
-              <a:spcAft>
-                <a:spcPts val="0"/>
-              </a:spcAft>
-              <a:buClrTx/>
-              <a:buSzTx/>
-              <a:buFontTx/>
-              <a:buNone/>
-              <a:tabLst/>
-              <a:defRPr/>
-            </a:pPr>
-            <a:r>
-              <a:rPr lang="en-US" sz="1100" b="1" kern="0" noProof="0" smtClean="0">
-                <a:solidFill>
-                  <a:schemeClr val="bg1"/>
-                </a:solidFill>
-                <a:ea typeface=""/>
-                <a:cs typeface=""/>
-              </a:rPr>
-              <a:t>ORG2.MSP</a:t>
-            </a:r>
-            <a:endParaRPr kumimoji="0" lang="en-US" sz="1100" b="1" i="0" u="none" strike="noStrike" kern="0" cap="none" spc="0" normalizeH="0" baseline="0" noProof="0" dirty="0" smtClean="0">
-              <a:ln>
-                <a:noFill/>
-              </a:ln>
-              <a:solidFill>
-                <a:schemeClr val="bg1"/>
-              </a:solidFill>
-              <a:effectLst/>
-              <a:uLnTx/>
-              <a:uFillTx/>
-              <a:ea typeface=""/>
-              <a:cs typeface=""/>
-            </a:endParaRPr>
-          </a:p>
-        </p:txBody>
-      </p:sp>
-      <p:cxnSp>
-        <p:nvCxnSpPr>
-          <p:cNvPr id="55" name="Straight Connector 54"/>
-          <p:cNvCxnSpPr>
-            <a:stCxn id="44" idx="0"/>
-            <a:endCxn id="50" idx="2"/>
-          </p:cNvCxnSpPr>
-          <p:nvPr/>
-        </p:nvCxnSpPr>
-        <p:spPr>
-          <a:xfrm flipH="1" flipV="1">
-            <a:off x="4450747" y="2652810"/>
-            <a:ext cx="2" cy="153006"/>
-          </a:xfrm>
-          <a:prstGeom prst="line">
-            <a:avLst/>
-          </a:prstGeom>
-          <a:ln w="28575">
-            <a:solidFill>
-              <a:srgbClr val="4372C4"/>
-            </a:solidFill>
-            <a:prstDash val="sysDot"/>
-            <a:headEnd type="none" w="med" len="med"/>
-            <a:tailEnd type="none" w="med" len="med"/>
-          </a:ln>
-        </p:spPr>
-        <p:style>
-          <a:lnRef idx="1">
-            <a:schemeClr val="accent1"/>
-          </a:lnRef>
-          <a:fillRef idx="0">
-            <a:schemeClr val="accent1"/>
-          </a:fillRef>
-          <a:effectRef idx="0">
-            <a:schemeClr val="accent1"/>
-          </a:effectRef>
-          <a:fontRef idx="minor">
-            <a:schemeClr val="tx1"/>
-          </a:fontRef>
-        </p:style>
-      </p:cxnSp>
-      <p:cxnSp>
-        <p:nvCxnSpPr>
-          <p:cNvPr id="63" name="Straight Connector 62"/>
-          <p:cNvCxnSpPr>
-            <a:stCxn id="48" idx="0"/>
-            <a:endCxn id="54" idx="2"/>
-          </p:cNvCxnSpPr>
-          <p:nvPr/>
-        </p:nvCxnSpPr>
-        <p:spPr>
-          <a:xfrm flipH="1" flipV="1">
-            <a:off x="8129360" y="2649700"/>
-            <a:ext cx="1" cy="156116"/>
-          </a:xfrm>
-          <a:prstGeom prst="line">
-            <a:avLst/>
-          </a:prstGeom>
-          <a:ln w="28575">
-            <a:solidFill>
-              <a:srgbClr val="4372C4"/>
-            </a:solidFill>
-            <a:prstDash val="sysDot"/>
-            <a:headEnd type="none" w="med" len="med"/>
-            <a:tailEnd type="none" w="med" len="med"/>
-          </a:ln>
-        </p:spPr>
-        <p:style>
-          <a:lnRef idx="1">
-            <a:schemeClr val="accent1"/>
-          </a:lnRef>
-          <a:fillRef idx="0">
-            <a:schemeClr val="accent1"/>
-          </a:fillRef>
-          <a:effectRef idx="0">
-            <a:schemeClr val="accent1"/>
-          </a:effectRef>
-          <a:fontRef idx="minor">
-            <a:schemeClr val="tx1"/>
-          </a:fontRef>
-        </p:style>
-      </p:cxnSp>
-      <p:sp>
-        <p:nvSpPr>
-          <p:cNvPr id="64" name="Rounded Rectangle 63"/>
-          <p:cNvSpPr/>
-          <p:nvPr/>
-        </p:nvSpPr>
-        <p:spPr>
-          <a:xfrm>
-            <a:off x="5827359" y="5072050"/>
-            <a:ext cx="966733" cy="319881"/>
-          </a:xfrm>
-          <a:prstGeom prst="roundRect">
-            <a:avLst>
-              <a:gd name="adj" fmla="val 50000"/>
-            </a:avLst>
-          </a:prstGeom>
-          <a:solidFill>
-            <a:srgbClr val="9F42E6"/>
-          </a:solidFill>
-          <a:ln w="28575" cap="flat" cmpd="sng" algn="ctr">
-            <a:solidFill>
-              <a:schemeClr val="tx2"/>
-            </a:solidFill>
-            <a:prstDash val="solid"/>
-          </a:ln>
-          <a:effectLst>
-            <a:outerShdw blurRad="40000" dist="23000" dir="5400000" rotWithShape="0">
-              <a:srgbClr val="000000">
-                <a:alpha val="35000"/>
-              </a:srgbClr>
-            </a:outerShdw>
-          </a:effectLst>
-        </p:spPr>
-        <p:txBody>
-          <a:bodyPr tIns="36000" bIns="36000" rtlCol="0" anchor="ctr"/>
-          <a:lstStyle/>
-          <a:p>
-            <a:pPr marL="0" marR="0" lvl="0" indent="0" algn="ctr" defTabSz="457200" eaLnBrk="1" fontAlgn="auto" latinLnBrk="0" hangingPunct="1">
-              <a:lnSpc>
-                <a:spcPct val="100000"/>
-              </a:lnSpc>
-              <a:spcBef>
-                <a:spcPts val="0"/>
-              </a:spcBef>
-              <a:spcAft>
-                <a:spcPts val="0"/>
-              </a:spcAft>
-              <a:buClrTx/>
-              <a:buSzTx/>
-              <a:buFontTx/>
-              <a:buNone/>
-              <a:tabLst/>
-              <a:defRPr/>
-            </a:pPr>
-            <a:r>
-              <a:rPr lang="en-US" sz="1100" b="1" kern="0" noProof="0" smtClean="0">
-                <a:solidFill>
-                  <a:schemeClr val="bg1"/>
-                </a:solidFill>
-                <a:ea typeface=""/>
-                <a:cs typeface=""/>
-              </a:rPr>
-              <a:t>ORG1.MSP</a:t>
-            </a:r>
-            <a:endParaRPr kumimoji="0" lang="en-US" sz="1100" b="1" i="0" u="none" strike="noStrike" kern="0" cap="none" spc="0" normalizeH="0" baseline="0" noProof="0" dirty="0" smtClean="0">
-              <a:ln>
-                <a:noFill/>
-              </a:ln>
-              <a:solidFill>
-                <a:schemeClr val="bg1"/>
-              </a:solidFill>
-              <a:effectLst/>
-              <a:uLnTx/>
-              <a:uFillTx/>
-              <a:ea typeface=""/>
-              <a:cs typeface=""/>
-            </a:endParaRPr>
-          </a:p>
-        </p:txBody>
-      </p:sp>
-      <p:sp>
-        <p:nvSpPr>
-          <p:cNvPr id="66" name="Rounded Rectangle 65"/>
-          <p:cNvSpPr/>
-          <p:nvPr/>
-        </p:nvSpPr>
-        <p:spPr>
-          <a:xfrm>
-            <a:off x="5827358" y="5383763"/>
-            <a:ext cx="966733" cy="319881"/>
-          </a:xfrm>
-          <a:prstGeom prst="roundRect">
-            <a:avLst>
-              <a:gd name="adj" fmla="val 50000"/>
-            </a:avLst>
-          </a:prstGeom>
-          <a:solidFill>
-            <a:srgbClr val="9F42E6"/>
-          </a:solidFill>
-          <a:ln w="28575" cap="flat" cmpd="sng" algn="ctr">
-            <a:solidFill>
-              <a:schemeClr val="tx2"/>
-            </a:solidFill>
-            <a:prstDash val="solid"/>
-          </a:ln>
-          <a:effectLst>
-            <a:outerShdw blurRad="40000" dist="23000" dir="5400000" rotWithShape="0">
-              <a:srgbClr val="000000">
-                <a:alpha val="35000"/>
-              </a:srgbClr>
-            </a:outerShdw>
-          </a:effectLst>
-        </p:spPr>
-        <p:txBody>
-          <a:bodyPr tIns="36000" bIns="36000" rtlCol="0" anchor="ctr"/>
-          <a:lstStyle/>
-          <a:p>
-            <a:pPr marL="0" marR="0" lvl="0" indent="0" algn="ctr" defTabSz="457200" eaLnBrk="1" fontAlgn="auto" latinLnBrk="0" hangingPunct="1">
-              <a:lnSpc>
-                <a:spcPct val="100000"/>
-              </a:lnSpc>
-              <a:spcBef>
-                <a:spcPts val="0"/>
-              </a:spcBef>
-              <a:spcAft>
-                <a:spcPts val="0"/>
-              </a:spcAft>
-              <a:buClrTx/>
-              <a:buSzTx/>
-              <a:buFontTx/>
-              <a:buNone/>
-              <a:tabLst/>
-              <a:defRPr/>
-            </a:pPr>
-            <a:r>
-              <a:rPr lang="en-US" sz="1100" b="1" kern="0" noProof="0" smtClean="0">
-                <a:solidFill>
-                  <a:schemeClr val="bg1"/>
-                </a:solidFill>
-                <a:ea typeface=""/>
-                <a:cs typeface=""/>
-              </a:rPr>
-              <a:t>ORG2.MSP</a:t>
-            </a:r>
-            <a:endParaRPr kumimoji="0" lang="en-US" sz="1100" b="1" i="0" u="none" strike="noStrike" kern="0" cap="none" spc="0" normalizeH="0" baseline="0" noProof="0" dirty="0" smtClean="0">
-              <a:ln>
-                <a:noFill/>
-              </a:ln>
-              <a:solidFill>
-                <a:schemeClr val="bg1"/>
-              </a:solidFill>
-              <a:effectLst/>
-              <a:uLnTx/>
-              <a:uFillTx/>
-              <a:ea typeface=""/>
-              <a:cs typeface=""/>
-            </a:endParaRPr>
-          </a:p>
-        </p:txBody>
-      </p:sp>
-      <p:cxnSp>
-        <p:nvCxnSpPr>
-          <p:cNvPr id="76" name="Straight Connector 75"/>
-          <p:cNvCxnSpPr>
-            <a:stCxn id="57" idx="0"/>
-            <a:endCxn id="47" idx="4"/>
-          </p:cNvCxnSpPr>
-          <p:nvPr/>
-        </p:nvCxnSpPr>
-        <p:spPr>
-          <a:xfrm flipV="1">
-            <a:off x="6310726" y="4421063"/>
-            <a:ext cx="0" cy="426275"/>
-          </a:xfrm>
-          <a:prstGeom prst="line">
-            <a:avLst/>
-          </a:prstGeom>
-          <a:ln w="28575">
-            <a:solidFill>
-              <a:srgbClr val="4372C4"/>
-            </a:solidFill>
-            <a:prstDash val="sysDot"/>
-            <a:headEnd type="none" w="med" len="med"/>
-            <a:tailEnd type="none" w="med" len="med"/>
-          </a:ln>
-        </p:spPr>
-        <p:style>
-          <a:lnRef idx="1">
-            <a:schemeClr val="accent1"/>
-          </a:lnRef>
-          <a:fillRef idx="0">
-            <a:schemeClr val="accent1"/>
-          </a:fillRef>
-          <a:effectRef idx="0">
-            <a:schemeClr val="accent1"/>
-          </a:effectRef>
-          <a:fontRef idx="minor">
-            <a:schemeClr val="tx1"/>
-          </a:fontRef>
-        </p:style>
-      </p:cxnSp>
-      <p:grpSp>
-        <p:nvGrpSpPr>
-          <p:cNvPr id="21" name="Group 20"/>
-          <p:cNvGrpSpPr/>
-          <p:nvPr/>
-        </p:nvGrpSpPr>
-        <p:grpSpPr>
-          <a:xfrm>
-            <a:off x="4782100" y="2802239"/>
-            <a:ext cx="1182456" cy="820951"/>
-            <a:chOff x="5213906" y="2257415"/>
-            <a:chExt cx="1182456" cy="855289"/>
-          </a:xfrm>
-        </p:grpSpPr>
-        <p:sp>
-          <p:nvSpPr>
-            <p:cNvPr id="18" name="Folded Corner 17"/>
-            <p:cNvSpPr/>
-            <p:nvPr/>
-          </p:nvSpPr>
-          <p:spPr>
-            <a:xfrm>
-              <a:off x="5213906" y="2257415"/>
-              <a:ext cx="1065903" cy="855289"/>
-            </a:xfrm>
-            <a:prstGeom prst="foldedCorner">
-              <a:avLst/>
-            </a:prstGeom>
-            <a:solidFill>
-              <a:schemeClr val="accent1">
-                <a:lumMod val="20000"/>
-                <a:lumOff val="80000"/>
-              </a:schemeClr>
-            </a:solidFill>
-          </p:spPr>
-          <p:style>
-            <a:lnRef idx="2">
-              <a:schemeClr val="accent1">
-                <a:shade val="50000"/>
-              </a:schemeClr>
-            </a:lnRef>
-            <a:fillRef idx="1">
-              <a:schemeClr val="accent1"/>
-            </a:fillRef>
-            <a:effectRef idx="0">
-              <a:schemeClr val="accent1"/>
-            </a:effectRef>
-            <a:fontRef idx="minor">
-              <a:schemeClr val="lt1"/>
-            </a:fontRef>
-          </p:style>
-          <p:txBody>
-            <a:bodyPr rtlCol="0" anchor="ctr"/>
-            <a:lstStyle/>
-            <a:p>
-              <a:pPr algn="ctr"/>
-              <a:endParaRPr lang="en-US"/>
-            </a:p>
-          </p:txBody>
-        </p:sp>
-        <p:sp>
-          <p:nvSpPr>
-            <p:cNvPr id="19" name="TextBox 18"/>
-            <p:cNvSpPr txBox="1"/>
-            <p:nvPr/>
-          </p:nvSpPr>
-          <p:spPr>
-            <a:xfrm>
-              <a:off x="5213906" y="2286330"/>
-              <a:ext cx="1182456" cy="707886"/>
-            </a:xfrm>
-            <a:prstGeom prst="rect">
-              <a:avLst/>
-            </a:prstGeom>
-            <a:noFill/>
-          </p:spPr>
-          <p:txBody>
-            <a:bodyPr wrap="square" rtlCol="0">
-              <a:spAutoFit/>
-            </a:bodyPr>
-            <a:lstStyle/>
-            <a:p>
-              <a:r>
-                <a:rPr lang="en-US" sz="1000" dirty="0" smtClean="0">
-                  <a:latin typeface="Courier New" charset="0"/>
-                  <a:ea typeface="Courier New" charset="0"/>
-                  <a:cs typeface="Courier New" charset="0"/>
-                </a:rPr>
-                <a:t>\ORG1.MSP</a:t>
-              </a:r>
-            </a:p>
-            <a:p>
-              <a:r>
-                <a:rPr lang="en-US" sz="1000" dirty="0" smtClean="0">
-                  <a:latin typeface="Courier New" charset="0"/>
-                  <a:ea typeface="Courier New" charset="0"/>
-                  <a:cs typeface="Courier New" charset="0"/>
-                </a:rPr>
-                <a:t>   \</a:t>
-              </a:r>
-              <a:r>
-                <a:rPr lang="en-US" sz="1000" dirty="0" err="1" smtClean="0">
-                  <a:latin typeface="Courier New" charset="0"/>
-                  <a:ea typeface="Courier New" charset="0"/>
-                  <a:cs typeface="Courier New" charset="0"/>
-                </a:rPr>
-                <a:t>RootCAs</a:t>
-              </a:r>
-              <a:endParaRPr lang="en-US" sz="1000" dirty="0" smtClean="0">
-                <a:latin typeface="Courier New" charset="0"/>
-                <a:ea typeface="Courier New" charset="0"/>
-                <a:cs typeface="Courier New" charset="0"/>
-              </a:endParaRPr>
-            </a:p>
-            <a:p>
-              <a:r>
-                <a:rPr lang="en-US" sz="1000" dirty="0">
-                  <a:latin typeface="Courier New" charset="0"/>
-                  <a:ea typeface="Courier New" charset="0"/>
-                  <a:cs typeface="Courier New" charset="0"/>
-                </a:rPr>
-                <a:t> </a:t>
-              </a:r>
-              <a:r>
-                <a:rPr lang="en-US" sz="1000" dirty="0" smtClean="0">
-                  <a:latin typeface="Courier New" charset="0"/>
-                  <a:ea typeface="Courier New" charset="0"/>
-                  <a:cs typeface="Courier New" charset="0"/>
-                </a:rPr>
-                <a:t>  \</a:t>
-              </a:r>
-              <a:r>
-                <a:rPr lang="en-US" sz="1000" dirty="0" err="1" smtClean="0">
-                  <a:latin typeface="Courier New" charset="0"/>
-                  <a:ea typeface="Courier New" charset="0"/>
-                  <a:cs typeface="Courier New" charset="0"/>
-                </a:rPr>
-                <a:t>IntCAs</a:t>
-              </a:r>
-              <a:endParaRPr lang="en-US" sz="1000" dirty="0" smtClean="0">
-                <a:latin typeface="Courier New" charset="0"/>
-                <a:ea typeface="Courier New" charset="0"/>
-                <a:cs typeface="Courier New" charset="0"/>
-              </a:endParaRPr>
-            </a:p>
-            <a:p>
-              <a:r>
-                <a:rPr lang="en-US" sz="1000" dirty="0">
-                  <a:latin typeface="Courier New" charset="0"/>
-                  <a:ea typeface="Courier New" charset="0"/>
-                  <a:cs typeface="Courier New" charset="0"/>
-                </a:rPr>
-                <a:t> </a:t>
-              </a:r>
-              <a:r>
-                <a:rPr lang="en-US" sz="1000" dirty="0" smtClean="0">
-                  <a:latin typeface="Courier New" charset="0"/>
-                  <a:ea typeface="Courier New" charset="0"/>
-                  <a:cs typeface="Courier New" charset="0"/>
-                </a:rPr>
-                <a:t>  </a:t>
-              </a:r>
-              <a:r>
-                <a:rPr lang="en-US" sz="1000" b="1" dirty="0" smtClean="0">
-                  <a:latin typeface="Courier New" charset="0"/>
-                  <a:ea typeface="Courier New" charset="0"/>
-                  <a:cs typeface="Courier New" charset="0"/>
-                </a:rPr>
-                <a:t>...</a:t>
-              </a:r>
-            </a:p>
-          </p:txBody>
-        </p:sp>
-      </p:grpSp>
-      <p:sp>
-        <p:nvSpPr>
-          <p:cNvPr id="20" name="TextBox 19"/>
-          <p:cNvSpPr txBox="1"/>
-          <p:nvPr/>
-        </p:nvSpPr>
-        <p:spPr>
-          <a:xfrm>
-            <a:off x="5137426" y="3553905"/>
-            <a:ext cx="808282" cy="400110"/>
-          </a:xfrm>
-          <a:prstGeom prst="rect">
-            <a:avLst/>
-          </a:prstGeom>
-          <a:noFill/>
-        </p:spPr>
-        <p:txBody>
-          <a:bodyPr wrap="square" rtlCol="0">
-            <a:spAutoFit/>
-          </a:bodyPr>
-          <a:lstStyle/>
-          <a:p>
-            <a:pPr algn="r"/>
-            <a:r>
-              <a:rPr lang="en-US" sz="1000" dirty="0" smtClean="0"/>
-              <a:t>peer’s local</a:t>
-            </a:r>
-          </a:p>
-          <a:p>
-            <a:pPr algn="r"/>
-            <a:r>
-              <a:rPr lang="en-US" sz="1000" dirty="0" smtClean="0"/>
-              <a:t>filesystem</a:t>
-            </a:r>
-            <a:endParaRPr lang="en-US" sz="1000" dirty="0"/>
-          </a:p>
-        </p:txBody>
-      </p:sp>
-      <p:cxnSp>
-        <p:nvCxnSpPr>
-          <p:cNvPr id="33" name="Elbow Connector 32"/>
-          <p:cNvCxnSpPr>
-            <a:stCxn id="50" idx="3"/>
-            <a:endCxn id="18" idx="0"/>
-          </p:cNvCxnSpPr>
-          <p:nvPr/>
-        </p:nvCxnSpPr>
-        <p:spPr>
-          <a:xfrm>
-            <a:off x="4934113" y="2492870"/>
-            <a:ext cx="380939" cy="309369"/>
-          </a:xfrm>
-          <a:prstGeom prst="bentConnector2">
-            <a:avLst/>
-          </a:prstGeom>
-          <a:ln w="28575">
-            <a:solidFill>
-              <a:srgbClr val="4372C4"/>
-            </a:solidFill>
-            <a:tailEnd type="triangle"/>
-          </a:ln>
-        </p:spPr>
-        <p:style>
-          <a:lnRef idx="1">
-            <a:schemeClr val="accent1"/>
-          </a:lnRef>
-          <a:fillRef idx="0">
-            <a:schemeClr val="accent1"/>
-          </a:fillRef>
-          <a:effectRef idx="0">
-            <a:schemeClr val="accent1"/>
-          </a:effectRef>
-          <a:fontRef idx="minor">
-            <a:schemeClr val="tx1"/>
-          </a:fontRef>
-        </p:style>
-      </p:cxnSp>
-      <p:grpSp>
-        <p:nvGrpSpPr>
-          <p:cNvPr id="84" name="Group 83"/>
-          <p:cNvGrpSpPr/>
-          <p:nvPr/>
-        </p:nvGrpSpPr>
-        <p:grpSpPr>
-          <a:xfrm>
-            <a:off x="6741069" y="2802239"/>
-            <a:ext cx="1182456" cy="820951"/>
-            <a:chOff x="5213906" y="2257415"/>
-            <a:chExt cx="1182456" cy="855289"/>
-          </a:xfrm>
-        </p:grpSpPr>
-        <p:sp>
-          <p:nvSpPr>
-            <p:cNvPr id="85" name="Folded Corner 84"/>
-            <p:cNvSpPr/>
-            <p:nvPr/>
-          </p:nvSpPr>
-          <p:spPr>
-            <a:xfrm>
-              <a:off x="5213906" y="2257415"/>
-              <a:ext cx="1065903" cy="855289"/>
-            </a:xfrm>
-            <a:prstGeom prst="foldedCorner">
-              <a:avLst/>
-            </a:prstGeom>
-            <a:solidFill>
-              <a:schemeClr val="accent1">
-                <a:lumMod val="20000"/>
-                <a:lumOff val="80000"/>
-              </a:schemeClr>
-            </a:solidFill>
-          </p:spPr>
-          <p:style>
-            <a:lnRef idx="2">
-              <a:schemeClr val="accent1">
-                <a:shade val="50000"/>
-              </a:schemeClr>
-            </a:lnRef>
-            <a:fillRef idx="1">
-              <a:schemeClr val="accent1"/>
-            </a:fillRef>
-            <a:effectRef idx="0">
-              <a:schemeClr val="accent1"/>
-            </a:effectRef>
-            <a:fontRef idx="minor">
-              <a:schemeClr val="lt1"/>
-            </a:fontRef>
-          </p:style>
-          <p:txBody>
-            <a:bodyPr rtlCol="0" anchor="ctr"/>
-            <a:lstStyle/>
-            <a:p>
-              <a:pPr algn="ctr"/>
-              <a:endParaRPr lang="en-US"/>
-            </a:p>
-          </p:txBody>
-        </p:sp>
-        <p:sp>
-          <p:nvSpPr>
-            <p:cNvPr id="87" name="TextBox 86"/>
-            <p:cNvSpPr txBox="1"/>
-            <p:nvPr/>
-          </p:nvSpPr>
-          <p:spPr>
-            <a:xfrm>
-              <a:off x="5213906" y="2286330"/>
-              <a:ext cx="1182456" cy="707886"/>
-            </a:xfrm>
-            <a:prstGeom prst="rect">
-              <a:avLst/>
-            </a:prstGeom>
-            <a:noFill/>
-          </p:spPr>
-          <p:txBody>
-            <a:bodyPr wrap="square" rtlCol="0">
-              <a:spAutoFit/>
-            </a:bodyPr>
-            <a:lstStyle/>
-            <a:p>
-              <a:r>
-                <a:rPr lang="en-US" sz="1000" dirty="0" smtClean="0">
-                  <a:latin typeface="Courier New" charset="0"/>
-                  <a:ea typeface="Courier New" charset="0"/>
-                  <a:cs typeface="Courier New" charset="0"/>
-                </a:rPr>
-                <a:t>\ORG1.MSP</a:t>
-              </a:r>
-            </a:p>
-            <a:p>
-              <a:r>
-                <a:rPr lang="en-US" sz="1000" dirty="0" smtClean="0">
-                  <a:latin typeface="Courier New" charset="0"/>
-                  <a:ea typeface="Courier New" charset="0"/>
-                  <a:cs typeface="Courier New" charset="0"/>
-                </a:rPr>
-                <a:t>   \</a:t>
-              </a:r>
-              <a:r>
-                <a:rPr lang="en-US" sz="1000" dirty="0" err="1" smtClean="0">
-                  <a:latin typeface="Courier New" charset="0"/>
-                  <a:ea typeface="Courier New" charset="0"/>
-                  <a:cs typeface="Courier New" charset="0"/>
-                </a:rPr>
-                <a:t>RootCAs</a:t>
-              </a:r>
-              <a:endParaRPr lang="en-US" sz="1000" dirty="0" smtClean="0">
-                <a:latin typeface="Courier New" charset="0"/>
-                <a:ea typeface="Courier New" charset="0"/>
-                <a:cs typeface="Courier New" charset="0"/>
-              </a:endParaRPr>
-            </a:p>
-            <a:p>
-              <a:r>
-                <a:rPr lang="en-US" sz="1000" dirty="0">
-                  <a:latin typeface="Courier New" charset="0"/>
-                  <a:ea typeface="Courier New" charset="0"/>
-                  <a:cs typeface="Courier New" charset="0"/>
-                </a:rPr>
-                <a:t> </a:t>
-              </a:r>
-              <a:r>
-                <a:rPr lang="en-US" sz="1000" dirty="0" smtClean="0">
-                  <a:latin typeface="Courier New" charset="0"/>
-                  <a:ea typeface="Courier New" charset="0"/>
-                  <a:cs typeface="Courier New" charset="0"/>
-                </a:rPr>
-                <a:t>  \</a:t>
-              </a:r>
-              <a:r>
-                <a:rPr lang="en-US" sz="1000" dirty="0" err="1" smtClean="0">
-                  <a:latin typeface="Courier New" charset="0"/>
-                  <a:ea typeface="Courier New" charset="0"/>
-                  <a:cs typeface="Courier New" charset="0"/>
-                </a:rPr>
-                <a:t>IntCAs</a:t>
-              </a:r>
-              <a:endParaRPr lang="en-US" sz="1000" dirty="0" smtClean="0">
-                <a:latin typeface="Courier New" charset="0"/>
-                <a:ea typeface="Courier New" charset="0"/>
-                <a:cs typeface="Courier New" charset="0"/>
-              </a:endParaRPr>
-            </a:p>
-            <a:p>
-              <a:r>
-                <a:rPr lang="en-US" sz="1000" dirty="0">
-                  <a:latin typeface="Courier New" charset="0"/>
-                  <a:ea typeface="Courier New" charset="0"/>
-                  <a:cs typeface="Courier New" charset="0"/>
-                </a:rPr>
-                <a:t> </a:t>
-              </a:r>
-              <a:r>
-                <a:rPr lang="en-US" sz="1000" dirty="0" smtClean="0">
-                  <a:latin typeface="Courier New" charset="0"/>
-                  <a:ea typeface="Courier New" charset="0"/>
-                  <a:cs typeface="Courier New" charset="0"/>
-                </a:rPr>
-                <a:t>  </a:t>
-              </a:r>
-              <a:r>
-                <a:rPr lang="en-US" sz="1000" b="1" dirty="0" smtClean="0">
-                  <a:latin typeface="Courier New" charset="0"/>
-                  <a:ea typeface="Courier New" charset="0"/>
-                  <a:cs typeface="Courier New" charset="0"/>
-                </a:rPr>
-                <a:t>...</a:t>
-              </a:r>
-            </a:p>
-          </p:txBody>
-        </p:sp>
-      </p:grpSp>
-      <p:sp>
-        <p:nvSpPr>
-          <p:cNvPr id="88" name="TextBox 87"/>
-          <p:cNvSpPr txBox="1"/>
-          <p:nvPr/>
-        </p:nvSpPr>
-        <p:spPr>
-          <a:xfrm>
-            <a:off x="7079691" y="3555931"/>
-            <a:ext cx="808282" cy="400110"/>
-          </a:xfrm>
-          <a:prstGeom prst="rect">
-            <a:avLst/>
-          </a:prstGeom>
-          <a:noFill/>
-        </p:spPr>
-        <p:txBody>
-          <a:bodyPr wrap="square" rtlCol="0">
-            <a:spAutoFit/>
-          </a:bodyPr>
-          <a:lstStyle/>
-          <a:p>
-            <a:pPr algn="r"/>
-            <a:r>
-              <a:rPr lang="en-US" sz="1000" dirty="0" smtClean="0"/>
-              <a:t>peer’s local</a:t>
-            </a:r>
-          </a:p>
-          <a:p>
-            <a:pPr algn="r"/>
-            <a:r>
-              <a:rPr lang="en-US" sz="1000" dirty="0" smtClean="0"/>
-              <a:t>filesystem</a:t>
-            </a:r>
-            <a:endParaRPr lang="en-US" sz="1000" dirty="0"/>
-          </a:p>
-        </p:txBody>
-      </p:sp>
-      <p:cxnSp>
-        <p:nvCxnSpPr>
-          <p:cNvPr id="90" name="Elbow Connector 89"/>
-          <p:cNvCxnSpPr>
-            <a:stCxn id="54" idx="1"/>
-            <a:endCxn id="85" idx="0"/>
-          </p:cNvCxnSpPr>
-          <p:nvPr/>
-        </p:nvCxnSpPr>
-        <p:spPr>
-          <a:xfrm rot="10800000" flipV="1">
-            <a:off x="7274021" y="2489759"/>
-            <a:ext cx="371972" cy="312479"/>
-          </a:xfrm>
-          <a:prstGeom prst="bentConnector2">
-            <a:avLst/>
-          </a:prstGeom>
-          <a:ln w="28575">
-            <a:solidFill>
-              <a:srgbClr val="4372C4"/>
-            </a:solidFill>
-